--- a/Presentazione/Atsilo1/[BOZZA] Atsilo_A_PresentazioneFinale copia.pptx
+++ b/Presentazione/Atsilo1/[BOZZA] Atsilo_A_PresentazioneFinale copia.pptx
@@ -10,20 +10,20 @@
   <p:sldIdLst>
     <p:sldId id="256" r:id="rId2"/>
     <p:sldId id="258" r:id="rId3"/>
-    <p:sldId id="259" r:id="rId4"/>
-    <p:sldId id="260" r:id="rId5"/>
-    <p:sldId id="261" r:id="rId6"/>
-    <p:sldId id="262" r:id="rId7"/>
-    <p:sldId id="263" r:id="rId8"/>
-    <p:sldId id="264" r:id="rId9"/>
-    <p:sldId id="265" r:id="rId10"/>
-    <p:sldId id="266" r:id="rId11"/>
-    <p:sldId id="267" r:id="rId12"/>
-    <p:sldId id="268" r:id="rId13"/>
-    <p:sldId id="269" r:id="rId14"/>
-    <p:sldId id="270" r:id="rId15"/>
-    <p:sldId id="271" r:id="rId16"/>
-    <p:sldId id="272" r:id="rId17"/>
+    <p:sldId id="333" r:id="rId4"/>
+    <p:sldId id="334" r:id="rId5"/>
+    <p:sldId id="335" r:id="rId6"/>
+    <p:sldId id="336" r:id="rId7"/>
+    <p:sldId id="337" r:id="rId8"/>
+    <p:sldId id="338" r:id="rId9"/>
+    <p:sldId id="339" r:id="rId10"/>
+    <p:sldId id="340" r:id="rId11"/>
+    <p:sldId id="341" r:id="rId12"/>
+    <p:sldId id="342" r:id="rId13"/>
+    <p:sldId id="343" r:id="rId14"/>
+    <p:sldId id="344" r:id="rId15"/>
+    <p:sldId id="345" r:id="rId16"/>
+    <p:sldId id="346" r:id="rId17"/>
     <p:sldId id="318" r:id="rId18"/>
     <p:sldId id="273" r:id="rId19"/>
     <p:sldId id="274" r:id="rId20"/>
@@ -4899,7 +4899,7 @@
     </p:spTree>
     <p:extLst>
       <p:ext uri="{BB962C8B-B14F-4D97-AF65-F5344CB8AC3E}">
-        <p14:creationId xmlns:p14="http://schemas.microsoft.com/office/powerpoint/2010/main" val="498133023"/>
+        <p14:creationId xmlns:p14="http://schemas.microsoft.com/office/powerpoint/2010/main" val="3584613944"/>
       </p:ext>
     </p:extLst>
   </p:cSld>
@@ -5076,7 +5076,7 @@
             <a:pPr algn="ctr"/>
             <a:r>
               <a:rPr lang="it-IT" sz="2400" dirty="0" smtClean="0"/>
-              <a:t>Nel caso in cui il genitore chiude la finestra il sistema chiede di salvare i dati compilati, in modo da ricaricarli alla prossima riapertura.</a:t>
+              <a:t>Nel caso il genitore chiude la finestra il sistema chiede di salvare i dati compilati in modo da ricaricarli alla prossima riapertura.</a:t>
             </a:r>
           </a:p>
           <a:p>
@@ -5088,7 +5088,7 @@
     </p:spTree>
     <p:extLst>
       <p:ext uri="{BB962C8B-B14F-4D97-AF65-F5344CB8AC3E}">
-        <p14:creationId xmlns:p14="http://schemas.microsoft.com/office/powerpoint/2010/main" val="3281665013"/>
+        <p14:creationId xmlns:p14="http://schemas.microsoft.com/office/powerpoint/2010/main" val="1309712431"/>
       </p:ext>
     </p:extLst>
   </p:cSld>
@@ -5147,15 +5147,45 @@
           <a:p>
             <a:r>
               <a:rPr lang="it-IT" dirty="0" smtClean="0"/>
-              <a:t>Il genitore è l’utente che iscrive il proprio figlio all’asilo. Abbiamo creato, coerentemente col bando, tre tipi di iscrizioni per i genitori che posso accedere al servizio: personale universitario e studenti, residenti di Fisciano</a:t>
-            </a:r>
-            <a:r>
-              <a:rPr lang="it-IT" dirty="0"/>
-              <a:t>,</a:t>
-            </a:r>
+              <a:t>Il genitore è l’utente che iscrive il proprio figlio all’asilo e può essere di tre tipi:</a:t>
+            </a:r>
+          </a:p>
+          <a:p>
+            <a:pPr>
+              <a:buFont typeface="Arial" pitchFamily="34" charset="0"/>
+              <a:buChar char="•"/>
+            </a:pPr>
             <a:r>
               <a:rPr lang="it-IT" dirty="0" smtClean="0"/>
-              <a:t> altro utente.</a:t>
+              <a:t> Personale universitario e studenti</a:t>
+            </a:r>
+          </a:p>
+          <a:p>
+            <a:pPr>
+              <a:buFont typeface="Arial" pitchFamily="34" charset="0"/>
+              <a:buChar char="•"/>
+            </a:pPr>
+            <a:r>
+              <a:rPr lang="it-IT" dirty="0" smtClean="0"/>
+              <a:t> Residenti di </a:t>
+            </a:r>
+            <a:r>
+              <a:rPr lang="it-IT" dirty="0" err="1" smtClean="0"/>
+              <a:t>Fisciano</a:t>
+            </a:r>
+            <a:r>
+              <a:rPr lang="it-IT" dirty="0" smtClean="0"/>
+              <a:t> </a:t>
+            </a:r>
+          </a:p>
+          <a:p>
+            <a:pPr>
+              <a:buFont typeface="Arial" pitchFamily="34" charset="0"/>
+              <a:buChar char="•"/>
+            </a:pPr>
+            <a:r>
+              <a:rPr lang="it-IT" dirty="0" smtClean="0"/>
+              <a:t> Altro utente</a:t>
             </a:r>
           </a:p>
           <a:p>
@@ -5166,20 +5196,39 @@
           </a:p>
           <a:p>
             <a:r>
+              <a:rPr lang="it-IT" b="1" dirty="0" smtClean="0"/>
+              <a:t>Passo 1</a:t>
+            </a:r>
+            <a:r>
               <a:rPr lang="it-IT" dirty="0" smtClean="0"/>
-              <a:t>Il primo passaggio è la creazione dell’account, seguito dall’iscrizione e la compilazione della domanda di iscrizione in tutti i suoi campi</a:t>
-            </a:r>
-          </a:p>
-          <a:p>
+              <a:t>: Creazione dell’</a:t>
+            </a:r>
+            <a:r>
+              <a:rPr lang="it-IT" dirty="0" err="1" smtClean="0"/>
+              <a:t>accuont</a:t>
+            </a:r>
             <a:endParaRPr lang="it-IT" dirty="0" smtClean="0"/>
           </a:p>
           <a:p>
+            <a:r>
+              <a:rPr lang="it-IT" b="1" dirty="0" smtClean="0"/>
+              <a:t>Passo 2</a:t>
+            </a:r>
+            <a:r>
+              <a:rPr lang="it-IT" dirty="0" smtClean="0"/>
+              <a:t>: Compilazione della domanda di iscrizione</a:t>
+            </a:r>
+          </a:p>
+          <a:p>
             <a:endParaRPr lang="it-IT" dirty="0" smtClean="0"/>
           </a:p>
           <a:p>
+            <a:endParaRPr lang="it-IT" dirty="0" smtClean="0"/>
+          </a:p>
+          <a:p>
             <a:r>
               <a:rPr lang="it-IT" dirty="0" smtClean="0"/>
-              <a:t>Il genitore una volta completata l’iscrizione può usare il sistema “@silo” per effettuare diverse operazioni, quali:</a:t>
+              <a:t>Ad iscrizione completa queste sono le operazioni:</a:t>
             </a:r>
           </a:p>
           <a:p>
@@ -5256,7 +5305,7 @@
     </p:spTree>
     <p:extLst>
       <p:ext uri="{BB962C8B-B14F-4D97-AF65-F5344CB8AC3E}">
-        <p14:creationId xmlns:p14="http://schemas.microsoft.com/office/powerpoint/2010/main" val="2751166668"/>
+        <p14:creationId xmlns:p14="http://schemas.microsoft.com/office/powerpoint/2010/main" val="3902446084"/>
       </p:ext>
     </p:extLst>
   </p:cSld>
@@ -5330,7 +5379,7 @@
         <p:spPr>
           <a:xfrm>
             <a:off x="285720" y="1785927"/>
-            <a:ext cx="8643998" cy="4801315"/>
+            <a:ext cx="8643998" cy="3139321"/>
           </a:xfrm>
           <a:prstGeom prst="rect">
             <a:avLst/>
@@ -5344,39 +5393,12 @@
           <a:lstStyle/>
           <a:p>
             <a:r>
+              <a:rPr lang="it-IT" b="1" dirty="0" smtClean="0"/>
+              <a:t>L’impiegato del diritto allo studio </a:t>
+            </a:r>
+            <a:r>
               <a:rPr lang="it-IT" dirty="0" smtClean="0"/>
-              <a:t>Completata l’iscrizione il genitore la invia, ma chi deve decidere chi è idoneo o meno?</a:t>
-            </a:r>
-          </a:p>
-          <a:p>
-            <a:endParaRPr lang="it-IT" dirty="0" smtClean="0"/>
-          </a:p>
-          <a:p>
-            <a:r>
-              <a:rPr lang="it-IT" dirty="0" smtClean="0"/>
-              <a:t>Ecco la soluzione: </a:t>
-            </a:r>
-            <a:r>
-              <a:rPr lang="it-IT" b="1" dirty="0" smtClean="0"/>
-              <a:t>l’impiegato del diritto allo studio</a:t>
-            </a:r>
-            <a:r>
-              <a:rPr lang="it-IT" dirty="0" smtClean="0"/>
-              <a:t>,</a:t>
-            </a:r>
-            <a:r>
-              <a:rPr lang="it-IT" b="1" dirty="0" smtClean="0"/>
-              <a:t> </a:t>
-            </a:r>
-            <a:r>
-              <a:rPr lang="it-IT" dirty="0" smtClean="0"/>
-              <a:t>ovvero una persona esterna al sistema “@silo”, ma ugualmente importante in quanto gestisce il bando e i punteggi.</a:t>
-            </a:r>
-          </a:p>
-          <a:p>
-            <a:r>
-              <a:rPr lang="it-IT" dirty="0" smtClean="0"/>
-              <a:t>Le azioni che questo attore può compiere sono:</a:t>
+              <a:t>può compiere sono:</a:t>
             </a:r>
           </a:p>
           <a:p>
@@ -5418,6 +5440,9 @@
               <a:rPr lang="it-IT" dirty="0" smtClean="0"/>
               <a:t> Eliminazione bambino</a:t>
             </a:r>
+          </a:p>
+          <a:p>
+            <a:endParaRPr lang="it-IT" dirty="0" smtClean="0"/>
           </a:p>
           <a:p>
             <a:pPr>
@@ -5428,14 +5453,12 @@
           </a:p>
           <a:p>
             <a:r>
+              <a:rPr lang="it-IT" b="1" dirty="0" smtClean="0"/>
+              <a:t>L’impiegato dell’asilo</a:t>
+            </a:r>
+            <a:r>
               <a:rPr lang="it-IT" dirty="0" smtClean="0"/>
-              <a:t>A questo punto, però, sorge un altro problema: chi convalida le iscrizioni e le manda all’impiegato del diritto allo studio per valutarle?</a:t>
-            </a:r>
-          </a:p>
-          <a:p>
-            <a:r>
-              <a:rPr lang="it-IT" dirty="0" smtClean="0"/>
-              <a:t>Detto fatto: l’impiegato dell’asilo è l’attore adatto e abbiamo trovato, per questa fase, diverse operazioni che può effettuare, come:</a:t>
+              <a:t>, per questa fase, può fare come:</a:t>
             </a:r>
           </a:p>
           <a:p>
@@ -5474,7 +5497,7 @@
     </p:spTree>
     <p:extLst>
       <p:ext uri="{BB962C8B-B14F-4D97-AF65-F5344CB8AC3E}">
-        <p14:creationId xmlns:p14="http://schemas.microsoft.com/office/powerpoint/2010/main" val="2623749743"/>
+        <p14:creationId xmlns:p14="http://schemas.microsoft.com/office/powerpoint/2010/main" val="3677979436"/>
       </p:ext>
     </p:extLst>
   </p:cSld>
@@ -5567,7 +5590,7 @@
     </p:spTree>
     <p:extLst>
       <p:ext uri="{BB962C8B-B14F-4D97-AF65-F5344CB8AC3E}">
-        <p14:creationId xmlns:p14="http://schemas.microsoft.com/office/powerpoint/2010/main" val="1262624078"/>
+        <p14:creationId xmlns:p14="http://schemas.microsoft.com/office/powerpoint/2010/main" val="2777952497"/>
       </p:ext>
     </p:extLst>
   </p:cSld>
@@ -5610,7 +5633,7 @@
         <p:spPr>
           <a:xfrm>
             <a:off x="214282" y="1000108"/>
-            <a:ext cx="4071966" cy="523220"/>
+            <a:ext cx="5000660" cy="523220"/>
           </a:xfrm>
           <a:prstGeom prst="rect">
             <a:avLst/>
@@ -5625,7 +5648,7 @@
           <a:p>
             <a:r>
               <a:rPr lang="it-IT" sz="2800" b="1" dirty="0" smtClean="0"/>
-              <a:t>Come gestiamo gli iscritti</a:t>
+              <a:t>Come e chi gestisce gli iscritti</a:t>
             </a:r>
             <a:endParaRPr lang="it-IT" sz="2800" b="1" dirty="0"/>
           </a:p>
@@ -5640,7 +5663,7 @@
         <p:spPr>
           <a:xfrm>
             <a:off x="214282" y="2214554"/>
-            <a:ext cx="8715436" cy="3970318"/>
+            <a:ext cx="8715436" cy="3416320"/>
           </a:xfrm>
           <a:prstGeom prst="rect">
             <a:avLst/>
@@ -5655,7 +5678,7 @@
           <a:p>
             <a:r>
               <a:rPr lang="it-IT" dirty="0" smtClean="0"/>
-              <a:t>Una volta che il bambino è stato iscritto e questi è stato accettato, risultando anche idoneo, avviene lo smistamento per classi. Qui entrano in gioco ben tre attori: </a:t>
+              <a:t>Impiegato dell’asilo:</a:t>
             </a:r>
           </a:p>
           <a:p>
@@ -5665,7 +5688,7 @@
             </a:pPr>
             <a:r>
               <a:rPr lang="it-IT" dirty="0" smtClean="0"/>
-              <a:t> Impiegato dell’asilo</a:t>
+              <a:t> Visualizzare i candidati per stato</a:t>
             </a:r>
           </a:p>
           <a:p>
@@ -5675,7 +5698,7 @@
             </a:pPr>
             <a:r>
               <a:rPr lang="it-IT" dirty="0" smtClean="0"/>
-              <a:t> Direttore</a:t>
+              <a:t> Visualizzare i candidati n base ai servizi richiesti </a:t>
             </a:r>
           </a:p>
           <a:p>
@@ -5685,7 +5708,11 @@
             </a:pPr>
             <a:r>
               <a:rPr lang="it-IT" dirty="0" smtClean="0"/>
-              <a:t> Delegato del rettore</a:t>
+              <a:t> Assegnargli una </a:t>
+            </a:r>
+            <a:r>
+              <a:rPr lang="it-IT" dirty="0" smtClean="0"/>
+              <a:t>classe</a:t>
             </a:r>
           </a:p>
           <a:p>
@@ -5693,18 +5720,37 @@
               <a:buFont typeface="Arial" pitchFamily="34" charset="0"/>
               <a:buChar char="•"/>
             </a:pPr>
+            <a:endParaRPr lang="it-IT" dirty="0"/>
+          </a:p>
+          <a:p>
+            <a:r>
+              <a:rPr lang="it-IT" dirty="0" smtClean="0"/>
+              <a:t>Direttore:</a:t>
+            </a:r>
             <a:endParaRPr lang="it-IT" dirty="0" smtClean="0"/>
           </a:p>
           <a:p>
+            <a:pPr>
+              <a:buFont typeface="Arial" pitchFamily="34" charset="0"/>
+              <a:buChar char="•"/>
+            </a:pPr>
             <a:r>
               <a:rPr lang="it-IT" dirty="0" smtClean="0"/>
-              <a:t>L’impiegato dell’asilo si occupa in questa fase di visualizzare i candidato per stato, in base ai servizi che hanno richiesto e assegnargli una classe. </a:t>
-            </a:r>
-          </a:p>
-          <a:p>
+              <a:t> Aggiungi </a:t>
+            </a:r>
             <a:r>
               <a:rPr lang="it-IT" dirty="0" smtClean="0"/>
-              <a:t>Questa classe, però, non è definitiva: infatti deve essere approvata dal delegato del rettore, che nella gestione degli iscritti ha proprio questo compito, ovvero convalidare l’assegnazione della classe oppure rifiutarla.</a:t>
+              <a:t>classe</a:t>
+            </a:r>
+          </a:p>
+          <a:p>
+            <a:pPr>
+              <a:buFont typeface="Arial" pitchFamily="34" charset="0"/>
+              <a:buChar char="•"/>
+            </a:pPr>
+            <a:r>
+              <a:rPr lang="it-IT" dirty="0" smtClean="0"/>
+              <a:t> Elimina classe</a:t>
             </a:r>
           </a:p>
           <a:p>
@@ -5713,7 +5759,27 @@
           <a:p>
             <a:r>
               <a:rPr lang="it-IT" dirty="0" smtClean="0"/>
-              <a:t>In questa fase ha un ruolo anche il direttore: è infatti compito suo creare o eliminare le classi.</a:t>
+              <a:t>Delegato del rettore:</a:t>
+            </a:r>
+          </a:p>
+          <a:p>
+            <a:pPr>
+              <a:buFont typeface="Arial" pitchFamily="34" charset="0"/>
+              <a:buChar char="•"/>
+            </a:pPr>
+            <a:r>
+              <a:rPr lang="it-IT" dirty="0" smtClean="0"/>
+              <a:t> Conferma assegnazione classe</a:t>
+            </a:r>
+          </a:p>
+          <a:p>
+            <a:pPr>
+              <a:buFont typeface="Arial" pitchFamily="34" charset="0"/>
+              <a:buChar char="•"/>
+            </a:pPr>
+            <a:r>
+              <a:rPr lang="it-IT" dirty="0" smtClean="0"/>
+              <a:t> Rifiuta assegnazione classe</a:t>
             </a:r>
           </a:p>
         </p:txBody>
@@ -5721,7 +5787,7 @@
     </p:spTree>
     <p:extLst>
       <p:ext uri="{BB962C8B-B14F-4D97-AF65-F5344CB8AC3E}">
-        <p14:creationId xmlns:p14="http://schemas.microsoft.com/office/powerpoint/2010/main" val="1298489552"/>
+        <p14:creationId xmlns:p14="http://schemas.microsoft.com/office/powerpoint/2010/main" val="2574674066"/>
       </p:ext>
     </p:extLst>
   </p:cSld>
@@ -5814,7 +5880,7 @@
     </p:spTree>
     <p:extLst>
       <p:ext uri="{BB962C8B-B14F-4D97-AF65-F5344CB8AC3E}">
-        <p14:creationId xmlns:p14="http://schemas.microsoft.com/office/powerpoint/2010/main" val="135361732"/>
+        <p14:creationId xmlns:p14="http://schemas.microsoft.com/office/powerpoint/2010/main" val="763878143"/>
       </p:ext>
     </p:extLst>
   </p:cSld>
@@ -5962,20 +6028,7 @@
                 </a:effectLst>
                 <a:latin typeface="+mj-lt"/>
               </a:rPr>
-              <a:t>Trade</a:t>
-            </a:r>
-            <a:r>
-              <a:rPr lang="it-IT" sz="5400" b="1" dirty="0" err="1" smtClean="0">
-                <a:effectLst>
-                  <a:outerShdw blurRad="38100" dist="38100" dir="2700000" algn="tl">
-                    <a:srgbClr val="000000">
-                      <a:alpha val="43137"/>
-                    </a:srgbClr>
-                  </a:outerShdw>
-                </a:effectLst>
-                <a:latin typeface="+mj-lt"/>
-              </a:rPr>
-              <a:t>-Offs</a:t>
+              <a:t>Trade-Offs</a:t>
             </a:r>
             <a:r>
               <a:rPr lang="it-IT" sz="5400" b="1" dirty="0" smtClean="0">
@@ -9818,8 +9871,8 @@
         </p:nvSpPr>
         <p:spPr>
           <a:xfrm>
-            <a:off x="3214678" y="500042"/>
-            <a:ext cx="2573590" cy="830997"/>
+            <a:off x="1883362" y="500042"/>
+            <a:ext cx="5236229" cy="830997"/>
           </a:xfrm>
           <a:prstGeom prst="rect">
             <a:avLst/>
@@ -9837,232 +9890,20 @@
               <a:rPr lang="it-IT" sz="4800" b="1" dirty="0" smtClean="0">
                 <a:latin typeface="+mj-lt"/>
               </a:rPr>
-              <a:t>Obiettivo</a:t>
-            </a:r>
-          </a:p>
-        </p:txBody>
-      </p:sp>
-      <p:sp>
-        <p:nvSpPr>
-          <p:cNvPr id="10" name="Content Placeholder 3"/>
-          <p:cNvSpPr txBox="1">
-            <a:spLocks/>
-          </p:cNvSpPr>
-          <p:nvPr/>
-        </p:nvSpPr>
-        <p:spPr>
-          <a:xfrm>
-            <a:off x="323528" y="1795352"/>
-            <a:ext cx="8534752" cy="2276590"/>
-          </a:xfrm>
-          <a:prstGeom prst="rect">
-            <a:avLst/>
-          </a:prstGeom>
-        </p:spPr>
-        <p:txBody>
-          <a:bodyPr tIns="0"/>
-          <a:lstStyle>
-            <a:lvl1pPr marL="274320" indent="-274320" algn="l" rtl="0" eaLnBrk="1" latinLnBrk="0" hangingPunct="1">
-              <a:spcBef>
-                <a:spcPct val="20000"/>
-              </a:spcBef>
-              <a:buClrTx/>
-              <a:buSzPct val="95000"/>
-              <a:buFont typeface="Wingdings" pitchFamily="2" charset="2"/>
-              <a:buChar char="v"/>
-              <a:defRPr kumimoji="0" sz="2800" kern="1200">
-                <a:solidFill>
-                  <a:schemeClr val="tx1"/>
-                </a:solidFill>
-                <a:latin typeface="+mn-lt"/>
-                <a:ea typeface="+mn-ea"/>
-                <a:cs typeface="+mn-cs"/>
-              </a:defRPr>
-            </a:lvl1pPr>
-            <a:lvl2pPr marL="640080" indent="-246888" algn="l" rtl="0" eaLnBrk="1" latinLnBrk="0" hangingPunct="1">
-              <a:spcBef>
-                <a:spcPct val="20000"/>
-              </a:spcBef>
-              <a:buClrTx/>
-              <a:buSzPct val="85000"/>
-              <a:buFont typeface="Courier New" pitchFamily="49" charset="0"/>
-              <a:buChar char="o"/>
-              <a:defRPr kumimoji="0" sz="2600" kern="1200">
-                <a:solidFill>
-                  <a:schemeClr val="tx1"/>
-                </a:solidFill>
-                <a:latin typeface="+mn-lt"/>
-                <a:ea typeface="+mn-ea"/>
-                <a:cs typeface="+mn-cs"/>
-              </a:defRPr>
-            </a:lvl2pPr>
-            <a:lvl3pPr marL="914400" indent="-246888" algn="l" rtl="0" eaLnBrk="1" latinLnBrk="0" hangingPunct="1">
-              <a:spcBef>
-                <a:spcPct val="20000"/>
-              </a:spcBef>
-              <a:buClrTx/>
-              <a:buSzPct val="70000"/>
-              <a:buFont typeface="Wingdings 2"/>
-              <a:buChar char=""/>
-              <a:defRPr kumimoji="0" sz="2400" kern="1200">
-                <a:solidFill>
-                  <a:schemeClr val="tx1"/>
-                </a:solidFill>
-                <a:latin typeface="+mn-lt"/>
-                <a:ea typeface="+mn-ea"/>
-                <a:cs typeface="+mn-cs"/>
-              </a:defRPr>
-            </a:lvl3pPr>
-            <a:lvl4pPr marL="1188720" indent="-210312" algn="l" rtl="0" eaLnBrk="1" latinLnBrk="0" hangingPunct="1">
-              <a:spcBef>
-                <a:spcPct val="20000"/>
-              </a:spcBef>
-              <a:buClrTx/>
-              <a:buSzPct val="65000"/>
-              <a:buFont typeface="Wingdings 2"/>
-              <a:buChar char=""/>
-              <a:defRPr kumimoji="0" sz="2000" kern="1200">
-                <a:solidFill>
-                  <a:schemeClr val="tx1"/>
-                </a:solidFill>
-                <a:latin typeface="+mn-lt"/>
-                <a:ea typeface="+mn-ea"/>
-                <a:cs typeface="+mn-cs"/>
-              </a:defRPr>
-            </a:lvl4pPr>
-            <a:lvl5pPr marL="1463040" indent="-210312" algn="l" rtl="0" eaLnBrk="1" latinLnBrk="0" hangingPunct="1">
-              <a:spcBef>
-                <a:spcPct val="20000"/>
-              </a:spcBef>
-              <a:buClrTx/>
-              <a:buSzPct val="65000"/>
-              <a:buFont typeface="Wingdings 2"/>
-              <a:buChar char=""/>
-              <a:defRPr kumimoji="0" sz="1800" kern="1200">
-                <a:solidFill>
-                  <a:schemeClr val="tx1"/>
-                </a:solidFill>
-                <a:latin typeface="+mn-lt"/>
-                <a:ea typeface="+mn-ea"/>
-                <a:cs typeface="+mn-cs"/>
-              </a:defRPr>
-            </a:lvl5pPr>
-            <a:lvl6pPr marL="1737360" indent="-210312" algn="l" rtl="0" eaLnBrk="1" latinLnBrk="0" hangingPunct="1">
-              <a:spcBef>
-                <a:spcPct val="20000"/>
-              </a:spcBef>
-              <a:buClr>
-                <a:schemeClr val="accent5"/>
-              </a:buClr>
-              <a:buSzPct val="80000"/>
-              <a:buFont typeface="Wingdings 2"/>
-              <a:buChar char=""/>
-              <a:defRPr kumimoji="0" sz="1800" kern="1200">
-                <a:solidFill>
-                  <a:schemeClr val="tx1"/>
-                </a:solidFill>
-                <a:latin typeface="+mn-lt"/>
-                <a:ea typeface="+mn-ea"/>
-                <a:cs typeface="+mn-cs"/>
-              </a:defRPr>
-            </a:lvl6pPr>
-            <a:lvl7pPr marL="1920240" indent="-182880" algn="l" rtl="0" eaLnBrk="1" latinLnBrk="0" hangingPunct="1">
-              <a:spcBef>
-                <a:spcPct val="20000"/>
-              </a:spcBef>
-              <a:buClr>
-                <a:schemeClr val="accent6"/>
-              </a:buClr>
-              <a:buSzPct val="80000"/>
-              <a:buFont typeface="Wingdings 2"/>
-              <a:buChar char=""/>
-              <a:defRPr kumimoji="0" sz="1600" kern="1200" baseline="0">
-                <a:solidFill>
-                  <a:schemeClr val="tx1"/>
-                </a:solidFill>
-                <a:latin typeface="+mn-lt"/>
-                <a:ea typeface="+mn-ea"/>
-                <a:cs typeface="+mn-cs"/>
-              </a:defRPr>
-            </a:lvl7pPr>
-            <a:lvl8pPr marL="2194560" indent="-182880" algn="l" rtl="0" eaLnBrk="1" latinLnBrk="0" hangingPunct="1">
-              <a:spcBef>
-                <a:spcPct val="20000"/>
-              </a:spcBef>
-              <a:buClr>
-                <a:schemeClr val="tx2"/>
-              </a:buClr>
-              <a:buChar char="•"/>
-              <a:defRPr kumimoji="0" sz="1600" kern="1200">
-                <a:solidFill>
-                  <a:schemeClr val="tx1"/>
-                </a:solidFill>
-                <a:latin typeface="+mn-lt"/>
-                <a:ea typeface="+mn-ea"/>
-                <a:cs typeface="+mn-cs"/>
-              </a:defRPr>
-            </a:lvl8pPr>
-            <a:lvl9pPr marL="2468880" indent="-182880" algn="l" rtl="0" eaLnBrk="1" latinLnBrk="0" hangingPunct="1">
-              <a:spcBef>
-                <a:spcPct val="20000"/>
-              </a:spcBef>
-              <a:buClr>
-                <a:schemeClr val="tx2"/>
-              </a:buClr>
-              <a:buFontTx/>
-              <a:buChar char="•"/>
-              <a:defRPr kumimoji="0" sz="1400" kern="1200" baseline="0">
-                <a:solidFill>
-                  <a:schemeClr val="tx1"/>
-                </a:solidFill>
-                <a:latin typeface="+mn-lt"/>
-                <a:ea typeface="+mn-ea"/>
-                <a:cs typeface="+mn-cs"/>
-              </a:defRPr>
-            </a:lvl9pPr>
-          </a:lstStyle>
-          <a:p>
-            <a:pPr marL="0" indent="0" algn="just">
-              <a:buNone/>
-            </a:pPr>
-            <a:r>
-              <a:rPr lang="en-US" dirty="0" smtClean="0"/>
-              <a:t>Il </a:t>
-            </a:r>
-            <a:r>
-              <a:rPr lang="en-US" dirty="0" err="1" smtClean="0"/>
-              <a:t>sistema</a:t>
-            </a:r>
-            <a:r>
-              <a:rPr lang="en-US" dirty="0" smtClean="0"/>
-              <a:t>, </a:t>
-            </a:r>
-            <a:r>
-              <a:rPr lang="en-US" dirty="0" err="1" smtClean="0"/>
-              <a:t>così</a:t>
-            </a:r>
-            <a:r>
-              <a:rPr lang="en-US" dirty="0" smtClean="0"/>
-              <a:t> come </a:t>
-            </a:r>
-            <a:r>
-              <a:rPr lang="en-US" dirty="0" err="1" smtClean="0"/>
-              <a:t>pensato</a:t>
-            </a:r>
-            <a:r>
-              <a:rPr lang="en-US" dirty="0" smtClean="0"/>
-              <a:t> e </a:t>
-            </a:r>
-            <a:r>
-              <a:rPr lang="it-IT" dirty="0" smtClean="0"/>
-              <a:t>sviluppato, ha raggiunto e risolto con successo uno dei tanti obiettivi preposti: nello specifico abbiamo semplificato la presentazione delle richieste da parte degli utenti e l'elaborazione di queste da parte del sistema.</a:t>
-            </a:r>
-          </a:p>
-          <a:p>
-            <a:pPr marL="0" indent="0">
-              <a:buNone/>
-            </a:pPr>
-            <a:endParaRPr lang="it-IT" dirty="0"/>
+              <a:t>Obiettivo </a:t>
+            </a:r>
+            <a:r>
+              <a:rPr lang="it-IT" sz="4800" b="1" dirty="0">
+                <a:latin typeface="+mj-lt"/>
+              </a:rPr>
+              <a:t>P</a:t>
+            </a:r>
+            <a:r>
+              <a:rPr lang="it-IT" sz="4800" b="1" dirty="0" smtClean="0">
+                <a:latin typeface="+mj-lt"/>
+              </a:rPr>
+              <a:t>rincipale</a:t>
+            </a:r>
           </a:p>
         </p:txBody>
       </p:sp>
@@ -10074,7 +9915,7 @@
         </p:nvSpPr>
         <p:spPr>
           <a:xfrm>
-            <a:off x="428596" y="4786322"/>
+            <a:off x="395536" y="4293096"/>
             <a:ext cx="8286808" cy="954107"/>
           </a:xfrm>
           <a:prstGeom prst="rect">
@@ -10096,10 +9937,204 @@
           </a:p>
         </p:txBody>
       </p:sp>
+      <p:sp>
+        <p:nvSpPr>
+          <p:cNvPr id="5" name="Content Placeholder 3"/>
+          <p:cNvSpPr txBox="1">
+            <a:spLocks/>
+          </p:cNvSpPr>
+          <p:nvPr/>
+        </p:nvSpPr>
+        <p:spPr>
+          <a:xfrm>
+            <a:off x="539552" y="2564904"/>
+            <a:ext cx="7920880" cy="1656184"/>
+          </a:xfrm>
+          <a:prstGeom prst="rect">
+            <a:avLst/>
+          </a:prstGeom>
+        </p:spPr>
+        <p:txBody>
+          <a:bodyPr tIns="0"/>
+          <a:lstStyle>
+            <a:lvl1pPr marL="274320" indent="-274320" algn="l" rtl="0" eaLnBrk="1" latinLnBrk="0" hangingPunct="1">
+              <a:spcBef>
+                <a:spcPct val="20000"/>
+              </a:spcBef>
+              <a:buClrTx/>
+              <a:buSzPct val="95000"/>
+              <a:buFont typeface="Wingdings" pitchFamily="2" charset="2"/>
+              <a:buChar char="v"/>
+              <a:defRPr kumimoji="0" sz="2800" kern="1200">
+                <a:solidFill>
+                  <a:schemeClr val="tx1"/>
+                </a:solidFill>
+                <a:latin typeface="+mn-lt"/>
+                <a:ea typeface="+mn-ea"/>
+                <a:cs typeface="+mn-cs"/>
+              </a:defRPr>
+            </a:lvl1pPr>
+            <a:lvl2pPr marL="640080" indent="-246888" algn="l" rtl="0" eaLnBrk="1" latinLnBrk="0" hangingPunct="1">
+              <a:spcBef>
+                <a:spcPct val="20000"/>
+              </a:spcBef>
+              <a:buClrTx/>
+              <a:buSzPct val="85000"/>
+              <a:buFont typeface="Courier New" pitchFamily="49" charset="0"/>
+              <a:buChar char="o"/>
+              <a:defRPr kumimoji="0" sz="2600" kern="1200">
+                <a:solidFill>
+                  <a:schemeClr val="tx1"/>
+                </a:solidFill>
+                <a:latin typeface="+mn-lt"/>
+                <a:ea typeface="+mn-ea"/>
+                <a:cs typeface="+mn-cs"/>
+              </a:defRPr>
+            </a:lvl2pPr>
+            <a:lvl3pPr marL="914400" indent="-246888" algn="l" rtl="0" eaLnBrk="1" latinLnBrk="0" hangingPunct="1">
+              <a:spcBef>
+                <a:spcPct val="20000"/>
+              </a:spcBef>
+              <a:buClrTx/>
+              <a:buSzPct val="70000"/>
+              <a:buFont typeface="Wingdings 2"/>
+              <a:buChar char=""/>
+              <a:defRPr kumimoji="0" sz="2400" kern="1200">
+                <a:solidFill>
+                  <a:schemeClr val="tx1"/>
+                </a:solidFill>
+                <a:latin typeface="+mn-lt"/>
+                <a:ea typeface="+mn-ea"/>
+                <a:cs typeface="+mn-cs"/>
+              </a:defRPr>
+            </a:lvl3pPr>
+            <a:lvl4pPr marL="1188720" indent="-210312" algn="l" rtl="0" eaLnBrk="1" latinLnBrk="0" hangingPunct="1">
+              <a:spcBef>
+                <a:spcPct val="20000"/>
+              </a:spcBef>
+              <a:buClrTx/>
+              <a:buSzPct val="65000"/>
+              <a:buFont typeface="Wingdings 2"/>
+              <a:buChar char=""/>
+              <a:defRPr kumimoji="0" sz="2000" kern="1200">
+                <a:solidFill>
+                  <a:schemeClr val="tx1"/>
+                </a:solidFill>
+                <a:latin typeface="+mn-lt"/>
+                <a:ea typeface="+mn-ea"/>
+                <a:cs typeface="+mn-cs"/>
+              </a:defRPr>
+            </a:lvl4pPr>
+            <a:lvl5pPr marL="1463040" indent="-210312" algn="l" rtl="0" eaLnBrk="1" latinLnBrk="0" hangingPunct="1">
+              <a:spcBef>
+                <a:spcPct val="20000"/>
+              </a:spcBef>
+              <a:buClrTx/>
+              <a:buSzPct val="65000"/>
+              <a:buFont typeface="Wingdings 2"/>
+              <a:buChar char=""/>
+              <a:defRPr kumimoji="0" sz="1800" kern="1200">
+                <a:solidFill>
+                  <a:schemeClr val="tx1"/>
+                </a:solidFill>
+                <a:latin typeface="+mn-lt"/>
+                <a:ea typeface="+mn-ea"/>
+                <a:cs typeface="+mn-cs"/>
+              </a:defRPr>
+            </a:lvl5pPr>
+            <a:lvl6pPr marL="1737360" indent="-210312" algn="l" rtl="0" eaLnBrk="1" latinLnBrk="0" hangingPunct="1">
+              <a:spcBef>
+                <a:spcPct val="20000"/>
+              </a:spcBef>
+              <a:buClr>
+                <a:schemeClr val="accent5"/>
+              </a:buClr>
+              <a:buSzPct val="80000"/>
+              <a:buFont typeface="Wingdings 2"/>
+              <a:buChar char=""/>
+              <a:defRPr kumimoji="0" sz="1800" kern="1200">
+                <a:solidFill>
+                  <a:schemeClr val="tx1"/>
+                </a:solidFill>
+                <a:latin typeface="+mn-lt"/>
+                <a:ea typeface="+mn-ea"/>
+                <a:cs typeface="+mn-cs"/>
+              </a:defRPr>
+            </a:lvl6pPr>
+            <a:lvl7pPr marL="1920240" indent="-182880" algn="l" rtl="0" eaLnBrk="1" latinLnBrk="0" hangingPunct="1">
+              <a:spcBef>
+                <a:spcPct val="20000"/>
+              </a:spcBef>
+              <a:buClr>
+                <a:schemeClr val="accent6"/>
+              </a:buClr>
+              <a:buSzPct val="80000"/>
+              <a:buFont typeface="Wingdings 2"/>
+              <a:buChar char=""/>
+              <a:defRPr kumimoji="0" sz="1600" kern="1200" baseline="0">
+                <a:solidFill>
+                  <a:schemeClr val="tx1"/>
+                </a:solidFill>
+                <a:latin typeface="+mn-lt"/>
+                <a:ea typeface="+mn-ea"/>
+                <a:cs typeface="+mn-cs"/>
+              </a:defRPr>
+            </a:lvl7pPr>
+            <a:lvl8pPr marL="2194560" indent="-182880" algn="l" rtl="0" eaLnBrk="1" latinLnBrk="0" hangingPunct="1">
+              <a:spcBef>
+                <a:spcPct val="20000"/>
+              </a:spcBef>
+              <a:buClr>
+                <a:schemeClr val="tx2"/>
+              </a:buClr>
+              <a:buChar char="•"/>
+              <a:defRPr kumimoji="0" sz="1600" kern="1200">
+                <a:solidFill>
+                  <a:schemeClr val="tx1"/>
+                </a:solidFill>
+                <a:latin typeface="+mn-lt"/>
+                <a:ea typeface="+mn-ea"/>
+                <a:cs typeface="+mn-cs"/>
+              </a:defRPr>
+            </a:lvl8pPr>
+            <a:lvl9pPr marL="2468880" indent="-182880" algn="l" rtl="0" eaLnBrk="1" latinLnBrk="0" hangingPunct="1">
+              <a:spcBef>
+                <a:spcPct val="20000"/>
+              </a:spcBef>
+              <a:buClr>
+                <a:schemeClr val="tx2"/>
+              </a:buClr>
+              <a:buFontTx/>
+              <a:buChar char="•"/>
+              <a:defRPr kumimoji="0" sz="1400" kern="1200" baseline="0">
+                <a:solidFill>
+                  <a:schemeClr val="tx1"/>
+                </a:solidFill>
+                <a:latin typeface="+mn-lt"/>
+                <a:ea typeface="+mn-ea"/>
+                <a:cs typeface="+mn-cs"/>
+              </a:defRPr>
+            </a:lvl9pPr>
+          </a:lstStyle>
+          <a:p>
+            <a:r>
+              <a:rPr lang="it-IT" dirty="0" smtClean="0"/>
+              <a:t>Semplificazione della presentazione ed elaborazione delle richieste da parte degli utenti</a:t>
+            </a:r>
+          </a:p>
+          <a:p>
+            <a:pPr lvl="1"/>
+            <a:r>
+              <a:rPr lang="it-IT" dirty="0" smtClean="0"/>
+              <a:t>Obiettivo raggiunto e risolto con successo.</a:t>
+            </a:r>
+          </a:p>
+        </p:txBody>
+      </p:sp>
     </p:spTree>
     <p:extLst>
       <p:ext uri="{BB962C8B-B14F-4D97-AF65-F5344CB8AC3E}">
-        <p14:creationId xmlns:p14="http://schemas.microsoft.com/office/powerpoint/2010/main" val="1447066056"/>
+        <p14:creationId xmlns:p14="http://schemas.microsoft.com/office/powerpoint/2010/main" val="2927506779"/>
       </p:ext>
     </p:extLst>
   </p:cSld>
@@ -12117,7 +12152,7 @@
         </p:nvSpPr>
         <p:spPr>
           <a:xfrm>
-            <a:off x="642910" y="1357298"/>
+            <a:off x="611560" y="1052736"/>
             <a:ext cx="2143140" cy="830997"/>
           </a:xfrm>
           <a:prstGeom prst="rect">
@@ -12141,90 +12176,235 @@
       </p:sp>
       <p:sp>
         <p:nvSpPr>
-          <p:cNvPr id="4" name="CasellaDiTesto 3"/>
-          <p:cNvSpPr txBox="1"/>
+          <p:cNvPr id="5" name="Content Placeholder 3"/>
+          <p:cNvSpPr txBox="1">
+            <a:spLocks/>
+          </p:cNvSpPr>
           <p:nvPr/>
         </p:nvSpPr>
         <p:spPr>
           <a:xfrm>
-            <a:off x="571472" y="2786058"/>
-            <a:ext cx="8072494" cy="3139321"/>
+            <a:off x="683568" y="2636912"/>
+            <a:ext cx="7920880" cy="3528392"/>
           </a:xfrm>
           <a:prstGeom prst="rect">
             <a:avLst/>
           </a:prstGeom>
-          <a:noFill/>
         </p:spPr>
         <p:txBody>
-          <a:bodyPr wrap="square" rtlCol="0">
-            <a:spAutoFit/>
-          </a:bodyPr>
-          <a:lstStyle/>
-          <a:p>
-            <a:pPr algn="just"/>
+          <a:bodyPr tIns="0"/>
+          <a:lstStyle>
+            <a:lvl1pPr marL="274320" indent="-274320" algn="l" rtl="0" eaLnBrk="1" latinLnBrk="0" hangingPunct="1">
+              <a:spcBef>
+                <a:spcPct val="20000"/>
+              </a:spcBef>
+              <a:buClrTx/>
+              <a:buSzPct val="95000"/>
+              <a:buFont typeface="Wingdings" pitchFamily="2" charset="2"/>
+              <a:buChar char="v"/>
+              <a:defRPr kumimoji="0" sz="2800" kern="1200">
+                <a:solidFill>
+                  <a:schemeClr val="tx1"/>
+                </a:solidFill>
+                <a:latin typeface="+mn-lt"/>
+                <a:ea typeface="+mn-ea"/>
+                <a:cs typeface="+mn-cs"/>
+              </a:defRPr>
+            </a:lvl1pPr>
+            <a:lvl2pPr marL="640080" indent="-246888" algn="l" rtl="0" eaLnBrk="1" latinLnBrk="0" hangingPunct="1">
+              <a:spcBef>
+                <a:spcPct val="20000"/>
+              </a:spcBef>
+              <a:buClrTx/>
+              <a:buSzPct val="85000"/>
+              <a:buFont typeface="Courier New" pitchFamily="49" charset="0"/>
+              <a:buChar char="o"/>
+              <a:defRPr kumimoji="0" sz="2600" kern="1200">
+                <a:solidFill>
+                  <a:schemeClr val="tx1"/>
+                </a:solidFill>
+                <a:latin typeface="+mn-lt"/>
+                <a:ea typeface="+mn-ea"/>
+                <a:cs typeface="+mn-cs"/>
+              </a:defRPr>
+            </a:lvl2pPr>
+            <a:lvl3pPr marL="914400" indent="-246888" algn="l" rtl="0" eaLnBrk="1" latinLnBrk="0" hangingPunct="1">
+              <a:spcBef>
+                <a:spcPct val="20000"/>
+              </a:spcBef>
+              <a:buClrTx/>
+              <a:buSzPct val="70000"/>
+              <a:buFont typeface="Wingdings 2"/>
+              <a:buChar char=""/>
+              <a:defRPr kumimoji="0" sz="2400" kern="1200">
+                <a:solidFill>
+                  <a:schemeClr val="tx1"/>
+                </a:solidFill>
+                <a:latin typeface="+mn-lt"/>
+                <a:ea typeface="+mn-ea"/>
+                <a:cs typeface="+mn-cs"/>
+              </a:defRPr>
+            </a:lvl3pPr>
+            <a:lvl4pPr marL="1188720" indent="-210312" algn="l" rtl="0" eaLnBrk="1" latinLnBrk="0" hangingPunct="1">
+              <a:spcBef>
+                <a:spcPct val="20000"/>
+              </a:spcBef>
+              <a:buClrTx/>
+              <a:buSzPct val="65000"/>
+              <a:buFont typeface="Wingdings 2"/>
+              <a:buChar char=""/>
+              <a:defRPr kumimoji="0" sz="2000" kern="1200">
+                <a:solidFill>
+                  <a:schemeClr val="tx1"/>
+                </a:solidFill>
+                <a:latin typeface="+mn-lt"/>
+                <a:ea typeface="+mn-ea"/>
+                <a:cs typeface="+mn-cs"/>
+              </a:defRPr>
+            </a:lvl4pPr>
+            <a:lvl5pPr marL="1463040" indent="-210312" algn="l" rtl="0" eaLnBrk="1" latinLnBrk="0" hangingPunct="1">
+              <a:spcBef>
+                <a:spcPct val="20000"/>
+              </a:spcBef>
+              <a:buClrTx/>
+              <a:buSzPct val="65000"/>
+              <a:buFont typeface="Wingdings 2"/>
+              <a:buChar char=""/>
+              <a:defRPr kumimoji="0" sz="1800" kern="1200">
+                <a:solidFill>
+                  <a:schemeClr val="tx1"/>
+                </a:solidFill>
+                <a:latin typeface="+mn-lt"/>
+                <a:ea typeface="+mn-ea"/>
+                <a:cs typeface="+mn-cs"/>
+              </a:defRPr>
+            </a:lvl5pPr>
+            <a:lvl6pPr marL="1737360" indent="-210312" algn="l" rtl="0" eaLnBrk="1" latinLnBrk="0" hangingPunct="1">
+              <a:spcBef>
+                <a:spcPct val="20000"/>
+              </a:spcBef>
+              <a:buClr>
+                <a:schemeClr val="accent5"/>
+              </a:buClr>
+              <a:buSzPct val="80000"/>
+              <a:buFont typeface="Wingdings 2"/>
+              <a:buChar char=""/>
+              <a:defRPr kumimoji="0" sz="1800" kern="1200">
+                <a:solidFill>
+                  <a:schemeClr val="tx1"/>
+                </a:solidFill>
+                <a:latin typeface="+mn-lt"/>
+                <a:ea typeface="+mn-ea"/>
+                <a:cs typeface="+mn-cs"/>
+              </a:defRPr>
+            </a:lvl6pPr>
+            <a:lvl7pPr marL="1920240" indent="-182880" algn="l" rtl="0" eaLnBrk="1" latinLnBrk="0" hangingPunct="1">
+              <a:spcBef>
+                <a:spcPct val="20000"/>
+              </a:spcBef>
+              <a:buClr>
+                <a:schemeClr val="accent6"/>
+              </a:buClr>
+              <a:buSzPct val="80000"/>
+              <a:buFont typeface="Wingdings 2"/>
+              <a:buChar char=""/>
+              <a:defRPr kumimoji="0" sz="1600" kern="1200" baseline="0">
+                <a:solidFill>
+                  <a:schemeClr val="tx1"/>
+                </a:solidFill>
+                <a:latin typeface="+mn-lt"/>
+                <a:ea typeface="+mn-ea"/>
+                <a:cs typeface="+mn-cs"/>
+              </a:defRPr>
+            </a:lvl7pPr>
+            <a:lvl8pPr marL="2194560" indent="-182880" algn="l" rtl="0" eaLnBrk="1" latinLnBrk="0" hangingPunct="1">
+              <a:spcBef>
+                <a:spcPct val="20000"/>
+              </a:spcBef>
+              <a:buClr>
+                <a:schemeClr val="tx2"/>
+              </a:buClr>
+              <a:buChar char="•"/>
+              <a:defRPr kumimoji="0" sz="1600" kern="1200">
+                <a:solidFill>
+                  <a:schemeClr val="tx1"/>
+                </a:solidFill>
+                <a:latin typeface="+mn-lt"/>
+                <a:ea typeface="+mn-ea"/>
+                <a:cs typeface="+mn-cs"/>
+              </a:defRPr>
+            </a:lvl8pPr>
+            <a:lvl9pPr marL="2468880" indent="-182880" algn="l" rtl="0" eaLnBrk="1" latinLnBrk="0" hangingPunct="1">
+              <a:spcBef>
+                <a:spcPct val="20000"/>
+              </a:spcBef>
+              <a:buClr>
+                <a:schemeClr val="tx2"/>
+              </a:buClr>
+              <a:buFontTx/>
+              <a:buChar char="•"/>
+              <a:defRPr kumimoji="0" sz="1400" kern="1200" baseline="0">
+                <a:solidFill>
+                  <a:schemeClr val="tx1"/>
+                </a:solidFill>
+                <a:latin typeface="+mn-lt"/>
+                <a:ea typeface="+mn-ea"/>
+                <a:cs typeface="+mn-cs"/>
+              </a:defRPr>
+            </a:lvl9pPr>
+          </a:lstStyle>
+          <a:p>
             <a:r>
               <a:rPr lang="it-IT" dirty="0" smtClean="0"/>
-              <a:t>Perché </a:t>
-            </a:r>
-            <a:r>
-              <a:rPr lang="it-IT" dirty="0"/>
-              <a:t>non fare un sistema che ti permetta di presentare online la domanda di iscrizione per il proprio bambino?</a:t>
-            </a:r>
-          </a:p>
-          <a:p>
-            <a:pPr algn="just"/>
-            <a:endParaRPr lang="it-IT" dirty="0"/>
-          </a:p>
-          <a:p>
-            <a:pPr algn="just"/>
-            <a:r>
-              <a:rPr lang="it-IT" dirty="0"/>
-              <a:t>L’idea realizzata è stata quella di creare un sito internet che permettesse di consultare il bando. </a:t>
-            </a:r>
-          </a:p>
-          <a:p>
-            <a:pPr algn="just"/>
-            <a:r>
-              <a:rPr lang="it-IT" dirty="0"/>
-              <a:t>Letto il bando, l’utente avrebbe poi avuto la possibilità di compilare la domanda di iscrizione on-line, </a:t>
-            </a:r>
-            <a:r>
-              <a:rPr lang="it-IT" b="1" dirty="0"/>
-              <a:t>completa di tutti i campi</a:t>
-            </a:r>
-            <a:r>
-              <a:rPr lang="it-IT" dirty="0"/>
-              <a:t> e, attraverso un apposito pulsante, inviare la domanda al sistema che poi l’avrebbe elaborata e, alla chiusura del bando, avrebbe </a:t>
-            </a:r>
+              <a:t>Sistema di presentazione on-line delle domande di iscrizione per il proprio bambino</a:t>
+            </a:r>
+          </a:p>
+          <a:p>
+            <a:pPr lvl="1"/>
             <a:r>
               <a:rPr lang="it-IT" dirty="0" smtClean="0"/>
-              <a:t>mostrato se </a:t>
-            </a:r>
-            <a:r>
-              <a:rPr lang="it-IT" dirty="0"/>
-              <a:t>il candidato </a:t>
-            </a:r>
+              <a:t>Sito internet che permette di:</a:t>
+            </a:r>
+          </a:p>
+          <a:p>
+            <a:pPr lvl="2"/>
             <a:r>
               <a:rPr lang="it-IT" dirty="0" smtClean="0"/>
-              <a:t>fosse </a:t>
-            </a:r>
-            <a:r>
-              <a:rPr lang="it-IT" dirty="0"/>
-              <a:t>idoneo o non.</a:t>
-            </a:r>
-          </a:p>
-          <a:p>
+              <a:t>Consultare il bando</a:t>
+            </a:r>
+          </a:p>
+          <a:p>
+            <a:pPr lvl="2"/>
+            <a:r>
+              <a:rPr lang="it-IT" dirty="0" smtClean="0"/>
+              <a:t>Compilare una eventuale domanda di iscrizione online </a:t>
+            </a:r>
+            <a:r>
+              <a:rPr lang="it-IT" b="1" dirty="0" smtClean="0"/>
+              <a:t>(completa di tutti i campi)</a:t>
+            </a:r>
             <a:endParaRPr lang="it-IT" dirty="0" smtClean="0"/>
           </a:p>
           <a:p>
-            <a:endParaRPr lang="it-IT" dirty="0"/>
+            <a:pPr lvl="2"/>
+            <a:r>
+              <a:rPr lang="it-IT" dirty="0" smtClean="0"/>
+              <a:t>Inviare la domanda compilata</a:t>
+            </a:r>
+          </a:p>
+          <a:p>
+            <a:pPr lvl="2"/>
+            <a:r>
+              <a:rPr lang="it-IT" dirty="0" smtClean="0"/>
+              <a:t>Mostrare la graduatoria</a:t>
+            </a:r>
           </a:p>
         </p:txBody>
       </p:sp>
     </p:spTree>
     <p:extLst>
       <p:ext uri="{BB962C8B-B14F-4D97-AF65-F5344CB8AC3E}">
-        <p14:creationId xmlns:p14="http://schemas.microsoft.com/office/powerpoint/2010/main" val="1100455354"/>
+        <p14:creationId xmlns:p14="http://schemas.microsoft.com/office/powerpoint/2010/main" val="3389076463"/>
       </p:ext>
     </p:extLst>
   </p:cSld>
@@ -13840,11 +14020,7 @@
             </a:r>
             <a:r>
               <a:rPr lang="it-IT" dirty="0" smtClean="0"/>
-              <a:t>, </a:t>
-            </a:r>
-            <a:r>
-              <a:rPr lang="it-IT" dirty="0" smtClean="0"/>
-              <a:t>sulla base dati, al </a:t>
+              <a:t>, sulla base dati, al </a:t>
             </a:r>
             <a:r>
               <a:rPr lang="it-IT" dirty="0" err="1" smtClean="0"/>
@@ -13936,11 +14112,11 @@
   <p:clrMapOvr>
     <a:masterClrMapping/>
   </p:clrMapOvr>
-  <mc:AlternateContent xmlns:mc="http://schemas.openxmlformats.org/markup-compatibility/2006">
-    <mc:Choice xmlns:p14="http://schemas.microsoft.com/office/powerpoint/2010/main" Requires="p14">
+  <mc:AlternateContent xmlns:mc="http://schemas.openxmlformats.org/markup-compatibility/2006" xmlns:p14="http://schemas.microsoft.com/office/powerpoint/2010/main">
+    <mc:Choice Requires="p14">
       <p:transition spd="slow" p14:dur="2000"/>
     </mc:Choice>
-    <mc:Fallback>
+    <mc:Fallback xmlns="">
       <p:transition xmlns:p14="http://schemas.microsoft.com/office/powerpoint/2010/main" spd="slow"/>
     </mc:Fallback>
   </mc:AlternateContent>
@@ -14318,11 +14494,11 @@
   <p:clrMapOvr>
     <a:masterClrMapping/>
   </p:clrMapOvr>
-  <mc:AlternateContent xmlns:mc="http://schemas.openxmlformats.org/markup-compatibility/2006">
-    <mc:Choice xmlns:p14="http://schemas.microsoft.com/office/powerpoint/2010/main" Requires="p14">
+  <mc:AlternateContent xmlns:mc="http://schemas.openxmlformats.org/markup-compatibility/2006" xmlns:p14="http://schemas.microsoft.com/office/powerpoint/2010/main">
+    <mc:Choice Requires="p14">
       <p:transition spd="slow" p14:dur="2000"/>
     </mc:Choice>
-    <mc:Fallback>
+    <mc:Fallback xmlns="">
       <p:transition xmlns:p14="http://schemas.microsoft.com/office/powerpoint/2010/main" spd="slow"/>
     </mc:Fallback>
   </mc:AlternateContent>
@@ -14611,13 +14787,8 @@
             </a:pPr>
             <a:r>
               <a:rPr lang="it-IT" dirty="0" smtClean="0"/>
-              <a:t>I metodi così non verranno scritti per ogni classe, conseguendo un risparmio notevole</a:t>
-            </a:r>
-            <a:r>
-              <a:rPr lang="it-IT" dirty="0" smtClean="0"/>
-              <a:t>:</a:t>
-            </a:r>
-            <a:endParaRPr lang="it-IT" dirty="0" smtClean="0"/>
+              <a:t>I metodi così non verranno scritti per ogni classe, conseguendo un risparmio notevole:</a:t>
+            </a:r>
           </a:p>
           <a:p>
             <a:pPr marL="342900" indent="-342900" algn="just">
@@ -14666,11 +14837,11 @@
   <p:clrMapOvr>
     <a:masterClrMapping/>
   </p:clrMapOvr>
-  <mc:AlternateContent xmlns:mc="http://schemas.openxmlformats.org/markup-compatibility/2006">
-    <mc:Choice xmlns:p14="http://schemas.microsoft.com/office/powerpoint/2010/main" Requires="p14">
+  <mc:AlternateContent xmlns:mc="http://schemas.openxmlformats.org/markup-compatibility/2006" xmlns:p14="http://schemas.microsoft.com/office/powerpoint/2010/main">
+    <mc:Choice Requires="p14">
       <p:transition spd="slow" p14:dur="2000"/>
     </mc:Choice>
-    <mc:Fallback>
+    <mc:Fallback xmlns="">
       <p:transition xmlns:p14="http://schemas.microsoft.com/office/powerpoint/2010/main" spd="slow"/>
     </mc:Fallback>
   </mc:AlternateContent>
@@ -15215,11 +15386,11 @@
   <p:clrMapOvr>
     <a:masterClrMapping/>
   </p:clrMapOvr>
-  <mc:AlternateContent xmlns:mc="http://schemas.openxmlformats.org/markup-compatibility/2006">
-    <mc:Choice xmlns:p14="http://schemas.microsoft.com/office/powerpoint/2010/main" Requires="p14">
+  <mc:AlternateContent xmlns:mc="http://schemas.openxmlformats.org/markup-compatibility/2006" xmlns:p14="http://schemas.microsoft.com/office/powerpoint/2010/main">
+    <mc:Choice Requires="p14">
       <p:transition spd="slow" p14:dur="2000"/>
     </mc:Choice>
-    <mc:Fallback>
+    <mc:Fallback xmlns="">
       <p:transition xmlns:p14="http://schemas.microsoft.com/office/powerpoint/2010/main" spd="slow"/>
     </mc:Fallback>
   </mc:AlternateContent>
@@ -15407,11 +15578,11 @@
   <p:clrMapOvr>
     <a:masterClrMapping/>
   </p:clrMapOvr>
-  <mc:AlternateContent xmlns:mc="http://schemas.openxmlformats.org/markup-compatibility/2006">
-    <mc:Choice xmlns:p14="http://schemas.microsoft.com/office/powerpoint/2010/main" Requires="p14">
+  <mc:AlternateContent xmlns:mc="http://schemas.openxmlformats.org/markup-compatibility/2006" xmlns:p14="http://schemas.microsoft.com/office/powerpoint/2010/main">
+    <mc:Choice Requires="p14">
       <p:transition spd="slow" p14:dur="2000"/>
     </mc:Choice>
-    <mc:Fallback>
+    <mc:Fallback xmlns="">
       <p:transition xmlns:p14="http://schemas.microsoft.com/office/powerpoint/2010/main" spd="slow"/>
     </mc:Fallback>
   </mc:AlternateContent>
@@ -15485,17 +15656,8 @@
               <a:rPr lang="it-IT" sz="2800" b="1" dirty="0" smtClean="0">
                 <a:latin typeface="+mj-lt"/>
               </a:rPr>
-              <a:t>Usare DB senza </a:t>
-            </a:r>
-            <a:r>
-              <a:rPr lang="it-IT" sz="2800" b="1" dirty="0" smtClean="0">
-                <a:latin typeface="+mj-lt"/>
-              </a:rPr>
-              <a:t>accorgersene</a:t>
-            </a:r>
-            <a:endParaRPr lang="it-IT" sz="2800" b="1" dirty="0" smtClean="0">
-              <a:latin typeface="+mj-lt"/>
-            </a:endParaRPr>
+              <a:t>Usare DB senza accorgersene</a:t>
+            </a:r>
           </a:p>
           <a:p>
             <a:pPr algn="ctr"/>
@@ -15746,11 +15908,11 @@
   <p:clrMapOvr>
     <a:masterClrMapping/>
   </p:clrMapOvr>
-  <mc:AlternateContent xmlns:mc="http://schemas.openxmlformats.org/markup-compatibility/2006">
-    <mc:Choice xmlns:p14="http://schemas.microsoft.com/office/powerpoint/2010/main" Requires="p14">
+  <mc:AlternateContent xmlns:mc="http://schemas.openxmlformats.org/markup-compatibility/2006" xmlns:p14="http://schemas.microsoft.com/office/powerpoint/2010/main">
+    <mc:Choice Requires="p14">
       <p:transition spd="slow" p14:dur="2000"/>
     </mc:Choice>
-    <mc:Fallback>
+    <mc:Fallback xmlns="">
       <p:transition xmlns:p14="http://schemas.microsoft.com/office/powerpoint/2010/main" spd="slow"/>
     </mc:Fallback>
   </mc:AlternateContent>
@@ -16066,11 +16228,11 @@
   <p:clrMapOvr>
     <a:masterClrMapping/>
   </p:clrMapOvr>
-  <mc:AlternateContent xmlns:mc="http://schemas.openxmlformats.org/markup-compatibility/2006">
-    <mc:Choice xmlns:p14="http://schemas.microsoft.com/office/powerpoint/2010/main" Requires="p14">
+  <mc:AlternateContent xmlns:mc="http://schemas.openxmlformats.org/markup-compatibility/2006" xmlns:p14="http://schemas.microsoft.com/office/powerpoint/2010/main">
+    <mc:Choice Requires="p14">
       <p:transition spd="slow" p14:dur="2000"/>
     </mc:Choice>
-    <mc:Fallback>
+    <mc:Fallback xmlns="">
       <p:transition xmlns:p14="http://schemas.microsoft.com/office/powerpoint/2010/main" spd="slow"/>
     </mc:Fallback>
   </mc:AlternateContent>
@@ -16190,7 +16352,7 @@
     </p:spTree>
     <p:extLst>
       <p:ext uri="{BB962C8B-B14F-4D97-AF65-F5344CB8AC3E}">
-        <p14:creationId xmlns:p14="http://schemas.microsoft.com/office/powerpoint/2010/main" val="2295701731"/>
+        <p14:creationId xmlns:p14="http://schemas.microsoft.com/office/powerpoint/2010/main" val="3781125707"/>
       </p:ext>
     </p:extLst>
   </p:cSld>
@@ -16544,11 +16706,11 @@
   <p:clrMapOvr>
     <a:masterClrMapping/>
   </p:clrMapOvr>
-  <mc:AlternateContent xmlns:mc="http://schemas.openxmlformats.org/markup-compatibility/2006">
-    <mc:Choice xmlns:p14="http://schemas.microsoft.com/office/powerpoint/2010/main" Requires="p14">
+  <mc:AlternateContent xmlns:mc="http://schemas.openxmlformats.org/markup-compatibility/2006" xmlns:p14="http://schemas.microsoft.com/office/powerpoint/2010/main">
+    <mc:Choice Requires="p14">
       <p:transition spd="slow" p14:dur="2000"/>
     </mc:Choice>
-    <mc:Fallback>
+    <mc:Fallback xmlns="">
       <p:transition xmlns:p14="http://schemas.microsoft.com/office/powerpoint/2010/main" spd="slow"/>
     </mc:Fallback>
   </mc:AlternateContent>
@@ -16857,15 +17019,7 @@
             </a:r>
             <a:r>
               <a:rPr lang="it-IT" dirty="0" smtClean="0"/>
-              <a:t> che verrà istanziato da ogni classe che </a:t>
-            </a:r>
-            <a:r>
-              <a:rPr lang="it-IT" dirty="0" smtClean="0"/>
-              <a:t>estende </a:t>
-            </a:r>
-            <a:r>
-              <a:rPr lang="it-IT" dirty="0" smtClean="0"/>
-              <a:t>la suddetta. </a:t>
+              <a:t> che verrà istanziato da ogni classe che estende la suddetta. </a:t>
             </a:r>
           </a:p>
           <a:p>
@@ -16883,11 +17037,11 @@
   <p:clrMapOvr>
     <a:masterClrMapping/>
   </p:clrMapOvr>
-  <mc:AlternateContent xmlns:mc="http://schemas.openxmlformats.org/markup-compatibility/2006">
-    <mc:Choice xmlns:p14="http://schemas.microsoft.com/office/powerpoint/2010/main" Requires="p14">
+  <mc:AlternateContent xmlns:mc="http://schemas.openxmlformats.org/markup-compatibility/2006" xmlns:p14="http://schemas.microsoft.com/office/powerpoint/2010/main">
+    <mc:Choice Requires="p14">
       <p:transition spd="slow" p14:dur="2000"/>
     </mc:Choice>
-    <mc:Fallback>
+    <mc:Fallback xmlns="">
       <p:transition xmlns:p14="http://schemas.microsoft.com/office/powerpoint/2010/main" spd="slow"/>
     </mc:Fallback>
   </mc:AlternateContent>
@@ -17220,7 +17374,6 @@
               <a:rPr lang="it-IT" dirty="0" smtClean="0"/>
               <a:t> specifiche </a:t>
             </a:r>
-            <a:endParaRPr lang="it-IT" dirty="0" smtClean="0"/>
           </a:p>
           <a:p>
             <a:pPr>
@@ -17243,11 +17396,11 @@
   <p:clrMapOvr>
     <a:masterClrMapping/>
   </p:clrMapOvr>
-  <mc:AlternateContent xmlns:mc="http://schemas.openxmlformats.org/markup-compatibility/2006">
-    <mc:Choice xmlns:p14="http://schemas.microsoft.com/office/powerpoint/2010/main" Requires="p14">
+  <mc:AlternateContent xmlns:mc="http://schemas.openxmlformats.org/markup-compatibility/2006" xmlns:p14="http://schemas.microsoft.com/office/powerpoint/2010/main">
+    <mc:Choice Requires="p14">
       <p:transition spd="slow" p14:dur="2000"/>
     </mc:Choice>
-    <mc:Fallback>
+    <mc:Fallback xmlns="">
       <p:transition xmlns:p14="http://schemas.microsoft.com/office/powerpoint/2010/main" spd="slow"/>
     </mc:Fallback>
   </mc:AlternateContent>
@@ -17545,11 +17698,7 @@
             </a:pPr>
             <a:r>
               <a:rPr lang="it-IT" dirty="0" smtClean="0"/>
-              <a:t>In </a:t>
-            </a:r>
-            <a:r>
-              <a:rPr lang="it-IT" dirty="0" smtClean="0"/>
-              <a:t>esso sono implementati i metodi per</a:t>
+              <a:t>In esso sono implementati i metodi per</a:t>
             </a:r>
           </a:p>
           <a:p>
@@ -17561,15 +17710,7 @@
             </a:pPr>
             <a:r>
               <a:rPr lang="it-IT" dirty="0" smtClean="0"/>
-              <a:t>le </a:t>
-            </a:r>
-            <a:r>
-              <a:rPr lang="it-IT" dirty="0" smtClean="0"/>
-              <a:t>operazioni comuni che saranno </a:t>
-            </a:r>
-            <a:r>
-              <a:rPr lang="it-IT" dirty="0" smtClean="0"/>
-              <a:t>poi</a:t>
+              <a:t>le operazioni comuni che saranno poi</a:t>
             </a:r>
           </a:p>
           <a:p>
@@ -17581,11 +17722,7 @@
             </a:pPr>
             <a:r>
               <a:rPr lang="it-IT" dirty="0" smtClean="0"/>
-              <a:t>ereditate </a:t>
-            </a:r>
-            <a:r>
-              <a:rPr lang="it-IT" dirty="0" smtClean="0"/>
-              <a:t>dalle classi per la gestione dei</a:t>
+              <a:t>ereditate dalle classi per la gestione dei</a:t>
             </a:r>
           </a:p>
           <a:p>
@@ -17598,11 +17735,7 @@
             </a:r>
             <a:r>
               <a:rPr lang="it-IT" dirty="0" smtClean="0"/>
-              <a:t> </a:t>
-            </a:r>
-            <a:r>
-              <a:rPr lang="it-IT" dirty="0" smtClean="0"/>
-              <a:t>e i metodi per mappare il nome</a:t>
+              <a:t> e i metodi per mappare il nome</a:t>
             </a:r>
           </a:p>
           <a:p>
@@ -17675,11 +17808,11 @@
   <p:clrMapOvr>
     <a:masterClrMapping/>
   </p:clrMapOvr>
-  <mc:AlternateContent xmlns:mc="http://schemas.openxmlformats.org/markup-compatibility/2006">
-    <mc:Choice xmlns:p14="http://schemas.microsoft.com/office/powerpoint/2010/main" Requires="p14">
+  <mc:AlternateContent xmlns:mc="http://schemas.openxmlformats.org/markup-compatibility/2006" xmlns:p14="http://schemas.microsoft.com/office/powerpoint/2010/main">
+    <mc:Choice Requires="p14">
       <p:transition spd="slow" p14:dur="2000"/>
     </mc:Choice>
-    <mc:Fallback>
+    <mc:Fallback xmlns="">
       <p:transition xmlns:p14="http://schemas.microsoft.com/office/powerpoint/2010/main" spd="slow"/>
     </mc:Fallback>
   </mc:AlternateContent>
@@ -17959,23 +18092,7 @@
             </a:r>
             <a:r>
               <a:rPr lang="it-IT" dirty="0" smtClean="0"/>
-              <a:t>,  vi </a:t>
-            </a:r>
-            <a:r>
-              <a:rPr lang="it-IT" dirty="0" smtClean="0"/>
-              <a:t>sono metodi </a:t>
-            </a:r>
-            <a:r>
-              <a:rPr lang="it-IT" dirty="0" smtClean="0"/>
-              <a:t>che sono indispensabili </a:t>
-            </a:r>
-            <a:r>
-              <a:rPr lang="it-IT" dirty="0" smtClean="0"/>
-              <a:t>affinché </a:t>
-            </a:r>
-            <a:r>
-              <a:rPr lang="it-IT" dirty="0" smtClean="0"/>
-              <a:t>il </a:t>
+              <a:t>,  vi sono metodi che sono indispensabili affinché il </a:t>
             </a:r>
             <a:r>
               <a:rPr lang="it-IT" dirty="0" err="1" smtClean="0"/>
@@ -18060,11 +18177,11 @@
   <p:clrMapOvr>
     <a:masterClrMapping/>
   </p:clrMapOvr>
-  <mc:AlternateContent xmlns:mc="http://schemas.openxmlformats.org/markup-compatibility/2006">
-    <mc:Choice xmlns:p14="http://schemas.microsoft.com/office/powerpoint/2010/main" Requires="p14">
+  <mc:AlternateContent xmlns:mc="http://schemas.openxmlformats.org/markup-compatibility/2006" xmlns:p14="http://schemas.microsoft.com/office/powerpoint/2010/main">
+    <mc:Choice Requires="p14">
       <p:transition spd="slow" p14:dur="2000"/>
     </mc:Choice>
-    <mc:Fallback>
+    <mc:Fallback xmlns="">
       <p:transition xmlns:p14="http://schemas.microsoft.com/office/powerpoint/2010/main" spd="slow"/>
     </mc:Fallback>
   </mc:AlternateContent>
@@ -18446,11 +18563,11 @@
   <p:clrMapOvr>
     <a:masterClrMapping/>
   </p:clrMapOvr>
-  <mc:AlternateContent xmlns:mc="http://schemas.openxmlformats.org/markup-compatibility/2006">
-    <mc:Choice xmlns:p14="http://schemas.microsoft.com/office/powerpoint/2010/main" Requires="p14">
+  <mc:AlternateContent xmlns:mc="http://schemas.openxmlformats.org/markup-compatibility/2006" xmlns:p14="http://schemas.microsoft.com/office/powerpoint/2010/main">
+    <mc:Choice Requires="p14">
       <p:transition spd="slow" p14:dur="2000"/>
     </mc:Choice>
-    <mc:Fallback>
+    <mc:Fallback xmlns="">
       <p:transition xmlns:p14="http://schemas.microsoft.com/office/powerpoint/2010/main" spd="slow"/>
     </mc:Fallback>
   </mc:AlternateContent>
@@ -18801,11 +18918,11 @@
   <p:clrMapOvr>
     <a:masterClrMapping/>
   </p:clrMapOvr>
-  <mc:AlternateContent xmlns:mc="http://schemas.openxmlformats.org/markup-compatibility/2006">
-    <mc:Choice xmlns:p14="http://schemas.microsoft.com/office/powerpoint/2010/main" Requires="p14">
+  <mc:AlternateContent xmlns:mc="http://schemas.openxmlformats.org/markup-compatibility/2006" xmlns:p14="http://schemas.microsoft.com/office/powerpoint/2010/main">
+    <mc:Choice Requires="p14">
       <p:transition spd="slow" p14:dur="2000"/>
     </mc:Choice>
-    <mc:Fallback>
+    <mc:Fallback xmlns="">
       <p:transition xmlns:p14="http://schemas.microsoft.com/office/powerpoint/2010/main" spd="slow"/>
     </mc:Fallback>
   </mc:AlternateContent>
@@ -18924,20 +19041,7 @@
                 </a:effectLst>
                 <a:latin typeface="+mj-lt"/>
               </a:rPr>
-              <a:t> di </a:t>
-            </a:r>
-            <a:r>
-              <a:rPr lang="it-IT" sz="5400" b="1" dirty="0" smtClean="0">
-                <a:effectLst>
-                  <a:outerShdw blurRad="38100" dist="38100" dir="2700000" algn="tl">
-                    <a:srgbClr val="000000">
-                      <a:alpha val="43137"/>
-                    </a:srgbClr>
-                  </a:outerShdw>
-                </a:effectLst>
-                <a:latin typeface="+mj-lt"/>
-              </a:rPr>
-              <a:t>Application</a:t>
+              <a:t> di Application</a:t>
             </a:r>
             <a:endParaRPr lang="it-IT" sz="2000" b="1" dirty="0">
               <a:latin typeface="+mj-lt"/>
@@ -19706,7 +19810,7 @@
     </p:spTree>
     <p:extLst>
       <p:ext uri="{BB962C8B-B14F-4D97-AF65-F5344CB8AC3E}">
-        <p14:creationId xmlns:p14="http://schemas.microsoft.com/office/powerpoint/2010/main" val="1009308050"/>
+        <p14:creationId xmlns:p14="http://schemas.microsoft.com/office/powerpoint/2010/main" val="3113757335"/>
       </p:ext>
     </p:extLst>
   </p:cSld>
@@ -23367,7 +23471,7 @@
         <p:spPr>
           <a:xfrm>
             <a:off x="214282" y="1857364"/>
-            <a:ext cx="8715436" cy="3785652"/>
+            <a:ext cx="8715436" cy="3046988"/>
           </a:xfrm>
           <a:prstGeom prst="rect">
             <a:avLst/>
@@ -23383,7 +23487,7 @@
             <a:pPr algn="ctr"/>
             <a:r>
               <a:rPr lang="it-IT" sz="4800" dirty="0" smtClean="0"/>
-              <a:t>“Solo perché voi avete sofferto quando vi siete iscritti all'università non è detto che debbano farlo tutti” (</a:t>
+              <a:t>“Solo perché voi avete sofferto quando vi siete iscritti all'università non è detto che devono farlo tutti” (</a:t>
             </a:r>
             <a:r>
               <a:rPr lang="it-IT" sz="4800" dirty="0" err="1" smtClean="0"/>
@@ -23408,7 +23512,7 @@
     </p:spTree>
     <p:extLst>
       <p:ext uri="{BB962C8B-B14F-4D97-AF65-F5344CB8AC3E}">
-        <p14:creationId xmlns:p14="http://schemas.microsoft.com/office/powerpoint/2010/main" val="964512451"/>
+        <p14:creationId xmlns:p14="http://schemas.microsoft.com/office/powerpoint/2010/main" val="3128220547"/>
       </p:ext>
     </p:extLst>
   </p:cSld>
@@ -24608,10 +24712,10 @@
           <a:p>
             <a:pPr algn="ctr"/>
             <a:r>
-              <a:rPr lang="it-IT" sz="4800" b="1" dirty="0" err="1" smtClean="0">
+              <a:rPr lang="it-IT" sz="4800" b="1" smtClean="0">
                 <a:latin typeface="+mj-lt"/>
               </a:rPr>
-              <a:t>Applications</a:t>
+              <a:t>Application</a:t>
             </a:r>
             <a:endParaRPr lang="it-IT" sz="4800" b="1" dirty="0" smtClean="0">
               <a:latin typeface="+mj-lt"/>
@@ -25213,7 +25317,7 @@
         </p:nvSpPr>
         <p:spPr>
           <a:xfrm>
-            <a:off x="285720" y="1571612"/>
+            <a:off x="251520" y="1268760"/>
             <a:ext cx="2786082" cy="830997"/>
           </a:xfrm>
           <a:prstGeom prst="rect">
@@ -25229,7 +25333,7 @@
           <a:p>
             <a:r>
               <a:rPr lang="it-IT" sz="4800" b="1" dirty="0" smtClean="0"/>
-              <a:t>Idea V.2 …</a:t>
+              <a:t>Idea V.2</a:t>
             </a:r>
             <a:endParaRPr lang="it-IT" sz="4800" b="1" dirty="0"/>
           </a:p>
@@ -25243,8 +25347,8 @@
         </p:nvSpPr>
         <p:spPr>
           <a:xfrm>
-            <a:off x="428596" y="2571744"/>
-            <a:ext cx="8286808" cy="2862322"/>
+            <a:off x="251520" y="2636912"/>
+            <a:ext cx="8286808" cy="1754326"/>
           </a:xfrm>
           <a:prstGeom prst="rect">
             <a:avLst/>
@@ -25259,37 +25363,45 @@
           <a:p>
             <a:r>
               <a:rPr lang="it-IT" dirty="0" smtClean="0"/>
-              <a:t>La versione precedente non ha soddisfatto il committente; abbiamo quindi pensato a nuove soluzioni: dividere l’iscrizione in due parti.</a:t>
-            </a:r>
-          </a:p>
-          <a:p>
+              <a:t>La versione precedente non ha soddisfatto il committente quindi abbiamo pensato di </a:t>
+            </a:r>
+            <a:r>
+              <a:rPr lang="it-IT" b="1" dirty="0" smtClean="0"/>
+              <a:t>dividere l’iscrizione in due parti:</a:t>
+            </a:r>
+          </a:p>
+          <a:p>
+            <a:endParaRPr lang="it-IT" dirty="0" smtClean="0"/>
+          </a:p>
+          <a:p>
+            <a:pPr marL="342900" indent="-342900">
+              <a:buFont typeface="+mj-lt"/>
+              <a:buAutoNum type="arabicPeriod"/>
+            </a:pPr>
             <a:r>
               <a:rPr lang="it-IT" dirty="0" smtClean="0"/>
-              <a:t>La prima parte prevede la creazione di un account nel sistema “@silo”, con la compilazione dei dati del genitore richiedente. </a:t>
-            </a:r>
-          </a:p>
-          <a:p>
+              <a:t>Creazione di un account</a:t>
+            </a:r>
+          </a:p>
+          <a:p>
+            <a:pPr marL="342900" indent="-342900">
+              <a:buFont typeface="+mj-lt"/>
+              <a:buAutoNum type="arabicPeriod"/>
+            </a:pPr>
             <a:r>
               <a:rPr lang="it-IT" dirty="0" smtClean="0"/>
-              <a:t>La seconda parte invece riguarda la compilazione della domanda di iscrizione con tutti i dati richiesti nel bando. </a:t>
+              <a:t>Compilazione della domanda di iscrizione </a:t>
             </a:r>
           </a:p>
           <a:p>
             <a:endParaRPr lang="it-IT" dirty="0" smtClean="0"/>
-          </a:p>
-          <a:p>
-            <a:r>
-              <a:rPr lang="it-IT" b="1" dirty="0" smtClean="0"/>
-              <a:t>La sostanziale differenza rispetto alla prima versione è la possibilità di salvare l’iscrizione in una bozza, anche se questa non è completa, per poi riprenderla in un momento successivo.</a:t>
-            </a:r>
-            <a:endParaRPr lang="it-IT" b="1" dirty="0"/>
           </a:p>
         </p:txBody>
       </p:sp>
     </p:spTree>
     <p:extLst>
       <p:ext uri="{BB962C8B-B14F-4D97-AF65-F5344CB8AC3E}">
-        <p14:creationId xmlns:p14="http://schemas.microsoft.com/office/powerpoint/2010/main" val="954623501"/>
+        <p14:creationId xmlns:p14="http://schemas.microsoft.com/office/powerpoint/2010/main" val="3526463055"/>
       </p:ext>
     </p:extLst>
   </p:cSld>
@@ -25412,7 +25524,7 @@
     </p:spTree>
     <p:extLst>
       <p:ext uri="{BB962C8B-B14F-4D97-AF65-F5344CB8AC3E}">
-        <p14:creationId xmlns:p14="http://schemas.microsoft.com/office/powerpoint/2010/main" val="614168414"/>
+        <p14:creationId xmlns:p14="http://schemas.microsoft.com/office/powerpoint/2010/main" val="4153735844"/>
       </p:ext>
     </p:extLst>
   </p:cSld>

--- a/Presentazione/Atsilo1/[BOZZA] Atsilo_A_PresentazioneFinale copia.pptx
+++ b/Presentazione/Atsilo1/[BOZZA] Atsilo_A_PresentazioneFinale copia.pptx
@@ -5,7 +5,7 @@
     <p:sldMasterId id="2147483684" r:id="rId1"/>
   </p:sldMasterIdLst>
   <p:notesMasterIdLst>
-    <p:notesMasterId r:id="rId78"/>
+    <p:notesMasterId r:id="rId86"/>
   </p:notesMasterIdLst>
   <p:sldIdLst>
     <p:sldId id="256" r:id="rId2"/>
@@ -82,8 +82,16 @@
     <p:sldId id="312" r:id="rId73"/>
     <p:sldId id="313" r:id="rId74"/>
     <p:sldId id="314" r:id="rId75"/>
-    <p:sldId id="315" r:id="rId76"/>
-    <p:sldId id="316" r:id="rId77"/>
+    <p:sldId id="347" r:id="rId76"/>
+    <p:sldId id="348" r:id="rId77"/>
+    <p:sldId id="349" r:id="rId78"/>
+    <p:sldId id="350" r:id="rId79"/>
+    <p:sldId id="351" r:id="rId80"/>
+    <p:sldId id="352" r:id="rId81"/>
+    <p:sldId id="353" r:id="rId82"/>
+    <p:sldId id="354" r:id="rId83"/>
+    <p:sldId id="355" r:id="rId84"/>
+    <p:sldId id="316" r:id="rId85"/>
   </p:sldIdLst>
   <p:sldSz cx="9144000" cy="6858000" type="screen4x3"/>
   <p:notesSz cx="6858000" cy="9144000"/>
@@ -267,7 +275,7 @@
           <a:p>
             <a:fld id="{38D78F4D-402C-46E0-A4BB-DF91EA86B14C}" type="datetimeFigureOut">
               <a:rPr lang="it-IT" smtClean="0"/>
-              <a:t>29/12/12</a:t>
+              <a:t>30/12/12</a:t>
             </a:fld>
             <a:endParaRPr lang="it-IT"/>
           </a:p>
@@ -700,7 +708,7 @@
           <a:p>
             <a:fld id="{63CABBC0-75E4-43BB-A6A6-84C2A96BDB82}" type="datetimeFigureOut">
               <a:rPr lang="it-IT" smtClean="0"/>
-              <a:t>29/12/12</a:t>
+              <a:t>30/12/12</a:t>
             </a:fld>
             <a:endParaRPr lang="it-IT"/>
           </a:p>
@@ -880,7 +888,7 @@
           <a:p>
             <a:fld id="{63CABBC0-75E4-43BB-A6A6-84C2A96BDB82}" type="datetimeFigureOut">
               <a:rPr lang="it-IT" smtClean="0"/>
-              <a:t>29/12/12</a:t>
+              <a:t>30/12/12</a:t>
             </a:fld>
             <a:endParaRPr lang="it-IT"/>
           </a:p>
@@ -1070,7 +1078,7 @@
           <a:p>
             <a:fld id="{63CABBC0-75E4-43BB-A6A6-84C2A96BDB82}" type="datetimeFigureOut">
               <a:rPr lang="it-IT" smtClean="0"/>
-              <a:t>29/12/12</a:t>
+              <a:t>30/12/12</a:t>
             </a:fld>
             <a:endParaRPr lang="it-IT"/>
           </a:p>
@@ -1250,7 +1258,7 @@
           <a:p>
             <a:fld id="{63CABBC0-75E4-43BB-A6A6-84C2A96BDB82}" type="datetimeFigureOut">
               <a:rPr lang="it-IT" smtClean="0"/>
-              <a:t>29/12/12</a:t>
+              <a:t>30/12/12</a:t>
             </a:fld>
             <a:endParaRPr lang="it-IT"/>
           </a:p>
@@ -1491,7 +1499,7 @@
           <a:p>
             <a:fld id="{63CABBC0-75E4-43BB-A6A6-84C2A96BDB82}" type="datetimeFigureOut">
               <a:rPr lang="it-IT" smtClean="0"/>
-              <a:t>29/12/12</a:t>
+              <a:t>30/12/12</a:t>
             </a:fld>
             <a:endParaRPr lang="it-IT"/>
           </a:p>
@@ -1770,7 +1778,7 @@
           <a:p>
             <a:fld id="{63CABBC0-75E4-43BB-A6A6-84C2A96BDB82}" type="datetimeFigureOut">
               <a:rPr lang="it-IT" smtClean="0"/>
-              <a:t>29/12/12</a:t>
+              <a:t>30/12/12</a:t>
             </a:fld>
             <a:endParaRPr lang="it-IT"/>
           </a:p>
@@ -2159,7 +2167,7 @@
           <a:p>
             <a:fld id="{63CABBC0-75E4-43BB-A6A6-84C2A96BDB82}" type="datetimeFigureOut">
               <a:rPr lang="it-IT" smtClean="0"/>
-              <a:t>29/12/12</a:t>
+              <a:t>30/12/12</a:t>
             </a:fld>
             <a:endParaRPr lang="it-IT"/>
           </a:p>
@@ -2316,7 +2324,7 @@
           <a:p>
             <a:fld id="{63CABBC0-75E4-43BB-A6A6-84C2A96BDB82}" type="datetimeFigureOut">
               <a:rPr lang="it-IT" smtClean="0"/>
-              <a:t>29/12/12</a:t>
+              <a:t>30/12/12</a:t>
             </a:fld>
             <a:endParaRPr lang="it-IT"/>
           </a:p>
@@ -2413,7 +2421,7 @@
           <a:p>
             <a:fld id="{63CABBC0-75E4-43BB-A6A6-84C2A96BDB82}" type="datetimeFigureOut">
               <a:rPr lang="it-IT" smtClean="0"/>
-              <a:t>29/12/12</a:t>
+              <a:t>30/12/12</a:t>
             </a:fld>
             <a:endParaRPr lang="it-IT"/>
           </a:p>
@@ -2681,7 +2689,7 @@
           <a:p>
             <a:fld id="{63CABBC0-75E4-43BB-A6A6-84C2A96BDB82}" type="datetimeFigureOut">
               <a:rPr lang="it-IT" smtClean="0"/>
-              <a:t>29/12/12</a:t>
+              <a:t>30/12/12</a:t>
             </a:fld>
             <a:endParaRPr lang="it-IT"/>
           </a:p>
@@ -2976,7 +2984,7 @@
           <a:p>
             <a:fld id="{63CABBC0-75E4-43BB-A6A6-84C2A96BDB82}" type="datetimeFigureOut">
               <a:rPr lang="it-IT" smtClean="0"/>
-              <a:t>29/12/12</a:t>
+              <a:t>30/12/12</a:t>
             </a:fld>
             <a:endParaRPr lang="it-IT"/>
           </a:p>
@@ -3754,7 +3762,7 @@
           <a:p>
             <a:fld id="{63CABBC0-75E4-43BB-A6A6-84C2A96BDB82}" type="datetimeFigureOut">
               <a:rPr lang="it-IT" smtClean="0"/>
-              <a:t>29/12/12</a:t>
+              <a:t>30/12/12</a:t>
             </a:fld>
             <a:endParaRPr lang="it-IT"/>
           </a:p>
@@ -5708,11 +5716,7 @@
             </a:pPr>
             <a:r>
               <a:rPr lang="it-IT" dirty="0" smtClean="0"/>
-              <a:t> Assegnargli una </a:t>
-            </a:r>
-            <a:r>
-              <a:rPr lang="it-IT" dirty="0" smtClean="0"/>
-              <a:t>classe</a:t>
+              <a:t> Assegnargli una classe</a:t>
             </a:r>
           </a:p>
           <a:p>
@@ -5727,7 +5731,6 @@
               <a:rPr lang="it-IT" dirty="0" smtClean="0"/>
               <a:t>Direttore:</a:t>
             </a:r>
-            <a:endParaRPr lang="it-IT" dirty="0" smtClean="0"/>
           </a:p>
           <a:p>
             <a:pPr>
@@ -5736,11 +5739,7 @@
             </a:pPr>
             <a:r>
               <a:rPr lang="it-IT" dirty="0" smtClean="0"/>
-              <a:t> Aggiungi </a:t>
-            </a:r>
-            <a:r>
-              <a:rPr lang="it-IT" dirty="0" smtClean="0"/>
-              <a:t>classe</a:t>
+              <a:t> Aggiungi classe</a:t>
             </a:r>
           </a:p>
           <a:p>
@@ -25136,64 +25135,231 @@
       </p:grpSpPr>
       <p:sp>
         <p:nvSpPr>
-          <p:cNvPr id="2" name="CasellaDiTesto 1"/>
-          <p:cNvSpPr txBox="1"/>
+          <p:cNvPr id="41" name="CustomShape 1"/>
+          <p:cNvSpPr/>
           <p:nvPr/>
         </p:nvSpPr>
         <p:spPr>
           <a:xfrm>
-            <a:off x="2163511" y="476672"/>
-            <a:ext cx="5131934" cy="1107996"/>
+            <a:off x="1671480" y="476640"/>
+            <a:ext cx="5540040" cy="1521720"/>
           </a:xfrm>
           <a:prstGeom prst="rect">
             <a:avLst/>
           </a:prstGeom>
-          <a:noFill/>
         </p:spPr>
         <p:txBody>
-          <a:bodyPr wrap="none" rtlCol="0">
-            <a:spAutoFit/>
-          </a:bodyPr>
+          <a:bodyPr wrap="none" lIns="90000" tIns="45000" rIns="90000" bIns="45000"/>
           <a:lstStyle/>
           <a:p>
-            <a:pPr algn="ctr"/>
+            <a:pPr algn="ctr">
+              <a:lnSpc>
+                <a:spcPct val="100000"/>
+              </a:lnSpc>
+            </a:pPr>
             <a:r>
               <a:rPr lang="it-IT" sz="4800" b="1" dirty="0" smtClean="0">
-                <a:latin typeface="+mj-lt"/>
+                <a:solidFill>
+                  <a:srgbClr val="000000"/>
+                </a:solidFill>
+                <a:latin typeface="Calibri"/>
               </a:rPr>
-              <a:t>Parte di Gianfranco</a:t>
-            </a:r>
-          </a:p>
-          <a:p>
-            <a:pPr algn="ctr"/>
-            <a:endParaRPr lang="it-IT" dirty="0">
-              <a:latin typeface="+mj-lt"/>
+              <a:t>NOTIFICHE </a:t>
+            </a:r>
+            <a:r>
+              <a:rPr lang="it-IT" sz="4800" b="1" dirty="0">
+                <a:solidFill>
+                  <a:srgbClr val="000000"/>
+                </a:solidFill>
+                <a:latin typeface="Calibri"/>
+              </a:rPr>
+              <a:t>EMAIL</a:t>
+            </a:r>
+            <a:endParaRPr/>
+          </a:p>
+          <a:p>
+            <a:pPr algn="ctr">
+              <a:lnSpc>
+                <a:spcPct val="100000"/>
+              </a:lnSpc>
+            </a:pPr>
+            <a:endParaRPr/>
+          </a:p>
+          <a:p>
+            <a:pPr algn="ctr">
+              <a:lnSpc>
+                <a:spcPct val="100000"/>
+              </a:lnSpc>
+            </a:pPr>
+            <a:endParaRPr/>
+          </a:p>
+        </p:txBody>
+      </p:sp>
+      <p:sp>
+        <p:nvSpPr>
+          <p:cNvPr id="42" name="CustomShape 2"/>
+          <p:cNvSpPr/>
+          <p:nvPr/>
+        </p:nvSpPr>
+        <p:spPr>
+          <a:xfrm>
+            <a:off x="323640" y="1795320"/>
+            <a:ext cx="8177040" cy="4205448"/>
+          </a:xfrm>
+          <a:prstGeom prst="rect">
+            <a:avLst/>
+          </a:prstGeom>
+        </p:spPr>
+        <p:txBody>
+          <a:bodyPr lIns="90000" tIns="0" rIns="90000" bIns="45000"/>
+          <a:lstStyle/>
+          <a:p>
+            <a:pPr>
+              <a:lnSpc>
+                <a:spcPct val="100000"/>
+              </a:lnSpc>
+              <a:buSzPct val="95000"/>
+              <a:buFont typeface="Wingdings" pitchFamily="2" charset="2"/>
+              <a:buChar char="v"/>
+            </a:pPr>
+            <a:r>
+              <a:rPr lang="it-IT" sz="4000" b="1" dirty="0" err="1">
+                <a:solidFill>
+                  <a:srgbClr val="000000"/>
+                </a:solidFill>
+                <a:latin typeface="Calibri"/>
+              </a:rPr>
+              <a:t>NotificheMail</a:t>
+            </a:r>
+            <a:r>
+              <a:rPr lang="it-IT" sz="4000" b="1" dirty="0" smtClean="0">
+                <a:solidFill>
+                  <a:srgbClr val="000000"/>
+                </a:solidFill>
+                <a:latin typeface="Calibri"/>
+              </a:rPr>
+              <a:t>:</a:t>
+            </a:r>
+          </a:p>
+          <a:p>
+            <a:pPr>
+              <a:lnSpc>
+                <a:spcPct val="100000"/>
+              </a:lnSpc>
+              <a:buSzPct val="95000"/>
+            </a:pPr>
+            <a:endParaRPr lang="it-IT" sz="4000" b="1" dirty="0" smtClean="0">
+              <a:solidFill>
+                <a:srgbClr val="000000"/>
+              </a:solidFill>
+              <a:latin typeface="Calibri"/>
             </a:endParaRPr>
+          </a:p>
+          <a:p>
+            <a:pPr lvl="1">
+              <a:buSzPct val="95000"/>
+            </a:pPr>
+            <a:r>
+              <a:rPr lang="it-IT" sz="2800" dirty="0" smtClean="0">
+                <a:solidFill>
+                  <a:srgbClr val="000000"/>
+                </a:solidFill>
+                <a:latin typeface="Calibri"/>
+              </a:rPr>
+              <a:t>è </a:t>
+            </a:r>
+            <a:r>
+              <a:rPr lang="it-IT" sz="2800" dirty="0">
+                <a:solidFill>
+                  <a:srgbClr val="000000"/>
+                </a:solidFill>
+                <a:latin typeface="Calibri"/>
+              </a:rPr>
+              <a:t>una funzionalità interna al nostro </a:t>
+            </a:r>
+            <a:r>
+              <a:rPr lang="it-IT" sz="2800" dirty="0" smtClean="0">
+                <a:solidFill>
+                  <a:srgbClr val="000000"/>
+                </a:solidFill>
+                <a:latin typeface="Calibri"/>
+              </a:rPr>
+              <a:t>sistema </a:t>
+            </a:r>
+            <a:r>
+              <a:rPr lang="it-IT" sz="2800" dirty="0">
+                <a:solidFill>
+                  <a:srgbClr val="000000"/>
+                </a:solidFill>
+                <a:latin typeface="Calibri"/>
+              </a:rPr>
+              <a:t>che permette di </a:t>
+            </a:r>
+            <a:r>
+              <a:rPr lang="it-IT" sz="2800" dirty="0" smtClean="0">
+                <a:solidFill>
+                  <a:srgbClr val="000000"/>
+                </a:solidFill>
+                <a:latin typeface="Calibri"/>
+              </a:rPr>
+              <a:t>inviare </a:t>
+            </a:r>
+            <a:r>
+              <a:rPr lang="it-IT" sz="2800" dirty="0">
+                <a:solidFill>
+                  <a:srgbClr val="000000"/>
+                </a:solidFill>
+                <a:latin typeface="Calibri"/>
+              </a:rPr>
+              <a:t>brevi messaggi di notifiche agli utenti che porto a termine iterazioni con il nostro </a:t>
+            </a:r>
+            <a:r>
+              <a:rPr lang="it-IT" sz="2800" dirty="0" smtClean="0">
+                <a:solidFill>
+                  <a:srgbClr val="000000"/>
+                </a:solidFill>
+                <a:latin typeface="Calibri"/>
+              </a:rPr>
+              <a:t>sistema</a:t>
+            </a:r>
+            <a:endParaRPr sz="2800" dirty="0"/>
           </a:p>
         </p:txBody>
       </p:sp>
     </p:spTree>
     <p:extLst>
       <p:ext uri="{BB962C8B-B14F-4D97-AF65-F5344CB8AC3E}">
-        <p14:creationId xmlns:p14="http://schemas.microsoft.com/office/powerpoint/2010/main" val="954892934"/>
+        <p14:creationId xmlns:p14="http://schemas.microsoft.com/office/powerpoint/2010/main" val="4257297520"/>
       </p:ext>
     </p:extLst>
   </p:cSld>
   <p:clrMapOvr>
     <a:masterClrMapping/>
   </p:clrMapOvr>
-  <mc:AlternateContent xmlns:mc="http://schemas.openxmlformats.org/markup-compatibility/2006" xmlns:p14="http://schemas.microsoft.com/office/powerpoint/2010/main">
-    <mc:Choice Requires="p14">
-      <p:transition spd="slow" p14:dur="2000"/>
-    </mc:Choice>
-    <mc:Fallback xmlns="">
-      <p:transition spd="slow"/>
-    </mc:Fallback>
-  </mc:AlternateContent>
   <p:timing>
     <p:tnLst>
       <p:par>
-        <p:cTn xmlns:p14="http://schemas.microsoft.com/office/powerpoint/2010/main" id="1" dur="indefinite" restart="never" nodeType="tmRoot"/>
+        <p:cTn xmlns:p14="http://schemas.microsoft.com/office/powerpoint/2010/main" id="1" dur="indefinite" restart="never" nodeType="tmRoot">
+          <p:childTnLst>
+            <p:seq>
+              <p:cTn id="2" nodeType="mainSeq"/>
+              <p:prevCondLst>
+                <p:cond evt="onPrev" delay="0">
+                  <p:tgtEl>
+                    <p:sldTgt/>
+                  </p:tgtEl>
+                </p:cond>
+              </p:prevCondLst>
+              <p:nextCondLst>
+                <p:cond evt="onNext" delay="0">
+                  <p:tgtEl>
+                    <p:sldTgt/>
+                  </p:tgtEl>
+                </p:cond>
+              </p:nextCondLst>
+            </p:seq>
+          </p:childTnLst>
+        </p:cTn>
       </p:par>
     </p:tnLst>
   </p:timing>
@@ -25219,14 +25385,1147 @@
       </p:grpSpPr>
       <p:sp>
         <p:nvSpPr>
-          <p:cNvPr id="2" name="CasellaDiTesto 1"/>
+          <p:cNvPr id="43" name="CustomShape 1"/>
+          <p:cNvSpPr/>
+          <p:nvPr/>
+        </p:nvSpPr>
+        <p:spPr>
+          <a:xfrm>
+            <a:off x="1671480" y="476640"/>
+            <a:ext cx="5540040" cy="1521720"/>
+          </a:xfrm>
+          <a:prstGeom prst="rect">
+            <a:avLst/>
+          </a:prstGeom>
+        </p:spPr>
+        <p:txBody>
+          <a:bodyPr wrap="none" lIns="90000" tIns="45000" rIns="90000" bIns="45000"/>
+          <a:lstStyle/>
+          <a:p>
+            <a:pPr algn="ctr">
+              <a:lnSpc>
+                <a:spcPct val="100000"/>
+              </a:lnSpc>
+            </a:pPr>
+            <a:r>
+              <a:rPr lang="it-IT" sz="4800" b="1" dirty="0">
+                <a:solidFill>
+                  <a:srgbClr val="000000"/>
+                </a:solidFill>
+                <a:latin typeface="Calibri"/>
+              </a:rPr>
+              <a:t>TIPI </a:t>
+            </a:r>
+            <a:r>
+              <a:rPr lang="it-IT" sz="4800" b="1" dirty="0" err="1">
+                <a:solidFill>
+                  <a:srgbClr val="000000"/>
+                </a:solidFill>
+                <a:latin typeface="Calibri"/>
+              </a:rPr>
+              <a:t>DI</a:t>
+            </a:r>
+            <a:r>
+              <a:rPr lang="it-IT" sz="4800" b="1" dirty="0">
+                <a:solidFill>
+                  <a:srgbClr val="000000"/>
+                </a:solidFill>
+                <a:latin typeface="Calibri"/>
+              </a:rPr>
+              <a:t> </a:t>
+            </a:r>
+            <a:r>
+              <a:rPr lang="it-IT" sz="4800" b="1" dirty="0" smtClean="0">
+                <a:solidFill>
+                  <a:srgbClr val="000000"/>
+                </a:solidFill>
+                <a:latin typeface="Calibri"/>
+              </a:rPr>
+              <a:t>NOTIFICHE</a:t>
+            </a:r>
+          </a:p>
+          <a:p>
+            <a:pPr algn="ctr">
+              <a:lnSpc>
+                <a:spcPct val="100000"/>
+              </a:lnSpc>
+            </a:pPr>
+            <a:r>
+              <a:rPr lang="it-IT" sz="3000" dirty="0" smtClean="0">
+                <a:solidFill>
+                  <a:srgbClr val="000000"/>
+                </a:solidFill>
+              </a:rPr>
+              <a:t>(1)</a:t>
+            </a:r>
+            <a:endParaRPr sz="3000"/>
+          </a:p>
+          <a:p>
+            <a:pPr algn="ctr">
+              <a:lnSpc>
+                <a:spcPct val="100000"/>
+              </a:lnSpc>
+            </a:pPr>
+            <a:endParaRPr/>
+          </a:p>
+          <a:p>
+            <a:pPr algn="ctr">
+              <a:lnSpc>
+                <a:spcPct val="100000"/>
+              </a:lnSpc>
+            </a:pPr>
+            <a:endParaRPr/>
+          </a:p>
+        </p:txBody>
+      </p:sp>
+      <p:sp>
+        <p:nvSpPr>
+          <p:cNvPr id="44" name="CustomShape 2"/>
+          <p:cNvSpPr/>
+          <p:nvPr/>
+        </p:nvSpPr>
+        <p:spPr>
+          <a:xfrm>
+            <a:off x="323640" y="1795320"/>
+            <a:ext cx="8177040" cy="4633560"/>
+          </a:xfrm>
+          <a:prstGeom prst="rect">
+            <a:avLst/>
+          </a:prstGeom>
+        </p:spPr>
+        <p:txBody>
+          <a:bodyPr lIns="90000" tIns="0" rIns="90000" bIns="45000"/>
+          <a:lstStyle/>
+          <a:p>
+            <a:pPr>
+              <a:lnSpc>
+                <a:spcPct val="100000"/>
+              </a:lnSpc>
+              <a:buSzPct val="95000"/>
+              <a:buFont typeface="Wingdings" pitchFamily="2" charset="2"/>
+              <a:buChar char="v"/>
+            </a:pPr>
+            <a:r>
+              <a:rPr lang="it-IT" sz="3200" dirty="0">
+                <a:solidFill>
+                  <a:srgbClr val="000000"/>
+                </a:solidFill>
+                <a:latin typeface="Calibri"/>
+              </a:rPr>
+              <a:t>Fra le varie notifiche che il sistema invia possiamo trovare notifiche di </a:t>
+            </a:r>
+            <a:r>
+              <a:rPr lang="it-IT" sz="3200" dirty="0" smtClean="0">
+                <a:solidFill>
+                  <a:srgbClr val="000000"/>
+                </a:solidFill>
+                <a:latin typeface="Calibri"/>
+              </a:rPr>
+              <a:t>:</a:t>
+            </a:r>
+            <a:endParaRPr sz="2000" dirty="0"/>
+          </a:p>
+          <a:p>
+            <a:pPr lvl="1">
+              <a:buSzPct val="95000"/>
+              <a:buFont typeface="Arial"/>
+              <a:buChar char="•"/>
+            </a:pPr>
+            <a:r>
+              <a:rPr lang="it-IT" sz="3200" b="1" dirty="0" smtClean="0">
+                <a:solidFill>
+                  <a:srgbClr val="000000"/>
+                </a:solidFill>
+                <a:latin typeface="Calibri"/>
+              </a:rPr>
+              <a:t> Composizione classe</a:t>
+            </a:r>
+            <a:r>
+              <a:rPr lang="it-IT" sz="3200" dirty="0">
+                <a:solidFill>
+                  <a:srgbClr val="000000"/>
+                </a:solidFill>
+                <a:latin typeface="Calibri"/>
+              </a:rPr>
+              <a:t>:</a:t>
+            </a:r>
+            <a:r>
+              <a:rPr lang="it-IT" sz="3200" dirty="0" smtClean="0">
+                <a:solidFill>
+                  <a:srgbClr val="000000"/>
+                </a:solidFill>
+                <a:latin typeface="Calibri"/>
+              </a:rPr>
+              <a:t> </a:t>
+            </a:r>
+            <a:r>
+              <a:rPr lang="it-IT" sz="3200" dirty="0">
+                <a:solidFill>
+                  <a:srgbClr val="000000"/>
+                </a:solidFill>
+                <a:latin typeface="Calibri"/>
+              </a:rPr>
+              <a:t>manda una notifica al responsabile delle </a:t>
+            </a:r>
+            <a:r>
+              <a:rPr lang="it-IT" sz="3200" dirty="0" smtClean="0">
+                <a:solidFill>
+                  <a:srgbClr val="000000"/>
+                </a:solidFill>
+                <a:latin typeface="Calibri"/>
+              </a:rPr>
+              <a:t>classi</a:t>
+            </a:r>
+            <a:r>
+              <a:rPr lang="it-IT" sz="3200" dirty="0" smtClean="0">
+                <a:solidFill>
+                  <a:srgbClr val="000000"/>
+                </a:solidFill>
+                <a:latin typeface="Calibri"/>
+              </a:rPr>
+              <a:t>, che </a:t>
+            </a:r>
+            <a:r>
+              <a:rPr lang="it-IT" sz="3200" dirty="0">
+                <a:solidFill>
+                  <a:srgbClr val="000000"/>
+                </a:solidFill>
+                <a:latin typeface="Calibri"/>
+              </a:rPr>
+              <a:t>quest'ultimo </a:t>
+            </a:r>
+            <a:r>
+              <a:rPr lang="it-IT" sz="3200" dirty="0" smtClean="0">
+                <a:solidFill>
+                  <a:srgbClr val="000000"/>
+                </a:solidFill>
+                <a:latin typeface="Calibri"/>
+              </a:rPr>
+              <a:t>dovrà poi approvare.</a:t>
+            </a:r>
+            <a:endParaRPr sz="2000" dirty="0"/>
+          </a:p>
+          <a:p>
+            <a:pPr lvl="1">
+              <a:buSzPct val="95000"/>
+              <a:buFont typeface="Arial"/>
+              <a:buChar char="•"/>
+            </a:pPr>
+            <a:r>
+              <a:rPr lang="it-IT" sz="3200" b="1" dirty="0" smtClean="0">
+                <a:solidFill>
+                  <a:srgbClr val="000000"/>
+                </a:solidFill>
+                <a:latin typeface="Calibri"/>
+              </a:rPr>
+              <a:t> Evento</a:t>
+            </a:r>
+            <a:r>
+              <a:rPr lang="it-IT" sz="3200" dirty="0" smtClean="0">
+                <a:solidFill>
+                  <a:srgbClr val="000000"/>
+                </a:solidFill>
+                <a:latin typeface="Calibri"/>
+              </a:rPr>
+              <a:t>: </a:t>
+            </a:r>
+            <a:r>
+              <a:rPr lang="it-IT" sz="3200" dirty="0" smtClean="0">
+                <a:solidFill>
+                  <a:srgbClr val="000000"/>
+                </a:solidFill>
+                <a:latin typeface="Calibri"/>
+              </a:rPr>
+              <a:t>manda </a:t>
+            </a:r>
+            <a:r>
+              <a:rPr lang="it-IT" sz="3200" dirty="0">
+                <a:solidFill>
+                  <a:srgbClr val="000000"/>
+                </a:solidFill>
+                <a:latin typeface="Calibri"/>
+              </a:rPr>
+              <a:t>una notifica tutte le email presenti nel campo CC dell'evento, con data ora e luogo dell'evento.</a:t>
+            </a:r>
+            <a:endParaRPr sz="2000" dirty="0"/>
+          </a:p>
+          <a:p>
+            <a:pPr lvl="1">
+              <a:buSzPct val="95000"/>
+              <a:buFont typeface="Arial"/>
+              <a:buChar char="•"/>
+            </a:pPr>
+            <a:r>
+              <a:rPr lang="it-IT" sz="3200" dirty="0">
+                <a:solidFill>
+                  <a:srgbClr val="000000"/>
+                </a:solidFill>
+                <a:latin typeface="Calibri"/>
+              </a:rPr>
+              <a:t>…..</a:t>
+            </a:r>
+            <a:endParaRPr sz="2000" dirty="0"/>
+          </a:p>
+        </p:txBody>
+      </p:sp>
+    </p:spTree>
+    <p:extLst>
+      <p:ext uri="{BB962C8B-B14F-4D97-AF65-F5344CB8AC3E}">
+        <p14:creationId xmlns:p14="http://schemas.microsoft.com/office/powerpoint/2010/main" val="1516952845"/>
+      </p:ext>
+    </p:extLst>
+  </p:cSld>
+  <p:clrMapOvr>
+    <a:masterClrMapping/>
+  </p:clrMapOvr>
+  <p:timing>
+    <p:tnLst>
+      <p:par>
+        <p:cTn xmlns:p14="http://schemas.microsoft.com/office/powerpoint/2010/main" id="1" dur="indefinite" restart="never" nodeType="tmRoot">
+          <p:childTnLst>
+            <p:seq>
+              <p:cTn id="2" nodeType="mainSeq"/>
+              <p:prevCondLst>
+                <p:cond evt="onPrev" delay="0">
+                  <p:tgtEl>
+                    <p:sldTgt/>
+                  </p:tgtEl>
+                </p:cond>
+              </p:prevCondLst>
+              <p:nextCondLst>
+                <p:cond evt="onNext" delay="0">
+                  <p:tgtEl>
+                    <p:sldTgt/>
+                  </p:tgtEl>
+                </p:cond>
+              </p:nextCondLst>
+            </p:seq>
+          </p:childTnLst>
+        </p:cTn>
+      </p:par>
+    </p:tnLst>
+  </p:timing>
+</p:sld>
+</file>
+
+<file path=ppt/slides/slide77.xml><?xml version="1.0" encoding="utf-8"?>
+<p:sld xmlns:a="http://schemas.openxmlformats.org/drawingml/2006/main" xmlns:r="http://schemas.openxmlformats.org/officeDocument/2006/relationships" xmlns:p="http://schemas.openxmlformats.org/presentationml/2006/main">
+  <p:cSld>
+    <p:spTree>
+      <p:nvGrpSpPr>
+        <p:cNvPr id="1" name=""/>
+        <p:cNvGrpSpPr/>
+        <p:nvPr/>
+      </p:nvGrpSpPr>
+      <p:grpSpPr>
+        <a:xfrm>
+          <a:off x="0" y="0"/>
+          <a:ext cx="0" cy="0"/>
+          <a:chOff x="0" y="0"/>
+          <a:chExt cx="0" cy="0"/>
+        </a:xfrm>
+      </p:grpSpPr>
+      <p:sp>
+        <p:nvSpPr>
+          <p:cNvPr id="45" name="CustomShape 1"/>
+          <p:cNvSpPr/>
+          <p:nvPr/>
+        </p:nvSpPr>
+        <p:spPr>
+          <a:xfrm>
+            <a:off x="1671480" y="476640"/>
+            <a:ext cx="5540040" cy="1521720"/>
+          </a:xfrm>
+          <a:prstGeom prst="rect">
+            <a:avLst/>
+          </a:prstGeom>
+        </p:spPr>
+        <p:txBody>
+          <a:bodyPr wrap="none" lIns="90000" tIns="45000" rIns="90000" bIns="45000"/>
+          <a:lstStyle/>
+          <a:p>
+            <a:pPr algn="ctr">
+              <a:lnSpc>
+                <a:spcPct val="100000"/>
+              </a:lnSpc>
+            </a:pPr>
+            <a:endParaRPr/>
+          </a:p>
+          <a:p>
+            <a:pPr algn="ctr">
+              <a:lnSpc>
+                <a:spcPct val="100000"/>
+              </a:lnSpc>
+            </a:pPr>
+            <a:endParaRPr/>
+          </a:p>
+          <a:p>
+            <a:pPr algn="ctr">
+              <a:lnSpc>
+                <a:spcPct val="100000"/>
+              </a:lnSpc>
+            </a:pPr>
+            <a:endParaRPr/>
+          </a:p>
+        </p:txBody>
+      </p:sp>
+      <p:sp>
+        <p:nvSpPr>
+          <p:cNvPr id="46" name="CustomShape 2"/>
+          <p:cNvSpPr/>
+          <p:nvPr/>
+        </p:nvSpPr>
+        <p:spPr>
+          <a:xfrm>
+            <a:off x="571472" y="1571612"/>
+            <a:ext cx="8177040" cy="4633560"/>
+          </a:xfrm>
+          <a:prstGeom prst="rect">
+            <a:avLst/>
+          </a:prstGeom>
+        </p:spPr>
+        <p:txBody>
+          <a:bodyPr lIns="90000" tIns="0" rIns="90000" bIns="45000"/>
+          <a:lstStyle/>
+          <a:p>
+            <a:pPr>
+              <a:lnSpc>
+                <a:spcPct val="100000"/>
+              </a:lnSpc>
+              <a:buSzPct val="95000"/>
+            </a:pPr>
+            <a:endParaRPr sz="3200" dirty="0"/>
+          </a:p>
+          <a:p>
+            <a:pPr>
+              <a:lnSpc>
+                <a:spcPct val="100000"/>
+              </a:lnSpc>
+              <a:buSzPct val="95000"/>
+              <a:buFont typeface="Arial"/>
+              <a:buChar char="•"/>
+            </a:pPr>
+            <a:r>
+              <a:rPr lang="it-IT" sz="3200" b="1" dirty="0" smtClean="0">
+                <a:solidFill>
+                  <a:srgbClr val="000000"/>
+                </a:solidFill>
+                <a:latin typeface="Calibri"/>
+              </a:rPr>
+              <a:t> Licenziamento: </a:t>
+            </a:r>
+            <a:r>
+              <a:rPr lang="it-IT" sz="3200" dirty="0" smtClean="0">
+                <a:solidFill>
+                  <a:srgbClr val="000000"/>
+                </a:solidFill>
+                <a:latin typeface="Calibri"/>
+              </a:rPr>
+              <a:t>manda </a:t>
+            </a:r>
+            <a:r>
+              <a:rPr lang="it-IT" sz="3200" dirty="0">
+                <a:solidFill>
+                  <a:srgbClr val="000000"/>
+                </a:solidFill>
+                <a:latin typeface="Calibri"/>
+              </a:rPr>
+              <a:t>una notifica al diretto interessato</a:t>
+            </a:r>
+            <a:r>
+              <a:rPr lang="it-IT" sz="3200" b="1" dirty="0">
+                <a:solidFill>
+                  <a:srgbClr val="000000"/>
+                </a:solidFill>
+                <a:latin typeface="Calibri"/>
+              </a:rPr>
+              <a:t>.</a:t>
+            </a:r>
+            <a:endParaRPr sz="3200" dirty="0"/>
+          </a:p>
+          <a:p>
+            <a:pPr>
+              <a:lnSpc>
+                <a:spcPct val="100000"/>
+              </a:lnSpc>
+              <a:buSzPct val="95000"/>
+              <a:buFont typeface="Arial"/>
+              <a:buChar char="•"/>
+            </a:pPr>
+            <a:r>
+              <a:rPr lang="it-IT" sz="3200" b="1" dirty="0" smtClean="0">
+                <a:solidFill>
+                  <a:srgbClr val="000000"/>
+                </a:solidFill>
+                <a:latin typeface="Calibri"/>
+              </a:rPr>
+              <a:t> Registrazione: </a:t>
+            </a:r>
+            <a:r>
+              <a:rPr lang="it-IT" sz="3200" dirty="0" smtClean="0">
+                <a:solidFill>
+                  <a:srgbClr val="000000"/>
+                </a:solidFill>
+                <a:latin typeface="Calibri"/>
+              </a:rPr>
+              <a:t>alla </a:t>
+            </a:r>
+            <a:r>
+              <a:rPr lang="it-IT" sz="3200" dirty="0">
+                <a:solidFill>
+                  <a:srgbClr val="000000"/>
+                </a:solidFill>
+                <a:latin typeface="Calibri"/>
+              </a:rPr>
+              <a:t>fine della registrazione il sistema invia </a:t>
+            </a:r>
+            <a:r>
+              <a:rPr lang="it-IT" sz="3200" dirty="0" smtClean="0">
+                <a:solidFill>
+                  <a:srgbClr val="000000"/>
+                </a:solidFill>
+                <a:latin typeface="Calibri"/>
+              </a:rPr>
+              <a:t>una e</a:t>
+            </a:r>
+            <a:r>
+              <a:rPr lang="it-IT" sz="3200" dirty="0" smtClean="0">
+                <a:solidFill>
+                  <a:srgbClr val="000000"/>
+                </a:solidFill>
+                <a:latin typeface="Calibri"/>
+              </a:rPr>
+              <a:t>-mail </a:t>
+            </a:r>
+            <a:r>
+              <a:rPr lang="it-IT" sz="3200" dirty="0">
+                <a:solidFill>
+                  <a:srgbClr val="000000"/>
+                </a:solidFill>
+                <a:latin typeface="Calibri"/>
+              </a:rPr>
+              <a:t>con le credenziali appena inserite</a:t>
+            </a:r>
+            <a:r>
+              <a:rPr lang="it-IT" sz="3200" b="1" dirty="0">
+                <a:solidFill>
+                  <a:srgbClr val="000000"/>
+                </a:solidFill>
+                <a:latin typeface="Calibri"/>
+              </a:rPr>
+              <a:t>.</a:t>
+            </a:r>
+            <a:endParaRPr sz="3200" dirty="0"/>
+          </a:p>
+        </p:txBody>
+      </p:sp>
+      <p:sp>
+        <p:nvSpPr>
+          <p:cNvPr id="47" name="TextShape 3"/>
           <p:cNvSpPr txBox="1"/>
           <p:nvPr/>
         </p:nvSpPr>
         <p:spPr>
           <a:xfrm>
-            <a:off x="1885639" y="476672"/>
-            <a:ext cx="5687675" cy="1107996"/>
+            <a:off x="1714480" y="500042"/>
+            <a:ext cx="5529960" cy="1368000"/>
+          </a:xfrm>
+          <a:prstGeom prst="rect">
+            <a:avLst/>
+          </a:prstGeom>
+        </p:spPr>
+        <p:txBody>
+          <a:bodyPr wrap="none" lIns="90000" tIns="45000" rIns="90000" bIns="45000"/>
+          <a:lstStyle/>
+          <a:p>
+            <a:pPr algn="ctr">
+              <a:lnSpc>
+                <a:spcPct val="100000"/>
+              </a:lnSpc>
+            </a:pPr>
+            <a:r>
+              <a:rPr lang="it-IT" sz="4800" b="1" dirty="0">
+                <a:solidFill>
+                  <a:srgbClr val="000000"/>
+                </a:solidFill>
+                <a:latin typeface="Calibri"/>
+              </a:rPr>
+              <a:t>TIPI </a:t>
+            </a:r>
+            <a:r>
+              <a:rPr lang="it-IT" sz="4800" b="1" dirty="0" err="1">
+                <a:solidFill>
+                  <a:srgbClr val="000000"/>
+                </a:solidFill>
+                <a:latin typeface="Calibri"/>
+              </a:rPr>
+              <a:t>DI</a:t>
+            </a:r>
+            <a:r>
+              <a:rPr lang="it-IT" sz="4800" b="1" dirty="0">
+                <a:solidFill>
+                  <a:srgbClr val="000000"/>
+                </a:solidFill>
+                <a:latin typeface="Calibri"/>
+              </a:rPr>
+              <a:t> NOTIFICHE</a:t>
+            </a:r>
+            <a:endParaRPr/>
+          </a:p>
+          <a:p>
+            <a:pPr algn="ctr">
+              <a:lnSpc>
+                <a:spcPct val="100000"/>
+              </a:lnSpc>
+            </a:pPr>
+            <a:r>
+              <a:rPr lang="it-IT" sz="3000" dirty="0" smtClean="0">
+                <a:solidFill>
+                  <a:srgbClr val="000000"/>
+                </a:solidFill>
+                <a:latin typeface="Calibri"/>
+              </a:rPr>
+              <a:t>(2)</a:t>
+            </a:r>
+            <a:endParaRPr/>
+          </a:p>
+        </p:txBody>
+      </p:sp>
+    </p:spTree>
+    <p:extLst>
+      <p:ext uri="{BB962C8B-B14F-4D97-AF65-F5344CB8AC3E}">
+        <p14:creationId xmlns:p14="http://schemas.microsoft.com/office/powerpoint/2010/main" val="903666282"/>
+      </p:ext>
+    </p:extLst>
+  </p:cSld>
+  <p:clrMapOvr>
+    <a:masterClrMapping/>
+  </p:clrMapOvr>
+  <p:timing>
+    <p:tnLst>
+      <p:par>
+        <p:cTn xmlns:p14="http://schemas.microsoft.com/office/powerpoint/2010/main" id="1" dur="indefinite" restart="never" nodeType="tmRoot">
+          <p:childTnLst>
+            <p:seq>
+              <p:cTn id="2" nodeType="mainSeq"/>
+              <p:prevCondLst>
+                <p:cond evt="onPrev" delay="0">
+                  <p:tgtEl>
+                    <p:sldTgt/>
+                  </p:tgtEl>
+                </p:cond>
+              </p:prevCondLst>
+              <p:nextCondLst>
+                <p:cond evt="onNext" delay="0">
+                  <p:tgtEl>
+                    <p:sldTgt/>
+                  </p:tgtEl>
+                </p:cond>
+              </p:nextCondLst>
+            </p:seq>
+          </p:childTnLst>
+        </p:cTn>
+      </p:par>
+    </p:tnLst>
+  </p:timing>
+</p:sld>
+</file>
+
+<file path=ppt/slides/slide78.xml><?xml version="1.0" encoding="utf-8"?>
+<p:sld xmlns:a="http://schemas.openxmlformats.org/drawingml/2006/main" xmlns:r="http://schemas.openxmlformats.org/officeDocument/2006/relationships" xmlns:p="http://schemas.openxmlformats.org/presentationml/2006/main">
+  <p:cSld>
+    <p:spTree>
+      <p:nvGrpSpPr>
+        <p:cNvPr id="1" name=""/>
+        <p:cNvGrpSpPr/>
+        <p:nvPr/>
+      </p:nvGrpSpPr>
+      <p:grpSpPr>
+        <a:xfrm>
+          <a:off x="0" y="0"/>
+          <a:ext cx="0" cy="0"/>
+          <a:chOff x="0" y="0"/>
+          <a:chExt cx="0" cy="0"/>
+        </a:xfrm>
+      </p:grpSpPr>
+      <p:sp>
+        <p:nvSpPr>
+          <p:cNvPr id="48" name="CustomShape 1"/>
+          <p:cNvSpPr/>
+          <p:nvPr/>
+        </p:nvSpPr>
+        <p:spPr>
+          <a:xfrm>
+            <a:off x="1671480" y="476640"/>
+            <a:ext cx="5540040" cy="1521720"/>
+          </a:xfrm>
+          <a:prstGeom prst="rect">
+            <a:avLst/>
+          </a:prstGeom>
+        </p:spPr>
+        <p:txBody>
+          <a:bodyPr wrap="none" lIns="90000" tIns="45000" rIns="90000" bIns="45000"/>
+          <a:lstStyle/>
+          <a:p>
+            <a:pPr algn="ctr">
+              <a:lnSpc>
+                <a:spcPct val="100000"/>
+              </a:lnSpc>
+            </a:pPr>
+            <a:endParaRPr/>
+          </a:p>
+          <a:p>
+            <a:pPr algn="ctr">
+              <a:lnSpc>
+                <a:spcPct val="100000"/>
+              </a:lnSpc>
+            </a:pPr>
+            <a:endParaRPr/>
+          </a:p>
+          <a:p>
+            <a:pPr algn="ctr">
+              <a:lnSpc>
+                <a:spcPct val="100000"/>
+              </a:lnSpc>
+            </a:pPr>
+            <a:endParaRPr/>
+          </a:p>
+        </p:txBody>
+      </p:sp>
+      <p:sp>
+        <p:nvSpPr>
+          <p:cNvPr id="49" name="CustomShape 2"/>
+          <p:cNvSpPr/>
+          <p:nvPr/>
+        </p:nvSpPr>
+        <p:spPr>
+          <a:xfrm>
+            <a:off x="323640" y="1795320"/>
+            <a:ext cx="8177040" cy="4633560"/>
+          </a:xfrm>
+          <a:prstGeom prst="rect">
+            <a:avLst/>
+          </a:prstGeom>
+        </p:spPr>
+        <p:txBody>
+          <a:bodyPr lIns="90000" tIns="0" rIns="90000" bIns="45000"/>
+          <a:lstStyle/>
+          <a:p>
+            <a:pPr>
+              <a:lnSpc>
+                <a:spcPct val="100000"/>
+              </a:lnSpc>
+              <a:buSzPct val="95000"/>
+              <a:buFont typeface="Wingdings" pitchFamily="2" charset="2"/>
+              <a:buChar char="v"/>
+            </a:pPr>
+            <a:r>
+              <a:rPr lang="it-IT" sz="4400" b="1" dirty="0" smtClean="0">
+                <a:solidFill>
+                  <a:srgbClr val="000000"/>
+                </a:solidFill>
+                <a:latin typeface="Calibri"/>
+              </a:rPr>
+              <a:t>Come fare?</a:t>
+            </a:r>
+          </a:p>
+          <a:p>
+            <a:pPr>
+              <a:lnSpc>
+                <a:spcPct val="100000"/>
+              </a:lnSpc>
+              <a:buSzPct val="95000"/>
+            </a:pPr>
+            <a:endParaRPr lang="it-IT" sz="4400" b="1" dirty="0" smtClean="0">
+              <a:solidFill>
+                <a:srgbClr val="000000"/>
+              </a:solidFill>
+              <a:latin typeface="Calibri"/>
+            </a:endParaRPr>
+          </a:p>
+          <a:p>
+            <a:pPr lvl="1">
+              <a:buSzPct val="95000"/>
+              <a:buFont typeface="Arial" pitchFamily="34" charset="0"/>
+              <a:buChar char="•"/>
+            </a:pPr>
+            <a:r>
+              <a:rPr lang="it-IT" sz="3200" dirty="0" smtClean="0">
+                <a:solidFill>
+                  <a:srgbClr val="000000"/>
+                </a:solidFill>
+                <a:latin typeface="Calibri"/>
+              </a:rPr>
+              <a:t> Per </a:t>
+            </a:r>
+            <a:r>
+              <a:rPr lang="it-IT" sz="3200" dirty="0">
+                <a:solidFill>
+                  <a:srgbClr val="000000"/>
+                </a:solidFill>
+                <a:latin typeface="Calibri"/>
+              </a:rPr>
+              <a:t>dar vita a questa funzionalità </a:t>
+            </a:r>
+            <a:r>
+              <a:rPr lang="it-IT" sz="3200" dirty="0" smtClean="0">
+                <a:solidFill>
+                  <a:srgbClr val="000000"/>
+                </a:solidFill>
+                <a:latin typeface="Calibri"/>
+              </a:rPr>
+              <a:t>abbiamo </a:t>
+            </a:r>
+            <a:r>
+              <a:rPr lang="it-IT" sz="3200" dirty="0">
+                <a:solidFill>
+                  <a:srgbClr val="000000"/>
+                </a:solidFill>
+                <a:latin typeface="Calibri"/>
+              </a:rPr>
+              <a:t>usato </a:t>
+            </a:r>
+            <a:r>
+              <a:rPr lang="it-IT" sz="3200" b="1" dirty="0" smtClean="0">
+                <a:solidFill>
+                  <a:srgbClr val="000000"/>
+                </a:solidFill>
+                <a:latin typeface="Calibri"/>
+              </a:rPr>
+              <a:t>JAVAMAIL  </a:t>
+            </a:r>
+            <a:r>
+              <a:rPr lang="it-IT" sz="3200" b="1" dirty="0" smtClean="0">
+                <a:solidFill>
+                  <a:srgbClr val="000000"/>
+                </a:solidFill>
+                <a:latin typeface="Calibri"/>
+              </a:rPr>
+              <a:t>(API di </a:t>
+            </a:r>
+            <a:r>
+              <a:rPr lang="it-IT" sz="3200" b="1" dirty="0" err="1">
+                <a:solidFill>
+                  <a:srgbClr val="000000"/>
+                </a:solidFill>
+                <a:latin typeface="Calibri"/>
+              </a:rPr>
+              <a:t>Sun</a:t>
+            </a:r>
+            <a:r>
+              <a:rPr lang="it-IT" sz="3200" b="1" dirty="0">
+                <a:solidFill>
+                  <a:srgbClr val="000000"/>
+                </a:solidFill>
+                <a:latin typeface="Calibri"/>
+              </a:rPr>
+              <a:t>) </a:t>
+            </a:r>
+            <a:r>
+              <a:rPr lang="it-IT" sz="3200" dirty="0">
+                <a:solidFill>
+                  <a:srgbClr val="000000"/>
+                </a:solidFill>
+                <a:latin typeface="Calibri"/>
+              </a:rPr>
+              <a:t>e l'abbiamo </a:t>
+            </a:r>
+            <a:r>
+              <a:rPr lang="it-IT" sz="3200" dirty="0" smtClean="0">
+                <a:solidFill>
+                  <a:srgbClr val="000000"/>
+                </a:solidFill>
+                <a:latin typeface="Calibri"/>
+              </a:rPr>
+              <a:t>integrata </a:t>
+            </a:r>
+            <a:r>
+              <a:rPr lang="it-IT" sz="3200" dirty="0">
+                <a:solidFill>
+                  <a:srgbClr val="000000"/>
+                </a:solidFill>
+                <a:latin typeface="Calibri"/>
+              </a:rPr>
+              <a:t>nel nostro sistema </a:t>
+            </a:r>
+            <a:r>
+              <a:rPr lang="it-IT" sz="3200" dirty="0" smtClean="0">
+                <a:solidFill>
+                  <a:srgbClr val="000000"/>
+                </a:solidFill>
+                <a:latin typeface="Calibri"/>
+              </a:rPr>
+              <a:t>tramite </a:t>
+            </a:r>
+            <a:r>
+              <a:rPr lang="it-IT" sz="3200" dirty="0">
+                <a:solidFill>
+                  <a:srgbClr val="000000"/>
+                </a:solidFill>
+                <a:latin typeface="Calibri"/>
+              </a:rPr>
+              <a:t>il design pattern BRIDGE.</a:t>
+            </a:r>
+            <a:endParaRPr sz="2000" dirty="0"/>
+          </a:p>
+        </p:txBody>
+      </p:sp>
+      <p:sp>
+        <p:nvSpPr>
+          <p:cNvPr id="50" name="TextShape 3"/>
+          <p:cNvSpPr txBox="1"/>
+          <p:nvPr/>
+        </p:nvSpPr>
+        <p:spPr>
+          <a:xfrm>
+            <a:off x="1166040" y="864000"/>
+            <a:ext cx="6753960" cy="1368000"/>
+          </a:xfrm>
+          <a:prstGeom prst="rect">
+            <a:avLst/>
+          </a:prstGeom>
+        </p:spPr>
+        <p:txBody>
+          <a:bodyPr wrap="none" lIns="90000" tIns="45000" rIns="90000" bIns="45000"/>
+          <a:lstStyle/>
+          <a:p>
+            <a:pPr algn="ctr">
+              <a:lnSpc>
+                <a:spcPct val="100000"/>
+              </a:lnSpc>
+            </a:pPr>
+            <a:r>
+              <a:rPr lang="it-IT" sz="4800" b="1">
+                <a:solidFill>
+                  <a:srgbClr val="000000"/>
+                </a:solidFill>
+                <a:latin typeface="Calibri"/>
+              </a:rPr>
+              <a:t>IMPLEMENTAZIONE</a:t>
+            </a:r>
+            <a:endParaRPr/>
+          </a:p>
+        </p:txBody>
+      </p:sp>
+    </p:spTree>
+    <p:extLst>
+      <p:ext uri="{BB962C8B-B14F-4D97-AF65-F5344CB8AC3E}">
+        <p14:creationId xmlns:p14="http://schemas.microsoft.com/office/powerpoint/2010/main" val="3790160763"/>
+      </p:ext>
+    </p:extLst>
+  </p:cSld>
+  <p:clrMapOvr>
+    <a:masterClrMapping/>
+  </p:clrMapOvr>
+  <p:timing>
+    <p:tnLst>
+      <p:par>
+        <p:cTn xmlns:p14="http://schemas.microsoft.com/office/powerpoint/2010/main" id="1" dur="indefinite" restart="never" nodeType="tmRoot">
+          <p:childTnLst>
+            <p:seq>
+              <p:cTn id="2" nodeType="mainSeq"/>
+              <p:prevCondLst>
+                <p:cond evt="onPrev" delay="0">
+                  <p:tgtEl>
+                    <p:sldTgt/>
+                  </p:tgtEl>
+                </p:cond>
+              </p:prevCondLst>
+              <p:nextCondLst>
+                <p:cond evt="onNext" delay="0">
+                  <p:tgtEl>
+                    <p:sldTgt/>
+                  </p:tgtEl>
+                </p:cond>
+              </p:nextCondLst>
+            </p:seq>
+          </p:childTnLst>
+        </p:cTn>
+      </p:par>
+    </p:tnLst>
+  </p:timing>
+</p:sld>
+</file>
+
+<file path=ppt/slides/slide79.xml><?xml version="1.0" encoding="utf-8"?>
+<p:sld xmlns:a="http://schemas.openxmlformats.org/drawingml/2006/main" xmlns:r="http://schemas.openxmlformats.org/officeDocument/2006/relationships" xmlns:p="http://schemas.openxmlformats.org/presentationml/2006/main">
+  <p:cSld>
+    <p:spTree>
+      <p:nvGrpSpPr>
+        <p:cNvPr id="1" name=""/>
+        <p:cNvGrpSpPr/>
+        <p:nvPr/>
+      </p:nvGrpSpPr>
+      <p:grpSpPr>
+        <a:xfrm>
+          <a:off x="0" y="0"/>
+          <a:ext cx="0" cy="0"/>
+          <a:chOff x="0" y="0"/>
+          <a:chExt cx="0" cy="0"/>
+        </a:xfrm>
+      </p:grpSpPr>
+      <p:sp>
+        <p:nvSpPr>
+          <p:cNvPr id="51" name="CustomShape 1"/>
+          <p:cNvSpPr/>
+          <p:nvPr/>
+        </p:nvSpPr>
+        <p:spPr>
+          <a:xfrm>
+            <a:off x="1671480" y="476640"/>
+            <a:ext cx="5540040" cy="1521720"/>
+          </a:xfrm>
+          <a:prstGeom prst="rect">
+            <a:avLst/>
+          </a:prstGeom>
+        </p:spPr>
+        <p:txBody>
+          <a:bodyPr wrap="none" lIns="90000" tIns="45000" rIns="90000" bIns="45000"/>
+          <a:lstStyle/>
+          <a:p>
+            <a:pPr algn="ctr">
+              <a:lnSpc>
+                <a:spcPct val="100000"/>
+              </a:lnSpc>
+            </a:pPr>
+            <a:endParaRPr/>
+          </a:p>
+          <a:p>
+            <a:pPr algn="ctr">
+              <a:lnSpc>
+                <a:spcPct val="100000"/>
+              </a:lnSpc>
+            </a:pPr>
+            <a:endParaRPr/>
+          </a:p>
+          <a:p>
+            <a:pPr algn="ctr">
+              <a:lnSpc>
+                <a:spcPct val="100000"/>
+              </a:lnSpc>
+            </a:pPr>
+            <a:endParaRPr/>
+          </a:p>
+        </p:txBody>
+      </p:sp>
+      <p:sp>
+        <p:nvSpPr>
+          <p:cNvPr id="52" name="CustomShape 2"/>
+          <p:cNvSpPr/>
+          <p:nvPr/>
+        </p:nvSpPr>
+        <p:spPr>
+          <a:xfrm>
+            <a:off x="323640" y="1795320"/>
+            <a:ext cx="8177040" cy="4633560"/>
+          </a:xfrm>
+          <a:prstGeom prst="rect">
+            <a:avLst/>
+          </a:prstGeom>
+        </p:spPr>
+      </p:sp>
+      <p:sp>
+        <p:nvSpPr>
+          <p:cNvPr id="53" name="TextShape 3"/>
+          <p:cNvSpPr txBox="1"/>
+          <p:nvPr/>
+        </p:nvSpPr>
+        <p:spPr>
+          <a:xfrm>
+            <a:off x="1166040" y="864000"/>
+            <a:ext cx="6753960" cy="1368000"/>
+          </a:xfrm>
+          <a:prstGeom prst="rect">
+            <a:avLst/>
+          </a:prstGeom>
+        </p:spPr>
+        <p:txBody>
+          <a:bodyPr wrap="none" lIns="90000" tIns="45000" rIns="90000" bIns="45000"/>
+          <a:lstStyle/>
+          <a:p>
+            <a:pPr algn="ctr">
+              <a:lnSpc>
+                <a:spcPct val="100000"/>
+              </a:lnSpc>
+            </a:pPr>
+            <a:r>
+              <a:rPr lang="it-IT" sz="4800" b="1">
+                <a:solidFill>
+                  <a:srgbClr val="000000"/>
+                </a:solidFill>
+                <a:latin typeface="Calibri"/>
+              </a:rPr>
+              <a:t>IMPLEMENTAZIONE</a:t>
+            </a:r>
+            <a:endParaRPr/>
+          </a:p>
+        </p:txBody>
+      </p:sp>
+      <p:pic>
+        <p:nvPicPr>
+          <p:cNvPr id="54" name="Immagine 53"/>
+          <p:cNvPicPr/>
+          <p:nvPr/>
+        </p:nvPicPr>
+        <p:blipFill>
+          <a:blip r:embed="rId2"/>
+          <a:stretch>
+            <a:fillRect/>
+          </a:stretch>
+        </p:blipFill>
+        <p:spPr>
+          <a:xfrm>
+            <a:off x="216000" y="1656000"/>
+            <a:ext cx="8712000" cy="4392000"/>
+          </a:xfrm>
+          <a:prstGeom prst="rect">
+            <a:avLst/>
+          </a:prstGeom>
+        </p:spPr>
+      </p:pic>
+      <p:cxnSp>
+        <p:nvCxnSpPr>
+          <p:cNvPr id="7" name="Connettore 2 6"/>
+          <p:cNvCxnSpPr/>
+          <p:nvPr/>
+        </p:nvCxnSpPr>
+        <p:spPr>
+          <a:xfrm flipV="1">
+            <a:off x="2714612" y="2571744"/>
+            <a:ext cx="1000132" cy="571504"/>
+          </a:xfrm>
+          <a:prstGeom prst="straightConnector1">
+            <a:avLst/>
+          </a:prstGeom>
+          <a:ln>
+            <a:tailEnd type="arrow"/>
+          </a:ln>
+        </p:spPr>
+        <p:style>
+          <a:lnRef idx="1">
+            <a:schemeClr val="accent1"/>
+          </a:lnRef>
+          <a:fillRef idx="0">
+            <a:schemeClr val="accent1"/>
+          </a:fillRef>
+          <a:effectRef idx="0">
+            <a:schemeClr val="accent1"/>
+          </a:effectRef>
+          <a:fontRef idx="minor">
+            <a:schemeClr val="tx1"/>
+          </a:fontRef>
+        </p:style>
+      </p:cxnSp>
+      <p:sp>
+        <p:nvSpPr>
+          <p:cNvPr id="8" name="CasellaDiTesto 7"/>
+          <p:cNvSpPr txBox="1"/>
+          <p:nvPr/>
+        </p:nvSpPr>
+        <p:spPr>
+          <a:xfrm>
+            <a:off x="3714744" y="2000240"/>
+            <a:ext cx="4357718" cy="646331"/>
           </a:xfrm>
           <a:prstGeom prst="rect">
             <a:avLst/>
@@ -25234,58 +26533,59 @@
           <a:noFill/>
         </p:spPr>
         <p:txBody>
-          <a:bodyPr wrap="none" rtlCol="0">
+          <a:bodyPr wrap="square" rtlCol="0">
             <a:spAutoFit/>
           </a:bodyPr>
           <a:lstStyle/>
           <a:p>
-            <a:pPr algn="ctr"/>
-            <a:r>
-              <a:rPr lang="it-IT" sz="4800" b="1" dirty="0" smtClean="0">
-                <a:latin typeface="+mj-lt"/>
-              </a:rPr>
-              <a:t>Parte </a:t>
-            </a:r>
-            <a:r>
-              <a:rPr lang="it-IT" sz="4800" b="1" smtClean="0">
-                <a:latin typeface="+mj-lt"/>
-              </a:rPr>
-              <a:t>di Ferdinando 2</a:t>
-            </a:r>
-            <a:endParaRPr lang="it-IT" sz="4800" b="1" dirty="0" smtClean="0">
-              <a:latin typeface="+mj-lt"/>
-            </a:endParaRPr>
-          </a:p>
-          <a:p>
-            <a:pPr algn="ctr"/>
-            <a:endParaRPr lang="it-IT" dirty="0">
-              <a:latin typeface="+mj-lt"/>
-            </a:endParaRPr>
+            <a:r>
+              <a:rPr lang="it-IT" dirty="0" smtClean="0"/>
+              <a:t>Alla classe Abstraction corrisponde la classe</a:t>
+            </a:r>
+          </a:p>
+          <a:p>
+            <a:r>
+              <a:rPr lang="it-IT" dirty="0" err="1" smtClean="0"/>
+              <a:t>NotificheMail.java</a:t>
+            </a:r>
+            <a:endParaRPr lang="it-IT" dirty="0"/>
           </a:p>
         </p:txBody>
       </p:sp>
     </p:spTree>
     <p:extLst>
       <p:ext uri="{BB962C8B-B14F-4D97-AF65-F5344CB8AC3E}">
-        <p14:creationId xmlns:p14="http://schemas.microsoft.com/office/powerpoint/2010/main" val="954892934"/>
+        <p14:creationId xmlns:p14="http://schemas.microsoft.com/office/powerpoint/2010/main" val="1889567349"/>
       </p:ext>
     </p:extLst>
   </p:cSld>
   <p:clrMapOvr>
     <a:masterClrMapping/>
   </p:clrMapOvr>
-  <mc:AlternateContent xmlns:mc="http://schemas.openxmlformats.org/markup-compatibility/2006" xmlns:p14="http://schemas.microsoft.com/office/powerpoint/2010/main">
-    <mc:Choice Requires="p14">
-      <p:transition spd="slow" p14:dur="2000"/>
-    </mc:Choice>
-    <mc:Fallback xmlns="">
-      <p:transition spd="slow"/>
-    </mc:Fallback>
-  </mc:AlternateContent>
   <p:timing>
     <p:tnLst>
       <p:par>
-        <p:cTn xmlns:p14="http://schemas.microsoft.com/office/powerpoint/2010/main" id="1" dur="indefinite" restart="never" nodeType="tmRoot"/>
+        <p:cTn xmlns:p14="http://schemas.microsoft.com/office/powerpoint/2010/main" id="1" dur="indefinite" restart="never" nodeType="tmRoot">
+          <p:childTnLst>
+            <p:seq>
+              <p:cTn id="2" nodeType="mainSeq"/>
+              <p:prevCondLst>
+                <p:cond evt="onPrev" delay="0">
+                  <p:tgtEl>
+                    <p:sldTgt/>
+                  </p:tgtEl>
+                </p:cond>
+              </p:prevCondLst>
+              <p:nextCondLst>
+                <p:cond evt="onNext" delay="0">
+                  <p:tgtEl>
+                    <p:sldTgt/>
+                  </p:tgtEl>
+                </p:cond>
+              </p:nextCondLst>
+            </p:seq>
+          </p:childTnLst>
+        </p:cTn>
       </p:par>
     </p:tnLst>
   </p:timing>
@@ -25408,6 +26708,1134 @@
   <p:clrMapOvr>
     <a:masterClrMapping/>
   </p:clrMapOvr>
+  <p:timing>
+    <p:tnLst>
+      <p:par>
+        <p:cTn xmlns:p14="http://schemas.microsoft.com/office/powerpoint/2010/main" id="1" dur="indefinite" restart="never" nodeType="tmRoot"/>
+      </p:par>
+    </p:tnLst>
+  </p:timing>
+</p:sld>
+</file>
+
+<file path=ppt/slides/slide80.xml><?xml version="1.0" encoding="utf-8"?>
+<p:sld xmlns:a="http://schemas.openxmlformats.org/drawingml/2006/main" xmlns:r="http://schemas.openxmlformats.org/officeDocument/2006/relationships" xmlns:p="http://schemas.openxmlformats.org/presentationml/2006/main">
+  <p:cSld>
+    <p:spTree>
+      <p:nvGrpSpPr>
+        <p:cNvPr id="1" name=""/>
+        <p:cNvGrpSpPr/>
+        <p:nvPr/>
+      </p:nvGrpSpPr>
+      <p:grpSpPr>
+        <a:xfrm>
+          <a:off x="0" y="0"/>
+          <a:ext cx="0" cy="0"/>
+          <a:chOff x="0" y="0"/>
+          <a:chExt cx="0" cy="0"/>
+        </a:xfrm>
+      </p:grpSpPr>
+      <p:sp>
+        <p:nvSpPr>
+          <p:cNvPr id="51" name="CustomShape 1"/>
+          <p:cNvSpPr/>
+          <p:nvPr/>
+        </p:nvSpPr>
+        <p:spPr>
+          <a:xfrm>
+            <a:off x="1671480" y="476640"/>
+            <a:ext cx="5540040" cy="1521720"/>
+          </a:xfrm>
+          <a:prstGeom prst="rect">
+            <a:avLst/>
+          </a:prstGeom>
+        </p:spPr>
+        <p:txBody>
+          <a:bodyPr wrap="none" lIns="90000" tIns="45000" rIns="90000" bIns="45000"/>
+          <a:lstStyle/>
+          <a:p>
+            <a:pPr algn="ctr">
+              <a:lnSpc>
+                <a:spcPct val="100000"/>
+              </a:lnSpc>
+            </a:pPr>
+            <a:endParaRPr/>
+          </a:p>
+          <a:p>
+            <a:pPr algn="ctr">
+              <a:lnSpc>
+                <a:spcPct val="100000"/>
+              </a:lnSpc>
+            </a:pPr>
+            <a:endParaRPr/>
+          </a:p>
+          <a:p>
+            <a:pPr algn="ctr">
+              <a:lnSpc>
+                <a:spcPct val="100000"/>
+              </a:lnSpc>
+            </a:pPr>
+            <a:endParaRPr/>
+          </a:p>
+        </p:txBody>
+      </p:sp>
+      <p:sp>
+        <p:nvSpPr>
+          <p:cNvPr id="52" name="CustomShape 2"/>
+          <p:cNvSpPr/>
+          <p:nvPr/>
+        </p:nvSpPr>
+        <p:spPr>
+          <a:xfrm>
+            <a:off x="323640" y="1795320"/>
+            <a:ext cx="8177040" cy="4633560"/>
+          </a:xfrm>
+          <a:prstGeom prst="rect">
+            <a:avLst/>
+          </a:prstGeom>
+        </p:spPr>
+      </p:sp>
+      <p:sp>
+        <p:nvSpPr>
+          <p:cNvPr id="53" name="TextShape 3"/>
+          <p:cNvSpPr txBox="1"/>
+          <p:nvPr/>
+        </p:nvSpPr>
+        <p:spPr>
+          <a:xfrm>
+            <a:off x="1166040" y="864000"/>
+            <a:ext cx="6753960" cy="1368000"/>
+          </a:xfrm>
+          <a:prstGeom prst="rect">
+            <a:avLst/>
+          </a:prstGeom>
+        </p:spPr>
+        <p:txBody>
+          <a:bodyPr wrap="none" lIns="90000" tIns="45000" rIns="90000" bIns="45000"/>
+          <a:lstStyle/>
+          <a:p>
+            <a:pPr algn="ctr">
+              <a:lnSpc>
+                <a:spcPct val="100000"/>
+              </a:lnSpc>
+            </a:pPr>
+            <a:r>
+              <a:rPr lang="it-IT" sz="4800" b="1">
+                <a:solidFill>
+                  <a:srgbClr val="000000"/>
+                </a:solidFill>
+                <a:latin typeface="Calibri"/>
+              </a:rPr>
+              <a:t>IMPLEMENTAZIONE</a:t>
+            </a:r>
+            <a:endParaRPr/>
+          </a:p>
+        </p:txBody>
+      </p:sp>
+      <p:pic>
+        <p:nvPicPr>
+          <p:cNvPr id="54" name="Immagine 53"/>
+          <p:cNvPicPr/>
+          <p:nvPr/>
+        </p:nvPicPr>
+        <p:blipFill>
+          <a:blip r:embed="rId2"/>
+          <a:stretch>
+            <a:fillRect/>
+          </a:stretch>
+        </p:blipFill>
+        <p:spPr>
+          <a:xfrm>
+            <a:off x="216000" y="1656000"/>
+            <a:ext cx="8712000" cy="4392000"/>
+          </a:xfrm>
+          <a:prstGeom prst="rect">
+            <a:avLst/>
+          </a:prstGeom>
+        </p:spPr>
+      </p:pic>
+      <p:cxnSp>
+        <p:nvCxnSpPr>
+          <p:cNvPr id="7" name="Connettore 2 6"/>
+          <p:cNvCxnSpPr/>
+          <p:nvPr/>
+        </p:nvCxnSpPr>
+        <p:spPr>
+          <a:xfrm rot="16200000" flipV="1">
+            <a:off x="7072330" y="2714620"/>
+            <a:ext cx="428628" cy="428628"/>
+          </a:xfrm>
+          <a:prstGeom prst="straightConnector1">
+            <a:avLst/>
+          </a:prstGeom>
+          <a:ln>
+            <a:tailEnd type="arrow"/>
+          </a:ln>
+        </p:spPr>
+        <p:style>
+          <a:lnRef idx="1">
+            <a:schemeClr val="accent1"/>
+          </a:lnRef>
+          <a:fillRef idx="0">
+            <a:schemeClr val="accent1"/>
+          </a:fillRef>
+          <a:effectRef idx="0">
+            <a:schemeClr val="accent1"/>
+          </a:effectRef>
+          <a:fontRef idx="minor">
+            <a:schemeClr val="tx1"/>
+          </a:fontRef>
+        </p:style>
+      </p:cxnSp>
+      <p:sp>
+        <p:nvSpPr>
+          <p:cNvPr id="8" name="CasellaDiTesto 7"/>
+          <p:cNvSpPr txBox="1"/>
+          <p:nvPr/>
+        </p:nvSpPr>
+        <p:spPr>
+          <a:xfrm>
+            <a:off x="3714744" y="2000240"/>
+            <a:ext cx="4357718" cy="646331"/>
+          </a:xfrm>
+          <a:prstGeom prst="rect">
+            <a:avLst/>
+          </a:prstGeom>
+          <a:noFill/>
+        </p:spPr>
+        <p:txBody>
+          <a:bodyPr wrap="square" rtlCol="0">
+            <a:spAutoFit/>
+          </a:bodyPr>
+          <a:lstStyle/>
+          <a:p>
+            <a:r>
+              <a:rPr lang="it-IT" dirty="0" smtClean="0"/>
+              <a:t>All’interfaccia </a:t>
+            </a:r>
+            <a:r>
+              <a:rPr lang="it-IT" dirty="0" err="1" smtClean="0"/>
+              <a:t>Implementor</a:t>
+            </a:r>
+            <a:r>
+              <a:rPr lang="it-IT" dirty="0" smtClean="0"/>
+              <a:t> </a:t>
+            </a:r>
+            <a:r>
+              <a:rPr lang="it-IT" dirty="0" err="1" smtClean="0"/>
+              <a:t>corrispone</a:t>
+            </a:r>
+            <a:r>
+              <a:rPr lang="it-IT" dirty="0" smtClean="0"/>
+              <a:t> l’interfaccia Messaggio</a:t>
+            </a:r>
+            <a:endParaRPr lang="it-IT" dirty="0"/>
+          </a:p>
+        </p:txBody>
+      </p:sp>
+    </p:spTree>
+    <p:extLst>
+      <p:ext uri="{BB962C8B-B14F-4D97-AF65-F5344CB8AC3E}">
+        <p14:creationId xmlns:p14="http://schemas.microsoft.com/office/powerpoint/2010/main" val="2938595398"/>
+      </p:ext>
+    </p:extLst>
+  </p:cSld>
+  <p:clrMapOvr>
+    <a:masterClrMapping/>
+  </p:clrMapOvr>
+  <p:timing>
+    <p:tnLst>
+      <p:par>
+        <p:cTn xmlns:p14="http://schemas.microsoft.com/office/powerpoint/2010/main" id="1" dur="indefinite" restart="never" nodeType="tmRoot">
+          <p:childTnLst>
+            <p:seq>
+              <p:cTn id="2" nodeType="mainSeq"/>
+              <p:prevCondLst>
+                <p:cond evt="onPrev" delay="0">
+                  <p:tgtEl>
+                    <p:sldTgt/>
+                  </p:tgtEl>
+                </p:cond>
+              </p:prevCondLst>
+              <p:nextCondLst>
+                <p:cond evt="onNext" delay="0">
+                  <p:tgtEl>
+                    <p:sldTgt/>
+                  </p:tgtEl>
+                </p:cond>
+              </p:nextCondLst>
+            </p:seq>
+          </p:childTnLst>
+        </p:cTn>
+      </p:par>
+    </p:tnLst>
+  </p:timing>
+</p:sld>
+</file>
+
+<file path=ppt/slides/slide81.xml><?xml version="1.0" encoding="utf-8"?>
+<p:sld xmlns:a="http://schemas.openxmlformats.org/drawingml/2006/main" xmlns:r="http://schemas.openxmlformats.org/officeDocument/2006/relationships" xmlns:p="http://schemas.openxmlformats.org/presentationml/2006/main">
+  <p:cSld>
+    <p:spTree>
+      <p:nvGrpSpPr>
+        <p:cNvPr id="1" name=""/>
+        <p:cNvGrpSpPr/>
+        <p:nvPr/>
+      </p:nvGrpSpPr>
+      <p:grpSpPr>
+        <a:xfrm>
+          <a:off x="0" y="0"/>
+          <a:ext cx="0" cy="0"/>
+          <a:chOff x="0" y="0"/>
+          <a:chExt cx="0" cy="0"/>
+        </a:xfrm>
+      </p:grpSpPr>
+      <p:sp>
+        <p:nvSpPr>
+          <p:cNvPr id="51" name="CustomShape 1"/>
+          <p:cNvSpPr/>
+          <p:nvPr/>
+        </p:nvSpPr>
+        <p:spPr>
+          <a:xfrm>
+            <a:off x="1671480" y="476640"/>
+            <a:ext cx="5540040" cy="1521720"/>
+          </a:xfrm>
+          <a:prstGeom prst="rect">
+            <a:avLst/>
+          </a:prstGeom>
+        </p:spPr>
+        <p:txBody>
+          <a:bodyPr wrap="none" lIns="90000" tIns="45000" rIns="90000" bIns="45000"/>
+          <a:lstStyle/>
+          <a:p>
+            <a:pPr algn="ctr">
+              <a:lnSpc>
+                <a:spcPct val="100000"/>
+              </a:lnSpc>
+            </a:pPr>
+            <a:endParaRPr/>
+          </a:p>
+          <a:p>
+            <a:pPr algn="ctr">
+              <a:lnSpc>
+                <a:spcPct val="100000"/>
+              </a:lnSpc>
+            </a:pPr>
+            <a:endParaRPr/>
+          </a:p>
+          <a:p>
+            <a:pPr algn="ctr">
+              <a:lnSpc>
+                <a:spcPct val="100000"/>
+              </a:lnSpc>
+            </a:pPr>
+            <a:endParaRPr/>
+          </a:p>
+        </p:txBody>
+      </p:sp>
+      <p:sp>
+        <p:nvSpPr>
+          <p:cNvPr id="52" name="CustomShape 2"/>
+          <p:cNvSpPr/>
+          <p:nvPr/>
+        </p:nvSpPr>
+        <p:spPr>
+          <a:xfrm>
+            <a:off x="323640" y="1795320"/>
+            <a:ext cx="8177040" cy="4633560"/>
+          </a:xfrm>
+          <a:prstGeom prst="rect">
+            <a:avLst/>
+          </a:prstGeom>
+        </p:spPr>
+      </p:sp>
+      <p:sp>
+        <p:nvSpPr>
+          <p:cNvPr id="53" name="TextShape 3"/>
+          <p:cNvSpPr txBox="1"/>
+          <p:nvPr/>
+        </p:nvSpPr>
+        <p:spPr>
+          <a:xfrm>
+            <a:off x="1166040" y="864000"/>
+            <a:ext cx="6753960" cy="1368000"/>
+          </a:xfrm>
+          <a:prstGeom prst="rect">
+            <a:avLst/>
+          </a:prstGeom>
+        </p:spPr>
+        <p:txBody>
+          <a:bodyPr wrap="none" lIns="90000" tIns="45000" rIns="90000" bIns="45000"/>
+          <a:lstStyle/>
+          <a:p>
+            <a:pPr algn="ctr">
+              <a:lnSpc>
+                <a:spcPct val="100000"/>
+              </a:lnSpc>
+            </a:pPr>
+            <a:r>
+              <a:rPr lang="it-IT" sz="4800" b="1">
+                <a:solidFill>
+                  <a:srgbClr val="000000"/>
+                </a:solidFill>
+                <a:latin typeface="Calibri"/>
+              </a:rPr>
+              <a:t>IMPLEMENTAZIONE</a:t>
+            </a:r>
+            <a:endParaRPr/>
+          </a:p>
+        </p:txBody>
+      </p:sp>
+      <p:pic>
+        <p:nvPicPr>
+          <p:cNvPr id="54" name="Immagine 53"/>
+          <p:cNvPicPr/>
+          <p:nvPr/>
+        </p:nvPicPr>
+        <p:blipFill>
+          <a:blip r:embed="rId2"/>
+          <a:stretch>
+            <a:fillRect/>
+          </a:stretch>
+        </p:blipFill>
+        <p:spPr>
+          <a:xfrm>
+            <a:off x="216000" y="1656000"/>
+            <a:ext cx="8712000" cy="4392000"/>
+          </a:xfrm>
+          <a:prstGeom prst="rect">
+            <a:avLst/>
+          </a:prstGeom>
+        </p:spPr>
+      </p:pic>
+      <p:cxnSp>
+        <p:nvCxnSpPr>
+          <p:cNvPr id="7" name="Connettore 2 6"/>
+          <p:cNvCxnSpPr/>
+          <p:nvPr/>
+        </p:nvCxnSpPr>
+        <p:spPr>
+          <a:xfrm rot="5400000" flipH="1" flipV="1">
+            <a:off x="2464579" y="4036223"/>
+            <a:ext cx="2428892" cy="71438"/>
+          </a:xfrm>
+          <a:prstGeom prst="straightConnector1">
+            <a:avLst/>
+          </a:prstGeom>
+          <a:ln>
+            <a:tailEnd type="arrow"/>
+          </a:ln>
+        </p:spPr>
+        <p:style>
+          <a:lnRef idx="1">
+            <a:schemeClr val="accent1"/>
+          </a:lnRef>
+          <a:fillRef idx="0">
+            <a:schemeClr val="accent1"/>
+          </a:fillRef>
+          <a:effectRef idx="0">
+            <a:schemeClr val="accent1"/>
+          </a:effectRef>
+          <a:fontRef idx="minor">
+            <a:schemeClr val="tx1"/>
+          </a:fontRef>
+        </p:style>
+      </p:cxnSp>
+      <p:cxnSp>
+        <p:nvCxnSpPr>
+          <p:cNvPr id="11" name="Connettore 2 10"/>
+          <p:cNvCxnSpPr/>
+          <p:nvPr/>
+        </p:nvCxnSpPr>
+        <p:spPr>
+          <a:xfrm rot="16200000" flipV="1">
+            <a:off x="6679421" y="3964785"/>
+            <a:ext cx="2714644" cy="71438"/>
+          </a:xfrm>
+          <a:prstGeom prst="straightConnector1">
+            <a:avLst/>
+          </a:prstGeom>
+          <a:ln>
+            <a:tailEnd type="arrow"/>
+          </a:ln>
+        </p:spPr>
+        <p:style>
+          <a:lnRef idx="1">
+            <a:schemeClr val="accent1"/>
+          </a:lnRef>
+          <a:fillRef idx="0">
+            <a:schemeClr val="accent1"/>
+          </a:fillRef>
+          <a:effectRef idx="0">
+            <a:schemeClr val="accent1"/>
+          </a:effectRef>
+          <a:fontRef idx="minor">
+            <a:schemeClr val="tx1"/>
+          </a:fontRef>
+        </p:style>
+      </p:cxnSp>
+      <p:sp>
+        <p:nvSpPr>
+          <p:cNvPr id="26" name="CasellaDiTesto 25"/>
+          <p:cNvSpPr txBox="1"/>
+          <p:nvPr/>
+        </p:nvSpPr>
+        <p:spPr>
+          <a:xfrm>
+            <a:off x="3286116" y="1857364"/>
+            <a:ext cx="5674567" cy="923330"/>
+          </a:xfrm>
+          <a:prstGeom prst="rect">
+            <a:avLst/>
+          </a:prstGeom>
+          <a:noFill/>
+        </p:spPr>
+        <p:txBody>
+          <a:bodyPr wrap="none" rtlCol="0">
+            <a:spAutoFit/>
+          </a:bodyPr>
+          <a:lstStyle/>
+          <a:p>
+            <a:r>
+              <a:rPr lang="it-IT" dirty="0" smtClean="0"/>
+              <a:t>Alle classi </a:t>
+            </a:r>
+            <a:r>
+              <a:rPr lang="it-IT" dirty="0" err="1" smtClean="0"/>
+              <a:t>ConcreteImplementor</a:t>
+            </a:r>
+            <a:r>
+              <a:rPr lang="it-IT" dirty="0" smtClean="0"/>
+              <a:t> A </a:t>
+            </a:r>
+            <a:r>
+              <a:rPr lang="it-IT" dirty="0" smtClean="0"/>
+              <a:t>e B </a:t>
+            </a:r>
+            <a:r>
+              <a:rPr lang="it-IT" dirty="0" smtClean="0"/>
+              <a:t>corrispondono i vari </a:t>
+            </a:r>
+          </a:p>
+          <a:p>
+            <a:r>
+              <a:rPr lang="it-IT" dirty="0" smtClean="0"/>
+              <a:t>tipi di messaggi sopra </a:t>
+            </a:r>
+            <a:r>
+              <a:rPr lang="it-IT" dirty="0" smtClean="0"/>
+              <a:t>citati, </a:t>
+            </a:r>
+            <a:r>
+              <a:rPr lang="it-IT" dirty="0" smtClean="0"/>
+              <a:t>ovvero : </a:t>
+            </a:r>
+            <a:r>
+              <a:rPr lang="it-IT" dirty="0" err="1" smtClean="0"/>
+              <a:t>ComposizioneClasse</a:t>
+            </a:r>
+            <a:r>
+              <a:rPr lang="it-IT" dirty="0" smtClean="0"/>
+              <a:t>,</a:t>
+            </a:r>
+          </a:p>
+          <a:p>
+            <a:r>
+              <a:rPr lang="it-IT" dirty="0" smtClean="0"/>
+              <a:t>Evento,Registrazione e Licenziamento.</a:t>
+            </a:r>
+            <a:endParaRPr lang="it-IT" dirty="0"/>
+          </a:p>
+        </p:txBody>
+      </p:sp>
+    </p:spTree>
+    <p:extLst>
+      <p:ext uri="{BB962C8B-B14F-4D97-AF65-F5344CB8AC3E}">
+        <p14:creationId xmlns:p14="http://schemas.microsoft.com/office/powerpoint/2010/main" val="3382536623"/>
+      </p:ext>
+    </p:extLst>
+  </p:cSld>
+  <p:clrMapOvr>
+    <a:masterClrMapping/>
+  </p:clrMapOvr>
+  <p:timing>
+    <p:tnLst>
+      <p:par>
+        <p:cTn xmlns:p14="http://schemas.microsoft.com/office/powerpoint/2010/main" id="1" dur="indefinite" restart="never" nodeType="tmRoot">
+          <p:childTnLst>
+            <p:seq>
+              <p:cTn id="2" nodeType="mainSeq"/>
+              <p:prevCondLst>
+                <p:cond evt="onPrev" delay="0">
+                  <p:tgtEl>
+                    <p:sldTgt/>
+                  </p:tgtEl>
+                </p:cond>
+              </p:prevCondLst>
+              <p:nextCondLst>
+                <p:cond evt="onNext" delay="0">
+                  <p:tgtEl>
+                    <p:sldTgt/>
+                  </p:tgtEl>
+                </p:cond>
+              </p:nextCondLst>
+            </p:seq>
+          </p:childTnLst>
+        </p:cTn>
+      </p:par>
+    </p:tnLst>
+  </p:timing>
+</p:sld>
+</file>
+
+<file path=ppt/slides/slide82.xml><?xml version="1.0" encoding="utf-8"?>
+<p:sld xmlns:a="http://schemas.openxmlformats.org/drawingml/2006/main" xmlns:r="http://schemas.openxmlformats.org/officeDocument/2006/relationships" xmlns:p="http://schemas.openxmlformats.org/presentationml/2006/main">
+  <p:cSld>
+    <p:spTree>
+      <p:nvGrpSpPr>
+        <p:cNvPr id="1" name=""/>
+        <p:cNvGrpSpPr/>
+        <p:nvPr/>
+      </p:nvGrpSpPr>
+      <p:grpSpPr>
+        <a:xfrm>
+          <a:off x="0" y="0"/>
+          <a:ext cx="0" cy="0"/>
+          <a:chOff x="0" y="0"/>
+          <a:chExt cx="0" cy="0"/>
+        </a:xfrm>
+      </p:grpSpPr>
+      <p:sp>
+        <p:nvSpPr>
+          <p:cNvPr id="48" name="CustomShape 1"/>
+          <p:cNvSpPr/>
+          <p:nvPr/>
+        </p:nvSpPr>
+        <p:spPr>
+          <a:xfrm>
+            <a:off x="1671480" y="476640"/>
+            <a:ext cx="5540040" cy="1521720"/>
+          </a:xfrm>
+          <a:prstGeom prst="rect">
+            <a:avLst/>
+          </a:prstGeom>
+        </p:spPr>
+        <p:txBody>
+          <a:bodyPr wrap="none" lIns="90000" tIns="45000" rIns="90000" bIns="45000"/>
+          <a:lstStyle/>
+          <a:p>
+            <a:pPr algn="ctr">
+              <a:lnSpc>
+                <a:spcPct val="100000"/>
+              </a:lnSpc>
+            </a:pPr>
+            <a:endParaRPr/>
+          </a:p>
+          <a:p>
+            <a:pPr algn="ctr">
+              <a:lnSpc>
+                <a:spcPct val="100000"/>
+              </a:lnSpc>
+            </a:pPr>
+            <a:endParaRPr/>
+          </a:p>
+          <a:p>
+            <a:pPr algn="ctr">
+              <a:lnSpc>
+                <a:spcPct val="100000"/>
+              </a:lnSpc>
+            </a:pPr>
+            <a:endParaRPr/>
+          </a:p>
+        </p:txBody>
+      </p:sp>
+      <p:sp>
+        <p:nvSpPr>
+          <p:cNvPr id="49" name="CustomShape 2"/>
+          <p:cNvSpPr/>
+          <p:nvPr/>
+        </p:nvSpPr>
+        <p:spPr>
+          <a:xfrm>
+            <a:off x="323640" y="1795320"/>
+            <a:ext cx="8177040" cy="4633560"/>
+          </a:xfrm>
+          <a:prstGeom prst="rect">
+            <a:avLst/>
+          </a:prstGeom>
+        </p:spPr>
+        <p:txBody>
+          <a:bodyPr lIns="90000" tIns="0" rIns="90000" bIns="45000"/>
+          <a:lstStyle/>
+          <a:p>
+            <a:pPr>
+              <a:lnSpc>
+                <a:spcPct val="100000"/>
+              </a:lnSpc>
+              <a:buSzPct val="95000"/>
+              <a:buFont typeface="Wingdings" pitchFamily="2" charset="2"/>
+              <a:buChar char="v"/>
+            </a:pPr>
+            <a:endParaRPr lang="it-IT" sz="3200" b="1" dirty="0" smtClean="0"/>
+          </a:p>
+          <a:p>
+            <a:pPr>
+              <a:lnSpc>
+                <a:spcPct val="100000"/>
+              </a:lnSpc>
+              <a:buSzPct val="95000"/>
+              <a:buFont typeface="Wingdings" pitchFamily="2" charset="2"/>
+              <a:buChar char="v"/>
+            </a:pPr>
+            <a:r>
+              <a:rPr lang="it-IT" sz="3200" b="1" dirty="0" smtClean="0"/>
+              <a:t>Perché</a:t>
+            </a:r>
+            <a:endParaRPr lang="it-IT" sz="3200" dirty="0" smtClean="0"/>
+          </a:p>
+          <a:p>
+            <a:pPr>
+              <a:lnSpc>
+                <a:spcPct val="100000"/>
+              </a:lnSpc>
+              <a:buSzPct val="95000"/>
+            </a:pPr>
+            <a:endParaRPr lang="it-IT" sz="3200" dirty="0" smtClean="0"/>
+          </a:p>
+          <a:p>
+            <a:pPr lvl="1">
+              <a:buSzPct val="95000"/>
+              <a:buFont typeface="Arial" pitchFamily="34" charset="0"/>
+              <a:buChar char="•"/>
+            </a:pPr>
+            <a:r>
+              <a:rPr lang="it-IT" sz="2800" dirty="0" smtClean="0"/>
+              <a:t> ci </a:t>
+            </a:r>
+            <a:r>
+              <a:rPr lang="it-IT" sz="2800" dirty="0" smtClean="0"/>
+              <a:t>permette di inserire altri messaggi in modo semplice  e senza causare molti cambiamenti nel </a:t>
+            </a:r>
+            <a:r>
+              <a:rPr lang="it-IT" sz="2800" dirty="0" smtClean="0"/>
+              <a:t>sistema, così </a:t>
+            </a:r>
+            <a:r>
+              <a:rPr lang="it-IT" sz="2800" dirty="0" smtClean="0"/>
+              <a:t>come modificare quelli già esistenti.</a:t>
+            </a:r>
+          </a:p>
+        </p:txBody>
+      </p:sp>
+      <p:sp>
+        <p:nvSpPr>
+          <p:cNvPr id="50" name="TextShape 3"/>
+          <p:cNvSpPr txBox="1"/>
+          <p:nvPr/>
+        </p:nvSpPr>
+        <p:spPr>
+          <a:xfrm>
+            <a:off x="1166040" y="864000"/>
+            <a:ext cx="6753960" cy="1368000"/>
+          </a:xfrm>
+          <a:prstGeom prst="rect">
+            <a:avLst/>
+          </a:prstGeom>
+        </p:spPr>
+        <p:txBody>
+          <a:bodyPr wrap="none" lIns="90000" tIns="45000" rIns="90000" bIns="45000"/>
+          <a:lstStyle/>
+          <a:p>
+            <a:pPr algn="ctr">
+              <a:lnSpc>
+                <a:spcPct val="100000"/>
+              </a:lnSpc>
+            </a:pPr>
+            <a:r>
+              <a:rPr lang="it-IT" sz="4800" b="1" dirty="0" smtClean="0">
+                <a:solidFill>
+                  <a:srgbClr val="000000"/>
+                </a:solidFill>
+                <a:latin typeface="Calibri"/>
+              </a:rPr>
+              <a:t>PERCHE’ BRIDGE?</a:t>
+            </a:r>
+          </a:p>
+          <a:p>
+            <a:pPr algn="ctr">
+              <a:lnSpc>
+                <a:spcPct val="100000"/>
+              </a:lnSpc>
+            </a:pPr>
+            <a:r>
+              <a:rPr lang="it-IT" sz="3000" dirty="0" smtClean="0">
+                <a:solidFill>
+                  <a:srgbClr val="000000"/>
+                </a:solidFill>
+                <a:latin typeface="Calibri"/>
+              </a:rPr>
+              <a:t>(1)</a:t>
+            </a:r>
+            <a:endParaRPr sz="3000"/>
+          </a:p>
+        </p:txBody>
+      </p:sp>
+    </p:spTree>
+    <p:extLst>
+      <p:ext uri="{BB962C8B-B14F-4D97-AF65-F5344CB8AC3E}">
+        <p14:creationId xmlns:p14="http://schemas.microsoft.com/office/powerpoint/2010/main" val="945142828"/>
+      </p:ext>
+    </p:extLst>
+  </p:cSld>
+  <p:clrMapOvr>
+    <a:masterClrMapping/>
+  </p:clrMapOvr>
+  <p:timing>
+    <p:tnLst>
+      <p:par>
+        <p:cTn xmlns:p14="http://schemas.microsoft.com/office/powerpoint/2010/main" id="1" dur="indefinite" restart="never" nodeType="tmRoot">
+          <p:childTnLst>
+            <p:seq>
+              <p:cTn id="2" nodeType="mainSeq"/>
+              <p:prevCondLst>
+                <p:cond evt="onPrev" delay="0">
+                  <p:tgtEl>
+                    <p:sldTgt/>
+                  </p:tgtEl>
+                </p:cond>
+              </p:prevCondLst>
+              <p:nextCondLst>
+                <p:cond evt="onNext" delay="0">
+                  <p:tgtEl>
+                    <p:sldTgt/>
+                  </p:tgtEl>
+                </p:cond>
+              </p:nextCondLst>
+            </p:seq>
+          </p:childTnLst>
+        </p:cTn>
+      </p:par>
+    </p:tnLst>
+  </p:timing>
+</p:sld>
+</file>
+
+<file path=ppt/slides/slide83.xml><?xml version="1.0" encoding="utf-8"?>
+<p:sld xmlns:a="http://schemas.openxmlformats.org/drawingml/2006/main" xmlns:r="http://schemas.openxmlformats.org/officeDocument/2006/relationships" xmlns:p="http://schemas.openxmlformats.org/presentationml/2006/main">
+  <p:cSld>
+    <p:spTree>
+      <p:nvGrpSpPr>
+        <p:cNvPr id="1" name=""/>
+        <p:cNvGrpSpPr/>
+        <p:nvPr/>
+      </p:nvGrpSpPr>
+      <p:grpSpPr>
+        <a:xfrm>
+          <a:off x="0" y="0"/>
+          <a:ext cx="0" cy="0"/>
+          <a:chOff x="0" y="0"/>
+          <a:chExt cx="0" cy="0"/>
+        </a:xfrm>
+      </p:grpSpPr>
+      <p:sp>
+        <p:nvSpPr>
+          <p:cNvPr id="48" name="CustomShape 1"/>
+          <p:cNvSpPr/>
+          <p:nvPr/>
+        </p:nvSpPr>
+        <p:spPr>
+          <a:xfrm>
+            <a:off x="1671480" y="476640"/>
+            <a:ext cx="5540040" cy="1521720"/>
+          </a:xfrm>
+          <a:prstGeom prst="rect">
+            <a:avLst/>
+          </a:prstGeom>
+        </p:spPr>
+        <p:txBody>
+          <a:bodyPr wrap="none" lIns="90000" tIns="45000" rIns="90000" bIns="45000"/>
+          <a:lstStyle/>
+          <a:p>
+            <a:pPr algn="ctr">
+              <a:lnSpc>
+                <a:spcPct val="100000"/>
+              </a:lnSpc>
+            </a:pPr>
+            <a:endParaRPr/>
+          </a:p>
+          <a:p>
+            <a:pPr algn="ctr">
+              <a:lnSpc>
+                <a:spcPct val="100000"/>
+              </a:lnSpc>
+            </a:pPr>
+            <a:endParaRPr/>
+          </a:p>
+          <a:p>
+            <a:pPr algn="ctr">
+              <a:lnSpc>
+                <a:spcPct val="100000"/>
+              </a:lnSpc>
+            </a:pPr>
+            <a:endParaRPr/>
+          </a:p>
+        </p:txBody>
+      </p:sp>
+      <p:sp>
+        <p:nvSpPr>
+          <p:cNvPr id="49" name="CustomShape 2"/>
+          <p:cNvSpPr/>
+          <p:nvPr/>
+        </p:nvSpPr>
+        <p:spPr>
+          <a:xfrm>
+            <a:off x="357158" y="1795320"/>
+            <a:ext cx="8177040" cy="4633560"/>
+          </a:xfrm>
+          <a:prstGeom prst="rect">
+            <a:avLst/>
+          </a:prstGeom>
+        </p:spPr>
+        <p:txBody>
+          <a:bodyPr lIns="90000" tIns="0" rIns="90000" bIns="45000"/>
+          <a:lstStyle/>
+          <a:p>
+            <a:pPr>
+              <a:lnSpc>
+                <a:spcPct val="100000"/>
+              </a:lnSpc>
+              <a:buSzPct val="95000"/>
+              <a:buFont typeface="Wingdings" pitchFamily="2" charset="2"/>
+              <a:buChar char="v"/>
+            </a:pPr>
+            <a:endParaRPr lang="it-IT" sz="3200" b="1" dirty="0" smtClean="0"/>
+          </a:p>
+          <a:p>
+            <a:pPr>
+              <a:lnSpc>
+                <a:spcPct val="100000"/>
+              </a:lnSpc>
+              <a:buSzPct val="95000"/>
+              <a:buFont typeface="Wingdings" pitchFamily="2" charset="2"/>
+              <a:buChar char="v"/>
+            </a:pPr>
+            <a:r>
+              <a:rPr lang="it-IT" sz="3200" b="1" dirty="0" smtClean="0"/>
+              <a:t>Perché</a:t>
+            </a:r>
+          </a:p>
+          <a:p>
+            <a:pPr lvl="1">
+              <a:buSzPct val="95000"/>
+            </a:pPr>
+            <a:endParaRPr lang="it-IT" sz="2800" dirty="0" smtClean="0"/>
+          </a:p>
+          <a:p>
+            <a:pPr lvl="1">
+              <a:buSzPct val="95000"/>
+              <a:buFont typeface="Arial" pitchFamily="34" charset="0"/>
+              <a:buChar char="•"/>
+            </a:pPr>
+            <a:r>
+              <a:rPr lang="it-IT" sz="2800" dirty="0" smtClean="0"/>
+              <a:t> il </a:t>
+            </a:r>
+            <a:r>
+              <a:rPr lang="it-IT" sz="2800" dirty="0" err="1" smtClean="0"/>
+              <a:t>controlMail</a:t>
+            </a:r>
+            <a:r>
+              <a:rPr lang="it-IT" sz="2800" dirty="0" smtClean="0"/>
+              <a:t> può usare un solo metodo di invio senza badare al tipo di </a:t>
+            </a:r>
+            <a:r>
+              <a:rPr lang="it-IT" sz="2800" dirty="0" smtClean="0"/>
+              <a:t>notifica, </a:t>
+            </a:r>
+            <a:r>
+              <a:rPr lang="it-IT" sz="2800" dirty="0" smtClean="0"/>
+              <a:t>infatti prende in input un oggetto MESSAGGIO.</a:t>
+            </a:r>
+            <a:endParaRPr sz="2800" dirty="0"/>
+          </a:p>
+        </p:txBody>
+      </p:sp>
+      <p:sp>
+        <p:nvSpPr>
+          <p:cNvPr id="50" name="TextShape 3"/>
+          <p:cNvSpPr txBox="1"/>
+          <p:nvPr/>
+        </p:nvSpPr>
+        <p:spPr>
+          <a:xfrm>
+            <a:off x="1166040" y="864000"/>
+            <a:ext cx="6753960" cy="1368000"/>
+          </a:xfrm>
+          <a:prstGeom prst="rect">
+            <a:avLst/>
+          </a:prstGeom>
+        </p:spPr>
+        <p:txBody>
+          <a:bodyPr wrap="none" lIns="90000" tIns="45000" rIns="90000" bIns="45000"/>
+          <a:lstStyle/>
+          <a:p>
+            <a:pPr algn="ctr">
+              <a:lnSpc>
+                <a:spcPct val="100000"/>
+              </a:lnSpc>
+            </a:pPr>
+            <a:r>
+              <a:rPr lang="it-IT" sz="4800" b="1" dirty="0" smtClean="0">
+                <a:solidFill>
+                  <a:srgbClr val="000000"/>
+                </a:solidFill>
+                <a:latin typeface="Calibri"/>
+              </a:rPr>
+              <a:t>PERCHE’ BRIDGE?</a:t>
+            </a:r>
+          </a:p>
+          <a:p>
+            <a:pPr algn="ctr">
+              <a:lnSpc>
+                <a:spcPct val="100000"/>
+              </a:lnSpc>
+            </a:pPr>
+            <a:r>
+              <a:rPr lang="it-IT" sz="3000" dirty="0" smtClean="0">
+                <a:solidFill>
+                  <a:srgbClr val="000000"/>
+                </a:solidFill>
+                <a:latin typeface="Calibri"/>
+              </a:rPr>
+              <a:t>(2)</a:t>
+            </a:r>
+            <a:endParaRPr sz="3000"/>
+          </a:p>
+        </p:txBody>
+      </p:sp>
+    </p:spTree>
+    <p:extLst>
+      <p:ext uri="{BB962C8B-B14F-4D97-AF65-F5344CB8AC3E}">
+        <p14:creationId xmlns:p14="http://schemas.microsoft.com/office/powerpoint/2010/main" val="3313297802"/>
+      </p:ext>
+    </p:extLst>
+  </p:cSld>
+  <p:clrMapOvr>
+    <a:masterClrMapping/>
+  </p:clrMapOvr>
+  <p:timing>
+    <p:tnLst>
+      <p:par>
+        <p:cTn xmlns:p14="http://schemas.microsoft.com/office/powerpoint/2010/main" id="1" dur="indefinite" restart="never" nodeType="tmRoot">
+          <p:childTnLst>
+            <p:seq>
+              <p:cTn id="2" nodeType="mainSeq"/>
+              <p:prevCondLst>
+                <p:cond evt="onPrev" delay="0">
+                  <p:tgtEl>
+                    <p:sldTgt/>
+                  </p:tgtEl>
+                </p:cond>
+              </p:prevCondLst>
+              <p:nextCondLst>
+                <p:cond evt="onNext" delay="0">
+                  <p:tgtEl>
+                    <p:sldTgt/>
+                  </p:tgtEl>
+                </p:cond>
+              </p:nextCondLst>
+            </p:seq>
+          </p:childTnLst>
+        </p:cTn>
+      </p:par>
+    </p:tnLst>
+  </p:timing>
+</p:sld>
+</file>
+
+<file path=ppt/slides/slide84.xml><?xml version="1.0" encoding="utf-8"?>
+<p:sld xmlns:a="http://schemas.openxmlformats.org/drawingml/2006/main" xmlns:r="http://schemas.openxmlformats.org/officeDocument/2006/relationships" xmlns:p="http://schemas.openxmlformats.org/presentationml/2006/main">
+  <p:cSld>
+    <p:spTree>
+      <p:nvGrpSpPr>
+        <p:cNvPr id="1" name=""/>
+        <p:cNvGrpSpPr/>
+        <p:nvPr/>
+      </p:nvGrpSpPr>
+      <p:grpSpPr>
+        <a:xfrm>
+          <a:off x="0" y="0"/>
+          <a:ext cx="0" cy="0"/>
+          <a:chOff x="0" y="0"/>
+          <a:chExt cx="0" cy="0"/>
+        </a:xfrm>
+      </p:grpSpPr>
+      <p:sp>
+        <p:nvSpPr>
+          <p:cNvPr id="2" name="CasellaDiTesto 1"/>
+          <p:cNvSpPr txBox="1"/>
+          <p:nvPr/>
+        </p:nvSpPr>
+        <p:spPr>
+          <a:xfrm>
+            <a:off x="1885639" y="476672"/>
+            <a:ext cx="5687675" cy="1107996"/>
+          </a:xfrm>
+          <a:prstGeom prst="rect">
+            <a:avLst/>
+          </a:prstGeom>
+          <a:noFill/>
+        </p:spPr>
+        <p:txBody>
+          <a:bodyPr wrap="none" rtlCol="0">
+            <a:spAutoFit/>
+          </a:bodyPr>
+          <a:lstStyle/>
+          <a:p>
+            <a:pPr algn="ctr"/>
+            <a:r>
+              <a:rPr lang="it-IT" sz="4800" b="1" dirty="0" smtClean="0">
+                <a:latin typeface="+mj-lt"/>
+              </a:rPr>
+              <a:t>Parte </a:t>
+            </a:r>
+            <a:r>
+              <a:rPr lang="it-IT" sz="4800" b="1" smtClean="0">
+                <a:latin typeface="+mj-lt"/>
+              </a:rPr>
+              <a:t>di Ferdinando 2</a:t>
+            </a:r>
+            <a:endParaRPr lang="it-IT" sz="4800" b="1" dirty="0" smtClean="0">
+              <a:latin typeface="+mj-lt"/>
+            </a:endParaRPr>
+          </a:p>
+          <a:p>
+            <a:pPr algn="ctr"/>
+            <a:endParaRPr lang="it-IT" dirty="0">
+              <a:latin typeface="+mj-lt"/>
+            </a:endParaRPr>
+          </a:p>
+        </p:txBody>
+      </p:sp>
+    </p:spTree>
+    <p:extLst>
+      <p:ext uri="{BB962C8B-B14F-4D97-AF65-F5344CB8AC3E}">
+        <p14:creationId xmlns:p14="http://schemas.microsoft.com/office/powerpoint/2010/main" val="954892934"/>
+      </p:ext>
+    </p:extLst>
+  </p:cSld>
+  <p:clrMapOvr>
+    <a:masterClrMapping/>
+  </p:clrMapOvr>
+  <mc:AlternateContent xmlns:mc="http://schemas.openxmlformats.org/markup-compatibility/2006" xmlns:p14="http://schemas.microsoft.com/office/powerpoint/2010/main">
+    <mc:Choice Requires="p14">
+      <p:transition spd="slow" p14:dur="2000"/>
+    </mc:Choice>
+    <mc:Fallback xmlns="">
+      <p:transition spd="slow"/>
+    </mc:Fallback>
+  </mc:AlternateContent>
   <p:timing>
     <p:tnLst>
       <p:par>

--- a/Presentazione/Atsilo1/[BOZZA] Atsilo_A_PresentazioneFinale copia.pptx
+++ b/Presentazione/Atsilo1/[BOZZA] Atsilo_A_PresentazioneFinale copia.pptx
@@ -5,7 +5,7 @@
     <p:sldMasterId id="2147483684" r:id="rId1"/>
   </p:sldMasterIdLst>
   <p:notesMasterIdLst>
-    <p:notesMasterId r:id="rId101"/>
+    <p:notesMasterId r:id="rId103"/>
   </p:notesMasterIdLst>
   <p:sldIdLst>
     <p:sldId id="256" r:id="rId2"/>
@@ -106,7 +106,9 @@
     <p:sldId id="353" r:id="rId97"/>
     <p:sldId id="354" r:id="rId98"/>
     <p:sldId id="355" r:id="rId99"/>
-    <p:sldId id="373" r:id="rId100"/>
+    <p:sldId id="375" r:id="rId100"/>
+    <p:sldId id="373" r:id="rId101"/>
+    <p:sldId id="374" r:id="rId102"/>
   </p:sldIdLst>
   <p:sldSz cx="9144000" cy="6858000" type="screen4x3"/>
   <p:notesSz cx="6858000" cy="9144000"/>
@@ -1419,10 +1421,6 @@
           </a:bodyPr>
           <a:lstStyle/>
           <a:p>
-            <a:r>
-              <a:rPr lang="it-IT" dirty="0" smtClean="0"/>
-              <a:t>Familiarità: fare tutto ciò che prima era possibile, con maggior velocità ed efficienza. Un bene per tutti gli enti</a:t>
-            </a:r>
             <a:endParaRPr lang="it-IT" dirty="0"/>
           </a:p>
         </p:txBody>
@@ -1445,7 +1443,93 @@
             <a:fld id="{D70604CA-7593-4640-8FA1-5523937B8510}" type="slidenum">
               <a:rPr lang="it-IT" smtClean="0"/>
               <a:pPr/>
-              <a:t>99</a:t>
+              <a:t>100</a:t>
+            </a:fld>
+            <a:endParaRPr lang="it-IT"/>
+          </a:p>
+        </p:txBody>
+      </p:sp>
+    </p:spTree>
+  </p:cSld>
+  <p:clrMapOvr>
+    <a:masterClrMapping/>
+  </p:clrMapOvr>
+</p:notes>
+</file>
+
+<file path=ppt/notesSlides/notesSlide19.xml><?xml version="1.0" encoding="utf-8"?>
+<p:notes xmlns:a="http://schemas.openxmlformats.org/drawingml/2006/main" xmlns:r="http://schemas.openxmlformats.org/officeDocument/2006/relationships" xmlns:p="http://schemas.openxmlformats.org/presentationml/2006/main">
+  <p:cSld>
+    <p:spTree>
+      <p:nvGrpSpPr>
+        <p:cNvPr id="1" name=""/>
+        <p:cNvGrpSpPr/>
+        <p:nvPr/>
+      </p:nvGrpSpPr>
+      <p:grpSpPr>
+        <a:xfrm>
+          <a:off x="0" y="0"/>
+          <a:ext cx="0" cy="0"/>
+          <a:chOff x="0" y="0"/>
+          <a:chExt cx="0" cy="0"/>
+        </a:xfrm>
+      </p:grpSpPr>
+      <p:sp>
+        <p:nvSpPr>
+          <p:cNvPr id="2" name="Segnaposto immagine diapositiva 1"/>
+          <p:cNvSpPr>
+            <a:spLocks noGrp="1" noRot="1" noChangeAspect="1"/>
+          </p:cNvSpPr>
+          <p:nvPr>
+            <p:ph type="sldImg"/>
+          </p:nvPr>
+        </p:nvSpPr>
+        <p:spPr/>
+      </p:sp>
+      <p:sp>
+        <p:nvSpPr>
+          <p:cNvPr id="3" name="Segnaposto note 2"/>
+          <p:cNvSpPr>
+            <a:spLocks noGrp="1"/>
+          </p:cNvSpPr>
+          <p:nvPr>
+            <p:ph type="body" idx="1"/>
+          </p:nvPr>
+        </p:nvSpPr>
+        <p:spPr/>
+        <p:txBody>
+          <a:bodyPr>
+            <a:normAutofit/>
+          </a:bodyPr>
+          <a:lstStyle/>
+          <a:p>
+            <a:r>
+              <a:rPr lang="it-IT" dirty="0" smtClean="0"/>
+              <a:t>Familiarità: fare tutto ciò che prima era possibile, con maggior velocità ed efficienza. Un bene per tutti gli enti</a:t>
+            </a:r>
+            <a:endParaRPr lang="it-IT" dirty="0"/>
+          </a:p>
+        </p:txBody>
+      </p:sp>
+      <p:sp>
+        <p:nvSpPr>
+          <p:cNvPr id="4" name="Segnaposto numero diapositiva 3"/>
+          <p:cNvSpPr>
+            <a:spLocks noGrp="1"/>
+          </p:cNvSpPr>
+          <p:nvPr>
+            <p:ph type="sldNum" sz="quarter" idx="10"/>
+          </p:nvPr>
+        </p:nvSpPr>
+        <p:spPr/>
+        <p:txBody>
+          <a:bodyPr/>
+          <a:lstStyle/>
+          <a:p>
+            <a:fld id="{D70604CA-7593-4640-8FA1-5523937B8510}" type="slidenum">
+              <a:rPr lang="it-IT" smtClean="0"/>
+              <a:pPr/>
+              <a:t>101</a:t>
             </a:fld>
             <a:endParaRPr lang="it-IT"/>
           </a:p>
@@ -6889,6 +6973,765 @@
     <p:extLst>
       <p:ext uri="{BB962C8B-B14F-4D97-AF65-F5344CB8AC3E}">
         <p14:creationId xmlns:p14="http://schemas.microsoft.com/office/powerpoint/2010/main" val="4143007013"/>
+      </p:ext>
+    </p:extLst>
+  </p:cSld>
+  <p:clrMapOvr>
+    <a:masterClrMapping/>
+  </p:clrMapOvr>
+  <mc:AlternateContent xmlns:mc="http://schemas.openxmlformats.org/markup-compatibility/2006" xmlns:p14="http://schemas.microsoft.com/office/powerpoint/2010/main">
+    <mc:Choice Requires="p14">
+      <p:transition spd="slow" p14:dur="2000"/>
+    </mc:Choice>
+    <mc:Fallback xmlns="">
+      <p:transition spd="slow"/>
+    </mc:Fallback>
+  </mc:AlternateContent>
+  <p:timing>
+    <p:tnLst>
+      <p:par>
+        <p:cTn xmlns:p14="http://schemas.microsoft.com/office/powerpoint/2010/main" id="1" dur="indefinite" restart="never" nodeType="tmRoot"/>
+      </p:par>
+    </p:tnLst>
+  </p:timing>
+</p:sld>
+</file>
+
+<file path=ppt/slides/slide100.xml><?xml version="1.0" encoding="utf-8"?>
+<p:sld xmlns:a="http://schemas.openxmlformats.org/drawingml/2006/main" xmlns:r="http://schemas.openxmlformats.org/officeDocument/2006/relationships" xmlns:p="http://schemas.openxmlformats.org/presentationml/2006/main">
+  <p:cSld>
+    <p:spTree>
+      <p:nvGrpSpPr>
+        <p:cNvPr id="1" name=""/>
+        <p:cNvGrpSpPr/>
+        <p:nvPr/>
+      </p:nvGrpSpPr>
+      <p:grpSpPr>
+        <a:xfrm>
+          <a:off x="0" y="0"/>
+          <a:ext cx="0" cy="0"/>
+          <a:chOff x="0" y="0"/>
+          <a:chExt cx="0" cy="0"/>
+        </a:xfrm>
+      </p:grpSpPr>
+      <p:sp>
+        <p:nvSpPr>
+          <p:cNvPr id="2" name="CasellaDiTesto 1"/>
+          <p:cNvSpPr txBox="1"/>
+          <p:nvPr/>
+        </p:nvSpPr>
+        <p:spPr>
+          <a:xfrm>
+            <a:off x="2339752" y="1"/>
+            <a:ext cx="4096442" cy="1538883"/>
+          </a:xfrm>
+          <a:prstGeom prst="rect">
+            <a:avLst/>
+          </a:prstGeom>
+          <a:noFill/>
+        </p:spPr>
+        <p:txBody>
+          <a:bodyPr wrap="square" rtlCol="0">
+            <a:spAutoFit/>
+          </a:bodyPr>
+          <a:lstStyle/>
+          <a:p>
+            <a:pPr algn="ctr"/>
+            <a:r>
+              <a:rPr lang="it-IT" sz="4800" b="1" dirty="0" smtClean="0">
+                <a:latin typeface="+mj-lt"/>
+              </a:rPr>
+              <a:t>Problemi? </a:t>
+            </a:r>
+          </a:p>
+          <a:p>
+            <a:pPr algn="ctr"/>
+            <a:r>
+              <a:rPr lang="it-IT" sz="2800" b="1" dirty="0" smtClean="0">
+                <a:latin typeface="+mj-lt"/>
+              </a:rPr>
+              <a:t>Perché?</a:t>
+            </a:r>
+          </a:p>
+          <a:p>
+            <a:pPr algn="ctr"/>
+            <a:endParaRPr lang="it-IT" dirty="0">
+              <a:latin typeface="+mj-lt"/>
+            </a:endParaRPr>
+          </a:p>
+        </p:txBody>
+      </p:sp>
+      <p:sp>
+        <p:nvSpPr>
+          <p:cNvPr id="5" name="Content Placeholder 3"/>
+          <p:cNvSpPr txBox="1">
+            <a:spLocks/>
+          </p:cNvSpPr>
+          <p:nvPr/>
+        </p:nvSpPr>
+        <p:spPr>
+          <a:xfrm>
+            <a:off x="539552" y="1124744"/>
+            <a:ext cx="8280920" cy="5733256"/>
+          </a:xfrm>
+          <a:prstGeom prst="rect">
+            <a:avLst/>
+          </a:prstGeom>
+        </p:spPr>
+        <p:txBody>
+          <a:bodyPr tIns="0"/>
+          <a:lstStyle>
+            <a:lvl1pPr marL="274320" indent="-274320" algn="l" rtl="0" eaLnBrk="1" latinLnBrk="0" hangingPunct="1">
+              <a:spcBef>
+                <a:spcPct val="20000"/>
+              </a:spcBef>
+              <a:buClrTx/>
+              <a:buSzPct val="95000"/>
+              <a:buFont typeface="Wingdings" pitchFamily="2" charset="2"/>
+              <a:buChar char="v"/>
+              <a:defRPr kumimoji="0" sz="2800" kern="1200">
+                <a:solidFill>
+                  <a:schemeClr val="tx1"/>
+                </a:solidFill>
+                <a:latin typeface="+mn-lt"/>
+                <a:ea typeface="+mn-ea"/>
+                <a:cs typeface="+mn-cs"/>
+              </a:defRPr>
+            </a:lvl1pPr>
+            <a:lvl2pPr marL="640080" indent="-246888" algn="l" rtl="0" eaLnBrk="1" latinLnBrk="0" hangingPunct="1">
+              <a:spcBef>
+                <a:spcPct val="20000"/>
+              </a:spcBef>
+              <a:buClrTx/>
+              <a:buSzPct val="85000"/>
+              <a:buFont typeface="Courier New" pitchFamily="49" charset="0"/>
+              <a:buChar char="o"/>
+              <a:defRPr kumimoji="0" sz="2600" kern="1200">
+                <a:solidFill>
+                  <a:schemeClr val="tx1"/>
+                </a:solidFill>
+                <a:latin typeface="+mn-lt"/>
+                <a:ea typeface="+mn-ea"/>
+                <a:cs typeface="+mn-cs"/>
+              </a:defRPr>
+            </a:lvl2pPr>
+            <a:lvl3pPr marL="914400" indent="-246888" algn="l" rtl="0" eaLnBrk="1" latinLnBrk="0" hangingPunct="1">
+              <a:spcBef>
+                <a:spcPct val="20000"/>
+              </a:spcBef>
+              <a:buClrTx/>
+              <a:buSzPct val="70000"/>
+              <a:buFont typeface="Wingdings 2"/>
+              <a:buChar char=""/>
+              <a:defRPr kumimoji="0" sz="2400" kern="1200">
+                <a:solidFill>
+                  <a:schemeClr val="tx1"/>
+                </a:solidFill>
+                <a:latin typeface="+mn-lt"/>
+                <a:ea typeface="+mn-ea"/>
+                <a:cs typeface="+mn-cs"/>
+              </a:defRPr>
+            </a:lvl3pPr>
+            <a:lvl4pPr marL="1188720" indent="-210312" algn="l" rtl="0" eaLnBrk="1" latinLnBrk="0" hangingPunct="1">
+              <a:spcBef>
+                <a:spcPct val="20000"/>
+              </a:spcBef>
+              <a:buClrTx/>
+              <a:buSzPct val="65000"/>
+              <a:buFont typeface="Wingdings 2"/>
+              <a:buChar char=""/>
+              <a:defRPr kumimoji="0" sz="2000" kern="1200">
+                <a:solidFill>
+                  <a:schemeClr val="tx1"/>
+                </a:solidFill>
+                <a:latin typeface="+mn-lt"/>
+                <a:ea typeface="+mn-ea"/>
+                <a:cs typeface="+mn-cs"/>
+              </a:defRPr>
+            </a:lvl4pPr>
+            <a:lvl5pPr marL="1463040" indent="-210312" algn="l" rtl="0" eaLnBrk="1" latinLnBrk="0" hangingPunct="1">
+              <a:spcBef>
+                <a:spcPct val="20000"/>
+              </a:spcBef>
+              <a:buClrTx/>
+              <a:buSzPct val="65000"/>
+              <a:buFont typeface="Wingdings 2"/>
+              <a:buChar char=""/>
+              <a:defRPr kumimoji="0" sz="1800" kern="1200">
+                <a:solidFill>
+                  <a:schemeClr val="tx1"/>
+                </a:solidFill>
+                <a:latin typeface="+mn-lt"/>
+                <a:ea typeface="+mn-ea"/>
+                <a:cs typeface="+mn-cs"/>
+              </a:defRPr>
+            </a:lvl5pPr>
+            <a:lvl6pPr marL="1737360" indent="-210312" algn="l" rtl="0" eaLnBrk="1" latinLnBrk="0" hangingPunct="1">
+              <a:spcBef>
+                <a:spcPct val="20000"/>
+              </a:spcBef>
+              <a:buClr>
+                <a:schemeClr val="accent5"/>
+              </a:buClr>
+              <a:buSzPct val="80000"/>
+              <a:buFont typeface="Wingdings 2"/>
+              <a:buChar char=""/>
+              <a:defRPr kumimoji="0" sz="1800" kern="1200">
+                <a:solidFill>
+                  <a:schemeClr val="tx1"/>
+                </a:solidFill>
+                <a:latin typeface="+mn-lt"/>
+                <a:ea typeface="+mn-ea"/>
+                <a:cs typeface="+mn-cs"/>
+              </a:defRPr>
+            </a:lvl6pPr>
+            <a:lvl7pPr marL="1920240" indent="-182880" algn="l" rtl="0" eaLnBrk="1" latinLnBrk="0" hangingPunct="1">
+              <a:spcBef>
+                <a:spcPct val="20000"/>
+              </a:spcBef>
+              <a:buClr>
+                <a:schemeClr val="accent6"/>
+              </a:buClr>
+              <a:buSzPct val="80000"/>
+              <a:buFont typeface="Wingdings 2"/>
+              <a:buChar char=""/>
+              <a:defRPr kumimoji="0" sz="1600" kern="1200" baseline="0">
+                <a:solidFill>
+                  <a:schemeClr val="tx1"/>
+                </a:solidFill>
+                <a:latin typeface="+mn-lt"/>
+                <a:ea typeface="+mn-ea"/>
+                <a:cs typeface="+mn-cs"/>
+              </a:defRPr>
+            </a:lvl7pPr>
+            <a:lvl8pPr marL="2194560" indent="-182880" algn="l" rtl="0" eaLnBrk="1" latinLnBrk="0" hangingPunct="1">
+              <a:spcBef>
+                <a:spcPct val="20000"/>
+              </a:spcBef>
+              <a:buClr>
+                <a:schemeClr val="tx2"/>
+              </a:buClr>
+              <a:buChar char="•"/>
+              <a:defRPr kumimoji="0" sz="1600" kern="1200">
+                <a:solidFill>
+                  <a:schemeClr val="tx1"/>
+                </a:solidFill>
+                <a:latin typeface="+mn-lt"/>
+                <a:ea typeface="+mn-ea"/>
+                <a:cs typeface="+mn-cs"/>
+              </a:defRPr>
+            </a:lvl8pPr>
+            <a:lvl9pPr marL="2468880" indent="-182880" algn="l" rtl="0" eaLnBrk="1" latinLnBrk="0" hangingPunct="1">
+              <a:spcBef>
+                <a:spcPct val="20000"/>
+              </a:spcBef>
+              <a:buClr>
+                <a:schemeClr val="tx2"/>
+              </a:buClr>
+              <a:buFontTx/>
+              <a:buChar char="•"/>
+              <a:defRPr kumimoji="0" sz="1400" kern="1200" baseline="0">
+                <a:solidFill>
+                  <a:schemeClr val="tx1"/>
+                </a:solidFill>
+                <a:latin typeface="+mn-lt"/>
+                <a:ea typeface="+mn-ea"/>
+                <a:cs typeface="+mn-cs"/>
+              </a:defRPr>
+            </a:lvl9pPr>
+          </a:lstStyle>
+          <a:p>
+            <a:r>
+              <a:rPr lang="it-IT" dirty="0" smtClean="0"/>
+              <a:t>Difficoltà iniziali </a:t>
+            </a:r>
+          </a:p>
+          <a:p>
+            <a:pPr lvl="1"/>
+            <a:r>
+              <a:rPr lang="it-IT" dirty="0" smtClean="0"/>
+              <a:t>Inesperienza </a:t>
+            </a:r>
+          </a:p>
+          <a:p>
+            <a:pPr lvl="1"/>
+            <a:r>
+              <a:rPr lang="it-IT" dirty="0" smtClean="0"/>
+              <a:t>Approccio </a:t>
+            </a:r>
+            <a:r>
+              <a:rPr lang="it-IT" dirty="0" err="1" smtClean="0"/>
+              <a:t>Tools</a:t>
+            </a:r>
+            <a:r>
+              <a:rPr lang="it-IT" dirty="0" smtClean="0"/>
+              <a:t>  (</a:t>
+            </a:r>
+            <a:r>
+              <a:rPr lang="it-IT" dirty="0" err="1" smtClean="0"/>
+              <a:t>JUnit</a:t>
+            </a:r>
+            <a:r>
+              <a:rPr lang="it-IT" dirty="0" smtClean="0"/>
+              <a:t>)</a:t>
+            </a:r>
+          </a:p>
+          <a:p>
+            <a:r>
+              <a:rPr lang="it-IT" dirty="0" smtClean="0"/>
+              <a:t>Fattore Tempo</a:t>
+            </a:r>
+          </a:p>
+          <a:p>
+            <a:pPr lvl="1"/>
+            <a:r>
+              <a:rPr lang="it-IT" dirty="0" smtClean="0"/>
+              <a:t>Consegne imperfette (</a:t>
+            </a:r>
+            <a:r>
+              <a:rPr lang="it-IT" dirty="0" err="1" smtClean="0"/>
+              <a:t>succesivamente</a:t>
+            </a:r>
+            <a:r>
+              <a:rPr lang="it-IT" dirty="0" smtClean="0"/>
+              <a:t> revisionate)</a:t>
+            </a:r>
+          </a:p>
+          <a:p>
+            <a:pPr lvl="1"/>
+            <a:r>
+              <a:rPr lang="it-IT" dirty="0" smtClean="0"/>
+              <a:t>Errori (Database)</a:t>
+            </a:r>
+          </a:p>
+          <a:p>
+            <a:r>
+              <a:rPr lang="it-IT" dirty="0" smtClean="0"/>
+              <a:t>Aggiunte e Perdite in corsa</a:t>
+            </a:r>
+          </a:p>
+          <a:p>
+            <a:pPr lvl="1"/>
+            <a:r>
+              <a:rPr lang="it-IT" dirty="0" smtClean="0"/>
+              <a:t>Modifiche Costanti al sistema</a:t>
+            </a:r>
+          </a:p>
+          <a:p>
+            <a:pPr lvl="1"/>
+            <a:r>
+              <a:rPr lang="it-IT" dirty="0" smtClean="0"/>
+              <a:t>Motivazione ed interpretazione</a:t>
+            </a:r>
+          </a:p>
+          <a:p>
+            <a:r>
+              <a:rPr lang="it-IT" dirty="0" err="1" smtClean="0"/>
+              <a:t>Problemi=Difficoltà</a:t>
+            </a:r>
+            <a:endParaRPr lang="it-IT" dirty="0" smtClean="0"/>
+          </a:p>
+          <a:p>
+            <a:pPr lvl="1"/>
+            <a:r>
+              <a:rPr lang="it-IT" dirty="0" smtClean="0"/>
+              <a:t>Naturale processo di progettazione</a:t>
+            </a:r>
+          </a:p>
+          <a:p>
+            <a:pPr lvl="1">
+              <a:buNone/>
+            </a:pPr>
+            <a:endParaRPr lang="it-IT" dirty="0" smtClean="0"/>
+          </a:p>
+          <a:p>
+            <a:pPr lvl="1">
+              <a:buNone/>
+            </a:pPr>
+            <a:endParaRPr lang="it-IT" dirty="0" smtClean="0"/>
+          </a:p>
+        </p:txBody>
+      </p:sp>
+    </p:spTree>
+    <p:extLst>
+      <p:ext uri="{BB962C8B-B14F-4D97-AF65-F5344CB8AC3E}">
+        <p14:creationId xmlns:p14="http://schemas.microsoft.com/office/powerpoint/2010/main" val="3564990699"/>
+      </p:ext>
+    </p:extLst>
+  </p:cSld>
+  <p:clrMapOvr>
+    <a:masterClrMapping/>
+  </p:clrMapOvr>
+  <mc:AlternateContent xmlns:mc="http://schemas.openxmlformats.org/markup-compatibility/2006" xmlns:p14="http://schemas.microsoft.com/office/powerpoint/2010/main">
+    <mc:Choice Requires="p14">
+      <p:transition spd="slow" p14:dur="2000"/>
+    </mc:Choice>
+    <mc:Fallback xmlns="">
+      <p:transition spd="slow"/>
+    </mc:Fallback>
+  </mc:AlternateContent>
+  <p:timing>
+    <p:tnLst>
+      <p:par>
+        <p:cTn xmlns:p14="http://schemas.microsoft.com/office/powerpoint/2010/main" id="1" dur="indefinite" restart="never" nodeType="tmRoot"/>
+      </p:par>
+    </p:tnLst>
+  </p:timing>
+</p:sld>
+</file>
+
+<file path=ppt/slides/slide101.xml><?xml version="1.0" encoding="utf-8"?>
+<p:sld xmlns:a="http://schemas.openxmlformats.org/drawingml/2006/main" xmlns:r="http://schemas.openxmlformats.org/officeDocument/2006/relationships" xmlns:p="http://schemas.openxmlformats.org/presentationml/2006/main">
+  <p:cSld>
+    <p:spTree>
+      <p:nvGrpSpPr>
+        <p:cNvPr id="1" name=""/>
+        <p:cNvGrpSpPr/>
+        <p:nvPr/>
+      </p:nvGrpSpPr>
+      <p:grpSpPr>
+        <a:xfrm>
+          <a:off x="0" y="0"/>
+          <a:ext cx="0" cy="0"/>
+          <a:chOff x="0" y="0"/>
+          <a:chExt cx="0" cy="0"/>
+        </a:xfrm>
+      </p:grpSpPr>
+      <p:sp>
+        <p:nvSpPr>
+          <p:cNvPr id="2" name="CasellaDiTesto 1"/>
+          <p:cNvSpPr txBox="1"/>
+          <p:nvPr/>
+        </p:nvSpPr>
+        <p:spPr>
+          <a:xfrm>
+            <a:off x="1835696" y="0"/>
+            <a:ext cx="5400600" cy="1538883"/>
+          </a:xfrm>
+          <a:prstGeom prst="rect">
+            <a:avLst/>
+          </a:prstGeom>
+          <a:noFill/>
+        </p:spPr>
+        <p:txBody>
+          <a:bodyPr wrap="square" rtlCol="0">
+            <a:spAutoFit/>
+          </a:bodyPr>
+          <a:lstStyle/>
+          <a:p>
+            <a:pPr algn="ctr"/>
+            <a:r>
+              <a:rPr lang="it-IT" sz="4800" b="1" dirty="0" smtClean="0">
+                <a:latin typeface="+mj-lt"/>
+              </a:rPr>
+              <a:t>Progetto </a:t>
+            </a:r>
+            <a:r>
+              <a:rPr lang="it-IT" sz="4800" b="1" dirty="0" err="1" smtClean="0">
+                <a:latin typeface="+mj-lt"/>
+              </a:rPr>
+              <a:t>@silo</a:t>
+            </a:r>
+            <a:r>
+              <a:rPr lang="it-IT" sz="4800" b="1" dirty="0" smtClean="0">
+                <a:latin typeface="+mj-lt"/>
+              </a:rPr>
+              <a:t> </a:t>
+            </a:r>
+          </a:p>
+          <a:p>
+            <a:pPr algn="ctr"/>
+            <a:r>
+              <a:rPr lang="it-IT" sz="2800" b="1" dirty="0" smtClean="0">
+                <a:latin typeface="+mj-lt"/>
+              </a:rPr>
+              <a:t>Obiettivo Raggiunto? Perché?</a:t>
+            </a:r>
+          </a:p>
+          <a:p>
+            <a:pPr algn="ctr"/>
+            <a:endParaRPr lang="it-IT" dirty="0">
+              <a:latin typeface="+mj-lt"/>
+            </a:endParaRPr>
+          </a:p>
+        </p:txBody>
+      </p:sp>
+      <p:sp>
+        <p:nvSpPr>
+          <p:cNvPr id="5" name="Content Placeholder 3"/>
+          <p:cNvSpPr txBox="1">
+            <a:spLocks/>
+          </p:cNvSpPr>
+          <p:nvPr/>
+        </p:nvSpPr>
+        <p:spPr>
+          <a:xfrm>
+            <a:off x="539552" y="1268760"/>
+            <a:ext cx="8280920" cy="5400600"/>
+          </a:xfrm>
+          <a:prstGeom prst="rect">
+            <a:avLst/>
+          </a:prstGeom>
+        </p:spPr>
+        <p:txBody>
+          <a:bodyPr tIns="0"/>
+          <a:lstStyle>
+            <a:lvl1pPr marL="274320" indent="-274320" algn="l" rtl="0" eaLnBrk="1" latinLnBrk="0" hangingPunct="1">
+              <a:spcBef>
+                <a:spcPct val="20000"/>
+              </a:spcBef>
+              <a:buClrTx/>
+              <a:buSzPct val="95000"/>
+              <a:buFont typeface="Wingdings" pitchFamily="2" charset="2"/>
+              <a:buChar char="v"/>
+              <a:defRPr kumimoji="0" sz="2800" kern="1200">
+                <a:solidFill>
+                  <a:schemeClr val="tx1"/>
+                </a:solidFill>
+                <a:latin typeface="+mn-lt"/>
+                <a:ea typeface="+mn-ea"/>
+                <a:cs typeface="+mn-cs"/>
+              </a:defRPr>
+            </a:lvl1pPr>
+            <a:lvl2pPr marL="640080" indent="-246888" algn="l" rtl="0" eaLnBrk="1" latinLnBrk="0" hangingPunct="1">
+              <a:spcBef>
+                <a:spcPct val="20000"/>
+              </a:spcBef>
+              <a:buClrTx/>
+              <a:buSzPct val="85000"/>
+              <a:buFont typeface="Courier New" pitchFamily="49" charset="0"/>
+              <a:buChar char="o"/>
+              <a:defRPr kumimoji="0" sz="2600" kern="1200">
+                <a:solidFill>
+                  <a:schemeClr val="tx1"/>
+                </a:solidFill>
+                <a:latin typeface="+mn-lt"/>
+                <a:ea typeface="+mn-ea"/>
+                <a:cs typeface="+mn-cs"/>
+              </a:defRPr>
+            </a:lvl2pPr>
+            <a:lvl3pPr marL="914400" indent="-246888" algn="l" rtl="0" eaLnBrk="1" latinLnBrk="0" hangingPunct="1">
+              <a:spcBef>
+                <a:spcPct val="20000"/>
+              </a:spcBef>
+              <a:buClrTx/>
+              <a:buSzPct val="70000"/>
+              <a:buFont typeface="Wingdings 2"/>
+              <a:buChar char=""/>
+              <a:defRPr kumimoji="0" sz="2400" kern="1200">
+                <a:solidFill>
+                  <a:schemeClr val="tx1"/>
+                </a:solidFill>
+                <a:latin typeface="+mn-lt"/>
+                <a:ea typeface="+mn-ea"/>
+                <a:cs typeface="+mn-cs"/>
+              </a:defRPr>
+            </a:lvl3pPr>
+            <a:lvl4pPr marL="1188720" indent="-210312" algn="l" rtl="0" eaLnBrk="1" latinLnBrk="0" hangingPunct="1">
+              <a:spcBef>
+                <a:spcPct val="20000"/>
+              </a:spcBef>
+              <a:buClrTx/>
+              <a:buSzPct val="65000"/>
+              <a:buFont typeface="Wingdings 2"/>
+              <a:buChar char=""/>
+              <a:defRPr kumimoji="0" sz="2000" kern="1200">
+                <a:solidFill>
+                  <a:schemeClr val="tx1"/>
+                </a:solidFill>
+                <a:latin typeface="+mn-lt"/>
+                <a:ea typeface="+mn-ea"/>
+                <a:cs typeface="+mn-cs"/>
+              </a:defRPr>
+            </a:lvl4pPr>
+            <a:lvl5pPr marL="1463040" indent="-210312" algn="l" rtl="0" eaLnBrk="1" latinLnBrk="0" hangingPunct="1">
+              <a:spcBef>
+                <a:spcPct val="20000"/>
+              </a:spcBef>
+              <a:buClrTx/>
+              <a:buSzPct val="65000"/>
+              <a:buFont typeface="Wingdings 2"/>
+              <a:buChar char=""/>
+              <a:defRPr kumimoji="0" sz="1800" kern="1200">
+                <a:solidFill>
+                  <a:schemeClr val="tx1"/>
+                </a:solidFill>
+                <a:latin typeface="+mn-lt"/>
+                <a:ea typeface="+mn-ea"/>
+                <a:cs typeface="+mn-cs"/>
+              </a:defRPr>
+            </a:lvl5pPr>
+            <a:lvl6pPr marL="1737360" indent="-210312" algn="l" rtl="0" eaLnBrk="1" latinLnBrk="0" hangingPunct="1">
+              <a:spcBef>
+                <a:spcPct val="20000"/>
+              </a:spcBef>
+              <a:buClr>
+                <a:schemeClr val="accent5"/>
+              </a:buClr>
+              <a:buSzPct val="80000"/>
+              <a:buFont typeface="Wingdings 2"/>
+              <a:buChar char=""/>
+              <a:defRPr kumimoji="0" sz="1800" kern="1200">
+                <a:solidFill>
+                  <a:schemeClr val="tx1"/>
+                </a:solidFill>
+                <a:latin typeface="+mn-lt"/>
+                <a:ea typeface="+mn-ea"/>
+                <a:cs typeface="+mn-cs"/>
+              </a:defRPr>
+            </a:lvl6pPr>
+            <a:lvl7pPr marL="1920240" indent="-182880" algn="l" rtl="0" eaLnBrk="1" latinLnBrk="0" hangingPunct="1">
+              <a:spcBef>
+                <a:spcPct val="20000"/>
+              </a:spcBef>
+              <a:buClr>
+                <a:schemeClr val="accent6"/>
+              </a:buClr>
+              <a:buSzPct val="80000"/>
+              <a:buFont typeface="Wingdings 2"/>
+              <a:buChar char=""/>
+              <a:defRPr kumimoji="0" sz="1600" kern="1200" baseline="0">
+                <a:solidFill>
+                  <a:schemeClr val="tx1"/>
+                </a:solidFill>
+                <a:latin typeface="+mn-lt"/>
+                <a:ea typeface="+mn-ea"/>
+                <a:cs typeface="+mn-cs"/>
+              </a:defRPr>
+            </a:lvl7pPr>
+            <a:lvl8pPr marL="2194560" indent="-182880" algn="l" rtl="0" eaLnBrk="1" latinLnBrk="0" hangingPunct="1">
+              <a:spcBef>
+                <a:spcPct val="20000"/>
+              </a:spcBef>
+              <a:buClr>
+                <a:schemeClr val="tx2"/>
+              </a:buClr>
+              <a:buChar char="•"/>
+              <a:defRPr kumimoji="0" sz="1600" kern="1200">
+                <a:solidFill>
+                  <a:schemeClr val="tx1"/>
+                </a:solidFill>
+                <a:latin typeface="+mn-lt"/>
+                <a:ea typeface="+mn-ea"/>
+                <a:cs typeface="+mn-cs"/>
+              </a:defRPr>
+            </a:lvl8pPr>
+            <a:lvl9pPr marL="2468880" indent="-182880" algn="l" rtl="0" eaLnBrk="1" latinLnBrk="0" hangingPunct="1">
+              <a:spcBef>
+                <a:spcPct val="20000"/>
+              </a:spcBef>
+              <a:buClr>
+                <a:schemeClr val="tx2"/>
+              </a:buClr>
+              <a:buFontTx/>
+              <a:buChar char="•"/>
+              <a:defRPr kumimoji="0" sz="1400" kern="1200" baseline="0">
+                <a:solidFill>
+                  <a:schemeClr val="tx1"/>
+                </a:solidFill>
+                <a:latin typeface="+mn-lt"/>
+                <a:ea typeface="+mn-ea"/>
+                <a:cs typeface="+mn-cs"/>
+              </a:defRPr>
+            </a:lvl9pPr>
+          </a:lstStyle>
+          <a:p>
+            <a:r>
+              <a:rPr lang="it-IT" dirty="0" smtClean="0"/>
+              <a:t>Aderente alle aspettative </a:t>
+            </a:r>
+          </a:p>
+          <a:p>
+            <a:pPr lvl="1"/>
+            <a:r>
+              <a:rPr lang="it-IT" dirty="0" smtClean="0"/>
+              <a:t>Familiarità</a:t>
+            </a:r>
+          </a:p>
+          <a:p>
+            <a:r>
+              <a:rPr lang="it-IT" dirty="0" smtClean="0"/>
+              <a:t>Struttura aziendale</a:t>
+            </a:r>
+          </a:p>
+          <a:p>
+            <a:pPr lvl="1"/>
+            <a:r>
+              <a:rPr lang="it-IT" dirty="0" smtClean="0"/>
+              <a:t>Nessuna Variazione</a:t>
+            </a:r>
+          </a:p>
+          <a:p>
+            <a:pPr lvl="1"/>
+            <a:r>
+              <a:rPr lang="it-IT" dirty="0" smtClean="0"/>
+              <a:t>Ingrato ai processi già noti</a:t>
+            </a:r>
+          </a:p>
+          <a:p>
+            <a:r>
+              <a:rPr lang="it-IT" dirty="0" smtClean="0"/>
+              <a:t>Documentazione Solida</a:t>
+            </a:r>
+          </a:p>
+          <a:p>
+            <a:pPr lvl="1"/>
+            <a:r>
+              <a:rPr lang="it-IT" dirty="0" smtClean="0"/>
+              <a:t>Raffinata (revisionata)</a:t>
+            </a:r>
+          </a:p>
+          <a:p>
+            <a:pPr lvl="1"/>
+            <a:r>
+              <a:rPr lang="it-IT" dirty="0" smtClean="0"/>
+              <a:t>Crescita costante</a:t>
+            </a:r>
+          </a:p>
+          <a:p>
+            <a:pPr lvl="1"/>
+            <a:r>
+              <a:rPr lang="it-IT" dirty="0" smtClean="0"/>
+              <a:t>Ottima Tracciabilità</a:t>
+            </a:r>
+          </a:p>
+          <a:p>
+            <a:r>
+              <a:rPr lang="it-IT" dirty="0" smtClean="0"/>
+              <a:t>Usare </a:t>
+            </a:r>
+            <a:r>
+              <a:rPr lang="it-IT" dirty="0" err="1" smtClean="0"/>
+              <a:t>@silo</a:t>
+            </a:r>
+            <a:r>
+              <a:rPr lang="it-IT" dirty="0" smtClean="0"/>
+              <a:t> senza accorgersene</a:t>
+            </a:r>
+          </a:p>
+          <a:p>
+            <a:pPr lvl="1"/>
+            <a:r>
+              <a:rPr lang="it-IT" dirty="0" smtClean="0"/>
+              <a:t>Stessi processi, con maggiore velocità ed efficienza </a:t>
+            </a:r>
+          </a:p>
+          <a:p>
+            <a:pPr lvl="1"/>
+            <a:endParaRPr lang="it-IT" dirty="0" smtClean="0"/>
+          </a:p>
+          <a:p>
+            <a:pPr lvl="1">
+              <a:buNone/>
+            </a:pPr>
+            <a:endParaRPr lang="it-IT" dirty="0" smtClean="0"/>
+          </a:p>
+        </p:txBody>
+      </p:sp>
+    </p:spTree>
+    <p:extLst>
+      <p:ext uri="{BB962C8B-B14F-4D97-AF65-F5344CB8AC3E}">
+        <p14:creationId xmlns:p14="http://schemas.microsoft.com/office/powerpoint/2010/main" val="3748041918"/>
       </p:ext>
     </p:extLst>
   </p:cSld>
@@ -34102,16 +34945,57 @@
           <a:chExt cx="0" cy="0"/>
         </a:xfrm>
       </p:grpSpPr>
+      <p:pic>
+        <p:nvPicPr>
+          <p:cNvPr id="3" name="Picture 3" descr="C:\linda\uni\esami_da_svolgere\gps\progetto_gps\Atsilo\documenti_comuni\loghi\logo.png"/>
+          <p:cNvPicPr>
+            <a:picLocks noChangeAspect="1" noChangeArrowheads="1"/>
+          </p:cNvPicPr>
+          <p:nvPr/>
+        </p:nvPicPr>
+        <p:blipFill>
+          <a:blip r:embed="rId2">
+            <a:extLst>
+              <a:ext uri="{28A0092B-C50C-407E-A947-70E740481C1C}">
+                <a14:useLocalDpi xmlns:a14="http://schemas.microsoft.com/office/drawing/2010/main" val="0"/>
+              </a:ext>
+            </a:extLst>
+          </a:blip>
+          <a:srcRect/>
+          <a:stretch>
+            <a:fillRect/>
+          </a:stretch>
+        </p:blipFill>
+        <p:spPr bwMode="auto">
+          <a:xfrm>
+            <a:off x="2188244" y="764704"/>
+            <a:ext cx="4163346" cy="2592288"/>
+          </a:xfrm>
+          <a:prstGeom prst="rect">
+            <a:avLst/>
+          </a:prstGeom>
+          <a:noFill/>
+          <a:extLst>
+            <a:ext uri="{909E8E84-426E-40dd-AFC4-6F175D3DCCD1}">
+              <a14:hiddenFill xmlns:a14="http://schemas.microsoft.com/office/drawing/2010/main">
+                <a:solidFill>
+                  <a:srgbClr val="FFFFFF"/>
+                </a:solidFill>
+              </a14:hiddenFill>
+            </a:ext>
+          </a:extLst>
+        </p:spPr>
+      </p:pic>
       <p:sp>
         <p:nvSpPr>
-          <p:cNvPr id="2" name="CasellaDiTesto 1"/>
+          <p:cNvPr id="4" name="CasellaDiTesto 3"/>
           <p:cNvSpPr txBox="1"/>
           <p:nvPr/>
         </p:nvSpPr>
         <p:spPr>
           <a:xfrm>
-            <a:off x="2339752" y="0"/>
-            <a:ext cx="4096442" cy="1538883"/>
+            <a:off x="2077031" y="3212976"/>
+            <a:ext cx="4856317" cy="1754327"/>
           </a:xfrm>
           <a:prstGeom prst="rect">
             <a:avLst/>
@@ -34119,324 +35003,74 @@
           <a:noFill/>
         </p:spPr>
         <p:txBody>
-          <a:bodyPr wrap="square" rtlCol="0">
+          <a:bodyPr wrap="none" rtlCol="0">
             <a:spAutoFit/>
           </a:bodyPr>
           <a:lstStyle/>
           <a:p>
             <a:pPr algn="ctr"/>
             <a:r>
-              <a:rPr lang="it-IT" sz="4800" b="1" dirty="0" smtClean="0">
+              <a:rPr lang="it-IT" sz="5400" b="1" smtClean="0">
+                <a:effectLst>
+                  <a:outerShdw blurRad="38100" dist="38100" dir="2700000" algn="tl">
+                    <a:srgbClr val="000000">
+                      <a:alpha val="43137"/>
+                    </a:srgbClr>
+                  </a:outerShdw>
+                </a:effectLst>
                 <a:latin typeface="+mj-lt"/>
               </a:rPr>
-              <a:t>Progetto </a:t>
-            </a:r>
-            <a:r>
-              <a:rPr lang="it-IT" sz="4800" b="1" dirty="0" err="1" smtClean="0">
+              <a:t>Progetto @silo</a:t>
+            </a:r>
+            <a:r>
+              <a:rPr lang="it-IT" sz="5400" b="1" dirty="0" smtClean="0">
+                <a:effectLst>
+                  <a:outerShdw blurRad="38100" dist="38100" dir="2700000" algn="tl">
+                    <a:srgbClr val="000000">
+                      <a:alpha val="43137"/>
+                    </a:srgbClr>
+                  </a:outerShdw>
+                </a:effectLst>
                 <a:latin typeface="+mj-lt"/>
               </a:rPr>
-              <a:t>@silo</a:t>
-            </a:r>
-            <a:r>
-              <a:rPr lang="it-IT" sz="4800" b="1" dirty="0" smtClean="0">
+              <a:t>:</a:t>
+            </a:r>
+            <a:endParaRPr lang="it-IT" sz="5400" b="1" dirty="0" smtClean="0">
+              <a:effectLst>
+                <a:outerShdw blurRad="38100" dist="38100" dir="2700000" algn="tl">
+                  <a:srgbClr val="000000">
+                    <a:alpha val="43137"/>
+                  </a:srgbClr>
+                </a:outerShdw>
+              </a:effectLst>
+              <a:latin typeface="+mj-lt"/>
+            </a:endParaRPr>
+          </a:p>
+          <a:p>
+            <a:pPr algn="ctr"/>
+            <a:r>
+              <a:rPr lang="it-IT" sz="5400" b="1" dirty="0" smtClean="0">
+                <a:effectLst>
+                  <a:outerShdw blurRad="38100" dist="38100" dir="2700000" algn="tl">
+                    <a:srgbClr val="000000">
+                      <a:alpha val="43137"/>
+                    </a:srgbClr>
+                  </a:outerShdw>
+                </a:effectLst>
                 <a:latin typeface="+mj-lt"/>
               </a:rPr>
-              <a:t> </a:t>
-            </a:r>
-          </a:p>
-          <a:p>
-            <a:pPr algn="ctr"/>
-            <a:r>
-              <a:rPr lang="it-IT" sz="2800" b="1" dirty="0" smtClean="0">
-                <a:latin typeface="+mj-lt"/>
-              </a:rPr>
-              <a:t>Perché?</a:t>
-            </a:r>
-          </a:p>
-          <a:p>
-            <a:pPr algn="ctr"/>
-            <a:endParaRPr lang="it-IT" dirty="0">
+              <a:t>In conclusione…</a:t>
+            </a:r>
+            <a:endParaRPr lang="it-IT" sz="2000" b="1" dirty="0">
               <a:latin typeface="+mj-lt"/>
             </a:endParaRPr>
-          </a:p>
-        </p:txBody>
-      </p:sp>
-      <p:sp>
-        <p:nvSpPr>
-          <p:cNvPr id="5" name="Content Placeholder 3"/>
-          <p:cNvSpPr txBox="1">
-            <a:spLocks/>
-          </p:cNvSpPr>
-          <p:nvPr/>
-        </p:nvSpPr>
-        <p:spPr>
-          <a:xfrm>
-            <a:off x="539552" y="1268760"/>
-            <a:ext cx="8280920" cy="5400600"/>
-          </a:xfrm>
-          <a:prstGeom prst="rect">
-            <a:avLst/>
-          </a:prstGeom>
-        </p:spPr>
-        <p:txBody>
-          <a:bodyPr tIns="0"/>
-          <a:lstStyle>
-            <a:lvl1pPr marL="274320" indent="-274320" algn="l" rtl="0" eaLnBrk="1" latinLnBrk="0" hangingPunct="1">
-              <a:spcBef>
-                <a:spcPct val="20000"/>
-              </a:spcBef>
-              <a:buClrTx/>
-              <a:buSzPct val="95000"/>
-              <a:buFont typeface="Wingdings" pitchFamily="2" charset="2"/>
-              <a:buChar char="v"/>
-              <a:defRPr kumimoji="0" sz="2800" kern="1200">
-                <a:solidFill>
-                  <a:schemeClr val="tx1"/>
-                </a:solidFill>
-                <a:latin typeface="+mn-lt"/>
-                <a:ea typeface="+mn-ea"/>
-                <a:cs typeface="+mn-cs"/>
-              </a:defRPr>
-            </a:lvl1pPr>
-            <a:lvl2pPr marL="640080" indent="-246888" algn="l" rtl="0" eaLnBrk="1" latinLnBrk="0" hangingPunct="1">
-              <a:spcBef>
-                <a:spcPct val="20000"/>
-              </a:spcBef>
-              <a:buClrTx/>
-              <a:buSzPct val="85000"/>
-              <a:buFont typeface="Courier New" pitchFamily="49" charset="0"/>
-              <a:buChar char="o"/>
-              <a:defRPr kumimoji="0" sz="2600" kern="1200">
-                <a:solidFill>
-                  <a:schemeClr val="tx1"/>
-                </a:solidFill>
-                <a:latin typeface="+mn-lt"/>
-                <a:ea typeface="+mn-ea"/>
-                <a:cs typeface="+mn-cs"/>
-              </a:defRPr>
-            </a:lvl2pPr>
-            <a:lvl3pPr marL="914400" indent="-246888" algn="l" rtl="0" eaLnBrk="1" latinLnBrk="0" hangingPunct="1">
-              <a:spcBef>
-                <a:spcPct val="20000"/>
-              </a:spcBef>
-              <a:buClrTx/>
-              <a:buSzPct val="70000"/>
-              <a:buFont typeface="Wingdings 2"/>
-              <a:buChar char=""/>
-              <a:defRPr kumimoji="0" sz="2400" kern="1200">
-                <a:solidFill>
-                  <a:schemeClr val="tx1"/>
-                </a:solidFill>
-                <a:latin typeface="+mn-lt"/>
-                <a:ea typeface="+mn-ea"/>
-                <a:cs typeface="+mn-cs"/>
-              </a:defRPr>
-            </a:lvl3pPr>
-            <a:lvl4pPr marL="1188720" indent="-210312" algn="l" rtl="0" eaLnBrk="1" latinLnBrk="0" hangingPunct="1">
-              <a:spcBef>
-                <a:spcPct val="20000"/>
-              </a:spcBef>
-              <a:buClrTx/>
-              <a:buSzPct val="65000"/>
-              <a:buFont typeface="Wingdings 2"/>
-              <a:buChar char=""/>
-              <a:defRPr kumimoji="0" sz="2000" kern="1200">
-                <a:solidFill>
-                  <a:schemeClr val="tx1"/>
-                </a:solidFill>
-                <a:latin typeface="+mn-lt"/>
-                <a:ea typeface="+mn-ea"/>
-                <a:cs typeface="+mn-cs"/>
-              </a:defRPr>
-            </a:lvl4pPr>
-            <a:lvl5pPr marL="1463040" indent="-210312" algn="l" rtl="0" eaLnBrk="1" latinLnBrk="0" hangingPunct="1">
-              <a:spcBef>
-                <a:spcPct val="20000"/>
-              </a:spcBef>
-              <a:buClrTx/>
-              <a:buSzPct val="65000"/>
-              <a:buFont typeface="Wingdings 2"/>
-              <a:buChar char=""/>
-              <a:defRPr kumimoji="0" sz="1800" kern="1200">
-                <a:solidFill>
-                  <a:schemeClr val="tx1"/>
-                </a:solidFill>
-                <a:latin typeface="+mn-lt"/>
-                <a:ea typeface="+mn-ea"/>
-                <a:cs typeface="+mn-cs"/>
-              </a:defRPr>
-            </a:lvl5pPr>
-            <a:lvl6pPr marL="1737360" indent="-210312" algn="l" rtl="0" eaLnBrk="1" latinLnBrk="0" hangingPunct="1">
-              <a:spcBef>
-                <a:spcPct val="20000"/>
-              </a:spcBef>
-              <a:buClr>
-                <a:schemeClr val="accent5"/>
-              </a:buClr>
-              <a:buSzPct val="80000"/>
-              <a:buFont typeface="Wingdings 2"/>
-              <a:buChar char=""/>
-              <a:defRPr kumimoji="0" sz="1800" kern="1200">
-                <a:solidFill>
-                  <a:schemeClr val="tx1"/>
-                </a:solidFill>
-                <a:latin typeface="+mn-lt"/>
-                <a:ea typeface="+mn-ea"/>
-                <a:cs typeface="+mn-cs"/>
-              </a:defRPr>
-            </a:lvl6pPr>
-            <a:lvl7pPr marL="1920240" indent="-182880" algn="l" rtl="0" eaLnBrk="1" latinLnBrk="0" hangingPunct="1">
-              <a:spcBef>
-                <a:spcPct val="20000"/>
-              </a:spcBef>
-              <a:buClr>
-                <a:schemeClr val="accent6"/>
-              </a:buClr>
-              <a:buSzPct val="80000"/>
-              <a:buFont typeface="Wingdings 2"/>
-              <a:buChar char=""/>
-              <a:defRPr kumimoji="0" sz="1600" kern="1200" baseline="0">
-                <a:solidFill>
-                  <a:schemeClr val="tx1"/>
-                </a:solidFill>
-                <a:latin typeface="+mn-lt"/>
-                <a:ea typeface="+mn-ea"/>
-                <a:cs typeface="+mn-cs"/>
-              </a:defRPr>
-            </a:lvl7pPr>
-            <a:lvl8pPr marL="2194560" indent="-182880" algn="l" rtl="0" eaLnBrk="1" latinLnBrk="0" hangingPunct="1">
-              <a:spcBef>
-                <a:spcPct val="20000"/>
-              </a:spcBef>
-              <a:buClr>
-                <a:schemeClr val="tx2"/>
-              </a:buClr>
-              <a:buChar char="•"/>
-              <a:defRPr kumimoji="0" sz="1600" kern="1200">
-                <a:solidFill>
-                  <a:schemeClr val="tx1"/>
-                </a:solidFill>
-                <a:latin typeface="+mn-lt"/>
-                <a:ea typeface="+mn-ea"/>
-                <a:cs typeface="+mn-cs"/>
-              </a:defRPr>
-            </a:lvl8pPr>
-            <a:lvl9pPr marL="2468880" indent="-182880" algn="l" rtl="0" eaLnBrk="1" latinLnBrk="0" hangingPunct="1">
-              <a:spcBef>
-                <a:spcPct val="20000"/>
-              </a:spcBef>
-              <a:buClr>
-                <a:schemeClr val="tx2"/>
-              </a:buClr>
-              <a:buFontTx/>
-              <a:buChar char="•"/>
-              <a:defRPr kumimoji="0" sz="1400" kern="1200" baseline="0">
-                <a:solidFill>
-                  <a:schemeClr val="tx1"/>
-                </a:solidFill>
-                <a:latin typeface="+mn-lt"/>
-                <a:ea typeface="+mn-ea"/>
-                <a:cs typeface="+mn-cs"/>
-              </a:defRPr>
-            </a:lvl9pPr>
-          </a:lstStyle>
-          <a:p>
-            <a:r>
-              <a:rPr lang="it-IT" dirty="0" smtClean="0"/>
-              <a:t>Aderente alle aspettative </a:t>
-            </a:r>
-          </a:p>
-          <a:p>
-            <a:pPr lvl="1"/>
-            <a:r>
-              <a:rPr lang="it-IT" dirty="0" smtClean="0"/>
-              <a:t>Familiarità</a:t>
-            </a:r>
-          </a:p>
-          <a:p>
-            <a:r>
-              <a:rPr lang="it-IT" dirty="0" smtClean="0"/>
-              <a:t>Struttura aziendale</a:t>
-            </a:r>
-          </a:p>
-          <a:p>
-            <a:pPr lvl="1"/>
-            <a:r>
-              <a:rPr lang="it-IT" dirty="0" smtClean="0"/>
-              <a:t>Nessuna Variazione</a:t>
-            </a:r>
-          </a:p>
-          <a:p>
-            <a:pPr lvl="1"/>
-            <a:r>
-              <a:rPr lang="it-IT" dirty="0" smtClean="0"/>
-              <a:t>Ingrato ai processi già noti</a:t>
-            </a:r>
-          </a:p>
-          <a:p>
-            <a:r>
-              <a:rPr lang="it-IT" dirty="0" smtClean="0"/>
-              <a:t>Documentazione Solida</a:t>
-            </a:r>
-          </a:p>
-          <a:p>
-            <a:pPr lvl="1"/>
-            <a:r>
-              <a:rPr lang="it-IT" dirty="0" smtClean="0"/>
-              <a:t>Raffinata (revisionata)</a:t>
-            </a:r>
-          </a:p>
-          <a:p>
-            <a:pPr lvl="1"/>
-            <a:r>
-              <a:rPr lang="it-IT" dirty="0" smtClean="0"/>
-              <a:t>Crescita costante</a:t>
-            </a:r>
-          </a:p>
-          <a:p>
-            <a:pPr lvl="1"/>
-            <a:r>
-              <a:rPr lang="it-IT" dirty="0" smtClean="0"/>
-              <a:t>Ottima Tracciabilità</a:t>
-            </a:r>
-          </a:p>
-          <a:p>
-            <a:r>
-              <a:rPr lang="it-IT" dirty="0" smtClean="0"/>
-              <a:t>Usare </a:t>
-            </a:r>
-            <a:r>
-              <a:rPr lang="it-IT" dirty="0" err="1" smtClean="0"/>
-              <a:t>@silo</a:t>
-            </a:r>
-            <a:r>
-              <a:rPr lang="it-IT" dirty="0" smtClean="0"/>
-              <a:t> senza accorgersene</a:t>
-            </a:r>
-          </a:p>
-          <a:p>
-            <a:pPr lvl="1"/>
-            <a:r>
-              <a:rPr lang="it-IT" dirty="0" smtClean="0"/>
-              <a:t>Stessi processi, con maggiore velocità ed efficienza </a:t>
-            </a:r>
-          </a:p>
-          <a:p>
-            <a:pPr lvl="1"/>
-            <a:endParaRPr lang="it-IT" dirty="0" smtClean="0"/>
-          </a:p>
-          <a:p>
-            <a:pPr lvl="1">
-              <a:buNone/>
-            </a:pPr>
-            <a:endParaRPr lang="it-IT" dirty="0" smtClean="0"/>
           </a:p>
         </p:txBody>
       </p:sp>
     </p:spTree>
     <p:extLst>
       <p:ext uri="{BB962C8B-B14F-4D97-AF65-F5344CB8AC3E}">
-        <p14:creationId xmlns:p14="http://schemas.microsoft.com/office/powerpoint/2010/main" val="3887633143"/>
+        <p14:creationId xmlns:p14="http://schemas.microsoft.com/office/powerpoint/2010/main" val="2252746867"/>
       </p:ext>
     </p:extLst>
   </p:cSld>

--- a/Presentazione/Atsilo1/[BOZZA] Atsilo_A_PresentazioneFinale copia.pptx
+++ b/Presentazione/Atsilo1/[BOZZA] Atsilo_A_PresentazioneFinale copia.pptx
@@ -5,7 +5,7 @@
     <p:sldMasterId id="2147483684" r:id="rId1"/>
   </p:sldMasterIdLst>
   <p:notesMasterIdLst>
-    <p:notesMasterId r:id="rId103"/>
+    <p:notesMasterId r:id="rId102"/>
   </p:notesMasterIdLst>
   <p:sldIdLst>
     <p:sldId id="256" r:id="rId2"/>
@@ -78,37 +78,36 @@
     <p:sldId id="329" r:id="rId69"/>
     <p:sldId id="330" r:id="rId70"/>
     <p:sldId id="331" r:id="rId71"/>
-    <p:sldId id="332" r:id="rId72"/>
-    <p:sldId id="317" r:id="rId73"/>
-    <p:sldId id="298" r:id="rId74"/>
-    <p:sldId id="299" r:id="rId75"/>
-    <p:sldId id="300" r:id="rId76"/>
-    <p:sldId id="301" r:id="rId77"/>
-    <p:sldId id="302" r:id="rId78"/>
-    <p:sldId id="303" r:id="rId79"/>
-    <p:sldId id="304" r:id="rId80"/>
-    <p:sldId id="305" r:id="rId81"/>
-    <p:sldId id="306" r:id="rId82"/>
-    <p:sldId id="307" r:id="rId83"/>
-    <p:sldId id="308" r:id="rId84"/>
-    <p:sldId id="309" r:id="rId85"/>
-    <p:sldId id="310" r:id="rId86"/>
-    <p:sldId id="311" r:id="rId87"/>
-    <p:sldId id="312" r:id="rId88"/>
-    <p:sldId id="313" r:id="rId89"/>
-    <p:sldId id="314" r:id="rId90"/>
-    <p:sldId id="347" r:id="rId91"/>
-    <p:sldId id="348" r:id="rId92"/>
-    <p:sldId id="349" r:id="rId93"/>
-    <p:sldId id="350" r:id="rId94"/>
-    <p:sldId id="351" r:id="rId95"/>
-    <p:sldId id="352" r:id="rId96"/>
-    <p:sldId id="353" r:id="rId97"/>
-    <p:sldId id="354" r:id="rId98"/>
-    <p:sldId id="355" r:id="rId99"/>
-    <p:sldId id="375" r:id="rId100"/>
-    <p:sldId id="373" r:id="rId101"/>
-    <p:sldId id="374" r:id="rId102"/>
+    <p:sldId id="317" r:id="rId72"/>
+    <p:sldId id="298" r:id="rId73"/>
+    <p:sldId id="299" r:id="rId74"/>
+    <p:sldId id="300" r:id="rId75"/>
+    <p:sldId id="301" r:id="rId76"/>
+    <p:sldId id="302" r:id="rId77"/>
+    <p:sldId id="303" r:id="rId78"/>
+    <p:sldId id="304" r:id="rId79"/>
+    <p:sldId id="305" r:id="rId80"/>
+    <p:sldId id="306" r:id="rId81"/>
+    <p:sldId id="307" r:id="rId82"/>
+    <p:sldId id="308" r:id="rId83"/>
+    <p:sldId id="309" r:id="rId84"/>
+    <p:sldId id="310" r:id="rId85"/>
+    <p:sldId id="311" r:id="rId86"/>
+    <p:sldId id="312" r:id="rId87"/>
+    <p:sldId id="313" r:id="rId88"/>
+    <p:sldId id="314" r:id="rId89"/>
+    <p:sldId id="347" r:id="rId90"/>
+    <p:sldId id="348" r:id="rId91"/>
+    <p:sldId id="349" r:id="rId92"/>
+    <p:sldId id="350" r:id="rId93"/>
+    <p:sldId id="351" r:id="rId94"/>
+    <p:sldId id="352" r:id="rId95"/>
+    <p:sldId id="353" r:id="rId96"/>
+    <p:sldId id="354" r:id="rId97"/>
+    <p:sldId id="355" r:id="rId98"/>
+    <p:sldId id="375" r:id="rId99"/>
+    <p:sldId id="373" r:id="rId100"/>
+    <p:sldId id="374" r:id="rId101"/>
   </p:sldIdLst>
   <p:sldSz cx="9144000" cy="6858000" type="screen4x3"/>
   <p:notesSz cx="6858000" cy="9144000"/>
@@ -292,7 +291,8 @@
           <a:p>
             <a:fld id="{38D78F4D-402C-46E0-A4BB-DF91EA86B14C}" type="datetimeFigureOut">
               <a:rPr lang="it-IT" smtClean="0"/>
-              <a:t>30/12/12</a:t>
+              <a:pPr/>
+              <a:t>31/12/2012</a:t>
             </a:fld>
             <a:endParaRPr lang="it-IT"/>
           </a:p>
@@ -451,7 +451,8 @@
           <a:p>
             <a:fld id="{D70604CA-7593-4640-8FA1-5523937B8510}" type="slidenum">
               <a:rPr lang="it-IT" smtClean="0"/>
-              <a:t>‹n.›</a:t>
+              <a:pPr/>
+              <a:t>‹N›</a:t>
             </a:fld>
             <a:endParaRPr lang="it-IT"/>
           </a:p>
@@ -460,7 +461,7 @@
     </p:spTree>
     <p:extLst>
       <p:ext uri="{BB962C8B-B14F-4D97-AF65-F5344CB8AC3E}">
-        <p14:creationId xmlns:p14="http://schemas.microsoft.com/office/powerpoint/2010/main" val="2126419590"/>
+        <p14:creationId xmlns:p14="http://schemas.microsoft.com/office/powerpoint/2010/main" xmlns="" val="2126419590"/>
       </p:ext>
     </p:extLst>
   </p:cSld>
@@ -1443,7 +1444,7 @@
             <a:fld id="{D70604CA-7593-4640-8FA1-5523937B8510}" type="slidenum">
               <a:rPr lang="it-IT" smtClean="0"/>
               <a:pPr/>
-              <a:t>100</a:t>
+              <a:t>99</a:t>
             </a:fld>
             <a:endParaRPr lang="it-IT"/>
           </a:p>
@@ -1529,7 +1530,7 @@
             <a:fld id="{D70604CA-7593-4640-8FA1-5523937B8510}" type="slidenum">
               <a:rPr lang="it-IT" smtClean="0"/>
               <a:pPr/>
-              <a:t>101</a:t>
+              <a:t>100</a:t>
             </a:fld>
             <a:endParaRPr lang="it-IT"/>
           </a:p>
@@ -2560,7 +2561,8 @@
           <a:p>
             <a:fld id="{63CABBC0-75E4-43BB-A6A6-84C2A96BDB82}" type="datetimeFigureOut">
               <a:rPr lang="it-IT" smtClean="0"/>
-              <a:t>30/12/12</a:t>
+              <a:pPr/>
+              <a:t>31/12/2012</a:t>
             </a:fld>
             <a:endParaRPr lang="it-IT"/>
           </a:p>
@@ -2602,7 +2604,8 @@
           <a:p>
             <a:fld id="{F89AEA99-3E91-4C58-9AD4-045DB5619AC3}" type="slidenum">
               <a:rPr lang="it-IT" smtClean="0"/>
-              <a:t>‹n.›</a:t>
+              <a:pPr/>
+              <a:t>‹N›</a:t>
             </a:fld>
             <a:endParaRPr lang="it-IT"/>
           </a:p>
@@ -2616,7 +2619,7 @@
   <p:timing>
     <p:tnLst>
       <p:par>
-        <p:cTn xmlns:p14="http://schemas.microsoft.com/office/powerpoint/2010/main" id="1" dur="indefinite" restart="never" nodeType="tmRoot"/>
+        <p:cTn id="1" dur="indefinite" restart="never" nodeType="tmRoot"/>
       </p:par>
     </p:tnLst>
   </p:timing>
@@ -2740,7 +2743,8 @@
           <a:p>
             <a:fld id="{63CABBC0-75E4-43BB-A6A6-84C2A96BDB82}" type="datetimeFigureOut">
               <a:rPr lang="it-IT" smtClean="0"/>
-              <a:t>30/12/12</a:t>
+              <a:pPr/>
+              <a:t>31/12/2012</a:t>
             </a:fld>
             <a:endParaRPr lang="it-IT"/>
           </a:p>
@@ -2782,7 +2786,8 @@
           <a:p>
             <a:fld id="{F89AEA99-3E91-4C58-9AD4-045DB5619AC3}" type="slidenum">
               <a:rPr lang="it-IT" smtClean="0"/>
-              <a:t>‹n.›</a:t>
+              <a:pPr/>
+              <a:t>‹N›</a:t>
             </a:fld>
             <a:endParaRPr lang="it-IT"/>
           </a:p>
@@ -2796,7 +2801,7 @@
   <p:timing>
     <p:tnLst>
       <p:par>
-        <p:cTn xmlns:p14="http://schemas.microsoft.com/office/powerpoint/2010/main" id="1" dur="indefinite" restart="never" nodeType="tmRoot"/>
+        <p:cTn id="1" dur="indefinite" restart="never" nodeType="tmRoot"/>
       </p:par>
     </p:tnLst>
   </p:timing>
@@ -2930,7 +2935,8 @@
           <a:p>
             <a:fld id="{63CABBC0-75E4-43BB-A6A6-84C2A96BDB82}" type="datetimeFigureOut">
               <a:rPr lang="it-IT" smtClean="0"/>
-              <a:t>30/12/12</a:t>
+              <a:pPr/>
+              <a:t>31/12/2012</a:t>
             </a:fld>
             <a:endParaRPr lang="it-IT"/>
           </a:p>
@@ -2972,7 +2978,8 @@
           <a:p>
             <a:fld id="{F89AEA99-3E91-4C58-9AD4-045DB5619AC3}" type="slidenum">
               <a:rPr lang="it-IT" smtClean="0"/>
-              <a:t>‹n.›</a:t>
+              <a:pPr/>
+              <a:t>‹N›</a:t>
             </a:fld>
             <a:endParaRPr lang="it-IT"/>
           </a:p>
@@ -2986,7 +2993,7 @@
   <p:timing>
     <p:tnLst>
       <p:par>
-        <p:cTn xmlns:p14="http://schemas.microsoft.com/office/powerpoint/2010/main" id="1" dur="indefinite" restart="never" nodeType="tmRoot"/>
+        <p:cTn id="1" dur="indefinite" restart="never" nodeType="tmRoot"/>
       </p:par>
     </p:tnLst>
   </p:timing>
@@ -3110,7 +3117,8 @@
           <a:p>
             <a:fld id="{63CABBC0-75E4-43BB-A6A6-84C2A96BDB82}" type="datetimeFigureOut">
               <a:rPr lang="it-IT" smtClean="0"/>
-              <a:t>30/12/12</a:t>
+              <a:pPr/>
+              <a:t>31/12/2012</a:t>
             </a:fld>
             <a:endParaRPr lang="it-IT"/>
           </a:p>
@@ -3152,7 +3160,8 @@
           <a:p>
             <a:fld id="{F89AEA99-3E91-4C58-9AD4-045DB5619AC3}" type="slidenum">
               <a:rPr lang="it-IT" smtClean="0"/>
-              <a:t>‹n.›</a:t>
+              <a:pPr/>
+              <a:t>‹N›</a:t>
             </a:fld>
             <a:endParaRPr lang="it-IT"/>
           </a:p>
@@ -3166,7 +3175,7 @@
   <p:timing>
     <p:tnLst>
       <p:par>
-        <p:cTn xmlns:p14="http://schemas.microsoft.com/office/powerpoint/2010/main" id="1" dur="indefinite" restart="never" nodeType="tmRoot"/>
+        <p:cTn id="1" dur="indefinite" restart="never" nodeType="tmRoot"/>
       </p:par>
     </p:tnLst>
   </p:timing>
@@ -3351,7 +3360,8 @@
           <a:p>
             <a:fld id="{63CABBC0-75E4-43BB-A6A6-84C2A96BDB82}" type="datetimeFigureOut">
               <a:rPr lang="it-IT" smtClean="0"/>
-              <a:t>30/12/12</a:t>
+              <a:pPr/>
+              <a:t>31/12/2012</a:t>
             </a:fld>
             <a:endParaRPr lang="it-IT"/>
           </a:p>
@@ -3393,7 +3403,8 @@
           <a:p>
             <a:fld id="{F89AEA99-3E91-4C58-9AD4-045DB5619AC3}" type="slidenum">
               <a:rPr lang="it-IT" smtClean="0"/>
-              <a:t>‹n.›</a:t>
+              <a:pPr/>
+              <a:t>‹N›</a:t>
             </a:fld>
             <a:endParaRPr lang="it-IT"/>
           </a:p>
@@ -3407,7 +3418,7 @@
   <p:timing>
     <p:tnLst>
       <p:par>
-        <p:cTn xmlns:p14="http://schemas.microsoft.com/office/powerpoint/2010/main" id="1" dur="indefinite" restart="never" nodeType="tmRoot"/>
+        <p:cTn id="1" dur="indefinite" restart="never" nodeType="tmRoot"/>
       </p:par>
     </p:tnLst>
   </p:timing>
@@ -3630,7 +3641,8 @@
           <a:p>
             <a:fld id="{63CABBC0-75E4-43BB-A6A6-84C2A96BDB82}" type="datetimeFigureOut">
               <a:rPr lang="it-IT" smtClean="0"/>
-              <a:t>30/12/12</a:t>
+              <a:pPr/>
+              <a:t>31/12/2012</a:t>
             </a:fld>
             <a:endParaRPr lang="it-IT"/>
           </a:p>
@@ -3672,7 +3684,8 @@
           <a:p>
             <a:fld id="{F89AEA99-3E91-4C58-9AD4-045DB5619AC3}" type="slidenum">
               <a:rPr lang="it-IT" smtClean="0"/>
-              <a:t>‹n.›</a:t>
+              <a:pPr/>
+              <a:t>‹N›</a:t>
             </a:fld>
             <a:endParaRPr lang="it-IT"/>
           </a:p>
@@ -3686,7 +3699,7 @@
   <p:timing>
     <p:tnLst>
       <p:par>
-        <p:cTn xmlns:p14="http://schemas.microsoft.com/office/powerpoint/2010/main" id="1" dur="indefinite" restart="never" nodeType="tmRoot"/>
+        <p:cTn id="1" dur="indefinite" restart="never" nodeType="tmRoot"/>
       </p:par>
     </p:tnLst>
   </p:timing>
@@ -4019,7 +4032,8 @@
           <a:p>
             <a:fld id="{63CABBC0-75E4-43BB-A6A6-84C2A96BDB82}" type="datetimeFigureOut">
               <a:rPr lang="it-IT" smtClean="0"/>
-              <a:t>30/12/12</a:t>
+              <a:pPr/>
+              <a:t>31/12/2012</a:t>
             </a:fld>
             <a:endParaRPr lang="it-IT"/>
           </a:p>
@@ -4061,7 +4075,8 @@
           <a:p>
             <a:fld id="{F89AEA99-3E91-4C58-9AD4-045DB5619AC3}" type="slidenum">
               <a:rPr lang="it-IT" smtClean="0"/>
-              <a:t>‹n.›</a:t>
+              <a:pPr/>
+              <a:t>‹N›</a:t>
             </a:fld>
             <a:endParaRPr lang="it-IT"/>
           </a:p>
@@ -4075,7 +4090,7 @@
   <p:timing>
     <p:tnLst>
       <p:par>
-        <p:cTn xmlns:p14="http://schemas.microsoft.com/office/powerpoint/2010/main" id="1" dur="indefinite" restart="never" nodeType="tmRoot"/>
+        <p:cTn id="1" dur="indefinite" restart="never" nodeType="tmRoot"/>
       </p:par>
     </p:tnLst>
   </p:timing>
@@ -4176,7 +4191,8 @@
           <a:p>
             <a:fld id="{63CABBC0-75E4-43BB-A6A6-84C2A96BDB82}" type="datetimeFigureOut">
               <a:rPr lang="it-IT" smtClean="0"/>
-              <a:t>30/12/12</a:t>
+              <a:pPr/>
+              <a:t>31/12/2012</a:t>
             </a:fld>
             <a:endParaRPr lang="it-IT"/>
           </a:p>
@@ -4218,7 +4234,8 @@
           <a:p>
             <a:fld id="{F89AEA99-3E91-4C58-9AD4-045DB5619AC3}" type="slidenum">
               <a:rPr lang="it-IT" smtClean="0"/>
-              <a:t>‹n.›</a:t>
+              <a:pPr/>
+              <a:t>‹N›</a:t>
             </a:fld>
             <a:endParaRPr lang="it-IT"/>
           </a:p>
@@ -4232,7 +4249,7 @@
   <p:timing>
     <p:tnLst>
       <p:par>
-        <p:cTn xmlns:p14="http://schemas.microsoft.com/office/powerpoint/2010/main" id="1" dur="indefinite" restart="never" nodeType="tmRoot"/>
+        <p:cTn id="1" dur="indefinite" restart="never" nodeType="tmRoot"/>
       </p:par>
     </p:tnLst>
   </p:timing>
@@ -4273,7 +4290,8 @@
           <a:p>
             <a:fld id="{63CABBC0-75E4-43BB-A6A6-84C2A96BDB82}" type="datetimeFigureOut">
               <a:rPr lang="it-IT" smtClean="0"/>
-              <a:t>30/12/12</a:t>
+              <a:pPr/>
+              <a:t>31/12/2012</a:t>
             </a:fld>
             <a:endParaRPr lang="it-IT"/>
           </a:p>
@@ -4315,7 +4333,8 @@
           <a:p>
             <a:fld id="{F89AEA99-3E91-4C58-9AD4-045DB5619AC3}" type="slidenum">
               <a:rPr lang="it-IT" smtClean="0"/>
-              <a:t>‹n.›</a:t>
+              <a:pPr/>
+              <a:t>‹N›</a:t>
             </a:fld>
             <a:endParaRPr lang="it-IT"/>
           </a:p>
@@ -4329,7 +4348,7 @@
   <p:timing>
     <p:tnLst>
       <p:par>
-        <p:cTn xmlns:p14="http://schemas.microsoft.com/office/powerpoint/2010/main" id="1" dur="indefinite" restart="never" nodeType="tmRoot"/>
+        <p:cTn id="1" dur="indefinite" restart="never" nodeType="tmRoot"/>
       </p:par>
     </p:tnLst>
   </p:timing>
@@ -4541,7 +4560,8 @@
           <a:p>
             <a:fld id="{63CABBC0-75E4-43BB-A6A6-84C2A96BDB82}" type="datetimeFigureOut">
               <a:rPr lang="it-IT" smtClean="0"/>
-              <a:t>30/12/12</a:t>
+              <a:pPr/>
+              <a:t>31/12/2012</a:t>
             </a:fld>
             <a:endParaRPr lang="it-IT"/>
           </a:p>
@@ -4583,7 +4603,8 @@
           <a:p>
             <a:fld id="{F89AEA99-3E91-4C58-9AD4-045DB5619AC3}" type="slidenum">
               <a:rPr lang="it-IT" smtClean="0"/>
-              <a:t>‹n.›</a:t>
+              <a:pPr/>
+              <a:t>‹N›</a:t>
             </a:fld>
             <a:endParaRPr lang="it-IT"/>
           </a:p>
@@ -4597,7 +4618,7 @@
   <p:timing>
     <p:tnLst>
       <p:par>
-        <p:cTn xmlns:p14="http://schemas.microsoft.com/office/powerpoint/2010/main" id="1" dur="indefinite" restart="never" nodeType="tmRoot"/>
+        <p:cTn id="1" dur="indefinite" restart="never" nodeType="tmRoot"/>
       </p:par>
     </p:tnLst>
   </p:timing>
@@ -4836,7 +4857,8 @@
           <a:p>
             <a:fld id="{63CABBC0-75E4-43BB-A6A6-84C2A96BDB82}" type="datetimeFigureOut">
               <a:rPr lang="it-IT" smtClean="0"/>
-              <a:t>30/12/12</a:t>
+              <a:pPr/>
+              <a:t>31/12/2012</a:t>
             </a:fld>
             <a:endParaRPr lang="it-IT"/>
           </a:p>
@@ -4883,7 +4905,8 @@
           <a:p>
             <a:fld id="{F89AEA99-3E91-4C58-9AD4-045DB5619AC3}" type="slidenum">
               <a:rPr lang="it-IT" smtClean="0"/>
-              <a:t>‹n.›</a:t>
+              <a:pPr/>
+              <a:t>‹N›</a:t>
             </a:fld>
             <a:endParaRPr lang="it-IT"/>
           </a:p>
@@ -5199,7 +5222,7 @@
   <p:timing>
     <p:tnLst>
       <p:par>
-        <p:cTn xmlns:p14="http://schemas.microsoft.com/office/powerpoint/2010/main" id="1" dur="indefinite" restart="never" nodeType="tmRoot"/>
+        <p:cTn id="1" dur="indefinite" restart="never" nodeType="tmRoot"/>
       </p:par>
     </p:tnLst>
   </p:timing>
@@ -5614,7 +5637,8 @@
           <a:p>
             <a:fld id="{63CABBC0-75E4-43BB-A6A6-84C2A96BDB82}" type="datetimeFigureOut">
               <a:rPr lang="it-IT" smtClean="0"/>
-              <a:t>30/12/12</a:t>
+              <a:pPr/>
+              <a:t>31/12/2012</a:t>
             </a:fld>
             <a:endParaRPr lang="it-IT"/>
           </a:p>
@@ -5692,7 +5716,8 @@
           <a:p>
             <a:fld id="{F89AEA99-3E91-4C58-9AD4-045DB5619AC3}" type="slidenum">
               <a:rPr lang="it-IT" smtClean="0"/>
-              <a:t>‹n.›</a:t>
+              <a:pPr/>
+              <a:t>‹N›</a:t>
             </a:fld>
             <a:endParaRPr lang="it-IT"/>
           </a:p>
@@ -5931,7 +5956,7 @@
   <p:timing>
     <p:tnLst>
       <p:par>
-        <p:cTn xmlns:p14="http://schemas.microsoft.com/office/powerpoint/2010/main" id="1" dur="indefinite" restart="never" nodeType="tmRoot"/>
+        <p:cTn id="1" dur="indefinite" restart="never" nodeType="tmRoot"/>
       </p:par>
     </p:tnLst>
   </p:timing>
@@ -6296,7 +6321,7 @@
           <p:nvPr>
             <p:extLst>
               <p:ext uri="{D42A27DB-BD31-4B8C-83A1-F6EECF244321}">
-                <p14:modId xmlns:p14="http://schemas.microsoft.com/office/powerpoint/2010/main" val="1430840817"/>
+                <p14:modId xmlns:p14="http://schemas.microsoft.com/office/powerpoint/2010/main" xmlns="" val="1430840817"/>
               </p:ext>
             </p:extLst>
           </p:nvPr>
@@ -6544,7 +6569,7 @@
           <p:nvPr>
             <p:extLst>
               <p:ext uri="{D42A27DB-BD31-4B8C-83A1-F6EECF244321}">
-                <p14:modId xmlns:p14="http://schemas.microsoft.com/office/powerpoint/2010/main" val="956586736"/>
+                <p14:modId xmlns:p14="http://schemas.microsoft.com/office/powerpoint/2010/main" xmlns="" val="956586736"/>
               </p:ext>
             </p:extLst>
           </p:nvPr>
@@ -6634,7 +6659,7 @@
           <a:blip r:embed="rId2">
             <a:extLst>
               <a:ext uri="{28A0092B-C50C-407E-A947-70E740481C1C}">
-                <a14:useLocalDpi xmlns:a14="http://schemas.microsoft.com/office/drawing/2010/main" val="0"/>
+                <a14:useLocalDpi xmlns:a14="http://schemas.microsoft.com/office/drawing/2010/main" xmlns="" val="0"/>
               </a:ext>
             </a:extLst>
           </a:blip>
@@ -6654,7 +6679,7 @@
           <a:noFill/>
           <a:extLst>
             <a:ext uri="{909E8E84-426E-40dd-AFC4-6F175D3DCCD1}">
-              <a14:hiddenFill xmlns:a14="http://schemas.microsoft.com/office/drawing/2010/main">
+              <a14:hiddenFill xmlns:a14="http://schemas.microsoft.com/office/drawing/2010/main" xmlns="">
                 <a:solidFill>
                   <a:srgbClr val="FFFFFF"/>
                 </a:solidFill>
@@ -6666,7 +6691,7 @@
     </p:spTree>
     <p:extLst>
       <p:ext uri="{BB962C8B-B14F-4D97-AF65-F5344CB8AC3E}">
-        <p14:creationId xmlns:p14="http://schemas.microsoft.com/office/powerpoint/2010/main" val="4165334171"/>
+        <p14:creationId xmlns:p14="http://schemas.microsoft.com/office/powerpoint/2010/main" xmlns="" val="4165334171"/>
       </p:ext>
     </p:extLst>
   </p:cSld>
@@ -6676,7 +6701,7 @@
   <p:timing>
     <p:tnLst>
       <p:par>
-        <p:cTn xmlns:p14="http://schemas.microsoft.com/office/powerpoint/2010/main" id="1" dur="indefinite" restart="never" nodeType="tmRoot"/>
+        <p:cTn id="1" dur="indefinite" restart="never" nodeType="tmRoot"/>
       </p:par>
     </p:tnLst>
   </p:timing>
@@ -6972,25 +6997,25 @@
     </p:spTree>
     <p:extLst>
       <p:ext uri="{BB962C8B-B14F-4D97-AF65-F5344CB8AC3E}">
-        <p14:creationId xmlns:p14="http://schemas.microsoft.com/office/powerpoint/2010/main" val="4143007013"/>
+        <p14:creationId xmlns:p14="http://schemas.microsoft.com/office/powerpoint/2010/main" xmlns="" val="4143007013"/>
       </p:ext>
     </p:extLst>
   </p:cSld>
   <p:clrMapOvr>
     <a:masterClrMapping/>
   </p:clrMapOvr>
-  <mc:AlternateContent xmlns:mc="http://schemas.openxmlformats.org/markup-compatibility/2006" xmlns:p14="http://schemas.microsoft.com/office/powerpoint/2010/main">
-    <mc:Choice Requires="p14">
+  <mc:AlternateContent xmlns:mc="http://schemas.openxmlformats.org/markup-compatibility/2006">
+    <mc:Choice xmlns:p14="http://schemas.microsoft.com/office/powerpoint/2010/main" xmlns="" Requires="p14">
       <p:transition spd="slow" p14:dur="2000"/>
     </mc:Choice>
-    <mc:Fallback xmlns="">
+    <mc:Fallback>
       <p:transition spd="slow"/>
     </mc:Fallback>
   </mc:AlternateContent>
   <p:timing>
     <p:tnLst>
       <p:par>
-        <p:cTn xmlns:p14="http://schemas.microsoft.com/office/powerpoint/2010/main" id="1" dur="indefinite" restart="never" nodeType="tmRoot"/>
+        <p:cTn id="1" dur="indefinite" restart="never" nodeType="tmRoot"/>
       </p:par>
     </p:tnLst>
   </p:timing>
@@ -6998,389 +7023,6 @@
 </file>
 
 <file path=ppt/slides/slide100.xml><?xml version="1.0" encoding="utf-8"?>
-<p:sld xmlns:a="http://schemas.openxmlformats.org/drawingml/2006/main" xmlns:r="http://schemas.openxmlformats.org/officeDocument/2006/relationships" xmlns:p="http://schemas.openxmlformats.org/presentationml/2006/main">
-  <p:cSld>
-    <p:spTree>
-      <p:nvGrpSpPr>
-        <p:cNvPr id="1" name=""/>
-        <p:cNvGrpSpPr/>
-        <p:nvPr/>
-      </p:nvGrpSpPr>
-      <p:grpSpPr>
-        <a:xfrm>
-          <a:off x="0" y="0"/>
-          <a:ext cx="0" cy="0"/>
-          <a:chOff x="0" y="0"/>
-          <a:chExt cx="0" cy="0"/>
-        </a:xfrm>
-      </p:grpSpPr>
-      <p:sp>
-        <p:nvSpPr>
-          <p:cNvPr id="2" name="CasellaDiTesto 1"/>
-          <p:cNvSpPr txBox="1"/>
-          <p:nvPr/>
-        </p:nvSpPr>
-        <p:spPr>
-          <a:xfrm>
-            <a:off x="2339752" y="1"/>
-            <a:ext cx="4096442" cy="1538883"/>
-          </a:xfrm>
-          <a:prstGeom prst="rect">
-            <a:avLst/>
-          </a:prstGeom>
-          <a:noFill/>
-        </p:spPr>
-        <p:txBody>
-          <a:bodyPr wrap="square" rtlCol="0">
-            <a:spAutoFit/>
-          </a:bodyPr>
-          <a:lstStyle/>
-          <a:p>
-            <a:pPr algn="ctr"/>
-            <a:r>
-              <a:rPr lang="it-IT" sz="4800" b="1" dirty="0" smtClean="0">
-                <a:latin typeface="+mj-lt"/>
-              </a:rPr>
-              <a:t>Problemi? </a:t>
-            </a:r>
-          </a:p>
-          <a:p>
-            <a:pPr algn="ctr"/>
-            <a:r>
-              <a:rPr lang="it-IT" sz="2800" b="1" dirty="0" smtClean="0">
-                <a:latin typeface="+mj-lt"/>
-              </a:rPr>
-              <a:t>Perché?</a:t>
-            </a:r>
-          </a:p>
-          <a:p>
-            <a:pPr algn="ctr"/>
-            <a:endParaRPr lang="it-IT" dirty="0">
-              <a:latin typeface="+mj-lt"/>
-            </a:endParaRPr>
-          </a:p>
-        </p:txBody>
-      </p:sp>
-      <p:sp>
-        <p:nvSpPr>
-          <p:cNvPr id="5" name="Content Placeholder 3"/>
-          <p:cNvSpPr txBox="1">
-            <a:spLocks/>
-          </p:cNvSpPr>
-          <p:nvPr/>
-        </p:nvSpPr>
-        <p:spPr>
-          <a:xfrm>
-            <a:off x="539552" y="1124744"/>
-            <a:ext cx="8280920" cy="5733256"/>
-          </a:xfrm>
-          <a:prstGeom prst="rect">
-            <a:avLst/>
-          </a:prstGeom>
-        </p:spPr>
-        <p:txBody>
-          <a:bodyPr tIns="0"/>
-          <a:lstStyle>
-            <a:lvl1pPr marL="274320" indent="-274320" algn="l" rtl="0" eaLnBrk="1" latinLnBrk="0" hangingPunct="1">
-              <a:spcBef>
-                <a:spcPct val="20000"/>
-              </a:spcBef>
-              <a:buClrTx/>
-              <a:buSzPct val="95000"/>
-              <a:buFont typeface="Wingdings" pitchFamily="2" charset="2"/>
-              <a:buChar char="v"/>
-              <a:defRPr kumimoji="0" sz="2800" kern="1200">
-                <a:solidFill>
-                  <a:schemeClr val="tx1"/>
-                </a:solidFill>
-                <a:latin typeface="+mn-lt"/>
-                <a:ea typeface="+mn-ea"/>
-                <a:cs typeface="+mn-cs"/>
-              </a:defRPr>
-            </a:lvl1pPr>
-            <a:lvl2pPr marL="640080" indent="-246888" algn="l" rtl="0" eaLnBrk="1" latinLnBrk="0" hangingPunct="1">
-              <a:spcBef>
-                <a:spcPct val="20000"/>
-              </a:spcBef>
-              <a:buClrTx/>
-              <a:buSzPct val="85000"/>
-              <a:buFont typeface="Courier New" pitchFamily="49" charset="0"/>
-              <a:buChar char="o"/>
-              <a:defRPr kumimoji="0" sz="2600" kern="1200">
-                <a:solidFill>
-                  <a:schemeClr val="tx1"/>
-                </a:solidFill>
-                <a:latin typeface="+mn-lt"/>
-                <a:ea typeface="+mn-ea"/>
-                <a:cs typeface="+mn-cs"/>
-              </a:defRPr>
-            </a:lvl2pPr>
-            <a:lvl3pPr marL="914400" indent="-246888" algn="l" rtl="0" eaLnBrk="1" latinLnBrk="0" hangingPunct="1">
-              <a:spcBef>
-                <a:spcPct val="20000"/>
-              </a:spcBef>
-              <a:buClrTx/>
-              <a:buSzPct val="70000"/>
-              <a:buFont typeface="Wingdings 2"/>
-              <a:buChar char=""/>
-              <a:defRPr kumimoji="0" sz="2400" kern="1200">
-                <a:solidFill>
-                  <a:schemeClr val="tx1"/>
-                </a:solidFill>
-                <a:latin typeface="+mn-lt"/>
-                <a:ea typeface="+mn-ea"/>
-                <a:cs typeface="+mn-cs"/>
-              </a:defRPr>
-            </a:lvl3pPr>
-            <a:lvl4pPr marL="1188720" indent="-210312" algn="l" rtl="0" eaLnBrk="1" latinLnBrk="0" hangingPunct="1">
-              <a:spcBef>
-                <a:spcPct val="20000"/>
-              </a:spcBef>
-              <a:buClrTx/>
-              <a:buSzPct val="65000"/>
-              <a:buFont typeface="Wingdings 2"/>
-              <a:buChar char=""/>
-              <a:defRPr kumimoji="0" sz="2000" kern="1200">
-                <a:solidFill>
-                  <a:schemeClr val="tx1"/>
-                </a:solidFill>
-                <a:latin typeface="+mn-lt"/>
-                <a:ea typeface="+mn-ea"/>
-                <a:cs typeface="+mn-cs"/>
-              </a:defRPr>
-            </a:lvl4pPr>
-            <a:lvl5pPr marL="1463040" indent="-210312" algn="l" rtl="0" eaLnBrk="1" latinLnBrk="0" hangingPunct="1">
-              <a:spcBef>
-                <a:spcPct val="20000"/>
-              </a:spcBef>
-              <a:buClrTx/>
-              <a:buSzPct val="65000"/>
-              <a:buFont typeface="Wingdings 2"/>
-              <a:buChar char=""/>
-              <a:defRPr kumimoji="0" sz="1800" kern="1200">
-                <a:solidFill>
-                  <a:schemeClr val="tx1"/>
-                </a:solidFill>
-                <a:latin typeface="+mn-lt"/>
-                <a:ea typeface="+mn-ea"/>
-                <a:cs typeface="+mn-cs"/>
-              </a:defRPr>
-            </a:lvl5pPr>
-            <a:lvl6pPr marL="1737360" indent="-210312" algn="l" rtl="0" eaLnBrk="1" latinLnBrk="0" hangingPunct="1">
-              <a:spcBef>
-                <a:spcPct val="20000"/>
-              </a:spcBef>
-              <a:buClr>
-                <a:schemeClr val="accent5"/>
-              </a:buClr>
-              <a:buSzPct val="80000"/>
-              <a:buFont typeface="Wingdings 2"/>
-              <a:buChar char=""/>
-              <a:defRPr kumimoji="0" sz="1800" kern="1200">
-                <a:solidFill>
-                  <a:schemeClr val="tx1"/>
-                </a:solidFill>
-                <a:latin typeface="+mn-lt"/>
-                <a:ea typeface="+mn-ea"/>
-                <a:cs typeface="+mn-cs"/>
-              </a:defRPr>
-            </a:lvl6pPr>
-            <a:lvl7pPr marL="1920240" indent="-182880" algn="l" rtl="0" eaLnBrk="1" latinLnBrk="0" hangingPunct="1">
-              <a:spcBef>
-                <a:spcPct val="20000"/>
-              </a:spcBef>
-              <a:buClr>
-                <a:schemeClr val="accent6"/>
-              </a:buClr>
-              <a:buSzPct val="80000"/>
-              <a:buFont typeface="Wingdings 2"/>
-              <a:buChar char=""/>
-              <a:defRPr kumimoji="0" sz="1600" kern="1200" baseline="0">
-                <a:solidFill>
-                  <a:schemeClr val="tx1"/>
-                </a:solidFill>
-                <a:latin typeface="+mn-lt"/>
-                <a:ea typeface="+mn-ea"/>
-                <a:cs typeface="+mn-cs"/>
-              </a:defRPr>
-            </a:lvl7pPr>
-            <a:lvl8pPr marL="2194560" indent="-182880" algn="l" rtl="0" eaLnBrk="1" latinLnBrk="0" hangingPunct="1">
-              <a:spcBef>
-                <a:spcPct val="20000"/>
-              </a:spcBef>
-              <a:buClr>
-                <a:schemeClr val="tx2"/>
-              </a:buClr>
-              <a:buChar char="•"/>
-              <a:defRPr kumimoji="0" sz="1600" kern="1200">
-                <a:solidFill>
-                  <a:schemeClr val="tx1"/>
-                </a:solidFill>
-                <a:latin typeface="+mn-lt"/>
-                <a:ea typeface="+mn-ea"/>
-                <a:cs typeface="+mn-cs"/>
-              </a:defRPr>
-            </a:lvl8pPr>
-            <a:lvl9pPr marL="2468880" indent="-182880" algn="l" rtl="0" eaLnBrk="1" latinLnBrk="0" hangingPunct="1">
-              <a:spcBef>
-                <a:spcPct val="20000"/>
-              </a:spcBef>
-              <a:buClr>
-                <a:schemeClr val="tx2"/>
-              </a:buClr>
-              <a:buFontTx/>
-              <a:buChar char="•"/>
-              <a:defRPr kumimoji="0" sz="1400" kern="1200" baseline="0">
-                <a:solidFill>
-                  <a:schemeClr val="tx1"/>
-                </a:solidFill>
-                <a:latin typeface="+mn-lt"/>
-                <a:ea typeface="+mn-ea"/>
-                <a:cs typeface="+mn-cs"/>
-              </a:defRPr>
-            </a:lvl9pPr>
-          </a:lstStyle>
-          <a:p>
-            <a:r>
-              <a:rPr lang="it-IT" dirty="0" smtClean="0"/>
-              <a:t>Difficoltà iniziali </a:t>
-            </a:r>
-          </a:p>
-          <a:p>
-            <a:pPr lvl="1"/>
-            <a:r>
-              <a:rPr lang="it-IT" dirty="0" smtClean="0"/>
-              <a:t>Inesperienza </a:t>
-            </a:r>
-          </a:p>
-          <a:p>
-            <a:pPr lvl="1"/>
-            <a:r>
-              <a:rPr lang="it-IT" dirty="0" smtClean="0"/>
-              <a:t>Approccio </a:t>
-            </a:r>
-            <a:r>
-              <a:rPr lang="it-IT" dirty="0" err="1" smtClean="0"/>
-              <a:t>Tools</a:t>
-            </a:r>
-            <a:r>
-              <a:rPr lang="it-IT" dirty="0" smtClean="0"/>
-              <a:t>  (</a:t>
-            </a:r>
-            <a:r>
-              <a:rPr lang="it-IT" dirty="0" err="1" smtClean="0"/>
-              <a:t>JUnit</a:t>
-            </a:r>
-            <a:r>
-              <a:rPr lang="it-IT" dirty="0" smtClean="0"/>
-              <a:t>)</a:t>
-            </a:r>
-          </a:p>
-          <a:p>
-            <a:r>
-              <a:rPr lang="it-IT" dirty="0" smtClean="0"/>
-              <a:t>Fattore Tempo</a:t>
-            </a:r>
-          </a:p>
-          <a:p>
-            <a:pPr lvl="1"/>
-            <a:r>
-              <a:rPr lang="it-IT" dirty="0" smtClean="0"/>
-              <a:t>Consegne imperfette (</a:t>
-            </a:r>
-            <a:r>
-              <a:rPr lang="it-IT" dirty="0" err="1" smtClean="0"/>
-              <a:t>succesivamente</a:t>
-            </a:r>
-            <a:r>
-              <a:rPr lang="it-IT" dirty="0" smtClean="0"/>
-              <a:t> revisionate)</a:t>
-            </a:r>
-          </a:p>
-          <a:p>
-            <a:pPr lvl="1"/>
-            <a:r>
-              <a:rPr lang="it-IT" dirty="0" smtClean="0"/>
-              <a:t>Errori (Database)</a:t>
-            </a:r>
-          </a:p>
-          <a:p>
-            <a:r>
-              <a:rPr lang="it-IT" dirty="0" smtClean="0"/>
-              <a:t>Aggiunte e Perdite in corsa</a:t>
-            </a:r>
-          </a:p>
-          <a:p>
-            <a:pPr lvl="1"/>
-            <a:r>
-              <a:rPr lang="it-IT" dirty="0" smtClean="0"/>
-              <a:t>Modifiche Costanti al sistema</a:t>
-            </a:r>
-          </a:p>
-          <a:p>
-            <a:pPr lvl="1"/>
-            <a:r>
-              <a:rPr lang="it-IT" dirty="0" smtClean="0"/>
-              <a:t>Motivazione ed interpretazione</a:t>
-            </a:r>
-          </a:p>
-          <a:p>
-            <a:r>
-              <a:rPr lang="it-IT" dirty="0" err="1" smtClean="0"/>
-              <a:t>Problemi=Difficoltà</a:t>
-            </a:r>
-            <a:endParaRPr lang="it-IT" dirty="0" smtClean="0"/>
-          </a:p>
-          <a:p>
-            <a:pPr lvl="1"/>
-            <a:r>
-              <a:rPr lang="it-IT" dirty="0" smtClean="0"/>
-              <a:t>Naturale processo di progettazione</a:t>
-            </a:r>
-          </a:p>
-          <a:p>
-            <a:pPr lvl="1">
-              <a:buNone/>
-            </a:pPr>
-            <a:endParaRPr lang="it-IT" dirty="0" smtClean="0"/>
-          </a:p>
-          <a:p>
-            <a:pPr lvl="1">
-              <a:buNone/>
-            </a:pPr>
-            <a:endParaRPr lang="it-IT" dirty="0" smtClean="0"/>
-          </a:p>
-        </p:txBody>
-      </p:sp>
-    </p:spTree>
-    <p:extLst>
-      <p:ext uri="{BB962C8B-B14F-4D97-AF65-F5344CB8AC3E}">
-        <p14:creationId xmlns:p14="http://schemas.microsoft.com/office/powerpoint/2010/main" val="3564990699"/>
-      </p:ext>
-    </p:extLst>
-  </p:cSld>
-  <p:clrMapOvr>
-    <a:masterClrMapping/>
-  </p:clrMapOvr>
-  <mc:AlternateContent xmlns:mc="http://schemas.openxmlformats.org/markup-compatibility/2006" xmlns:p14="http://schemas.microsoft.com/office/powerpoint/2010/main">
-    <mc:Choice Requires="p14">
-      <p:transition spd="slow" p14:dur="2000"/>
-    </mc:Choice>
-    <mc:Fallback xmlns="">
-      <p:transition spd="slow"/>
-    </mc:Fallback>
-  </mc:AlternateContent>
-  <p:timing>
-    <p:tnLst>
-      <p:par>
-        <p:cTn xmlns:p14="http://schemas.microsoft.com/office/powerpoint/2010/main" id="1" dur="indefinite" restart="never" nodeType="tmRoot"/>
-      </p:par>
-    </p:tnLst>
-  </p:timing>
-</p:sld>
-</file>
-
-<file path=ppt/slides/slide101.xml><?xml version="1.0" encoding="utf-8"?>
 <p:sld xmlns:a="http://schemas.openxmlformats.org/drawingml/2006/main" xmlns:r="http://schemas.openxmlformats.org/officeDocument/2006/relationships" xmlns:p="http://schemas.openxmlformats.org/presentationml/2006/main">
   <p:cSld>
     <p:spTree>
@@ -7731,25 +7373,25 @@
     </p:spTree>
     <p:extLst>
       <p:ext uri="{BB962C8B-B14F-4D97-AF65-F5344CB8AC3E}">
-        <p14:creationId xmlns:p14="http://schemas.microsoft.com/office/powerpoint/2010/main" val="3748041918"/>
+        <p14:creationId xmlns:p14="http://schemas.microsoft.com/office/powerpoint/2010/main" xmlns="" val="3748041918"/>
       </p:ext>
     </p:extLst>
   </p:cSld>
   <p:clrMapOvr>
     <a:masterClrMapping/>
   </p:clrMapOvr>
-  <mc:AlternateContent xmlns:mc="http://schemas.openxmlformats.org/markup-compatibility/2006" xmlns:p14="http://schemas.microsoft.com/office/powerpoint/2010/main">
-    <mc:Choice Requires="p14">
+  <mc:AlternateContent xmlns:mc="http://schemas.openxmlformats.org/markup-compatibility/2006">
+    <mc:Choice xmlns:p14="http://schemas.microsoft.com/office/powerpoint/2010/main" xmlns="" Requires="p14">
       <p:transition spd="slow" p14:dur="2000"/>
     </mc:Choice>
-    <mc:Fallback xmlns="">
+    <mc:Fallback>
       <p:transition spd="slow"/>
     </mc:Fallback>
   </mc:AlternateContent>
   <p:timing>
     <p:tnLst>
       <p:par>
-        <p:cTn xmlns:p14="http://schemas.microsoft.com/office/powerpoint/2010/main" id="1" dur="indefinite" restart="never" nodeType="tmRoot"/>
+        <p:cTn id="1" dur="indefinite" restart="never" nodeType="tmRoot"/>
       </p:par>
     </p:tnLst>
   </p:timing>
@@ -7840,13 +7482,20 @@
     </p:spTree>
     <p:extLst>
       <p:ext uri="{BB962C8B-B14F-4D97-AF65-F5344CB8AC3E}">
-        <p14:creationId xmlns:p14="http://schemas.microsoft.com/office/powerpoint/2010/main" val="3695870384"/>
+        <p14:creationId xmlns:p14="http://schemas.microsoft.com/office/powerpoint/2010/main" xmlns="" val="3695870384"/>
       </p:ext>
     </p:extLst>
   </p:cSld>
   <p:clrMapOvr>
     <a:masterClrMapping/>
   </p:clrMapOvr>
+  <p:timing>
+    <p:tnLst>
+      <p:par>
+        <p:cTn id="1" dur="indefinite" restart="never" nodeType="tmRoot"/>
+      </p:par>
+    </p:tnLst>
+  </p:timing>
 </p:sld>
 </file>
 
@@ -7934,13 +7583,20 @@
     </p:spTree>
     <p:extLst>
       <p:ext uri="{BB962C8B-B14F-4D97-AF65-F5344CB8AC3E}">
-        <p14:creationId xmlns:p14="http://schemas.microsoft.com/office/powerpoint/2010/main" val="3987928837"/>
+        <p14:creationId xmlns:p14="http://schemas.microsoft.com/office/powerpoint/2010/main" xmlns="" val="3987928837"/>
       </p:ext>
     </p:extLst>
   </p:cSld>
   <p:clrMapOvr>
     <a:masterClrMapping/>
   </p:clrMapOvr>
+  <p:timing>
+    <p:tnLst>
+      <p:par>
+        <p:cTn id="1" dur="indefinite" restart="never" nodeType="tmRoot"/>
+      </p:par>
+    </p:tnLst>
+  </p:timing>
 </p:sld>
 </file>
 
@@ -8252,13 +7908,20 @@
     </p:spTree>
     <p:extLst>
       <p:ext uri="{BB962C8B-B14F-4D97-AF65-F5344CB8AC3E}">
-        <p14:creationId xmlns:p14="http://schemas.microsoft.com/office/powerpoint/2010/main" val="1367578552"/>
+        <p14:creationId xmlns:p14="http://schemas.microsoft.com/office/powerpoint/2010/main" xmlns="" val="1367578552"/>
       </p:ext>
     </p:extLst>
   </p:cSld>
   <p:clrMapOvr>
     <a:masterClrMapping/>
   </p:clrMapOvr>
+  <p:timing>
+    <p:tnLst>
+      <p:par>
+        <p:cTn id="1" dur="indefinite" restart="never" nodeType="tmRoot"/>
+      </p:par>
+    </p:tnLst>
+  </p:timing>
 </p:sld>
 </file>
 
@@ -8373,13 +8036,20 @@
     </p:spTree>
     <p:extLst>
       <p:ext uri="{BB962C8B-B14F-4D97-AF65-F5344CB8AC3E}">
-        <p14:creationId xmlns:p14="http://schemas.microsoft.com/office/powerpoint/2010/main" val="1554749062"/>
+        <p14:creationId xmlns:p14="http://schemas.microsoft.com/office/powerpoint/2010/main" xmlns="" val="1554749062"/>
       </p:ext>
     </p:extLst>
   </p:cSld>
   <p:clrMapOvr>
     <a:masterClrMapping/>
   </p:clrMapOvr>
+  <p:timing>
+    <p:tnLst>
+      <p:par>
+        <p:cTn id="1" dur="indefinite" restart="never" nodeType="tmRoot"/>
+      </p:par>
+    </p:tnLst>
+  </p:timing>
 </p:sld>
 </file>
 
@@ -8494,13 +8164,20 @@
     </p:spTree>
     <p:extLst>
       <p:ext uri="{BB962C8B-B14F-4D97-AF65-F5344CB8AC3E}">
-        <p14:creationId xmlns:p14="http://schemas.microsoft.com/office/powerpoint/2010/main" val="1028530279"/>
+        <p14:creationId xmlns:p14="http://schemas.microsoft.com/office/powerpoint/2010/main" xmlns="" val="1028530279"/>
       </p:ext>
     </p:extLst>
   </p:cSld>
   <p:clrMapOvr>
     <a:masterClrMapping/>
   </p:clrMapOvr>
+  <p:timing>
+    <p:tnLst>
+      <p:par>
+        <p:cTn id="1" dur="indefinite" restart="never" nodeType="tmRoot"/>
+      </p:par>
+    </p:tnLst>
+  </p:timing>
 </p:sld>
 </file>
 
@@ -8615,13 +8292,20 @@
     </p:spTree>
     <p:extLst>
       <p:ext uri="{BB962C8B-B14F-4D97-AF65-F5344CB8AC3E}">
-        <p14:creationId xmlns:p14="http://schemas.microsoft.com/office/powerpoint/2010/main" val="2120081776"/>
+        <p14:creationId xmlns:p14="http://schemas.microsoft.com/office/powerpoint/2010/main" xmlns="" val="2120081776"/>
       </p:ext>
     </p:extLst>
   </p:cSld>
   <p:clrMapOvr>
     <a:masterClrMapping/>
   </p:clrMapOvr>
+  <p:timing>
+    <p:tnLst>
+      <p:par>
+        <p:cTn id="1" dur="indefinite" restart="never" nodeType="tmRoot"/>
+      </p:par>
+    </p:tnLst>
+  </p:timing>
 </p:sld>
 </file>
 
@@ -8748,13 +8432,20 @@
     </p:spTree>
     <p:extLst>
       <p:ext uri="{BB962C8B-B14F-4D97-AF65-F5344CB8AC3E}">
-        <p14:creationId xmlns:p14="http://schemas.microsoft.com/office/powerpoint/2010/main" val="3320352623"/>
+        <p14:creationId xmlns:p14="http://schemas.microsoft.com/office/powerpoint/2010/main" xmlns="" val="3320352623"/>
       </p:ext>
     </p:extLst>
   </p:cSld>
   <p:clrMapOvr>
     <a:masterClrMapping/>
   </p:clrMapOvr>
+  <p:timing>
+    <p:tnLst>
+      <p:par>
+        <p:cTn id="1" dur="indefinite" restart="never" nodeType="tmRoot"/>
+      </p:par>
+    </p:tnLst>
+  </p:timing>
 </p:sld>
 </file>
 
@@ -8881,13 +8572,20 @@
     </p:spTree>
     <p:extLst>
       <p:ext uri="{BB962C8B-B14F-4D97-AF65-F5344CB8AC3E}">
-        <p14:creationId xmlns:p14="http://schemas.microsoft.com/office/powerpoint/2010/main" val="4011022122"/>
+        <p14:creationId xmlns:p14="http://schemas.microsoft.com/office/powerpoint/2010/main" xmlns="" val="4011022122"/>
       </p:ext>
     </p:extLst>
   </p:cSld>
   <p:clrMapOvr>
     <a:masterClrMapping/>
   </p:clrMapOvr>
+  <p:timing>
+    <p:tnLst>
+      <p:par>
+        <p:cTn id="1" dur="indefinite" restart="never" nodeType="tmRoot"/>
+      </p:par>
+    </p:tnLst>
+  </p:timing>
 </p:sld>
 </file>
 
@@ -9179,18 +8877,18 @@
     </p:spTree>
     <p:extLst>
       <p:ext uri="{BB962C8B-B14F-4D97-AF65-F5344CB8AC3E}">
-        <p14:creationId xmlns:p14="http://schemas.microsoft.com/office/powerpoint/2010/main" val="2927506779"/>
+        <p14:creationId xmlns:p14="http://schemas.microsoft.com/office/powerpoint/2010/main" xmlns="" val="2927506779"/>
       </p:ext>
     </p:extLst>
   </p:cSld>
   <p:clrMapOvr>
     <a:masterClrMapping/>
   </p:clrMapOvr>
-  <p:transition xmlns:p14="http://schemas.microsoft.com/office/powerpoint/2010/main" spd="med"/>
+  <p:transition spd="med"/>
   <p:timing>
     <p:tnLst>
       <p:par>
-        <p:cTn xmlns:p14="http://schemas.microsoft.com/office/powerpoint/2010/main" id="1" dur="indefinite" restart="never" nodeType="tmRoot"/>
+        <p:cTn id="1" dur="indefinite" restart="never" nodeType="tmRoot"/>
       </p:par>
     </p:tnLst>
   </p:timing>
@@ -9846,25 +9544,25 @@
     </p:spTree>
     <p:extLst>
       <p:ext uri="{BB962C8B-B14F-4D97-AF65-F5344CB8AC3E}">
-        <p14:creationId xmlns:p14="http://schemas.microsoft.com/office/powerpoint/2010/main" val="1720938352"/>
+        <p14:creationId xmlns:p14="http://schemas.microsoft.com/office/powerpoint/2010/main" xmlns="" val="1720938352"/>
       </p:ext>
     </p:extLst>
   </p:cSld>
   <p:clrMapOvr>
     <a:masterClrMapping/>
   </p:clrMapOvr>
-  <mc:AlternateContent xmlns:mc="http://schemas.openxmlformats.org/markup-compatibility/2006" xmlns:p14="http://schemas.microsoft.com/office/powerpoint/2010/main">
-    <mc:Choice Requires="p14">
+  <mc:AlternateContent xmlns:mc="http://schemas.openxmlformats.org/markup-compatibility/2006">
+    <mc:Choice xmlns:p14="http://schemas.microsoft.com/office/powerpoint/2010/main" xmlns="" Requires="p14">
       <p:transition spd="slow" p14:dur="2000"/>
     </mc:Choice>
-    <mc:Fallback xmlns="">
+    <mc:Fallback>
       <p:transition spd="slow"/>
     </mc:Fallback>
   </mc:AlternateContent>
   <p:timing>
     <p:tnLst>
       <p:par>
-        <p:cTn xmlns:p14="http://schemas.microsoft.com/office/powerpoint/2010/main" id="1" dur="indefinite" restart="never" nodeType="tmRoot"/>
+        <p:cTn id="1" dur="indefinite" restart="never" nodeType="tmRoot"/>
       </p:par>
     </p:tnLst>
   </p:timing>
@@ -10148,7 +9846,7 @@
     </p:spTree>
     <p:extLst>
       <p:ext uri="{BB962C8B-B14F-4D97-AF65-F5344CB8AC3E}">
-        <p14:creationId xmlns:p14="http://schemas.microsoft.com/office/powerpoint/2010/main" val="3389076463"/>
+        <p14:creationId xmlns:p14="http://schemas.microsoft.com/office/powerpoint/2010/main" xmlns="" val="3389076463"/>
       </p:ext>
     </p:extLst>
   </p:cSld>
@@ -10158,7 +9856,7 @@
   <p:timing>
     <p:tnLst>
       <p:par>
-        <p:cTn xmlns:p14="http://schemas.microsoft.com/office/powerpoint/2010/main" id="1" dur="indefinite" restart="never" nodeType="tmRoot"/>
+        <p:cTn id="1" dur="indefinite" restart="never" nodeType="tmRoot"/>
       </p:par>
     </p:tnLst>
   </p:timing>
@@ -10271,7 +9969,7 @@
     </p:spTree>
     <p:extLst>
       <p:ext uri="{BB962C8B-B14F-4D97-AF65-F5344CB8AC3E}">
-        <p14:creationId xmlns:p14="http://schemas.microsoft.com/office/powerpoint/2010/main" val="3781125707"/>
+        <p14:creationId xmlns:p14="http://schemas.microsoft.com/office/powerpoint/2010/main" xmlns="" val="3781125707"/>
       </p:ext>
     </p:extLst>
   </p:cSld>
@@ -10281,7 +9979,7 @@
   <p:timing>
     <p:tnLst>
       <p:par>
-        <p:cTn xmlns:p14="http://schemas.microsoft.com/office/powerpoint/2010/main" id="1" dur="indefinite" restart="never" nodeType="tmRoot"/>
+        <p:cTn id="1" dur="indefinite" restart="never" nodeType="tmRoot"/>
       </p:par>
     </p:tnLst>
   </p:timing>
@@ -10395,7 +10093,7 @@
     </p:spTree>
     <p:extLst>
       <p:ext uri="{BB962C8B-B14F-4D97-AF65-F5344CB8AC3E}">
-        <p14:creationId xmlns:p14="http://schemas.microsoft.com/office/powerpoint/2010/main" val="3113757335"/>
+        <p14:creationId xmlns:p14="http://schemas.microsoft.com/office/powerpoint/2010/main" xmlns="" val="3113757335"/>
       </p:ext>
     </p:extLst>
   </p:cSld>
@@ -10405,7 +10103,7 @@
   <p:timing>
     <p:tnLst>
       <p:par>
-        <p:cTn xmlns:p14="http://schemas.microsoft.com/office/powerpoint/2010/main" id="1" dur="indefinite" restart="never" nodeType="tmRoot"/>
+        <p:cTn id="1" dur="indefinite" restart="never" nodeType="tmRoot"/>
       </p:par>
     </p:tnLst>
   </p:timing>
@@ -10479,7 +10177,7 @@
     </p:spTree>
     <p:extLst>
       <p:ext uri="{BB962C8B-B14F-4D97-AF65-F5344CB8AC3E}">
-        <p14:creationId xmlns:p14="http://schemas.microsoft.com/office/powerpoint/2010/main" val="3128220547"/>
+        <p14:creationId xmlns:p14="http://schemas.microsoft.com/office/powerpoint/2010/main" xmlns="" val="3128220547"/>
       </p:ext>
     </p:extLst>
   </p:cSld>
@@ -10489,7 +10187,7 @@
   <p:timing>
     <p:tnLst>
       <p:par>
-        <p:cTn xmlns:p14="http://schemas.microsoft.com/office/powerpoint/2010/main" id="1" dur="indefinite" restart="never" nodeType="tmRoot"/>
+        <p:cTn id="1" dur="indefinite" restart="never" nodeType="tmRoot"/>
       </p:par>
     </p:tnLst>
   </p:timing>
@@ -10605,7 +10303,7 @@
     </p:spTree>
     <p:extLst>
       <p:ext uri="{BB962C8B-B14F-4D97-AF65-F5344CB8AC3E}">
-        <p14:creationId xmlns:p14="http://schemas.microsoft.com/office/powerpoint/2010/main" val="3526463055"/>
+        <p14:creationId xmlns:p14="http://schemas.microsoft.com/office/powerpoint/2010/main" xmlns="" val="3526463055"/>
       </p:ext>
     </p:extLst>
   </p:cSld>
@@ -10615,7 +10313,7 @@
   <p:timing>
     <p:tnLst>
       <p:par>
-        <p:cTn xmlns:p14="http://schemas.microsoft.com/office/powerpoint/2010/main" id="1" dur="indefinite" restart="never" nodeType="tmRoot"/>
+        <p:cTn id="1" dur="indefinite" restart="never" nodeType="tmRoot"/>
       </p:par>
     </p:tnLst>
   </p:timing>
@@ -10728,7 +10426,7 @@
     </p:spTree>
     <p:extLst>
       <p:ext uri="{BB962C8B-B14F-4D97-AF65-F5344CB8AC3E}">
-        <p14:creationId xmlns:p14="http://schemas.microsoft.com/office/powerpoint/2010/main" val="4153735844"/>
+        <p14:creationId xmlns:p14="http://schemas.microsoft.com/office/powerpoint/2010/main" xmlns="" val="4153735844"/>
       </p:ext>
     </p:extLst>
   </p:cSld>
@@ -10738,7 +10436,7 @@
   <p:timing>
     <p:tnLst>
       <p:par>
-        <p:cTn xmlns:p14="http://schemas.microsoft.com/office/powerpoint/2010/main" id="1" dur="indefinite" restart="never" nodeType="tmRoot"/>
+        <p:cTn id="1" dur="indefinite" restart="never" nodeType="tmRoot"/>
       </p:par>
     </p:tnLst>
   </p:timing>
@@ -10821,7 +10519,7 @@
     </p:spTree>
     <p:extLst>
       <p:ext uri="{BB962C8B-B14F-4D97-AF65-F5344CB8AC3E}">
-        <p14:creationId xmlns:p14="http://schemas.microsoft.com/office/powerpoint/2010/main" val="3584613944"/>
+        <p14:creationId xmlns:p14="http://schemas.microsoft.com/office/powerpoint/2010/main" xmlns="" val="3584613944"/>
       </p:ext>
     </p:extLst>
   </p:cSld>
@@ -10831,7 +10529,7 @@
   <p:timing>
     <p:tnLst>
       <p:par>
-        <p:cTn xmlns:p14="http://schemas.microsoft.com/office/powerpoint/2010/main" id="1" dur="indefinite" restart="never" nodeType="tmRoot"/>
+        <p:cTn id="1" dur="indefinite" restart="never" nodeType="tmRoot"/>
       </p:par>
     </p:tnLst>
   </p:timing>
@@ -11010,18 +10708,18 @@
     </p:spTree>
     <p:extLst>
       <p:ext uri="{BB962C8B-B14F-4D97-AF65-F5344CB8AC3E}">
-        <p14:creationId xmlns:p14="http://schemas.microsoft.com/office/powerpoint/2010/main" val="1309712431"/>
+        <p14:creationId xmlns:p14="http://schemas.microsoft.com/office/powerpoint/2010/main" xmlns="" val="1309712431"/>
       </p:ext>
     </p:extLst>
   </p:cSld>
   <p:clrMapOvr>
     <a:masterClrMapping/>
   </p:clrMapOvr>
-  <p:transition xmlns:p14="http://schemas.microsoft.com/office/powerpoint/2010/main"/>
+  <p:transition/>
   <p:timing>
     <p:tnLst>
       <p:par>
-        <p:cTn xmlns:p14="http://schemas.microsoft.com/office/powerpoint/2010/main" id="1" dur="indefinite" restart="never" nodeType="tmRoot"/>
+        <p:cTn id="1" dur="indefinite" restart="never" nodeType="tmRoot"/>
       </p:par>
     </p:tnLst>
   </p:timing>
@@ -11227,18 +10925,18 @@
     </p:spTree>
     <p:extLst>
       <p:ext uri="{BB962C8B-B14F-4D97-AF65-F5344CB8AC3E}">
-        <p14:creationId xmlns:p14="http://schemas.microsoft.com/office/powerpoint/2010/main" val="3902446084"/>
+        <p14:creationId xmlns:p14="http://schemas.microsoft.com/office/powerpoint/2010/main" xmlns="" val="3902446084"/>
       </p:ext>
     </p:extLst>
   </p:cSld>
   <p:clrMapOvr>
     <a:masterClrMapping/>
   </p:clrMapOvr>
-  <p:transition xmlns:p14="http://schemas.microsoft.com/office/powerpoint/2010/main"/>
+  <p:transition/>
   <p:timing>
     <p:tnLst>
       <p:par>
-        <p:cTn xmlns:p14="http://schemas.microsoft.com/office/powerpoint/2010/main" id="1" dur="indefinite" restart="never" nodeType="tmRoot"/>
+        <p:cTn id="1" dur="indefinite" restart="never" nodeType="tmRoot"/>
       </p:par>
     </p:tnLst>
   </p:timing>
@@ -11419,7 +11117,7 @@
     </p:spTree>
     <p:extLst>
       <p:ext uri="{BB962C8B-B14F-4D97-AF65-F5344CB8AC3E}">
-        <p14:creationId xmlns:p14="http://schemas.microsoft.com/office/powerpoint/2010/main" val="3677979436"/>
+        <p14:creationId xmlns:p14="http://schemas.microsoft.com/office/powerpoint/2010/main" xmlns="" val="3677979436"/>
       </p:ext>
     </p:extLst>
   </p:cSld>
@@ -11429,7 +11127,7 @@
   <p:timing>
     <p:tnLst>
       <p:par>
-        <p:cTn xmlns:p14="http://schemas.microsoft.com/office/powerpoint/2010/main" id="1" dur="indefinite" restart="never" nodeType="tmRoot"/>
+        <p:cTn id="1" dur="indefinite" restart="never" nodeType="tmRoot"/>
       </p:par>
     </p:tnLst>
   </p:timing>
@@ -11936,25 +11634,25 @@
     </p:spTree>
     <p:extLst>
       <p:ext uri="{BB962C8B-B14F-4D97-AF65-F5344CB8AC3E}">
-        <p14:creationId xmlns:p14="http://schemas.microsoft.com/office/powerpoint/2010/main" val="3436514102"/>
+        <p14:creationId xmlns:p14="http://schemas.microsoft.com/office/powerpoint/2010/main" xmlns="" val="3436514102"/>
       </p:ext>
     </p:extLst>
   </p:cSld>
   <p:clrMapOvr>
     <a:masterClrMapping/>
   </p:clrMapOvr>
-  <mc:AlternateContent xmlns:mc="http://schemas.openxmlformats.org/markup-compatibility/2006" xmlns:p14="http://schemas.microsoft.com/office/powerpoint/2010/main">
-    <mc:Choice Requires="p14">
+  <mc:AlternateContent xmlns:mc="http://schemas.openxmlformats.org/markup-compatibility/2006">
+    <mc:Choice xmlns:p14="http://schemas.microsoft.com/office/powerpoint/2010/main" xmlns="" Requires="p14">
       <p:transition spd="slow" p14:dur="2000"/>
     </mc:Choice>
-    <mc:Fallback xmlns="">
+    <mc:Fallback>
       <p:transition spd="slow"/>
     </mc:Fallback>
   </mc:AlternateContent>
   <p:timing>
     <p:tnLst>
       <p:par>
-        <p:cTn xmlns:p14="http://schemas.microsoft.com/office/powerpoint/2010/main" id="1" dur="indefinite" restart="never" nodeType="tmRoot"/>
+        <p:cTn id="1" dur="indefinite" restart="never" nodeType="tmRoot"/>
       </p:par>
     </p:tnLst>
   </p:timing>
@@ -12037,7 +11735,7 @@
     </p:spTree>
     <p:extLst>
       <p:ext uri="{BB962C8B-B14F-4D97-AF65-F5344CB8AC3E}">
-        <p14:creationId xmlns:p14="http://schemas.microsoft.com/office/powerpoint/2010/main" val="2777952497"/>
+        <p14:creationId xmlns:p14="http://schemas.microsoft.com/office/powerpoint/2010/main" xmlns="" val="2777952497"/>
       </p:ext>
     </p:extLst>
   </p:cSld>
@@ -12047,7 +11745,7 @@
   <p:timing>
     <p:tnLst>
       <p:par>
-        <p:cTn xmlns:p14="http://schemas.microsoft.com/office/powerpoint/2010/main" id="1" dur="indefinite" restart="never" nodeType="tmRoot"/>
+        <p:cTn id="1" dur="indefinite" restart="never" nodeType="tmRoot"/>
       </p:par>
     </p:tnLst>
   </p:timing>
@@ -12225,7 +11923,7 @@
     </p:spTree>
     <p:extLst>
       <p:ext uri="{BB962C8B-B14F-4D97-AF65-F5344CB8AC3E}">
-        <p14:creationId xmlns:p14="http://schemas.microsoft.com/office/powerpoint/2010/main" val="2574674066"/>
+        <p14:creationId xmlns:p14="http://schemas.microsoft.com/office/powerpoint/2010/main" xmlns="" val="2574674066"/>
       </p:ext>
     </p:extLst>
   </p:cSld>
@@ -12235,7 +11933,7 @@
   <p:timing>
     <p:tnLst>
       <p:par>
-        <p:cTn xmlns:p14="http://schemas.microsoft.com/office/powerpoint/2010/main" id="1" dur="indefinite" restart="never" nodeType="tmRoot"/>
+        <p:cTn id="1" dur="indefinite" restart="never" nodeType="tmRoot"/>
       </p:par>
     </p:tnLst>
   </p:timing>
@@ -12318,7 +12016,7 @@
     </p:spTree>
     <p:extLst>
       <p:ext uri="{BB962C8B-B14F-4D97-AF65-F5344CB8AC3E}">
-        <p14:creationId xmlns:p14="http://schemas.microsoft.com/office/powerpoint/2010/main" val="763878143"/>
+        <p14:creationId xmlns:p14="http://schemas.microsoft.com/office/powerpoint/2010/main" xmlns="" val="763878143"/>
       </p:ext>
     </p:extLst>
   </p:cSld>
@@ -12328,7 +12026,7 @@
   <p:timing>
     <p:tnLst>
       <p:par>
-        <p:cTn xmlns:p14="http://schemas.microsoft.com/office/powerpoint/2010/main" id="1" dur="indefinite" restart="never" nodeType="tmRoot"/>
+        <p:cTn id="1" dur="indefinite" restart="never" nodeType="tmRoot"/>
       </p:par>
     </p:tnLst>
   </p:timing>
@@ -12614,25 +12312,25 @@
     </p:spTree>
     <p:extLst>
       <p:ext uri="{BB962C8B-B14F-4D97-AF65-F5344CB8AC3E}">
-        <p14:creationId xmlns:p14="http://schemas.microsoft.com/office/powerpoint/2010/main" val="42533803"/>
+        <p14:creationId xmlns:p14="http://schemas.microsoft.com/office/powerpoint/2010/main" xmlns="" val="42533803"/>
       </p:ext>
     </p:extLst>
   </p:cSld>
   <p:clrMapOvr>
     <a:masterClrMapping/>
   </p:clrMapOvr>
-  <mc:AlternateContent xmlns:mc="http://schemas.openxmlformats.org/markup-compatibility/2006" xmlns:p14="http://schemas.microsoft.com/office/powerpoint/2010/main">
-    <mc:Choice Requires="p14">
+  <mc:AlternateContent xmlns:mc="http://schemas.openxmlformats.org/markup-compatibility/2006">
+    <mc:Choice xmlns:p14="http://schemas.microsoft.com/office/powerpoint/2010/main" xmlns="" Requires="p14">
       <p:transition spd="slow" p14:dur="2000"/>
     </mc:Choice>
-    <mc:Fallback xmlns="">
+    <mc:Fallback>
       <p:transition spd="slow"/>
     </mc:Fallback>
   </mc:AlternateContent>
   <p:timing>
     <p:tnLst>
       <p:par>
-        <p:cTn xmlns:p14="http://schemas.microsoft.com/office/powerpoint/2010/main" id="1" dur="indefinite" restart="never" nodeType="tmRoot"/>
+        <p:cTn id="1" dur="indefinite" restart="never" nodeType="tmRoot"/>
       </p:par>
     </p:tnLst>
   </p:timing>
@@ -12926,25 +12624,25 @@
     </p:spTree>
     <p:extLst>
       <p:ext uri="{BB962C8B-B14F-4D97-AF65-F5344CB8AC3E}">
-        <p14:creationId xmlns:p14="http://schemas.microsoft.com/office/powerpoint/2010/main" val="719158636"/>
+        <p14:creationId xmlns:p14="http://schemas.microsoft.com/office/powerpoint/2010/main" xmlns="" val="719158636"/>
       </p:ext>
     </p:extLst>
   </p:cSld>
   <p:clrMapOvr>
     <a:masterClrMapping/>
   </p:clrMapOvr>
-  <mc:AlternateContent xmlns:mc="http://schemas.openxmlformats.org/markup-compatibility/2006" xmlns:p14="http://schemas.microsoft.com/office/powerpoint/2010/main">
-    <mc:Choice Requires="p14">
+  <mc:AlternateContent xmlns:mc="http://schemas.openxmlformats.org/markup-compatibility/2006">
+    <mc:Choice xmlns:p14="http://schemas.microsoft.com/office/powerpoint/2010/main" xmlns="" Requires="p14">
       <p:transition spd="slow" p14:dur="2000"/>
     </mc:Choice>
-    <mc:Fallback xmlns="">
+    <mc:Fallback>
       <p:transition spd="slow"/>
     </mc:Fallback>
   </mc:AlternateContent>
   <p:timing>
     <p:tnLst>
       <p:par>
-        <p:cTn xmlns:p14="http://schemas.microsoft.com/office/powerpoint/2010/main" id="1" dur="indefinite" restart="never" nodeType="tmRoot"/>
+        <p:cTn id="1" dur="indefinite" restart="never" nodeType="tmRoot"/>
       </p:par>
     </p:tnLst>
   </p:timing>
@@ -13235,25 +12933,25 @@
     </p:spTree>
     <p:extLst>
       <p:ext uri="{BB962C8B-B14F-4D97-AF65-F5344CB8AC3E}">
-        <p14:creationId xmlns:p14="http://schemas.microsoft.com/office/powerpoint/2010/main" val="3790159258"/>
+        <p14:creationId xmlns:p14="http://schemas.microsoft.com/office/powerpoint/2010/main" xmlns="" val="3790159258"/>
       </p:ext>
     </p:extLst>
   </p:cSld>
   <p:clrMapOvr>
     <a:masterClrMapping/>
   </p:clrMapOvr>
-  <mc:AlternateContent xmlns:mc="http://schemas.openxmlformats.org/markup-compatibility/2006" xmlns:p14="http://schemas.microsoft.com/office/powerpoint/2010/main">
-    <mc:Choice Requires="p14">
+  <mc:AlternateContent xmlns:mc="http://schemas.openxmlformats.org/markup-compatibility/2006">
+    <mc:Choice xmlns:p14="http://schemas.microsoft.com/office/powerpoint/2010/main" xmlns="" Requires="p14">
       <p:transition spd="slow" p14:dur="2000"/>
     </mc:Choice>
-    <mc:Fallback xmlns="">
+    <mc:Fallback>
       <p:transition spd="slow"/>
     </mc:Fallback>
   </mc:AlternateContent>
   <p:timing>
     <p:tnLst>
       <p:par>
-        <p:cTn xmlns:p14="http://schemas.microsoft.com/office/powerpoint/2010/main" id="1" dur="indefinite" restart="never" nodeType="tmRoot"/>
+        <p:cTn id="1" dur="indefinite" restart="never" nodeType="tmRoot"/>
       </p:par>
     </p:tnLst>
   </p:timing>
@@ -13544,25 +13242,25 @@
     </p:spTree>
     <p:extLst>
       <p:ext uri="{BB962C8B-B14F-4D97-AF65-F5344CB8AC3E}">
-        <p14:creationId xmlns:p14="http://schemas.microsoft.com/office/powerpoint/2010/main" val="560870364"/>
+        <p14:creationId xmlns:p14="http://schemas.microsoft.com/office/powerpoint/2010/main" xmlns="" val="560870364"/>
       </p:ext>
     </p:extLst>
   </p:cSld>
   <p:clrMapOvr>
     <a:masterClrMapping/>
   </p:clrMapOvr>
-  <mc:AlternateContent xmlns:mc="http://schemas.openxmlformats.org/markup-compatibility/2006" xmlns:p14="http://schemas.microsoft.com/office/powerpoint/2010/main">
-    <mc:Choice Requires="p14">
+  <mc:AlternateContent xmlns:mc="http://schemas.openxmlformats.org/markup-compatibility/2006">
+    <mc:Choice xmlns:p14="http://schemas.microsoft.com/office/powerpoint/2010/main" xmlns="" Requires="p14">
       <p:transition spd="slow" p14:dur="2000"/>
     </mc:Choice>
-    <mc:Fallback xmlns="">
+    <mc:Fallback>
       <p:transition spd="slow"/>
     </mc:Fallback>
   </mc:AlternateContent>
   <p:timing>
     <p:tnLst>
       <p:par>
-        <p:cTn xmlns:p14="http://schemas.microsoft.com/office/powerpoint/2010/main" id="1" dur="indefinite" restart="never" nodeType="tmRoot"/>
+        <p:cTn id="1" dur="indefinite" restart="never" nodeType="tmRoot"/>
       </p:par>
     </p:tnLst>
   </p:timing>
@@ -13853,25 +13551,25 @@
     </p:spTree>
     <p:extLst>
       <p:ext uri="{BB962C8B-B14F-4D97-AF65-F5344CB8AC3E}">
-        <p14:creationId xmlns:p14="http://schemas.microsoft.com/office/powerpoint/2010/main" val="518406238"/>
+        <p14:creationId xmlns:p14="http://schemas.microsoft.com/office/powerpoint/2010/main" xmlns="" val="518406238"/>
       </p:ext>
     </p:extLst>
   </p:cSld>
   <p:clrMapOvr>
     <a:masterClrMapping/>
   </p:clrMapOvr>
-  <mc:AlternateContent xmlns:mc="http://schemas.openxmlformats.org/markup-compatibility/2006" xmlns:p14="http://schemas.microsoft.com/office/powerpoint/2010/main">
-    <mc:Choice Requires="p14">
+  <mc:AlternateContent xmlns:mc="http://schemas.openxmlformats.org/markup-compatibility/2006">
+    <mc:Choice xmlns:p14="http://schemas.microsoft.com/office/powerpoint/2010/main" xmlns="" Requires="p14">
       <p:transition spd="slow" p14:dur="2000"/>
     </mc:Choice>
-    <mc:Fallback xmlns="">
+    <mc:Fallback>
       <p:transition spd="slow"/>
     </mc:Fallback>
   </mc:AlternateContent>
   <p:timing>
     <p:tnLst>
       <p:par>
-        <p:cTn xmlns:p14="http://schemas.microsoft.com/office/powerpoint/2010/main" id="1" dur="indefinite" restart="never" nodeType="tmRoot"/>
+        <p:cTn id="1" dur="indefinite" restart="never" nodeType="tmRoot"/>
       </p:par>
     </p:tnLst>
   </p:timing>
@@ -14162,25 +13860,25 @@
     </p:spTree>
     <p:extLst>
       <p:ext uri="{BB962C8B-B14F-4D97-AF65-F5344CB8AC3E}">
-        <p14:creationId xmlns:p14="http://schemas.microsoft.com/office/powerpoint/2010/main" val="3089945963"/>
+        <p14:creationId xmlns:p14="http://schemas.microsoft.com/office/powerpoint/2010/main" xmlns="" val="3089945963"/>
       </p:ext>
     </p:extLst>
   </p:cSld>
   <p:clrMapOvr>
     <a:masterClrMapping/>
   </p:clrMapOvr>
-  <mc:AlternateContent xmlns:mc="http://schemas.openxmlformats.org/markup-compatibility/2006" xmlns:p14="http://schemas.microsoft.com/office/powerpoint/2010/main">
-    <mc:Choice Requires="p14">
+  <mc:AlternateContent xmlns:mc="http://schemas.openxmlformats.org/markup-compatibility/2006">
+    <mc:Choice xmlns:p14="http://schemas.microsoft.com/office/powerpoint/2010/main" xmlns="" Requires="p14">
       <p:transition spd="slow" p14:dur="2000"/>
     </mc:Choice>
-    <mc:Fallback xmlns="">
+    <mc:Fallback>
       <p:transition spd="slow"/>
     </mc:Fallback>
   </mc:AlternateContent>
   <p:timing>
     <p:tnLst>
       <p:par>
-        <p:cTn xmlns:p14="http://schemas.microsoft.com/office/powerpoint/2010/main" id="1" dur="indefinite" restart="never" nodeType="tmRoot"/>
+        <p:cTn id="1" dur="indefinite" restart="never" nodeType="tmRoot"/>
       </p:par>
     </p:tnLst>
   </p:timing>
@@ -14476,25 +14174,25 @@
     </p:spTree>
     <p:extLst>
       <p:ext uri="{BB962C8B-B14F-4D97-AF65-F5344CB8AC3E}">
-        <p14:creationId xmlns:p14="http://schemas.microsoft.com/office/powerpoint/2010/main" val="3273476610"/>
+        <p14:creationId xmlns:p14="http://schemas.microsoft.com/office/powerpoint/2010/main" xmlns="" val="3273476610"/>
       </p:ext>
     </p:extLst>
   </p:cSld>
   <p:clrMapOvr>
     <a:masterClrMapping/>
   </p:clrMapOvr>
-  <mc:AlternateContent xmlns:mc="http://schemas.openxmlformats.org/markup-compatibility/2006" xmlns:p14="http://schemas.microsoft.com/office/powerpoint/2010/main">
-    <mc:Choice Requires="p14">
+  <mc:AlternateContent xmlns:mc="http://schemas.openxmlformats.org/markup-compatibility/2006">
+    <mc:Choice xmlns:p14="http://schemas.microsoft.com/office/powerpoint/2010/main" xmlns="" Requires="p14">
       <p:transition spd="slow" p14:dur="2000"/>
     </mc:Choice>
-    <mc:Fallback xmlns="">
+    <mc:Fallback>
       <p:transition spd="slow"/>
     </mc:Fallback>
   </mc:AlternateContent>
   <p:timing>
     <p:tnLst>
       <p:par>
-        <p:cTn xmlns:p14="http://schemas.microsoft.com/office/powerpoint/2010/main" id="1" dur="indefinite" restart="never" nodeType="tmRoot"/>
+        <p:cTn id="1" dur="indefinite" restart="never" nodeType="tmRoot"/>
       </p:par>
     </p:tnLst>
   </p:timing>
@@ -14831,25 +14529,25 @@
     </p:spTree>
     <p:extLst>
       <p:ext uri="{BB962C8B-B14F-4D97-AF65-F5344CB8AC3E}">
-        <p14:creationId xmlns:p14="http://schemas.microsoft.com/office/powerpoint/2010/main" val="3735783036"/>
+        <p14:creationId xmlns:p14="http://schemas.microsoft.com/office/powerpoint/2010/main" xmlns="" val="3735783036"/>
       </p:ext>
     </p:extLst>
   </p:cSld>
   <p:clrMapOvr>
     <a:masterClrMapping/>
   </p:clrMapOvr>
-  <mc:AlternateContent xmlns:mc="http://schemas.openxmlformats.org/markup-compatibility/2006" xmlns:p14="http://schemas.microsoft.com/office/powerpoint/2010/main">
-    <mc:Choice Requires="p14">
+  <mc:AlternateContent xmlns:mc="http://schemas.openxmlformats.org/markup-compatibility/2006">
+    <mc:Choice xmlns:p14="http://schemas.microsoft.com/office/powerpoint/2010/main" xmlns="" Requires="p14">
       <p:transition spd="slow" p14:dur="2000"/>
     </mc:Choice>
-    <mc:Fallback xmlns="">
+    <mc:Fallback>
       <p:transition spd="slow"/>
     </mc:Fallback>
   </mc:AlternateContent>
   <p:timing>
     <p:tnLst>
       <p:par>
-        <p:cTn xmlns:p14="http://schemas.microsoft.com/office/powerpoint/2010/main" id="1" dur="indefinite" restart="never" nodeType="tmRoot"/>
+        <p:cTn id="1" dur="indefinite" restart="never" nodeType="tmRoot"/>
       </p:par>
     </p:tnLst>
   </p:timing>
@@ -15133,25 +14831,25 @@
     </p:spTree>
     <p:extLst>
       <p:ext uri="{BB962C8B-B14F-4D97-AF65-F5344CB8AC3E}">
-        <p14:creationId xmlns:p14="http://schemas.microsoft.com/office/powerpoint/2010/main" val="195274415"/>
+        <p14:creationId xmlns:p14="http://schemas.microsoft.com/office/powerpoint/2010/main" xmlns="" val="195274415"/>
       </p:ext>
     </p:extLst>
   </p:cSld>
   <p:clrMapOvr>
     <a:masterClrMapping/>
   </p:clrMapOvr>
-  <mc:AlternateContent xmlns:mc="http://schemas.openxmlformats.org/markup-compatibility/2006" xmlns:p14="http://schemas.microsoft.com/office/powerpoint/2010/main">
-    <mc:Choice Requires="p14">
+  <mc:AlternateContent xmlns:mc="http://schemas.openxmlformats.org/markup-compatibility/2006">
+    <mc:Choice xmlns:p14="http://schemas.microsoft.com/office/powerpoint/2010/main" xmlns="" Requires="p14">
       <p:transition spd="slow" p14:dur="2000"/>
     </mc:Choice>
-    <mc:Fallback xmlns="">
+    <mc:Fallback>
       <p:transition spd="slow"/>
     </mc:Fallback>
   </mc:AlternateContent>
   <p:timing>
     <p:tnLst>
       <p:par>
-        <p:cTn xmlns:p14="http://schemas.microsoft.com/office/powerpoint/2010/main" id="1" dur="indefinite" restart="never" nodeType="tmRoot"/>
+        <p:cTn id="1" dur="indefinite" restart="never" nodeType="tmRoot"/>
       </p:par>
     </p:tnLst>
   </p:timing>
@@ -15454,25 +15152,25 @@
     </p:spTree>
     <p:extLst>
       <p:ext uri="{BB962C8B-B14F-4D97-AF65-F5344CB8AC3E}">
-        <p14:creationId xmlns:p14="http://schemas.microsoft.com/office/powerpoint/2010/main" val="820318166"/>
+        <p14:creationId xmlns:p14="http://schemas.microsoft.com/office/powerpoint/2010/main" xmlns="" val="820318166"/>
       </p:ext>
     </p:extLst>
   </p:cSld>
   <p:clrMapOvr>
     <a:masterClrMapping/>
   </p:clrMapOvr>
-  <mc:AlternateContent xmlns:mc="http://schemas.openxmlformats.org/markup-compatibility/2006" xmlns:p14="http://schemas.microsoft.com/office/powerpoint/2010/main">
-    <mc:Choice Requires="p14">
+  <mc:AlternateContent xmlns:mc="http://schemas.openxmlformats.org/markup-compatibility/2006">
+    <mc:Choice xmlns:p14="http://schemas.microsoft.com/office/powerpoint/2010/main" xmlns="" Requires="p14">
       <p:transition spd="slow" p14:dur="2000"/>
     </mc:Choice>
-    <mc:Fallback xmlns="">
+    <mc:Fallback>
       <p:transition spd="slow"/>
     </mc:Fallback>
   </mc:AlternateContent>
   <p:timing>
     <p:tnLst>
       <p:par>
-        <p:cTn xmlns:p14="http://schemas.microsoft.com/office/powerpoint/2010/main" id="1" dur="indefinite" restart="never" nodeType="tmRoot"/>
+        <p:cTn id="1" dur="indefinite" restart="never" nodeType="tmRoot"/>
       </p:par>
     </p:tnLst>
   </p:timing>
@@ -15760,25 +15458,25 @@
     </p:spTree>
     <p:extLst>
       <p:ext uri="{BB962C8B-B14F-4D97-AF65-F5344CB8AC3E}">
-        <p14:creationId xmlns:p14="http://schemas.microsoft.com/office/powerpoint/2010/main" val="827783283"/>
+        <p14:creationId xmlns:p14="http://schemas.microsoft.com/office/powerpoint/2010/main" xmlns="" val="827783283"/>
       </p:ext>
     </p:extLst>
   </p:cSld>
   <p:clrMapOvr>
     <a:masterClrMapping/>
   </p:clrMapOvr>
-  <mc:AlternateContent xmlns:mc="http://schemas.openxmlformats.org/markup-compatibility/2006" xmlns:p14="http://schemas.microsoft.com/office/powerpoint/2010/main">
-    <mc:Choice Requires="p14">
+  <mc:AlternateContent xmlns:mc="http://schemas.openxmlformats.org/markup-compatibility/2006">
+    <mc:Choice xmlns:p14="http://schemas.microsoft.com/office/powerpoint/2010/main" xmlns="" Requires="p14">
       <p:transition spd="slow" p14:dur="2000"/>
     </mc:Choice>
-    <mc:Fallback xmlns="">
+    <mc:Fallback>
       <p:transition spd="slow"/>
     </mc:Fallback>
   </mc:AlternateContent>
   <p:timing>
     <p:tnLst>
       <p:par>
-        <p:cTn xmlns:p14="http://schemas.microsoft.com/office/powerpoint/2010/main" id="1" dur="indefinite" restart="never" nodeType="tmRoot"/>
+        <p:cTn id="1" dur="indefinite" restart="never" nodeType="tmRoot"/>
       </p:par>
     </p:tnLst>
   </p:timing>
@@ -16042,25 +15740,25 @@
     </p:spTree>
     <p:extLst>
       <p:ext uri="{BB962C8B-B14F-4D97-AF65-F5344CB8AC3E}">
-        <p14:creationId xmlns:p14="http://schemas.microsoft.com/office/powerpoint/2010/main" val="2112585717"/>
+        <p14:creationId xmlns:p14="http://schemas.microsoft.com/office/powerpoint/2010/main" xmlns="" val="2112585717"/>
       </p:ext>
     </p:extLst>
   </p:cSld>
   <p:clrMapOvr>
     <a:masterClrMapping/>
   </p:clrMapOvr>
-  <mc:AlternateContent xmlns:mc="http://schemas.openxmlformats.org/markup-compatibility/2006" xmlns:p14="http://schemas.microsoft.com/office/powerpoint/2010/main">
-    <mc:Choice Requires="p14">
+  <mc:AlternateContent xmlns:mc="http://schemas.openxmlformats.org/markup-compatibility/2006">
+    <mc:Choice xmlns:p14="http://schemas.microsoft.com/office/powerpoint/2010/main" xmlns="" Requires="p14">
       <p:transition spd="slow" p14:dur="2000"/>
     </mc:Choice>
-    <mc:Fallback xmlns="">
+    <mc:Fallback>
       <p:transition spd="slow"/>
     </mc:Fallback>
   </mc:AlternateContent>
   <p:timing>
     <p:tnLst>
       <p:par>
-        <p:cTn xmlns:p14="http://schemas.microsoft.com/office/powerpoint/2010/main" id="1" dur="indefinite" restart="never" nodeType="tmRoot"/>
+        <p:cTn id="1" dur="indefinite" restart="never" nodeType="tmRoot"/>
       </p:par>
     </p:tnLst>
   </p:timing>
@@ -16335,25 +16033,25 @@
     </p:spTree>
     <p:extLst>
       <p:ext uri="{BB962C8B-B14F-4D97-AF65-F5344CB8AC3E}">
-        <p14:creationId xmlns:p14="http://schemas.microsoft.com/office/powerpoint/2010/main" val="2498309309"/>
+        <p14:creationId xmlns:p14="http://schemas.microsoft.com/office/powerpoint/2010/main" xmlns="" val="2498309309"/>
       </p:ext>
     </p:extLst>
   </p:cSld>
   <p:clrMapOvr>
     <a:masterClrMapping/>
   </p:clrMapOvr>
-  <mc:AlternateContent xmlns:mc="http://schemas.openxmlformats.org/markup-compatibility/2006" xmlns:p14="http://schemas.microsoft.com/office/powerpoint/2010/main">
-    <mc:Choice Requires="p14">
+  <mc:AlternateContent xmlns:mc="http://schemas.openxmlformats.org/markup-compatibility/2006">
+    <mc:Choice xmlns:p14="http://schemas.microsoft.com/office/powerpoint/2010/main" xmlns="" Requires="p14">
       <p:transition spd="slow" p14:dur="2000"/>
     </mc:Choice>
-    <mc:Fallback xmlns="">
+    <mc:Fallback>
       <p:transition spd="slow"/>
     </mc:Fallback>
   </mc:AlternateContent>
   <p:timing>
     <p:tnLst>
       <p:par>
-        <p:cTn xmlns:p14="http://schemas.microsoft.com/office/powerpoint/2010/main" id="1" dur="indefinite" restart="never" nodeType="tmRoot"/>
+        <p:cTn id="1" dur="indefinite" restart="never" nodeType="tmRoot"/>
       </p:par>
     </p:tnLst>
   </p:timing>
@@ -16640,25 +16338,25 @@
     </p:spTree>
     <p:extLst>
       <p:ext uri="{BB962C8B-B14F-4D97-AF65-F5344CB8AC3E}">
-        <p14:creationId xmlns:p14="http://schemas.microsoft.com/office/powerpoint/2010/main" val="490993421"/>
+        <p14:creationId xmlns:p14="http://schemas.microsoft.com/office/powerpoint/2010/main" xmlns="" val="490993421"/>
       </p:ext>
     </p:extLst>
   </p:cSld>
   <p:clrMapOvr>
     <a:masterClrMapping/>
   </p:clrMapOvr>
-  <mc:AlternateContent xmlns:mc="http://schemas.openxmlformats.org/markup-compatibility/2006" xmlns:p14="http://schemas.microsoft.com/office/powerpoint/2010/main">
-    <mc:Choice Requires="p14">
+  <mc:AlternateContent xmlns:mc="http://schemas.openxmlformats.org/markup-compatibility/2006">
+    <mc:Choice xmlns:p14="http://schemas.microsoft.com/office/powerpoint/2010/main" xmlns="" Requires="p14">
       <p:transition spd="slow" p14:dur="2000"/>
     </mc:Choice>
-    <mc:Fallback xmlns="">
+    <mc:Fallback>
       <p:transition spd="slow"/>
     </mc:Fallback>
   </mc:AlternateContent>
   <p:timing>
     <p:tnLst>
       <p:par>
-        <p:cTn xmlns:p14="http://schemas.microsoft.com/office/powerpoint/2010/main" id="1" dur="indefinite" restart="never" nodeType="tmRoot"/>
+        <p:cTn id="1" dur="indefinite" restart="never" nodeType="tmRoot"/>
       </p:par>
     </p:tnLst>
   </p:timing>
@@ -16917,25 +16615,25 @@
     </p:spTree>
     <p:extLst>
       <p:ext uri="{BB962C8B-B14F-4D97-AF65-F5344CB8AC3E}">
-        <p14:creationId xmlns:p14="http://schemas.microsoft.com/office/powerpoint/2010/main" val="1982603412"/>
+        <p14:creationId xmlns:p14="http://schemas.microsoft.com/office/powerpoint/2010/main" xmlns="" val="1982603412"/>
       </p:ext>
     </p:extLst>
   </p:cSld>
   <p:clrMapOvr>
     <a:masterClrMapping/>
   </p:clrMapOvr>
-  <mc:AlternateContent xmlns:mc="http://schemas.openxmlformats.org/markup-compatibility/2006" xmlns:p14="http://schemas.microsoft.com/office/powerpoint/2010/main">
-    <mc:Choice Requires="p14">
+  <mc:AlternateContent xmlns:mc="http://schemas.openxmlformats.org/markup-compatibility/2006">
+    <mc:Choice xmlns:p14="http://schemas.microsoft.com/office/powerpoint/2010/main" xmlns="" Requires="p14">
       <p:transition spd="slow" p14:dur="2000"/>
     </mc:Choice>
-    <mc:Fallback xmlns="">
+    <mc:Fallback>
       <p:transition spd="slow"/>
     </mc:Fallback>
   </mc:AlternateContent>
   <p:timing>
     <p:tnLst>
       <p:par>
-        <p:cTn xmlns:p14="http://schemas.microsoft.com/office/powerpoint/2010/main" id="1" dur="indefinite" restart="never" nodeType="tmRoot"/>
+        <p:cTn id="1" dur="indefinite" restart="never" nodeType="tmRoot"/>
       </p:par>
     </p:tnLst>
   </p:timing>
@@ -17018,25 +16716,25 @@
     </p:spTree>
     <p:extLst>
       <p:ext uri="{BB962C8B-B14F-4D97-AF65-F5344CB8AC3E}">
-        <p14:creationId xmlns:p14="http://schemas.microsoft.com/office/powerpoint/2010/main" val="3486681628"/>
+        <p14:creationId xmlns:p14="http://schemas.microsoft.com/office/powerpoint/2010/main" xmlns="" val="3486681628"/>
       </p:ext>
     </p:extLst>
   </p:cSld>
   <p:clrMapOvr>
     <a:masterClrMapping/>
   </p:clrMapOvr>
-  <mc:AlternateContent xmlns:mc="http://schemas.openxmlformats.org/markup-compatibility/2006" xmlns:p14="http://schemas.microsoft.com/office/powerpoint/2010/main">
-    <mc:Choice Requires="p14">
+  <mc:AlternateContent xmlns:mc="http://schemas.openxmlformats.org/markup-compatibility/2006">
+    <mc:Choice xmlns:p14="http://schemas.microsoft.com/office/powerpoint/2010/main" xmlns="" Requires="p14">
       <p:transition spd="slow" p14:dur="2000"/>
     </mc:Choice>
-    <mc:Fallback xmlns="">
+    <mc:Fallback>
       <p:transition spd="slow"/>
     </mc:Fallback>
   </mc:AlternateContent>
   <p:timing>
     <p:tnLst>
       <p:par>
-        <p:cTn xmlns:p14="http://schemas.microsoft.com/office/powerpoint/2010/main" id="1" dur="indefinite" restart="never" nodeType="tmRoot"/>
+        <p:cTn id="1" dur="indefinite" restart="never" nodeType="tmRoot"/>
       </p:par>
     </p:tnLst>
   </p:timing>
@@ -17336,25 +17034,25 @@
     </p:spTree>
     <p:extLst>
       <p:ext uri="{BB962C8B-B14F-4D97-AF65-F5344CB8AC3E}">
-        <p14:creationId xmlns:p14="http://schemas.microsoft.com/office/powerpoint/2010/main" val="2167458548"/>
+        <p14:creationId xmlns:p14="http://schemas.microsoft.com/office/powerpoint/2010/main" xmlns="" val="2167458548"/>
       </p:ext>
     </p:extLst>
   </p:cSld>
   <p:clrMapOvr>
     <a:masterClrMapping/>
   </p:clrMapOvr>
-  <mc:AlternateContent xmlns:mc="http://schemas.openxmlformats.org/markup-compatibility/2006" xmlns:p14="http://schemas.microsoft.com/office/powerpoint/2010/main">
-    <mc:Choice Requires="p14">
+  <mc:AlternateContent xmlns:mc="http://schemas.openxmlformats.org/markup-compatibility/2006">
+    <mc:Choice xmlns:p14="http://schemas.microsoft.com/office/powerpoint/2010/main" xmlns="" Requires="p14">
       <p:transition spd="slow" p14:dur="2000"/>
     </mc:Choice>
-    <mc:Fallback xmlns="">
+    <mc:Fallback>
       <p:transition spd="slow"/>
     </mc:Fallback>
   </mc:AlternateContent>
   <p:timing>
     <p:tnLst>
       <p:par>
-        <p:cTn xmlns:p14="http://schemas.microsoft.com/office/powerpoint/2010/main" id="1" dur="indefinite" restart="never" nodeType="tmRoot"/>
+        <p:cTn id="1" dur="indefinite" restart="never" nodeType="tmRoot"/>
       </p:par>
     </p:tnLst>
   </p:timing>
@@ -17443,25 +17141,25 @@
     </p:spTree>
     <p:extLst>
       <p:ext uri="{BB962C8B-B14F-4D97-AF65-F5344CB8AC3E}">
-        <p14:creationId xmlns:p14="http://schemas.microsoft.com/office/powerpoint/2010/main" val="77984983"/>
+        <p14:creationId xmlns:p14="http://schemas.microsoft.com/office/powerpoint/2010/main" xmlns="" val="77984983"/>
       </p:ext>
     </p:extLst>
   </p:cSld>
   <p:clrMapOvr>
     <a:masterClrMapping/>
   </p:clrMapOvr>
-  <mc:AlternateContent xmlns:mc="http://schemas.openxmlformats.org/markup-compatibility/2006" xmlns:p14="http://schemas.microsoft.com/office/powerpoint/2010/main">
-    <mc:Choice Requires="p14">
+  <mc:AlternateContent xmlns:mc="http://schemas.openxmlformats.org/markup-compatibility/2006">
+    <mc:Choice xmlns:p14="http://schemas.microsoft.com/office/powerpoint/2010/main" xmlns="" Requires="p14">
       <p:transition spd="slow" p14:dur="2000"/>
     </mc:Choice>
-    <mc:Fallback xmlns="">
+    <mc:Fallback>
       <p:transition spd="slow"/>
     </mc:Fallback>
   </mc:AlternateContent>
   <p:timing>
     <p:tnLst>
       <p:par>
-        <p:cTn xmlns:p14="http://schemas.microsoft.com/office/powerpoint/2010/main" id="1" dur="indefinite" restart="never" nodeType="tmRoot"/>
+        <p:cTn id="1" dur="indefinite" restart="never" nodeType="tmRoot"/>
       </p:par>
     </p:tnLst>
   </p:timing>
@@ -17802,25 +17500,25 @@
     </p:spTree>
     <p:extLst>
       <p:ext uri="{BB962C8B-B14F-4D97-AF65-F5344CB8AC3E}">
-        <p14:creationId xmlns:p14="http://schemas.microsoft.com/office/powerpoint/2010/main" val="1766382090"/>
+        <p14:creationId xmlns:p14="http://schemas.microsoft.com/office/powerpoint/2010/main" xmlns="" val="1766382090"/>
       </p:ext>
     </p:extLst>
   </p:cSld>
   <p:clrMapOvr>
     <a:masterClrMapping/>
   </p:clrMapOvr>
-  <mc:AlternateContent xmlns:mc="http://schemas.openxmlformats.org/markup-compatibility/2006" xmlns:p14="http://schemas.microsoft.com/office/powerpoint/2010/main">
-    <mc:Choice Requires="p14">
+  <mc:AlternateContent xmlns:mc="http://schemas.openxmlformats.org/markup-compatibility/2006">
+    <mc:Choice xmlns:p14="http://schemas.microsoft.com/office/powerpoint/2010/main" xmlns="" Requires="p14">
       <p:transition spd="slow" p14:dur="2000"/>
     </mc:Choice>
-    <mc:Fallback xmlns="">
+    <mc:Fallback>
       <p:transition spd="slow"/>
     </mc:Fallback>
   </mc:AlternateContent>
   <p:timing>
     <p:tnLst>
       <p:par>
-        <p:cTn xmlns:p14="http://schemas.microsoft.com/office/powerpoint/2010/main" id="1" dur="indefinite" restart="never" nodeType="tmRoot"/>
+        <p:cTn id="1" dur="indefinite" restart="never" nodeType="tmRoot"/>
       </p:par>
     </p:tnLst>
   </p:timing>
@@ -17909,25 +17607,25 @@
     </p:spTree>
     <p:extLst>
       <p:ext uri="{BB962C8B-B14F-4D97-AF65-F5344CB8AC3E}">
-        <p14:creationId xmlns:p14="http://schemas.microsoft.com/office/powerpoint/2010/main" val="3690446741"/>
+        <p14:creationId xmlns:p14="http://schemas.microsoft.com/office/powerpoint/2010/main" xmlns="" val="3690446741"/>
       </p:ext>
     </p:extLst>
   </p:cSld>
   <p:clrMapOvr>
     <a:masterClrMapping/>
   </p:clrMapOvr>
-  <mc:AlternateContent xmlns:mc="http://schemas.openxmlformats.org/markup-compatibility/2006" xmlns:p14="http://schemas.microsoft.com/office/powerpoint/2010/main">
-    <mc:Choice Requires="p14">
+  <mc:AlternateContent xmlns:mc="http://schemas.openxmlformats.org/markup-compatibility/2006">
+    <mc:Choice xmlns:p14="http://schemas.microsoft.com/office/powerpoint/2010/main" xmlns="" Requires="p14">
       <p:transition spd="slow" p14:dur="2000"/>
     </mc:Choice>
-    <mc:Fallback xmlns="">
+    <mc:Fallback>
       <p:transition spd="slow"/>
     </mc:Fallback>
   </mc:AlternateContent>
   <p:timing>
     <p:tnLst>
       <p:par>
-        <p:cTn xmlns:p14="http://schemas.microsoft.com/office/powerpoint/2010/main" id="1" dur="indefinite" restart="never" nodeType="tmRoot"/>
+        <p:cTn id="1" dur="indefinite" restart="never" nodeType="tmRoot"/>
       </p:par>
     </p:tnLst>
   </p:timing>
@@ -18148,25 +17846,25 @@
     </p:spTree>
     <p:extLst>
       <p:ext uri="{BB962C8B-B14F-4D97-AF65-F5344CB8AC3E}">
-        <p14:creationId xmlns:p14="http://schemas.microsoft.com/office/powerpoint/2010/main" val="1921668123"/>
+        <p14:creationId xmlns:p14="http://schemas.microsoft.com/office/powerpoint/2010/main" xmlns="" val="1921668123"/>
       </p:ext>
     </p:extLst>
   </p:cSld>
   <p:clrMapOvr>
     <a:masterClrMapping/>
   </p:clrMapOvr>
-  <mc:AlternateContent xmlns:mc="http://schemas.openxmlformats.org/markup-compatibility/2006" xmlns:p14="http://schemas.microsoft.com/office/powerpoint/2010/main">
-    <mc:Choice Requires="p14">
+  <mc:AlternateContent xmlns:mc="http://schemas.openxmlformats.org/markup-compatibility/2006">
+    <mc:Choice xmlns:p14="http://schemas.microsoft.com/office/powerpoint/2010/main" xmlns="" Requires="p14">
       <p:transition spd="slow" p14:dur="2000"/>
     </mc:Choice>
-    <mc:Fallback xmlns="">
+    <mc:Fallback>
       <p:transition spd="slow"/>
     </mc:Fallback>
   </mc:AlternateContent>
   <p:timing>
     <p:tnLst>
       <p:par>
-        <p:cTn xmlns:p14="http://schemas.microsoft.com/office/powerpoint/2010/main" id="1" dur="indefinite" restart="never" nodeType="tmRoot"/>
+        <p:cTn id="1" dur="indefinite" restart="never" nodeType="tmRoot"/>
       </p:par>
     </p:tnLst>
   </p:timing>
@@ -18448,25 +18146,25 @@
     </p:spTree>
     <p:extLst>
       <p:ext uri="{BB962C8B-B14F-4D97-AF65-F5344CB8AC3E}">
-        <p14:creationId xmlns:p14="http://schemas.microsoft.com/office/powerpoint/2010/main" val="2809531644"/>
+        <p14:creationId xmlns:p14="http://schemas.microsoft.com/office/powerpoint/2010/main" xmlns="" val="2809531644"/>
       </p:ext>
     </p:extLst>
   </p:cSld>
   <p:clrMapOvr>
     <a:masterClrMapping/>
   </p:clrMapOvr>
-  <mc:AlternateContent xmlns:mc="http://schemas.openxmlformats.org/markup-compatibility/2006" xmlns:p14="http://schemas.microsoft.com/office/powerpoint/2010/main">
-    <mc:Choice Requires="p14">
+  <mc:AlternateContent xmlns:mc="http://schemas.openxmlformats.org/markup-compatibility/2006">
+    <mc:Choice xmlns:p14="http://schemas.microsoft.com/office/powerpoint/2010/main" xmlns="" Requires="p14">
       <p:transition spd="slow" p14:dur="2000"/>
     </mc:Choice>
-    <mc:Fallback xmlns="">
+    <mc:Fallback>
       <p:transition spd="slow"/>
     </mc:Fallback>
   </mc:AlternateContent>
   <p:timing>
     <p:tnLst>
       <p:par>
-        <p:cTn xmlns:p14="http://schemas.microsoft.com/office/powerpoint/2010/main" id="1" dur="indefinite" restart="never" nodeType="tmRoot"/>
+        <p:cTn id="1" dur="indefinite" restart="never" nodeType="tmRoot"/>
       </p:par>
     </p:tnLst>
   </p:timing>
@@ -18610,25 +18308,25 @@
     </p:spTree>
     <p:extLst>
       <p:ext uri="{BB962C8B-B14F-4D97-AF65-F5344CB8AC3E}">
-        <p14:creationId xmlns:p14="http://schemas.microsoft.com/office/powerpoint/2010/main" val="2052235477"/>
+        <p14:creationId xmlns:p14="http://schemas.microsoft.com/office/powerpoint/2010/main" xmlns="" val="2052235477"/>
       </p:ext>
     </p:extLst>
   </p:cSld>
   <p:clrMapOvr>
     <a:masterClrMapping/>
   </p:clrMapOvr>
-  <mc:AlternateContent xmlns:mc="http://schemas.openxmlformats.org/markup-compatibility/2006" xmlns:p14="http://schemas.microsoft.com/office/powerpoint/2010/main">
-    <mc:Choice Requires="p14">
+  <mc:AlternateContent xmlns:mc="http://schemas.openxmlformats.org/markup-compatibility/2006">
+    <mc:Choice xmlns:p14="http://schemas.microsoft.com/office/powerpoint/2010/main" xmlns="" Requires="p14">
       <p:transition spd="slow" p14:dur="2000"/>
     </mc:Choice>
-    <mc:Fallback xmlns="">
+    <mc:Fallback>
       <p:transition spd="slow"/>
     </mc:Fallback>
   </mc:AlternateContent>
   <p:timing>
     <p:tnLst>
       <p:par>
-        <p:cTn xmlns:p14="http://schemas.microsoft.com/office/powerpoint/2010/main" id="1" dur="indefinite" restart="never" nodeType="tmRoot"/>
+        <p:cTn id="1" dur="indefinite" restart="never" nodeType="tmRoot"/>
       </p:par>
     </p:tnLst>
   </p:timing>
@@ -18684,13 +18382,20 @@
     </p:spTree>
     <p:extLst>
       <p:ext uri="{BB962C8B-B14F-4D97-AF65-F5344CB8AC3E}">
-        <p14:creationId xmlns:p14="http://schemas.microsoft.com/office/powerpoint/2010/main" val="1378357901"/>
+        <p14:creationId xmlns:p14="http://schemas.microsoft.com/office/powerpoint/2010/main" xmlns="" val="1378357901"/>
       </p:ext>
     </p:extLst>
   </p:cSld>
   <p:clrMapOvr>
     <a:masterClrMapping/>
   </p:clrMapOvr>
+  <p:timing>
+    <p:tnLst>
+      <p:par>
+        <p:cTn id="1" dur="indefinite" restart="never" nodeType="tmRoot"/>
+      </p:par>
+    </p:tnLst>
+  </p:timing>
 </p:sld>
 </file>
 
@@ -18767,7 +18472,7 @@
           <p:nvPr>
             <p:extLst>
               <p:ext uri="{D42A27DB-BD31-4B8C-83A1-F6EECF244321}">
-                <p14:modId xmlns:p14="http://schemas.microsoft.com/office/powerpoint/2010/main" val="2256308220"/>
+                <p14:modId xmlns:p14="http://schemas.microsoft.com/office/powerpoint/2010/main" xmlns="" val="2256308220"/>
               </p:ext>
             </p:extLst>
           </p:nvPr>
@@ -19352,25 +19057,25 @@
     </p:spTree>
     <p:extLst>
       <p:ext uri="{BB962C8B-B14F-4D97-AF65-F5344CB8AC3E}">
-        <p14:creationId xmlns:p14="http://schemas.microsoft.com/office/powerpoint/2010/main" val="1730443546"/>
+        <p14:creationId xmlns:p14="http://schemas.microsoft.com/office/powerpoint/2010/main" xmlns="" val="1730443546"/>
       </p:ext>
     </p:extLst>
   </p:cSld>
   <p:clrMapOvr>
     <a:masterClrMapping/>
   </p:clrMapOvr>
-  <mc:AlternateContent xmlns:mc="http://schemas.openxmlformats.org/markup-compatibility/2006" xmlns:p14="http://schemas.microsoft.com/office/powerpoint/2010/main">
-    <mc:Choice Requires="p14">
+  <mc:AlternateContent xmlns:mc="http://schemas.openxmlformats.org/markup-compatibility/2006">
+    <mc:Choice xmlns:p14="http://schemas.microsoft.com/office/powerpoint/2010/main" xmlns="" Requires="p14">
       <p:transition spd="slow" p14:dur="2000"/>
     </mc:Choice>
-    <mc:Fallback xmlns="">
+    <mc:Fallback>
       <p:transition spd="slow"/>
     </mc:Fallback>
   </mc:AlternateContent>
   <p:timing>
     <p:tnLst>
       <p:par>
-        <p:cTn xmlns:p14="http://schemas.microsoft.com/office/powerpoint/2010/main" id="1" dur="indefinite" restart="never" nodeType="tmRoot"/>
+        <p:cTn id="1" dur="indefinite" restart="never" nodeType="tmRoot"/>
       </p:par>
     </p:tnLst>
   </p:timing>
@@ -19840,25 +19545,25 @@
     </p:spTree>
     <p:extLst>
       <p:ext uri="{BB962C8B-B14F-4D97-AF65-F5344CB8AC3E}">
-        <p14:creationId xmlns:p14="http://schemas.microsoft.com/office/powerpoint/2010/main" val="1629831378"/>
+        <p14:creationId xmlns:p14="http://schemas.microsoft.com/office/powerpoint/2010/main" xmlns="" val="1629831378"/>
       </p:ext>
     </p:extLst>
   </p:cSld>
   <p:clrMapOvr>
     <a:masterClrMapping/>
   </p:clrMapOvr>
-  <mc:AlternateContent xmlns:mc="http://schemas.openxmlformats.org/markup-compatibility/2006" xmlns:p14="http://schemas.microsoft.com/office/powerpoint/2010/main">
-    <mc:Choice Requires="p14">
+  <mc:AlternateContent xmlns:mc="http://schemas.openxmlformats.org/markup-compatibility/2006">
+    <mc:Choice xmlns:p14="http://schemas.microsoft.com/office/powerpoint/2010/main" xmlns="" Requires="p14">
       <p:transition spd="slow" p14:dur="2000"/>
     </mc:Choice>
-    <mc:Fallback xmlns="">
+    <mc:Fallback>
       <p:transition spd="slow"/>
     </mc:Fallback>
   </mc:AlternateContent>
   <p:timing>
     <p:tnLst>
       <p:par>
-        <p:cTn xmlns:p14="http://schemas.microsoft.com/office/powerpoint/2010/main" id="1" dur="indefinite" restart="never" nodeType="tmRoot"/>
+        <p:cTn id="1" dur="indefinite" restart="never" nodeType="tmRoot"/>
       </p:par>
     </p:tnLst>
   </p:timing>
@@ -19894,7 +19599,7 @@
           <a:blip r:embed="rId2">
             <a:extLst>
               <a:ext uri="{28A0092B-C50C-407E-A947-70E740481C1C}">
-                <a14:useLocalDpi xmlns:a14="http://schemas.microsoft.com/office/drawing/2010/main" val="0"/>
+                <a14:useLocalDpi xmlns:a14="http://schemas.microsoft.com/office/drawing/2010/main" xmlns="" val="0"/>
               </a:ext>
             </a:extLst>
           </a:blip>
@@ -19914,7 +19619,7 @@
           <a:noFill/>
           <a:extLst>
             <a:ext uri="{909E8E84-426E-40dd-AFC4-6F175D3DCCD1}">
-              <a14:hiddenFill xmlns:a14="http://schemas.microsoft.com/office/drawing/2010/main">
+              <a14:hiddenFill xmlns:a14="http://schemas.microsoft.com/office/drawing/2010/main" xmlns="">
                 <a:solidFill>
                   <a:srgbClr val="FFFFFF"/>
                 </a:solidFill>
@@ -19997,25 +19702,25 @@
     </p:spTree>
     <p:extLst>
       <p:ext uri="{BB962C8B-B14F-4D97-AF65-F5344CB8AC3E}">
-        <p14:creationId xmlns:p14="http://schemas.microsoft.com/office/powerpoint/2010/main" val="2367797895"/>
+        <p14:creationId xmlns:p14="http://schemas.microsoft.com/office/powerpoint/2010/main" xmlns="" val="2367797895"/>
       </p:ext>
     </p:extLst>
   </p:cSld>
   <p:clrMapOvr>
     <a:masterClrMapping/>
   </p:clrMapOvr>
-  <mc:AlternateContent xmlns:mc="http://schemas.openxmlformats.org/markup-compatibility/2006" xmlns:p14="http://schemas.microsoft.com/office/powerpoint/2010/main">
-    <mc:Choice Requires="p14">
+  <mc:AlternateContent xmlns:mc="http://schemas.openxmlformats.org/markup-compatibility/2006">
+    <mc:Choice xmlns:p14="http://schemas.microsoft.com/office/powerpoint/2010/main" xmlns="" Requires="p14">
       <p:transition spd="slow" p14:dur="2000"/>
     </mc:Choice>
-    <mc:Fallback xmlns="">
+    <mc:Fallback>
       <p:transition spd="slow"/>
     </mc:Fallback>
   </mc:AlternateContent>
   <p:timing>
     <p:tnLst>
       <p:par>
-        <p:cTn xmlns:p14="http://schemas.microsoft.com/office/powerpoint/2010/main" id="1" dur="indefinite" restart="never" nodeType="tmRoot"/>
+        <p:cTn id="1" dur="indefinite" restart="never" nodeType="tmRoot"/>
       </p:par>
     </p:tnLst>
   </p:timing>
@@ -20287,10 +19992,7 @@
             </a:lvl9pPr>
           </a:lstStyle>
           <a:p>
-            <a:pPr marL="342900" indent="-342900">
-              <a:buFont typeface="Arial" pitchFamily="34" charset="0"/>
-              <a:buChar char="•"/>
-            </a:pPr>
+            <a:pPr marL="342900" indent="-342900"/>
             <a:r>
               <a:rPr lang="it-IT" dirty="0" smtClean="0"/>
               <a:t>Inserire in “</a:t>
@@ -20329,10 +20031,7 @@
             </a:r>
           </a:p>
           <a:p>
-            <a:pPr marL="342900" lvl="0" indent="-342900">
-              <a:buFont typeface="Arial" pitchFamily="34" charset="0"/>
-              <a:buChar char="•"/>
-            </a:pPr>
+            <a:pPr marL="342900" indent="-342900"/>
             <a:r>
               <a:rPr lang="it-IT" dirty="0" smtClean="0"/>
               <a:t>Realizzare classi in “</a:t>
@@ -20355,10 +20054,7 @@
             </a:r>
           </a:p>
           <a:p>
-            <a:pPr marL="342900" lvl="0" indent="-342900">
-              <a:buFont typeface="Arial" pitchFamily="34" charset="0"/>
-              <a:buChar char="•"/>
-            </a:pPr>
+            <a:pPr marL="342900" indent="-342900"/>
             <a:r>
               <a:rPr lang="it-IT" dirty="0" smtClean="0"/>
               <a:t>Trasformare “</a:t>
@@ -20394,25 +20090,25 @@
     </p:spTree>
     <p:extLst>
       <p:ext uri="{BB962C8B-B14F-4D97-AF65-F5344CB8AC3E}">
-        <p14:creationId xmlns:p14="http://schemas.microsoft.com/office/powerpoint/2010/main" val="2781102722"/>
+        <p14:creationId xmlns:p14="http://schemas.microsoft.com/office/powerpoint/2010/main" xmlns="" val="2781102722"/>
       </p:ext>
     </p:extLst>
   </p:cSld>
   <p:clrMapOvr>
     <a:masterClrMapping/>
   </p:clrMapOvr>
-  <mc:AlternateContent xmlns:mc="http://schemas.openxmlformats.org/markup-compatibility/2006" xmlns:p14="http://schemas.microsoft.com/office/powerpoint/2010/main">
-    <mc:Choice Requires="p14">
+  <mc:AlternateContent xmlns:mc="http://schemas.openxmlformats.org/markup-compatibility/2006">
+    <mc:Choice xmlns:p14="http://schemas.microsoft.com/office/powerpoint/2010/main" xmlns="" Requires="p14">
       <p:transition spd="slow" p14:dur="2000"/>
     </mc:Choice>
-    <mc:Fallback xmlns="">
-      <p:transition xmlns:p14="http://schemas.microsoft.com/office/powerpoint/2010/main" spd="slow"/>
+    <mc:Fallback>
+      <p:transition spd="slow"/>
     </mc:Fallback>
   </mc:AlternateContent>
   <p:timing>
     <p:tnLst>
       <p:par>
-        <p:cTn xmlns:p14="http://schemas.microsoft.com/office/powerpoint/2010/main" id="1" dur="indefinite" restart="never" nodeType="tmRoot"/>
+        <p:cTn id="1" dur="indefinite" restart="never" nodeType="tmRoot"/>
       </p:par>
     </p:tnLst>
   </p:timing>
@@ -20776,25 +20472,25 @@
     </p:spTree>
     <p:extLst>
       <p:ext uri="{BB962C8B-B14F-4D97-AF65-F5344CB8AC3E}">
-        <p14:creationId xmlns:p14="http://schemas.microsoft.com/office/powerpoint/2010/main" val="3452883339"/>
+        <p14:creationId xmlns:p14="http://schemas.microsoft.com/office/powerpoint/2010/main" xmlns="" val="3452883339"/>
       </p:ext>
     </p:extLst>
   </p:cSld>
   <p:clrMapOvr>
     <a:masterClrMapping/>
   </p:clrMapOvr>
-  <mc:AlternateContent xmlns:mc="http://schemas.openxmlformats.org/markup-compatibility/2006" xmlns:p14="http://schemas.microsoft.com/office/powerpoint/2010/main">
-    <mc:Choice Requires="p14">
+  <mc:AlternateContent xmlns:mc="http://schemas.openxmlformats.org/markup-compatibility/2006">
+    <mc:Choice xmlns:p14="http://schemas.microsoft.com/office/powerpoint/2010/main" xmlns="" Requires="p14">
       <p:transition spd="slow" p14:dur="2000"/>
     </mc:Choice>
-    <mc:Fallback xmlns="">
-      <p:transition xmlns:p14="http://schemas.microsoft.com/office/powerpoint/2010/main" spd="slow"/>
+    <mc:Fallback>
+      <p:transition spd="slow"/>
     </mc:Fallback>
   </mc:AlternateContent>
   <p:timing>
     <p:tnLst>
       <p:par>
-        <p:cTn xmlns:p14="http://schemas.microsoft.com/office/powerpoint/2010/main" id="1" dur="indefinite" restart="never" nodeType="tmRoot"/>
+        <p:cTn id="1" dur="indefinite" restart="never" nodeType="tmRoot"/>
       </p:par>
     </p:tnLst>
   </p:timing>
@@ -21136,25 +20832,25 @@
     </p:spTree>
     <p:extLst>
       <p:ext uri="{BB962C8B-B14F-4D97-AF65-F5344CB8AC3E}">
-        <p14:creationId xmlns:p14="http://schemas.microsoft.com/office/powerpoint/2010/main" val="1358147143"/>
+        <p14:creationId xmlns:p14="http://schemas.microsoft.com/office/powerpoint/2010/main" xmlns="" val="1358147143"/>
       </p:ext>
     </p:extLst>
   </p:cSld>
   <p:clrMapOvr>
     <a:masterClrMapping/>
   </p:clrMapOvr>
-  <mc:AlternateContent xmlns:mc="http://schemas.openxmlformats.org/markup-compatibility/2006" xmlns:p14="http://schemas.microsoft.com/office/powerpoint/2010/main">
-    <mc:Choice Requires="p14">
+  <mc:AlternateContent xmlns:mc="http://schemas.openxmlformats.org/markup-compatibility/2006">
+    <mc:Choice xmlns:p14="http://schemas.microsoft.com/office/powerpoint/2010/main" xmlns="" Requires="p14">
       <p:transition spd="slow" p14:dur="2000"/>
     </mc:Choice>
-    <mc:Fallback xmlns="">
+    <mc:Fallback>
       <p:transition spd="slow"/>
     </mc:Fallback>
   </mc:AlternateContent>
   <p:timing>
     <p:tnLst>
       <p:par>
-        <p:cTn xmlns:p14="http://schemas.microsoft.com/office/powerpoint/2010/main" id="1" dur="indefinite" restart="never" nodeType="tmRoot"/>
+        <p:cTn id="1" dur="indefinite" restart="never" nodeType="tmRoot"/>
       </p:par>
     </p:tnLst>
   </p:timing>
@@ -21479,25 +21175,25 @@
     </p:spTree>
     <p:extLst>
       <p:ext uri="{BB962C8B-B14F-4D97-AF65-F5344CB8AC3E}">
-        <p14:creationId xmlns:p14="http://schemas.microsoft.com/office/powerpoint/2010/main" val="1827848310"/>
+        <p14:creationId xmlns:p14="http://schemas.microsoft.com/office/powerpoint/2010/main" xmlns="" val="1827848310"/>
       </p:ext>
     </p:extLst>
   </p:cSld>
   <p:clrMapOvr>
     <a:masterClrMapping/>
   </p:clrMapOvr>
-  <mc:AlternateContent xmlns:mc="http://schemas.openxmlformats.org/markup-compatibility/2006" xmlns:p14="http://schemas.microsoft.com/office/powerpoint/2010/main">
-    <mc:Choice Requires="p14">
+  <mc:AlternateContent xmlns:mc="http://schemas.openxmlformats.org/markup-compatibility/2006">
+    <mc:Choice xmlns:p14="http://schemas.microsoft.com/office/powerpoint/2010/main" xmlns="" Requires="p14">
       <p:transition spd="slow" p14:dur="2000"/>
     </mc:Choice>
-    <mc:Fallback xmlns="">
-      <p:transition xmlns:p14="http://schemas.microsoft.com/office/powerpoint/2010/main" spd="slow"/>
+    <mc:Fallback>
+      <p:transition spd="slow"/>
     </mc:Fallback>
   </mc:AlternateContent>
   <p:timing>
     <p:tnLst>
       <p:par>
-        <p:cTn xmlns:p14="http://schemas.microsoft.com/office/powerpoint/2010/main" id="1" dur="indefinite" restart="never" nodeType="tmRoot"/>
+        <p:cTn id="1" dur="indefinite" restart="never" nodeType="tmRoot"/>
       </p:par>
     </p:tnLst>
   </p:timing>
@@ -22028,25 +21724,25 @@
     </p:spTree>
     <p:extLst>
       <p:ext uri="{BB962C8B-B14F-4D97-AF65-F5344CB8AC3E}">
-        <p14:creationId xmlns:p14="http://schemas.microsoft.com/office/powerpoint/2010/main" val="2616731691"/>
+        <p14:creationId xmlns:p14="http://schemas.microsoft.com/office/powerpoint/2010/main" xmlns="" val="2616731691"/>
       </p:ext>
     </p:extLst>
   </p:cSld>
   <p:clrMapOvr>
     <a:masterClrMapping/>
   </p:clrMapOvr>
-  <mc:AlternateContent xmlns:mc="http://schemas.openxmlformats.org/markup-compatibility/2006" xmlns:p14="http://schemas.microsoft.com/office/powerpoint/2010/main">
-    <mc:Choice Requires="p14">
+  <mc:AlternateContent xmlns:mc="http://schemas.openxmlformats.org/markup-compatibility/2006">
+    <mc:Choice xmlns:p14="http://schemas.microsoft.com/office/powerpoint/2010/main" xmlns="" Requires="p14">
       <p:transition spd="slow" p14:dur="2000"/>
     </mc:Choice>
-    <mc:Fallback xmlns="">
-      <p:transition xmlns:p14="http://schemas.microsoft.com/office/powerpoint/2010/main" spd="slow"/>
+    <mc:Fallback>
+      <p:transition spd="slow"/>
     </mc:Fallback>
   </mc:AlternateContent>
   <p:timing>
     <p:tnLst>
       <p:par>
-        <p:cTn xmlns:p14="http://schemas.microsoft.com/office/powerpoint/2010/main" id="1" dur="indefinite" restart="never" nodeType="tmRoot"/>
+        <p:cTn id="1" dur="indefinite" restart="never" nodeType="tmRoot"/>
       </p:par>
     </p:tnLst>
   </p:timing>
@@ -22220,25 +21916,25 @@
     </p:spTree>
     <p:extLst>
       <p:ext uri="{BB962C8B-B14F-4D97-AF65-F5344CB8AC3E}">
-        <p14:creationId xmlns:p14="http://schemas.microsoft.com/office/powerpoint/2010/main" val="2912892320"/>
+        <p14:creationId xmlns:p14="http://schemas.microsoft.com/office/powerpoint/2010/main" xmlns="" val="2912892320"/>
       </p:ext>
     </p:extLst>
   </p:cSld>
   <p:clrMapOvr>
     <a:masterClrMapping/>
   </p:clrMapOvr>
-  <mc:AlternateContent xmlns:mc="http://schemas.openxmlformats.org/markup-compatibility/2006" xmlns:p14="http://schemas.microsoft.com/office/powerpoint/2010/main">
-    <mc:Choice Requires="p14">
+  <mc:AlternateContent xmlns:mc="http://schemas.openxmlformats.org/markup-compatibility/2006">
+    <mc:Choice xmlns:p14="http://schemas.microsoft.com/office/powerpoint/2010/main" xmlns="" Requires="p14">
       <p:transition spd="slow" p14:dur="2000"/>
     </mc:Choice>
-    <mc:Fallback xmlns="">
-      <p:transition xmlns:p14="http://schemas.microsoft.com/office/powerpoint/2010/main" spd="slow"/>
+    <mc:Fallback>
+      <p:transition spd="slow"/>
     </mc:Fallback>
   </mc:AlternateContent>
   <p:timing>
     <p:tnLst>
       <p:par>
-        <p:cTn xmlns:p14="http://schemas.microsoft.com/office/powerpoint/2010/main" id="1" dur="indefinite" restart="never" nodeType="tmRoot"/>
+        <p:cTn id="1" dur="indefinite" restart="never" nodeType="tmRoot"/>
       </p:par>
     </p:tnLst>
   </p:timing>
@@ -22550,25 +22246,25 @@
     </p:spTree>
     <p:extLst>
       <p:ext uri="{BB962C8B-B14F-4D97-AF65-F5344CB8AC3E}">
-        <p14:creationId xmlns:p14="http://schemas.microsoft.com/office/powerpoint/2010/main" val="462729233"/>
+        <p14:creationId xmlns:p14="http://schemas.microsoft.com/office/powerpoint/2010/main" xmlns="" val="462729233"/>
       </p:ext>
     </p:extLst>
   </p:cSld>
   <p:clrMapOvr>
     <a:masterClrMapping/>
   </p:clrMapOvr>
-  <mc:AlternateContent xmlns:mc="http://schemas.openxmlformats.org/markup-compatibility/2006" xmlns:p14="http://schemas.microsoft.com/office/powerpoint/2010/main">
-    <mc:Choice Requires="p14">
+  <mc:AlternateContent xmlns:mc="http://schemas.openxmlformats.org/markup-compatibility/2006">
+    <mc:Choice xmlns:p14="http://schemas.microsoft.com/office/powerpoint/2010/main" xmlns="" Requires="p14">
       <p:transition spd="slow" p14:dur="2000"/>
     </mc:Choice>
-    <mc:Fallback xmlns="">
-      <p:transition xmlns:p14="http://schemas.microsoft.com/office/powerpoint/2010/main" spd="slow"/>
+    <mc:Fallback>
+      <p:transition spd="slow"/>
     </mc:Fallback>
   </mc:AlternateContent>
   <p:timing>
     <p:tnLst>
       <p:par>
-        <p:cTn xmlns:p14="http://schemas.microsoft.com/office/powerpoint/2010/main" id="1" dur="indefinite" restart="never" nodeType="tmRoot"/>
+        <p:cTn id="1" dur="indefinite" restart="never" nodeType="tmRoot"/>
       </p:par>
     </p:tnLst>
   </p:timing>
@@ -22835,60 +22531,65 @@
       </p:sp>
       <p:pic>
         <p:nvPicPr>
-          <p:cNvPr id="4" name="Immagine 3" descr="DbBeans.png"/>
+          <p:cNvPr id="1026" name="Picture 2" descr="C:\Users\Angelo\Desktop\StoragesenzaInter.png"/>
           <p:cNvPicPr>
-            <a:picLocks noChangeAspect="1"/>
+            <a:picLocks noChangeAspect="1" noChangeArrowheads="1"/>
           </p:cNvPicPr>
           <p:nvPr/>
         </p:nvPicPr>
         <p:blipFill>
-          <a:blip r:embed="rId2" cstate="print"/>
+          <a:blip r:embed="rId2"/>
+          <a:srcRect/>
           <a:stretch>
             <a:fillRect/>
           </a:stretch>
         </p:blipFill>
-        <p:spPr>
+        <p:spPr bwMode="auto">
           <a:xfrm>
-            <a:off x="539552" y="1756939"/>
-            <a:ext cx="7992888" cy="4552381"/>
+            <a:off x="1214414" y="1714488"/>
+            <a:ext cx="6571938" cy="5000660"/>
           </a:xfrm>
           <a:prstGeom prst="rect">
             <a:avLst/>
           </a:prstGeom>
-          <a:ln>
-            <a:noFill/>
-          </a:ln>
-          <a:effectLst>
-            <a:outerShdw blurRad="292100" dist="139700" dir="2700000" algn="tl" rotWithShape="0">
-              <a:srgbClr val="333333">
-                <a:alpha val="65000"/>
-              </a:srgbClr>
-            </a:outerShdw>
-          </a:effectLst>
         </p:spPr>
+        <p:style>
+          <a:lnRef idx="1">
+            <a:schemeClr val="accent4"/>
+          </a:lnRef>
+          <a:fillRef idx="2">
+            <a:schemeClr val="accent4"/>
+          </a:fillRef>
+          <a:effectRef idx="1">
+            <a:schemeClr val="accent4"/>
+          </a:effectRef>
+          <a:fontRef idx="minor">
+            <a:schemeClr val="dk1"/>
+          </a:fontRef>
+        </p:style>
       </p:pic>
     </p:spTree>
     <p:extLst>
       <p:ext uri="{BB962C8B-B14F-4D97-AF65-F5344CB8AC3E}">
-        <p14:creationId xmlns:p14="http://schemas.microsoft.com/office/powerpoint/2010/main" val="1717101950"/>
+        <p14:creationId xmlns:p14="http://schemas.microsoft.com/office/powerpoint/2010/main" xmlns="" val="1717101950"/>
       </p:ext>
     </p:extLst>
   </p:cSld>
   <p:clrMapOvr>
     <a:masterClrMapping/>
   </p:clrMapOvr>
-  <mc:AlternateContent xmlns:mc="http://schemas.openxmlformats.org/markup-compatibility/2006" xmlns:p14="http://schemas.microsoft.com/office/powerpoint/2010/main">
-    <mc:Choice Requires="p14">
+  <mc:AlternateContent xmlns:mc="http://schemas.openxmlformats.org/markup-compatibility/2006">
+    <mc:Choice xmlns:p14="http://schemas.microsoft.com/office/powerpoint/2010/main" xmlns="" Requires="p14">
       <p:transition spd="slow" p14:dur="2000"/>
     </mc:Choice>
-    <mc:Fallback xmlns="">
-      <p:transition xmlns:p14="http://schemas.microsoft.com/office/powerpoint/2010/main" spd="slow"/>
+    <mc:Fallback>
+      <p:transition spd="slow"/>
     </mc:Fallback>
   </mc:AlternateContent>
   <p:timing>
     <p:tnLst>
       <p:par>
-        <p:cTn xmlns:p14="http://schemas.microsoft.com/office/powerpoint/2010/main" id="1" dur="indefinite" restart="never" nodeType="tmRoot"/>
+        <p:cTn id="1" dur="indefinite" restart="never" nodeType="tmRoot"/>
       </p:par>
     </p:tnLst>
   </p:timing>
@@ -23225,25 +22926,25 @@
     </p:spTree>
     <p:extLst>
       <p:ext uri="{BB962C8B-B14F-4D97-AF65-F5344CB8AC3E}">
-        <p14:creationId xmlns:p14="http://schemas.microsoft.com/office/powerpoint/2010/main" val="309719199"/>
+        <p14:creationId xmlns:p14="http://schemas.microsoft.com/office/powerpoint/2010/main" xmlns="" val="309719199"/>
       </p:ext>
     </p:extLst>
   </p:cSld>
   <p:clrMapOvr>
     <a:masterClrMapping/>
   </p:clrMapOvr>
-  <mc:AlternateContent xmlns:mc="http://schemas.openxmlformats.org/markup-compatibility/2006" xmlns:p14="http://schemas.microsoft.com/office/powerpoint/2010/main">
-    <mc:Choice Requires="p14">
+  <mc:AlternateContent xmlns:mc="http://schemas.openxmlformats.org/markup-compatibility/2006">
+    <mc:Choice xmlns:p14="http://schemas.microsoft.com/office/powerpoint/2010/main" xmlns="" Requires="p14">
       <p:transition spd="slow" p14:dur="2000"/>
     </mc:Choice>
-    <mc:Fallback xmlns="">
-      <p:transition xmlns:p14="http://schemas.microsoft.com/office/powerpoint/2010/main" spd="slow"/>
+    <mc:Fallback>
+      <p:transition spd="slow"/>
     </mc:Fallback>
   </mc:AlternateContent>
   <p:timing>
     <p:tnLst>
       <p:par>
-        <p:cTn xmlns:p14="http://schemas.microsoft.com/office/powerpoint/2010/main" id="1" dur="indefinite" restart="never" nodeType="tmRoot"/>
+        <p:cTn id="1" dur="indefinite" restart="never" nodeType="tmRoot"/>
       </p:par>
     </p:tnLst>
   </p:timing>
@@ -23556,25 +23257,25 @@
     </p:spTree>
     <p:extLst>
       <p:ext uri="{BB962C8B-B14F-4D97-AF65-F5344CB8AC3E}">
-        <p14:creationId xmlns:p14="http://schemas.microsoft.com/office/powerpoint/2010/main" val="955904447"/>
+        <p14:creationId xmlns:p14="http://schemas.microsoft.com/office/powerpoint/2010/main" xmlns="" val="955904447"/>
       </p:ext>
     </p:extLst>
   </p:cSld>
   <p:clrMapOvr>
     <a:masterClrMapping/>
   </p:clrMapOvr>
-  <mc:AlternateContent xmlns:mc="http://schemas.openxmlformats.org/markup-compatibility/2006" xmlns:p14="http://schemas.microsoft.com/office/powerpoint/2010/main">
-    <mc:Choice Requires="p14">
+  <mc:AlternateContent xmlns:mc="http://schemas.openxmlformats.org/markup-compatibility/2006">
+    <mc:Choice xmlns:p14="http://schemas.microsoft.com/office/powerpoint/2010/main" xmlns="" Requires="p14">
       <p:transition spd="slow" p14:dur="2000"/>
     </mc:Choice>
-    <mc:Fallback xmlns="">
-      <p:transition xmlns:p14="http://schemas.microsoft.com/office/powerpoint/2010/main" spd="slow"/>
+    <mc:Fallback>
+      <p:transition spd="slow"/>
     </mc:Fallback>
   </mc:AlternateContent>
   <p:timing>
     <p:tnLst>
       <p:par>
-        <p:cTn xmlns:p14="http://schemas.microsoft.com/office/powerpoint/2010/main" id="1" dur="indefinite" restart="never" nodeType="tmRoot"/>
+        <p:cTn id="1" dur="indefinite" restart="never" nodeType="tmRoot"/>
       </p:par>
     </p:tnLst>
   </p:timing>
@@ -23915,25 +23616,25 @@
     </p:spTree>
     <p:extLst>
       <p:ext uri="{BB962C8B-B14F-4D97-AF65-F5344CB8AC3E}">
-        <p14:creationId xmlns:p14="http://schemas.microsoft.com/office/powerpoint/2010/main" val="1935153543"/>
+        <p14:creationId xmlns:p14="http://schemas.microsoft.com/office/powerpoint/2010/main" xmlns="" val="1935153543"/>
       </p:ext>
     </p:extLst>
   </p:cSld>
   <p:clrMapOvr>
     <a:masterClrMapping/>
   </p:clrMapOvr>
-  <mc:AlternateContent xmlns:mc="http://schemas.openxmlformats.org/markup-compatibility/2006" xmlns:p14="http://schemas.microsoft.com/office/powerpoint/2010/main">
-    <mc:Choice Requires="p14">
+  <mc:AlternateContent xmlns:mc="http://schemas.openxmlformats.org/markup-compatibility/2006">
+    <mc:Choice xmlns:p14="http://schemas.microsoft.com/office/powerpoint/2010/main" xmlns="" Requires="p14">
       <p:transition spd="slow" p14:dur="2000"/>
     </mc:Choice>
-    <mc:Fallback xmlns="">
-      <p:transition xmlns:p14="http://schemas.microsoft.com/office/powerpoint/2010/main" spd="slow"/>
+    <mc:Fallback>
+      <p:transition spd="slow"/>
     </mc:Fallback>
   </mc:AlternateContent>
   <p:timing>
     <p:tnLst>
       <p:par>
-        <p:cTn xmlns:p14="http://schemas.microsoft.com/office/powerpoint/2010/main" id="1" dur="indefinite" restart="never" nodeType="tmRoot"/>
+        <p:cTn id="1" dur="indefinite" restart="never" nodeType="tmRoot"/>
       </p:par>
     </p:tnLst>
   </p:timing>
@@ -24327,25 +24028,25 @@
     </p:spTree>
     <p:extLst>
       <p:ext uri="{BB962C8B-B14F-4D97-AF65-F5344CB8AC3E}">
-        <p14:creationId xmlns:p14="http://schemas.microsoft.com/office/powerpoint/2010/main" val="1140837011"/>
+        <p14:creationId xmlns:p14="http://schemas.microsoft.com/office/powerpoint/2010/main" xmlns="" val="1140837011"/>
       </p:ext>
     </p:extLst>
   </p:cSld>
   <p:clrMapOvr>
     <a:masterClrMapping/>
   </p:clrMapOvr>
-  <mc:AlternateContent xmlns:mc="http://schemas.openxmlformats.org/markup-compatibility/2006" xmlns:p14="http://schemas.microsoft.com/office/powerpoint/2010/main">
-    <mc:Choice Requires="p14">
+  <mc:AlternateContent xmlns:mc="http://schemas.openxmlformats.org/markup-compatibility/2006">
+    <mc:Choice xmlns:p14="http://schemas.microsoft.com/office/powerpoint/2010/main" xmlns="" Requires="p14">
       <p:transition spd="slow" p14:dur="2000"/>
     </mc:Choice>
-    <mc:Fallback xmlns="">
-      <p:transition xmlns:p14="http://schemas.microsoft.com/office/powerpoint/2010/main" spd="slow"/>
+    <mc:Fallback>
+      <p:transition spd="slow"/>
     </mc:Fallback>
   </mc:AlternateContent>
   <p:timing>
     <p:tnLst>
       <p:par>
-        <p:cTn xmlns:p14="http://schemas.microsoft.com/office/powerpoint/2010/main" id="1" dur="indefinite" restart="never" nodeType="tmRoot"/>
+        <p:cTn id="1" dur="indefinite" restart="never" nodeType="tmRoot"/>
       </p:par>
     </p:tnLst>
   </p:timing>
@@ -24630,7 +24331,11 @@
             </a:r>
             <a:r>
               <a:rPr lang="it-IT" dirty="0" smtClean="0"/>
-              <a:t>possa funzionare.</a:t>
+              <a:t>possa funzionare</a:t>
+            </a:r>
+            <a:r>
+              <a:rPr lang="it-IT" dirty="0" smtClean="0"/>
+              <a:t>.</a:t>
             </a:r>
           </a:p>
           <a:p>
@@ -24660,15 +24365,7 @@
             </a:pPr>
             <a:r>
               <a:rPr lang="it-IT" dirty="0" smtClean="0"/>
-              <a:t>Metodo astratto che associa, per ogni Bean, in una mappa </a:t>
-            </a:r>
-            <a:r>
-              <a:rPr lang="it-IT" dirty="0" err="1" smtClean="0"/>
-              <a:t>hash</a:t>
-            </a:r>
-            <a:r>
-              <a:rPr lang="it-IT" dirty="0" smtClean="0"/>
-              <a:t> secondo lo schema </a:t>
+              <a:t>Associa </a:t>
             </a:r>
             <a:r>
               <a:rPr lang="it-IT" dirty="0" err="1" smtClean="0"/>
@@ -24676,8 +24373,75 @@
             </a:r>
             <a:r>
               <a:rPr lang="it-IT" dirty="0" smtClean="0"/>
-              <a:t> .</a:t>
-            </a:r>
+              <a:t>.</a:t>
+            </a:r>
+          </a:p>
+          <a:p>
+            <a:pPr marL="0" indent="0"/>
+            <a:r>
+              <a:rPr lang="it-IT" b="1" dirty="0" err="1" smtClean="0"/>
+              <a:t>protected</a:t>
+            </a:r>
+            <a:r>
+              <a:rPr lang="it-IT" b="1" dirty="0" smtClean="0"/>
+              <a:t> </a:t>
+            </a:r>
+            <a:r>
+              <a:rPr lang="it-IT" b="1" dirty="0" err="1" smtClean="0"/>
+              <a:t>abstract</a:t>
+            </a:r>
+            <a:r>
+              <a:rPr lang="it-IT" b="1" dirty="0" smtClean="0"/>
+              <a:t> </a:t>
+            </a:r>
+            <a:r>
+              <a:rPr lang="it-IT" b="1" dirty="0" err="1" smtClean="0"/>
+              <a:t>List</a:t>
+            </a:r>
+            <a:r>
+              <a:rPr lang="it-IT" b="1" dirty="0" smtClean="0"/>
+              <a:t>&lt;</a:t>
+            </a:r>
+            <a:r>
+              <a:rPr lang="it-IT" b="1" dirty="0" err="1" smtClean="0"/>
+              <a:t>String</a:t>
+            </a:r>
+            <a:r>
+              <a:rPr lang="it-IT" b="1" dirty="0" smtClean="0"/>
+              <a:t>&gt; </a:t>
+            </a:r>
+            <a:r>
+              <a:rPr lang="it-IT" b="1" dirty="0" err="1" smtClean="0"/>
+              <a:t>getKeyFields</a:t>
+            </a:r>
+            <a:r>
+              <a:rPr lang="it-IT" b="1" dirty="0" smtClean="0"/>
+              <a:t>();</a:t>
+            </a:r>
+          </a:p>
+          <a:p>
+            <a:pPr marL="0" indent="0">
+              <a:buNone/>
+            </a:pPr>
+            <a:r>
+              <a:rPr lang="it-IT" dirty="0" smtClean="0"/>
+              <a:t>Restituisce la lista dei campi chiave nel database per questo </a:t>
+            </a:r>
+            <a:r>
+              <a:rPr lang="it-IT" dirty="0" err="1" smtClean="0"/>
+              <a:t>bean</a:t>
+            </a:r>
+            <a:r>
+              <a:rPr lang="it-IT" dirty="0" smtClean="0"/>
+              <a:t>.</a:t>
+            </a:r>
+            <a:endParaRPr lang="it-IT" b="1" dirty="0" smtClean="0"/>
+          </a:p>
+          <a:p>
+            <a:pPr marL="0" indent="0">
+              <a:buNone/>
+            </a:pPr>
+            <a:endParaRPr lang="it-IT" dirty="0" smtClean="0"/>
           </a:p>
           <a:p>
             <a:pPr marL="0" indent="0" algn="just">
@@ -24696,25 +24460,25 @@
     </p:spTree>
     <p:extLst>
       <p:ext uri="{BB962C8B-B14F-4D97-AF65-F5344CB8AC3E}">
-        <p14:creationId xmlns:p14="http://schemas.microsoft.com/office/powerpoint/2010/main" val="247747513"/>
+        <p14:creationId xmlns:p14="http://schemas.microsoft.com/office/powerpoint/2010/main" xmlns="" val="247747513"/>
       </p:ext>
     </p:extLst>
   </p:cSld>
   <p:clrMapOvr>
     <a:masterClrMapping/>
   </p:clrMapOvr>
-  <mc:AlternateContent xmlns:mc="http://schemas.openxmlformats.org/markup-compatibility/2006" xmlns:p14="http://schemas.microsoft.com/office/powerpoint/2010/main">
-    <mc:Choice Requires="p14">
+  <mc:AlternateContent xmlns:mc="http://schemas.openxmlformats.org/markup-compatibility/2006">
+    <mc:Choice xmlns:p14="http://schemas.microsoft.com/office/powerpoint/2010/main" xmlns="" Requires="p14">
       <p:transition spd="slow" p14:dur="2000"/>
     </mc:Choice>
-    <mc:Fallback xmlns="">
-      <p:transition xmlns:p14="http://schemas.microsoft.com/office/powerpoint/2010/main" spd="slow"/>
+    <mc:Fallback>
+      <p:transition spd="slow"/>
     </mc:Fallback>
   </mc:AlternateContent>
   <p:timing>
     <p:tnLst>
       <p:par>
-        <p:cTn xmlns:p14="http://schemas.microsoft.com/office/powerpoint/2010/main" id="1" dur="indefinite" restart="never" nodeType="tmRoot"/>
+        <p:cTn id="1" dur="indefinite" restart="never" nodeType="tmRoot"/>
       </p:par>
     </p:tnLst>
   </p:timing>
@@ -25055,25 +24819,25 @@
     </p:spTree>
     <p:extLst>
       <p:ext uri="{BB962C8B-B14F-4D97-AF65-F5344CB8AC3E}">
-        <p14:creationId xmlns:p14="http://schemas.microsoft.com/office/powerpoint/2010/main" val="396334508"/>
+        <p14:creationId xmlns:p14="http://schemas.microsoft.com/office/powerpoint/2010/main" xmlns="" val="396334508"/>
       </p:ext>
     </p:extLst>
   </p:cSld>
   <p:clrMapOvr>
     <a:masterClrMapping/>
   </p:clrMapOvr>
-  <mc:AlternateContent xmlns:mc="http://schemas.openxmlformats.org/markup-compatibility/2006" xmlns:p14="http://schemas.microsoft.com/office/powerpoint/2010/main">
-    <mc:Choice Requires="p14">
+  <mc:AlternateContent xmlns:mc="http://schemas.openxmlformats.org/markup-compatibility/2006">
+    <mc:Choice xmlns:p14="http://schemas.microsoft.com/office/powerpoint/2010/main" xmlns="" Requires="p14">
       <p:transition spd="slow" p14:dur="2000"/>
     </mc:Choice>
-    <mc:Fallback xmlns="">
+    <mc:Fallback>
       <p:transition spd="slow"/>
     </mc:Fallback>
   </mc:AlternateContent>
   <p:timing>
     <p:tnLst>
       <p:par>
-        <p:cTn xmlns:p14="http://schemas.microsoft.com/office/powerpoint/2010/main" id="1" dur="indefinite" restart="never" nodeType="tmRoot"/>
+        <p:cTn id="1" dur="indefinite" restart="never" nodeType="tmRoot"/>
       </p:par>
     </p:tnLst>
   </p:timing>
@@ -25333,67 +25097,6 @@
             </a:lvl9pPr>
           </a:lstStyle>
           <a:p>
-            <a:pPr marL="0" indent="0"/>
-            <a:r>
-              <a:rPr lang="it-IT" b="1" dirty="0" err="1" smtClean="0"/>
-              <a:t>protected</a:t>
-            </a:r>
-            <a:r>
-              <a:rPr lang="it-IT" b="1" dirty="0" smtClean="0"/>
-              <a:t> </a:t>
-            </a:r>
-            <a:r>
-              <a:rPr lang="it-IT" b="1" dirty="0" err="1" smtClean="0"/>
-              <a:t>abstract</a:t>
-            </a:r>
-            <a:r>
-              <a:rPr lang="it-IT" b="1" dirty="0" smtClean="0"/>
-              <a:t> </a:t>
-            </a:r>
-            <a:r>
-              <a:rPr lang="it-IT" b="1" dirty="0" err="1" smtClean="0"/>
-              <a:t>List</a:t>
-            </a:r>
-            <a:r>
-              <a:rPr lang="it-IT" b="1" dirty="0" smtClean="0"/>
-              <a:t>&lt;</a:t>
-            </a:r>
-            <a:r>
-              <a:rPr lang="it-IT" b="1" dirty="0" err="1" smtClean="0"/>
-              <a:t>String</a:t>
-            </a:r>
-            <a:r>
-              <a:rPr lang="it-IT" b="1" dirty="0" smtClean="0"/>
-              <a:t>&gt; </a:t>
-            </a:r>
-            <a:r>
-              <a:rPr lang="it-IT" b="1" dirty="0" err="1" smtClean="0"/>
-              <a:t>getKeyFields</a:t>
-            </a:r>
-            <a:r>
-              <a:rPr lang="it-IT" b="1" dirty="0" smtClean="0"/>
-              <a:t>();</a:t>
-            </a:r>
-          </a:p>
-          <a:p>
-            <a:pPr marL="0" indent="0">
-              <a:buNone/>
-            </a:pPr>
-            <a:r>
-              <a:rPr lang="it-IT" dirty="0" smtClean="0"/>
-              <a:t>Restituisce la lista dei campi chiave nel database per questo </a:t>
-            </a:r>
-            <a:r>
-              <a:rPr lang="it-IT" dirty="0" err="1" smtClean="0"/>
-              <a:t>bean</a:t>
-            </a:r>
-            <a:r>
-              <a:rPr lang="it-IT" dirty="0" smtClean="0"/>
-              <a:t>.</a:t>
-            </a:r>
-            <a:endParaRPr lang="it-IT" b="1" dirty="0" smtClean="0"/>
-          </a:p>
-          <a:p>
             <a:pPr marL="0" indent="0">
               <a:buNone/>
             </a:pPr>
@@ -25434,6 +25137,111 @@
               <a:rPr lang="it-IT" dirty="0" err="1" smtClean="0"/>
               <a:t>realBean</a:t>
             </a:r>
+            <a:endParaRPr lang="it-IT" dirty="0" smtClean="0"/>
+          </a:p>
+          <a:p>
+            <a:pPr marL="0" indent="0"/>
+            <a:r>
+              <a:rPr lang="it-IT" b="1" dirty="0" err="1" smtClean="0"/>
+              <a:t>protected</a:t>
+            </a:r>
+            <a:r>
+              <a:rPr lang="it-IT" b="1" dirty="0" smtClean="0"/>
+              <a:t> Assegnazione[] </a:t>
+            </a:r>
+            <a:r>
+              <a:rPr lang="it-IT" b="1" dirty="0" err="1" smtClean="0"/>
+              <a:t>creaAssegnazioni</a:t>
+            </a:r>
+            <a:r>
+              <a:rPr lang="it-IT" b="1" dirty="0" smtClean="0"/>
+              <a:t>(B </a:t>
+            </a:r>
+            <a:r>
+              <a:rPr lang="it-IT" b="1" dirty="0" err="1" smtClean="0"/>
+              <a:t>bean</a:t>
+            </a:r>
+            <a:r>
+              <a:rPr lang="it-IT" b="1" dirty="0" smtClean="0"/>
+              <a:t>)</a:t>
+            </a:r>
+            <a:r>
+              <a:rPr lang="it-IT" dirty="0" smtClean="0"/>
+              <a:t/>
+            </a:r>
+            <a:br>
+              <a:rPr lang="it-IT" dirty="0" smtClean="0"/>
+            </a:br>
+            <a:r>
+              <a:rPr lang="it-IT" dirty="0" smtClean="0"/>
+              <a:t>Gestione assegnazione chiavi </a:t>
+            </a:r>
+            <a:r>
+              <a:rPr lang="it-IT" dirty="0" smtClean="0"/>
+              <a:t>esterne</a:t>
+            </a:r>
+          </a:p>
+          <a:p>
+            <a:pPr marL="0" indent="0"/>
+            <a:r>
+              <a:rPr lang="it-IT" b="1" dirty="0" err="1" smtClean="0"/>
+              <a:t>protected</a:t>
+            </a:r>
+            <a:r>
+              <a:rPr lang="it-IT" b="1" dirty="0" smtClean="0"/>
+              <a:t> Bando </a:t>
+            </a:r>
+            <a:r>
+              <a:rPr lang="it-IT" b="1" dirty="0" err="1" smtClean="0"/>
+              <a:t>creaBean</a:t>
+            </a:r>
+            <a:r>
+              <a:rPr lang="it-IT" b="1" dirty="0" smtClean="0"/>
+              <a:t>(</a:t>
+            </a:r>
+            <a:r>
+              <a:rPr lang="it-IT" b="1" dirty="0" err="1" smtClean="0"/>
+              <a:t>ResultSet</a:t>
+            </a:r>
+            <a:r>
+              <a:rPr lang="it-IT" b="1" dirty="0" smtClean="0"/>
+              <a:t> r</a:t>
+            </a:r>
+            <a:r>
+              <a:rPr lang="it-IT" b="1" dirty="0" smtClean="0"/>
+              <a:t>)</a:t>
+            </a:r>
+          </a:p>
+          <a:p>
+            <a:pPr marL="0" indent="0">
+              <a:buNone/>
+            </a:pPr>
+            <a:r>
+              <a:rPr lang="it-IT" dirty="0" smtClean="0"/>
+              <a:t>Setta un </a:t>
+            </a:r>
+            <a:r>
+              <a:rPr lang="it-IT" dirty="0" err="1" smtClean="0"/>
+              <a:t>bean</a:t>
+            </a:r>
+            <a:r>
+              <a:rPr lang="it-IT" dirty="0" smtClean="0"/>
+              <a:t> prendendo gli attributi da un </a:t>
+            </a:r>
+            <a:r>
+              <a:rPr lang="it-IT" dirty="0" err="1" smtClean="0"/>
+              <a:t>R</a:t>
+            </a:r>
+            <a:r>
+              <a:rPr lang="it-IT" dirty="0" err="1" smtClean="0"/>
+              <a:t>esultSet</a:t>
+            </a:r>
+            <a:endParaRPr lang="it-IT" dirty="0" smtClean="0"/>
+          </a:p>
+          <a:p>
+            <a:pPr marL="0" indent="0">
+              <a:buNone/>
+            </a:pPr>
             <a:endParaRPr lang="it-IT" dirty="0" smtClean="0"/>
           </a:p>
         </p:txBody>
@@ -25441,25 +25249,25 @@
     </p:spTree>
     <p:extLst>
       <p:ext uri="{BB962C8B-B14F-4D97-AF65-F5344CB8AC3E}">
-        <p14:creationId xmlns:p14="http://schemas.microsoft.com/office/powerpoint/2010/main" val="1776831606"/>
+        <p14:creationId xmlns:p14="http://schemas.microsoft.com/office/powerpoint/2010/main" xmlns="" val="1776831606"/>
       </p:ext>
     </p:extLst>
   </p:cSld>
   <p:clrMapOvr>
     <a:masterClrMapping/>
   </p:clrMapOvr>
-  <mc:AlternateContent xmlns:mc="http://schemas.openxmlformats.org/markup-compatibility/2006" xmlns:p14="http://schemas.microsoft.com/office/powerpoint/2010/main">
-    <mc:Choice Requires="p14">
+  <mc:AlternateContent xmlns:mc="http://schemas.openxmlformats.org/markup-compatibility/2006">
+    <mc:Choice xmlns:p14="http://schemas.microsoft.com/office/powerpoint/2010/main" xmlns="" Requires="p14">
       <p:transition spd="slow" p14:dur="2000"/>
     </mc:Choice>
-    <mc:Fallback xmlns="">
-      <p:transition xmlns:p14="http://schemas.microsoft.com/office/powerpoint/2010/main" spd="slow"/>
+    <mc:Fallback>
+      <p:transition spd="slow"/>
     </mc:Fallback>
   </mc:AlternateContent>
   <p:timing>
     <p:tnLst>
       <p:par>
-        <p:cTn xmlns:p14="http://schemas.microsoft.com/office/powerpoint/2010/main" id="1" dur="indefinite" restart="never" nodeType="tmRoot"/>
+        <p:cTn id="1" dur="indefinite" restart="never" nodeType="tmRoot"/>
       </p:par>
     </p:tnLst>
   </p:timing>
@@ -25467,361 +25275,6 @@
 </file>
 
 <file path=ppt/slides/slide71.xml><?xml version="1.0" encoding="utf-8"?>
-<p:sld xmlns:a="http://schemas.openxmlformats.org/drawingml/2006/main" xmlns:r="http://schemas.openxmlformats.org/officeDocument/2006/relationships" xmlns:p="http://schemas.openxmlformats.org/presentationml/2006/main">
-  <p:cSld>
-    <p:spTree>
-      <p:nvGrpSpPr>
-        <p:cNvPr id="1" name=""/>
-        <p:cNvGrpSpPr/>
-        <p:nvPr/>
-      </p:nvGrpSpPr>
-      <p:grpSpPr>
-        <a:xfrm>
-          <a:off x="0" y="0"/>
-          <a:ext cx="0" cy="0"/>
-          <a:chOff x="0" y="0"/>
-          <a:chExt cx="0" cy="0"/>
-        </a:xfrm>
-      </p:grpSpPr>
-      <p:sp>
-        <p:nvSpPr>
-          <p:cNvPr id="2" name="CasellaDiTesto 1"/>
-          <p:cNvSpPr txBox="1"/>
-          <p:nvPr/>
-        </p:nvSpPr>
-        <p:spPr>
-          <a:xfrm>
-            <a:off x="1206920" y="428604"/>
-            <a:ext cx="6678047" cy="1538883"/>
-          </a:xfrm>
-          <a:prstGeom prst="rect">
-            <a:avLst/>
-          </a:prstGeom>
-          <a:noFill/>
-        </p:spPr>
-        <p:txBody>
-          <a:bodyPr wrap="none" rtlCol="0">
-            <a:spAutoFit/>
-          </a:bodyPr>
-          <a:lstStyle/>
-          <a:p>
-            <a:pPr algn="ctr"/>
-            <a:r>
-              <a:rPr lang="it-IT" sz="4800" b="1" dirty="0" smtClean="0">
-                <a:latin typeface="+mj-lt"/>
-              </a:rPr>
-              <a:t>Progettazione </a:t>
-            </a:r>
-            <a:r>
-              <a:rPr lang="it-IT" sz="4800" b="1" dirty="0" err="1" smtClean="0"/>
-              <a:t>framework</a:t>
-            </a:r>
-            <a:endParaRPr lang="it-IT" sz="4800" b="1" dirty="0" smtClean="0">
-              <a:latin typeface="+mj-lt"/>
-            </a:endParaRPr>
-          </a:p>
-          <a:p>
-            <a:pPr algn="ctr"/>
-            <a:r>
-              <a:rPr lang="it-IT" sz="2800" b="1" dirty="0" err="1" smtClean="0"/>
-              <a:t>DBBeans</a:t>
-            </a:r>
-            <a:r>
-              <a:rPr lang="it-IT" sz="2800" b="1" dirty="0" smtClean="0"/>
-              <a:t>: i metodi chiave</a:t>
-            </a:r>
-          </a:p>
-          <a:p>
-            <a:pPr algn="ctr"/>
-            <a:endParaRPr lang="it-IT" dirty="0">
-              <a:latin typeface="+mj-lt"/>
-            </a:endParaRPr>
-          </a:p>
-        </p:txBody>
-      </p:sp>
-      <p:sp>
-        <p:nvSpPr>
-          <p:cNvPr id="10" name="Content Placeholder 3"/>
-          <p:cNvSpPr txBox="1">
-            <a:spLocks/>
-          </p:cNvSpPr>
-          <p:nvPr/>
-        </p:nvSpPr>
-        <p:spPr>
-          <a:xfrm>
-            <a:off x="323528" y="1795352"/>
-            <a:ext cx="8177562" cy="4634044"/>
-          </a:xfrm>
-          <a:prstGeom prst="rect">
-            <a:avLst/>
-          </a:prstGeom>
-        </p:spPr>
-        <p:txBody>
-          <a:bodyPr tIns="0"/>
-          <a:lstStyle>
-            <a:lvl1pPr marL="274320" indent="-274320" algn="l" rtl="0" eaLnBrk="1" latinLnBrk="0" hangingPunct="1">
-              <a:spcBef>
-                <a:spcPct val="20000"/>
-              </a:spcBef>
-              <a:buClrTx/>
-              <a:buSzPct val="95000"/>
-              <a:buFont typeface="Wingdings" pitchFamily="2" charset="2"/>
-              <a:buChar char="v"/>
-              <a:defRPr kumimoji="0" sz="2800" kern="1200">
-                <a:solidFill>
-                  <a:schemeClr val="tx1"/>
-                </a:solidFill>
-                <a:latin typeface="+mn-lt"/>
-                <a:ea typeface="+mn-ea"/>
-                <a:cs typeface="+mn-cs"/>
-              </a:defRPr>
-            </a:lvl1pPr>
-            <a:lvl2pPr marL="640080" indent="-246888" algn="l" rtl="0" eaLnBrk="1" latinLnBrk="0" hangingPunct="1">
-              <a:spcBef>
-                <a:spcPct val="20000"/>
-              </a:spcBef>
-              <a:buClrTx/>
-              <a:buSzPct val="85000"/>
-              <a:buFont typeface="Courier New" pitchFamily="49" charset="0"/>
-              <a:buChar char="o"/>
-              <a:defRPr kumimoji="0" sz="2600" kern="1200">
-                <a:solidFill>
-                  <a:schemeClr val="tx1"/>
-                </a:solidFill>
-                <a:latin typeface="+mn-lt"/>
-                <a:ea typeface="+mn-ea"/>
-                <a:cs typeface="+mn-cs"/>
-              </a:defRPr>
-            </a:lvl2pPr>
-            <a:lvl3pPr marL="914400" indent="-246888" algn="l" rtl="0" eaLnBrk="1" latinLnBrk="0" hangingPunct="1">
-              <a:spcBef>
-                <a:spcPct val="20000"/>
-              </a:spcBef>
-              <a:buClrTx/>
-              <a:buSzPct val="70000"/>
-              <a:buFont typeface="Wingdings 2"/>
-              <a:buChar char=""/>
-              <a:defRPr kumimoji="0" sz="2400" kern="1200">
-                <a:solidFill>
-                  <a:schemeClr val="tx1"/>
-                </a:solidFill>
-                <a:latin typeface="+mn-lt"/>
-                <a:ea typeface="+mn-ea"/>
-                <a:cs typeface="+mn-cs"/>
-              </a:defRPr>
-            </a:lvl3pPr>
-            <a:lvl4pPr marL="1188720" indent="-210312" algn="l" rtl="0" eaLnBrk="1" latinLnBrk="0" hangingPunct="1">
-              <a:spcBef>
-                <a:spcPct val="20000"/>
-              </a:spcBef>
-              <a:buClrTx/>
-              <a:buSzPct val="65000"/>
-              <a:buFont typeface="Wingdings 2"/>
-              <a:buChar char=""/>
-              <a:defRPr kumimoji="0" sz="2000" kern="1200">
-                <a:solidFill>
-                  <a:schemeClr val="tx1"/>
-                </a:solidFill>
-                <a:latin typeface="+mn-lt"/>
-                <a:ea typeface="+mn-ea"/>
-                <a:cs typeface="+mn-cs"/>
-              </a:defRPr>
-            </a:lvl4pPr>
-            <a:lvl5pPr marL="1463040" indent="-210312" algn="l" rtl="0" eaLnBrk="1" latinLnBrk="0" hangingPunct="1">
-              <a:spcBef>
-                <a:spcPct val="20000"/>
-              </a:spcBef>
-              <a:buClrTx/>
-              <a:buSzPct val="65000"/>
-              <a:buFont typeface="Wingdings 2"/>
-              <a:buChar char=""/>
-              <a:defRPr kumimoji="0" sz="1800" kern="1200">
-                <a:solidFill>
-                  <a:schemeClr val="tx1"/>
-                </a:solidFill>
-                <a:latin typeface="+mn-lt"/>
-                <a:ea typeface="+mn-ea"/>
-                <a:cs typeface="+mn-cs"/>
-              </a:defRPr>
-            </a:lvl5pPr>
-            <a:lvl6pPr marL="1737360" indent="-210312" algn="l" rtl="0" eaLnBrk="1" latinLnBrk="0" hangingPunct="1">
-              <a:spcBef>
-                <a:spcPct val="20000"/>
-              </a:spcBef>
-              <a:buClr>
-                <a:schemeClr val="accent5"/>
-              </a:buClr>
-              <a:buSzPct val="80000"/>
-              <a:buFont typeface="Wingdings 2"/>
-              <a:buChar char=""/>
-              <a:defRPr kumimoji="0" sz="1800" kern="1200">
-                <a:solidFill>
-                  <a:schemeClr val="tx1"/>
-                </a:solidFill>
-                <a:latin typeface="+mn-lt"/>
-                <a:ea typeface="+mn-ea"/>
-                <a:cs typeface="+mn-cs"/>
-              </a:defRPr>
-            </a:lvl6pPr>
-            <a:lvl7pPr marL="1920240" indent="-182880" algn="l" rtl="0" eaLnBrk="1" latinLnBrk="0" hangingPunct="1">
-              <a:spcBef>
-                <a:spcPct val="20000"/>
-              </a:spcBef>
-              <a:buClr>
-                <a:schemeClr val="accent6"/>
-              </a:buClr>
-              <a:buSzPct val="80000"/>
-              <a:buFont typeface="Wingdings 2"/>
-              <a:buChar char=""/>
-              <a:defRPr kumimoji="0" sz="1600" kern="1200" baseline="0">
-                <a:solidFill>
-                  <a:schemeClr val="tx1"/>
-                </a:solidFill>
-                <a:latin typeface="+mn-lt"/>
-                <a:ea typeface="+mn-ea"/>
-                <a:cs typeface="+mn-cs"/>
-              </a:defRPr>
-            </a:lvl7pPr>
-            <a:lvl8pPr marL="2194560" indent="-182880" algn="l" rtl="0" eaLnBrk="1" latinLnBrk="0" hangingPunct="1">
-              <a:spcBef>
-                <a:spcPct val="20000"/>
-              </a:spcBef>
-              <a:buClr>
-                <a:schemeClr val="tx2"/>
-              </a:buClr>
-              <a:buChar char="•"/>
-              <a:defRPr kumimoji="0" sz="1600" kern="1200">
-                <a:solidFill>
-                  <a:schemeClr val="tx1"/>
-                </a:solidFill>
-                <a:latin typeface="+mn-lt"/>
-                <a:ea typeface="+mn-ea"/>
-                <a:cs typeface="+mn-cs"/>
-              </a:defRPr>
-            </a:lvl8pPr>
-            <a:lvl9pPr marL="2468880" indent="-182880" algn="l" rtl="0" eaLnBrk="1" latinLnBrk="0" hangingPunct="1">
-              <a:spcBef>
-                <a:spcPct val="20000"/>
-              </a:spcBef>
-              <a:buClr>
-                <a:schemeClr val="tx2"/>
-              </a:buClr>
-              <a:buFontTx/>
-              <a:buChar char="•"/>
-              <a:defRPr kumimoji="0" sz="1400" kern="1200" baseline="0">
-                <a:solidFill>
-                  <a:schemeClr val="tx1"/>
-                </a:solidFill>
-                <a:latin typeface="+mn-lt"/>
-                <a:ea typeface="+mn-ea"/>
-                <a:cs typeface="+mn-cs"/>
-              </a:defRPr>
-            </a:lvl9pPr>
-          </a:lstStyle>
-          <a:p>
-            <a:r>
-              <a:rPr lang="it-IT" b="1" dirty="0" err="1" smtClean="0"/>
-              <a:t>protected</a:t>
-            </a:r>
-            <a:r>
-              <a:rPr lang="it-IT" b="1" dirty="0" smtClean="0"/>
-              <a:t> Assegnazione[] </a:t>
-            </a:r>
-            <a:r>
-              <a:rPr lang="it-IT" b="1" dirty="0" err="1" smtClean="0"/>
-              <a:t>creaAssegnazioni</a:t>
-            </a:r>
-            <a:r>
-              <a:rPr lang="it-IT" b="1" dirty="0" smtClean="0"/>
-              <a:t>(B </a:t>
-            </a:r>
-            <a:r>
-              <a:rPr lang="it-IT" b="1" dirty="0" err="1" smtClean="0"/>
-              <a:t>bean</a:t>
-            </a:r>
-            <a:r>
-              <a:rPr lang="it-IT" b="1" dirty="0" smtClean="0"/>
-              <a:t>)</a:t>
-            </a:r>
-            <a:r>
-              <a:rPr lang="it-IT" dirty="0" smtClean="0"/>
-              <a:t/>
-            </a:r>
-            <a:br>
-              <a:rPr lang="it-IT" dirty="0" smtClean="0"/>
-            </a:br>
-            <a:r>
-              <a:rPr lang="it-IT" dirty="0" smtClean="0"/>
-              <a:t>Metodo utilizzato dagli altri metodi di </a:t>
-            </a:r>
-            <a:r>
-              <a:rPr lang="it-IT" dirty="0" err="1" smtClean="0"/>
-              <a:t>DBBeans</a:t>
-            </a:r>
-            <a:r>
-              <a:rPr lang="it-IT" dirty="0" smtClean="0"/>
-              <a:t> per ricavare le assegnazioni predefinite relativamente a un </a:t>
-            </a:r>
-            <a:r>
-              <a:rPr lang="it-IT" dirty="0" err="1" smtClean="0"/>
-              <a:t>bean</a:t>
-            </a:r>
-            <a:r>
-              <a:rPr lang="it-IT" dirty="0" smtClean="0"/>
-              <a:t>.</a:t>
-            </a:r>
-            <a:br>
-              <a:rPr lang="it-IT" dirty="0" smtClean="0"/>
-            </a:br>
-            <a:r>
-              <a:rPr lang="it-IT" dirty="0" smtClean="0"/>
-              <a:t>Nella sua implementazione predefinita, questo metodo restituisce sempre </a:t>
-            </a:r>
-            <a:r>
-              <a:rPr lang="it-IT" dirty="0" err="1" smtClean="0">
-                <a:hlinkClick r:id="rId2"/>
-              </a:rPr>
-              <a:t>NESSUNA_ASSEGNAZIONE</a:t>
-            </a:r>
-            <a:r>
-              <a:rPr lang="it-IT" dirty="0" smtClean="0"/>
-              <a:t>. Le classi estendenti possono sovrascrivere questo metodo per indicare in modo comodo delle assegnazioni predefinite per tutti i metodi di modifica della base di dati.</a:t>
-            </a:r>
-          </a:p>
-          <a:p>
-            <a:endParaRPr lang="it-IT" dirty="0" smtClean="0"/>
-          </a:p>
-        </p:txBody>
-      </p:sp>
-    </p:spTree>
-    <p:extLst>
-      <p:ext uri="{BB962C8B-B14F-4D97-AF65-F5344CB8AC3E}">
-        <p14:creationId xmlns:p14="http://schemas.microsoft.com/office/powerpoint/2010/main" val="3983798097"/>
-      </p:ext>
-    </p:extLst>
-  </p:cSld>
-  <p:clrMapOvr>
-    <a:masterClrMapping/>
-  </p:clrMapOvr>
-  <mc:AlternateContent xmlns:mc="http://schemas.openxmlformats.org/markup-compatibility/2006" xmlns:p14="http://schemas.microsoft.com/office/powerpoint/2010/main">
-    <mc:Choice Requires="p14">
-      <p:transition spd="slow" p14:dur="2000"/>
-    </mc:Choice>
-    <mc:Fallback xmlns="">
-      <p:transition xmlns:p14="http://schemas.microsoft.com/office/powerpoint/2010/main" spd="slow"/>
-    </mc:Fallback>
-  </mc:AlternateContent>
-  <p:timing>
-    <p:tnLst>
-      <p:par>
-        <p:cTn xmlns:p14="http://schemas.microsoft.com/office/powerpoint/2010/main" id="1" dur="indefinite" restart="never" nodeType="tmRoot"/>
-      </p:par>
-    </p:tnLst>
-  </p:timing>
-</p:sld>
-</file>
-
-<file path=ppt/slides/slide72.xml><?xml version="1.0" encoding="utf-8"?>
 <p:sld xmlns:a="http://schemas.openxmlformats.org/drawingml/2006/main" xmlns:r="http://schemas.openxmlformats.org/officeDocument/2006/relationships" xmlns:p="http://schemas.openxmlformats.org/presentationml/2006/main">
   <p:cSld>
     <p:spTree>
@@ -25850,7 +25303,7 @@
           <a:blip r:embed="rId2">
             <a:extLst>
               <a:ext uri="{28A0092B-C50C-407E-A947-70E740481C1C}">
-                <a14:useLocalDpi xmlns:a14="http://schemas.microsoft.com/office/drawing/2010/main" val="0"/>
+                <a14:useLocalDpi xmlns:a14="http://schemas.microsoft.com/office/drawing/2010/main" xmlns="" val="0"/>
               </a:ext>
             </a:extLst>
           </a:blip>
@@ -25870,7 +25323,7 @@
           <a:noFill/>
           <a:extLst>
             <a:ext uri="{909E8E84-426E-40dd-AFC4-6F175D3DCCD1}">
-              <a14:hiddenFill xmlns:a14="http://schemas.microsoft.com/office/drawing/2010/main">
+              <a14:hiddenFill xmlns:a14="http://schemas.microsoft.com/office/drawing/2010/main" xmlns="">
                 <a:solidFill>
                   <a:srgbClr val="FFFFFF"/>
                 </a:solidFill>
@@ -25953,32 +25406,32 @@
     </p:spTree>
     <p:extLst>
       <p:ext uri="{BB962C8B-B14F-4D97-AF65-F5344CB8AC3E}">
-        <p14:creationId xmlns:p14="http://schemas.microsoft.com/office/powerpoint/2010/main" val="2717568001"/>
+        <p14:creationId xmlns:p14="http://schemas.microsoft.com/office/powerpoint/2010/main" xmlns="" val="2717568001"/>
       </p:ext>
     </p:extLst>
   </p:cSld>
   <p:clrMapOvr>
     <a:masterClrMapping/>
   </p:clrMapOvr>
-  <mc:AlternateContent xmlns:mc="http://schemas.openxmlformats.org/markup-compatibility/2006" xmlns:p14="http://schemas.microsoft.com/office/powerpoint/2010/main">
-    <mc:Choice Requires="p14">
+  <mc:AlternateContent xmlns:mc="http://schemas.openxmlformats.org/markup-compatibility/2006">
+    <mc:Choice xmlns:p14="http://schemas.microsoft.com/office/powerpoint/2010/main" xmlns="" Requires="p14">
       <p:transition spd="slow" p14:dur="2000"/>
     </mc:Choice>
-    <mc:Fallback xmlns="">
+    <mc:Fallback>
       <p:transition spd="slow"/>
     </mc:Fallback>
   </mc:AlternateContent>
   <p:timing>
     <p:tnLst>
       <p:par>
-        <p:cTn xmlns:p14="http://schemas.microsoft.com/office/powerpoint/2010/main" id="1" dur="indefinite" restart="never" nodeType="tmRoot"/>
+        <p:cTn id="1" dur="indefinite" restart="never" nodeType="tmRoot"/>
       </p:par>
     </p:tnLst>
   </p:timing>
 </p:sld>
 </file>
 
-<file path=ppt/slides/slide73.xml><?xml version="1.0" encoding="utf-8"?>
+<file path=ppt/slides/slide72.xml><?xml version="1.0" encoding="utf-8"?>
 <p:sld xmlns:a="http://schemas.openxmlformats.org/drawingml/2006/main" xmlns:r="http://schemas.openxmlformats.org/officeDocument/2006/relationships" xmlns:p="http://schemas.openxmlformats.org/presentationml/2006/main">
   <p:cSld>
     <p:spTree>
@@ -26276,32 +25729,32 @@
     </p:spTree>
     <p:extLst>
       <p:ext uri="{BB962C8B-B14F-4D97-AF65-F5344CB8AC3E}">
-        <p14:creationId xmlns:p14="http://schemas.microsoft.com/office/powerpoint/2010/main" val="1555637301"/>
+        <p14:creationId xmlns:p14="http://schemas.microsoft.com/office/powerpoint/2010/main" xmlns="" val="1555637301"/>
       </p:ext>
     </p:extLst>
   </p:cSld>
   <p:clrMapOvr>
     <a:masterClrMapping/>
   </p:clrMapOvr>
-  <mc:AlternateContent xmlns:mc="http://schemas.openxmlformats.org/markup-compatibility/2006" xmlns:p14="http://schemas.microsoft.com/office/powerpoint/2010/main">
-    <mc:Choice Requires="p14">
+  <mc:AlternateContent xmlns:mc="http://schemas.openxmlformats.org/markup-compatibility/2006">
+    <mc:Choice xmlns:p14="http://schemas.microsoft.com/office/powerpoint/2010/main" xmlns="" Requires="p14">
       <p:transition spd="slow" p14:dur="2000"/>
     </mc:Choice>
-    <mc:Fallback xmlns="">
+    <mc:Fallback>
       <p:transition spd="slow"/>
     </mc:Fallback>
   </mc:AlternateContent>
   <p:timing>
     <p:tnLst>
       <p:par>
-        <p:cTn xmlns:p14="http://schemas.microsoft.com/office/powerpoint/2010/main" id="1" dur="indefinite" restart="never" nodeType="tmRoot"/>
+        <p:cTn id="1" dur="indefinite" restart="never" nodeType="tmRoot"/>
       </p:par>
     </p:tnLst>
   </p:timing>
 </p:sld>
 </file>
 
-<file path=ppt/slides/slide74.xml><?xml version="1.0" encoding="utf-8"?>
+<file path=ppt/slides/slide73.xml><?xml version="1.0" encoding="utf-8"?>
 <p:sld xmlns:a="http://schemas.openxmlformats.org/drawingml/2006/main" xmlns:r="http://schemas.openxmlformats.org/officeDocument/2006/relationships" xmlns:p="http://schemas.openxmlformats.org/presentationml/2006/main">
   <p:cSld>
     <p:spTree>
@@ -26579,32 +26032,32 @@
     </p:spTree>
     <p:extLst>
       <p:ext uri="{BB962C8B-B14F-4D97-AF65-F5344CB8AC3E}">
-        <p14:creationId xmlns:p14="http://schemas.microsoft.com/office/powerpoint/2010/main" val="153595167"/>
+        <p14:creationId xmlns:p14="http://schemas.microsoft.com/office/powerpoint/2010/main" xmlns="" val="153595167"/>
       </p:ext>
     </p:extLst>
   </p:cSld>
   <p:clrMapOvr>
     <a:masterClrMapping/>
   </p:clrMapOvr>
-  <mc:AlternateContent xmlns:mc="http://schemas.openxmlformats.org/markup-compatibility/2006" xmlns:p14="http://schemas.microsoft.com/office/powerpoint/2010/main">
-    <mc:Choice Requires="p14">
+  <mc:AlternateContent xmlns:mc="http://schemas.openxmlformats.org/markup-compatibility/2006">
+    <mc:Choice xmlns:p14="http://schemas.microsoft.com/office/powerpoint/2010/main" xmlns="" Requires="p14">
       <p:transition spd="slow" p14:dur="2000"/>
     </mc:Choice>
-    <mc:Fallback xmlns="">
+    <mc:Fallback>
       <p:transition spd="slow"/>
     </mc:Fallback>
   </mc:AlternateContent>
   <p:timing>
     <p:tnLst>
       <p:par>
-        <p:cTn xmlns:p14="http://schemas.microsoft.com/office/powerpoint/2010/main" id="1" dur="indefinite" restart="never" nodeType="tmRoot"/>
+        <p:cTn id="1" dur="indefinite" restart="never" nodeType="tmRoot"/>
       </p:par>
     </p:tnLst>
   </p:timing>
 </p:sld>
 </file>
 
-<file path=ppt/slides/slide75.xml><?xml version="1.0" encoding="utf-8"?>
+<file path=ppt/slides/slide74.xml><?xml version="1.0" encoding="utf-8"?>
 <p:sld xmlns:a="http://schemas.openxmlformats.org/drawingml/2006/main" xmlns:r="http://schemas.openxmlformats.org/officeDocument/2006/relationships" xmlns:p="http://schemas.openxmlformats.org/presentationml/2006/main">
   <p:cSld>
     <p:spTree>
@@ -26967,32 +26420,32 @@
     </p:spTree>
     <p:extLst>
       <p:ext uri="{BB962C8B-B14F-4D97-AF65-F5344CB8AC3E}">
-        <p14:creationId xmlns:p14="http://schemas.microsoft.com/office/powerpoint/2010/main" val="1207000413"/>
+        <p14:creationId xmlns:p14="http://schemas.microsoft.com/office/powerpoint/2010/main" xmlns="" val="1207000413"/>
       </p:ext>
     </p:extLst>
   </p:cSld>
   <p:clrMapOvr>
     <a:masterClrMapping/>
   </p:clrMapOvr>
-  <mc:AlternateContent xmlns:mc="http://schemas.openxmlformats.org/markup-compatibility/2006" xmlns:p14="http://schemas.microsoft.com/office/powerpoint/2010/main">
-    <mc:Choice Requires="p14">
+  <mc:AlternateContent xmlns:mc="http://schemas.openxmlformats.org/markup-compatibility/2006">
+    <mc:Choice xmlns:p14="http://schemas.microsoft.com/office/powerpoint/2010/main" xmlns="" Requires="p14">
       <p:transition spd="slow" p14:dur="2000"/>
     </mc:Choice>
-    <mc:Fallback xmlns="">
+    <mc:Fallback>
       <p:transition spd="slow"/>
     </mc:Fallback>
   </mc:AlternateContent>
   <p:timing>
     <p:tnLst>
       <p:par>
-        <p:cTn xmlns:p14="http://schemas.microsoft.com/office/powerpoint/2010/main" id="1" dur="indefinite" restart="never" nodeType="tmRoot"/>
+        <p:cTn id="1" dur="indefinite" restart="never" nodeType="tmRoot"/>
       </p:par>
     </p:tnLst>
   </p:timing>
 </p:sld>
 </file>
 
-<file path=ppt/slides/slide76.xml><?xml version="1.0" encoding="utf-8"?>
+<file path=ppt/slides/slide75.xml><?xml version="1.0" encoding="utf-8"?>
 <p:sld xmlns:a="http://schemas.openxmlformats.org/drawingml/2006/main" xmlns:r="http://schemas.openxmlformats.org/officeDocument/2006/relationships" xmlns:p="http://schemas.openxmlformats.org/presentationml/2006/main">
   <p:cSld>
     <p:spTree>
@@ -27431,32 +26884,32 @@
     </p:spTree>
     <p:extLst>
       <p:ext uri="{BB962C8B-B14F-4D97-AF65-F5344CB8AC3E}">
-        <p14:creationId xmlns:p14="http://schemas.microsoft.com/office/powerpoint/2010/main" val="4036776562"/>
+        <p14:creationId xmlns:p14="http://schemas.microsoft.com/office/powerpoint/2010/main" xmlns="" val="4036776562"/>
       </p:ext>
     </p:extLst>
   </p:cSld>
   <p:clrMapOvr>
     <a:masterClrMapping/>
   </p:clrMapOvr>
-  <mc:AlternateContent xmlns:mc="http://schemas.openxmlformats.org/markup-compatibility/2006" xmlns:p14="http://schemas.microsoft.com/office/powerpoint/2010/main">
-    <mc:Choice Requires="p14">
+  <mc:AlternateContent xmlns:mc="http://schemas.openxmlformats.org/markup-compatibility/2006">
+    <mc:Choice xmlns:p14="http://schemas.microsoft.com/office/powerpoint/2010/main" xmlns="" Requires="p14">
       <p:transition spd="slow" p14:dur="2000"/>
     </mc:Choice>
-    <mc:Fallback xmlns="">
+    <mc:Fallback>
       <p:transition spd="slow"/>
     </mc:Fallback>
   </mc:AlternateContent>
   <p:timing>
     <p:tnLst>
       <p:par>
-        <p:cTn xmlns:p14="http://schemas.microsoft.com/office/powerpoint/2010/main" id="1" dur="indefinite" restart="never" nodeType="tmRoot"/>
+        <p:cTn id="1" dur="indefinite" restart="never" nodeType="tmRoot"/>
       </p:par>
     </p:tnLst>
   </p:timing>
 </p:sld>
 </file>
 
-<file path=ppt/slides/slide77.xml><?xml version="1.0" encoding="utf-8"?>
+<file path=ppt/slides/slide76.xml><?xml version="1.0" encoding="utf-8"?>
 <p:sld xmlns:a="http://schemas.openxmlformats.org/drawingml/2006/main" xmlns:r="http://schemas.openxmlformats.org/officeDocument/2006/relationships" xmlns:p="http://schemas.openxmlformats.org/presentationml/2006/main">
   <p:cSld>
     <p:spTree>
@@ -27768,32 +27221,32 @@
     </p:spTree>
     <p:extLst>
       <p:ext uri="{BB962C8B-B14F-4D97-AF65-F5344CB8AC3E}">
-        <p14:creationId xmlns:p14="http://schemas.microsoft.com/office/powerpoint/2010/main" val="337469732"/>
+        <p14:creationId xmlns:p14="http://schemas.microsoft.com/office/powerpoint/2010/main" xmlns="" val="337469732"/>
       </p:ext>
     </p:extLst>
   </p:cSld>
   <p:clrMapOvr>
     <a:masterClrMapping/>
   </p:clrMapOvr>
-  <mc:AlternateContent xmlns:mc="http://schemas.openxmlformats.org/markup-compatibility/2006" xmlns:p14="http://schemas.microsoft.com/office/powerpoint/2010/main">
-    <mc:Choice Requires="p14">
+  <mc:AlternateContent xmlns:mc="http://schemas.openxmlformats.org/markup-compatibility/2006">
+    <mc:Choice xmlns:p14="http://schemas.microsoft.com/office/powerpoint/2010/main" xmlns="" Requires="p14">
       <p:transition spd="slow" p14:dur="2000"/>
     </mc:Choice>
-    <mc:Fallback xmlns="">
+    <mc:Fallback>
       <p:transition spd="slow"/>
     </mc:Fallback>
   </mc:AlternateContent>
   <p:timing>
     <p:tnLst>
       <p:par>
-        <p:cTn xmlns:p14="http://schemas.microsoft.com/office/powerpoint/2010/main" id="1" dur="indefinite" restart="never" nodeType="tmRoot"/>
+        <p:cTn id="1" dur="indefinite" restart="never" nodeType="tmRoot"/>
       </p:par>
     </p:tnLst>
   </p:timing>
 </p:sld>
 </file>
 
-<file path=ppt/slides/slide78.xml><?xml version="1.0" encoding="utf-8"?>
+<file path=ppt/slides/slide77.xml><?xml version="1.0" encoding="utf-8"?>
 <p:sld xmlns:a="http://schemas.openxmlformats.org/drawingml/2006/main" xmlns:r="http://schemas.openxmlformats.org/officeDocument/2006/relationships" xmlns:p="http://schemas.openxmlformats.org/presentationml/2006/main">
   <p:cSld>
     <p:spTree>
@@ -28175,32 +27628,32 @@
     </p:spTree>
     <p:extLst>
       <p:ext uri="{BB962C8B-B14F-4D97-AF65-F5344CB8AC3E}">
-        <p14:creationId xmlns:p14="http://schemas.microsoft.com/office/powerpoint/2010/main" val="3236710676"/>
+        <p14:creationId xmlns:p14="http://schemas.microsoft.com/office/powerpoint/2010/main" xmlns="" val="3236710676"/>
       </p:ext>
     </p:extLst>
   </p:cSld>
   <p:clrMapOvr>
     <a:masterClrMapping/>
   </p:clrMapOvr>
-  <mc:AlternateContent xmlns:mc="http://schemas.openxmlformats.org/markup-compatibility/2006" xmlns:p14="http://schemas.microsoft.com/office/powerpoint/2010/main">
-    <mc:Choice Requires="p14">
+  <mc:AlternateContent xmlns:mc="http://schemas.openxmlformats.org/markup-compatibility/2006">
+    <mc:Choice xmlns:p14="http://schemas.microsoft.com/office/powerpoint/2010/main" xmlns="" Requires="p14">
       <p:transition spd="slow" p14:dur="2000"/>
     </mc:Choice>
-    <mc:Fallback xmlns="">
+    <mc:Fallback>
       <p:transition spd="slow"/>
     </mc:Fallback>
   </mc:AlternateContent>
   <p:timing>
     <p:tnLst>
       <p:par>
-        <p:cTn xmlns:p14="http://schemas.microsoft.com/office/powerpoint/2010/main" id="1" dur="indefinite" restart="never" nodeType="tmRoot"/>
+        <p:cTn id="1" dur="indefinite" restart="never" nodeType="tmRoot"/>
       </p:par>
     </p:tnLst>
   </p:timing>
 </p:sld>
 </file>
 
-<file path=ppt/slides/slide79.xml><?xml version="1.0" encoding="utf-8"?>
+<file path=ppt/slides/slide78.xml><?xml version="1.0" encoding="utf-8"?>
 <p:sld xmlns:a="http://schemas.openxmlformats.org/drawingml/2006/main" xmlns:r="http://schemas.openxmlformats.org/officeDocument/2006/relationships" xmlns:p="http://schemas.openxmlformats.org/presentationml/2006/main">
   <p:cSld>
     <p:spTree>
@@ -28479,25 +27932,392 @@
     </p:spTree>
     <p:extLst>
       <p:ext uri="{BB962C8B-B14F-4D97-AF65-F5344CB8AC3E}">
-        <p14:creationId xmlns:p14="http://schemas.microsoft.com/office/powerpoint/2010/main" val="3693237381"/>
+        <p14:creationId xmlns:p14="http://schemas.microsoft.com/office/powerpoint/2010/main" xmlns="" val="3693237381"/>
       </p:ext>
     </p:extLst>
   </p:cSld>
   <p:clrMapOvr>
     <a:masterClrMapping/>
   </p:clrMapOvr>
-  <mc:AlternateContent xmlns:mc="http://schemas.openxmlformats.org/markup-compatibility/2006" xmlns:p14="http://schemas.microsoft.com/office/powerpoint/2010/main">
-    <mc:Choice Requires="p14">
+  <mc:AlternateContent xmlns:mc="http://schemas.openxmlformats.org/markup-compatibility/2006">
+    <mc:Choice xmlns:p14="http://schemas.microsoft.com/office/powerpoint/2010/main" xmlns="" Requires="p14">
       <p:transition spd="slow" p14:dur="2000"/>
     </mc:Choice>
-    <mc:Fallback xmlns="">
+    <mc:Fallback>
       <p:transition spd="slow"/>
     </mc:Fallback>
   </mc:AlternateContent>
   <p:timing>
     <p:tnLst>
       <p:par>
-        <p:cTn xmlns:p14="http://schemas.microsoft.com/office/powerpoint/2010/main" id="1" dur="indefinite" restart="never" nodeType="tmRoot"/>
+        <p:cTn id="1" dur="indefinite" restart="never" nodeType="tmRoot"/>
+      </p:par>
+    </p:tnLst>
+  </p:timing>
+</p:sld>
+</file>
+
+<file path=ppt/slides/slide79.xml><?xml version="1.0" encoding="utf-8"?>
+<p:sld xmlns:a="http://schemas.openxmlformats.org/drawingml/2006/main" xmlns:r="http://schemas.openxmlformats.org/officeDocument/2006/relationships" xmlns:p="http://schemas.openxmlformats.org/presentationml/2006/main">
+  <p:cSld>
+    <p:spTree>
+      <p:nvGrpSpPr>
+        <p:cNvPr id="1" name=""/>
+        <p:cNvGrpSpPr/>
+        <p:nvPr/>
+      </p:nvGrpSpPr>
+      <p:grpSpPr>
+        <a:xfrm>
+          <a:off x="0" y="0"/>
+          <a:ext cx="0" cy="0"/>
+          <a:chOff x="0" y="0"/>
+          <a:chExt cx="0" cy="0"/>
+        </a:xfrm>
+      </p:grpSpPr>
+      <p:sp>
+        <p:nvSpPr>
+          <p:cNvPr id="2" name="CasellaDiTesto 1"/>
+          <p:cNvSpPr txBox="1"/>
+          <p:nvPr/>
+        </p:nvSpPr>
+        <p:spPr>
+          <a:xfrm>
+            <a:off x="3177606" y="476672"/>
+            <a:ext cx="3103734" cy="1538883"/>
+          </a:xfrm>
+          <a:prstGeom prst="rect">
+            <a:avLst/>
+          </a:prstGeom>
+          <a:noFill/>
+        </p:spPr>
+        <p:txBody>
+          <a:bodyPr wrap="none" rtlCol="0">
+            <a:spAutoFit/>
+          </a:bodyPr>
+          <a:lstStyle/>
+          <a:p>
+            <a:pPr algn="ctr"/>
+            <a:r>
+              <a:rPr lang="it-IT" sz="4800" b="1" dirty="0" smtClean="0">
+                <a:latin typeface="+mj-lt"/>
+              </a:rPr>
+              <a:t>Application</a:t>
+            </a:r>
+          </a:p>
+          <a:p>
+            <a:pPr algn="ctr"/>
+            <a:r>
+              <a:rPr lang="it-IT" sz="2800" b="1" dirty="0" err="1" smtClean="0">
+                <a:latin typeface="+mj-lt"/>
+              </a:rPr>
+              <a:t>Step</a:t>
+            </a:r>
+            <a:r>
+              <a:rPr lang="it-IT" sz="2800" b="1" dirty="0" smtClean="0">
+                <a:latin typeface="+mj-lt"/>
+              </a:rPr>
+              <a:t> Iscrizione</a:t>
+            </a:r>
+          </a:p>
+          <a:p>
+            <a:pPr algn="ctr"/>
+            <a:endParaRPr lang="it-IT" dirty="0">
+              <a:latin typeface="+mj-lt"/>
+            </a:endParaRPr>
+          </a:p>
+        </p:txBody>
+      </p:sp>
+      <p:sp>
+        <p:nvSpPr>
+          <p:cNvPr id="9" name="Content Placeholder 3"/>
+          <p:cNvSpPr txBox="1">
+            <a:spLocks/>
+          </p:cNvSpPr>
+          <p:nvPr/>
+        </p:nvSpPr>
+        <p:spPr>
+          <a:xfrm>
+            <a:off x="251520" y="1988840"/>
+            <a:ext cx="8424936" cy="4248472"/>
+          </a:xfrm>
+          <a:prstGeom prst="rect">
+            <a:avLst/>
+          </a:prstGeom>
+        </p:spPr>
+        <p:txBody>
+          <a:bodyPr tIns="0"/>
+          <a:lstStyle>
+            <a:lvl1pPr marL="274320" indent="-274320" algn="l" rtl="0" eaLnBrk="1" latinLnBrk="0" hangingPunct="1">
+              <a:spcBef>
+                <a:spcPct val="20000"/>
+              </a:spcBef>
+              <a:buClrTx/>
+              <a:buSzPct val="95000"/>
+              <a:buFont typeface="Wingdings" pitchFamily="2" charset="2"/>
+              <a:buChar char="v"/>
+              <a:defRPr kumimoji="0" sz="2800" kern="1200">
+                <a:solidFill>
+                  <a:schemeClr val="tx1"/>
+                </a:solidFill>
+                <a:latin typeface="+mn-lt"/>
+                <a:ea typeface="+mn-ea"/>
+                <a:cs typeface="+mn-cs"/>
+              </a:defRPr>
+            </a:lvl1pPr>
+            <a:lvl2pPr marL="640080" indent="-246888" algn="l" rtl="0" eaLnBrk="1" latinLnBrk="0" hangingPunct="1">
+              <a:spcBef>
+                <a:spcPct val="20000"/>
+              </a:spcBef>
+              <a:buClrTx/>
+              <a:buSzPct val="85000"/>
+              <a:buFont typeface="Courier New" pitchFamily="49" charset="0"/>
+              <a:buChar char="o"/>
+              <a:defRPr kumimoji="0" sz="2600" kern="1200">
+                <a:solidFill>
+                  <a:schemeClr val="tx1"/>
+                </a:solidFill>
+                <a:latin typeface="+mn-lt"/>
+                <a:ea typeface="+mn-ea"/>
+                <a:cs typeface="+mn-cs"/>
+              </a:defRPr>
+            </a:lvl2pPr>
+            <a:lvl3pPr marL="914400" indent="-246888" algn="l" rtl="0" eaLnBrk="1" latinLnBrk="0" hangingPunct="1">
+              <a:spcBef>
+                <a:spcPct val="20000"/>
+              </a:spcBef>
+              <a:buClrTx/>
+              <a:buSzPct val="70000"/>
+              <a:buFont typeface="Wingdings 2"/>
+              <a:buChar char=""/>
+              <a:defRPr kumimoji="0" sz="2400" kern="1200">
+                <a:solidFill>
+                  <a:schemeClr val="tx1"/>
+                </a:solidFill>
+                <a:latin typeface="+mn-lt"/>
+                <a:ea typeface="+mn-ea"/>
+                <a:cs typeface="+mn-cs"/>
+              </a:defRPr>
+            </a:lvl3pPr>
+            <a:lvl4pPr marL="1188720" indent="-210312" algn="l" rtl="0" eaLnBrk="1" latinLnBrk="0" hangingPunct="1">
+              <a:spcBef>
+                <a:spcPct val="20000"/>
+              </a:spcBef>
+              <a:buClrTx/>
+              <a:buSzPct val="65000"/>
+              <a:buFont typeface="Wingdings 2"/>
+              <a:buChar char=""/>
+              <a:defRPr kumimoji="0" sz="2000" kern="1200">
+                <a:solidFill>
+                  <a:schemeClr val="tx1"/>
+                </a:solidFill>
+                <a:latin typeface="+mn-lt"/>
+                <a:ea typeface="+mn-ea"/>
+                <a:cs typeface="+mn-cs"/>
+              </a:defRPr>
+            </a:lvl4pPr>
+            <a:lvl5pPr marL="1463040" indent="-210312" algn="l" rtl="0" eaLnBrk="1" latinLnBrk="0" hangingPunct="1">
+              <a:spcBef>
+                <a:spcPct val="20000"/>
+              </a:spcBef>
+              <a:buClrTx/>
+              <a:buSzPct val="65000"/>
+              <a:buFont typeface="Wingdings 2"/>
+              <a:buChar char=""/>
+              <a:defRPr kumimoji="0" sz="1800" kern="1200">
+                <a:solidFill>
+                  <a:schemeClr val="tx1"/>
+                </a:solidFill>
+                <a:latin typeface="+mn-lt"/>
+                <a:ea typeface="+mn-ea"/>
+                <a:cs typeface="+mn-cs"/>
+              </a:defRPr>
+            </a:lvl5pPr>
+            <a:lvl6pPr marL="1737360" indent="-210312" algn="l" rtl="0" eaLnBrk="1" latinLnBrk="0" hangingPunct="1">
+              <a:spcBef>
+                <a:spcPct val="20000"/>
+              </a:spcBef>
+              <a:buClr>
+                <a:schemeClr val="accent5"/>
+              </a:buClr>
+              <a:buSzPct val="80000"/>
+              <a:buFont typeface="Wingdings 2"/>
+              <a:buChar char=""/>
+              <a:defRPr kumimoji="0" sz="1800" kern="1200">
+                <a:solidFill>
+                  <a:schemeClr val="tx1"/>
+                </a:solidFill>
+                <a:latin typeface="+mn-lt"/>
+                <a:ea typeface="+mn-ea"/>
+                <a:cs typeface="+mn-cs"/>
+              </a:defRPr>
+            </a:lvl6pPr>
+            <a:lvl7pPr marL="1920240" indent="-182880" algn="l" rtl="0" eaLnBrk="1" latinLnBrk="0" hangingPunct="1">
+              <a:spcBef>
+                <a:spcPct val="20000"/>
+              </a:spcBef>
+              <a:buClr>
+                <a:schemeClr val="accent6"/>
+              </a:buClr>
+              <a:buSzPct val="80000"/>
+              <a:buFont typeface="Wingdings 2"/>
+              <a:buChar char=""/>
+              <a:defRPr kumimoji="0" sz="1600" kern="1200" baseline="0">
+                <a:solidFill>
+                  <a:schemeClr val="tx1"/>
+                </a:solidFill>
+                <a:latin typeface="+mn-lt"/>
+                <a:ea typeface="+mn-ea"/>
+                <a:cs typeface="+mn-cs"/>
+              </a:defRPr>
+            </a:lvl7pPr>
+            <a:lvl8pPr marL="2194560" indent="-182880" algn="l" rtl="0" eaLnBrk="1" latinLnBrk="0" hangingPunct="1">
+              <a:spcBef>
+                <a:spcPct val="20000"/>
+              </a:spcBef>
+              <a:buClr>
+                <a:schemeClr val="tx2"/>
+              </a:buClr>
+              <a:buChar char="•"/>
+              <a:defRPr kumimoji="0" sz="1600" kern="1200">
+                <a:solidFill>
+                  <a:schemeClr val="tx1"/>
+                </a:solidFill>
+                <a:latin typeface="+mn-lt"/>
+                <a:ea typeface="+mn-ea"/>
+                <a:cs typeface="+mn-cs"/>
+              </a:defRPr>
+            </a:lvl8pPr>
+            <a:lvl9pPr marL="2468880" indent="-182880" algn="l" rtl="0" eaLnBrk="1" latinLnBrk="0" hangingPunct="1">
+              <a:spcBef>
+                <a:spcPct val="20000"/>
+              </a:spcBef>
+              <a:buClr>
+                <a:schemeClr val="tx2"/>
+              </a:buClr>
+              <a:buFontTx/>
+              <a:buChar char="•"/>
+              <a:defRPr kumimoji="0" sz="1400" kern="1200" baseline="0">
+                <a:solidFill>
+                  <a:schemeClr val="tx1"/>
+                </a:solidFill>
+                <a:latin typeface="+mn-lt"/>
+                <a:ea typeface="+mn-ea"/>
+                <a:cs typeface="+mn-cs"/>
+              </a:defRPr>
+            </a:lvl9pPr>
+          </a:lstStyle>
+          <a:p>
+            <a:r>
+              <a:rPr lang="it-IT" dirty="0" smtClean="0"/>
+              <a:t>Solo dopo aver completato gli </a:t>
+            </a:r>
+            <a:r>
+              <a:rPr lang="it-IT" dirty="0" err="1" smtClean="0"/>
+              <a:t>step</a:t>
+            </a:r>
+            <a:r>
+              <a:rPr lang="it-IT" dirty="0" smtClean="0"/>
+              <a:t> dell’iscrizione è possibile presentare una </a:t>
+            </a:r>
+            <a:r>
+              <a:rPr lang="it-IT" b="1" dirty="0" smtClean="0"/>
+              <a:t>domanda di iscrizione </a:t>
+            </a:r>
+            <a:r>
+              <a:rPr lang="it-IT" dirty="0" smtClean="0"/>
+              <a:t>di un bambino all’asilo, divisa in due fasi:</a:t>
+            </a:r>
+          </a:p>
+          <a:p>
+            <a:pPr lvl="1"/>
+            <a:r>
+              <a:rPr lang="it-IT" dirty="0" smtClean="0"/>
+              <a:t>La </a:t>
+            </a:r>
+            <a:r>
+              <a:rPr lang="it-IT" b="1" dirty="0" smtClean="0"/>
+              <a:t>prima fase </a:t>
+            </a:r>
+            <a:r>
+              <a:rPr lang="it-IT" dirty="0" smtClean="0"/>
+              <a:t>viene effettuata </a:t>
+            </a:r>
+            <a:r>
+              <a:rPr lang="it-IT" b="1" dirty="0" smtClean="0"/>
+              <a:t>prima</a:t>
+            </a:r>
+            <a:r>
+              <a:rPr lang="it-IT" dirty="0" smtClean="0"/>
+              <a:t> della pubblicazione delle graduatorie, quando il bando è ancora aperto</a:t>
+            </a:r>
+          </a:p>
+          <a:p>
+            <a:pPr lvl="1"/>
+            <a:r>
+              <a:rPr lang="it-IT" dirty="0" smtClean="0"/>
+              <a:t>La </a:t>
+            </a:r>
+            <a:r>
+              <a:rPr lang="it-IT" b="1" dirty="0" smtClean="0"/>
+              <a:t>seconda fase </a:t>
+            </a:r>
+            <a:r>
+              <a:rPr lang="it-IT" dirty="0" smtClean="0"/>
+              <a:t>viene effettuata </a:t>
+            </a:r>
+            <a:r>
+              <a:rPr lang="it-IT" b="1" dirty="0" smtClean="0"/>
+              <a:t>dopo</a:t>
+            </a:r>
+            <a:r>
+              <a:rPr lang="it-IT" dirty="0" smtClean="0"/>
+              <a:t> la pubblicazione delle graduatorie, per inserire i dati che servono a completare la domanda di iscrizione</a:t>
+            </a:r>
+          </a:p>
+          <a:p>
+            <a:pPr marL="0" lvl="1">
+              <a:spcBef>
+                <a:spcPts val="0"/>
+              </a:spcBef>
+              <a:buNone/>
+            </a:pPr>
+            <a:r>
+              <a:rPr lang="it-IT" dirty="0" smtClean="0"/>
+              <a:t>E possibile, inoltre, conoscerne lo </a:t>
+            </a:r>
+            <a:r>
+              <a:rPr lang="it-IT" b="1" dirty="0" smtClean="0"/>
+              <a:t>stato</a:t>
+            </a:r>
+            <a:r>
+              <a:rPr lang="it-IT" dirty="0" smtClean="0"/>
+              <a:t> per avere sempre un feedback riguardo la situazione di una domanda di iscrizione.</a:t>
+            </a:r>
+          </a:p>
+        </p:txBody>
+      </p:sp>
+    </p:spTree>
+    <p:extLst>
+      <p:ext uri="{BB962C8B-B14F-4D97-AF65-F5344CB8AC3E}">
+        <p14:creationId xmlns:p14="http://schemas.microsoft.com/office/powerpoint/2010/main" xmlns="" val="1322575969"/>
+      </p:ext>
+    </p:extLst>
+  </p:cSld>
+  <p:clrMapOvr>
+    <a:masterClrMapping/>
+  </p:clrMapOvr>
+  <mc:AlternateContent xmlns:mc="http://schemas.openxmlformats.org/markup-compatibility/2006">
+    <mc:Choice xmlns:p14="http://schemas.microsoft.com/office/powerpoint/2010/main" xmlns="" Requires="p14">
+      <p:transition spd="slow" p14:dur="2000"/>
+    </mc:Choice>
+    <mc:Fallback>
+      <p:transition spd="slow"/>
+    </mc:Fallback>
+  </mc:AlternateContent>
+  <p:timing>
+    <p:tnLst>
+      <p:par>
+        <p:cTn id="1" dur="indefinite" restart="never" nodeType="tmRoot"/>
       </p:par>
     </p:tnLst>
   </p:timing>
@@ -28848,25 +28668,25 @@
     </p:spTree>
     <p:extLst>
       <p:ext uri="{BB962C8B-B14F-4D97-AF65-F5344CB8AC3E}">
-        <p14:creationId xmlns:p14="http://schemas.microsoft.com/office/powerpoint/2010/main" val="3678400164"/>
+        <p14:creationId xmlns:p14="http://schemas.microsoft.com/office/powerpoint/2010/main" xmlns="" val="3678400164"/>
       </p:ext>
     </p:extLst>
   </p:cSld>
   <p:clrMapOvr>
     <a:masterClrMapping/>
   </p:clrMapOvr>
-  <mc:AlternateContent xmlns:mc="http://schemas.openxmlformats.org/markup-compatibility/2006" xmlns:p14="http://schemas.microsoft.com/office/powerpoint/2010/main">
-    <mc:Choice Requires="p14">
+  <mc:AlternateContent xmlns:mc="http://schemas.openxmlformats.org/markup-compatibility/2006">
+    <mc:Choice xmlns:p14="http://schemas.microsoft.com/office/powerpoint/2010/main" xmlns="" Requires="p14">
       <p:transition spd="slow" p14:dur="2000"/>
     </mc:Choice>
-    <mc:Fallback xmlns="">
+    <mc:Fallback>
       <p:transition spd="slow"/>
     </mc:Fallback>
   </mc:AlternateContent>
   <p:timing>
     <p:tnLst>
       <p:par>
-        <p:cTn xmlns:p14="http://schemas.microsoft.com/office/powerpoint/2010/main" id="1" dur="indefinite" restart="never" nodeType="tmRoot"/>
+        <p:cTn id="1" dur="indefinite" restart="never" nodeType="tmRoot"/>
       </p:par>
     </p:tnLst>
   </p:timing>
@@ -28874,373 +28694,6 @@
 </file>
 
 <file path=ppt/slides/slide80.xml><?xml version="1.0" encoding="utf-8"?>
-<p:sld xmlns:a="http://schemas.openxmlformats.org/drawingml/2006/main" xmlns:r="http://schemas.openxmlformats.org/officeDocument/2006/relationships" xmlns:p="http://schemas.openxmlformats.org/presentationml/2006/main">
-  <p:cSld>
-    <p:spTree>
-      <p:nvGrpSpPr>
-        <p:cNvPr id="1" name=""/>
-        <p:cNvGrpSpPr/>
-        <p:nvPr/>
-      </p:nvGrpSpPr>
-      <p:grpSpPr>
-        <a:xfrm>
-          <a:off x="0" y="0"/>
-          <a:ext cx="0" cy="0"/>
-          <a:chOff x="0" y="0"/>
-          <a:chExt cx="0" cy="0"/>
-        </a:xfrm>
-      </p:grpSpPr>
-      <p:sp>
-        <p:nvSpPr>
-          <p:cNvPr id="2" name="CasellaDiTesto 1"/>
-          <p:cNvSpPr txBox="1"/>
-          <p:nvPr/>
-        </p:nvSpPr>
-        <p:spPr>
-          <a:xfrm>
-            <a:off x="3177606" y="476672"/>
-            <a:ext cx="3103734" cy="1538883"/>
-          </a:xfrm>
-          <a:prstGeom prst="rect">
-            <a:avLst/>
-          </a:prstGeom>
-          <a:noFill/>
-        </p:spPr>
-        <p:txBody>
-          <a:bodyPr wrap="none" rtlCol="0">
-            <a:spAutoFit/>
-          </a:bodyPr>
-          <a:lstStyle/>
-          <a:p>
-            <a:pPr algn="ctr"/>
-            <a:r>
-              <a:rPr lang="it-IT" sz="4800" b="1" dirty="0" smtClean="0">
-                <a:latin typeface="+mj-lt"/>
-              </a:rPr>
-              <a:t>Application</a:t>
-            </a:r>
-          </a:p>
-          <a:p>
-            <a:pPr algn="ctr"/>
-            <a:r>
-              <a:rPr lang="it-IT" sz="2800" b="1" dirty="0" err="1" smtClean="0">
-                <a:latin typeface="+mj-lt"/>
-              </a:rPr>
-              <a:t>Step</a:t>
-            </a:r>
-            <a:r>
-              <a:rPr lang="it-IT" sz="2800" b="1" dirty="0" smtClean="0">
-                <a:latin typeface="+mj-lt"/>
-              </a:rPr>
-              <a:t> Iscrizione</a:t>
-            </a:r>
-          </a:p>
-          <a:p>
-            <a:pPr algn="ctr"/>
-            <a:endParaRPr lang="it-IT" dirty="0">
-              <a:latin typeface="+mj-lt"/>
-            </a:endParaRPr>
-          </a:p>
-        </p:txBody>
-      </p:sp>
-      <p:sp>
-        <p:nvSpPr>
-          <p:cNvPr id="9" name="Content Placeholder 3"/>
-          <p:cNvSpPr txBox="1">
-            <a:spLocks/>
-          </p:cNvSpPr>
-          <p:nvPr/>
-        </p:nvSpPr>
-        <p:spPr>
-          <a:xfrm>
-            <a:off x="251520" y="1988840"/>
-            <a:ext cx="8424936" cy="4248472"/>
-          </a:xfrm>
-          <a:prstGeom prst="rect">
-            <a:avLst/>
-          </a:prstGeom>
-        </p:spPr>
-        <p:txBody>
-          <a:bodyPr tIns="0"/>
-          <a:lstStyle>
-            <a:lvl1pPr marL="274320" indent="-274320" algn="l" rtl="0" eaLnBrk="1" latinLnBrk="0" hangingPunct="1">
-              <a:spcBef>
-                <a:spcPct val="20000"/>
-              </a:spcBef>
-              <a:buClrTx/>
-              <a:buSzPct val="95000"/>
-              <a:buFont typeface="Wingdings" pitchFamily="2" charset="2"/>
-              <a:buChar char="v"/>
-              <a:defRPr kumimoji="0" sz="2800" kern="1200">
-                <a:solidFill>
-                  <a:schemeClr val="tx1"/>
-                </a:solidFill>
-                <a:latin typeface="+mn-lt"/>
-                <a:ea typeface="+mn-ea"/>
-                <a:cs typeface="+mn-cs"/>
-              </a:defRPr>
-            </a:lvl1pPr>
-            <a:lvl2pPr marL="640080" indent="-246888" algn="l" rtl="0" eaLnBrk="1" latinLnBrk="0" hangingPunct="1">
-              <a:spcBef>
-                <a:spcPct val="20000"/>
-              </a:spcBef>
-              <a:buClrTx/>
-              <a:buSzPct val="85000"/>
-              <a:buFont typeface="Courier New" pitchFamily="49" charset="0"/>
-              <a:buChar char="o"/>
-              <a:defRPr kumimoji="0" sz="2600" kern="1200">
-                <a:solidFill>
-                  <a:schemeClr val="tx1"/>
-                </a:solidFill>
-                <a:latin typeface="+mn-lt"/>
-                <a:ea typeface="+mn-ea"/>
-                <a:cs typeface="+mn-cs"/>
-              </a:defRPr>
-            </a:lvl2pPr>
-            <a:lvl3pPr marL="914400" indent="-246888" algn="l" rtl="0" eaLnBrk="1" latinLnBrk="0" hangingPunct="1">
-              <a:spcBef>
-                <a:spcPct val="20000"/>
-              </a:spcBef>
-              <a:buClrTx/>
-              <a:buSzPct val="70000"/>
-              <a:buFont typeface="Wingdings 2"/>
-              <a:buChar char=""/>
-              <a:defRPr kumimoji="0" sz="2400" kern="1200">
-                <a:solidFill>
-                  <a:schemeClr val="tx1"/>
-                </a:solidFill>
-                <a:latin typeface="+mn-lt"/>
-                <a:ea typeface="+mn-ea"/>
-                <a:cs typeface="+mn-cs"/>
-              </a:defRPr>
-            </a:lvl3pPr>
-            <a:lvl4pPr marL="1188720" indent="-210312" algn="l" rtl="0" eaLnBrk="1" latinLnBrk="0" hangingPunct="1">
-              <a:spcBef>
-                <a:spcPct val="20000"/>
-              </a:spcBef>
-              <a:buClrTx/>
-              <a:buSzPct val="65000"/>
-              <a:buFont typeface="Wingdings 2"/>
-              <a:buChar char=""/>
-              <a:defRPr kumimoji="0" sz="2000" kern="1200">
-                <a:solidFill>
-                  <a:schemeClr val="tx1"/>
-                </a:solidFill>
-                <a:latin typeface="+mn-lt"/>
-                <a:ea typeface="+mn-ea"/>
-                <a:cs typeface="+mn-cs"/>
-              </a:defRPr>
-            </a:lvl4pPr>
-            <a:lvl5pPr marL="1463040" indent="-210312" algn="l" rtl="0" eaLnBrk="1" latinLnBrk="0" hangingPunct="1">
-              <a:spcBef>
-                <a:spcPct val="20000"/>
-              </a:spcBef>
-              <a:buClrTx/>
-              <a:buSzPct val="65000"/>
-              <a:buFont typeface="Wingdings 2"/>
-              <a:buChar char=""/>
-              <a:defRPr kumimoji="0" sz="1800" kern="1200">
-                <a:solidFill>
-                  <a:schemeClr val="tx1"/>
-                </a:solidFill>
-                <a:latin typeface="+mn-lt"/>
-                <a:ea typeface="+mn-ea"/>
-                <a:cs typeface="+mn-cs"/>
-              </a:defRPr>
-            </a:lvl5pPr>
-            <a:lvl6pPr marL="1737360" indent="-210312" algn="l" rtl="0" eaLnBrk="1" latinLnBrk="0" hangingPunct="1">
-              <a:spcBef>
-                <a:spcPct val="20000"/>
-              </a:spcBef>
-              <a:buClr>
-                <a:schemeClr val="accent5"/>
-              </a:buClr>
-              <a:buSzPct val="80000"/>
-              <a:buFont typeface="Wingdings 2"/>
-              <a:buChar char=""/>
-              <a:defRPr kumimoji="0" sz="1800" kern="1200">
-                <a:solidFill>
-                  <a:schemeClr val="tx1"/>
-                </a:solidFill>
-                <a:latin typeface="+mn-lt"/>
-                <a:ea typeface="+mn-ea"/>
-                <a:cs typeface="+mn-cs"/>
-              </a:defRPr>
-            </a:lvl6pPr>
-            <a:lvl7pPr marL="1920240" indent="-182880" algn="l" rtl="0" eaLnBrk="1" latinLnBrk="0" hangingPunct="1">
-              <a:spcBef>
-                <a:spcPct val="20000"/>
-              </a:spcBef>
-              <a:buClr>
-                <a:schemeClr val="accent6"/>
-              </a:buClr>
-              <a:buSzPct val="80000"/>
-              <a:buFont typeface="Wingdings 2"/>
-              <a:buChar char=""/>
-              <a:defRPr kumimoji="0" sz="1600" kern="1200" baseline="0">
-                <a:solidFill>
-                  <a:schemeClr val="tx1"/>
-                </a:solidFill>
-                <a:latin typeface="+mn-lt"/>
-                <a:ea typeface="+mn-ea"/>
-                <a:cs typeface="+mn-cs"/>
-              </a:defRPr>
-            </a:lvl7pPr>
-            <a:lvl8pPr marL="2194560" indent="-182880" algn="l" rtl="0" eaLnBrk="1" latinLnBrk="0" hangingPunct="1">
-              <a:spcBef>
-                <a:spcPct val="20000"/>
-              </a:spcBef>
-              <a:buClr>
-                <a:schemeClr val="tx2"/>
-              </a:buClr>
-              <a:buChar char="•"/>
-              <a:defRPr kumimoji="0" sz="1600" kern="1200">
-                <a:solidFill>
-                  <a:schemeClr val="tx1"/>
-                </a:solidFill>
-                <a:latin typeface="+mn-lt"/>
-                <a:ea typeface="+mn-ea"/>
-                <a:cs typeface="+mn-cs"/>
-              </a:defRPr>
-            </a:lvl8pPr>
-            <a:lvl9pPr marL="2468880" indent="-182880" algn="l" rtl="0" eaLnBrk="1" latinLnBrk="0" hangingPunct="1">
-              <a:spcBef>
-                <a:spcPct val="20000"/>
-              </a:spcBef>
-              <a:buClr>
-                <a:schemeClr val="tx2"/>
-              </a:buClr>
-              <a:buFontTx/>
-              <a:buChar char="•"/>
-              <a:defRPr kumimoji="0" sz="1400" kern="1200" baseline="0">
-                <a:solidFill>
-                  <a:schemeClr val="tx1"/>
-                </a:solidFill>
-                <a:latin typeface="+mn-lt"/>
-                <a:ea typeface="+mn-ea"/>
-                <a:cs typeface="+mn-cs"/>
-              </a:defRPr>
-            </a:lvl9pPr>
-          </a:lstStyle>
-          <a:p>
-            <a:r>
-              <a:rPr lang="it-IT" dirty="0" smtClean="0"/>
-              <a:t>Solo dopo aver completato gli </a:t>
-            </a:r>
-            <a:r>
-              <a:rPr lang="it-IT" dirty="0" err="1" smtClean="0"/>
-              <a:t>step</a:t>
-            </a:r>
-            <a:r>
-              <a:rPr lang="it-IT" dirty="0" smtClean="0"/>
-              <a:t> dell’iscrizione è possibile presentare una </a:t>
-            </a:r>
-            <a:r>
-              <a:rPr lang="it-IT" b="1" dirty="0" smtClean="0"/>
-              <a:t>domanda di iscrizione </a:t>
-            </a:r>
-            <a:r>
-              <a:rPr lang="it-IT" dirty="0" smtClean="0"/>
-              <a:t>di un bambino all’asilo, divisa in due fasi:</a:t>
-            </a:r>
-          </a:p>
-          <a:p>
-            <a:pPr lvl="1"/>
-            <a:r>
-              <a:rPr lang="it-IT" dirty="0" smtClean="0"/>
-              <a:t>La </a:t>
-            </a:r>
-            <a:r>
-              <a:rPr lang="it-IT" b="1" dirty="0" smtClean="0"/>
-              <a:t>prima fase </a:t>
-            </a:r>
-            <a:r>
-              <a:rPr lang="it-IT" dirty="0" smtClean="0"/>
-              <a:t>viene effettuata </a:t>
-            </a:r>
-            <a:r>
-              <a:rPr lang="it-IT" b="1" dirty="0" smtClean="0"/>
-              <a:t>prima</a:t>
-            </a:r>
-            <a:r>
-              <a:rPr lang="it-IT" dirty="0" smtClean="0"/>
-              <a:t> della pubblicazione delle graduatorie, quando il bando è ancora aperto</a:t>
-            </a:r>
-          </a:p>
-          <a:p>
-            <a:pPr lvl="1"/>
-            <a:r>
-              <a:rPr lang="it-IT" dirty="0" smtClean="0"/>
-              <a:t>La </a:t>
-            </a:r>
-            <a:r>
-              <a:rPr lang="it-IT" b="1" dirty="0" smtClean="0"/>
-              <a:t>seconda fase </a:t>
-            </a:r>
-            <a:r>
-              <a:rPr lang="it-IT" dirty="0" smtClean="0"/>
-              <a:t>viene effettuata </a:t>
-            </a:r>
-            <a:r>
-              <a:rPr lang="it-IT" b="1" dirty="0" smtClean="0"/>
-              <a:t>dopo</a:t>
-            </a:r>
-            <a:r>
-              <a:rPr lang="it-IT" dirty="0" smtClean="0"/>
-              <a:t> la pubblicazione delle graduatorie, per inserire i dati che servono a completare la domanda di iscrizione</a:t>
-            </a:r>
-          </a:p>
-          <a:p>
-            <a:pPr marL="0" lvl="1">
-              <a:spcBef>
-                <a:spcPts val="0"/>
-              </a:spcBef>
-              <a:buNone/>
-            </a:pPr>
-            <a:r>
-              <a:rPr lang="it-IT" dirty="0" smtClean="0"/>
-              <a:t>E possibile, inoltre, conoscerne lo </a:t>
-            </a:r>
-            <a:r>
-              <a:rPr lang="it-IT" b="1" dirty="0" smtClean="0"/>
-              <a:t>stato</a:t>
-            </a:r>
-            <a:r>
-              <a:rPr lang="it-IT" dirty="0" smtClean="0"/>
-              <a:t> per avere sempre un feedback riguardo la situazione di una domanda di iscrizione.</a:t>
-            </a:r>
-          </a:p>
-        </p:txBody>
-      </p:sp>
-    </p:spTree>
-    <p:extLst>
-      <p:ext uri="{BB962C8B-B14F-4D97-AF65-F5344CB8AC3E}">
-        <p14:creationId xmlns:p14="http://schemas.microsoft.com/office/powerpoint/2010/main" val="1322575969"/>
-      </p:ext>
-    </p:extLst>
-  </p:cSld>
-  <p:clrMapOvr>
-    <a:masterClrMapping/>
-  </p:clrMapOvr>
-  <mc:AlternateContent xmlns:mc="http://schemas.openxmlformats.org/markup-compatibility/2006" xmlns:p14="http://schemas.microsoft.com/office/powerpoint/2010/main">
-    <mc:Choice Requires="p14">
-      <p:transition spd="slow" p14:dur="2000"/>
-    </mc:Choice>
-    <mc:Fallback xmlns="">
-      <p:transition spd="slow"/>
-    </mc:Fallback>
-  </mc:AlternateContent>
-  <p:timing>
-    <p:tnLst>
-      <p:par>
-        <p:cTn xmlns:p14="http://schemas.microsoft.com/office/powerpoint/2010/main" id="1" dur="indefinite" restart="never" nodeType="tmRoot"/>
-      </p:par>
-    </p:tnLst>
-  </p:timing>
-</p:sld>
-</file>
-
-<file path=ppt/slides/slide81.xml><?xml version="1.0" encoding="utf-8"?>
 <p:sld xmlns:a="http://schemas.openxmlformats.org/drawingml/2006/main" xmlns:r="http://schemas.openxmlformats.org/officeDocument/2006/relationships" xmlns:p="http://schemas.openxmlformats.org/presentationml/2006/main">
   <p:cSld>
     <p:spTree>
@@ -29536,32 +28989,32 @@
     </p:spTree>
     <p:extLst>
       <p:ext uri="{BB962C8B-B14F-4D97-AF65-F5344CB8AC3E}">
-        <p14:creationId xmlns:p14="http://schemas.microsoft.com/office/powerpoint/2010/main" val="2407400706"/>
+        <p14:creationId xmlns:p14="http://schemas.microsoft.com/office/powerpoint/2010/main" xmlns="" val="2407400706"/>
       </p:ext>
     </p:extLst>
   </p:cSld>
   <p:clrMapOvr>
     <a:masterClrMapping/>
   </p:clrMapOvr>
-  <mc:AlternateContent xmlns:mc="http://schemas.openxmlformats.org/markup-compatibility/2006" xmlns:p14="http://schemas.microsoft.com/office/powerpoint/2010/main">
-    <mc:Choice Requires="p14">
+  <mc:AlternateContent xmlns:mc="http://schemas.openxmlformats.org/markup-compatibility/2006">
+    <mc:Choice xmlns:p14="http://schemas.microsoft.com/office/powerpoint/2010/main" xmlns="" Requires="p14">
       <p:transition spd="slow" p14:dur="2000"/>
     </mc:Choice>
-    <mc:Fallback xmlns="">
+    <mc:Fallback>
       <p:transition spd="slow"/>
     </mc:Fallback>
   </mc:AlternateContent>
   <p:timing>
     <p:tnLst>
       <p:par>
-        <p:cTn xmlns:p14="http://schemas.microsoft.com/office/powerpoint/2010/main" id="1" dur="indefinite" restart="never" nodeType="tmRoot"/>
+        <p:cTn id="1" dur="indefinite" restart="never" nodeType="tmRoot"/>
       </p:par>
     </p:tnLst>
   </p:timing>
 </p:sld>
 </file>
 
-<file path=ppt/slides/slide82.xml><?xml version="1.0" encoding="utf-8"?>
+<file path=ppt/slides/slide81.xml><?xml version="1.0" encoding="utf-8"?>
 <p:sld xmlns:a="http://schemas.openxmlformats.org/drawingml/2006/main" xmlns:r="http://schemas.openxmlformats.org/officeDocument/2006/relationships" xmlns:p="http://schemas.openxmlformats.org/presentationml/2006/main">
   <p:cSld>
     <p:spTree>
@@ -29845,32 +29298,32 @@
     </p:spTree>
     <p:extLst>
       <p:ext uri="{BB962C8B-B14F-4D97-AF65-F5344CB8AC3E}">
-        <p14:creationId xmlns:p14="http://schemas.microsoft.com/office/powerpoint/2010/main" val="2103203301"/>
+        <p14:creationId xmlns:p14="http://schemas.microsoft.com/office/powerpoint/2010/main" xmlns="" val="2103203301"/>
       </p:ext>
     </p:extLst>
   </p:cSld>
   <p:clrMapOvr>
     <a:masterClrMapping/>
   </p:clrMapOvr>
-  <mc:AlternateContent xmlns:mc="http://schemas.openxmlformats.org/markup-compatibility/2006" xmlns:p14="http://schemas.microsoft.com/office/powerpoint/2010/main">
-    <mc:Choice Requires="p14">
+  <mc:AlternateContent xmlns:mc="http://schemas.openxmlformats.org/markup-compatibility/2006">
+    <mc:Choice xmlns:p14="http://schemas.microsoft.com/office/powerpoint/2010/main" xmlns="" Requires="p14">
       <p:transition spd="slow" p14:dur="2000"/>
     </mc:Choice>
-    <mc:Fallback xmlns="">
+    <mc:Fallback>
       <p:transition spd="slow"/>
     </mc:Fallback>
   </mc:AlternateContent>
   <p:timing>
     <p:tnLst>
       <p:par>
-        <p:cTn xmlns:p14="http://schemas.microsoft.com/office/powerpoint/2010/main" id="1" dur="indefinite" restart="never" nodeType="tmRoot"/>
+        <p:cTn id="1" dur="indefinite" restart="never" nodeType="tmRoot"/>
       </p:par>
     </p:tnLst>
   </p:timing>
 </p:sld>
 </file>
 
-<file path=ppt/slides/slide83.xml><?xml version="1.0" encoding="utf-8"?>
+<file path=ppt/slides/slide82.xml><?xml version="1.0" encoding="utf-8"?>
 <p:sld xmlns:a="http://schemas.openxmlformats.org/drawingml/2006/main" xmlns:r="http://schemas.openxmlformats.org/officeDocument/2006/relationships" xmlns:p="http://schemas.openxmlformats.org/presentationml/2006/main">
   <p:cSld>
     <p:spTree>
@@ -30186,32 +29639,32 @@
     </p:spTree>
     <p:extLst>
       <p:ext uri="{BB962C8B-B14F-4D97-AF65-F5344CB8AC3E}">
-        <p14:creationId xmlns:p14="http://schemas.microsoft.com/office/powerpoint/2010/main" val="3631476854"/>
+        <p14:creationId xmlns:p14="http://schemas.microsoft.com/office/powerpoint/2010/main" xmlns="" val="3631476854"/>
       </p:ext>
     </p:extLst>
   </p:cSld>
   <p:clrMapOvr>
     <a:masterClrMapping/>
   </p:clrMapOvr>
-  <mc:AlternateContent xmlns:mc="http://schemas.openxmlformats.org/markup-compatibility/2006" xmlns:p14="http://schemas.microsoft.com/office/powerpoint/2010/main">
-    <mc:Choice Requires="p14">
+  <mc:AlternateContent xmlns:mc="http://schemas.openxmlformats.org/markup-compatibility/2006">
+    <mc:Choice xmlns:p14="http://schemas.microsoft.com/office/powerpoint/2010/main" xmlns="" Requires="p14">
       <p:transition spd="slow" p14:dur="2000"/>
     </mc:Choice>
-    <mc:Fallback xmlns="">
+    <mc:Fallback>
       <p:transition spd="slow"/>
     </mc:Fallback>
   </mc:AlternateContent>
   <p:timing>
     <p:tnLst>
       <p:par>
-        <p:cTn xmlns:p14="http://schemas.microsoft.com/office/powerpoint/2010/main" id="1" dur="indefinite" restart="never" nodeType="tmRoot"/>
+        <p:cTn id="1" dur="indefinite" restart="never" nodeType="tmRoot"/>
       </p:par>
     </p:tnLst>
   </p:timing>
 </p:sld>
 </file>
 
-<file path=ppt/slides/slide84.xml><?xml version="1.0" encoding="utf-8"?>
+<file path=ppt/slides/slide83.xml><?xml version="1.0" encoding="utf-8"?>
 <p:sld xmlns:a="http://schemas.openxmlformats.org/drawingml/2006/main" xmlns:r="http://schemas.openxmlformats.org/officeDocument/2006/relationships" xmlns:p="http://schemas.openxmlformats.org/presentationml/2006/main">
   <p:cSld>
     <p:spTree>
@@ -30560,25 +30013,363 @@
     </p:spTree>
     <p:extLst>
       <p:ext uri="{BB962C8B-B14F-4D97-AF65-F5344CB8AC3E}">
-        <p14:creationId xmlns:p14="http://schemas.microsoft.com/office/powerpoint/2010/main" val="437539396"/>
+        <p14:creationId xmlns:p14="http://schemas.microsoft.com/office/powerpoint/2010/main" xmlns="" val="437539396"/>
       </p:ext>
     </p:extLst>
   </p:cSld>
   <p:clrMapOvr>
     <a:masterClrMapping/>
   </p:clrMapOvr>
-  <mc:AlternateContent xmlns:mc="http://schemas.openxmlformats.org/markup-compatibility/2006" xmlns:p14="http://schemas.microsoft.com/office/powerpoint/2010/main">
-    <mc:Choice Requires="p14">
+  <mc:AlternateContent xmlns:mc="http://schemas.openxmlformats.org/markup-compatibility/2006">
+    <mc:Choice xmlns:p14="http://schemas.microsoft.com/office/powerpoint/2010/main" xmlns="" Requires="p14">
       <p:transition spd="slow" p14:dur="2000"/>
     </mc:Choice>
-    <mc:Fallback xmlns="">
+    <mc:Fallback>
       <p:transition spd="slow"/>
     </mc:Fallback>
   </mc:AlternateContent>
   <p:timing>
     <p:tnLst>
       <p:par>
-        <p:cTn xmlns:p14="http://schemas.microsoft.com/office/powerpoint/2010/main" id="1" dur="indefinite" restart="never" nodeType="tmRoot"/>
+        <p:cTn id="1" dur="indefinite" restart="never" nodeType="tmRoot"/>
+      </p:par>
+    </p:tnLst>
+  </p:timing>
+</p:sld>
+</file>
+
+<file path=ppt/slides/slide84.xml><?xml version="1.0" encoding="utf-8"?>
+<p:sld xmlns:a="http://schemas.openxmlformats.org/drawingml/2006/main" xmlns:r="http://schemas.openxmlformats.org/officeDocument/2006/relationships" xmlns:p="http://schemas.openxmlformats.org/presentationml/2006/main">
+  <p:cSld>
+    <p:spTree>
+      <p:nvGrpSpPr>
+        <p:cNvPr id="1" name=""/>
+        <p:cNvGrpSpPr/>
+        <p:nvPr/>
+      </p:nvGrpSpPr>
+      <p:grpSpPr>
+        <a:xfrm>
+          <a:off x="0" y="0"/>
+          <a:ext cx="0" cy="0"/>
+          <a:chOff x="0" y="0"/>
+          <a:chExt cx="0" cy="0"/>
+        </a:xfrm>
+      </p:grpSpPr>
+      <p:sp>
+        <p:nvSpPr>
+          <p:cNvPr id="2" name="CasellaDiTesto 1"/>
+          <p:cNvSpPr txBox="1"/>
+          <p:nvPr/>
+        </p:nvSpPr>
+        <p:spPr>
+          <a:xfrm>
+            <a:off x="3110921" y="476672"/>
+            <a:ext cx="3237105" cy="1538883"/>
+          </a:xfrm>
+          <a:prstGeom prst="rect">
+            <a:avLst/>
+          </a:prstGeom>
+          <a:noFill/>
+        </p:spPr>
+        <p:txBody>
+          <a:bodyPr wrap="none" rtlCol="0">
+            <a:spAutoFit/>
+          </a:bodyPr>
+          <a:lstStyle/>
+          <a:p>
+            <a:pPr algn="ctr"/>
+            <a:r>
+              <a:rPr lang="it-IT" sz="4800" b="1" dirty="0" err="1" smtClean="0">
+                <a:latin typeface="+mj-lt"/>
+              </a:rPr>
+              <a:t>Application</a:t>
+            </a:r>
+            <a:r>
+              <a:rPr lang="it-IT" sz="4800" b="1" dirty="0" smtClean="0">
+                <a:latin typeface="+mj-lt"/>
+              </a:rPr>
+              <a:t> </a:t>
+            </a:r>
+          </a:p>
+          <a:p>
+            <a:pPr algn="ctr"/>
+            <a:r>
+              <a:rPr lang="it-IT" sz="2800" b="1" dirty="0" smtClean="0">
+                <a:latin typeface="+mj-lt"/>
+              </a:rPr>
+              <a:t>Gestione Ricerca</a:t>
+            </a:r>
+          </a:p>
+          <a:p>
+            <a:pPr algn="ctr"/>
+            <a:endParaRPr lang="it-IT" dirty="0">
+              <a:latin typeface="+mj-lt"/>
+            </a:endParaRPr>
+          </a:p>
+        </p:txBody>
+      </p:sp>
+      <p:sp>
+        <p:nvSpPr>
+          <p:cNvPr id="4" name="Content Placeholder 3"/>
+          <p:cNvSpPr txBox="1">
+            <a:spLocks/>
+          </p:cNvSpPr>
+          <p:nvPr/>
+        </p:nvSpPr>
+        <p:spPr>
+          <a:xfrm>
+            <a:off x="539552" y="2420888"/>
+            <a:ext cx="8208912" cy="3865896"/>
+          </a:xfrm>
+          <a:prstGeom prst="rect">
+            <a:avLst/>
+          </a:prstGeom>
+        </p:spPr>
+        <p:txBody>
+          <a:bodyPr tIns="0"/>
+          <a:lstStyle>
+            <a:lvl1pPr marL="274320" indent="-274320" algn="l" rtl="0" eaLnBrk="1" latinLnBrk="0" hangingPunct="1">
+              <a:spcBef>
+                <a:spcPct val="20000"/>
+              </a:spcBef>
+              <a:buClrTx/>
+              <a:buSzPct val="95000"/>
+              <a:buFont typeface="Wingdings" pitchFamily="2" charset="2"/>
+              <a:buChar char="v"/>
+              <a:defRPr kumimoji="0" sz="2800" kern="1200">
+                <a:solidFill>
+                  <a:schemeClr val="tx1"/>
+                </a:solidFill>
+                <a:latin typeface="+mn-lt"/>
+                <a:ea typeface="+mn-ea"/>
+                <a:cs typeface="+mn-cs"/>
+              </a:defRPr>
+            </a:lvl1pPr>
+            <a:lvl2pPr marL="640080" indent="-246888" algn="l" rtl="0" eaLnBrk="1" latinLnBrk="0" hangingPunct="1">
+              <a:spcBef>
+                <a:spcPct val="20000"/>
+              </a:spcBef>
+              <a:buClrTx/>
+              <a:buSzPct val="85000"/>
+              <a:buFont typeface="Courier New" pitchFamily="49" charset="0"/>
+              <a:buChar char="o"/>
+              <a:defRPr kumimoji="0" sz="2600" kern="1200">
+                <a:solidFill>
+                  <a:schemeClr val="tx1"/>
+                </a:solidFill>
+                <a:latin typeface="+mn-lt"/>
+                <a:ea typeface="+mn-ea"/>
+                <a:cs typeface="+mn-cs"/>
+              </a:defRPr>
+            </a:lvl2pPr>
+            <a:lvl3pPr marL="914400" indent="-246888" algn="l" rtl="0" eaLnBrk="1" latinLnBrk="0" hangingPunct="1">
+              <a:spcBef>
+                <a:spcPct val="20000"/>
+              </a:spcBef>
+              <a:buClrTx/>
+              <a:buSzPct val="70000"/>
+              <a:buFont typeface="Wingdings 2"/>
+              <a:buChar char=""/>
+              <a:defRPr kumimoji="0" sz="2400" kern="1200">
+                <a:solidFill>
+                  <a:schemeClr val="tx1"/>
+                </a:solidFill>
+                <a:latin typeface="+mn-lt"/>
+                <a:ea typeface="+mn-ea"/>
+                <a:cs typeface="+mn-cs"/>
+              </a:defRPr>
+            </a:lvl3pPr>
+            <a:lvl4pPr marL="1188720" indent="-210312" algn="l" rtl="0" eaLnBrk="1" latinLnBrk="0" hangingPunct="1">
+              <a:spcBef>
+                <a:spcPct val="20000"/>
+              </a:spcBef>
+              <a:buClrTx/>
+              <a:buSzPct val="65000"/>
+              <a:buFont typeface="Wingdings 2"/>
+              <a:buChar char=""/>
+              <a:defRPr kumimoji="0" sz="2000" kern="1200">
+                <a:solidFill>
+                  <a:schemeClr val="tx1"/>
+                </a:solidFill>
+                <a:latin typeface="+mn-lt"/>
+                <a:ea typeface="+mn-ea"/>
+                <a:cs typeface="+mn-cs"/>
+              </a:defRPr>
+            </a:lvl4pPr>
+            <a:lvl5pPr marL="1463040" indent="-210312" algn="l" rtl="0" eaLnBrk="1" latinLnBrk="0" hangingPunct="1">
+              <a:spcBef>
+                <a:spcPct val="20000"/>
+              </a:spcBef>
+              <a:buClrTx/>
+              <a:buSzPct val="65000"/>
+              <a:buFont typeface="Wingdings 2"/>
+              <a:buChar char=""/>
+              <a:defRPr kumimoji="0" sz="1800" kern="1200">
+                <a:solidFill>
+                  <a:schemeClr val="tx1"/>
+                </a:solidFill>
+                <a:latin typeface="+mn-lt"/>
+                <a:ea typeface="+mn-ea"/>
+                <a:cs typeface="+mn-cs"/>
+              </a:defRPr>
+            </a:lvl5pPr>
+            <a:lvl6pPr marL="1737360" indent="-210312" algn="l" rtl="0" eaLnBrk="1" latinLnBrk="0" hangingPunct="1">
+              <a:spcBef>
+                <a:spcPct val="20000"/>
+              </a:spcBef>
+              <a:buClr>
+                <a:schemeClr val="accent5"/>
+              </a:buClr>
+              <a:buSzPct val="80000"/>
+              <a:buFont typeface="Wingdings 2"/>
+              <a:buChar char=""/>
+              <a:defRPr kumimoji="0" sz="1800" kern="1200">
+                <a:solidFill>
+                  <a:schemeClr val="tx1"/>
+                </a:solidFill>
+                <a:latin typeface="+mn-lt"/>
+                <a:ea typeface="+mn-ea"/>
+                <a:cs typeface="+mn-cs"/>
+              </a:defRPr>
+            </a:lvl6pPr>
+            <a:lvl7pPr marL="1920240" indent="-182880" algn="l" rtl="0" eaLnBrk="1" latinLnBrk="0" hangingPunct="1">
+              <a:spcBef>
+                <a:spcPct val="20000"/>
+              </a:spcBef>
+              <a:buClr>
+                <a:schemeClr val="accent6"/>
+              </a:buClr>
+              <a:buSzPct val="80000"/>
+              <a:buFont typeface="Wingdings 2"/>
+              <a:buChar char=""/>
+              <a:defRPr kumimoji="0" sz="1600" kern="1200" baseline="0">
+                <a:solidFill>
+                  <a:schemeClr val="tx1"/>
+                </a:solidFill>
+                <a:latin typeface="+mn-lt"/>
+                <a:ea typeface="+mn-ea"/>
+                <a:cs typeface="+mn-cs"/>
+              </a:defRPr>
+            </a:lvl7pPr>
+            <a:lvl8pPr marL="2194560" indent="-182880" algn="l" rtl="0" eaLnBrk="1" latinLnBrk="0" hangingPunct="1">
+              <a:spcBef>
+                <a:spcPct val="20000"/>
+              </a:spcBef>
+              <a:buClr>
+                <a:schemeClr val="tx2"/>
+              </a:buClr>
+              <a:buChar char="•"/>
+              <a:defRPr kumimoji="0" sz="1600" kern="1200">
+                <a:solidFill>
+                  <a:schemeClr val="tx1"/>
+                </a:solidFill>
+                <a:latin typeface="+mn-lt"/>
+                <a:ea typeface="+mn-ea"/>
+                <a:cs typeface="+mn-cs"/>
+              </a:defRPr>
+            </a:lvl8pPr>
+            <a:lvl9pPr marL="2468880" indent="-182880" algn="l" rtl="0" eaLnBrk="1" latinLnBrk="0" hangingPunct="1">
+              <a:spcBef>
+                <a:spcPct val="20000"/>
+              </a:spcBef>
+              <a:buClr>
+                <a:schemeClr val="tx2"/>
+              </a:buClr>
+              <a:buFontTx/>
+              <a:buChar char="•"/>
+              <a:defRPr kumimoji="0" sz="1400" kern="1200" baseline="0">
+                <a:solidFill>
+                  <a:schemeClr val="tx1"/>
+                </a:solidFill>
+                <a:latin typeface="+mn-lt"/>
+                <a:ea typeface="+mn-ea"/>
+                <a:cs typeface="+mn-cs"/>
+              </a:defRPr>
+            </a:lvl9pPr>
+          </a:lstStyle>
+          <a:p>
+            <a:pPr marL="0" indent="0">
+              <a:buNone/>
+            </a:pPr>
+            <a:r>
+              <a:rPr lang="it-IT" dirty="0" smtClean="0"/>
+              <a:t>La </a:t>
+            </a:r>
+            <a:r>
+              <a:rPr lang="it-IT" b="1" dirty="0" smtClean="0"/>
+              <a:t>Gestione Ricerca </a:t>
+            </a:r>
+            <a:r>
+              <a:rPr lang="it-IT" dirty="0" smtClean="0"/>
+              <a:t>si occupa di gestire la </a:t>
+            </a:r>
+            <a:r>
+              <a:rPr lang="it-IT" b="1" dirty="0" smtClean="0"/>
+              <a:t>ricerca</a:t>
+            </a:r>
+            <a:r>
+              <a:rPr lang="it-IT" dirty="0" smtClean="0"/>
+              <a:t> all’interno del sistema, effettuata </a:t>
+            </a:r>
+            <a:r>
+              <a:rPr lang="it-IT" b="1" dirty="0" smtClean="0"/>
+              <a:t>da</a:t>
+            </a:r>
+            <a:r>
+              <a:rPr lang="it-IT" dirty="0" smtClean="0"/>
+              <a:t> varie tipologie di utenza </a:t>
+            </a:r>
+            <a:r>
+              <a:rPr lang="it-IT" b="1" dirty="0" smtClean="0"/>
+              <a:t>su</a:t>
+            </a:r>
+            <a:r>
+              <a:rPr lang="it-IT" dirty="0" smtClean="0"/>
+              <a:t> varie tipologie di utenza, basandosi su alcuni criteri di visualizzazione.</a:t>
+            </a:r>
+          </a:p>
+          <a:p>
+            <a:pPr marL="0" indent="0">
+              <a:buNone/>
+            </a:pPr>
+            <a:endParaRPr lang="it-IT" dirty="0" smtClean="0"/>
+          </a:p>
+          <a:p>
+            <a:pPr marL="0" indent="0">
+              <a:buNone/>
+            </a:pPr>
+            <a:endParaRPr lang="it-IT" dirty="0" smtClean="0"/>
+          </a:p>
+          <a:p>
+            <a:pPr marL="0" indent="0">
+              <a:buNone/>
+            </a:pPr>
+            <a:endParaRPr lang="en-US" dirty="0"/>
+          </a:p>
+        </p:txBody>
+      </p:sp>
+    </p:spTree>
+    <p:extLst>
+      <p:ext uri="{BB962C8B-B14F-4D97-AF65-F5344CB8AC3E}">
+        <p14:creationId xmlns:p14="http://schemas.microsoft.com/office/powerpoint/2010/main" xmlns="" val="2054322940"/>
+      </p:ext>
+    </p:extLst>
+  </p:cSld>
+  <p:clrMapOvr>
+    <a:masterClrMapping/>
+  </p:clrMapOvr>
+  <mc:AlternateContent xmlns:mc="http://schemas.openxmlformats.org/markup-compatibility/2006">
+    <mc:Choice xmlns:p14="http://schemas.microsoft.com/office/powerpoint/2010/main" xmlns="" Requires="p14">
+      <p:transition spd="slow" p14:dur="2000"/>
+    </mc:Choice>
+    <mc:Fallback>
+      <p:transition spd="slow"/>
+    </mc:Fallback>
+  </mc:AlternateContent>
+  <p:timing>
+    <p:tnLst>
+      <p:par>
+        <p:cTn id="1" dur="indefinite" restart="never" nodeType="tmRoot"/>
       </p:par>
     </p:tnLst>
   </p:timing>
@@ -30641,344 +30432,6 @@
           <a:p>
             <a:pPr algn="ctr"/>
             <a:r>
-              <a:rPr lang="it-IT" sz="2800" b="1" dirty="0" smtClean="0">
-                <a:latin typeface="+mj-lt"/>
-              </a:rPr>
-              <a:t>Gestione Ricerca</a:t>
-            </a:r>
-          </a:p>
-          <a:p>
-            <a:pPr algn="ctr"/>
-            <a:endParaRPr lang="it-IT" dirty="0">
-              <a:latin typeface="+mj-lt"/>
-            </a:endParaRPr>
-          </a:p>
-        </p:txBody>
-      </p:sp>
-      <p:sp>
-        <p:nvSpPr>
-          <p:cNvPr id="4" name="Content Placeholder 3"/>
-          <p:cNvSpPr txBox="1">
-            <a:spLocks/>
-          </p:cNvSpPr>
-          <p:nvPr/>
-        </p:nvSpPr>
-        <p:spPr>
-          <a:xfrm>
-            <a:off x="539552" y="2420888"/>
-            <a:ext cx="8208912" cy="3865896"/>
-          </a:xfrm>
-          <a:prstGeom prst="rect">
-            <a:avLst/>
-          </a:prstGeom>
-        </p:spPr>
-        <p:txBody>
-          <a:bodyPr tIns="0"/>
-          <a:lstStyle>
-            <a:lvl1pPr marL="274320" indent="-274320" algn="l" rtl="0" eaLnBrk="1" latinLnBrk="0" hangingPunct="1">
-              <a:spcBef>
-                <a:spcPct val="20000"/>
-              </a:spcBef>
-              <a:buClrTx/>
-              <a:buSzPct val="95000"/>
-              <a:buFont typeface="Wingdings" pitchFamily="2" charset="2"/>
-              <a:buChar char="v"/>
-              <a:defRPr kumimoji="0" sz="2800" kern="1200">
-                <a:solidFill>
-                  <a:schemeClr val="tx1"/>
-                </a:solidFill>
-                <a:latin typeface="+mn-lt"/>
-                <a:ea typeface="+mn-ea"/>
-                <a:cs typeface="+mn-cs"/>
-              </a:defRPr>
-            </a:lvl1pPr>
-            <a:lvl2pPr marL="640080" indent="-246888" algn="l" rtl="0" eaLnBrk="1" latinLnBrk="0" hangingPunct="1">
-              <a:spcBef>
-                <a:spcPct val="20000"/>
-              </a:spcBef>
-              <a:buClrTx/>
-              <a:buSzPct val="85000"/>
-              <a:buFont typeface="Courier New" pitchFamily="49" charset="0"/>
-              <a:buChar char="o"/>
-              <a:defRPr kumimoji="0" sz="2600" kern="1200">
-                <a:solidFill>
-                  <a:schemeClr val="tx1"/>
-                </a:solidFill>
-                <a:latin typeface="+mn-lt"/>
-                <a:ea typeface="+mn-ea"/>
-                <a:cs typeface="+mn-cs"/>
-              </a:defRPr>
-            </a:lvl2pPr>
-            <a:lvl3pPr marL="914400" indent="-246888" algn="l" rtl="0" eaLnBrk="1" latinLnBrk="0" hangingPunct="1">
-              <a:spcBef>
-                <a:spcPct val="20000"/>
-              </a:spcBef>
-              <a:buClrTx/>
-              <a:buSzPct val="70000"/>
-              <a:buFont typeface="Wingdings 2"/>
-              <a:buChar char=""/>
-              <a:defRPr kumimoji="0" sz="2400" kern="1200">
-                <a:solidFill>
-                  <a:schemeClr val="tx1"/>
-                </a:solidFill>
-                <a:latin typeface="+mn-lt"/>
-                <a:ea typeface="+mn-ea"/>
-                <a:cs typeface="+mn-cs"/>
-              </a:defRPr>
-            </a:lvl3pPr>
-            <a:lvl4pPr marL="1188720" indent="-210312" algn="l" rtl="0" eaLnBrk="1" latinLnBrk="0" hangingPunct="1">
-              <a:spcBef>
-                <a:spcPct val="20000"/>
-              </a:spcBef>
-              <a:buClrTx/>
-              <a:buSzPct val="65000"/>
-              <a:buFont typeface="Wingdings 2"/>
-              <a:buChar char=""/>
-              <a:defRPr kumimoji="0" sz="2000" kern="1200">
-                <a:solidFill>
-                  <a:schemeClr val="tx1"/>
-                </a:solidFill>
-                <a:latin typeface="+mn-lt"/>
-                <a:ea typeface="+mn-ea"/>
-                <a:cs typeface="+mn-cs"/>
-              </a:defRPr>
-            </a:lvl4pPr>
-            <a:lvl5pPr marL="1463040" indent="-210312" algn="l" rtl="0" eaLnBrk="1" latinLnBrk="0" hangingPunct="1">
-              <a:spcBef>
-                <a:spcPct val="20000"/>
-              </a:spcBef>
-              <a:buClrTx/>
-              <a:buSzPct val="65000"/>
-              <a:buFont typeface="Wingdings 2"/>
-              <a:buChar char=""/>
-              <a:defRPr kumimoji="0" sz="1800" kern="1200">
-                <a:solidFill>
-                  <a:schemeClr val="tx1"/>
-                </a:solidFill>
-                <a:latin typeface="+mn-lt"/>
-                <a:ea typeface="+mn-ea"/>
-                <a:cs typeface="+mn-cs"/>
-              </a:defRPr>
-            </a:lvl5pPr>
-            <a:lvl6pPr marL="1737360" indent="-210312" algn="l" rtl="0" eaLnBrk="1" latinLnBrk="0" hangingPunct="1">
-              <a:spcBef>
-                <a:spcPct val="20000"/>
-              </a:spcBef>
-              <a:buClr>
-                <a:schemeClr val="accent5"/>
-              </a:buClr>
-              <a:buSzPct val="80000"/>
-              <a:buFont typeface="Wingdings 2"/>
-              <a:buChar char=""/>
-              <a:defRPr kumimoji="0" sz="1800" kern="1200">
-                <a:solidFill>
-                  <a:schemeClr val="tx1"/>
-                </a:solidFill>
-                <a:latin typeface="+mn-lt"/>
-                <a:ea typeface="+mn-ea"/>
-                <a:cs typeface="+mn-cs"/>
-              </a:defRPr>
-            </a:lvl6pPr>
-            <a:lvl7pPr marL="1920240" indent="-182880" algn="l" rtl="0" eaLnBrk="1" latinLnBrk="0" hangingPunct="1">
-              <a:spcBef>
-                <a:spcPct val="20000"/>
-              </a:spcBef>
-              <a:buClr>
-                <a:schemeClr val="accent6"/>
-              </a:buClr>
-              <a:buSzPct val="80000"/>
-              <a:buFont typeface="Wingdings 2"/>
-              <a:buChar char=""/>
-              <a:defRPr kumimoji="0" sz="1600" kern="1200" baseline="0">
-                <a:solidFill>
-                  <a:schemeClr val="tx1"/>
-                </a:solidFill>
-                <a:latin typeface="+mn-lt"/>
-                <a:ea typeface="+mn-ea"/>
-                <a:cs typeface="+mn-cs"/>
-              </a:defRPr>
-            </a:lvl7pPr>
-            <a:lvl8pPr marL="2194560" indent="-182880" algn="l" rtl="0" eaLnBrk="1" latinLnBrk="0" hangingPunct="1">
-              <a:spcBef>
-                <a:spcPct val="20000"/>
-              </a:spcBef>
-              <a:buClr>
-                <a:schemeClr val="tx2"/>
-              </a:buClr>
-              <a:buChar char="•"/>
-              <a:defRPr kumimoji="0" sz="1600" kern="1200">
-                <a:solidFill>
-                  <a:schemeClr val="tx1"/>
-                </a:solidFill>
-                <a:latin typeface="+mn-lt"/>
-                <a:ea typeface="+mn-ea"/>
-                <a:cs typeface="+mn-cs"/>
-              </a:defRPr>
-            </a:lvl8pPr>
-            <a:lvl9pPr marL="2468880" indent="-182880" algn="l" rtl="0" eaLnBrk="1" latinLnBrk="0" hangingPunct="1">
-              <a:spcBef>
-                <a:spcPct val="20000"/>
-              </a:spcBef>
-              <a:buClr>
-                <a:schemeClr val="tx2"/>
-              </a:buClr>
-              <a:buFontTx/>
-              <a:buChar char="•"/>
-              <a:defRPr kumimoji="0" sz="1400" kern="1200" baseline="0">
-                <a:solidFill>
-                  <a:schemeClr val="tx1"/>
-                </a:solidFill>
-                <a:latin typeface="+mn-lt"/>
-                <a:ea typeface="+mn-ea"/>
-                <a:cs typeface="+mn-cs"/>
-              </a:defRPr>
-            </a:lvl9pPr>
-          </a:lstStyle>
-          <a:p>
-            <a:pPr marL="0" indent="0">
-              <a:buNone/>
-            </a:pPr>
-            <a:r>
-              <a:rPr lang="it-IT" dirty="0" smtClean="0"/>
-              <a:t>La </a:t>
-            </a:r>
-            <a:r>
-              <a:rPr lang="it-IT" b="1" dirty="0" smtClean="0"/>
-              <a:t>Gestione Ricerca </a:t>
-            </a:r>
-            <a:r>
-              <a:rPr lang="it-IT" dirty="0" smtClean="0"/>
-              <a:t>si occupa di gestire la </a:t>
-            </a:r>
-            <a:r>
-              <a:rPr lang="it-IT" b="1" dirty="0" smtClean="0"/>
-              <a:t>ricerca</a:t>
-            </a:r>
-            <a:r>
-              <a:rPr lang="it-IT" dirty="0" smtClean="0"/>
-              <a:t> all’interno del sistema, effettuata </a:t>
-            </a:r>
-            <a:r>
-              <a:rPr lang="it-IT" b="1" dirty="0" smtClean="0"/>
-              <a:t>da</a:t>
-            </a:r>
-            <a:r>
-              <a:rPr lang="it-IT" dirty="0" smtClean="0"/>
-              <a:t> varie tipologie di utenza </a:t>
-            </a:r>
-            <a:r>
-              <a:rPr lang="it-IT" b="1" dirty="0" smtClean="0"/>
-              <a:t>su</a:t>
-            </a:r>
-            <a:r>
-              <a:rPr lang="it-IT" dirty="0" smtClean="0"/>
-              <a:t> varie tipologie di utenza, basandosi su alcuni criteri di visualizzazione.</a:t>
-            </a:r>
-          </a:p>
-          <a:p>
-            <a:pPr marL="0" indent="0">
-              <a:buNone/>
-            </a:pPr>
-            <a:endParaRPr lang="it-IT" dirty="0" smtClean="0"/>
-          </a:p>
-          <a:p>
-            <a:pPr marL="0" indent="0">
-              <a:buNone/>
-            </a:pPr>
-            <a:endParaRPr lang="it-IT" dirty="0" smtClean="0"/>
-          </a:p>
-          <a:p>
-            <a:pPr marL="0" indent="0">
-              <a:buNone/>
-            </a:pPr>
-            <a:endParaRPr lang="en-US" dirty="0"/>
-          </a:p>
-        </p:txBody>
-      </p:sp>
-    </p:spTree>
-    <p:extLst>
-      <p:ext uri="{BB962C8B-B14F-4D97-AF65-F5344CB8AC3E}">
-        <p14:creationId xmlns:p14="http://schemas.microsoft.com/office/powerpoint/2010/main" val="2054322940"/>
-      </p:ext>
-    </p:extLst>
-  </p:cSld>
-  <p:clrMapOvr>
-    <a:masterClrMapping/>
-  </p:clrMapOvr>
-  <mc:AlternateContent xmlns:mc="http://schemas.openxmlformats.org/markup-compatibility/2006" xmlns:p14="http://schemas.microsoft.com/office/powerpoint/2010/main">
-    <mc:Choice Requires="p14">
-      <p:transition spd="slow" p14:dur="2000"/>
-    </mc:Choice>
-    <mc:Fallback xmlns="">
-      <p:transition spd="slow"/>
-    </mc:Fallback>
-  </mc:AlternateContent>
-  <p:timing>
-    <p:tnLst>
-      <p:par>
-        <p:cTn xmlns:p14="http://schemas.microsoft.com/office/powerpoint/2010/main" id="1" dur="indefinite" restart="never" nodeType="tmRoot"/>
-      </p:par>
-    </p:tnLst>
-  </p:timing>
-</p:sld>
-</file>
-
-<file path=ppt/slides/slide86.xml><?xml version="1.0" encoding="utf-8"?>
-<p:sld xmlns:a="http://schemas.openxmlformats.org/drawingml/2006/main" xmlns:r="http://schemas.openxmlformats.org/officeDocument/2006/relationships" xmlns:p="http://schemas.openxmlformats.org/presentationml/2006/main">
-  <p:cSld>
-    <p:spTree>
-      <p:nvGrpSpPr>
-        <p:cNvPr id="1" name=""/>
-        <p:cNvGrpSpPr/>
-        <p:nvPr/>
-      </p:nvGrpSpPr>
-      <p:grpSpPr>
-        <a:xfrm>
-          <a:off x="0" y="0"/>
-          <a:ext cx="0" cy="0"/>
-          <a:chOff x="0" y="0"/>
-          <a:chExt cx="0" cy="0"/>
-        </a:xfrm>
-      </p:grpSpPr>
-      <p:sp>
-        <p:nvSpPr>
-          <p:cNvPr id="2" name="CasellaDiTesto 1"/>
-          <p:cNvSpPr txBox="1"/>
-          <p:nvPr/>
-        </p:nvSpPr>
-        <p:spPr>
-          <a:xfrm>
-            <a:off x="3110921" y="476672"/>
-            <a:ext cx="3237105" cy="1538883"/>
-          </a:xfrm>
-          <a:prstGeom prst="rect">
-            <a:avLst/>
-          </a:prstGeom>
-          <a:noFill/>
-        </p:spPr>
-        <p:txBody>
-          <a:bodyPr wrap="none" rtlCol="0">
-            <a:spAutoFit/>
-          </a:bodyPr>
-          <a:lstStyle/>
-          <a:p>
-            <a:pPr algn="ctr"/>
-            <a:r>
-              <a:rPr lang="it-IT" sz="4800" b="1" dirty="0" err="1" smtClean="0">
-                <a:latin typeface="+mj-lt"/>
-              </a:rPr>
-              <a:t>Application</a:t>
-            </a:r>
-            <a:r>
-              <a:rPr lang="it-IT" sz="4800" b="1" dirty="0" smtClean="0">
-                <a:latin typeface="+mj-lt"/>
-              </a:rPr>
-              <a:t> </a:t>
-            </a:r>
-          </a:p>
-          <a:p>
-            <a:pPr algn="ctr"/>
-            <a:r>
               <a:rPr lang="it-IT" sz="2800" b="1" dirty="0" err="1" smtClean="0">
                 <a:latin typeface="+mj-lt"/>
               </a:rPr>
@@ -31260,32 +30713,32 @@
     </p:spTree>
     <p:extLst>
       <p:ext uri="{BB962C8B-B14F-4D97-AF65-F5344CB8AC3E}">
-        <p14:creationId xmlns:p14="http://schemas.microsoft.com/office/powerpoint/2010/main" val="2760503007"/>
+        <p14:creationId xmlns:p14="http://schemas.microsoft.com/office/powerpoint/2010/main" xmlns="" val="2760503007"/>
       </p:ext>
     </p:extLst>
   </p:cSld>
   <p:clrMapOvr>
     <a:masterClrMapping/>
   </p:clrMapOvr>
-  <mc:AlternateContent xmlns:mc="http://schemas.openxmlformats.org/markup-compatibility/2006" xmlns:p14="http://schemas.microsoft.com/office/powerpoint/2010/main">
-    <mc:Choice Requires="p14">
+  <mc:AlternateContent xmlns:mc="http://schemas.openxmlformats.org/markup-compatibility/2006">
+    <mc:Choice xmlns:p14="http://schemas.microsoft.com/office/powerpoint/2010/main" xmlns="" Requires="p14">
       <p:transition spd="slow" p14:dur="2000"/>
     </mc:Choice>
-    <mc:Fallback xmlns="">
+    <mc:Fallback>
       <p:transition spd="slow"/>
     </mc:Fallback>
   </mc:AlternateContent>
   <p:timing>
     <p:tnLst>
       <p:par>
-        <p:cTn xmlns:p14="http://schemas.microsoft.com/office/powerpoint/2010/main" id="1" dur="indefinite" restart="never" nodeType="tmRoot"/>
+        <p:cTn id="1" dur="indefinite" restart="never" nodeType="tmRoot"/>
       </p:par>
     </p:tnLst>
   </p:timing>
 </p:sld>
 </file>
 
-<file path=ppt/slides/slide87.xml><?xml version="1.0" encoding="utf-8"?>
+<file path=ppt/slides/slide86.xml><?xml version="1.0" encoding="utf-8"?>
 <p:sld xmlns:a="http://schemas.openxmlformats.org/drawingml/2006/main" xmlns:r="http://schemas.openxmlformats.org/officeDocument/2006/relationships" xmlns:p="http://schemas.openxmlformats.org/presentationml/2006/main">
   <p:cSld>
     <p:spTree>
@@ -31566,32 +31019,32 @@
     </p:spTree>
     <p:extLst>
       <p:ext uri="{BB962C8B-B14F-4D97-AF65-F5344CB8AC3E}">
-        <p14:creationId xmlns:p14="http://schemas.microsoft.com/office/powerpoint/2010/main" val="1227993143"/>
+        <p14:creationId xmlns:p14="http://schemas.microsoft.com/office/powerpoint/2010/main" xmlns="" val="1227993143"/>
       </p:ext>
     </p:extLst>
   </p:cSld>
   <p:clrMapOvr>
     <a:masterClrMapping/>
   </p:clrMapOvr>
-  <mc:AlternateContent xmlns:mc="http://schemas.openxmlformats.org/markup-compatibility/2006" xmlns:p14="http://schemas.microsoft.com/office/powerpoint/2010/main">
-    <mc:Choice Requires="p14">
+  <mc:AlternateContent xmlns:mc="http://schemas.openxmlformats.org/markup-compatibility/2006">
+    <mc:Choice xmlns:p14="http://schemas.microsoft.com/office/powerpoint/2010/main" xmlns="" Requires="p14">
       <p:transition spd="slow" p14:dur="2000"/>
     </mc:Choice>
-    <mc:Fallback xmlns="">
+    <mc:Fallback>
       <p:transition spd="slow"/>
     </mc:Fallback>
   </mc:AlternateContent>
   <p:timing>
     <p:tnLst>
       <p:par>
-        <p:cTn xmlns:p14="http://schemas.microsoft.com/office/powerpoint/2010/main" id="1" dur="indefinite" restart="never" nodeType="tmRoot"/>
+        <p:cTn id="1" dur="indefinite" restart="never" nodeType="tmRoot"/>
       </p:par>
     </p:tnLst>
   </p:timing>
 </p:sld>
 </file>
 
-<file path=ppt/slides/slide88.xml><?xml version="1.0" encoding="utf-8"?>
+<file path=ppt/slides/slide87.xml><?xml version="1.0" encoding="utf-8"?>
 <p:sld xmlns:a="http://schemas.openxmlformats.org/drawingml/2006/main" xmlns:r="http://schemas.openxmlformats.org/officeDocument/2006/relationships" xmlns:p="http://schemas.openxmlformats.org/presentationml/2006/main">
   <p:cSld>
     <p:spTree>
@@ -31702,32 +31155,32 @@
     </p:spTree>
     <p:extLst>
       <p:ext uri="{BB962C8B-B14F-4D97-AF65-F5344CB8AC3E}">
-        <p14:creationId xmlns:p14="http://schemas.microsoft.com/office/powerpoint/2010/main" val="4026240555"/>
+        <p14:creationId xmlns:p14="http://schemas.microsoft.com/office/powerpoint/2010/main" xmlns="" val="4026240555"/>
       </p:ext>
     </p:extLst>
   </p:cSld>
   <p:clrMapOvr>
     <a:masterClrMapping/>
   </p:clrMapOvr>
-  <mc:AlternateContent xmlns:mc="http://schemas.openxmlformats.org/markup-compatibility/2006" xmlns:p14="http://schemas.microsoft.com/office/powerpoint/2010/main">
-    <mc:Choice Requires="p14">
+  <mc:AlternateContent xmlns:mc="http://schemas.openxmlformats.org/markup-compatibility/2006">
+    <mc:Choice xmlns:p14="http://schemas.microsoft.com/office/powerpoint/2010/main" xmlns="" Requires="p14">
       <p:transition spd="slow" p14:dur="2000"/>
     </mc:Choice>
-    <mc:Fallback xmlns="">
+    <mc:Fallback>
       <p:transition spd="slow"/>
     </mc:Fallback>
   </mc:AlternateContent>
   <p:timing>
     <p:tnLst>
       <p:par>
-        <p:cTn xmlns:p14="http://schemas.microsoft.com/office/powerpoint/2010/main" id="1" dur="indefinite" restart="never" nodeType="tmRoot"/>
+        <p:cTn id="1" dur="indefinite" restart="never" nodeType="tmRoot"/>
       </p:par>
     </p:tnLst>
   </p:timing>
 </p:sld>
 </file>
 
-<file path=ppt/slides/slide89.xml><?xml version="1.0" encoding="utf-8"?>
+<file path=ppt/slides/slide88.xml><?xml version="1.0" encoding="utf-8"?>
 <p:sld xmlns:a="http://schemas.openxmlformats.org/drawingml/2006/main" xmlns:r="http://schemas.openxmlformats.org/officeDocument/2006/relationships" xmlns:p="http://schemas.openxmlformats.org/presentationml/2006/main">
   <p:cSld>
     <p:spTree>
@@ -32148,25 +31601,266 @@
     </p:spTree>
     <p:extLst>
       <p:ext uri="{BB962C8B-B14F-4D97-AF65-F5344CB8AC3E}">
-        <p14:creationId xmlns:p14="http://schemas.microsoft.com/office/powerpoint/2010/main" val="2196204185"/>
+        <p14:creationId xmlns:p14="http://schemas.microsoft.com/office/powerpoint/2010/main" xmlns="" val="2196204185"/>
       </p:ext>
     </p:extLst>
   </p:cSld>
   <p:clrMapOvr>
     <a:masterClrMapping/>
   </p:clrMapOvr>
-  <mc:AlternateContent xmlns:mc="http://schemas.openxmlformats.org/markup-compatibility/2006" xmlns:p14="http://schemas.microsoft.com/office/powerpoint/2010/main">
-    <mc:Choice Requires="p14">
+  <mc:AlternateContent xmlns:mc="http://schemas.openxmlformats.org/markup-compatibility/2006">
+    <mc:Choice xmlns:p14="http://schemas.microsoft.com/office/powerpoint/2010/main" xmlns="" Requires="p14">
       <p:transition spd="slow" p14:dur="2000"/>
     </mc:Choice>
-    <mc:Fallback xmlns="">
+    <mc:Fallback>
       <p:transition spd="slow"/>
     </mc:Fallback>
   </mc:AlternateContent>
   <p:timing>
     <p:tnLst>
       <p:par>
-        <p:cTn xmlns:p14="http://schemas.microsoft.com/office/powerpoint/2010/main" id="1" dur="indefinite" restart="never" nodeType="tmRoot"/>
+        <p:cTn id="1" dur="indefinite" restart="never" nodeType="tmRoot"/>
+      </p:par>
+    </p:tnLst>
+  </p:timing>
+</p:sld>
+</file>
+
+<file path=ppt/slides/slide89.xml><?xml version="1.0" encoding="utf-8"?>
+<p:sld xmlns:a="http://schemas.openxmlformats.org/drawingml/2006/main" xmlns:r="http://schemas.openxmlformats.org/officeDocument/2006/relationships" xmlns:p="http://schemas.openxmlformats.org/presentationml/2006/main">
+  <p:cSld>
+    <p:spTree>
+      <p:nvGrpSpPr>
+        <p:cNvPr id="1" name=""/>
+        <p:cNvGrpSpPr/>
+        <p:nvPr/>
+      </p:nvGrpSpPr>
+      <p:grpSpPr>
+        <a:xfrm>
+          <a:off x="0" y="0"/>
+          <a:ext cx="0" cy="0"/>
+          <a:chOff x="0" y="0"/>
+          <a:chExt cx="0" cy="0"/>
+        </a:xfrm>
+      </p:grpSpPr>
+      <p:sp>
+        <p:nvSpPr>
+          <p:cNvPr id="41" name="CustomShape 1"/>
+          <p:cNvSpPr/>
+          <p:nvPr/>
+        </p:nvSpPr>
+        <p:spPr>
+          <a:xfrm>
+            <a:off x="1671480" y="476640"/>
+            <a:ext cx="5540040" cy="1521720"/>
+          </a:xfrm>
+          <a:prstGeom prst="rect">
+            <a:avLst/>
+          </a:prstGeom>
+        </p:spPr>
+        <p:txBody>
+          <a:bodyPr wrap="none" lIns="90000" tIns="45000" rIns="90000" bIns="45000"/>
+          <a:lstStyle/>
+          <a:p>
+            <a:pPr algn="ctr">
+              <a:lnSpc>
+                <a:spcPct val="100000"/>
+              </a:lnSpc>
+            </a:pPr>
+            <a:r>
+              <a:rPr lang="it-IT" sz="4800" b="1" dirty="0" smtClean="0">
+                <a:solidFill>
+                  <a:srgbClr val="000000"/>
+                </a:solidFill>
+                <a:latin typeface="Calibri"/>
+              </a:rPr>
+              <a:t>Notifiche E-mail</a:t>
+            </a:r>
+            <a:endParaRPr dirty="0"/>
+          </a:p>
+          <a:p>
+            <a:pPr algn="ctr">
+              <a:lnSpc>
+                <a:spcPct val="100000"/>
+              </a:lnSpc>
+            </a:pPr>
+            <a:endParaRPr dirty="0"/>
+          </a:p>
+          <a:p>
+            <a:pPr algn="ctr">
+              <a:lnSpc>
+                <a:spcPct val="100000"/>
+              </a:lnSpc>
+            </a:pPr>
+            <a:endParaRPr dirty="0"/>
+          </a:p>
+        </p:txBody>
+      </p:sp>
+      <p:sp>
+        <p:nvSpPr>
+          <p:cNvPr id="42" name="CustomShape 2"/>
+          <p:cNvSpPr/>
+          <p:nvPr/>
+        </p:nvSpPr>
+        <p:spPr>
+          <a:xfrm>
+            <a:off x="323640" y="1795320"/>
+            <a:ext cx="8177040" cy="4205448"/>
+          </a:xfrm>
+          <a:prstGeom prst="rect">
+            <a:avLst/>
+          </a:prstGeom>
+        </p:spPr>
+        <p:txBody>
+          <a:bodyPr lIns="90000" tIns="0" rIns="90000" bIns="45000"/>
+          <a:lstStyle/>
+          <a:p>
+            <a:pPr>
+              <a:lnSpc>
+                <a:spcPct val="100000"/>
+              </a:lnSpc>
+              <a:buSzPct val="95000"/>
+              <a:buFont typeface="Wingdings" pitchFamily="2" charset="2"/>
+              <a:buChar char="v"/>
+            </a:pPr>
+            <a:r>
+              <a:rPr lang="it-IT" sz="4000" b="1" dirty="0" err="1">
+                <a:solidFill>
+                  <a:srgbClr val="000000"/>
+                </a:solidFill>
+                <a:latin typeface="Calibri"/>
+              </a:rPr>
+              <a:t>NotificheMail</a:t>
+            </a:r>
+            <a:r>
+              <a:rPr lang="it-IT" sz="4000" b="1" dirty="0" smtClean="0">
+                <a:solidFill>
+                  <a:srgbClr val="000000"/>
+                </a:solidFill>
+                <a:latin typeface="Calibri"/>
+              </a:rPr>
+              <a:t>:</a:t>
+            </a:r>
+          </a:p>
+          <a:p>
+            <a:pPr>
+              <a:lnSpc>
+                <a:spcPct val="100000"/>
+              </a:lnSpc>
+              <a:buSzPct val="95000"/>
+            </a:pPr>
+            <a:endParaRPr lang="it-IT" sz="4000" b="1" dirty="0" smtClean="0">
+              <a:solidFill>
+                <a:srgbClr val="000000"/>
+              </a:solidFill>
+              <a:latin typeface="Calibri"/>
+            </a:endParaRPr>
+          </a:p>
+          <a:p>
+            <a:pPr lvl="1">
+              <a:buSzPct val="95000"/>
+            </a:pPr>
+            <a:r>
+              <a:rPr lang="it-IT" sz="2800" dirty="0" smtClean="0">
+                <a:solidFill>
+                  <a:srgbClr val="000000"/>
+                </a:solidFill>
+                <a:latin typeface="Calibri"/>
+              </a:rPr>
+              <a:t>è </a:t>
+            </a:r>
+            <a:r>
+              <a:rPr lang="it-IT" sz="2800" dirty="0">
+                <a:solidFill>
+                  <a:srgbClr val="000000"/>
+                </a:solidFill>
+                <a:latin typeface="Calibri"/>
+              </a:rPr>
+              <a:t>una funzionalità interna al nostro </a:t>
+            </a:r>
+            <a:r>
+              <a:rPr lang="it-IT" sz="2800" dirty="0" smtClean="0">
+                <a:solidFill>
+                  <a:srgbClr val="000000"/>
+                </a:solidFill>
+                <a:latin typeface="Calibri"/>
+              </a:rPr>
+              <a:t>sistema </a:t>
+            </a:r>
+            <a:r>
+              <a:rPr lang="it-IT" sz="2800" dirty="0">
+                <a:solidFill>
+                  <a:srgbClr val="000000"/>
+                </a:solidFill>
+                <a:latin typeface="Calibri"/>
+              </a:rPr>
+              <a:t>che permette di </a:t>
+            </a:r>
+            <a:r>
+              <a:rPr lang="it-IT" sz="2800" dirty="0" smtClean="0">
+                <a:solidFill>
+                  <a:srgbClr val="000000"/>
+                </a:solidFill>
+                <a:latin typeface="Calibri"/>
+              </a:rPr>
+              <a:t>inviare </a:t>
+            </a:r>
+            <a:r>
+              <a:rPr lang="it-IT" sz="2800" dirty="0">
+                <a:solidFill>
+                  <a:srgbClr val="000000"/>
+                </a:solidFill>
+                <a:latin typeface="Calibri"/>
+              </a:rPr>
+              <a:t>brevi messaggi di notifiche agli utenti che porto a termine iterazioni con il nostro </a:t>
+            </a:r>
+            <a:r>
+              <a:rPr lang="it-IT" sz="2800" dirty="0" smtClean="0">
+                <a:solidFill>
+                  <a:srgbClr val="000000"/>
+                </a:solidFill>
+                <a:latin typeface="Calibri"/>
+              </a:rPr>
+              <a:t>sistema</a:t>
+            </a:r>
+            <a:endParaRPr sz="2800" dirty="0"/>
+          </a:p>
+        </p:txBody>
+      </p:sp>
+    </p:spTree>
+    <p:extLst>
+      <p:ext uri="{BB962C8B-B14F-4D97-AF65-F5344CB8AC3E}">
+        <p14:creationId xmlns:p14="http://schemas.microsoft.com/office/powerpoint/2010/main" xmlns="" val="4257297520"/>
+      </p:ext>
+    </p:extLst>
+  </p:cSld>
+  <p:clrMapOvr>
+    <a:masterClrMapping/>
+  </p:clrMapOvr>
+  <p:timing>
+    <p:tnLst>
+      <p:par>
+        <p:cTn id="1" dur="indefinite" restart="never" nodeType="tmRoot">
+          <p:childTnLst>
+            <p:seq>
+              <p:cTn id="2" nodeType="mainSeq"/>
+              <p:prevCondLst>
+                <p:cond evt="onPrev" delay="0">
+                  <p:tgtEl>
+                    <p:sldTgt/>
+                  </p:tgtEl>
+                </p:cond>
+              </p:prevCondLst>
+              <p:nextCondLst>
+                <p:cond evt="onNext" delay="0">
+                  <p:tgtEl>
+                    <p:sldTgt/>
+                  </p:tgtEl>
+                </p:cond>
+              </p:nextCondLst>
+            </p:seq>
+          </p:childTnLst>
+        </p:cTn>
       </p:par>
     </p:tnLst>
   </p:timing>
@@ -32511,25 +32205,25 @@
     </p:spTree>
     <p:extLst>
       <p:ext uri="{BB962C8B-B14F-4D97-AF65-F5344CB8AC3E}">
-        <p14:creationId xmlns:p14="http://schemas.microsoft.com/office/powerpoint/2010/main" val="2978215168"/>
+        <p14:creationId xmlns:p14="http://schemas.microsoft.com/office/powerpoint/2010/main" xmlns="" val="2978215168"/>
       </p:ext>
     </p:extLst>
   </p:cSld>
   <p:clrMapOvr>
     <a:masterClrMapping/>
   </p:clrMapOvr>
-  <mc:AlternateContent xmlns:mc="http://schemas.openxmlformats.org/markup-compatibility/2006" xmlns:p14="http://schemas.microsoft.com/office/powerpoint/2010/main">
-    <mc:Choice Requires="p14">
+  <mc:AlternateContent xmlns:mc="http://schemas.openxmlformats.org/markup-compatibility/2006">
+    <mc:Choice xmlns:p14="http://schemas.microsoft.com/office/powerpoint/2010/main" xmlns="" Requires="p14">
       <p:transition spd="slow" p14:dur="2000"/>
     </mc:Choice>
-    <mc:Fallback xmlns="">
+    <mc:Fallback>
       <p:transition spd="slow"/>
     </mc:Fallback>
   </mc:AlternateContent>
   <p:timing>
     <p:tnLst>
       <p:par>
-        <p:cTn xmlns:p14="http://schemas.microsoft.com/office/powerpoint/2010/main" id="1" dur="indefinite" restart="never" nodeType="tmRoot"/>
+        <p:cTn id="1" dur="indefinite" restart="never" nodeType="tmRoot"/>
       </p:par>
     </p:tnLst>
   </p:timing>
@@ -32555,7 +32249,7 @@
       </p:grpSpPr>
       <p:sp>
         <p:nvSpPr>
-          <p:cNvPr id="41" name="CustomShape 1"/>
+          <p:cNvPr id="43" name="CustomShape 1"/>
           <p:cNvSpPr/>
           <p:nvPr/>
         </p:nvSpPr>
@@ -32584,9 +32278,24 @@
                 </a:solidFill>
                 <a:latin typeface="Calibri"/>
               </a:rPr>
-              <a:t>Notifiche E-mail</a:t>
-            </a:r>
-            <a:endParaRPr dirty="0"/>
+              <a:t>Tipi di Notifiche</a:t>
+            </a:r>
+          </a:p>
+          <a:p>
+            <a:pPr algn="ctr">
+              <a:lnSpc>
+                <a:spcPct val="100000"/>
+              </a:lnSpc>
+            </a:pPr>
+            <a:r>
+              <a:rPr lang="it-IT" sz="3000" dirty="0" smtClean="0">
+                <a:solidFill>
+                  <a:srgbClr val="000000"/>
+                </a:solidFill>
+              </a:rPr>
+              <a:t>(1)</a:t>
+            </a:r>
+            <a:endParaRPr sz="3000" dirty="0"/>
           </a:p>
           <a:p>
             <a:pPr algn="ctr">
@@ -32608,14 +32317,14 @@
       </p:sp>
       <p:sp>
         <p:nvSpPr>
-          <p:cNvPr id="42" name="CustomShape 2"/>
+          <p:cNvPr id="44" name="CustomShape 2"/>
           <p:cNvSpPr/>
           <p:nvPr/>
         </p:nvSpPr>
         <p:spPr>
           <a:xfrm>
             <a:off x="323640" y="1795320"/>
-            <a:ext cx="8177040" cy="4205448"/>
+            <a:ext cx="8177040" cy="4633560"/>
           </a:xfrm>
           <a:prstGeom prst="rect">
             <a:avLst/>
@@ -32634,16 +32343,16 @@
               <a:buChar char="v"/>
             </a:pPr>
             <a:r>
-              <a:rPr lang="it-IT" sz="4000" b="1" dirty="0" err="1">
+              <a:rPr lang="it-IT" sz="3200" dirty="0">
                 <a:solidFill>
                   <a:srgbClr val="000000"/>
                 </a:solidFill>
                 <a:latin typeface="Calibri"/>
               </a:rPr>
-              <a:t>NotificheMail</a:t>
-            </a:r>
-            <a:r>
-              <a:rPr lang="it-IT" sz="4000" b="1" dirty="0" smtClean="0">
+              <a:t>Fra le varie notifiche che il sistema invia possiamo trovare notifiche di </a:t>
+            </a:r>
+            <a:r>
+              <a:rPr lang="it-IT" sz="3200" dirty="0" smtClean="0">
                 <a:solidFill>
                   <a:srgbClr val="000000"/>
                 </a:solidFill>
@@ -32651,96 +32360,137 @@
               </a:rPr>
               <a:t>:</a:t>
             </a:r>
-          </a:p>
-          <a:p>
-            <a:pPr>
-              <a:lnSpc>
-                <a:spcPct val="100000"/>
-              </a:lnSpc>
-              <a:buSzPct val="95000"/>
-            </a:pPr>
-            <a:endParaRPr lang="it-IT" sz="4000" b="1" dirty="0" smtClean="0">
-              <a:solidFill>
-                <a:srgbClr val="000000"/>
-              </a:solidFill>
-              <a:latin typeface="Calibri"/>
-            </a:endParaRPr>
+            <a:endParaRPr sz="2000" dirty="0"/>
           </a:p>
           <a:p>
             <a:pPr lvl="1">
               <a:buSzPct val="95000"/>
+              <a:buFont typeface="Arial"/>
+              <a:buChar char="•"/>
             </a:pPr>
             <a:r>
-              <a:rPr lang="it-IT" sz="2800" dirty="0" smtClean="0">
+              <a:rPr lang="it-IT" sz="3200" b="1" dirty="0" smtClean="0">
                 <a:solidFill>
                   <a:srgbClr val="000000"/>
                 </a:solidFill>
                 <a:latin typeface="Calibri"/>
               </a:rPr>
-              <a:t>è </a:t>
-            </a:r>
-            <a:r>
-              <a:rPr lang="it-IT" sz="2800" dirty="0">
+              <a:t> Composizione classe</a:t>
+            </a:r>
+            <a:r>
+              <a:rPr lang="it-IT" sz="3200" dirty="0">
                 <a:solidFill>
                   <a:srgbClr val="000000"/>
                 </a:solidFill>
                 <a:latin typeface="Calibri"/>
               </a:rPr>
-              <a:t>una funzionalità interna al nostro </a:t>
-            </a:r>
-            <a:r>
-              <a:rPr lang="it-IT" sz="2800" dirty="0" smtClean="0">
+              <a:t>:</a:t>
+            </a:r>
+            <a:r>
+              <a:rPr lang="it-IT" sz="3200" dirty="0" smtClean="0">
                 <a:solidFill>
                   <a:srgbClr val="000000"/>
                 </a:solidFill>
                 <a:latin typeface="Calibri"/>
               </a:rPr>
-              <a:t>sistema </a:t>
-            </a:r>
-            <a:r>
-              <a:rPr lang="it-IT" sz="2800" dirty="0">
+              <a:t> </a:t>
+            </a:r>
+            <a:r>
+              <a:rPr lang="it-IT" sz="3200" dirty="0">
                 <a:solidFill>
                   <a:srgbClr val="000000"/>
                 </a:solidFill>
                 <a:latin typeface="Calibri"/>
               </a:rPr>
-              <a:t>che permette di </a:t>
-            </a:r>
-            <a:r>
-              <a:rPr lang="it-IT" sz="2800" dirty="0" smtClean="0">
+              <a:t>manda una notifica al responsabile delle </a:t>
+            </a:r>
+            <a:r>
+              <a:rPr lang="it-IT" sz="3200" dirty="0" smtClean="0">
                 <a:solidFill>
                   <a:srgbClr val="000000"/>
                 </a:solidFill>
                 <a:latin typeface="Calibri"/>
               </a:rPr>
-              <a:t>inviare </a:t>
-            </a:r>
-            <a:r>
-              <a:rPr lang="it-IT" sz="2800" dirty="0">
+              <a:t>classi, che </a:t>
+            </a:r>
+            <a:r>
+              <a:rPr lang="it-IT" sz="3200" dirty="0">
                 <a:solidFill>
                   <a:srgbClr val="000000"/>
                 </a:solidFill>
                 <a:latin typeface="Calibri"/>
               </a:rPr>
-              <a:t>brevi messaggi di notifiche agli utenti che porto a termine iterazioni con il nostro </a:t>
-            </a:r>
-            <a:r>
-              <a:rPr lang="it-IT" sz="2800" dirty="0" smtClean="0">
+              <a:t>quest'ultimo </a:t>
+            </a:r>
+            <a:r>
+              <a:rPr lang="it-IT" sz="3200" dirty="0" smtClean="0">
                 <a:solidFill>
                   <a:srgbClr val="000000"/>
                 </a:solidFill>
                 <a:latin typeface="Calibri"/>
               </a:rPr>
-              <a:t>sistema</a:t>
-            </a:r>
-            <a:endParaRPr sz="2800" dirty="0"/>
+              <a:t>dovrà poi approvare.</a:t>
+            </a:r>
+            <a:endParaRPr sz="2000" dirty="0"/>
+          </a:p>
+          <a:p>
+            <a:pPr lvl="1">
+              <a:buSzPct val="95000"/>
+              <a:buFont typeface="Arial"/>
+              <a:buChar char="•"/>
+            </a:pPr>
+            <a:r>
+              <a:rPr lang="it-IT" sz="3200" b="1" dirty="0" smtClean="0">
+                <a:solidFill>
+                  <a:srgbClr val="000000"/>
+                </a:solidFill>
+                <a:latin typeface="Calibri"/>
+              </a:rPr>
+              <a:t> Evento</a:t>
+            </a:r>
+            <a:r>
+              <a:rPr lang="it-IT" sz="3200" dirty="0" smtClean="0">
+                <a:solidFill>
+                  <a:srgbClr val="000000"/>
+                </a:solidFill>
+                <a:latin typeface="Calibri"/>
+              </a:rPr>
+              <a:t>: manda </a:t>
+            </a:r>
+            <a:r>
+              <a:rPr lang="it-IT" sz="3200" dirty="0">
+                <a:solidFill>
+                  <a:srgbClr val="000000"/>
+                </a:solidFill>
+                <a:latin typeface="Calibri"/>
+              </a:rPr>
+              <a:t>una notifica tutte le email presenti nel campo CC dell'evento, con data ora e luogo dell'evento.</a:t>
+            </a:r>
+            <a:endParaRPr sz="2000" dirty="0"/>
+          </a:p>
+          <a:p>
+            <a:pPr lvl="1">
+              <a:buSzPct val="95000"/>
+              <a:buFont typeface="Arial"/>
+              <a:buChar char="•"/>
+            </a:pPr>
+            <a:r>
+              <a:rPr lang="it-IT" sz="3200" dirty="0">
+                <a:solidFill>
+                  <a:srgbClr val="000000"/>
+                </a:solidFill>
+                <a:latin typeface="Calibri"/>
+              </a:rPr>
+              <a:t>…..</a:t>
+            </a:r>
+            <a:endParaRPr sz="2000" dirty="0"/>
           </a:p>
         </p:txBody>
       </p:sp>
     </p:spTree>
     <p:extLst>
       <p:ext uri="{BB962C8B-B14F-4D97-AF65-F5344CB8AC3E}">
-        <p14:creationId xmlns:p14="http://schemas.microsoft.com/office/powerpoint/2010/main" val="4257297520"/>
+        <p14:creationId xmlns:p14="http://schemas.microsoft.com/office/powerpoint/2010/main" xmlns="" val="1516952845"/>
       </p:ext>
     </p:extLst>
   </p:cSld>
@@ -32750,7 +32500,7 @@
   <p:timing>
     <p:tnLst>
       <p:par>
-        <p:cTn xmlns:p14="http://schemas.microsoft.com/office/powerpoint/2010/main" id="1" dur="indefinite" restart="never" nodeType="tmRoot">
+        <p:cTn id="1" dur="indefinite" restart="never" nodeType="tmRoot">
           <p:childTnLst>
             <p:seq>
               <p:cTn id="2" nodeType="mainSeq"/>
@@ -32796,7 +32546,7 @@
       </p:grpSpPr>
       <p:sp>
         <p:nvSpPr>
-          <p:cNvPr id="43" name="CustomShape 1"/>
+          <p:cNvPr id="45" name="CustomShape 1"/>
           <p:cNvSpPr/>
           <p:nvPr/>
         </p:nvSpPr>
@@ -32818,15 +32568,7 @@
                 <a:spcPct val="100000"/>
               </a:lnSpc>
             </a:pPr>
-            <a:r>
-              <a:rPr lang="it-IT" sz="4800" b="1" dirty="0" smtClean="0">
-                <a:solidFill>
-                  <a:srgbClr val="000000"/>
-                </a:solidFill>
-                <a:latin typeface="Calibri"/>
-              </a:rPr>
-              <a:t>Tipi di Notifiche</a:t>
-            </a:r>
+            <a:endParaRPr/>
           </a:p>
           <a:p>
             <a:pPr algn="ctr">
@@ -32834,15 +32576,7 @@
                 <a:spcPct val="100000"/>
               </a:lnSpc>
             </a:pPr>
-            <a:r>
-              <a:rPr lang="it-IT" sz="3000" dirty="0" smtClean="0">
-                <a:solidFill>
-                  <a:srgbClr val="000000"/>
-                </a:solidFill>
-              </a:rPr>
-              <a:t>(1)</a:t>
-            </a:r>
-            <a:endParaRPr sz="3000" dirty="0"/>
+            <a:endParaRPr/>
           </a:p>
           <a:p>
             <a:pPr algn="ctr">
@@ -32850,27 +32584,19 @@
                 <a:spcPct val="100000"/>
               </a:lnSpc>
             </a:pPr>
-            <a:endParaRPr dirty="0"/>
-          </a:p>
-          <a:p>
-            <a:pPr algn="ctr">
-              <a:lnSpc>
-                <a:spcPct val="100000"/>
-              </a:lnSpc>
-            </a:pPr>
-            <a:endParaRPr dirty="0"/>
+            <a:endParaRPr/>
           </a:p>
         </p:txBody>
       </p:sp>
       <p:sp>
         <p:nvSpPr>
-          <p:cNvPr id="44" name="CustomShape 2"/>
+          <p:cNvPr id="46" name="CustomShape 2"/>
           <p:cNvSpPr/>
           <p:nvPr/>
         </p:nvSpPr>
         <p:spPr>
           <a:xfrm>
-            <a:off x="323640" y="1795320"/>
+            <a:off x="571472" y="1571612"/>
             <a:ext cx="8177040" cy="4633560"/>
           </a:xfrm>
           <a:prstGeom prst="rect">
@@ -32886,31 +32612,14 @@
                 <a:spcPct val="100000"/>
               </a:lnSpc>
               <a:buSzPct val="95000"/>
-              <a:buFont typeface="Wingdings" pitchFamily="2" charset="2"/>
-              <a:buChar char="v"/>
             </a:pPr>
-            <a:r>
-              <a:rPr lang="it-IT" sz="3200" dirty="0">
-                <a:solidFill>
-                  <a:srgbClr val="000000"/>
-                </a:solidFill>
-                <a:latin typeface="Calibri"/>
-              </a:rPr>
-              <a:t>Fra le varie notifiche che il sistema invia possiamo trovare notifiche di </a:t>
-            </a:r>
-            <a:r>
-              <a:rPr lang="it-IT" sz="3200" dirty="0" smtClean="0">
-                <a:solidFill>
-                  <a:srgbClr val="000000"/>
-                </a:solidFill>
-                <a:latin typeface="Calibri"/>
-              </a:rPr>
-              <a:t>:</a:t>
-            </a:r>
-            <a:endParaRPr sz="2000" dirty="0"/>
-          </a:p>
-          <a:p>
-            <a:pPr lvl="1">
+            <a:endParaRPr sz="3200" dirty="0"/>
+          </a:p>
+          <a:p>
+            <a:pPr>
+              <a:lnSpc>
+                <a:spcPct val="100000"/>
+              </a:lnSpc>
               <a:buSzPct val="95000"/>
               <a:buFont typeface="Arial"/>
               <a:buChar char="•"/>
@@ -32922,66 +32631,42 @@
                 </a:solidFill>
                 <a:latin typeface="Calibri"/>
               </a:rPr>
-              <a:t> Composizione classe</a:t>
-            </a:r>
-            <a:r>
-              <a:rPr lang="it-IT" sz="3200" dirty="0">
+              <a:t> Licenziamento: </a:t>
+            </a:r>
+            <a:r>
+              <a:rPr lang="it-IT" sz="3200" dirty="0" smtClean="0">
                 <a:solidFill>
                   <a:srgbClr val="000000"/>
                 </a:solidFill>
                 <a:latin typeface="Calibri"/>
               </a:rPr>
-              <a:t>:</a:t>
-            </a:r>
-            <a:r>
-              <a:rPr lang="it-IT" sz="3200" dirty="0" smtClean="0">
+              <a:t>manda </a:t>
+            </a:r>
+            <a:r>
+              <a:rPr lang="it-IT" sz="3200" dirty="0">
                 <a:solidFill>
                   <a:srgbClr val="000000"/>
                 </a:solidFill>
                 <a:latin typeface="Calibri"/>
               </a:rPr>
-              <a:t> </a:t>
-            </a:r>
-            <a:r>
-              <a:rPr lang="it-IT" sz="3200" dirty="0">
+              <a:t>una notifica al diretto interessato</a:t>
+            </a:r>
+            <a:r>
+              <a:rPr lang="it-IT" sz="3200" b="1" dirty="0">
                 <a:solidFill>
                   <a:srgbClr val="000000"/>
                 </a:solidFill>
                 <a:latin typeface="Calibri"/>
               </a:rPr>
-              <a:t>manda una notifica al responsabile delle </a:t>
-            </a:r>
-            <a:r>
-              <a:rPr lang="it-IT" sz="3200" dirty="0" smtClean="0">
-                <a:solidFill>
-                  <a:srgbClr val="000000"/>
-                </a:solidFill>
-                <a:latin typeface="Calibri"/>
-              </a:rPr>
-              <a:t>classi, che </a:t>
-            </a:r>
-            <a:r>
-              <a:rPr lang="it-IT" sz="3200" dirty="0">
-                <a:solidFill>
-                  <a:srgbClr val="000000"/>
-                </a:solidFill>
-                <a:latin typeface="Calibri"/>
-              </a:rPr>
-              <a:t>quest'ultimo </a:t>
-            </a:r>
-            <a:r>
-              <a:rPr lang="it-IT" sz="3200" dirty="0" smtClean="0">
-                <a:solidFill>
-                  <a:srgbClr val="000000"/>
-                </a:solidFill>
-                <a:latin typeface="Calibri"/>
-              </a:rPr>
-              <a:t>dovrà poi approvare.</a:t>
-            </a:r>
-            <a:endParaRPr sz="2000" dirty="0"/>
-          </a:p>
-          <a:p>
-            <a:pPr lvl="1">
+              <a:t>.</a:t>
+            </a:r>
+            <a:endParaRPr sz="3200" dirty="0"/>
+          </a:p>
+          <a:p>
+            <a:pPr>
+              <a:lnSpc>
+                <a:spcPct val="100000"/>
+              </a:lnSpc>
               <a:buSzPct val="95000"/>
               <a:buFont typeface="Arial"/>
               <a:buChar char="•"/>
@@ -32993,7 +32678,7 @@
                 </a:solidFill>
                 <a:latin typeface="Calibri"/>
               </a:rPr>
-              <a:t> Evento</a:t>
+              <a:t> Registrazione: </a:t>
             </a:r>
             <a:r>
               <a:rPr lang="it-IT" sz="3200" dirty="0" smtClean="0">
@@ -33002,7 +32687,7 @@
                 </a:solidFill>
                 <a:latin typeface="Calibri"/>
               </a:rPr>
-              <a:t>: manda </a:t>
+              <a:t>alla </a:t>
             </a:r>
             <a:r>
               <a:rPr lang="it-IT" sz="3200" dirty="0">
@@ -33011,33 +32696,97 @@
                 </a:solidFill>
                 <a:latin typeface="Calibri"/>
               </a:rPr>
-              <a:t>una notifica tutte le email presenti nel campo CC dell'evento, con data ora e luogo dell'evento.</a:t>
-            </a:r>
-            <a:endParaRPr sz="2000" dirty="0"/>
-          </a:p>
-          <a:p>
-            <a:pPr lvl="1">
-              <a:buSzPct val="95000"/>
-              <a:buFont typeface="Arial"/>
-              <a:buChar char="•"/>
-            </a:pPr>
-            <a:r>
-              <a:rPr lang="it-IT" sz="3200" dirty="0">
+              <a:t>fine della registrazione il sistema invia </a:t>
+            </a:r>
+            <a:r>
+              <a:rPr lang="it-IT" sz="3200" dirty="0" smtClean="0">
                 <a:solidFill>
                   <a:srgbClr val="000000"/>
                 </a:solidFill>
                 <a:latin typeface="Calibri"/>
               </a:rPr>
-              <a:t>…..</a:t>
-            </a:r>
-            <a:endParaRPr sz="2000" dirty="0"/>
+              <a:t>una e-mail </a:t>
+            </a:r>
+            <a:r>
+              <a:rPr lang="it-IT" sz="3200" dirty="0">
+                <a:solidFill>
+                  <a:srgbClr val="000000"/>
+                </a:solidFill>
+                <a:latin typeface="Calibri"/>
+              </a:rPr>
+              <a:t>con le credenziali appena inserite</a:t>
+            </a:r>
+            <a:r>
+              <a:rPr lang="it-IT" sz="3200" b="1" dirty="0">
+                <a:solidFill>
+                  <a:srgbClr val="000000"/>
+                </a:solidFill>
+                <a:latin typeface="Calibri"/>
+              </a:rPr>
+              <a:t>.</a:t>
+            </a:r>
+            <a:endParaRPr sz="3200" dirty="0"/>
+          </a:p>
+        </p:txBody>
+      </p:sp>
+      <p:sp>
+        <p:nvSpPr>
+          <p:cNvPr id="47" name="TextShape 3"/>
+          <p:cNvSpPr txBox="1"/>
+          <p:nvPr/>
+        </p:nvSpPr>
+        <p:spPr>
+          <a:xfrm>
+            <a:off x="1714480" y="500042"/>
+            <a:ext cx="5529960" cy="1368000"/>
+          </a:xfrm>
+          <a:prstGeom prst="rect">
+            <a:avLst/>
+          </a:prstGeom>
+        </p:spPr>
+        <p:txBody>
+          <a:bodyPr wrap="none" lIns="90000" tIns="45000" rIns="90000" bIns="45000"/>
+          <a:lstStyle/>
+          <a:p>
+            <a:pPr algn="ctr">
+              <a:lnSpc>
+                <a:spcPct val="100000"/>
+              </a:lnSpc>
+            </a:pPr>
+            <a:r>
+              <a:rPr lang="it-IT" sz="4800" b="1" dirty="0" smtClean="0">
+                <a:solidFill>
+                  <a:srgbClr val="000000"/>
+                </a:solidFill>
+                <a:latin typeface="Calibri"/>
+              </a:rPr>
+              <a:t>Tipi di Notifiche</a:t>
+            </a:r>
+            <a:endParaRPr dirty="0"/>
+          </a:p>
+          <a:p>
+            <a:pPr algn="ctr">
+              <a:lnSpc>
+                <a:spcPct val="100000"/>
+              </a:lnSpc>
+            </a:pPr>
+            <a:r>
+              <a:rPr lang="it-IT" sz="3000" dirty="0" smtClean="0">
+                <a:solidFill>
+                  <a:srgbClr val="000000"/>
+                </a:solidFill>
+                <a:latin typeface="Calibri"/>
+              </a:rPr>
+              <a:t>(2)</a:t>
+            </a:r>
+            <a:endParaRPr dirty="0"/>
           </a:p>
         </p:txBody>
       </p:sp>
     </p:spTree>
     <p:extLst>
       <p:ext uri="{BB962C8B-B14F-4D97-AF65-F5344CB8AC3E}">
-        <p14:creationId xmlns:p14="http://schemas.microsoft.com/office/powerpoint/2010/main" val="1516952845"/>
+        <p14:creationId xmlns:p14="http://schemas.microsoft.com/office/powerpoint/2010/main" xmlns="" val="903666282"/>
       </p:ext>
     </p:extLst>
   </p:cSld>
@@ -33047,7 +32796,7 @@
   <p:timing>
     <p:tnLst>
       <p:par>
-        <p:cTn xmlns:p14="http://schemas.microsoft.com/office/powerpoint/2010/main" id="1" dur="indefinite" restart="never" nodeType="tmRoot">
+        <p:cTn id="1" dur="indefinite" restart="never" nodeType="tmRoot">
           <p:childTnLst>
             <p:seq>
               <p:cTn id="2" nodeType="mainSeq"/>
@@ -33093,7 +32842,7 @@
       </p:grpSpPr>
       <p:sp>
         <p:nvSpPr>
-          <p:cNvPr id="45" name="CustomShape 1"/>
+          <p:cNvPr id="48" name="CustomShape 1"/>
           <p:cNvSpPr/>
           <p:nvPr/>
         </p:nvSpPr>
@@ -33137,13 +32886,13 @@
       </p:sp>
       <p:sp>
         <p:nvSpPr>
-          <p:cNvPr id="46" name="CustomShape 2"/>
+          <p:cNvPr id="49" name="CustomShape 2"/>
           <p:cNvSpPr/>
           <p:nvPr/>
         </p:nvSpPr>
         <p:spPr>
           <a:xfrm>
-            <a:off x="571472" y="1571612"/>
+            <a:off x="323640" y="1795320"/>
             <a:ext cx="8177040" cy="4633560"/>
           </a:xfrm>
           <a:prstGeom prst="rect">
@@ -33159,8 +32908,18 @@
                 <a:spcPct val="100000"/>
               </a:lnSpc>
               <a:buSzPct val="95000"/>
+              <a:buFont typeface="Wingdings" pitchFamily="2" charset="2"/>
+              <a:buChar char="v"/>
             </a:pPr>
-            <a:endParaRPr sz="3200" dirty="0"/>
+            <a:r>
+              <a:rPr lang="it-IT" sz="4400" b="1" dirty="0" smtClean="0">
+                <a:solidFill>
+                  <a:srgbClr val="000000"/>
+                </a:solidFill>
+                <a:latin typeface="Calibri"/>
+              </a:rPr>
+              <a:t>Come fare?</a:t>
+            </a:r>
           </a:p>
           <a:p>
             <a:pPr>
@@ -33168,56 +32927,56 @@
                 <a:spcPct val="100000"/>
               </a:lnSpc>
               <a:buSzPct val="95000"/>
-              <a:buFont typeface="Arial"/>
+            </a:pPr>
+            <a:endParaRPr lang="it-IT" sz="4400" b="1" dirty="0" smtClean="0">
+              <a:solidFill>
+                <a:srgbClr val="000000"/>
+              </a:solidFill>
+              <a:latin typeface="Calibri"/>
+            </a:endParaRPr>
+          </a:p>
+          <a:p>
+            <a:pPr lvl="1">
+              <a:buSzPct val="95000"/>
+              <a:buFont typeface="Arial" pitchFamily="34" charset="0"/>
               <a:buChar char="•"/>
             </a:pPr>
             <a:r>
-              <a:rPr lang="it-IT" sz="3200" b="1" dirty="0" smtClean="0">
+              <a:rPr lang="it-IT" sz="3200" dirty="0" smtClean="0">
                 <a:solidFill>
                   <a:srgbClr val="000000"/>
                 </a:solidFill>
                 <a:latin typeface="Calibri"/>
               </a:rPr>
-              <a:t> Licenziamento: </a:t>
-            </a:r>
-            <a:r>
-              <a:rPr lang="it-IT" sz="3200" dirty="0" smtClean="0">
+              <a:t> Per </a:t>
+            </a:r>
+            <a:r>
+              <a:rPr lang="it-IT" sz="3200" dirty="0">
                 <a:solidFill>
                   <a:srgbClr val="000000"/>
                 </a:solidFill>
                 <a:latin typeface="Calibri"/>
               </a:rPr>
-              <a:t>manda </a:t>
-            </a:r>
-            <a:r>
-              <a:rPr lang="it-IT" sz="3200" dirty="0">
+              <a:t>dar vita a questa funzionalità </a:t>
+            </a:r>
+            <a:r>
+              <a:rPr lang="it-IT" sz="3200" dirty="0" smtClean="0">
                 <a:solidFill>
                   <a:srgbClr val="000000"/>
                 </a:solidFill>
                 <a:latin typeface="Calibri"/>
               </a:rPr>
-              <a:t>una notifica al diretto interessato</a:t>
-            </a:r>
-            <a:r>
-              <a:rPr lang="it-IT" sz="3200" b="1" dirty="0">
+              <a:t>abbiamo </a:t>
+            </a:r>
+            <a:r>
+              <a:rPr lang="it-IT" sz="3200" dirty="0">
                 <a:solidFill>
                   <a:srgbClr val="000000"/>
                 </a:solidFill>
                 <a:latin typeface="Calibri"/>
               </a:rPr>
-              <a:t>.</a:t>
-            </a:r>
-            <a:endParaRPr sz="3200" dirty="0"/>
-          </a:p>
-          <a:p>
-            <a:pPr>
-              <a:lnSpc>
-                <a:spcPct val="100000"/>
-              </a:lnSpc>
-              <a:buSzPct val="95000"/>
-              <a:buFont typeface="Arial"/>
-              <a:buChar char="•"/>
-            </a:pPr>
+              <a:t>usato </a:t>
+            </a:r>
             <a:r>
               <a:rPr lang="it-IT" sz="3200" b="1" dirty="0" smtClean="0">
                 <a:solidFill>
@@ -33225,67 +32984,85 @@
                 </a:solidFill>
                 <a:latin typeface="Calibri"/>
               </a:rPr>
-              <a:t> Registrazione: </a:t>
-            </a:r>
-            <a:r>
-              <a:rPr lang="it-IT" sz="3200" dirty="0" smtClean="0">
+              <a:t>JAVAMAIL  (API di </a:t>
+            </a:r>
+            <a:r>
+              <a:rPr lang="it-IT" sz="3200" b="1" dirty="0" err="1">
                 <a:solidFill>
                   <a:srgbClr val="000000"/>
                 </a:solidFill>
                 <a:latin typeface="Calibri"/>
               </a:rPr>
-              <a:t>alla </a:t>
-            </a:r>
-            <a:r>
-              <a:rPr lang="it-IT" sz="3200" dirty="0">
+              <a:t>Sun</a:t>
+            </a:r>
+            <a:r>
+              <a:rPr lang="it-IT" sz="3200" b="1" dirty="0">
                 <a:solidFill>
                   <a:srgbClr val="000000"/>
                 </a:solidFill>
                 <a:latin typeface="Calibri"/>
               </a:rPr>
-              <a:t>fine della registrazione il sistema invia </a:t>
-            </a:r>
-            <a:r>
-              <a:rPr lang="it-IT" sz="3200" dirty="0" smtClean="0">
+              <a:t>) </a:t>
+            </a:r>
+            <a:r>
+              <a:rPr lang="it-IT" sz="3200" dirty="0">
                 <a:solidFill>
                   <a:srgbClr val="000000"/>
                 </a:solidFill>
                 <a:latin typeface="Calibri"/>
               </a:rPr>
-              <a:t>una e-mail </a:t>
-            </a:r>
-            <a:r>
-              <a:rPr lang="it-IT" sz="3200" dirty="0">
+              <a:t>e l'abbiamo </a:t>
+            </a:r>
+            <a:r>
+              <a:rPr lang="it-IT" sz="3200" dirty="0" smtClean="0">
                 <a:solidFill>
                   <a:srgbClr val="000000"/>
                 </a:solidFill>
                 <a:latin typeface="Calibri"/>
               </a:rPr>
-              <a:t>con le credenziali appena inserite</a:t>
-            </a:r>
-            <a:r>
-              <a:rPr lang="it-IT" sz="3200" b="1" dirty="0">
+              <a:t>integrata </a:t>
+            </a:r>
+            <a:r>
+              <a:rPr lang="it-IT" sz="3200" dirty="0">
                 <a:solidFill>
                   <a:srgbClr val="000000"/>
                 </a:solidFill>
                 <a:latin typeface="Calibri"/>
               </a:rPr>
-              <a:t>.</a:t>
-            </a:r>
-            <a:endParaRPr sz="3200" dirty="0"/>
+              <a:t>nel nostro sistema </a:t>
+            </a:r>
+            <a:r>
+              <a:rPr lang="it-IT" sz="3200" dirty="0" smtClean="0">
+                <a:solidFill>
+                  <a:srgbClr val="000000"/>
+                </a:solidFill>
+                <a:latin typeface="Calibri"/>
+              </a:rPr>
+              <a:t>tramite </a:t>
+            </a:r>
+            <a:r>
+              <a:rPr lang="it-IT" sz="3200" dirty="0">
+                <a:solidFill>
+                  <a:srgbClr val="000000"/>
+                </a:solidFill>
+                <a:latin typeface="Calibri"/>
+              </a:rPr>
+              <a:t>il design pattern BRIDGE.</a:t>
+            </a:r>
+            <a:endParaRPr sz="2000" dirty="0"/>
           </a:p>
         </p:txBody>
       </p:sp>
       <p:sp>
         <p:nvSpPr>
-          <p:cNvPr id="47" name="TextShape 3"/>
+          <p:cNvPr id="50" name="TextShape 3"/>
           <p:cNvSpPr txBox="1"/>
           <p:nvPr/>
         </p:nvSpPr>
         <p:spPr>
           <a:xfrm>
-            <a:off x="1714480" y="500042"/>
-            <a:ext cx="5529960" cy="1368000"/>
+            <a:off x="1166040" y="864000"/>
+            <a:ext cx="6753960" cy="1368000"/>
           </a:xfrm>
           <a:prstGeom prst="rect">
             <a:avLst/>
@@ -33307,24 +33084,7 @@
                 </a:solidFill>
                 <a:latin typeface="Calibri"/>
               </a:rPr>
-              <a:t>Tipi di Notifiche</a:t>
-            </a:r>
-            <a:endParaRPr dirty="0"/>
-          </a:p>
-          <a:p>
-            <a:pPr algn="ctr">
-              <a:lnSpc>
-                <a:spcPct val="100000"/>
-              </a:lnSpc>
-            </a:pPr>
-            <a:r>
-              <a:rPr lang="it-IT" sz="3000" dirty="0" smtClean="0">
-                <a:solidFill>
-                  <a:srgbClr val="000000"/>
-                </a:solidFill>
-                <a:latin typeface="Calibri"/>
-              </a:rPr>
-              <a:t>(2)</a:t>
+              <a:t>Implementazione</a:t>
             </a:r>
             <a:endParaRPr dirty="0"/>
           </a:p>
@@ -33333,7 +33093,7 @@
     </p:spTree>
     <p:extLst>
       <p:ext uri="{BB962C8B-B14F-4D97-AF65-F5344CB8AC3E}">
-        <p14:creationId xmlns:p14="http://schemas.microsoft.com/office/powerpoint/2010/main" val="903666282"/>
+        <p14:creationId xmlns:p14="http://schemas.microsoft.com/office/powerpoint/2010/main" xmlns="" val="3790160763"/>
       </p:ext>
     </p:extLst>
   </p:cSld>
@@ -33343,7 +33103,7 @@
   <p:timing>
     <p:tnLst>
       <p:par>
-        <p:cTn xmlns:p14="http://schemas.microsoft.com/office/powerpoint/2010/main" id="1" dur="indefinite" restart="never" nodeType="tmRoot">
+        <p:cTn id="1" dur="indefinite" restart="never" nodeType="tmRoot">
           <p:childTnLst>
             <p:seq>
               <p:cTn id="2" nodeType="mainSeq"/>
@@ -33371,313 +33131,6 @@
 </file>
 
 <file path=ppt/slides/slide93.xml><?xml version="1.0" encoding="utf-8"?>
-<p:sld xmlns:a="http://schemas.openxmlformats.org/drawingml/2006/main" xmlns:r="http://schemas.openxmlformats.org/officeDocument/2006/relationships" xmlns:p="http://schemas.openxmlformats.org/presentationml/2006/main">
-  <p:cSld>
-    <p:spTree>
-      <p:nvGrpSpPr>
-        <p:cNvPr id="1" name=""/>
-        <p:cNvGrpSpPr/>
-        <p:nvPr/>
-      </p:nvGrpSpPr>
-      <p:grpSpPr>
-        <a:xfrm>
-          <a:off x="0" y="0"/>
-          <a:ext cx="0" cy="0"/>
-          <a:chOff x="0" y="0"/>
-          <a:chExt cx="0" cy="0"/>
-        </a:xfrm>
-      </p:grpSpPr>
-      <p:sp>
-        <p:nvSpPr>
-          <p:cNvPr id="48" name="CustomShape 1"/>
-          <p:cNvSpPr/>
-          <p:nvPr/>
-        </p:nvSpPr>
-        <p:spPr>
-          <a:xfrm>
-            <a:off x="1671480" y="476640"/>
-            <a:ext cx="5540040" cy="1521720"/>
-          </a:xfrm>
-          <a:prstGeom prst="rect">
-            <a:avLst/>
-          </a:prstGeom>
-        </p:spPr>
-        <p:txBody>
-          <a:bodyPr wrap="none" lIns="90000" tIns="45000" rIns="90000" bIns="45000"/>
-          <a:lstStyle/>
-          <a:p>
-            <a:pPr algn="ctr">
-              <a:lnSpc>
-                <a:spcPct val="100000"/>
-              </a:lnSpc>
-            </a:pPr>
-            <a:endParaRPr/>
-          </a:p>
-          <a:p>
-            <a:pPr algn="ctr">
-              <a:lnSpc>
-                <a:spcPct val="100000"/>
-              </a:lnSpc>
-            </a:pPr>
-            <a:endParaRPr/>
-          </a:p>
-          <a:p>
-            <a:pPr algn="ctr">
-              <a:lnSpc>
-                <a:spcPct val="100000"/>
-              </a:lnSpc>
-            </a:pPr>
-            <a:endParaRPr/>
-          </a:p>
-        </p:txBody>
-      </p:sp>
-      <p:sp>
-        <p:nvSpPr>
-          <p:cNvPr id="49" name="CustomShape 2"/>
-          <p:cNvSpPr/>
-          <p:nvPr/>
-        </p:nvSpPr>
-        <p:spPr>
-          <a:xfrm>
-            <a:off x="323640" y="1795320"/>
-            <a:ext cx="8177040" cy="4633560"/>
-          </a:xfrm>
-          <a:prstGeom prst="rect">
-            <a:avLst/>
-          </a:prstGeom>
-        </p:spPr>
-        <p:txBody>
-          <a:bodyPr lIns="90000" tIns="0" rIns="90000" bIns="45000"/>
-          <a:lstStyle/>
-          <a:p>
-            <a:pPr>
-              <a:lnSpc>
-                <a:spcPct val="100000"/>
-              </a:lnSpc>
-              <a:buSzPct val="95000"/>
-              <a:buFont typeface="Wingdings" pitchFamily="2" charset="2"/>
-              <a:buChar char="v"/>
-            </a:pPr>
-            <a:r>
-              <a:rPr lang="it-IT" sz="4400" b="1" dirty="0" smtClean="0">
-                <a:solidFill>
-                  <a:srgbClr val="000000"/>
-                </a:solidFill>
-                <a:latin typeface="Calibri"/>
-              </a:rPr>
-              <a:t>Come fare?</a:t>
-            </a:r>
-          </a:p>
-          <a:p>
-            <a:pPr>
-              <a:lnSpc>
-                <a:spcPct val="100000"/>
-              </a:lnSpc>
-              <a:buSzPct val="95000"/>
-            </a:pPr>
-            <a:endParaRPr lang="it-IT" sz="4400" b="1" dirty="0" smtClean="0">
-              <a:solidFill>
-                <a:srgbClr val="000000"/>
-              </a:solidFill>
-              <a:latin typeface="Calibri"/>
-            </a:endParaRPr>
-          </a:p>
-          <a:p>
-            <a:pPr lvl="1">
-              <a:buSzPct val="95000"/>
-              <a:buFont typeface="Arial" pitchFamily="34" charset="0"/>
-              <a:buChar char="•"/>
-            </a:pPr>
-            <a:r>
-              <a:rPr lang="it-IT" sz="3200" dirty="0" smtClean="0">
-                <a:solidFill>
-                  <a:srgbClr val="000000"/>
-                </a:solidFill>
-                <a:latin typeface="Calibri"/>
-              </a:rPr>
-              <a:t> Per </a:t>
-            </a:r>
-            <a:r>
-              <a:rPr lang="it-IT" sz="3200" dirty="0">
-                <a:solidFill>
-                  <a:srgbClr val="000000"/>
-                </a:solidFill>
-                <a:latin typeface="Calibri"/>
-              </a:rPr>
-              <a:t>dar vita a questa funzionalità </a:t>
-            </a:r>
-            <a:r>
-              <a:rPr lang="it-IT" sz="3200" dirty="0" smtClean="0">
-                <a:solidFill>
-                  <a:srgbClr val="000000"/>
-                </a:solidFill>
-                <a:latin typeface="Calibri"/>
-              </a:rPr>
-              <a:t>abbiamo </a:t>
-            </a:r>
-            <a:r>
-              <a:rPr lang="it-IT" sz="3200" dirty="0">
-                <a:solidFill>
-                  <a:srgbClr val="000000"/>
-                </a:solidFill>
-                <a:latin typeface="Calibri"/>
-              </a:rPr>
-              <a:t>usato </a:t>
-            </a:r>
-            <a:r>
-              <a:rPr lang="it-IT" sz="3200" b="1" dirty="0" smtClean="0">
-                <a:solidFill>
-                  <a:srgbClr val="000000"/>
-                </a:solidFill>
-                <a:latin typeface="Calibri"/>
-              </a:rPr>
-              <a:t>JAVAMAIL  (API di </a:t>
-            </a:r>
-            <a:r>
-              <a:rPr lang="it-IT" sz="3200" b="1" dirty="0" err="1">
-                <a:solidFill>
-                  <a:srgbClr val="000000"/>
-                </a:solidFill>
-                <a:latin typeface="Calibri"/>
-              </a:rPr>
-              <a:t>Sun</a:t>
-            </a:r>
-            <a:r>
-              <a:rPr lang="it-IT" sz="3200" b="1" dirty="0">
-                <a:solidFill>
-                  <a:srgbClr val="000000"/>
-                </a:solidFill>
-                <a:latin typeface="Calibri"/>
-              </a:rPr>
-              <a:t>) </a:t>
-            </a:r>
-            <a:r>
-              <a:rPr lang="it-IT" sz="3200" dirty="0">
-                <a:solidFill>
-                  <a:srgbClr val="000000"/>
-                </a:solidFill>
-                <a:latin typeface="Calibri"/>
-              </a:rPr>
-              <a:t>e l'abbiamo </a:t>
-            </a:r>
-            <a:r>
-              <a:rPr lang="it-IT" sz="3200" dirty="0" smtClean="0">
-                <a:solidFill>
-                  <a:srgbClr val="000000"/>
-                </a:solidFill>
-                <a:latin typeface="Calibri"/>
-              </a:rPr>
-              <a:t>integrata </a:t>
-            </a:r>
-            <a:r>
-              <a:rPr lang="it-IT" sz="3200" dirty="0">
-                <a:solidFill>
-                  <a:srgbClr val="000000"/>
-                </a:solidFill>
-                <a:latin typeface="Calibri"/>
-              </a:rPr>
-              <a:t>nel nostro sistema </a:t>
-            </a:r>
-            <a:r>
-              <a:rPr lang="it-IT" sz="3200" dirty="0" smtClean="0">
-                <a:solidFill>
-                  <a:srgbClr val="000000"/>
-                </a:solidFill>
-                <a:latin typeface="Calibri"/>
-              </a:rPr>
-              <a:t>tramite </a:t>
-            </a:r>
-            <a:r>
-              <a:rPr lang="it-IT" sz="3200" dirty="0">
-                <a:solidFill>
-                  <a:srgbClr val="000000"/>
-                </a:solidFill>
-                <a:latin typeface="Calibri"/>
-              </a:rPr>
-              <a:t>il design pattern BRIDGE.</a:t>
-            </a:r>
-            <a:endParaRPr sz="2000" dirty="0"/>
-          </a:p>
-        </p:txBody>
-      </p:sp>
-      <p:sp>
-        <p:nvSpPr>
-          <p:cNvPr id="50" name="TextShape 3"/>
-          <p:cNvSpPr txBox="1"/>
-          <p:nvPr/>
-        </p:nvSpPr>
-        <p:spPr>
-          <a:xfrm>
-            <a:off x="1166040" y="864000"/>
-            <a:ext cx="6753960" cy="1368000"/>
-          </a:xfrm>
-          <a:prstGeom prst="rect">
-            <a:avLst/>
-          </a:prstGeom>
-        </p:spPr>
-        <p:txBody>
-          <a:bodyPr wrap="none" lIns="90000" tIns="45000" rIns="90000" bIns="45000"/>
-          <a:lstStyle/>
-          <a:p>
-            <a:pPr algn="ctr">
-              <a:lnSpc>
-                <a:spcPct val="100000"/>
-              </a:lnSpc>
-            </a:pPr>
-            <a:r>
-              <a:rPr lang="it-IT" sz="4800" b="1" dirty="0" smtClean="0">
-                <a:solidFill>
-                  <a:srgbClr val="000000"/>
-                </a:solidFill>
-                <a:latin typeface="Calibri"/>
-              </a:rPr>
-              <a:t>Implementazione</a:t>
-            </a:r>
-            <a:endParaRPr dirty="0"/>
-          </a:p>
-        </p:txBody>
-      </p:sp>
-    </p:spTree>
-    <p:extLst>
-      <p:ext uri="{BB962C8B-B14F-4D97-AF65-F5344CB8AC3E}">
-        <p14:creationId xmlns:p14="http://schemas.microsoft.com/office/powerpoint/2010/main" val="3790160763"/>
-      </p:ext>
-    </p:extLst>
-  </p:cSld>
-  <p:clrMapOvr>
-    <a:masterClrMapping/>
-  </p:clrMapOvr>
-  <p:timing>
-    <p:tnLst>
-      <p:par>
-        <p:cTn xmlns:p14="http://schemas.microsoft.com/office/powerpoint/2010/main" id="1" dur="indefinite" restart="never" nodeType="tmRoot">
-          <p:childTnLst>
-            <p:seq>
-              <p:cTn id="2" nodeType="mainSeq"/>
-              <p:prevCondLst>
-                <p:cond evt="onPrev" delay="0">
-                  <p:tgtEl>
-                    <p:sldTgt/>
-                  </p:tgtEl>
-                </p:cond>
-              </p:prevCondLst>
-              <p:nextCondLst>
-                <p:cond evt="onNext" delay="0">
-                  <p:tgtEl>
-                    <p:sldTgt/>
-                  </p:tgtEl>
-                </p:cond>
-              </p:nextCondLst>
-            </p:seq>
-          </p:childTnLst>
-        </p:cTn>
-      </p:par>
-    </p:tnLst>
-  </p:timing>
-</p:sld>
-</file>
-
-<file path=ppt/slides/slide94.xml><?xml version="1.0" encoding="utf-8"?>
 <p:sld xmlns:a="http://schemas.openxmlformats.org/drawingml/2006/main" xmlns:r="http://schemas.openxmlformats.org/officeDocument/2006/relationships" xmlns:p="http://schemas.openxmlformats.org/presentationml/2006/main">
   <p:cSld>
     <p:spTree>
@@ -33885,7 +33338,7 @@
     </p:spTree>
     <p:extLst>
       <p:ext uri="{BB962C8B-B14F-4D97-AF65-F5344CB8AC3E}">
-        <p14:creationId xmlns:p14="http://schemas.microsoft.com/office/powerpoint/2010/main" val="1889567349"/>
+        <p14:creationId xmlns:p14="http://schemas.microsoft.com/office/powerpoint/2010/main" xmlns="" val="1889567349"/>
       </p:ext>
     </p:extLst>
   </p:cSld>
@@ -33895,7 +33348,7 @@
   <p:timing>
     <p:tnLst>
       <p:par>
-        <p:cTn xmlns:p14="http://schemas.microsoft.com/office/powerpoint/2010/main" id="1" dur="indefinite" restart="never" nodeType="tmRoot">
+        <p:cTn id="1" dur="indefinite" restart="never" nodeType="tmRoot">
           <p:childTnLst>
             <p:seq>
               <p:cTn id="2" nodeType="mainSeq"/>
@@ -33922,7 +33375,7 @@
 </p:sld>
 </file>
 
-<file path=ppt/slides/slide95.xml><?xml version="1.0" encoding="utf-8"?>
+<file path=ppt/slides/slide94.xml><?xml version="1.0" encoding="utf-8"?>
 <p:sld xmlns:a="http://schemas.openxmlformats.org/drawingml/2006/main" xmlns:r="http://schemas.openxmlformats.org/officeDocument/2006/relationships" xmlns:p="http://schemas.openxmlformats.org/presentationml/2006/main">
   <p:cSld>
     <p:spTree>
@@ -34140,7 +33593,7 @@
     </p:spTree>
     <p:extLst>
       <p:ext uri="{BB962C8B-B14F-4D97-AF65-F5344CB8AC3E}">
-        <p14:creationId xmlns:p14="http://schemas.microsoft.com/office/powerpoint/2010/main" val="2938595398"/>
+        <p14:creationId xmlns:p14="http://schemas.microsoft.com/office/powerpoint/2010/main" xmlns="" val="2938595398"/>
       </p:ext>
     </p:extLst>
   </p:cSld>
@@ -34150,7 +33603,7 @@
   <p:timing>
     <p:tnLst>
       <p:par>
-        <p:cTn xmlns:p14="http://schemas.microsoft.com/office/powerpoint/2010/main" id="1" dur="indefinite" restart="never" nodeType="tmRoot">
+        <p:cTn id="1" dur="indefinite" restart="never" nodeType="tmRoot">
           <p:childTnLst>
             <p:seq>
               <p:cTn id="2" nodeType="mainSeq"/>
@@ -34177,7 +33630,7 @@
 </p:sld>
 </file>
 
-<file path=ppt/slides/slide96.xml><?xml version="1.0" encoding="utf-8"?>
+<file path=ppt/slides/slide95.xml><?xml version="1.0" encoding="utf-8"?>
 <p:sld xmlns:a="http://schemas.openxmlformats.org/drawingml/2006/main" xmlns:r="http://schemas.openxmlformats.org/officeDocument/2006/relationships" xmlns:p="http://schemas.openxmlformats.org/presentationml/2006/main">
   <p:cSld>
     <p:spTree>
@@ -34440,7 +33893,7 @@
     </p:spTree>
     <p:extLst>
       <p:ext uri="{BB962C8B-B14F-4D97-AF65-F5344CB8AC3E}">
-        <p14:creationId xmlns:p14="http://schemas.microsoft.com/office/powerpoint/2010/main" val="3382536623"/>
+        <p14:creationId xmlns:p14="http://schemas.microsoft.com/office/powerpoint/2010/main" xmlns="" val="3382536623"/>
       </p:ext>
     </p:extLst>
   </p:cSld>
@@ -34450,7 +33903,227 @@
   <p:timing>
     <p:tnLst>
       <p:par>
-        <p:cTn xmlns:p14="http://schemas.microsoft.com/office/powerpoint/2010/main" id="1" dur="indefinite" restart="never" nodeType="tmRoot">
+        <p:cTn id="1" dur="indefinite" restart="never" nodeType="tmRoot">
+          <p:childTnLst>
+            <p:seq>
+              <p:cTn id="2" nodeType="mainSeq"/>
+              <p:prevCondLst>
+                <p:cond evt="onPrev" delay="0">
+                  <p:tgtEl>
+                    <p:sldTgt/>
+                  </p:tgtEl>
+                </p:cond>
+              </p:prevCondLst>
+              <p:nextCondLst>
+                <p:cond evt="onNext" delay="0">
+                  <p:tgtEl>
+                    <p:sldTgt/>
+                  </p:tgtEl>
+                </p:cond>
+              </p:nextCondLst>
+            </p:seq>
+          </p:childTnLst>
+        </p:cTn>
+      </p:par>
+    </p:tnLst>
+  </p:timing>
+</p:sld>
+</file>
+
+<file path=ppt/slides/slide96.xml><?xml version="1.0" encoding="utf-8"?>
+<p:sld xmlns:a="http://schemas.openxmlformats.org/drawingml/2006/main" xmlns:r="http://schemas.openxmlformats.org/officeDocument/2006/relationships" xmlns:p="http://schemas.openxmlformats.org/presentationml/2006/main">
+  <p:cSld>
+    <p:spTree>
+      <p:nvGrpSpPr>
+        <p:cNvPr id="1" name=""/>
+        <p:cNvGrpSpPr/>
+        <p:nvPr/>
+      </p:nvGrpSpPr>
+      <p:grpSpPr>
+        <a:xfrm>
+          <a:off x="0" y="0"/>
+          <a:ext cx="0" cy="0"/>
+          <a:chOff x="0" y="0"/>
+          <a:chExt cx="0" cy="0"/>
+        </a:xfrm>
+      </p:grpSpPr>
+      <p:sp>
+        <p:nvSpPr>
+          <p:cNvPr id="48" name="CustomShape 1"/>
+          <p:cNvSpPr/>
+          <p:nvPr/>
+        </p:nvSpPr>
+        <p:spPr>
+          <a:xfrm>
+            <a:off x="1671480" y="476640"/>
+            <a:ext cx="5540040" cy="1521720"/>
+          </a:xfrm>
+          <a:prstGeom prst="rect">
+            <a:avLst/>
+          </a:prstGeom>
+        </p:spPr>
+        <p:txBody>
+          <a:bodyPr wrap="none" lIns="90000" tIns="45000" rIns="90000" bIns="45000"/>
+          <a:lstStyle/>
+          <a:p>
+            <a:pPr algn="ctr">
+              <a:lnSpc>
+                <a:spcPct val="100000"/>
+              </a:lnSpc>
+            </a:pPr>
+            <a:endParaRPr/>
+          </a:p>
+          <a:p>
+            <a:pPr algn="ctr">
+              <a:lnSpc>
+                <a:spcPct val="100000"/>
+              </a:lnSpc>
+            </a:pPr>
+            <a:endParaRPr/>
+          </a:p>
+          <a:p>
+            <a:pPr algn="ctr">
+              <a:lnSpc>
+                <a:spcPct val="100000"/>
+              </a:lnSpc>
+            </a:pPr>
+            <a:endParaRPr/>
+          </a:p>
+        </p:txBody>
+      </p:sp>
+      <p:sp>
+        <p:nvSpPr>
+          <p:cNvPr id="49" name="CustomShape 2"/>
+          <p:cNvSpPr/>
+          <p:nvPr/>
+        </p:nvSpPr>
+        <p:spPr>
+          <a:xfrm>
+            <a:off x="323640" y="1795320"/>
+            <a:ext cx="8177040" cy="4633560"/>
+          </a:xfrm>
+          <a:prstGeom prst="rect">
+            <a:avLst/>
+          </a:prstGeom>
+        </p:spPr>
+        <p:txBody>
+          <a:bodyPr lIns="90000" tIns="0" rIns="90000" bIns="45000"/>
+          <a:lstStyle/>
+          <a:p>
+            <a:pPr>
+              <a:lnSpc>
+                <a:spcPct val="100000"/>
+              </a:lnSpc>
+              <a:buSzPct val="95000"/>
+              <a:buFont typeface="Wingdings" pitchFamily="2" charset="2"/>
+              <a:buChar char="v"/>
+            </a:pPr>
+            <a:endParaRPr lang="it-IT" sz="3200" b="1" dirty="0" smtClean="0"/>
+          </a:p>
+          <a:p>
+            <a:pPr>
+              <a:lnSpc>
+                <a:spcPct val="100000"/>
+              </a:lnSpc>
+              <a:buSzPct val="95000"/>
+              <a:buFont typeface="Wingdings" pitchFamily="2" charset="2"/>
+              <a:buChar char="v"/>
+            </a:pPr>
+            <a:r>
+              <a:rPr lang="it-IT" sz="3200" b="1" dirty="0" smtClean="0"/>
+              <a:t>Perché</a:t>
+            </a:r>
+            <a:endParaRPr lang="it-IT" sz="3200" dirty="0" smtClean="0"/>
+          </a:p>
+          <a:p>
+            <a:pPr>
+              <a:lnSpc>
+                <a:spcPct val="100000"/>
+              </a:lnSpc>
+              <a:buSzPct val="95000"/>
+            </a:pPr>
+            <a:endParaRPr lang="it-IT" sz="3200" dirty="0" smtClean="0"/>
+          </a:p>
+          <a:p>
+            <a:pPr lvl="1">
+              <a:buSzPct val="95000"/>
+              <a:buFont typeface="Arial" pitchFamily="34" charset="0"/>
+              <a:buChar char="•"/>
+            </a:pPr>
+            <a:r>
+              <a:rPr lang="it-IT" sz="2800" dirty="0" smtClean="0"/>
+              <a:t> ci permette di inserire altri messaggi in modo semplice  e senza causare molti cambiamenti nel sistema, così come modificare quelli già esistenti.</a:t>
+            </a:r>
+          </a:p>
+        </p:txBody>
+      </p:sp>
+      <p:sp>
+        <p:nvSpPr>
+          <p:cNvPr id="50" name="TextShape 3"/>
+          <p:cNvSpPr txBox="1"/>
+          <p:nvPr/>
+        </p:nvSpPr>
+        <p:spPr>
+          <a:xfrm>
+            <a:off x="1166040" y="864000"/>
+            <a:ext cx="6753960" cy="1368000"/>
+          </a:xfrm>
+          <a:prstGeom prst="rect">
+            <a:avLst/>
+          </a:prstGeom>
+        </p:spPr>
+        <p:txBody>
+          <a:bodyPr wrap="none" lIns="90000" tIns="45000" rIns="90000" bIns="45000"/>
+          <a:lstStyle/>
+          <a:p>
+            <a:pPr algn="ctr">
+              <a:lnSpc>
+                <a:spcPct val="100000"/>
+              </a:lnSpc>
+            </a:pPr>
+            <a:r>
+              <a:rPr lang="it-IT" sz="4800" b="1" dirty="0" smtClean="0">
+                <a:solidFill>
+                  <a:srgbClr val="000000"/>
+                </a:solidFill>
+                <a:latin typeface="Calibri"/>
+              </a:rPr>
+              <a:t>Perché Bridge?</a:t>
+            </a:r>
+          </a:p>
+          <a:p>
+            <a:pPr algn="ctr">
+              <a:lnSpc>
+                <a:spcPct val="100000"/>
+              </a:lnSpc>
+            </a:pPr>
+            <a:r>
+              <a:rPr lang="it-IT" sz="3000" dirty="0" smtClean="0">
+                <a:solidFill>
+                  <a:srgbClr val="000000"/>
+                </a:solidFill>
+                <a:latin typeface="Calibri"/>
+              </a:rPr>
+              <a:t>(1)</a:t>
+            </a:r>
+            <a:endParaRPr sz="3000" dirty="0"/>
+          </a:p>
+        </p:txBody>
+      </p:sp>
+    </p:spTree>
+    <p:extLst>
+      <p:ext uri="{BB962C8B-B14F-4D97-AF65-F5344CB8AC3E}">
+        <p14:creationId xmlns:p14="http://schemas.microsoft.com/office/powerpoint/2010/main" xmlns="" val="945142828"/>
+      </p:ext>
+    </p:extLst>
+  </p:cSld>
+  <p:clrMapOvr>
+    <a:masterClrMapping/>
+  </p:clrMapOvr>
+  <p:timing>
+    <p:tnLst>
+      <p:par>
+        <p:cTn id="1" dur="indefinite" restart="never" nodeType="tmRoot">
           <p:childTnLst>
             <p:seq>
               <p:cTn id="2" nodeType="mainSeq"/>
@@ -34546,7 +34219,7 @@
         </p:nvSpPr>
         <p:spPr>
           <a:xfrm>
-            <a:off x="323640" y="1795320"/>
+            <a:off x="357158" y="1795320"/>
             <a:ext cx="8177040" cy="4633560"/>
           </a:xfrm>
           <a:prstGeom prst="rect">
@@ -34580,16 +34253,12 @@
               <a:rPr lang="it-IT" sz="3200" b="1" dirty="0" smtClean="0"/>
               <a:t>Perché</a:t>
             </a:r>
-            <a:endParaRPr lang="it-IT" sz="3200" dirty="0" smtClean="0"/>
-          </a:p>
-          <a:p>
-            <a:pPr>
-              <a:lnSpc>
-                <a:spcPct val="100000"/>
-              </a:lnSpc>
+          </a:p>
+          <a:p>
+            <a:pPr lvl="1">
               <a:buSzPct val="95000"/>
             </a:pPr>
-            <a:endParaRPr lang="it-IT" sz="3200" dirty="0" smtClean="0"/>
+            <a:endParaRPr lang="it-IT" sz="2800" dirty="0" smtClean="0"/>
           </a:p>
           <a:p>
             <a:pPr lvl="1">
@@ -34599,8 +34268,17 @@
             </a:pPr>
             <a:r>
               <a:rPr lang="it-IT" sz="2800" dirty="0" smtClean="0"/>
-              <a:t> ci permette di inserire altri messaggi in modo semplice  e senza causare molti cambiamenti nel sistema, così come modificare quelli già esistenti.</a:t>
-            </a:r>
+              <a:t> il </a:t>
+            </a:r>
+            <a:r>
+              <a:rPr lang="it-IT" sz="2800" dirty="0" err="1" smtClean="0"/>
+              <a:t>controlMail</a:t>
+            </a:r>
+            <a:r>
+              <a:rPr lang="it-IT" sz="2800" dirty="0" smtClean="0"/>
+              <a:t> può usare un solo metodo di invio senza badare al tipo di notifica, infatti prende in input un oggetto MESSAGGIO.</a:t>
+            </a:r>
+            <a:endParaRPr sz="2800" dirty="0"/>
           </a:p>
         </p:txBody>
       </p:sp>
@@ -34629,7 +34307,7 @@
               </a:lnSpc>
             </a:pPr>
             <a:r>
-              <a:rPr lang="it-IT" sz="4800" b="1" dirty="0" smtClean="0">
+              <a:rPr lang="it-IT" sz="4800" b="1" smtClean="0">
                 <a:solidFill>
                   <a:srgbClr val="000000"/>
                 </a:solidFill>
@@ -34637,6 +34315,12 @@
               </a:rPr>
               <a:t>Perché Bridge?</a:t>
             </a:r>
+            <a:endParaRPr lang="it-IT" sz="4800" b="1" dirty="0" smtClean="0">
+              <a:solidFill>
+                <a:srgbClr val="000000"/>
+              </a:solidFill>
+              <a:latin typeface="Calibri"/>
+            </a:endParaRPr>
           </a:p>
           <a:p>
             <a:pPr algn="ctr">
@@ -34651,7 +34335,7 @@
                 </a:solidFill>
                 <a:latin typeface="Calibri"/>
               </a:rPr>
-              <a:t>(1)</a:t>
+              <a:t>(2)</a:t>
             </a:r>
             <a:endParaRPr sz="3000" dirty="0"/>
           </a:p>
@@ -34660,7 +34344,7 @@
     </p:spTree>
     <p:extLst>
       <p:ext uri="{BB962C8B-B14F-4D97-AF65-F5344CB8AC3E}">
-        <p14:creationId xmlns:p14="http://schemas.microsoft.com/office/powerpoint/2010/main" val="945142828"/>
+        <p14:creationId xmlns:p14="http://schemas.microsoft.com/office/powerpoint/2010/main" xmlns="" val="3313297802"/>
       </p:ext>
     </p:extLst>
   </p:cSld>
@@ -34670,7 +34354,7 @@
   <p:timing>
     <p:tnLst>
       <p:par>
-        <p:cTn xmlns:p14="http://schemas.microsoft.com/office/powerpoint/2010/main" id="1" dur="indefinite" restart="never" nodeType="tmRoot">
+        <p:cTn id="1" dur="indefinite" restart="never" nodeType="tmRoot">
           <p:childTnLst>
             <p:seq>
               <p:cTn id="2" nodeType="mainSeq"/>
@@ -34714,237 +34398,6 @@
           <a:chExt cx="0" cy="0"/>
         </a:xfrm>
       </p:grpSpPr>
-      <p:sp>
-        <p:nvSpPr>
-          <p:cNvPr id="48" name="CustomShape 1"/>
-          <p:cNvSpPr/>
-          <p:nvPr/>
-        </p:nvSpPr>
-        <p:spPr>
-          <a:xfrm>
-            <a:off x="1671480" y="476640"/>
-            <a:ext cx="5540040" cy="1521720"/>
-          </a:xfrm>
-          <a:prstGeom prst="rect">
-            <a:avLst/>
-          </a:prstGeom>
-        </p:spPr>
-        <p:txBody>
-          <a:bodyPr wrap="none" lIns="90000" tIns="45000" rIns="90000" bIns="45000"/>
-          <a:lstStyle/>
-          <a:p>
-            <a:pPr algn="ctr">
-              <a:lnSpc>
-                <a:spcPct val="100000"/>
-              </a:lnSpc>
-            </a:pPr>
-            <a:endParaRPr/>
-          </a:p>
-          <a:p>
-            <a:pPr algn="ctr">
-              <a:lnSpc>
-                <a:spcPct val="100000"/>
-              </a:lnSpc>
-            </a:pPr>
-            <a:endParaRPr/>
-          </a:p>
-          <a:p>
-            <a:pPr algn="ctr">
-              <a:lnSpc>
-                <a:spcPct val="100000"/>
-              </a:lnSpc>
-            </a:pPr>
-            <a:endParaRPr/>
-          </a:p>
-        </p:txBody>
-      </p:sp>
-      <p:sp>
-        <p:nvSpPr>
-          <p:cNvPr id="49" name="CustomShape 2"/>
-          <p:cNvSpPr/>
-          <p:nvPr/>
-        </p:nvSpPr>
-        <p:spPr>
-          <a:xfrm>
-            <a:off x="357158" y="1795320"/>
-            <a:ext cx="8177040" cy="4633560"/>
-          </a:xfrm>
-          <a:prstGeom prst="rect">
-            <a:avLst/>
-          </a:prstGeom>
-        </p:spPr>
-        <p:txBody>
-          <a:bodyPr lIns="90000" tIns="0" rIns="90000" bIns="45000"/>
-          <a:lstStyle/>
-          <a:p>
-            <a:pPr>
-              <a:lnSpc>
-                <a:spcPct val="100000"/>
-              </a:lnSpc>
-              <a:buSzPct val="95000"/>
-              <a:buFont typeface="Wingdings" pitchFamily="2" charset="2"/>
-              <a:buChar char="v"/>
-            </a:pPr>
-            <a:endParaRPr lang="it-IT" sz="3200" b="1" dirty="0" smtClean="0"/>
-          </a:p>
-          <a:p>
-            <a:pPr>
-              <a:lnSpc>
-                <a:spcPct val="100000"/>
-              </a:lnSpc>
-              <a:buSzPct val="95000"/>
-              <a:buFont typeface="Wingdings" pitchFamily="2" charset="2"/>
-              <a:buChar char="v"/>
-            </a:pPr>
-            <a:r>
-              <a:rPr lang="it-IT" sz="3200" b="1" dirty="0" smtClean="0"/>
-              <a:t>Perché</a:t>
-            </a:r>
-          </a:p>
-          <a:p>
-            <a:pPr lvl="1">
-              <a:buSzPct val="95000"/>
-            </a:pPr>
-            <a:endParaRPr lang="it-IT" sz="2800" dirty="0" smtClean="0"/>
-          </a:p>
-          <a:p>
-            <a:pPr lvl="1">
-              <a:buSzPct val="95000"/>
-              <a:buFont typeface="Arial" pitchFamily="34" charset="0"/>
-              <a:buChar char="•"/>
-            </a:pPr>
-            <a:r>
-              <a:rPr lang="it-IT" sz="2800" dirty="0" smtClean="0"/>
-              <a:t> il </a:t>
-            </a:r>
-            <a:r>
-              <a:rPr lang="it-IT" sz="2800" dirty="0" err="1" smtClean="0"/>
-              <a:t>controlMail</a:t>
-            </a:r>
-            <a:r>
-              <a:rPr lang="it-IT" sz="2800" dirty="0" smtClean="0"/>
-              <a:t> può usare un solo metodo di invio senza badare al tipo di notifica, infatti prende in input un oggetto MESSAGGIO.</a:t>
-            </a:r>
-            <a:endParaRPr sz="2800" dirty="0"/>
-          </a:p>
-        </p:txBody>
-      </p:sp>
-      <p:sp>
-        <p:nvSpPr>
-          <p:cNvPr id="50" name="TextShape 3"/>
-          <p:cNvSpPr txBox="1"/>
-          <p:nvPr/>
-        </p:nvSpPr>
-        <p:spPr>
-          <a:xfrm>
-            <a:off x="1166040" y="864000"/>
-            <a:ext cx="6753960" cy="1368000"/>
-          </a:xfrm>
-          <a:prstGeom prst="rect">
-            <a:avLst/>
-          </a:prstGeom>
-        </p:spPr>
-        <p:txBody>
-          <a:bodyPr wrap="none" lIns="90000" tIns="45000" rIns="90000" bIns="45000"/>
-          <a:lstStyle/>
-          <a:p>
-            <a:pPr algn="ctr">
-              <a:lnSpc>
-                <a:spcPct val="100000"/>
-              </a:lnSpc>
-            </a:pPr>
-            <a:r>
-              <a:rPr lang="it-IT" sz="4800" b="1" smtClean="0">
-                <a:solidFill>
-                  <a:srgbClr val="000000"/>
-                </a:solidFill>
-                <a:latin typeface="Calibri"/>
-              </a:rPr>
-              <a:t>Perché Bridge?</a:t>
-            </a:r>
-            <a:endParaRPr lang="it-IT" sz="4800" b="1" dirty="0" smtClean="0">
-              <a:solidFill>
-                <a:srgbClr val="000000"/>
-              </a:solidFill>
-              <a:latin typeface="Calibri"/>
-            </a:endParaRPr>
-          </a:p>
-          <a:p>
-            <a:pPr algn="ctr">
-              <a:lnSpc>
-                <a:spcPct val="100000"/>
-              </a:lnSpc>
-            </a:pPr>
-            <a:r>
-              <a:rPr lang="it-IT" sz="3000" dirty="0" smtClean="0">
-                <a:solidFill>
-                  <a:srgbClr val="000000"/>
-                </a:solidFill>
-                <a:latin typeface="Calibri"/>
-              </a:rPr>
-              <a:t>(2)</a:t>
-            </a:r>
-            <a:endParaRPr sz="3000" dirty="0"/>
-          </a:p>
-        </p:txBody>
-      </p:sp>
-    </p:spTree>
-    <p:extLst>
-      <p:ext uri="{BB962C8B-B14F-4D97-AF65-F5344CB8AC3E}">
-        <p14:creationId xmlns:p14="http://schemas.microsoft.com/office/powerpoint/2010/main" val="3313297802"/>
-      </p:ext>
-    </p:extLst>
-  </p:cSld>
-  <p:clrMapOvr>
-    <a:masterClrMapping/>
-  </p:clrMapOvr>
-  <p:timing>
-    <p:tnLst>
-      <p:par>
-        <p:cTn xmlns:p14="http://schemas.microsoft.com/office/powerpoint/2010/main" id="1" dur="indefinite" restart="never" nodeType="tmRoot">
-          <p:childTnLst>
-            <p:seq>
-              <p:cTn id="2" nodeType="mainSeq"/>
-              <p:prevCondLst>
-                <p:cond evt="onPrev" delay="0">
-                  <p:tgtEl>
-                    <p:sldTgt/>
-                  </p:tgtEl>
-                </p:cond>
-              </p:prevCondLst>
-              <p:nextCondLst>
-                <p:cond evt="onNext" delay="0">
-                  <p:tgtEl>
-                    <p:sldTgt/>
-                  </p:tgtEl>
-                </p:cond>
-              </p:nextCondLst>
-            </p:seq>
-          </p:childTnLst>
-        </p:cTn>
-      </p:par>
-    </p:tnLst>
-  </p:timing>
-</p:sld>
-</file>
-
-<file path=ppt/slides/slide99.xml><?xml version="1.0" encoding="utf-8"?>
-<p:sld xmlns:a="http://schemas.openxmlformats.org/drawingml/2006/main" xmlns:r="http://schemas.openxmlformats.org/officeDocument/2006/relationships" xmlns:p="http://schemas.openxmlformats.org/presentationml/2006/main">
-  <p:cSld>
-    <p:spTree>
-      <p:nvGrpSpPr>
-        <p:cNvPr id="1" name=""/>
-        <p:cNvGrpSpPr/>
-        <p:nvPr/>
-      </p:nvGrpSpPr>
-      <p:grpSpPr>
-        <a:xfrm>
-          <a:off x="0" y="0"/>
-          <a:ext cx="0" cy="0"/>
-          <a:chOff x="0" y="0"/>
-          <a:chExt cx="0" cy="0"/>
-        </a:xfrm>
-      </p:grpSpPr>
       <p:pic>
         <p:nvPicPr>
           <p:cNvPr id="3" name="Picture 3" descr="C:\linda\uni\esami_da_svolgere\gps\progetto_gps\Atsilo\documenti_comuni\loghi\logo.png"/>
@@ -34957,7 +34410,7 @@
           <a:blip r:embed="rId2">
             <a:extLst>
               <a:ext uri="{28A0092B-C50C-407E-A947-70E740481C1C}">
-                <a14:useLocalDpi xmlns:a14="http://schemas.microsoft.com/office/drawing/2010/main" val="0"/>
+                <a14:useLocalDpi xmlns:a14="http://schemas.microsoft.com/office/drawing/2010/main" xmlns="" val="0"/>
               </a:ext>
             </a:extLst>
           </a:blip>
@@ -34977,7 +34430,7 @@
           <a:noFill/>
           <a:extLst>
             <a:ext uri="{909E8E84-426E-40dd-AFC4-6F175D3DCCD1}">
-              <a14:hiddenFill xmlns:a14="http://schemas.microsoft.com/office/drawing/2010/main">
+              <a14:hiddenFill xmlns:a14="http://schemas.microsoft.com/office/drawing/2010/main" xmlns="">
                 <a:solidFill>
                   <a:srgbClr val="FFFFFF"/>
                 </a:solidFill>
@@ -35035,16 +34488,6 @@
               </a:rPr>
               <a:t>:</a:t>
             </a:r>
-            <a:endParaRPr lang="it-IT" sz="5400" b="1" dirty="0" smtClean="0">
-              <a:effectLst>
-                <a:outerShdw blurRad="38100" dist="38100" dir="2700000" algn="tl">
-                  <a:srgbClr val="000000">
-                    <a:alpha val="43137"/>
-                  </a:srgbClr>
-                </a:outerShdw>
-              </a:effectLst>
-              <a:latin typeface="+mj-lt"/>
-            </a:endParaRPr>
           </a:p>
           <a:p>
             <a:pPr algn="ctr"/>
@@ -35070,25 +34513,408 @@
     </p:spTree>
     <p:extLst>
       <p:ext uri="{BB962C8B-B14F-4D97-AF65-F5344CB8AC3E}">
-        <p14:creationId xmlns:p14="http://schemas.microsoft.com/office/powerpoint/2010/main" val="2252746867"/>
+        <p14:creationId xmlns:p14="http://schemas.microsoft.com/office/powerpoint/2010/main" xmlns="" val="2252746867"/>
       </p:ext>
     </p:extLst>
   </p:cSld>
   <p:clrMapOvr>
     <a:masterClrMapping/>
   </p:clrMapOvr>
-  <mc:AlternateContent xmlns:mc="http://schemas.openxmlformats.org/markup-compatibility/2006" xmlns:p14="http://schemas.microsoft.com/office/powerpoint/2010/main">
-    <mc:Choice Requires="p14">
+  <mc:AlternateContent xmlns:mc="http://schemas.openxmlformats.org/markup-compatibility/2006">
+    <mc:Choice xmlns:p14="http://schemas.microsoft.com/office/powerpoint/2010/main" xmlns="" Requires="p14">
       <p:transition spd="slow" p14:dur="2000"/>
     </mc:Choice>
-    <mc:Fallback xmlns="">
+    <mc:Fallback>
       <p:transition spd="slow"/>
     </mc:Fallback>
   </mc:AlternateContent>
   <p:timing>
     <p:tnLst>
       <p:par>
-        <p:cTn xmlns:p14="http://schemas.microsoft.com/office/powerpoint/2010/main" id="1" dur="indefinite" restart="never" nodeType="tmRoot"/>
+        <p:cTn id="1" dur="indefinite" restart="never" nodeType="tmRoot"/>
+      </p:par>
+    </p:tnLst>
+  </p:timing>
+</p:sld>
+</file>
+
+<file path=ppt/slides/slide99.xml><?xml version="1.0" encoding="utf-8"?>
+<p:sld xmlns:a="http://schemas.openxmlformats.org/drawingml/2006/main" xmlns:r="http://schemas.openxmlformats.org/officeDocument/2006/relationships" xmlns:p="http://schemas.openxmlformats.org/presentationml/2006/main">
+  <p:cSld>
+    <p:spTree>
+      <p:nvGrpSpPr>
+        <p:cNvPr id="1" name=""/>
+        <p:cNvGrpSpPr/>
+        <p:nvPr/>
+      </p:nvGrpSpPr>
+      <p:grpSpPr>
+        <a:xfrm>
+          <a:off x="0" y="0"/>
+          <a:ext cx="0" cy="0"/>
+          <a:chOff x="0" y="0"/>
+          <a:chExt cx="0" cy="0"/>
+        </a:xfrm>
+      </p:grpSpPr>
+      <p:sp>
+        <p:nvSpPr>
+          <p:cNvPr id="2" name="CasellaDiTesto 1"/>
+          <p:cNvSpPr txBox="1"/>
+          <p:nvPr/>
+        </p:nvSpPr>
+        <p:spPr>
+          <a:xfrm>
+            <a:off x="2339752" y="1"/>
+            <a:ext cx="4096442" cy="1538883"/>
+          </a:xfrm>
+          <a:prstGeom prst="rect">
+            <a:avLst/>
+          </a:prstGeom>
+          <a:noFill/>
+        </p:spPr>
+        <p:txBody>
+          <a:bodyPr wrap="square" rtlCol="0">
+            <a:spAutoFit/>
+          </a:bodyPr>
+          <a:lstStyle/>
+          <a:p>
+            <a:pPr algn="ctr"/>
+            <a:r>
+              <a:rPr lang="it-IT" sz="4800" b="1" dirty="0" smtClean="0">
+                <a:latin typeface="+mj-lt"/>
+              </a:rPr>
+              <a:t>Problemi? </a:t>
+            </a:r>
+          </a:p>
+          <a:p>
+            <a:pPr algn="ctr"/>
+            <a:r>
+              <a:rPr lang="it-IT" sz="2800" b="1" dirty="0" smtClean="0">
+                <a:latin typeface="+mj-lt"/>
+              </a:rPr>
+              <a:t>Perché?</a:t>
+            </a:r>
+          </a:p>
+          <a:p>
+            <a:pPr algn="ctr"/>
+            <a:endParaRPr lang="it-IT" dirty="0">
+              <a:latin typeface="+mj-lt"/>
+            </a:endParaRPr>
+          </a:p>
+        </p:txBody>
+      </p:sp>
+      <p:sp>
+        <p:nvSpPr>
+          <p:cNvPr id="5" name="Content Placeholder 3"/>
+          <p:cNvSpPr txBox="1">
+            <a:spLocks/>
+          </p:cNvSpPr>
+          <p:nvPr/>
+        </p:nvSpPr>
+        <p:spPr>
+          <a:xfrm>
+            <a:off x="539552" y="1124744"/>
+            <a:ext cx="8280920" cy="5733256"/>
+          </a:xfrm>
+          <a:prstGeom prst="rect">
+            <a:avLst/>
+          </a:prstGeom>
+        </p:spPr>
+        <p:txBody>
+          <a:bodyPr tIns="0"/>
+          <a:lstStyle>
+            <a:lvl1pPr marL="274320" indent="-274320" algn="l" rtl="0" eaLnBrk="1" latinLnBrk="0" hangingPunct="1">
+              <a:spcBef>
+                <a:spcPct val="20000"/>
+              </a:spcBef>
+              <a:buClrTx/>
+              <a:buSzPct val="95000"/>
+              <a:buFont typeface="Wingdings" pitchFamily="2" charset="2"/>
+              <a:buChar char="v"/>
+              <a:defRPr kumimoji="0" sz="2800" kern="1200">
+                <a:solidFill>
+                  <a:schemeClr val="tx1"/>
+                </a:solidFill>
+                <a:latin typeface="+mn-lt"/>
+                <a:ea typeface="+mn-ea"/>
+                <a:cs typeface="+mn-cs"/>
+              </a:defRPr>
+            </a:lvl1pPr>
+            <a:lvl2pPr marL="640080" indent="-246888" algn="l" rtl="0" eaLnBrk="1" latinLnBrk="0" hangingPunct="1">
+              <a:spcBef>
+                <a:spcPct val="20000"/>
+              </a:spcBef>
+              <a:buClrTx/>
+              <a:buSzPct val="85000"/>
+              <a:buFont typeface="Courier New" pitchFamily="49" charset="0"/>
+              <a:buChar char="o"/>
+              <a:defRPr kumimoji="0" sz="2600" kern="1200">
+                <a:solidFill>
+                  <a:schemeClr val="tx1"/>
+                </a:solidFill>
+                <a:latin typeface="+mn-lt"/>
+                <a:ea typeface="+mn-ea"/>
+                <a:cs typeface="+mn-cs"/>
+              </a:defRPr>
+            </a:lvl2pPr>
+            <a:lvl3pPr marL="914400" indent="-246888" algn="l" rtl="0" eaLnBrk="1" latinLnBrk="0" hangingPunct="1">
+              <a:spcBef>
+                <a:spcPct val="20000"/>
+              </a:spcBef>
+              <a:buClrTx/>
+              <a:buSzPct val="70000"/>
+              <a:buFont typeface="Wingdings 2"/>
+              <a:buChar char=""/>
+              <a:defRPr kumimoji="0" sz="2400" kern="1200">
+                <a:solidFill>
+                  <a:schemeClr val="tx1"/>
+                </a:solidFill>
+                <a:latin typeface="+mn-lt"/>
+                <a:ea typeface="+mn-ea"/>
+                <a:cs typeface="+mn-cs"/>
+              </a:defRPr>
+            </a:lvl3pPr>
+            <a:lvl4pPr marL="1188720" indent="-210312" algn="l" rtl="0" eaLnBrk="1" latinLnBrk="0" hangingPunct="1">
+              <a:spcBef>
+                <a:spcPct val="20000"/>
+              </a:spcBef>
+              <a:buClrTx/>
+              <a:buSzPct val="65000"/>
+              <a:buFont typeface="Wingdings 2"/>
+              <a:buChar char=""/>
+              <a:defRPr kumimoji="0" sz="2000" kern="1200">
+                <a:solidFill>
+                  <a:schemeClr val="tx1"/>
+                </a:solidFill>
+                <a:latin typeface="+mn-lt"/>
+                <a:ea typeface="+mn-ea"/>
+                <a:cs typeface="+mn-cs"/>
+              </a:defRPr>
+            </a:lvl4pPr>
+            <a:lvl5pPr marL="1463040" indent="-210312" algn="l" rtl="0" eaLnBrk="1" latinLnBrk="0" hangingPunct="1">
+              <a:spcBef>
+                <a:spcPct val="20000"/>
+              </a:spcBef>
+              <a:buClrTx/>
+              <a:buSzPct val="65000"/>
+              <a:buFont typeface="Wingdings 2"/>
+              <a:buChar char=""/>
+              <a:defRPr kumimoji="0" sz="1800" kern="1200">
+                <a:solidFill>
+                  <a:schemeClr val="tx1"/>
+                </a:solidFill>
+                <a:latin typeface="+mn-lt"/>
+                <a:ea typeface="+mn-ea"/>
+                <a:cs typeface="+mn-cs"/>
+              </a:defRPr>
+            </a:lvl5pPr>
+            <a:lvl6pPr marL="1737360" indent="-210312" algn="l" rtl="0" eaLnBrk="1" latinLnBrk="0" hangingPunct="1">
+              <a:spcBef>
+                <a:spcPct val="20000"/>
+              </a:spcBef>
+              <a:buClr>
+                <a:schemeClr val="accent5"/>
+              </a:buClr>
+              <a:buSzPct val="80000"/>
+              <a:buFont typeface="Wingdings 2"/>
+              <a:buChar char=""/>
+              <a:defRPr kumimoji="0" sz="1800" kern="1200">
+                <a:solidFill>
+                  <a:schemeClr val="tx1"/>
+                </a:solidFill>
+                <a:latin typeface="+mn-lt"/>
+                <a:ea typeface="+mn-ea"/>
+                <a:cs typeface="+mn-cs"/>
+              </a:defRPr>
+            </a:lvl6pPr>
+            <a:lvl7pPr marL="1920240" indent="-182880" algn="l" rtl="0" eaLnBrk="1" latinLnBrk="0" hangingPunct="1">
+              <a:spcBef>
+                <a:spcPct val="20000"/>
+              </a:spcBef>
+              <a:buClr>
+                <a:schemeClr val="accent6"/>
+              </a:buClr>
+              <a:buSzPct val="80000"/>
+              <a:buFont typeface="Wingdings 2"/>
+              <a:buChar char=""/>
+              <a:defRPr kumimoji="0" sz="1600" kern="1200" baseline="0">
+                <a:solidFill>
+                  <a:schemeClr val="tx1"/>
+                </a:solidFill>
+                <a:latin typeface="+mn-lt"/>
+                <a:ea typeface="+mn-ea"/>
+                <a:cs typeface="+mn-cs"/>
+              </a:defRPr>
+            </a:lvl7pPr>
+            <a:lvl8pPr marL="2194560" indent="-182880" algn="l" rtl="0" eaLnBrk="1" latinLnBrk="0" hangingPunct="1">
+              <a:spcBef>
+                <a:spcPct val="20000"/>
+              </a:spcBef>
+              <a:buClr>
+                <a:schemeClr val="tx2"/>
+              </a:buClr>
+              <a:buChar char="•"/>
+              <a:defRPr kumimoji="0" sz="1600" kern="1200">
+                <a:solidFill>
+                  <a:schemeClr val="tx1"/>
+                </a:solidFill>
+                <a:latin typeface="+mn-lt"/>
+                <a:ea typeface="+mn-ea"/>
+                <a:cs typeface="+mn-cs"/>
+              </a:defRPr>
+            </a:lvl8pPr>
+            <a:lvl9pPr marL="2468880" indent="-182880" algn="l" rtl="0" eaLnBrk="1" latinLnBrk="0" hangingPunct="1">
+              <a:spcBef>
+                <a:spcPct val="20000"/>
+              </a:spcBef>
+              <a:buClr>
+                <a:schemeClr val="tx2"/>
+              </a:buClr>
+              <a:buFontTx/>
+              <a:buChar char="•"/>
+              <a:defRPr kumimoji="0" sz="1400" kern="1200" baseline="0">
+                <a:solidFill>
+                  <a:schemeClr val="tx1"/>
+                </a:solidFill>
+                <a:latin typeface="+mn-lt"/>
+                <a:ea typeface="+mn-ea"/>
+                <a:cs typeface="+mn-cs"/>
+              </a:defRPr>
+            </a:lvl9pPr>
+          </a:lstStyle>
+          <a:p>
+            <a:r>
+              <a:rPr lang="it-IT" dirty="0" smtClean="0"/>
+              <a:t>Difficoltà iniziali </a:t>
+            </a:r>
+          </a:p>
+          <a:p>
+            <a:pPr lvl="1"/>
+            <a:r>
+              <a:rPr lang="it-IT" dirty="0" smtClean="0"/>
+              <a:t>Inesperienza </a:t>
+            </a:r>
+          </a:p>
+          <a:p>
+            <a:pPr lvl="1"/>
+            <a:r>
+              <a:rPr lang="it-IT" dirty="0" smtClean="0"/>
+              <a:t>Approccio </a:t>
+            </a:r>
+            <a:r>
+              <a:rPr lang="it-IT" dirty="0" err="1" smtClean="0"/>
+              <a:t>Tools</a:t>
+            </a:r>
+            <a:r>
+              <a:rPr lang="it-IT" dirty="0" smtClean="0"/>
+              <a:t>  (</a:t>
+            </a:r>
+            <a:r>
+              <a:rPr lang="it-IT" dirty="0" err="1" smtClean="0"/>
+              <a:t>JUnit</a:t>
+            </a:r>
+            <a:r>
+              <a:rPr lang="it-IT" dirty="0" smtClean="0"/>
+              <a:t>)</a:t>
+            </a:r>
+          </a:p>
+          <a:p>
+            <a:r>
+              <a:rPr lang="it-IT" dirty="0" smtClean="0"/>
+              <a:t>Fattore Tempo</a:t>
+            </a:r>
+          </a:p>
+          <a:p>
+            <a:pPr lvl="1"/>
+            <a:r>
+              <a:rPr lang="it-IT" dirty="0" smtClean="0"/>
+              <a:t>Consegne imperfette (</a:t>
+            </a:r>
+            <a:r>
+              <a:rPr lang="it-IT" dirty="0" err="1" smtClean="0"/>
+              <a:t>succesivamente</a:t>
+            </a:r>
+            <a:r>
+              <a:rPr lang="it-IT" dirty="0" smtClean="0"/>
+              <a:t> revisionate)</a:t>
+            </a:r>
+          </a:p>
+          <a:p>
+            <a:pPr lvl="1"/>
+            <a:r>
+              <a:rPr lang="it-IT" dirty="0" smtClean="0"/>
+              <a:t>Errori (Database)</a:t>
+            </a:r>
+          </a:p>
+          <a:p>
+            <a:r>
+              <a:rPr lang="it-IT" dirty="0" smtClean="0"/>
+              <a:t>Aggiunte e Perdite in corsa</a:t>
+            </a:r>
+          </a:p>
+          <a:p>
+            <a:pPr lvl="1"/>
+            <a:r>
+              <a:rPr lang="it-IT" dirty="0" smtClean="0"/>
+              <a:t>Modifiche Costanti al sistema</a:t>
+            </a:r>
+          </a:p>
+          <a:p>
+            <a:pPr lvl="1"/>
+            <a:r>
+              <a:rPr lang="it-IT" dirty="0" smtClean="0"/>
+              <a:t>Motivazione ed interpretazione</a:t>
+            </a:r>
+          </a:p>
+          <a:p>
+            <a:r>
+              <a:rPr lang="it-IT" dirty="0" err="1" smtClean="0"/>
+              <a:t>Problemi=Difficoltà</a:t>
+            </a:r>
+            <a:endParaRPr lang="it-IT" dirty="0" smtClean="0"/>
+          </a:p>
+          <a:p>
+            <a:pPr lvl="1"/>
+            <a:r>
+              <a:rPr lang="it-IT" dirty="0" smtClean="0"/>
+              <a:t>Naturale processo di progettazione</a:t>
+            </a:r>
+          </a:p>
+          <a:p>
+            <a:pPr lvl="1">
+              <a:buNone/>
+            </a:pPr>
+            <a:endParaRPr lang="it-IT" dirty="0" smtClean="0"/>
+          </a:p>
+          <a:p>
+            <a:pPr lvl="1">
+              <a:buNone/>
+            </a:pPr>
+            <a:endParaRPr lang="it-IT" dirty="0" smtClean="0"/>
+          </a:p>
+        </p:txBody>
+      </p:sp>
+    </p:spTree>
+    <p:extLst>
+      <p:ext uri="{BB962C8B-B14F-4D97-AF65-F5344CB8AC3E}">
+        <p14:creationId xmlns:p14="http://schemas.microsoft.com/office/powerpoint/2010/main" xmlns="" val="3564990699"/>
+      </p:ext>
+    </p:extLst>
+  </p:cSld>
+  <p:clrMapOvr>
+    <a:masterClrMapping/>
+  </p:clrMapOvr>
+  <mc:AlternateContent xmlns:mc="http://schemas.openxmlformats.org/markup-compatibility/2006">
+    <mc:Choice xmlns:p14="http://schemas.microsoft.com/office/powerpoint/2010/main" xmlns="" Requires="p14">
+      <p:transition spd="slow" p14:dur="2000"/>
+    </mc:Choice>
+    <mc:Fallback>
+      <p:transition spd="slow"/>
+    </mc:Fallback>
+  </mc:AlternateContent>
+  <p:timing>
+    <p:tnLst>
+      <p:par>
+        <p:cTn id="1" dur="indefinite" restart="never" nodeType="tmRoot"/>
       </p:par>
     </p:tnLst>
   </p:timing>

--- a/Presentazione/Atsilo1/[BOZZA] Atsilo_A_PresentazioneFinale copia.pptx
+++ b/Presentazione/Atsilo1/[BOZZA] Atsilo_A_PresentazioneFinale copia.pptx
@@ -458,7 +458,7 @@
     </p:spTree>
     <p:extLst>
       <p:ext uri="{BB962C8B-B14F-4D97-AF65-F5344CB8AC3E}">
-        <p14:creationId xmlns:p14="http://schemas.microsoft.com/office/powerpoint/2010/main" xmlns="" val="2126419590"/>
+        <p14:creationId xmlns="" xmlns:p14="http://schemas.microsoft.com/office/powerpoint/2010/main" val="2126419590"/>
       </p:ext>
     </p:extLst>
   </p:cSld>
@@ -6318,7 +6318,7 @@
           <p:nvPr>
             <p:extLst>
               <p:ext uri="{D42A27DB-BD31-4B8C-83A1-F6EECF244321}">
-                <p14:modId xmlns:p14="http://schemas.microsoft.com/office/powerpoint/2010/main" xmlns="" val="1430840817"/>
+                <p14:modId xmlns="" xmlns:p14="http://schemas.microsoft.com/office/powerpoint/2010/main" val="1430840817"/>
               </p:ext>
             </p:extLst>
           </p:nvPr>
@@ -6566,7 +6566,7 @@
           <p:nvPr>
             <p:extLst>
               <p:ext uri="{D42A27DB-BD31-4B8C-83A1-F6EECF244321}">
-                <p14:modId xmlns:p14="http://schemas.microsoft.com/office/powerpoint/2010/main" xmlns="" val="956586736"/>
+                <p14:modId xmlns="" xmlns:p14="http://schemas.microsoft.com/office/powerpoint/2010/main" val="956586736"/>
               </p:ext>
             </p:extLst>
           </p:nvPr>
@@ -6656,7 +6656,7 @@
           <a:blip r:embed="rId2">
             <a:extLst>
               <a:ext uri="{28A0092B-C50C-407E-A947-70E740481C1C}">
-                <a14:useLocalDpi xmlns:a14="http://schemas.microsoft.com/office/drawing/2010/main" xmlns="" val="0"/>
+                <a14:useLocalDpi xmlns="" xmlns:a14="http://schemas.microsoft.com/office/drawing/2010/main" val="0"/>
               </a:ext>
             </a:extLst>
           </a:blip>
@@ -6676,7 +6676,7 @@
           <a:noFill/>
           <a:extLst>
             <a:ext uri="{909E8E84-426E-40dd-AFC4-6F175D3DCCD1}">
-              <a14:hiddenFill xmlns:a14="http://schemas.microsoft.com/office/drawing/2010/main" xmlns="">
+              <a14:hiddenFill xmlns="" xmlns:a14="http://schemas.microsoft.com/office/drawing/2010/main">
                 <a:solidFill>
                   <a:srgbClr val="FFFFFF"/>
                 </a:solidFill>
@@ -6688,7 +6688,7 @@
     </p:spTree>
     <p:extLst>
       <p:ext uri="{BB962C8B-B14F-4D97-AF65-F5344CB8AC3E}">
-        <p14:creationId xmlns:p14="http://schemas.microsoft.com/office/powerpoint/2010/main" xmlns="" val="4165334171"/>
+        <p14:creationId xmlns="" xmlns:p14="http://schemas.microsoft.com/office/powerpoint/2010/main" val="4165334171"/>
       </p:ext>
     </p:extLst>
   </p:cSld>
@@ -6994,7 +6994,7 @@
     </p:spTree>
     <p:extLst>
       <p:ext uri="{BB962C8B-B14F-4D97-AF65-F5344CB8AC3E}">
-        <p14:creationId xmlns:p14="http://schemas.microsoft.com/office/powerpoint/2010/main" xmlns="" val="4143007013"/>
+        <p14:creationId xmlns="" xmlns:p14="http://schemas.microsoft.com/office/powerpoint/2010/main" val="4143007013"/>
       </p:ext>
     </p:extLst>
   </p:cSld>
@@ -7002,7 +7002,7 @@
     <a:masterClrMapping/>
   </p:clrMapOvr>
   <mc:AlternateContent xmlns:mc="http://schemas.openxmlformats.org/markup-compatibility/2006">
-    <mc:Choice xmlns:p14="http://schemas.microsoft.com/office/powerpoint/2010/main" xmlns="" Requires="p14">
+    <mc:Choice xmlns="" xmlns:p14="http://schemas.microsoft.com/office/powerpoint/2010/main" Requires="p14">
       <p:transition spd="slow" p14:dur="2000"/>
     </mc:Choice>
     <mc:Fallback>
@@ -7103,7 +7103,7 @@
     </p:spTree>
     <p:extLst>
       <p:ext uri="{BB962C8B-B14F-4D97-AF65-F5344CB8AC3E}">
-        <p14:creationId xmlns:p14="http://schemas.microsoft.com/office/powerpoint/2010/main" xmlns="" val="3695870384"/>
+        <p14:creationId xmlns="" xmlns:p14="http://schemas.microsoft.com/office/powerpoint/2010/main" val="3695870384"/>
       </p:ext>
     </p:extLst>
   </p:cSld>
@@ -7204,7 +7204,7 @@
     </p:spTree>
     <p:extLst>
       <p:ext uri="{BB962C8B-B14F-4D97-AF65-F5344CB8AC3E}">
-        <p14:creationId xmlns:p14="http://schemas.microsoft.com/office/powerpoint/2010/main" xmlns="" val="3987928837"/>
+        <p14:creationId xmlns="" xmlns:p14="http://schemas.microsoft.com/office/powerpoint/2010/main" val="3987928837"/>
       </p:ext>
     </p:extLst>
   </p:cSld>
@@ -7529,7 +7529,7 @@
     </p:spTree>
     <p:extLst>
       <p:ext uri="{BB962C8B-B14F-4D97-AF65-F5344CB8AC3E}">
-        <p14:creationId xmlns:p14="http://schemas.microsoft.com/office/powerpoint/2010/main" xmlns="" val="1367578552"/>
+        <p14:creationId xmlns="" xmlns:p14="http://schemas.microsoft.com/office/powerpoint/2010/main" val="1367578552"/>
       </p:ext>
     </p:extLst>
   </p:cSld>
@@ -7657,7 +7657,7 @@
     </p:spTree>
     <p:extLst>
       <p:ext uri="{BB962C8B-B14F-4D97-AF65-F5344CB8AC3E}">
-        <p14:creationId xmlns:p14="http://schemas.microsoft.com/office/powerpoint/2010/main" xmlns="" val="1554749062"/>
+        <p14:creationId xmlns="" xmlns:p14="http://schemas.microsoft.com/office/powerpoint/2010/main" val="1554749062"/>
       </p:ext>
     </p:extLst>
   </p:cSld>
@@ -7785,7 +7785,7 @@
     </p:spTree>
     <p:extLst>
       <p:ext uri="{BB962C8B-B14F-4D97-AF65-F5344CB8AC3E}">
-        <p14:creationId xmlns:p14="http://schemas.microsoft.com/office/powerpoint/2010/main" xmlns="" val="1028530279"/>
+        <p14:creationId xmlns="" xmlns:p14="http://schemas.microsoft.com/office/powerpoint/2010/main" val="1028530279"/>
       </p:ext>
     </p:extLst>
   </p:cSld>
@@ -7913,7 +7913,7 @@
     </p:spTree>
     <p:extLst>
       <p:ext uri="{BB962C8B-B14F-4D97-AF65-F5344CB8AC3E}">
-        <p14:creationId xmlns:p14="http://schemas.microsoft.com/office/powerpoint/2010/main" xmlns="" val="2120081776"/>
+        <p14:creationId xmlns="" xmlns:p14="http://schemas.microsoft.com/office/powerpoint/2010/main" val="2120081776"/>
       </p:ext>
     </p:extLst>
   </p:cSld>
@@ -8053,7 +8053,7 @@
     </p:spTree>
     <p:extLst>
       <p:ext uri="{BB962C8B-B14F-4D97-AF65-F5344CB8AC3E}">
-        <p14:creationId xmlns:p14="http://schemas.microsoft.com/office/powerpoint/2010/main" xmlns="" val="3320352623"/>
+        <p14:creationId xmlns="" xmlns:p14="http://schemas.microsoft.com/office/powerpoint/2010/main" val="3320352623"/>
       </p:ext>
     </p:extLst>
   </p:cSld>
@@ -8193,7 +8193,7 @@
     </p:spTree>
     <p:extLst>
       <p:ext uri="{BB962C8B-B14F-4D97-AF65-F5344CB8AC3E}">
-        <p14:creationId xmlns:p14="http://schemas.microsoft.com/office/powerpoint/2010/main" xmlns="" val="4011022122"/>
+        <p14:creationId xmlns="" xmlns:p14="http://schemas.microsoft.com/office/powerpoint/2010/main" val="4011022122"/>
       </p:ext>
     </p:extLst>
   </p:cSld>
@@ -8498,7 +8498,7 @@
     </p:spTree>
     <p:extLst>
       <p:ext uri="{BB962C8B-B14F-4D97-AF65-F5344CB8AC3E}">
-        <p14:creationId xmlns:p14="http://schemas.microsoft.com/office/powerpoint/2010/main" xmlns="" val="2927506779"/>
+        <p14:creationId xmlns="" xmlns:p14="http://schemas.microsoft.com/office/powerpoint/2010/main" val="2927506779"/>
       </p:ext>
     </p:extLst>
   </p:cSld>
@@ -9165,7 +9165,7 @@
     </p:spTree>
     <p:extLst>
       <p:ext uri="{BB962C8B-B14F-4D97-AF65-F5344CB8AC3E}">
-        <p14:creationId xmlns:p14="http://schemas.microsoft.com/office/powerpoint/2010/main" xmlns="" val="1720938352"/>
+        <p14:creationId xmlns="" xmlns:p14="http://schemas.microsoft.com/office/powerpoint/2010/main" val="1720938352"/>
       </p:ext>
     </p:extLst>
   </p:cSld>
@@ -9173,7 +9173,7 @@
     <a:masterClrMapping/>
   </p:clrMapOvr>
   <mc:AlternateContent xmlns:mc="http://schemas.openxmlformats.org/markup-compatibility/2006">
-    <mc:Choice xmlns:p14="http://schemas.microsoft.com/office/powerpoint/2010/main" xmlns="" Requires="p14">
+    <mc:Choice xmlns="" xmlns:p14="http://schemas.microsoft.com/office/powerpoint/2010/main" Requires="p14">
       <p:transition spd="slow" p14:dur="2000"/>
     </mc:Choice>
     <mc:Fallback>
@@ -9467,7 +9467,7 @@
     </p:spTree>
     <p:extLst>
       <p:ext uri="{BB962C8B-B14F-4D97-AF65-F5344CB8AC3E}">
-        <p14:creationId xmlns:p14="http://schemas.microsoft.com/office/powerpoint/2010/main" xmlns="" val="3389076463"/>
+        <p14:creationId xmlns="" xmlns:p14="http://schemas.microsoft.com/office/powerpoint/2010/main" val="3389076463"/>
       </p:ext>
     </p:extLst>
   </p:cSld>
@@ -9590,7 +9590,7 @@
     </p:spTree>
     <p:extLst>
       <p:ext uri="{BB962C8B-B14F-4D97-AF65-F5344CB8AC3E}">
-        <p14:creationId xmlns:p14="http://schemas.microsoft.com/office/powerpoint/2010/main" xmlns="" val="3781125707"/>
+        <p14:creationId xmlns="" xmlns:p14="http://schemas.microsoft.com/office/powerpoint/2010/main" val="3781125707"/>
       </p:ext>
     </p:extLst>
   </p:cSld>
@@ -9714,7 +9714,7 @@
     </p:spTree>
     <p:extLst>
       <p:ext uri="{BB962C8B-B14F-4D97-AF65-F5344CB8AC3E}">
-        <p14:creationId xmlns:p14="http://schemas.microsoft.com/office/powerpoint/2010/main" xmlns="" val="3113757335"/>
+        <p14:creationId xmlns="" xmlns:p14="http://schemas.microsoft.com/office/powerpoint/2010/main" val="3113757335"/>
       </p:ext>
     </p:extLst>
   </p:cSld>
@@ -9798,7 +9798,7 @@
     </p:spTree>
     <p:extLst>
       <p:ext uri="{BB962C8B-B14F-4D97-AF65-F5344CB8AC3E}">
-        <p14:creationId xmlns:p14="http://schemas.microsoft.com/office/powerpoint/2010/main" xmlns="" val="3128220547"/>
+        <p14:creationId xmlns="" xmlns:p14="http://schemas.microsoft.com/office/powerpoint/2010/main" val="3128220547"/>
       </p:ext>
     </p:extLst>
   </p:cSld>
@@ -9924,7 +9924,7 @@
     </p:spTree>
     <p:extLst>
       <p:ext uri="{BB962C8B-B14F-4D97-AF65-F5344CB8AC3E}">
-        <p14:creationId xmlns:p14="http://schemas.microsoft.com/office/powerpoint/2010/main" xmlns="" val="3526463055"/>
+        <p14:creationId xmlns="" xmlns:p14="http://schemas.microsoft.com/office/powerpoint/2010/main" val="3526463055"/>
       </p:ext>
     </p:extLst>
   </p:cSld>
@@ -10047,7 +10047,7 @@
     </p:spTree>
     <p:extLst>
       <p:ext uri="{BB962C8B-B14F-4D97-AF65-F5344CB8AC3E}">
-        <p14:creationId xmlns:p14="http://schemas.microsoft.com/office/powerpoint/2010/main" xmlns="" val="4153735844"/>
+        <p14:creationId xmlns="" xmlns:p14="http://schemas.microsoft.com/office/powerpoint/2010/main" val="4153735844"/>
       </p:ext>
     </p:extLst>
   </p:cSld>
@@ -10140,7 +10140,7 @@
     </p:spTree>
     <p:extLst>
       <p:ext uri="{BB962C8B-B14F-4D97-AF65-F5344CB8AC3E}">
-        <p14:creationId xmlns:p14="http://schemas.microsoft.com/office/powerpoint/2010/main" xmlns="" val="3584613944"/>
+        <p14:creationId xmlns="" xmlns:p14="http://schemas.microsoft.com/office/powerpoint/2010/main" val="3584613944"/>
       </p:ext>
     </p:extLst>
   </p:cSld>
@@ -10329,7 +10329,7 @@
     </p:spTree>
     <p:extLst>
       <p:ext uri="{BB962C8B-B14F-4D97-AF65-F5344CB8AC3E}">
-        <p14:creationId xmlns:p14="http://schemas.microsoft.com/office/powerpoint/2010/main" xmlns="" val="1309712431"/>
+        <p14:creationId xmlns="" xmlns:p14="http://schemas.microsoft.com/office/powerpoint/2010/main" val="1309712431"/>
       </p:ext>
     </p:extLst>
   </p:cSld>
@@ -10546,7 +10546,7 @@
     </p:spTree>
     <p:extLst>
       <p:ext uri="{BB962C8B-B14F-4D97-AF65-F5344CB8AC3E}">
-        <p14:creationId xmlns:p14="http://schemas.microsoft.com/office/powerpoint/2010/main" xmlns="" val="3902446084"/>
+        <p14:creationId xmlns="" xmlns:p14="http://schemas.microsoft.com/office/powerpoint/2010/main" val="3902446084"/>
       </p:ext>
     </p:extLst>
   </p:cSld>
@@ -10738,7 +10738,7 @@
     </p:spTree>
     <p:extLst>
       <p:ext uri="{BB962C8B-B14F-4D97-AF65-F5344CB8AC3E}">
-        <p14:creationId xmlns:p14="http://schemas.microsoft.com/office/powerpoint/2010/main" xmlns="" val="3677979436"/>
+        <p14:creationId xmlns="" xmlns:p14="http://schemas.microsoft.com/office/powerpoint/2010/main" val="3677979436"/>
       </p:ext>
     </p:extLst>
   </p:cSld>
@@ -11255,7 +11255,7 @@
     </p:spTree>
     <p:extLst>
       <p:ext uri="{BB962C8B-B14F-4D97-AF65-F5344CB8AC3E}">
-        <p14:creationId xmlns:p14="http://schemas.microsoft.com/office/powerpoint/2010/main" xmlns="" val="3436514102"/>
+        <p14:creationId xmlns="" xmlns:p14="http://schemas.microsoft.com/office/powerpoint/2010/main" val="3436514102"/>
       </p:ext>
     </p:extLst>
   </p:cSld>
@@ -11263,7 +11263,7 @@
     <a:masterClrMapping/>
   </p:clrMapOvr>
   <mc:AlternateContent xmlns:mc="http://schemas.openxmlformats.org/markup-compatibility/2006">
-    <mc:Choice xmlns:p14="http://schemas.microsoft.com/office/powerpoint/2010/main" xmlns="" Requires="p14">
+    <mc:Choice xmlns="" xmlns:p14="http://schemas.microsoft.com/office/powerpoint/2010/main" Requires="p14">
       <p:transition spd="slow" p14:dur="2000"/>
     </mc:Choice>
     <mc:Fallback>
@@ -11356,7 +11356,7 @@
     </p:spTree>
     <p:extLst>
       <p:ext uri="{BB962C8B-B14F-4D97-AF65-F5344CB8AC3E}">
-        <p14:creationId xmlns:p14="http://schemas.microsoft.com/office/powerpoint/2010/main" xmlns="" val="2777952497"/>
+        <p14:creationId xmlns="" xmlns:p14="http://schemas.microsoft.com/office/powerpoint/2010/main" val="2777952497"/>
       </p:ext>
     </p:extLst>
   </p:cSld>
@@ -11544,7 +11544,7 @@
     </p:spTree>
     <p:extLst>
       <p:ext uri="{BB962C8B-B14F-4D97-AF65-F5344CB8AC3E}">
-        <p14:creationId xmlns:p14="http://schemas.microsoft.com/office/powerpoint/2010/main" xmlns="" val="2574674066"/>
+        <p14:creationId xmlns="" xmlns:p14="http://schemas.microsoft.com/office/powerpoint/2010/main" val="2574674066"/>
       </p:ext>
     </p:extLst>
   </p:cSld>
@@ -11637,7 +11637,7 @@
     </p:spTree>
     <p:extLst>
       <p:ext uri="{BB962C8B-B14F-4D97-AF65-F5344CB8AC3E}">
-        <p14:creationId xmlns:p14="http://schemas.microsoft.com/office/powerpoint/2010/main" xmlns="" val="763878143"/>
+        <p14:creationId xmlns="" xmlns:p14="http://schemas.microsoft.com/office/powerpoint/2010/main" val="763878143"/>
       </p:ext>
     </p:extLst>
   </p:cSld>
@@ -11933,7 +11933,7 @@
     </p:spTree>
     <p:extLst>
       <p:ext uri="{BB962C8B-B14F-4D97-AF65-F5344CB8AC3E}">
-        <p14:creationId xmlns:p14="http://schemas.microsoft.com/office/powerpoint/2010/main" xmlns="" val="42533803"/>
+        <p14:creationId xmlns="" xmlns:p14="http://schemas.microsoft.com/office/powerpoint/2010/main" val="42533803"/>
       </p:ext>
     </p:extLst>
   </p:cSld>
@@ -11941,7 +11941,7 @@
     <a:masterClrMapping/>
   </p:clrMapOvr>
   <mc:AlternateContent xmlns:mc="http://schemas.openxmlformats.org/markup-compatibility/2006">
-    <mc:Choice xmlns:p14="http://schemas.microsoft.com/office/powerpoint/2010/main" xmlns="" Requires="p14">
+    <mc:Choice xmlns="" xmlns:p14="http://schemas.microsoft.com/office/powerpoint/2010/main" Requires="p14">
       <p:transition spd="slow" p14:dur="2000"/>
     </mc:Choice>
     <mc:Fallback>
@@ -12245,7 +12245,7 @@
     </p:spTree>
     <p:extLst>
       <p:ext uri="{BB962C8B-B14F-4D97-AF65-F5344CB8AC3E}">
-        <p14:creationId xmlns:p14="http://schemas.microsoft.com/office/powerpoint/2010/main" xmlns="" val="719158636"/>
+        <p14:creationId xmlns="" xmlns:p14="http://schemas.microsoft.com/office/powerpoint/2010/main" val="719158636"/>
       </p:ext>
     </p:extLst>
   </p:cSld>
@@ -12253,7 +12253,7 @@
     <a:masterClrMapping/>
   </p:clrMapOvr>
   <mc:AlternateContent xmlns:mc="http://schemas.openxmlformats.org/markup-compatibility/2006">
-    <mc:Choice xmlns:p14="http://schemas.microsoft.com/office/powerpoint/2010/main" xmlns="" Requires="p14">
+    <mc:Choice xmlns="" xmlns:p14="http://schemas.microsoft.com/office/powerpoint/2010/main" Requires="p14">
       <p:transition spd="slow" p14:dur="2000"/>
     </mc:Choice>
     <mc:Fallback>
@@ -12554,7 +12554,7 @@
     </p:spTree>
     <p:extLst>
       <p:ext uri="{BB962C8B-B14F-4D97-AF65-F5344CB8AC3E}">
-        <p14:creationId xmlns:p14="http://schemas.microsoft.com/office/powerpoint/2010/main" xmlns="" val="3790159258"/>
+        <p14:creationId xmlns="" xmlns:p14="http://schemas.microsoft.com/office/powerpoint/2010/main" val="3790159258"/>
       </p:ext>
     </p:extLst>
   </p:cSld>
@@ -12562,7 +12562,7 @@
     <a:masterClrMapping/>
   </p:clrMapOvr>
   <mc:AlternateContent xmlns:mc="http://schemas.openxmlformats.org/markup-compatibility/2006">
-    <mc:Choice xmlns:p14="http://schemas.microsoft.com/office/powerpoint/2010/main" xmlns="" Requires="p14">
+    <mc:Choice xmlns="" xmlns:p14="http://schemas.microsoft.com/office/powerpoint/2010/main" Requires="p14">
       <p:transition spd="slow" p14:dur="2000"/>
     </mc:Choice>
     <mc:Fallback>
@@ -12863,7 +12863,7 @@
     </p:spTree>
     <p:extLst>
       <p:ext uri="{BB962C8B-B14F-4D97-AF65-F5344CB8AC3E}">
-        <p14:creationId xmlns:p14="http://schemas.microsoft.com/office/powerpoint/2010/main" xmlns="" val="560870364"/>
+        <p14:creationId xmlns="" xmlns:p14="http://schemas.microsoft.com/office/powerpoint/2010/main" val="560870364"/>
       </p:ext>
     </p:extLst>
   </p:cSld>
@@ -12871,7 +12871,7 @@
     <a:masterClrMapping/>
   </p:clrMapOvr>
   <mc:AlternateContent xmlns:mc="http://schemas.openxmlformats.org/markup-compatibility/2006">
-    <mc:Choice xmlns:p14="http://schemas.microsoft.com/office/powerpoint/2010/main" xmlns="" Requires="p14">
+    <mc:Choice xmlns="" xmlns:p14="http://schemas.microsoft.com/office/powerpoint/2010/main" Requires="p14">
       <p:transition spd="slow" p14:dur="2000"/>
     </mc:Choice>
     <mc:Fallback>
@@ -13172,7 +13172,7 @@
     </p:spTree>
     <p:extLst>
       <p:ext uri="{BB962C8B-B14F-4D97-AF65-F5344CB8AC3E}">
-        <p14:creationId xmlns:p14="http://schemas.microsoft.com/office/powerpoint/2010/main" xmlns="" val="518406238"/>
+        <p14:creationId xmlns="" xmlns:p14="http://schemas.microsoft.com/office/powerpoint/2010/main" val="518406238"/>
       </p:ext>
     </p:extLst>
   </p:cSld>
@@ -13180,7 +13180,7 @@
     <a:masterClrMapping/>
   </p:clrMapOvr>
   <mc:AlternateContent xmlns:mc="http://schemas.openxmlformats.org/markup-compatibility/2006">
-    <mc:Choice xmlns:p14="http://schemas.microsoft.com/office/powerpoint/2010/main" xmlns="" Requires="p14">
+    <mc:Choice xmlns="" xmlns:p14="http://schemas.microsoft.com/office/powerpoint/2010/main" Requires="p14">
       <p:transition spd="slow" p14:dur="2000"/>
     </mc:Choice>
     <mc:Fallback>
@@ -13481,7 +13481,7 @@
     </p:spTree>
     <p:extLst>
       <p:ext uri="{BB962C8B-B14F-4D97-AF65-F5344CB8AC3E}">
-        <p14:creationId xmlns:p14="http://schemas.microsoft.com/office/powerpoint/2010/main" xmlns="" val="3089945963"/>
+        <p14:creationId xmlns="" xmlns:p14="http://schemas.microsoft.com/office/powerpoint/2010/main" val="3089945963"/>
       </p:ext>
     </p:extLst>
   </p:cSld>
@@ -13489,7 +13489,7 @@
     <a:masterClrMapping/>
   </p:clrMapOvr>
   <mc:AlternateContent xmlns:mc="http://schemas.openxmlformats.org/markup-compatibility/2006">
-    <mc:Choice xmlns:p14="http://schemas.microsoft.com/office/powerpoint/2010/main" xmlns="" Requires="p14">
+    <mc:Choice xmlns="" xmlns:p14="http://schemas.microsoft.com/office/powerpoint/2010/main" Requires="p14">
       <p:transition spd="slow" p14:dur="2000"/>
     </mc:Choice>
     <mc:Fallback>
@@ -13795,7 +13795,7 @@
     </p:spTree>
     <p:extLst>
       <p:ext uri="{BB962C8B-B14F-4D97-AF65-F5344CB8AC3E}">
-        <p14:creationId xmlns:p14="http://schemas.microsoft.com/office/powerpoint/2010/main" xmlns="" val="3273476610"/>
+        <p14:creationId xmlns="" xmlns:p14="http://schemas.microsoft.com/office/powerpoint/2010/main" val="3273476610"/>
       </p:ext>
     </p:extLst>
   </p:cSld>
@@ -13803,7 +13803,7 @@
     <a:masterClrMapping/>
   </p:clrMapOvr>
   <mc:AlternateContent xmlns:mc="http://schemas.openxmlformats.org/markup-compatibility/2006">
-    <mc:Choice xmlns:p14="http://schemas.microsoft.com/office/powerpoint/2010/main" xmlns="" Requires="p14">
+    <mc:Choice xmlns="" xmlns:p14="http://schemas.microsoft.com/office/powerpoint/2010/main" Requires="p14">
       <p:transition spd="slow" p14:dur="2000"/>
     </mc:Choice>
     <mc:Fallback>
@@ -14150,7 +14150,7 @@
     </p:spTree>
     <p:extLst>
       <p:ext uri="{BB962C8B-B14F-4D97-AF65-F5344CB8AC3E}">
-        <p14:creationId xmlns:p14="http://schemas.microsoft.com/office/powerpoint/2010/main" xmlns="" val="3735783036"/>
+        <p14:creationId xmlns="" xmlns:p14="http://schemas.microsoft.com/office/powerpoint/2010/main" val="3735783036"/>
       </p:ext>
     </p:extLst>
   </p:cSld>
@@ -14158,7 +14158,7 @@
     <a:masterClrMapping/>
   </p:clrMapOvr>
   <mc:AlternateContent xmlns:mc="http://schemas.openxmlformats.org/markup-compatibility/2006">
-    <mc:Choice xmlns:p14="http://schemas.microsoft.com/office/powerpoint/2010/main" xmlns="" Requires="p14">
+    <mc:Choice xmlns="" xmlns:p14="http://schemas.microsoft.com/office/powerpoint/2010/main" Requires="p14">
       <p:transition spd="slow" p14:dur="2000"/>
     </mc:Choice>
     <mc:Fallback>
@@ -14452,7 +14452,7 @@
     </p:spTree>
     <p:extLst>
       <p:ext uri="{BB962C8B-B14F-4D97-AF65-F5344CB8AC3E}">
-        <p14:creationId xmlns:p14="http://schemas.microsoft.com/office/powerpoint/2010/main" xmlns="" val="195274415"/>
+        <p14:creationId xmlns="" xmlns:p14="http://schemas.microsoft.com/office/powerpoint/2010/main" val="195274415"/>
       </p:ext>
     </p:extLst>
   </p:cSld>
@@ -14460,7 +14460,7 @@
     <a:masterClrMapping/>
   </p:clrMapOvr>
   <mc:AlternateContent xmlns:mc="http://schemas.openxmlformats.org/markup-compatibility/2006">
-    <mc:Choice xmlns:p14="http://schemas.microsoft.com/office/powerpoint/2010/main" xmlns="" Requires="p14">
+    <mc:Choice xmlns="" xmlns:p14="http://schemas.microsoft.com/office/powerpoint/2010/main" Requires="p14">
       <p:transition spd="slow" p14:dur="2000"/>
     </mc:Choice>
     <mc:Fallback>
@@ -14773,7 +14773,7 @@
     </p:spTree>
     <p:extLst>
       <p:ext uri="{BB962C8B-B14F-4D97-AF65-F5344CB8AC3E}">
-        <p14:creationId xmlns:p14="http://schemas.microsoft.com/office/powerpoint/2010/main" xmlns="" val="820318166"/>
+        <p14:creationId xmlns="" xmlns:p14="http://schemas.microsoft.com/office/powerpoint/2010/main" val="820318166"/>
       </p:ext>
     </p:extLst>
   </p:cSld>
@@ -14781,7 +14781,7 @@
     <a:masterClrMapping/>
   </p:clrMapOvr>
   <mc:AlternateContent xmlns:mc="http://schemas.openxmlformats.org/markup-compatibility/2006">
-    <mc:Choice xmlns:p14="http://schemas.microsoft.com/office/powerpoint/2010/main" xmlns="" Requires="p14">
+    <mc:Choice xmlns="" xmlns:p14="http://schemas.microsoft.com/office/powerpoint/2010/main" Requires="p14">
       <p:transition spd="slow" p14:dur="2000"/>
     </mc:Choice>
     <mc:Fallback>
@@ -15079,7 +15079,7 @@
     </p:spTree>
     <p:extLst>
       <p:ext uri="{BB962C8B-B14F-4D97-AF65-F5344CB8AC3E}">
-        <p14:creationId xmlns:p14="http://schemas.microsoft.com/office/powerpoint/2010/main" xmlns="" val="827783283"/>
+        <p14:creationId xmlns="" xmlns:p14="http://schemas.microsoft.com/office/powerpoint/2010/main" val="827783283"/>
       </p:ext>
     </p:extLst>
   </p:cSld>
@@ -15087,7 +15087,7 @@
     <a:masterClrMapping/>
   </p:clrMapOvr>
   <mc:AlternateContent xmlns:mc="http://schemas.openxmlformats.org/markup-compatibility/2006">
-    <mc:Choice xmlns:p14="http://schemas.microsoft.com/office/powerpoint/2010/main" xmlns="" Requires="p14">
+    <mc:Choice xmlns="" xmlns:p14="http://schemas.microsoft.com/office/powerpoint/2010/main" Requires="p14">
       <p:transition spd="slow" p14:dur="2000"/>
     </mc:Choice>
     <mc:Fallback>
@@ -15361,7 +15361,7 @@
     </p:spTree>
     <p:extLst>
       <p:ext uri="{BB962C8B-B14F-4D97-AF65-F5344CB8AC3E}">
-        <p14:creationId xmlns:p14="http://schemas.microsoft.com/office/powerpoint/2010/main" xmlns="" val="2112585717"/>
+        <p14:creationId xmlns="" xmlns:p14="http://schemas.microsoft.com/office/powerpoint/2010/main" val="2112585717"/>
       </p:ext>
     </p:extLst>
   </p:cSld>
@@ -15369,7 +15369,7 @@
     <a:masterClrMapping/>
   </p:clrMapOvr>
   <mc:AlternateContent xmlns:mc="http://schemas.openxmlformats.org/markup-compatibility/2006">
-    <mc:Choice xmlns:p14="http://schemas.microsoft.com/office/powerpoint/2010/main" xmlns="" Requires="p14">
+    <mc:Choice xmlns="" xmlns:p14="http://schemas.microsoft.com/office/powerpoint/2010/main" Requires="p14">
       <p:transition spd="slow" p14:dur="2000"/>
     </mc:Choice>
     <mc:Fallback>
@@ -15654,7 +15654,7 @@
     </p:spTree>
     <p:extLst>
       <p:ext uri="{BB962C8B-B14F-4D97-AF65-F5344CB8AC3E}">
-        <p14:creationId xmlns:p14="http://schemas.microsoft.com/office/powerpoint/2010/main" xmlns="" val="2498309309"/>
+        <p14:creationId xmlns="" xmlns:p14="http://schemas.microsoft.com/office/powerpoint/2010/main" val="2498309309"/>
       </p:ext>
     </p:extLst>
   </p:cSld>
@@ -15662,7 +15662,7 @@
     <a:masterClrMapping/>
   </p:clrMapOvr>
   <mc:AlternateContent xmlns:mc="http://schemas.openxmlformats.org/markup-compatibility/2006">
-    <mc:Choice xmlns:p14="http://schemas.microsoft.com/office/powerpoint/2010/main" xmlns="" Requires="p14">
+    <mc:Choice xmlns="" xmlns:p14="http://schemas.microsoft.com/office/powerpoint/2010/main" Requires="p14">
       <p:transition spd="slow" p14:dur="2000"/>
     </mc:Choice>
     <mc:Fallback>
@@ -15959,7 +15959,7 @@
     </p:spTree>
     <p:extLst>
       <p:ext uri="{BB962C8B-B14F-4D97-AF65-F5344CB8AC3E}">
-        <p14:creationId xmlns:p14="http://schemas.microsoft.com/office/powerpoint/2010/main" xmlns="" val="490993421"/>
+        <p14:creationId xmlns="" xmlns:p14="http://schemas.microsoft.com/office/powerpoint/2010/main" val="490993421"/>
       </p:ext>
     </p:extLst>
   </p:cSld>
@@ -15967,7 +15967,7 @@
     <a:masterClrMapping/>
   </p:clrMapOvr>
   <mc:AlternateContent xmlns:mc="http://schemas.openxmlformats.org/markup-compatibility/2006">
-    <mc:Choice xmlns:p14="http://schemas.microsoft.com/office/powerpoint/2010/main" xmlns="" Requires="p14">
+    <mc:Choice xmlns="" xmlns:p14="http://schemas.microsoft.com/office/powerpoint/2010/main" Requires="p14">
       <p:transition spd="slow" p14:dur="2000"/>
     </mc:Choice>
     <mc:Fallback>
@@ -16236,7 +16236,7 @@
     </p:spTree>
     <p:extLst>
       <p:ext uri="{BB962C8B-B14F-4D97-AF65-F5344CB8AC3E}">
-        <p14:creationId xmlns:p14="http://schemas.microsoft.com/office/powerpoint/2010/main" xmlns="" val="1982603412"/>
+        <p14:creationId xmlns="" xmlns:p14="http://schemas.microsoft.com/office/powerpoint/2010/main" val="1982603412"/>
       </p:ext>
     </p:extLst>
   </p:cSld>
@@ -16244,7 +16244,7 @@
     <a:masterClrMapping/>
   </p:clrMapOvr>
   <mc:AlternateContent xmlns:mc="http://schemas.openxmlformats.org/markup-compatibility/2006">
-    <mc:Choice xmlns:p14="http://schemas.microsoft.com/office/powerpoint/2010/main" xmlns="" Requires="p14">
+    <mc:Choice xmlns="" xmlns:p14="http://schemas.microsoft.com/office/powerpoint/2010/main" Requires="p14">
       <p:transition spd="slow" p14:dur="2000"/>
     </mc:Choice>
     <mc:Fallback>
@@ -16337,7 +16337,7 @@
     </p:spTree>
     <p:extLst>
       <p:ext uri="{BB962C8B-B14F-4D97-AF65-F5344CB8AC3E}">
-        <p14:creationId xmlns:p14="http://schemas.microsoft.com/office/powerpoint/2010/main" xmlns="" val="3486681628"/>
+        <p14:creationId xmlns="" xmlns:p14="http://schemas.microsoft.com/office/powerpoint/2010/main" val="3486681628"/>
       </p:ext>
     </p:extLst>
   </p:cSld>
@@ -16345,7 +16345,7 @@
     <a:masterClrMapping/>
   </p:clrMapOvr>
   <mc:AlternateContent xmlns:mc="http://schemas.openxmlformats.org/markup-compatibility/2006">
-    <mc:Choice xmlns:p14="http://schemas.microsoft.com/office/powerpoint/2010/main" xmlns="" Requires="p14">
+    <mc:Choice xmlns="" xmlns:p14="http://schemas.microsoft.com/office/powerpoint/2010/main" Requires="p14">
       <p:transition spd="slow" p14:dur="2000"/>
     </mc:Choice>
     <mc:Fallback>
@@ -16655,7 +16655,7 @@
     </p:spTree>
     <p:extLst>
       <p:ext uri="{BB962C8B-B14F-4D97-AF65-F5344CB8AC3E}">
-        <p14:creationId xmlns:p14="http://schemas.microsoft.com/office/powerpoint/2010/main" xmlns="" val="2167458548"/>
+        <p14:creationId xmlns="" xmlns:p14="http://schemas.microsoft.com/office/powerpoint/2010/main" val="2167458548"/>
       </p:ext>
     </p:extLst>
   </p:cSld>
@@ -16663,7 +16663,7 @@
     <a:masterClrMapping/>
   </p:clrMapOvr>
   <mc:AlternateContent xmlns:mc="http://schemas.openxmlformats.org/markup-compatibility/2006">
-    <mc:Choice xmlns:p14="http://schemas.microsoft.com/office/powerpoint/2010/main" xmlns="" Requires="p14">
+    <mc:Choice xmlns="" xmlns:p14="http://schemas.microsoft.com/office/powerpoint/2010/main" Requires="p14">
       <p:transition spd="slow" p14:dur="2000"/>
     </mc:Choice>
     <mc:Fallback>
@@ -16762,7 +16762,7 @@
     </p:spTree>
     <p:extLst>
       <p:ext uri="{BB962C8B-B14F-4D97-AF65-F5344CB8AC3E}">
-        <p14:creationId xmlns:p14="http://schemas.microsoft.com/office/powerpoint/2010/main" xmlns="" val="77984983"/>
+        <p14:creationId xmlns="" xmlns:p14="http://schemas.microsoft.com/office/powerpoint/2010/main" val="77984983"/>
       </p:ext>
     </p:extLst>
   </p:cSld>
@@ -16770,7 +16770,7 @@
     <a:masterClrMapping/>
   </p:clrMapOvr>
   <mc:AlternateContent xmlns:mc="http://schemas.openxmlformats.org/markup-compatibility/2006">
-    <mc:Choice xmlns:p14="http://schemas.microsoft.com/office/powerpoint/2010/main" xmlns="" Requires="p14">
+    <mc:Choice xmlns="" xmlns:p14="http://schemas.microsoft.com/office/powerpoint/2010/main" Requires="p14">
       <p:transition spd="slow" p14:dur="2000"/>
     </mc:Choice>
     <mc:Fallback>
@@ -17121,7 +17121,7 @@
     </p:spTree>
     <p:extLst>
       <p:ext uri="{BB962C8B-B14F-4D97-AF65-F5344CB8AC3E}">
-        <p14:creationId xmlns:p14="http://schemas.microsoft.com/office/powerpoint/2010/main" xmlns="" val="1766382090"/>
+        <p14:creationId xmlns="" xmlns:p14="http://schemas.microsoft.com/office/powerpoint/2010/main" val="1766382090"/>
       </p:ext>
     </p:extLst>
   </p:cSld>
@@ -17129,7 +17129,7 @@
     <a:masterClrMapping/>
   </p:clrMapOvr>
   <mc:AlternateContent xmlns:mc="http://schemas.openxmlformats.org/markup-compatibility/2006">
-    <mc:Choice xmlns:p14="http://schemas.microsoft.com/office/powerpoint/2010/main" xmlns="" Requires="p14">
+    <mc:Choice xmlns="" xmlns:p14="http://schemas.microsoft.com/office/powerpoint/2010/main" Requires="p14">
       <p:transition spd="slow" p14:dur="2000"/>
     </mc:Choice>
     <mc:Fallback>
@@ -17228,7 +17228,7 @@
     </p:spTree>
     <p:extLst>
       <p:ext uri="{BB962C8B-B14F-4D97-AF65-F5344CB8AC3E}">
-        <p14:creationId xmlns:p14="http://schemas.microsoft.com/office/powerpoint/2010/main" xmlns="" val="3690446741"/>
+        <p14:creationId xmlns="" xmlns:p14="http://schemas.microsoft.com/office/powerpoint/2010/main" val="3690446741"/>
       </p:ext>
     </p:extLst>
   </p:cSld>
@@ -17236,7 +17236,7 @@
     <a:masterClrMapping/>
   </p:clrMapOvr>
   <mc:AlternateContent xmlns:mc="http://schemas.openxmlformats.org/markup-compatibility/2006">
-    <mc:Choice xmlns:p14="http://schemas.microsoft.com/office/powerpoint/2010/main" xmlns="" Requires="p14">
+    <mc:Choice xmlns="" xmlns:p14="http://schemas.microsoft.com/office/powerpoint/2010/main" Requires="p14">
       <p:transition spd="slow" p14:dur="2000"/>
     </mc:Choice>
     <mc:Fallback>
@@ -17467,7 +17467,7 @@
     </p:spTree>
     <p:extLst>
       <p:ext uri="{BB962C8B-B14F-4D97-AF65-F5344CB8AC3E}">
-        <p14:creationId xmlns:p14="http://schemas.microsoft.com/office/powerpoint/2010/main" xmlns="" val="1921668123"/>
+        <p14:creationId xmlns="" xmlns:p14="http://schemas.microsoft.com/office/powerpoint/2010/main" val="1921668123"/>
       </p:ext>
     </p:extLst>
   </p:cSld>
@@ -17475,7 +17475,7 @@
     <a:masterClrMapping/>
   </p:clrMapOvr>
   <mc:AlternateContent xmlns:mc="http://schemas.openxmlformats.org/markup-compatibility/2006">
-    <mc:Choice xmlns:p14="http://schemas.microsoft.com/office/powerpoint/2010/main" xmlns="" Requires="p14">
+    <mc:Choice xmlns="" xmlns:p14="http://schemas.microsoft.com/office/powerpoint/2010/main" Requires="p14">
       <p:transition spd="slow" p14:dur="2000"/>
     </mc:Choice>
     <mc:Fallback>
@@ -17767,7 +17767,7 @@
     </p:spTree>
     <p:extLst>
       <p:ext uri="{BB962C8B-B14F-4D97-AF65-F5344CB8AC3E}">
-        <p14:creationId xmlns:p14="http://schemas.microsoft.com/office/powerpoint/2010/main" xmlns="" val="2809531644"/>
+        <p14:creationId xmlns="" xmlns:p14="http://schemas.microsoft.com/office/powerpoint/2010/main" val="2809531644"/>
       </p:ext>
     </p:extLst>
   </p:cSld>
@@ -17775,7 +17775,7 @@
     <a:masterClrMapping/>
   </p:clrMapOvr>
   <mc:AlternateContent xmlns:mc="http://schemas.openxmlformats.org/markup-compatibility/2006">
-    <mc:Choice xmlns:p14="http://schemas.microsoft.com/office/powerpoint/2010/main" xmlns="" Requires="p14">
+    <mc:Choice xmlns="" xmlns:p14="http://schemas.microsoft.com/office/powerpoint/2010/main" Requires="p14">
       <p:transition spd="slow" p14:dur="2000"/>
     </mc:Choice>
     <mc:Fallback>
@@ -17929,7 +17929,7 @@
     </p:spTree>
     <p:extLst>
       <p:ext uri="{BB962C8B-B14F-4D97-AF65-F5344CB8AC3E}">
-        <p14:creationId xmlns:p14="http://schemas.microsoft.com/office/powerpoint/2010/main" xmlns="" val="2052235477"/>
+        <p14:creationId xmlns="" xmlns:p14="http://schemas.microsoft.com/office/powerpoint/2010/main" val="2052235477"/>
       </p:ext>
     </p:extLst>
   </p:cSld>
@@ -17937,7 +17937,7 @@
     <a:masterClrMapping/>
   </p:clrMapOvr>
   <mc:AlternateContent xmlns:mc="http://schemas.openxmlformats.org/markup-compatibility/2006">
-    <mc:Choice xmlns:p14="http://schemas.microsoft.com/office/powerpoint/2010/main" xmlns="" Requires="p14">
+    <mc:Choice xmlns="" xmlns:p14="http://schemas.microsoft.com/office/powerpoint/2010/main" Requires="p14">
       <p:transition spd="slow" p14:dur="2000"/>
     </mc:Choice>
     <mc:Fallback>
@@ -18003,7 +18003,7 @@
     </p:spTree>
     <p:extLst>
       <p:ext uri="{BB962C8B-B14F-4D97-AF65-F5344CB8AC3E}">
-        <p14:creationId xmlns:p14="http://schemas.microsoft.com/office/powerpoint/2010/main" xmlns="" val="1378357901"/>
+        <p14:creationId xmlns="" xmlns:p14="http://schemas.microsoft.com/office/powerpoint/2010/main" val="1378357901"/>
       </p:ext>
     </p:extLst>
   </p:cSld>
@@ -18093,7 +18093,7 @@
           <p:nvPr>
             <p:extLst>
               <p:ext uri="{D42A27DB-BD31-4B8C-83A1-F6EECF244321}">
-                <p14:modId xmlns:p14="http://schemas.microsoft.com/office/powerpoint/2010/main" xmlns="" val="2256308220"/>
+                <p14:modId xmlns="" xmlns:p14="http://schemas.microsoft.com/office/powerpoint/2010/main" val="2256308220"/>
               </p:ext>
             </p:extLst>
           </p:nvPr>
@@ -18678,7 +18678,7 @@
     </p:spTree>
     <p:extLst>
       <p:ext uri="{BB962C8B-B14F-4D97-AF65-F5344CB8AC3E}">
-        <p14:creationId xmlns:p14="http://schemas.microsoft.com/office/powerpoint/2010/main" xmlns="" val="1730443546"/>
+        <p14:creationId xmlns="" xmlns:p14="http://schemas.microsoft.com/office/powerpoint/2010/main" val="1730443546"/>
       </p:ext>
     </p:extLst>
   </p:cSld>
@@ -18686,7 +18686,7 @@
     <a:masterClrMapping/>
   </p:clrMapOvr>
   <mc:AlternateContent xmlns:mc="http://schemas.openxmlformats.org/markup-compatibility/2006">
-    <mc:Choice xmlns:p14="http://schemas.microsoft.com/office/powerpoint/2010/main" xmlns="" Requires="p14">
+    <mc:Choice xmlns="" xmlns:p14="http://schemas.microsoft.com/office/powerpoint/2010/main" Requires="p14">
       <p:transition spd="slow" p14:dur="2000"/>
     </mc:Choice>
     <mc:Fallback>
@@ -19166,7 +19166,7 @@
     </p:spTree>
     <p:extLst>
       <p:ext uri="{BB962C8B-B14F-4D97-AF65-F5344CB8AC3E}">
-        <p14:creationId xmlns:p14="http://schemas.microsoft.com/office/powerpoint/2010/main" xmlns="" val="1629831378"/>
+        <p14:creationId xmlns="" xmlns:p14="http://schemas.microsoft.com/office/powerpoint/2010/main" val="1629831378"/>
       </p:ext>
     </p:extLst>
   </p:cSld>
@@ -19174,7 +19174,7 @@
     <a:masterClrMapping/>
   </p:clrMapOvr>
   <mc:AlternateContent xmlns:mc="http://schemas.openxmlformats.org/markup-compatibility/2006">
-    <mc:Choice xmlns:p14="http://schemas.microsoft.com/office/powerpoint/2010/main" xmlns="" Requires="p14">
+    <mc:Choice xmlns="" xmlns:p14="http://schemas.microsoft.com/office/powerpoint/2010/main" Requires="p14">
       <p:transition spd="slow" p14:dur="2000"/>
     </mc:Choice>
     <mc:Fallback>
@@ -19220,7 +19220,7 @@
           <a:blip r:embed="rId2">
             <a:extLst>
               <a:ext uri="{28A0092B-C50C-407E-A947-70E740481C1C}">
-                <a14:useLocalDpi xmlns:a14="http://schemas.microsoft.com/office/drawing/2010/main" xmlns="" val="0"/>
+                <a14:useLocalDpi xmlns="" xmlns:a14="http://schemas.microsoft.com/office/drawing/2010/main" val="0"/>
               </a:ext>
             </a:extLst>
           </a:blip>
@@ -19240,7 +19240,7 @@
           <a:noFill/>
           <a:extLst>
             <a:ext uri="{909E8E84-426E-40dd-AFC4-6F175D3DCCD1}">
-              <a14:hiddenFill xmlns:a14="http://schemas.microsoft.com/office/drawing/2010/main" xmlns="">
+              <a14:hiddenFill xmlns="" xmlns:a14="http://schemas.microsoft.com/office/drawing/2010/main">
                 <a:solidFill>
                   <a:srgbClr val="FFFFFF"/>
                 </a:solidFill>
@@ -19323,7 +19323,7 @@
     </p:spTree>
     <p:extLst>
       <p:ext uri="{BB962C8B-B14F-4D97-AF65-F5344CB8AC3E}">
-        <p14:creationId xmlns:p14="http://schemas.microsoft.com/office/powerpoint/2010/main" xmlns="" val="2367797895"/>
+        <p14:creationId xmlns="" xmlns:p14="http://schemas.microsoft.com/office/powerpoint/2010/main" val="2367797895"/>
       </p:ext>
     </p:extLst>
   </p:cSld>
@@ -19331,7 +19331,7 @@
     <a:masterClrMapping/>
   </p:clrMapOvr>
   <mc:AlternateContent xmlns:mc="http://schemas.openxmlformats.org/markup-compatibility/2006">
-    <mc:Choice xmlns:p14="http://schemas.microsoft.com/office/powerpoint/2010/main" xmlns="" Requires="p14">
+    <mc:Choice xmlns="" xmlns:p14="http://schemas.microsoft.com/office/powerpoint/2010/main" Requires="p14">
       <p:transition spd="slow" p14:dur="2000"/>
     </mc:Choice>
     <mc:Fallback>
@@ -19711,21 +19711,14 @@
     </p:spTree>
     <p:extLst>
       <p:ext uri="{BB962C8B-B14F-4D97-AF65-F5344CB8AC3E}">
-        <p14:creationId xmlns:p14="http://schemas.microsoft.com/office/powerpoint/2010/main" xmlns="" val="2781102722"/>
+        <p14:creationId xmlns="" xmlns:p14="http://schemas.microsoft.com/office/powerpoint/2010/main" val="2781102722"/>
       </p:ext>
     </p:extLst>
   </p:cSld>
   <p:clrMapOvr>
     <a:masterClrMapping/>
   </p:clrMapOvr>
-  <mc:AlternateContent xmlns:mc="http://schemas.openxmlformats.org/markup-compatibility/2006">
-    <mc:Choice xmlns:p14="http://schemas.microsoft.com/office/powerpoint/2010/main" xmlns="" Requires="p14">
-      <p:transition spd="slow" p14:dur="2000"/>
-    </mc:Choice>
-    <mc:Fallback>
-      <p:transition spd="slow"/>
-    </mc:Fallback>
-  </mc:AlternateContent>
+  <p:transition spd="slow"/>
   <p:timing>
     <p:tnLst>
       <p:par>
@@ -19738,6 +19731,9 @@
                     <p:cTn id="3" fill="hold">
                       <p:stCondLst>
                         <p:cond delay="indefinite"/>
+                        <p:cond evt="onBegin" delay="0">
+                          <p:tn val="2"/>
+                        </p:cond>
                       </p:stCondLst>
                       <p:childTnLst>
                         <p:par>
@@ -19747,7 +19743,7 @@
                             </p:stCondLst>
                             <p:childTnLst>
                               <p:par>
-                                <p:cTn id="5" presetID="10" presetClass="entr" presetSubtype="0" fill="hold" grpId="0" nodeType="clickEffect">
+                                <p:cTn id="5" presetID="10" presetClass="entr" presetSubtype="0" fill="hold" grpId="0" nodeType="afterEffect">
                                   <p:stCondLst>
                                     <p:cond delay="0"/>
                                   </p:stCondLst>
@@ -19939,7 +19935,7 @@
       </p:par>
     </p:tnLst>
     <p:bldLst>
-      <p:bldP spid="10" grpId="0" build="p"/>
+      <p:bldP spid="10" grpId="0" uiExpand="1" build="p"/>
     </p:bldLst>
   </p:timing>
 </p:sld>
@@ -20302,7 +20298,7 @@
     </p:spTree>
     <p:extLst>
       <p:ext uri="{BB962C8B-B14F-4D97-AF65-F5344CB8AC3E}">
-        <p14:creationId xmlns:p14="http://schemas.microsoft.com/office/powerpoint/2010/main" xmlns="" val="3452883339"/>
+        <p14:creationId xmlns="" xmlns:p14="http://schemas.microsoft.com/office/powerpoint/2010/main" val="3452883339"/>
       </p:ext>
     </p:extLst>
   </p:cSld>
@@ -20310,7 +20306,7 @@
     <a:masterClrMapping/>
   </p:clrMapOvr>
   <mc:AlternateContent xmlns:mc="http://schemas.openxmlformats.org/markup-compatibility/2006">
-    <mc:Choice xmlns:p14="http://schemas.microsoft.com/office/powerpoint/2010/main" xmlns="" Requires="p14">
+    <mc:Choice xmlns="" xmlns:p14="http://schemas.microsoft.com/office/powerpoint/2010/main" Requires="p14">
       <p:transition spd="slow" p14:dur="2000"/>
     </mc:Choice>
     <mc:Fallback>
@@ -21061,7 +21057,7 @@
     </p:spTree>
     <p:extLst>
       <p:ext uri="{BB962C8B-B14F-4D97-AF65-F5344CB8AC3E}">
-        <p14:creationId xmlns:p14="http://schemas.microsoft.com/office/powerpoint/2010/main" xmlns="" val="1358147143"/>
+        <p14:creationId xmlns="" xmlns:p14="http://schemas.microsoft.com/office/powerpoint/2010/main" val="1358147143"/>
       </p:ext>
     </p:extLst>
   </p:cSld>
@@ -21069,7 +21065,7 @@
     <a:masterClrMapping/>
   </p:clrMapOvr>
   <mc:AlternateContent xmlns:mc="http://schemas.openxmlformats.org/markup-compatibility/2006">
-    <mc:Choice xmlns:p14="http://schemas.microsoft.com/office/powerpoint/2010/main" xmlns="" Requires="p14">
+    <mc:Choice xmlns="" xmlns:p14="http://schemas.microsoft.com/office/powerpoint/2010/main" Requires="p14">
       <p:transition spd="slow" p14:dur="2000"/>
     </mc:Choice>
     <mc:Fallback>
@@ -21400,7 +21396,7 @@
     </p:spTree>
     <p:extLst>
       <p:ext uri="{BB962C8B-B14F-4D97-AF65-F5344CB8AC3E}">
-        <p14:creationId xmlns:p14="http://schemas.microsoft.com/office/powerpoint/2010/main" xmlns="" val="1827848310"/>
+        <p14:creationId xmlns="" xmlns:p14="http://schemas.microsoft.com/office/powerpoint/2010/main" val="1827848310"/>
       </p:ext>
     </p:extLst>
   </p:cSld>
@@ -21408,7 +21404,7 @@
     <a:masterClrMapping/>
   </p:clrMapOvr>
   <mc:AlternateContent xmlns:mc="http://schemas.openxmlformats.org/markup-compatibility/2006">
-    <mc:Choice xmlns:p14="http://schemas.microsoft.com/office/powerpoint/2010/main" xmlns="" Requires="p14">
+    <mc:Choice xmlns="" xmlns:p14="http://schemas.microsoft.com/office/powerpoint/2010/main" Requires="p14">
       <p:transition spd="slow" p14:dur="2000"/>
     </mc:Choice>
     <mc:Fallback>
@@ -22143,7 +22139,7 @@
     </p:spTree>
     <p:extLst>
       <p:ext uri="{BB962C8B-B14F-4D97-AF65-F5344CB8AC3E}">
-        <p14:creationId xmlns:p14="http://schemas.microsoft.com/office/powerpoint/2010/main" xmlns="" val="2616731691"/>
+        <p14:creationId xmlns="" xmlns:p14="http://schemas.microsoft.com/office/powerpoint/2010/main" val="2616731691"/>
       </p:ext>
     </p:extLst>
   </p:cSld>
@@ -22151,7 +22147,7 @@
     <a:masterClrMapping/>
   </p:clrMapOvr>
   <mc:AlternateContent xmlns:mc="http://schemas.openxmlformats.org/markup-compatibility/2006">
-    <mc:Choice xmlns:p14="http://schemas.microsoft.com/office/powerpoint/2010/main" xmlns="" Requires="p14">
+    <mc:Choice xmlns="" xmlns:p14="http://schemas.microsoft.com/office/powerpoint/2010/main" Requires="p14">
       <p:transition spd="slow" p14:dur="2000"/>
     </mc:Choice>
     <mc:Fallback>
@@ -22182,7 +22178,7 @@
                             </p:stCondLst>
                             <p:childTnLst>
                               <p:par>
-                                <p:cTn id="5" presetID="10" presetClass="entr" presetSubtype="0" fill="hold" grpId="0" nodeType="afterEffect">
+                                <p:cTn id="5" presetID="10" presetClass="entr" presetSubtype="0" fill="hold" grpId="0" nodeType="withEffect">
                                   <p:stCondLst>
                                     <p:cond delay="0"/>
                                   </p:stCondLst>
@@ -22417,7 +22413,7 @@
     </p:spTree>
     <p:extLst>
       <p:ext uri="{BB962C8B-B14F-4D97-AF65-F5344CB8AC3E}">
-        <p14:creationId xmlns:p14="http://schemas.microsoft.com/office/powerpoint/2010/main" xmlns="" val="2912892320"/>
+        <p14:creationId xmlns="" xmlns:p14="http://schemas.microsoft.com/office/powerpoint/2010/main" val="2912892320"/>
       </p:ext>
     </p:extLst>
   </p:cSld>
@@ -22425,7 +22421,7 @@
     <a:masterClrMapping/>
   </p:clrMapOvr>
   <mc:AlternateContent xmlns:mc="http://schemas.openxmlformats.org/markup-compatibility/2006">
-    <mc:Choice xmlns:p14="http://schemas.microsoft.com/office/powerpoint/2010/main" xmlns="" Requires="p14">
+    <mc:Choice xmlns="" xmlns:p14="http://schemas.microsoft.com/office/powerpoint/2010/main" Requires="p14">
       <p:transition spd="slow" p14:dur="2000"/>
     </mc:Choice>
     <mc:Fallback>
@@ -22456,7 +22452,7 @@
                             </p:stCondLst>
                             <p:childTnLst>
                               <p:par>
-                                <p:cTn id="5" presetID="10" presetClass="entr" presetSubtype="0" fill="hold" grpId="0" nodeType="afterEffect">
+                                <p:cTn id="5" presetID="10" presetClass="entr" presetSubtype="0" fill="hold" grpId="0" nodeType="withEffect">
                                   <p:stCondLst>
                                     <p:cond delay="0"/>
                                   </p:stCondLst>
@@ -22835,7 +22831,7 @@
     </p:spTree>
     <p:extLst>
       <p:ext uri="{BB962C8B-B14F-4D97-AF65-F5344CB8AC3E}">
-        <p14:creationId xmlns:p14="http://schemas.microsoft.com/office/powerpoint/2010/main" xmlns="" val="462729233"/>
+        <p14:creationId xmlns="" xmlns:p14="http://schemas.microsoft.com/office/powerpoint/2010/main" val="462729233"/>
       </p:ext>
     </p:extLst>
   </p:cSld>
@@ -22843,7 +22839,7 @@
     <a:masterClrMapping/>
   </p:clrMapOvr>
   <mc:AlternateContent xmlns:mc="http://schemas.openxmlformats.org/markup-compatibility/2006">
-    <mc:Choice xmlns:p14="http://schemas.microsoft.com/office/powerpoint/2010/main" xmlns="" Requires="p14">
+    <mc:Choice xmlns="" xmlns:p14="http://schemas.microsoft.com/office/powerpoint/2010/main" Requires="p14">
       <p:transition spd="slow" p14:dur="2000"/>
     </mc:Choice>
     <mc:Fallback>
@@ -23465,7 +23461,7 @@
     </p:spTree>
     <p:extLst>
       <p:ext uri="{BB962C8B-B14F-4D97-AF65-F5344CB8AC3E}">
-        <p14:creationId xmlns:p14="http://schemas.microsoft.com/office/powerpoint/2010/main" xmlns="" val="1717101950"/>
+        <p14:creationId xmlns="" xmlns:p14="http://schemas.microsoft.com/office/powerpoint/2010/main" val="1717101950"/>
       </p:ext>
     </p:extLst>
   </p:cSld>
@@ -23473,7 +23469,7 @@
     <a:masterClrMapping/>
   </p:clrMapOvr>
   <mc:AlternateContent xmlns:mc="http://schemas.openxmlformats.org/markup-compatibility/2006">
-    <mc:Choice xmlns:p14="http://schemas.microsoft.com/office/powerpoint/2010/main" xmlns="" Requires="p14">
+    <mc:Choice xmlns="" xmlns:p14="http://schemas.microsoft.com/office/powerpoint/2010/main" Requires="p14">
       <p:transition spd="slow" p14:dur="2000"/>
     </mc:Choice>
     <mc:Fallback>
@@ -23891,7 +23887,7 @@
     </p:spTree>
     <p:extLst>
       <p:ext uri="{BB962C8B-B14F-4D97-AF65-F5344CB8AC3E}">
-        <p14:creationId xmlns:p14="http://schemas.microsoft.com/office/powerpoint/2010/main" xmlns="" val="309719199"/>
+        <p14:creationId xmlns="" xmlns:p14="http://schemas.microsoft.com/office/powerpoint/2010/main" val="309719199"/>
       </p:ext>
     </p:extLst>
   </p:cSld>
@@ -23899,7 +23895,7 @@
     <a:masterClrMapping/>
   </p:clrMapOvr>
   <mc:AlternateContent xmlns:mc="http://schemas.openxmlformats.org/markup-compatibility/2006">
-    <mc:Choice xmlns:p14="http://schemas.microsoft.com/office/powerpoint/2010/main" xmlns="" Requires="p14">
+    <mc:Choice xmlns="" xmlns:p14="http://schemas.microsoft.com/office/powerpoint/2010/main" Requires="p14">
       <p:transition spd="slow" p14:dur="2000"/>
     </mc:Choice>
     <mc:Fallback>
@@ -24451,7 +24447,7 @@
     </p:spTree>
     <p:extLst>
       <p:ext uri="{BB962C8B-B14F-4D97-AF65-F5344CB8AC3E}">
-        <p14:creationId xmlns:p14="http://schemas.microsoft.com/office/powerpoint/2010/main" xmlns="" val="955904447"/>
+        <p14:creationId xmlns="" xmlns:p14="http://schemas.microsoft.com/office/powerpoint/2010/main" val="955904447"/>
       </p:ext>
     </p:extLst>
   </p:cSld>
@@ -24459,7 +24455,7 @@
     <a:masterClrMapping/>
   </p:clrMapOvr>
   <mc:AlternateContent xmlns:mc="http://schemas.openxmlformats.org/markup-compatibility/2006">
-    <mc:Choice xmlns:p14="http://schemas.microsoft.com/office/powerpoint/2010/main" xmlns="" Requires="p14">
+    <mc:Choice xmlns="" xmlns:p14="http://schemas.microsoft.com/office/powerpoint/2010/main" Requires="p14">
       <p:transition spd="slow" p14:dur="2000"/>
     </mc:Choice>
     <mc:Fallback>
@@ -24478,6 +24474,9 @@
                     <p:cTn id="3" fill="hold">
                       <p:stCondLst>
                         <p:cond delay="indefinite"/>
+                        <p:cond evt="onBegin" delay="0">
+                          <p:tn val="2"/>
+                        </p:cond>
                       </p:stCondLst>
                       <p:childTnLst>
                         <p:par>
@@ -24487,7 +24486,7 @@
                             </p:stCondLst>
                             <p:childTnLst>
                               <p:par>
-                                <p:cTn id="5" presetID="10" presetClass="entr" presetSubtype="0" fill="hold" nodeType="clickEffect">
+                                <p:cTn id="5" presetID="10" presetClass="entr" presetSubtype="0" fill="hold" nodeType="afterEffect">
                                   <p:stCondLst>
                                     <p:cond delay="0"/>
                                   </p:stCondLst>
@@ -25069,7 +25068,7 @@
     </p:spTree>
     <p:extLst>
       <p:ext uri="{BB962C8B-B14F-4D97-AF65-F5344CB8AC3E}">
-        <p14:creationId xmlns:p14="http://schemas.microsoft.com/office/powerpoint/2010/main" xmlns="" val="1140837011"/>
+        <p14:creationId xmlns="" xmlns:p14="http://schemas.microsoft.com/office/powerpoint/2010/main" val="1140837011"/>
       </p:ext>
     </p:extLst>
   </p:cSld>
@@ -25077,7 +25076,7 @@
     <a:masterClrMapping/>
   </p:clrMapOvr>
   <mc:AlternateContent xmlns:mc="http://schemas.openxmlformats.org/markup-compatibility/2006">
-    <mc:Choice xmlns:p14="http://schemas.microsoft.com/office/powerpoint/2010/main" xmlns="" Requires="p14">
+    <mc:Choice xmlns="" xmlns:p14="http://schemas.microsoft.com/office/powerpoint/2010/main" Requires="p14">
       <p:transition spd="slow" p14:dur="2000"/>
     </mc:Choice>
     <mc:Fallback>
@@ -25661,7 +25660,7 @@
     </p:spTree>
     <p:extLst>
       <p:ext uri="{BB962C8B-B14F-4D97-AF65-F5344CB8AC3E}">
-        <p14:creationId xmlns:p14="http://schemas.microsoft.com/office/powerpoint/2010/main" xmlns="" val="247747513"/>
+        <p14:creationId xmlns="" xmlns:p14="http://schemas.microsoft.com/office/powerpoint/2010/main" val="247747513"/>
       </p:ext>
     </p:extLst>
   </p:cSld>
@@ -25669,7 +25668,7 @@
     <a:masterClrMapping/>
   </p:clrMapOvr>
   <mc:AlternateContent xmlns:mc="http://schemas.openxmlformats.org/markup-compatibility/2006">
-    <mc:Choice xmlns:p14="http://schemas.microsoft.com/office/powerpoint/2010/main" xmlns="" Requires="p14">
+    <mc:Choice xmlns="" xmlns:p14="http://schemas.microsoft.com/office/powerpoint/2010/main" Requires="p14">
       <p:transition spd="slow" p14:dur="2000"/>
     </mc:Choice>
     <mc:Fallback>
@@ -26359,7 +26358,7 @@
     </p:spTree>
     <p:extLst>
       <p:ext uri="{BB962C8B-B14F-4D97-AF65-F5344CB8AC3E}">
-        <p14:creationId xmlns:p14="http://schemas.microsoft.com/office/powerpoint/2010/main" xmlns="" val="1776831606"/>
+        <p14:creationId xmlns="" xmlns:p14="http://schemas.microsoft.com/office/powerpoint/2010/main" val="1776831606"/>
       </p:ext>
     </p:extLst>
   </p:cSld>
@@ -26367,7 +26366,7 @@
     <a:masterClrMapping/>
   </p:clrMapOvr>
   <mc:AlternateContent xmlns:mc="http://schemas.openxmlformats.org/markup-compatibility/2006">
-    <mc:Choice xmlns:p14="http://schemas.microsoft.com/office/powerpoint/2010/main" xmlns="" Requires="p14">
+    <mc:Choice xmlns="" xmlns:p14="http://schemas.microsoft.com/office/powerpoint/2010/main" Requires="p14">
       <p:transition spd="slow" p14:dur="2000"/>
     </mc:Choice>
     <mc:Fallback>
@@ -27022,7 +27021,7 @@
     </p:spTree>
     <p:extLst>
       <p:ext uri="{BB962C8B-B14F-4D97-AF65-F5344CB8AC3E}">
-        <p14:creationId xmlns:p14="http://schemas.microsoft.com/office/powerpoint/2010/main" xmlns="" val="396334508"/>
+        <p14:creationId xmlns="" xmlns:p14="http://schemas.microsoft.com/office/powerpoint/2010/main" val="396334508"/>
       </p:ext>
     </p:extLst>
   </p:cSld>
@@ -27030,7 +27029,7 @@
     <a:masterClrMapping/>
   </p:clrMapOvr>
   <mc:AlternateContent xmlns:mc="http://schemas.openxmlformats.org/markup-compatibility/2006">
-    <mc:Choice xmlns:p14="http://schemas.microsoft.com/office/powerpoint/2010/main" xmlns="" Requires="p14">
+    <mc:Choice xmlns="" xmlns:p14="http://schemas.microsoft.com/office/powerpoint/2010/main" Requires="p14">
       <p:transition spd="slow" p14:dur="2000"/>
     </mc:Choice>
     <mc:Fallback>
@@ -27076,7 +27075,7 @@
           <a:blip r:embed="rId2">
             <a:extLst>
               <a:ext uri="{28A0092B-C50C-407E-A947-70E740481C1C}">
-                <a14:useLocalDpi xmlns:a14="http://schemas.microsoft.com/office/drawing/2010/main" xmlns="" val="0"/>
+                <a14:useLocalDpi xmlns="" xmlns:a14="http://schemas.microsoft.com/office/drawing/2010/main" val="0"/>
               </a:ext>
             </a:extLst>
           </a:blip>
@@ -27096,7 +27095,7 @@
           <a:noFill/>
           <a:extLst>
             <a:ext uri="{909E8E84-426E-40dd-AFC4-6F175D3DCCD1}">
-              <a14:hiddenFill xmlns:a14="http://schemas.microsoft.com/office/drawing/2010/main" xmlns="">
+              <a14:hiddenFill xmlns="" xmlns:a14="http://schemas.microsoft.com/office/drawing/2010/main">
                 <a:solidFill>
                   <a:srgbClr val="FFFFFF"/>
                 </a:solidFill>
@@ -27179,7 +27178,7 @@
     </p:spTree>
     <p:extLst>
       <p:ext uri="{BB962C8B-B14F-4D97-AF65-F5344CB8AC3E}">
-        <p14:creationId xmlns:p14="http://schemas.microsoft.com/office/powerpoint/2010/main" xmlns="" val="2717568001"/>
+        <p14:creationId xmlns="" xmlns:p14="http://schemas.microsoft.com/office/powerpoint/2010/main" val="2717568001"/>
       </p:ext>
     </p:extLst>
   </p:cSld>
@@ -27187,7 +27186,7 @@
     <a:masterClrMapping/>
   </p:clrMapOvr>
   <mc:AlternateContent xmlns:mc="http://schemas.openxmlformats.org/markup-compatibility/2006">
-    <mc:Choice xmlns:p14="http://schemas.microsoft.com/office/powerpoint/2010/main" xmlns="" Requires="p14">
+    <mc:Choice xmlns="" xmlns:p14="http://schemas.microsoft.com/office/powerpoint/2010/main" Requires="p14">
       <p:transition spd="slow" p14:dur="2000"/>
     </mc:Choice>
     <mc:Fallback>
@@ -27482,7 +27481,7 @@
     </p:spTree>
     <p:extLst>
       <p:ext uri="{BB962C8B-B14F-4D97-AF65-F5344CB8AC3E}">
-        <p14:creationId xmlns:p14="http://schemas.microsoft.com/office/powerpoint/2010/main" xmlns="" val="3266999169"/>
+        <p14:creationId xmlns="" xmlns:p14="http://schemas.microsoft.com/office/powerpoint/2010/main" val="3266999169"/>
       </p:ext>
     </p:extLst>
   </p:cSld>
@@ -27490,7 +27489,7 @@
     <a:masterClrMapping/>
   </p:clrMapOvr>
   <mc:AlternateContent xmlns:mc="http://schemas.openxmlformats.org/markup-compatibility/2006">
-    <mc:Choice xmlns:p14="http://schemas.microsoft.com/office/powerpoint/2010/main" xmlns="" Requires="p14">
+    <mc:Choice xmlns="" xmlns:p14="http://schemas.microsoft.com/office/powerpoint/2010/main" Requires="p14">
       <p:transition spd="slow" p14:dur="2000"/>
     </mc:Choice>
     <mc:Fallback>
@@ -27835,7 +27834,7 @@
     </p:spTree>
     <p:extLst>
       <p:ext uri="{BB962C8B-B14F-4D97-AF65-F5344CB8AC3E}">
-        <p14:creationId xmlns:p14="http://schemas.microsoft.com/office/powerpoint/2010/main" xmlns="" val="1737882227"/>
+        <p14:creationId xmlns="" xmlns:p14="http://schemas.microsoft.com/office/powerpoint/2010/main" val="1737882227"/>
       </p:ext>
     </p:extLst>
   </p:cSld>
@@ -27843,7 +27842,7 @@
     <a:masterClrMapping/>
   </p:clrMapOvr>
   <mc:AlternateContent xmlns:mc="http://schemas.openxmlformats.org/markup-compatibility/2006">
-    <mc:Choice xmlns:p14="http://schemas.microsoft.com/office/powerpoint/2010/main" xmlns="" Requires="p14">
+    <mc:Choice xmlns="" xmlns:p14="http://schemas.microsoft.com/office/powerpoint/2010/main" Requires="p14">
       <p:transition spd="slow" p14:dur="2000"/>
     </mc:Choice>
     <mc:Fallback>
@@ -28201,7 +28200,7 @@
     </p:spTree>
     <p:extLst>
       <p:ext uri="{BB962C8B-B14F-4D97-AF65-F5344CB8AC3E}">
-        <p14:creationId xmlns:p14="http://schemas.microsoft.com/office/powerpoint/2010/main" xmlns="" val="3034068148"/>
+        <p14:creationId xmlns="" xmlns:p14="http://schemas.microsoft.com/office/powerpoint/2010/main" val="3034068148"/>
       </p:ext>
     </p:extLst>
   </p:cSld>
@@ -28209,7 +28208,7 @@
     <a:masterClrMapping/>
   </p:clrMapOvr>
   <mc:AlternateContent xmlns:mc="http://schemas.openxmlformats.org/markup-compatibility/2006">
-    <mc:Choice xmlns:p14="http://schemas.microsoft.com/office/powerpoint/2010/main" xmlns="" Requires="p14">
+    <mc:Choice xmlns="" xmlns:p14="http://schemas.microsoft.com/office/powerpoint/2010/main" Requires="p14">
       <p:transition spd="slow" p14:dur="2000"/>
     </mc:Choice>
     <mc:Fallback>
@@ -28539,7 +28538,7 @@
     </p:spTree>
     <p:extLst>
       <p:ext uri="{BB962C8B-B14F-4D97-AF65-F5344CB8AC3E}">
-        <p14:creationId xmlns:p14="http://schemas.microsoft.com/office/powerpoint/2010/main" xmlns="" val="3646886653"/>
+        <p14:creationId xmlns="" xmlns:p14="http://schemas.microsoft.com/office/powerpoint/2010/main" val="3646886653"/>
       </p:ext>
     </p:extLst>
   </p:cSld>
@@ -28547,7 +28546,7 @@
     <a:masterClrMapping/>
   </p:clrMapOvr>
   <mc:AlternateContent xmlns:mc="http://schemas.openxmlformats.org/markup-compatibility/2006">
-    <mc:Choice xmlns:p14="http://schemas.microsoft.com/office/powerpoint/2010/main" xmlns="" Requires="p14">
+    <mc:Choice xmlns="" xmlns:p14="http://schemas.microsoft.com/office/powerpoint/2010/main" Requires="p14">
       <p:transition spd="slow" p14:dur="2000"/>
     </mc:Choice>
     <mc:Fallback>
@@ -28925,7 +28924,7 @@
     </p:spTree>
     <p:extLst>
       <p:ext uri="{BB962C8B-B14F-4D97-AF65-F5344CB8AC3E}">
-        <p14:creationId xmlns:p14="http://schemas.microsoft.com/office/powerpoint/2010/main" xmlns="" val="520298717"/>
+        <p14:creationId xmlns="" xmlns:p14="http://schemas.microsoft.com/office/powerpoint/2010/main" val="520298717"/>
       </p:ext>
     </p:extLst>
   </p:cSld>
@@ -28933,7 +28932,7 @@
     <a:masterClrMapping/>
   </p:clrMapOvr>
   <mc:AlternateContent xmlns:mc="http://schemas.openxmlformats.org/markup-compatibility/2006">
-    <mc:Choice xmlns:p14="http://schemas.microsoft.com/office/powerpoint/2010/main" xmlns="" Requires="p14">
+    <mc:Choice xmlns="" xmlns:p14="http://schemas.microsoft.com/office/powerpoint/2010/main" Requires="p14">
       <p:transition spd="slow" p14:dur="2000"/>
     </mc:Choice>
     <mc:Fallback>
@@ -29235,7 +29234,7 @@
     </p:spTree>
     <p:extLst>
       <p:ext uri="{BB962C8B-B14F-4D97-AF65-F5344CB8AC3E}">
-        <p14:creationId xmlns:p14="http://schemas.microsoft.com/office/powerpoint/2010/main" xmlns="" val="2203748189"/>
+        <p14:creationId xmlns="" xmlns:p14="http://schemas.microsoft.com/office/powerpoint/2010/main" val="2203748189"/>
       </p:ext>
     </p:extLst>
   </p:cSld>
@@ -29243,7 +29242,7 @@
     <a:masterClrMapping/>
   </p:clrMapOvr>
   <mc:AlternateContent xmlns:mc="http://schemas.openxmlformats.org/markup-compatibility/2006">
-    <mc:Choice xmlns:p14="http://schemas.microsoft.com/office/powerpoint/2010/main" xmlns="" Requires="p14">
+    <mc:Choice xmlns="" xmlns:p14="http://schemas.microsoft.com/office/powerpoint/2010/main" Requires="p14">
       <p:transition spd="slow" p14:dur="2000"/>
     </mc:Choice>
     <mc:Fallback>
@@ -29569,7 +29568,7 @@
     </p:spTree>
     <p:extLst>
       <p:ext uri="{BB962C8B-B14F-4D97-AF65-F5344CB8AC3E}">
-        <p14:creationId xmlns:p14="http://schemas.microsoft.com/office/powerpoint/2010/main" xmlns="" val="1130254901"/>
+        <p14:creationId xmlns="" xmlns:p14="http://schemas.microsoft.com/office/powerpoint/2010/main" val="1130254901"/>
       </p:ext>
     </p:extLst>
   </p:cSld>
@@ -29577,7 +29576,7 @@
     <a:masterClrMapping/>
   </p:clrMapOvr>
   <mc:AlternateContent xmlns:mc="http://schemas.openxmlformats.org/markup-compatibility/2006">
-    <mc:Choice xmlns:p14="http://schemas.microsoft.com/office/powerpoint/2010/main" xmlns="" Requires="p14">
+    <mc:Choice xmlns="" xmlns:p14="http://schemas.microsoft.com/office/powerpoint/2010/main" Requires="p14">
       <p:transition spd="slow" p14:dur="2000"/>
     </mc:Choice>
     <mc:Fallback>
@@ -29915,7 +29914,7 @@
     </p:spTree>
     <p:extLst>
       <p:ext uri="{BB962C8B-B14F-4D97-AF65-F5344CB8AC3E}">
-        <p14:creationId xmlns:p14="http://schemas.microsoft.com/office/powerpoint/2010/main" xmlns="" val="3734576715"/>
+        <p14:creationId xmlns="" xmlns:p14="http://schemas.microsoft.com/office/powerpoint/2010/main" val="3734576715"/>
       </p:ext>
     </p:extLst>
   </p:cSld>
@@ -29923,7 +29922,7 @@
     <a:masterClrMapping/>
   </p:clrMapOvr>
   <mc:AlternateContent xmlns:mc="http://schemas.openxmlformats.org/markup-compatibility/2006">
-    <mc:Choice xmlns:p14="http://schemas.microsoft.com/office/powerpoint/2010/main" xmlns="" Requires="p14">
+    <mc:Choice xmlns="" xmlns:p14="http://schemas.microsoft.com/office/powerpoint/2010/main" Requires="p14">
       <p:transition spd="slow" p14:dur="2000"/>
     </mc:Choice>
     <mc:Fallback>
@@ -30228,7 +30227,7 @@
     </p:spTree>
     <p:extLst>
       <p:ext uri="{BB962C8B-B14F-4D97-AF65-F5344CB8AC3E}">
-        <p14:creationId xmlns:p14="http://schemas.microsoft.com/office/powerpoint/2010/main" xmlns="" val="2632131054"/>
+        <p14:creationId xmlns="" xmlns:p14="http://schemas.microsoft.com/office/powerpoint/2010/main" val="2632131054"/>
       </p:ext>
     </p:extLst>
   </p:cSld>
@@ -30236,7 +30235,7 @@
     <a:masterClrMapping/>
   </p:clrMapOvr>
   <mc:AlternateContent xmlns:mc="http://schemas.openxmlformats.org/markup-compatibility/2006">
-    <mc:Choice xmlns:p14="http://schemas.microsoft.com/office/powerpoint/2010/main" xmlns="" Requires="p14">
+    <mc:Choice xmlns="" xmlns:p14="http://schemas.microsoft.com/office/powerpoint/2010/main" Requires="p14">
       <p:transition spd="slow" p14:dur="2000"/>
     </mc:Choice>
     <mc:Fallback>
@@ -30597,7 +30596,7 @@
     </p:spTree>
     <p:extLst>
       <p:ext uri="{BB962C8B-B14F-4D97-AF65-F5344CB8AC3E}">
-        <p14:creationId xmlns:p14="http://schemas.microsoft.com/office/powerpoint/2010/main" xmlns="" val="3678400164"/>
+        <p14:creationId xmlns="" xmlns:p14="http://schemas.microsoft.com/office/powerpoint/2010/main" val="3678400164"/>
       </p:ext>
     </p:extLst>
   </p:cSld>
@@ -30605,7 +30604,7 @@
     <a:masterClrMapping/>
   </p:clrMapOvr>
   <mc:AlternateContent xmlns:mc="http://schemas.openxmlformats.org/markup-compatibility/2006">
-    <mc:Choice xmlns:p14="http://schemas.microsoft.com/office/powerpoint/2010/main" xmlns="" Requires="p14">
+    <mc:Choice xmlns="" xmlns:p14="http://schemas.microsoft.com/office/powerpoint/2010/main" Requires="p14">
       <p:transition spd="slow" p14:dur="2000"/>
     </mc:Choice>
     <mc:Fallback>
@@ -30926,7 +30925,7 @@
     </p:spTree>
     <p:extLst>
       <p:ext uri="{BB962C8B-B14F-4D97-AF65-F5344CB8AC3E}">
-        <p14:creationId xmlns:p14="http://schemas.microsoft.com/office/powerpoint/2010/main" xmlns="" val="2983282113"/>
+        <p14:creationId xmlns="" xmlns:p14="http://schemas.microsoft.com/office/powerpoint/2010/main" val="2983282113"/>
       </p:ext>
     </p:extLst>
   </p:cSld>
@@ -30934,7 +30933,7 @@
     <a:masterClrMapping/>
   </p:clrMapOvr>
   <mc:AlternateContent xmlns:mc="http://schemas.openxmlformats.org/markup-compatibility/2006">
-    <mc:Choice xmlns:p14="http://schemas.microsoft.com/office/powerpoint/2010/main" xmlns="" Requires="p14">
+    <mc:Choice xmlns="" xmlns:p14="http://schemas.microsoft.com/office/powerpoint/2010/main" Requires="p14">
       <p:transition spd="slow" p14:dur="2000"/>
     </mc:Choice>
     <mc:Fallback>
@@ -31301,7 +31300,7 @@
     </p:spTree>
     <p:extLst>
       <p:ext uri="{BB962C8B-B14F-4D97-AF65-F5344CB8AC3E}">
-        <p14:creationId xmlns:p14="http://schemas.microsoft.com/office/powerpoint/2010/main" xmlns="" val="4266361740"/>
+        <p14:creationId xmlns="" xmlns:p14="http://schemas.microsoft.com/office/powerpoint/2010/main" val="4266361740"/>
       </p:ext>
     </p:extLst>
   </p:cSld>
@@ -31309,7 +31308,7 @@
     <a:masterClrMapping/>
   </p:clrMapOvr>
   <mc:AlternateContent xmlns:mc="http://schemas.openxmlformats.org/markup-compatibility/2006">
-    <mc:Choice xmlns:p14="http://schemas.microsoft.com/office/powerpoint/2010/main" xmlns="" Requires="p14">
+    <mc:Choice xmlns="" xmlns:p14="http://schemas.microsoft.com/office/powerpoint/2010/main" Requires="p14">
       <p:transition spd="slow" p14:dur="2000"/>
     </mc:Choice>
     <mc:Fallback>
@@ -31639,7 +31638,7 @@
     </p:spTree>
     <p:extLst>
       <p:ext uri="{BB962C8B-B14F-4D97-AF65-F5344CB8AC3E}">
-        <p14:creationId xmlns:p14="http://schemas.microsoft.com/office/powerpoint/2010/main" xmlns="" val="3326293041"/>
+        <p14:creationId xmlns="" xmlns:p14="http://schemas.microsoft.com/office/powerpoint/2010/main" val="3326293041"/>
       </p:ext>
     </p:extLst>
   </p:cSld>
@@ -31647,7 +31646,7 @@
     <a:masterClrMapping/>
   </p:clrMapOvr>
   <mc:AlternateContent xmlns:mc="http://schemas.openxmlformats.org/markup-compatibility/2006">
-    <mc:Choice xmlns:p14="http://schemas.microsoft.com/office/powerpoint/2010/main" xmlns="" Requires="p14">
+    <mc:Choice xmlns="" xmlns:p14="http://schemas.microsoft.com/office/powerpoint/2010/main" Requires="p14">
       <p:transition spd="slow" p14:dur="2000"/>
     </mc:Choice>
     <mc:Fallback>
@@ -31985,7 +31984,7 @@
     </p:spTree>
     <p:extLst>
       <p:ext uri="{BB962C8B-B14F-4D97-AF65-F5344CB8AC3E}">
-        <p14:creationId xmlns:p14="http://schemas.microsoft.com/office/powerpoint/2010/main" xmlns="" val="3052723909"/>
+        <p14:creationId xmlns="" xmlns:p14="http://schemas.microsoft.com/office/powerpoint/2010/main" val="3052723909"/>
       </p:ext>
     </p:extLst>
   </p:cSld>
@@ -31993,7 +31992,7 @@
     <a:masterClrMapping/>
   </p:clrMapOvr>
   <mc:AlternateContent xmlns:mc="http://schemas.openxmlformats.org/markup-compatibility/2006">
-    <mc:Choice xmlns:p14="http://schemas.microsoft.com/office/powerpoint/2010/main" xmlns="" Requires="p14">
+    <mc:Choice xmlns="" xmlns:p14="http://schemas.microsoft.com/office/powerpoint/2010/main" Requires="p14">
       <p:transition spd="slow" p14:dur="2000"/>
     </mc:Choice>
     <mc:Fallback>
@@ -32121,7 +32120,7 @@
     </p:spTree>
     <p:extLst>
       <p:ext uri="{BB962C8B-B14F-4D97-AF65-F5344CB8AC3E}">
-        <p14:creationId xmlns:p14="http://schemas.microsoft.com/office/powerpoint/2010/main" xmlns="" val="1576574823"/>
+        <p14:creationId xmlns="" xmlns:p14="http://schemas.microsoft.com/office/powerpoint/2010/main" val="1576574823"/>
       </p:ext>
     </p:extLst>
   </p:cSld>
@@ -32129,7 +32128,7 @@
     <a:masterClrMapping/>
   </p:clrMapOvr>
   <mc:AlternateContent xmlns:mc="http://schemas.openxmlformats.org/markup-compatibility/2006">
-    <mc:Choice xmlns:p14="http://schemas.microsoft.com/office/powerpoint/2010/main" xmlns="" Requires="p14">
+    <mc:Choice xmlns="" xmlns:p14="http://schemas.microsoft.com/office/powerpoint/2010/main" Requires="p14">
       <p:transition spd="slow" p14:dur="2000"/>
     </mc:Choice>
     <mc:Fallback>
@@ -32443,7 +32442,7 @@
     </p:spTree>
     <p:extLst>
       <p:ext uri="{BB962C8B-B14F-4D97-AF65-F5344CB8AC3E}">
-        <p14:creationId xmlns:p14="http://schemas.microsoft.com/office/powerpoint/2010/main" xmlns="" val="3303920882"/>
+        <p14:creationId xmlns="" xmlns:p14="http://schemas.microsoft.com/office/powerpoint/2010/main" val="3303920882"/>
       </p:ext>
     </p:extLst>
   </p:cSld>
@@ -32451,7 +32450,7 @@
     <a:masterClrMapping/>
   </p:clrMapOvr>
   <mc:AlternateContent xmlns:mc="http://schemas.openxmlformats.org/markup-compatibility/2006">
-    <mc:Choice xmlns:p14="http://schemas.microsoft.com/office/powerpoint/2010/main" xmlns="" Requires="p14">
+    <mc:Choice xmlns="" xmlns:p14="http://schemas.microsoft.com/office/powerpoint/2010/main" Requires="p14">
       <p:transition spd="slow" p14:dur="2000"/>
     </mc:Choice>
     <mc:Fallback>
@@ -32672,7 +32671,7 @@
     </p:spTree>
     <p:extLst>
       <p:ext uri="{BB962C8B-B14F-4D97-AF65-F5344CB8AC3E}">
-        <p14:creationId xmlns:p14="http://schemas.microsoft.com/office/powerpoint/2010/main" xmlns="" val="4257297520"/>
+        <p14:creationId xmlns="" xmlns:p14="http://schemas.microsoft.com/office/powerpoint/2010/main" val="4257297520"/>
       </p:ext>
     </p:extLst>
   </p:cSld>
@@ -32969,7 +32968,7 @@
     </p:spTree>
     <p:extLst>
       <p:ext uri="{BB962C8B-B14F-4D97-AF65-F5344CB8AC3E}">
-        <p14:creationId xmlns:p14="http://schemas.microsoft.com/office/powerpoint/2010/main" xmlns="" val="1516952845"/>
+        <p14:creationId xmlns="" xmlns:p14="http://schemas.microsoft.com/office/powerpoint/2010/main" val="1516952845"/>
       </p:ext>
     </p:extLst>
   </p:cSld>
@@ -33265,7 +33264,7 @@
     </p:spTree>
     <p:extLst>
       <p:ext uri="{BB962C8B-B14F-4D97-AF65-F5344CB8AC3E}">
-        <p14:creationId xmlns:p14="http://schemas.microsoft.com/office/powerpoint/2010/main" xmlns="" val="903666282"/>
+        <p14:creationId xmlns="" xmlns:p14="http://schemas.microsoft.com/office/powerpoint/2010/main" val="903666282"/>
       </p:ext>
     </p:extLst>
   </p:cSld>
@@ -33572,7 +33571,7 @@
     </p:spTree>
     <p:extLst>
       <p:ext uri="{BB962C8B-B14F-4D97-AF65-F5344CB8AC3E}">
-        <p14:creationId xmlns:p14="http://schemas.microsoft.com/office/powerpoint/2010/main" xmlns="" val="3790160763"/>
+        <p14:creationId xmlns="" xmlns:p14="http://schemas.microsoft.com/office/powerpoint/2010/main" val="3790160763"/>
       </p:ext>
     </p:extLst>
   </p:cSld>
@@ -33947,7 +33946,7 @@
     </p:spTree>
     <p:extLst>
       <p:ext uri="{BB962C8B-B14F-4D97-AF65-F5344CB8AC3E}">
-        <p14:creationId xmlns:p14="http://schemas.microsoft.com/office/powerpoint/2010/main" xmlns="" val="2978215168"/>
+        <p14:creationId xmlns="" xmlns:p14="http://schemas.microsoft.com/office/powerpoint/2010/main" val="2978215168"/>
       </p:ext>
     </p:extLst>
   </p:cSld>
@@ -33955,7 +33954,7 @@
     <a:masterClrMapping/>
   </p:clrMapOvr>
   <mc:AlternateContent xmlns:mc="http://schemas.openxmlformats.org/markup-compatibility/2006">
-    <mc:Choice xmlns:p14="http://schemas.microsoft.com/office/powerpoint/2010/main" xmlns="" Requires="p14">
+    <mc:Choice xmlns="" xmlns:p14="http://schemas.microsoft.com/office/powerpoint/2010/main" Requires="p14">
       <p:transition spd="slow" p14:dur="2000"/>
     </mc:Choice>
     <mc:Fallback>
@@ -34180,7 +34179,7 @@
     </p:spTree>
     <p:extLst>
       <p:ext uri="{BB962C8B-B14F-4D97-AF65-F5344CB8AC3E}">
-        <p14:creationId xmlns:p14="http://schemas.microsoft.com/office/powerpoint/2010/main" xmlns="" val="1889567349"/>
+        <p14:creationId xmlns="" xmlns:p14="http://schemas.microsoft.com/office/powerpoint/2010/main" val="1889567349"/>
       </p:ext>
     </p:extLst>
   </p:cSld>
@@ -34435,7 +34434,7 @@
     </p:spTree>
     <p:extLst>
       <p:ext uri="{BB962C8B-B14F-4D97-AF65-F5344CB8AC3E}">
-        <p14:creationId xmlns:p14="http://schemas.microsoft.com/office/powerpoint/2010/main" xmlns="" val="2938595398"/>
+        <p14:creationId xmlns="" xmlns:p14="http://schemas.microsoft.com/office/powerpoint/2010/main" val="2938595398"/>
       </p:ext>
     </p:extLst>
   </p:cSld>
@@ -34735,7 +34734,7 @@
     </p:spTree>
     <p:extLst>
       <p:ext uri="{BB962C8B-B14F-4D97-AF65-F5344CB8AC3E}">
-        <p14:creationId xmlns:p14="http://schemas.microsoft.com/office/powerpoint/2010/main" xmlns="" val="3382536623"/>
+        <p14:creationId xmlns="" xmlns:p14="http://schemas.microsoft.com/office/powerpoint/2010/main" val="3382536623"/>
       </p:ext>
     </p:extLst>
   </p:cSld>
@@ -34955,7 +34954,7 @@
     </p:spTree>
     <p:extLst>
       <p:ext uri="{BB962C8B-B14F-4D97-AF65-F5344CB8AC3E}">
-        <p14:creationId xmlns:p14="http://schemas.microsoft.com/office/powerpoint/2010/main" xmlns="" val="945142828"/>
+        <p14:creationId xmlns="" xmlns:p14="http://schemas.microsoft.com/office/powerpoint/2010/main" val="945142828"/>
       </p:ext>
     </p:extLst>
   </p:cSld>
@@ -35186,7 +35185,7 @@
     </p:spTree>
     <p:extLst>
       <p:ext uri="{BB962C8B-B14F-4D97-AF65-F5344CB8AC3E}">
-        <p14:creationId xmlns:p14="http://schemas.microsoft.com/office/powerpoint/2010/main" xmlns="" val="3313297802"/>
+        <p14:creationId xmlns="" xmlns:p14="http://schemas.microsoft.com/office/powerpoint/2010/main" val="3313297802"/>
       </p:ext>
     </p:extLst>
   </p:cSld>
@@ -35252,7 +35251,7 @@
           <a:blip r:embed="rId2">
             <a:extLst>
               <a:ext uri="{28A0092B-C50C-407E-A947-70E740481C1C}">
-                <a14:useLocalDpi xmlns:a14="http://schemas.microsoft.com/office/drawing/2010/main" xmlns="" val="0"/>
+                <a14:useLocalDpi xmlns="" xmlns:a14="http://schemas.microsoft.com/office/drawing/2010/main" val="0"/>
               </a:ext>
             </a:extLst>
           </a:blip>
@@ -35272,7 +35271,7 @@
           <a:noFill/>
           <a:extLst>
             <a:ext uri="{909E8E84-426E-40dd-AFC4-6F175D3DCCD1}">
-              <a14:hiddenFill xmlns:a14="http://schemas.microsoft.com/office/drawing/2010/main" xmlns="">
+              <a14:hiddenFill xmlns="" xmlns:a14="http://schemas.microsoft.com/office/drawing/2010/main">
                 <a:solidFill>
                   <a:srgbClr val="FFFFFF"/>
                 </a:solidFill>
@@ -35355,7 +35354,7 @@
     </p:spTree>
     <p:extLst>
       <p:ext uri="{BB962C8B-B14F-4D97-AF65-F5344CB8AC3E}">
-        <p14:creationId xmlns:p14="http://schemas.microsoft.com/office/powerpoint/2010/main" xmlns="" val="2252746867"/>
+        <p14:creationId xmlns="" xmlns:p14="http://schemas.microsoft.com/office/powerpoint/2010/main" val="2252746867"/>
       </p:ext>
     </p:extLst>
   </p:cSld>
@@ -35363,7 +35362,7 @@
     <a:masterClrMapping/>
   </p:clrMapOvr>
   <mc:AlternateContent xmlns:mc="http://schemas.openxmlformats.org/markup-compatibility/2006">
-    <mc:Choice xmlns:p14="http://schemas.microsoft.com/office/powerpoint/2010/main" xmlns="" Requires="p14">
+    <mc:Choice xmlns="" xmlns:p14="http://schemas.microsoft.com/office/powerpoint/2010/main" Requires="p14">
       <p:transition spd="slow" p14:dur="2000"/>
     </mc:Choice>
     <mc:Fallback>
@@ -35730,7 +35729,7 @@
     </p:spTree>
     <p:extLst>
       <p:ext uri="{BB962C8B-B14F-4D97-AF65-F5344CB8AC3E}">
-        <p14:creationId xmlns:p14="http://schemas.microsoft.com/office/powerpoint/2010/main" xmlns="" val="3564990699"/>
+        <p14:creationId xmlns="" xmlns:p14="http://schemas.microsoft.com/office/powerpoint/2010/main" val="3564990699"/>
       </p:ext>
     </p:extLst>
   </p:cSld>
@@ -35738,7 +35737,7 @@
     <a:masterClrMapping/>
   </p:clrMapOvr>
   <mc:AlternateContent xmlns:mc="http://schemas.openxmlformats.org/markup-compatibility/2006">
-    <mc:Choice xmlns:p14="http://schemas.microsoft.com/office/powerpoint/2010/main" xmlns="" Requires="p14">
+    <mc:Choice xmlns="" xmlns:p14="http://schemas.microsoft.com/office/powerpoint/2010/main" Requires="p14">
       <p:transition spd="slow" p14:dur="2000"/>
     </mc:Choice>
     <mc:Fallback>
@@ -36106,7 +36105,7 @@
     </p:spTree>
     <p:extLst>
       <p:ext uri="{BB962C8B-B14F-4D97-AF65-F5344CB8AC3E}">
-        <p14:creationId xmlns:p14="http://schemas.microsoft.com/office/powerpoint/2010/main" xmlns="" val="3748041918"/>
+        <p14:creationId xmlns="" xmlns:p14="http://schemas.microsoft.com/office/powerpoint/2010/main" val="3748041918"/>
       </p:ext>
     </p:extLst>
   </p:cSld>
@@ -36114,7 +36113,7 @@
     <a:masterClrMapping/>
   </p:clrMapOvr>
   <mc:AlternateContent xmlns:mc="http://schemas.openxmlformats.org/markup-compatibility/2006">
-    <mc:Choice xmlns:p14="http://schemas.microsoft.com/office/powerpoint/2010/main" xmlns="" Requires="p14">
+    <mc:Choice xmlns="" xmlns:p14="http://schemas.microsoft.com/office/powerpoint/2010/main" Requires="p14">
       <p:transition spd="slow" p14:dur="2000"/>
     </mc:Choice>
     <mc:Fallback>

--- a/Presentazione/Atsilo1/[BOZZA] Atsilo_A_PresentazioneFinale copia.pptx
+++ b/Presentazione/Atsilo1/[BOZZA] Atsilo_A_PresentazioneFinale copia.pptx
@@ -19694,7 +19694,19 @@
             </a:r>
             <a:r>
               <a:rPr lang="it-IT" dirty="0" smtClean="0"/>
-              <a:t> che farà da ponte tra il mondo </a:t>
+              <a:t> </a:t>
+            </a:r>
+            <a:r>
+              <a:rPr lang="it-IT" smtClean="0"/>
+              <a:t>che </a:t>
+            </a:r>
+            <a:r>
+              <a:rPr lang="it-IT" smtClean="0"/>
+              <a:t>fa </a:t>
+            </a:r>
+            <a:r>
+              <a:rPr lang="it-IT" dirty="0" smtClean="0"/>
+              <a:t>da ponte tra il mondo </a:t>
             </a:r>
             <a:r>
               <a:rPr lang="it-IT" dirty="0" err="1" smtClean="0"/>

--- a/Presentazione/Atsilo1/[BOZZA] Atsilo_A_PresentazioneFinale copia.pptx
+++ b/Presentazione/Atsilo1/[BOZZA] Atsilo_A_PresentazioneFinale copia.pptx
@@ -19694,15 +19694,11 @@
             </a:r>
             <a:r>
               <a:rPr lang="it-IT" dirty="0" smtClean="0"/>
-              <a:t> </a:t>
-            </a:r>
-            <a:r>
-              <a:rPr lang="it-IT" smtClean="0"/>
-              <a:t>che </a:t>
-            </a:r>
-            <a:r>
-              <a:rPr lang="it-IT" smtClean="0"/>
-              <a:t>fa </a:t>
+              <a:t> che </a:t>
+            </a:r>
+            <a:r>
+              <a:rPr lang="it-IT" dirty="0" smtClean="0"/>
+              <a:t>faccia </a:t>
             </a:r>
             <a:r>
               <a:rPr lang="it-IT" dirty="0" smtClean="0"/>

--- a/Presentazione/Atsilo1/[BOZZA] Atsilo_A_PresentazioneFinale copia.pptx
+++ b/Presentazione/Atsilo1/[BOZZA] Atsilo_A_PresentazioneFinale copia.pptx
@@ -289,7 +289,7 @@
             <a:fld id="{38D78F4D-402C-46E0-A4BB-DF91EA86B14C}" type="datetimeFigureOut">
               <a:rPr lang="it-IT" smtClean="0"/>
               <a:pPr/>
-              <a:t>02/01/2013</a:t>
+              <a:t>02/01/13</a:t>
             </a:fld>
             <a:endParaRPr lang="it-IT"/>
           </a:p>
@@ -449,7 +449,7 @@
             <a:fld id="{D70604CA-7593-4640-8FA1-5523937B8510}" type="slidenum">
               <a:rPr lang="it-IT" smtClean="0"/>
               <a:pPr/>
-              <a:t>‹N›</a:t>
+              <a:t>‹n.›</a:t>
             </a:fld>
             <a:endParaRPr lang="it-IT"/>
           </a:p>
@@ -458,7 +458,7 @@
     </p:spTree>
     <p:extLst>
       <p:ext uri="{BB962C8B-B14F-4D97-AF65-F5344CB8AC3E}">
-        <p14:creationId xmlns="" xmlns:p14="http://schemas.microsoft.com/office/powerpoint/2010/main" val="2126419590"/>
+        <p14:creationId xmlns:p14="http://schemas.microsoft.com/office/powerpoint/2010/main" val="2126419590"/>
       </p:ext>
     </p:extLst>
   </p:cSld>
@@ -2559,7 +2559,7 @@
             <a:fld id="{63CABBC0-75E4-43BB-A6A6-84C2A96BDB82}" type="datetimeFigureOut">
               <a:rPr lang="it-IT" smtClean="0"/>
               <a:pPr/>
-              <a:t>02/01/2013</a:t>
+              <a:t>02/01/13</a:t>
             </a:fld>
             <a:endParaRPr lang="it-IT"/>
           </a:p>
@@ -2602,7 +2602,7 @@
             <a:fld id="{F89AEA99-3E91-4C58-9AD4-045DB5619AC3}" type="slidenum">
               <a:rPr lang="it-IT" smtClean="0"/>
               <a:pPr/>
-              <a:t>‹N›</a:t>
+              <a:t>‹n.›</a:t>
             </a:fld>
             <a:endParaRPr lang="it-IT"/>
           </a:p>
@@ -2616,7 +2616,7 @@
   <p:timing>
     <p:tnLst>
       <p:par>
-        <p:cTn id="1" dur="indefinite" restart="never" nodeType="tmRoot"/>
+        <p:cTn xmlns:p14="http://schemas.microsoft.com/office/powerpoint/2010/main" id="1" dur="indefinite" restart="never" nodeType="tmRoot"/>
       </p:par>
     </p:tnLst>
   </p:timing>
@@ -2741,7 +2741,7 @@
             <a:fld id="{63CABBC0-75E4-43BB-A6A6-84C2A96BDB82}" type="datetimeFigureOut">
               <a:rPr lang="it-IT" smtClean="0"/>
               <a:pPr/>
-              <a:t>02/01/2013</a:t>
+              <a:t>02/01/13</a:t>
             </a:fld>
             <a:endParaRPr lang="it-IT"/>
           </a:p>
@@ -2784,7 +2784,7 @@
             <a:fld id="{F89AEA99-3E91-4C58-9AD4-045DB5619AC3}" type="slidenum">
               <a:rPr lang="it-IT" smtClean="0"/>
               <a:pPr/>
-              <a:t>‹N›</a:t>
+              <a:t>‹n.›</a:t>
             </a:fld>
             <a:endParaRPr lang="it-IT"/>
           </a:p>
@@ -2798,7 +2798,7 @@
   <p:timing>
     <p:tnLst>
       <p:par>
-        <p:cTn id="1" dur="indefinite" restart="never" nodeType="tmRoot"/>
+        <p:cTn xmlns:p14="http://schemas.microsoft.com/office/powerpoint/2010/main" id="1" dur="indefinite" restart="never" nodeType="tmRoot"/>
       </p:par>
     </p:tnLst>
   </p:timing>
@@ -2933,7 +2933,7 @@
             <a:fld id="{63CABBC0-75E4-43BB-A6A6-84C2A96BDB82}" type="datetimeFigureOut">
               <a:rPr lang="it-IT" smtClean="0"/>
               <a:pPr/>
-              <a:t>02/01/2013</a:t>
+              <a:t>02/01/13</a:t>
             </a:fld>
             <a:endParaRPr lang="it-IT"/>
           </a:p>
@@ -2976,7 +2976,7 @@
             <a:fld id="{F89AEA99-3E91-4C58-9AD4-045DB5619AC3}" type="slidenum">
               <a:rPr lang="it-IT" smtClean="0"/>
               <a:pPr/>
-              <a:t>‹N›</a:t>
+              <a:t>‹n.›</a:t>
             </a:fld>
             <a:endParaRPr lang="it-IT"/>
           </a:p>
@@ -2990,7 +2990,7 @@
   <p:timing>
     <p:tnLst>
       <p:par>
-        <p:cTn id="1" dur="indefinite" restart="never" nodeType="tmRoot"/>
+        <p:cTn xmlns:p14="http://schemas.microsoft.com/office/powerpoint/2010/main" id="1" dur="indefinite" restart="never" nodeType="tmRoot"/>
       </p:par>
     </p:tnLst>
   </p:timing>
@@ -3115,7 +3115,7 @@
             <a:fld id="{63CABBC0-75E4-43BB-A6A6-84C2A96BDB82}" type="datetimeFigureOut">
               <a:rPr lang="it-IT" smtClean="0"/>
               <a:pPr/>
-              <a:t>02/01/2013</a:t>
+              <a:t>02/01/13</a:t>
             </a:fld>
             <a:endParaRPr lang="it-IT"/>
           </a:p>
@@ -3158,7 +3158,7 @@
             <a:fld id="{F89AEA99-3E91-4C58-9AD4-045DB5619AC3}" type="slidenum">
               <a:rPr lang="it-IT" smtClean="0"/>
               <a:pPr/>
-              <a:t>‹N›</a:t>
+              <a:t>‹n.›</a:t>
             </a:fld>
             <a:endParaRPr lang="it-IT"/>
           </a:p>
@@ -3172,7 +3172,7 @@
   <p:timing>
     <p:tnLst>
       <p:par>
-        <p:cTn id="1" dur="indefinite" restart="never" nodeType="tmRoot"/>
+        <p:cTn xmlns:p14="http://schemas.microsoft.com/office/powerpoint/2010/main" id="1" dur="indefinite" restart="never" nodeType="tmRoot"/>
       </p:par>
     </p:tnLst>
   </p:timing>
@@ -3358,7 +3358,7 @@
             <a:fld id="{63CABBC0-75E4-43BB-A6A6-84C2A96BDB82}" type="datetimeFigureOut">
               <a:rPr lang="it-IT" smtClean="0"/>
               <a:pPr/>
-              <a:t>02/01/2013</a:t>
+              <a:t>02/01/13</a:t>
             </a:fld>
             <a:endParaRPr lang="it-IT"/>
           </a:p>
@@ -3401,7 +3401,7 @@
             <a:fld id="{F89AEA99-3E91-4C58-9AD4-045DB5619AC3}" type="slidenum">
               <a:rPr lang="it-IT" smtClean="0"/>
               <a:pPr/>
-              <a:t>‹N›</a:t>
+              <a:t>‹n.›</a:t>
             </a:fld>
             <a:endParaRPr lang="it-IT"/>
           </a:p>
@@ -3415,7 +3415,7 @@
   <p:timing>
     <p:tnLst>
       <p:par>
-        <p:cTn id="1" dur="indefinite" restart="never" nodeType="tmRoot"/>
+        <p:cTn xmlns:p14="http://schemas.microsoft.com/office/powerpoint/2010/main" id="1" dur="indefinite" restart="never" nodeType="tmRoot"/>
       </p:par>
     </p:tnLst>
   </p:timing>
@@ -3639,7 +3639,7 @@
             <a:fld id="{63CABBC0-75E4-43BB-A6A6-84C2A96BDB82}" type="datetimeFigureOut">
               <a:rPr lang="it-IT" smtClean="0"/>
               <a:pPr/>
-              <a:t>02/01/2013</a:t>
+              <a:t>02/01/13</a:t>
             </a:fld>
             <a:endParaRPr lang="it-IT"/>
           </a:p>
@@ -3682,7 +3682,7 @@
             <a:fld id="{F89AEA99-3E91-4C58-9AD4-045DB5619AC3}" type="slidenum">
               <a:rPr lang="it-IT" smtClean="0"/>
               <a:pPr/>
-              <a:t>‹N›</a:t>
+              <a:t>‹n.›</a:t>
             </a:fld>
             <a:endParaRPr lang="it-IT"/>
           </a:p>
@@ -3696,7 +3696,7 @@
   <p:timing>
     <p:tnLst>
       <p:par>
-        <p:cTn id="1" dur="indefinite" restart="never" nodeType="tmRoot"/>
+        <p:cTn xmlns:p14="http://schemas.microsoft.com/office/powerpoint/2010/main" id="1" dur="indefinite" restart="never" nodeType="tmRoot"/>
       </p:par>
     </p:tnLst>
   </p:timing>
@@ -4030,7 +4030,7 @@
             <a:fld id="{63CABBC0-75E4-43BB-A6A6-84C2A96BDB82}" type="datetimeFigureOut">
               <a:rPr lang="it-IT" smtClean="0"/>
               <a:pPr/>
-              <a:t>02/01/2013</a:t>
+              <a:t>02/01/13</a:t>
             </a:fld>
             <a:endParaRPr lang="it-IT"/>
           </a:p>
@@ -4073,7 +4073,7 @@
             <a:fld id="{F89AEA99-3E91-4C58-9AD4-045DB5619AC3}" type="slidenum">
               <a:rPr lang="it-IT" smtClean="0"/>
               <a:pPr/>
-              <a:t>‹N›</a:t>
+              <a:t>‹n.›</a:t>
             </a:fld>
             <a:endParaRPr lang="it-IT"/>
           </a:p>
@@ -4087,7 +4087,7 @@
   <p:timing>
     <p:tnLst>
       <p:par>
-        <p:cTn id="1" dur="indefinite" restart="never" nodeType="tmRoot"/>
+        <p:cTn xmlns:p14="http://schemas.microsoft.com/office/powerpoint/2010/main" id="1" dur="indefinite" restart="never" nodeType="tmRoot"/>
       </p:par>
     </p:tnLst>
   </p:timing>
@@ -4189,7 +4189,7 @@
             <a:fld id="{63CABBC0-75E4-43BB-A6A6-84C2A96BDB82}" type="datetimeFigureOut">
               <a:rPr lang="it-IT" smtClean="0"/>
               <a:pPr/>
-              <a:t>02/01/2013</a:t>
+              <a:t>02/01/13</a:t>
             </a:fld>
             <a:endParaRPr lang="it-IT"/>
           </a:p>
@@ -4232,7 +4232,7 @@
             <a:fld id="{F89AEA99-3E91-4C58-9AD4-045DB5619AC3}" type="slidenum">
               <a:rPr lang="it-IT" smtClean="0"/>
               <a:pPr/>
-              <a:t>‹N›</a:t>
+              <a:t>‹n.›</a:t>
             </a:fld>
             <a:endParaRPr lang="it-IT"/>
           </a:p>
@@ -4246,7 +4246,7 @@
   <p:timing>
     <p:tnLst>
       <p:par>
-        <p:cTn id="1" dur="indefinite" restart="never" nodeType="tmRoot"/>
+        <p:cTn xmlns:p14="http://schemas.microsoft.com/office/powerpoint/2010/main" id="1" dur="indefinite" restart="never" nodeType="tmRoot"/>
       </p:par>
     </p:tnLst>
   </p:timing>
@@ -4288,7 +4288,7 @@
             <a:fld id="{63CABBC0-75E4-43BB-A6A6-84C2A96BDB82}" type="datetimeFigureOut">
               <a:rPr lang="it-IT" smtClean="0"/>
               <a:pPr/>
-              <a:t>02/01/2013</a:t>
+              <a:t>02/01/13</a:t>
             </a:fld>
             <a:endParaRPr lang="it-IT"/>
           </a:p>
@@ -4331,7 +4331,7 @@
             <a:fld id="{F89AEA99-3E91-4C58-9AD4-045DB5619AC3}" type="slidenum">
               <a:rPr lang="it-IT" smtClean="0"/>
               <a:pPr/>
-              <a:t>‹N›</a:t>
+              <a:t>‹n.›</a:t>
             </a:fld>
             <a:endParaRPr lang="it-IT"/>
           </a:p>
@@ -4345,7 +4345,7 @@
   <p:timing>
     <p:tnLst>
       <p:par>
-        <p:cTn id="1" dur="indefinite" restart="never" nodeType="tmRoot"/>
+        <p:cTn xmlns:p14="http://schemas.microsoft.com/office/powerpoint/2010/main" id="1" dur="indefinite" restart="never" nodeType="tmRoot"/>
       </p:par>
     </p:tnLst>
   </p:timing>
@@ -4558,7 +4558,7 @@
             <a:fld id="{63CABBC0-75E4-43BB-A6A6-84C2A96BDB82}" type="datetimeFigureOut">
               <a:rPr lang="it-IT" smtClean="0"/>
               <a:pPr/>
-              <a:t>02/01/2013</a:t>
+              <a:t>02/01/13</a:t>
             </a:fld>
             <a:endParaRPr lang="it-IT"/>
           </a:p>
@@ -4601,7 +4601,7 @@
             <a:fld id="{F89AEA99-3E91-4C58-9AD4-045DB5619AC3}" type="slidenum">
               <a:rPr lang="it-IT" smtClean="0"/>
               <a:pPr/>
-              <a:t>‹N›</a:t>
+              <a:t>‹n.›</a:t>
             </a:fld>
             <a:endParaRPr lang="it-IT"/>
           </a:p>
@@ -4615,7 +4615,7 @@
   <p:timing>
     <p:tnLst>
       <p:par>
-        <p:cTn id="1" dur="indefinite" restart="never" nodeType="tmRoot"/>
+        <p:cTn xmlns:p14="http://schemas.microsoft.com/office/powerpoint/2010/main" id="1" dur="indefinite" restart="never" nodeType="tmRoot"/>
       </p:par>
     </p:tnLst>
   </p:timing>
@@ -4855,7 +4855,7 @@
             <a:fld id="{63CABBC0-75E4-43BB-A6A6-84C2A96BDB82}" type="datetimeFigureOut">
               <a:rPr lang="it-IT" smtClean="0"/>
               <a:pPr/>
-              <a:t>02/01/2013</a:t>
+              <a:t>02/01/13</a:t>
             </a:fld>
             <a:endParaRPr lang="it-IT"/>
           </a:p>
@@ -4903,7 +4903,7 @@
             <a:fld id="{F89AEA99-3E91-4C58-9AD4-045DB5619AC3}" type="slidenum">
               <a:rPr lang="it-IT" smtClean="0"/>
               <a:pPr/>
-              <a:t>‹N›</a:t>
+              <a:t>‹n.›</a:t>
             </a:fld>
             <a:endParaRPr lang="it-IT"/>
           </a:p>
@@ -5219,7 +5219,7 @@
   <p:timing>
     <p:tnLst>
       <p:par>
-        <p:cTn id="1" dur="indefinite" restart="never" nodeType="tmRoot"/>
+        <p:cTn xmlns:p14="http://schemas.microsoft.com/office/powerpoint/2010/main" id="1" dur="indefinite" restart="never" nodeType="tmRoot"/>
       </p:par>
     </p:tnLst>
   </p:timing>
@@ -5635,7 +5635,7 @@
             <a:fld id="{63CABBC0-75E4-43BB-A6A6-84C2A96BDB82}" type="datetimeFigureOut">
               <a:rPr lang="it-IT" smtClean="0"/>
               <a:pPr/>
-              <a:t>02/01/2013</a:t>
+              <a:t>02/01/13</a:t>
             </a:fld>
             <a:endParaRPr lang="it-IT"/>
           </a:p>
@@ -5714,7 +5714,7 @@
             <a:fld id="{F89AEA99-3E91-4C58-9AD4-045DB5619AC3}" type="slidenum">
               <a:rPr lang="it-IT" smtClean="0"/>
               <a:pPr/>
-              <a:t>‹N›</a:t>
+              <a:t>‹n.›</a:t>
             </a:fld>
             <a:endParaRPr lang="it-IT"/>
           </a:p>
@@ -5953,7 +5953,7 @@
   <p:timing>
     <p:tnLst>
       <p:par>
-        <p:cTn id="1" dur="indefinite" restart="never" nodeType="tmRoot"/>
+        <p:cTn xmlns:p14="http://schemas.microsoft.com/office/powerpoint/2010/main" id="1" dur="indefinite" restart="never" nodeType="tmRoot"/>
       </p:par>
     </p:tnLst>
   </p:timing>
@@ -6318,7 +6318,7 @@
           <p:nvPr>
             <p:extLst>
               <p:ext uri="{D42A27DB-BD31-4B8C-83A1-F6EECF244321}">
-                <p14:modId xmlns="" xmlns:p14="http://schemas.microsoft.com/office/powerpoint/2010/main" val="1430840817"/>
+                <p14:modId xmlns:p14="http://schemas.microsoft.com/office/powerpoint/2010/main" val="1430840817"/>
               </p:ext>
             </p:extLst>
           </p:nvPr>
@@ -6566,7 +6566,7 @@
           <p:nvPr>
             <p:extLst>
               <p:ext uri="{D42A27DB-BD31-4B8C-83A1-F6EECF244321}">
-                <p14:modId xmlns="" xmlns:p14="http://schemas.microsoft.com/office/powerpoint/2010/main" val="956586736"/>
+                <p14:modId xmlns:p14="http://schemas.microsoft.com/office/powerpoint/2010/main" val="956586736"/>
               </p:ext>
             </p:extLst>
           </p:nvPr>
@@ -6656,7 +6656,7 @@
           <a:blip r:embed="rId2">
             <a:extLst>
               <a:ext uri="{28A0092B-C50C-407E-A947-70E740481C1C}">
-                <a14:useLocalDpi xmlns="" xmlns:a14="http://schemas.microsoft.com/office/drawing/2010/main" val="0"/>
+                <a14:useLocalDpi xmlns:a14="http://schemas.microsoft.com/office/drawing/2010/main" val="0"/>
               </a:ext>
             </a:extLst>
           </a:blip>
@@ -6676,7 +6676,7 @@
           <a:noFill/>
           <a:extLst>
             <a:ext uri="{909E8E84-426E-40dd-AFC4-6F175D3DCCD1}">
-              <a14:hiddenFill xmlns="" xmlns:a14="http://schemas.microsoft.com/office/drawing/2010/main">
+              <a14:hiddenFill xmlns:a14="http://schemas.microsoft.com/office/drawing/2010/main">
                 <a:solidFill>
                   <a:srgbClr val="FFFFFF"/>
                 </a:solidFill>
@@ -6688,7 +6688,7 @@
     </p:spTree>
     <p:extLst>
       <p:ext uri="{BB962C8B-B14F-4D97-AF65-F5344CB8AC3E}">
-        <p14:creationId xmlns="" xmlns:p14="http://schemas.microsoft.com/office/powerpoint/2010/main" val="4165334171"/>
+        <p14:creationId xmlns:p14="http://schemas.microsoft.com/office/powerpoint/2010/main" val="4165334171"/>
       </p:ext>
     </p:extLst>
   </p:cSld>
@@ -6698,7 +6698,7 @@
   <p:timing>
     <p:tnLst>
       <p:par>
-        <p:cTn id="1" dur="indefinite" restart="never" nodeType="tmRoot"/>
+        <p:cTn xmlns:p14="http://schemas.microsoft.com/office/powerpoint/2010/main" id="1" dur="indefinite" restart="never" nodeType="tmRoot"/>
       </p:par>
     </p:tnLst>
   </p:timing>
@@ -6994,25 +6994,25 @@
     </p:spTree>
     <p:extLst>
       <p:ext uri="{BB962C8B-B14F-4D97-AF65-F5344CB8AC3E}">
-        <p14:creationId xmlns="" xmlns:p14="http://schemas.microsoft.com/office/powerpoint/2010/main" val="4143007013"/>
+        <p14:creationId xmlns:p14="http://schemas.microsoft.com/office/powerpoint/2010/main" val="4143007013"/>
       </p:ext>
     </p:extLst>
   </p:cSld>
   <p:clrMapOvr>
     <a:masterClrMapping/>
   </p:clrMapOvr>
-  <mc:AlternateContent xmlns:mc="http://schemas.openxmlformats.org/markup-compatibility/2006">
-    <mc:Choice xmlns="" xmlns:p14="http://schemas.microsoft.com/office/powerpoint/2010/main" Requires="p14">
+  <mc:AlternateContent xmlns:mc="http://schemas.openxmlformats.org/markup-compatibility/2006" xmlns:p14="http://schemas.microsoft.com/office/powerpoint/2010/main">
+    <mc:Choice Requires="p14">
       <p:transition spd="slow" p14:dur="2000"/>
     </mc:Choice>
-    <mc:Fallback>
+    <mc:Fallback xmlns="">
       <p:transition spd="slow"/>
     </mc:Fallback>
   </mc:AlternateContent>
   <p:timing>
     <p:tnLst>
       <p:par>
-        <p:cTn id="1" dur="indefinite" restart="never" nodeType="tmRoot"/>
+        <p:cTn xmlns:p14="http://schemas.microsoft.com/office/powerpoint/2010/main" id="1" dur="indefinite" restart="never" nodeType="tmRoot"/>
       </p:par>
     </p:tnLst>
   </p:timing>
@@ -7103,7 +7103,7 @@
     </p:spTree>
     <p:extLst>
       <p:ext uri="{BB962C8B-B14F-4D97-AF65-F5344CB8AC3E}">
-        <p14:creationId xmlns="" xmlns:p14="http://schemas.microsoft.com/office/powerpoint/2010/main" val="3695870384"/>
+        <p14:creationId xmlns:p14="http://schemas.microsoft.com/office/powerpoint/2010/main" val="3695870384"/>
       </p:ext>
     </p:extLst>
   </p:cSld>
@@ -7113,7 +7113,7 @@
   <p:timing>
     <p:tnLst>
       <p:par>
-        <p:cTn id="1" dur="indefinite" restart="never" nodeType="tmRoot"/>
+        <p:cTn xmlns:p14="http://schemas.microsoft.com/office/powerpoint/2010/main" id="1" dur="indefinite" restart="never" nodeType="tmRoot"/>
       </p:par>
     </p:tnLst>
   </p:timing>
@@ -7204,7 +7204,7 @@
     </p:spTree>
     <p:extLst>
       <p:ext uri="{BB962C8B-B14F-4D97-AF65-F5344CB8AC3E}">
-        <p14:creationId xmlns="" xmlns:p14="http://schemas.microsoft.com/office/powerpoint/2010/main" val="3987928837"/>
+        <p14:creationId xmlns:p14="http://schemas.microsoft.com/office/powerpoint/2010/main" val="3987928837"/>
       </p:ext>
     </p:extLst>
   </p:cSld>
@@ -7214,7 +7214,7 @@
   <p:timing>
     <p:tnLst>
       <p:par>
-        <p:cTn id="1" dur="indefinite" restart="never" nodeType="tmRoot"/>
+        <p:cTn xmlns:p14="http://schemas.microsoft.com/office/powerpoint/2010/main" id="1" dur="indefinite" restart="never" nodeType="tmRoot"/>
       </p:par>
     </p:tnLst>
   </p:timing>
@@ -7529,7 +7529,7 @@
     </p:spTree>
     <p:extLst>
       <p:ext uri="{BB962C8B-B14F-4D97-AF65-F5344CB8AC3E}">
-        <p14:creationId xmlns="" xmlns:p14="http://schemas.microsoft.com/office/powerpoint/2010/main" val="1367578552"/>
+        <p14:creationId xmlns:p14="http://schemas.microsoft.com/office/powerpoint/2010/main" val="1367578552"/>
       </p:ext>
     </p:extLst>
   </p:cSld>
@@ -7539,7 +7539,7 @@
   <p:timing>
     <p:tnLst>
       <p:par>
-        <p:cTn id="1" dur="indefinite" restart="never" nodeType="tmRoot"/>
+        <p:cTn xmlns:p14="http://schemas.microsoft.com/office/powerpoint/2010/main" id="1" dur="indefinite" restart="never" nodeType="tmRoot"/>
       </p:par>
     </p:tnLst>
   </p:timing>
@@ -7657,7 +7657,7 @@
     </p:spTree>
     <p:extLst>
       <p:ext uri="{BB962C8B-B14F-4D97-AF65-F5344CB8AC3E}">
-        <p14:creationId xmlns="" xmlns:p14="http://schemas.microsoft.com/office/powerpoint/2010/main" val="1554749062"/>
+        <p14:creationId xmlns:p14="http://schemas.microsoft.com/office/powerpoint/2010/main" val="1554749062"/>
       </p:ext>
     </p:extLst>
   </p:cSld>
@@ -7667,7 +7667,7 @@
   <p:timing>
     <p:tnLst>
       <p:par>
-        <p:cTn id="1" dur="indefinite" restart="never" nodeType="tmRoot"/>
+        <p:cTn xmlns:p14="http://schemas.microsoft.com/office/powerpoint/2010/main" id="1" dur="indefinite" restart="never" nodeType="tmRoot"/>
       </p:par>
     </p:tnLst>
   </p:timing>
@@ -7785,7 +7785,7 @@
     </p:spTree>
     <p:extLst>
       <p:ext uri="{BB962C8B-B14F-4D97-AF65-F5344CB8AC3E}">
-        <p14:creationId xmlns="" xmlns:p14="http://schemas.microsoft.com/office/powerpoint/2010/main" val="1028530279"/>
+        <p14:creationId xmlns:p14="http://schemas.microsoft.com/office/powerpoint/2010/main" val="1028530279"/>
       </p:ext>
     </p:extLst>
   </p:cSld>
@@ -7795,7 +7795,7 @@
   <p:timing>
     <p:tnLst>
       <p:par>
-        <p:cTn id="1" dur="indefinite" restart="never" nodeType="tmRoot"/>
+        <p:cTn xmlns:p14="http://schemas.microsoft.com/office/powerpoint/2010/main" id="1" dur="indefinite" restart="never" nodeType="tmRoot"/>
       </p:par>
     </p:tnLst>
   </p:timing>
@@ -7913,7 +7913,7 @@
     </p:spTree>
     <p:extLst>
       <p:ext uri="{BB962C8B-B14F-4D97-AF65-F5344CB8AC3E}">
-        <p14:creationId xmlns="" xmlns:p14="http://schemas.microsoft.com/office/powerpoint/2010/main" val="2120081776"/>
+        <p14:creationId xmlns:p14="http://schemas.microsoft.com/office/powerpoint/2010/main" val="2120081776"/>
       </p:ext>
     </p:extLst>
   </p:cSld>
@@ -7923,7 +7923,7 @@
   <p:timing>
     <p:tnLst>
       <p:par>
-        <p:cTn id="1" dur="indefinite" restart="never" nodeType="tmRoot"/>
+        <p:cTn xmlns:p14="http://schemas.microsoft.com/office/powerpoint/2010/main" id="1" dur="indefinite" restart="never" nodeType="tmRoot"/>
       </p:par>
     </p:tnLst>
   </p:timing>
@@ -8053,7 +8053,7 @@
     </p:spTree>
     <p:extLst>
       <p:ext uri="{BB962C8B-B14F-4D97-AF65-F5344CB8AC3E}">
-        <p14:creationId xmlns="" xmlns:p14="http://schemas.microsoft.com/office/powerpoint/2010/main" val="3320352623"/>
+        <p14:creationId xmlns:p14="http://schemas.microsoft.com/office/powerpoint/2010/main" val="3320352623"/>
       </p:ext>
     </p:extLst>
   </p:cSld>
@@ -8063,7 +8063,7 @@
   <p:timing>
     <p:tnLst>
       <p:par>
-        <p:cTn id="1" dur="indefinite" restart="never" nodeType="tmRoot"/>
+        <p:cTn xmlns:p14="http://schemas.microsoft.com/office/powerpoint/2010/main" id="1" dur="indefinite" restart="never" nodeType="tmRoot"/>
       </p:par>
     </p:tnLst>
   </p:timing>
@@ -8193,7 +8193,7 @@
     </p:spTree>
     <p:extLst>
       <p:ext uri="{BB962C8B-B14F-4D97-AF65-F5344CB8AC3E}">
-        <p14:creationId xmlns="" xmlns:p14="http://schemas.microsoft.com/office/powerpoint/2010/main" val="4011022122"/>
+        <p14:creationId xmlns:p14="http://schemas.microsoft.com/office/powerpoint/2010/main" val="4011022122"/>
       </p:ext>
     </p:extLst>
   </p:cSld>
@@ -8203,7 +8203,7 @@
   <p:timing>
     <p:tnLst>
       <p:par>
-        <p:cTn id="1" dur="indefinite" restart="never" nodeType="tmRoot"/>
+        <p:cTn xmlns:p14="http://schemas.microsoft.com/office/powerpoint/2010/main" id="1" dur="indefinite" restart="never" nodeType="tmRoot"/>
       </p:par>
     </p:tnLst>
   </p:timing>
@@ -8498,18 +8498,18 @@
     </p:spTree>
     <p:extLst>
       <p:ext uri="{BB962C8B-B14F-4D97-AF65-F5344CB8AC3E}">
-        <p14:creationId xmlns="" xmlns:p14="http://schemas.microsoft.com/office/powerpoint/2010/main" val="2927506779"/>
+        <p14:creationId xmlns:p14="http://schemas.microsoft.com/office/powerpoint/2010/main" val="2927506779"/>
       </p:ext>
     </p:extLst>
   </p:cSld>
   <p:clrMapOvr>
     <a:masterClrMapping/>
   </p:clrMapOvr>
-  <p:transition spd="med"/>
+  <p:transition xmlns:p14="http://schemas.microsoft.com/office/powerpoint/2010/main" spd="med"/>
   <p:timing>
     <p:tnLst>
       <p:par>
-        <p:cTn id="1" dur="indefinite" restart="never" nodeType="tmRoot"/>
+        <p:cTn xmlns:p14="http://schemas.microsoft.com/office/powerpoint/2010/main" id="1" dur="indefinite" restart="never" nodeType="tmRoot"/>
       </p:par>
     </p:tnLst>
   </p:timing>
@@ -9165,25 +9165,25 @@
     </p:spTree>
     <p:extLst>
       <p:ext uri="{BB962C8B-B14F-4D97-AF65-F5344CB8AC3E}">
-        <p14:creationId xmlns="" xmlns:p14="http://schemas.microsoft.com/office/powerpoint/2010/main" val="1720938352"/>
+        <p14:creationId xmlns:p14="http://schemas.microsoft.com/office/powerpoint/2010/main" val="1720938352"/>
       </p:ext>
     </p:extLst>
   </p:cSld>
   <p:clrMapOvr>
     <a:masterClrMapping/>
   </p:clrMapOvr>
-  <mc:AlternateContent xmlns:mc="http://schemas.openxmlformats.org/markup-compatibility/2006">
-    <mc:Choice xmlns="" xmlns:p14="http://schemas.microsoft.com/office/powerpoint/2010/main" Requires="p14">
+  <mc:AlternateContent xmlns:mc="http://schemas.openxmlformats.org/markup-compatibility/2006" xmlns:p14="http://schemas.microsoft.com/office/powerpoint/2010/main">
+    <mc:Choice Requires="p14">
       <p:transition spd="slow" p14:dur="2000"/>
     </mc:Choice>
-    <mc:Fallback>
+    <mc:Fallback xmlns="">
       <p:transition spd="slow"/>
     </mc:Fallback>
   </mc:AlternateContent>
   <p:timing>
     <p:tnLst>
       <p:par>
-        <p:cTn id="1" dur="indefinite" restart="never" nodeType="tmRoot"/>
+        <p:cTn xmlns:p14="http://schemas.microsoft.com/office/powerpoint/2010/main" id="1" dur="indefinite" restart="never" nodeType="tmRoot"/>
       </p:par>
     </p:tnLst>
   </p:timing>
@@ -9467,7 +9467,7 @@
     </p:spTree>
     <p:extLst>
       <p:ext uri="{BB962C8B-B14F-4D97-AF65-F5344CB8AC3E}">
-        <p14:creationId xmlns="" xmlns:p14="http://schemas.microsoft.com/office/powerpoint/2010/main" val="3389076463"/>
+        <p14:creationId xmlns:p14="http://schemas.microsoft.com/office/powerpoint/2010/main" val="3389076463"/>
       </p:ext>
     </p:extLst>
   </p:cSld>
@@ -9477,7 +9477,7 @@
   <p:timing>
     <p:tnLst>
       <p:par>
-        <p:cTn id="1" dur="indefinite" restart="never" nodeType="tmRoot"/>
+        <p:cTn xmlns:p14="http://schemas.microsoft.com/office/powerpoint/2010/main" id="1" dur="indefinite" restart="never" nodeType="tmRoot"/>
       </p:par>
     </p:tnLst>
   </p:timing>
@@ -9590,7 +9590,7 @@
     </p:spTree>
     <p:extLst>
       <p:ext uri="{BB962C8B-B14F-4D97-AF65-F5344CB8AC3E}">
-        <p14:creationId xmlns="" xmlns:p14="http://schemas.microsoft.com/office/powerpoint/2010/main" val="3781125707"/>
+        <p14:creationId xmlns:p14="http://schemas.microsoft.com/office/powerpoint/2010/main" val="3781125707"/>
       </p:ext>
     </p:extLst>
   </p:cSld>
@@ -9600,7 +9600,7 @@
   <p:timing>
     <p:tnLst>
       <p:par>
-        <p:cTn id="1" dur="indefinite" restart="never" nodeType="tmRoot"/>
+        <p:cTn xmlns:p14="http://schemas.microsoft.com/office/powerpoint/2010/main" id="1" dur="indefinite" restart="never" nodeType="tmRoot"/>
       </p:par>
     </p:tnLst>
   </p:timing>
@@ -9714,7 +9714,7 @@
     </p:spTree>
     <p:extLst>
       <p:ext uri="{BB962C8B-B14F-4D97-AF65-F5344CB8AC3E}">
-        <p14:creationId xmlns="" xmlns:p14="http://schemas.microsoft.com/office/powerpoint/2010/main" val="3113757335"/>
+        <p14:creationId xmlns:p14="http://schemas.microsoft.com/office/powerpoint/2010/main" val="3113757335"/>
       </p:ext>
     </p:extLst>
   </p:cSld>
@@ -9724,7 +9724,7 @@
   <p:timing>
     <p:tnLst>
       <p:par>
-        <p:cTn id="1" dur="indefinite" restart="never" nodeType="tmRoot"/>
+        <p:cTn xmlns:p14="http://schemas.microsoft.com/office/powerpoint/2010/main" id="1" dur="indefinite" restart="never" nodeType="tmRoot"/>
       </p:par>
     </p:tnLst>
   </p:timing>
@@ -9798,7 +9798,7 @@
     </p:spTree>
     <p:extLst>
       <p:ext uri="{BB962C8B-B14F-4D97-AF65-F5344CB8AC3E}">
-        <p14:creationId xmlns="" xmlns:p14="http://schemas.microsoft.com/office/powerpoint/2010/main" val="3128220547"/>
+        <p14:creationId xmlns:p14="http://schemas.microsoft.com/office/powerpoint/2010/main" val="3128220547"/>
       </p:ext>
     </p:extLst>
   </p:cSld>
@@ -9808,7 +9808,7 @@
   <p:timing>
     <p:tnLst>
       <p:par>
-        <p:cTn id="1" dur="indefinite" restart="never" nodeType="tmRoot"/>
+        <p:cTn xmlns:p14="http://schemas.microsoft.com/office/powerpoint/2010/main" id="1" dur="indefinite" restart="never" nodeType="tmRoot"/>
       </p:par>
     </p:tnLst>
   </p:timing>
@@ -9924,7 +9924,7 @@
     </p:spTree>
     <p:extLst>
       <p:ext uri="{BB962C8B-B14F-4D97-AF65-F5344CB8AC3E}">
-        <p14:creationId xmlns="" xmlns:p14="http://schemas.microsoft.com/office/powerpoint/2010/main" val="3526463055"/>
+        <p14:creationId xmlns:p14="http://schemas.microsoft.com/office/powerpoint/2010/main" val="3526463055"/>
       </p:ext>
     </p:extLst>
   </p:cSld>
@@ -9934,7 +9934,7 @@
   <p:timing>
     <p:tnLst>
       <p:par>
-        <p:cTn id="1" dur="indefinite" restart="never" nodeType="tmRoot"/>
+        <p:cTn xmlns:p14="http://schemas.microsoft.com/office/powerpoint/2010/main" id="1" dur="indefinite" restart="never" nodeType="tmRoot"/>
       </p:par>
     </p:tnLst>
   </p:timing>
@@ -10047,7 +10047,7 @@
     </p:spTree>
     <p:extLst>
       <p:ext uri="{BB962C8B-B14F-4D97-AF65-F5344CB8AC3E}">
-        <p14:creationId xmlns="" xmlns:p14="http://schemas.microsoft.com/office/powerpoint/2010/main" val="4153735844"/>
+        <p14:creationId xmlns:p14="http://schemas.microsoft.com/office/powerpoint/2010/main" val="4153735844"/>
       </p:ext>
     </p:extLst>
   </p:cSld>
@@ -10057,7 +10057,7 @@
   <p:timing>
     <p:tnLst>
       <p:par>
-        <p:cTn id="1" dur="indefinite" restart="never" nodeType="tmRoot"/>
+        <p:cTn xmlns:p14="http://schemas.microsoft.com/office/powerpoint/2010/main" id="1" dur="indefinite" restart="never" nodeType="tmRoot"/>
       </p:par>
     </p:tnLst>
   </p:timing>
@@ -10140,7 +10140,7 @@
     </p:spTree>
     <p:extLst>
       <p:ext uri="{BB962C8B-B14F-4D97-AF65-F5344CB8AC3E}">
-        <p14:creationId xmlns="" xmlns:p14="http://schemas.microsoft.com/office/powerpoint/2010/main" val="3584613944"/>
+        <p14:creationId xmlns:p14="http://schemas.microsoft.com/office/powerpoint/2010/main" val="3584613944"/>
       </p:ext>
     </p:extLst>
   </p:cSld>
@@ -10150,7 +10150,7 @@
   <p:timing>
     <p:tnLst>
       <p:par>
-        <p:cTn id="1" dur="indefinite" restart="never" nodeType="tmRoot"/>
+        <p:cTn xmlns:p14="http://schemas.microsoft.com/office/powerpoint/2010/main" id="1" dur="indefinite" restart="never" nodeType="tmRoot"/>
       </p:par>
     </p:tnLst>
   </p:timing>
@@ -10329,18 +10329,18 @@
     </p:spTree>
     <p:extLst>
       <p:ext uri="{BB962C8B-B14F-4D97-AF65-F5344CB8AC3E}">
-        <p14:creationId xmlns="" xmlns:p14="http://schemas.microsoft.com/office/powerpoint/2010/main" val="1309712431"/>
+        <p14:creationId xmlns:p14="http://schemas.microsoft.com/office/powerpoint/2010/main" val="1309712431"/>
       </p:ext>
     </p:extLst>
   </p:cSld>
   <p:clrMapOvr>
     <a:masterClrMapping/>
   </p:clrMapOvr>
-  <p:transition/>
+  <p:transition xmlns:p14="http://schemas.microsoft.com/office/powerpoint/2010/main"/>
   <p:timing>
     <p:tnLst>
       <p:par>
-        <p:cTn id="1" dur="indefinite" restart="never" nodeType="tmRoot"/>
+        <p:cTn xmlns:p14="http://schemas.microsoft.com/office/powerpoint/2010/main" id="1" dur="indefinite" restart="never" nodeType="tmRoot"/>
       </p:par>
     </p:tnLst>
   </p:timing>
@@ -10546,18 +10546,18 @@
     </p:spTree>
     <p:extLst>
       <p:ext uri="{BB962C8B-B14F-4D97-AF65-F5344CB8AC3E}">
-        <p14:creationId xmlns="" xmlns:p14="http://schemas.microsoft.com/office/powerpoint/2010/main" val="3902446084"/>
+        <p14:creationId xmlns:p14="http://schemas.microsoft.com/office/powerpoint/2010/main" val="3902446084"/>
       </p:ext>
     </p:extLst>
   </p:cSld>
   <p:clrMapOvr>
     <a:masterClrMapping/>
   </p:clrMapOvr>
-  <p:transition/>
+  <p:transition xmlns:p14="http://schemas.microsoft.com/office/powerpoint/2010/main"/>
   <p:timing>
     <p:tnLst>
       <p:par>
-        <p:cTn id="1" dur="indefinite" restart="never" nodeType="tmRoot"/>
+        <p:cTn xmlns:p14="http://schemas.microsoft.com/office/powerpoint/2010/main" id="1" dur="indefinite" restart="never" nodeType="tmRoot"/>
       </p:par>
     </p:tnLst>
   </p:timing>
@@ -10738,7 +10738,7 @@
     </p:spTree>
     <p:extLst>
       <p:ext uri="{BB962C8B-B14F-4D97-AF65-F5344CB8AC3E}">
-        <p14:creationId xmlns="" xmlns:p14="http://schemas.microsoft.com/office/powerpoint/2010/main" val="3677979436"/>
+        <p14:creationId xmlns:p14="http://schemas.microsoft.com/office/powerpoint/2010/main" val="3677979436"/>
       </p:ext>
     </p:extLst>
   </p:cSld>
@@ -10748,7 +10748,7 @@
   <p:timing>
     <p:tnLst>
       <p:par>
-        <p:cTn id="1" dur="indefinite" restart="never" nodeType="tmRoot"/>
+        <p:cTn xmlns:p14="http://schemas.microsoft.com/office/powerpoint/2010/main" id="1" dur="indefinite" restart="never" nodeType="tmRoot"/>
       </p:par>
     </p:tnLst>
   </p:timing>
@@ -11255,25 +11255,25 @@
     </p:spTree>
     <p:extLst>
       <p:ext uri="{BB962C8B-B14F-4D97-AF65-F5344CB8AC3E}">
-        <p14:creationId xmlns="" xmlns:p14="http://schemas.microsoft.com/office/powerpoint/2010/main" val="3436514102"/>
+        <p14:creationId xmlns:p14="http://schemas.microsoft.com/office/powerpoint/2010/main" val="3436514102"/>
       </p:ext>
     </p:extLst>
   </p:cSld>
   <p:clrMapOvr>
     <a:masterClrMapping/>
   </p:clrMapOvr>
-  <mc:AlternateContent xmlns:mc="http://schemas.openxmlformats.org/markup-compatibility/2006">
-    <mc:Choice xmlns="" xmlns:p14="http://schemas.microsoft.com/office/powerpoint/2010/main" Requires="p14">
+  <mc:AlternateContent xmlns:mc="http://schemas.openxmlformats.org/markup-compatibility/2006" xmlns:p14="http://schemas.microsoft.com/office/powerpoint/2010/main">
+    <mc:Choice Requires="p14">
       <p:transition spd="slow" p14:dur="2000"/>
     </mc:Choice>
-    <mc:Fallback>
+    <mc:Fallback xmlns="">
       <p:transition spd="slow"/>
     </mc:Fallback>
   </mc:AlternateContent>
   <p:timing>
     <p:tnLst>
       <p:par>
-        <p:cTn id="1" dur="indefinite" restart="never" nodeType="tmRoot"/>
+        <p:cTn xmlns:p14="http://schemas.microsoft.com/office/powerpoint/2010/main" id="1" dur="indefinite" restart="never" nodeType="tmRoot"/>
       </p:par>
     </p:tnLst>
   </p:timing>
@@ -11356,7 +11356,7 @@
     </p:spTree>
     <p:extLst>
       <p:ext uri="{BB962C8B-B14F-4D97-AF65-F5344CB8AC3E}">
-        <p14:creationId xmlns="" xmlns:p14="http://schemas.microsoft.com/office/powerpoint/2010/main" val="2777952497"/>
+        <p14:creationId xmlns:p14="http://schemas.microsoft.com/office/powerpoint/2010/main" val="2777952497"/>
       </p:ext>
     </p:extLst>
   </p:cSld>
@@ -11366,7 +11366,7 @@
   <p:timing>
     <p:tnLst>
       <p:par>
-        <p:cTn id="1" dur="indefinite" restart="never" nodeType="tmRoot"/>
+        <p:cTn xmlns:p14="http://schemas.microsoft.com/office/powerpoint/2010/main" id="1" dur="indefinite" restart="never" nodeType="tmRoot"/>
       </p:par>
     </p:tnLst>
   </p:timing>
@@ -11544,7 +11544,7 @@
     </p:spTree>
     <p:extLst>
       <p:ext uri="{BB962C8B-B14F-4D97-AF65-F5344CB8AC3E}">
-        <p14:creationId xmlns="" xmlns:p14="http://schemas.microsoft.com/office/powerpoint/2010/main" val="2574674066"/>
+        <p14:creationId xmlns:p14="http://schemas.microsoft.com/office/powerpoint/2010/main" val="2574674066"/>
       </p:ext>
     </p:extLst>
   </p:cSld>
@@ -11554,7 +11554,7 @@
   <p:timing>
     <p:tnLst>
       <p:par>
-        <p:cTn id="1" dur="indefinite" restart="never" nodeType="tmRoot"/>
+        <p:cTn xmlns:p14="http://schemas.microsoft.com/office/powerpoint/2010/main" id="1" dur="indefinite" restart="never" nodeType="tmRoot"/>
       </p:par>
     </p:tnLst>
   </p:timing>
@@ -11637,7 +11637,7 @@
     </p:spTree>
     <p:extLst>
       <p:ext uri="{BB962C8B-B14F-4D97-AF65-F5344CB8AC3E}">
-        <p14:creationId xmlns="" xmlns:p14="http://schemas.microsoft.com/office/powerpoint/2010/main" val="763878143"/>
+        <p14:creationId xmlns:p14="http://schemas.microsoft.com/office/powerpoint/2010/main" val="763878143"/>
       </p:ext>
     </p:extLst>
   </p:cSld>
@@ -11647,7 +11647,7 @@
   <p:timing>
     <p:tnLst>
       <p:par>
-        <p:cTn id="1" dur="indefinite" restart="never" nodeType="tmRoot"/>
+        <p:cTn xmlns:p14="http://schemas.microsoft.com/office/powerpoint/2010/main" id="1" dur="indefinite" restart="never" nodeType="tmRoot"/>
       </p:par>
     </p:tnLst>
   </p:timing>
@@ -11933,25 +11933,25 @@
     </p:spTree>
     <p:extLst>
       <p:ext uri="{BB962C8B-B14F-4D97-AF65-F5344CB8AC3E}">
-        <p14:creationId xmlns="" xmlns:p14="http://schemas.microsoft.com/office/powerpoint/2010/main" val="42533803"/>
+        <p14:creationId xmlns:p14="http://schemas.microsoft.com/office/powerpoint/2010/main" val="42533803"/>
       </p:ext>
     </p:extLst>
   </p:cSld>
   <p:clrMapOvr>
     <a:masterClrMapping/>
   </p:clrMapOvr>
-  <mc:AlternateContent xmlns:mc="http://schemas.openxmlformats.org/markup-compatibility/2006">
-    <mc:Choice xmlns="" xmlns:p14="http://schemas.microsoft.com/office/powerpoint/2010/main" Requires="p14">
+  <mc:AlternateContent xmlns:mc="http://schemas.openxmlformats.org/markup-compatibility/2006" xmlns:p14="http://schemas.microsoft.com/office/powerpoint/2010/main">
+    <mc:Choice Requires="p14">
       <p:transition spd="slow" p14:dur="2000"/>
     </mc:Choice>
-    <mc:Fallback>
+    <mc:Fallback xmlns="">
       <p:transition spd="slow"/>
     </mc:Fallback>
   </mc:AlternateContent>
   <p:timing>
     <p:tnLst>
       <p:par>
-        <p:cTn id="1" dur="indefinite" restart="never" nodeType="tmRoot"/>
+        <p:cTn xmlns:p14="http://schemas.microsoft.com/office/powerpoint/2010/main" id="1" dur="indefinite" restart="never" nodeType="tmRoot"/>
       </p:par>
     </p:tnLst>
   </p:timing>
@@ -12245,25 +12245,25 @@
     </p:spTree>
     <p:extLst>
       <p:ext uri="{BB962C8B-B14F-4D97-AF65-F5344CB8AC3E}">
-        <p14:creationId xmlns="" xmlns:p14="http://schemas.microsoft.com/office/powerpoint/2010/main" val="719158636"/>
+        <p14:creationId xmlns:p14="http://schemas.microsoft.com/office/powerpoint/2010/main" val="719158636"/>
       </p:ext>
     </p:extLst>
   </p:cSld>
   <p:clrMapOvr>
     <a:masterClrMapping/>
   </p:clrMapOvr>
-  <mc:AlternateContent xmlns:mc="http://schemas.openxmlformats.org/markup-compatibility/2006">
-    <mc:Choice xmlns="" xmlns:p14="http://schemas.microsoft.com/office/powerpoint/2010/main" Requires="p14">
+  <mc:AlternateContent xmlns:mc="http://schemas.openxmlformats.org/markup-compatibility/2006" xmlns:p14="http://schemas.microsoft.com/office/powerpoint/2010/main">
+    <mc:Choice Requires="p14">
       <p:transition spd="slow" p14:dur="2000"/>
     </mc:Choice>
-    <mc:Fallback>
+    <mc:Fallback xmlns="">
       <p:transition spd="slow"/>
     </mc:Fallback>
   </mc:AlternateContent>
   <p:timing>
     <p:tnLst>
       <p:par>
-        <p:cTn id="1" dur="indefinite" restart="never" nodeType="tmRoot"/>
+        <p:cTn xmlns:p14="http://schemas.microsoft.com/office/powerpoint/2010/main" id="1" dur="indefinite" restart="never" nodeType="tmRoot"/>
       </p:par>
     </p:tnLst>
   </p:timing>
@@ -12554,25 +12554,25 @@
     </p:spTree>
     <p:extLst>
       <p:ext uri="{BB962C8B-B14F-4D97-AF65-F5344CB8AC3E}">
-        <p14:creationId xmlns="" xmlns:p14="http://schemas.microsoft.com/office/powerpoint/2010/main" val="3790159258"/>
+        <p14:creationId xmlns:p14="http://schemas.microsoft.com/office/powerpoint/2010/main" val="3790159258"/>
       </p:ext>
     </p:extLst>
   </p:cSld>
   <p:clrMapOvr>
     <a:masterClrMapping/>
   </p:clrMapOvr>
-  <mc:AlternateContent xmlns:mc="http://schemas.openxmlformats.org/markup-compatibility/2006">
-    <mc:Choice xmlns="" xmlns:p14="http://schemas.microsoft.com/office/powerpoint/2010/main" Requires="p14">
+  <mc:AlternateContent xmlns:mc="http://schemas.openxmlformats.org/markup-compatibility/2006" xmlns:p14="http://schemas.microsoft.com/office/powerpoint/2010/main">
+    <mc:Choice Requires="p14">
       <p:transition spd="slow" p14:dur="2000"/>
     </mc:Choice>
-    <mc:Fallback>
+    <mc:Fallback xmlns="">
       <p:transition spd="slow"/>
     </mc:Fallback>
   </mc:AlternateContent>
   <p:timing>
     <p:tnLst>
       <p:par>
-        <p:cTn id="1" dur="indefinite" restart="never" nodeType="tmRoot"/>
+        <p:cTn xmlns:p14="http://schemas.microsoft.com/office/powerpoint/2010/main" id="1" dur="indefinite" restart="never" nodeType="tmRoot"/>
       </p:par>
     </p:tnLst>
   </p:timing>
@@ -12863,25 +12863,25 @@
     </p:spTree>
     <p:extLst>
       <p:ext uri="{BB962C8B-B14F-4D97-AF65-F5344CB8AC3E}">
-        <p14:creationId xmlns="" xmlns:p14="http://schemas.microsoft.com/office/powerpoint/2010/main" val="560870364"/>
+        <p14:creationId xmlns:p14="http://schemas.microsoft.com/office/powerpoint/2010/main" val="560870364"/>
       </p:ext>
     </p:extLst>
   </p:cSld>
   <p:clrMapOvr>
     <a:masterClrMapping/>
   </p:clrMapOvr>
-  <mc:AlternateContent xmlns:mc="http://schemas.openxmlformats.org/markup-compatibility/2006">
-    <mc:Choice xmlns="" xmlns:p14="http://schemas.microsoft.com/office/powerpoint/2010/main" Requires="p14">
+  <mc:AlternateContent xmlns:mc="http://schemas.openxmlformats.org/markup-compatibility/2006" xmlns:p14="http://schemas.microsoft.com/office/powerpoint/2010/main">
+    <mc:Choice Requires="p14">
       <p:transition spd="slow" p14:dur="2000"/>
     </mc:Choice>
-    <mc:Fallback>
+    <mc:Fallback xmlns="">
       <p:transition spd="slow"/>
     </mc:Fallback>
   </mc:AlternateContent>
   <p:timing>
     <p:tnLst>
       <p:par>
-        <p:cTn id="1" dur="indefinite" restart="never" nodeType="tmRoot"/>
+        <p:cTn xmlns:p14="http://schemas.microsoft.com/office/powerpoint/2010/main" id="1" dur="indefinite" restart="never" nodeType="tmRoot"/>
       </p:par>
     </p:tnLst>
   </p:timing>
@@ -13172,25 +13172,25 @@
     </p:spTree>
     <p:extLst>
       <p:ext uri="{BB962C8B-B14F-4D97-AF65-F5344CB8AC3E}">
-        <p14:creationId xmlns="" xmlns:p14="http://schemas.microsoft.com/office/powerpoint/2010/main" val="518406238"/>
+        <p14:creationId xmlns:p14="http://schemas.microsoft.com/office/powerpoint/2010/main" val="518406238"/>
       </p:ext>
     </p:extLst>
   </p:cSld>
   <p:clrMapOvr>
     <a:masterClrMapping/>
   </p:clrMapOvr>
-  <mc:AlternateContent xmlns:mc="http://schemas.openxmlformats.org/markup-compatibility/2006">
-    <mc:Choice xmlns="" xmlns:p14="http://schemas.microsoft.com/office/powerpoint/2010/main" Requires="p14">
+  <mc:AlternateContent xmlns:mc="http://schemas.openxmlformats.org/markup-compatibility/2006" xmlns:p14="http://schemas.microsoft.com/office/powerpoint/2010/main">
+    <mc:Choice Requires="p14">
       <p:transition spd="slow" p14:dur="2000"/>
     </mc:Choice>
-    <mc:Fallback>
+    <mc:Fallback xmlns="">
       <p:transition spd="slow"/>
     </mc:Fallback>
   </mc:AlternateContent>
   <p:timing>
     <p:tnLst>
       <p:par>
-        <p:cTn id="1" dur="indefinite" restart="never" nodeType="tmRoot"/>
+        <p:cTn xmlns:p14="http://schemas.microsoft.com/office/powerpoint/2010/main" id="1" dur="indefinite" restart="never" nodeType="tmRoot"/>
       </p:par>
     </p:tnLst>
   </p:timing>
@@ -13481,25 +13481,25 @@
     </p:spTree>
     <p:extLst>
       <p:ext uri="{BB962C8B-B14F-4D97-AF65-F5344CB8AC3E}">
-        <p14:creationId xmlns="" xmlns:p14="http://schemas.microsoft.com/office/powerpoint/2010/main" val="3089945963"/>
+        <p14:creationId xmlns:p14="http://schemas.microsoft.com/office/powerpoint/2010/main" val="3089945963"/>
       </p:ext>
     </p:extLst>
   </p:cSld>
   <p:clrMapOvr>
     <a:masterClrMapping/>
   </p:clrMapOvr>
-  <mc:AlternateContent xmlns:mc="http://schemas.openxmlformats.org/markup-compatibility/2006">
-    <mc:Choice xmlns="" xmlns:p14="http://schemas.microsoft.com/office/powerpoint/2010/main" Requires="p14">
+  <mc:AlternateContent xmlns:mc="http://schemas.openxmlformats.org/markup-compatibility/2006" xmlns:p14="http://schemas.microsoft.com/office/powerpoint/2010/main">
+    <mc:Choice Requires="p14">
       <p:transition spd="slow" p14:dur="2000"/>
     </mc:Choice>
-    <mc:Fallback>
+    <mc:Fallback xmlns="">
       <p:transition spd="slow"/>
     </mc:Fallback>
   </mc:AlternateContent>
   <p:timing>
     <p:tnLst>
       <p:par>
-        <p:cTn id="1" dur="indefinite" restart="never" nodeType="tmRoot"/>
+        <p:cTn xmlns:p14="http://schemas.microsoft.com/office/powerpoint/2010/main" id="1" dur="indefinite" restart="never" nodeType="tmRoot"/>
       </p:par>
     </p:tnLst>
   </p:timing>
@@ -13795,25 +13795,25 @@
     </p:spTree>
     <p:extLst>
       <p:ext uri="{BB962C8B-B14F-4D97-AF65-F5344CB8AC3E}">
-        <p14:creationId xmlns="" xmlns:p14="http://schemas.microsoft.com/office/powerpoint/2010/main" val="3273476610"/>
+        <p14:creationId xmlns:p14="http://schemas.microsoft.com/office/powerpoint/2010/main" val="3273476610"/>
       </p:ext>
     </p:extLst>
   </p:cSld>
   <p:clrMapOvr>
     <a:masterClrMapping/>
   </p:clrMapOvr>
-  <mc:AlternateContent xmlns:mc="http://schemas.openxmlformats.org/markup-compatibility/2006">
-    <mc:Choice xmlns="" xmlns:p14="http://schemas.microsoft.com/office/powerpoint/2010/main" Requires="p14">
+  <mc:AlternateContent xmlns:mc="http://schemas.openxmlformats.org/markup-compatibility/2006" xmlns:p14="http://schemas.microsoft.com/office/powerpoint/2010/main">
+    <mc:Choice Requires="p14">
       <p:transition spd="slow" p14:dur="2000"/>
     </mc:Choice>
-    <mc:Fallback>
+    <mc:Fallback xmlns="">
       <p:transition spd="slow"/>
     </mc:Fallback>
   </mc:AlternateContent>
   <p:timing>
     <p:tnLst>
       <p:par>
-        <p:cTn id="1" dur="indefinite" restart="never" nodeType="tmRoot"/>
+        <p:cTn xmlns:p14="http://schemas.microsoft.com/office/powerpoint/2010/main" id="1" dur="indefinite" restart="never" nodeType="tmRoot"/>
       </p:par>
     </p:tnLst>
   </p:timing>
@@ -14150,25 +14150,25 @@
     </p:spTree>
     <p:extLst>
       <p:ext uri="{BB962C8B-B14F-4D97-AF65-F5344CB8AC3E}">
-        <p14:creationId xmlns="" xmlns:p14="http://schemas.microsoft.com/office/powerpoint/2010/main" val="3735783036"/>
+        <p14:creationId xmlns:p14="http://schemas.microsoft.com/office/powerpoint/2010/main" val="3735783036"/>
       </p:ext>
     </p:extLst>
   </p:cSld>
   <p:clrMapOvr>
     <a:masterClrMapping/>
   </p:clrMapOvr>
-  <mc:AlternateContent xmlns:mc="http://schemas.openxmlformats.org/markup-compatibility/2006">
-    <mc:Choice xmlns="" xmlns:p14="http://schemas.microsoft.com/office/powerpoint/2010/main" Requires="p14">
+  <mc:AlternateContent xmlns:mc="http://schemas.openxmlformats.org/markup-compatibility/2006" xmlns:p14="http://schemas.microsoft.com/office/powerpoint/2010/main">
+    <mc:Choice Requires="p14">
       <p:transition spd="slow" p14:dur="2000"/>
     </mc:Choice>
-    <mc:Fallback>
+    <mc:Fallback xmlns="">
       <p:transition spd="slow"/>
     </mc:Fallback>
   </mc:AlternateContent>
   <p:timing>
     <p:tnLst>
       <p:par>
-        <p:cTn id="1" dur="indefinite" restart="never" nodeType="tmRoot"/>
+        <p:cTn xmlns:p14="http://schemas.microsoft.com/office/powerpoint/2010/main" id="1" dur="indefinite" restart="never" nodeType="tmRoot"/>
       </p:par>
     </p:tnLst>
   </p:timing>
@@ -14452,25 +14452,25 @@
     </p:spTree>
     <p:extLst>
       <p:ext uri="{BB962C8B-B14F-4D97-AF65-F5344CB8AC3E}">
-        <p14:creationId xmlns="" xmlns:p14="http://schemas.microsoft.com/office/powerpoint/2010/main" val="195274415"/>
+        <p14:creationId xmlns:p14="http://schemas.microsoft.com/office/powerpoint/2010/main" val="195274415"/>
       </p:ext>
     </p:extLst>
   </p:cSld>
   <p:clrMapOvr>
     <a:masterClrMapping/>
   </p:clrMapOvr>
-  <mc:AlternateContent xmlns:mc="http://schemas.openxmlformats.org/markup-compatibility/2006">
-    <mc:Choice xmlns="" xmlns:p14="http://schemas.microsoft.com/office/powerpoint/2010/main" Requires="p14">
+  <mc:AlternateContent xmlns:mc="http://schemas.openxmlformats.org/markup-compatibility/2006" xmlns:p14="http://schemas.microsoft.com/office/powerpoint/2010/main">
+    <mc:Choice Requires="p14">
       <p:transition spd="slow" p14:dur="2000"/>
     </mc:Choice>
-    <mc:Fallback>
+    <mc:Fallback xmlns="">
       <p:transition spd="slow"/>
     </mc:Fallback>
   </mc:AlternateContent>
   <p:timing>
     <p:tnLst>
       <p:par>
-        <p:cTn id="1" dur="indefinite" restart="never" nodeType="tmRoot"/>
+        <p:cTn xmlns:p14="http://schemas.microsoft.com/office/powerpoint/2010/main" id="1" dur="indefinite" restart="never" nodeType="tmRoot"/>
       </p:par>
     </p:tnLst>
   </p:timing>
@@ -14773,25 +14773,25 @@
     </p:spTree>
     <p:extLst>
       <p:ext uri="{BB962C8B-B14F-4D97-AF65-F5344CB8AC3E}">
-        <p14:creationId xmlns="" xmlns:p14="http://schemas.microsoft.com/office/powerpoint/2010/main" val="820318166"/>
+        <p14:creationId xmlns:p14="http://schemas.microsoft.com/office/powerpoint/2010/main" val="820318166"/>
       </p:ext>
     </p:extLst>
   </p:cSld>
   <p:clrMapOvr>
     <a:masterClrMapping/>
   </p:clrMapOvr>
-  <mc:AlternateContent xmlns:mc="http://schemas.openxmlformats.org/markup-compatibility/2006">
-    <mc:Choice xmlns="" xmlns:p14="http://schemas.microsoft.com/office/powerpoint/2010/main" Requires="p14">
+  <mc:AlternateContent xmlns:mc="http://schemas.openxmlformats.org/markup-compatibility/2006" xmlns:p14="http://schemas.microsoft.com/office/powerpoint/2010/main">
+    <mc:Choice Requires="p14">
       <p:transition spd="slow" p14:dur="2000"/>
     </mc:Choice>
-    <mc:Fallback>
+    <mc:Fallback xmlns="">
       <p:transition spd="slow"/>
     </mc:Fallback>
   </mc:AlternateContent>
   <p:timing>
     <p:tnLst>
       <p:par>
-        <p:cTn id="1" dur="indefinite" restart="never" nodeType="tmRoot"/>
+        <p:cTn xmlns:p14="http://schemas.microsoft.com/office/powerpoint/2010/main" id="1" dur="indefinite" restart="never" nodeType="tmRoot"/>
       </p:par>
     </p:tnLst>
   </p:timing>
@@ -15079,25 +15079,25 @@
     </p:spTree>
     <p:extLst>
       <p:ext uri="{BB962C8B-B14F-4D97-AF65-F5344CB8AC3E}">
-        <p14:creationId xmlns="" xmlns:p14="http://schemas.microsoft.com/office/powerpoint/2010/main" val="827783283"/>
+        <p14:creationId xmlns:p14="http://schemas.microsoft.com/office/powerpoint/2010/main" val="827783283"/>
       </p:ext>
     </p:extLst>
   </p:cSld>
   <p:clrMapOvr>
     <a:masterClrMapping/>
   </p:clrMapOvr>
-  <mc:AlternateContent xmlns:mc="http://schemas.openxmlformats.org/markup-compatibility/2006">
-    <mc:Choice xmlns="" xmlns:p14="http://schemas.microsoft.com/office/powerpoint/2010/main" Requires="p14">
+  <mc:AlternateContent xmlns:mc="http://schemas.openxmlformats.org/markup-compatibility/2006" xmlns:p14="http://schemas.microsoft.com/office/powerpoint/2010/main">
+    <mc:Choice Requires="p14">
       <p:transition spd="slow" p14:dur="2000"/>
     </mc:Choice>
-    <mc:Fallback>
+    <mc:Fallback xmlns="">
       <p:transition spd="slow"/>
     </mc:Fallback>
   </mc:AlternateContent>
   <p:timing>
     <p:tnLst>
       <p:par>
-        <p:cTn id="1" dur="indefinite" restart="never" nodeType="tmRoot"/>
+        <p:cTn xmlns:p14="http://schemas.microsoft.com/office/powerpoint/2010/main" id="1" dur="indefinite" restart="never" nodeType="tmRoot"/>
       </p:par>
     </p:tnLst>
   </p:timing>
@@ -15361,25 +15361,25 @@
     </p:spTree>
     <p:extLst>
       <p:ext uri="{BB962C8B-B14F-4D97-AF65-F5344CB8AC3E}">
-        <p14:creationId xmlns="" xmlns:p14="http://schemas.microsoft.com/office/powerpoint/2010/main" val="2112585717"/>
+        <p14:creationId xmlns:p14="http://schemas.microsoft.com/office/powerpoint/2010/main" val="2112585717"/>
       </p:ext>
     </p:extLst>
   </p:cSld>
   <p:clrMapOvr>
     <a:masterClrMapping/>
   </p:clrMapOvr>
-  <mc:AlternateContent xmlns:mc="http://schemas.openxmlformats.org/markup-compatibility/2006">
-    <mc:Choice xmlns="" xmlns:p14="http://schemas.microsoft.com/office/powerpoint/2010/main" Requires="p14">
+  <mc:AlternateContent xmlns:mc="http://schemas.openxmlformats.org/markup-compatibility/2006" xmlns:p14="http://schemas.microsoft.com/office/powerpoint/2010/main">
+    <mc:Choice Requires="p14">
       <p:transition spd="slow" p14:dur="2000"/>
     </mc:Choice>
-    <mc:Fallback>
+    <mc:Fallback xmlns="">
       <p:transition spd="slow"/>
     </mc:Fallback>
   </mc:AlternateContent>
   <p:timing>
     <p:tnLst>
       <p:par>
-        <p:cTn id="1" dur="indefinite" restart="never" nodeType="tmRoot"/>
+        <p:cTn xmlns:p14="http://schemas.microsoft.com/office/powerpoint/2010/main" id="1" dur="indefinite" restart="never" nodeType="tmRoot"/>
       </p:par>
     </p:tnLst>
   </p:timing>
@@ -15654,25 +15654,25 @@
     </p:spTree>
     <p:extLst>
       <p:ext uri="{BB962C8B-B14F-4D97-AF65-F5344CB8AC3E}">
-        <p14:creationId xmlns="" xmlns:p14="http://schemas.microsoft.com/office/powerpoint/2010/main" val="2498309309"/>
+        <p14:creationId xmlns:p14="http://schemas.microsoft.com/office/powerpoint/2010/main" val="2498309309"/>
       </p:ext>
     </p:extLst>
   </p:cSld>
   <p:clrMapOvr>
     <a:masterClrMapping/>
   </p:clrMapOvr>
-  <mc:AlternateContent xmlns:mc="http://schemas.openxmlformats.org/markup-compatibility/2006">
-    <mc:Choice xmlns="" xmlns:p14="http://schemas.microsoft.com/office/powerpoint/2010/main" Requires="p14">
+  <mc:AlternateContent xmlns:mc="http://schemas.openxmlformats.org/markup-compatibility/2006" xmlns:p14="http://schemas.microsoft.com/office/powerpoint/2010/main">
+    <mc:Choice Requires="p14">
       <p:transition spd="slow" p14:dur="2000"/>
     </mc:Choice>
-    <mc:Fallback>
+    <mc:Fallback xmlns="">
       <p:transition spd="slow"/>
     </mc:Fallback>
   </mc:AlternateContent>
   <p:timing>
     <p:tnLst>
       <p:par>
-        <p:cTn id="1" dur="indefinite" restart="never" nodeType="tmRoot"/>
+        <p:cTn xmlns:p14="http://schemas.microsoft.com/office/powerpoint/2010/main" id="1" dur="indefinite" restart="never" nodeType="tmRoot"/>
       </p:par>
     </p:tnLst>
   </p:timing>
@@ -15959,25 +15959,25 @@
     </p:spTree>
     <p:extLst>
       <p:ext uri="{BB962C8B-B14F-4D97-AF65-F5344CB8AC3E}">
-        <p14:creationId xmlns="" xmlns:p14="http://schemas.microsoft.com/office/powerpoint/2010/main" val="490993421"/>
+        <p14:creationId xmlns:p14="http://schemas.microsoft.com/office/powerpoint/2010/main" val="490993421"/>
       </p:ext>
     </p:extLst>
   </p:cSld>
   <p:clrMapOvr>
     <a:masterClrMapping/>
   </p:clrMapOvr>
-  <mc:AlternateContent xmlns:mc="http://schemas.openxmlformats.org/markup-compatibility/2006">
-    <mc:Choice xmlns="" xmlns:p14="http://schemas.microsoft.com/office/powerpoint/2010/main" Requires="p14">
+  <mc:AlternateContent xmlns:mc="http://schemas.openxmlformats.org/markup-compatibility/2006" xmlns:p14="http://schemas.microsoft.com/office/powerpoint/2010/main">
+    <mc:Choice Requires="p14">
       <p:transition spd="slow" p14:dur="2000"/>
     </mc:Choice>
-    <mc:Fallback>
+    <mc:Fallback xmlns="">
       <p:transition spd="slow"/>
     </mc:Fallback>
   </mc:AlternateContent>
   <p:timing>
     <p:tnLst>
       <p:par>
-        <p:cTn id="1" dur="indefinite" restart="never" nodeType="tmRoot"/>
+        <p:cTn xmlns:p14="http://schemas.microsoft.com/office/powerpoint/2010/main" id="1" dur="indefinite" restart="never" nodeType="tmRoot"/>
       </p:par>
     </p:tnLst>
   </p:timing>
@@ -16236,25 +16236,25 @@
     </p:spTree>
     <p:extLst>
       <p:ext uri="{BB962C8B-B14F-4D97-AF65-F5344CB8AC3E}">
-        <p14:creationId xmlns="" xmlns:p14="http://schemas.microsoft.com/office/powerpoint/2010/main" val="1982603412"/>
+        <p14:creationId xmlns:p14="http://schemas.microsoft.com/office/powerpoint/2010/main" val="1982603412"/>
       </p:ext>
     </p:extLst>
   </p:cSld>
   <p:clrMapOvr>
     <a:masterClrMapping/>
   </p:clrMapOvr>
-  <mc:AlternateContent xmlns:mc="http://schemas.openxmlformats.org/markup-compatibility/2006">
-    <mc:Choice xmlns="" xmlns:p14="http://schemas.microsoft.com/office/powerpoint/2010/main" Requires="p14">
+  <mc:AlternateContent xmlns:mc="http://schemas.openxmlformats.org/markup-compatibility/2006" xmlns:p14="http://schemas.microsoft.com/office/powerpoint/2010/main">
+    <mc:Choice Requires="p14">
       <p:transition spd="slow" p14:dur="2000"/>
     </mc:Choice>
-    <mc:Fallback>
+    <mc:Fallback xmlns="">
       <p:transition spd="slow"/>
     </mc:Fallback>
   </mc:AlternateContent>
   <p:timing>
     <p:tnLst>
       <p:par>
-        <p:cTn id="1" dur="indefinite" restart="never" nodeType="tmRoot"/>
+        <p:cTn xmlns:p14="http://schemas.microsoft.com/office/powerpoint/2010/main" id="1" dur="indefinite" restart="never" nodeType="tmRoot"/>
       </p:par>
     </p:tnLst>
   </p:timing>
@@ -16337,25 +16337,25 @@
     </p:spTree>
     <p:extLst>
       <p:ext uri="{BB962C8B-B14F-4D97-AF65-F5344CB8AC3E}">
-        <p14:creationId xmlns="" xmlns:p14="http://schemas.microsoft.com/office/powerpoint/2010/main" val="3486681628"/>
+        <p14:creationId xmlns:p14="http://schemas.microsoft.com/office/powerpoint/2010/main" val="3486681628"/>
       </p:ext>
     </p:extLst>
   </p:cSld>
   <p:clrMapOvr>
     <a:masterClrMapping/>
   </p:clrMapOvr>
-  <mc:AlternateContent xmlns:mc="http://schemas.openxmlformats.org/markup-compatibility/2006">
-    <mc:Choice xmlns="" xmlns:p14="http://schemas.microsoft.com/office/powerpoint/2010/main" Requires="p14">
+  <mc:AlternateContent xmlns:mc="http://schemas.openxmlformats.org/markup-compatibility/2006" xmlns:p14="http://schemas.microsoft.com/office/powerpoint/2010/main">
+    <mc:Choice Requires="p14">
       <p:transition spd="slow" p14:dur="2000"/>
     </mc:Choice>
-    <mc:Fallback>
+    <mc:Fallback xmlns="">
       <p:transition spd="slow"/>
     </mc:Fallback>
   </mc:AlternateContent>
   <p:timing>
     <p:tnLst>
       <p:par>
-        <p:cTn id="1" dur="indefinite" restart="never" nodeType="tmRoot"/>
+        <p:cTn xmlns:p14="http://schemas.microsoft.com/office/powerpoint/2010/main" id="1" dur="indefinite" restart="never" nodeType="tmRoot"/>
       </p:par>
     </p:tnLst>
   </p:timing>
@@ -16655,25 +16655,25 @@
     </p:spTree>
     <p:extLst>
       <p:ext uri="{BB962C8B-B14F-4D97-AF65-F5344CB8AC3E}">
-        <p14:creationId xmlns="" xmlns:p14="http://schemas.microsoft.com/office/powerpoint/2010/main" val="2167458548"/>
+        <p14:creationId xmlns:p14="http://schemas.microsoft.com/office/powerpoint/2010/main" val="2167458548"/>
       </p:ext>
     </p:extLst>
   </p:cSld>
   <p:clrMapOvr>
     <a:masterClrMapping/>
   </p:clrMapOvr>
-  <mc:AlternateContent xmlns:mc="http://schemas.openxmlformats.org/markup-compatibility/2006">
-    <mc:Choice xmlns="" xmlns:p14="http://schemas.microsoft.com/office/powerpoint/2010/main" Requires="p14">
+  <mc:AlternateContent xmlns:mc="http://schemas.openxmlformats.org/markup-compatibility/2006" xmlns:p14="http://schemas.microsoft.com/office/powerpoint/2010/main">
+    <mc:Choice Requires="p14">
       <p:transition spd="slow" p14:dur="2000"/>
     </mc:Choice>
-    <mc:Fallback>
+    <mc:Fallback xmlns="">
       <p:transition spd="slow"/>
     </mc:Fallback>
   </mc:AlternateContent>
   <p:timing>
     <p:tnLst>
       <p:par>
-        <p:cTn id="1" dur="indefinite" restart="never" nodeType="tmRoot"/>
+        <p:cTn xmlns:p14="http://schemas.microsoft.com/office/powerpoint/2010/main" id="1" dur="indefinite" restart="never" nodeType="tmRoot"/>
       </p:par>
     </p:tnLst>
   </p:timing>
@@ -16762,25 +16762,25 @@
     </p:spTree>
     <p:extLst>
       <p:ext uri="{BB962C8B-B14F-4D97-AF65-F5344CB8AC3E}">
-        <p14:creationId xmlns="" xmlns:p14="http://schemas.microsoft.com/office/powerpoint/2010/main" val="77984983"/>
+        <p14:creationId xmlns:p14="http://schemas.microsoft.com/office/powerpoint/2010/main" val="77984983"/>
       </p:ext>
     </p:extLst>
   </p:cSld>
   <p:clrMapOvr>
     <a:masterClrMapping/>
   </p:clrMapOvr>
-  <mc:AlternateContent xmlns:mc="http://schemas.openxmlformats.org/markup-compatibility/2006">
-    <mc:Choice xmlns="" xmlns:p14="http://schemas.microsoft.com/office/powerpoint/2010/main" Requires="p14">
+  <mc:AlternateContent xmlns:mc="http://schemas.openxmlformats.org/markup-compatibility/2006" xmlns:p14="http://schemas.microsoft.com/office/powerpoint/2010/main">
+    <mc:Choice Requires="p14">
       <p:transition spd="slow" p14:dur="2000"/>
     </mc:Choice>
-    <mc:Fallback>
+    <mc:Fallback xmlns="">
       <p:transition spd="slow"/>
     </mc:Fallback>
   </mc:AlternateContent>
   <p:timing>
     <p:tnLst>
       <p:par>
-        <p:cTn id="1" dur="indefinite" restart="never" nodeType="tmRoot"/>
+        <p:cTn xmlns:p14="http://schemas.microsoft.com/office/powerpoint/2010/main" id="1" dur="indefinite" restart="never" nodeType="tmRoot"/>
       </p:par>
     </p:tnLst>
   </p:timing>
@@ -17121,25 +17121,25 @@
     </p:spTree>
     <p:extLst>
       <p:ext uri="{BB962C8B-B14F-4D97-AF65-F5344CB8AC3E}">
-        <p14:creationId xmlns="" xmlns:p14="http://schemas.microsoft.com/office/powerpoint/2010/main" val="1766382090"/>
+        <p14:creationId xmlns:p14="http://schemas.microsoft.com/office/powerpoint/2010/main" val="1766382090"/>
       </p:ext>
     </p:extLst>
   </p:cSld>
   <p:clrMapOvr>
     <a:masterClrMapping/>
   </p:clrMapOvr>
-  <mc:AlternateContent xmlns:mc="http://schemas.openxmlformats.org/markup-compatibility/2006">
-    <mc:Choice xmlns="" xmlns:p14="http://schemas.microsoft.com/office/powerpoint/2010/main" Requires="p14">
+  <mc:AlternateContent xmlns:mc="http://schemas.openxmlformats.org/markup-compatibility/2006" xmlns:p14="http://schemas.microsoft.com/office/powerpoint/2010/main">
+    <mc:Choice Requires="p14">
       <p:transition spd="slow" p14:dur="2000"/>
     </mc:Choice>
-    <mc:Fallback>
+    <mc:Fallback xmlns="">
       <p:transition spd="slow"/>
     </mc:Fallback>
   </mc:AlternateContent>
   <p:timing>
     <p:tnLst>
       <p:par>
-        <p:cTn id="1" dur="indefinite" restart="never" nodeType="tmRoot"/>
+        <p:cTn xmlns:p14="http://schemas.microsoft.com/office/powerpoint/2010/main" id="1" dur="indefinite" restart="never" nodeType="tmRoot"/>
       </p:par>
     </p:tnLst>
   </p:timing>
@@ -17228,25 +17228,25 @@
     </p:spTree>
     <p:extLst>
       <p:ext uri="{BB962C8B-B14F-4D97-AF65-F5344CB8AC3E}">
-        <p14:creationId xmlns="" xmlns:p14="http://schemas.microsoft.com/office/powerpoint/2010/main" val="3690446741"/>
+        <p14:creationId xmlns:p14="http://schemas.microsoft.com/office/powerpoint/2010/main" val="3690446741"/>
       </p:ext>
     </p:extLst>
   </p:cSld>
   <p:clrMapOvr>
     <a:masterClrMapping/>
   </p:clrMapOvr>
-  <mc:AlternateContent xmlns:mc="http://schemas.openxmlformats.org/markup-compatibility/2006">
-    <mc:Choice xmlns="" xmlns:p14="http://schemas.microsoft.com/office/powerpoint/2010/main" Requires="p14">
+  <mc:AlternateContent xmlns:mc="http://schemas.openxmlformats.org/markup-compatibility/2006" xmlns:p14="http://schemas.microsoft.com/office/powerpoint/2010/main">
+    <mc:Choice Requires="p14">
       <p:transition spd="slow" p14:dur="2000"/>
     </mc:Choice>
-    <mc:Fallback>
+    <mc:Fallback xmlns="">
       <p:transition spd="slow"/>
     </mc:Fallback>
   </mc:AlternateContent>
   <p:timing>
     <p:tnLst>
       <p:par>
-        <p:cTn id="1" dur="indefinite" restart="never" nodeType="tmRoot"/>
+        <p:cTn xmlns:p14="http://schemas.microsoft.com/office/powerpoint/2010/main" id="1" dur="indefinite" restart="never" nodeType="tmRoot"/>
       </p:par>
     </p:tnLst>
   </p:timing>
@@ -17467,25 +17467,25 @@
     </p:spTree>
     <p:extLst>
       <p:ext uri="{BB962C8B-B14F-4D97-AF65-F5344CB8AC3E}">
-        <p14:creationId xmlns="" xmlns:p14="http://schemas.microsoft.com/office/powerpoint/2010/main" val="1921668123"/>
+        <p14:creationId xmlns:p14="http://schemas.microsoft.com/office/powerpoint/2010/main" val="1921668123"/>
       </p:ext>
     </p:extLst>
   </p:cSld>
   <p:clrMapOvr>
     <a:masterClrMapping/>
   </p:clrMapOvr>
-  <mc:AlternateContent xmlns:mc="http://schemas.openxmlformats.org/markup-compatibility/2006">
-    <mc:Choice xmlns="" xmlns:p14="http://schemas.microsoft.com/office/powerpoint/2010/main" Requires="p14">
+  <mc:AlternateContent xmlns:mc="http://schemas.openxmlformats.org/markup-compatibility/2006" xmlns:p14="http://schemas.microsoft.com/office/powerpoint/2010/main">
+    <mc:Choice Requires="p14">
       <p:transition spd="slow" p14:dur="2000"/>
     </mc:Choice>
-    <mc:Fallback>
+    <mc:Fallback xmlns="">
       <p:transition spd="slow"/>
     </mc:Fallback>
   </mc:AlternateContent>
   <p:timing>
     <p:tnLst>
       <p:par>
-        <p:cTn id="1" dur="indefinite" restart="never" nodeType="tmRoot"/>
+        <p:cTn xmlns:p14="http://schemas.microsoft.com/office/powerpoint/2010/main" id="1" dur="indefinite" restart="never" nodeType="tmRoot"/>
       </p:par>
     </p:tnLst>
   </p:timing>
@@ -17767,25 +17767,25 @@
     </p:spTree>
     <p:extLst>
       <p:ext uri="{BB962C8B-B14F-4D97-AF65-F5344CB8AC3E}">
-        <p14:creationId xmlns="" xmlns:p14="http://schemas.microsoft.com/office/powerpoint/2010/main" val="2809531644"/>
+        <p14:creationId xmlns:p14="http://schemas.microsoft.com/office/powerpoint/2010/main" val="2809531644"/>
       </p:ext>
     </p:extLst>
   </p:cSld>
   <p:clrMapOvr>
     <a:masterClrMapping/>
   </p:clrMapOvr>
-  <mc:AlternateContent xmlns:mc="http://schemas.openxmlformats.org/markup-compatibility/2006">
-    <mc:Choice xmlns="" xmlns:p14="http://schemas.microsoft.com/office/powerpoint/2010/main" Requires="p14">
+  <mc:AlternateContent xmlns:mc="http://schemas.openxmlformats.org/markup-compatibility/2006" xmlns:p14="http://schemas.microsoft.com/office/powerpoint/2010/main">
+    <mc:Choice Requires="p14">
       <p:transition spd="slow" p14:dur="2000"/>
     </mc:Choice>
-    <mc:Fallback>
+    <mc:Fallback xmlns="">
       <p:transition spd="slow"/>
     </mc:Fallback>
   </mc:AlternateContent>
   <p:timing>
     <p:tnLst>
       <p:par>
-        <p:cTn id="1" dur="indefinite" restart="never" nodeType="tmRoot"/>
+        <p:cTn xmlns:p14="http://schemas.microsoft.com/office/powerpoint/2010/main" id="1" dur="indefinite" restart="never" nodeType="tmRoot"/>
       </p:par>
     </p:tnLst>
   </p:timing>
@@ -17929,25 +17929,25 @@
     </p:spTree>
     <p:extLst>
       <p:ext uri="{BB962C8B-B14F-4D97-AF65-F5344CB8AC3E}">
-        <p14:creationId xmlns="" xmlns:p14="http://schemas.microsoft.com/office/powerpoint/2010/main" val="2052235477"/>
+        <p14:creationId xmlns:p14="http://schemas.microsoft.com/office/powerpoint/2010/main" val="2052235477"/>
       </p:ext>
     </p:extLst>
   </p:cSld>
   <p:clrMapOvr>
     <a:masterClrMapping/>
   </p:clrMapOvr>
-  <mc:AlternateContent xmlns:mc="http://schemas.openxmlformats.org/markup-compatibility/2006">
-    <mc:Choice xmlns="" xmlns:p14="http://schemas.microsoft.com/office/powerpoint/2010/main" Requires="p14">
+  <mc:AlternateContent xmlns:mc="http://schemas.openxmlformats.org/markup-compatibility/2006" xmlns:p14="http://schemas.microsoft.com/office/powerpoint/2010/main">
+    <mc:Choice Requires="p14">
       <p:transition spd="slow" p14:dur="2000"/>
     </mc:Choice>
-    <mc:Fallback>
+    <mc:Fallback xmlns="">
       <p:transition spd="slow"/>
     </mc:Fallback>
   </mc:AlternateContent>
   <p:timing>
     <p:tnLst>
       <p:par>
-        <p:cTn id="1" dur="indefinite" restart="never" nodeType="tmRoot"/>
+        <p:cTn xmlns:p14="http://schemas.microsoft.com/office/powerpoint/2010/main" id="1" dur="indefinite" restart="never" nodeType="tmRoot"/>
       </p:par>
     </p:tnLst>
   </p:timing>
@@ -18003,7 +18003,7 @@
     </p:spTree>
     <p:extLst>
       <p:ext uri="{BB962C8B-B14F-4D97-AF65-F5344CB8AC3E}">
-        <p14:creationId xmlns="" xmlns:p14="http://schemas.microsoft.com/office/powerpoint/2010/main" val="1378357901"/>
+        <p14:creationId xmlns:p14="http://schemas.microsoft.com/office/powerpoint/2010/main" val="1378357901"/>
       </p:ext>
     </p:extLst>
   </p:cSld>
@@ -18013,7 +18013,7 @@
   <p:timing>
     <p:tnLst>
       <p:par>
-        <p:cTn id="1" dur="indefinite" restart="never" nodeType="tmRoot"/>
+        <p:cTn xmlns:p14="http://schemas.microsoft.com/office/powerpoint/2010/main" id="1" dur="indefinite" restart="never" nodeType="tmRoot"/>
       </p:par>
     </p:tnLst>
   </p:timing>
@@ -18093,7 +18093,7 @@
           <p:nvPr>
             <p:extLst>
               <p:ext uri="{D42A27DB-BD31-4B8C-83A1-F6EECF244321}">
-                <p14:modId xmlns="" xmlns:p14="http://schemas.microsoft.com/office/powerpoint/2010/main" val="2256308220"/>
+                <p14:modId xmlns:p14="http://schemas.microsoft.com/office/powerpoint/2010/main" val="2256308220"/>
               </p:ext>
             </p:extLst>
           </p:nvPr>
@@ -18678,25 +18678,25 @@
     </p:spTree>
     <p:extLst>
       <p:ext uri="{BB962C8B-B14F-4D97-AF65-F5344CB8AC3E}">
-        <p14:creationId xmlns="" xmlns:p14="http://schemas.microsoft.com/office/powerpoint/2010/main" val="1730443546"/>
+        <p14:creationId xmlns:p14="http://schemas.microsoft.com/office/powerpoint/2010/main" val="1730443546"/>
       </p:ext>
     </p:extLst>
   </p:cSld>
   <p:clrMapOvr>
     <a:masterClrMapping/>
   </p:clrMapOvr>
-  <mc:AlternateContent xmlns:mc="http://schemas.openxmlformats.org/markup-compatibility/2006">
-    <mc:Choice xmlns="" xmlns:p14="http://schemas.microsoft.com/office/powerpoint/2010/main" Requires="p14">
+  <mc:AlternateContent xmlns:mc="http://schemas.openxmlformats.org/markup-compatibility/2006" xmlns:p14="http://schemas.microsoft.com/office/powerpoint/2010/main">
+    <mc:Choice Requires="p14">
       <p:transition spd="slow" p14:dur="2000"/>
     </mc:Choice>
-    <mc:Fallback>
+    <mc:Fallback xmlns="">
       <p:transition spd="slow"/>
     </mc:Fallback>
   </mc:AlternateContent>
   <p:timing>
     <p:tnLst>
       <p:par>
-        <p:cTn id="1" dur="indefinite" restart="never" nodeType="tmRoot"/>
+        <p:cTn xmlns:p14="http://schemas.microsoft.com/office/powerpoint/2010/main" id="1" dur="indefinite" restart="never" nodeType="tmRoot"/>
       </p:par>
     </p:tnLst>
   </p:timing>
@@ -19166,25 +19166,25 @@
     </p:spTree>
     <p:extLst>
       <p:ext uri="{BB962C8B-B14F-4D97-AF65-F5344CB8AC3E}">
-        <p14:creationId xmlns="" xmlns:p14="http://schemas.microsoft.com/office/powerpoint/2010/main" val="1629831378"/>
+        <p14:creationId xmlns:p14="http://schemas.microsoft.com/office/powerpoint/2010/main" val="1629831378"/>
       </p:ext>
     </p:extLst>
   </p:cSld>
   <p:clrMapOvr>
     <a:masterClrMapping/>
   </p:clrMapOvr>
-  <mc:AlternateContent xmlns:mc="http://schemas.openxmlformats.org/markup-compatibility/2006">
-    <mc:Choice xmlns="" xmlns:p14="http://schemas.microsoft.com/office/powerpoint/2010/main" Requires="p14">
+  <mc:AlternateContent xmlns:mc="http://schemas.openxmlformats.org/markup-compatibility/2006" xmlns:p14="http://schemas.microsoft.com/office/powerpoint/2010/main">
+    <mc:Choice Requires="p14">
       <p:transition spd="slow" p14:dur="2000"/>
     </mc:Choice>
-    <mc:Fallback>
+    <mc:Fallback xmlns="">
       <p:transition spd="slow"/>
     </mc:Fallback>
   </mc:AlternateContent>
   <p:timing>
     <p:tnLst>
       <p:par>
-        <p:cTn id="1" dur="indefinite" restart="never" nodeType="tmRoot"/>
+        <p:cTn xmlns:p14="http://schemas.microsoft.com/office/powerpoint/2010/main" id="1" dur="indefinite" restart="never" nodeType="tmRoot"/>
       </p:par>
     </p:tnLst>
   </p:timing>
@@ -19220,7 +19220,7 @@
           <a:blip r:embed="rId2">
             <a:extLst>
               <a:ext uri="{28A0092B-C50C-407E-A947-70E740481C1C}">
-                <a14:useLocalDpi xmlns="" xmlns:a14="http://schemas.microsoft.com/office/drawing/2010/main" val="0"/>
+                <a14:useLocalDpi xmlns:a14="http://schemas.microsoft.com/office/drawing/2010/main" val="0"/>
               </a:ext>
             </a:extLst>
           </a:blip>
@@ -19240,7 +19240,7 @@
           <a:noFill/>
           <a:extLst>
             <a:ext uri="{909E8E84-426E-40dd-AFC4-6F175D3DCCD1}">
-              <a14:hiddenFill xmlns="" xmlns:a14="http://schemas.microsoft.com/office/drawing/2010/main">
+              <a14:hiddenFill xmlns:a14="http://schemas.microsoft.com/office/drawing/2010/main">
                 <a:solidFill>
                   <a:srgbClr val="FFFFFF"/>
                 </a:solidFill>
@@ -19323,25 +19323,25 @@
     </p:spTree>
     <p:extLst>
       <p:ext uri="{BB962C8B-B14F-4D97-AF65-F5344CB8AC3E}">
-        <p14:creationId xmlns="" xmlns:p14="http://schemas.microsoft.com/office/powerpoint/2010/main" val="2367797895"/>
+        <p14:creationId xmlns:p14="http://schemas.microsoft.com/office/powerpoint/2010/main" val="2367797895"/>
       </p:ext>
     </p:extLst>
   </p:cSld>
   <p:clrMapOvr>
     <a:masterClrMapping/>
   </p:clrMapOvr>
-  <mc:AlternateContent xmlns:mc="http://schemas.openxmlformats.org/markup-compatibility/2006">
-    <mc:Choice xmlns="" xmlns:p14="http://schemas.microsoft.com/office/powerpoint/2010/main" Requires="p14">
+  <mc:AlternateContent xmlns:mc="http://schemas.openxmlformats.org/markup-compatibility/2006" xmlns:p14="http://schemas.microsoft.com/office/powerpoint/2010/main">
+    <mc:Choice Requires="p14">
       <p:transition spd="slow" p14:dur="2000"/>
     </mc:Choice>
-    <mc:Fallback>
+    <mc:Fallback xmlns="">
       <p:transition spd="slow"/>
     </mc:Fallback>
   </mc:AlternateContent>
   <p:timing>
     <p:tnLst>
       <p:par>
-        <p:cTn id="1" dur="indefinite" restart="never" nodeType="tmRoot"/>
+        <p:cTn xmlns:p14="http://schemas.microsoft.com/office/powerpoint/2010/main" id="1" dur="indefinite" restart="never" nodeType="tmRoot"/>
       </p:par>
     </p:tnLst>
   </p:timing>
@@ -19694,15 +19694,7 @@
             </a:r>
             <a:r>
               <a:rPr lang="it-IT" dirty="0" smtClean="0"/>
-              <a:t> che </a:t>
-            </a:r>
-            <a:r>
-              <a:rPr lang="it-IT" dirty="0" smtClean="0"/>
-              <a:t>faccia </a:t>
-            </a:r>
-            <a:r>
-              <a:rPr lang="it-IT" dirty="0" smtClean="0"/>
-              <a:t>da ponte tra il mondo </a:t>
+              <a:t> che faccia da ponte tra il mondo </a:t>
             </a:r>
             <a:r>
               <a:rPr lang="it-IT" dirty="0" err="1" smtClean="0"/>
@@ -19719,18 +19711,18 @@
     </p:spTree>
     <p:extLst>
       <p:ext uri="{BB962C8B-B14F-4D97-AF65-F5344CB8AC3E}">
-        <p14:creationId xmlns="" xmlns:p14="http://schemas.microsoft.com/office/powerpoint/2010/main" val="2781102722"/>
+        <p14:creationId xmlns:p14="http://schemas.microsoft.com/office/powerpoint/2010/main" val="2781102722"/>
       </p:ext>
     </p:extLst>
   </p:cSld>
   <p:clrMapOvr>
     <a:masterClrMapping/>
   </p:clrMapOvr>
-  <p:transition spd="slow"/>
+  <p:transition xmlns:p14="http://schemas.microsoft.com/office/powerpoint/2010/main" spd="slow"/>
   <p:timing>
     <p:tnLst>
       <p:par>
-        <p:cTn id="1" dur="indefinite" restart="never" nodeType="tmRoot">
+        <p:cTn xmlns:p14="http://schemas.microsoft.com/office/powerpoint/2010/main" id="1" dur="indefinite" restart="never" nodeType="tmRoot">
           <p:childTnLst>
             <p:seq concurrent="1" nextAc="seek">
               <p:cTn id="2" dur="indefinite" nodeType="mainSeq">
@@ -20306,25 +20298,25 @@
     </p:spTree>
     <p:extLst>
       <p:ext uri="{BB962C8B-B14F-4D97-AF65-F5344CB8AC3E}">
-        <p14:creationId xmlns="" xmlns:p14="http://schemas.microsoft.com/office/powerpoint/2010/main" val="3452883339"/>
+        <p14:creationId xmlns:p14="http://schemas.microsoft.com/office/powerpoint/2010/main" val="3452883339"/>
       </p:ext>
     </p:extLst>
   </p:cSld>
   <p:clrMapOvr>
     <a:masterClrMapping/>
   </p:clrMapOvr>
-  <mc:AlternateContent xmlns:mc="http://schemas.openxmlformats.org/markup-compatibility/2006">
-    <mc:Choice xmlns="" xmlns:p14="http://schemas.microsoft.com/office/powerpoint/2010/main" Requires="p14">
+  <mc:AlternateContent xmlns:mc="http://schemas.openxmlformats.org/markup-compatibility/2006" xmlns:p14="http://schemas.microsoft.com/office/powerpoint/2010/main">
+    <mc:Choice Requires="p14">
       <p:transition spd="slow" p14:dur="2000"/>
     </mc:Choice>
-    <mc:Fallback>
+    <mc:Fallback xmlns="">
       <p:transition spd="slow"/>
     </mc:Fallback>
   </mc:AlternateContent>
   <p:timing>
     <p:tnLst>
       <p:par>
-        <p:cTn id="1" dur="indefinite" restart="never" nodeType="tmRoot">
+        <p:cTn xmlns:p14="http://schemas.microsoft.com/office/powerpoint/2010/main" id="1" dur="indefinite" restart="never" nodeType="tmRoot">
           <p:childTnLst>
             <p:seq concurrent="1" nextAc="seek">
               <p:cTn id="2" dur="indefinite" nodeType="mainSeq">
@@ -21065,25 +21057,25 @@
     </p:spTree>
     <p:extLst>
       <p:ext uri="{BB962C8B-B14F-4D97-AF65-F5344CB8AC3E}">
-        <p14:creationId xmlns="" xmlns:p14="http://schemas.microsoft.com/office/powerpoint/2010/main" val="1358147143"/>
+        <p14:creationId xmlns:p14="http://schemas.microsoft.com/office/powerpoint/2010/main" val="1358147143"/>
       </p:ext>
     </p:extLst>
   </p:cSld>
   <p:clrMapOvr>
     <a:masterClrMapping/>
   </p:clrMapOvr>
-  <mc:AlternateContent xmlns:mc="http://schemas.openxmlformats.org/markup-compatibility/2006">
-    <mc:Choice xmlns="" xmlns:p14="http://schemas.microsoft.com/office/powerpoint/2010/main" Requires="p14">
+  <mc:AlternateContent xmlns:mc="http://schemas.openxmlformats.org/markup-compatibility/2006" xmlns:p14="http://schemas.microsoft.com/office/powerpoint/2010/main">
+    <mc:Choice Requires="p14">
       <p:transition spd="slow" p14:dur="2000"/>
     </mc:Choice>
-    <mc:Fallback>
+    <mc:Fallback xmlns="">
       <p:transition spd="slow"/>
     </mc:Fallback>
   </mc:AlternateContent>
   <p:timing>
     <p:tnLst>
       <p:par>
-        <p:cTn id="1" dur="indefinite" restart="never" nodeType="tmRoot"/>
+        <p:cTn xmlns:p14="http://schemas.microsoft.com/office/powerpoint/2010/main" id="1" dur="indefinite" restart="never" nodeType="tmRoot"/>
       </p:par>
     </p:tnLst>
   </p:timing>
@@ -21404,25 +21396,25 @@
     </p:spTree>
     <p:extLst>
       <p:ext uri="{BB962C8B-B14F-4D97-AF65-F5344CB8AC3E}">
-        <p14:creationId xmlns="" xmlns:p14="http://schemas.microsoft.com/office/powerpoint/2010/main" val="1827848310"/>
+        <p14:creationId xmlns:p14="http://schemas.microsoft.com/office/powerpoint/2010/main" val="1827848310"/>
       </p:ext>
     </p:extLst>
   </p:cSld>
   <p:clrMapOvr>
     <a:masterClrMapping/>
   </p:clrMapOvr>
-  <mc:AlternateContent xmlns:mc="http://schemas.openxmlformats.org/markup-compatibility/2006">
-    <mc:Choice xmlns="" xmlns:p14="http://schemas.microsoft.com/office/powerpoint/2010/main" Requires="p14">
+  <mc:AlternateContent xmlns:mc="http://schemas.openxmlformats.org/markup-compatibility/2006" xmlns:p14="http://schemas.microsoft.com/office/powerpoint/2010/main">
+    <mc:Choice Requires="p14">
       <p:transition spd="slow" p14:dur="2000"/>
     </mc:Choice>
-    <mc:Fallback>
+    <mc:Fallback xmlns="">
       <p:transition spd="slow"/>
     </mc:Fallback>
   </mc:AlternateContent>
   <p:timing>
     <p:tnLst>
       <p:par>
-        <p:cTn id="1" dur="indefinite" restart="never" nodeType="tmRoot">
+        <p:cTn xmlns:p14="http://schemas.microsoft.com/office/powerpoint/2010/main" id="1" dur="indefinite" restart="never" nodeType="tmRoot">
           <p:childTnLst>
             <p:seq concurrent="1" nextAc="seek">
               <p:cTn id="2" dur="indefinite" nodeType="mainSeq">
@@ -22147,25 +22139,25 @@
     </p:spTree>
     <p:extLst>
       <p:ext uri="{BB962C8B-B14F-4D97-AF65-F5344CB8AC3E}">
-        <p14:creationId xmlns="" xmlns:p14="http://schemas.microsoft.com/office/powerpoint/2010/main" val="2616731691"/>
+        <p14:creationId xmlns:p14="http://schemas.microsoft.com/office/powerpoint/2010/main" val="2616731691"/>
       </p:ext>
     </p:extLst>
   </p:cSld>
   <p:clrMapOvr>
     <a:masterClrMapping/>
   </p:clrMapOvr>
-  <mc:AlternateContent xmlns:mc="http://schemas.openxmlformats.org/markup-compatibility/2006">
-    <mc:Choice xmlns="" xmlns:p14="http://schemas.microsoft.com/office/powerpoint/2010/main" Requires="p14">
+  <mc:AlternateContent xmlns:mc="http://schemas.openxmlformats.org/markup-compatibility/2006" xmlns:p14="http://schemas.microsoft.com/office/powerpoint/2010/main">
+    <mc:Choice Requires="p14">
       <p:transition spd="slow" p14:dur="2000"/>
     </mc:Choice>
-    <mc:Fallback>
+    <mc:Fallback xmlns="">
       <p:transition spd="slow"/>
     </mc:Fallback>
   </mc:AlternateContent>
   <p:timing>
     <p:tnLst>
       <p:par>
-        <p:cTn id="1" dur="indefinite" restart="never" nodeType="tmRoot">
+        <p:cTn xmlns:p14="http://schemas.microsoft.com/office/powerpoint/2010/main" id="1" dur="indefinite" restart="never" nodeType="tmRoot">
           <p:childTnLst>
             <p:seq concurrent="1" nextAc="seek">
               <p:cTn id="2" dur="indefinite" nodeType="mainSeq">
@@ -22421,25 +22413,25 @@
     </p:spTree>
     <p:extLst>
       <p:ext uri="{BB962C8B-B14F-4D97-AF65-F5344CB8AC3E}">
-        <p14:creationId xmlns="" xmlns:p14="http://schemas.microsoft.com/office/powerpoint/2010/main" val="2912892320"/>
+        <p14:creationId xmlns:p14="http://schemas.microsoft.com/office/powerpoint/2010/main" val="2912892320"/>
       </p:ext>
     </p:extLst>
   </p:cSld>
   <p:clrMapOvr>
     <a:masterClrMapping/>
   </p:clrMapOvr>
-  <mc:AlternateContent xmlns:mc="http://schemas.openxmlformats.org/markup-compatibility/2006">
-    <mc:Choice xmlns="" xmlns:p14="http://schemas.microsoft.com/office/powerpoint/2010/main" Requires="p14">
+  <mc:AlternateContent xmlns:mc="http://schemas.openxmlformats.org/markup-compatibility/2006" xmlns:p14="http://schemas.microsoft.com/office/powerpoint/2010/main">
+    <mc:Choice Requires="p14">
       <p:transition spd="slow" p14:dur="2000"/>
     </mc:Choice>
-    <mc:Fallback>
+    <mc:Fallback xmlns="">
       <p:transition spd="slow"/>
     </mc:Fallback>
   </mc:AlternateContent>
   <p:timing>
     <p:tnLst>
       <p:par>
-        <p:cTn id="1" dur="indefinite" restart="never" nodeType="tmRoot">
+        <p:cTn xmlns:p14="http://schemas.microsoft.com/office/powerpoint/2010/main" id="1" dur="indefinite" restart="never" nodeType="tmRoot">
           <p:childTnLst>
             <p:seq concurrent="1" nextAc="seek">
               <p:cTn id="2" dur="indefinite" nodeType="mainSeq">
@@ -22839,25 +22831,25 @@
     </p:spTree>
     <p:extLst>
       <p:ext uri="{BB962C8B-B14F-4D97-AF65-F5344CB8AC3E}">
-        <p14:creationId xmlns="" xmlns:p14="http://schemas.microsoft.com/office/powerpoint/2010/main" val="462729233"/>
+        <p14:creationId xmlns:p14="http://schemas.microsoft.com/office/powerpoint/2010/main" val="462729233"/>
       </p:ext>
     </p:extLst>
   </p:cSld>
   <p:clrMapOvr>
     <a:masterClrMapping/>
   </p:clrMapOvr>
-  <mc:AlternateContent xmlns:mc="http://schemas.openxmlformats.org/markup-compatibility/2006">
-    <mc:Choice xmlns="" xmlns:p14="http://schemas.microsoft.com/office/powerpoint/2010/main" Requires="p14">
+  <mc:AlternateContent xmlns:mc="http://schemas.openxmlformats.org/markup-compatibility/2006" xmlns:p14="http://schemas.microsoft.com/office/powerpoint/2010/main">
+    <mc:Choice Requires="p14">
       <p:transition spd="slow" p14:dur="2000"/>
     </mc:Choice>
-    <mc:Fallback>
+    <mc:Fallback xmlns="">
       <p:transition spd="slow"/>
     </mc:Fallback>
   </mc:AlternateContent>
   <p:timing>
     <p:tnLst>
       <p:par>
-        <p:cTn id="1" dur="indefinite" restart="never" nodeType="tmRoot">
+        <p:cTn xmlns:p14="http://schemas.microsoft.com/office/powerpoint/2010/main" id="1" dur="indefinite" restart="never" nodeType="tmRoot">
           <p:childTnLst>
             <p:seq concurrent="1" nextAc="seek">
               <p:cTn id="2" dur="indefinite" nodeType="mainSeq">
@@ -23469,25 +23461,25 @@
     </p:spTree>
     <p:extLst>
       <p:ext uri="{BB962C8B-B14F-4D97-AF65-F5344CB8AC3E}">
-        <p14:creationId xmlns="" xmlns:p14="http://schemas.microsoft.com/office/powerpoint/2010/main" val="1717101950"/>
+        <p14:creationId xmlns:p14="http://schemas.microsoft.com/office/powerpoint/2010/main" val="1717101950"/>
       </p:ext>
     </p:extLst>
   </p:cSld>
   <p:clrMapOvr>
     <a:masterClrMapping/>
   </p:clrMapOvr>
-  <mc:AlternateContent xmlns:mc="http://schemas.openxmlformats.org/markup-compatibility/2006">
-    <mc:Choice xmlns="" xmlns:p14="http://schemas.microsoft.com/office/powerpoint/2010/main" Requires="p14">
+  <mc:AlternateContent xmlns:mc="http://schemas.openxmlformats.org/markup-compatibility/2006" xmlns:p14="http://schemas.microsoft.com/office/powerpoint/2010/main">
+    <mc:Choice Requires="p14">
       <p:transition spd="slow" p14:dur="2000"/>
     </mc:Choice>
-    <mc:Fallback>
+    <mc:Fallback xmlns="">
       <p:transition spd="slow"/>
     </mc:Fallback>
   </mc:AlternateContent>
   <p:timing>
     <p:tnLst>
       <p:par>
-        <p:cTn id="1" dur="indefinite" restart="never" nodeType="tmRoot">
+        <p:cTn xmlns:p14="http://schemas.microsoft.com/office/powerpoint/2010/main" id="1" dur="indefinite" restart="never" nodeType="tmRoot">
           <p:childTnLst>
             <p:seq concurrent="1" nextAc="seek">
               <p:cTn id="2" dur="indefinite" nodeType="mainSeq">
@@ -23895,25 +23887,25 @@
     </p:spTree>
     <p:extLst>
       <p:ext uri="{BB962C8B-B14F-4D97-AF65-F5344CB8AC3E}">
-        <p14:creationId xmlns="" xmlns:p14="http://schemas.microsoft.com/office/powerpoint/2010/main" val="309719199"/>
+        <p14:creationId xmlns:p14="http://schemas.microsoft.com/office/powerpoint/2010/main" val="309719199"/>
       </p:ext>
     </p:extLst>
   </p:cSld>
   <p:clrMapOvr>
     <a:masterClrMapping/>
   </p:clrMapOvr>
-  <mc:AlternateContent xmlns:mc="http://schemas.openxmlformats.org/markup-compatibility/2006">
-    <mc:Choice xmlns="" xmlns:p14="http://schemas.microsoft.com/office/powerpoint/2010/main" Requires="p14">
+  <mc:AlternateContent xmlns:mc="http://schemas.openxmlformats.org/markup-compatibility/2006" xmlns:p14="http://schemas.microsoft.com/office/powerpoint/2010/main">
+    <mc:Choice Requires="p14">
       <p:transition spd="slow" p14:dur="2000"/>
     </mc:Choice>
-    <mc:Fallback>
+    <mc:Fallback xmlns="">
       <p:transition spd="slow"/>
     </mc:Fallback>
   </mc:AlternateContent>
   <p:timing>
     <p:tnLst>
       <p:par>
-        <p:cTn id="1" dur="indefinite" restart="never" nodeType="tmRoot">
+        <p:cTn xmlns:p14="http://schemas.microsoft.com/office/powerpoint/2010/main" id="1" dur="indefinite" restart="never" nodeType="tmRoot">
           <p:childTnLst>
             <p:seq concurrent="1" nextAc="seek">
               <p:cTn id="2" dur="indefinite" nodeType="mainSeq">
@@ -24455,25 +24447,25 @@
     </p:spTree>
     <p:extLst>
       <p:ext uri="{BB962C8B-B14F-4D97-AF65-F5344CB8AC3E}">
-        <p14:creationId xmlns="" xmlns:p14="http://schemas.microsoft.com/office/powerpoint/2010/main" val="955904447"/>
+        <p14:creationId xmlns:p14="http://schemas.microsoft.com/office/powerpoint/2010/main" val="955904447"/>
       </p:ext>
     </p:extLst>
   </p:cSld>
   <p:clrMapOvr>
     <a:masterClrMapping/>
   </p:clrMapOvr>
-  <mc:AlternateContent xmlns:mc="http://schemas.openxmlformats.org/markup-compatibility/2006">
-    <mc:Choice xmlns="" xmlns:p14="http://schemas.microsoft.com/office/powerpoint/2010/main" Requires="p14">
+  <mc:AlternateContent xmlns:mc="http://schemas.openxmlformats.org/markup-compatibility/2006" xmlns:p14="http://schemas.microsoft.com/office/powerpoint/2010/main">
+    <mc:Choice Requires="p14">
       <p:transition spd="slow" p14:dur="2000"/>
     </mc:Choice>
-    <mc:Fallback>
+    <mc:Fallback xmlns="">
       <p:transition spd="slow"/>
     </mc:Fallback>
   </mc:AlternateContent>
   <p:timing>
     <p:tnLst>
       <p:par>
-        <p:cTn id="1" dur="indefinite" restart="never" nodeType="tmRoot">
+        <p:cTn xmlns:p14="http://schemas.microsoft.com/office/powerpoint/2010/main" id="1" dur="indefinite" restart="never" nodeType="tmRoot">
           <p:childTnLst>
             <p:seq concurrent="1" nextAc="seek">
               <p:cTn id="2" dur="indefinite" nodeType="mainSeq">
@@ -25076,25 +25068,25 @@
     </p:spTree>
     <p:extLst>
       <p:ext uri="{BB962C8B-B14F-4D97-AF65-F5344CB8AC3E}">
-        <p14:creationId xmlns="" xmlns:p14="http://schemas.microsoft.com/office/powerpoint/2010/main" val="1140837011"/>
+        <p14:creationId xmlns:p14="http://schemas.microsoft.com/office/powerpoint/2010/main" val="1140837011"/>
       </p:ext>
     </p:extLst>
   </p:cSld>
   <p:clrMapOvr>
     <a:masterClrMapping/>
   </p:clrMapOvr>
-  <mc:AlternateContent xmlns:mc="http://schemas.openxmlformats.org/markup-compatibility/2006">
-    <mc:Choice xmlns="" xmlns:p14="http://schemas.microsoft.com/office/powerpoint/2010/main" Requires="p14">
+  <mc:AlternateContent xmlns:mc="http://schemas.openxmlformats.org/markup-compatibility/2006" xmlns:p14="http://schemas.microsoft.com/office/powerpoint/2010/main">
+    <mc:Choice Requires="p14">
       <p:transition spd="slow" p14:dur="2000"/>
     </mc:Choice>
-    <mc:Fallback>
+    <mc:Fallback xmlns="">
       <p:transition spd="slow"/>
     </mc:Fallback>
   </mc:AlternateContent>
   <p:timing>
     <p:tnLst>
       <p:par>
-        <p:cTn id="1" dur="indefinite" restart="never" nodeType="tmRoot">
+        <p:cTn xmlns:p14="http://schemas.microsoft.com/office/powerpoint/2010/main" id="1" dur="indefinite" restart="never" nodeType="tmRoot">
           <p:childTnLst>
             <p:seq concurrent="1" nextAc="seek">
               <p:cTn id="2" dur="indefinite" nodeType="mainSeq">
@@ -25668,25 +25660,25 @@
     </p:spTree>
     <p:extLst>
       <p:ext uri="{BB962C8B-B14F-4D97-AF65-F5344CB8AC3E}">
-        <p14:creationId xmlns="" xmlns:p14="http://schemas.microsoft.com/office/powerpoint/2010/main" val="247747513"/>
+        <p14:creationId xmlns:p14="http://schemas.microsoft.com/office/powerpoint/2010/main" val="247747513"/>
       </p:ext>
     </p:extLst>
   </p:cSld>
   <p:clrMapOvr>
     <a:masterClrMapping/>
   </p:clrMapOvr>
-  <mc:AlternateContent xmlns:mc="http://schemas.openxmlformats.org/markup-compatibility/2006">
-    <mc:Choice xmlns="" xmlns:p14="http://schemas.microsoft.com/office/powerpoint/2010/main" Requires="p14">
+  <mc:AlternateContent xmlns:mc="http://schemas.openxmlformats.org/markup-compatibility/2006" xmlns:p14="http://schemas.microsoft.com/office/powerpoint/2010/main">
+    <mc:Choice Requires="p14">
       <p:transition spd="slow" p14:dur="2000"/>
     </mc:Choice>
-    <mc:Fallback>
+    <mc:Fallback xmlns="">
       <p:transition spd="slow"/>
     </mc:Fallback>
   </mc:AlternateContent>
   <p:timing>
     <p:tnLst>
       <p:par>
-        <p:cTn id="1" dur="indefinite" restart="never" nodeType="tmRoot">
+        <p:cTn xmlns:p14="http://schemas.microsoft.com/office/powerpoint/2010/main" id="1" dur="indefinite" restart="never" nodeType="tmRoot">
           <p:childTnLst>
             <p:seq concurrent="1" nextAc="seek">
               <p:cTn id="2" dur="indefinite" nodeType="mainSeq">
@@ -26366,25 +26358,25 @@
     </p:spTree>
     <p:extLst>
       <p:ext uri="{BB962C8B-B14F-4D97-AF65-F5344CB8AC3E}">
-        <p14:creationId xmlns="" xmlns:p14="http://schemas.microsoft.com/office/powerpoint/2010/main" val="1776831606"/>
+        <p14:creationId xmlns:p14="http://schemas.microsoft.com/office/powerpoint/2010/main" val="1776831606"/>
       </p:ext>
     </p:extLst>
   </p:cSld>
   <p:clrMapOvr>
     <a:masterClrMapping/>
   </p:clrMapOvr>
-  <mc:AlternateContent xmlns:mc="http://schemas.openxmlformats.org/markup-compatibility/2006">
-    <mc:Choice xmlns="" xmlns:p14="http://schemas.microsoft.com/office/powerpoint/2010/main" Requires="p14">
+  <mc:AlternateContent xmlns:mc="http://schemas.openxmlformats.org/markup-compatibility/2006" xmlns:p14="http://schemas.microsoft.com/office/powerpoint/2010/main">
+    <mc:Choice Requires="p14">
       <p:transition spd="slow" p14:dur="2000"/>
     </mc:Choice>
-    <mc:Fallback>
+    <mc:Fallback xmlns="">
       <p:transition spd="slow"/>
     </mc:Fallback>
   </mc:AlternateContent>
   <p:timing>
     <p:tnLst>
       <p:par>
-        <p:cTn id="1" dur="indefinite" restart="never" nodeType="tmRoot">
+        <p:cTn xmlns:p14="http://schemas.microsoft.com/office/powerpoint/2010/main" id="1" dur="indefinite" restart="never" nodeType="tmRoot">
           <p:childTnLst>
             <p:seq concurrent="1" nextAc="seek">
               <p:cTn id="2" dur="indefinite" nodeType="mainSeq">
@@ -27029,25 +27021,25 @@
     </p:spTree>
     <p:extLst>
       <p:ext uri="{BB962C8B-B14F-4D97-AF65-F5344CB8AC3E}">
-        <p14:creationId xmlns="" xmlns:p14="http://schemas.microsoft.com/office/powerpoint/2010/main" val="396334508"/>
+        <p14:creationId xmlns:p14="http://schemas.microsoft.com/office/powerpoint/2010/main" val="396334508"/>
       </p:ext>
     </p:extLst>
   </p:cSld>
   <p:clrMapOvr>
     <a:masterClrMapping/>
   </p:clrMapOvr>
-  <mc:AlternateContent xmlns:mc="http://schemas.openxmlformats.org/markup-compatibility/2006">
-    <mc:Choice xmlns="" xmlns:p14="http://schemas.microsoft.com/office/powerpoint/2010/main" Requires="p14">
+  <mc:AlternateContent xmlns:mc="http://schemas.openxmlformats.org/markup-compatibility/2006" xmlns:p14="http://schemas.microsoft.com/office/powerpoint/2010/main">
+    <mc:Choice Requires="p14">
       <p:transition spd="slow" p14:dur="2000"/>
     </mc:Choice>
-    <mc:Fallback>
+    <mc:Fallback xmlns="">
       <p:transition spd="slow"/>
     </mc:Fallback>
   </mc:AlternateContent>
   <p:timing>
     <p:tnLst>
       <p:par>
-        <p:cTn id="1" dur="indefinite" restart="never" nodeType="tmRoot"/>
+        <p:cTn xmlns:p14="http://schemas.microsoft.com/office/powerpoint/2010/main" id="1" dur="indefinite" restart="never" nodeType="tmRoot"/>
       </p:par>
     </p:tnLst>
   </p:timing>
@@ -27083,7 +27075,7 @@
           <a:blip r:embed="rId2">
             <a:extLst>
               <a:ext uri="{28A0092B-C50C-407E-A947-70E740481C1C}">
-                <a14:useLocalDpi xmlns="" xmlns:a14="http://schemas.microsoft.com/office/drawing/2010/main" val="0"/>
+                <a14:useLocalDpi xmlns:a14="http://schemas.microsoft.com/office/drawing/2010/main" val="0"/>
               </a:ext>
             </a:extLst>
           </a:blip>
@@ -27103,7 +27095,7 @@
           <a:noFill/>
           <a:extLst>
             <a:ext uri="{909E8E84-426E-40dd-AFC4-6F175D3DCCD1}">
-              <a14:hiddenFill xmlns="" xmlns:a14="http://schemas.microsoft.com/office/drawing/2010/main">
+              <a14:hiddenFill xmlns:a14="http://schemas.microsoft.com/office/drawing/2010/main">
                 <a:solidFill>
                   <a:srgbClr val="FFFFFF"/>
                 </a:solidFill>
@@ -27186,25 +27178,25 @@
     </p:spTree>
     <p:extLst>
       <p:ext uri="{BB962C8B-B14F-4D97-AF65-F5344CB8AC3E}">
-        <p14:creationId xmlns="" xmlns:p14="http://schemas.microsoft.com/office/powerpoint/2010/main" val="2717568001"/>
+        <p14:creationId xmlns:p14="http://schemas.microsoft.com/office/powerpoint/2010/main" val="2717568001"/>
       </p:ext>
     </p:extLst>
   </p:cSld>
   <p:clrMapOvr>
     <a:masterClrMapping/>
   </p:clrMapOvr>
-  <mc:AlternateContent xmlns:mc="http://schemas.openxmlformats.org/markup-compatibility/2006">
-    <mc:Choice xmlns="" xmlns:p14="http://schemas.microsoft.com/office/powerpoint/2010/main" Requires="p14">
+  <mc:AlternateContent xmlns:mc="http://schemas.openxmlformats.org/markup-compatibility/2006" xmlns:p14="http://schemas.microsoft.com/office/powerpoint/2010/main">
+    <mc:Choice Requires="p14">
       <p:transition spd="slow" p14:dur="2000"/>
     </mc:Choice>
-    <mc:Fallback>
+    <mc:Fallback xmlns="">
       <p:transition spd="slow"/>
     </mc:Fallback>
   </mc:AlternateContent>
   <p:timing>
     <p:tnLst>
       <p:par>
-        <p:cTn id="1" dur="indefinite" restart="never" nodeType="tmRoot"/>
+        <p:cTn xmlns:p14="http://schemas.microsoft.com/office/powerpoint/2010/main" id="1" dur="indefinite" restart="never" nodeType="tmRoot"/>
       </p:par>
     </p:tnLst>
   </p:timing>
@@ -27489,25 +27481,25 @@
     </p:spTree>
     <p:extLst>
       <p:ext uri="{BB962C8B-B14F-4D97-AF65-F5344CB8AC3E}">
-        <p14:creationId xmlns="" xmlns:p14="http://schemas.microsoft.com/office/powerpoint/2010/main" val="3266999169"/>
+        <p14:creationId xmlns:p14="http://schemas.microsoft.com/office/powerpoint/2010/main" val="3266999169"/>
       </p:ext>
     </p:extLst>
   </p:cSld>
   <p:clrMapOvr>
     <a:masterClrMapping/>
   </p:clrMapOvr>
-  <mc:AlternateContent xmlns:mc="http://schemas.openxmlformats.org/markup-compatibility/2006">
-    <mc:Choice xmlns="" xmlns:p14="http://schemas.microsoft.com/office/powerpoint/2010/main" Requires="p14">
+  <mc:AlternateContent xmlns:mc="http://schemas.openxmlformats.org/markup-compatibility/2006" xmlns:p14="http://schemas.microsoft.com/office/powerpoint/2010/main">
+    <mc:Choice Requires="p14">
       <p:transition spd="slow" p14:dur="2000"/>
     </mc:Choice>
-    <mc:Fallback>
+    <mc:Fallback xmlns="">
       <p:transition spd="slow"/>
     </mc:Fallback>
   </mc:AlternateContent>
   <p:timing>
     <p:tnLst>
       <p:par>
-        <p:cTn id="1" dur="indefinite" restart="never" nodeType="tmRoot"/>
+        <p:cTn xmlns:p14="http://schemas.microsoft.com/office/powerpoint/2010/main" id="1" dur="indefinite" restart="never" nodeType="tmRoot"/>
       </p:par>
     </p:tnLst>
   </p:timing>
@@ -27842,25 +27834,25 @@
     </p:spTree>
     <p:extLst>
       <p:ext uri="{BB962C8B-B14F-4D97-AF65-F5344CB8AC3E}">
-        <p14:creationId xmlns="" xmlns:p14="http://schemas.microsoft.com/office/powerpoint/2010/main" val="1737882227"/>
+        <p14:creationId xmlns:p14="http://schemas.microsoft.com/office/powerpoint/2010/main" val="1737882227"/>
       </p:ext>
     </p:extLst>
   </p:cSld>
   <p:clrMapOvr>
     <a:masterClrMapping/>
   </p:clrMapOvr>
-  <mc:AlternateContent xmlns:mc="http://schemas.openxmlformats.org/markup-compatibility/2006">
-    <mc:Choice xmlns="" xmlns:p14="http://schemas.microsoft.com/office/powerpoint/2010/main" Requires="p14">
+  <mc:AlternateContent xmlns:mc="http://schemas.openxmlformats.org/markup-compatibility/2006" xmlns:p14="http://schemas.microsoft.com/office/powerpoint/2010/main">
+    <mc:Choice Requires="p14">
       <p:transition spd="slow" p14:dur="2000"/>
     </mc:Choice>
-    <mc:Fallback>
+    <mc:Fallback xmlns="">
       <p:transition spd="slow"/>
     </mc:Fallback>
   </mc:AlternateContent>
   <p:timing>
     <p:tnLst>
       <p:par>
-        <p:cTn id="1" dur="indefinite" restart="never" nodeType="tmRoot"/>
+        <p:cTn xmlns:p14="http://schemas.microsoft.com/office/powerpoint/2010/main" id="1" dur="indefinite" restart="never" nodeType="tmRoot"/>
       </p:par>
     </p:tnLst>
   </p:timing>
@@ -28208,25 +28200,25 @@
     </p:spTree>
     <p:extLst>
       <p:ext uri="{BB962C8B-B14F-4D97-AF65-F5344CB8AC3E}">
-        <p14:creationId xmlns="" xmlns:p14="http://schemas.microsoft.com/office/powerpoint/2010/main" val="3034068148"/>
+        <p14:creationId xmlns:p14="http://schemas.microsoft.com/office/powerpoint/2010/main" val="3034068148"/>
       </p:ext>
     </p:extLst>
   </p:cSld>
   <p:clrMapOvr>
     <a:masterClrMapping/>
   </p:clrMapOvr>
-  <mc:AlternateContent xmlns:mc="http://schemas.openxmlformats.org/markup-compatibility/2006">
-    <mc:Choice xmlns="" xmlns:p14="http://schemas.microsoft.com/office/powerpoint/2010/main" Requires="p14">
+  <mc:AlternateContent xmlns:mc="http://schemas.openxmlformats.org/markup-compatibility/2006" xmlns:p14="http://schemas.microsoft.com/office/powerpoint/2010/main">
+    <mc:Choice Requires="p14">
       <p:transition spd="slow" p14:dur="2000"/>
     </mc:Choice>
-    <mc:Fallback>
+    <mc:Fallback xmlns="">
       <p:transition spd="slow"/>
     </mc:Fallback>
   </mc:AlternateContent>
   <p:timing>
     <p:tnLst>
       <p:par>
-        <p:cTn id="1" dur="indefinite" restart="never" nodeType="tmRoot"/>
+        <p:cTn xmlns:p14="http://schemas.microsoft.com/office/powerpoint/2010/main" id="1" dur="indefinite" restart="never" nodeType="tmRoot"/>
       </p:par>
     </p:tnLst>
   </p:timing>
@@ -28546,25 +28538,25 @@
     </p:spTree>
     <p:extLst>
       <p:ext uri="{BB962C8B-B14F-4D97-AF65-F5344CB8AC3E}">
-        <p14:creationId xmlns="" xmlns:p14="http://schemas.microsoft.com/office/powerpoint/2010/main" val="3646886653"/>
+        <p14:creationId xmlns:p14="http://schemas.microsoft.com/office/powerpoint/2010/main" val="3646886653"/>
       </p:ext>
     </p:extLst>
   </p:cSld>
   <p:clrMapOvr>
     <a:masterClrMapping/>
   </p:clrMapOvr>
-  <mc:AlternateContent xmlns:mc="http://schemas.openxmlformats.org/markup-compatibility/2006">
-    <mc:Choice xmlns="" xmlns:p14="http://schemas.microsoft.com/office/powerpoint/2010/main" Requires="p14">
+  <mc:AlternateContent xmlns:mc="http://schemas.openxmlformats.org/markup-compatibility/2006" xmlns:p14="http://schemas.microsoft.com/office/powerpoint/2010/main">
+    <mc:Choice Requires="p14">
       <p:transition spd="slow" p14:dur="2000"/>
     </mc:Choice>
-    <mc:Fallback>
+    <mc:Fallback xmlns="">
       <p:transition spd="slow"/>
     </mc:Fallback>
   </mc:AlternateContent>
   <p:timing>
     <p:tnLst>
       <p:par>
-        <p:cTn id="1" dur="indefinite" restart="never" nodeType="tmRoot"/>
+        <p:cTn xmlns:p14="http://schemas.microsoft.com/office/powerpoint/2010/main" id="1" dur="indefinite" restart="never" nodeType="tmRoot"/>
       </p:par>
     </p:tnLst>
   </p:timing>
@@ -28596,8 +28588,8 @@
         </p:nvSpPr>
         <p:spPr>
           <a:xfrm>
-            <a:off x="3058022" y="476672"/>
-            <a:ext cx="3342903" cy="1538883"/>
+            <a:off x="3177606" y="476672"/>
+            <a:ext cx="3103734" cy="1538883"/>
           </a:xfrm>
           <a:prstGeom prst="rect">
             <a:avLst/>
@@ -28612,10 +28604,10 @@
           <a:p>
             <a:pPr algn="ctr"/>
             <a:r>
-              <a:rPr lang="it-IT" sz="4800" b="1" dirty="0" err="1" smtClean="0">
+              <a:rPr lang="it-IT" sz="4800" b="1" dirty="0" smtClean="0">
                 <a:latin typeface="+mj-lt"/>
               </a:rPr>
-              <a:t>Applications</a:t>
+              <a:t>Application</a:t>
             </a:r>
             <a:endParaRPr lang="it-IT" sz="4800" b="1" dirty="0" smtClean="0">
               <a:latin typeface="+mj-lt"/>
@@ -28932,25 +28924,25 @@
     </p:spTree>
     <p:extLst>
       <p:ext uri="{BB962C8B-B14F-4D97-AF65-F5344CB8AC3E}">
-        <p14:creationId xmlns="" xmlns:p14="http://schemas.microsoft.com/office/powerpoint/2010/main" val="520298717"/>
+        <p14:creationId xmlns:p14="http://schemas.microsoft.com/office/powerpoint/2010/main" val="520298717"/>
       </p:ext>
     </p:extLst>
   </p:cSld>
   <p:clrMapOvr>
     <a:masterClrMapping/>
   </p:clrMapOvr>
-  <mc:AlternateContent xmlns:mc="http://schemas.openxmlformats.org/markup-compatibility/2006">
-    <mc:Choice xmlns="" xmlns:p14="http://schemas.microsoft.com/office/powerpoint/2010/main" Requires="p14">
+  <mc:AlternateContent xmlns:mc="http://schemas.openxmlformats.org/markup-compatibility/2006" xmlns:p14="http://schemas.microsoft.com/office/powerpoint/2010/main">
+    <mc:Choice Requires="p14">
       <p:transition spd="slow" p14:dur="2000"/>
     </mc:Choice>
-    <mc:Fallback>
+    <mc:Fallback xmlns="">
       <p:transition spd="slow"/>
     </mc:Fallback>
   </mc:AlternateContent>
   <p:timing>
     <p:tnLst>
       <p:par>
-        <p:cTn id="1" dur="indefinite" restart="never" nodeType="tmRoot"/>
+        <p:cTn xmlns:p14="http://schemas.microsoft.com/office/powerpoint/2010/main" id="1" dur="indefinite" restart="never" nodeType="tmRoot"/>
       </p:par>
     </p:tnLst>
   </p:timing>
@@ -29242,25 +29234,25 @@
     </p:spTree>
     <p:extLst>
       <p:ext uri="{BB962C8B-B14F-4D97-AF65-F5344CB8AC3E}">
-        <p14:creationId xmlns="" xmlns:p14="http://schemas.microsoft.com/office/powerpoint/2010/main" val="2203748189"/>
+        <p14:creationId xmlns:p14="http://schemas.microsoft.com/office/powerpoint/2010/main" val="2203748189"/>
       </p:ext>
     </p:extLst>
   </p:cSld>
   <p:clrMapOvr>
     <a:masterClrMapping/>
   </p:clrMapOvr>
-  <mc:AlternateContent xmlns:mc="http://schemas.openxmlformats.org/markup-compatibility/2006">
-    <mc:Choice xmlns="" xmlns:p14="http://schemas.microsoft.com/office/powerpoint/2010/main" Requires="p14">
+  <mc:AlternateContent xmlns:mc="http://schemas.openxmlformats.org/markup-compatibility/2006" xmlns:p14="http://schemas.microsoft.com/office/powerpoint/2010/main">
+    <mc:Choice Requires="p14">
       <p:transition spd="slow" p14:dur="2000"/>
     </mc:Choice>
-    <mc:Fallback>
+    <mc:Fallback xmlns="">
       <p:transition spd="slow"/>
     </mc:Fallback>
   </mc:AlternateContent>
   <p:timing>
     <p:tnLst>
       <p:par>
-        <p:cTn id="1" dur="indefinite" restart="never" nodeType="tmRoot"/>
+        <p:cTn xmlns:p14="http://schemas.microsoft.com/office/powerpoint/2010/main" id="1" dur="indefinite" restart="never" nodeType="tmRoot"/>
       </p:par>
     </p:tnLst>
   </p:timing>
@@ -29292,8 +29284,8 @@
         </p:nvSpPr>
         <p:spPr>
           <a:xfrm>
-            <a:off x="3058022" y="476672"/>
-            <a:ext cx="3342903" cy="1538883"/>
+            <a:off x="3177606" y="476672"/>
+            <a:ext cx="3103734" cy="1538883"/>
           </a:xfrm>
           <a:prstGeom prst="rect">
             <a:avLst/>
@@ -29308,10 +29300,10 @@
           <a:p>
             <a:pPr algn="ctr"/>
             <a:r>
-              <a:rPr lang="it-IT" sz="4800" b="1" dirty="0" err="1" smtClean="0">
+              <a:rPr lang="it-IT" sz="4800" b="1" dirty="0" smtClean="0">
                 <a:latin typeface="+mj-lt"/>
               </a:rPr>
-              <a:t>Applications</a:t>
+              <a:t>Application</a:t>
             </a:r>
             <a:endParaRPr lang="it-IT" sz="4800" b="1" dirty="0" smtClean="0">
               <a:latin typeface="+mj-lt"/>
@@ -29576,25 +29568,25 @@
     </p:spTree>
     <p:extLst>
       <p:ext uri="{BB962C8B-B14F-4D97-AF65-F5344CB8AC3E}">
-        <p14:creationId xmlns="" xmlns:p14="http://schemas.microsoft.com/office/powerpoint/2010/main" val="1130254901"/>
+        <p14:creationId xmlns:p14="http://schemas.microsoft.com/office/powerpoint/2010/main" val="1130254901"/>
       </p:ext>
     </p:extLst>
   </p:cSld>
   <p:clrMapOvr>
     <a:masterClrMapping/>
   </p:clrMapOvr>
-  <mc:AlternateContent xmlns:mc="http://schemas.openxmlformats.org/markup-compatibility/2006">
-    <mc:Choice xmlns="" xmlns:p14="http://schemas.microsoft.com/office/powerpoint/2010/main" Requires="p14">
+  <mc:AlternateContent xmlns:mc="http://schemas.openxmlformats.org/markup-compatibility/2006" xmlns:p14="http://schemas.microsoft.com/office/powerpoint/2010/main">
+    <mc:Choice Requires="p14">
       <p:transition spd="slow" p14:dur="2000"/>
     </mc:Choice>
-    <mc:Fallback>
+    <mc:Fallback xmlns="">
       <p:transition spd="slow"/>
     </mc:Fallback>
   </mc:AlternateContent>
   <p:timing>
     <p:tnLst>
       <p:par>
-        <p:cTn id="1" dur="indefinite" restart="never" nodeType="tmRoot"/>
+        <p:cTn xmlns:p14="http://schemas.microsoft.com/office/powerpoint/2010/main" id="1" dur="indefinite" restart="never" nodeType="tmRoot"/>
       </p:par>
     </p:tnLst>
   </p:timing>
@@ -29922,25 +29914,25 @@
     </p:spTree>
     <p:extLst>
       <p:ext uri="{BB962C8B-B14F-4D97-AF65-F5344CB8AC3E}">
-        <p14:creationId xmlns="" xmlns:p14="http://schemas.microsoft.com/office/powerpoint/2010/main" val="3734576715"/>
+        <p14:creationId xmlns:p14="http://schemas.microsoft.com/office/powerpoint/2010/main" val="3734576715"/>
       </p:ext>
     </p:extLst>
   </p:cSld>
   <p:clrMapOvr>
     <a:masterClrMapping/>
   </p:clrMapOvr>
-  <mc:AlternateContent xmlns:mc="http://schemas.openxmlformats.org/markup-compatibility/2006">
-    <mc:Choice xmlns="" xmlns:p14="http://schemas.microsoft.com/office/powerpoint/2010/main" Requires="p14">
+  <mc:AlternateContent xmlns:mc="http://schemas.openxmlformats.org/markup-compatibility/2006" xmlns:p14="http://schemas.microsoft.com/office/powerpoint/2010/main">
+    <mc:Choice Requires="p14">
       <p:transition spd="slow" p14:dur="2000"/>
     </mc:Choice>
-    <mc:Fallback>
+    <mc:Fallback xmlns="">
       <p:transition spd="slow"/>
     </mc:Fallback>
   </mc:AlternateContent>
   <p:timing>
     <p:tnLst>
       <p:par>
-        <p:cTn id="1" dur="indefinite" restart="never" nodeType="tmRoot"/>
+        <p:cTn xmlns:p14="http://schemas.microsoft.com/office/powerpoint/2010/main" id="1" dur="indefinite" restart="never" nodeType="tmRoot"/>
       </p:par>
     </p:tnLst>
   </p:timing>
@@ -30235,25 +30227,25 @@
     </p:spTree>
     <p:extLst>
       <p:ext uri="{BB962C8B-B14F-4D97-AF65-F5344CB8AC3E}">
-        <p14:creationId xmlns="" xmlns:p14="http://schemas.microsoft.com/office/powerpoint/2010/main" val="2632131054"/>
+        <p14:creationId xmlns:p14="http://schemas.microsoft.com/office/powerpoint/2010/main" val="2632131054"/>
       </p:ext>
     </p:extLst>
   </p:cSld>
   <p:clrMapOvr>
     <a:masterClrMapping/>
   </p:clrMapOvr>
-  <mc:AlternateContent xmlns:mc="http://schemas.openxmlformats.org/markup-compatibility/2006">
-    <mc:Choice xmlns="" xmlns:p14="http://schemas.microsoft.com/office/powerpoint/2010/main" Requires="p14">
+  <mc:AlternateContent xmlns:mc="http://schemas.openxmlformats.org/markup-compatibility/2006" xmlns:p14="http://schemas.microsoft.com/office/powerpoint/2010/main">
+    <mc:Choice Requires="p14">
       <p:transition spd="slow" p14:dur="2000"/>
     </mc:Choice>
-    <mc:Fallback>
+    <mc:Fallback xmlns="">
       <p:transition spd="slow"/>
     </mc:Fallback>
   </mc:AlternateContent>
   <p:timing>
     <p:tnLst>
       <p:par>
-        <p:cTn id="1" dur="indefinite" restart="never" nodeType="tmRoot"/>
+        <p:cTn xmlns:p14="http://schemas.microsoft.com/office/powerpoint/2010/main" id="1" dur="indefinite" restart="never" nodeType="tmRoot"/>
       </p:par>
     </p:tnLst>
   </p:timing>
@@ -30604,25 +30596,25 @@
     </p:spTree>
     <p:extLst>
       <p:ext uri="{BB962C8B-B14F-4D97-AF65-F5344CB8AC3E}">
-        <p14:creationId xmlns="" xmlns:p14="http://schemas.microsoft.com/office/powerpoint/2010/main" val="3678400164"/>
+        <p14:creationId xmlns:p14="http://schemas.microsoft.com/office/powerpoint/2010/main" val="3678400164"/>
       </p:ext>
     </p:extLst>
   </p:cSld>
   <p:clrMapOvr>
     <a:masterClrMapping/>
   </p:clrMapOvr>
-  <mc:AlternateContent xmlns:mc="http://schemas.openxmlformats.org/markup-compatibility/2006">
-    <mc:Choice xmlns="" xmlns:p14="http://schemas.microsoft.com/office/powerpoint/2010/main" Requires="p14">
+  <mc:AlternateContent xmlns:mc="http://schemas.openxmlformats.org/markup-compatibility/2006" xmlns:p14="http://schemas.microsoft.com/office/powerpoint/2010/main">
+    <mc:Choice Requires="p14">
       <p:transition spd="slow" p14:dur="2000"/>
     </mc:Choice>
-    <mc:Fallback>
+    <mc:Fallback xmlns="">
       <p:transition spd="slow"/>
     </mc:Fallback>
   </mc:AlternateContent>
   <p:timing>
     <p:tnLst>
       <p:par>
-        <p:cTn id="1" dur="indefinite" restart="never" nodeType="tmRoot"/>
+        <p:cTn xmlns:p14="http://schemas.microsoft.com/office/powerpoint/2010/main" id="1" dur="indefinite" restart="never" nodeType="tmRoot"/>
       </p:par>
     </p:tnLst>
   </p:timing>
@@ -30933,25 +30925,25 @@
     </p:spTree>
     <p:extLst>
       <p:ext uri="{BB962C8B-B14F-4D97-AF65-F5344CB8AC3E}">
-        <p14:creationId xmlns="" xmlns:p14="http://schemas.microsoft.com/office/powerpoint/2010/main" val="2983282113"/>
+        <p14:creationId xmlns:p14="http://schemas.microsoft.com/office/powerpoint/2010/main" val="2983282113"/>
       </p:ext>
     </p:extLst>
   </p:cSld>
   <p:clrMapOvr>
     <a:masterClrMapping/>
   </p:clrMapOvr>
-  <mc:AlternateContent xmlns:mc="http://schemas.openxmlformats.org/markup-compatibility/2006">
-    <mc:Choice xmlns="" xmlns:p14="http://schemas.microsoft.com/office/powerpoint/2010/main" Requires="p14">
+  <mc:AlternateContent xmlns:mc="http://schemas.openxmlformats.org/markup-compatibility/2006" xmlns:p14="http://schemas.microsoft.com/office/powerpoint/2010/main">
+    <mc:Choice Requires="p14">
       <p:transition spd="slow" p14:dur="2000"/>
     </mc:Choice>
-    <mc:Fallback>
+    <mc:Fallback xmlns="">
       <p:transition spd="slow"/>
     </mc:Fallback>
   </mc:AlternateContent>
   <p:timing>
     <p:tnLst>
       <p:par>
-        <p:cTn id="1" dur="indefinite" restart="never" nodeType="tmRoot"/>
+        <p:cTn xmlns:p14="http://schemas.microsoft.com/office/powerpoint/2010/main" id="1" dur="indefinite" restart="never" nodeType="tmRoot"/>
       </p:par>
     </p:tnLst>
   </p:timing>
@@ -31308,25 +31300,25 @@
     </p:spTree>
     <p:extLst>
       <p:ext uri="{BB962C8B-B14F-4D97-AF65-F5344CB8AC3E}">
-        <p14:creationId xmlns="" xmlns:p14="http://schemas.microsoft.com/office/powerpoint/2010/main" val="4266361740"/>
+        <p14:creationId xmlns:p14="http://schemas.microsoft.com/office/powerpoint/2010/main" val="4266361740"/>
       </p:ext>
     </p:extLst>
   </p:cSld>
   <p:clrMapOvr>
     <a:masterClrMapping/>
   </p:clrMapOvr>
-  <mc:AlternateContent xmlns:mc="http://schemas.openxmlformats.org/markup-compatibility/2006">
-    <mc:Choice xmlns="" xmlns:p14="http://schemas.microsoft.com/office/powerpoint/2010/main" Requires="p14">
+  <mc:AlternateContent xmlns:mc="http://schemas.openxmlformats.org/markup-compatibility/2006" xmlns:p14="http://schemas.microsoft.com/office/powerpoint/2010/main">
+    <mc:Choice Requires="p14">
       <p:transition spd="slow" p14:dur="2000"/>
     </mc:Choice>
-    <mc:Fallback>
+    <mc:Fallback xmlns="">
       <p:transition spd="slow"/>
     </mc:Fallback>
   </mc:AlternateContent>
   <p:timing>
     <p:tnLst>
       <p:par>
-        <p:cTn id="1" dur="indefinite" restart="never" nodeType="tmRoot"/>
+        <p:cTn xmlns:p14="http://schemas.microsoft.com/office/powerpoint/2010/main" id="1" dur="indefinite" restart="never" nodeType="tmRoot"/>
       </p:par>
     </p:tnLst>
   </p:timing>
@@ -31646,25 +31638,25 @@
     </p:spTree>
     <p:extLst>
       <p:ext uri="{BB962C8B-B14F-4D97-AF65-F5344CB8AC3E}">
-        <p14:creationId xmlns="" xmlns:p14="http://schemas.microsoft.com/office/powerpoint/2010/main" val="3326293041"/>
+        <p14:creationId xmlns:p14="http://schemas.microsoft.com/office/powerpoint/2010/main" val="3326293041"/>
       </p:ext>
     </p:extLst>
   </p:cSld>
   <p:clrMapOvr>
     <a:masterClrMapping/>
   </p:clrMapOvr>
-  <mc:AlternateContent xmlns:mc="http://schemas.openxmlformats.org/markup-compatibility/2006">
-    <mc:Choice xmlns="" xmlns:p14="http://schemas.microsoft.com/office/powerpoint/2010/main" Requires="p14">
+  <mc:AlternateContent xmlns:mc="http://schemas.openxmlformats.org/markup-compatibility/2006" xmlns:p14="http://schemas.microsoft.com/office/powerpoint/2010/main">
+    <mc:Choice Requires="p14">
       <p:transition spd="slow" p14:dur="2000"/>
     </mc:Choice>
-    <mc:Fallback>
+    <mc:Fallback xmlns="">
       <p:transition spd="slow"/>
     </mc:Fallback>
   </mc:AlternateContent>
   <p:timing>
     <p:tnLst>
       <p:par>
-        <p:cTn id="1" dur="indefinite" restart="never" nodeType="tmRoot"/>
+        <p:cTn xmlns:p14="http://schemas.microsoft.com/office/powerpoint/2010/main" id="1" dur="indefinite" restart="never" nodeType="tmRoot"/>
       </p:par>
     </p:tnLst>
   </p:timing>
@@ -31992,25 +31984,25 @@
     </p:spTree>
     <p:extLst>
       <p:ext uri="{BB962C8B-B14F-4D97-AF65-F5344CB8AC3E}">
-        <p14:creationId xmlns="" xmlns:p14="http://schemas.microsoft.com/office/powerpoint/2010/main" val="3052723909"/>
+        <p14:creationId xmlns:p14="http://schemas.microsoft.com/office/powerpoint/2010/main" val="3052723909"/>
       </p:ext>
     </p:extLst>
   </p:cSld>
   <p:clrMapOvr>
     <a:masterClrMapping/>
   </p:clrMapOvr>
-  <mc:AlternateContent xmlns:mc="http://schemas.openxmlformats.org/markup-compatibility/2006">
-    <mc:Choice xmlns="" xmlns:p14="http://schemas.microsoft.com/office/powerpoint/2010/main" Requires="p14">
+  <mc:AlternateContent xmlns:mc="http://schemas.openxmlformats.org/markup-compatibility/2006" xmlns:p14="http://schemas.microsoft.com/office/powerpoint/2010/main">
+    <mc:Choice Requires="p14">
       <p:transition spd="slow" p14:dur="2000"/>
     </mc:Choice>
-    <mc:Fallback>
+    <mc:Fallback xmlns="">
       <p:transition spd="slow"/>
     </mc:Fallback>
   </mc:AlternateContent>
   <p:timing>
     <p:tnLst>
       <p:par>
-        <p:cTn id="1" dur="indefinite" restart="never" nodeType="tmRoot"/>
+        <p:cTn xmlns:p14="http://schemas.microsoft.com/office/powerpoint/2010/main" id="1" dur="indefinite" restart="never" nodeType="tmRoot"/>
       </p:par>
     </p:tnLst>
   </p:timing>
@@ -32128,25 +32120,25 @@
     </p:spTree>
     <p:extLst>
       <p:ext uri="{BB962C8B-B14F-4D97-AF65-F5344CB8AC3E}">
-        <p14:creationId xmlns="" xmlns:p14="http://schemas.microsoft.com/office/powerpoint/2010/main" val="1576574823"/>
+        <p14:creationId xmlns:p14="http://schemas.microsoft.com/office/powerpoint/2010/main" val="1576574823"/>
       </p:ext>
     </p:extLst>
   </p:cSld>
   <p:clrMapOvr>
     <a:masterClrMapping/>
   </p:clrMapOvr>
-  <mc:AlternateContent xmlns:mc="http://schemas.openxmlformats.org/markup-compatibility/2006">
-    <mc:Choice xmlns="" xmlns:p14="http://schemas.microsoft.com/office/powerpoint/2010/main" Requires="p14">
+  <mc:AlternateContent xmlns:mc="http://schemas.openxmlformats.org/markup-compatibility/2006" xmlns:p14="http://schemas.microsoft.com/office/powerpoint/2010/main">
+    <mc:Choice Requires="p14">
       <p:transition spd="slow" p14:dur="2000"/>
     </mc:Choice>
-    <mc:Fallback>
+    <mc:Fallback xmlns="">
       <p:transition spd="slow"/>
     </mc:Fallback>
   </mc:AlternateContent>
   <p:timing>
     <p:tnLst>
       <p:par>
-        <p:cTn id="1" dur="indefinite" restart="never" nodeType="tmRoot"/>
+        <p:cTn xmlns:p14="http://schemas.microsoft.com/office/powerpoint/2010/main" id="1" dur="indefinite" restart="never" nodeType="tmRoot"/>
       </p:par>
     </p:tnLst>
   </p:timing>
@@ -32194,10 +32186,10 @@
           <a:p>
             <a:pPr algn="ctr"/>
             <a:r>
-              <a:rPr lang="it-IT" sz="4800" b="1" dirty="0" err="1" smtClean="0">
+              <a:rPr lang="it-IT" sz="4800" b="1" dirty="0" smtClean="0">
                 <a:latin typeface="+mj-lt"/>
               </a:rPr>
-              <a:t>Applications</a:t>
+              <a:t>Application</a:t>
             </a:r>
             <a:endParaRPr lang="it-IT" sz="4800" b="1" dirty="0" smtClean="0">
               <a:latin typeface="+mj-lt"/>
@@ -32450,25 +32442,25 @@
     </p:spTree>
     <p:extLst>
       <p:ext uri="{BB962C8B-B14F-4D97-AF65-F5344CB8AC3E}">
-        <p14:creationId xmlns="" xmlns:p14="http://schemas.microsoft.com/office/powerpoint/2010/main" val="3303920882"/>
+        <p14:creationId xmlns:p14="http://schemas.microsoft.com/office/powerpoint/2010/main" val="3303920882"/>
       </p:ext>
     </p:extLst>
   </p:cSld>
   <p:clrMapOvr>
     <a:masterClrMapping/>
   </p:clrMapOvr>
-  <mc:AlternateContent xmlns:mc="http://schemas.openxmlformats.org/markup-compatibility/2006">
-    <mc:Choice xmlns="" xmlns:p14="http://schemas.microsoft.com/office/powerpoint/2010/main" Requires="p14">
+  <mc:AlternateContent xmlns:mc="http://schemas.openxmlformats.org/markup-compatibility/2006" xmlns:p14="http://schemas.microsoft.com/office/powerpoint/2010/main">
+    <mc:Choice Requires="p14">
       <p:transition spd="slow" p14:dur="2000"/>
     </mc:Choice>
-    <mc:Fallback>
+    <mc:Fallback xmlns="">
       <p:transition spd="slow"/>
     </mc:Fallback>
   </mc:AlternateContent>
   <p:timing>
     <p:tnLst>
       <p:par>
-        <p:cTn id="1" dur="indefinite" restart="never" nodeType="tmRoot"/>
+        <p:cTn xmlns:p14="http://schemas.microsoft.com/office/powerpoint/2010/main" id="1" dur="indefinite" restart="never" nodeType="tmRoot"/>
       </p:par>
     </p:tnLst>
   </p:timing>
@@ -32679,7 +32671,7 @@
     </p:spTree>
     <p:extLst>
       <p:ext uri="{BB962C8B-B14F-4D97-AF65-F5344CB8AC3E}">
-        <p14:creationId xmlns="" xmlns:p14="http://schemas.microsoft.com/office/powerpoint/2010/main" val="4257297520"/>
+        <p14:creationId xmlns:p14="http://schemas.microsoft.com/office/powerpoint/2010/main" val="4257297520"/>
       </p:ext>
     </p:extLst>
   </p:cSld>
@@ -32689,7 +32681,7 @@
   <p:timing>
     <p:tnLst>
       <p:par>
-        <p:cTn id="1" dur="indefinite" restart="never" nodeType="tmRoot">
+        <p:cTn xmlns:p14="http://schemas.microsoft.com/office/powerpoint/2010/main" id="1" dur="indefinite" restart="never" nodeType="tmRoot">
           <p:childTnLst>
             <p:seq>
               <p:cTn id="2" nodeType="mainSeq"/>
@@ -32976,7 +32968,7 @@
     </p:spTree>
     <p:extLst>
       <p:ext uri="{BB962C8B-B14F-4D97-AF65-F5344CB8AC3E}">
-        <p14:creationId xmlns="" xmlns:p14="http://schemas.microsoft.com/office/powerpoint/2010/main" val="1516952845"/>
+        <p14:creationId xmlns:p14="http://schemas.microsoft.com/office/powerpoint/2010/main" val="1516952845"/>
       </p:ext>
     </p:extLst>
   </p:cSld>
@@ -32986,7 +32978,7 @@
   <p:timing>
     <p:tnLst>
       <p:par>
-        <p:cTn id="1" dur="indefinite" restart="never" nodeType="tmRoot">
+        <p:cTn xmlns:p14="http://schemas.microsoft.com/office/powerpoint/2010/main" id="1" dur="indefinite" restart="never" nodeType="tmRoot">
           <p:childTnLst>
             <p:seq>
               <p:cTn id="2" nodeType="mainSeq"/>
@@ -33272,7 +33264,7 @@
     </p:spTree>
     <p:extLst>
       <p:ext uri="{BB962C8B-B14F-4D97-AF65-F5344CB8AC3E}">
-        <p14:creationId xmlns="" xmlns:p14="http://schemas.microsoft.com/office/powerpoint/2010/main" val="903666282"/>
+        <p14:creationId xmlns:p14="http://schemas.microsoft.com/office/powerpoint/2010/main" val="903666282"/>
       </p:ext>
     </p:extLst>
   </p:cSld>
@@ -33282,7 +33274,7 @@
   <p:timing>
     <p:tnLst>
       <p:par>
-        <p:cTn id="1" dur="indefinite" restart="never" nodeType="tmRoot">
+        <p:cTn xmlns:p14="http://schemas.microsoft.com/office/powerpoint/2010/main" id="1" dur="indefinite" restart="never" nodeType="tmRoot">
           <p:childTnLst>
             <p:seq>
               <p:cTn id="2" nodeType="mainSeq"/>
@@ -33579,7 +33571,7 @@
     </p:spTree>
     <p:extLst>
       <p:ext uri="{BB962C8B-B14F-4D97-AF65-F5344CB8AC3E}">
-        <p14:creationId xmlns="" xmlns:p14="http://schemas.microsoft.com/office/powerpoint/2010/main" val="3790160763"/>
+        <p14:creationId xmlns:p14="http://schemas.microsoft.com/office/powerpoint/2010/main" val="3790160763"/>
       </p:ext>
     </p:extLst>
   </p:cSld>
@@ -33589,7 +33581,7 @@
   <p:timing>
     <p:tnLst>
       <p:par>
-        <p:cTn id="1" dur="indefinite" restart="never" nodeType="tmRoot">
+        <p:cTn xmlns:p14="http://schemas.microsoft.com/office/powerpoint/2010/main" id="1" dur="indefinite" restart="never" nodeType="tmRoot">
           <p:childTnLst>
             <p:seq>
               <p:cTn id="2" nodeType="mainSeq"/>
@@ -33954,25 +33946,25 @@
     </p:spTree>
     <p:extLst>
       <p:ext uri="{BB962C8B-B14F-4D97-AF65-F5344CB8AC3E}">
-        <p14:creationId xmlns="" xmlns:p14="http://schemas.microsoft.com/office/powerpoint/2010/main" val="2978215168"/>
+        <p14:creationId xmlns:p14="http://schemas.microsoft.com/office/powerpoint/2010/main" val="2978215168"/>
       </p:ext>
     </p:extLst>
   </p:cSld>
   <p:clrMapOvr>
     <a:masterClrMapping/>
   </p:clrMapOvr>
-  <mc:AlternateContent xmlns:mc="http://schemas.openxmlformats.org/markup-compatibility/2006">
-    <mc:Choice xmlns="" xmlns:p14="http://schemas.microsoft.com/office/powerpoint/2010/main" Requires="p14">
+  <mc:AlternateContent xmlns:mc="http://schemas.openxmlformats.org/markup-compatibility/2006" xmlns:p14="http://schemas.microsoft.com/office/powerpoint/2010/main">
+    <mc:Choice Requires="p14">
       <p:transition spd="slow" p14:dur="2000"/>
     </mc:Choice>
-    <mc:Fallback>
+    <mc:Fallback xmlns="">
       <p:transition spd="slow"/>
     </mc:Fallback>
   </mc:AlternateContent>
   <p:timing>
     <p:tnLst>
       <p:par>
-        <p:cTn id="1" dur="indefinite" restart="never" nodeType="tmRoot"/>
+        <p:cTn xmlns:p14="http://schemas.microsoft.com/office/powerpoint/2010/main" id="1" dur="indefinite" restart="never" nodeType="tmRoot"/>
       </p:par>
     </p:tnLst>
   </p:timing>
@@ -34187,7 +34179,7 @@
     </p:spTree>
     <p:extLst>
       <p:ext uri="{BB962C8B-B14F-4D97-AF65-F5344CB8AC3E}">
-        <p14:creationId xmlns="" xmlns:p14="http://schemas.microsoft.com/office/powerpoint/2010/main" val="1889567349"/>
+        <p14:creationId xmlns:p14="http://schemas.microsoft.com/office/powerpoint/2010/main" val="1889567349"/>
       </p:ext>
     </p:extLst>
   </p:cSld>
@@ -34197,7 +34189,7 @@
   <p:timing>
     <p:tnLst>
       <p:par>
-        <p:cTn id="1" dur="indefinite" restart="never" nodeType="tmRoot">
+        <p:cTn xmlns:p14="http://schemas.microsoft.com/office/powerpoint/2010/main" id="1" dur="indefinite" restart="never" nodeType="tmRoot">
           <p:childTnLst>
             <p:seq>
               <p:cTn id="2" nodeType="mainSeq"/>
@@ -34442,7 +34434,7 @@
     </p:spTree>
     <p:extLst>
       <p:ext uri="{BB962C8B-B14F-4D97-AF65-F5344CB8AC3E}">
-        <p14:creationId xmlns="" xmlns:p14="http://schemas.microsoft.com/office/powerpoint/2010/main" val="2938595398"/>
+        <p14:creationId xmlns:p14="http://schemas.microsoft.com/office/powerpoint/2010/main" val="2938595398"/>
       </p:ext>
     </p:extLst>
   </p:cSld>
@@ -34452,7 +34444,7 @@
   <p:timing>
     <p:tnLst>
       <p:par>
-        <p:cTn id="1" dur="indefinite" restart="never" nodeType="tmRoot">
+        <p:cTn xmlns:p14="http://schemas.microsoft.com/office/powerpoint/2010/main" id="1" dur="indefinite" restart="never" nodeType="tmRoot">
           <p:childTnLst>
             <p:seq>
               <p:cTn id="2" nodeType="mainSeq"/>
@@ -34742,7 +34734,7 @@
     </p:spTree>
     <p:extLst>
       <p:ext uri="{BB962C8B-B14F-4D97-AF65-F5344CB8AC3E}">
-        <p14:creationId xmlns="" xmlns:p14="http://schemas.microsoft.com/office/powerpoint/2010/main" val="3382536623"/>
+        <p14:creationId xmlns:p14="http://schemas.microsoft.com/office/powerpoint/2010/main" val="3382536623"/>
       </p:ext>
     </p:extLst>
   </p:cSld>
@@ -34752,7 +34744,7 @@
   <p:timing>
     <p:tnLst>
       <p:par>
-        <p:cTn id="1" dur="indefinite" restart="never" nodeType="tmRoot">
+        <p:cTn xmlns:p14="http://schemas.microsoft.com/office/powerpoint/2010/main" id="1" dur="indefinite" restart="never" nodeType="tmRoot">
           <p:childTnLst>
             <p:seq>
               <p:cTn id="2" nodeType="mainSeq"/>
@@ -34962,7 +34954,7 @@
     </p:spTree>
     <p:extLst>
       <p:ext uri="{BB962C8B-B14F-4D97-AF65-F5344CB8AC3E}">
-        <p14:creationId xmlns="" xmlns:p14="http://schemas.microsoft.com/office/powerpoint/2010/main" val="945142828"/>
+        <p14:creationId xmlns:p14="http://schemas.microsoft.com/office/powerpoint/2010/main" val="945142828"/>
       </p:ext>
     </p:extLst>
   </p:cSld>
@@ -34972,7 +34964,7 @@
   <p:timing>
     <p:tnLst>
       <p:par>
-        <p:cTn id="1" dur="indefinite" restart="never" nodeType="tmRoot">
+        <p:cTn xmlns:p14="http://schemas.microsoft.com/office/powerpoint/2010/main" id="1" dur="indefinite" restart="never" nodeType="tmRoot">
           <p:childTnLst>
             <p:seq>
               <p:cTn id="2" nodeType="mainSeq"/>
@@ -35193,7 +35185,7 @@
     </p:spTree>
     <p:extLst>
       <p:ext uri="{BB962C8B-B14F-4D97-AF65-F5344CB8AC3E}">
-        <p14:creationId xmlns="" xmlns:p14="http://schemas.microsoft.com/office/powerpoint/2010/main" val="3313297802"/>
+        <p14:creationId xmlns:p14="http://schemas.microsoft.com/office/powerpoint/2010/main" val="3313297802"/>
       </p:ext>
     </p:extLst>
   </p:cSld>
@@ -35203,7 +35195,7 @@
   <p:timing>
     <p:tnLst>
       <p:par>
-        <p:cTn id="1" dur="indefinite" restart="never" nodeType="tmRoot">
+        <p:cTn xmlns:p14="http://schemas.microsoft.com/office/powerpoint/2010/main" id="1" dur="indefinite" restart="never" nodeType="tmRoot">
           <p:childTnLst>
             <p:seq>
               <p:cTn id="2" nodeType="mainSeq"/>
@@ -35259,7 +35251,7 @@
           <a:blip r:embed="rId2">
             <a:extLst>
               <a:ext uri="{28A0092B-C50C-407E-A947-70E740481C1C}">
-                <a14:useLocalDpi xmlns="" xmlns:a14="http://schemas.microsoft.com/office/drawing/2010/main" val="0"/>
+                <a14:useLocalDpi xmlns:a14="http://schemas.microsoft.com/office/drawing/2010/main" val="0"/>
               </a:ext>
             </a:extLst>
           </a:blip>
@@ -35279,7 +35271,7 @@
           <a:noFill/>
           <a:extLst>
             <a:ext uri="{909E8E84-426E-40dd-AFC4-6F175D3DCCD1}">
-              <a14:hiddenFill xmlns="" xmlns:a14="http://schemas.microsoft.com/office/drawing/2010/main">
+              <a14:hiddenFill xmlns:a14="http://schemas.microsoft.com/office/drawing/2010/main">
                 <a:solidFill>
                   <a:srgbClr val="FFFFFF"/>
                 </a:solidFill>
@@ -35362,25 +35354,25 @@
     </p:spTree>
     <p:extLst>
       <p:ext uri="{BB962C8B-B14F-4D97-AF65-F5344CB8AC3E}">
-        <p14:creationId xmlns="" xmlns:p14="http://schemas.microsoft.com/office/powerpoint/2010/main" val="2252746867"/>
+        <p14:creationId xmlns:p14="http://schemas.microsoft.com/office/powerpoint/2010/main" val="2252746867"/>
       </p:ext>
     </p:extLst>
   </p:cSld>
   <p:clrMapOvr>
     <a:masterClrMapping/>
   </p:clrMapOvr>
-  <mc:AlternateContent xmlns:mc="http://schemas.openxmlformats.org/markup-compatibility/2006">
-    <mc:Choice xmlns="" xmlns:p14="http://schemas.microsoft.com/office/powerpoint/2010/main" Requires="p14">
+  <mc:AlternateContent xmlns:mc="http://schemas.openxmlformats.org/markup-compatibility/2006" xmlns:p14="http://schemas.microsoft.com/office/powerpoint/2010/main">
+    <mc:Choice Requires="p14">
       <p:transition spd="slow" p14:dur="2000"/>
     </mc:Choice>
-    <mc:Fallback>
+    <mc:Fallback xmlns="">
       <p:transition spd="slow"/>
     </mc:Fallback>
   </mc:AlternateContent>
   <p:timing>
     <p:tnLst>
       <p:par>
-        <p:cTn id="1" dur="indefinite" restart="never" nodeType="tmRoot"/>
+        <p:cTn xmlns:p14="http://schemas.microsoft.com/office/powerpoint/2010/main" id="1" dur="indefinite" restart="never" nodeType="tmRoot"/>
       </p:par>
     </p:tnLst>
   </p:timing>
@@ -35737,25 +35729,25 @@
     </p:spTree>
     <p:extLst>
       <p:ext uri="{BB962C8B-B14F-4D97-AF65-F5344CB8AC3E}">
-        <p14:creationId xmlns="" xmlns:p14="http://schemas.microsoft.com/office/powerpoint/2010/main" val="3564990699"/>
+        <p14:creationId xmlns:p14="http://schemas.microsoft.com/office/powerpoint/2010/main" val="3564990699"/>
       </p:ext>
     </p:extLst>
   </p:cSld>
   <p:clrMapOvr>
     <a:masterClrMapping/>
   </p:clrMapOvr>
-  <mc:AlternateContent xmlns:mc="http://schemas.openxmlformats.org/markup-compatibility/2006">
-    <mc:Choice xmlns="" xmlns:p14="http://schemas.microsoft.com/office/powerpoint/2010/main" Requires="p14">
+  <mc:AlternateContent xmlns:mc="http://schemas.openxmlformats.org/markup-compatibility/2006" xmlns:p14="http://schemas.microsoft.com/office/powerpoint/2010/main">
+    <mc:Choice Requires="p14">
       <p:transition spd="slow" p14:dur="2000"/>
     </mc:Choice>
-    <mc:Fallback>
+    <mc:Fallback xmlns="">
       <p:transition spd="slow"/>
     </mc:Fallback>
   </mc:AlternateContent>
   <p:timing>
     <p:tnLst>
       <p:par>
-        <p:cTn id="1" dur="indefinite" restart="never" nodeType="tmRoot"/>
+        <p:cTn xmlns:p14="http://schemas.microsoft.com/office/powerpoint/2010/main" id="1" dur="indefinite" restart="never" nodeType="tmRoot"/>
       </p:par>
     </p:tnLst>
   </p:timing>
@@ -36113,25 +36105,25 @@
     </p:spTree>
     <p:extLst>
       <p:ext uri="{BB962C8B-B14F-4D97-AF65-F5344CB8AC3E}">
-        <p14:creationId xmlns="" xmlns:p14="http://schemas.microsoft.com/office/powerpoint/2010/main" val="3748041918"/>
+        <p14:creationId xmlns:p14="http://schemas.microsoft.com/office/powerpoint/2010/main" val="3748041918"/>
       </p:ext>
     </p:extLst>
   </p:cSld>
   <p:clrMapOvr>
     <a:masterClrMapping/>
   </p:clrMapOvr>
-  <mc:AlternateContent xmlns:mc="http://schemas.openxmlformats.org/markup-compatibility/2006">
-    <mc:Choice xmlns="" xmlns:p14="http://schemas.microsoft.com/office/powerpoint/2010/main" Requires="p14">
+  <mc:AlternateContent xmlns:mc="http://schemas.openxmlformats.org/markup-compatibility/2006" xmlns:p14="http://schemas.microsoft.com/office/powerpoint/2010/main">
+    <mc:Choice Requires="p14">
       <p:transition spd="slow" p14:dur="2000"/>
     </mc:Choice>
-    <mc:Fallback>
+    <mc:Fallback xmlns="">
       <p:transition spd="slow"/>
     </mc:Fallback>
   </mc:AlternateContent>
   <p:timing>
     <p:tnLst>
       <p:par>
-        <p:cTn id="1" dur="indefinite" restart="never" nodeType="tmRoot"/>
+        <p:cTn xmlns:p14="http://schemas.microsoft.com/office/powerpoint/2010/main" id="1" dur="indefinite" restart="never" nodeType="tmRoot"/>
       </p:par>
     </p:tnLst>
   </p:timing>

--- a/Presentazione/Atsilo1/[BOZZA] Atsilo_A_PresentazioneFinale copia.pptx
+++ b/Presentazione/Atsilo1/[BOZZA] Atsilo_A_PresentazioneFinale copia.pptx
@@ -289,7 +289,7 @@
             <a:fld id="{38D78F4D-402C-46E0-A4BB-DF91EA86B14C}" type="datetimeFigureOut">
               <a:rPr lang="it-IT" smtClean="0"/>
               <a:pPr/>
-              <a:t>02/01/13</a:t>
+              <a:t>03/01/2013</a:t>
             </a:fld>
             <a:endParaRPr lang="it-IT"/>
           </a:p>
@@ -449,7 +449,7 @@
             <a:fld id="{D70604CA-7593-4640-8FA1-5523937B8510}" type="slidenum">
               <a:rPr lang="it-IT" smtClean="0"/>
               <a:pPr/>
-              <a:t>‹n.›</a:t>
+              <a:t>‹N›</a:t>
             </a:fld>
             <a:endParaRPr lang="it-IT"/>
           </a:p>
@@ -458,7 +458,7 @@
     </p:spTree>
     <p:extLst>
       <p:ext uri="{BB962C8B-B14F-4D97-AF65-F5344CB8AC3E}">
-        <p14:creationId xmlns:p14="http://schemas.microsoft.com/office/powerpoint/2010/main" val="2126419590"/>
+        <p14:creationId xmlns:p14="http://schemas.microsoft.com/office/powerpoint/2010/main" xmlns="" val="2126419590"/>
       </p:ext>
     </p:extLst>
   </p:cSld>
@@ -2559,7 +2559,7 @@
             <a:fld id="{63CABBC0-75E4-43BB-A6A6-84C2A96BDB82}" type="datetimeFigureOut">
               <a:rPr lang="it-IT" smtClean="0"/>
               <a:pPr/>
-              <a:t>02/01/13</a:t>
+              <a:t>03/01/2013</a:t>
             </a:fld>
             <a:endParaRPr lang="it-IT"/>
           </a:p>
@@ -2602,7 +2602,7 @@
             <a:fld id="{F89AEA99-3E91-4C58-9AD4-045DB5619AC3}" type="slidenum">
               <a:rPr lang="it-IT" smtClean="0"/>
               <a:pPr/>
-              <a:t>‹n.›</a:t>
+              <a:t>‹N›</a:t>
             </a:fld>
             <a:endParaRPr lang="it-IT"/>
           </a:p>
@@ -2616,7 +2616,7 @@
   <p:timing>
     <p:tnLst>
       <p:par>
-        <p:cTn xmlns:p14="http://schemas.microsoft.com/office/powerpoint/2010/main" id="1" dur="indefinite" restart="never" nodeType="tmRoot"/>
+        <p:cTn id="1" dur="indefinite" restart="never" nodeType="tmRoot"/>
       </p:par>
     </p:tnLst>
   </p:timing>
@@ -2741,7 +2741,7 @@
             <a:fld id="{63CABBC0-75E4-43BB-A6A6-84C2A96BDB82}" type="datetimeFigureOut">
               <a:rPr lang="it-IT" smtClean="0"/>
               <a:pPr/>
-              <a:t>02/01/13</a:t>
+              <a:t>03/01/2013</a:t>
             </a:fld>
             <a:endParaRPr lang="it-IT"/>
           </a:p>
@@ -2784,7 +2784,7 @@
             <a:fld id="{F89AEA99-3E91-4C58-9AD4-045DB5619AC3}" type="slidenum">
               <a:rPr lang="it-IT" smtClean="0"/>
               <a:pPr/>
-              <a:t>‹n.›</a:t>
+              <a:t>‹N›</a:t>
             </a:fld>
             <a:endParaRPr lang="it-IT"/>
           </a:p>
@@ -2798,7 +2798,7 @@
   <p:timing>
     <p:tnLst>
       <p:par>
-        <p:cTn xmlns:p14="http://schemas.microsoft.com/office/powerpoint/2010/main" id="1" dur="indefinite" restart="never" nodeType="tmRoot"/>
+        <p:cTn id="1" dur="indefinite" restart="never" nodeType="tmRoot"/>
       </p:par>
     </p:tnLst>
   </p:timing>
@@ -2933,7 +2933,7 @@
             <a:fld id="{63CABBC0-75E4-43BB-A6A6-84C2A96BDB82}" type="datetimeFigureOut">
               <a:rPr lang="it-IT" smtClean="0"/>
               <a:pPr/>
-              <a:t>02/01/13</a:t>
+              <a:t>03/01/2013</a:t>
             </a:fld>
             <a:endParaRPr lang="it-IT"/>
           </a:p>
@@ -2976,7 +2976,7 @@
             <a:fld id="{F89AEA99-3E91-4C58-9AD4-045DB5619AC3}" type="slidenum">
               <a:rPr lang="it-IT" smtClean="0"/>
               <a:pPr/>
-              <a:t>‹n.›</a:t>
+              <a:t>‹N›</a:t>
             </a:fld>
             <a:endParaRPr lang="it-IT"/>
           </a:p>
@@ -2990,7 +2990,7 @@
   <p:timing>
     <p:tnLst>
       <p:par>
-        <p:cTn xmlns:p14="http://schemas.microsoft.com/office/powerpoint/2010/main" id="1" dur="indefinite" restart="never" nodeType="tmRoot"/>
+        <p:cTn id="1" dur="indefinite" restart="never" nodeType="tmRoot"/>
       </p:par>
     </p:tnLst>
   </p:timing>
@@ -3115,7 +3115,7 @@
             <a:fld id="{63CABBC0-75E4-43BB-A6A6-84C2A96BDB82}" type="datetimeFigureOut">
               <a:rPr lang="it-IT" smtClean="0"/>
               <a:pPr/>
-              <a:t>02/01/13</a:t>
+              <a:t>03/01/2013</a:t>
             </a:fld>
             <a:endParaRPr lang="it-IT"/>
           </a:p>
@@ -3158,7 +3158,7 @@
             <a:fld id="{F89AEA99-3E91-4C58-9AD4-045DB5619AC3}" type="slidenum">
               <a:rPr lang="it-IT" smtClean="0"/>
               <a:pPr/>
-              <a:t>‹n.›</a:t>
+              <a:t>‹N›</a:t>
             </a:fld>
             <a:endParaRPr lang="it-IT"/>
           </a:p>
@@ -3172,7 +3172,7 @@
   <p:timing>
     <p:tnLst>
       <p:par>
-        <p:cTn xmlns:p14="http://schemas.microsoft.com/office/powerpoint/2010/main" id="1" dur="indefinite" restart="never" nodeType="tmRoot"/>
+        <p:cTn id="1" dur="indefinite" restart="never" nodeType="tmRoot"/>
       </p:par>
     </p:tnLst>
   </p:timing>
@@ -3358,7 +3358,7 @@
             <a:fld id="{63CABBC0-75E4-43BB-A6A6-84C2A96BDB82}" type="datetimeFigureOut">
               <a:rPr lang="it-IT" smtClean="0"/>
               <a:pPr/>
-              <a:t>02/01/13</a:t>
+              <a:t>03/01/2013</a:t>
             </a:fld>
             <a:endParaRPr lang="it-IT"/>
           </a:p>
@@ -3401,7 +3401,7 @@
             <a:fld id="{F89AEA99-3E91-4C58-9AD4-045DB5619AC3}" type="slidenum">
               <a:rPr lang="it-IT" smtClean="0"/>
               <a:pPr/>
-              <a:t>‹n.›</a:t>
+              <a:t>‹N›</a:t>
             </a:fld>
             <a:endParaRPr lang="it-IT"/>
           </a:p>
@@ -3415,7 +3415,7 @@
   <p:timing>
     <p:tnLst>
       <p:par>
-        <p:cTn xmlns:p14="http://schemas.microsoft.com/office/powerpoint/2010/main" id="1" dur="indefinite" restart="never" nodeType="tmRoot"/>
+        <p:cTn id="1" dur="indefinite" restart="never" nodeType="tmRoot"/>
       </p:par>
     </p:tnLst>
   </p:timing>
@@ -3639,7 +3639,7 @@
             <a:fld id="{63CABBC0-75E4-43BB-A6A6-84C2A96BDB82}" type="datetimeFigureOut">
               <a:rPr lang="it-IT" smtClean="0"/>
               <a:pPr/>
-              <a:t>02/01/13</a:t>
+              <a:t>03/01/2013</a:t>
             </a:fld>
             <a:endParaRPr lang="it-IT"/>
           </a:p>
@@ -3682,7 +3682,7 @@
             <a:fld id="{F89AEA99-3E91-4C58-9AD4-045DB5619AC3}" type="slidenum">
               <a:rPr lang="it-IT" smtClean="0"/>
               <a:pPr/>
-              <a:t>‹n.›</a:t>
+              <a:t>‹N›</a:t>
             </a:fld>
             <a:endParaRPr lang="it-IT"/>
           </a:p>
@@ -3696,7 +3696,7 @@
   <p:timing>
     <p:tnLst>
       <p:par>
-        <p:cTn xmlns:p14="http://schemas.microsoft.com/office/powerpoint/2010/main" id="1" dur="indefinite" restart="never" nodeType="tmRoot"/>
+        <p:cTn id="1" dur="indefinite" restart="never" nodeType="tmRoot"/>
       </p:par>
     </p:tnLst>
   </p:timing>
@@ -4030,7 +4030,7 @@
             <a:fld id="{63CABBC0-75E4-43BB-A6A6-84C2A96BDB82}" type="datetimeFigureOut">
               <a:rPr lang="it-IT" smtClean="0"/>
               <a:pPr/>
-              <a:t>02/01/13</a:t>
+              <a:t>03/01/2013</a:t>
             </a:fld>
             <a:endParaRPr lang="it-IT"/>
           </a:p>
@@ -4073,7 +4073,7 @@
             <a:fld id="{F89AEA99-3E91-4C58-9AD4-045DB5619AC3}" type="slidenum">
               <a:rPr lang="it-IT" smtClean="0"/>
               <a:pPr/>
-              <a:t>‹n.›</a:t>
+              <a:t>‹N›</a:t>
             </a:fld>
             <a:endParaRPr lang="it-IT"/>
           </a:p>
@@ -4087,7 +4087,7 @@
   <p:timing>
     <p:tnLst>
       <p:par>
-        <p:cTn xmlns:p14="http://schemas.microsoft.com/office/powerpoint/2010/main" id="1" dur="indefinite" restart="never" nodeType="tmRoot"/>
+        <p:cTn id="1" dur="indefinite" restart="never" nodeType="tmRoot"/>
       </p:par>
     </p:tnLst>
   </p:timing>
@@ -4189,7 +4189,7 @@
             <a:fld id="{63CABBC0-75E4-43BB-A6A6-84C2A96BDB82}" type="datetimeFigureOut">
               <a:rPr lang="it-IT" smtClean="0"/>
               <a:pPr/>
-              <a:t>02/01/13</a:t>
+              <a:t>03/01/2013</a:t>
             </a:fld>
             <a:endParaRPr lang="it-IT"/>
           </a:p>
@@ -4232,7 +4232,7 @@
             <a:fld id="{F89AEA99-3E91-4C58-9AD4-045DB5619AC3}" type="slidenum">
               <a:rPr lang="it-IT" smtClean="0"/>
               <a:pPr/>
-              <a:t>‹n.›</a:t>
+              <a:t>‹N›</a:t>
             </a:fld>
             <a:endParaRPr lang="it-IT"/>
           </a:p>
@@ -4246,7 +4246,7 @@
   <p:timing>
     <p:tnLst>
       <p:par>
-        <p:cTn xmlns:p14="http://schemas.microsoft.com/office/powerpoint/2010/main" id="1" dur="indefinite" restart="never" nodeType="tmRoot"/>
+        <p:cTn id="1" dur="indefinite" restart="never" nodeType="tmRoot"/>
       </p:par>
     </p:tnLst>
   </p:timing>
@@ -4288,7 +4288,7 @@
             <a:fld id="{63CABBC0-75E4-43BB-A6A6-84C2A96BDB82}" type="datetimeFigureOut">
               <a:rPr lang="it-IT" smtClean="0"/>
               <a:pPr/>
-              <a:t>02/01/13</a:t>
+              <a:t>03/01/2013</a:t>
             </a:fld>
             <a:endParaRPr lang="it-IT"/>
           </a:p>
@@ -4331,7 +4331,7 @@
             <a:fld id="{F89AEA99-3E91-4C58-9AD4-045DB5619AC3}" type="slidenum">
               <a:rPr lang="it-IT" smtClean="0"/>
               <a:pPr/>
-              <a:t>‹n.›</a:t>
+              <a:t>‹N›</a:t>
             </a:fld>
             <a:endParaRPr lang="it-IT"/>
           </a:p>
@@ -4345,7 +4345,7 @@
   <p:timing>
     <p:tnLst>
       <p:par>
-        <p:cTn xmlns:p14="http://schemas.microsoft.com/office/powerpoint/2010/main" id="1" dur="indefinite" restart="never" nodeType="tmRoot"/>
+        <p:cTn id="1" dur="indefinite" restart="never" nodeType="tmRoot"/>
       </p:par>
     </p:tnLst>
   </p:timing>
@@ -4558,7 +4558,7 @@
             <a:fld id="{63CABBC0-75E4-43BB-A6A6-84C2A96BDB82}" type="datetimeFigureOut">
               <a:rPr lang="it-IT" smtClean="0"/>
               <a:pPr/>
-              <a:t>02/01/13</a:t>
+              <a:t>03/01/2013</a:t>
             </a:fld>
             <a:endParaRPr lang="it-IT"/>
           </a:p>
@@ -4601,7 +4601,7 @@
             <a:fld id="{F89AEA99-3E91-4C58-9AD4-045DB5619AC3}" type="slidenum">
               <a:rPr lang="it-IT" smtClean="0"/>
               <a:pPr/>
-              <a:t>‹n.›</a:t>
+              <a:t>‹N›</a:t>
             </a:fld>
             <a:endParaRPr lang="it-IT"/>
           </a:p>
@@ -4615,7 +4615,7 @@
   <p:timing>
     <p:tnLst>
       <p:par>
-        <p:cTn xmlns:p14="http://schemas.microsoft.com/office/powerpoint/2010/main" id="1" dur="indefinite" restart="never" nodeType="tmRoot"/>
+        <p:cTn id="1" dur="indefinite" restart="never" nodeType="tmRoot"/>
       </p:par>
     </p:tnLst>
   </p:timing>
@@ -4855,7 +4855,7 @@
             <a:fld id="{63CABBC0-75E4-43BB-A6A6-84C2A96BDB82}" type="datetimeFigureOut">
               <a:rPr lang="it-IT" smtClean="0"/>
               <a:pPr/>
-              <a:t>02/01/13</a:t>
+              <a:t>03/01/2013</a:t>
             </a:fld>
             <a:endParaRPr lang="it-IT"/>
           </a:p>
@@ -4903,7 +4903,7 @@
             <a:fld id="{F89AEA99-3E91-4C58-9AD4-045DB5619AC3}" type="slidenum">
               <a:rPr lang="it-IT" smtClean="0"/>
               <a:pPr/>
-              <a:t>‹n.›</a:t>
+              <a:t>‹N›</a:t>
             </a:fld>
             <a:endParaRPr lang="it-IT"/>
           </a:p>
@@ -5219,7 +5219,7 @@
   <p:timing>
     <p:tnLst>
       <p:par>
-        <p:cTn xmlns:p14="http://schemas.microsoft.com/office/powerpoint/2010/main" id="1" dur="indefinite" restart="never" nodeType="tmRoot"/>
+        <p:cTn id="1" dur="indefinite" restart="never" nodeType="tmRoot"/>
       </p:par>
     </p:tnLst>
   </p:timing>
@@ -5635,7 +5635,7 @@
             <a:fld id="{63CABBC0-75E4-43BB-A6A6-84C2A96BDB82}" type="datetimeFigureOut">
               <a:rPr lang="it-IT" smtClean="0"/>
               <a:pPr/>
-              <a:t>02/01/13</a:t>
+              <a:t>03/01/2013</a:t>
             </a:fld>
             <a:endParaRPr lang="it-IT"/>
           </a:p>
@@ -5714,7 +5714,7 @@
             <a:fld id="{F89AEA99-3E91-4C58-9AD4-045DB5619AC3}" type="slidenum">
               <a:rPr lang="it-IT" smtClean="0"/>
               <a:pPr/>
-              <a:t>‹n.›</a:t>
+              <a:t>‹N›</a:t>
             </a:fld>
             <a:endParaRPr lang="it-IT"/>
           </a:p>
@@ -5953,7 +5953,7 @@
   <p:timing>
     <p:tnLst>
       <p:par>
-        <p:cTn xmlns:p14="http://schemas.microsoft.com/office/powerpoint/2010/main" id="1" dur="indefinite" restart="never" nodeType="tmRoot"/>
+        <p:cTn id="1" dur="indefinite" restart="never" nodeType="tmRoot"/>
       </p:par>
     </p:tnLst>
   </p:timing>
@@ -6318,14 +6318,14 @@
           <p:nvPr>
             <p:extLst>
               <p:ext uri="{D42A27DB-BD31-4B8C-83A1-F6EECF244321}">
-                <p14:modId xmlns:p14="http://schemas.microsoft.com/office/powerpoint/2010/main" val="1430840817"/>
+                <p14:modId xmlns:p14="http://schemas.microsoft.com/office/powerpoint/2010/main" xmlns="" val="1430840817"/>
               </p:ext>
             </p:extLst>
           </p:nvPr>
         </p:nvGraphicFramePr>
         <p:xfrm>
           <a:off x="0" y="4077072"/>
-          <a:ext cx="2051720" cy="2773680"/>
+          <a:ext cx="2051720" cy="2575182"/>
         </p:xfrm>
         <a:graphic>
           <a:graphicData uri="http://schemas.openxmlformats.org/drawingml/2006/table">
@@ -6566,14 +6566,14 @@
           <p:nvPr>
             <p:extLst>
               <p:ext uri="{D42A27DB-BD31-4B8C-83A1-F6EECF244321}">
-                <p14:modId xmlns:p14="http://schemas.microsoft.com/office/powerpoint/2010/main" val="956586736"/>
+                <p14:modId xmlns:p14="http://schemas.microsoft.com/office/powerpoint/2010/main" xmlns="" val="956586736"/>
               </p:ext>
             </p:extLst>
           </p:nvPr>
         </p:nvGraphicFramePr>
         <p:xfrm>
           <a:off x="7092280" y="6060793"/>
-          <a:ext cx="2051720" cy="792480"/>
+          <a:ext cx="2051720" cy="726314"/>
         </p:xfrm>
         <a:graphic>
           <a:graphicData uri="http://schemas.openxmlformats.org/drawingml/2006/table">
@@ -6653,10 +6653,10 @@
           <p:nvPr/>
         </p:nvPicPr>
         <p:blipFill>
-          <a:blip r:embed="rId2">
+          <a:blip r:embed="rId2" cstate="print">
             <a:extLst>
               <a:ext uri="{28A0092B-C50C-407E-A947-70E740481C1C}">
-                <a14:useLocalDpi xmlns:a14="http://schemas.microsoft.com/office/drawing/2010/main" val="0"/>
+                <a14:useLocalDpi xmlns:a14="http://schemas.microsoft.com/office/drawing/2010/main" xmlns="" val="0"/>
               </a:ext>
             </a:extLst>
           </a:blip>
@@ -6676,7 +6676,7 @@
           <a:noFill/>
           <a:extLst>
             <a:ext uri="{909E8E84-426E-40dd-AFC4-6F175D3DCCD1}">
-              <a14:hiddenFill xmlns:a14="http://schemas.microsoft.com/office/drawing/2010/main">
+              <a14:hiddenFill xmlns:a14="http://schemas.microsoft.com/office/drawing/2010/main" xmlns="">
                 <a:solidFill>
                   <a:srgbClr val="FFFFFF"/>
                 </a:solidFill>
@@ -6688,7 +6688,7 @@
     </p:spTree>
     <p:extLst>
       <p:ext uri="{BB962C8B-B14F-4D97-AF65-F5344CB8AC3E}">
-        <p14:creationId xmlns:p14="http://schemas.microsoft.com/office/powerpoint/2010/main" val="4165334171"/>
+        <p14:creationId xmlns:p14="http://schemas.microsoft.com/office/powerpoint/2010/main" xmlns="" val="4165334171"/>
       </p:ext>
     </p:extLst>
   </p:cSld>
@@ -6698,7 +6698,7 @@
   <p:timing>
     <p:tnLst>
       <p:par>
-        <p:cTn xmlns:p14="http://schemas.microsoft.com/office/powerpoint/2010/main" id="1" dur="indefinite" restart="never" nodeType="tmRoot"/>
+        <p:cTn id="1" dur="indefinite" restart="never" nodeType="tmRoot"/>
       </p:par>
     </p:tnLst>
   </p:timing>
@@ -6994,25 +6994,25 @@
     </p:spTree>
     <p:extLst>
       <p:ext uri="{BB962C8B-B14F-4D97-AF65-F5344CB8AC3E}">
-        <p14:creationId xmlns:p14="http://schemas.microsoft.com/office/powerpoint/2010/main" val="4143007013"/>
+        <p14:creationId xmlns:p14="http://schemas.microsoft.com/office/powerpoint/2010/main" xmlns="" val="4143007013"/>
       </p:ext>
     </p:extLst>
   </p:cSld>
   <p:clrMapOvr>
     <a:masterClrMapping/>
   </p:clrMapOvr>
-  <mc:AlternateContent xmlns:mc="http://schemas.openxmlformats.org/markup-compatibility/2006" xmlns:p14="http://schemas.microsoft.com/office/powerpoint/2010/main">
-    <mc:Choice Requires="p14">
+  <mc:AlternateContent xmlns:mc="http://schemas.openxmlformats.org/markup-compatibility/2006">
+    <mc:Choice xmlns:p14="http://schemas.microsoft.com/office/powerpoint/2010/main" xmlns="" Requires="p14">
       <p:transition spd="slow" p14:dur="2000"/>
     </mc:Choice>
-    <mc:Fallback xmlns="">
+    <mc:Fallback>
       <p:transition spd="slow"/>
     </mc:Fallback>
   </mc:AlternateContent>
   <p:timing>
     <p:tnLst>
       <p:par>
-        <p:cTn xmlns:p14="http://schemas.microsoft.com/office/powerpoint/2010/main" id="1" dur="indefinite" restart="never" nodeType="tmRoot"/>
+        <p:cTn id="1" dur="indefinite" restart="never" nodeType="tmRoot"/>
       </p:par>
     </p:tnLst>
   </p:timing>
@@ -7103,7 +7103,7 @@
     </p:spTree>
     <p:extLst>
       <p:ext uri="{BB962C8B-B14F-4D97-AF65-F5344CB8AC3E}">
-        <p14:creationId xmlns:p14="http://schemas.microsoft.com/office/powerpoint/2010/main" val="3695870384"/>
+        <p14:creationId xmlns:p14="http://schemas.microsoft.com/office/powerpoint/2010/main" xmlns="" val="3695870384"/>
       </p:ext>
     </p:extLst>
   </p:cSld>
@@ -7113,7 +7113,7 @@
   <p:timing>
     <p:tnLst>
       <p:par>
-        <p:cTn xmlns:p14="http://schemas.microsoft.com/office/powerpoint/2010/main" id="1" dur="indefinite" restart="never" nodeType="tmRoot"/>
+        <p:cTn id="1" dur="indefinite" restart="never" nodeType="tmRoot"/>
       </p:par>
     </p:tnLst>
   </p:timing>
@@ -7204,7 +7204,7 @@
     </p:spTree>
     <p:extLst>
       <p:ext uri="{BB962C8B-B14F-4D97-AF65-F5344CB8AC3E}">
-        <p14:creationId xmlns:p14="http://schemas.microsoft.com/office/powerpoint/2010/main" val="3987928837"/>
+        <p14:creationId xmlns:p14="http://schemas.microsoft.com/office/powerpoint/2010/main" xmlns="" val="3987928837"/>
       </p:ext>
     </p:extLst>
   </p:cSld>
@@ -7214,7 +7214,7 @@
   <p:timing>
     <p:tnLst>
       <p:par>
-        <p:cTn xmlns:p14="http://schemas.microsoft.com/office/powerpoint/2010/main" id="1" dur="indefinite" restart="never" nodeType="tmRoot"/>
+        <p:cTn id="1" dur="indefinite" restart="never" nodeType="tmRoot"/>
       </p:par>
     </p:tnLst>
   </p:timing>
@@ -7529,7 +7529,7 @@
     </p:spTree>
     <p:extLst>
       <p:ext uri="{BB962C8B-B14F-4D97-AF65-F5344CB8AC3E}">
-        <p14:creationId xmlns:p14="http://schemas.microsoft.com/office/powerpoint/2010/main" val="1367578552"/>
+        <p14:creationId xmlns:p14="http://schemas.microsoft.com/office/powerpoint/2010/main" xmlns="" val="1367578552"/>
       </p:ext>
     </p:extLst>
   </p:cSld>
@@ -7539,7 +7539,7 @@
   <p:timing>
     <p:tnLst>
       <p:par>
-        <p:cTn xmlns:p14="http://schemas.microsoft.com/office/powerpoint/2010/main" id="1" dur="indefinite" restart="never" nodeType="tmRoot"/>
+        <p:cTn id="1" dur="indefinite" restart="never" nodeType="tmRoot"/>
       </p:par>
     </p:tnLst>
   </p:timing>
@@ -7657,7 +7657,7 @@
     </p:spTree>
     <p:extLst>
       <p:ext uri="{BB962C8B-B14F-4D97-AF65-F5344CB8AC3E}">
-        <p14:creationId xmlns:p14="http://schemas.microsoft.com/office/powerpoint/2010/main" val="1554749062"/>
+        <p14:creationId xmlns:p14="http://schemas.microsoft.com/office/powerpoint/2010/main" xmlns="" val="1554749062"/>
       </p:ext>
     </p:extLst>
   </p:cSld>
@@ -7667,7 +7667,7 @@
   <p:timing>
     <p:tnLst>
       <p:par>
-        <p:cTn xmlns:p14="http://schemas.microsoft.com/office/powerpoint/2010/main" id="1" dur="indefinite" restart="never" nodeType="tmRoot"/>
+        <p:cTn id="1" dur="indefinite" restart="never" nodeType="tmRoot"/>
       </p:par>
     </p:tnLst>
   </p:timing>
@@ -7785,7 +7785,7 @@
     </p:spTree>
     <p:extLst>
       <p:ext uri="{BB962C8B-B14F-4D97-AF65-F5344CB8AC3E}">
-        <p14:creationId xmlns:p14="http://schemas.microsoft.com/office/powerpoint/2010/main" val="1028530279"/>
+        <p14:creationId xmlns:p14="http://schemas.microsoft.com/office/powerpoint/2010/main" xmlns="" val="1028530279"/>
       </p:ext>
     </p:extLst>
   </p:cSld>
@@ -7795,7 +7795,7 @@
   <p:timing>
     <p:tnLst>
       <p:par>
-        <p:cTn xmlns:p14="http://schemas.microsoft.com/office/powerpoint/2010/main" id="1" dur="indefinite" restart="never" nodeType="tmRoot"/>
+        <p:cTn id="1" dur="indefinite" restart="never" nodeType="tmRoot"/>
       </p:par>
     </p:tnLst>
   </p:timing>
@@ -7913,7 +7913,7 @@
     </p:spTree>
     <p:extLst>
       <p:ext uri="{BB962C8B-B14F-4D97-AF65-F5344CB8AC3E}">
-        <p14:creationId xmlns:p14="http://schemas.microsoft.com/office/powerpoint/2010/main" val="2120081776"/>
+        <p14:creationId xmlns:p14="http://schemas.microsoft.com/office/powerpoint/2010/main" xmlns="" val="2120081776"/>
       </p:ext>
     </p:extLst>
   </p:cSld>
@@ -7923,7 +7923,7 @@
   <p:timing>
     <p:tnLst>
       <p:par>
-        <p:cTn xmlns:p14="http://schemas.microsoft.com/office/powerpoint/2010/main" id="1" dur="indefinite" restart="never" nodeType="tmRoot"/>
+        <p:cTn id="1" dur="indefinite" restart="never" nodeType="tmRoot"/>
       </p:par>
     </p:tnLst>
   </p:timing>
@@ -8053,7 +8053,7 @@
     </p:spTree>
     <p:extLst>
       <p:ext uri="{BB962C8B-B14F-4D97-AF65-F5344CB8AC3E}">
-        <p14:creationId xmlns:p14="http://schemas.microsoft.com/office/powerpoint/2010/main" val="3320352623"/>
+        <p14:creationId xmlns:p14="http://schemas.microsoft.com/office/powerpoint/2010/main" xmlns="" val="3320352623"/>
       </p:ext>
     </p:extLst>
   </p:cSld>
@@ -8063,7 +8063,7 @@
   <p:timing>
     <p:tnLst>
       <p:par>
-        <p:cTn xmlns:p14="http://schemas.microsoft.com/office/powerpoint/2010/main" id="1" dur="indefinite" restart="never" nodeType="tmRoot"/>
+        <p:cTn id="1" dur="indefinite" restart="never" nodeType="tmRoot"/>
       </p:par>
     </p:tnLst>
   </p:timing>
@@ -8193,7 +8193,7 @@
     </p:spTree>
     <p:extLst>
       <p:ext uri="{BB962C8B-B14F-4D97-AF65-F5344CB8AC3E}">
-        <p14:creationId xmlns:p14="http://schemas.microsoft.com/office/powerpoint/2010/main" val="4011022122"/>
+        <p14:creationId xmlns:p14="http://schemas.microsoft.com/office/powerpoint/2010/main" xmlns="" val="4011022122"/>
       </p:ext>
     </p:extLst>
   </p:cSld>
@@ -8203,7 +8203,7 @@
   <p:timing>
     <p:tnLst>
       <p:par>
-        <p:cTn xmlns:p14="http://schemas.microsoft.com/office/powerpoint/2010/main" id="1" dur="indefinite" restart="never" nodeType="tmRoot"/>
+        <p:cTn id="1" dur="indefinite" restart="never" nodeType="tmRoot"/>
       </p:par>
     </p:tnLst>
   </p:timing>
@@ -8498,18 +8498,18 @@
     </p:spTree>
     <p:extLst>
       <p:ext uri="{BB962C8B-B14F-4D97-AF65-F5344CB8AC3E}">
-        <p14:creationId xmlns:p14="http://schemas.microsoft.com/office/powerpoint/2010/main" val="2927506779"/>
+        <p14:creationId xmlns:p14="http://schemas.microsoft.com/office/powerpoint/2010/main" xmlns="" val="2927506779"/>
       </p:ext>
     </p:extLst>
   </p:cSld>
   <p:clrMapOvr>
     <a:masterClrMapping/>
   </p:clrMapOvr>
-  <p:transition xmlns:p14="http://schemas.microsoft.com/office/powerpoint/2010/main" spd="med"/>
+  <p:transition spd="med"/>
   <p:timing>
     <p:tnLst>
       <p:par>
-        <p:cTn xmlns:p14="http://schemas.microsoft.com/office/powerpoint/2010/main" id="1" dur="indefinite" restart="never" nodeType="tmRoot"/>
+        <p:cTn id="1" dur="indefinite" restart="never" nodeType="tmRoot"/>
       </p:par>
     </p:tnLst>
   </p:timing>
@@ -9165,25 +9165,25 @@
     </p:spTree>
     <p:extLst>
       <p:ext uri="{BB962C8B-B14F-4D97-AF65-F5344CB8AC3E}">
-        <p14:creationId xmlns:p14="http://schemas.microsoft.com/office/powerpoint/2010/main" val="1720938352"/>
+        <p14:creationId xmlns:p14="http://schemas.microsoft.com/office/powerpoint/2010/main" xmlns="" val="1720938352"/>
       </p:ext>
     </p:extLst>
   </p:cSld>
   <p:clrMapOvr>
     <a:masterClrMapping/>
   </p:clrMapOvr>
-  <mc:AlternateContent xmlns:mc="http://schemas.openxmlformats.org/markup-compatibility/2006" xmlns:p14="http://schemas.microsoft.com/office/powerpoint/2010/main">
-    <mc:Choice Requires="p14">
+  <mc:AlternateContent xmlns:mc="http://schemas.openxmlformats.org/markup-compatibility/2006">
+    <mc:Choice xmlns:p14="http://schemas.microsoft.com/office/powerpoint/2010/main" xmlns="" Requires="p14">
       <p:transition spd="slow" p14:dur="2000"/>
     </mc:Choice>
-    <mc:Fallback xmlns="">
+    <mc:Fallback>
       <p:transition spd="slow"/>
     </mc:Fallback>
   </mc:AlternateContent>
   <p:timing>
     <p:tnLst>
       <p:par>
-        <p:cTn xmlns:p14="http://schemas.microsoft.com/office/powerpoint/2010/main" id="1" dur="indefinite" restart="never" nodeType="tmRoot"/>
+        <p:cTn id="1" dur="indefinite" restart="never" nodeType="tmRoot"/>
       </p:par>
     </p:tnLst>
   </p:timing>
@@ -9467,7 +9467,7 @@
     </p:spTree>
     <p:extLst>
       <p:ext uri="{BB962C8B-B14F-4D97-AF65-F5344CB8AC3E}">
-        <p14:creationId xmlns:p14="http://schemas.microsoft.com/office/powerpoint/2010/main" val="3389076463"/>
+        <p14:creationId xmlns:p14="http://schemas.microsoft.com/office/powerpoint/2010/main" xmlns="" val="3389076463"/>
       </p:ext>
     </p:extLst>
   </p:cSld>
@@ -9477,7 +9477,7 @@
   <p:timing>
     <p:tnLst>
       <p:par>
-        <p:cTn xmlns:p14="http://schemas.microsoft.com/office/powerpoint/2010/main" id="1" dur="indefinite" restart="never" nodeType="tmRoot"/>
+        <p:cTn id="1" dur="indefinite" restart="never" nodeType="tmRoot"/>
       </p:par>
     </p:tnLst>
   </p:timing>
@@ -9510,7 +9510,7 @@
           <p:nvPr/>
         </p:nvPicPr>
         <p:blipFill>
-          <a:blip r:embed="rId2"/>
+          <a:blip r:embed="rId2" cstate="print"/>
           <a:srcRect/>
           <a:stretch>
             <a:fillRect/>
@@ -9590,7 +9590,7 @@
     </p:spTree>
     <p:extLst>
       <p:ext uri="{BB962C8B-B14F-4D97-AF65-F5344CB8AC3E}">
-        <p14:creationId xmlns:p14="http://schemas.microsoft.com/office/powerpoint/2010/main" val="3781125707"/>
+        <p14:creationId xmlns:p14="http://schemas.microsoft.com/office/powerpoint/2010/main" xmlns="" val="3781125707"/>
       </p:ext>
     </p:extLst>
   </p:cSld>
@@ -9600,7 +9600,7 @@
   <p:timing>
     <p:tnLst>
       <p:par>
-        <p:cTn xmlns:p14="http://schemas.microsoft.com/office/powerpoint/2010/main" id="1" dur="indefinite" restart="never" nodeType="tmRoot"/>
+        <p:cTn id="1" dur="indefinite" restart="never" nodeType="tmRoot"/>
       </p:par>
     </p:tnLst>
   </p:timing>
@@ -9633,7 +9633,7 @@
           <p:nvPr/>
         </p:nvPicPr>
         <p:blipFill>
-          <a:blip r:embed="rId2"/>
+          <a:blip r:embed="rId2" cstate="print"/>
           <a:srcRect/>
           <a:stretch>
             <a:fillRect/>
@@ -9714,7 +9714,7 @@
     </p:spTree>
     <p:extLst>
       <p:ext uri="{BB962C8B-B14F-4D97-AF65-F5344CB8AC3E}">
-        <p14:creationId xmlns:p14="http://schemas.microsoft.com/office/powerpoint/2010/main" val="3113757335"/>
+        <p14:creationId xmlns:p14="http://schemas.microsoft.com/office/powerpoint/2010/main" xmlns="" val="3113757335"/>
       </p:ext>
     </p:extLst>
   </p:cSld>
@@ -9724,7 +9724,7 @@
   <p:timing>
     <p:tnLst>
       <p:par>
-        <p:cTn xmlns:p14="http://schemas.microsoft.com/office/powerpoint/2010/main" id="1" dur="indefinite" restart="never" nodeType="tmRoot"/>
+        <p:cTn id="1" dur="indefinite" restart="never" nodeType="tmRoot"/>
       </p:par>
     </p:tnLst>
   </p:timing>
@@ -9798,7 +9798,7 @@
     </p:spTree>
     <p:extLst>
       <p:ext uri="{BB962C8B-B14F-4D97-AF65-F5344CB8AC3E}">
-        <p14:creationId xmlns:p14="http://schemas.microsoft.com/office/powerpoint/2010/main" val="3128220547"/>
+        <p14:creationId xmlns:p14="http://schemas.microsoft.com/office/powerpoint/2010/main" xmlns="" val="3128220547"/>
       </p:ext>
     </p:extLst>
   </p:cSld>
@@ -9808,7 +9808,7 @@
   <p:timing>
     <p:tnLst>
       <p:par>
-        <p:cTn xmlns:p14="http://schemas.microsoft.com/office/powerpoint/2010/main" id="1" dur="indefinite" restart="never" nodeType="tmRoot"/>
+        <p:cTn id="1" dur="indefinite" restart="never" nodeType="tmRoot"/>
       </p:par>
     </p:tnLst>
   </p:timing>
@@ -9924,7 +9924,7 @@
     </p:spTree>
     <p:extLst>
       <p:ext uri="{BB962C8B-B14F-4D97-AF65-F5344CB8AC3E}">
-        <p14:creationId xmlns:p14="http://schemas.microsoft.com/office/powerpoint/2010/main" val="3526463055"/>
+        <p14:creationId xmlns:p14="http://schemas.microsoft.com/office/powerpoint/2010/main" xmlns="" val="3526463055"/>
       </p:ext>
     </p:extLst>
   </p:cSld>
@@ -9934,7 +9934,7 @@
   <p:timing>
     <p:tnLst>
       <p:par>
-        <p:cTn xmlns:p14="http://schemas.microsoft.com/office/powerpoint/2010/main" id="1" dur="indefinite" restart="never" nodeType="tmRoot"/>
+        <p:cTn id="1" dur="indefinite" restart="never" nodeType="tmRoot"/>
       </p:par>
     </p:tnLst>
   </p:timing>
@@ -9967,7 +9967,7 @@
           <p:nvPr/>
         </p:nvPicPr>
         <p:blipFill>
-          <a:blip r:embed="rId2"/>
+          <a:blip r:embed="rId2" cstate="print"/>
           <a:srcRect/>
           <a:stretch>
             <a:fillRect/>
@@ -10047,7 +10047,7 @@
     </p:spTree>
     <p:extLst>
       <p:ext uri="{BB962C8B-B14F-4D97-AF65-F5344CB8AC3E}">
-        <p14:creationId xmlns:p14="http://schemas.microsoft.com/office/powerpoint/2010/main" val="4153735844"/>
+        <p14:creationId xmlns:p14="http://schemas.microsoft.com/office/powerpoint/2010/main" xmlns="" val="4153735844"/>
       </p:ext>
     </p:extLst>
   </p:cSld>
@@ -10057,7 +10057,7 @@
   <p:timing>
     <p:tnLst>
       <p:par>
-        <p:cTn xmlns:p14="http://schemas.microsoft.com/office/powerpoint/2010/main" id="1" dur="indefinite" restart="never" nodeType="tmRoot"/>
+        <p:cTn id="1" dur="indefinite" restart="never" nodeType="tmRoot"/>
       </p:par>
     </p:tnLst>
   </p:timing>
@@ -10090,7 +10090,7 @@
           <p:nvPr/>
         </p:nvPicPr>
         <p:blipFill>
-          <a:blip r:embed="rId2"/>
+          <a:blip r:embed="rId2" cstate="print"/>
           <a:srcRect/>
           <a:stretch>
             <a:fillRect/>
@@ -10140,7 +10140,7 @@
     </p:spTree>
     <p:extLst>
       <p:ext uri="{BB962C8B-B14F-4D97-AF65-F5344CB8AC3E}">
-        <p14:creationId xmlns:p14="http://schemas.microsoft.com/office/powerpoint/2010/main" val="3584613944"/>
+        <p14:creationId xmlns:p14="http://schemas.microsoft.com/office/powerpoint/2010/main" xmlns="" val="3584613944"/>
       </p:ext>
     </p:extLst>
   </p:cSld>
@@ -10150,7 +10150,7 @@
   <p:timing>
     <p:tnLst>
       <p:par>
-        <p:cTn xmlns:p14="http://schemas.microsoft.com/office/powerpoint/2010/main" id="1" dur="indefinite" restart="never" nodeType="tmRoot"/>
+        <p:cTn id="1" dur="indefinite" restart="never" nodeType="tmRoot"/>
       </p:par>
     </p:tnLst>
   </p:timing>
@@ -10183,7 +10183,7 @@
           <p:nvPr/>
         </p:nvPicPr>
         <p:blipFill>
-          <a:blip r:embed="rId2"/>
+          <a:blip r:embed="rId2" cstate="print"/>
           <a:srcRect/>
           <a:stretch>
             <a:fillRect/>
@@ -10329,18 +10329,18 @@
     </p:spTree>
     <p:extLst>
       <p:ext uri="{BB962C8B-B14F-4D97-AF65-F5344CB8AC3E}">
-        <p14:creationId xmlns:p14="http://schemas.microsoft.com/office/powerpoint/2010/main" val="1309712431"/>
+        <p14:creationId xmlns:p14="http://schemas.microsoft.com/office/powerpoint/2010/main" xmlns="" val="1309712431"/>
       </p:ext>
     </p:extLst>
   </p:cSld>
   <p:clrMapOvr>
     <a:masterClrMapping/>
   </p:clrMapOvr>
-  <p:transition xmlns:p14="http://schemas.microsoft.com/office/powerpoint/2010/main"/>
+  <p:transition/>
   <p:timing>
     <p:tnLst>
       <p:par>
-        <p:cTn xmlns:p14="http://schemas.microsoft.com/office/powerpoint/2010/main" id="1" dur="indefinite" restart="never" nodeType="tmRoot"/>
+        <p:cTn id="1" dur="indefinite" restart="never" nodeType="tmRoot"/>
       </p:par>
     </p:tnLst>
   </p:timing>
@@ -10546,18 +10546,18 @@
     </p:spTree>
     <p:extLst>
       <p:ext uri="{BB962C8B-B14F-4D97-AF65-F5344CB8AC3E}">
-        <p14:creationId xmlns:p14="http://schemas.microsoft.com/office/powerpoint/2010/main" val="3902446084"/>
+        <p14:creationId xmlns:p14="http://schemas.microsoft.com/office/powerpoint/2010/main" xmlns="" val="3902446084"/>
       </p:ext>
     </p:extLst>
   </p:cSld>
   <p:clrMapOvr>
     <a:masterClrMapping/>
   </p:clrMapOvr>
-  <p:transition xmlns:p14="http://schemas.microsoft.com/office/powerpoint/2010/main"/>
+  <p:transition/>
   <p:timing>
     <p:tnLst>
       <p:par>
-        <p:cTn xmlns:p14="http://schemas.microsoft.com/office/powerpoint/2010/main" id="1" dur="indefinite" restart="never" nodeType="tmRoot"/>
+        <p:cTn id="1" dur="indefinite" restart="never" nodeType="tmRoot"/>
       </p:par>
     </p:tnLst>
   </p:timing>
@@ -10738,7 +10738,7 @@
     </p:spTree>
     <p:extLst>
       <p:ext uri="{BB962C8B-B14F-4D97-AF65-F5344CB8AC3E}">
-        <p14:creationId xmlns:p14="http://schemas.microsoft.com/office/powerpoint/2010/main" val="3677979436"/>
+        <p14:creationId xmlns:p14="http://schemas.microsoft.com/office/powerpoint/2010/main" xmlns="" val="3677979436"/>
       </p:ext>
     </p:extLst>
   </p:cSld>
@@ -10748,7 +10748,7 @@
   <p:timing>
     <p:tnLst>
       <p:par>
-        <p:cTn xmlns:p14="http://schemas.microsoft.com/office/powerpoint/2010/main" id="1" dur="indefinite" restart="never" nodeType="tmRoot"/>
+        <p:cTn id="1" dur="indefinite" restart="never" nodeType="tmRoot"/>
       </p:par>
     </p:tnLst>
   </p:timing>
@@ -11255,25 +11255,25 @@
     </p:spTree>
     <p:extLst>
       <p:ext uri="{BB962C8B-B14F-4D97-AF65-F5344CB8AC3E}">
-        <p14:creationId xmlns:p14="http://schemas.microsoft.com/office/powerpoint/2010/main" val="3436514102"/>
+        <p14:creationId xmlns:p14="http://schemas.microsoft.com/office/powerpoint/2010/main" xmlns="" val="3436514102"/>
       </p:ext>
     </p:extLst>
   </p:cSld>
   <p:clrMapOvr>
     <a:masterClrMapping/>
   </p:clrMapOvr>
-  <mc:AlternateContent xmlns:mc="http://schemas.openxmlformats.org/markup-compatibility/2006" xmlns:p14="http://schemas.microsoft.com/office/powerpoint/2010/main">
-    <mc:Choice Requires="p14">
+  <mc:AlternateContent xmlns:mc="http://schemas.openxmlformats.org/markup-compatibility/2006">
+    <mc:Choice xmlns:p14="http://schemas.microsoft.com/office/powerpoint/2010/main" xmlns="" Requires="p14">
       <p:transition spd="slow" p14:dur="2000"/>
     </mc:Choice>
-    <mc:Fallback xmlns="">
+    <mc:Fallback>
       <p:transition spd="slow"/>
     </mc:Fallback>
   </mc:AlternateContent>
   <p:timing>
     <p:tnLst>
       <p:par>
-        <p:cTn xmlns:p14="http://schemas.microsoft.com/office/powerpoint/2010/main" id="1" dur="indefinite" restart="never" nodeType="tmRoot"/>
+        <p:cTn id="1" dur="indefinite" restart="never" nodeType="tmRoot"/>
       </p:par>
     </p:tnLst>
   </p:timing>
@@ -11306,7 +11306,7 @@
           <p:nvPr/>
         </p:nvPicPr>
         <p:blipFill>
-          <a:blip r:embed="rId2"/>
+          <a:blip r:embed="rId2" cstate="print"/>
           <a:srcRect/>
           <a:stretch>
             <a:fillRect/>
@@ -11356,7 +11356,7 @@
     </p:spTree>
     <p:extLst>
       <p:ext uri="{BB962C8B-B14F-4D97-AF65-F5344CB8AC3E}">
-        <p14:creationId xmlns:p14="http://schemas.microsoft.com/office/powerpoint/2010/main" val="2777952497"/>
+        <p14:creationId xmlns:p14="http://schemas.microsoft.com/office/powerpoint/2010/main" xmlns="" val="2777952497"/>
       </p:ext>
     </p:extLst>
   </p:cSld>
@@ -11366,7 +11366,7 @@
   <p:timing>
     <p:tnLst>
       <p:par>
-        <p:cTn xmlns:p14="http://schemas.microsoft.com/office/powerpoint/2010/main" id="1" dur="indefinite" restart="never" nodeType="tmRoot"/>
+        <p:cTn id="1" dur="indefinite" restart="never" nodeType="tmRoot"/>
       </p:par>
     </p:tnLst>
   </p:timing>
@@ -11544,7 +11544,7 @@
     </p:spTree>
     <p:extLst>
       <p:ext uri="{BB962C8B-B14F-4D97-AF65-F5344CB8AC3E}">
-        <p14:creationId xmlns:p14="http://schemas.microsoft.com/office/powerpoint/2010/main" val="2574674066"/>
+        <p14:creationId xmlns:p14="http://schemas.microsoft.com/office/powerpoint/2010/main" xmlns="" val="2574674066"/>
       </p:ext>
     </p:extLst>
   </p:cSld>
@@ -11554,7 +11554,7 @@
   <p:timing>
     <p:tnLst>
       <p:par>
-        <p:cTn xmlns:p14="http://schemas.microsoft.com/office/powerpoint/2010/main" id="1" dur="indefinite" restart="never" nodeType="tmRoot"/>
+        <p:cTn id="1" dur="indefinite" restart="never" nodeType="tmRoot"/>
       </p:par>
     </p:tnLst>
   </p:timing>
@@ -11587,7 +11587,7 @@
           <p:nvPr/>
         </p:nvPicPr>
         <p:blipFill>
-          <a:blip r:embed="rId2"/>
+          <a:blip r:embed="rId2" cstate="print"/>
           <a:srcRect/>
           <a:stretch>
             <a:fillRect/>
@@ -11637,7 +11637,7 @@
     </p:spTree>
     <p:extLst>
       <p:ext uri="{BB962C8B-B14F-4D97-AF65-F5344CB8AC3E}">
-        <p14:creationId xmlns:p14="http://schemas.microsoft.com/office/powerpoint/2010/main" val="763878143"/>
+        <p14:creationId xmlns:p14="http://schemas.microsoft.com/office/powerpoint/2010/main" xmlns="" val="763878143"/>
       </p:ext>
     </p:extLst>
   </p:cSld>
@@ -11647,7 +11647,7 @@
   <p:timing>
     <p:tnLst>
       <p:par>
-        <p:cTn xmlns:p14="http://schemas.microsoft.com/office/powerpoint/2010/main" id="1" dur="indefinite" restart="never" nodeType="tmRoot"/>
+        <p:cTn id="1" dur="indefinite" restart="never" nodeType="tmRoot"/>
       </p:par>
     </p:tnLst>
   </p:timing>
@@ -11933,25 +11933,25 @@
     </p:spTree>
     <p:extLst>
       <p:ext uri="{BB962C8B-B14F-4D97-AF65-F5344CB8AC3E}">
-        <p14:creationId xmlns:p14="http://schemas.microsoft.com/office/powerpoint/2010/main" val="42533803"/>
+        <p14:creationId xmlns:p14="http://schemas.microsoft.com/office/powerpoint/2010/main" xmlns="" val="42533803"/>
       </p:ext>
     </p:extLst>
   </p:cSld>
   <p:clrMapOvr>
     <a:masterClrMapping/>
   </p:clrMapOvr>
-  <mc:AlternateContent xmlns:mc="http://schemas.openxmlformats.org/markup-compatibility/2006" xmlns:p14="http://schemas.microsoft.com/office/powerpoint/2010/main">
-    <mc:Choice Requires="p14">
+  <mc:AlternateContent xmlns:mc="http://schemas.openxmlformats.org/markup-compatibility/2006">
+    <mc:Choice xmlns:p14="http://schemas.microsoft.com/office/powerpoint/2010/main" xmlns="" Requires="p14">
       <p:transition spd="slow" p14:dur="2000"/>
     </mc:Choice>
-    <mc:Fallback xmlns="">
+    <mc:Fallback>
       <p:transition spd="slow"/>
     </mc:Fallback>
   </mc:AlternateContent>
   <p:timing>
     <p:tnLst>
       <p:par>
-        <p:cTn xmlns:p14="http://schemas.microsoft.com/office/powerpoint/2010/main" id="1" dur="indefinite" restart="never" nodeType="tmRoot"/>
+        <p:cTn id="1" dur="indefinite" restart="never" nodeType="tmRoot"/>
       </p:par>
     </p:tnLst>
   </p:timing>
@@ -12245,25 +12245,25 @@
     </p:spTree>
     <p:extLst>
       <p:ext uri="{BB962C8B-B14F-4D97-AF65-F5344CB8AC3E}">
-        <p14:creationId xmlns:p14="http://schemas.microsoft.com/office/powerpoint/2010/main" val="719158636"/>
+        <p14:creationId xmlns:p14="http://schemas.microsoft.com/office/powerpoint/2010/main" xmlns="" val="719158636"/>
       </p:ext>
     </p:extLst>
   </p:cSld>
   <p:clrMapOvr>
     <a:masterClrMapping/>
   </p:clrMapOvr>
-  <mc:AlternateContent xmlns:mc="http://schemas.openxmlformats.org/markup-compatibility/2006" xmlns:p14="http://schemas.microsoft.com/office/powerpoint/2010/main">
-    <mc:Choice Requires="p14">
+  <mc:AlternateContent xmlns:mc="http://schemas.openxmlformats.org/markup-compatibility/2006">
+    <mc:Choice xmlns:p14="http://schemas.microsoft.com/office/powerpoint/2010/main" xmlns="" Requires="p14">
       <p:transition spd="slow" p14:dur="2000"/>
     </mc:Choice>
-    <mc:Fallback xmlns="">
+    <mc:Fallback>
       <p:transition spd="slow"/>
     </mc:Fallback>
   </mc:AlternateContent>
   <p:timing>
     <p:tnLst>
       <p:par>
-        <p:cTn xmlns:p14="http://schemas.microsoft.com/office/powerpoint/2010/main" id="1" dur="indefinite" restart="never" nodeType="tmRoot"/>
+        <p:cTn id="1" dur="indefinite" restart="never" nodeType="tmRoot"/>
       </p:par>
     </p:tnLst>
   </p:timing>
@@ -12554,25 +12554,25 @@
     </p:spTree>
     <p:extLst>
       <p:ext uri="{BB962C8B-B14F-4D97-AF65-F5344CB8AC3E}">
-        <p14:creationId xmlns:p14="http://schemas.microsoft.com/office/powerpoint/2010/main" val="3790159258"/>
+        <p14:creationId xmlns:p14="http://schemas.microsoft.com/office/powerpoint/2010/main" xmlns="" val="3790159258"/>
       </p:ext>
     </p:extLst>
   </p:cSld>
   <p:clrMapOvr>
     <a:masterClrMapping/>
   </p:clrMapOvr>
-  <mc:AlternateContent xmlns:mc="http://schemas.openxmlformats.org/markup-compatibility/2006" xmlns:p14="http://schemas.microsoft.com/office/powerpoint/2010/main">
-    <mc:Choice Requires="p14">
+  <mc:AlternateContent xmlns:mc="http://schemas.openxmlformats.org/markup-compatibility/2006">
+    <mc:Choice xmlns:p14="http://schemas.microsoft.com/office/powerpoint/2010/main" xmlns="" Requires="p14">
       <p:transition spd="slow" p14:dur="2000"/>
     </mc:Choice>
-    <mc:Fallback xmlns="">
+    <mc:Fallback>
       <p:transition spd="slow"/>
     </mc:Fallback>
   </mc:AlternateContent>
   <p:timing>
     <p:tnLst>
       <p:par>
-        <p:cTn xmlns:p14="http://schemas.microsoft.com/office/powerpoint/2010/main" id="1" dur="indefinite" restart="never" nodeType="tmRoot"/>
+        <p:cTn id="1" dur="indefinite" restart="never" nodeType="tmRoot"/>
       </p:par>
     </p:tnLst>
   </p:timing>
@@ -12863,25 +12863,25 @@
     </p:spTree>
     <p:extLst>
       <p:ext uri="{BB962C8B-B14F-4D97-AF65-F5344CB8AC3E}">
-        <p14:creationId xmlns:p14="http://schemas.microsoft.com/office/powerpoint/2010/main" val="560870364"/>
+        <p14:creationId xmlns:p14="http://schemas.microsoft.com/office/powerpoint/2010/main" xmlns="" val="560870364"/>
       </p:ext>
     </p:extLst>
   </p:cSld>
   <p:clrMapOvr>
     <a:masterClrMapping/>
   </p:clrMapOvr>
-  <mc:AlternateContent xmlns:mc="http://schemas.openxmlformats.org/markup-compatibility/2006" xmlns:p14="http://schemas.microsoft.com/office/powerpoint/2010/main">
-    <mc:Choice Requires="p14">
+  <mc:AlternateContent xmlns:mc="http://schemas.openxmlformats.org/markup-compatibility/2006">
+    <mc:Choice xmlns:p14="http://schemas.microsoft.com/office/powerpoint/2010/main" xmlns="" Requires="p14">
       <p:transition spd="slow" p14:dur="2000"/>
     </mc:Choice>
-    <mc:Fallback xmlns="">
+    <mc:Fallback>
       <p:transition spd="slow"/>
     </mc:Fallback>
   </mc:AlternateContent>
   <p:timing>
     <p:tnLst>
       <p:par>
-        <p:cTn xmlns:p14="http://schemas.microsoft.com/office/powerpoint/2010/main" id="1" dur="indefinite" restart="never" nodeType="tmRoot"/>
+        <p:cTn id="1" dur="indefinite" restart="never" nodeType="tmRoot"/>
       </p:par>
     </p:tnLst>
   </p:timing>
@@ -13172,25 +13172,25 @@
     </p:spTree>
     <p:extLst>
       <p:ext uri="{BB962C8B-B14F-4D97-AF65-F5344CB8AC3E}">
-        <p14:creationId xmlns:p14="http://schemas.microsoft.com/office/powerpoint/2010/main" val="518406238"/>
+        <p14:creationId xmlns:p14="http://schemas.microsoft.com/office/powerpoint/2010/main" xmlns="" val="518406238"/>
       </p:ext>
     </p:extLst>
   </p:cSld>
   <p:clrMapOvr>
     <a:masterClrMapping/>
   </p:clrMapOvr>
-  <mc:AlternateContent xmlns:mc="http://schemas.openxmlformats.org/markup-compatibility/2006" xmlns:p14="http://schemas.microsoft.com/office/powerpoint/2010/main">
-    <mc:Choice Requires="p14">
+  <mc:AlternateContent xmlns:mc="http://schemas.openxmlformats.org/markup-compatibility/2006">
+    <mc:Choice xmlns:p14="http://schemas.microsoft.com/office/powerpoint/2010/main" xmlns="" Requires="p14">
       <p:transition spd="slow" p14:dur="2000"/>
     </mc:Choice>
-    <mc:Fallback xmlns="">
+    <mc:Fallback>
       <p:transition spd="slow"/>
     </mc:Fallback>
   </mc:AlternateContent>
   <p:timing>
     <p:tnLst>
       <p:par>
-        <p:cTn xmlns:p14="http://schemas.microsoft.com/office/powerpoint/2010/main" id="1" dur="indefinite" restart="never" nodeType="tmRoot"/>
+        <p:cTn id="1" dur="indefinite" restart="never" nodeType="tmRoot"/>
       </p:par>
     </p:tnLst>
   </p:timing>
@@ -13481,25 +13481,25 @@
     </p:spTree>
     <p:extLst>
       <p:ext uri="{BB962C8B-B14F-4D97-AF65-F5344CB8AC3E}">
-        <p14:creationId xmlns:p14="http://schemas.microsoft.com/office/powerpoint/2010/main" val="3089945963"/>
+        <p14:creationId xmlns:p14="http://schemas.microsoft.com/office/powerpoint/2010/main" xmlns="" val="3089945963"/>
       </p:ext>
     </p:extLst>
   </p:cSld>
   <p:clrMapOvr>
     <a:masterClrMapping/>
   </p:clrMapOvr>
-  <mc:AlternateContent xmlns:mc="http://schemas.openxmlformats.org/markup-compatibility/2006" xmlns:p14="http://schemas.microsoft.com/office/powerpoint/2010/main">
-    <mc:Choice Requires="p14">
+  <mc:AlternateContent xmlns:mc="http://schemas.openxmlformats.org/markup-compatibility/2006">
+    <mc:Choice xmlns:p14="http://schemas.microsoft.com/office/powerpoint/2010/main" xmlns="" Requires="p14">
       <p:transition spd="slow" p14:dur="2000"/>
     </mc:Choice>
-    <mc:Fallback xmlns="">
+    <mc:Fallback>
       <p:transition spd="slow"/>
     </mc:Fallback>
   </mc:AlternateContent>
   <p:timing>
     <p:tnLst>
       <p:par>
-        <p:cTn xmlns:p14="http://schemas.microsoft.com/office/powerpoint/2010/main" id="1" dur="indefinite" restart="never" nodeType="tmRoot"/>
+        <p:cTn id="1" dur="indefinite" restart="never" nodeType="tmRoot"/>
       </p:par>
     </p:tnLst>
   </p:timing>
@@ -13795,25 +13795,25 @@
     </p:spTree>
     <p:extLst>
       <p:ext uri="{BB962C8B-B14F-4D97-AF65-F5344CB8AC3E}">
-        <p14:creationId xmlns:p14="http://schemas.microsoft.com/office/powerpoint/2010/main" val="3273476610"/>
+        <p14:creationId xmlns:p14="http://schemas.microsoft.com/office/powerpoint/2010/main" xmlns="" val="3273476610"/>
       </p:ext>
     </p:extLst>
   </p:cSld>
   <p:clrMapOvr>
     <a:masterClrMapping/>
   </p:clrMapOvr>
-  <mc:AlternateContent xmlns:mc="http://schemas.openxmlformats.org/markup-compatibility/2006" xmlns:p14="http://schemas.microsoft.com/office/powerpoint/2010/main">
-    <mc:Choice Requires="p14">
+  <mc:AlternateContent xmlns:mc="http://schemas.openxmlformats.org/markup-compatibility/2006">
+    <mc:Choice xmlns:p14="http://schemas.microsoft.com/office/powerpoint/2010/main" xmlns="" Requires="p14">
       <p:transition spd="slow" p14:dur="2000"/>
     </mc:Choice>
-    <mc:Fallback xmlns="">
+    <mc:Fallback>
       <p:transition spd="slow"/>
     </mc:Fallback>
   </mc:AlternateContent>
   <p:timing>
     <p:tnLst>
       <p:par>
-        <p:cTn xmlns:p14="http://schemas.microsoft.com/office/powerpoint/2010/main" id="1" dur="indefinite" restart="never" nodeType="tmRoot"/>
+        <p:cTn id="1" dur="indefinite" restart="never" nodeType="tmRoot"/>
       </p:par>
     </p:tnLst>
   </p:timing>
@@ -14150,25 +14150,25 @@
     </p:spTree>
     <p:extLst>
       <p:ext uri="{BB962C8B-B14F-4D97-AF65-F5344CB8AC3E}">
-        <p14:creationId xmlns:p14="http://schemas.microsoft.com/office/powerpoint/2010/main" val="3735783036"/>
+        <p14:creationId xmlns:p14="http://schemas.microsoft.com/office/powerpoint/2010/main" xmlns="" val="3735783036"/>
       </p:ext>
     </p:extLst>
   </p:cSld>
   <p:clrMapOvr>
     <a:masterClrMapping/>
   </p:clrMapOvr>
-  <mc:AlternateContent xmlns:mc="http://schemas.openxmlformats.org/markup-compatibility/2006" xmlns:p14="http://schemas.microsoft.com/office/powerpoint/2010/main">
-    <mc:Choice Requires="p14">
+  <mc:AlternateContent xmlns:mc="http://schemas.openxmlformats.org/markup-compatibility/2006">
+    <mc:Choice xmlns:p14="http://schemas.microsoft.com/office/powerpoint/2010/main" xmlns="" Requires="p14">
       <p:transition spd="slow" p14:dur="2000"/>
     </mc:Choice>
-    <mc:Fallback xmlns="">
+    <mc:Fallback>
       <p:transition spd="slow"/>
     </mc:Fallback>
   </mc:AlternateContent>
   <p:timing>
     <p:tnLst>
       <p:par>
-        <p:cTn xmlns:p14="http://schemas.microsoft.com/office/powerpoint/2010/main" id="1" dur="indefinite" restart="never" nodeType="tmRoot"/>
+        <p:cTn id="1" dur="indefinite" restart="never" nodeType="tmRoot"/>
       </p:par>
     </p:tnLst>
   </p:timing>
@@ -14452,25 +14452,25 @@
     </p:spTree>
     <p:extLst>
       <p:ext uri="{BB962C8B-B14F-4D97-AF65-F5344CB8AC3E}">
-        <p14:creationId xmlns:p14="http://schemas.microsoft.com/office/powerpoint/2010/main" val="195274415"/>
+        <p14:creationId xmlns:p14="http://schemas.microsoft.com/office/powerpoint/2010/main" xmlns="" val="195274415"/>
       </p:ext>
     </p:extLst>
   </p:cSld>
   <p:clrMapOvr>
     <a:masterClrMapping/>
   </p:clrMapOvr>
-  <mc:AlternateContent xmlns:mc="http://schemas.openxmlformats.org/markup-compatibility/2006" xmlns:p14="http://schemas.microsoft.com/office/powerpoint/2010/main">
-    <mc:Choice Requires="p14">
+  <mc:AlternateContent xmlns:mc="http://schemas.openxmlformats.org/markup-compatibility/2006">
+    <mc:Choice xmlns:p14="http://schemas.microsoft.com/office/powerpoint/2010/main" xmlns="" Requires="p14">
       <p:transition spd="slow" p14:dur="2000"/>
     </mc:Choice>
-    <mc:Fallback xmlns="">
+    <mc:Fallback>
       <p:transition spd="slow"/>
     </mc:Fallback>
   </mc:AlternateContent>
   <p:timing>
     <p:tnLst>
       <p:par>
-        <p:cTn xmlns:p14="http://schemas.microsoft.com/office/powerpoint/2010/main" id="1" dur="indefinite" restart="never" nodeType="tmRoot"/>
+        <p:cTn id="1" dur="indefinite" restart="never" nodeType="tmRoot"/>
       </p:par>
     </p:tnLst>
   </p:timing>
@@ -14773,25 +14773,25 @@
     </p:spTree>
     <p:extLst>
       <p:ext uri="{BB962C8B-B14F-4D97-AF65-F5344CB8AC3E}">
-        <p14:creationId xmlns:p14="http://schemas.microsoft.com/office/powerpoint/2010/main" val="820318166"/>
+        <p14:creationId xmlns:p14="http://schemas.microsoft.com/office/powerpoint/2010/main" xmlns="" val="820318166"/>
       </p:ext>
     </p:extLst>
   </p:cSld>
   <p:clrMapOvr>
     <a:masterClrMapping/>
   </p:clrMapOvr>
-  <mc:AlternateContent xmlns:mc="http://schemas.openxmlformats.org/markup-compatibility/2006" xmlns:p14="http://schemas.microsoft.com/office/powerpoint/2010/main">
-    <mc:Choice Requires="p14">
+  <mc:AlternateContent xmlns:mc="http://schemas.openxmlformats.org/markup-compatibility/2006">
+    <mc:Choice xmlns:p14="http://schemas.microsoft.com/office/powerpoint/2010/main" xmlns="" Requires="p14">
       <p:transition spd="slow" p14:dur="2000"/>
     </mc:Choice>
-    <mc:Fallback xmlns="">
+    <mc:Fallback>
       <p:transition spd="slow"/>
     </mc:Fallback>
   </mc:AlternateContent>
   <p:timing>
     <p:tnLst>
       <p:par>
-        <p:cTn xmlns:p14="http://schemas.microsoft.com/office/powerpoint/2010/main" id="1" dur="indefinite" restart="never" nodeType="tmRoot"/>
+        <p:cTn id="1" dur="indefinite" restart="never" nodeType="tmRoot"/>
       </p:par>
     </p:tnLst>
   </p:timing>
@@ -15079,25 +15079,25 @@
     </p:spTree>
     <p:extLst>
       <p:ext uri="{BB962C8B-B14F-4D97-AF65-F5344CB8AC3E}">
-        <p14:creationId xmlns:p14="http://schemas.microsoft.com/office/powerpoint/2010/main" val="827783283"/>
+        <p14:creationId xmlns:p14="http://schemas.microsoft.com/office/powerpoint/2010/main" xmlns="" val="827783283"/>
       </p:ext>
     </p:extLst>
   </p:cSld>
   <p:clrMapOvr>
     <a:masterClrMapping/>
   </p:clrMapOvr>
-  <mc:AlternateContent xmlns:mc="http://schemas.openxmlformats.org/markup-compatibility/2006" xmlns:p14="http://schemas.microsoft.com/office/powerpoint/2010/main">
-    <mc:Choice Requires="p14">
+  <mc:AlternateContent xmlns:mc="http://schemas.openxmlformats.org/markup-compatibility/2006">
+    <mc:Choice xmlns:p14="http://schemas.microsoft.com/office/powerpoint/2010/main" xmlns="" Requires="p14">
       <p:transition spd="slow" p14:dur="2000"/>
     </mc:Choice>
-    <mc:Fallback xmlns="">
+    <mc:Fallback>
       <p:transition spd="slow"/>
     </mc:Fallback>
   </mc:AlternateContent>
   <p:timing>
     <p:tnLst>
       <p:par>
-        <p:cTn xmlns:p14="http://schemas.microsoft.com/office/powerpoint/2010/main" id="1" dur="indefinite" restart="never" nodeType="tmRoot"/>
+        <p:cTn id="1" dur="indefinite" restart="never" nodeType="tmRoot"/>
       </p:par>
     </p:tnLst>
   </p:timing>
@@ -15361,25 +15361,25 @@
     </p:spTree>
     <p:extLst>
       <p:ext uri="{BB962C8B-B14F-4D97-AF65-F5344CB8AC3E}">
-        <p14:creationId xmlns:p14="http://schemas.microsoft.com/office/powerpoint/2010/main" val="2112585717"/>
+        <p14:creationId xmlns:p14="http://schemas.microsoft.com/office/powerpoint/2010/main" xmlns="" val="2112585717"/>
       </p:ext>
     </p:extLst>
   </p:cSld>
   <p:clrMapOvr>
     <a:masterClrMapping/>
   </p:clrMapOvr>
-  <mc:AlternateContent xmlns:mc="http://schemas.openxmlformats.org/markup-compatibility/2006" xmlns:p14="http://schemas.microsoft.com/office/powerpoint/2010/main">
-    <mc:Choice Requires="p14">
+  <mc:AlternateContent xmlns:mc="http://schemas.openxmlformats.org/markup-compatibility/2006">
+    <mc:Choice xmlns:p14="http://schemas.microsoft.com/office/powerpoint/2010/main" xmlns="" Requires="p14">
       <p:transition spd="slow" p14:dur="2000"/>
     </mc:Choice>
-    <mc:Fallback xmlns="">
+    <mc:Fallback>
       <p:transition spd="slow"/>
     </mc:Fallback>
   </mc:AlternateContent>
   <p:timing>
     <p:tnLst>
       <p:par>
-        <p:cTn xmlns:p14="http://schemas.microsoft.com/office/powerpoint/2010/main" id="1" dur="indefinite" restart="never" nodeType="tmRoot"/>
+        <p:cTn id="1" dur="indefinite" restart="never" nodeType="tmRoot"/>
       </p:par>
     </p:tnLst>
   </p:timing>
@@ -15654,25 +15654,25 @@
     </p:spTree>
     <p:extLst>
       <p:ext uri="{BB962C8B-B14F-4D97-AF65-F5344CB8AC3E}">
-        <p14:creationId xmlns:p14="http://schemas.microsoft.com/office/powerpoint/2010/main" val="2498309309"/>
+        <p14:creationId xmlns:p14="http://schemas.microsoft.com/office/powerpoint/2010/main" xmlns="" val="2498309309"/>
       </p:ext>
     </p:extLst>
   </p:cSld>
   <p:clrMapOvr>
     <a:masterClrMapping/>
   </p:clrMapOvr>
-  <mc:AlternateContent xmlns:mc="http://schemas.openxmlformats.org/markup-compatibility/2006" xmlns:p14="http://schemas.microsoft.com/office/powerpoint/2010/main">
-    <mc:Choice Requires="p14">
+  <mc:AlternateContent xmlns:mc="http://schemas.openxmlformats.org/markup-compatibility/2006">
+    <mc:Choice xmlns:p14="http://schemas.microsoft.com/office/powerpoint/2010/main" xmlns="" Requires="p14">
       <p:transition spd="slow" p14:dur="2000"/>
     </mc:Choice>
-    <mc:Fallback xmlns="">
+    <mc:Fallback>
       <p:transition spd="slow"/>
     </mc:Fallback>
   </mc:AlternateContent>
   <p:timing>
     <p:tnLst>
       <p:par>
-        <p:cTn xmlns:p14="http://schemas.microsoft.com/office/powerpoint/2010/main" id="1" dur="indefinite" restart="never" nodeType="tmRoot"/>
+        <p:cTn id="1" dur="indefinite" restart="never" nodeType="tmRoot"/>
       </p:par>
     </p:tnLst>
   </p:timing>
@@ -15959,25 +15959,25 @@
     </p:spTree>
     <p:extLst>
       <p:ext uri="{BB962C8B-B14F-4D97-AF65-F5344CB8AC3E}">
-        <p14:creationId xmlns:p14="http://schemas.microsoft.com/office/powerpoint/2010/main" val="490993421"/>
+        <p14:creationId xmlns:p14="http://schemas.microsoft.com/office/powerpoint/2010/main" xmlns="" val="490993421"/>
       </p:ext>
     </p:extLst>
   </p:cSld>
   <p:clrMapOvr>
     <a:masterClrMapping/>
   </p:clrMapOvr>
-  <mc:AlternateContent xmlns:mc="http://schemas.openxmlformats.org/markup-compatibility/2006" xmlns:p14="http://schemas.microsoft.com/office/powerpoint/2010/main">
-    <mc:Choice Requires="p14">
+  <mc:AlternateContent xmlns:mc="http://schemas.openxmlformats.org/markup-compatibility/2006">
+    <mc:Choice xmlns:p14="http://schemas.microsoft.com/office/powerpoint/2010/main" xmlns="" Requires="p14">
       <p:transition spd="slow" p14:dur="2000"/>
     </mc:Choice>
-    <mc:Fallback xmlns="">
+    <mc:Fallback>
       <p:transition spd="slow"/>
     </mc:Fallback>
   </mc:AlternateContent>
   <p:timing>
     <p:tnLst>
       <p:par>
-        <p:cTn xmlns:p14="http://schemas.microsoft.com/office/powerpoint/2010/main" id="1" dur="indefinite" restart="never" nodeType="tmRoot"/>
+        <p:cTn id="1" dur="indefinite" restart="never" nodeType="tmRoot"/>
       </p:par>
     </p:tnLst>
   </p:timing>
@@ -16236,25 +16236,25 @@
     </p:spTree>
     <p:extLst>
       <p:ext uri="{BB962C8B-B14F-4D97-AF65-F5344CB8AC3E}">
-        <p14:creationId xmlns:p14="http://schemas.microsoft.com/office/powerpoint/2010/main" val="1982603412"/>
+        <p14:creationId xmlns:p14="http://schemas.microsoft.com/office/powerpoint/2010/main" xmlns="" val="1982603412"/>
       </p:ext>
     </p:extLst>
   </p:cSld>
   <p:clrMapOvr>
     <a:masterClrMapping/>
   </p:clrMapOvr>
-  <mc:AlternateContent xmlns:mc="http://schemas.openxmlformats.org/markup-compatibility/2006" xmlns:p14="http://schemas.microsoft.com/office/powerpoint/2010/main">
-    <mc:Choice Requires="p14">
+  <mc:AlternateContent xmlns:mc="http://schemas.openxmlformats.org/markup-compatibility/2006">
+    <mc:Choice xmlns:p14="http://schemas.microsoft.com/office/powerpoint/2010/main" xmlns="" Requires="p14">
       <p:transition spd="slow" p14:dur="2000"/>
     </mc:Choice>
-    <mc:Fallback xmlns="">
+    <mc:Fallback>
       <p:transition spd="slow"/>
     </mc:Fallback>
   </mc:AlternateContent>
   <p:timing>
     <p:tnLst>
       <p:par>
-        <p:cTn xmlns:p14="http://schemas.microsoft.com/office/powerpoint/2010/main" id="1" dur="indefinite" restart="never" nodeType="tmRoot"/>
+        <p:cTn id="1" dur="indefinite" restart="never" nodeType="tmRoot"/>
       </p:par>
     </p:tnLst>
   </p:timing>
@@ -16319,7 +16319,7 @@
           <p:nvPr/>
         </p:nvPicPr>
         <p:blipFill>
-          <a:blip r:embed="rId2"/>
+          <a:blip r:embed="rId2" cstate="print"/>
           <a:stretch>
             <a:fillRect/>
           </a:stretch>
@@ -16337,25 +16337,25 @@
     </p:spTree>
     <p:extLst>
       <p:ext uri="{BB962C8B-B14F-4D97-AF65-F5344CB8AC3E}">
-        <p14:creationId xmlns:p14="http://schemas.microsoft.com/office/powerpoint/2010/main" val="3486681628"/>
+        <p14:creationId xmlns:p14="http://schemas.microsoft.com/office/powerpoint/2010/main" xmlns="" val="3486681628"/>
       </p:ext>
     </p:extLst>
   </p:cSld>
   <p:clrMapOvr>
     <a:masterClrMapping/>
   </p:clrMapOvr>
-  <mc:AlternateContent xmlns:mc="http://schemas.openxmlformats.org/markup-compatibility/2006" xmlns:p14="http://schemas.microsoft.com/office/powerpoint/2010/main">
-    <mc:Choice Requires="p14">
+  <mc:AlternateContent xmlns:mc="http://schemas.openxmlformats.org/markup-compatibility/2006">
+    <mc:Choice xmlns:p14="http://schemas.microsoft.com/office/powerpoint/2010/main" xmlns="" Requires="p14">
       <p:transition spd="slow" p14:dur="2000"/>
     </mc:Choice>
-    <mc:Fallback xmlns="">
+    <mc:Fallback>
       <p:transition spd="slow"/>
     </mc:Fallback>
   </mc:AlternateContent>
   <p:timing>
     <p:tnLst>
       <p:par>
-        <p:cTn xmlns:p14="http://schemas.microsoft.com/office/powerpoint/2010/main" id="1" dur="indefinite" restart="never" nodeType="tmRoot"/>
+        <p:cTn id="1" dur="indefinite" restart="never" nodeType="tmRoot"/>
       </p:par>
     </p:tnLst>
   </p:timing>
@@ -16655,25 +16655,25 @@
     </p:spTree>
     <p:extLst>
       <p:ext uri="{BB962C8B-B14F-4D97-AF65-F5344CB8AC3E}">
-        <p14:creationId xmlns:p14="http://schemas.microsoft.com/office/powerpoint/2010/main" val="2167458548"/>
+        <p14:creationId xmlns:p14="http://schemas.microsoft.com/office/powerpoint/2010/main" xmlns="" val="2167458548"/>
       </p:ext>
     </p:extLst>
   </p:cSld>
   <p:clrMapOvr>
     <a:masterClrMapping/>
   </p:clrMapOvr>
-  <mc:AlternateContent xmlns:mc="http://schemas.openxmlformats.org/markup-compatibility/2006" xmlns:p14="http://schemas.microsoft.com/office/powerpoint/2010/main">
-    <mc:Choice Requires="p14">
+  <mc:AlternateContent xmlns:mc="http://schemas.openxmlformats.org/markup-compatibility/2006">
+    <mc:Choice xmlns:p14="http://schemas.microsoft.com/office/powerpoint/2010/main" xmlns="" Requires="p14">
       <p:transition spd="slow" p14:dur="2000"/>
     </mc:Choice>
-    <mc:Fallback xmlns="">
+    <mc:Fallback>
       <p:transition spd="slow"/>
     </mc:Fallback>
   </mc:AlternateContent>
   <p:timing>
     <p:tnLst>
       <p:par>
-        <p:cTn xmlns:p14="http://schemas.microsoft.com/office/powerpoint/2010/main" id="1" dur="indefinite" restart="never" nodeType="tmRoot"/>
+        <p:cTn id="1" dur="indefinite" restart="never" nodeType="tmRoot"/>
       </p:par>
     </p:tnLst>
   </p:timing>
@@ -16744,7 +16744,7 @@
           <p:nvPr/>
         </p:nvPicPr>
         <p:blipFill>
-          <a:blip r:embed="rId2"/>
+          <a:blip r:embed="rId2" cstate="print"/>
           <a:stretch>
             <a:fillRect/>
           </a:stretch>
@@ -16762,25 +16762,25 @@
     </p:spTree>
     <p:extLst>
       <p:ext uri="{BB962C8B-B14F-4D97-AF65-F5344CB8AC3E}">
-        <p14:creationId xmlns:p14="http://schemas.microsoft.com/office/powerpoint/2010/main" val="77984983"/>
+        <p14:creationId xmlns:p14="http://schemas.microsoft.com/office/powerpoint/2010/main" xmlns="" val="77984983"/>
       </p:ext>
     </p:extLst>
   </p:cSld>
   <p:clrMapOvr>
     <a:masterClrMapping/>
   </p:clrMapOvr>
-  <mc:AlternateContent xmlns:mc="http://schemas.openxmlformats.org/markup-compatibility/2006" xmlns:p14="http://schemas.microsoft.com/office/powerpoint/2010/main">
-    <mc:Choice Requires="p14">
+  <mc:AlternateContent xmlns:mc="http://schemas.openxmlformats.org/markup-compatibility/2006">
+    <mc:Choice xmlns:p14="http://schemas.microsoft.com/office/powerpoint/2010/main" xmlns="" Requires="p14">
       <p:transition spd="slow" p14:dur="2000"/>
     </mc:Choice>
-    <mc:Fallback xmlns="">
+    <mc:Fallback>
       <p:transition spd="slow"/>
     </mc:Fallback>
   </mc:AlternateContent>
   <p:timing>
     <p:tnLst>
       <p:par>
-        <p:cTn xmlns:p14="http://schemas.microsoft.com/office/powerpoint/2010/main" id="1" dur="indefinite" restart="never" nodeType="tmRoot"/>
+        <p:cTn id="1" dur="indefinite" restart="never" nodeType="tmRoot"/>
       </p:par>
     </p:tnLst>
   </p:timing>
@@ -17121,25 +17121,25 @@
     </p:spTree>
     <p:extLst>
       <p:ext uri="{BB962C8B-B14F-4D97-AF65-F5344CB8AC3E}">
-        <p14:creationId xmlns:p14="http://schemas.microsoft.com/office/powerpoint/2010/main" val="1766382090"/>
+        <p14:creationId xmlns:p14="http://schemas.microsoft.com/office/powerpoint/2010/main" xmlns="" val="1766382090"/>
       </p:ext>
     </p:extLst>
   </p:cSld>
   <p:clrMapOvr>
     <a:masterClrMapping/>
   </p:clrMapOvr>
-  <mc:AlternateContent xmlns:mc="http://schemas.openxmlformats.org/markup-compatibility/2006" xmlns:p14="http://schemas.microsoft.com/office/powerpoint/2010/main">
-    <mc:Choice Requires="p14">
+  <mc:AlternateContent xmlns:mc="http://schemas.openxmlformats.org/markup-compatibility/2006">
+    <mc:Choice xmlns:p14="http://schemas.microsoft.com/office/powerpoint/2010/main" xmlns="" Requires="p14">
       <p:transition spd="slow" p14:dur="2000"/>
     </mc:Choice>
-    <mc:Fallback xmlns="">
+    <mc:Fallback>
       <p:transition spd="slow"/>
     </mc:Fallback>
   </mc:AlternateContent>
   <p:timing>
     <p:tnLst>
       <p:par>
-        <p:cTn xmlns:p14="http://schemas.microsoft.com/office/powerpoint/2010/main" id="1" dur="indefinite" restart="never" nodeType="tmRoot"/>
+        <p:cTn id="1" dur="indefinite" restart="never" nodeType="tmRoot"/>
       </p:par>
     </p:tnLst>
   </p:timing>
@@ -17210,7 +17210,7 @@
           <p:nvPr/>
         </p:nvPicPr>
         <p:blipFill>
-          <a:blip r:embed="rId2"/>
+          <a:blip r:embed="rId2" cstate="print"/>
           <a:stretch>
             <a:fillRect/>
           </a:stretch>
@@ -17228,25 +17228,25 @@
     </p:spTree>
     <p:extLst>
       <p:ext uri="{BB962C8B-B14F-4D97-AF65-F5344CB8AC3E}">
-        <p14:creationId xmlns:p14="http://schemas.microsoft.com/office/powerpoint/2010/main" val="3690446741"/>
+        <p14:creationId xmlns:p14="http://schemas.microsoft.com/office/powerpoint/2010/main" xmlns="" val="3690446741"/>
       </p:ext>
     </p:extLst>
   </p:cSld>
   <p:clrMapOvr>
     <a:masterClrMapping/>
   </p:clrMapOvr>
-  <mc:AlternateContent xmlns:mc="http://schemas.openxmlformats.org/markup-compatibility/2006" xmlns:p14="http://schemas.microsoft.com/office/powerpoint/2010/main">
-    <mc:Choice Requires="p14">
+  <mc:AlternateContent xmlns:mc="http://schemas.openxmlformats.org/markup-compatibility/2006">
+    <mc:Choice xmlns:p14="http://schemas.microsoft.com/office/powerpoint/2010/main" xmlns="" Requires="p14">
       <p:transition spd="slow" p14:dur="2000"/>
     </mc:Choice>
-    <mc:Fallback xmlns="">
+    <mc:Fallback>
       <p:transition spd="slow"/>
     </mc:Fallback>
   </mc:AlternateContent>
   <p:timing>
     <p:tnLst>
       <p:par>
-        <p:cTn xmlns:p14="http://schemas.microsoft.com/office/powerpoint/2010/main" id="1" dur="indefinite" restart="never" nodeType="tmRoot"/>
+        <p:cTn id="1" dur="indefinite" restart="never" nodeType="tmRoot"/>
       </p:par>
     </p:tnLst>
   </p:timing>
@@ -17317,7 +17317,7 @@
           <p:nvPr/>
         </p:nvPicPr>
         <p:blipFill>
-          <a:blip r:embed="rId2"/>
+          <a:blip r:embed="rId2" cstate="print"/>
           <a:stretch>
             <a:fillRect/>
           </a:stretch>
@@ -17467,25 +17467,25 @@
     </p:spTree>
     <p:extLst>
       <p:ext uri="{BB962C8B-B14F-4D97-AF65-F5344CB8AC3E}">
-        <p14:creationId xmlns:p14="http://schemas.microsoft.com/office/powerpoint/2010/main" val="1921668123"/>
+        <p14:creationId xmlns:p14="http://schemas.microsoft.com/office/powerpoint/2010/main" xmlns="" val="1921668123"/>
       </p:ext>
     </p:extLst>
   </p:cSld>
   <p:clrMapOvr>
     <a:masterClrMapping/>
   </p:clrMapOvr>
-  <mc:AlternateContent xmlns:mc="http://schemas.openxmlformats.org/markup-compatibility/2006" xmlns:p14="http://schemas.microsoft.com/office/powerpoint/2010/main">
-    <mc:Choice Requires="p14">
+  <mc:AlternateContent xmlns:mc="http://schemas.openxmlformats.org/markup-compatibility/2006">
+    <mc:Choice xmlns:p14="http://schemas.microsoft.com/office/powerpoint/2010/main" xmlns="" Requires="p14">
       <p:transition spd="slow" p14:dur="2000"/>
     </mc:Choice>
-    <mc:Fallback xmlns="">
+    <mc:Fallback>
       <p:transition spd="slow"/>
     </mc:Fallback>
   </mc:AlternateContent>
   <p:timing>
     <p:tnLst>
       <p:par>
-        <p:cTn xmlns:p14="http://schemas.microsoft.com/office/powerpoint/2010/main" id="1" dur="indefinite" restart="never" nodeType="tmRoot"/>
+        <p:cTn id="1" dur="indefinite" restart="never" nodeType="tmRoot"/>
       </p:par>
     </p:tnLst>
   </p:timing>
@@ -17767,25 +17767,25 @@
     </p:spTree>
     <p:extLst>
       <p:ext uri="{BB962C8B-B14F-4D97-AF65-F5344CB8AC3E}">
-        <p14:creationId xmlns:p14="http://schemas.microsoft.com/office/powerpoint/2010/main" val="2809531644"/>
+        <p14:creationId xmlns:p14="http://schemas.microsoft.com/office/powerpoint/2010/main" xmlns="" val="2809531644"/>
       </p:ext>
     </p:extLst>
   </p:cSld>
   <p:clrMapOvr>
     <a:masterClrMapping/>
   </p:clrMapOvr>
-  <mc:AlternateContent xmlns:mc="http://schemas.openxmlformats.org/markup-compatibility/2006" xmlns:p14="http://schemas.microsoft.com/office/powerpoint/2010/main">
-    <mc:Choice Requires="p14">
+  <mc:AlternateContent xmlns:mc="http://schemas.openxmlformats.org/markup-compatibility/2006">
+    <mc:Choice xmlns:p14="http://schemas.microsoft.com/office/powerpoint/2010/main" xmlns="" Requires="p14">
       <p:transition spd="slow" p14:dur="2000"/>
     </mc:Choice>
-    <mc:Fallback xmlns="">
+    <mc:Fallback>
       <p:transition spd="slow"/>
     </mc:Fallback>
   </mc:AlternateContent>
   <p:timing>
     <p:tnLst>
       <p:par>
-        <p:cTn xmlns:p14="http://schemas.microsoft.com/office/powerpoint/2010/main" id="1" dur="indefinite" restart="never" nodeType="tmRoot"/>
+        <p:cTn id="1" dur="indefinite" restart="never" nodeType="tmRoot"/>
       </p:par>
     </p:tnLst>
   </p:timing>
@@ -17818,7 +17818,7 @@
           <p:nvPr/>
         </p:nvPicPr>
         <p:blipFill>
-          <a:blip r:embed="rId2"/>
+          <a:blip r:embed="rId2" cstate="print"/>
           <a:stretch>
             <a:fillRect/>
           </a:stretch>
@@ -17929,25 +17929,25 @@
     </p:spTree>
     <p:extLst>
       <p:ext uri="{BB962C8B-B14F-4D97-AF65-F5344CB8AC3E}">
-        <p14:creationId xmlns:p14="http://schemas.microsoft.com/office/powerpoint/2010/main" val="2052235477"/>
+        <p14:creationId xmlns:p14="http://schemas.microsoft.com/office/powerpoint/2010/main" xmlns="" val="2052235477"/>
       </p:ext>
     </p:extLst>
   </p:cSld>
   <p:clrMapOvr>
     <a:masterClrMapping/>
   </p:clrMapOvr>
-  <mc:AlternateContent xmlns:mc="http://schemas.openxmlformats.org/markup-compatibility/2006" xmlns:p14="http://schemas.microsoft.com/office/powerpoint/2010/main">
-    <mc:Choice Requires="p14">
+  <mc:AlternateContent xmlns:mc="http://schemas.openxmlformats.org/markup-compatibility/2006">
+    <mc:Choice xmlns:p14="http://schemas.microsoft.com/office/powerpoint/2010/main" xmlns="" Requires="p14">
       <p:transition spd="slow" p14:dur="2000"/>
     </mc:Choice>
-    <mc:Fallback xmlns="">
+    <mc:Fallback>
       <p:transition spd="slow"/>
     </mc:Fallback>
   </mc:AlternateContent>
   <p:timing>
     <p:tnLst>
       <p:par>
-        <p:cTn xmlns:p14="http://schemas.microsoft.com/office/powerpoint/2010/main" id="1" dur="indefinite" restart="never" nodeType="tmRoot"/>
+        <p:cTn id="1" dur="indefinite" restart="never" nodeType="tmRoot"/>
       </p:par>
     </p:tnLst>
   </p:timing>
@@ -17980,7 +17980,7 @@
           <p:nvPr/>
         </p:nvPicPr>
         <p:blipFill>
-          <a:blip r:embed="rId2"/>
+          <a:blip r:embed="rId2" cstate="print"/>
           <a:stretch>
             <a:fillRect/>
           </a:stretch>
@@ -18003,7 +18003,7 @@
     </p:spTree>
     <p:extLst>
       <p:ext uri="{BB962C8B-B14F-4D97-AF65-F5344CB8AC3E}">
-        <p14:creationId xmlns:p14="http://schemas.microsoft.com/office/powerpoint/2010/main" val="1378357901"/>
+        <p14:creationId xmlns:p14="http://schemas.microsoft.com/office/powerpoint/2010/main" xmlns="" val="1378357901"/>
       </p:ext>
     </p:extLst>
   </p:cSld>
@@ -18013,7 +18013,7 @@
   <p:timing>
     <p:tnLst>
       <p:par>
-        <p:cTn xmlns:p14="http://schemas.microsoft.com/office/powerpoint/2010/main" id="1" dur="indefinite" restart="never" nodeType="tmRoot"/>
+        <p:cTn id="1" dur="indefinite" restart="never" nodeType="tmRoot"/>
       </p:par>
     </p:tnLst>
   </p:timing>
@@ -18093,7 +18093,7 @@
           <p:nvPr>
             <p:extLst>
               <p:ext uri="{D42A27DB-BD31-4B8C-83A1-F6EECF244321}">
-                <p14:modId xmlns:p14="http://schemas.microsoft.com/office/powerpoint/2010/main" val="2256308220"/>
+                <p14:modId xmlns:p14="http://schemas.microsoft.com/office/powerpoint/2010/main" xmlns="" val="2256308220"/>
               </p:ext>
             </p:extLst>
           </p:nvPr>
@@ -18678,25 +18678,25 @@
     </p:spTree>
     <p:extLst>
       <p:ext uri="{BB962C8B-B14F-4D97-AF65-F5344CB8AC3E}">
-        <p14:creationId xmlns:p14="http://schemas.microsoft.com/office/powerpoint/2010/main" val="1730443546"/>
+        <p14:creationId xmlns:p14="http://schemas.microsoft.com/office/powerpoint/2010/main" xmlns="" val="1730443546"/>
       </p:ext>
     </p:extLst>
   </p:cSld>
   <p:clrMapOvr>
     <a:masterClrMapping/>
   </p:clrMapOvr>
-  <mc:AlternateContent xmlns:mc="http://schemas.openxmlformats.org/markup-compatibility/2006" xmlns:p14="http://schemas.microsoft.com/office/powerpoint/2010/main">
-    <mc:Choice Requires="p14">
+  <mc:AlternateContent xmlns:mc="http://schemas.openxmlformats.org/markup-compatibility/2006">
+    <mc:Choice xmlns:p14="http://schemas.microsoft.com/office/powerpoint/2010/main" xmlns="" Requires="p14">
       <p:transition spd="slow" p14:dur="2000"/>
     </mc:Choice>
-    <mc:Fallback xmlns="">
+    <mc:Fallback>
       <p:transition spd="slow"/>
     </mc:Fallback>
   </mc:AlternateContent>
   <p:timing>
     <p:tnLst>
       <p:par>
-        <p:cTn xmlns:p14="http://schemas.microsoft.com/office/powerpoint/2010/main" id="1" dur="indefinite" restart="never" nodeType="tmRoot"/>
+        <p:cTn id="1" dur="indefinite" restart="never" nodeType="tmRoot"/>
       </p:par>
     </p:tnLst>
   </p:timing>
@@ -19166,25 +19166,25 @@
     </p:spTree>
     <p:extLst>
       <p:ext uri="{BB962C8B-B14F-4D97-AF65-F5344CB8AC3E}">
-        <p14:creationId xmlns:p14="http://schemas.microsoft.com/office/powerpoint/2010/main" val="1629831378"/>
+        <p14:creationId xmlns:p14="http://schemas.microsoft.com/office/powerpoint/2010/main" xmlns="" val="1629831378"/>
       </p:ext>
     </p:extLst>
   </p:cSld>
   <p:clrMapOvr>
     <a:masterClrMapping/>
   </p:clrMapOvr>
-  <mc:AlternateContent xmlns:mc="http://schemas.openxmlformats.org/markup-compatibility/2006" xmlns:p14="http://schemas.microsoft.com/office/powerpoint/2010/main">
-    <mc:Choice Requires="p14">
+  <mc:AlternateContent xmlns:mc="http://schemas.openxmlformats.org/markup-compatibility/2006">
+    <mc:Choice xmlns:p14="http://schemas.microsoft.com/office/powerpoint/2010/main" xmlns="" Requires="p14">
       <p:transition spd="slow" p14:dur="2000"/>
     </mc:Choice>
-    <mc:Fallback xmlns="">
+    <mc:Fallback>
       <p:transition spd="slow"/>
     </mc:Fallback>
   </mc:AlternateContent>
   <p:timing>
     <p:tnLst>
       <p:par>
-        <p:cTn xmlns:p14="http://schemas.microsoft.com/office/powerpoint/2010/main" id="1" dur="indefinite" restart="never" nodeType="tmRoot"/>
+        <p:cTn id="1" dur="indefinite" restart="never" nodeType="tmRoot"/>
       </p:par>
     </p:tnLst>
   </p:timing>
@@ -19217,10 +19217,10 @@
           <p:nvPr/>
         </p:nvPicPr>
         <p:blipFill>
-          <a:blip r:embed="rId2">
+          <a:blip r:embed="rId2" cstate="print">
             <a:extLst>
               <a:ext uri="{28A0092B-C50C-407E-A947-70E740481C1C}">
-                <a14:useLocalDpi xmlns:a14="http://schemas.microsoft.com/office/drawing/2010/main" val="0"/>
+                <a14:useLocalDpi xmlns:a14="http://schemas.microsoft.com/office/drawing/2010/main" xmlns="" val="0"/>
               </a:ext>
             </a:extLst>
           </a:blip>
@@ -19240,7 +19240,7 @@
           <a:noFill/>
           <a:extLst>
             <a:ext uri="{909E8E84-426E-40dd-AFC4-6F175D3DCCD1}">
-              <a14:hiddenFill xmlns:a14="http://schemas.microsoft.com/office/drawing/2010/main">
+              <a14:hiddenFill xmlns:a14="http://schemas.microsoft.com/office/drawing/2010/main" xmlns="">
                 <a:solidFill>
                   <a:srgbClr val="FFFFFF"/>
                 </a:solidFill>
@@ -19323,25 +19323,25 @@
     </p:spTree>
     <p:extLst>
       <p:ext uri="{BB962C8B-B14F-4D97-AF65-F5344CB8AC3E}">
-        <p14:creationId xmlns:p14="http://schemas.microsoft.com/office/powerpoint/2010/main" val="2367797895"/>
+        <p14:creationId xmlns:p14="http://schemas.microsoft.com/office/powerpoint/2010/main" xmlns="" val="2367797895"/>
       </p:ext>
     </p:extLst>
   </p:cSld>
   <p:clrMapOvr>
     <a:masterClrMapping/>
   </p:clrMapOvr>
-  <mc:AlternateContent xmlns:mc="http://schemas.openxmlformats.org/markup-compatibility/2006" xmlns:p14="http://schemas.microsoft.com/office/powerpoint/2010/main">
-    <mc:Choice Requires="p14">
+  <mc:AlternateContent xmlns:mc="http://schemas.openxmlformats.org/markup-compatibility/2006">
+    <mc:Choice xmlns:p14="http://schemas.microsoft.com/office/powerpoint/2010/main" xmlns="" Requires="p14">
       <p:transition spd="slow" p14:dur="2000"/>
     </mc:Choice>
-    <mc:Fallback xmlns="">
+    <mc:Fallback>
       <p:transition spd="slow"/>
     </mc:Fallback>
   </mc:AlternateContent>
   <p:timing>
     <p:tnLst>
       <p:par>
-        <p:cTn xmlns:p14="http://schemas.microsoft.com/office/powerpoint/2010/main" id="1" dur="indefinite" restart="never" nodeType="tmRoot"/>
+        <p:cTn id="1" dur="indefinite" restart="never" nodeType="tmRoot"/>
       </p:par>
     </p:tnLst>
   </p:timing>
@@ -19711,18 +19711,18 @@
     </p:spTree>
     <p:extLst>
       <p:ext uri="{BB962C8B-B14F-4D97-AF65-F5344CB8AC3E}">
-        <p14:creationId xmlns:p14="http://schemas.microsoft.com/office/powerpoint/2010/main" val="2781102722"/>
+        <p14:creationId xmlns:p14="http://schemas.microsoft.com/office/powerpoint/2010/main" xmlns="" val="2781102722"/>
       </p:ext>
     </p:extLst>
   </p:cSld>
   <p:clrMapOvr>
     <a:masterClrMapping/>
   </p:clrMapOvr>
-  <p:transition xmlns:p14="http://schemas.microsoft.com/office/powerpoint/2010/main" spd="slow"/>
+  <p:transition spd="slow"/>
   <p:timing>
     <p:tnLst>
       <p:par>
-        <p:cTn xmlns:p14="http://schemas.microsoft.com/office/powerpoint/2010/main" id="1" dur="indefinite" restart="never" nodeType="tmRoot">
+        <p:cTn id="1" dur="indefinite" restart="never" nodeType="tmRoot">
           <p:childTnLst>
             <p:seq concurrent="1" nextAc="seek">
               <p:cTn id="2" dur="indefinite" nodeType="mainSeq">
@@ -20298,25 +20298,25 @@
     </p:spTree>
     <p:extLst>
       <p:ext uri="{BB962C8B-B14F-4D97-AF65-F5344CB8AC3E}">
-        <p14:creationId xmlns:p14="http://schemas.microsoft.com/office/powerpoint/2010/main" val="3452883339"/>
+        <p14:creationId xmlns:p14="http://schemas.microsoft.com/office/powerpoint/2010/main" xmlns="" val="3452883339"/>
       </p:ext>
     </p:extLst>
   </p:cSld>
   <p:clrMapOvr>
     <a:masterClrMapping/>
   </p:clrMapOvr>
-  <mc:AlternateContent xmlns:mc="http://schemas.openxmlformats.org/markup-compatibility/2006" xmlns:p14="http://schemas.microsoft.com/office/powerpoint/2010/main">
-    <mc:Choice Requires="p14">
+  <mc:AlternateContent xmlns:mc="http://schemas.openxmlformats.org/markup-compatibility/2006">
+    <mc:Choice xmlns:p14="http://schemas.microsoft.com/office/powerpoint/2010/main" xmlns="" Requires="p14">
       <p:transition spd="slow" p14:dur="2000"/>
     </mc:Choice>
-    <mc:Fallback xmlns="">
+    <mc:Fallback>
       <p:transition spd="slow"/>
     </mc:Fallback>
   </mc:AlternateContent>
   <p:timing>
     <p:tnLst>
       <p:par>
-        <p:cTn xmlns:p14="http://schemas.microsoft.com/office/powerpoint/2010/main" id="1" dur="indefinite" restart="never" nodeType="tmRoot">
+        <p:cTn id="1" dur="indefinite" restart="never" nodeType="tmRoot">
           <p:childTnLst>
             <p:seq concurrent="1" nextAc="seek">
               <p:cTn id="2" dur="indefinite" nodeType="mainSeq">
@@ -21057,25 +21057,25 @@
     </p:spTree>
     <p:extLst>
       <p:ext uri="{BB962C8B-B14F-4D97-AF65-F5344CB8AC3E}">
-        <p14:creationId xmlns:p14="http://schemas.microsoft.com/office/powerpoint/2010/main" val="1358147143"/>
+        <p14:creationId xmlns:p14="http://schemas.microsoft.com/office/powerpoint/2010/main" xmlns="" val="1358147143"/>
       </p:ext>
     </p:extLst>
   </p:cSld>
   <p:clrMapOvr>
     <a:masterClrMapping/>
   </p:clrMapOvr>
-  <mc:AlternateContent xmlns:mc="http://schemas.openxmlformats.org/markup-compatibility/2006" xmlns:p14="http://schemas.microsoft.com/office/powerpoint/2010/main">
-    <mc:Choice Requires="p14">
+  <mc:AlternateContent xmlns:mc="http://schemas.openxmlformats.org/markup-compatibility/2006">
+    <mc:Choice xmlns:p14="http://schemas.microsoft.com/office/powerpoint/2010/main" xmlns="" Requires="p14">
       <p:transition spd="slow" p14:dur="2000"/>
     </mc:Choice>
-    <mc:Fallback xmlns="">
+    <mc:Fallback>
       <p:transition spd="slow"/>
     </mc:Fallback>
   </mc:AlternateContent>
   <p:timing>
     <p:tnLst>
       <p:par>
-        <p:cTn xmlns:p14="http://schemas.microsoft.com/office/powerpoint/2010/main" id="1" dur="indefinite" restart="never" nodeType="tmRoot"/>
+        <p:cTn id="1" dur="indefinite" restart="never" nodeType="tmRoot"/>
       </p:par>
     </p:tnLst>
   </p:timing>
@@ -21396,25 +21396,25 @@
     </p:spTree>
     <p:extLst>
       <p:ext uri="{BB962C8B-B14F-4D97-AF65-F5344CB8AC3E}">
-        <p14:creationId xmlns:p14="http://schemas.microsoft.com/office/powerpoint/2010/main" val="1827848310"/>
+        <p14:creationId xmlns:p14="http://schemas.microsoft.com/office/powerpoint/2010/main" xmlns="" val="1827848310"/>
       </p:ext>
     </p:extLst>
   </p:cSld>
   <p:clrMapOvr>
     <a:masterClrMapping/>
   </p:clrMapOvr>
-  <mc:AlternateContent xmlns:mc="http://schemas.openxmlformats.org/markup-compatibility/2006" xmlns:p14="http://schemas.microsoft.com/office/powerpoint/2010/main">
-    <mc:Choice Requires="p14">
+  <mc:AlternateContent xmlns:mc="http://schemas.openxmlformats.org/markup-compatibility/2006">
+    <mc:Choice xmlns:p14="http://schemas.microsoft.com/office/powerpoint/2010/main" xmlns="" Requires="p14">
       <p:transition spd="slow" p14:dur="2000"/>
     </mc:Choice>
-    <mc:Fallback xmlns="">
+    <mc:Fallback>
       <p:transition spd="slow"/>
     </mc:Fallback>
   </mc:AlternateContent>
   <p:timing>
     <p:tnLst>
       <p:par>
-        <p:cTn xmlns:p14="http://schemas.microsoft.com/office/powerpoint/2010/main" id="1" dur="indefinite" restart="never" nodeType="tmRoot">
+        <p:cTn id="1" dur="indefinite" restart="never" nodeType="tmRoot">
           <p:childTnLst>
             <p:seq concurrent="1" nextAc="seek">
               <p:cTn id="2" dur="indefinite" nodeType="mainSeq">
@@ -22139,25 +22139,25 @@
     </p:spTree>
     <p:extLst>
       <p:ext uri="{BB962C8B-B14F-4D97-AF65-F5344CB8AC3E}">
-        <p14:creationId xmlns:p14="http://schemas.microsoft.com/office/powerpoint/2010/main" val="2616731691"/>
+        <p14:creationId xmlns:p14="http://schemas.microsoft.com/office/powerpoint/2010/main" xmlns="" val="2616731691"/>
       </p:ext>
     </p:extLst>
   </p:cSld>
   <p:clrMapOvr>
     <a:masterClrMapping/>
   </p:clrMapOvr>
-  <mc:AlternateContent xmlns:mc="http://schemas.openxmlformats.org/markup-compatibility/2006" xmlns:p14="http://schemas.microsoft.com/office/powerpoint/2010/main">
-    <mc:Choice Requires="p14">
+  <mc:AlternateContent xmlns:mc="http://schemas.openxmlformats.org/markup-compatibility/2006">
+    <mc:Choice xmlns:p14="http://schemas.microsoft.com/office/powerpoint/2010/main" xmlns="" Requires="p14">
       <p:transition spd="slow" p14:dur="2000"/>
     </mc:Choice>
-    <mc:Fallback xmlns="">
+    <mc:Fallback>
       <p:transition spd="slow"/>
     </mc:Fallback>
   </mc:AlternateContent>
   <p:timing>
     <p:tnLst>
       <p:par>
-        <p:cTn xmlns:p14="http://schemas.microsoft.com/office/powerpoint/2010/main" id="1" dur="indefinite" restart="never" nodeType="tmRoot">
+        <p:cTn id="1" dur="indefinite" restart="never" nodeType="tmRoot">
           <p:childTnLst>
             <p:seq concurrent="1" nextAc="seek">
               <p:cTn id="2" dur="indefinite" nodeType="mainSeq">
@@ -22413,25 +22413,25 @@
     </p:spTree>
     <p:extLst>
       <p:ext uri="{BB962C8B-B14F-4D97-AF65-F5344CB8AC3E}">
-        <p14:creationId xmlns:p14="http://schemas.microsoft.com/office/powerpoint/2010/main" val="2912892320"/>
+        <p14:creationId xmlns:p14="http://schemas.microsoft.com/office/powerpoint/2010/main" xmlns="" val="2912892320"/>
       </p:ext>
     </p:extLst>
   </p:cSld>
   <p:clrMapOvr>
     <a:masterClrMapping/>
   </p:clrMapOvr>
-  <mc:AlternateContent xmlns:mc="http://schemas.openxmlformats.org/markup-compatibility/2006" xmlns:p14="http://schemas.microsoft.com/office/powerpoint/2010/main">
-    <mc:Choice Requires="p14">
+  <mc:AlternateContent xmlns:mc="http://schemas.openxmlformats.org/markup-compatibility/2006">
+    <mc:Choice xmlns:p14="http://schemas.microsoft.com/office/powerpoint/2010/main" xmlns="" Requires="p14">
       <p:transition spd="slow" p14:dur="2000"/>
     </mc:Choice>
-    <mc:Fallback xmlns="">
+    <mc:Fallback>
       <p:transition spd="slow"/>
     </mc:Fallback>
   </mc:AlternateContent>
   <p:timing>
     <p:tnLst>
       <p:par>
-        <p:cTn xmlns:p14="http://schemas.microsoft.com/office/powerpoint/2010/main" id="1" dur="indefinite" restart="never" nodeType="tmRoot">
+        <p:cTn id="1" dur="indefinite" restart="never" nodeType="tmRoot">
           <p:childTnLst>
             <p:seq concurrent="1" nextAc="seek">
               <p:cTn id="2" dur="indefinite" nodeType="mainSeq">
@@ -22831,25 +22831,25 @@
     </p:spTree>
     <p:extLst>
       <p:ext uri="{BB962C8B-B14F-4D97-AF65-F5344CB8AC3E}">
-        <p14:creationId xmlns:p14="http://schemas.microsoft.com/office/powerpoint/2010/main" val="462729233"/>
+        <p14:creationId xmlns:p14="http://schemas.microsoft.com/office/powerpoint/2010/main" xmlns="" val="462729233"/>
       </p:ext>
     </p:extLst>
   </p:cSld>
   <p:clrMapOvr>
     <a:masterClrMapping/>
   </p:clrMapOvr>
-  <mc:AlternateContent xmlns:mc="http://schemas.openxmlformats.org/markup-compatibility/2006" xmlns:p14="http://schemas.microsoft.com/office/powerpoint/2010/main">
-    <mc:Choice Requires="p14">
+  <mc:AlternateContent xmlns:mc="http://schemas.openxmlformats.org/markup-compatibility/2006">
+    <mc:Choice xmlns:p14="http://schemas.microsoft.com/office/powerpoint/2010/main" xmlns="" Requires="p14">
       <p:transition spd="slow" p14:dur="2000"/>
     </mc:Choice>
-    <mc:Fallback xmlns="">
+    <mc:Fallback>
       <p:transition spd="slow"/>
     </mc:Fallback>
   </mc:AlternateContent>
   <p:timing>
     <p:tnLst>
       <p:par>
-        <p:cTn xmlns:p14="http://schemas.microsoft.com/office/powerpoint/2010/main" id="1" dur="indefinite" restart="never" nodeType="tmRoot">
+        <p:cTn id="1" dur="indefinite" restart="never" nodeType="tmRoot">
           <p:childTnLst>
             <p:seq concurrent="1" nextAc="seek">
               <p:cTn id="2" dur="indefinite" nodeType="mainSeq">
@@ -23428,7 +23428,7 @@
           <p:nvPr/>
         </p:nvPicPr>
         <p:blipFill>
-          <a:blip r:embed="rId2"/>
+          <a:blip r:embed="rId2" cstate="print"/>
           <a:srcRect/>
           <a:stretch>
             <a:fillRect/>
@@ -23461,25 +23461,25 @@
     </p:spTree>
     <p:extLst>
       <p:ext uri="{BB962C8B-B14F-4D97-AF65-F5344CB8AC3E}">
-        <p14:creationId xmlns:p14="http://schemas.microsoft.com/office/powerpoint/2010/main" val="1717101950"/>
+        <p14:creationId xmlns:p14="http://schemas.microsoft.com/office/powerpoint/2010/main" xmlns="" val="1717101950"/>
       </p:ext>
     </p:extLst>
   </p:cSld>
   <p:clrMapOvr>
     <a:masterClrMapping/>
   </p:clrMapOvr>
-  <mc:AlternateContent xmlns:mc="http://schemas.openxmlformats.org/markup-compatibility/2006" xmlns:p14="http://schemas.microsoft.com/office/powerpoint/2010/main">
-    <mc:Choice Requires="p14">
+  <mc:AlternateContent xmlns:mc="http://schemas.openxmlformats.org/markup-compatibility/2006">
+    <mc:Choice xmlns:p14="http://schemas.microsoft.com/office/powerpoint/2010/main" xmlns="" Requires="p14">
       <p:transition spd="slow" p14:dur="2000"/>
     </mc:Choice>
-    <mc:Fallback xmlns="">
+    <mc:Fallback>
       <p:transition spd="slow"/>
     </mc:Fallback>
   </mc:AlternateContent>
   <p:timing>
     <p:tnLst>
       <p:par>
-        <p:cTn xmlns:p14="http://schemas.microsoft.com/office/powerpoint/2010/main" id="1" dur="indefinite" restart="never" nodeType="tmRoot">
+        <p:cTn id="1" dur="indefinite" restart="never" nodeType="tmRoot">
           <p:childTnLst>
             <p:seq concurrent="1" nextAc="seek">
               <p:cTn id="2" dur="indefinite" nodeType="mainSeq">
@@ -23822,16 +23822,50 @@
           </a:lstStyle>
           <a:p>
             <a:r>
-              <a:rPr lang="it-IT" b="1" dirty="0" err="1" smtClean="0"/>
-              <a:t>ManagerDB</a:t>
-            </a:r>
-            <a:r>
               <a:rPr lang="it-IT" dirty="0" smtClean="0"/>
-              <a:t>: è l'interfaccia che contiene i metodi che si useranno per gestire una qualunque tabella del database. Nel nostro caso vi è un'unica classe(Tabella) che implementa </a:t>
-            </a:r>
-            <a:r>
-              <a:rPr lang="it-IT" i="1" dirty="0" err="1" smtClean="0"/>
-              <a:t>ManagerDB</a:t>
+              <a:t>La </a:t>
+            </a:r>
+            <a:r>
+              <a:rPr lang="it-IT" dirty="0" smtClean="0"/>
+              <a:t>classe </a:t>
+            </a:r>
+            <a:r>
+              <a:rPr lang="it-IT" b="1" dirty="0" smtClean="0"/>
+              <a:t>Database</a:t>
+            </a:r>
+            <a:r>
+              <a:rPr lang="it-IT" dirty="0" smtClean="0"/>
+              <a:t> si occupa di gestire la connessione al database.</a:t>
+            </a:r>
+          </a:p>
+          <a:p>
+            <a:r>
+              <a:rPr lang="it-IT" dirty="0" smtClean="0"/>
+              <a:t>La classe </a:t>
+            </a:r>
+            <a:r>
+              <a:rPr lang="it-IT" b="1" dirty="0" smtClean="0"/>
+              <a:t>Tabella</a:t>
+            </a:r>
+            <a:r>
+              <a:rPr lang="it-IT" dirty="0" smtClean="0"/>
+              <a:t> ha al suo interno un oggetto </a:t>
+            </a:r>
+            <a:r>
+              <a:rPr lang="it-IT" i="1" dirty="0" smtClean="0"/>
+              <a:t>Database</a:t>
+            </a:r>
+            <a:r>
+              <a:rPr lang="it-IT" dirty="0" smtClean="0"/>
+              <a:t> e rappresenta la tabella del </a:t>
+            </a:r>
+            <a:r>
+              <a:rPr lang="it-IT" dirty="0" err="1" smtClean="0"/>
+              <a:t>bean</a:t>
+            </a:r>
+            <a:r>
+              <a:rPr lang="it-IT" dirty="0" smtClean="0"/>
+              <a:t> nel database</a:t>
             </a:r>
             <a:r>
               <a:rPr lang="it-IT" dirty="0" smtClean="0"/>
@@ -23840,72 +23874,49 @@
           </a:p>
           <a:p>
             <a:r>
+              <a:rPr lang="it-IT" b="1" dirty="0" err="1" smtClean="0"/>
+              <a:t>DbBeansInterface</a:t>
+            </a:r>
+            <a:r>
               <a:rPr lang="it-IT" dirty="0" smtClean="0"/>
-              <a:t>La classe </a:t>
-            </a:r>
-            <a:r>
-              <a:rPr lang="it-IT" b="1" dirty="0" smtClean="0"/>
-              <a:t>Database</a:t>
+              <a:t> è una interfaccia in cui sono dichiarati i metodi  che devono essere implementati ai fini di un corretto funzionamento del </a:t>
+            </a:r>
+            <a:r>
+              <a:rPr lang="it-IT" dirty="0" err="1" smtClean="0"/>
+              <a:t>framework</a:t>
             </a:r>
             <a:r>
               <a:rPr lang="it-IT" dirty="0" smtClean="0"/>
-              <a:t> si occupa di gestire la connessione al database.</a:t>
-            </a:r>
-          </a:p>
-          <a:p>
-            <a:r>
-              <a:rPr lang="it-IT" dirty="0" smtClean="0"/>
-              <a:t>La classe </a:t>
-            </a:r>
-            <a:r>
-              <a:rPr lang="it-IT" b="1" dirty="0" smtClean="0"/>
-              <a:t>Tabella</a:t>
-            </a:r>
-            <a:r>
-              <a:rPr lang="it-IT" dirty="0" smtClean="0"/>
-              <a:t> ha al suo interno un oggetto </a:t>
-            </a:r>
-            <a:r>
-              <a:rPr lang="it-IT" i="1" dirty="0" smtClean="0"/>
-              <a:t>Database</a:t>
-            </a:r>
-            <a:r>
-              <a:rPr lang="it-IT" dirty="0" smtClean="0"/>
-              <a:t> e rappresenta la tabella del </a:t>
-            </a:r>
-            <a:r>
-              <a:rPr lang="it-IT" dirty="0" err="1" smtClean="0"/>
-              <a:t>bean</a:t>
-            </a:r>
-            <a:r>
-              <a:rPr lang="it-IT" dirty="0" smtClean="0"/>
-              <a:t> nel database.</a:t>
-            </a:r>
+              <a:t> .</a:t>
+            </a:r>
+          </a:p>
+          <a:p>
+            <a:endParaRPr lang="it-IT" dirty="0" smtClean="0"/>
           </a:p>
         </p:txBody>
       </p:sp>
     </p:spTree>
     <p:extLst>
       <p:ext uri="{BB962C8B-B14F-4D97-AF65-F5344CB8AC3E}">
-        <p14:creationId xmlns:p14="http://schemas.microsoft.com/office/powerpoint/2010/main" val="309719199"/>
+        <p14:creationId xmlns:p14="http://schemas.microsoft.com/office/powerpoint/2010/main" xmlns="" val="309719199"/>
       </p:ext>
     </p:extLst>
   </p:cSld>
   <p:clrMapOvr>
     <a:masterClrMapping/>
   </p:clrMapOvr>
-  <mc:AlternateContent xmlns:mc="http://schemas.openxmlformats.org/markup-compatibility/2006" xmlns:p14="http://schemas.microsoft.com/office/powerpoint/2010/main">
-    <mc:Choice Requires="p14">
+  <mc:AlternateContent xmlns:mc="http://schemas.openxmlformats.org/markup-compatibility/2006">
+    <mc:Choice xmlns:p14="http://schemas.microsoft.com/office/powerpoint/2010/main" xmlns="" Requires="p14">
       <p:transition spd="slow" p14:dur="2000"/>
     </mc:Choice>
-    <mc:Fallback xmlns="">
+    <mc:Fallback>
       <p:transition spd="slow"/>
     </mc:Fallback>
   </mc:AlternateContent>
   <p:timing>
     <p:tnLst>
       <p:par>
-        <p:cTn xmlns:p14="http://schemas.microsoft.com/office/powerpoint/2010/main" id="1" dur="indefinite" restart="never" nodeType="tmRoot">
+        <p:cTn id="1" dur="indefinite" restart="never" nodeType="tmRoot">
           <p:childTnLst>
             <p:seq concurrent="1" nextAc="seek">
               <p:cTn id="2" dur="indefinite" nodeType="mainSeq">
@@ -23914,9 +23925,6 @@
                     <p:cTn id="3" fill="hold">
                       <p:stCondLst>
                         <p:cond delay="indefinite"/>
-                        <p:cond evt="onBegin" delay="0">
-                          <p:tn val="2"/>
-                        </p:cond>
                       </p:stCondLst>
                       <p:childTnLst>
                         <p:par>
@@ -23926,7 +23934,7 @@
                             </p:stCondLst>
                             <p:childTnLst>
                               <p:par>
-                                <p:cTn id="5" presetID="10" presetClass="entr" presetSubtype="0" fill="hold" nodeType="afterEffect">
+                                <p:cTn id="5" presetID="10" presetClass="entr" presetSubtype="0" fill="hold" nodeType="clickEffect">
                                   <p:stCondLst>
                                     <p:cond delay="0"/>
                                   </p:stCondLst>
@@ -24377,29 +24385,15 @@
           <a:p>
             <a:r>
               <a:rPr lang="it-IT" b="1" dirty="0" err="1" smtClean="0"/>
-              <a:t>DbBeansInterface</a:t>
+              <a:t>DbBeans</a:t>
             </a:r>
             <a:r>
               <a:rPr lang="it-IT" dirty="0" smtClean="0"/>
-              <a:t> è una interfaccia in cui sono dichiarati i metodi  che devono essere implementati ai fini di un corretto funzionamento del </a:t>
-            </a:r>
-            <a:r>
-              <a:rPr lang="it-IT" dirty="0" err="1" smtClean="0"/>
-              <a:t>framework</a:t>
+              <a:t> </a:t>
             </a:r>
             <a:r>
               <a:rPr lang="it-IT" dirty="0" smtClean="0"/>
-              <a:t> .</a:t>
-            </a:r>
-          </a:p>
-          <a:p>
-            <a:r>
-              <a:rPr lang="it-IT" b="1" dirty="0" err="1" smtClean="0"/>
-              <a:t>DbBeans</a:t>
-            </a:r>
-            <a:r>
-              <a:rPr lang="it-IT" dirty="0" smtClean="0"/>
-              <a:t> è una classe che implementa metodi per effettuare le operazioni più comuni sul database e contiene un oggetto </a:t>
+              <a:t>è una classe che implementa metodi per effettuare le operazioni più comuni sul database e contiene un oggetto </a:t>
             </a:r>
             <a:r>
               <a:rPr lang="it-IT" i="1" dirty="0" smtClean="0"/>
@@ -24447,25 +24441,25 @@
     </p:spTree>
     <p:extLst>
       <p:ext uri="{BB962C8B-B14F-4D97-AF65-F5344CB8AC3E}">
-        <p14:creationId xmlns:p14="http://schemas.microsoft.com/office/powerpoint/2010/main" val="955904447"/>
+        <p14:creationId xmlns:p14="http://schemas.microsoft.com/office/powerpoint/2010/main" xmlns="" val="955904447"/>
       </p:ext>
     </p:extLst>
   </p:cSld>
   <p:clrMapOvr>
     <a:masterClrMapping/>
   </p:clrMapOvr>
-  <mc:AlternateContent xmlns:mc="http://schemas.openxmlformats.org/markup-compatibility/2006" xmlns:p14="http://schemas.microsoft.com/office/powerpoint/2010/main">
-    <mc:Choice Requires="p14">
+  <mc:AlternateContent xmlns:mc="http://schemas.openxmlformats.org/markup-compatibility/2006">
+    <mc:Choice xmlns:p14="http://schemas.microsoft.com/office/powerpoint/2010/main" xmlns="" Requires="p14">
       <p:transition spd="slow" p14:dur="2000"/>
     </mc:Choice>
-    <mc:Fallback xmlns="">
+    <mc:Fallback>
       <p:transition spd="slow"/>
     </mc:Fallback>
   </mc:AlternateContent>
   <p:timing>
     <p:tnLst>
       <p:par>
-        <p:cTn xmlns:p14="http://schemas.microsoft.com/office/powerpoint/2010/main" id="1" dur="indefinite" restart="never" nodeType="tmRoot">
+        <p:cTn id="1" dur="indefinite" restart="never" nodeType="tmRoot">
           <p:childTnLst>
             <p:seq concurrent="1" nextAc="seek">
               <p:cTn id="2" dur="indefinite" nodeType="mainSeq">
@@ -24474,9 +24468,6 @@
                     <p:cTn id="3" fill="hold">
                       <p:stCondLst>
                         <p:cond delay="indefinite"/>
-                        <p:cond evt="onBegin" delay="0">
-                          <p:tn val="2"/>
-                        </p:cond>
                       </p:stCondLst>
                       <p:childTnLst>
                         <p:par>
@@ -24486,7 +24477,7 @@
                             </p:stCondLst>
                             <p:childTnLst>
                               <p:par>
-                                <p:cTn id="5" presetID="10" presetClass="entr" presetSubtype="0" fill="hold" nodeType="afterEffect">
+                                <p:cTn id="5" presetID="10" presetClass="entr" presetSubtype="0" fill="hold" nodeType="clickEffect">
                                   <p:stCondLst>
                                     <p:cond delay="0"/>
                                   </p:stCondLst>
@@ -24595,67 +24586,6 @@
                       </p:childTnLst>
                     </p:cTn>
                   </p:par>
-                  <p:par>
-                    <p:cTn id="13" fill="hold">
-                      <p:stCondLst>
-                        <p:cond delay="indefinite"/>
-                      </p:stCondLst>
-                      <p:childTnLst>
-                        <p:par>
-                          <p:cTn id="14" fill="hold">
-                            <p:stCondLst>
-                              <p:cond delay="0"/>
-                            </p:stCondLst>
-                            <p:childTnLst>
-                              <p:par>
-                                <p:cTn id="15" presetID="10" presetClass="entr" presetSubtype="0" fill="hold" nodeType="clickEffect">
-                                  <p:stCondLst>
-                                    <p:cond delay="0"/>
-                                  </p:stCondLst>
-                                  <p:childTnLst>
-                                    <p:set>
-                                      <p:cBhvr>
-                                        <p:cTn id="16" dur="1" fill="hold">
-                                          <p:stCondLst>
-                                            <p:cond delay="0"/>
-                                          </p:stCondLst>
-                                        </p:cTn>
-                                        <p:tgtEl>
-                                          <p:spTgt spid="10">
-                                            <p:txEl>
-                                              <p:pRg st="2" end="2"/>
-                                            </p:txEl>
-                                          </p:spTgt>
-                                        </p:tgtEl>
-                                        <p:attrNameLst>
-                                          <p:attrName>style.visibility</p:attrName>
-                                        </p:attrNameLst>
-                                      </p:cBhvr>
-                                      <p:to>
-                                        <p:strVal val="visible"/>
-                                      </p:to>
-                                    </p:set>
-                                    <p:animEffect transition="in" filter="fade">
-                                      <p:cBhvr>
-                                        <p:cTn id="17" dur="1000"/>
-                                        <p:tgtEl>
-                                          <p:spTgt spid="10">
-                                            <p:txEl>
-                                              <p:pRg st="2" end="2"/>
-                                            </p:txEl>
-                                          </p:spTgt>
-                                        </p:tgtEl>
-                                      </p:cBhvr>
-                                    </p:animEffect>
-                                  </p:childTnLst>
-                                </p:cTn>
-                              </p:par>
-                            </p:childTnLst>
-                          </p:cTn>
-                        </p:par>
-                      </p:childTnLst>
-                    </p:cTn>
-                  </p:par>
                 </p:childTnLst>
               </p:cTn>
               <p:prevCondLst>
@@ -25068,25 +24998,25 @@
     </p:spTree>
     <p:extLst>
       <p:ext uri="{BB962C8B-B14F-4D97-AF65-F5344CB8AC3E}">
-        <p14:creationId xmlns:p14="http://schemas.microsoft.com/office/powerpoint/2010/main" val="1140837011"/>
+        <p14:creationId xmlns:p14="http://schemas.microsoft.com/office/powerpoint/2010/main" xmlns="" val="1140837011"/>
       </p:ext>
     </p:extLst>
   </p:cSld>
   <p:clrMapOvr>
     <a:masterClrMapping/>
   </p:clrMapOvr>
-  <mc:AlternateContent xmlns:mc="http://schemas.openxmlformats.org/markup-compatibility/2006" xmlns:p14="http://schemas.microsoft.com/office/powerpoint/2010/main">
-    <mc:Choice Requires="p14">
+  <mc:AlternateContent xmlns:mc="http://schemas.openxmlformats.org/markup-compatibility/2006">
+    <mc:Choice xmlns:p14="http://schemas.microsoft.com/office/powerpoint/2010/main" xmlns="" Requires="p14">
       <p:transition spd="slow" p14:dur="2000"/>
     </mc:Choice>
-    <mc:Fallback xmlns="">
+    <mc:Fallback>
       <p:transition spd="slow"/>
     </mc:Fallback>
   </mc:AlternateContent>
   <p:timing>
     <p:tnLst>
       <p:par>
-        <p:cTn xmlns:p14="http://schemas.microsoft.com/office/powerpoint/2010/main" id="1" dur="indefinite" restart="never" nodeType="tmRoot">
+        <p:cTn id="1" dur="indefinite" restart="never" nodeType="tmRoot">
           <p:childTnLst>
             <p:seq concurrent="1" nextAc="seek">
               <p:cTn id="2" dur="indefinite" nodeType="mainSeq">
@@ -25660,25 +25590,25 @@
     </p:spTree>
     <p:extLst>
       <p:ext uri="{BB962C8B-B14F-4D97-AF65-F5344CB8AC3E}">
-        <p14:creationId xmlns:p14="http://schemas.microsoft.com/office/powerpoint/2010/main" val="247747513"/>
+        <p14:creationId xmlns:p14="http://schemas.microsoft.com/office/powerpoint/2010/main" xmlns="" val="247747513"/>
       </p:ext>
     </p:extLst>
   </p:cSld>
   <p:clrMapOvr>
     <a:masterClrMapping/>
   </p:clrMapOvr>
-  <mc:AlternateContent xmlns:mc="http://schemas.openxmlformats.org/markup-compatibility/2006" xmlns:p14="http://schemas.microsoft.com/office/powerpoint/2010/main">
-    <mc:Choice Requires="p14">
+  <mc:AlternateContent xmlns:mc="http://schemas.openxmlformats.org/markup-compatibility/2006">
+    <mc:Choice xmlns:p14="http://schemas.microsoft.com/office/powerpoint/2010/main" xmlns="" Requires="p14">
       <p:transition spd="slow" p14:dur="2000"/>
     </mc:Choice>
-    <mc:Fallback xmlns="">
+    <mc:Fallback>
       <p:transition spd="slow"/>
     </mc:Fallback>
   </mc:AlternateContent>
   <p:timing>
     <p:tnLst>
       <p:par>
-        <p:cTn xmlns:p14="http://schemas.microsoft.com/office/powerpoint/2010/main" id="1" dur="indefinite" restart="never" nodeType="tmRoot">
+        <p:cTn id="1" dur="indefinite" restart="never" nodeType="tmRoot">
           <p:childTnLst>
             <p:seq concurrent="1" nextAc="seek">
               <p:cTn id="2" dur="indefinite" nodeType="mainSeq">
@@ -26358,25 +26288,25 @@
     </p:spTree>
     <p:extLst>
       <p:ext uri="{BB962C8B-B14F-4D97-AF65-F5344CB8AC3E}">
-        <p14:creationId xmlns:p14="http://schemas.microsoft.com/office/powerpoint/2010/main" val="1776831606"/>
+        <p14:creationId xmlns:p14="http://schemas.microsoft.com/office/powerpoint/2010/main" xmlns="" val="1776831606"/>
       </p:ext>
     </p:extLst>
   </p:cSld>
   <p:clrMapOvr>
     <a:masterClrMapping/>
   </p:clrMapOvr>
-  <mc:AlternateContent xmlns:mc="http://schemas.openxmlformats.org/markup-compatibility/2006" xmlns:p14="http://schemas.microsoft.com/office/powerpoint/2010/main">
-    <mc:Choice Requires="p14">
+  <mc:AlternateContent xmlns:mc="http://schemas.openxmlformats.org/markup-compatibility/2006">
+    <mc:Choice xmlns:p14="http://schemas.microsoft.com/office/powerpoint/2010/main" xmlns="" Requires="p14">
       <p:transition spd="slow" p14:dur="2000"/>
     </mc:Choice>
-    <mc:Fallback xmlns="">
+    <mc:Fallback>
       <p:transition spd="slow"/>
     </mc:Fallback>
   </mc:AlternateContent>
   <p:timing>
     <p:tnLst>
       <p:par>
-        <p:cTn xmlns:p14="http://schemas.microsoft.com/office/powerpoint/2010/main" id="1" dur="indefinite" restart="never" nodeType="tmRoot">
+        <p:cTn id="1" dur="indefinite" restart="never" nodeType="tmRoot">
           <p:childTnLst>
             <p:seq concurrent="1" nextAc="seek">
               <p:cTn id="2" dur="indefinite" nodeType="mainSeq">
@@ -27021,25 +26951,25 @@
     </p:spTree>
     <p:extLst>
       <p:ext uri="{BB962C8B-B14F-4D97-AF65-F5344CB8AC3E}">
-        <p14:creationId xmlns:p14="http://schemas.microsoft.com/office/powerpoint/2010/main" val="396334508"/>
+        <p14:creationId xmlns:p14="http://schemas.microsoft.com/office/powerpoint/2010/main" xmlns="" val="396334508"/>
       </p:ext>
     </p:extLst>
   </p:cSld>
   <p:clrMapOvr>
     <a:masterClrMapping/>
   </p:clrMapOvr>
-  <mc:AlternateContent xmlns:mc="http://schemas.openxmlformats.org/markup-compatibility/2006" xmlns:p14="http://schemas.microsoft.com/office/powerpoint/2010/main">
-    <mc:Choice Requires="p14">
+  <mc:AlternateContent xmlns:mc="http://schemas.openxmlformats.org/markup-compatibility/2006">
+    <mc:Choice xmlns:p14="http://schemas.microsoft.com/office/powerpoint/2010/main" xmlns="" Requires="p14">
       <p:transition spd="slow" p14:dur="2000"/>
     </mc:Choice>
-    <mc:Fallback xmlns="">
+    <mc:Fallback>
       <p:transition spd="slow"/>
     </mc:Fallback>
   </mc:AlternateContent>
   <p:timing>
     <p:tnLst>
       <p:par>
-        <p:cTn xmlns:p14="http://schemas.microsoft.com/office/powerpoint/2010/main" id="1" dur="indefinite" restart="never" nodeType="tmRoot"/>
+        <p:cTn id="1" dur="indefinite" restart="never" nodeType="tmRoot"/>
       </p:par>
     </p:tnLst>
   </p:timing>
@@ -27072,10 +27002,10 @@
           <p:nvPr/>
         </p:nvPicPr>
         <p:blipFill>
-          <a:blip r:embed="rId2">
+          <a:blip r:embed="rId2" cstate="print">
             <a:extLst>
               <a:ext uri="{28A0092B-C50C-407E-A947-70E740481C1C}">
-                <a14:useLocalDpi xmlns:a14="http://schemas.microsoft.com/office/drawing/2010/main" val="0"/>
+                <a14:useLocalDpi xmlns:a14="http://schemas.microsoft.com/office/drawing/2010/main" xmlns="" val="0"/>
               </a:ext>
             </a:extLst>
           </a:blip>
@@ -27095,7 +27025,7 @@
           <a:noFill/>
           <a:extLst>
             <a:ext uri="{909E8E84-426E-40dd-AFC4-6F175D3DCCD1}">
-              <a14:hiddenFill xmlns:a14="http://schemas.microsoft.com/office/drawing/2010/main">
+              <a14:hiddenFill xmlns:a14="http://schemas.microsoft.com/office/drawing/2010/main" xmlns="">
                 <a:solidFill>
                   <a:srgbClr val="FFFFFF"/>
                 </a:solidFill>
@@ -27178,25 +27108,25 @@
     </p:spTree>
     <p:extLst>
       <p:ext uri="{BB962C8B-B14F-4D97-AF65-F5344CB8AC3E}">
-        <p14:creationId xmlns:p14="http://schemas.microsoft.com/office/powerpoint/2010/main" val="2717568001"/>
+        <p14:creationId xmlns:p14="http://schemas.microsoft.com/office/powerpoint/2010/main" xmlns="" val="2717568001"/>
       </p:ext>
     </p:extLst>
   </p:cSld>
   <p:clrMapOvr>
     <a:masterClrMapping/>
   </p:clrMapOvr>
-  <mc:AlternateContent xmlns:mc="http://schemas.openxmlformats.org/markup-compatibility/2006" xmlns:p14="http://schemas.microsoft.com/office/powerpoint/2010/main">
-    <mc:Choice Requires="p14">
+  <mc:AlternateContent xmlns:mc="http://schemas.openxmlformats.org/markup-compatibility/2006">
+    <mc:Choice xmlns:p14="http://schemas.microsoft.com/office/powerpoint/2010/main" xmlns="" Requires="p14">
       <p:transition spd="slow" p14:dur="2000"/>
     </mc:Choice>
-    <mc:Fallback xmlns="">
+    <mc:Fallback>
       <p:transition spd="slow"/>
     </mc:Fallback>
   </mc:AlternateContent>
   <p:timing>
     <p:tnLst>
       <p:par>
-        <p:cTn xmlns:p14="http://schemas.microsoft.com/office/powerpoint/2010/main" id="1" dur="indefinite" restart="never" nodeType="tmRoot"/>
+        <p:cTn id="1" dur="indefinite" restart="never" nodeType="tmRoot"/>
       </p:par>
     </p:tnLst>
   </p:timing>
@@ -27481,25 +27411,25 @@
     </p:spTree>
     <p:extLst>
       <p:ext uri="{BB962C8B-B14F-4D97-AF65-F5344CB8AC3E}">
-        <p14:creationId xmlns:p14="http://schemas.microsoft.com/office/powerpoint/2010/main" val="3266999169"/>
+        <p14:creationId xmlns:p14="http://schemas.microsoft.com/office/powerpoint/2010/main" xmlns="" val="3266999169"/>
       </p:ext>
     </p:extLst>
   </p:cSld>
   <p:clrMapOvr>
     <a:masterClrMapping/>
   </p:clrMapOvr>
-  <mc:AlternateContent xmlns:mc="http://schemas.openxmlformats.org/markup-compatibility/2006" xmlns:p14="http://schemas.microsoft.com/office/powerpoint/2010/main">
-    <mc:Choice Requires="p14">
+  <mc:AlternateContent xmlns:mc="http://schemas.openxmlformats.org/markup-compatibility/2006">
+    <mc:Choice xmlns:p14="http://schemas.microsoft.com/office/powerpoint/2010/main" xmlns="" Requires="p14">
       <p:transition spd="slow" p14:dur="2000"/>
     </mc:Choice>
-    <mc:Fallback xmlns="">
+    <mc:Fallback>
       <p:transition spd="slow"/>
     </mc:Fallback>
   </mc:AlternateContent>
   <p:timing>
     <p:tnLst>
       <p:par>
-        <p:cTn xmlns:p14="http://schemas.microsoft.com/office/powerpoint/2010/main" id="1" dur="indefinite" restart="never" nodeType="tmRoot"/>
+        <p:cTn id="1" dur="indefinite" restart="never" nodeType="tmRoot"/>
       </p:par>
     </p:tnLst>
   </p:timing>
@@ -27834,25 +27764,25 @@
     </p:spTree>
     <p:extLst>
       <p:ext uri="{BB962C8B-B14F-4D97-AF65-F5344CB8AC3E}">
-        <p14:creationId xmlns:p14="http://schemas.microsoft.com/office/powerpoint/2010/main" val="1737882227"/>
+        <p14:creationId xmlns:p14="http://schemas.microsoft.com/office/powerpoint/2010/main" xmlns="" val="1737882227"/>
       </p:ext>
     </p:extLst>
   </p:cSld>
   <p:clrMapOvr>
     <a:masterClrMapping/>
   </p:clrMapOvr>
-  <mc:AlternateContent xmlns:mc="http://schemas.openxmlformats.org/markup-compatibility/2006" xmlns:p14="http://schemas.microsoft.com/office/powerpoint/2010/main">
-    <mc:Choice Requires="p14">
+  <mc:AlternateContent xmlns:mc="http://schemas.openxmlformats.org/markup-compatibility/2006">
+    <mc:Choice xmlns:p14="http://schemas.microsoft.com/office/powerpoint/2010/main" xmlns="" Requires="p14">
       <p:transition spd="slow" p14:dur="2000"/>
     </mc:Choice>
-    <mc:Fallback xmlns="">
+    <mc:Fallback>
       <p:transition spd="slow"/>
     </mc:Fallback>
   </mc:AlternateContent>
   <p:timing>
     <p:tnLst>
       <p:par>
-        <p:cTn xmlns:p14="http://schemas.microsoft.com/office/powerpoint/2010/main" id="1" dur="indefinite" restart="never" nodeType="tmRoot"/>
+        <p:cTn id="1" dur="indefinite" restart="never" nodeType="tmRoot"/>
       </p:par>
     </p:tnLst>
   </p:timing>
@@ -28200,25 +28130,25 @@
     </p:spTree>
     <p:extLst>
       <p:ext uri="{BB962C8B-B14F-4D97-AF65-F5344CB8AC3E}">
-        <p14:creationId xmlns:p14="http://schemas.microsoft.com/office/powerpoint/2010/main" val="3034068148"/>
+        <p14:creationId xmlns:p14="http://schemas.microsoft.com/office/powerpoint/2010/main" xmlns="" val="3034068148"/>
       </p:ext>
     </p:extLst>
   </p:cSld>
   <p:clrMapOvr>
     <a:masterClrMapping/>
   </p:clrMapOvr>
-  <mc:AlternateContent xmlns:mc="http://schemas.openxmlformats.org/markup-compatibility/2006" xmlns:p14="http://schemas.microsoft.com/office/powerpoint/2010/main">
-    <mc:Choice Requires="p14">
+  <mc:AlternateContent xmlns:mc="http://schemas.openxmlformats.org/markup-compatibility/2006">
+    <mc:Choice xmlns:p14="http://schemas.microsoft.com/office/powerpoint/2010/main" xmlns="" Requires="p14">
       <p:transition spd="slow" p14:dur="2000"/>
     </mc:Choice>
-    <mc:Fallback xmlns="">
+    <mc:Fallback>
       <p:transition spd="slow"/>
     </mc:Fallback>
   </mc:AlternateContent>
   <p:timing>
     <p:tnLst>
       <p:par>
-        <p:cTn xmlns:p14="http://schemas.microsoft.com/office/powerpoint/2010/main" id="1" dur="indefinite" restart="never" nodeType="tmRoot"/>
+        <p:cTn id="1" dur="indefinite" restart="never" nodeType="tmRoot"/>
       </p:par>
     </p:tnLst>
   </p:timing>
@@ -28538,25 +28468,25 @@
     </p:spTree>
     <p:extLst>
       <p:ext uri="{BB962C8B-B14F-4D97-AF65-F5344CB8AC3E}">
-        <p14:creationId xmlns:p14="http://schemas.microsoft.com/office/powerpoint/2010/main" val="3646886653"/>
+        <p14:creationId xmlns:p14="http://schemas.microsoft.com/office/powerpoint/2010/main" xmlns="" val="3646886653"/>
       </p:ext>
     </p:extLst>
   </p:cSld>
   <p:clrMapOvr>
     <a:masterClrMapping/>
   </p:clrMapOvr>
-  <mc:AlternateContent xmlns:mc="http://schemas.openxmlformats.org/markup-compatibility/2006" xmlns:p14="http://schemas.microsoft.com/office/powerpoint/2010/main">
-    <mc:Choice Requires="p14">
+  <mc:AlternateContent xmlns:mc="http://schemas.openxmlformats.org/markup-compatibility/2006">
+    <mc:Choice xmlns:p14="http://schemas.microsoft.com/office/powerpoint/2010/main" xmlns="" Requires="p14">
       <p:transition spd="slow" p14:dur="2000"/>
     </mc:Choice>
-    <mc:Fallback xmlns="">
+    <mc:Fallback>
       <p:transition spd="slow"/>
     </mc:Fallback>
   </mc:AlternateContent>
   <p:timing>
     <p:tnLst>
       <p:par>
-        <p:cTn xmlns:p14="http://schemas.microsoft.com/office/powerpoint/2010/main" id="1" dur="indefinite" restart="never" nodeType="tmRoot"/>
+        <p:cTn id="1" dur="indefinite" restart="never" nodeType="tmRoot"/>
       </p:par>
     </p:tnLst>
   </p:timing>
@@ -28609,9 +28539,6 @@
               </a:rPr>
               <a:t>Application</a:t>
             </a:r>
-            <a:endParaRPr lang="it-IT" sz="4800" b="1" dirty="0" smtClean="0">
-              <a:latin typeface="+mj-lt"/>
-            </a:endParaRPr>
           </a:p>
           <a:p>
             <a:pPr algn="ctr"/>
@@ -28924,25 +28851,25 @@
     </p:spTree>
     <p:extLst>
       <p:ext uri="{BB962C8B-B14F-4D97-AF65-F5344CB8AC3E}">
-        <p14:creationId xmlns:p14="http://schemas.microsoft.com/office/powerpoint/2010/main" val="520298717"/>
+        <p14:creationId xmlns:p14="http://schemas.microsoft.com/office/powerpoint/2010/main" xmlns="" val="520298717"/>
       </p:ext>
     </p:extLst>
   </p:cSld>
   <p:clrMapOvr>
     <a:masterClrMapping/>
   </p:clrMapOvr>
-  <mc:AlternateContent xmlns:mc="http://schemas.openxmlformats.org/markup-compatibility/2006" xmlns:p14="http://schemas.microsoft.com/office/powerpoint/2010/main">
-    <mc:Choice Requires="p14">
+  <mc:AlternateContent xmlns:mc="http://schemas.openxmlformats.org/markup-compatibility/2006">
+    <mc:Choice xmlns:p14="http://schemas.microsoft.com/office/powerpoint/2010/main" xmlns="" Requires="p14">
       <p:transition spd="slow" p14:dur="2000"/>
     </mc:Choice>
-    <mc:Fallback xmlns="">
+    <mc:Fallback>
       <p:transition spd="slow"/>
     </mc:Fallback>
   </mc:AlternateContent>
   <p:timing>
     <p:tnLst>
       <p:par>
-        <p:cTn xmlns:p14="http://schemas.microsoft.com/office/powerpoint/2010/main" id="1" dur="indefinite" restart="never" nodeType="tmRoot"/>
+        <p:cTn id="1" dur="indefinite" restart="never" nodeType="tmRoot"/>
       </p:par>
     </p:tnLst>
   </p:timing>
@@ -29234,25 +29161,25 @@
     </p:spTree>
     <p:extLst>
       <p:ext uri="{BB962C8B-B14F-4D97-AF65-F5344CB8AC3E}">
-        <p14:creationId xmlns:p14="http://schemas.microsoft.com/office/powerpoint/2010/main" val="2203748189"/>
+        <p14:creationId xmlns:p14="http://schemas.microsoft.com/office/powerpoint/2010/main" xmlns="" val="2203748189"/>
       </p:ext>
     </p:extLst>
   </p:cSld>
   <p:clrMapOvr>
     <a:masterClrMapping/>
   </p:clrMapOvr>
-  <mc:AlternateContent xmlns:mc="http://schemas.openxmlformats.org/markup-compatibility/2006" xmlns:p14="http://schemas.microsoft.com/office/powerpoint/2010/main">
-    <mc:Choice Requires="p14">
+  <mc:AlternateContent xmlns:mc="http://schemas.openxmlformats.org/markup-compatibility/2006">
+    <mc:Choice xmlns:p14="http://schemas.microsoft.com/office/powerpoint/2010/main" xmlns="" Requires="p14">
       <p:transition spd="slow" p14:dur="2000"/>
     </mc:Choice>
-    <mc:Fallback xmlns="">
+    <mc:Fallback>
       <p:transition spd="slow"/>
     </mc:Fallback>
   </mc:AlternateContent>
   <p:timing>
     <p:tnLst>
       <p:par>
-        <p:cTn xmlns:p14="http://schemas.microsoft.com/office/powerpoint/2010/main" id="1" dur="indefinite" restart="never" nodeType="tmRoot"/>
+        <p:cTn id="1" dur="indefinite" restart="never" nodeType="tmRoot"/>
       </p:par>
     </p:tnLst>
   </p:timing>
@@ -29305,9 +29232,6 @@
               </a:rPr>
               <a:t>Application</a:t>
             </a:r>
-            <a:endParaRPr lang="it-IT" sz="4800" b="1" dirty="0" smtClean="0">
-              <a:latin typeface="+mj-lt"/>
-            </a:endParaRPr>
           </a:p>
           <a:p>
             <a:pPr algn="ctr"/>
@@ -29568,25 +29492,25 @@
     </p:spTree>
     <p:extLst>
       <p:ext uri="{BB962C8B-B14F-4D97-AF65-F5344CB8AC3E}">
-        <p14:creationId xmlns:p14="http://schemas.microsoft.com/office/powerpoint/2010/main" val="1130254901"/>
+        <p14:creationId xmlns:p14="http://schemas.microsoft.com/office/powerpoint/2010/main" xmlns="" val="1130254901"/>
       </p:ext>
     </p:extLst>
   </p:cSld>
   <p:clrMapOvr>
     <a:masterClrMapping/>
   </p:clrMapOvr>
-  <mc:AlternateContent xmlns:mc="http://schemas.openxmlformats.org/markup-compatibility/2006" xmlns:p14="http://schemas.microsoft.com/office/powerpoint/2010/main">
-    <mc:Choice Requires="p14">
+  <mc:AlternateContent xmlns:mc="http://schemas.openxmlformats.org/markup-compatibility/2006">
+    <mc:Choice xmlns:p14="http://schemas.microsoft.com/office/powerpoint/2010/main" xmlns="" Requires="p14">
       <p:transition spd="slow" p14:dur="2000"/>
     </mc:Choice>
-    <mc:Fallback xmlns="">
+    <mc:Fallback>
       <p:transition spd="slow"/>
     </mc:Fallback>
   </mc:AlternateContent>
   <p:timing>
     <p:tnLst>
       <p:par>
-        <p:cTn xmlns:p14="http://schemas.microsoft.com/office/powerpoint/2010/main" id="1" dur="indefinite" restart="never" nodeType="tmRoot"/>
+        <p:cTn id="1" dur="indefinite" restart="never" nodeType="tmRoot"/>
       </p:par>
     </p:tnLst>
   </p:timing>
@@ -29914,25 +29838,25 @@
     </p:spTree>
     <p:extLst>
       <p:ext uri="{BB962C8B-B14F-4D97-AF65-F5344CB8AC3E}">
-        <p14:creationId xmlns:p14="http://schemas.microsoft.com/office/powerpoint/2010/main" val="3734576715"/>
+        <p14:creationId xmlns:p14="http://schemas.microsoft.com/office/powerpoint/2010/main" xmlns="" val="3734576715"/>
       </p:ext>
     </p:extLst>
   </p:cSld>
   <p:clrMapOvr>
     <a:masterClrMapping/>
   </p:clrMapOvr>
-  <mc:AlternateContent xmlns:mc="http://schemas.openxmlformats.org/markup-compatibility/2006" xmlns:p14="http://schemas.microsoft.com/office/powerpoint/2010/main">
-    <mc:Choice Requires="p14">
+  <mc:AlternateContent xmlns:mc="http://schemas.openxmlformats.org/markup-compatibility/2006">
+    <mc:Choice xmlns:p14="http://schemas.microsoft.com/office/powerpoint/2010/main" xmlns="" Requires="p14">
       <p:transition spd="slow" p14:dur="2000"/>
     </mc:Choice>
-    <mc:Fallback xmlns="">
+    <mc:Fallback>
       <p:transition spd="slow"/>
     </mc:Fallback>
   </mc:AlternateContent>
   <p:timing>
     <p:tnLst>
       <p:par>
-        <p:cTn xmlns:p14="http://schemas.microsoft.com/office/powerpoint/2010/main" id="1" dur="indefinite" restart="never" nodeType="tmRoot"/>
+        <p:cTn id="1" dur="indefinite" restart="never" nodeType="tmRoot"/>
       </p:par>
     </p:tnLst>
   </p:timing>
@@ -30227,25 +30151,25 @@
     </p:spTree>
     <p:extLst>
       <p:ext uri="{BB962C8B-B14F-4D97-AF65-F5344CB8AC3E}">
-        <p14:creationId xmlns:p14="http://schemas.microsoft.com/office/powerpoint/2010/main" val="2632131054"/>
+        <p14:creationId xmlns:p14="http://schemas.microsoft.com/office/powerpoint/2010/main" xmlns="" val="2632131054"/>
       </p:ext>
     </p:extLst>
   </p:cSld>
   <p:clrMapOvr>
     <a:masterClrMapping/>
   </p:clrMapOvr>
-  <mc:AlternateContent xmlns:mc="http://schemas.openxmlformats.org/markup-compatibility/2006" xmlns:p14="http://schemas.microsoft.com/office/powerpoint/2010/main">
-    <mc:Choice Requires="p14">
+  <mc:AlternateContent xmlns:mc="http://schemas.openxmlformats.org/markup-compatibility/2006">
+    <mc:Choice xmlns:p14="http://schemas.microsoft.com/office/powerpoint/2010/main" xmlns="" Requires="p14">
       <p:transition spd="slow" p14:dur="2000"/>
     </mc:Choice>
-    <mc:Fallback xmlns="">
+    <mc:Fallback>
       <p:transition spd="slow"/>
     </mc:Fallback>
   </mc:AlternateContent>
   <p:timing>
     <p:tnLst>
       <p:par>
-        <p:cTn xmlns:p14="http://schemas.microsoft.com/office/powerpoint/2010/main" id="1" dur="indefinite" restart="never" nodeType="tmRoot"/>
+        <p:cTn id="1" dur="indefinite" restart="never" nodeType="tmRoot"/>
       </p:par>
     </p:tnLst>
   </p:timing>
@@ -30596,25 +30520,25 @@
     </p:spTree>
     <p:extLst>
       <p:ext uri="{BB962C8B-B14F-4D97-AF65-F5344CB8AC3E}">
-        <p14:creationId xmlns:p14="http://schemas.microsoft.com/office/powerpoint/2010/main" val="3678400164"/>
+        <p14:creationId xmlns:p14="http://schemas.microsoft.com/office/powerpoint/2010/main" xmlns="" val="3678400164"/>
       </p:ext>
     </p:extLst>
   </p:cSld>
   <p:clrMapOvr>
     <a:masterClrMapping/>
   </p:clrMapOvr>
-  <mc:AlternateContent xmlns:mc="http://schemas.openxmlformats.org/markup-compatibility/2006" xmlns:p14="http://schemas.microsoft.com/office/powerpoint/2010/main">
-    <mc:Choice Requires="p14">
+  <mc:AlternateContent xmlns:mc="http://schemas.openxmlformats.org/markup-compatibility/2006">
+    <mc:Choice xmlns:p14="http://schemas.microsoft.com/office/powerpoint/2010/main" xmlns="" Requires="p14">
       <p:transition spd="slow" p14:dur="2000"/>
     </mc:Choice>
-    <mc:Fallback xmlns="">
+    <mc:Fallback>
       <p:transition spd="slow"/>
     </mc:Fallback>
   </mc:AlternateContent>
   <p:timing>
     <p:tnLst>
       <p:par>
-        <p:cTn xmlns:p14="http://schemas.microsoft.com/office/powerpoint/2010/main" id="1" dur="indefinite" restart="never" nodeType="tmRoot"/>
+        <p:cTn id="1" dur="indefinite" restart="never" nodeType="tmRoot"/>
       </p:par>
     </p:tnLst>
   </p:timing>
@@ -30925,25 +30849,25 @@
     </p:spTree>
     <p:extLst>
       <p:ext uri="{BB962C8B-B14F-4D97-AF65-F5344CB8AC3E}">
-        <p14:creationId xmlns:p14="http://schemas.microsoft.com/office/powerpoint/2010/main" val="2983282113"/>
+        <p14:creationId xmlns:p14="http://schemas.microsoft.com/office/powerpoint/2010/main" xmlns="" val="2983282113"/>
       </p:ext>
     </p:extLst>
   </p:cSld>
   <p:clrMapOvr>
     <a:masterClrMapping/>
   </p:clrMapOvr>
-  <mc:AlternateContent xmlns:mc="http://schemas.openxmlformats.org/markup-compatibility/2006" xmlns:p14="http://schemas.microsoft.com/office/powerpoint/2010/main">
-    <mc:Choice Requires="p14">
+  <mc:AlternateContent xmlns:mc="http://schemas.openxmlformats.org/markup-compatibility/2006">
+    <mc:Choice xmlns:p14="http://schemas.microsoft.com/office/powerpoint/2010/main" xmlns="" Requires="p14">
       <p:transition spd="slow" p14:dur="2000"/>
     </mc:Choice>
-    <mc:Fallback xmlns="">
+    <mc:Fallback>
       <p:transition spd="slow"/>
     </mc:Fallback>
   </mc:AlternateContent>
   <p:timing>
     <p:tnLst>
       <p:par>
-        <p:cTn xmlns:p14="http://schemas.microsoft.com/office/powerpoint/2010/main" id="1" dur="indefinite" restart="never" nodeType="tmRoot"/>
+        <p:cTn id="1" dur="indefinite" restart="never" nodeType="tmRoot"/>
       </p:par>
     </p:tnLst>
   </p:timing>
@@ -31300,25 +31224,25 @@
     </p:spTree>
     <p:extLst>
       <p:ext uri="{BB962C8B-B14F-4D97-AF65-F5344CB8AC3E}">
-        <p14:creationId xmlns:p14="http://schemas.microsoft.com/office/powerpoint/2010/main" val="4266361740"/>
+        <p14:creationId xmlns:p14="http://schemas.microsoft.com/office/powerpoint/2010/main" xmlns="" val="4266361740"/>
       </p:ext>
     </p:extLst>
   </p:cSld>
   <p:clrMapOvr>
     <a:masterClrMapping/>
   </p:clrMapOvr>
-  <mc:AlternateContent xmlns:mc="http://schemas.openxmlformats.org/markup-compatibility/2006" xmlns:p14="http://schemas.microsoft.com/office/powerpoint/2010/main">
-    <mc:Choice Requires="p14">
+  <mc:AlternateContent xmlns:mc="http://schemas.openxmlformats.org/markup-compatibility/2006">
+    <mc:Choice xmlns:p14="http://schemas.microsoft.com/office/powerpoint/2010/main" xmlns="" Requires="p14">
       <p:transition spd="slow" p14:dur="2000"/>
     </mc:Choice>
-    <mc:Fallback xmlns="">
+    <mc:Fallback>
       <p:transition spd="slow"/>
     </mc:Fallback>
   </mc:AlternateContent>
   <p:timing>
     <p:tnLst>
       <p:par>
-        <p:cTn xmlns:p14="http://schemas.microsoft.com/office/powerpoint/2010/main" id="1" dur="indefinite" restart="never" nodeType="tmRoot"/>
+        <p:cTn id="1" dur="indefinite" restart="never" nodeType="tmRoot"/>
       </p:par>
     </p:tnLst>
   </p:timing>
@@ -31638,25 +31562,25 @@
     </p:spTree>
     <p:extLst>
       <p:ext uri="{BB962C8B-B14F-4D97-AF65-F5344CB8AC3E}">
-        <p14:creationId xmlns:p14="http://schemas.microsoft.com/office/powerpoint/2010/main" val="3326293041"/>
+        <p14:creationId xmlns:p14="http://schemas.microsoft.com/office/powerpoint/2010/main" xmlns="" val="3326293041"/>
       </p:ext>
     </p:extLst>
   </p:cSld>
   <p:clrMapOvr>
     <a:masterClrMapping/>
   </p:clrMapOvr>
-  <mc:AlternateContent xmlns:mc="http://schemas.openxmlformats.org/markup-compatibility/2006" xmlns:p14="http://schemas.microsoft.com/office/powerpoint/2010/main">
-    <mc:Choice Requires="p14">
+  <mc:AlternateContent xmlns:mc="http://schemas.openxmlformats.org/markup-compatibility/2006">
+    <mc:Choice xmlns:p14="http://schemas.microsoft.com/office/powerpoint/2010/main" xmlns="" Requires="p14">
       <p:transition spd="slow" p14:dur="2000"/>
     </mc:Choice>
-    <mc:Fallback xmlns="">
+    <mc:Fallback>
       <p:transition spd="slow"/>
     </mc:Fallback>
   </mc:AlternateContent>
   <p:timing>
     <p:tnLst>
       <p:par>
-        <p:cTn xmlns:p14="http://schemas.microsoft.com/office/powerpoint/2010/main" id="1" dur="indefinite" restart="never" nodeType="tmRoot"/>
+        <p:cTn id="1" dur="indefinite" restart="never" nodeType="tmRoot"/>
       </p:par>
     </p:tnLst>
   </p:timing>
@@ -31984,25 +31908,25 @@
     </p:spTree>
     <p:extLst>
       <p:ext uri="{BB962C8B-B14F-4D97-AF65-F5344CB8AC3E}">
-        <p14:creationId xmlns:p14="http://schemas.microsoft.com/office/powerpoint/2010/main" val="3052723909"/>
+        <p14:creationId xmlns:p14="http://schemas.microsoft.com/office/powerpoint/2010/main" xmlns="" val="3052723909"/>
       </p:ext>
     </p:extLst>
   </p:cSld>
   <p:clrMapOvr>
     <a:masterClrMapping/>
   </p:clrMapOvr>
-  <mc:AlternateContent xmlns:mc="http://schemas.openxmlformats.org/markup-compatibility/2006" xmlns:p14="http://schemas.microsoft.com/office/powerpoint/2010/main">
-    <mc:Choice Requires="p14">
+  <mc:AlternateContent xmlns:mc="http://schemas.openxmlformats.org/markup-compatibility/2006">
+    <mc:Choice xmlns:p14="http://schemas.microsoft.com/office/powerpoint/2010/main" xmlns="" Requires="p14">
       <p:transition spd="slow" p14:dur="2000"/>
     </mc:Choice>
-    <mc:Fallback xmlns="">
+    <mc:Fallback>
       <p:transition spd="slow"/>
     </mc:Fallback>
   </mc:AlternateContent>
   <p:timing>
     <p:tnLst>
       <p:par>
-        <p:cTn xmlns:p14="http://schemas.microsoft.com/office/powerpoint/2010/main" id="1" dur="indefinite" restart="never" nodeType="tmRoot"/>
+        <p:cTn id="1" dur="indefinite" restart="never" nodeType="tmRoot"/>
       </p:par>
     </p:tnLst>
   </p:timing>
@@ -32120,25 +32044,25 @@
     </p:spTree>
     <p:extLst>
       <p:ext uri="{BB962C8B-B14F-4D97-AF65-F5344CB8AC3E}">
-        <p14:creationId xmlns:p14="http://schemas.microsoft.com/office/powerpoint/2010/main" val="1576574823"/>
+        <p14:creationId xmlns:p14="http://schemas.microsoft.com/office/powerpoint/2010/main" xmlns="" val="1576574823"/>
       </p:ext>
     </p:extLst>
   </p:cSld>
   <p:clrMapOvr>
     <a:masterClrMapping/>
   </p:clrMapOvr>
-  <mc:AlternateContent xmlns:mc="http://schemas.openxmlformats.org/markup-compatibility/2006" xmlns:p14="http://schemas.microsoft.com/office/powerpoint/2010/main">
-    <mc:Choice Requires="p14">
+  <mc:AlternateContent xmlns:mc="http://schemas.openxmlformats.org/markup-compatibility/2006">
+    <mc:Choice xmlns:p14="http://schemas.microsoft.com/office/powerpoint/2010/main" xmlns="" Requires="p14">
       <p:transition spd="slow" p14:dur="2000"/>
     </mc:Choice>
-    <mc:Fallback xmlns="">
+    <mc:Fallback>
       <p:transition spd="slow"/>
     </mc:Fallback>
   </mc:AlternateContent>
   <p:timing>
     <p:tnLst>
       <p:par>
-        <p:cTn xmlns:p14="http://schemas.microsoft.com/office/powerpoint/2010/main" id="1" dur="indefinite" restart="never" nodeType="tmRoot"/>
+        <p:cTn id="1" dur="indefinite" restart="never" nodeType="tmRoot"/>
       </p:par>
     </p:tnLst>
   </p:timing>
@@ -32191,9 +32115,6 @@
               </a:rPr>
               <a:t>Application</a:t>
             </a:r>
-            <a:endParaRPr lang="it-IT" sz="4800" b="1" dirty="0" smtClean="0">
-              <a:latin typeface="+mj-lt"/>
-            </a:endParaRPr>
           </a:p>
           <a:p>
             <a:pPr algn="ctr"/>
@@ -32442,25 +32363,25 @@
     </p:spTree>
     <p:extLst>
       <p:ext uri="{BB962C8B-B14F-4D97-AF65-F5344CB8AC3E}">
-        <p14:creationId xmlns:p14="http://schemas.microsoft.com/office/powerpoint/2010/main" val="3303920882"/>
+        <p14:creationId xmlns:p14="http://schemas.microsoft.com/office/powerpoint/2010/main" xmlns="" val="3303920882"/>
       </p:ext>
     </p:extLst>
   </p:cSld>
   <p:clrMapOvr>
     <a:masterClrMapping/>
   </p:clrMapOvr>
-  <mc:AlternateContent xmlns:mc="http://schemas.openxmlformats.org/markup-compatibility/2006" xmlns:p14="http://schemas.microsoft.com/office/powerpoint/2010/main">
-    <mc:Choice Requires="p14">
+  <mc:AlternateContent xmlns:mc="http://schemas.openxmlformats.org/markup-compatibility/2006">
+    <mc:Choice xmlns:p14="http://schemas.microsoft.com/office/powerpoint/2010/main" xmlns="" Requires="p14">
       <p:transition spd="slow" p14:dur="2000"/>
     </mc:Choice>
-    <mc:Fallback xmlns="">
+    <mc:Fallback>
       <p:transition spd="slow"/>
     </mc:Fallback>
   </mc:AlternateContent>
   <p:timing>
     <p:tnLst>
       <p:par>
-        <p:cTn xmlns:p14="http://schemas.microsoft.com/office/powerpoint/2010/main" id="1" dur="indefinite" restart="never" nodeType="tmRoot"/>
+        <p:cTn id="1" dur="indefinite" restart="never" nodeType="tmRoot"/>
       </p:par>
     </p:tnLst>
   </p:timing>
@@ -32671,7 +32592,7 @@
     </p:spTree>
     <p:extLst>
       <p:ext uri="{BB962C8B-B14F-4D97-AF65-F5344CB8AC3E}">
-        <p14:creationId xmlns:p14="http://schemas.microsoft.com/office/powerpoint/2010/main" val="4257297520"/>
+        <p14:creationId xmlns:p14="http://schemas.microsoft.com/office/powerpoint/2010/main" xmlns="" val="4257297520"/>
       </p:ext>
     </p:extLst>
   </p:cSld>
@@ -32681,7 +32602,7 @@
   <p:timing>
     <p:tnLst>
       <p:par>
-        <p:cTn xmlns:p14="http://schemas.microsoft.com/office/powerpoint/2010/main" id="1" dur="indefinite" restart="never" nodeType="tmRoot">
+        <p:cTn id="1" dur="indefinite" restart="never" nodeType="tmRoot">
           <p:childTnLst>
             <p:seq>
               <p:cTn id="2" nodeType="mainSeq"/>
@@ -32968,7 +32889,7 @@
     </p:spTree>
     <p:extLst>
       <p:ext uri="{BB962C8B-B14F-4D97-AF65-F5344CB8AC3E}">
-        <p14:creationId xmlns:p14="http://schemas.microsoft.com/office/powerpoint/2010/main" val="1516952845"/>
+        <p14:creationId xmlns:p14="http://schemas.microsoft.com/office/powerpoint/2010/main" xmlns="" val="1516952845"/>
       </p:ext>
     </p:extLst>
   </p:cSld>
@@ -32978,7 +32899,7 @@
   <p:timing>
     <p:tnLst>
       <p:par>
-        <p:cTn xmlns:p14="http://schemas.microsoft.com/office/powerpoint/2010/main" id="1" dur="indefinite" restart="never" nodeType="tmRoot">
+        <p:cTn id="1" dur="indefinite" restart="never" nodeType="tmRoot">
           <p:childTnLst>
             <p:seq>
               <p:cTn id="2" nodeType="mainSeq"/>
@@ -33264,7 +33185,7 @@
     </p:spTree>
     <p:extLst>
       <p:ext uri="{BB962C8B-B14F-4D97-AF65-F5344CB8AC3E}">
-        <p14:creationId xmlns:p14="http://schemas.microsoft.com/office/powerpoint/2010/main" val="903666282"/>
+        <p14:creationId xmlns:p14="http://schemas.microsoft.com/office/powerpoint/2010/main" xmlns="" val="903666282"/>
       </p:ext>
     </p:extLst>
   </p:cSld>
@@ -33274,7 +33195,7 @@
   <p:timing>
     <p:tnLst>
       <p:par>
-        <p:cTn xmlns:p14="http://schemas.microsoft.com/office/powerpoint/2010/main" id="1" dur="indefinite" restart="never" nodeType="tmRoot">
+        <p:cTn id="1" dur="indefinite" restart="never" nodeType="tmRoot">
           <p:childTnLst>
             <p:seq>
               <p:cTn id="2" nodeType="mainSeq"/>
@@ -33571,7 +33492,7 @@
     </p:spTree>
     <p:extLst>
       <p:ext uri="{BB962C8B-B14F-4D97-AF65-F5344CB8AC3E}">
-        <p14:creationId xmlns:p14="http://schemas.microsoft.com/office/powerpoint/2010/main" val="3790160763"/>
+        <p14:creationId xmlns:p14="http://schemas.microsoft.com/office/powerpoint/2010/main" xmlns="" val="3790160763"/>
       </p:ext>
     </p:extLst>
   </p:cSld>
@@ -33581,7 +33502,7 @@
   <p:timing>
     <p:tnLst>
       <p:par>
-        <p:cTn xmlns:p14="http://schemas.microsoft.com/office/powerpoint/2010/main" id="1" dur="indefinite" restart="never" nodeType="tmRoot">
+        <p:cTn id="1" dur="indefinite" restart="never" nodeType="tmRoot">
           <p:childTnLst>
             <p:seq>
               <p:cTn id="2" nodeType="mainSeq"/>
@@ -33946,25 +33867,25 @@
     </p:spTree>
     <p:extLst>
       <p:ext uri="{BB962C8B-B14F-4D97-AF65-F5344CB8AC3E}">
-        <p14:creationId xmlns:p14="http://schemas.microsoft.com/office/powerpoint/2010/main" val="2978215168"/>
+        <p14:creationId xmlns:p14="http://schemas.microsoft.com/office/powerpoint/2010/main" xmlns="" val="2978215168"/>
       </p:ext>
     </p:extLst>
   </p:cSld>
   <p:clrMapOvr>
     <a:masterClrMapping/>
   </p:clrMapOvr>
-  <mc:AlternateContent xmlns:mc="http://schemas.openxmlformats.org/markup-compatibility/2006" xmlns:p14="http://schemas.microsoft.com/office/powerpoint/2010/main">
-    <mc:Choice Requires="p14">
+  <mc:AlternateContent xmlns:mc="http://schemas.openxmlformats.org/markup-compatibility/2006">
+    <mc:Choice xmlns:p14="http://schemas.microsoft.com/office/powerpoint/2010/main" xmlns="" Requires="p14">
       <p:transition spd="slow" p14:dur="2000"/>
     </mc:Choice>
-    <mc:Fallback xmlns="">
+    <mc:Fallback>
       <p:transition spd="slow"/>
     </mc:Fallback>
   </mc:AlternateContent>
   <p:timing>
     <p:tnLst>
       <p:par>
-        <p:cTn xmlns:p14="http://schemas.microsoft.com/office/powerpoint/2010/main" id="1" dur="indefinite" restart="never" nodeType="tmRoot"/>
+        <p:cTn id="1" dur="indefinite" restart="never" nodeType="tmRoot"/>
       </p:par>
     </p:tnLst>
   </p:timing>
@@ -34092,7 +34013,7 @@
           <p:nvPr/>
         </p:nvPicPr>
         <p:blipFill>
-          <a:blip r:embed="rId2"/>
+          <a:blip r:embed="rId2" cstate="print"/>
           <a:stretch>
             <a:fillRect/>
           </a:stretch>
@@ -34179,7 +34100,7 @@
     </p:spTree>
     <p:extLst>
       <p:ext uri="{BB962C8B-B14F-4D97-AF65-F5344CB8AC3E}">
-        <p14:creationId xmlns:p14="http://schemas.microsoft.com/office/powerpoint/2010/main" val="1889567349"/>
+        <p14:creationId xmlns:p14="http://schemas.microsoft.com/office/powerpoint/2010/main" xmlns="" val="1889567349"/>
       </p:ext>
     </p:extLst>
   </p:cSld>
@@ -34189,7 +34110,7 @@
   <p:timing>
     <p:tnLst>
       <p:par>
-        <p:cTn xmlns:p14="http://schemas.microsoft.com/office/powerpoint/2010/main" id="1" dur="indefinite" restart="never" nodeType="tmRoot">
+        <p:cTn id="1" dur="indefinite" restart="never" nodeType="tmRoot">
           <p:childTnLst>
             <p:seq>
               <p:cTn id="2" nodeType="mainSeq"/>
@@ -34337,7 +34258,7 @@
           <p:nvPr/>
         </p:nvPicPr>
         <p:blipFill>
-          <a:blip r:embed="rId2"/>
+          <a:blip r:embed="rId2" cstate="print"/>
           <a:stretch>
             <a:fillRect/>
           </a:stretch>
@@ -34434,7 +34355,7 @@
     </p:spTree>
     <p:extLst>
       <p:ext uri="{BB962C8B-B14F-4D97-AF65-F5344CB8AC3E}">
-        <p14:creationId xmlns:p14="http://schemas.microsoft.com/office/powerpoint/2010/main" val="2938595398"/>
+        <p14:creationId xmlns:p14="http://schemas.microsoft.com/office/powerpoint/2010/main" xmlns="" val="2938595398"/>
       </p:ext>
     </p:extLst>
   </p:cSld>
@@ -34444,7 +34365,7 @@
   <p:timing>
     <p:tnLst>
       <p:par>
-        <p:cTn xmlns:p14="http://schemas.microsoft.com/office/powerpoint/2010/main" id="1" dur="indefinite" restart="never" nodeType="tmRoot">
+        <p:cTn id="1" dur="indefinite" restart="never" nodeType="tmRoot">
           <p:childTnLst>
             <p:seq>
               <p:cTn id="2" nodeType="mainSeq"/>
@@ -34592,7 +34513,7 @@
           <p:nvPr/>
         </p:nvPicPr>
         <p:blipFill>
-          <a:blip r:embed="rId2"/>
+          <a:blip r:embed="rId2" cstate="print"/>
           <a:stretch>
             <a:fillRect/>
           </a:stretch>
@@ -34734,7 +34655,7 @@
     </p:spTree>
     <p:extLst>
       <p:ext uri="{BB962C8B-B14F-4D97-AF65-F5344CB8AC3E}">
-        <p14:creationId xmlns:p14="http://schemas.microsoft.com/office/powerpoint/2010/main" val="3382536623"/>
+        <p14:creationId xmlns:p14="http://schemas.microsoft.com/office/powerpoint/2010/main" xmlns="" val="3382536623"/>
       </p:ext>
     </p:extLst>
   </p:cSld>
@@ -34744,7 +34665,7 @@
   <p:timing>
     <p:tnLst>
       <p:par>
-        <p:cTn xmlns:p14="http://schemas.microsoft.com/office/powerpoint/2010/main" id="1" dur="indefinite" restart="never" nodeType="tmRoot">
+        <p:cTn id="1" dur="indefinite" restart="never" nodeType="tmRoot">
           <p:childTnLst>
             <p:seq>
               <p:cTn id="2" nodeType="mainSeq"/>
@@ -34954,7 +34875,7 @@
     </p:spTree>
     <p:extLst>
       <p:ext uri="{BB962C8B-B14F-4D97-AF65-F5344CB8AC3E}">
-        <p14:creationId xmlns:p14="http://schemas.microsoft.com/office/powerpoint/2010/main" val="945142828"/>
+        <p14:creationId xmlns:p14="http://schemas.microsoft.com/office/powerpoint/2010/main" xmlns="" val="945142828"/>
       </p:ext>
     </p:extLst>
   </p:cSld>
@@ -34964,7 +34885,7 @@
   <p:timing>
     <p:tnLst>
       <p:par>
-        <p:cTn xmlns:p14="http://schemas.microsoft.com/office/powerpoint/2010/main" id="1" dur="indefinite" restart="never" nodeType="tmRoot">
+        <p:cTn id="1" dur="indefinite" restart="never" nodeType="tmRoot">
           <p:childTnLst>
             <p:seq>
               <p:cTn id="2" nodeType="mainSeq"/>
@@ -35185,7 +35106,7 @@
     </p:spTree>
     <p:extLst>
       <p:ext uri="{BB962C8B-B14F-4D97-AF65-F5344CB8AC3E}">
-        <p14:creationId xmlns:p14="http://schemas.microsoft.com/office/powerpoint/2010/main" val="3313297802"/>
+        <p14:creationId xmlns:p14="http://schemas.microsoft.com/office/powerpoint/2010/main" xmlns="" val="3313297802"/>
       </p:ext>
     </p:extLst>
   </p:cSld>
@@ -35195,7 +35116,7 @@
   <p:timing>
     <p:tnLst>
       <p:par>
-        <p:cTn xmlns:p14="http://schemas.microsoft.com/office/powerpoint/2010/main" id="1" dur="indefinite" restart="never" nodeType="tmRoot">
+        <p:cTn id="1" dur="indefinite" restart="never" nodeType="tmRoot">
           <p:childTnLst>
             <p:seq>
               <p:cTn id="2" nodeType="mainSeq"/>
@@ -35248,10 +35169,10 @@
           <p:nvPr/>
         </p:nvPicPr>
         <p:blipFill>
-          <a:blip r:embed="rId2">
+          <a:blip r:embed="rId2" cstate="print">
             <a:extLst>
               <a:ext uri="{28A0092B-C50C-407E-A947-70E740481C1C}">
-                <a14:useLocalDpi xmlns:a14="http://schemas.microsoft.com/office/drawing/2010/main" val="0"/>
+                <a14:useLocalDpi xmlns:a14="http://schemas.microsoft.com/office/drawing/2010/main" xmlns="" val="0"/>
               </a:ext>
             </a:extLst>
           </a:blip>
@@ -35271,7 +35192,7 @@
           <a:noFill/>
           <a:extLst>
             <a:ext uri="{909E8E84-426E-40dd-AFC4-6F175D3DCCD1}">
-              <a14:hiddenFill xmlns:a14="http://schemas.microsoft.com/office/drawing/2010/main">
+              <a14:hiddenFill xmlns:a14="http://schemas.microsoft.com/office/drawing/2010/main" xmlns="">
                 <a:solidFill>
                   <a:srgbClr val="FFFFFF"/>
                 </a:solidFill>
@@ -35354,25 +35275,25 @@
     </p:spTree>
     <p:extLst>
       <p:ext uri="{BB962C8B-B14F-4D97-AF65-F5344CB8AC3E}">
-        <p14:creationId xmlns:p14="http://schemas.microsoft.com/office/powerpoint/2010/main" val="2252746867"/>
+        <p14:creationId xmlns:p14="http://schemas.microsoft.com/office/powerpoint/2010/main" xmlns="" val="2252746867"/>
       </p:ext>
     </p:extLst>
   </p:cSld>
   <p:clrMapOvr>
     <a:masterClrMapping/>
   </p:clrMapOvr>
-  <mc:AlternateContent xmlns:mc="http://schemas.openxmlformats.org/markup-compatibility/2006" xmlns:p14="http://schemas.microsoft.com/office/powerpoint/2010/main">
-    <mc:Choice Requires="p14">
+  <mc:AlternateContent xmlns:mc="http://schemas.openxmlformats.org/markup-compatibility/2006">
+    <mc:Choice xmlns:p14="http://schemas.microsoft.com/office/powerpoint/2010/main" xmlns="" Requires="p14">
       <p:transition spd="slow" p14:dur="2000"/>
     </mc:Choice>
-    <mc:Fallback xmlns="">
+    <mc:Fallback>
       <p:transition spd="slow"/>
     </mc:Fallback>
   </mc:AlternateContent>
   <p:timing>
     <p:tnLst>
       <p:par>
-        <p:cTn xmlns:p14="http://schemas.microsoft.com/office/powerpoint/2010/main" id="1" dur="indefinite" restart="never" nodeType="tmRoot"/>
+        <p:cTn id="1" dur="indefinite" restart="never" nodeType="tmRoot"/>
       </p:par>
     </p:tnLst>
   </p:timing>
@@ -35729,25 +35650,25 @@
     </p:spTree>
     <p:extLst>
       <p:ext uri="{BB962C8B-B14F-4D97-AF65-F5344CB8AC3E}">
-        <p14:creationId xmlns:p14="http://schemas.microsoft.com/office/powerpoint/2010/main" val="3564990699"/>
+        <p14:creationId xmlns:p14="http://schemas.microsoft.com/office/powerpoint/2010/main" xmlns="" val="3564990699"/>
       </p:ext>
     </p:extLst>
   </p:cSld>
   <p:clrMapOvr>
     <a:masterClrMapping/>
   </p:clrMapOvr>
-  <mc:AlternateContent xmlns:mc="http://schemas.openxmlformats.org/markup-compatibility/2006" xmlns:p14="http://schemas.microsoft.com/office/powerpoint/2010/main">
-    <mc:Choice Requires="p14">
+  <mc:AlternateContent xmlns:mc="http://schemas.openxmlformats.org/markup-compatibility/2006">
+    <mc:Choice xmlns:p14="http://schemas.microsoft.com/office/powerpoint/2010/main" xmlns="" Requires="p14">
       <p:transition spd="slow" p14:dur="2000"/>
     </mc:Choice>
-    <mc:Fallback xmlns="">
+    <mc:Fallback>
       <p:transition spd="slow"/>
     </mc:Fallback>
   </mc:AlternateContent>
   <p:timing>
     <p:tnLst>
       <p:par>
-        <p:cTn xmlns:p14="http://schemas.microsoft.com/office/powerpoint/2010/main" id="1" dur="indefinite" restart="never" nodeType="tmRoot"/>
+        <p:cTn id="1" dur="indefinite" restart="never" nodeType="tmRoot"/>
       </p:par>
     </p:tnLst>
   </p:timing>
@@ -36105,25 +36026,25 @@
     </p:spTree>
     <p:extLst>
       <p:ext uri="{BB962C8B-B14F-4D97-AF65-F5344CB8AC3E}">
-        <p14:creationId xmlns:p14="http://schemas.microsoft.com/office/powerpoint/2010/main" val="3748041918"/>
+        <p14:creationId xmlns:p14="http://schemas.microsoft.com/office/powerpoint/2010/main" xmlns="" val="3748041918"/>
       </p:ext>
     </p:extLst>
   </p:cSld>
   <p:clrMapOvr>
     <a:masterClrMapping/>
   </p:clrMapOvr>
-  <mc:AlternateContent xmlns:mc="http://schemas.openxmlformats.org/markup-compatibility/2006" xmlns:p14="http://schemas.microsoft.com/office/powerpoint/2010/main">
-    <mc:Choice Requires="p14">
+  <mc:AlternateContent xmlns:mc="http://schemas.openxmlformats.org/markup-compatibility/2006">
+    <mc:Choice xmlns:p14="http://schemas.microsoft.com/office/powerpoint/2010/main" xmlns="" Requires="p14">
       <p:transition spd="slow" p14:dur="2000"/>
     </mc:Choice>
-    <mc:Fallback xmlns="">
+    <mc:Fallback>
       <p:transition spd="slow"/>
     </mc:Fallback>
   </mc:AlternateContent>
   <p:timing>
     <p:tnLst>
       <p:par>
-        <p:cTn xmlns:p14="http://schemas.microsoft.com/office/powerpoint/2010/main" id="1" dur="indefinite" restart="never" nodeType="tmRoot"/>
+        <p:cTn id="1" dur="indefinite" restart="never" nodeType="tmRoot"/>
       </p:par>
     </p:tnLst>
   </p:timing>

--- a/Presentazione/Atsilo1/[BOZZA] Atsilo_A_PresentazioneFinale copia.pptx
+++ b/Presentazione/Atsilo1/[BOZZA] Atsilo_A_PresentazioneFinale copia.pptx
@@ -23925,6 +23925,9 @@
                     <p:cTn id="3" fill="hold">
                       <p:stCondLst>
                         <p:cond delay="indefinite"/>
+                        <p:cond evt="onBegin" delay="0">
+                          <p:tn val="2"/>
+                        </p:cond>
                       </p:stCondLst>
                       <p:childTnLst>
                         <p:par>
@@ -23934,7 +23937,7 @@
                             </p:stCondLst>
                             <p:childTnLst>
                               <p:par>
-                                <p:cTn id="5" presetID="10" presetClass="entr" presetSubtype="0" fill="hold" nodeType="clickEffect">
+                                <p:cTn id="5" presetID="10" presetClass="entr" presetSubtype="0" fill="hold" nodeType="afterEffect">
                                   <p:stCondLst>
                                     <p:cond delay="0"/>
                                   </p:stCondLst>
@@ -24468,6 +24471,9 @@
                     <p:cTn id="3" fill="hold">
                       <p:stCondLst>
                         <p:cond delay="indefinite"/>
+                        <p:cond evt="onBegin" delay="0">
+                          <p:tn val="2"/>
+                        </p:cond>
                       </p:stCondLst>
                       <p:childTnLst>
                         <p:par>
@@ -24477,7 +24483,7 @@
                             </p:stCondLst>
                             <p:childTnLst>
                               <p:par>
-                                <p:cTn id="5" presetID="10" presetClass="entr" presetSubtype="0" fill="hold" nodeType="clickEffect">
+                                <p:cTn id="5" presetID="10" presetClass="entr" presetSubtype="0" fill="hold" nodeType="afterEffect">
                                   <p:stCondLst>
                                     <p:cond delay="0"/>
                                   </p:stCondLst>

--- a/Presentazione/Atsilo1/[BOZZA] Atsilo_A_PresentazioneFinale copia.pptx
+++ b/Presentazione/Atsilo1/[BOZZA] Atsilo_A_PresentazioneFinale copia.pptx
@@ -64,7 +64,7 @@
     <p:sldId id="391" r:id="rId55"/>
     <p:sldId id="392" r:id="rId56"/>
     <p:sldId id="393" r:id="rId57"/>
-    <p:sldId id="394" r:id="rId58"/>
+    <p:sldId id="404" r:id="rId58"/>
     <p:sldId id="395" r:id="rId59"/>
     <p:sldId id="396" r:id="rId60"/>
     <p:sldId id="397" r:id="rId61"/>
@@ -20142,7 +20142,11 @@
             <a:pPr marL="342900" indent="-342900" algn="just"/>
             <a:r>
               <a:rPr lang="it-IT" dirty="0" smtClean="0"/>
-              <a:t>I metodi così non verranno scritti per ogni classe, conseguendo un risparmio notevole.</a:t>
+              <a:t>I metodi così non verranno scritti per ogni classe, conseguendo un risparmio notevole</a:t>
+            </a:r>
+            <a:r>
+              <a:rPr lang="it-IT" dirty="0" smtClean="0"/>
+              <a:t>.</a:t>
             </a:r>
           </a:p>
           <a:p>
@@ -20152,9 +20156,7 @@
             <a:endParaRPr lang="it-IT" dirty="0" smtClean="0"/>
           </a:p>
           <a:p>
-            <a:pPr marL="342900" indent="-342900">
-              <a:buNone/>
-            </a:pPr>
+            <a:pPr marL="342900" indent="-342900"/>
             <a:r>
               <a:rPr lang="it-IT" sz="3200" i="1" dirty="0" smtClean="0">
                 <a:effectLst>
@@ -20165,10 +20167,10 @@
                   </a:outerShdw>
                 </a:effectLst>
               </a:rPr>
-              <a:t>Gli sviluppatori  scriveranno </a:t>
-            </a:r>
-            <a:r>
-              <a:rPr lang="it-IT" sz="3200" i="1" u="sng" dirty="0" smtClean="0">
+              <a:t>Si scriveranno </a:t>
+            </a:r>
+            <a:r>
+              <a:rPr lang="it-IT" sz="3600" i="1" u="sng" dirty="0" smtClean="0">
                 <a:effectLst>
                   <a:outerShdw blurRad="38100" dist="38100" dir="2700000" algn="tl">
                     <a:srgbClr val="000000">
@@ -20177,8 +20179,125 @@
                   </a:outerShdw>
                 </a:effectLst>
               </a:rPr>
-              <a:t>165 metodi in meno </a:t>
-            </a:r>
+              <a:t>165 metodi in </a:t>
+            </a:r>
+            <a:r>
+              <a:rPr lang="it-IT" sz="3600" i="1" u="sng" dirty="0" smtClean="0">
+                <a:effectLst>
+                  <a:outerShdw blurRad="38100" dist="38100" dir="2700000" algn="tl">
+                    <a:srgbClr val="000000">
+                      <a:alpha val="43137"/>
+                    </a:srgbClr>
+                  </a:outerShdw>
+                </a:effectLst>
+              </a:rPr>
+              <a:t>meno</a:t>
+            </a:r>
+          </a:p>
+          <a:p>
+            <a:pPr marL="708660" lvl="1" indent="-342900"/>
+            <a:r>
+              <a:rPr lang="it-IT" sz="2800" i="1" dirty="0" err="1" smtClean="0">
+                <a:effectLst>
+                  <a:outerShdw blurRad="38100" dist="38100" dir="2700000" algn="tl">
+                    <a:srgbClr val="000000">
+                      <a:alpha val="43137"/>
+                    </a:srgbClr>
+                  </a:outerShdw>
+                </a:effectLst>
+              </a:rPr>
+              <a:t>Testing</a:t>
+            </a:r>
+            <a:r>
+              <a:rPr lang="it-IT" sz="2800" i="1" dirty="0" smtClean="0">
+                <a:effectLst>
+                  <a:outerShdw blurRad="38100" dist="38100" dir="2700000" algn="tl">
+                    <a:srgbClr val="000000">
+                      <a:alpha val="43137"/>
+                    </a:srgbClr>
+                  </a:outerShdw>
+                </a:effectLst>
+              </a:rPr>
+              <a:t> ridotto</a:t>
+            </a:r>
+          </a:p>
+          <a:p>
+            <a:pPr marL="708660" lvl="1" indent="-342900"/>
+            <a:r>
+              <a:rPr lang="it-IT" sz="2800" i="1" dirty="0" smtClean="0">
+                <a:effectLst>
+                  <a:outerShdw blurRad="38100" dist="38100" dir="2700000" algn="tl">
+                    <a:srgbClr val="000000">
+                      <a:alpha val="43137"/>
+                    </a:srgbClr>
+                  </a:outerShdw>
+                </a:effectLst>
+              </a:rPr>
+              <a:t>Leggibilità aumentata</a:t>
+            </a:r>
+          </a:p>
+          <a:p>
+            <a:pPr marL="708660" lvl="1" indent="-342900"/>
+            <a:r>
+              <a:rPr lang="it-IT" sz="2800" i="1" dirty="0" err="1" smtClean="0">
+                <a:effectLst>
+                  <a:outerShdw blurRad="38100" dist="38100" dir="2700000" algn="tl">
+                    <a:srgbClr val="000000">
+                      <a:alpha val="43137"/>
+                    </a:srgbClr>
+                  </a:outerShdw>
+                </a:effectLst>
+              </a:rPr>
+              <a:t>Manutenibilità</a:t>
+            </a:r>
+            <a:r>
+              <a:rPr lang="it-IT" sz="2800" i="1" dirty="0" smtClean="0">
+                <a:effectLst>
+                  <a:outerShdw blurRad="38100" dist="38100" dir="2700000" algn="tl">
+                    <a:srgbClr val="000000">
+                      <a:alpha val="43137"/>
+                    </a:srgbClr>
+                  </a:outerShdw>
+                </a:effectLst>
+              </a:rPr>
+              <a:t> aumentata</a:t>
+            </a:r>
+          </a:p>
+          <a:p>
+            <a:pPr marL="342900" indent="-342900"/>
+            <a:endParaRPr lang="it-IT" sz="3200" i="1" u="sng" dirty="0" smtClean="0">
+              <a:effectLst>
+                <a:outerShdw blurRad="38100" dist="38100" dir="2700000" algn="tl">
+                  <a:srgbClr val="000000">
+                    <a:alpha val="43137"/>
+                  </a:srgbClr>
+                </a:outerShdw>
+              </a:effectLst>
+            </a:endParaRPr>
+          </a:p>
+          <a:p>
+            <a:pPr marL="342900" indent="-342900"/>
+            <a:endParaRPr lang="it-IT" sz="3200" i="1" u="sng" dirty="0" smtClean="0">
+              <a:effectLst>
+                <a:outerShdw blurRad="38100" dist="38100" dir="2700000" algn="tl">
+                  <a:srgbClr val="000000">
+                    <a:alpha val="43137"/>
+                  </a:srgbClr>
+                </a:outerShdw>
+              </a:effectLst>
+            </a:endParaRPr>
+          </a:p>
+          <a:p>
+            <a:pPr marL="342900" indent="-342900"/>
+            <a:endParaRPr lang="it-IT" sz="3200" i="1" u="sng" dirty="0" smtClean="0">
+              <a:effectLst>
+                <a:outerShdw blurRad="38100" dist="38100" dir="2700000" algn="tl">
+                  <a:srgbClr val="000000">
+                    <a:alpha val="43137"/>
+                  </a:srgbClr>
+                </a:outerShdw>
+              </a:effectLst>
+            </a:endParaRPr>
           </a:p>
         </p:txBody>
       </p:sp>
@@ -20321,21 +20440,30 @@
                             </p:childTnLst>
                           </p:cTn>
                         </p:par>
+                      </p:childTnLst>
+                    </p:cTn>
+                  </p:par>
+                  <p:par>
+                    <p:cTn id="12" fill="hold">
+                      <p:stCondLst>
+                        <p:cond delay="indefinite"/>
+                      </p:stCondLst>
+                      <p:childTnLst>
                         <p:par>
-                          <p:cTn id="12" fill="hold">
+                          <p:cTn id="13" fill="hold">
                             <p:stCondLst>
-                              <p:cond delay="6000"/>
+                              <p:cond delay="0"/>
                             </p:stCondLst>
                             <p:childTnLst>
                               <p:par>
-                                <p:cTn id="13" presetID="10" presetClass="entr" presetSubtype="0" fill="hold" grpId="0" nodeType="afterEffect">
+                                <p:cTn id="14" presetID="10" presetClass="entr" presetSubtype="0" fill="hold" grpId="0" nodeType="clickEffect">
                                   <p:stCondLst>
                                     <p:cond delay="0"/>
                                   </p:stCondLst>
                                   <p:childTnLst>
                                     <p:set>
                                       <p:cBhvr>
-                                        <p:cTn id="14" dur="1" fill="hold">
+                                        <p:cTn id="15" dur="1" fill="hold">
                                           <p:stCondLst>
                                             <p:cond delay="0"/>
                                           </p:stCondLst>
@@ -20357,11 +20485,167 @@
                                     </p:set>
                                     <p:animEffect transition="in" filter="fade">
                                       <p:cBhvr>
-                                        <p:cTn id="15" dur="2000"/>
+                                        <p:cTn id="16" dur="2000"/>
                                         <p:tgtEl>
                                           <p:spTgt spid="10">
                                             <p:txEl>
                                               <p:pRg st="3" end="3"/>
+                                            </p:txEl>
+                                          </p:spTgt>
+                                        </p:tgtEl>
+                                      </p:cBhvr>
+                                    </p:animEffect>
+                                  </p:childTnLst>
+                                </p:cTn>
+                              </p:par>
+                            </p:childTnLst>
+                          </p:cTn>
+                        </p:par>
+                        <p:par>
+                          <p:cTn id="17" fill="hold">
+                            <p:stCondLst>
+                              <p:cond delay="2000"/>
+                            </p:stCondLst>
+                            <p:childTnLst>
+                              <p:par>
+                                <p:cTn id="18" presetID="10" presetClass="entr" presetSubtype="0" fill="hold" grpId="0" nodeType="afterEffect">
+                                  <p:stCondLst>
+                                    <p:cond delay="0"/>
+                                  </p:stCondLst>
+                                  <p:childTnLst>
+                                    <p:set>
+                                      <p:cBhvr>
+                                        <p:cTn id="19" dur="1" fill="hold">
+                                          <p:stCondLst>
+                                            <p:cond delay="0"/>
+                                          </p:stCondLst>
+                                        </p:cTn>
+                                        <p:tgtEl>
+                                          <p:spTgt spid="10">
+                                            <p:txEl>
+                                              <p:pRg st="4" end="4"/>
+                                            </p:txEl>
+                                          </p:spTgt>
+                                        </p:tgtEl>
+                                        <p:attrNameLst>
+                                          <p:attrName>style.visibility</p:attrName>
+                                        </p:attrNameLst>
+                                      </p:cBhvr>
+                                      <p:to>
+                                        <p:strVal val="visible"/>
+                                      </p:to>
+                                    </p:set>
+                                    <p:animEffect transition="in" filter="fade">
+                                      <p:cBhvr>
+                                        <p:cTn id="20" dur="1000"/>
+                                        <p:tgtEl>
+                                          <p:spTgt spid="10">
+                                            <p:txEl>
+                                              <p:pRg st="4" end="4"/>
+                                            </p:txEl>
+                                          </p:spTgt>
+                                        </p:tgtEl>
+                                      </p:cBhvr>
+                                    </p:animEffect>
+                                  </p:childTnLst>
+                                </p:cTn>
+                              </p:par>
+                            </p:childTnLst>
+                          </p:cTn>
+                        </p:par>
+                        <p:par>
+                          <p:cTn id="21" fill="hold">
+                            <p:stCondLst>
+                              <p:cond delay="3000"/>
+                            </p:stCondLst>
+                            <p:childTnLst>
+                              <p:par>
+                                <p:cTn id="22" presetID="10" presetClass="entr" presetSubtype="0" fill="hold" grpId="0" nodeType="afterEffect">
+                                  <p:stCondLst>
+                                    <p:cond delay="0"/>
+                                  </p:stCondLst>
+                                  <p:childTnLst>
+                                    <p:set>
+                                      <p:cBhvr>
+                                        <p:cTn id="23" dur="1" fill="hold">
+                                          <p:stCondLst>
+                                            <p:cond delay="0"/>
+                                          </p:stCondLst>
+                                        </p:cTn>
+                                        <p:tgtEl>
+                                          <p:spTgt spid="10">
+                                            <p:txEl>
+                                              <p:pRg st="5" end="5"/>
+                                            </p:txEl>
+                                          </p:spTgt>
+                                        </p:tgtEl>
+                                        <p:attrNameLst>
+                                          <p:attrName>style.visibility</p:attrName>
+                                        </p:attrNameLst>
+                                      </p:cBhvr>
+                                      <p:to>
+                                        <p:strVal val="visible"/>
+                                      </p:to>
+                                    </p:set>
+                                    <p:animEffect transition="in" filter="fade">
+                                      <p:cBhvr>
+                                        <p:cTn id="24" dur="1000"/>
+                                        <p:tgtEl>
+                                          <p:spTgt spid="10">
+                                            <p:txEl>
+                                              <p:pRg st="5" end="5"/>
+                                            </p:txEl>
+                                          </p:spTgt>
+                                        </p:tgtEl>
+                                      </p:cBhvr>
+                                    </p:animEffect>
+                                  </p:childTnLst>
+                                </p:cTn>
+                              </p:par>
+                            </p:childTnLst>
+                          </p:cTn>
+                        </p:par>
+                        <p:par>
+                          <p:cTn id="25" fill="hold">
+                            <p:stCondLst>
+                              <p:cond delay="4000"/>
+                            </p:stCondLst>
+                            <p:childTnLst>
+                              <p:par>
+                                <p:cTn id="26" presetID="10" presetClass="entr" presetSubtype="0" fill="hold" grpId="0" nodeType="afterEffect">
+                                  <p:stCondLst>
+                                    <p:cond delay="0"/>
+                                  </p:stCondLst>
+                                  <p:childTnLst>
+                                    <p:set>
+                                      <p:cBhvr>
+                                        <p:cTn id="27" dur="1" fill="hold">
+                                          <p:stCondLst>
+                                            <p:cond delay="0"/>
+                                          </p:stCondLst>
+                                        </p:cTn>
+                                        <p:tgtEl>
+                                          <p:spTgt spid="10">
+                                            <p:txEl>
+                                              <p:pRg st="6" end="6"/>
+                                            </p:txEl>
+                                          </p:spTgt>
+                                        </p:tgtEl>
+                                        <p:attrNameLst>
+                                          <p:attrName>style.visibility</p:attrName>
+                                        </p:attrNameLst>
+                                      </p:cBhvr>
+                                      <p:to>
+                                        <p:strVal val="visible"/>
+                                      </p:to>
+                                    </p:set>
+                                    <p:animEffect transition="in" filter="fade">
+                                      <p:cBhvr>
+                                        <p:cTn id="28" dur="1000"/>
+                                        <p:tgtEl>
+                                          <p:spTgt spid="10">
+                                            <p:txEl>
+                                              <p:pRg st="6" end="6"/>
                                             </p:txEl>
                                           </p:spTgt>
                                         </p:tgtEl>
@@ -20398,7 +20682,7 @@
       </p:par>
     </p:tnLst>
     <p:bldLst>
-      <p:bldP spid="10" grpId="0" build="p"/>
+      <p:bldP spid="10" grpId="0" uiExpand="1" build="p"/>
     </p:bldLst>
   </p:timing>
 </p:sld>
@@ -35190,11 +35474,7 @@
             </a:r>
             <a:r>
               <a:rPr lang="it-IT" dirty="0" smtClean="0"/>
-              <a:t>revisionata</a:t>
-            </a:r>
-            <a:r>
-              <a:rPr lang="it-IT" smtClean="0"/>
-              <a:t>, incrocio)</a:t>
+              <a:t>revisionata, incrocio)</a:t>
             </a:r>
             <a:endParaRPr lang="it-IT" dirty="0" smtClean="0"/>
           </a:p>

--- a/Presentazione/Atsilo1/[BOZZA] Atsilo_A_PresentazioneFinale copia.pptx
+++ b/Presentazione/Atsilo1/[BOZZA] Atsilo_A_PresentazioneFinale copia.pptx
@@ -471,7 +471,7 @@
     </p:spTree>
     <p:extLst>
       <p:ext uri="{BB962C8B-B14F-4D97-AF65-F5344CB8AC3E}">
-        <p14:creationId xmlns:p14="http://schemas.microsoft.com/office/powerpoint/2010/main" xmlns="" val="2126419590"/>
+        <p14:creationId xmlns="" xmlns:p14="http://schemas.microsoft.com/office/powerpoint/2010/main" val="2126419590"/>
       </p:ext>
     </p:extLst>
   </p:cSld>
@@ -6331,7 +6331,7 @@
           <p:nvPr>
             <p:extLst>
               <p:ext uri="{D42A27DB-BD31-4B8C-83A1-F6EECF244321}">
-                <p14:modId xmlns:p14="http://schemas.microsoft.com/office/powerpoint/2010/main" xmlns="" val="1430840817"/>
+                <p14:modId xmlns="" xmlns:p14="http://schemas.microsoft.com/office/powerpoint/2010/main" val="1430840817"/>
               </p:ext>
             </p:extLst>
           </p:nvPr>
@@ -6579,7 +6579,7 @@
           <p:nvPr>
             <p:extLst>
               <p:ext uri="{D42A27DB-BD31-4B8C-83A1-F6EECF244321}">
-                <p14:modId xmlns:p14="http://schemas.microsoft.com/office/powerpoint/2010/main" xmlns="" val="956586736"/>
+                <p14:modId xmlns="" xmlns:p14="http://schemas.microsoft.com/office/powerpoint/2010/main" val="956586736"/>
               </p:ext>
             </p:extLst>
           </p:nvPr>
@@ -6669,7 +6669,7 @@
           <a:blip r:embed="rId2" cstate="print">
             <a:extLst>
               <a:ext uri="{28A0092B-C50C-407E-A947-70E740481C1C}">
-                <a14:useLocalDpi xmlns:a14="http://schemas.microsoft.com/office/drawing/2010/main" xmlns="" val="0"/>
+                <a14:useLocalDpi xmlns="" xmlns:a14="http://schemas.microsoft.com/office/drawing/2010/main" val="0"/>
               </a:ext>
             </a:extLst>
           </a:blip>
@@ -6689,7 +6689,7 @@
           <a:noFill/>
           <a:extLst>
             <a:ext uri="{909E8E84-426E-40dd-AFC4-6F175D3DCCD1}">
-              <a14:hiddenFill xmlns:a14="http://schemas.microsoft.com/office/drawing/2010/main" xmlns="">
+              <a14:hiddenFill xmlns="" xmlns:a14="http://schemas.microsoft.com/office/drawing/2010/main">
                 <a:solidFill>
                   <a:srgbClr val="FFFFFF"/>
                 </a:solidFill>
@@ -6701,7 +6701,7 @@
     </p:spTree>
     <p:extLst>
       <p:ext uri="{BB962C8B-B14F-4D97-AF65-F5344CB8AC3E}">
-        <p14:creationId xmlns:p14="http://schemas.microsoft.com/office/powerpoint/2010/main" xmlns="" val="4165334171"/>
+        <p14:creationId xmlns="" xmlns:p14="http://schemas.microsoft.com/office/powerpoint/2010/main" val="4165334171"/>
       </p:ext>
     </p:extLst>
   </p:cSld>
@@ -7007,7 +7007,7 @@
     </p:spTree>
     <p:extLst>
       <p:ext uri="{BB962C8B-B14F-4D97-AF65-F5344CB8AC3E}">
-        <p14:creationId xmlns:p14="http://schemas.microsoft.com/office/powerpoint/2010/main" xmlns="" val="4143007013"/>
+        <p14:creationId xmlns="" xmlns:p14="http://schemas.microsoft.com/office/powerpoint/2010/main" val="4143007013"/>
       </p:ext>
     </p:extLst>
   </p:cSld>
@@ -7015,7 +7015,7 @@
     <a:masterClrMapping/>
   </p:clrMapOvr>
   <mc:AlternateContent xmlns:mc="http://schemas.openxmlformats.org/markup-compatibility/2006">
-    <mc:Choice xmlns:p14="http://schemas.microsoft.com/office/powerpoint/2010/main" xmlns="" Requires="p14">
+    <mc:Choice xmlns="" xmlns:p14="http://schemas.microsoft.com/office/powerpoint/2010/main" Requires="p14">
       <p:transition spd="slow" p14:dur="2000"/>
     </mc:Choice>
     <mc:Fallback>
@@ -7116,7 +7116,7 @@
     </p:spTree>
     <p:extLst>
       <p:ext uri="{BB962C8B-B14F-4D97-AF65-F5344CB8AC3E}">
-        <p14:creationId xmlns:p14="http://schemas.microsoft.com/office/powerpoint/2010/main" xmlns="" val="3695870384"/>
+        <p14:creationId xmlns="" xmlns:p14="http://schemas.microsoft.com/office/powerpoint/2010/main" val="3695870384"/>
       </p:ext>
     </p:extLst>
   </p:cSld>
@@ -7217,7 +7217,7 @@
     </p:spTree>
     <p:extLst>
       <p:ext uri="{BB962C8B-B14F-4D97-AF65-F5344CB8AC3E}">
-        <p14:creationId xmlns:p14="http://schemas.microsoft.com/office/powerpoint/2010/main" xmlns="" val="3987928837"/>
+        <p14:creationId xmlns="" xmlns:p14="http://schemas.microsoft.com/office/powerpoint/2010/main" val="3987928837"/>
       </p:ext>
     </p:extLst>
   </p:cSld>
@@ -7542,7 +7542,7 @@
     </p:spTree>
     <p:extLst>
       <p:ext uri="{BB962C8B-B14F-4D97-AF65-F5344CB8AC3E}">
-        <p14:creationId xmlns:p14="http://schemas.microsoft.com/office/powerpoint/2010/main" xmlns="" val="1367578552"/>
+        <p14:creationId xmlns="" xmlns:p14="http://schemas.microsoft.com/office/powerpoint/2010/main" val="1367578552"/>
       </p:ext>
     </p:extLst>
   </p:cSld>
@@ -7670,7 +7670,7 @@
     </p:spTree>
     <p:extLst>
       <p:ext uri="{BB962C8B-B14F-4D97-AF65-F5344CB8AC3E}">
-        <p14:creationId xmlns:p14="http://schemas.microsoft.com/office/powerpoint/2010/main" xmlns="" val="1554749062"/>
+        <p14:creationId xmlns="" xmlns:p14="http://schemas.microsoft.com/office/powerpoint/2010/main" val="1554749062"/>
       </p:ext>
     </p:extLst>
   </p:cSld>
@@ -7798,7 +7798,7 @@
     </p:spTree>
     <p:extLst>
       <p:ext uri="{BB962C8B-B14F-4D97-AF65-F5344CB8AC3E}">
-        <p14:creationId xmlns:p14="http://schemas.microsoft.com/office/powerpoint/2010/main" xmlns="" val="1028530279"/>
+        <p14:creationId xmlns="" xmlns:p14="http://schemas.microsoft.com/office/powerpoint/2010/main" val="1028530279"/>
       </p:ext>
     </p:extLst>
   </p:cSld>
@@ -7926,7 +7926,7 @@
     </p:spTree>
     <p:extLst>
       <p:ext uri="{BB962C8B-B14F-4D97-AF65-F5344CB8AC3E}">
-        <p14:creationId xmlns:p14="http://schemas.microsoft.com/office/powerpoint/2010/main" xmlns="" val="2120081776"/>
+        <p14:creationId xmlns="" xmlns:p14="http://schemas.microsoft.com/office/powerpoint/2010/main" val="2120081776"/>
       </p:ext>
     </p:extLst>
   </p:cSld>
@@ -8066,7 +8066,7 @@
     </p:spTree>
     <p:extLst>
       <p:ext uri="{BB962C8B-B14F-4D97-AF65-F5344CB8AC3E}">
-        <p14:creationId xmlns:p14="http://schemas.microsoft.com/office/powerpoint/2010/main" xmlns="" val="3320352623"/>
+        <p14:creationId xmlns="" xmlns:p14="http://schemas.microsoft.com/office/powerpoint/2010/main" val="3320352623"/>
       </p:ext>
     </p:extLst>
   </p:cSld>
@@ -8206,7 +8206,7 @@
     </p:spTree>
     <p:extLst>
       <p:ext uri="{BB962C8B-B14F-4D97-AF65-F5344CB8AC3E}">
-        <p14:creationId xmlns:p14="http://schemas.microsoft.com/office/powerpoint/2010/main" xmlns="" val="4011022122"/>
+        <p14:creationId xmlns="" xmlns:p14="http://schemas.microsoft.com/office/powerpoint/2010/main" val="4011022122"/>
       </p:ext>
     </p:extLst>
   </p:cSld>
@@ -8511,7 +8511,7 @@
     </p:spTree>
     <p:extLst>
       <p:ext uri="{BB962C8B-B14F-4D97-AF65-F5344CB8AC3E}">
-        <p14:creationId xmlns:p14="http://schemas.microsoft.com/office/powerpoint/2010/main" xmlns="" val="2927506779"/>
+        <p14:creationId xmlns="" xmlns:p14="http://schemas.microsoft.com/office/powerpoint/2010/main" val="2927506779"/>
       </p:ext>
     </p:extLst>
   </p:cSld>
@@ -9178,7 +9178,7 @@
     </p:spTree>
     <p:extLst>
       <p:ext uri="{BB962C8B-B14F-4D97-AF65-F5344CB8AC3E}">
-        <p14:creationId xmlns:p14="http://schemas.microsoft.com/office/powerpoint/2010/main" xmlns="" val="1720938352"/>
+        <p14:creationId xmlns="" xmlns:p14="http://schemas.microsoft.com/office/powerpoint/2010/main" val="1720938352"/>
       </p:ext>
     </p:extLst>
   </p:cSld>
@@ -9186,7 +9186,7 @@
     <a:masterClrMapping/>
   </p:clrMapOvr>
   <mc:AlternateContent xmlns:mc="http://schemas.openxmlformats.org/markup-compatibility/2006">
-    <mc:Choice xmlns:p14="http://schemas.microsoft.com/office/powerpoint/2010/main" xmlns="" Requires="p14">
+    <mc:Choice xmlns="" xmlns:p14="http://schemas.microsoft.com/office/powerpoint/2010/main" Requires="p14">
       <p:transition spd="slow" p14:dur="2000"/>
     </mc:Choice>
     <mc:Fallback>
@@ -9480,7 +9480,7 @@
     </p:spTree>
     <p:extLst>
       <p:ext uri="{BB962C8B-B14F-4D97-AF65-F5344CB8AC3E}">
-        <p14:creationId xmlns:p14="http://schemas.microsoft.com/office/powerpoint/2010/main" xmlns="" val="3389076463"/>
+        <p14:creationId xmlns="" xmlns:p14="http://schemas.microsoft.com/office/powerpoint/2010/main" val="3389076463"/>
       </p:ext>
     </p:extLst>
   </p:cSld>
@@ -9603,7 +9603,7 @@
     </p:spTree>
     <p:extLst>
       <p:ext uri="{BB962C8B-B14F-4D97-AF65-F5344CB8AC3E}">
-        <p14:creationId xmlns:p14="http://schemas.microsoft.com/office/powerpoint/2010/main" xmlns="" val="3781125707"/>
+        <p14:creationId xmlns="" xmlns:p14="http://schemas.microsoft.com/office/powerpoint/2010/main" val="3781125707"/>
       </p:ext>
     </p:extLst>
   </p:cSld>
@@ -9727,7 +9727,7 @@
     </p:spTree>
     <p:extLst>
       <p:ext uri="{BB962C8B-B14F-4D97-AF65-F5344CB8AC3E}">
-        <p14:creationId xmlns:p14="http://schemas.microsoft.com/office/powerpoint/2010/main" xmlns="" val="3113757335"/>
+        <p14:creationId xmlns="" xmlns:p14="http://schemas.microsoft.com/office/powerpoint/2010/main" val="3113757335"/>
       </p:ext>
     </p:extLst>
   </p:cSld>
@@ -9811,7 +9811,7 @@
     </p:spTree>
     <p:extLst>
       <p:ext uri="{BB962C8B-B14F-4D97-AF65-F5344CB8AC3E}">
-        <p14:creationId xmlns:p14="http://schemas.microsoft.com/office/powerpoint/2010/main" xmlns="" val="3128220547"/>
+        <p14:creationId xmlns="" xmlns:p14="http://schemas.microsoft.com/office/powerpoint/2010/main" val="3128220547"/>
       </p:ext>
     </p:extLst>
   </p:cSld>
@@ -9937,7 +9937,7 @@
     </p:spTree>
     <p:extLst>
       <p:ext uri="{BB962C8B-B14F-4D97-AF65-F5344CB8AC3E}">
-        <p14:creationId xmlns:p14="http://schemas.microsoft.com/office/powerpoint/2010/main" xmlns="" val="3526463055"/>
+        <p14:creationId xmlns="" xmlns:p14="http://schemas.microsoft.com/office/powerpoint/2010/main" val="3526463055"/>
       </p:ext>
     </p:extLst>
   </p:cSld>
@@ -10060,7 +10060,7 @@
     </p:spTree>
     <p:extLst>
       <p:ext uri="{BB962C8B-B14F-4D97-AF65-F5344CB8AC3E}">
-        <p14:creationId xmlns:p14="http://schemas.microsoft.com/office/powerpoint/2010/main" xmlns="" val="4153735844"/>
+        <p14:creationId xmlns="" xmlns:p14="http://schemas.microsoft.com/office/powerpoint/2010/main" val="4153735844"/>
       </p:ext>
     </p:extLst>
   </p:cSld>
@@ -10153,7 +10153,7 @@
     </p:spTree>
     <p:extLst>
       <p:ext uri="{BB962C8B-B14F-4D97-AF65-F5344CB8AC3E}">
-        <p14:creationId xmlns:p14="http://schemas.microsoft.com/office/powerpoint/2010/main" xmlns="" val="3584613944"/>
+        <p14:creationId xmlns="" xmlns:p14="http://schemas.microsoft.com/office/powerpoint/2010/main" val="3584613944"/>
       </p:ext>
     </p:extLst>
   </p:cSld>
@@ -10342,7 +10342,7 @@
     </p:spTree>
     <p:extLst>
       <p:ext uri="{BB962C8B-B14F-4D97-AF65-F5344CB8AC3E}">
-        <p14:creationId xmlns:p14="http://schemas.microsoft.com/office/powerpoint/2010/main" xmlns="" val="1309712431"/>
+        <p14:creationId xmlns="" xmlns:p14="http://schemas.microsoft.com/office/powerpoint/2010/main" val="1309712431"/>
       </p:ext>
     </p:extLst>
   </p:cSld>
@@ -10559,7 +10559,7 @@
     </p:spTree>
     <p:extLst>
       <p:ext uri="{BB962C8B-B14F-4D97-AF65-F5344CB8AC3E}">
-        <p14:creationId xmlns:p14="http://schemas.microsoft.com/office/powerpoint/2010/main" xmlns="" val="3902446084"/>
+        <p14:creationId xmlns="" xmlns:p14="http://schemas.microsoft.com/office/powerpoint/2010/main" val="3902446084"/>
       </p:ext>
     </p:extLst>
   </p:cSld>
@@ -10751,7 +10751,7 @@
     </p:spTree>
     <p:extLst>
       <p:ext uri="{BB962C8B-B14F-4D97-AF65-F5344CB8AC3E}">
-        <p14:creationId xmlns:p14="http://schemas.microsoft.com/office/powerpoint/2010/main" xmlns="" val="3677979436"/>
+        <p14:creationId xmlns="" xmlns:p14="http://schemas.microsoft.com/office/powerpoint/2010/main" val="3677979436"/>
       </p:ext>
     </p:extLst>
   </p:cSld>
@@ -11268,7 +11268,7 @@
     </p:spTree>
     <p:extLst>
       <p:ext uri="{BB962C8B-B14F-4D97-AF65-F5344CB8AC3E}">
-        <p14:creationId xmlns:p14="http://schemas.microsoft.com/office/powerpoint/2010/main" xmlns="" val="3436514102"/>
+        <p14:creationId xmlns="" xmlns:p14="http://schemas.microsoft.com/office/powerpoint/2010/main" val="3436514102"/>
       </p:ext>
     </p:extLst>
   </p:cSld>
@@ -11276,7 +11276,7 @@
     <a:masterClrMapping/>
   </p:clrMapOvr>
   <mc:AlternateContent xmlns:mc="http://schemas.openxmlformats.org/markup-compatibility/2006">
-    <mc:Choice xmlns:p14="http://schemas.microsoft.com/office/powerpoint/2010/main" xmlns="" Requires="p14">
+    <mc:Choice xmlns="" xmlns:p14="http://schemas.microsoft.com/office/powerpoint/2010/main" Requires="p14">
       <p:transition spd="slow" p14:dur="2000"/>
     </mc:Choice>
     <mc:Fallback>
@@ -11369,7 +11369,7 @@
     </p:spTree>
     <p:extLst>
       <p:ext uri="{BB962C8B-B14F-4D97-AF65-F5344CB8AC3E}">
-        <p14:creationId xmlns:p14="http://schemas.microsoft.com/office/powerpoint/2010/main" xmlns="" val="2777952497"/>
+        <p14:creationId xmlns="" xmlns:p14="http://schemas.microsoft.com/office/powerpoint/2010/main" val="2777952497"/>
       </p:ext>
     </p:extLst>
   </p:cSld>
@@ -11557,7 +11557,7 @@
     </p:spTree>
     <p:extLst>
       <p:ext uri="{BB962C8B-B14F-4D97-AF65-F5344CB8AC3E}">
-        <p14:creationId xmlns:p14="http://schemas.microsoft.com/office/powerpoint/2010/main" xmlns="" val="2574674066"/>
+        <p14:creationId xmlns="" xmlns:p14="http://schemas.microsoft.com/office/powerpoint/2010/main" val="2574674066"/>
       </p:ext>
     </p:extLst>
   </p:cSld>
@@ -11650,7 +11650,7 @@
     </p:spTree>
     <p:extLst>
       <p:ext uri="{BB962C8B-B14F-4D97-AF65-F5344CB8AC3E}">
-        <p14:creationId xmlns:p14="http://schemas.microsoft.com/office/powerpoint/2010/main" xmlns="" val="763878143"/>
+        <p14:creationId xmlns="" xmlns:p14="http://schemas.microsoft.com/office/powerpoint/2010/main" val="763878143"/>
       </p:ext>
     </p:extLst>
   </p:cSld>
@@ -11922,7 +11922,6 @@
               <a:rPr lang="it-IT" sz="1800" dirty="0" smtClean="0"/>
               <a:t>Revisioni incrociate</a:t>
             </a:r>
-            <a:endParaRPr lang="it-IT" sz="1800" dirty="0" smtClean="0"/>
           </a:p>
           <a:p>
             <a:pPr lvl="1"/>
@@ -11970,7 +11969,6 @@
               <a:rPr lang="it-IT" sz="1800" dirty="0" smtClean="0"/>
               <a:t>Nonostante numerose revisioni ci sono ancora delle imperfezioni</a:t>
             </a:r>
-            <a:endParaRPr lang="it-IT" sz="1800" dirty="0" smtClean="0"/>
           </a:p>
           <a:p>
             <a:pPr lvl="1">
@@ -12273,7 +12271,7 @@
     </p:spTree>
     <p:extLst>
       <p:ext uri="{BB962C8B-B14F-4D97-AF65-F5344CB8AC3E}">
-        <p14:creationId xmlns:p14="http://schemas.microsoft.com/office/powerpoint/2010/main" xmlns="" val="42533803"/>
+        <p14:creationId xmlns="" xmlns:p14="http://schemas.microsoft.com/office/powerpoint/2010/main" val="42533803"/>
       </p:ext>
     </p:extLst>
   </p:cSld>
@@ -12281,7 +12279,7 @@
     <a:masterClrMapping/>
   </p:clrMapOvr>
   <mc:AlternateContent xmlns:mc="http://schemas.openxmlformats.org/markup-compatibility/2006">
-    <mc:Choice xmlns:p14="http://schemas.microsoft.com/office/powerpoint/2010/main" xmlns="" Requires="p14">
+    <mc:Choice xmlns="" xmlns:p14="http://schemas.microsoft.com/office/powerpoint/2010/main" Requires="p14">
       <p:transition spd="slow" p14:dur="2000"/>
     </mc:Choice>
     <mc:Fallback>
@@ -12585,7 +12583,7 @@
     </p:spTree>
     <p:extLst>
       <p:ext uri="{BB962C8B-B14F-4D97-AF65-F5344CB8AC3E}">
-        <p14:creationId xmlns:p14="http://schemas.microsoft.com/office/powerpoint/2010/main" xmlns="" val="719158636"/>
+        <p14:creationId xmlns="" xmlns:p14="http://schemas.microsoft.com/office/powerpoint/2010/main" val="719158636"/>
       </p:ext>
     </p:extLst>
   </p:cSld>
@@ -12593,7 +12591,7 @@
     <a:masterClrMapping/>
   </p:clrMapOvr>
   <mc:AlternateContent xmlns:mc="http://schemas.openxmlformats.org/markup-compatibility/2006">
-    <mc:Choice xmlns:p14="http://schemas.microsoft.com/office/powerpoint/2010/main" xmlns="" Requires="p14">
+    <mc:Choice xmlns="" xmlns:p14="http://schemas.microsoft.com/office/powerpoint/2010/main" Requires="p14">
       <p:transition spd="slow" p14:dur="2000"/>
     </mc:Choice>
     <mc:Fallback>
@@ -12894,7 +12892,7 @@
     </p:spTree>
     <p:extLst>
       <p:ext uri="{BB962C8B-B14F-4D97-AF65-F5344CB8AC3E}">
-        <p14:creationId xmlns:p14="http://schemas.microsoft.com/office/powerpoint/2010/main" xmlns="" val="3790159258"/>
+        <p14:creationId xmlns="" xmlns:p14="http://schemas.microsoft.com/office/powerpoint/2010/main" val="3790159258"/>
       </p:ext>
     </p:extLst>
   </p:cSld>
@@ -12902,7 +12900,7 @@
     <a:masterClrMapping/>
   </p:clrMapOvr>
   <mc:AlternateContent xmlns:mc="http://schemas.openxmlformats.org/markup-compatibility/2006">
-    <mc:Choice xmlns:p14="http://schemas.microsoft.com/office/powerpoint/2010/main" xmlns="" Requires="p14">
+    <mc:Choice xmlns="" xmlns:p14="http://schemas.microsoft.com/office/powerpoint/2010/main" Requires="p14">
       <p:transition spd="slow" p14:dur="2000"/>
     </mc:Choice>
     <mc:Fallback>
@@ -13210,7 +13208,7 @@
     </p:spTree>
     <p:extLst>
       <p:ext uri="{BB962C8B-B14F-4D97-AF65-F5344CB8AC3E}">
-        <p14:creationId xmlns:p14="http://schemas.microsoft.com/office/powerpoint/2010/main" xmlns="" val="560870364"/>
+        <p14:creationId xmlns="" xmlns:p14="http://schemas.microsoft.com/office/powerpoint/2010/main" val="560870364"/>
       </p:ext>
     </p:extLst>
   </p:cSld>
@@ -13218,7 +13216,7 @@
     <a:masterClrMapping/>
   </p:clrMapOvr>
   <mc:AlternateContent xmlns:mc="http://schemas.openxmlformats.org/markup-compatibility/2006">
-    <mc:Choice xmlns:p14="http://schemas.microsoft.com/office/powerpoint/2010/main" xmlns="" Requires="p14">
+    <mc:Choice xmlns="" xmlns:p14="http://schemas.microsoft.com/office/powerpoint/2010/main" Requires="p14">
       <p:transition spd="slow" p14:dur="2000"/>
     </mc:Choice>
     <mc:Fallback>
@@ -13519,7 +13517,7 @@
     </p:spTree>
     <p:extLst>
       <p:ext uri="{BB962C8B-B14F-4D97-AF65-F5344CB8AC3E}">
-        <p14:creationId xmlns:p14="http://schemas.microsoft.com/office/powerpoint/2010/main" xmlns="" val="518406238"/>
+        <p14:creationId xmlns="" xmlns:p14="http://schemas.microsoft.com/office/powerpoint/2010/main" val="518406238"/>
       </p:ext>
     </p:extLst>
   </p:cSld>
@@ -13527,7 +13525,7 @@
     <a:masterClrMapping/>
   </p:clrMapOvr>
   <mc:AlternateContent xmlns:mc="http://schemas.openxmlformats.org/markup-compatibility/2006">
-    <mc:Choice xmlns:p14="http://schemas.microsoft.com/office/powerpoint/2010/main" xmlns="" Requires="p14">
+    <mc:Choice xmlns="" xmlns:p14="http://schemas.microsoft.com/office/powerpoint/2010/main" Requires="p14">
       <p:transition spd="slow" p14:dur="2000"/>
     </mc:Choice>
     <mc:Fallback>
@@ -13828,7 +13826,7 @@
     </p:spTree>
     <p:extLst>
       <p:ext uri="{BB962C8B-B14F-4D97-AF65-F5344CB8AC3E}">
-        <p14:creationId xmlns:p14="http://schemas.microsoft.com/office/powerpoint/2010/main" xmlns="" val="3089945963"/>
+        <p14:creationId xmlns="" xmlns:p14="http://schemas.microsoft.com/office/powerpoint/2010/main" val="3089945963"/>
       </p:ext>
     </p:extLst>
   </p:cSld>
@@ -13836,7 +13834,7 @@
     <a:masterClrMapping/>
   </p:clrMapOvr>
   <mc:AlternateContent xmlns:mc="http://schemas.openxmlformats.org/markup-compatibility/2006">
-    <mc:Choice xmlns:p14="http://schemas.microsoft.com/office/powerpoint/2010/main" xmlns="" Requires="p14">
+    <mc:Choice xmlns="" xmlns:p14="http://schemas.microsoft.com/office/powerpoint/2010/main" Requires="p14">
       <p:transition spd="slow" p14:dur="2000"/>
     </mc:Choice>
     <mc:Fallback>
@@ -14183,7 +14181,7 @@
     </p:spTree>
     <p:extLst>
       <p:ext uri="{BB962C8B-B14F-4D97-AF65-F5344CB8AC3E}">
-        <p14:creationId xmlns:p14="http://schemas.microsoft.com/office/powerpoint/2010/main" xmlns="" val="3735783036"/>
+        <p14:creationId xmlns="" xmlns:p14="http://schemas.microsoft.com/office/powerpoint/2010/main" val="3735783036"/>
       </p:ext>
     </p:extLst>
   </p:cSld>
@@ -14191,7 +14189,7 @@
     <a:masterClrMapping/>
   </p:clrMapOvr>
   <mc:AlternateContent xmlns:mc="http://schemas.openxmlformats.org/markup-compatibility/2006">
-    <mc:Choice xmlns:p14="http://schemas.microsoft.com/office/powerpoint/2010/main" xmlns="" Requires="p14">
+    <mc:Choice xmlns="" xmlns:p14="http://schemas.microsoft.com/office/powerpoint/2010/main" Requires="p14">
       <p:transition spd="slow" p14:dur="2000"/>
     </mc:Choice>
     <mc:Fallback>
@@ -14504,7 +14502,7 @@
     </p:spTree>
     <p:extLst>
       <p:ext uri="{BB962C8B-B14F-4D97-AF65-F5344CB8AC3E}">
-        <p14:creationId xmlns:p14="http://schemas.microsoft.com/office/powerpoint/2010/main" xmlns="" val="820318166"/>
+        <p14:creationId xmlns="" xmlns:p14="http://schemas.microsoft.com/office/powerpoint/2010/main" val="820318166"/>
       </p:ext>
     </p:extLst>
   </p:cSld>
@@ -14512,7 +14510,7 @@
     <a:masterClrMapping/>
   </p:clrMapOvr>
   <mc:AlternateContent xmlns:mc="http://schemas.openxmlformats.org/markup-compatibility/2006">
-    <mc:Choice xmlns:p14="http://schemas.microsoft.com/office/powerpoint/2010/main" xmlns="" Requires="p14">
+    <mc:Choice xmlns="" xmlns:p14="http://schemas.microsoft.com/office/powerpoint/2010/main" Requires="p14">
       <p:transition spd="slow" p14:dur="2000"/>
     </mc:Choice>
     <mc:Fallback>
@@ -14832,7 +14830,7 @@
     </p:spTree>
     <p:extLst>
       <p:ext uri="{BB962C8B-B14F-4D97-AF65-F5344CB8AC3E}">
-        <p14:creationId xmlns:p14="http://schemas.microsoft.com/office/powerpoint/2010/main" xmlns="" val="2112585717"/>
+        <p14:creationId xmlns="" xmlns:p14="http://schemas.microsoft.com/office/powerpoint/2010/main" val="2112585717"/>
       </p:ext>
     </p:extLst>
   </p:cSld>
@@ -14840,7 +14838,7 @@
     <a:masterClrMapping/>
   </p:clrMapOvr>
   <mc:AlternateContent xmlns:mc="http://schemas.openxmlformats.org/markup-compatibility/2006">
-    <mc:Choice xmlns:p14="http://schemas.microsoft.com/office/powerpoint/2010/main" xmlns="" Requires="p14">
+    <mc:Choice xmlns="" xmlns:p14="http://schemas.microsoft.com/office/powerpoint/2010/main" Requires="p14">
       <p:transition spd="slow" p14:dur="2000"/>
     </mc:Choice>
     <mc:Fallback>
@@ -15125,7 +15123,7 @@
     </p:spTree>
     <p:extLst>
       <p:ext uri="{BB962C8B-B14F-4D97-AF65-F5344CB8AC3E}">
-        <p14:creationId xmlns:p14="http://schemas.microsoft.com/office/powerpoint/2010/main" xmlns="" val="2498309309"/>
+        <p14:creationId xmlns="" xmlns:p14="http://schemas.microsoft.com/office/powerpoint/2010/main" val="2498309309"/>
       </p:ext>
     </p:extLst>
   </p:cSld>
@@ -15133,7 +15131,7 @@
     <a:masterClrMapping/>
   </p:clrMapOvr>
   <mc:AlternateContent xmlns:mc="http://schemas.openxmlformats.org/markup-compatibility/2006">
-    <mc:Choice xmlns:p14="http://schemas.microsoft.com/office/powerpoint/2010/main" xmlns="" Requires="p14">
+    <mc:Choice xmlns="" xmlns:p14="http://schemas.microsoft.com/office/powerpoint/2010/main" Requires="p14">
       <p:transition spd="slow" p14:dur="2000"/>
     </mc:Choice>
     <mc:Fallback>
@@ -15430,7 +15428,7 @@
     </p:spTree>
     <p:extLst>
       <p:ext uri="{BB962C8B-B14F-4D97-AF65-F5344CB8AC3E}">
-        <p14:creationId xmlns:p14="http://schemas.microsoft.com/office/powerpoint/2010/main" xmlns="" val="490993421"/>
+        <p14:creationId xmlns="" xmlns:p14="http://schemas.microsoft.com/office/powerpoint/2010/main" val="490993421"/>
       </p:ext>
     </p:extLst>
   </p:cSld>
@@ -15438,7 +15436,7 @@
     <a:masterClrMapping/>
   </p:clrMapOvr>
   <mc:AlternateContent xmlns:mc="http://schemas.openxmlformats.org/markup-compatibility/2006">
-    <mc:Choice xmlns:p14="http://schemas.microsoft.com/office/powerpoint/2010/main" xmlns="" Requires="p14">
+    <mc:Choice xmlns="" xmlns:p14="http://schemas.microsoft.com/office/powerpoint/2010/main" Requires="p14">
       <p:transition spd="slow" p14:dur="2000"/>
     </mc:Choice>
     <mc:Fallback>
@@ -15707,7 +15705,7 @@
     </p:spTree>
     <p:extLst>
       <p:ext uri="{BB962C8B-B14F-4D97-AF65-F5344CB8AC3E}">
-        <p14:creationId xmlns:p14="http://schemas.microsoft.com/office/powerpoint/2010/main" xmlns="" val="1982603412"/>
+        <p14:creationId xmlns="" xmlns:p14="http://schemas.microsoft.com/office/powerpoint/2010/main" val="1982603412"/>
       </p:ext>
     </p:extLst>
   </p:cSld>
@@ -15715,7 +15713,7 @@
     <a:masterClrMapping/>
   </p:clrMapOvr>
   <mc:AlternateContent xmlns:mc="http://schemas.openxmlformats.org/markup-compatibility/2006">
-    <mc:Choice xmlns:p14="http://schemas.microsoft.com/office/powerpoint/2010/main" xmlns="" Requires="p14">
+    <mc:Choice xmlns="" xmlns:p14="http://schemas.microsoft.com/office/powerpoint/2010/main" Requires="p14">
       <p:transition spd="slow" p14:dur="2000"/>
     </mc:Choice>
     <mc:Fallback>
@@ -15808,7 +15806,7 @@
     </p:spTree>
     <p:extLst>
       <p:ext uri="{BB962C8B-B14F-4D97-AF65-F5344CB8AC3E}">
-        <p14:creationId xmlns:p14="http://schemas.microsoft.com/office/powerpoint/2010/main" xmlns="" val="3486681628"/>
+        <p14:creationId xmlns="" xmlns:p14="http://schemas.microsoft.com/office/powerpoint/2010/main" val="3486681628"/>
       </p:ext>
     </p:extLst>
   </p:cSld>
@@ -15816,7 +15814,7 @@
     <a:masterClrMapping/>
   </p:clrMapOvr>
   <mc:AlternateContent xmlns:mc="http://schemas.openxmlformats.org/markup-compatibility/2006">
-    <mc:Choice xmlns:p14="http://schemas.microsoft.com/office/powerpoint/2010/main" xmlns="" Requires="p14">
+    <mc:Choice xmlns="" xmlns:p14="http://schemas.microsoft.com/office/powerpoint/2010/main" Requires="p14">
       <p:transition spd="slow" p14:dur="2000"/>
     </mc:Choice>
     <mc:Fallback>
@@ -16126,7 +16124,7 @@
     </p:spTree>
     <p:extLst>
       <p:ext uri="{BB962C8B-B14F-4D97-AF65-F5344CB8AC3E}">
-        <p14:creationId xmlns:p14="http://schemas.microsoft.com/office/powerpoint/2010/main" xmlns="" val="2167458548"/>
+        <p14:creationId xmlns="" xmlns:p14="http://schemas.microsoft.com/office/powerpoint/2010/main" val="2167458548"/>
       </p:ext>
     </p:extLst>
   </p:cSld>
@@ -16134,7 +16132,7 @@
     <a:masterClrMapping/>
   </p:clrMapOvr>
   <mc:AlternateContent xmlns:mc="http://schemas.openxmlformats.org/markup-compatibility/2006">
-    <mc:Choice xmlns:p14="http://schemas.microsoft.com/office/powerpoint/2010/main" xmlns="" Requires="p14">
+    <mc:Choice xmlns="" xmlns:p14="http://schemas.microsoft.com/office/powerpoint/2010/main" Requires="p14">
       <p:transition spd="slow" p14:dur="2000"/>
     </mc:Choice>
     <mc:Fallback>
@@ -16233,7 +16231,7 @@
     </p:spTree>
     <p:extLst>
       <p:ext uri="{BB962C8B-B14F-4D97-AF65-F5344CB8AC3E}">
-        <p14:creationId xmlns:p14="http://schemas.microsoft.com/office/powerpoint/2010/main" xmlns="" val="77984983"/>
+        <p14:creationId xmlns="" xmlns:p14="http://schemas.microsoft.com/office/powerpoint/2010/main" val="77984983"/>
       </p:ext>
     </p:extLst>
   </p:cSld>
@@ -16241,7 +16239,7 @@
     <a:masterClrMapping/>
   </p:clrMapOvr>
   <mc:AlternateContent xmlns:mc="http://schemas.openxmlformats.org/markup-compatibility/2006">
-    <mc:Choice xmlns:p14="http://schemas.microsoft.com/office/powerpoint/2010/main" xmlns="" Requires="p14">
+    <mc:Choice xmlns="" xmlns:p14="http://schemas.microsoft.com/office/powerpoint/2010/main" Requires="p14">
       <p:transition spd="slow" p14:dur="2000"/>
     </mc:Choice>
     <mc:Fallback>
@@ -16340,7 +16338,7 @@
     </p:spTree>
     <p:extLst>
       <p:ext uri="{BB962C8B-B14F-4D97-AF65-F5344CB8AC3E}">
-        <p14:creationId xmlns:p14="http://schemas.microsoft.com/office/powerpoint/2010/main" xmlns="" val="3690446741"/>
+        <p14:creationId xmlns="" xmlns:p14="http://schemas.microsoft.com/office/powerpoint/2010/main" val="3690446741"/>
       </p:ext>
     </p:extLst>
   </p:cSld>
@@ -16348,7 +16346,7 @@
     <a:masterClrMapping/>
   </p:clrMapOvr>
   <mc:AlternateContent xmlns:mc="http://schemas.openxmlformats.org/markup-compatibility/2006">
-    <mc:Choice xmlns:p14="http://schemas.microsoft.com/office/powerpoint/2010/main" xmlns="" Requires="p14">
+    <mc:Choice xmlns="" xmlns:p14="http://schemas.microsoft.com/office/powerpoint/2010/main" Requires="p14">
       <p:transition spd="slow" p14:dur="2000"/>
     </mc:Choice>
     <mc:Fallback>
@@ -16579,7 +16577,7 @@
     </p:spTree>
     <p:extLst>
       <p:ext uri="{BB962C8B-B14F-4D97-AF65-F5344CB8AC3E}">
-        <p14:creationId xmlns:p14="http://schemas.microsoft.com/office/powerpoint/2010/main" xmlns="" val="1921668123"/>
+        <p14:creationId xmlns="" xmlns:p14="http://schemas.microsoft.com/office/powerpoint/2010/main" val="1921668123"/>
       </p:ext>
     </p:extLst>
   </p:cSld>
@@ -16587,7 +16585,7 @@
     <a:masterClrMapping/>
   </p:clrMapOvr>
   <mc:AlternateContent xmlns:mc="http://schemas.openxmlformats.org/markup-compatibility/2006">
-    <mc:Choice xmlns:p14="http://schemas.microsoft.com/office/powerpoint/2010/main" xmlns="" Requires="p14">
+    <mc:Choice xmlns="" xmlns:p14="http://schemas.microsoft.com/office/powerpoint/2010/main" Requires="p14">
       <p:transition spd="slow" p14:dur="2000"/>
     </mc:Choice>
     <mc:Fallback>
@@ -16938,7 +16936,7 @@
     </p:spTree>
     <p:extLst>
       <p:ext uri="{BB962C8B-B14F-4D97-AF65-F5344CB8AC3E}">
-        <p14:creationId xmlns:p14="http://schemas.microsoft.com/office/powerpoint/2010/main" xmlns="" val="1766382090"/>
+        <p14:creationId xmlns="" xmlns:p14="http://schemas.microsoft.com/office/powerpoint/2010/main" val="1766382090"/>
       </p:ext>
     </p:extLst>
   </p:cSld>
@@ -16946,7 +16944,7 @@
     <a:masterClrMapping/>
   </p:clrMapOvr>
   <mc:AlternateContent xmlns:mc="http://schemas.openxmlformats.org/markup-compatibility/2006">
-    <mc:Choice xmlns:p14="http://schemas.microsoft.com/office/powerpoint/2010/main" xmlns="" Requires="p14">
+    <mc:Choice xmlns="" xmlns:p14="http://schemas.microsoft.com/office/powerpoint/2010/main" Requires="p14">
       <p:transition spd="slow" p14:dur="2000"/>
     </mc:Choice>
     <mc:Fallback>
@@ -17238,7 +17236,7 @@
     </p:spTree>
     <p:extLst>
       <p:ext uri="{BB962C8B-B14F-4D97-AF65-F5344CB8AC3E}">
-        <p14:creationId xmlns:p14="http://schemas.microsoft.com/office/powerpoint/2010/main" xmlns="" val="2809531644"/>
+        <p14:creationId xmlns="" xmlns:p14="http://schemas.microsoft.com/office/powerpoint/2010/main" val="2809531644"/>
       </p:ext>
     </p:extLst>
   </p:cSld>
@@ -17246,7 +17244,7 @@
     <a:masterClrMapping/>
   </p:clrMapOvr>
   <mc:AlternateContent xmlns:mc="http://schemas.openxmlformats.org/markup-compatibility/2006">
-    <mc:Choice xmlns:p14="http://schemas.microsoft.com/office/powerpoint/2010/main" xmlns="" Requires="p14">
+    <mc:Choice xmlns="" xmlns:p14="http://schemas.microsoft.com/office/powerpoint/2010/main" Requires="p14">
       <p:transition spd="slow" p14:dur="2000"/>
     </mc:Choice>
     <mc:Fallback>
@@ -17400,7 +17398,7 @@
     </p:spTree>
     <p:extLst>
       <p:ext uri="{BB962C8B-B14F-4D97-AF65-F5344CB8AC3E}">
-        <p14:creationId xmlns:p14="http://schemas.microsoft.com/office/powerpoint/2010/main" xmlns="" val="2052235477"/>
+        <p14:creationId xmlns="" xmlns:p14="http://schemas.microsoft.com/office/powerpoint/2010/main" val="2052235477"/>
       </p:ext>
     </p:extLst>
   </p:cSld>
@@ -17408,7 +17406,7 @@
     <a:masterClrMapping/>
   </p:clrMapOvr>
   <mc:AlternateContent xmlns:mc="http://schemas.openxmlformats.org/markup-compatibility/2006">
-    <mc:Choice xmlns:p14="http://schemas.microsoft.com/office/powerpoint/2010/main" xmlns="" Requires="p14">
+    <mc:Choice xmlns="" xmlns:p14="http://schemas.microsoft.com/office/powerpoint/2010/main" Requires="p14">
       <p:transition spd="slow" p14:dur="2000"/>
     </mc:Choice>
     <mc:Fallback>
@@ -17474,7 +17472,7 @@
     </p:spTree>
     <p:extLst>
       <p:ext uri="{BB962C8B-B14F-4D97-AF65-F5344CB8AC3E}">
-        <p14:creationId xmlns:p14="http://schemas.microsoft.com/office/powerpoint/2010/main" xmlns="" val="1378357901"/>
+        <p14:creationId xmlns="" xmlns:p14="http://schemas.microsoft.com/office/powerpoint/2010/main" val="1378357901"/>
       </p:ext>
     </p:extLst>
   </p:cSld>
@@ -17564,7 +17562,7 @@
           <p:nvPr>
             <p:extLst>
               <p:ext uri="{D42A27DB-BD31-4B8C-83A1-F6EECF244321}">
-                <p14:modId xmlns:p14="http://schemas.microsoft.com/office/powerpoint/2010/main" xmlns="" val="2256308220"/>
+                <p14:modId xmlns="" xmlns:p14="http://schemas.microsoft.com/office/powerpoint/2010/main" val="2256308220"/>
               </p:ext>
             </p:extLst>
           </p:nvPr>
@@ -18149,7 +18147,7 @@
     </p:spTree>
     <p:extLst>
       <p:ext uri="{BB962C8B-B14F-4D97-AF65-F5344CB8AC3E}">
-        <p14:creationId xmlns:p14="http://schemas.microsoft.com/office/powerpoint/2010/main" xmlns="" val="1730443546"/>
+        <p14:creationId xmlns="" xmlns:p14="http://schemas.microsoft.com/office/powerpoint/2010/main" val="1730443546"/>
       </p:ext>
     </p:extLst>
   </p:cSld>
@@ -18157,7 +18155,7 @@
     <a:masterClrMapping/>
   </p:clrMapOvr>
   <mc:AlternateContent xmlns:mc="http://schemas.openxmlformats.org/markup-compatibility/2006">
-    <mc:Choice xmlns:p14="http://schemas.microsoft.com/office/powerpoint/2010/main" xmlns="" Requires="p14">
+    <mc:Choice xmlns="" xmlns:p14="http://schemas.microsoft.com/office/powerpoint/2010/main" Requires="p14">
       <p:transition spd="slow" p14:dur="2000"/>
     </mc:Choice>
     <mc:Fallback>
@@ -18637,7 +18635,7 @@
     </p:spTree>
     <p:extLst>
       <p:ext uri="{BB962C8B-B14F-4D97-AF65-F5344CB8AC3E}">
-        <p14:creationId xmlns:p14="http://schemas.microsoft.com/office/powerpoint/2010/main" xmlns="" val="1629831378"/>
+        <p14:creationId xmlns="" xmlns:p14="http://schemas.microsoft.com/office/powerpoint/2010/main" val="1629831378"/>
       </p:ext>
     </p:extLst>
   </p:cSld>
@@ -18645,7 +18643,7 @@
     <a:masterClrMapping/>
   </p:clrMapOvr>
   <mc:AlternateContent xmlns:mc="http://schemas.openxmlformats.org/markup-compatibility/2006">
-    <mc:Choice xmlns:p14="http://schemas.microsoft.com/office/powerpoint/2010/main" xmlns="" Requires="p14">
+    <mc:Choice xmlns="" xmlns:p14="http://schemas.microsoft.com/office/powerpoint/2010/main" Requires="p14">
       <p:transition spd="slow" p14:dur="2000"/>
     </mc:Choice>
     <mc:Fallback>
@@ -18691,7 +18689,7 @@
           <a:blip r:embed="rId2" cstate="print">
             <a:extLst>
               <a:ext uri="{28A0092B-C50C-407E-A947-70E740481C1C}">
-                <a14:useLocalDpi xmlns:a14="http://schemas.microsoft.com/office/drawing/2010/main" xmlns="" val="0"/>
+                <a14:useLocalDpi xmlns="" xmlns:a14="http://schemas.microsoft.com/office/drawing/2010/main" val="0"/>
               </a:ext>
             </a:extLst>
           </a:blip>
@@ -18711,7 +18709,7 @@
           <a:noFill/>
           <a:extLst>
             <a:ext uri="{909E8E84-426E-40dd-AFC4-6F175D3DCCD1}">
-              <a14:hiddenFill xmlns:a14="http://schemas.microsoft.com/office/drawing/2010/main" xmlns="">
+              <a14:hiddenFill xmlns="" xmlns:a14="http://schemas.microsoft.com/office/drawing/2010/main">
                 <a:solidFill>
                   <a:srgbClr val="FFFFFF"/>
                 </a:solidFill>
@@ -18794,7 +18792,7 @@
     </p:spTree>
     <p:extLst>
       <p:ext uri="{BB962C8B-B14F-4D97-AF65-F5344CB8AC3E}">
-        <p14:creationId xmlns:p14="http://schemas.microsoft.com/office/powerpoint/2010/main" xmlns="" val="2367797895"/>
+        <p14:creationId xmlns="" xmlns:p14="http://schemas.microsoft.com/office/powerpoint/2010/main" val="2367797895"/>
       </p:ext>
     </p:extLst>
   </p:cSld>
@@ -18802,7 +18800,7 @@
     <a:masterClrMapping/>
   </p:clrMapOvr>
   <mc:AlternateContent xmlns:mc="http://schemas.openxmlformats.org/markup-compatibility/2006">
-    <mc:Choice xmlns:p14="http://schemas.microsoft.com/office/powerpoint/2010/main" xmlns="" Requires="p14">
+    <mc:Choice xmlns="" xmlns:p14="http://schemas.microsoft.com/office/powerpoint/2010/main" Requires="p14">
       <p:transition spd="slow" p14:dur="2000"/>
     </mc:Choice>
     <mc:Fallback>
@@ -19182,7 +19180,7 @@
     </p:spTree>
     <p:extLst>
       <p:ext uri="{BB962C8B-B14F-4D97-AF65-F5344CB8AC3E}">
-        <p14:creationId xmlns:p14="http://schemas.microsoft.com/office/powerpoint/2010/main" xmlns="" val="2781102722"/>
+        <p14:creationId xmlns="" xmlns:p14="http://schemas.microsoft.com/office/powerpoint/2010/main" val="2781102722"/>
       </p:ext>
     </p:extLst>
   </p:cSld>
@@ -19769,7 +19767,7 @@
     </p:spTree>
     <p:extLst>
       <p:ext uri="{BB962C8B-B14F-4D97-AF65-F5344CB8AC3E}">
-        <p14:creationId xmlns:p14="http://schemas.microsoft.com/office/powerpoint/2010/main" xmlns="" val="3452883339"/>
+        <p14:creationId xmlns="" xmlns:p14="http://schemas.microsoft.com/office/powerpoint/2010/main" val="3452883339"/>
       </p:ext>
     </p:extLst>
   </p:cSld>
@@ -19777,7 +19775,7 @@
     <a:masterClrMapping/>
   </p:clrMapOvr>
   <mc:AlternateContent xmlns:mc="http://schemas.openxmlformats.org/markup-compatibility/2006">
-    <mc:Choice xmlns:p14="http://schemas.microsoft.com/office/powerpoint/2010/main" xmlns="" Requires="p14">
+    <mc:Choice xmlns="" xmlns:p14="http://schemas.microsoft.com/office/powerpoint/2010/main" Requires="p14">
       <p:transition spd="slow" p14:dur="2000"/>
     </mc:Choice>
     <mc:Fallback>
@@ -20610,7 +20608,7 @@
     </p:spTree>
     <p:extLst>
       <p:ext uri="{BB962C8B-B14F-4D97-AF65-F5344CB8AC3E}">
-        <p14:creationId xmlns:p14="http://schemas.microsoft.com/office/powerpoint/2010/main" xmlns="" val="1827848310"/>
+        <p14:creationId xmlns="" xmlns:p14="http://schemas.microsoft.com/office/powerpoint/2010/main" val="1827848310"/>
       </p:ext>
     </p:extLst>
   </p:cSld>
@@ -20618,7 +20616,7 @@
     <a:masterClrMapping/>
   </p:clrMapOvr>
   <mc:AlternateContent xmlns:mc="http://schemas.openxmlformats.org/markup-compatibility/2006">
-    <mc:Choice xmlns:p14="http://schemas.microsoft.com/office/powerpoint/2010/main" xmlns="" Requires="p14">
+    <mc:Choice xmlns="" xmlns:p14="http://schemas.microsoft.com/office/powerpoint/2010/main" Requires="p14">
       <p:transition spd="slow" p14:dur="2000"/>
     </mc:Choice>
     <mc:Fallback>
@@ -21518,7 +21516,7 @@
     </p:spTree>
     <p:extLst>
       <p:ext uri="{BB962C8B-B14F-4D97-AF65-F5344CB8AC3E}">
-        <p14:creationId xmlns:p14="http://schemas.microsoft.com/office/powerpoint/2010/main" xmlns="" val="2616731691"/>
+        <p14:creationId xmlns="" xmlns:p14="http://schemas.microsoft.com/office/powerpoint/2010/main" val="2616731691"/>
       </p:ext>
     </p:extLst>
   </p:cSld>
@@ -21526,7 +21524,7 @@
     <a:masterClrMapping/>
   </p:clrMapOvr>
   <mc:AlternateContent xmlns:mc="http://schemas.openxmlformats.org/markup-compatibility/2006">
-    <mc:Choice xmlns:p14="http://schemas.microsoft.com/office/powerpoint/2010/main" xmlns="" Requires="p14">
+    <mc:Choice xmlns="" xmlns:p14="http://schemas.microsoft.com/office/powerpoint/2010/main" Requires="p14">
       <p:transition spd="slow" p14:dur="2000"/>
     </mc:Choice>
     <mc:Fallback>
@@ -21960,7 +21958,7 @@
     </p:spTree>
     <p:extLst>
       <p:ext uri="{BB962C8B-B14F-4D97-AF65-F5344CB8AC3E}">
-        <p14:creationId xmlns:p14="http://schemas.microsoft.com/office/powerpoint/2010/main" xmlns="" val="1358147143"/>
+        <p14:creationId xmlns="" xmlns:p14="http://schemas.microsoft.com/office/powerpoint/2010/main" val="1358147143"/>
       </p:ext>
     </p:extLst>
   </p:cSld>
@@ -21968,7 +21966,7 @@
     <a:masterClrMapping/>
   </p:clrMapOvr>
   <mc:AlternateContent xmlns:mc="http://schemas.openxmlformats.org/markup-compatibility/2006">
-    <mc:Choice xmlns:p14="http://schemas.microsoft.com/office/powerpoint/2010/main" xmlns="" Requires="p14">
+    <mc:Choice xmlns="" xmlns:p14="http://schemas.microsoft.com/office/powerpoint/2010/main" Requires="p14">
       <p:transition spd="slow" p14:dur="2000"/>
     </mc:Choice>
     <mc:Fallback>
@@ -22129,8 +22127,9 @@
             </a:r>
             <a:r>
               <a:rPr lang="it-IT" sz="1400" b="1" dirty="0" smtClean="0"/>
-              <a:t>();</a:t>
-            </a:r>
+              <a:t>(….);</a:t>
+            </a:r>
+            <a:endParaRPr lang="it-IT" sz="1400" b="1" dirty="0" smtClean="0"/>
           </a:p>
           <a:p>
             <a:pPr marL="342900" indent="-342900">
@@ -22152,7 +22151,7 @@
     </p:spTree>
     <p:extLst>
       <p:ext uri="{BB962C8B-B14F-4D97-AF65-F5344CB8AC3E}">
-        <p14:creationId xmlns:p14="http://schemas.microsoft.com/office/powerpoint/2010/main" xmlns="" val="2912892320"/>
+        <p14:creationId xmlns="" xmlns:p14="http://schemas.microsoft.com/office/powerpoint/2010/main" val="2912892320"/>
       </p:ext>
     </p:extLst>
   </p:cSld>
@@ -22160,7 +22159,7 @@
     <a:masterClrMapping/>
   </p:clrMapOvr>
   <mc:AlternateContent xmlns:mc="http://schemas.openxmlformats.org/markup-compatibility/2006">
-    <mc:Choice xmlns:p14="http://schemas.microsoft.com/office/powerpoint/2010/main" xmlns="" Requires="p14">
+    <mc:Choice xmlns="" xmlns:p14="http://schemas.microsoft.com/office/powerpoint/2010/main" Requires="p14">
       <p:transition spd="slow" p14:dur="2000"/>
     </mc:Choice>
     <mc:Fallback>
@@ -22570,7 +22569,7 @@
     </p:spTree>
     <p:extLst>
       <p:ext uri="{BB962C8B-B14F-4D97-AF65-F5344CB8AC3E}">
-        <p14:creationId xmlns:p14="http://schemas.microsoft.com/office/powerpoint/2010/main" xmlns="" val="462729233"/>
+        <p14:creationId xmlns="" xmlns:p14="http://schemas.microsoft.com/office/powerpoint/2010/main" val="462729233"/>
       </p:ext>
     </p:extLst>
   </p:cSld>
@@ -22578,7 +22577,7 @@
     <a:masterClrMapping/>
   </p:clrMapOvr>
   <mc:AlternateContent xmlns:mc="http://schemas.openxmlformats.org/markup-compatibility/2006">
-    <mc:Choice xmlns:p14="http://schemas.microsoft.com/office/powerpoint/2010/main" xmlns="" Requires="p14">
+    <mc:Choice xmlns="" xmlns:p14="http://schemas.microsoft.com/office/powerpoint/2010/main" Requires="p14">
       <p:transition spd="slow" p14:dur="2000"/>
     </mc:Choice>
     <mc:Fallback>
@@ -23200,7 +23199,7 @@
     </p:spTree>
     <p:extLst>
       <p:ext uri="{BB962C8B-B14F-4D97-AF65-F5344CB8AC3E}">
-        <p14:creationId xmlns:p14="http://schemas.microsoft.com/office/powerpoint/2010/main" xmlns="" val="1717101950"/>
+        <p14:creationId xmlns="" xmlns:p14="http://schemas.microsoft.com/office/powerpoint/2010/main" val="1717101950"/>
       </p:ext>
     </p:extLst>
   </p:cSld>
@@ -23208,7 +23207,7 @@
     <a:masterClrMapping/>
   </p:clrMapOvr>
   <mc:AlternateContent xmlns:mc="http://schemas.openxmlformats.org/markup-compatibility/2006">
-    <mc:Choice xmlns:p14="http://schemas.microsoft.com/office/powerpoint/2010/main" xmlns="" Requires="p14">
+    <mc:Choice xmlns="" xmlns:p14="http://schemas.microsoft.com/office/powerpoint/2010/main" Requires="p14">
       <p:transition spd="slow" p14:dur="2000"/>
     </mc:Choice>
     <mc:Fallback>
@@ -23629,7 +23628,7 @@
     </p:spTree>
     <p:extLst>
       <p:ext uri="{BB962C8B-B14F-4D97-AF65-F5344CB8AC3E}">
-        <p14:creationId xmlns:p14="http://schemas.microsoft.com/office/powerpoint/2010/main" xmlns="" val="309719199"/>
+        <p14:creationId xmlns="" xmlns:p14="http://schemas.microsoft.com/office/powerpoint/2010/main" val="309719199"/>
       </p:ext>
     </p:extLst>
   </p:cSld>
@@ -23637,7 +23636,7 @@
     <a:masterClrMapping/>
   </p:clrMapOvr>
   <mc:AlternateContent xmlns:mc="http://schemas.openxmlformats.org/markup-compatibility/2006">
-    <mc:Choice xmlns:p14="http://schemas.microsoft.com/office/powerpoint/2010/main" xmlns="" Requires="p14">
+    <mc:Choice xmlns="" xmlns:p14="http://schemas.microsoft.com/office/powerpoint/2010/main" Requires="p14">
       <p:transition spd="slow" p14:dur="2000"/>
     </mc:Choice>
     <mc:Fallback>
@@ -24171,7 +24170,7 @@
     </p:spTree>
     <p:extLst>
       <p:ext uri="{BB962C8B-B14F-4D97-AF65-F5344CB8AC3E}">
-        <p14:creationId xmlns:p14="http://schemas.microsoft.com/office/powerpoint/2010/main" xmlns="" val="955904447"/>
+        <p14:creationId xmlns="" xmlns:p14="http://schemas.microsoft.com/office/powerpoint/2010/main" val="955904447"/>
       </p:ext>
     </p:extLst>
   </p:cSld>
@@ -24179,7 +24178,7 @@
     <a:masterClrMapping/>
   </p:clrMapOvr>
   <mc:AlternateContent xmlns:mc="http://schemas.openxmlformats.org/markup-compatibility/2006">
-    <mc:Choice xmlns:p14="http://schemas.microsoft.com/office/powerpoint/2010/main" xmlns="" Requires="p14">
+    <mc:Choice xmlns="" xmlns:p14="http://schemas.microsoft.com/office/powerpoint/2010/main" Requires="p14">
       <p:transition spd="slow" p14:dur="2000"/>
     </mc:Choice>
     <mc:Fallback>
@@ -24731,7 +24730,7 @@
     </p:spTree>
     <p:extLst>
       <p:ext uri="{BB962C8B-B14F-4D97-AF65-F5344CB8AC3E}">
-        <p14:creationId xmlns:p14="http://schemas.microsoft.com/office/powerpoint/2010/main" xmlns="" val="1140837011"/>
+        <p14:creationId xmlns="" xmlns:p14="http://schemas.microsoft.com/office/powerpoint/2010/main" val="1140837011"/>
       </p:ext>
     </p:extLst>
   </p:cSld>
@@ -24739,7 +24738,7 @@
     <a:masterClrMapping/>
   </p:clrMapOvr>
   <mc:AlternateContent xmlns:mc="http://schemas.openxmlformats.org/markup-compatibility/2006">
-    <mc:Choice xmlns:p14="http://schemas.microsoft.com/office/powerpoint/2010/main" xmlns="" Requires="p14">
+    <mc:Choice xmlns="" xmlns:p14="http://schemas.microsoft.com/office/powerpoint/2010/main" Requires="p14">
       <p:transition spd="slow" p14:dur="2000"/>
     </mc:Choice>
     <mc:Fallback>
@@ -25323,7 +25322,7 @@
     </p:spTree>
     <p:extLst>
       <p:ext uri="{BB962C8B-B14F-4D97-AF65-F5344CB8AC3E}">
-        <p14:creationId xmlns:p14="http://schemas.microsoft.com/office/powerpoint/2010/main" xmlns="" val="247747513"/>
+        <p14:creationId xmlns="" xmlns:p14="http://schemas.microsoft.com/office/powerpoint/2010/main" val="247747513"/>
       </p:ext>
     </p:extLst>
   </p:cSld>
@@ -25331,7 +25330,7 @@
     <a:masterClrMapping/>
   </p:clrMapOvr>
   <mc:AlternateContent xmlns:mc="http://schemas.openxmlformats.org/markup-compatibility/2006">
-    <mc:Choice xmlns:p14="http://schemas.microsoft.com/office/powerpoint/2010/main" xmlns="" Requires="p14">
+    <mc:Choice xmlns="" xmlns:p14="http://schemas.microsoft.com/office/powerpoint/2010/main" Requires="p14">
       <p:transition spd="slow" p14:dur="2000"/>
     </mc:Choice>
     <mc:Fallback>
@@ -26021,7 +26020,7 @@
     </p:spTree>
     <p:extLst>
       <p:ext uri="{BB962C8B-B14F-4D97-AF65-F5344CB8AC3E}">
-        <p14:creationId xmlns:p14="http://schemas.microsoft.com/office/powerpoint/2010/main" xmlns="" val="1776831606"/>
+        <p14:creationId xmlns="" xmlns:p14="http://schemas.microsoft.com/office/powerpoint/2010/main" val="1776831606"/>
       </p:ext>
     </p:extLst>
   </p:cSld>
@@ -26029,7 +26028,7 @@
     <a:masterClrMapping/>
   </p:clrMapOvr>
   <mc:AlternateContent xmlns:mc="http://schemas.openxmlformats.org/markup-compatibility/2006">
-    <mc:Choice xmlns:p14="http://schemas.microsoft.com/office/powerpoint/2010/main" xmlns="" Requires="p14">
+    <mc:Choice xmlns="" xmlns:p14="http://schemas.microsoft.com/office/powerpoint/2010/main" Requires="p14">
       <p:transition spd="slow" p14:dur="2000"/>
     </mc:Choice>
     <mc:Fallback>
@@ -26379,7 +26378,7 @@
           <a:blip r:embed="rId2" cstate="print">
             <a:extLst>
               <a:ext uri="{28A0092B-C50C-407E-A947-70E740481C1C}">
-                <a14:useLocalDpi xmlns:a14="http://schemas.microsoft.com/office/drawing/2010/main" xmlns="" val="0"/>
+                <a14:useLocalDpi xmlns="" xmlns:a14="http://schemas.microsoft.com/office/drawing/2010/main" val="0"/>
               </a:ext>
             </a:extLst>
           </a:blip>
@@ -26399,7 +26398,7 @@
           <a:noFill/>
           <a:extLst>
             <a:ext uri="{909E8E84-426E-40dd-AFC4-6F175D3DCCD1}">
-              <a14:hiddenFill xmlns:a14="http://schemas.microsoft.com/office/drawing/2010/main" xmlns="">
+              <a14:hiddenFill xmlns="" xmlns:a14="http://schemas.microsoft.com/office/drawing/2010/main">
                 <a:solidFill>
                   <a:srgbClr val="FFFFFF"/>
                 </a:solidFill>
@@ -26482,7 +26481,7 @@
     </p:spTree>
     <p:extLst>
       <p:ext uri="{BB962C8B-B14F-4D97-AF65-F5344CB8AC3E}">
-        <p14:creationId xmlns:p14="http://schemas.microsoft.com/office/powerpoint/2010/main" xmlns="" val="2717568001"/>
+        <p14:creationId xmlns="" xmlns:p14="http://schemas.microsoft.com/office/powerpoint/2010/main" val="2717568001"/>
       </p:ext>
     </p:extLst>
   </p:cSld>
@@ -26490,7 +26489,7 @@
     <a:masterClrMapping/>
   </p:clrMapOvr>
   <mc:AlternateContent xmlns:mc="http://schemas.openxmlformats.org/markup-compatibility/2006">
-    <mc:Choice xmlns:p14="http://schemas.microsoft.com/office/powerpoint/2010/main" xmlns="" Requires="p14">
+    <mc:Choice xmlns="" xmlns:p14="http://schemas.microsoft.com/office/powerpoint/2010/main" Requires="p14">
       <p:transition spd="slow" p14:dur="2000"/>
     </mc:Choice>
     <mc:Fallback>
@@ -26785,7 +26784,7 @@
     </p:spTree>
     <p:extLst>
       <p:ext uri="{BB962C8B-B14F-4D97-AF65-F5344CB8AC3E}">
-        <p14:creationId xmlns:p14="http://schemas.microsoft.com/office/powerpoint/2010/main" xmlns="" val="3266999169"/>
+        <p14:creationId xmlns="" xmlns:p14="http://schemas.microsoft.com/office/powerpoint/2010/main" val="3266999169"/>
       </p:ext>
     </p:extLst>
   </p:cSld>
@@ -26793,7 +26792,7 @@
     <a:masterClrMapping/>
   </p:clrMapOvr>
   <mc:AlternateContent xmlns:mc="http://schemas.openxmlformats.org/markup-compatibility/2006">
-    <mc:Choice xmlns:p14="http://schemas.microsoft.com/office/powerpoint/2010/main" xmlns="" Requires="p14">
+    <mc:Choice xmlns="" xmlns:p14="http://schemas.microsoft.com/office/powerpoint/2010/main" Requires="p14">
       <p:transition spd="slow" p14:dur="2000"/>
     </mc:Choice>
     <mc:Fallback>
@@ -27144,7 +27143,7 @@
     </p:spTree>
     <p:extLst>
       <p:ext uri="{BB962C8B-B14F-4D97-AF65-F5344CB8AC3E}">
-        <p14:creationId xmlns:p14="http://schemas.microsoft.com/office/powerpoint/2010/main" xmlns="" val="396334508"/>
+        <p14:creationId xmlns="" xmlns:p14="http://schemas.microsoft.com/office/powerpoint/2010/main" val="396334508"/>
       </p:ext>
     </p:extLst>
   </p:cSld>
@@ -27152,7 +27151,7 @@
     <a:masterClrMapping/>
   </p:clrMapOvr>
   <mc:AlternateContent xmlns:mc="http://schemas.openxmlformats.org/markup-compatibility/2006">
-    <mc:Choice xmlns:p14="http://schemas.microsoft.com/office/powerpoint/2010/main" xmlns="" Requires="p14">
+    <mc:Choice xmlns="" xmlns:p14="http://schemas.microsoft.com/office/powerpoint/2010/main" Requires="p14">
       <p:transition spd="slow" p14:dur="2000"/>
     </mc:Choice>
     <mc:Fallback>
@@ -27497,7 +27496,7 @@
     </p:spTree>
     <p:extLst>
       <p:ext uri="{BB962C8B-B14F-4D97-AF65-F5344CB8AC3E}">
-        <p14:creationId xmlns:p14="http://schemas.microsoft.com/office/powerpoint/2010/main" xmlns="" val="1737882227"/>
+        <p14:creationId xmlns="" xmlns:p14="http://schemas.microsoft.com/office/powerpoint/2010/main" val="1737882227"/>
       </p:ext>
     </p:extLst>
   </p:cSld>
@@ -27505,7 +27504,7 @@
     <a:masterClrMapping/>
   </p:clrMapOvr>
   <mc:AlternateContent xmlns:mc="http://schemas.openxmlformats.org/markup-compatibility/2006">
-    <mc:Choice xmlns:p14="http://schemas.microsoft.com/office/powerpoint/2010/main" xmlns="" Requires="p14">
+    <mc:Choice xmlns="" xmlns:p14="http://schemas.microsoft.com/office/powerpoint/2010/main" Requires="p14">
       <p:transition spd="slow" p14:dur="2000"/>
     </mc:Choice>
     <mc:Fallback>
@@ -27863,7 +27862,7 @@
     </p:spTree>
     <p:extLst>
       <p:ext uri="{BB962C8B-B14F-4D97-AF65-F5344CB8AC3E}">
-        <p14:creationId xmlns:p14="http://schemas.microsoft.com/office/powerpoint/2010/main" xmlns="" val="3034068148"/>
+        <p14:creationId xmlns="" xmlns:p14="http://schemas.microsoft.com/office/powerpoint/2010/main" val="3034068148"/>
       </p:ext>
     </p:extLst>
   </p:cSld>
@@ -27871,7 +27870,7 @@
     <a:masterClrMapping/>
   </p:clrMapOvr>
   <mc:AlternateContent xmlns:mc="http://schemas.openxmlformats.org/markup-compatibility/2006">
-    <mc:Choice xmlns:p14="http://schemas.microsoft.com/office/powerpoint/2010/main" xmlns="" Requires="p14">
+    <mc:Choice xmlns="" xmlns:p14="http://schemas.microsoft.com/office/powerpoint/2010/main" Requires="p14">
       <p:transition spd="slow" p14:dur="2000"/>
     </mc:Choice>
     <mc:Fallback>
@@ -28201,7 +28200,7 @@
     </p:spTree>
     <p:extLst>
       <p:ext uri="{BB962C8B-B14F-4D97-AF65-F5344CB8AC3E}">
-        <p14:creationId xmlns:p14="http://schemas.microsoft.com/office/powerpoint/2010/main" xmlns="" val="3646886653"/>
+        <p14:creationId xmlns="" xmlns:p14="http://schemas.microsoft.com/office/powerpoint/2010/main" val="3646886653"/>
       </p:ext>
     </p:extLst>
   </p:cSld>
@@ -28209,7 +28208,7 @@
     <a:masterClrMapping/>
   </p:clrMapOvr>
   <mc:AlternateContent xmlns:mc="http://schemas.openxmlformats.org/markup-compatibility/2006">
-    <mc:Choice xmlns:p14="http://schemas.microsoft.com/office/powerpoint/2010/main" xmlns="" Requires="p14">
+    <mc:Choice xmlns="" xmlns:p14="http://schemas.microsoft.com/office/powerpoint/2010/main" Requires="p14">
       <p:transition spd="slow" p14:dur="2000"/>
     </mc:Choice>
     <mc:Fallback>
@@ -28584,7 +28583,7 @@
     </p:spTree>
     <p:extLst>
       <p:ext uri="{BB962C8B-B14F-4D97-AF65-F5344CB8AC3E}">
-        <p14:creationId xmlns:p14="http://schemas.microsoft.com/office/powerpoint/2010/main" xmlns="" val="520298717"/>
+        <p14:creationId xmlns="" xmlns:p14="http://schemas.microsoft.com/office/powerpoint/2010/main" val="520298717"/>
       </p:ext>
     </p:extLst>
   </p:cSld>
@@ -28592,7 +28591,7 @@
     <a:masterClrMapping/>
   </p:clrMapOvr>
   <mc:AlternateContent xmlns:mc="http://schemas.openxmlformats.org/markup-compatibility/2006">
-    <mc:Choice xmlns:p14="http://schemas.microsoft.com/office/powerpoint/2010/main" xmlns="" Requires="p14">
+    <mc:Choice xmlns="" xmlns:p14="http://schemas.microsoft.com/office/powerpoint/2010/main" Requires="p14">
       <p:transition spd="slow" p14:dur="2000"/>
     </mc:Choice>
     <mc:Fallback>
@@ -28894,7 +28893,7 @@
     </p:spTree>
     <p:extLst>
       <p:ext uri="{BB962C8B-B14F-4D97-AF65-F5344CB8AC3E}">
-        <p14:creationId xmlns:p14="http://schemas.microsoft.com/office/powerpoint/2010/main" xmlns="" val="2203748189"/>
+        <p14:creationId xmlns="" xmlns:p14="http://schemas.microsoft.com/office/powerpoint/2010/main" val="2203748189"/>
       </p:ext>
     </p:extLst>
   </p:cSld>
@@ -28902,7 +28901,7 @@
     <a:masterClrMapping/>
   </p:clrMapOvr>
   <mc:AlternateContent xmlns:mc="http://schemas.openxmlformats.org/markup-compatibility/2006">
-    <mc:Choice xmlns:p14="http://schemas.microsoft.com/office/powerpoint/2010/main" xmlns="" Requires="p14">
+    <mc:Choice xmlns="" xmlns:p14="http://schemas.microsoft.com/office/powerpoint/2010/main" Requires="p14">
       <p:transition spd="slow" p14:dur="2000"/>
     </mc:Choice>
     <mc:Fallback>
@@ -29225,7 +29224,7 @@
     </p:spTree>
     <p:extLst>
       <p:ext uri="{BB962C8B-B14F-4D97-AF65-F5344CB8AC3E}">
-        <p14:creationId xmlns:p14="http://schemas.microsoft.com/office/powerpoint/2010/main" xmlns="" val="1130254901"/>
+        <p14:creationId xmlns="" xmlns:p14="http://schemas.microsoft.com/office/powerpoint/2010/main" val="1130254901"/>
       </p:ext>
     </p:extLst>
   </p:cSld>
@@ -29233,7 +29232,7 @@
     <a:masterClrMapping/>
   </p:clrMapOvr>
   <mc:AlternateContent xmlns:mc="http://schemas.openxmlformats.org/markup-compatibility/2006">
-    <mc:Choice xmlns:p14="http://schemas.microsoft.com/office/powerpoint/2010/main" xmlns="" Requires="p14">
+    <mc:Choice xmlns="" xmlns:p14="http://schemas.microsoft.com/office/powerpoint/2010/main" Requires="p14">
       <p:transition spd="slow" p14:dur="2000"/>
     </mc:Choice>
     <mc:Fallback>
@@ -29571,7 +29570,7 @@
     </p:spTree>
     <p:extLst>
       <p:ext uri="{BB962C8B-B14F-4D97-AF65-F5344CB8AC3E}">
-        <p14:creationId xmlns:p14="http://schemas.microsoft.com/office/powerpoint/2010/main" xmlns="" val="3734576715"/>
+        <p14:creationId xmlns="" xmlns:p14="http://schemas.microsoft.com/office/powerpoint/2010/main" val="3734576715"/>
       </p:ext>
     </p:extLst>
   </p:cSld>
@@ -29579,7 +29578,7 @@
     <a:masterClrMapping/>
   </p:clrMapOvr>
   <mc:AlternateContent xmlns:mc="http://schemas.openxmlformats.org/markup-compatibility/2006">
-    <mc:Choice xmlns:p14="http://schemas.microsoft.com/office/powerpoint/2010/main" xmlns="" Requires="p14">
+    <mc:Choice xmlns="" xmlns:p14="http://schemas.microsoft.com/office/powerpoint/2010/main" Requires="p14">
       <p:transition spd="slow" p14:dur="2000"/>
     </mc:Choice>
     <mc:Fallback>
@@ -29884,7 +29883,7 @@
     </p:spTree>
     <p:extLst>
       <p:ext uri="{BB962C8B-B14F-4D97-AF65-F5344CB8AC3E}">
-        <p14:creationId xmlns:p14="http://schemas.microsoft.com/office/powerpoint/2010/main" xmlns="" val="2632131054"/>
+        <p14:creationId xmlns="" xmlns:p14="http://schemas.microsoft.com/office/powerpoint/2010/main" val="2632131054"/>
       </p:ext>
     </p:extLst>
   </p:cSld>
@@ -29892,7 +29891,7 @@
     <a:masterClrMapping/>
   </p:clrMapOvr>
   <mc:AlternateContent xmlns:mc="http://schemas.openxmlformats.org/markup-compatibility/2006">
-    <mc:Choice xmlns:p14="http://schemas.microsoft.com/office/powerpoint/2010/main" xmlns="" Requires="p14">
+    <mc:Choice xmlns="" xmlns:p14="http://schemas.microsoft.com/office/powerpoint/2010/main" Requires="p14">
       <p:transition spd="slow" p14:dur="2000"/>
     </mc:Choice>
     <mc:Fallback>
@@ -30213,7 +30212,7 @@
     </p:spTree>
     <p:extLst>
       <p:ext uri="{BB962C8B-B14F-4D97-AF65-F5344CB8AC3E}">
-        <p14:creationId xmlns:p14="http://schemas.microsoft.com/office/powerpoint/2010/main" xmlns="" val="2983282113"/>
+        <p14:creationId xmlns="" xmlns:p14="http://schemas.microsoft.com/office/powerpoint/2010/main" val="2983282113"/>
       </p:ext>
     </p:extLst>
   </p:cSld>
@@ -30221,7 +30220,7 @@
     <a:masterClrMapping/>
   </p:clrMapOvr>
   <mc:AlternateContent xmlns:mc="http://schemas.openxmlformats.org/markup-compatibility/2006">
-    <mc:Choice xmlns:p14="http://schemas.microsoft.com/office/powerpoint/2010/main" xmlns="" Requires="p14">
+    <mc:Choice xmlns="" xmlns:p14="http://schemas.microsoft.com/office/powerpoint/2010/main" Requires="p14">
       <p:transition spd="slow" p14:dur="2000"/>
     </mc:Choice>
     <mc:Fallback>
@@ -30588,7 +30587,7 @@
     </p:spTree>
     <p:extLst>
       <p:ext uri="{BB962C8B-B14F-4D97-AF65-F5344CB8AC3E}">
-        <p14:creationId xmlns:p14="http://schemas.microsoft.com/office/powerpoint/2010/main" xmlns="" val="4266361740"/>
+        <p14:creationId xmlns="" xmlns:p14="http://schemas.microsoft.com/office/powerpoint/2010/main" val="4266361740"/>
       </p:ext>
     </p:extLst>
   </p:cSld>
@@ -30596,7 +30595,7 @@
     <a:masterClrMapping/>
   </p:clrMapOvr>
   <mc:AlternateContent xmlns:mc="http://schemas.openxmlformats.org/markup-compatibility/2006">
-    <mc:Choice xmlns:p14="http://schemas.microsoft.com/office/powerpoint/2010/main" xmlns="" Requires="p14">
+    <mc:Choice xmlns="" xmlns:p14="http://schemas.microsoft.com/office/powerpoint/2010/main" Requires="p14">
       <p:transition spd="slow" p14:dur="2000"/>
     </mc:Choice>
     <mc:Fallback>
@@ -30946,7 +30945,7 @@
     </p:spTree>
     <p:extLst>
       <p:ext uri="{BB962C8B-B14F-4D97-AF65-F5344CB8AC3E}">
-        <p14:creationId xmlns:p14="http://schemas.microsoft.com/office/powerpoint/2010/main" xmlns="" val="3678400164"/>
+        <p14:creationId xmlns="" xmlns:p14="http://schemas.microsoft.com/office/powerpoint/2010/main" val="3678400164"/>
       </p:ext>
     </p:extLst>
   </p:cSld>
@@ -30954,7 +30953,7 @@
     <a:masterClrMapping/>
   </p:clrMapOvr>
   <mc:AlternateContent xmlns:mc="http://schemas.openxmlformats.org/markup-compatibility/2006">
-    <mc:Choice xmlns:p14="http://schemas.microsoft.com/office/powerpoint/2010/main" xmlns="" Requires="p14">
+    <mc:Choice xmlns="" xmlns:p14="http://schemas.microsoft.com/office/powerpoint/2010/main" Requires="p14">
       <p:transition spd="slow" p14:dur="2000"/>
     </mc:Choice>
     <mc:Fallback>
@@ -31284,7 +31283,7 @@
     </p:spTree>
     <p:extLst>
       <p:ext uri="{BB962C8B-B14F-4D97-AF65-F5344CB8AC3E}">
-        <p14:creationId xmlns:p14="http://schemas.microsoft.com/office/powerpoint/2010/main" xmlns="" val="3326293041"/>
+        <p14:creationId xmlns="" xmlns:p14="http://schemas.microsoft.com/office/powerpoint/2010/main" val="3326293041"/>
       </p:ext>
     </p:extLst>
   </p:cSld>
@@ -31292,7 +31291,7 @@
     <a:masterClrMapping/>
   </p:clrMapOvr>
   <mc:AlternateContent xmlns:mc="http://schemas.openxmlformats.org/markup-compatibility/2006">
-    <mc:Choice xmlns:p14="http://schemas.microsoft.com/office/powerpoint/2010/main" xmlns="" Requires="p14">
+    <mc:Choice xmlns="" xmlns:p14="http://schemas.microsoft.com/office/powerpoint/2010/main" Requires="p14">
       <p:transition spd="slow" p14:dur="2000"/>
     </mc:Choice>
     <mc:Fallback>
@@ -31630,7 +31629,7 @@
     </p:spTree>
     <p:extLst>
       <p:ext uri="{BB962C8B-B14F-4D97-AF65-F5344CB8AC3E}">
-        <p14:creationId xmlns:p14="http://schemas.microsoft.com/office/powerpoint/2010/main" xmlns="" val="3052723909"/>
+        <p14:creationId xmlns="" xmlns:p14="http://schemas.microsoft.com/office/powerpoint/2010/main" val="3052723909"/>
       </p:ext>
     </p:extLst>
   </p:cSld>
@@ -31638,7 +31637,7 @@
     <a:masterClrMapping/>
   </p:clrMapOvr>
   <mc:AlternateContent xmlns:mc="http://schemas.openxmlformats.org/markup-compatibility/2006">
-    <mc:Choice xmlns:p14="http://schemas.microsoft.com/office/powerpoint/2010/main" xmlns="" Requires="p14">
+    <mc:Choice xmlns="" xmlns:p14="http://schemas.microsoft.com/office/powerpoint/2010/main" Requires="p14">
       <p:transition spd="slow" p14:dur="2000"/>
     </mc:Choice>
     <mc:Fallback>
@@ -31766,7 +31765,7 @@
     </p:spTree>
     <p:extLst>
       <p:ext uri="{BB962C8B-B14F-4D97-AF65-F5344CB8AC3E}">
-        <p14:creationId xmlns:p14="http://schemas.microsoft.com/office/powerpoint/2010/main" xmlns="" val="1576574823"/>
+        <p14:creationId xmlns="" xmlns:p14="http://schemas.microsoft.com/office/powerpoint/2010/main" val="1576574823"/>
       </p:ext>
     </p:extLst>
   </p:cSld>
@@ -31774,7 +31773,7 @@
     <a:masterClrMapping/>
   </p:clrMapOvr>
   <mc:AlternateContent xmlns:mc="http://schemas.openxmlformats.org/markup-compatibility/2006">
-    <mc:Choice xmlns:p14="http://schemas.microsoft.com/office/powerpoint/2010/main" xmlns="" Requires="p14">
+    <mc:Choice xmlns="" xmlns:p14="http://schemas.microsoft.com/office/powerpoint/2010/main" Requires="p14">
       <p:transition spd="slow" p14:dur="2000"/>
     </mc:Choice>
     <mc:Fallback>
@@ -32064,7 +32063,7 @@
     </p:spTree>
     <p:extLst>
       <p:ext uri="{BB962C8B-B14F-4D97-AF65-F5344CB8AC3E}">
-        <p14:creationId xmlns:p14="http://schemas.microsoft.com/office/powerpoint/2010/main" xmlns="" val="3303920882"/>
+        <p14:creationId xmlns="" xmlns:p14="http://schemas.microsoft.com/office/powerpoint/2010/main" val="3303920882"/>
       </p:ext>
     </p:extLst>
   </p:cSld>
@@ -32072,7 +32071,7 @@
     <a:masterClrMapping/>
   </p:clrMapOvr>
   <mc:AlternateContent xmlns:mc="http://schemas.openxmlformats.org/markup-compatibility/2006">
-    <mc:Choice xmlns:p14="http://schemas.microsoft.com/office/powerpoint/2010/main" xmlns="" Requires="p14">
+    <mc:Choice xmlns="" xmlns:p14="http://schemas.microsoft.com/office/powerpoint/2010/main" Requires="p14">
       <p:transition spd="slow" p14:dur="2000"/>
     </mc:Choice>
     <mc:Fallback>
@@ -32347,7 +32346,7 @@
     </p:spTree>
     <p:extLst>
       <p:ext uri="{BB962C8B-B14F-4D97-AF65-F5344CB8AC3E}">
-        <p14:creationId xmlns:p14="http://schemas.microsoft.com/office/powerpoint/2010/main" xmlns="" val="4257297520"/>
+        <p14:creationId xmlns="" xmlns:p14="http://schemas.microsoft.com/office/powerpoint/2010/main" val="4257297520"/>
       </p:ext>
     </p:extLst>
   </p:cSld>
@@ -32644,7 +32643,7 @@
     </p:spTree>
     <p:extLst>
       <p:ext uri="{BB962C8B-B14F-4D97-AF65-F5344CB8AC3E}">
-        <p14:creationId xmlns:p14="http://schemas.microsoft.com/office/powerpoint/2010/main" xmlns="" val="1516952845"/>
+        <p14:creationId xmlns="" xmlns:p14="http://schemas.microsoft.com/office/powerpoint/2010/main" val="1516952845"/>
       </p:ext>
     </p:extLst>
   </p:cSld>
@@ -32940,7 +32939,7 @@
     </p:spTree>
     <p:extLst>
       <p:ext uri="{BB962C8B-B14F-4D97-AF65-F5344CB8AC3E}">
-        <p14:creationId xmlns:p14="http://schemas.microsoft.com/office/powerpoint/2010/main" xmlns="" val="903666282"/>
+        <p14:creationId xmlns="" xmlns:p14="http://schemas.microsoft.com/office/powerpoint/2010/main" val="903666282"/>
       </p:ext>
     </p:extLst>
   </p:cSld>
@@ -33247,7 +33246,7 @@
     </p:spTree>
     <p:extLst>
       <p:ext uri="{BB962C8B-B14F-4D97-AF65-F5344CB8AC3E}">
-        <p14:creationId xmlns:p14="http://schemas.microsoft.com/office/powerpoint/2010/main" xmlns="" val="3790160763"/>
+        <p14:creationId xmlns="" xmlns:p14="http://schemas.microsoft.com/office/powerpoint/2010/main" val="3790160763"/>
       </p:ext>
     </p:extLst>
   </p:cSld>
@@ -33492,7 +33491,7 @@
     </p:spTree>
     <p:extLst>
       <p:ext uri="{BB962C8B-B14F-4D97-AF65-F5344CB8AC3E}">
-        <p14:creationId xmlns:p14="http://schemas.microsoft.com/office/powerpoint/2010/main" xmlns="" val="1889567349"/>
+        <p14:creationId xmlns="" xmlns:p14="http://schemas.microsoft.com/office/powerpoint/2010/main" val="1889567349"/>
       </p:ext>
     </p:extLst>
   </p:cSld>
@@ -33747,7 +33746,7 @@
     </p:spTree>
     <p:extLst>
       <p:ext uri="{BB962C8B-B14F-4D97-AF65-F5344CB8AC3E}">
-        <p14:creationId xmlns:p14="http://schemas.microsoft.com/office/powerpoint/2010/main" xmlns="" val="2938595398"/>
+        <p14:creationId xmlns="" xmlns:p14="http://schemas.microsoft.com/office/powerpoint/2010/main" val="2938595398"/>
       </p:ext>
     </p:extLst>
   </p:cSld>
@@ -34122,7 +34121,7 @@
     </p:spTree>
     <p:extLst>
       <p:ext uri="{BB962C8B-B14F-4D97-AF65-F5344CB8AC3E}">
-        <p14:creationId xmlns:p14="http://schemas.microsoft.com/office/powerpoint/2010/main" xmlns="" val="2978215168"/>
+        <p14:creationId xmlns="" xmlns:p14="http://schemas.microsoft.com/office/powerpoint/2010/main" val="2978215168"/>
       </p:ext>
     </p:extLst>
   </p:cSld>
@@ -34130,7 +34129,7 @@
     <a:masterClrMapping/>
   </p:clrMapOvr>
   <mc:AlternateContent xmlns:mc="http://schemas.openxmlformats.org/markup-compatibility/2006">
-    <mc:Choice xmlns:p14="http://schemas.microsoft.com/office/powerpoint/2010/main" xmlns="" Requires="p14">
+    <mc:Choice xmlns="" xmlns:p14="http://schemas.microsoft.com/office/powerpoint/2010/main" Requires="p14">
       <p:transition spd="slow" p14:dur="2000"/>
     </mc:Choice>
     <mc:Fallback>
@@ -34410,7 +34409,7 @@
     </p:spTree>
     <p:extLst>
       <p:ext uri="{BB962C8B-B14F-4D97-AF65-F5344CB8AC3E}">
-        <p14:creationId xmlns:p14="http://schemas.microsoft.com/office/powerpoint/2010/main" xmlns="" val="3382536623"/>
+        <p14:creationId xmlns="" xmlns:p14="http://schemas.microsoft.com/office/powerpoint/2010/main" val="3382536623"/>
       </p:ext>
     </p:extLst>
   </p:cSld>
@@ -34630,7 +34629,7 @@
     </p:spTree>
     <p:extLst>
       <p:ext uri="{BB962C8B-B14F-4D97-AF65-F5344CB8AC3E}">
-        <p14:creationId xmlns:p14="http://schemas.microsoft.com/office/powerpoint/2010/main" xmlns="" val="945142828"/>
+        <p14:creationId xmlns="" xmlns:p14="http://schemas.microsoft.com/office/powerpoint/2010/main" val="945142828"/>
       </p:ext>
     </p:extLst>
   </p:cSld>
@@ -34869,7 +34868,7 @@
     </p:spTree>
     <p:extLst>
       <p:ext uri="{BB962C8B-B14F-4D97-AF65-F5344CB8AC3E}">
-        <p14:creationId xmlns:p14="http://schemas.microsoft.com/office/powerpoint/2010/main" xmlns="" val="3313297802"/>
+        <p14:creationId xmlns="" xmlns:p14="http://schemas.microsoft.com/office/powerpoint/2010/main" val="3313297802"/>
       </p:ext>
     </p:extLst>
   </p:cSld>
@@ -34935,7 +34934,7 @@
           <a:blip r:embed="rId2" cstate="print">
             <a:extLst>
               <a:ext uri="{28A0092B-C50C-407E-A947-70E740481C1C}">
-                <a14:useLocalDpi xmlns:a14="http://schemas.microsoft.com/office/drawing/2010/main" xmlns="" val="0"/>
+                <a14:useLocalDpi xmlns="" xmlns:a14="http://schemas.microsoft.com/office/drawing/2010/main" val="0"/>
               </a:ext>
             </a:extLst>
           </a:blip>
@@ -34955,7 +34954,7 @@
           <a:noFill/>
           <a:extLst>
             <a:ext uri="{909E8E84-426E-40dd-AFC4-6F175D3DCCD1}">
-              <a14:hiddenFill xmlns:a14="http://schemas.microsoft.com/office/drawing/2010/main" xmlns="">
+              <a14:hiddenFill xmlns="" xmlns:a14="http://schemas.microsoft.com/office/drawing/2010/main">
                 <a:solidFill>
                   <a:srgbClr val="FFFFFF"/>
                 </a:solidFill>
@@ -35038,7 +35037,7 @@
     </p:spTree>
     <p:extLst>
       <p:ext uri="{BB962C8B-B14F-4D97-AF65-F5344CB8AC3E}">
-        <p14:creationId xmlns:p14="http://schemas.microsoft.com/office/powerpoint/2010/main" xmlns="" val="2252746867"/>
+        <p14:creationId xmlns="" xmlns:p14="http://schemas.microsoft.com/office/powerpoint/2010/main" val="2252746867"/>
       </p:ext>
     </p:extLst>
   </p:cSld>
@@ -35046,7 +35045,7 @@
     <a:masterClrMapping/>
   </p:clrMapOvr>
   <mc:AlternateContent xmlns:mc="http://schemas.openxmlformats.org/markup-compatibility/2006">
-    <mc:Choice xmlns:p14="http://schemas.microsoft.com/office/powerpoint/2010/main" xmlns="" Requires="p14">
+    <mc:Choice xmlns="" xmlns:p14="http://schemas.microsoft.com/office/powerpoint/2010/main" Requires="p14">
       <p:transition spd="slow" p14:dur="2000"/>
     </mc:Choice>
     <mc:Fallback>
@@ -35413,7 +35412,7 @@
     </p:spTree>
     <p:extLst>
       <p:ext uri="{BB962C8B-B14F-4D97-AF65-F5344CB8AC3E}">
-        <p14:creationId xmlns:p14="http://schemas.microsoft.com/office/powerpoint/2010/main" xmlns="" val="3564990699"/>
+        <p14:creationId xmlns="" xmlns:p14="http://schemas.microsoft.com/office/powerpoint/2010/main" val="3564990699"/>
       </p:ext>
     </p:extLst>
   </p:cSld>
@@ -35421,7 +35420,7 @@
     <a:masterClrMapping/>
   </p:clrMapOvr>
   <mc:AlternateContent xmlns:mc="http://schemas.openxmlformats.org/markup-compatibility/2006">
-    <mc:Choice xmlns:p14="http://schemas.microsoft.com/office/powerpoint/2010/main" xmlns="" Requires="p14">
+    <mc:Choice xmlns="" xmlns:p14="http://schemas.microsoft.com/office/powerpoint/2010/main" Requires="p14">
       <p:transition spd="slow" p14:dur="2000"/>
     </mc:Choice>
     <mc:Fallback>
@@ -35789,7 +35788,7 @@
     </p:spTree>
     <p:extLst>
       <p:ext uri="{BB962C8B-B14F-4D97-AF65-F5344CB8AC3E}">
-        <p14:creationId xmlns:p14="http://schemas.microsoft.com/office/powerpoint/2010/main" xmlns="" val="3748041918"/>
+        <p14:creationId xmlns="" xmlns:p14="http://schemas.microsoft.com/office/powerpoint/2010/main" val="3748041918"/>
       </p:ext>
     </p:extLst>
   </p:cSld>
@@ -35797,7 +35796,7 @@
     <a:masterClrMapping/>
   </p:clrMapOvr>
   <mc:AlternateContent xmlns:mc="http://schemas.openxmlformats.org/markup-compatibility/2006">
-    <mc:Choice xmlns:p14="http://schemas.microsoft.com/office/powerpoint/2010/main" xmlns="" Requires="p14">
+    <mc:Choice xmlns="" xmlns:p14="http://schemas.microsoft.com/office/powerpoint/2010/main" Requires="p14">
       <p:transition spd="slow" p14:dur="2000"/>
     </mc:Choice>
     <mc:Fallback>

--- a/Presentazione/Atsilo1/[BOZZA] Atsilo_A_PresentazioneFinale copia.pptx
+++ b/Presentazione/Atsilo1/[BOZZA] Atsilo_A_PresentazioneFinale copia.pptx
@@ -19764,6 +19764,32 @@
           </a:p>
         </p:txBody>
       </p:sp>
+      <p:pic>
+        <p:nvPicPr>
+          <p:cNvPr id="1026" name="Picture 2" descr="C:\Users\Angelo\Downloads\man-crying.png"/>
+          <p:cNvPicPr>
+            <a:picLocks noChangeAspect="1" noChangeArrowheads="1"/>
+          </p:cNvPicPr>
+          <p:nvPr/>
+        </p:nvPicPr>
+        <p:blipFill>
+          <a:blip r:embed="rId2" cstate="print"/>
+          <a:srcRect/>
+          <a:stretch>
+            <a:fillRect/>
+          </a:stretch>
+        </p:blipFill>
+        <p:spPr bwMode="auto">
+          <a:xfrm>
+            <a:off x="6516216" y="2780928"/>
+            <a:ext cx="2592288" cy="2592288"/>
+          </a:xfrm>
+          <a:prstGeom prst="rect">
+            <a:avLst/>
+          </a:prstGeom>
+          <a:noFill/>
+        </p:spPr>
+      </p:pic>
     </p:spTree>
     <p:extLst>
       <p:ext uri="{BB962C8B-B14F-4D97-AF65-F5344CB8AC3E}">
@@ -20111,21 +20137,30 @@
                             </p:childTnLst>
                           </p:cTn>
                         </p:par>
+                      </p:childTnLst>
+                    </p:cTn>
+                  </p:par>
+                  <p:par>
+                    <p:cTn id="28" fill="hold">
+                      <p:stCondLst>
+                        <p:cond delay="indefinite"/>
+                      </p:stCondLst>
+                      <p:childTnLst>
                         <p:par>
-                          <p:cTn id="28" fill="hold">
+                          <p:cTn id="29" fill="hold">
                             <p:stCondLst>
-                              <p:cond delay="10000"/>
+                              <p:cond delay="0"/>
                             </p:stCondLst>
                             <p:childTnLst>
                               <p:par>
-                                <p:cTn id="29" presetID="10" presetClass="entr" presetSubtype="0" fill="hold" nodeType="afterEffect">
+                                <p:cTn id="30" presetID="10" presetClass="entr" presetSubtype="0" fill="hold" nodeType="clickEffect">
                                   <p:stCondLst>
                                     <p:cond delay="0"/>
                                   </p:stCondLst>
                                   <p:childTnLst>
                                     <p:set>
                                       <p:cBhvr>
-                                        <p:cTn id="30" dur="1" fill="hold">
+                                        <p:cTn id="31" dur="1" fill="hold">
                                           <p:stCondLst>
                                             <p:cond delay="0"/>
                                           </p:stCondLst>
@@ -20147,13 +20182,57 @@
                                     </p:set>
                                     <p:animEffect transition="in" filter="fade">
                                       <p:cBhvr>
-                                        <p:cTn id="31" dur="5000"/>
+                                        <p:cTn id="32" dur="2000"/>
                                         <p:tgtEl>
                                           <p:spTgt spid="10">
                                             <p:txEl>
                                               <p:pRg st="6" end="6"/>
                                             </p:txEl>
                                           </p:spTgt>
+                                        </p:tgtEl>
+                                      </p:cBhvr>
+                                    </p:animEffect>
+                                  </p:childTnLst>
+                                </p:cTn>
+                              </p:par>
+                            </p:childTnLst>
+                          </p:cTn>
+                        </p:par>
+                        <p:par>
+                          <p:cTn id="33" fill="hold">
+                            <p:stCondLst>
+                              <p:cond delay="2000"/>
+                            </p:stCondLst>
+                            <p:childTnLst>
+                              <p:par>
+                                <p:cTn id="34" presetID="10" presetClass="entr" presetSubtype="0" fill="hold" nodeType="afterEffect">
+                                  <p:stCondLst>
+                                    <p:cond delay="0"/>
+                                  </p:stCondLst>
+                                  <p:childTnLst>
+                                    <p:set>
+                                      <p:cBhvr>
+                                        <p:cTn id="35" dur="1" fill="hold">
+                                          <p:stCondLst>
+                                            <p:cond delay="0"/>
+                                          </p:stCondLst>
+                                        </p:cTn>
+                                        <p:tgtEl>
+                                          <p:spTgt spid="1026"/>
+                                        </p:tgtEl>
+                                        <p:attrNameLst>
+                                          <p:attrName>style.visibility</p:attrName>
+                                        </p:attrNameLst>
+                                      </p:cBhvr>
+                                      <p:to>
+                                        <p:strVal val="visible"/>
+                                      </p:to>
+                                    </p:set>
+                                    <p:animEffect transition="in" filter="fade">
+                                      <p:cBhvr>
+                                        <p:cTn id="36" dur="500"/>
+                                        <p:tgtEl>
+                                          <p:spTgt spid="1026"/>
                                         </p:tgtEl>
                                       </p:cBhvr>
                                     </p:animEffect>
@@ -20264,6 +20343,32 @@
           </a:p>
         </p:txBody>
       </p:sp>
+      <p:pic>
+        <p:nvPicPr>
+          <p:cNvPr id="2050" name="Picture 2" descr="C:\Users\Angelo\Downloads\omino.jpg"/>
+          <p:cNvPicPr>
+            <a:picLocks noChangeAspect="1" noChangeArrowheads="1"/>
+          </p:cNvPicPr>
+          <p:nvPr/>
+        </p:nvPicPr>
+        <p:blipFill>
+          <a:blip r:embed="rId2" cstate="print"/>
+          <a:srcRect/>
+          <a:stretch>
+            <a:fillRect/>
+          </a:stretch>
+        </p:blipFill>
+        <p:spPr bwMode="auto">
+          <a:xfrm>
+            <a:off x="6146940" y="3507829"/>
+            <a:ext cx="2745540" cy="3161531"/>
+          </a:xfrm>
+          <a:prstGeom prst="rect">
+            <a:avLst/>
+          </a:prstGeom>
+          <a:noFill/>
+        </p:spPr>
+      </p:pic>
       <p:sp>
         <p:nvSpPr>
           <p:cNvPr id="10" name="Content Placeholder 3"/>
@@ -20952,6 +21057,41 @@
                                               <p:pRg st="6" end="6"/>
                                             </p:txEl>
                                           </p:spTgt>
+                                        </p:tgtEl>
+                                      </p:cBhvr>
+                                    </p:animEffect>
+                                  </p:childTnLst>
+                                </p:cTn>
+                              </p:par>
+                              <p:par>
+                                <p:cTn id="29" presetID="10" presetClass="entr" presetSubtype="0" fill="hold" nodeType="withEffect">
+                                  <p:stCondLst>
+                                    <p:cond delay="0"/>
+                                  </p:stCondLst>
+                                  <p:childTnLst>
+                                    <p:set>
+                                      <p:cBhvr>
+                                        <p:cTn id="30" dur="1" fill="hold">
+                                          <p:stCondLst>
+                                            <p:cond delay="0"/>
+                                          </p:stCondLst>
+                                        </p:cTn>
+                                        <p:tgtEl>
+                                          <p:spTgt spid="2050"/>
+                                        </p:tgtEl>
+                                        <p:attrNameLst>
+                                          <p:attrName>style.visibility</p:attrName>
+                                        </p:attrNameLst>
+                                      </p:cBhvr>
+                                      <p:to>
+                                        <p:strVal val="visible"/>
+                                      </p:to>
+                                    </p:set>
+                                    <p:animEffect transition="in" filter="fade">
+                                      <p:cBhvr>
+                                        <p:cTn id="31" dur="1000"/>
+                                        <p:tgtEl>
+                                          <p:spTgt spid="2050"/>
                                         </p:tgtEl>
                                       </p:cBhvr>
                                     </p:animEffect>

--- a/Presentazione/Atsilo1/[BOZZA] Atsilo_A_PresentazioneFinale copia.pptx
+++ b/Presentazione/Atsilo1/[BOZZA] Atsilo_A_PresentazioneFinale copia.pptx
@@ -21653,6 +21653,32 @@
           </a:p>
         </p:txBody>
       </p:sp>
+      <p:pic>
+        <p:nvPicPr>
+          <p:cNvPr id="3074" name="Picture 2" descr="C:\Users\Angelo\Downloads\Fotolia_13977964_XS.jpg"/>
+          <p:cNvPicPr>
+            <a:picLocks noChangeAspect="1" noChangeArrowheads="1"/>
+          </p:cNvPicPr>
+          <p:nvPr/>
+        </p:nvPicPr>
+        <p:blipFill>
+          <a:blip r:embed="rId2" cstate="print"/>
+          <a:srcRect/>
+          <a:stretch>
+            <a:fillRect/>
+          </a:stretch>
+        </p:blipFill>
+        <p:spPr bwMode="auto">
+          <a:xfrm>
+            <a:off x="6230087" y="3959596"/>
+            <a:ext cx="2086329" cy="2781772"/>
+          </a:xfrm>
+          <a:prstGeom prst="rect">
+            <a:avLst/>
+          </a:prstGeom>
+          <a:noFill/>
+        </p:spPr>
+      </p:pic>
     </p:spTree>
     <p:extLst>
       <p:ext uri="{BB962C8B-B14F-4D97-AF65-F5344CB8AC3E}">
@@ -21723,6 +21749,41 @@
                                         <p:cTn id="7" dur="2000"/>
                                         <p:tgtEl>
                                           <p:spTgt spid="6"/>
+                                        </p:tgtEl>
+                                      </p:cBhvr>
+                                    </p:animEffect>
+                                  </p:childTnLst>
+                                </p:cTn>
+                              </p:par>
+                              <p:par>
+                                <p:cTn id="8" presetID="10" presetClass="entr" presetSubtype="0" fill="hold" nodeType="withEffect">
+                                  <p:stCondLst>
+                                    <p:cond delay="0"/>
+                                  </p:stCondLst>
+                                  <p:childTnLst>
+                                    <p:set>
+                                      <p:cBhvr>
+                                        <p:cTn id="9" dur="1" fill="hold">
+                                          <p:stCondLst>
+                                            <p:cond delay="0"/>
+                                          </p:stCondLst>
+                                        </p:cTn>
+                                        <p:tgtEl>
+                                          <p:spTgt spid="3074"/>
+                                        </p:tgtEl>
+                                        <p:attrNameLst>
+                                          <p:attrName>style.visibility</p:attrName>
+                                        </p:attrNameLst>
+                                      </p:cBhvr>
+                                      <p:to>
+                                        <p:strVal val="visible"/>
+                                      </p:to>
+                                    </p:set>
+                                    <p:animEffect transition="in" filter="fade">
+                                      <p:cBhvr>
+                                        <p:cTn id="10" dur="2000"/>
+                                        <p:tgtEl>
+                                          <p:spTgt spid="3074"/>
                                         </p:tgtEl>
                                       </p:cBhvr>
                                     </p:animEffect>
@@ -22288,6 +22349,32 @@
           </a:p>
         </p:txBody>
       </p:sp>
+      <p:pic>
+        <p:nvPicPr>
+          <p:cNvPr id="4098" name="Picture 2" descr="C:\Users\Angelo\Downloads\omino-auto.jpg"/>
+          <p:cNvPicPr>
+            <a:picLocks noChangeAspect="1" noChangeArrowheads="1"/>
+          </p:cNvPicPr>
+          <p:nvPr/>
+        </p:nvPicPr>
+        <p:blipFill>
+          <a:blip r:embed="rId2" cstate="print"/>
+          <a:srcRect/>
+          <a:stretch>
+            <a:fillRect/>
+          </a:stretch>
+        </p:blipFill>
+        <p:spPr bwMode="auto">
+          <a:xfrm>
+            <a:off x="4500372" y="3148385"/>
+            <a:ext cx="4464116" cy="3592983"/>
+          </a:xfrm>
+          <a:prstGeom prst="rect">
+            <a:avLst/>
+          </a:prstGeom>
+          <a:noFill/>
+        </p:spPr>
+      </p:pic>
     </p:spTree>
     <p:extLst>
       <p:ext uri="{BB962C8B-B14F-4D97-AF65-F5344CB8AC3E}">
@@ -22358,6 +22445,41 @@
                                         <p:cTn id="7" dur="2000"/>
                                         <p:tgtEl>
                                           <p:spTgt spid="6"/>
+                                        </p:tgtEl>
+                                      </p:cBhvr>
+                                    </p:animEffect>
+                                  </p:childTnLst>
+                                </p:cTn>
+                              </p:par>
+                              <p:par>
+                                <p:cTn id="8" presetID="10" presetClass="entr" presetSubtype="0" fill="hold" nodeType="withEffect">
+                                  <p:stCondLst>
+                                    <p:cond delay="0"/>
+                                  </p:stCondLst>
+                                  <p:childTnLst>
+                                    <p:set>
+                                      <p:cBhvr>
+                                        <p:cTn id="9" dur="1" fill="hold">
+                                          <p:stCondLst>
+                                            <p:cond delay="0"/>
+                                          </p:stCondLst>
+                                        </p:cTn>
+                                        <p:tgtEl>
+                                          <p:spTgt spid="4098"/>
+                                        </p:tgtEl>
+                                        <p:attrNameLst>
+                                          <p:attrName>style.visibility</p:attrName>
+                                        </p:attrNameLst>
+                                      </p:cBhvr>
+                                      <p:to>
+                                        <p:strVal val="visible"/>
+                                      </p:to>
+                                    </p:set>
+                                    <p:animEffect transition="in" filter="fade">
+                                      <p:cBhvr>
+                                        <p:cTn id="10" dur="2000"/>
+                                        <p:tgtEl>
+                                          <p:spTgt spid="4098"/>
                                         </p:tgtEl>
                                       </p:cBhvr>
                                     </p:animEffect>
@@ -22469,6 +22591,32 @@
           </a:p>
         </p:txBody>
       </p:sp>
+      <p:pic>
+        <p:nvPicPr>
+          <p:cNvPr id="5122" name="Picture 2" descr="C:\Users\Angelo\Downloads\omino-web.jpg"/>
+          <p:cNvPicPr>
+            <a:picLocks noChangeAspect="1" noChangeArrowheads="1"/>
+          </p:cNvPicPr>
+          <p:nvPr/>
+        </p:nvPicPr>
+        <p:blipFill>
+          <a:blip r:embed="rId2" cstate="print"/>
+          <a:srcRect/>
+          <a:stretch>
+            <a:fillRect/>
+          </a:stretch>
+        </p:blipFill>
+        <p:spPr bwMode="auto">
+          <a:xfrm>
+            <a:off x="3419872" y="2492896"/>
+            <a:ext cx="1673342" cy="1495203"/>
+          </a:xfrm>
+          <a:prstGeom prst="rect">
+            <a:avLst/>
+          </a:prstGeom>
+          <a:noFill/>
+        </p:spPr>
+      </p:pic>
       <p:sp>
         <p:nvSpPr>
           <p:cNvPr id="10" name="Content Placeholder 3"/>
@@ -22800,24 +22948,59 @@
                                   </p:childTnLst>
                                 </p:cTn>
                               </p:par>
-                            </p:childTnLst>
-                          </p:cTn>
-                        </p:par>
-                        <p:par>
-                          <p:cTn id="10" fill="hold">
-                            <p:stCondLst>
-                              <p:cond delay="2000"/>
-                            </p:stCondLst>
-                            <p:childTnLst>
                               <p:par>
-                                <p:cTn id="11" presetID="10" presetClass="entr" presetSubtype="0" fill="hold" nodeType="afterEffect">
+                                <p:cTn id="10" presetID="10" presetClass="entr" presetSubtype="0" fill="hold" nodeType="withEffect">
                                   <p:stCondLst>
                                     <p:cond delay="0"/>
                                   </p:stCondLst>
                                   <p:childTnLst>
                                     <p:set>
                                       <p:cBhvr>
-                                        <p:cTn id="12" dur="1" fill="hold">
+                                        <p:cTn id="11" dur="1" fill="hold">
+                                          <p:stCondLst>
+                                            <p:cond delay="0"/>
+                                          </p:stCondLst>
+                                        </p:cTn>
+                                        <p:tgtEl>
+                                          <p:spTgt spid="5122"/>
+                                        </p:tgtEl>
+                                        <p:attrNameLst>
+                                          <p:attrName>style.visibility</p:attrName>
+                                        </p:attrNameLst>
+                                      </p:cBhvr>
+                                      <p:to>
+                                        <p:strVal val="visible"/>
+                                      </p:to>
+                                    </p:set>
+                                    <p:animEffect transition="in" filter="fade">
+                                      <p:cBhvr>
+                                        <p:cTn id="12" dur="2000"/>
+                                        <p:tgtEl>
+                                          <p:spTgt spid="5122"/>
+                                        </p:tgtEl>
+                                      </p:cBhvr>
+                                    </p:animEffect>
+                                  </p:childTnLst>
+                                </p:cTn>
+                              </p:par>
+                            </p:childTnLst>
+                          </p:cTn>
+                        </p:par>
+                        <p:par>
+                          <p:cTn id="13" fill="hold">
+                            <p:stCondLst>
+                              <p:cond delay="3000"/>
+                            </p:stCondLst>
+                            <p:childTnLst>
+                              <p:par>
+                                <p:cTn id="14" presetID="10" presetClass="entr" presetSubtype="0" fill="hold" nodeType="afterEffect">
+                                  <p:stCondLst>
+                                    <p:cond delay="0"/>
+                                  </p:stCondLst>
+                                  <p:childTnLst>
+                                    <p:set>
+                                      <p:cBhvr>
+                                        <p:cTn id="15" dur="1" fill="hold">
                                           <p:stCondLst>
                                             <p:cond delay="0"/>
                                           </p:stCondLst>
@@ -22839,7 +23022,7 @@
                                     </p:set>
                                     <p:animEffect transition="in" filter="fade">
                                       <p:cBhvr>
-                                        <p:cTn id="13" dur="1000"/>
+                                        <p:cTn id="16" dur="1000"/>
                                         <p:tgtEl>
                                           <p:spTgt spid="10">
                                             <p:txEl>
@@ -22856,20 +23039,20 @@
                           </p:cTn>
                         </p:par>
                         <p:par>
-                          <p:cTn id="14" fill="hold">
+                          <p:cTn id="17" fill="hold">
                             <p:stCondLst>
-                              <p:cond delay="3000"/>
+                              <p:cond delay="4000"/>
                             </p:stCondLst>
                             <p:childTnLst>
                               <p:par>
-                                <p:cTn id="15" presetID="10" presetClass="entr" presetSubtype="0" fill="hold" nodeType="afterEffect">
+                                <p:cTn id="18" presetID="10" presetClass="entr" presetSubtype="0" fill="hold" nodeType="afterEffect">
                                   <p:stCondLst>
                                     <p:cond delay="0"/>
                                   </p:stCondLst>
                                   <p:childTnLst>
                                     <p:set>
                                       <p:cBhvr>
-                                        <p:cTn id="16" dur="1" fill="hold">
+                                        <p:cTn id="19" dur="1" fill="hold">
                                           <p:stCondLst>
                                             <p:cond delay="0"/>
                                           </p:stCondLst>
@@ -22891,7 +23074,7 @@
                                     </p:set>
                                     <p:animEffect transition="in" filter="fade">
                                       <p:cBhvr>
-                                        <p:cTn id="17" dur="1000"/>
+                                        <p:cTn id="20" dur="1000"/>
                                         <p:tgtEl>
                                           <p:spTgt spid="10">
                                             <p:txEl>
@@ -22908,20 +23091,20 @@
                           </p:cTn>
                         </p:par>
                         <p:par>
-                          <p:cTn id="18" fill="hold">
+                          <p:cTn id="21" fill="hold">
                             <p:stCondLst>
-                              <p:cond delay="4000"/>
+                              <p:cond delay="5000"/>
                             </p:stCondLst>
                             <p:childTnLst>
                               <p:par>
-                                <p:cTn id="19" presetID="10" presetClass="entr" presetSubtype="0" fill="hold" nodeType="afterEffect">
+                                <p:cTn id="22" presetID="10" presetClass="entr" presetSubtype="0" fill="hold" nodeType="afterEffect">
                                   <p:stCondLst>
                                     <p:cond delay="0"/>
                                   </p:stCondLst>
                                   <p:childTnLst>
                                     <p:set>
                                       <p:cBhvr>
-                                        <p:cTn id="20" dur="1" fill="hold">
+                                        <p:cTn id="23" dur="1" fill="hold">
                                           <p:stCondLst>
                                             <p:cond delay="0"/>
                                           </p:stCondLst>
@@ -22943,7 +23126,7 @@
                                     </p:set>
                                     <p:animEffect transition="in" filter="fade">
                                       <p:cBhvr>
-                                        <p:cTn id="21" dur="2000"/>
+                                        <p:cTn id="24" dur="2000"/>
                                         <p:tgtEl>
                                           <p:spTgt spid="10">
                                             <p:txEl>
@@ -22960,20 +23143,20 @@
                           </p:cTn>
                         </p:par>
                         <p:par>
-                          <p:cTn id="22" fill="hold">
+                          <p:cTn id="25" fill="hold">
                             <p:stCondLst>
-                              <p:cond delay="6000"/>
+                              <p:cond delay="7000"/>
                             </p:stCondLst>
                             <p:childTnLst>
                               <p:par>
-                                <p:cTn id="23" presetID="10" presetClass="entr" presetSubtype="0" fill="hold" nodeType="afterEffect">
+                                <p:cTn id="26" presetID="10" presetClass="entr" presetSubtype="0" fill="hold" nodeType="afterEffect">
                                   <p:stCondLst>
                                     <p:cond delay="0"/>
                                   </p:stCondLst>
                                   <p:childTnLst>
                                     <p:set>
                                       <p:cBhvr>
-                                        <p:cTn id="24" dur="1" fill="hold">
+                                        <p:cTn id="27" dur="1" fill="hold">
                                           <p:stCondLst>
                                             <p:cond delay="0"/>
                                           </p:stCondLst>
@@ -22995,7 +23178,7 @@
                                     </p:set>
                                     <p:animEffect transition="in" filter="fade">
                                       <p:cBhvr>
-                                        <p:cTn id="25" dur="2000"/>
+                                        <p:cTn id="28" dur="2000"/>
                                         <p:tgtEl>
                                           <p:spTgt spid="10">
                                             <p:txEl>

--- a/Presentazione/Atsilo1/[BOZZA] Atsilo_A_PresentazioneFinale copia.pptx
+++ b/Presentazione/Atsilo1/[BOZZA] Atsilo_A_PresentazioneFinale copia.pptx
@@ -471,7 +471,7 @@
     </p:spTree>
     <p:extLst>
       <p:ext uri="{BB962C8B-B14F-4D97-AF65-F5344CB8AC3E}">
-        <p14:creationId xmlns="" xmlns:p14="http://schemas.microsoft.com/office/powerpoint/2010/main" val="2126419590"/>
+        <p14:creationId xmlns:p14="http://schemas.microsoft.com/office/powerpoint/2010/main" xmlns="" val="2126419590"/>
       </p:ext>
     </p:extLst>
   </p:cSld>
@@ -6331,7 +6331,7 @@
           <p:nvPr>
             <p:extLst>
               <p:ext uri="{D42A27DB-BD31-4B8C-83A1-F6EECF244321}">
-                <p14:modId xmlns="" xmlns:p14="http://schemas.microsoft.com/office/powerpoint/2010/main" val="1430840817"/>
+                <p14:modId xmlns:p14="http://schemas.microsoft.com/office/powerpoint/2010/main" xmlns="" val="1430840817"/>
               </p:ext>
             </p:extLst>
           </p:nvPr>
@@ -6579,7 +6579,7 @@
           <p:nvPr>
             <p:extLst>
               <p:ext uri="{D42A27DB-BD31-4B8C-83A1-F6EECF244321}">
-                <p14:modId xmlns="" xmlns:p14="http://schemas.microsoft.com/office/powerpoint/2010/main" val="956586736"/>
+                <p14:modId xmlns:p14="http://schemas.microsoft.com/office/powerpoint/2010/main" xmlns="" val="956586736"/>
               </p:ext>
             </p:extLst>
           </p:nvPr>
@@ -6669,7 +6669,7 @@
           <a:blip r:embed="rId2" cstate="print">
             <a:extLst>
               <a:ext uri="{28A0092B-C50C-407E-A947-70E740481C1C}">
-                <a14:useLocalDpi xmlns="" xmlns:a14="http://schemas.microsoft.com/office/drawing/2010/main" val="0"/>
+                <a14:useLocalDpi xmlns:a14="http://schemas.microsoft.com/office/drawing/2010/main" xmlns="" val="0"/>
               </a:ext>
             </a:extLst>
           </a:blip>
@@ -6689,7 +6689,7 @@
           <a:noFill/>
           <a:extLst>
             <a:ext uri="{909E8E84-426E-40dd-AFC4-6F175D3DCCD1}">
-              <a14:hiddenFill xmlns="" xmlns:a14="http://schemas.microsoft.com/office/drawing/2010/main">
+              <a14:hiddenFill xmlns:a14="http://schemas.microsoft.com/office/drawing/2010/main" xmlns="">
                 <a:solidFill>
                   <a:srgbClr val="FFFFFF"/>
                 </a:solidFill>
@@ -6701,7 +6701,7 @@
     </p:spTree>
     <p:extLst>
       <p:ext uri="{BB962C8B-B14F-4D97-AF65-F5344CB8AC3E}">
-        <p14:creationId xmlns="" xmlns:p14="http://schemas.microsoft.com/office/powerpoint/2010/main" val="4165334171"/>
+        <p14:creationId xmlns:p14="http://schemas.microsoft.com/office/powerpoint/2010/main" xmlns="" val="4165334171"/>
       </p:ext>
     </p:extLst>
   </p:cSld>
@@ -7007,7 +7007,7 @@
     </p:spTree>
     <p:extLst>
       <p:ext uri="{BB962C8B-B14F-4D97-AF65-F5344CB8AC3E}">
-        <p14:creationId xmlns="" xmlns:p14="http://schemas.microsoft.com/office/powerpoint/2010/main" val="4143007013"/>
+        <p14:creationId xmlns:p14="http://schemas.microsoft.com/office/powerpoint/2010/main" xmlns="" val="4143007013"/>
       </p:ext>
     </p:extLst>
   </p:cSld>
@@ -7015,7 +7015,7 @@
     <a:masterClrMapping/>
   </p:clrMapOvr>
   <mc:AlternateContent xmlns:mc="http://schemas.openxmlformats.org/markup-compatibility/2006">
-    <mc:Choice xmlns="" xmlns:p14="http://schemas.microsoft.com/office/powerpoint/2010/main" Requires="p14">
+    <mc:Choice xmlns:p14="http://schemas.microsoft.com/office/powerpoint/2010/main" xmlns="" Requires="p14">
       <p:transition spd="slow" p14:dur="2000"/>
     </mc:Choice>
     <mc:Fallback>
@@ -7116,7 +7116,7 @@
     </p:spTree>
     <p:extLst>
       <p:ext uri="{BB962C8B-B14F-4D97-AF65-F5344CB8AC3E}">
-        <p14:creationId xmlns="" xmlns:p14="http://schemas.microsoft.com/office/powerpoint/2010/main" val="3695870384"/>
+        <p14:creationId xmlns:p14="http://schemas.microsoft.com/office/powerpoint/2010/main" xmlns="" val="3695870384"/>
       </p:ext>
     </p:extLst>
   </p:cSld>
@@ -7217,7 +7217,7 @@
     </p:spTree>
     <p:extLst>
       <p:ext uri="{BB962C8B-B14F-4D97-AF65-F5344CB8AC3E}">
-        <p14:creationId xmlns="" xmlns:p14="http://schemas.microsoft.com/office/powerpoint/2010/main" val="3987928837"/>
+        <p14:creationId xmlns:p14="http://schemas.microsoft.com/office/powerpoint/2010/main" xmlns="" val="3987928837"/>
       </p:ext>
     </p:extLst>
   </p:cSld>
@@ -7542,7 +7542,7 @@
     </p:spTree>
     <p:extLst>
       <p:ext uri="{BB962C8B-B14F-4D97-AF65-F5344CB8AC3E}">
-        <p14:creationId xmlns="" xmlns:p14="http://schemas.microsoft.com/office/powerpoint/2010/main" val="1367578552"/>
+        <p14:creationId xmlns:p14="http://schemas.microsoft.com/office/powerpoint/2010/main" xmlns="" val="1367578552"/>
       </p:ext>
     </p:extLst>
   </p:cSld>
@@ -7670,7 +7670,7 @@
     </p:spTree>
     <p:extLst>
       <p:ext uri="{BB962C8B-B14F-4D97-AF65-F5344CB8AC3E}">
-        <p14:creationId xmlns="" xmlns:p14="http://schemas.microsoft.com/office/powerpoint/2010/main" val="1554749062"/>
+        <p14:creationId xmlns:p14="http://schemas.microsoft.com/office/powerpoint/2010/main" xmlns="" val="1554749062"/>
       </p:ext>
     </p:extLst>
   </p:cSld>
@@ -7798,7 +7798,7 @@
     </p:spTree>
     <p:extLst>
       <p:ext uri="{BB962C8B-B14F-4D97-AF65-F5344CB8AC3E}">
-        <p14:creationId xmlns="" xmlns:p14="http://schemas.microsoft.com/office/powerpoint/2010/main" val="1028530279"/>
+        <p14:creationId xmlns:p14="http://schemas.microsoft.com/office/powerpoint/2010/main" xmlns="" val="1028530279"/>
       </p:ext>
     </p:extLst>
   </p:cSld>
@@ -7926,7 +7926,7 @@
     </p:spTree>
     <p:extLst>
       <p:ext uri="{BB962C8B-B14F-4D97-AF65-F5344CB8AC3E}">
-        <p14:creationId xmlns="" xmlns:p14="http://schemas.microsoft.com/office/powerpoint/2010/main" val="2120081776"/>
+        <p14:creationId xmlns:p14="http://schemas.microsoft.com/office/powerpoint/2010/main" xmlns="" val="2120081776"/>
       </p:ext>
     </p:extLst>
   </p:cSld>
@@ -8066,7 +8066,7 @@
     </p:spTree>
     <p:extLst>
       <p:ext uri="{BB962C8B-B14F-4D97-AF65-F5344CB8AC3E}">
-        <p14:creationId xmlns="" xmlns:p14="http://schemas.microsoft.com/office/powerpoint/2010/main" val="3320352623"/>
+        <p14:creationId xmlns:p14="http://schemas.microsoft.com/office/powerpoint/2010/main" xmlns="" val="3320352623"/>
       </p:ext>
     </p:extLst>
   </p:cSld>
@@ -8206,7 +8206,7 @@
     </p:spTree>
     <p:extLst>
       <p:ext uri="{BB962C8B-B14F-4D97-AF65-F5344CB8AC3E}">
-        <p14:creationId xmlns="" xmlns:p14="http://schemas.microsoft.com/office/powerpoint/2010/main" val="4011022122"/>
+        <p14:creationId xmlns:p14="http://schemas.microsoft.com/office/powerpoint/2010/main" xmlns="" val="4011022122"/>
       </p:ext>
     </p:extLst>
   </p:cSld>
@@ -8511,7 +8511,7 @@
     </p:spTree>
     <p:extLst>
       <p:ext uri="{BB962C8B-B14F-4D97-AF65-F5344CB8AC3E}">
-        <p14:creationId xmlns="" xmlns:p14="http://schemas.microsoft.com/office/powerpoint/2010/main" val="2927506779"/>
+        <p14:creationId xmlns:p14="http://schemas.microsoft.com/office/powerpoint/2010/main" xmlns="" val="2927506779"/>
       </p:ext>
     </p:extLst>
   </p:cSld>
@@ -9178,7 +9178,7 @@
     </p:spTree>
     <p:extLst>
       <p:ext uri="{BB962C8B-B14F-4D97-AF65-F5344CB8AC3E}">
-        <p14:creationId xmlns="" xmlns:p14="http://schemas.microsoft.com/office/powerpoint/2010/main" val="1720938352"/>
+        <p14:creationId xmlns:p14="http://schemas.microsoft.com/office/powerpoint/2010/main" xmlns="" val="1720938352"/>
       </p:ext>
     </p:extLst>
   </p:cSld>
@@ -9186,7 +9186,7 @@
     <a:masterClrMapping/>
   </p:clrMapOvr>
   <mc:AlternateContent xmlns:mc="http://schemas.openxmlformats.org/markup-compatibility/2006">
-    <mc:Choice xmlns="" xmlns:p14="http://schemas.microsoft.com/office/powerpoint/2010/main" Requires="p14">
+    <mc:Choice xmlns:p14="http://schemas.microsoft.com/office/powerpoint/2010/main" xmlns="" Requires="p14">
       <p:transition spd="slow" p14:dur="2000"/>
     </mc:Choice>
     <mc:Fallback>
@@ -9480,7 +9480,7 @@
     </p:spTree>
     <p:extLst>
       <p:ext uri="{BB962C8B-B14F-4D97-AF65-F5344CB8AC3E}">
-        <p14:creationId xmlns="" xmlns:p14="http://schemas.microsoft.com/office/powerpoint/2010/main" val="3389076463"/>
+        <p14:creationId xmlns:p14="http://schemas.microsoft.com/office/powerpoint/2010/main" xmlns="" val="3389076463"/>
       </p:ext>
     </p:extLst>
   </p:cSld>
@@ -9603,7 +9603,7 @@
     </p:spTree>
     <p:extLst>
       <p:ext uri="{BB962C8B-B14F-4D97-AF65-F5344CB8AC3E}">
-        <p14:creationId xmlns="" xmlns:p14="http://schemas.microsoft.com/office/powerpoint/2010/main" val="3781125707"/>
+        <p14:creationId xmlns:p14="http://schemas.microsoft.com/office/powerpoint/2010/main" xmlns="" val="3781125707"/>
       </p:ext>
     </p:extLst>
   </p:cSld>
@@ -9727,7 +9727,7 @@
     </p:spTree>
     <p:extLst>
       <p:ext uri="{BB962C8B-B14F-4D97-AF65-F5344CB8AC3E}">
-        <p14:creationId xmlns="" xmlns:p14="http://schemas.microsoft.com/office/powerpoint/2010/main" val="3113757335"/>
+        <p14:creationId xmlns:p14="http://schemas.microsoft.com/office/powerpoint/2010/main" xmlns="" val="3113757335"/>
       </p:ext>
     </p:extLst>
   </p:cSld>
@@ -9811,7 +9811,7 @@
     </p:spTree>
     <p:extLst>
       <p:ext uri="{BB962C8B-B14F-4D97-AF65-F5344CB8AC3E}">
-        <p14:creationId xmlns="" xmlns:p14="http://schemas.microsoft.com/office/powerpoint/2010/main" val="3128220547"/>
+        <p14:creationId xmlns:p14="http://schemas.microsoft.com/office/powerpoint/2010/main" xmlns="" val="3128220547"/>
       </p:ext>
     </p:extLst>
   </p:cSld>
@@ -9937,7 +9937,7 @@
     </p:spTree>
     <p:extLst>
       <p:ext uri="{BB962C8B-B14F-4D97-AF65-F5344CB8AC3E}">
-        <p14:creationId xmlns="" xmlns:p14="http://schemas.microsoft.com/office/powerpoint/2010/main" val="3526463055"/>
+        <p14:creationId xmlns:p14="http://schemas.microsoft.com/office/powerpoint/2010/main" xmlns="" val="3526463055"/>
       </p:ext>
     </p:extLst>
   </p:cSld>
@@ -10060,7 +10060,7 @@
     </p:spTree>
     <p:extLst>
       <p:ext uri="{BB962C8B-B14F-4D97-AF65-F5344CB8AC3E}">
-        <p14:creationId xmlns="" xmlns:p14="http://schemas.microsoft.com/office/powerpoint/2010/main" val="4153735844"/>
+        <p14:creationId xmlns:p14="http://schemas.microsoft.com/office/powerpoint/2010/main" xmlns="" val="4153735844"/>
       </p:ext>
     </p:extLst>
   </p:cSld>
@@ -10153,7 +10153,7 @@
     </p:spTree>
     <p:extLst>
       <p:ext uri="{BB962C8B-B14F-4D97-AF65-F5344CB8AC3E}">
-        <p14:creationId xmlns="" xmlns:p14="http://schemas.microsoft.com/office/powerpoint/2010/main" val="3584613944"/>
+        <p14:creationId xmlns:p14="http://schemas.microsoft.com/office/powerpoint/2010/main" xmlns="" val="3584613944"/>
       </p:ext>
     </p:extLst>
   </p:cSld>
@@ -10342,7 +10342,7 @@
     </p:spTree>
     <p:extLst>
       <p:ext uri="{BB962C8B-B14F-4D97-AF65-F5344CB8AC3E}">
-        <p14:creationId xmlns="" xmlns:p14="http://schemas.microsoft.com/office/powerpoint/2010/main" val="1309712431"/>
+        <p14:creationId xmlns:p14="http://schemas.microsoft.com/office/powerpoint/2010/main" xmlns="" val="1309712431"/>
       </p:ext>
     </p:extLst>
   </p:cSld>
@@ -10559,7 +10559,7 @@
     </p:spTree>
     <p:extLst>
       <p:ext uri="{BB962C8B-B14F-4D97-AF65-F5344CB8AC3E}">
-        <p14:creationId xmlns="" xmlns:p14="http://schemas.microsoft.com/office/powerpoint/2010/main" val="3902446084"/>
+        <p14:creationId xmlns:p14="http://schemas.microsoft.com/office/powerpoint/2010/main" xmlns="" val="3902446084"/>
       </p:ext>
     </p:extLst>
   </p:cSld>
@@ -10751,7 +10751,7 @@
     </p:spTree>
     <p:extLst>
       <p:ext uri="{BB962C8B-B14F-4D97-AF65-F5344CB8AC3E}">
-        <p14:creationId xmlns="" xmlns:p14="http://schemas.microsoft.com/office/powerpoint/2010/main" val="3677979436"/>
+        <p14:creationId xmlns:p14="http://schemas.microsoft.com/office/powerpoint/2010/main" xmlns="" val="3677979436"/>
       </p:ext>
     </p:extLst>
   </p:cSld>
@@ -11268,7 +11268,7 @@
     </p:spTree>
     <p:extLst>
       <p:ext uri="{BB962C8B-B14F-4D97-AF65-F5344CB8AC3E}">
-        <p14:creationId xmlns="" xmlns:p14="http://schemas.microsoft.com/office/powerpoint/2010/main" val="3436514102"/>
+        <p14:creationId xmlns:p14="http://schemas.microsoft.com/office/powerpoint/2010/main" xmlns="" val="3436514102"/>
       </p:ext>
     </p:extLst>
   </p:cSld>
@@ -11276,7 +11276,7 @@
     <a:masterClrMapping/>
   </p:clrMapOvr>
   <mc:AlternateContent xmlns:mc="http://schemas.openxmlformats.org/markup-compatibility/2006">
-    <mc:Choice xmlns="" xmlns:p14="http://schemas.microsoft.com/office/powerpoint/2010/main" Requires="p14">
+    <mc:Choice xmlns:p14="http://schemas.microsoft.com/office/powerpoint/2010/main" xmlns="" Requires="p14">
       <p:transition spd="slow" p14:dur="2000"/>
     </mc:Choice>
     <mc:Fallback>
@@ -11369,7 +11369,7 @@
     </p:spTree>
     <p:extLst>
       <p:ext uri="{BB962C8B-B14F-4D97-AF65-F5344CB8AC3E}">
-        <p14:creationId xmlns="" xmlns:p14="http://schemas.microsoft.com/office/powerpoint/2010/main" val="2777952497"/>
+        <p14:creationId xmlns:p14="http://schemas.microsoft.com/office/powerpoint/2010/main" xmlns="" val="2777952497"/>
       </p:ext>
     </p:extLst>
   </p:cSld>
@@ -11557,7 +11557,7 @@
     </p:spTree>
     <p:extLst>
       <p:ext uri="{BB962C8B-B14F-4D97-AF65-F5344CB8AC3E}">
-        <p14:creationId xmlns="" xmlns:p14="http://schemas.microsoft.com/office/powerpoint/2010/main" val="2574674066"/>
+        <p14:creationId xmlns:p14="http://schemas.microsoft.com/office/powerpoint/2010/main" xmlns="" val="2574674066"/>
       </p:ext>
     </p:extLst>
   </p:cSld>
@@ -11650,7 +11650,7 @@
     </p:spTree>
     <p:extLst>
       <p:ext uri="{BB962C8B-B14F-4D97-AF65-F5344CB8AC3E}">
-        <p14:creationId xmlns="" xmlns:p14="http://schemas.microsoft.com/office/powerpoint/2010/main" val="763878143"/>
+        <p14:creationId xmlns:p14="http://schemas.microsoft.com/office/powerpoint/2010/main" xmlns="" val="763878143"/>
       </p:ext>
     </p:extLst>
   </p:cSld>
@@ -12271,7 +12271,7 @@
     </p:spTree>
     <p:extLst>
       <p:ext uri="{BB962C8B-B14F-4D97-AF65-F5344CB8AC3E}">
-        <p14:creationId xmlns="" xmlns:p14="http://schemas.microsoft.com/office/powerpoint/2010/main" val="42533803"/>
+        <p14:creationId xmlns:p14="http://schemas.microsoft.com/office/powerpoint/2010/main" xmlns="" val="42533803"/>
       </p:ext>
     </p:extLst>
   </p:cSld>
@@ -12279,7 +12279,7 @@
     <a:masterClrMapping/>
   </p:clrMapOvr>
   <mc:AlternateContent xmlns:mc="http://schemas.openxmlformats.org/markup-compatibility/2006">
-    <mc:Choice xmlns="" xmlns:p14="http://schemas.microsoft.com/office/powerpoint/2010/main" Requires="p14">
+    <mc:Choice xmlns:p14="http://schemas.microsoft.com/office/powerpoint/2010/main" xmlns="" Requires="p14">
       <p:transition spd="slow" p14:dur="2000"/>
     </mc:Choice>
     <mc:Fallback>
@@ -12583,7 +12583,7 @@
     </p:spTree>
     <p:extLst>
       <p:ext uri="{BB962C8B-B14F-4D97-AF65-F5344CB8AC3E}">
-        <p14:creationId xmlns="" xmlns:p14="http://schemas.microsoft.com/office/powerpoint/2010/main" val="719158636"/>
+        <p14:creationId xmlns:p14="http://schemas.microsoft.com/office/powerpoint/2010/main" xmlns="" val="719158636"/>
       </p:ext>
     </p:extLst>
   </p:cSld>
@@ -12591,7 +12591,7 @@
     <a:masterClrMapping/>
   </p:clrMapOvr>
   <mc:AlternateContent xmlns:mc="http://schemas.openxmlformats.org/markup-compatibility/2006">
-    <mc:Choice xmlns="" xmlns:p14="http://schemas.microsoft.com/office/powerpoint/2010/main" Requires="p14">
+    <mc:Choice xmlns:p14="http://schemas.microsoft.com/office/powerpoint/2010/main" xmlns="" Requires="p14">
       <p:transition spd="slow" p14:dur="2000"/>
     </mc:Choice>
     <mc:Fallback>
@@ -12892,7 +12892,7 @@
     </p:spTree>
     <p:extLst>
       <p:ext uri="{BB962C8B-B14F-4D97-AF65-F5344CB8AC3E}">
-        <p14:creationId xmlns="" xmlns:p14="http://schemas.microsoft.com/office/powerpoint/2010/main" val="3790159258"/>
+        <p14:creationId xmlns:p14="http://schemas.microsoft.com/office/powerpoint/2010/main" xmlns="" val="3790159258"/>
       </p:ext>
     </p:extLst>
   </p:cSld>
@@ -12900,7 +12900,7 @@
     <a:masterClrMapping/>
   </p:clrMapOvr>
   <mc:AlternateContent xmlns:mc="http://schemas.openxmlformats.org/markup-compatibility/2006">
-    <mc:Choice xmlns="" xmlns:p14="http://schemas.microsoft.com/office/powerpoint/2010/main" Requires="p14">
+    <mc:Choice xmlns:p14="http://schemas.microsoft.com/office/powerpoint/2010/main" xmlns="" Requires="p14">
       <p:transition spd="slow" p14:dur="2000"/>
     </mc:Choice>
     <mc:Fallback>
@@ -13208,7 +13208,7 @@
     </p:spTree>
     <p:extLst>
       <p:ext uri="{BB962C8B-B14F-4D97-AF65-F5344CB8AC3E}">
-        <p14:creationId xmlns="" xmlns:p14="http://schemas.microsoft.com/office/powerpoint/2010/main" val="560870364"/>
+        <p14:creationId xmlns:p14="http://schemas.microsoft.com/office/powerpoint/2010/main" xmlns="" val="560870364"/>
       </p:ext>
     </p:extLst>
   </p:cSld>
@@ -13216,7 +13216,7 @@
     <a:masterClrMapping/>
   </p:clrMapOvr>
   <mc:AlternateContent xmlns:mc="http://schemas.openxmlformats.org/markup-compatibility/2006">
-    <mc:Choice xmlns="" xmlns:p14="http://schemas.microsoft.com/office/powerpoint/2010/main" Requires="p14">
+    <mc:Choice xmlns:p14="http://schemas.microsoft.com/office/powerpoint/2010/main" xmlns="" Requires="p14">
       <p:transition spd="slow" p14:dur="2000"/>
     </mc:Choice>
     <mc:Fallback>
@@ -13517,7 +13517,7 @@
     </p:spTree>
     <p:extLst>
       <p:ext uri="{BB962C8B-B14F-4D97-AF65-F5344CB8AC3E}">
-        <p14:creationId xmlns="" xmlns:p14="http://schemas.microsoft.com/office/powerpoint/2010/main" val="518406238"/>
+        <p14:creationId xmlns:p14="http://schemas.microsoft.com/office/powerpoint/2010/main" xmlns="" val="518406238"/>
       </p:ext>
     </p:extLst>
   </p:cSld>
@@ -13525,7 +13525,7 @@
     <a:masterClrMapping/>
   </p:clrMapOvr>
   <mc:AlternateContent xmlns:mc="http://schemas.openxmlformats.org/markup-compatibility/2006">
-    <mc:Choice xmlns="" xmlns:p14="http://schemas.microsoft.com/office/powerpoint/2010/main" Requires="p14">
+    <mc:Choice xmlns:p14="http://schemas.microsoft.com/office/powerpoint/2010/main" xmlns="" Requires="p14">
       <p:transition spd="slow" p14:dur="2000"/>
     </mc:Choice>
     <mc:Fallback>
@@ -13826,7 +13826,7 @@
     </p:spTree>
     <p:extLst>
       <p:ext uri="{BB962C8B-B14F-4D97-AF65-F5344CB8AC3E}">
-        <p14:creationId xmlns="" xmlns:p14="http://schemas.microsoft.com/office/powerpoint/2010/main" val="3089945963"/>
+        <p14:creationId xmlns:p14="http://schemas.microsoft.com/office/powerpoint/2010/main" xmlns="" val="3089945963"/>
       </p:ext>
     </p:extLst>
   </p:cSld>
@@ -13834,7 +13834,7 @@
     <a:masterClrMapping/>
   </p:clrMapOvr>
   <mc:AlternateContent xmlns:mc="http://schemas.openxmlformats.org/markup-compatibility/2006">
-    <mc:Choice xmlns="" xmlns:p14="http://schemas.microsoft.com/office/powerpoint/2010/main" Requires="p14">
+    <mc:Choice xmlns:p14="http://schemas.microsoft.com/office/powerpoint/2010/main" xmlns="" Requires="p14">
       <p:transition spd="slow" p14:dur="2000"/>
     </mc:Choice>
     <mc:Fallback>
@@ -14181,7 +14181,7 @@
     </p:spTree>
     <p:extLst>
       <p:ext uri="{BB962C8B-B14F-4D97-AF65-F5344CB8AC3E}">
-        <p14:creationId xmlns="" xmlns:p14="http://schemas.microsoft.com/office/powerpoint/2010/main" val="3735783036"/>
+        <p14:creationId xmlns:p14="http://schemas.microsoft.com/office/powerpoint/2010/main" xmlns="" val="3735783036"/>
       </p:ext>
     </p:extLst>
   </p:cSld>
@@ -14189,7 +14189,7 @@
     <a:masterClrMapping/>
   </p:clrMapOvr>
   <mc:AlternateContent xmlns:mc="http://schemas.openxmlformats.org/markup-compatibility/2006">
-    <mc:Choice xmlns="" xmlns:p14="http://schemas.microsoft.com/office/powerpoint/2010/main" Requires="p14">
+    <mc:Choice xmlns:p14="http://schemas.microsoft.com/office/powerpoint/2010/main" xmlns="" Requires="p14">
       <p:transition spd="slow" p14:dur="2000"/>
     </mc:Choice>
     <mc:Fallback>
@@ -14502,7 +14502,7 @@
     </p:spTree>
     <p:extLst>
       <p:ext uri="{BB962C8B-B14F-4D97-AF65-F5344CB8AC3E}">
-        <p14:creationId xmlns="" xmlns:p14="http://schemas.microsoft.com/office/powerpoint/2010/main" val="820318166"/>
+        <p14:creationId xmlns:p14="http://schemas.microsoft.com/office/powerpoint/2010/main" xmlns="" val="820318166"/>
       </p:ext>
     </p:extLst>
   </p:cSld>
@@ -14510,7 +14510,7 @@
     <a:masterClrMapping/>
   </p:clrMapOvr>
   <mc:AlternateContent xmlns:mc="http://schemas.openxmlformats.org/markup-compatibility/2006">
-    <mc:Choice xmlns="" xmlns:p14="http://schemas.microsoft.com/office/powerpoint/2010/main" Requires="p14">
+    <mc:Choice xmlns:p14="http://schemas.microsoft.com/office/powerpoint/2010/main" xmlns="" Requires="p14">
       <p:transition spd="slow" p14:dur="2000"/>
     </mc:Choice>
     <mc:Fallback>
@@ -14830,7 +14830,7 @@
     </p:spTree>
     <p:extLst>
       <p:ext uri="{BB962C8B-B14F-4D97-AF65-F5344CB8AC3E}">
-        <p14:creationId xmlns="" xmlns:p14="http://schemas.microsoft.com/office/powerpoint/2010/main" val="2112585717"/>
+        <p14:creationId xmlns:p14="http://schemas.microsoft.com/office/powerpoint/2010/main" xmlns="" val="2112585717"/>
       </p:ext>
     </p:extLst>
   </p:cSld>
@@ -14838,7 +14838,7 @@
     <a:masterClrMapping/>
   </p:clrMapOvr>
   <mc:AlternateContent xmlns:mc="http://schemas.openxmlformats.org/markup-compatibility/2006">
-    <mc:Choice xmlns="" xmlns:p14="http://schemas.microsoft.com/office/powerpoint/2010/main" Requires="p14">
+    <mc:Choice xmlns:p14="http://schemas.microsoft.com/office/powerpoint/2010/main" xmlns="" Requires="p14">
       <p:transition spd="slow" p14:dur="2000"/>
     </mc:Choice>
     <mc:Fallback>
@@ -15123,7 +15123,7 @@
     </p:spTree>
     <p:extLst>
       <p:ext uri="{BB962C8B-B14F-4D97-AF65-F5344CB8AC3E}">
-        <p14:creationId xmlns="" xmlns:p14="http://schemas.microsoft.com/office/powerpoint/2010/main" val="2498309309"/>
+        <p14:creationId xmlns:p14="http://schemas.microsoft.com/office/powerpoint/2010/main" xmlns="" val="2498309309"/>
       </p:ext>
     </p:extLst>
   </p:cSld>
@@ -15131,7 +15131,7 @@
     <a:masterClrMapping/>
   </p:clrMapOvr>
   <mc:AlternateContent xmlns:mc="http://schemas.openxmlformats.org/markup-compatibility/2006">
-    <mc:Choice xmlns="" xmlns:p14="http://schemas.microsoft.com/office/powerpoint/2010/main" Requires="p14">
+    <mc:Choice xmlns:p14="http://schemas.microsoft.com/office/powerpoint/2010/main" xmlns="" Requires="p14">
       <p:transition spd="slow" p14:dur="2000"/>
     </mc:Choice>
     <mc:Fallback>
@@ -15428,7 +15428,7 @@
     </p:spTree>
     <p:extLst>
       <p:ext uri="{BB962C8B-B14F-4D97-AF65-F5344CB8AC3E}">
-        <p14:creationId xmlns="" xmlns:p14="http://schemas.microsoft.com/office/powerpoint/2010/main" val="490993421"/>
+        <p14:creationId xmlns:p14="http://schemas.microsoft.com/office/powerpoint/2010/main" xmlns="" val="490993421"/>
       </p:ext>
     </p:extLst>
   </p:cSld>
@@ -15436,7 +15436,7 @@
     <a:masterClrMapping/>
   </p:clrMapOvr>
   <mc:AlternateContent xmlns:mc="http://schemas.openxmlformats.org/markup-compatibility/2006">
-    <mc:Choice xmlns="" xmlns:p14="http://schemas.microsoft.com/office/powerpoint/2010/main" Requires="p14">
+    <mc:Choice xmlns:p14="http://schemas.microsoft.com/office/powerpoint/2010/main" xmlns="" Requires="p14">
       <p:transition spd="slow" p14:dur="2000"/>
     </mc:Choice>
     <mc:Fallback>
@@ -15705,7 +15705,7 @@
     </p:spTree>
     <p:extLst>
       <p:ext uri="{BB962C8B-B14F-4D97-AF65-F5344CB8AC3E}">
-        <p14:creationId xmlns="" xmlns:p14="http://schemas.microsoft.com/office/powerpoint/2010/main" val="1982603412"/>
+        <p14:creationId xmlns:p14="http://schemas.microsoft.com/office/powerpoint/2010/main" xmlns="" val="1982603412"/>
       </p:ext>
     </p:extLst>
   </p:cSld>
@@ -15713,7 +15713,7 @@
     <a:masterClrMapping/>
   </p:clrMapOvr>
   <mc:AlternateContent xmlns:mc="http://schemas.openxmlformats.org/markup-compatibility/2006">
-    <mc:Choice xmlns="" xmlns:p14="http://schemas.microsoft.com/office/powerpoint/2010/main" Requires="p14">
+    <mc:Choice xmlns:p14="http://schemas.microsoft.com/office/powerpoint/2010/main" xmlns="" Requires="p14">
       <p:transition spd="slow" p14:dur="2000"/>
     </mc:Choice>
     <mc:Fallback>
@@ -15806,7 +15806,7 @@
     </p:spTree>
     <p:extLst>
       <p:ext uri="{BB962C8B-B14F-4D97-AF65-F5344CB8AC3E}">
-        <p14:creationId xmlns="" xmlns:p14="http://schemas.microsoft.com/office/powerpoint/2010/main" val="3486681628"/>
+        <p14:creationId xmlns:p14="http://schemas.microsoft.com/office/powerpoint/2010/main" xmlns="" val="3486681628"/>
       </p:ext>
     </p:extLst>
   </p:cSld>
@@ -15814,7 +15814,7 @@
     <a:masterClrMapping/>
   </p:clrMapOvr>
   <mc:AlternateContent xmlns:mc="http://schemas.openxmlformats.org/markup-compatibility/2006">
-    <mc:Choice xmlns="" xmlns:p14="http://schemas.microsoft.com/office/powerpoint/2010/main" Requires="p14">
+    <mc:Choice xmlns:p14="http://schemas.microsoft.com/office/powerpoint/2010/main" xmlns="" Requires="p14">
       <p:transition spd="slow" p14:dur="2000"/>
     </mc:Choice>
     <mc:Fallback>
@@ -16124,7 +16124,7 @@
     </p:spTree>
     <p:extLst>
       <p:ext uri="{BB962C8B-B14F-4D97-AF65-F5344CB8AC3E}">
-        <p14:creationId xmlns="" xmlns:p14="http://schemas.microsoft.com/office/powerpoint/2010/main" val="2167458548"/>
+        <p14:creationId xmlns:p14="http://schemas.microsoft.com/office/powerpoint/2010/main" xmlns="" val="2167458548"/>
       </p:ext>
     </p:extLst>
   </p:cSld>
@@ -16132,7 +16132,7 @@
     <a:masterClrMapping/>
   </p:clrMapOvr>
   <mc:AlternateContent xmlns:mc="http://schemas.openxmlformats.org/markup-compatibility/2006">
-    <mc:Choice xmlns="" xmlns:p14="http://schemas.microsoft.com/office/powerpoint/2010/main" Requires="p14">
+    <mc:Choice xmlns:p14="http://schemas.microsoft.com/office/powerpoint/2010/main" xmlns="" Requires="p14">
       <p:transition spd="slow" p14:dur="2000"/>
     </mc:Choice>
     <mc:Fallback>
@@ -16231,7 +16231,7 @@
     </p:spTree>
     <p:extLst>
       <p:ext uri="{BB962C8B-B14F-4D97-AF65-F5344CB8AC3E}">
-        <p14:creationId xmlns="" xmlns:p14="http://schemas.microsoft.com/office/powerpoint/2010/main" val="77984983"/>
+        <p14:creationId xmlns:p14="http://schemas.microsoft.com/office/powerpoint/2010/main" xmlns="" val="77984983"/>
       </p:ext>
     </p:extLst>
   </p:cSld>
@@ -16239,7 +16239,7 @@
     <a:masterClrMapping/>
   </p:clrMapOvr>
   <mc:AlternateContent xmlns:mc="http://schemas.openxmlformats.org/markup-compatibility/2006">
-    <mc:Choice xmlns="" xmlns:p14="http://schemas.microsoft.com/office/powerpoint/2010/main" Requires="p14">
+    <mc:Choice xmlns:p14="http://schemas.microsoft.com/office/powerpoint/2010/main" xmlns="" Requires="p14">
       <p:transition spd="slow" p14:dur="2000"/>
     </mc:Choice>
     <mc:Fallback>
@@ -16338,7 +16338,7 @@
     </p:spTree>
     <p:extLst>
       <p:ext uri="{BB962C8B-B14F-4D97-AF65-F5344CB8AC3E}">
-        <p14:creationId xmlns="" xmlns:p14="http://schemas.microsoft.com/office/powerpoint/2010/main" val="3690446741"/>
+        <p14:creationId xmlns:p14="http://schemas.microsoft.com/office/powerpoint/2010/main" xmlns="" val="3690446741"/>
       </p:ext>
     </p:extLst>
   </p:cSld>
@@ -16346,7 +16346,7 @@
     <a:masterClrMapping/>
   </p:clrMapOvr>
   <mc:AlternateContent xmlns:mc="http://schemas.openxmlformats.org/markup-compatibility/2006">
-    <mc:Choice xmlns="" xmlns:p14="http://schemas.microsoft.com/office/powerpoint/2010/main" Requires="p14">
+    <mc:Choice xmlns:p14="http://schemas.microsoft.com/office/powerpoint/2010/main" xmlns="" Requires="p14">
       <p:transition spd="slow" p14:dur="2000"/>
     </mc:Choice>
     <mc:Fallback>
@@ -16577,7 +16577,7 @@
     </p:spTree>
     <p:extLst>
       <p:ext uri="{BB962C8B-B14F-4D97-AF65-F5344CB8AC3E}">
-        <p14:creationId xmlns="" xmlns:p14="http://schemas.microsoft.com/office/powerpoint/2010/main" val="1921668123"/>
+        <p14:creationId xmlns:p14="http://schemas.microsoft.com/office/powerpoint/2010/main" xmlns="" val="1921668123"/>
       </p:ext>
     </p:extLst>
   </p:cSld>
@@ -16585,7 +16585,7 @@
     <a:masterClrMapping/>
   </p:clrMapOvr>
   <mc:AlternateContent xmlns:mc="http://schemas.openxmlformats.org/markup-compatibility/2006">
-    <mc:Choice xmlns="" xmlns:p14="http://schemas.microsoft.com/office/powerpoint/2010/main" Requires="p14">
+    <mc:Choice xmlns:p14="http://schemas.microsoft.com/office/powerpoint/2010/main" xmlns="" Requires="p14">
       <p:transition spd="slow" p14:dur="2000"/>
     </mc:Choice>
     <mc:Fallback>
@@ -16936,7 +16936,7 @@
     </p:spTree>
     <p:extLst>
       <p:ext uri="{BB962C8B-B14F-4D97-AF65-F5344CB8AC3E}">
-        <p14:creationId xmlns="" xmlns:p14="http://schemas.microsoft.com/office/powerpoint/2010/main" val="1766382090"/>
+        <p14:creationId xmlns:p14="http://schemas.microsoft.com/office/powerpoint/2010/main" xmlns="" val="1766382090"/>
       </p:ext>
     </p:extLst>
   </p:cSld>
@@ -16944,7 +16944,7 @@
     <a:masterClrMapping/>
   </p:clrMapOvr>
   <mc:AlternateContent xmlns:mc="http://schemas.openxmlformats.org/markup-compatibility/2006">
-    <mc:Choice xmlns="" xmlns:p14="http://schemas.microsoft.com/office/powerpoint/2010/main" Requires="p14">
+    <mc:Choice xmlns:p14="http://schemas.microsoft.com/office/powerpoint/2010/main" xmlns="" Requires="p14">
       <p:transition spd="slow" p14:dur="2000"/>
     </mc:Choice>
     <mc:Fallback>
@@ -17236,7 +17236,7 @@
     </p:spTree>
     <p:extLst>
       <p:ext uri="{BB962C8B-B14F-4D97-AF65-F5344CB8AC3E}">
-        <p14:creationId xmlns="" xmlns:p14="http://schemas.microsoft.com/office/powerpoint/2010/main" val="2809531644"/>
+        <p14:creationId xmlns:p14="http://schemas.microsoft.com/office/powerpoint/2010/main" xmlns="" val="2809531644"/>
       </p:ext>
     </p:extLst>
   </p:cSld>
@@ -17244,7 +17244,7 @@
     <a:masterClrMapping/>
   </p:clrMapOvr>
   <mc:AlternateContent xmlns:mc="http://schemas.openxmlformats.org/markup-compatibility/2006">
-    <mc:Choice xmlns="" xmlns:p14="http://schemas.microsoft.com/office/powerpoint/2010/main" Requires="p14">
+    <mc:Choice xmlns:p14="http://schemas.microsoft.com/office/powerpoint/2010/main" xmlns="" Requires="p14">
       <p:transition spd="slow" p14:dur="2000"/>
     </mc:Choice>
     <mc:Fallback>
@@ -17398,7 +17398,7 @@
     </p:spTree>
     <p:extLst>
       <p:ext uri="{BB962C8B-B14F-4D97-AF65-F5344CB8AC3E}">
-        <p14:creationId xmlns="" xmlns:p14="http://schemas.microsoft.com/office/powerpoint/2010/main" val="2052235477"/>
+        <p14:creationId xmlns:p14="http://schemas.microsoft.com/office/powerpoint/2010/main" xmlns="" val="2052235477"/>
       </p:ext>
     </p:extLst>
   </p:cSld>
@@ -17406,7 +17406,7 @@
     <a:masterClrMapping/>
   </p:clrMapOvr>
   <mc:AlternateContent xmlns:mc="http://schemas.openxmlformats.org/markup-compatibility/2006">
-    <mc:Choice xmlns="" xmlns:p14="http://schemas.microsoft.com/office/powerpoint/2010/main" Requires="p14">
+    <mc:Choice xmlns:p14="http://schemas.microsoft.com/office/powerpoint/2010/main" xmlns="" Requires="p14">
       <p:transition spd="slow" p14:dur="2000"/>
     </mc:Choice>
     <mc:Fallback>
@@ -17472,7 +17472,7 @@
     </p:spTree>
     <p:extLst>
       <p:ext uri="{BB962C8B-B14F-4D97-AF65-F5344CB8AC3E}">
-        <p14:creationId xmlns="" xmlns:p14="http://schemas.microsoft.com/office/powerpoint/2010/main" val="1378357901"/>
+        <p14:creationId xmlns:p14="http://schemas.microsoft.com/office/powerpoint/2010/main" xmlns="" val="1378357901"/>
       </p:ext>
     </p:extLst>
   </p:cSld>
@@ -17562,7 +17562,7 @@
           <p:nvPr>
             <p:extLst>
               <p:ext uri="{D42A27DB-BD31-4B8C-83A1-F6EECF244321}">
-                <p14:modId xmlns="" xmlns:p14="http://schemas.microsoft.com/office/powerpoint/2010/main" val="2256308220"/>
+                <p14:modId xmlns:p14="http://schemas.microsoft.com/office/powerpoint/2010/main" xmlns="" val="2256308220"/>
               </p:ext>
             </p:extLst>
           </p:nvPr>
@@ -18147,7 +18147,7 @@
     </p:spTree>
     <p:extLst>
       <p:ext uri="{BB962C8B-B14F-4D97-AF65-F5344CB8AC3E}">
-        <p14:creationId xmlns="" xmlns:p14="http://schemas.microsoft.com/office/powerpoint/2010/main" val="1730443546"/>
+        <p14:creationId xmlns:p14="http://schemas.microsoft.com/office/powerpoint/2010/main" xmlns="" val="1730443546"/>
       </p:ext>
     </p:extLst>
   </p:cSld>
@@ -18155,7 +18155,7 @@
     <a:masterClrMapping/>
   </p:clrMapOvr>
   <mc:AlternateContent xmlns:mc="http://schemas.openxmlformats.org/markup-compatibility/2006">
-    <mc:Choice xmlns="" xmlns:p14="http://schemas.microsoft.com/office/powerpoint/2010/main" Requires="p14">
+    <mc:Choice xmlns:p14="http://schemas.microsoft.com/office/powerpoint/2010/main" xmlns="" Requires="p14">
       <p:transition spd="slow" p14:dur="2000"/>
     </mc:Choice>
     <mc:Fallback>
@@ -18635,7 +18635,7 @@
     </p:spTree>
     <p:extLst>
       <p:ext uri="{BB962C8B-B14F-4D97-AF65-F5344CB8AC3E}">
-        <p14:creationId xmlns="" xmlns:p14="http://schemas.microsoft.com/office/powerpoint/2010/main" val="1629831378"/>
+        <p14:creationId xmlns:p14="http://schemas.microsoft.com/office/powerpoint/2010/main" xmlns="" val="1629831378"/>
       </p:ext>
     </p:extLst>
   </p:cSld>
@@ -18643,7 +18643,7 @@
     <a:masterClrMapping/>
   </p:clrMapOvr>
   <mc:AlternateContent xmlns:mc="http://schemas.openxmlformats.org/markup-compatibility/2006">
-    <mc:Choice xmlns="" xmlns:p14="http://schemas.microsoft.com/office/powerpoint/2010/main" Requires="p14">
+    <mc:Choice xmlns:p14="http://schemas.microsoft.com/office/powerpoint/2010/main" xmlns="" Requires="p14">
       <p:transition spd="slow" p14:dur="2000"/>
     </mc:Choice>
     <mc:Fallback>
@@ -18689,7 +18689,7 @@
           <a:blip r:embed="rId2" cstate="print">
             <a:extLst>
               <a:ext uri="{28A0092B-C50C-407E-A947-70E740481C1C}">
-                <a14:useLocalDpi xmlns="" xmlns:a14="http://schemas.microsoft.com/office/drawing/2010/main" val="0"/>
+                <a14:useLocalDpi xmlns:a14="http://schemas.microsoft.com/office/drawing/2010/main" xmlns="" val="0"/>
               </a:ext>
             </a:extLst>
           </a:blip>
@@ -18709,7 +18709,7 @@
           <a:noFill/>
           <a:extLst>
             <a:ext uri="{909E8E84-426E-40dd-AFC4-6F175D3DCCD1}">
-              <a14:hiddenFill xmlns="" xmlns:a14="http://schemas.microsoft.com/office/drawing/2010/main">
+              <a14:hiddenFill xmlns:a14="http://schemas.microsoft.com/office/drawing/2010/main" xmlns="">
                 <a:solidFill>
                   <a:srgbClr val="FFFFFF"/>
                 </a:solidFill>
@@ -18792,7 +18792,7 @@
     </p:spTree>
     <p:extLst>
       <p:ext uri="{BB962C8B-B14F-4D97-AF65-F5344CB8AC3E}">
-        <p14:creationId xmlns="" xmlns:p14="http://schemas.microsoft.com/office/powerpoint/2010/main" val="2367797895"/>
+        <p14:creationId xmlns:p14="http://schemas.microsoft.com/office/powerpoint/2010/main" xmlns="" val="2367797895"/>
       </p:ext>
     </p:extLst>
   </p:cSld>
@@ -18800,7 +18800,7 @@
     <a:masterClrMapping/>
   </p:clrMapOvr>
   <mc:AlternateContent xmlns:mc="http://schemas.openxmlformats.org/markup-compatibility/2006">
-    <mc:Choice xmlns="" xmlns:p14="http://schemas.microsoft.com/office/powerpoint/2010/main" Requires="p14">
+    <mc:Choice xmlns:p14="http://schemas.microsoft.com/office/powerpoint/2010/main" xmlns="" Requires="p14">
       <p:transition spd="slow" p14:dur="2000"/>
     </mc:Choice>
     <mc:Fallback>
@@ -19180,7 +19180,7 @@
     </p:spTree>
     <p:extLst>
       <p:ext uri="{BB962C8B-B14F-4D97-AF65-F5344CB8AC3E}">
-        <p14:creationId xmlns="" xmlns:p14="http://schemas.microsoft.com/office/powerpoint/2010/main" val="2781102722"/>
+        <p14:creationId xmlns:p14="http://schemas.microsoft.com/office/powerpoint/2010/main" xmlns="" val="2781102722"/>
       </p:ext>
     </p:extLst>
   </p:cSld>
@@ -19793,7 +19793,7 @@
     </p:spTree>
     <p:extLst>
       <p:ext uri="{BB962C8B-B14F-4D97-AF65-F5344CB8AC3E}">
-        <p14:creationId xmlns="" xmlns:p14="http://schemas.microsoft.com/office/powerpoint/2010/main" val="3452883339"/>
+        <p14:creationId xmlns:p14="http://schemas.microsoft.com/office/powerpoint/2010/main" xmlns="" val="3452883339"/>
       </p:ext>
     </p:extLst>
   </p:cSld>
@@ -19801,7 +19801,7 @@
     <a:masterClrMapping/>
   </p:clrMapOvr>
   <mc:AlternateContent xmlns:mc="http://schemas.openxmlformats.org/markup-compatibility/2006">
-    <mc:Choice xmlns="" xmlns:p14="http://schemas.microsoft.com/office/powerpoint/2010/main" Requires="p14">
+    <mc:Choice xmlns:p14="http://schemas.microsoft.com/office/powerpoint/2010/main" xmlns="" Requires="p14">
       <p:transition spd="slow" p14:dur="2000"/>
     </mc:Choice>
     <mc:Fallback>
@@ -20713,7 +20713,7 @@
     </p:spTree>
     <p:extLst>
       <p:ext uri="{BB962C8B-B14F-4D97-AF65-F5344CB8AC3E}">
-        <p14:creationId xmlns="" xmlns:p14="http://schemas.microsoft.com/office/powerpoint/2010/main" val="1827848310"/>
+        <p14:creationId xmlns:p14="http://schemas.microsoft.com/office/powerpoint/2010/main" xmlns="" val="1827848310"/>
       </p:ext>
     </p:extLst>
   </p:cSld>
@@ -20721,7 +20721,7 @@
     <a:masterClrMapping/>
   </p:clrMapOvr>
   <mc:AlternateContent xmlns:mc="http://schemas.openxmlformats.org/markup-compatibility/2006">
-    <mc:Choice xmlns="" xmlns:p14="http://schemas.microsoft.com/office/powerpoint/2010/main" Requires="p14">
+    <mc:Choice xmlns:p14="http://schemas.microsoft.com/office/powerpoint/2010/main" xmlns="" Requires="p14">
       <p:transition spd="slow" p14:dur="2000"/>
     </mc:Choice>
     <mc:Fallback>
@@ -21682,7 +21682,7 @@
     </p:spTree>
     <p:extLst>
       <p:ext uri="{BB962C8B-B14F-4D97-AF65-F5344CB8AC3E}">
-        <p14:creationId xmlns="" xmlns:p14="http://schemas.microsoft.com/office/powerpoint/2010/main" val="2616731691"/>
+        <p14:creationId xmlns:p14="http://schemas.microsoft.com/office/powerpoint/2010/main" xmlns="" val="2616731691"/>
       </p:ext>
     </p:extLst>
   </p:cSld>
@@ -21690,7 +21690,7 @@
     <a:masterClrMapping/>
   </p:clrMapOvr>
   <mc:AlternateContent xmlns:mc="http://schemas.openxmlformats.org/markup-compatibility/2006">
-    <mc:Choice xmlns="" xmlns:p14="http://schemas.microsoft.com/office/powerpoint/2010/main" Requires="p14">
+    <mc:Choice xmlns:p14="http://schemas.microsoft.com/office/powerpoint/2010/main" xmlns="" Requires="p14">
       <p:transition spd="slow" p14:dur="2000"/>
     </mc:Choice>
     <mc:Fallback>
@@ -22159,7 +22159,7 @@
     </p:spTree>
     <p:extLst>
       <p:ext uri="{BB962C8B-B14F-4D97-AF65-F5344CB8AC3E}">
-        <p14:creationId xmlns="" xmlns:p14="http://schemas.microsoft.com/office/powerpoint/2010/main" val="1358147143"/>
+        <p14:creationId xmlns:p14="http://schemas.microsoft.com/office/powerpoint/2010/main" xmlns="" val="1358147143"/>
       </p:ext>
     </p:extLst>
   </p:cSld>
@@ -22167,7 +22167,7 @@
     <a:masterClrMapping/>
   </p:clrMapOvr>
   <mc:AlternateContent xmlns:mc="http://schemas.openxmlformats.org/markup-compatibility/2006">
-    <mc:Choice xmlns="" xmlns:p14="http://schemas.microsoft.com/office/powerpoint/2010/main" Requires="p14">
+    <mc:Choice xmlns:p14="http://schemas.microsoft.com/office/powerpoint/2010/main" xmlns="" Requires="p14">
       <p:transition spd="slow" p14:dur="2000"/>
     </mc:Choice>
     <mc:Fallback>
@@ -22330,7 +22330,6 @@
               <a:rPr lang="it-IT" sz="1400" b="1" dirty="0" smtClean="0"/>
               <a:t>(….);</a:t>
             </a:r>
-            <a:endParaRPr lang="it-IT" sz="1400" b="1" dirty="0" smtClean="0"/>
           </a:p>
           <a:p>
             <a:pPr marL="342900" indent="-342900">
@@ -22378,7 +22377,7 @@
     </p:spTree>
     <p:extLst>
       <p:ext uri="{BB962C8B-B14F-4D97-AF65-F5344CB8AC3E}">
-        <p14:creationId xmlns="" xmlns:p14="http://schemas.microsoft.com/office/powerpoint/2010/main" val="2912892320"/>
+        <p14:creationId xmlns:p14="http://schemas.microsoft.com/office/powerpoint/2010/main" xmlns="" val="2912892320"/>
       </p:ext>
     </p:extLst>
   </p:cSld>
@@ -22386,7 +22385,7 @@
     <a:masterClrMapping/>
   </p:clrMapOvr>
   <mc:AlternateContent xmlns:mc="http://schemas.openxmlformats.org/markup-compatibility/2006">
-    <mc:Choice xmlns="" xmlns:p14="http://schemas.microsoft.com/office/powerpoint/2010/main" Requires="p14">
+    <mc:Choice xmlns:p14="http://schemas.microsoft.com/office/powerpoint/2010/main" xmlns="" Requires="p14">
       <p:transition spd="slow" p14:dur="2000"/>
     </mc:Choice>
     <mc:Fallback>
@@ -22608,7 +22607,7 @@
         </p:blipFill>
         <p:spPr bwMode="auto">
           <a:xfrm>
-            <a:off x="3419872" y="2492896"/>
+            <a:off x="857224" y="1785926"/>
             <a:ext cx="1673342" cy="1495203"/>
           </a:xfrm>
           <a:prstGeom prst="rect">
@@ -22797,7 +22796,7 @@
             </a:lvl9pPr>
           </a:lstStyle>
           <a:p>
-            <a:pPr>
+            <a:pPr algn="r">
               <a:buNone/>
             </a:pPr>
             <a:r>
@@ -22810,7 +22809,7 @@
             </a:r>
           </a:p>
           <a:p>
-            <a:pPr>
+            <a:pPr algn="r">
               <a:buNone/>
             </a:pPr>
             <a:r>
@@ -22857,7 +22856,7 @@
     </p:spTree>
     <p:extLst>
       <p:ext uri="{BB962C8B-B14F-4D97-AF65-F5344CB8AC3E}">
-        <p14:creationId xmlns="" xmlns:p14="http://schemas.microsoft.com/office/powerpoint/2010/main" val="462729233"/>
+        <p14:creationId xmlns:p14="http://schemas.microsoft.com/office/powerpoint/2010/main" xmlns="" val="462729233"/>
       </p:ext>
     </p:extLst>
   </p:cSld>
@@ -22865,7 +22864,7 @@
     <a:masterClrMapping/>
   </p:clrMapOvr>
   <mc:AlternateContent xmlns:mc="http://schemas.openxmlformats.org/markup-compatibility/2006">
-    <mc:Choice xmlns="" xmlns:p14="http://schemas.microsoft.com/office/powerpoint/2010/main" Requires="p14">
+    <mc:Choice xmlns:p14="http://schemas.microsoft.com/office/powerpoint/2010/main" xmlns="" Requires="p14">
       <p:transition spd="slow" p14:dur="2000"/>
     </mc:Choice>
     <mc:Fallback>
@@ -23522,7 +23521,7 @@
     </p:spTree>
     <p:extLst>
       <p:ext uri="{BB962C8B-B14F-4D97-AF65-F5344CB8AC3E}">
-        <p14:creationId xmlns="" xmlns:p14="http://schemas.microsoft.com/office/powerpoint/2010/main" val="1717101950"/>
+        <p14:creationId xmlns:p14="http://schemas.microsoft.com/office/powerpoint/2010/main" xmlns="" val="1717101950"/>
       </p:ext>
     </p:extLst>
   </p:cSld>
@@ -23530,7 +23529,7 @@
     <a:masterClrMapping/>
   </p:clrMapOvr>
   <mc:AlternateContent xmlns:mc="http://schemas.openxmlformats.org/markup-compatibility/2006">
-    <mc:Choice xmlns="" xmlns:p14="http://schemas.microsoft.com/office/powerpoint/2010/main" Requires="p14">
+    <mc:Choice xmlns:p14="http://schemas.microsoft.com/office/powerpoint/2010/main" xmlns="" Requires="p14">
       <p:transition spd="slow" p14:dur="2000"/>
     </mc:Choice>
     <mc:Fallback>
@@ -23951,7 +23950,7 @@
     </p:spTree>
     <p:extLst>
       <p:ext uri="{BB962C8B-B14F-4D97-AF65-F5344CB8AC3E}">
-        <p14:creationId xmlns="" xmlns:p14="http://schemas.microsoft.com/office/powerpoint/2010/main" val="309719199"/>
+        <p14:creationId xmlns:p14="http://schemas.microsoft.com/office/powerpoint/2010/main" xmlns="" val="309719199"/>
       </p:ext>
     </p:extLst>
   </p:cSld>
@@ -23959,7 +23958,7 @@
     <a:masterClrMapping/>
   </p:clrMapOvr>
   <mc:AlternateContent xmlns:mc="http://schemas.openxmlformats.org/markup-compatibility/2006">
-    <mc:Choice xmlns="" xmlns:p14="http://schemas.microsoft.com/office/powerpoint/2010/main" Requires="p14">
+    <mc:Choice xmlns:p14="http://schemas.microsoft.com/office/powerpoint/2010/main" xmlns="" Requires="p14">
       <p:transition spd="slow" p14:dur="2000"/>
     </mc:Choice>
     <mc:Fallback>
@@ -24493,7 +24492,7 @@
     </p:spTree>
     <p:extLst>
       <p:ext uri="{BB962C8B-B14F-4D97-AF65-F5344CB8AC3E}">
-        <p14:creationId xmlns="" xmlns:p14="http://schemas.microsoft.com/office/powerpoint/2010/main" val="955904447"/>
+        <p14:creationId xmlns:p14="http://schemas.microsoft.com/office/powerpoint/2010/main" xmlns="" val="955904447"/>
       </p:ext>
     </p:extLst>
   </p:cSld>
@@ -24501,7 +24500,7 @@
     <a:masterClrMapping/>
   </p:clrMapOvr>
   <mc:AlternateContent xmlns:mc="http://schemas.openxmlformats.org/markup-compatibility/2006">
-    <mc:Choice xmlns="" xmlns:p14="http://schemas.microsoft.com/office/powerpoint/2010/main" Requires="p14">
+    <mc:Choice xmlns:p14="http://schemas.microsoft.com/office/powerpoint/2010/main" xmlns="" Requires="p14">
       <p:transition spd="slow" p14:dur="2000"/>
     </mc:Choice>
     <mc:Fallback>
@@ -24943,70 +24942,7 @@
               <a:rPr lang="it-IT" dirty="0" smtClean="0"/>
               <a:t>.</a:t>
             </a:r>
-          </a:p>
-          <a:p>
-            <a:pPr marL="5561013" indent="-5561013" algn="just">
-              <a:buNone/>
-            </a:pPr>
-            <a:r>
-              <a:rPr lang="it-IT" dirty="0" smtClean="0"/>
-              <a:t>In esso sono implementati i metodi per</a:t>
-            </a:r>
-          </a:p>
-          <a:p>
-            <a:pPr marL="5561013" indent="-5561013" algn="just">
-              <a:buNone/>
-              <a:tabLst>
-                <a:tab pos="5741988" algn="l"/>
-              </a:tabLst>
-            </a:pPr>
-            <a:r>
-              <a:rPr lang="it-IT" dirty="0" smtClean="0"/>
-              <a:t>le operazioni comuni che saranno poi</a:t>
-            </a:r>
-          </a:p>
-          <a:p>
-            <a:pPr marL="5561013" indent="-5561013" algn="just">
-              <a:buNone/>
-              <a:tabLst>
-                <a:tab pos="5741988" algn="l"/>
-              </a:tabLst>
-            </a:pPr>
-            <a:r>
-              <a:rPr lang="it-IT" dirty="0" smtClean="0"/>
-              <a:t>ereditate dalle classi per la gestione dei</a:t>
-            </a:r>
-          </a:p>
-          <a:p>
-            <a:pPr marL="5561013" indent="-5561013" algn="just">
-              <a:buNone/>
-            </a:pPr>
-            <a:r>
-              <a:rPr lang="it-IT" dirty="0" err="1" smtClean="0"/>
-              <a:t>beans</a:t>
-            </a:r>
-            <a:r>
-              <a:rPr lang="it-IT" dirty="0" smtClean="0"/>
-              <a:t> e i metodi per mappare il nome</a:t>
-            </a:r>
-          </a:p>
-          <a:p>
-            <a:pPr marL="5561013" indent="-5561013" algn="just">
-              <a:buNone/>
-            </a:pPr>
-            <a:r>
-              <a:rPr lang="it-IT" dirty="0" smtClean="0"/>
-              <a:t>delle variabili con i nomi dei relativi </a:t>
-            </a:r>
-          </a:p>
-          <a:p>
-            <a:pPr marL="5561013" indent="-5561013" algn="just">
-              <a:buNone/>
-            </a:pPr>
-            <a:r>
-              <a:rPr lang="it-IT" dirty="0" smtClean="0"/>
-              <a:t>attributi.</a:t>
-            </a:r>
+            <a:endParaRPr lang="it-IT" dirty="0" smtClean="0"/>
           </a:p>
         </p:txBody>
       </p:sp>
@@ -25026,7 +24962,7 @@
         </p:blipFill>
         <p:spPr>
           <a:xfrm>
-            <a:off x="6372200" y="2251582"/>
+            <a:off x="5143504" y="2428868"/>
             <a:ext cx="2376264" cy="4057738"/>
           </a:xfrm>
           <a:prstGeom prst="rect">
@@ -25050,10 +24986,36 @@
           </a:fontRef>
         </p:style>
       </p:pic>
+      <p:pic>
+        <p:nvPicPr>
+          <p:cNvPr id="33796" name="Picture 4" descr="http://www.upieditoria.it/images/omino%20cameriere.jpg"/>
+          <p:cNvPicPr>
+            <a:picLocks noChangeAspect="1" noChangeArrowheads="1"/>
+          </p:cNvPicPr>
+          <p:nvPr/>
+        </p:nvPicPr>
+        <p:blipFill>
+          <a:blip r:embed="rId3"/>
+          <a:srcRect/>
+          <a:stretch>
+            <a:fillRect/>
+          </a:stretch>
+        </p:blipFill>
+        <p:spPr bwMode="auto">
+          <a:xfrm>
+            <a:off x="61904" y="3500438"/>
+            <a:ext cx="3295650" cy="3295651"/>
+          </a:xfrm>
+          <a:prstGeom prst="rect">
+            <a:avLst/>
+          </a:prstGeom>
+          <a:noFill/>
+        </p:spPr>
+      </p:pic>
     </p:spTree>
     <p:extLst>
       <p:ext uri="{BB962C8B-B14F-4D97-AF65-F5344CB8AC3E}">
-        <p14:creationId xmlns="" xmlns:p14="http://schemas.microsoft.com/office/powerpoint/2010/main" val="1140837011"/>
+        <p14:creationId xmlns:p14="http://schemas.microsoft.com/office/powerpoint/2010/main" xmlns="" val="1140837011"/>
       </p:ext>
     </p:extLst>
   </p:cSld>
@@ -25061,7 +25023,7 @@
     <a:masterClrMapping/>
   </p:clrMapOvr>
   <mc:AlternateContent xmlns:mc="http://schemas.openxmlformats.org/markup-compatibility/2006">
-    <mc:Choice xmlns="" xmlns:p14="http://schemas.microsoft.com/office/powerpoint/2010/main" Requires="p14">
+    <mc:Choice xmlns:p14="http://schemas.microsoft.com/office/powerpoint/2010/main" xmlns="" Requires="p14">
       <p:transition spd="slow" p14:dur="2000"/>
     </mc:Choice>
     <mc:Fallback>
@@ -25208,6 +25170,41 @@
                                   </p:childTnLst>
                                 </p:cTn>
                               </p:par>
+                              <p:par>
+                                <p:cTn id="13" presetID="10" presetClass="entr" presetSubtype="0" fill="hold" nodeType="withEffect">
+                                  <p:stCondLst>
+                                    <p:cond delay="0"/>
+                                  </p:stCondLst>
+                                  <p:childTnLst>
+                                    <p:set>
+                                      <p:cBhvr>
+                                        <p:cTn id="14" dur="1" fill="hold">
+                                          <p:stCondLst>
+                                            <p:cond delay="0"/>
+                                          </p:stCondLst>
+                                        </p:cTn>
+                                        <p:tgtEl>
+                                          <p:spTgt spid="33796"/>
+                                        </p:tgtEl>
+                                        <p:attrNameLst>
+                                          <p:attrName>style.visibility</p:attrName>
+                                        </p:attrNameLst>
+                                      </p:cBhvr>
+                                      <p:to>
+                                        <p:strVal val="visible"/>
+                                      </p:to>
+                                    </p:set>
+                                    <p:animEffect transition="in" filter="fade">
+                                      <p:cBhvr>
+                                        <p:cTn id="15" dur="2000"/>
+                                        <p:tgtEl>
+                                          <p:spTgt spid="33796"/>
+                                        </p:tgtEl>
+                                      </p:cBhvr>
+                                    </p:animEffect>
+                                  </p:childTnLst>
+                                </p:cTn>
+                              </p:par>
                             </p:childTnLst>
                           </p:cTn>
                         </p:par>
@@ -25645,7 +25642,7 @@
     </p:spTree>
     <p:extLst>
       <p:ext uri="{BB962C8B-B14F-4D97-AF65-F5344CB8AC3E}">
-        <p14:creationId xmlns="" xmlns:p14="http://schemas.microsoft.com/office/powerpoint/2010/main" val="247747513"/>
+        <p14:creationId xmlns:p14="http://schemas.microsoft.com/office/powerpoint/2010/main" xmlns="" val="247747513"/>
       </p:ext>
     </p:extLst>
   </p:cSld>
@@ -25653,7 +25650,7 @@
     <a:masterClrMapping/>
   </p:clrMapOvr>
   <mc:AlternateContent xmlns:mc="http://schemas.openxmlformats.org/markup-compatibility/2006">
-    <mc:Choice xmlns="" xmlns:p14="http://schemas.microsoft.com/office/powerpoint/2010/main" Requires="p14">
+    <mc:Choice xmlns:p14="http://schemas.microsoft.com/office/powerpoint/2010/main" xmlns="" Requires="p14">
       <p:transition spd="slow" p14:dur="2000"/>
     </mc:Choice>
     <mc:Fallback>
@@ -26343,7 +26340,7 @@
     </p:spTree>
     <p:extLst>
       <p:ext uri="{BB962C8B-B14F-4D97-AF65-F5344CB8AC3E}">
-        <p14:creationId xmlns="" xmlns:p14="http://schemas.microsoft.com/office/powerpoint/2010/main" val="1776831606"/>
+        <p14:creationId xmlns:p14="http://schemas.microsoft.com/office/powerpoint/2010/main" xmlns="" val="1776831606"/>
       </p:ext>
     </p:extLst>
   </p:cSld>
@@ -26351,7 +26348,7 @@
     <a:masterClrMapping/>
   </p:clrMapOvr>
   <mc:AlternateContent xmlns:mc="http://schemas.openxmlformats.org/markup-compatibility/2006">
-    <mc:Choice xmlns="" xmlns:p14="http://schemas.microsoft.com/office/powerpoint/2010/main" Requires="p14">
+    <mc:Choice xmlns:p14="http://schemas.microsoft.com/office/powerpoint/2010/main" xmlns="" Requires="p14">
       <p:transition spd="slow" p14:dur="2000"/>
     </mc:Choice>
     <mc:Fallback>
@@ -26701,7 +26698,7 @@
           <a:blip r:embed="rId2" cstate="print">
             <a:extLst>
               <a:ext uri="{28A0092B-C50C-407E-A947-70E740481C1C}">
-                <a14:useLocalDpi xmlns="" xmlns:a14="http://schemas.microsoft.com/office/drawing/2010/main" val="0"/>
+                <a14:useLocalDpi xmlns:a14="http://schemas.microsoft.com/office/drawing/2010/main" xmlns="" val="0"/>
               </a:ext>
             </a:extLst>
           </a:blip>
@@ -26721,7 +26718,7 @@
           <a:noFill/>
           <a:extLst>
             <a:ext uri="{909E8E84-426E-40dd-AFC4-6F175D3DCCD1}">
-              <a14:hiddenFill xmlns="" xmlns:a14="http://schemas.microsoft.com/office/drawing/2010/main">
+              <a14:hiddenFill xmlns:a14="http://schemas.microsoft.com/office/drawing/2010/main" xmlns="">
                 <a:solidFill>
                   <a:srgbClr val="FFFFFF"/>
                 </a:solidFill>
@@ -26804,7 +26801,7 @@
     </p:spTree>
     <p:extLst>
       <p:ext uri="{BB962C8B-B14F-4D97-AF65-F5344CB8AC3E}">
-        <p14:creationId xmlns="" xmlns:p14="http://schemas.microsoft.com/office/powerpoint/2010/main" val="2717568001"/>
+        <p14:creationId xmlns:p14="http://schemas.microsoft.com/office/powerpoint/2010/main" xmlns="" val="2717568001"/>
       </p:ext>
     </p:extLst>
   </p:cSld>
@@ -26812,7 +26809,7 @@
     <a:masterClrMapping/>
   </p:clrMapOvr>
   <mc:AlternateContent xmlns:mc="http://schemas.openxmlformats.org/markup-compatibility/2006">
-    <mc:Choice xmlns="" xmlns:p14="http://schemas.microsoft.com/office/powerpoint/2010/main" Requires="p14">
+    <mc:Choice xmlns:p14="http://schemas.microsoft.com/office/powerpoint/2010/main" xmlns="" Requires="p14">
       <p:transition spd="slow" p14:dur="2000"/>
     </mc:Choice>
     <mc:Fallback>
@@ -27107,7 +27104,7 @@
     </p:spTree>
     <p:extLst>
       <p:ext uri="{BB962C8B-B14F-4D97-AF65-F5344CB8AC3E}">
-        <p14:creationId xmlns="" xmlns:p14="http://schemas.microsoft.com/office/powerpoint/2010/main" val="3266999169"/>
+        <p14:creationId xmlns:p14="http://schemas.microsoft.com/office/powerpoint/2010/main" xmlns="" val="3266999169"/>
       </p:ext>
     </p:extLst>
   </p:cSld>
@@ -27115,7 +27112,7 @@
     <a:masterClrMapping/>
   </p:clrMapOvr>
   <mc:AlternateContent xmlns:mc="http://schemas.openxmlformats.org/markup-compatibility/2006">
-    <mc:Choice xmlns="" xmlns:p14="http://schemas.microsoft.com/office/powerpoint/2010/main" Requires="p14">
+    <mc:Choice xmlns:p14="http://schemas.microsoft.com/office/powerpoint/2010/main" xmlns="" Requires="p14">
       <p:transition spd="slow" p14:dur="2000"/>
     </mc:Choice>
     <mc:Fallback>
@@ -27466,7 +27463,7 @@
     </p:spTree>
     <p:extLst>
       <p:ext uri="{BB962C8B-B14F-4D97-AF65-F5344CB8AC3E}">
-        <p14:creationId xmlns="" xmlns:p14="http://schemas.microsoft.com/office/powerpoint/2010/main" val="396334508"/>
+        <p14:creationId xmlns:p14="http://schemas.microsoft.com/office/powerpoint/2010/main" xmlns="" val="396334508"/>
       </p:ext>
     </p:extLst>
   </p:cSld>
@@ -27474,7 +27471,7 @@
     <a:masterClrMapping/>
   </p:clrMapOvr>
   <mc:AlternateContent xmlns:mc="http://schemas.openxmlformats.org/markup-compatibility/2006">
-    <mc:Choice xmlns="" xmlns:p14="http://schemas.microsoft.com/office/powerpoint/2010/main" Requires="p14">
+    <mc:Choice xmlns:p14="http://schemas.microsoft.com/office/powerpoint/2010/main" xmlns="" Requires="p14">
       <p:transition spd="slow" p14:dur="2000"/>
     </mc:Choice>
     <mc:Fallback>
@@ -27819,7 +27816,7 @@
     </p:spTree>
     <p:extLst>
       <p:ext uri="{BB962C8B-B14F-4D97-AF65-F5344CB8AC3E}">
-        <p14:creationId xmlns="" xmlns:p14="http://schemas.microsoft.com/office/powerpoint/2010/main" val="1737882227"/>
+        <p14:creationId xmlns:p14="http://schemas.microsoft.com/office/powerpoint/2010/main" xmlns="" val="1737882227"/>
       </p:ext>
     </p:extLst>
   </p:cSld>
@@ -27827,7 +27824,7 @@
     <a:masterClrMapping/>
   </p:clrMapOvr>
   <mc:AlternateContent xmlns:mc="http://schemas.openxmlformats.org/markup-compatibility/2006">
-    <mc:Choice xmlns="" xmlns:p14="http://schemas.microsoft.com/office/powerpoint/2010/main" Requires="p14">
+    <mc:Choice xmlns:p14="http://schemas.microsoft.com/office/powerpoint/2010/main" xmlns="" Requires="p14">
       <p:transition spd="slow" p14:dur="2000"/>
     </mc:Choice>
     <mc:Fallback>
@@ -28185,7 +28182,7 @@
     </p:spTree>
     <p:extLst>
       <p:ext uri="{BB962C8B-B14F-4D97-AF65-F5344CB8AC3E}">
-        <p14:creationId xmlns="" xmlns:p14="http://schemas.microsoft.com/office/powerpoint/2010/main" val="3034068148"/>
+        <p14:creationId xmlns:p14="http://schemas.microsoft.com/office/powerpoint/2010/main" xmlns="" val="3034068148"/>
       </p:ext>
     </p:extLst>
   </p:cSld>
@@ -28193,7 +28190,7 @@
     <a:masterClrMapping/>
   </p:clrMapOvr>
   <mc:AlternateContent xmlns:mc="http://schemas.openxmlformats.org/markup-compatibility/2006">
-    <mc:Choice xmlns="" xmlns:p14="http://schemas.microsoft.com/office/powerpoint/2010/main" Requires="p14">
+    <mc:Choice xmlns:p14="http://schemas.microsoft.com/office/powerpoint/2010/main" xmlns="" Requires="p14">
       <p:transition spd="slow" p14:dur="2000"/>
     </mc:Choice>
     <mc:Fallback>
@@ -28523,7 +28520,7 @@
     </p:spTree>
     <p:extLst>
       <p:ext uri="{BB962C8B-B14F-4D97-AF65-F5344CB8AC3E}">
-        <p14:creationId xmlns="" xmlns:p14="http://schemas.microsoft.com/office/powerpoint/2010/main" val="3646886653"/>
+        <p14:creationId xmlns:p14="http://schemas.microsoft.com/office/powerpoint/2010/main" xmlns="" val="3646886653"/>
       </p:ext>
     </p:extLst>
   </p:cSld>
@@ -28531,7 +28528,7 @@
     <a:masterClrMapping/>
   </p:clrMapOvr>
   <mc:AlternateContent xmlns:mc="http://schemas.openxmlformats.org/markup-compatibility/2006">
-    <mc:Choice xmlns="" xmlns:p14="http://schemas.microsoft.com/office/powerpoint/2010/main" Requires="p14">
+    <mc:Choice xmlns:p14="http://schemas.microsoft.com/office/powerpoint/2010/main" xmlns="" Requires="p14">
       <p:transition spd="slow" p14:dur="2000"/>
     </mc:Choice>
     <mc:Fallback>
@@ -28906,7 +28903,7 @@
     </p:spTree>
     <p:extLst>
       <p:ext uri="{BB962C8B-B14F-4D97-AF65-F5344CB8AC3E}">
-        <p14:creationId xmlns="" xmlns:p14="http://schemas.microsoft.com/office/powerpoint/2010/main" val="520298717"/>
+        <p14:creationId xmlns:p14="http://schemas.microsoft.com/office/powerpoint/2010/main" xmlns="" val="520298717"/>
       </p:ext>
     </p:extLst>
   </p:cSld>
@@ -28914,7 +28911,7 @@
     <a:masterClrMapping/>
   </p:clrMapOvr>
   <mc:AlternateContent xmlns:mc="http://schemas.openxmlformats.org/markup-compatibility/2006">
-    <mc:Choice xmlns="" xmlns:p14="http://schemas.microsoft.com/office/powerpoint/2010/main" Requires="p14">
+    <mc:Choice xmlns:p14="http://schemas.microsoft.com/office/powerpoint/2010/main" xmlns="" Requires="p14">
       <p:transition spd="slow" p14:dur="2000"/>
     </mc:Choice>
     <mc:Fallback>
@@ -29216,7 +29213,7 @@
     </p:spTree>
     <p:extLst>
       <p:ext uri="{BB962C8B-B14F-4D97-AF65-F5344CB8AC3E}">
-        <p14:creationId xmlns="" xmlns:p14="http://schemas.microsoft.com/office/powerpoint/2010/main" val="2203748189"/>
+        <p14:creationId xmlns:p14="http://schemas.microsoft.com/office/powerpoint/2010/main" xmlns="" val="2203748189"/>
       </p:ext>
     </p:extLst>
   </p:cSld>
@@ -29224,7 +29221,7 @@
     <a:masterClrMapping/>
   </p:clrMapOvr>
   <mc:AlternateContent xmlns:mc="http://schemas.openxmlformats.org/markup-compatibility/2006">
-    <mc:Choice xmlns="" xmlns:p14="http://schemas.microsoft.com/office/powerpoint/2010/main" Requires="p14">
+    <mc:Choice xmlns:p14="http://schemas.microsoft.com/office/powerpoint/2010/main" xmlns="" Requires="p14">
       <p:transition spd="slow" p14:dur="2000"/>
     </mc:Choice>
     <mc:Fallback>
@@ -29547,7 +29544,7 @@
     </p:spTree>
     <p:extLst>
       <p:ext uri="{BB962C8B-B14F-4D97-AF65-F5344CB8AC3E}">
-        <p14:creationId xmlns="" xmlns:p14="http://schemas.microsoft.com/office/powerpoint/2010/main" val="1130254901"/>
+        <p14:creationId xmlns:p14="http://schemas.microsoft.com/office/powerpoint/2010/main" xmlns="" val="1130254901"/>
       </p:ext>
     </p:extLst>
   </p:cSld>
@@ -29555,7 +29552,7 @@
     <a:masterClrMapping/>
   </p:clrMapOvr>
   <mc:AlternateContent xmlns:mc="http://schemas.openxmlformats.org/markup-compatibility/2006">
-    <mc:Choice xmlns="" xmlns:p14="http://schemas.microsoft.com/office/powerpoint/2010/main" Requires="p14">
+    <mc:Choice xmlns:p14="http://schemas.microsoft.com/office/powerpoint/2010/main" xmlns="" Requires="p14">
       <p:transition spd="slow" p14:dur="2000"/>
     </mc:Choice>
     <mc:Fallback>
@@ -29893,7 +29890,7 @@
     </p:spTree>
     <p:extLst>
       <p:ext uri="{BB962C8B-B14F-4D97-AF65-F5344CB8AC3E}">
-        <p14:creationId xmlns="" xmlns:p14="http://schemas.microsoft.com/office/powerpoint/2010/main" val="3734576715"/>
+        <p14:creationId xmlns:p14="http://schemas.microsoft.com/office/powerpoint/2010/main" xmlns="" val="3734576715"/>
       </p:ext>
     </p:extLst>
   </p:cSld>
@@ -29901,7 +29898,7 @@
     <a:masterClrMapping/>
   </p:clrMapOvr>
   <mc:AlternateContent xmlns:mc="http://schemas.openxmlformats.org/markup-compatibility/2006">
-    <mc:Choice xmlns="" xmlns:p14="http://schemas.microsoft.com/office/powerpoint/2010/main" Requires="p14">
+    <mc:Choice xmlns:p14="http://schemas.microsoft.com/office/powerpoint/2010/main" xmlns="" Requires="p14">
       <p:transition spd="slow" p14:dur="2000"/>
     </mc:Choice>
     <mc:Fallback>
@@ -30206,7 +30203,7 @@
     </p:spTree>
     <p:extLst>
       <p:ext uri="{BB962C8B-B14F-4D97-AF65-F5344CB8AC3E}">
-        <p14:creationId xmlns="" xmlns:p14="http://schemas.microsoft.com/office/powerpoint/2010/main" val="2632131054"/>
+        <p14:creationId xmlns:p14="http://schemas.microsoft.com/office/powerpoint/2010/main" xmlns="" val="2632131054"/>
       </p:ext>
     </p:extLst>
   </p:cSld>
@@ -30214,7 +30211,7 @@
     <a:masterClrMapping/>
   </p:clrMapOvr>
   <mc:AlternateContent xmlns:mc="http://schemas.openxmlformats.org/markup-compatibility/2006">
-    <mc:Choice xmlns="" xmlns:p14="http://schemas.microsoft.com/office/powerpoint/2010/main" Requires="p14">
+    <mc:Choice xmlns:p14="http://schemas.microsoft.com/office/powerpoint/2010/main" xmlns="" Requires="p14">
       <p:transition spd="slow" p14:dur="2000"/>
     </mc:Choice>
     <mc:Fallback>
@@ -30535,7 +30532,7 @@
     </p:spTree>
     <p:extLst>
       <p:ext uri="{BB962C8B-B14F-4D97-AF65-F5344CB8AC3E}">
-        <p14:creationId xmlns="" xmlns:p14="http://schemas.microsoft.com/office/powerpoint/2010/main" val="2983282113"/>
+        <p14:creationId xmlns:p14="http://schemas.microsoft.com/office/powerpoint/2010/main" xmlns="" val="2983282113"/>
       </p:ext>
     </p:extLst>
   </p:cSld>
@@ -30543,7 +30540,7 @@
     <a:masterClrMapping/>
   </p:clrMapOvr>
   <mc:AlternateContent xmlns:mc="http://schemas.openxmlformats.org/markup-compatibility/2006">
-    <mc:Choice xmlns="" xmlns:p14="http://schemas.microsoft.com/office/powerpoint/2010/main" Requires="p14">
+    <mc:Choice xmlns:p14="http://schemas.microsoft.com/office/powerpoint/2010/main" xmlns="" Requires="p14">
       <p:transition spd="slow" p14:dur="2000"/>
     </mc:Choice>
     <mc:Fallback>
@@ -30910,7 +30907,7 @@
     </p:spTree>
     <p:extLst>
       <p:ext uri="{BB962C8B-B14F-4D97-AF65-F5344CB8AC3E}">
-        <p14:creationId xmlns="" xmlns:p14="http://schemas.microsoft.com/office/powerpoint/2010/main" val="4266361740"/>
+        <p14:creationId xmlns:p14="http://schemas.microsoft.com/office/powerpoint/2010/main" xmlns="" val="4266361740"/>
       </p:ext>
     </p:extLst>
   </p:cSld>
@@ -30918,7 +30915,7 @@
     <a:masterClrMapping/>
   </p:clrMapOvr>
   <mc:AlternateContent xmlns:mc="http://schemas.openxmlformats.org/markup-compatibility/2006">
-    <mc:Choice xmlns="" xmlns:p14="http://schemas.microsoft.com/office/powerpoint/2010/main" Requires="p14">
+    <mc:Choice xmlns:p14="http://schemas.microsoft.com/office/powerpoint/2010/main" xmlns="" Requires="p14">
       <p:transition spd="slow" p14:dur="2000"/>
     </mc:Choice>
     <mc:Fallback>
@@ -31268,7 +31265,7 @@
     </p:spTree>
     <p:extLst>
       <p:ext uri="{BB962C8B-B14F-4D97-AF65-F5344CB8AC3E}">
-        <p14:creationId xmlns="" xmlns:p14="http://schemas.microsoft.com/office/powerpoint/2010/main" val="3678400164"/>
+        <p14:creationId xmlns:p14="http://schemas.microsoft.com/office/powerpoint/2010/main" xmlns="" val="3678400164"/>
       </p:ext>
     </p:extLst>
   </p:cSld>
@@ -31276,7 +31273,7 @@
     <a:masterClrMapping/>
   </p:clrMapOvr>
   <mc:AlternateContent xmlns:mc="http://schemas.openxmlformats.org/markup-compatibility/2006">
-    <mc:Choice xmlns="" xmlns:p14="http://schemas.microsoft.com/office/powerpoint/2010/main" Requires="p14">
+    <mc:Choice xmlns:p14="http://schemas.microsoft.com/office/powerpoint/2010/main" xmlns="" Requires="p14">
       <p:transition spd="slow" p14:dur="2000"/>
     </mc:Choice>
     <mc:Fallback>
@@ -31606,7 +31603,7 @@
     </p:spTree>
     <p:extLst>
       <p:ext uri="{BB962C8B-B14F-4D97-AF65-F5344CB8AC3E}">
-        <p14:creationId xmlns="" xmlns:p14="http://schemas.microsoft.com/office/powerpoint/2010/main" val="3326293041"/>
+        <p14:creationId xmlns:p14="http://schemas.microsoft.com/office/powerpoint/2010/main" xmlns="" val="3326293041"/>
       </p:ext>
     </p:extLst>
   </p:cSld>
@@ -31614,7 +31611,7 @@
     <a:masterClrMapping/>
   </p:clrMapOvr>
   <mc:AlternateContent xmlns:mc="http://schemas.openxmlformats.org/markup-compatibility/2006">
-    <mc:Choice xmlns="" xmlns:p14="http://schemas.microsoft.com/office/powerpoint/2010/main" Requires="p14">
+    <mc:Choice xmlns:p14="http://schemas.microsoft.com/office/powerpoint/2010/main" xmlns="" Requires="p14">
       <p:transition spd="slow" p14:dur="2000"/>
     </mc:Choice>
     <mc:Fallback>
@@ -31952,7 +31949,7 @@
     </p:spTree>
     <p:extLst>
       <p:ext uri="{BB962C8B-B14F-4D97-AF65-F5344CB8AC3E}">
-        <p14:creationId xmlns="" xmlns:p14="http://schemas.microsoft.com/office/powerpoint/2010/main" val="3052723909"/>
+        <p14:creationId xmlns:p14="http://schemas.microsoft.com/office/powerpoint/2010/main" xmlns="" val="3052723909"/>
       </p:ext>
     </p:extLst>
   </p:cSld>
@@ -31960,7 +31957,7 @@
     <a:masterClrMapping/>
   </p:clrMapOvr>
   <mc:AlternateContent xmlns:mc="http://schemas.openxmlformats.org/markup-compatibility/2006">
-    <mc:Choice xmlns="" xmlns:p14="http://schemas.microsoft.com/office/powerpoint/2010/main" Requires="p14">
+    <mc:Choice xmlns:p14="http://schemas.microsoft.com/office/powerpoint/2010/main" xmlns="" Requires="p14">
       <p:transition spd="slow" p14:dur="2000"/>
     </mc:Choice>
     <mc:Fallback>
@@ -32088,7 +32085,7 @@
     </p:spTree>
     <p:extLst>
       <p:ext uri="{BB962C8B-B14F-4D97-AF65-F5344CB8AC3E}">
-        <p14:creationId xmlns="" xmlns:p14="http://schemas.microsoft.com/office/powerpoint/2010/main" val="1576574823"/>
+        <p14:creationId xmlns:p14="http://schemas.microsoft.com/office/powerpoint/2010/main" xmlns="" val="1576574823"/>
       </p:ext>
     </p:extLst>
   </p:cSld>
@@ -32096,7 +32093,7 @@
     <a:masterClrMapping/>
   </p:clrMapOvr>
   <mc:AlternateContent xmlns:mc="http://schemas.openxmlformats.org/markup-compatibility/2006">
-    <mc:Choice xmlns="" xmlns:p14="http://schemas.microsoft.com/office/powerpoint/2010/main" Requires="p14">
+    <mc:Choice xmlns:p14="http://schemas.microsoft.com/office/powerpoint/2010/main" xmlns="" Requires="p14">
       <p:transition spd="slow" p14:dur="2000"/>
     </mc:Choice>
     <mc:Fallback>
@@ -32386,7 +32383,7 @@
     </p:spTree>
     <p:extLst>
       <p:ext uri="{BB962C8B-B14F-4D97-AF65-F5344CB8AC3E}">
-        <p14:creationId xmlns="" xmlns:p14="http://schemas.microsoft.com/office/powerpoint/2010/main" val="3303920882"/>
+        <p14:creationId xmlns:p14="http://schemas.microsoft.com/office/powerpoint/2010/main" xmlns="" val="3303920882"/>
       </p:ext>
     </p:extLst>
   </p:cSld>
@@ -32394,7 +32391,7 @@
     <a:masterClrMapping/>
   </p:clrMapOvr>
   <mc:AlternateContent xmlns:mc="http://schemas.openxmlformats.org/markup-compatibility/2006">
-    <mc:Choice xmlns="" xmlns:p14="http://schemas.microsoft.com/office/powerpoint/2010/main" Requires="p14">
+    <mc:Choice xmlns:p14="http://schemas.microsoft.com/office/powerpoint/2010/main" xmlns="" Requires="p14">
       <p:transition spd="slow" p14:dur="2000"/>
     </mc:Choice>
     <mc:Fallback>
@@ -32669,7 +32666,7 @@
     </p:spTree>
     <p:extLst>
       <p:ext uri="{BB962C8B-B14F-4D97-AF65-F5344CB8AC3E}">
-        <p14:creationId xmlns="" xmlns:p14="http://schemas.microsoft.com/office/powerpoint/2010/main" val="4257297520"/>
+        <p14:creationId xmlns:p14="http://schemas.microsoft.com/office/powerpoint/2010/main" xmlns="" val="4257297520"/>
       </p:ext>
     </p:extLst>
   </p:cSld>
@@ -32966,7 +32963,7 @@
     </p:spTree>
     <p:extLst>
       <p:ext uri="{BB962C8B-B14F-4D97-AF65-F5344CB8AC3E}">
-        <p14:creationId xmlns="" xmlns:p14="http://schemas.microsoft.com/office/powerpoint/2010/main" val="1516952845"/>
+        <p14:creationId xmlns:p14="http://schemas.microsoft.com/office/powerpoint/2010/main" xmlns="" val="1516952845"/>
       </p:ext>
     </p:extLst>
   </p:cSld>
@@ -33262,7 +33259,7 @@
     </p:spTree>
     <p:extLst>
       <p:ext uri="{BB962C8B-B14F-4D97-AF65-F5344CB8AC3E}">
-        <p14:creationId xmlns="" xmlns:p14="http://schemas.microsoft.com/office/powerpoint/2010/main" val="903666282"/>
+        <p14:creationId xmlns:p14="http://schemas.microsoft.com/office/powerpoint/2010/main" xmlns="" val="903666282"/>
       </p:ext>
     </p:extLst>
   </p:cSld>
@@ -33569,7 +33566,7 @@
     </p:spTree>
     <p:extLst>
       <p:ext uri="{BB962C8B-B14F-4D97-AF65-F5344CB8AC3E}">
-        <p14:creationId xmlns="" xmlns:p14="http://schemas.microsoft.com/office/powerpoint/2010/main" val="3790160763"/>
+        <p14:creationId xmlns:p14="http://schemas.microsoft.com/office/powerpoint/2010/main" xmlns="" val="3790160763"/>
       </p:ext>
     </p:extLst>
   </p:cSld>
@@ -33814,7 +33811,7 @@
     </p:spTree>
     <p:extLst>
       <p:ext uri="{BB962C8B-B14F-4D97-AF65-F5344CB8AC3E}">
-        <p14:creationId xmlns="" xmlns:p14="http://schemas.microsoft.com/office/powerpoint/2010/main" val="1889567349"/>
+        <p14:creationId xmlns:p14="http://schemas.microsoft.com/office/powerpoint/2010/main" xmlns="" val="1889567349"/>
       </p:ext>
     </p:extLst>
   </p:cSld>
@@ -34069,7 +34066,7 @@
     </p:spTree>
     <p:extLst>
       <p:ext uri="{BB962C8B-B14F-4D97-AF65-F5344CB8AC3E}">
-        <p14:creationId xmlns="" xmlns:p14="http://schemas.microsoft.com/office/powerpoint/2010/main" val="2938595398"/>
+        <p14:creationId xmlns:p14="http://schemas.microsoft.com/office/powerpoint/2010/main" xmlns="" val="2938595398"/>
       </p:ext>
     </p:extLst>
   </p:cSld>
@@ -34444,7 +34441,7 @@
     </p:spTree>
     <p:extLst>
       <p:ext uri="{BB962C8B-B14F-4D97-AF65-F5344CB8AC3E}">
-        <p14:creationId xmlns="" xmlns:p14="http://schemas.microsoft.com/office/powerpoint/2010/main" val="2978215168"/>
+        <p14:creationId xmlns:p14="http://schemas.microsoft.com/office/powerpoint/2010/main" xmlns="" val="2978215168"/>
       </p:ext>
     </p:extLst>
   </p:cSld>
@@ -34452,7 +34449,7 @@
     <a:masterClrMapping/>
   </p:clrMapOvr>
   <mc:AlternateContent xmlns:mc="http://schemas.openxmlformats.org/markup-compatibility/2006">
-    <mc:Choice xmlns="" xmlns:p14="http://schemas.microsoft.com/office/powerpoint/2010/main" Requires="p14">
+    <mc:Choice xmlns:p14="http://schemas.microsoft.com/office/powerpoint/2010/main" xmlns="" Requires="p14">
       <p:transition spd="slow" p14:dur="2000"/>
     </mc:Choice>
     <mc:Fallback>
@@ -34732,7 +34729,7 @@
     </p:spTree>
     <p:extLst>
       <p:ext uri="{BB962C8B-B14F-4D97-AF65-F5344CB8AC3E}">
-        <p14:creationId xmlns="" xmlns:p14="http://schemas.microsoft.com/office/powerpoint/2010/main" val="3382536623"/>
+        <p14:creationId xmlns:p14="http://schemas.microsoft.com/office/powerpoint/2010/main" xmlns="" val="3382536623"/>
       </p:ext>
     </p:extLst>
   </p:cSld>
@@ -34952,7 +34949,7 @@
     </p:spTree>
     <p:extLst>
       <p:ext uri="{BB962C8B-B14F-4D97-AF65-F5344CB8AC3E}">
-        <p14:creationId xmlns="" xmlns:p14="http://schemas.microsoft.com/office/powerpoint/2010/main" val="945142828"/>
+        <p14:creationId xmlns:p14="http://schemas.microsoft.com/office/powerpoint/2010/main" xmlns="" val="945142828"/>
       </p:ext>
     </p:extLst>
   </p:cSld>
@@ -35191,7 +35188,7 @@
     </p:spTree>
     <p:extLst>
       <p:ext uri="{BB962C8B-B14F-4D97-AF65-F5344CB8AC3E}">
-        <p14:creationId xmlns="" xmlns:p14="http://schemas.microsoft.com/office/powerpoint/2010/main" val="3313297802"/>
+        <p14:creationId xmlns:p14="http://schemas.microsoft.com/office/powerpoint/2010/main" xmlns="" val="3313297802"/>
       </p:ext>
     </p:extLst>
   </p:cSld>
@@ -35257,7 +35254,7 @@
           <a:blip r:embed="rId2" cstate="print">
             <a:extLst>
               <a:ext uri="{28A0092B-C50C-407E-A947-70E740481C1C}">
-                <a14:useLocalDpi xmlns="" xmlns:a14="http://schemas.microsoft.com/office/drawing/2010/main" val="0"/>
+                <a14:useLocalDpi xmlns:a14="http://schemas.microsoft.com/office/drawing/2010/main" xmlns="" val="0"/>
               </a:ext>
             </a:extLst>
           </a:blip>
@@ -35277,7 +35274,7 @@
           <a:noFill/>
           <a:extLst>
             <a:ext uri="{909E8E84-426E-40dd-AFC4-6F175D3DCCD1}">
-              <a14:hiddenFill xmlns="" xmlns:a14="http://schemas.microsoft.com/office/drawing/2010/main">
+              <a14:hiddenFill xmlns:a14="http://schemas.microsoft.com/office/drawing/2010/main" xmlns="">
                 <a:solidFill>
                   <a:srgbClr val="FFFFFF"/>
                 </a:solidFill>
@@ -35360,7 +35357,7 @@
     </p:spTree>
     <p:extLst>
       <p:ext uri="{BB962C8B-B14F-4D97-AF65-F5344CB8AC3E}">
-        <p14:creationId xmlns="" xmlns:p14="http://schemas.microsoft.com/office/powerpoint/2010/main" val="2252746867"/>
+        <p14:creationId xmlns:p14="http://schemas.microsoft.com/office/powerpoint/2010/main" xmlns="" val="2252746867"/>
       </p:ext>
     </p:extLst>
   </p:cSld>
@@ -35368,7 +35365,7 @@
     <a:masterClrMapping/>
   </p:clrMapOvr>
   <mc:AlternateContent xmlns:mc="http://schemas.openxmlformats.org/markup-compatibility/2006">
-    <mc:Choice xmlns="" xmlns:p14="http://schemas.microsoft.com/office/powerpoint/2010/main" Requires="p14">
+    <mc:Choice xmlns:p14="http://schemas.microsoft.com/office/powerpoint/2010/main" xmlns="" Requires="p14">
       <p:transition spd="slow" p14:dur="2000"/>
     </mc:Choice>
     <mc:Fallback>
@@ -35735,7 +35732,7 @@
     </p:spTree>
     <p:extLst>
       <p:ext uri="{BB962C8B-B14F-4D97-AF65-F5344CB8AC3E}">
-        <p14:creationId xmlns="" xmlns:p14="http://schemas.microsoft.com/office/powerpoint/2010/main" val="3564990699"/>
+        <p14:creationId xmlns:p14="http://schemas.microsoft.com/office/powerpoint/2010/main" xmlns="" val="3564990699"/>
       </p:ext>
     </p:extLst>
   </p:cSld>
@@ -35743,7 +35740,7 @@
     <a:masterClrMapping/>
   </p:clrMapOvr>
   <mc:AlternateContent xmlns:mc="http://schemas.openxmlformats.org/markup-compatibility/2006">
-    <mc:Choice xmlns="" xmlns:p14="http://schemas.microsoft.com/office/powerpoint/2010/main" Requires="p14">
+    <mc:Choice xmlns:p14="http://schemas.microsoft.com/office/powerpoint/2010/main" xmlns="" Requires="p14">
       <p:transition spd="slow" p14:dur="2000"/>
     </mc:Choice>
     <mc:Fallback>
@@ -36111,7 +36108,7 @@
     </p:spTree>
     <p:extLst>
       <p:ext uri="{BB962C8B-B14F-4D97-AF65-F5344CB8AC3E}">
-        <p14:creationId xmlns="" xmlns:p14="http://schemas.microsoft.com/office/powerpoint/2010/main" val="3748041918"/>
+        <p14:creationId xmlns:p14="http://schemas.microsoft.com/office/powerpoint/2010/main" xmlns="" val="3748041918"/>
       </p:ext>
     </p:extLst>
   </p:cSld>
@@ -36119,7 +36116,7 @@
     <a:masterClrMapping/>
   </p:clrMapOvr>
   <mc:AlternateContent xmlns:mc="http://schemas.openxmlformats.org/markup-compatibility/2006">
-    <mc:Choice xmlns="" xmlns:p14="http://schemas.microsoft.com/office/powerpoint/2010/main" Requires="p14">
+    <mc:Choice xmlns:p14="http://schemas.microsoft.com/office/powerpoint/2010/main" xmlns="" Requires="p14">
       <p:transition spd="slow" p14:dur="2000"/>
     </mc:Choice>
     <mc:Fallback>

--- a/Presentazione/Atsilo1/[BOZZA] Atsilo_A_PresentazioneFinale copia.pptx
+++ b/Presentazione/Atsilo1/[BOZZA] Atsilo_A_PresentazioneFinale copia.pptx
@@ -5,7 +5,7 @@
     <p:sldMasterId id="2147483684" r:id="rId1"/>
   </p:sldMasterIdLst>
   <p:notesMasterIdLst>
-    <p:notesMasterId r:id="rId97"/>
+    <p:notesMasterId r:id="rId102"/>
   </p:notesMasterIdLst>
   <p:sldIdLst>
     <p:sldId id="256" r:id="rId2"/>
@@ -91,18 +91,23 @@
     <p:sldId id="388" r:id="rId82"/>
     <p:sldId id="389" r:id="rId83"/>
     <p:sldId id="390" r:id="rId84"/>
-    <p:sldId id="347" r:id="rId85"/>
-    <p:sldId id="348" r:id="rId86"/>
-    <p:sldId id="349" r:id="rId87"/>
-    <p:sldId id="350" r:id="rId88"/>
-    <p:sldId id="351" r:id="rId89"/>
-    <p:sldId id="352" r:id="rId90"/>
-    <p:sldId id="353" r:id="rId91"/>
-    <p:sldId id="354" r:id="rId92"/>
-    <p:sldId id="355" r:id="rId93"/>
-    <p:sldId id="375" r:id="rId94"/>
-    <p:sldId id="373" r:id="rId95"/>
-    <p:sldId id="374" r:id="rId96"/>
+    <p:sldId id="407" r:id="rId85"/>
+    <p:sldId id="408" r:id="rId86"/>
+    <p:sldId id="409" r:id="rId87"/>
+    <p:sldId id="410" r:id="rId88"/>
+    <p:sldId id="411" r:id="rId89"/>
+    <p:sldId id="412" r:id="rId90"/>
+    <p:sldId id="413" r:id="rId91"/>
+    <p:sldId id="414" r:id="rId92"/>
+    <p:sldId id="415" r:id="rId93"/>
+    <p:sldId id="416" r:id="rId94"/>
+    <p:sldId id="417" r:id="rId95"/>
+    <p:sldId id="418" r:id="rId96"/>
+    <p:sldId id="419" r:id="rId97"/>
+    <p:sldId id="420" r:id="rId98"/>
+    <p:sldId id="421" r:id="rId99"/>
+    <p:sldId id="373" r:id="rId100"/>
+    <p:sldId id="374" r:id="rId101"/>
   </p:sldIdLst>
   <p:sldSz cx="9144000" cy="6858000" type="screen4x3"/>
   <p:notesSz cx="6858000" cy="9144000"/>
@@ -208,15 +213,6 @@
 <p:cmAuthorLst xmlns:a="http://schemas.openxmlformats.org/drawingml/2006/main" xmlns:r="http://schemas.openxmlformats.org/officeDocument/2006/relationships" xmlns:p="http://schemas.openxmlformats.org/presentationml/2006/main">
   <p:cmAuthor id="0" name="Angelo" initials="A" lastIdx="1" clrIdx="0"/>
 </p:cmAuthorLst>
-</file>
-
-<file path=ppt/comments/comment1.xml><?xml version="1.0" encoding="utf-8"?>
-<p:cmLst xmlns:a="http://schemas.openxmlformats.org/drawingml/2006/main" xmlns:r="http://schemas.openxmlformats.org/officeDocument/2006/relationships" xmlns:p="http://schemas.openxmlformats.org/presentationml/2006/main">
-  <p:cm authorId="0" dt="2013-01-03T11:37:41.951" idx="1">
-    <p:pos x="10" y="10"/>
-    <p:text>montaggio.....</p:text>
-  </p:cm>
-</p:cmLst>
 </file>
 
 <file path=ppt/notesMasters/notesMaster1.xml><?xml version="1.0" encoding="utf-8"?>
@@ -1454,7 +1450,7 @@
             <a:fld id="{D70604CA-7593-4640-8FA1-5523937B8510}" type="slidenum">
               <a:rPr lang="it-IT" smtClean="0"/>
               <a:pPr/>
-              <a:t>94</a:t>
+              <a:t>99</a:t>
             </a:fld>
             <a:endParaRPr lang="it-IT"/>
           </a:p>
@@ -1540,7 +1536,7 @@
             <a:fld id="{D70604CA-7593-4640-8FA1-5523937B8510}" type="slidenum">
               <a:rPr lang="it-IT" smtClean="0"/>
               <a:pPr/>
-              <a:t>95</a:t>
+              <a:t>100</a:t>
             </a:fld>
             <a:endParaRPr lang="it-IT"/>
           </a:p>
@@ -7008,6 +7004,382 @@
     <p:extLst>
       <p:ext uri="{BB962C8B-B14F-4D97-AF65-F5344CB8AC3E}">
         <p14:creationId xmlns:p14="http://schemas.microsoft.com/office/powerpoint/2010/main" xmlns="" val="4143007013"/>
+      </p:ext>
+    </p:extLst>
+  </p:cSld>
+  <p:clrMapOvr>
+    <a:masterClrMapping/>
+  </p:clrMapOvr>
+  <mc:AlternateContent xmlns:mc="http://schemas.openxmlformats.org/markup-compatibility/2006">
+    <mc:Choice xmlns:p14="http://schemas.microsoft.com/office/powerpoint/2010/main" xmlns="" Requires="p14">
+      <p:transition spd="slow" p14:dur="2000"/>
+    </mc:Choice>
+    <mc:Fallback>
+      <p:transition spd="slow"/>
+    </mc:Fallback>
+  </mc:AlternateContent>
+  <p:timing>
+    <p:tnLst>
+      <p:par>
+        <p:cTn id="1" dur="indefinite" restart="never" nodeType="tmRoot"/>
+      </p:par>
+    </p:tnLst>
+  </p:timing>
+</p:sld>
+</file>
+
+<file path=ppt/slides/slide100.xml><?xml version="1.0" encoding="utf-8"?>
+<p:sld xmlns:a="http://schemas.openxmlformats.org/drawingml/2006/main" xmlns:r="http://schemas.openxmlformats.org/officeDocument/2006/relationships" xmlns:p="http://schemas.openxmlformats.org/presentationml/2006/main">
+  <p:cSld>
+    <p:spTree>
+      <p:nvGrpSpPr>
+        <p:cNvPr id="1" name=""/>
+        <p:cNvGrpSpPr/>
+        <p:nvPr/>
+      </p:nvGrpSpPr>
+      <p:grpSpPr>
+        <a:xfrm>
+          <a:off x="0" y="0"/>
+          <a:ext cx="0" cy="0"/>
+          <a:chOff x="0" y="0"/>
+          <a:chExt cx="0" cy="0"/>
+        </a:xfrm>
+      </p:grpSpPr>
+      <p:sp>
+        <p:nvSpPr>
+          <p:cNvPr id="2" name="CasellaDiTesto 1"/>
+          <p:cNvSpPr txBox="1"/>
+          <p:nvPr/>
+        </p:nvSpPr>
+        <p:spPr>
+          <a:xfrm>
+            <a:off x="1835696" y="0"/>
+            <a:ext cx="5400600" cy="1538883"/>
+          </a:xfrm>
+          <a:prstGeom prst="rect">
+            <a:avLst/>
+          </a:prstGeom>
+          <a:noFill/>
+        </p:spPr>
+        <p:txBody>
+          <a:bodyPr wrap="square" rtlCol="0">
+            <a:spAutoFit/>
+          </a:bodyPr>
+          <a:lstStyle/>
+          <a:p>
+            <a:pPr algn="ctr"/>
+            <a:r>
+              <a:rPr lang="it-IT" sz="4800" b="1" dirty="0" smtClean="0">
+                <a:latin typeface="+mj-lt"/>
+              </a:rPr>
+              <a:t>Progetto </a:t>
+            </a:r>
+            <a:r>
+              <a:rPr lang="it-IT" sz="4800" b="1" dirty="0" err="1" smtClean="0">
+                <a:latin typeface="+mj-lt"/>
+              </a:rPr>
+              <a:t>@silo</a:t>
+            </a:r>
+            <a:r>
+              <a:rPr lang="it-IT" sz="4800" b="1" dirty="0" smtClean="0">
+                <a:latin typeface="+mj-lt"/>
+              </a:rPr>
+              <a:t> </a:t>
+            </a:r>
+          </a:p>
+          <a:p>
+            <a:pPr algn="ctr"/>
+            <a:r>
+              <a:rPr lang="it-IT" sz="2800" b="1" dirty="0" smtClean="0">
+                <a:latin typeface="+mj-lt"/>
+              </a:rPr>
+              <a:t>Obiettivo Raggiunto? Perché?</a:t>
+            </a:r>
+          </a:p>
+          <a:p>
+            <a:pPr algn="ctr"/>
+            <a:endParaRPr lang="it-IT" dirty="0">
+              <a:latin typeface="+mj-lt"/>
+            </a:endParaRPr>
+          </a:p>
+        </p:txBody>
+      </p:sp>
+      <p:sp>
+        <p:nvSpPr>
+          <p:cNvPr id="5" name="Content Placeholder 3"/>
+          <p:cNvSpPr txBox="1">
+            <a:spLocks/>
+          </p:cNvSpPr>
+          <p:nvPr/>
+        </p:nvSpPr>
+        <p:spPr>
+          <a:xfrm>
+            <a:off x="539552" y="1268760"/>
+            <a:ext cx="8280920" cy="5400600"/>
+          </a:xfrm>
+          <a:prstGeom prst="rect">
+            <a:avLst/>
+          </a:prstGeom>
+        </p:spPr>
+        <p:txBody>
+          <a:bodyPr tIns="0"/>
+          <a:lstStyle>
+            <a:lvl1pPr marL="274320" indent="-274320" algn="l" rtl="0" eaLnBrk="1" latinLnBrk="0" hangingPunct="1">
+              <a:spcBef>
+                <a:spcPct val="20000"/>
+              </a:spcBef>
+              <a:buClrTx/>
+              <a:buSzPct val="95000"/>
+              <a:buFont typeface="Wingdings" pitchFamily="2" charset="2"/>
+              <a:buChar char="v"/>
+              <a:defRPr kumimoji="0" sz="2800" kern="1200">
+                <a:solidFill>
+                  <a:schemeClr val="tx1"/>
+                </a:solidFill>
+                <a:latin typeface="+mn-lt"/>
+                <a:ea typeface="+mn-ea"/>
+                <a:cs typeface="+mn-cs"/>
+              </a:defRPr>
+            </a:lvl1pPr>
+            <a:lvl2pPr marL="640080" indent="-246888" algn="l" rtl="0" eaLnBrk="1" latinLnBrk="0" hangingPunct="1">
+              <a:spcBef>
+                <a:spcPct val="20000"/>
+              </a:spcBef>
+              <a:buClrTx/>
+              <a:buSzPct val="85000"/>
+              <a:buFont typeface="Courier New" pitchFamily="49" charset="0"/>
+              <a:buChar char="o"/>
+              <a:defRPr kumimoji="0" sz="2600" kern="1200">
+                <a:solidFill>
+                  <a:schemeClr val="tx1"/>
+                </a:solidFill>
+                <a:latin typeface="+mn-lt"/>
+                <a:ea typeface="+mn-ea"/>
+                <a:cs typeface="+mn-cs"/>
+              </a:defRPr>
+            </a:lvl2pPr>
+            <a:lvl3pPr marL="914400" indent="-246888" algn="l" rtl="0" eaLnBrk="1" latinLnBrk="0" hangingPunct="1">
+              <a:spcBef>
+                <a:spcPct val="20000"/>
+              </a:spcBef>
+              <a:buClrTx/>
+              <a:buSzPct val="70000"/>
+              <a:buFont typeface="Wingdings 2"/>
+              <a:buChar char=""/>
+              <a:defRPr kumimoji="0" sz="2400" kern="1200">
+                <a:solidFill>
+                  <a:schemeClr val="tx1"/>
+                </a:solidFill>
+                <a:latin typeface="+mn-lt"/>
+                <a:ea typeface="+mn-ea"/>
+                <a:cs typeface="+mn-cs"/>
+              </a:defRPr>
+            </a:lvl3pPr>
+            <a:lvl4pPr marL="1188720" indent="-210312" algn="l" rtl="0" eaLnBrk="1" latinLnBrk="0" hangingPunct="1">
+              <a:spcBef>
+                <a:spcPct val="20000"/>
+              </a:spcBef>
+              <a:buClrTx/>
+              <a:buSzPct val="65000"/>
+              <a:buFont typeface="Wingdings 2"/>
+              <a:buChar char=""/>
+              <a:defRPr kumimoji="0" sz="2000" kern="1200">
+                <a:solidFill>
+                  <a:schemeClr val="tx1"/>
+                </a:solidFill>
+                <a:latin typeface="+mn-lt"/>
+                <a:ea typeface="+mn-ea"/>
+                <a:cs typeface="+mn-cs"/>
+              </a:defRPr>
+            </a:lvl4pPr>
+            <a:lvl5pPr marL="1463040" indent="-210312" algn="l" rtl="0" eaLnBrk="1" latinLnBrk="0" hangingPunct="1">
+              <a:spcBef>
+                <a:spcPct val="20000"/>
+              </a:spcBef>
+              <a:buClrTx/>
+              <a:buSzPct val="65000"/>
+              <a:buFont typeface="Wingdings 2"/>
+              <a:buChar char=""/>
+              <a:defRPr kumimoji="0" sz="1800" kern="1200">
+                <a:solidFill>
+                  <a:schemeClr val="tx1"/>
+                </a:solidFill>
+                <a:latin typeface="+mn-lt"/>
+                <a:ea typeface="+mn-ea"/>
+                <a:cs typeface="+mn-cs"/>
+              </a:defRPr>
+            </a:lvl5pPr>
+            <a:lvl6pPr marL="1737360" indent="-210312" algn="l" rtl="0" eaLnBrk="1" latinLnBrk="0" hangingPunct="1">
+              <a:spcBef>
+                <a:spcPct val="20000"/>
+              </a:spcBef>
+              <a:buClr>
+                <a:schemeClr val="accent5"/>
+              </a:buClr>
+              <a:buSzPct val="80000"/>
+              <a:buFont typeface="Wingdings 2"/>
+              <a:buChar char=""/>
+              <a:defRPr kumimoji="0" sz="1800" kern="1200">
+                <a:solidFill>
+                  <a:schemeClr val="tx1"/>
+                </a:solidFill>
+                <a:latin typeface="+mn-lt"/>
+                <a:ea typeface="+mn-ea"/>
+                <a:cs typeface="+mn-cs"/>
+              </a:defRPr>
+            </a:lvl6pPr>
+            <a:lvl7pPr marL="1920240" indent="-182880" algn="l" rtl="0" eaLnBrk="1" latinLnBrk="0" hangingPunct="1">
+              <a:spcBef>
+                <a:spcPct val="20000"/>
+              </a:spcBef>
+              <a:buClr>
+                <a:schemeClr val="accent6"/>
+              </a:buClr>
+              <a:buSzPct val="80000"/>
+              <a:buFont typeface="Wingdings 2"/>
+              <a:buChar char=""/>
+              <a:defRPr kumimoji="0" sz="1600" kern="1200" baseline="0">
+                <a:solidFill>
+                  <a:schemeClr val="tx1"/>
+                </a:solidFill>
+                <a:latin typeface="+mn-lt"/>
+                <a:ea typeface="+mn-ea"/>
+                <a:cs typeface="+mn-cs"/>
+              </a:defRPr>
+            </a:lvl7pPr>
+            <a:lvl8pPr marL="2194560" indent="-182880" algn="l" rtl="0" eaLnBrk="1" latinLnBrk="0" hangingPunct="1">
+              <a:spcBef>
+                <a:spcPct val="20000"/>
+              </a:spcBef>
+              <a:buClr>
+                <a:schemeClr val="tx2"/>
+              </a:buClr>
+              <a:buChar char="•"/>
+              <a:defRPr kumimoji="0" sz="1600" kern="1200">
+                <a:solidFill>
+                  <a:schemeClr val="tx1"/>
+                </a:solidFill>
+                <a:latin typeface="+mn-lt"/>
+                <a:ea typeface="+mn-ea"/>
+                <a:cs typeface="+mn-cs"/>
+              </a:defRPr>
+            </a:lvl8pPr>
+            <a:lvl9pPr marL="2468880" indent="-182880" algn="l" rtl="0" eaLnBrk="1" latinLnBrk="0" hangingPunct="1">
+              <a:spcBef>
+                <a:spcPct val="20000"/>
+              </a:spcBef>
+              <a:buClr>
+                <a:schemeClr val="tx2"/>
+              </a:buClr>
+              <a:buFontTx/>
+              <a:buChar char="•"/>
+              <a:defRPr kumimoji="0" sz="1400" kern="1200" baseline="0">
+                <a:solidFill>
+                  <a:schemeClr val="tx1"/>
+                </a:solidFill>
+                <a:latin typeface="+mn-lt"/>
+                <a:ea typeface="+mn-ea"/>
+                <a:cs typeface="+mn-cs"/>
+              </a:defRPr>
+            </a:lvl9pPr>
+          </a:lstStyle>
+          <a:p>
+            <a:r>
+              <a:rPr lang="it-IT" dirty="0" smtClean="0"/>
+              <a:t>Aderente alle aspettative </a:t>
+            </a:r>
+          </a:p>
+          <a:p>
+            <a:pPr lvl="1"/>
+            <a:r>
+              <a:rPr lang="it-IT" dirty="0" smtClean="0"/>
+              <a:t>Familiarità</a:t>
+            </a:r>
+          </a:p>
+          <a:p>
+            <a:r>
+              <a:rPr lang="it-IT" dirty="0" smtClean="0"/>
+              <a:t>Struttura aziendale</a:t>
+            </a:r>
+          </a:p>
+          <a:p>
+            <a:pPr lvl="1"/>
+            <a:r>
+              <a:rPr lang="it-IT" dirty="0" smtClean="0"/>
+              <a:t>Nessuna Variazione</a:t>
+            </a:r>
+          </a:p>
+          <a:p>
+            <a:pPr lvl="1"/>
+            <a:r>
+              <a:rPr lang="it-IT" dirty="0" smtClean="0"/>
+              <a:t>Ingrato ai processi già noti</a:t>
+            </a:r>
+          </a:p>
+          <a:p>
+            <a:r>
+              <a:rPr lang="it-IT" dirty="0" smtClean="0"/>
+              <a:t>Documentazione Solida</a:t>
+            </a:r>
+          </a:p>
+          <a:p>
+            <a:pPr lvl="1"/>
+            <a:r>
+              <a:rPr lang="it-IT" dirty="0" smtClean="0"/>
+              <a:t>Raffinata (revisionata, incrocio)</a:t>
+            </a:r>
+          </a:p>
+          <a:p>
+            <a:pPr lvl="1"/>
+            <a:r>
+              <a:rPr lang="it-IT" dirty="0" smtClean="0"/>
+              <a:t>Crescita costante</a:t>
+            </a:r>
+          </a:p>
+          <a:p>
+            <a:pPr lvl="1"/>
+            <a:r>
+              <a:rPr lang="it-IT" dirty="0" smtClean="0"/>
+              <a:t>Ottima Tracciabilità</a:t>
+            </a:r>
+          </a:p>
+          <a:p>
+            <a:r>
+              <a:rPr lang="it-IT" dirty="0" smtClean="0"/>
+              <a:t>Usare </a:t>
+            </a:r>
+            <a:r>
+              <a:rPr lang="it-IT" dirty="0" err="1" smtClean="0"/>
+              <a:t>@silo</a:t>
+            </a:r>
+            <a:r>
+              <a:rPr lang="it-IT" dirty="0" smtClean="0"/>
+              <a:t> senza accorgersene</a:t>
+            </a:r>
+          </a:p>
+          <a:p>
+            <a:pPr lvl="1"/>
+            <a:r>
+              <a:rPr lang="it-IT" dirty="0" smtClean="0"/>
+              <a:t>Stessi processi, con maggiore velocità ed efficienza </a:t>
+            </a:r>
+          </a:p>
+          <a:p>
+            <a:pPr lvl="1"/>
+            <a:endParaRPr lang="it-IT" dirty="0" smtClean="0"/>
+          </a:p>
+          <a:p>
+            <a:pPr lvl="1">
+              <a:buNone/>
+            </a:pPr>
+            <a:endParaRPr lang="it-IT" dirty="0" smtClean="0"/>
+          </a:p>
+        </p:txBody>
+      </p:sp>
+    </p:spTree>
+    <p:extLst>
+      <p:ext uri="{BB962C8B-B14F-4D97-AF65-F5344CB8AC3E}">
+        <p14:creationId xmlns:p14="http://schemas.microsoft.com/office/powerpoint/2010/main" xmlns="" val="3748041918"/>
       </p:ext>
     </p:extLst>
   </p:cSld>
@@ -24942,7 +25314,6 @@
               <a:rPr lang="it-IT" dirty="0" smtClean="0"/>
               <a:t>.</a:t>
             </a:r>
-            <a:endParaRPr lang="it-IT" dirty="0" smtClean="0"/>
           </a:p>
         </p:txBody>
       </p:sp>
@@ -32433,7 +32804,7 @@
         </p:nvSpPr>
         <p:spPr>
           <a:xfrm>
-            <a:off x="1671480" y="476640"/>
+            <a:off x="1671480" y="571480"/>
             <a:ext cx="5540040" cy="1521720"/>
           </a:xfrm>
           <a:prstGeom prst="rect">
@@ -32456,9 +32827,18 @@
                 </a:solidFill>
                 <a:latin typeface="Calibri"/>
               </a:rPr>
-              <a:t>Notifiche E-mail</a:t>
-            </a:r>
-            <a:endParaRPr dirty="0"/>
+              <a:t>NOTIFICHE </a:t>
+            </a:r>
+            <a:r>
+              <a:rPr lang="it-IT" sz="4800" b="1" dirty="0">
+                <a:solidFill>
+                  <a:srgbClr val="000000"/>
+                </a:solidFill>
+                <a:latin typeface="Calibri"/>
+              </a:rPr>
+              <a:t>EMAIL</a:t>
+            </a:r>
+            <a:endParaRPr/>
           </a:p>
           <a:p>
             <a:pPr algn="ctr">
@@ -32466,7 +32846,7 @@
                 <a:spcPct val="100000"/>
               </a:lnSpc>
             </a:pPr>
-            <a:endParaRPr dirty="0"/>
+            <a:endParaRPr/>
           </a:p>
           <a:p>
             <a:pPr algn="ctr">
@@ -32474,7 +32854,7 @@
                 <a:spcPct val="100000"/>
               </a:lnSpc>
             </a:pPr>
-            <a:endParaRPr dirty="0"/>
+            <a:endParaRPr/>
           </a:p>
         </p:txBody>
       </p:sp>
@@ -32486,7 +32866,7 @@
         </p:nvSpPr>
         <p:spPr>
           <a:xfrm>
-            <a:off x="323640" y="1795320"/>
+            <a:off x="323640" y="1890160"/>
             <a:ext cx="8177040" cy="4205448"/>
           </a:xfrm>
           <a:prstGeom prst="rect">
@@ -32539,6 +32919,20 @@
             </a:endParaRPr>
           </a:p>
           <a:p>
+            <a:pPr>
+              <a:lnSpc>
+                <a:spcPct val="100000"/>
+              </a:lnSpc>
+              <a:buSzPct val="95000"/>
+            </a:pPr>
+            <a:endParaRPr lang="it-IT" sz="4000" b="1" dirty="0" smtClean="0">
+              <a:solidFill>
+                <a:srgbClr val="000000"/>
+              </a:solidFill>
+              <a:latin typeface="Calibri"/>
+            </a:endParaRPr>
+          </a:p>
+          <a:p>
             <a:pPr lvl="1">
               <a:buSzPct val="95000"/>
             </a:pPr>
@@ -32594,81 +32988,48 @@
                 </a:solidFill>
                 <a:latin typeface="Calibri"/>
               </a:rPr>
-              <a:t>brevi </a:t>
-            </a:r>
-            <a:r>
-              <a:rPr lang="it-IT" sz="2800" b="1" dirty="0">
+              <a:t>brevi messaggi di notifiche agli utenti che porto a termine iterazioni con il nostro </a:t>
+            </a:r>
+            <a:r>
+              <a:rPr lang="it-IT" sz="2800" dirty="0" smtClean="0">
                 <a:solidFill>
                   <a:srgbClr val="000000"/>
                 </a:solidFill>
                 <a:latin typeface="Calibri"/>
               </a:rPr>
-              <a:t>messaggi di notifiche </a:t>
-            </a:r>
-            <a:r>
-              <a:rPr lang="it-IT" sz="2800" dirty="0">
-                <a:solidFill>
-                  <a:srgbClr val="000000"/>
-                </a:solidFill>
-                <a:latin typeface="Calibri"/>
-              </a:rPr>
-              <a:t>agli utenti che </a:t>
-            </a:r>
-            <a:r>
-              <a:rPr lang="it-IT" sz="2800" dirty="0" smtClean="0">
-                <a:solidFill>
-                  <a:srgbClr val="000000"/>
-                </a:solidFill>
-                <a:latin typeface="Calibri"/>
-              </a:rPr>
-              <a:t>portano </a:t>
-            </a:r>
-            <a:r>
-              <a:rPr lang="it-IT" sz="2800" dirty="0">
-                <a:solidFill>
-                  <a:srgbClr val="000000"/>
-                </a:solidFill>
-                <a:latin typeface="Calibri"/>
-              </a:rPr>
-              <a:t>a termine </a:t>
-            </a:r>
-            <a:r>
-              <a:rPr lang="it-IT" sz="2800" dirty="0" smtClean="0">
-                <a:solidFill>
-                  <a:srgbClr val="000000"/>
-                </a:solidFill>
-                <a:latin typeface="Calibri"/>
-              </a:rPr>
-              <a:t>operazioni  </a:t>
-            </a:r>
-            <a:r>
-              <a:rPr lang="it-IT" sz="2800" dirty="0">
-                <a:solidFill>
-                  <a:srgbClr val="000000"/>
-                </a:solidFill>
-                <a:latin typeface="Calibri"/>
-              </a:rPr>
-              <a:t>con il nostro </a:t>
-            </a:r>
-            <a:r>
-              <a:rPr lang="it-IT" sz="2800" dirty="0" smtClean="0">
-                <a:solidFill>
-                  <a:srgbClr val="000000"/>
-                </a:solidFill>
-                <a:latin typeface="Calibri"/>
-              </a:rPr>
-              <a:t>sistema.</a:t>
+              <a:t>sistema</a:t>
             </a:r>
             <a:endParaRPr sz="2800" dirty="0"/>
           </a:p>
         </p:txBody>
       </p:sp>
+      <p:pic>
+        <p:nvPicPr>
+          <p:cNvPr id="3074" name="Picture 2" descr="C:\Documents and Settings\Frank\Desktop\email-marketing.jpg"/>
+          <p:cNvPicPr>
+            <a:picLocks noChangeAspect="1" noChangeArrowheads="1"/>
+          </p:cNvPicPr>
+          <p:nvPr/>
+        </p:nvPicPr>
+        <p:blipFill>
+          <a:blip r:embed="rId2"/>
+          <a:srcRect/>
+          <a:stretch>
+            <a:fillRect/>
+          </a:stretch>
+        </p:blipFill>
+        <p:spPr bwMode="auto">
+          <a:xfrm>
+            <a:off x="6286512" y="1166386"/>
+            <a:ext cx="2683426" cy="2258364"/>
+          </a:xfrm>
+          <a:prstGeom prst="rect">
+            <a:avLst/>
+          </a:prstGeom>
+          <a:noFill/>
+        </p:spPr>
+      </p:pic>
     </p:spTree>
-    <p:extLst>
-      <p:ext uri="{BB962C8B-B14F-4D97-AF65-F5344CB8AC3E}">
-        <p14:creationId xmlns:p14="http://schemas.microsoft.com/office/powerpoint/2010/main" xmlns="" val="4257297520"/>
-      </p:ext>
-    </p:extLst>
   </p:cSld>
   <p:clrMapOvr>
     <a:masterClrMapping/>
@@ -32745,13 +33106,40 @@
               </a:lnSpc>
             </a:pPr>
             <a:r>
-              <a:rPr lang="it-IT" sz="4800" b="1" dirty="0" smtClean="0">
+              <a:rPr lang="it-IT" sz="4800" b="1" dirty="0">
                 <a:solidFill>
                   <a:srgbClr val="000000"/>
                 </a:solidFill>
                 <a:latin typeface="Calibri"/>
               </a:rPr>
-              <a:t>Tipi di Notifiche</a:t>
+              <a:t>TIPI </a:t>
+            </a:r>
+            <a:r>
+              <a:rPr lang="it-IT" sz="4800" b="1" dirty="0" err="1">
+                <a:solidFill>
+                  <a:srgbClr val="000000"/>
+                </a:solidFill>
+                <a:latin typeface="Calibri"/>
+              </a:rPr>
+              <a:t>DI</a:t>
+            </a:r>
+            <a:r>
+              <a:rPr lang="it-IT" sz="4800" b="1" dirty="0">
+                <a:solidFill>
+                  <a:srgbClr val="000000"/>
+                </a:solidFill>
+                <a:latin typeface="Calibri"/>
+              </a:rPr>
+              <a:t> </a:t>
+            </a:r>
+            <a:r>
+              <a:rPr lang="it-IT" sz="4800" b="1" dirty="0" smtClean="0">
+                <a:solidFill>
+                  <a:srgbClr val="000000"/>
+                </a:solidFill>
+                <a:latin typeface="Calibri"/>
+              </a:rPr>
+              <a:t>NOTIFICHE</a:t>
             </a:r>
           </a:p>
           <a:p>
@@ -32768,7 +33156,7 @@
               </a:rPr>
               <a:t>(1)</a:t>
             </a:r>
-            <a:endParaRPr sz="3000" dirty="0"/>
+            <a:endParaRPr sz="3000"/>
           </a:p>
           <a:p>
             <a:pPr algn="ctr">
@@ -32776,7 +33164,7 @@
                 <a:spcPct val="100000"/>
               </a:lnSpc>
             </a:pPr>
-            <a:endParaRPr dirty="0"/>
+            <a:endParaRPr/>
           </a:p>
           <a:p>
             <a:pPr algn="ctr">
@@ -32784,7 +33172,7 @@
                 <a:spcPct val="100000"/>
               </a:lnSpc>
             </a:pPr>
-            <a:endParaRPr dirty="0"/>
+            <a:endParaRPr/>
           </a:p>
         </p:txBody>
       </p:sp>
@@ -32961,11 +33349,6 @@
         </p:txBody>
       </p:sp>
     </p:spTree>
-    <p:extLst>
-      <p:ext uri="{BB962C8B-B14F-4D97-AF65-F5344CB8AC3E}">
-        <p14:creationId xmlns:p14="http://schemas.microsoft.com/office/powerpoint/2010/main" xmlns="" val="1516952845"/>
-      </p:ext>
-    </p:extLst>
   </p:cSld>
   <p:clrMapOvr>
     <a:masterClrMapping/>
@@ -33227,15 +33610,33 @@
               </a:lnSpc>
             </a:pPr>
             <a:r>
-              <a:rPr lang="it-IT" sz="4800" b="1" dirty="0" smtClean="0">
+              <a:rPr lang="it-IT" sz="4800" b="1" dirty="0">
                 <a:solidFill>
                   <a:srgbClr val="000000"/>
                 </a:solidFill>
                 <a:latin typeface="Calibri"/>
               </a:rPr>
-              <a:t>Tipi di Notifiche</a:t>
-            </a:r>
-            <a:endParaRPr dirty="0"/>
+              <a:t>TIPI </a:t>
+            </a:r>
+            <a:r>
+              <a:rPr lang="it-IT" sz="4800" b="1" dirty="0" err="1">
+                <a:solidFill>
+                  <a:srgbClr val="000000"/>
+                </a:solidFill>
+                <a:latin typeface="Calibri"/>
+              </a:rPr>
+              <a:t>DI</a:t>
+            </a:r>
+            <a:r>
+              <a:rPr lang="it-IT" sz="4800" b="1" dirty="0">
+                <a:solidFill>
+                  <a:srgbClr val="000000"/>
+                </a:solidFill>
+                <a:latin typeface="Calibri"/>
+              </a:rPr>
+              <a:t> NOTIFICHE</a:t>
+            </a:r>
+            <a:endParaRPr/>
           </a:p>
           <a:p>
             <a:pPr algn="ctr">
@@ -33252,16 +33653,37 @@
               </a:rPr>
               <a:t>(2)</a:t>
             </a:r>
-            <a:endParaRPr dirty="0"/>
+            <a:endParaRPr/>
           </a:p>
         </p:txBody>
       </p:sp>
+      <p:pic>
+        <p:nvPicPr>
+          <p:cNvPr id="4098" name="Picture 2" descr="C:\Documents and Settings\Frank\Desktop\7005564-scelta-della-giusta-direzione-illustrazione-di-rendering-3d.jpg"/>
+          <p:cNvPicPr>
+            <a:picLocks noChangeAspect="1" noChangeArrowheads="1"/>
+          </p:cNvPicPr>
+          <p:nvPr/>
+        </p:nvPicPr>
+        <p:blipFill>
+          <a:blip r:embed="rId2"/>
+          <a:srcRect/>
+          <a:stretch>
+            <a:fillRect/>
+          </a:stretch>
+        </p:blipFill>
+        <p:spPr bwMode="auto">
+          <a:xfrm>
+            <a:off x="4214810" y="3929066"/>
+            <a:ext cx="3513151" cy="2634863"/>
+          </a:xfrm>
+          <a:prstGeom prst="rect">
+            <a:avLst/>
+          </a:prstGeom>
+          <a:noFill/>
+        </p:spPr>
+      </p:pic>
     </p:spTree>
-    <p:extLst>
-      <p:ext uri="{BB962C8B-B14F-4D97-AF65-F5344CB8AC3E}">
-        <p14:creationId xmlns:p14="http://schemas.microsoft.com/office/powerpoint/2010/main" xmlns="" val="903666282"/>
-      </p:ext>
-    </p:extLst>
   </p:cSld>
   <p:clrMapOvr>
     <a:masterClrMapping/>
@@ -33409,6 +33831,20 @@
             </a:endParaRPr>
           </a:p>
           <a:p>
+            <a:pPr>
+              <a:lnSpc>
+                <a:spcPct val="100000"/>
+              </a:lnSpc>
+              <a:buSzPct val="95000"/>
+            </a:pPr>
+            <a:endParaRPr lang="it-IT" sz="4400" b="1" dirty="0" smtClean="0">
+              <a:solidFill>
+                <a:srgbClr val="000000"/>
+              </a:solidFill>
+              <a:latin typeface="Calibri"/>
+            </a:endParaRPr>
+          </a:p>
+          <a:p>
             <a:pPr lvl="1">
               <a:buSzPct val="95000"/>
               <a:buFont typeface="Arial" pitchFamily="34" charset="0"/>
@@ -33449,6 +33885,33 @@
                 <a:latin typeface="Calibri"/>
               </a:rPr>
               <a:t>usato </a:t>
+            </a:r>
+            <a:r>
+              <a:rPr lang="it-IT" sz="3200" dirty="0" smtClean="0">
+                <a:solidFill>
+                  <a:srgbClr val="000000"/>
+                </a:solidFill>
+                <a:latin typeface="Calibri"/>
+              </a:rPr>
+              <a:t>una componente </a:t>
+            </a:r>
+            <a:r>
+              <a:rPr lang="it-IT" sz="3200" dirty="0" err="1" smtClean="0">
+                <a:solidFill>
+                  <a:srgbClr val="000000"/>
+                </a:solidFill>
+                <a:latin typeface="Calibri"/>
+              </a:rPr>
+              <a:t>off-the-shelf</a:t>
+            </a:r>
+            <a:r>
+              <a:rPr lang="it-IT" sz="3200" dirty="0" smtClean="0">
+                <a:solidFill>
+                  <a:srgbClr val="000000"/>
+                </a:solidFill>
+                <a:latin typeface="Calibri"/>
+              </a:rPr>
+              <a:t>, </a:t>
             </a:r>
             <a:r>
               <a:rPr lang="it-IT" sz="3200" b="1" dirty="0" smtClean="0">
@@ -33534,7 +33997,7 @@
         </p:nvSpPr>
         <p:spPr>
           <a:xfrm>
-            <a:off x="1166040" y="864000"/>
+            <a:off x="1071538" y="714356"/>
             <a:ext cx="6753960" cy="1368000"/>
           </a:xfrm>
           <a:prstGeom prst="rect">
@@ -33551,24 +34014,45 @@
               </a:lnSpc>
             </a:pPr>
             <a:r>
-              <a:rPr lang="it-IT" sz="4800" b="1" dirty="0" smtClean="0">
+              <a:rPr lang="it-IT" sz="4800" b="1">
                 <a:solidFill>
                   <a:srgbClr val="000000"/>
                 </a:solidFill>
                 <a:latin typeface="Calibri"/>
               </a:rPr>
-              <a:t>Implementazione</a:t>
-            </a:r>
-            <a:endParaRPr dirty="0"/>
+              <a:t>IMPLEMENTAZIONE</a:t>
+            </a:r>
+            <a:endParaRPr/>
           </a:p>
         </p:txBody>
       </p:sp>
+      <p:pic>
+        <p:nvPicPr>
+          <p:cNvPr id="5122" name="Picture 2" descr="\\vmware-host\Shared Folders\Scrivania\icona_omino_punto_interrogativo.png"/>
+          <p:cNvPicPr>
+            <a:picLocks noChangeAspect="1" noChangeArrowheads="1"/>
+          </p:cNvPicPr>
+          <p:nvPr/>
+        </p:nvPicPr>
+        <p:blipFill>
+          <a:blip r:embed="rId2"/>
+          <a:srcRect/>
+          <a:stretch>
+            <a:fillRect/>
+          </a:stretch>
+        </p:blipFill>
+        <p:spPr bwMode="auto">
+          <a:xfrm>
+            <a:off x="4500562" y="1285860"/>
+            <a:ext cx="2643206" cy="2643206"/>
+          </a:xfrm>
+          <a:prstGeom prst="rect">
+            <a:avLst/>
+          </a:prstGeom>
+          <a:noFill/>
+        </p:spPr>
+      </p:pic>
     </p:spTree>
-    <p:extLst>
-      <p:ext uri="{BB962C8B-B14F-4D97-AF65-F5344CB8AC3E}">
-        <p14:creationId xmlns:p14="http://schemas.microsoft.com/office/powerpoint/2010/main" xmlns="" val="3790160763"/>
-      </p:ext>
-    </p:extLst>
   </p:cSld>
   <p:clrMapOvr>
     <a:masterClrMapping/>
@@ -33705,53 +34189,59 @@
               </a:lnSpc>
             </a:pPr>
             <a:r>
-              <a:rPr lang="it-IT" sz="4800" b="1" dirty="0" smtClean="0">
+              <a:rPr lang="it-IT" sz="4800" b="1">
                 <a:solidFill>
                   <a:srgbClr val="000000"/>
                 </a:solidFill>
                 <a:latin typeface="Calibri"/>
               </a:rPr>
-              <a:t>Implementazione</a:t>
-            </a:r>
-            <a:endParaRPr dirty="0"/>
+              <a:t>IMPLEMENTAZIONE</a:t>
+            </a:r>
+            <a:endParaRPr/>
           </a:p>
         </p:txBody>
       </p:sp>
       <p:pic>
         <p:nvPicPr>
-          <p:cNvPr id="54" name="Immagine 53"/>
-          <p:cNvPicPr/>
+          <p:cNvPr id="2050" name="Picture 2" descr="C:\Documents and Settings\Frank\Desktop\MailBridge2.png"/>
+          <p:cNvPicPr>
+            <a:picLocks noChangeAspect="1" noChangeArrowheads="1"/>
+          </p:cNvPicPr>
           <p:nvPr/>
         </p:nvPicPr>
         <p:blipFill>
-          <a:blip r:embed="rId2" cstate="print"/>
+          <a:blip r:embed="rId2"/>
+          <a:srcRect/>
           <a:stretch>
             <a:fillRect/>
           </a:stretch>
         </p:blipFill>
-        <p:spPr>
+        <p:spPr bwMode="auto">
           <a:xfrm>
-            <a:off x="216000" y="1773304"/>
-            <a:ext cx="8712000" cy="4392000"/>
+            <a:off x="285720" y="1714488"/>
+            <a:ext cx="8643998" cy="4686300"/>
           </a:xfrm>
           <a:prstGeom prst="rect">
             <a:avLst/>
           </a:prstGeom>
+          <a:noFill/>
         </p:spPr>
       </p:pic>
       <p:cxnSp>
         <p:nvCxnSpPr>
-          <p:cNvPr id="7" name="Connettore 2 6"/>
+          <p:cNvPr id="13" name="Connettore 4 12"/>
           <p:cNvCxnSpPr/>
           <p:nvPr/>
         </p:nvCxnSpPr>
         <p:spPr>
-          <a:xfrm flipV="1">
-            <a:off x="2714612" y="2571744"/>
-            <a:ext cx="1000132" cy="571504"/>
+          <a:xfrm>
+            <a:off x="2786050" y="2285992"/>
+            <a:ext cx="2643206" cy="1571636"/>
           </a:xfrm>
-          <a:prstGeom prst="straightConnector1">
-            <a:avLst/>
+          <a:prstGeom prst="bentConnector3">
+            <a:avLst>
+              <a:gd name="adj1" fmla="val 50000"/>
+            </a:avLst>
           </a:prstGeom>
           <a:ln>
             <a:tailEnd type="arrow"/>
@@ -33774,14 +34264,14 @@
       </p:cxnSp>
       <p:sp>
         <p:nvSpPr>
-          <p:cNvPr id="8" name="CasellaDiTesto 7"/>
+          <p:cNvPr id="28" name="CasellaDiTesto 27"/>
           <p:cNvSpPr txBox="1"/>
           <p:nvPr/>
         </p:nvSpPr>
         <p:spPr>
           <a:xfrm>
-            <a:off x="3714744" y="2000240"/>
-            <a:ext cx="4357718" cy="646331"/>
+            <a:off x="5429256" y="3429000"/>
+            <a:ext cx="3057055" cy="646331"/>
           </a:xfrm>
           <a:prstGeom prst="rect">
             <a:avLst/>
@@ -33789,31 +34279,34 @@
           <a:noFill/>
         </p:spPr>
         <p:txBody>
-          <a:bodyPr wrap="square" rtlCol="0">
+          <a:bodyPr wrap="none" rtlCol="0">
             <a:spAutoFit/>
           </a:bodyPr>
           <a:lstStyle/>
           <a:p>
             <a:r>
               <a:rPr lang="it-IT" dirty="0" smtClean="0"/>
-              <a:t>Alla classe Abstraction corrisponde la classe</a:t>
-            </a:r>
-          </a:p>
-          <a:p>
+              <a:t>Il </a:t>
+            </a:r>
             <a:r>
               <a:rPr lang="it-IT" dirty="0" err="1" smtClean="0"/>
-              <a:t>Contro.java</a:t>
+              <a:t>control</a:t>
+            </a:r>
+            <a:r>
+              <a:rPr lang="it-IT" dirty="0" smtClean="0"/>
+              <a:t> si occupa di inviare   </a:t>
+            </a:r>
+          </a:p>
+          <a:p>
+            <a:r>
+              <a:rPr lang="it-IT" dirty="0" smtClean="0"/>
+              <a:t>Oggetti Messaggio </a:t>
             </a:r>
             <a:endParaRPr lang="it-IT" dirty="0"/>
           </a:p>
         </p:txBody>
       </p:sp>
     </p:spTree>
-    <p:extLst>
-      <p:ext uri="{BB962C8B-B14F-4D97-AF65-F5344CB8AC3E}">
-        <p14:creationId xmlns:p14="http://schemas.microsoft.com/office/powerpoint/2010/main" xmlns="" val="1889567349"/>
-      </p:ext>
-    </p:extLst>
   </p:cSld>
   <p:clrMapOvr>
     <a:masterClrMapping/>
@@ -33950,52 +34443,58 @@
               </a:lnSpc>
             </a:pPr>
             <a:r>
-              <a:rPr lang="it-IT" sz="4800" b="1" dirty="0" smtClean="0">
+              <a:rPr lang="it-IT" sz="4800" b="1">
                 <a:solidFill>
                   <a:srgbClr val="000000"/>
                 </a:solidFill>
                 <a:latin typeface="Calibri"/>
               </a:rPr>
-              <a:t>Implementazione</a:t>
-            </a:r>
-            <a:endParaRPr dirty="0"/>
+              <a:t>IMPLEMENTAZIONE</a:t>
+            </a:r>
+            <a:endParaRPr/>
           </a:p>
         </p:txBody>
       </p:sp>
       <p:pic>
         <p:nvPicPr>
-          <p:cNvPr id="54" name="Immagine 53"/>
-          <p:cNvPicPr/>
+          <p:cNvPr id="2050" name="Picture 2" descr="C:\Documents and Settings\Frank\Desktop\MailBridge2.png"/>
+          <p:cNvPicPr>
+            <a:picLocks noChangeAspect="1" noChangeArrowheads="1"/>
+          </p:cNvPicPr>
           <p:nvPr/>
         </p:nvPicPr>
         <p:blipFill>
-          <a:blip r:embed="rId2" cstate="print"/>
+          <a:blip r:embed="rId2"/>
+          <a:srcRect/>
           <a:stretch>
             <a:fillRect/>
           </a:stretch>
         </p:blipFill>
-        <p:spPr>
+        <p:spPr bwMode="auto">
           <a:xfrm>
-            <a:off x="216000" y="1656000"/>
-            <a:ext cx="8712000" cy="4392000"/>
+            <a:off x="285720" y="1714488"/>
+            <a:ext cx="8643998" cy="4686300"/>
           </a:xfrm>
           <a:prstGeom prst="rect">
             <a:avLst/>
           </a:prstGeom>
+          <a:noFill/>
         </p:spPr>
       </p:pic>
       <p:cxnSp>
         <p:nvCxnSpPr>
-          <p:cNvPr id="7" name="Connettore 2 6"/>
-          <p:cNvCxnSpPr/>
+          <p:cNvPr id="7" name="Connettore 4 6"/>
+          <p:cNvCxnSpPr>
+            <a:endCxn id="8" idx="0"/>
+          </p:cNvCxnSpPr>
           <p:nvPr/>
         </p:nvCxnSpPr>
         <p:spPr>
-          <a:xfrm rot="16200000" flipV="1">
-            <a:off x="7072330" y="2714620"/>
-            <a:ext cx="428628" cy="428628"/>
+          <a:xfrm>
+            <a:off x="5572132" y="2714620"/>
+            <a:ext cx="1420854" cy="1071570"/>
           </a:xfrm>
-          <a:prstGeom prst="straightConnector1">
+          <a:prstGeom prst="bentConnector2">
             <a:avLst/>
           </a:prstGeom>
           <a:ln>
@@ -34025,8 +34524,8 @@
         </p:nvSpPr>
         <p:spPr>
           <a:xfrm>
-            <a:off x="3714744" y="2000240"/>
-            <a:ext cx="4357718" cy="646331"/>
+            <a:off x="5429256" y="3786190"/>
+            <a:ext cx="3127459" cy="646331"/>
           </a:xfrm>
           <a:prstGeom prst="rect">
             <a:avLst/>
@@ -34034,41 +34533,26 @@
           <a:noFill/>
         </p:spPr>
         <p:txBody>
-          <a:bodyPr wrap="square" rtlCol="0">
+          <a:bodyPr wrap="none" rtlCol="0">
             <a:spAutoFit/>
           </a:bodyPr>
           <a:lstStyle/>
           <a:p>
             <a:r>
               <a:rPr lang="it-IT" dirty="0" smtClean="0"/>
-              <a:t>All’interfaccia </a:t>
-            </a:r>
-            <a:r>
-              <a:rPr lang="it-IT" dirty="0" err="1" smtClean="0"/>
-              <a:t>Implementor</a:t>
-            </a:r>
+              <a:t>L’interfaccia Messaggio serve a </a:t>
+            </a:r>
+          </a:p>
+          <a:p>
             <a:r>
               <a:rPr lang="it-IT" dirty="0" smtClean="0"/>
-              <a:t> </a:t>
-            </a:r>
-            <a:r>
-              <a:rPr lang="it-IT" dirty="0" err="1" smtClean="0"/>
-              <a:t>corrispone</a:t>
-            </a:r>
-            <a:r>
-              <a:rPr lang="it-IT" dirty="0" smtClean="0"/>
-              <a:t> l’interfaccia Messaggio</a:t>
+              <a:t>definire le varie Notifiche </a:t>
             </a:r>
             <a:endParaRPr lang="it-IT" dirty="0"/>
           </a:p>
         </p:txBody>
       </p:sp>
     </p:spTree>
-    <p:extLst>
-      <p:ext uri="{BB962C8B-B14F-4D97-AF65-F5344CB8AC3E}">
-        <p14:creationId xmlns:p14="http://schemas.microsoft.com/office/powerpoint/2010/main" xmlns="" val="2938595398"/>
-      </p:ext>
-    </p:extLst>
   </p:cSld>
   <p:clrMapOvr>
     <a:masterClrMapping/>
@@ -34568,86 +35052,59 @@
               </a:lnSpc>
             </a:pPr>
             <a:r>
-              <a:rPr lang="it-IT" sz="4800" b="1" dirty="0" smtClean="0">
+              <a:rPr lang="it-IT" sz="4800" b="1">
                 <a:solidFill>
                   <a:srgbClr val="000000"/>
                 </a:solidFill>
                 <a:latin typeface="Calibri"/>
               </a:rPr>
-              <a:t>Implementazione</a:t>
-            </a:r>
-            <a:endParaRPr dirty="0"/>
+              <a:t>IMPLEMENTAZIONE</a:t>
+            </a:r>
+            <a:endParaRPr/>
           </a:p>
         </p:txBody>
       </p:sp>
       <p:pic>
         <p:nvPicPr>
-          <p:cNvPr id="54" name="Immagine 53"/>
-          <p:cNvPicPr/>
+          <p:cNvPr id="2050" name="Picture 2" descr="C:\Documents and Settings\Frank\Desktop\MailBridge2.png"/>
+          <p:cNvPicPr>
+            <a:picLocks noChangeAspect="1" noChangeArrowheads="1"/>
+          </p:cNvPicPr>
           <p:nvPr/>
         </p:nvPicPr>
         <p:blipFill>
-          <a:blip r:embed="rId2" cstate="print"/>
+          <a:blip r:embed="rId2"/>
+          <a:srcRect/>
           <a:stretch>
             <a:fillRect/>
           </a:stretch>
         </p:blipFill>
-        <p:spPr>
+        <p:spPr bwMode="auto">
           <a:xfrm>
-            <a:off x="216000" y="1629288"/>
-            <a:ext cx="8712000" cy="4392000"/>
+            <a:off x="285720" y="1714488"/>
+            <a:ext cx="8643998" cy="4686300"/>
           </a:xfrm>
           <a:prstGeom prst="rect">
             <a:avLst/>
           </a:prstGeom>
+          <a:noFill/>
         </p:spPr>
       </p:pic>
       <p:cxnSp>
         <p:nvCxnSpPr>
-          <p:cNvPr id="7" name="Connettore 2 6"/>
+          <p:cNvPr id="9" name="Connettore 4 8"/>
           <p:cNvCxnSpPr/>
           <p:nvPr/>
         </p:nvCxnSpPr>
         <p:spPr>
-          <a:xfrm rot="5400000" flipH="1" flipV="1">
-            <a:off x="2464579" y="4036223"/>
-            <a:ext cx="2428892" cy="71438"/>
+          <a:xfrm>
+            <a:off x="3929058" y="3713164"/>
+            <a:ext cx="1285884" cy="1588"/>
           </a:xfrm>
-          <a:prstGeom prst="straightConnector1">
-            <a:avLst/>
-          </a:prstGeom>
-          <a:ln>
-            <a:tailEnd type="arrow"/>
-          </a:ln>
-        </p:spPr>
-        <p:style>
-          <a:lnRef idx="1">
-            <a:schemeClr val="accent1"/>
-          </a:lnRef>
-          <a:fillRef idx="0">
-            <a:schemeClr val="accent1"/>
-          </a:fillRef>
-          <a:effectRef idx="0">
-            <a:schemeClr val="accent1"/>
-          </a:effectRef>
-          <a:fontRef idx="minor">
-            <a:schemeClr val="tx1"/>
-          </a:fontRef>
-        </p:style>
-      </p:cxnSp>
-      <p:cxnSp>
-        <p:nvCxnSpPr>
-          <p:cNvPr id="11" name="Connettore 2 10"/>
-          <p:cNvCxnSpPr/>
-          <p:nvPr/>
-        </p:nvCxnSpPr>
-        <p:spPr>
-          <a:xfrm rot="16200000" flipV="1">
-            <a:off x="6679421" y="3964785"/>
-            <a:ext cx="2714644" cy="71438"/>
-          </a:xfrm>
-          <a:prstGeom prst="straightConnector1">
-            <a:avLst/>
+          <a:prstGeom prst="bentConnector3">
+            <a:avLst>
+              <a:gd name="adj1" fmla="val 50000"/>
+            </a:avLst>
           </a:prstGeom>
           <a:ln>
             <a:tailEnd type="arrow"/>
@@ -34670,14 +35127,14 @@
       </p:cxnSp>
       <p:sp>
         <p:nvSpPr>
-          <p:cNvPr id="26" name="CasellaDiTesto 25"/>
+          <p:cNvPr id="10" name="CasellaDiTesto 9"/>
           <p:cNvSpPr txBox="1"/>
           <p:nvPr/>
         </p:nvSpPr>
         <p:spPr>
           <a:xfrm>
-            <a:off x="3286116" y="1857364"/>
-            <a:ext cx="5674567" cy="923330"/>
+            <a:off x="5286380" y="3643314"/>
+            <a:ext cx="3655553" cy="646331"/>
           </a:xfrm>
           <a:prstGeom prst="rect">
             <a:avLst/>
@@ -34692,46 +35149,19 @@
           <a:p>
             <a:r>
               <a:rPr lang="it-IT" dirty="0" smtClean="0"/>
-              <a:t>Alle classi </a:t>
-            </a:r>
-            <a:r>
-              <a:rPr lang="it-IT" dirty="0" err="1" smtClean="0"/>
-              <a:t>ConcreteImplementor</a:t>
-            </a:r>
+              <a:t>E’ la classe Astratta, che implementa </a:t>
+            </a:r>
+          </a:p>
+          <a:p>
             <a:r>
               <a:rPr lang="it-IT" dirty="0" smtClean="0"/>
-              <a:t> A e B corrispondono i vari </a:t>
-            </a:r>
-          </a:p>
-          <a:p>
-            <a:r>
-              <a:rPr lang="it-IT" dirty="0" smtClean="0"/>
-              <a:t>tipi di messaggi sopra citati, ovvero : </a:t>
-            </a:r>
-            <a:r>
-              <a:rPr lang="it-IT" dirty="0" err="1" smtClean="0"/>
-              <a:t>ComposizioneClasse</a:t>
-            </a:r>
-            <a:r>
-              <a:rPr lang="it-IT" dirty="0" smtClean="0"/>
-              <a:t>,</a:t>
-            </a:r>
-          </a:p>
-          <a:p>
-            <a:r>
-              <a:rPr lang="it-IT" dirty="0" smtClean="0"/>
-              <a:t>Evento,Registrazione e Licenziamento.</a:t>
+              <a:t>l’interfaccia Messaggio</a:t>
             </a:r>
             <a:endParaRPr lang="it-IT" dirty="0"/>
           </a:p>
         </p:txBody>
       </p:sp>
     </p:spTree>
-    <p:extLst>
-      <p:ext uri="{BB962C8B-B14F-4D97-AF65-F5344CB8AC3E}">
-        <p14:creationId xmlns:p14="http://schemas.microsoft.com/office/powerpoint/2010/main" xmlns="" val="3382536623"/>
-      </p:ext>
-    </p:extLst>
   </p:cSld>
   <p:clrMapOvr>
     <a:masterClrMapping/>
@@ -34785,7 +35215,7 @@
       </p:grpSpPr>
       <p:sp>
         <p:nvSpPr>
-          <p:cNvPr id="48" name="CustomShape 1"/>
+          <p:cNvPr id="51" name="CustomShape 1"/>
           <p:cNvSpPr/>
           <p:nvPr/>
         </p:nvSpPr>
@@ -34829,7 +35259,7 @@
       </p:sp>
       <p:sp>
         <p:nvSpPr>
-          <p:cNvPr id="49" name="CustomShape 2"/>
+          <p:cNvPr id="52" name="CustomShape 2"/>
           <p:cNvSpPr/>
           <p:nvPr/>
         </p:nvSpPr>
@@ -34842,60 +35272,10 @@
             <a:avLst/>
           </a:prstGeom>
         </p:spPr>
-        <p:txBody>
-          <a:bodyPr lIns="90000" tIns="0" rIns="90000" bIns="45000"/>
-          <a:lstStyle/>
-          <a:p>
-            <a:pPr>
-              <a:lnSpc>
-                <a:spcPct val="100000"/>
-              </a:lnSpc>
-              <a:buSzPct val="95000"/>
-              <a:buFont typeface="Wingdings" pitchFamily="2" charset="2"/>
-              <a:buChar char="v"/>
-            </a:pPr>
-            <a:endParaRPr lang="it-IT" sz="3200" b="1" dirty="0" smtClean="0"/>
-          </a:p>
-          <a:p>
-            <a:pPr>
-              <a:lnSpc>
-                <a:spcPct val="100000"/>
-              </a:lnSpc>
-              <a:buSzPct val="95000"/>
-              <a:buFont typeface="Wingdings" pitchFamily="2" charset="2"/>
-              <a:buChar char="v"/>
-            </a:pPr>
-            <a:r>
-              <a:rPr lang="it-IT" sz="3200" b="1" dirty="0" smtClean="0"/>
-              <a:t>Perché</a:t>
-            </a:r>
-            <a:endParaRPr lang="it-IT" sz="3200" dirty="0" smtClean="0"/>
-          </a:p>
-          <a:p>
-            <a:pPr>
-              <a:lnSpc>
-                <a:spcPct val="100000"/>
-              </a:lnSpc>
-              <a:buSzPct val="95000"/>
-            </a:pPr>
-            <a:endParaRPr lang="it-IT" sz="3200" dirty="0" smtClean="0"/>
-          </a:p>
-          <a:p>
-            <a:pPr lvl="1">
-              <a:buSzPct val="95000"/>
-              <a:buFont typeface="Arial" pitchFamily="34" charset="0"/>
-              <a:buChar char="•"/>
-            </a:pPr>
-            <a:r>
-              <a:rPr lang="it-IT" sz="2800" dirty="0" smtClean="0"/>
-              <a:t> ci permette di inserire altri messaggi in modo semplice  e senza causare molti cambiamenti nel sistema, così come modificare quelli già esistenti.</a:t>
-            </a:r>
-          </a:p>
-        </p:txBody>
       </p:sp>
       <p:sp>
         <p:nvSpPr>
-          <p:cNvPr id="50" name="TextShape 3"/>
+          <p:cNvPr id="53" name="TextShape 3"/>
           <p:cNvSpPr txBox="1"/>
           <p:nvPr/>
         </p:nvSpPr>
@@ -34918,40 +35298,166 @@
               </a:lnSpc>
             </a:pPr>
             <a:r>
-              <a:rPr lang="it-IT" sz="4800" b="1" dirty="0" smtClean="0">
+              <a:rPr lang="it-IT" sz="4800" b="1">
                 <a:solidFill>
                   <a:srgbClr val="000000"/>
                 </a:solidFill>
                 <a:latin typeface="Calibri"/>
               </a:rPr>
-              <a:t>Perché Bridge?</a:t>
-            </a:r>
-          </a:p>
-          <a:p>
-            <a:pPr algn="ctr">
-              <a:lnSpc>
-                <a:spcPct val="100000"/>
-              </a:lnSpc>
-            </a:pPr>
-            <a:r>
-              <a:rPr lang="it-IT" sz="3000" dirty="0" smtClean="0">
-                <a:solidFill>
-                  <a:srgbClr val="000000"/>
-                </a:solidFill>
-                <a:latin typeface="Calibri"/>
-              </a:rPr>
-              <a:t>(1)</a:t>
-            </a:r>
-            <a:endParaRPr sz="3000" dirty="0"/>
+              <a:t>IMPLEMENTAZIONE</a:t>
+            </a:r>
+            <a:endParaRPr/>
+          </a:p>
+        </p:txBody>
+      </p:sp>
+      <p:pic>
+        <p:nvPicPr>
+          <p:cNvPr id="2050" name="Picture 2" descr="C:\Documents and Settings\Frank\Desktop\MailBridge2.png"/>
+          <p:cNvPicPr>
+            <a:picLocks noChangeAspect="1" noChangeArrowheads="1"/>
+          </p:cNvPicPr>
+          <p:nvPr/>
+        </p:nvPicPr>
+        <p:blipFill>
+          <a:blip r:embed="rId2"/>
+          <a:srcRect/>
+          <a:stretch>
+            <a:fillRect/>
+          </a:stretch>
+        </p:blipFill>
+        <p:spPr bwMode="auto">
+          <a:xfrm>
+            <a:off x="285720" y="1714488"/>
+            <a:ext cx="8643998" cy="4686300"/>
+          </a:xfrm>
+          <a:prstGeom prst="rect">
+            <a:avLst/>
+          </a:prstGeom>
+          <a:noFill/>
+        </p:spPr>
+      </p:pic>
+      <p:sp>
+        <p:nvSpPr>
+          <p:cNvPr id="6" name="Ovale 5"/>
+          <p:cNvSpPr/>
+          <p:nvPr/>
+        </p:nvSpPr>
+        <p:spPr>
+          <a:xfrm>
+            <a:off x="0" y="4214818"/>
+            <a:ext cx="9144000" cy="2500330"/>
+          </a:xfrm>
+          <a:prstGeom prst="ellipse">
+            <a:avLst/>
+          </a:prstGeom>
+          <a:noFill/>
+          <a:ln w="73025">
+            <a:solidFill>
+              <a:schemeClr val="accent3">
+                <a:lumMod val="75000"/>
+              </a:schemeClr>
+            </a:solidFill>
+          </a:ln>
+        </p:spPr>
+        <p:style>
+          <a:lnRef idx="2">
+            <a:schemeClr val="accent1">
+              <a:shade val="50000"/>
+            </a:schemeClr>
+          </a:lnRef>
+          <a:fillRef idx="1">
+            <a:schemeClr val="accent1"/>
+          </a:fillRef>
+          <a:effectRef idx="0">
+            <a:schemeClr val="accent1"/>
+          </a:effectRef>
+          <a:fontRef idx="minor">
+            <a:schemeClr val="lt1"/>
+          </a:fontRef>
+        </p:style>
+        <p:txBody>
+          <a:bodyPr rtlCol="0" anchor="ctr"/>
+          <a:lstStyle/>
+          <a:p>
+            <a:pPr algn="ctr"/>
+            <a:endParaRPr lang="it-IT"/>
+          </a:p>
+        </p:txBody>
+      </p:sp>
+      <p:cxnSp>
+        <p:nvCxnSpPr>
+          <p:cNvPr id="8" name="Connettore 2 7"/>
+          <p:cNvCxnSpPr/>
+          <p:nvPr/>
+        </p:nvCxnSpPr>
+        <p:spPr>
+          <a:xfrm flipV="1">
+            <a:off x="4572000" y="3786190"/>
+            <a:ext cx="1071570" cy="357190"/>
+          </a:xfrm>
+          <a:prstGeom prst="straightConnector1">
+            <a:avLst/>
+          </a:prstGeom>
+          <a:ln>
+            <a:tailEnd type="arrow"/>
+          </a:ln>
+        </p:spPr>
+        <p:style>
+          <a:lnRef idx="1">
+            <a:schemeClr val="accent1"/>
+          </a:lnRef>
+          <a:fillRef idx="0">
+            <a:schemeClr val="accent1"/>
+          </a:fillRef>
+          <a:effectRef idx="0">
+            <a:schemeClr val="accent1"/>
+          </a:effectRef>
+          <a:fontRef idx="minor">
+            <a:schemeClr val="tx1"/>
+          </a:fontRef>
+        </p:style>
+      </p:cxnSp>
+      <p:sp>
+        <p:nvSpPr>
+          <p:cNvPr id="9" name="CasellaDiTesto 8"/>
+          <p:cNvSpPr txBox="1"/>
+          <p:nvPr/>
+        </p:nvSpPr>
+        <p:spPr>
+          <a:xfrm>
+            <a:off x="5929322" y="3429000"/>
+            <a:ext cx="2874313" cy="646331"/>
+          </a:xfrm>
+          <a:prstGeom prst="rect">
+            <a:avLst/>
+          </a:prstGeom>
+          <a:noFill/>
+        </p:spPr>
+        <p:txBody>
+          <a:bodyPr wrap="none" rtlCol="0">
+            <a:spAutoFit/>
+          </a:bodyPr>
+          <a:lstStyle/>
+          <a:p>
+            <a:r>
+              <a:rPr lang="it-IT" dirty="0" smtClean="0"/>
+              <a:t>Sono le varie notifiche che il </a:t>
+            </a:r>
+          </a:p>
+          <a:p>
+            <a:r>
+              <a:rPr lang="it-IT" dirty="0" smtClean="0"/>
+              <a:t>sistema </a:t>
+            </a:r>
+            <a:r>
+              <a:rPr lang="it-IT" dirty="0" err="1" smtClean="0"/>
+              <a:t>puòinviare</a:t>
+            </a:r>
+            <a:endParaRPr lang="it-IT" dirty="0"/>
           </a:p>
         </p:txBody>
       </p:sp>
     </p:spTree>
-    <p:extLst>
-      <p:ext uri="{BB962C8B-B14F-4D97-AF65-F5344CB8AC3E}">
-        <p14:creationId xmlns:p14="http://schemas.microsoft.com/office/powerpoint/2010/main" xmlns="" val="945142828"/>
-      </p:ext>
-    </p:extLst>
   </p:cSld>
   <p:clrMapOvr>
     <a:masterClrMapping/>
@@ -35055,7 +35561,7 @@
         </p:nvSpPr>
         <p:spPr>
           <a:xfrm>
-            <a:off x="357158" y="1795320"/>
+            <a:off x="323640" y="1795320"/>
             <a:ext cx="8177040" cy="4633560"/>
           </a:xfrm>
           <a:prstGeom prst="rect">
@@ -35089,12 +35595,34 @@
               <a:rPr lang="it-IT" sz="3200" b="1" dirty="0" smtClean="0"/>
               <a:t>Perché</a:t>
             </a:r>
-          </a:p>
-          <a:p>
-            <a:pPr lvl="1">
+            <a:endParaRPr lang="it-IT" sz="3200" dirty="0" smtClean="0"/>
+          </a:p>
+          <a:p>
+            <a:pPr>
+              <a:lnSpc>
+                <a:spcPct val="100000"/>
+              </a:lnSpc>
               <a:buSzPct val="95000"/>
             </a:pPr>
-            <a:endParaRPr lang="it-IT" sz="2800" dirty="0" smtClean="0"/>
+            <a:endParaRPr lang="it-IT" sz="3200" dirty="0" smtClean="0"/>
+          </a:p>
+          <a:p>
+            <a:pPr>
+              <a:lnSpc>
+                <a:spcPct val="100000"/>
+              </a:lnSpc>
+              <a:buSzPct val="95000"/>
+            </a:pPr>
+            <a:endParaRPr lang="it-IT" sz="3200" dirty="0" smtClean="0"/>
+          </a:p>
+          <a:p>
+            <a:pPr>
+              <a:lnSpc>
+                <a:spcPct val="100000"/>
+              </a:lnSpc>
+              <a:buSzPct val="95000"/>
+            </a:pPr>
+            <a:endParaRPr lang="it-IT" sz="3200" dirty="0" smtClean="0"/>
           </a:p>
           <a:p>
             <a:pPr lvl="1">
@@ -35104,25 +35632,8 @@
             </a:pPr>
             <a:r>
               <a:rPr lang="it-IT" sz="2800" dirty="0" smtClean="0"/>
-              <a:t> il </a:t>
-            </a:r>
-            <a:r>
-              <a:rPr lang="it-IT" sz="2800" dirty="0" err="1" smtClean="0"/>
-              <a:t>controlMail</a:t>
-            </a:r>
-            <a:r>
-              <a:rPr lang="it-IT" sz="2800" dirty="0" smtClean="0"/>
-              <a:t> usa un solo metodo di invio senza badare al tipo di notifica, utilizza un oggetto </a:t>
-            </a:r>
-            <a:r>
-              <a:rPr lang="it-IT" sz="2800" dirty="0" err="1" smtClean="0"/>
-              <a:t>NotificaMail</a:t>
-            </a:r>
-            <a:r>
-              <a:rPr lang="it-IT" sz="2800" dirty="0" smtClean="0"/>
-              <a:t>.</a:t>
-            </a:r>
-            <a:endParaRPr sz="2800" dirty="0"/>
+              <a:t> ci permette di inserire altri messaggi in modo semplice  e senza causare molti cambiamenti nel sistema, così come modificare quelli già esistenti.</a:t>
+            </a:r>
           </a:p>
         </p:txBody>
       </p:sp>
@@ -35151,20 +35662,14 @@
               </a:lnSpc>
             </a:pPr>
             <a:r>
-              <a:rPr lang="it-IT" sz="4800" b="1" smtClean="0">
+              <a:rPr lang="it-IT" sz="4800" b="1" dirty="0" smtClean="0">
                 <a:solidFill>
                   <a:srgbClr val="000000"/>
                 </a:solidFill>
                 <a:latin typeface="Calibri"/>
               </a:rPr>
-              <a:t>Perché Bridge?</a:t>
-            </a:r>
-            <a:endParaRPr lang="it-IT" sz="4800" b="1" dirty="0" smtClean="0">
-              <a:solidFill>
-                <a:srgbClr val="000000"/>
-              </a:solidFill>
-              <a:latin typeface="Calibri"/>
-            </a:endParaRPr>
+              <a:t>PERCHE’ BRIDGE?</a:t>
+            </a:r>
           </a:p>
           <a:p>
             <a:pPr algn="ctr">
@@ -35179,18 +35684,39 @@
                 </a:solidFill>
                 <a:latin typeface="Calibri"/>
               </a:rPr>
-              <a:t>(2)</a:t>
-            </a:r>
-            <a:endParaRPr sz="3000" dirty="0"/>
+              <a:t>(1)</a:t>
+            </a:r>
+            <a:endParaRPr sz="3000"/>
           </a:p>
         </p:txBody>
       </p:sp>
+      <p:pic>
+        <p:nvPicPr>
+          <p:cNvPr id="6146" name="Picture 2" descr="C:\Documents and Settings\Frank\Desktop\angolo-dell-omino.gif"/>
+          <p:cNvPicPr>
+            <a:picLocks noChangeAspect="1" noChangeArrowheads="1"/>
+          </p:cNvPicPr>
+          <p:nvPr/>
+        </p:nvPicPr>
+        <p:blipFill>
+          <a:blip r:embed="rId2"/>
+          <a:srcRect/>
+          <a:stretch>
+            <a:fillRect/>
+          </a:stretch>
+        </p:blipFill>
+        <p:spPr bwMode="auto">
+          <a:xfrm>
+            <a:off x="6429388" y="1571612"/>
+            <a:ext cx="2484041" cy="2500330"/>
+          </a:xfrm>
+          <a:prstGeom prst="rect">
+            <a:avLst/>
+          </a:prstGeom>
+          <a:noFill/>
+        </p:spPr>
+      </p:pic>
     </p:spTree>
-    <p:extLst>
-      <p:ext uri="{BB962C8B-B14F-4D97-AF65-F5344CB8AC3E}">
-        <p14:creationId xmlns:p14="http://schemas.microsoft.com/office/powerpoint/2010/main" xmlns="" val="3313297802"/>
-      </p:ext>
-    </p:extLst>
   </p:cSld>
   <p:clrMapOvr>
     <a:masterClrMapping/>
@@ -35242,6 +35768,1270 @@
           <a:chExt cx="0" cy="0"/>
         </a:xfrm>
       </p:grpSpPr>
+      <p:sp>
+        <p:nvSpPr>
+          <p:cNvPr id="48" name="CustomShape 1"/>
+          <p:cNvSpPr/>
+          <p:nvPr/>
+        </p:nvSpPr>
+        <p:spPr>
+          <a:xfrm>
+            <a:off x="1671480" y="476640"/>
+            <a:ext cx="5540040" cy="1521720"/>
+          </a:xfrm>
+          <a:prstGeom prst="rect">
+            <a:avLst/>
+          </a:prstGeom>
+        </p:spPr>
+        <p:txBody>
+          <a:bodyPr wrap="none" lIns="90000" tIns="45000" rIns="90000" bIns="45000"/>
+          <a:lstStyle/>
+          <a:p>
+            <a:pPr algn="ctr">
+              <a:lnSpc>
+                <a:spcPct val="100000"/>
+              </a:lnSpc>
+            </a:pPr>
+            <a:endParaRPr/>
+          </a:p>
+          <a:p>
+            <a:pPr algn="ctr">
+              <a:lnSpc>
+                <a:spcPct val="100000"/>
+              </a:lnSpc>
+            </a:pPr>
+            <a:endParaRPr/>
+          </a:p>
+          <a:p>
+            <a:pPr algn="ctr">
+              <a:lnSpc>
+                <a:spcPct val="100000"/>
+              </a:lnSpc>
+            </a:pPr>
+            <a:endParaRPr/>
+          </a:p>
+        </p:txBody>
+      </p:sp>
+      <p:sp>
+        <p:nvSpPr>
+          <p:cNvPr id="49" name="CustomShape 2"/>
+          <p:cNvSpPr/>
+          <p:nvPr/>
+        </p:nvSpPr>
+        <p:spPr>
+          <a:xfrm>
+            <a:off x="357158" y="1795320"/>
+            <a:ext cx="8177040" cy="4633560"/>
+          </a:xfrm>
+          <a:prstGeom prst="rect">
+            <a:avLst/>
+          </a:prstGeom>
+        </p:spPr>
+        <p:txBody>
+          <a:bodyPr lIns="90000" tIns="0" rIns="90000" bIns="45000"/>
+          <a:lstStyle/>
+          <a:p>
+            <a:pPr>
+              <a:lnSpc>
+                <a:spcPct val="100000"/>
+              </a:lnSpc>
+              <a:buSzPct val="95000"/>
+              <a:buFont typeface="Wingdings" pitchFamily="2" charset="2"/>
+              <a:buChar char="v"/>
+            </a:pPr>
+            <a:endParaRPr lang="it-IT" sz="3200" b="1" dirty="0" smtClean="0"/>
+          </a:p>
+          <a:p>
+            <a:pPr>
+              <a:lnSpc>
+                <a:spcPct val="100000"/>
+              </a:lnSpc>
+              <a:buSzPct val="95000"/>
+              <a:buFont typeface="Wingdings" pitchFamily="2" charset="2"/>
+              <a:buChar char="v"/>
+            </a:pPr>
+            <a:r>
+              <a:rPr lang="it-IT" sz="3200" b="1" dirty="0" smtClean="0"/>
+              <a:t>Perché</a:t>
+            </a:r>
+          </a:p>
+          <a:p>
+            <a:pPr lvl="1">
+              <a:buSzPct val="95000"/>
+            </a:pPr>
+            <a:endParaRPr lang="it-IT" sz="2800" dirty="0" smtClean="0"/>
+          </a:p>
+          <a:p>
+            <a:pPr lvl="1">
+              <a:buSzPct val="95000"/>
+            </a:pPr>
+            <a:endParaRPr lang="it-IT" sz="2800" dirty="0" smtClean="0"/>
+          </a:p>
+          <a:p>
+            <a:pPr lvl="1">
+              <a:buSzPct val="95000"/>
+              <a:buFont typeface="Arial" pitchFamily="34" charset="0"/>
+              <a:buChar char="•"/>
+            </a:pPr>
+            <a:r>
+              <a:rPr lang="it-IT" sz="2800" dirty="0" smtClean="0"/>
+              <a:t> il </a:t>
+            </a:r>
+            <a:r>
+              <a:rPr lang="it-IT" sz="2800" dirty="0" err="1" smtClean="0"/>
+              <a:t>controlMail</a:t>
+            </a:r>
+            <a:r>
+              <a:rPr lang="it-IT" sz="2800" dirty="0" smtClean="0"/>
+              <a:t> può usare un solo metodo di invio senza badare al tipo di notifica, infatti prende in input un oggetto MESSAGGIO.</a:t>
+            </a:r>
+            <a:endParaRPr sz="2800" dirty="0"/>
+          </a:p>
+        </p:txBody>
+      </p:sp>
+      <p:sp>
+        <p:nvSpPr>
+          <p:cNvPr id="50" name="TextShape 3"/>
+          <p:cNvSpPr txBox="1"/>
+          <p:nvPr/>
+        </p:nvSpPr>
+        <p:spPr>
+          <a:xfrm>
+            <a:off x="1166040" y="864000"/>
+            <a:ext cx="6753960" cy="1368000"/>
+          </a:xfrm>
+          <a:prstGeom prst="rect">
+            <a:avLst/>
+          </a:prstGeom>
+        </p:spPr>
+        <p:txBody>
+          <a:bodyPr wrap="none" lIns="90000" tIns="45000" rIns="90000" bIns="45000"/>
+          <a:lstStyle/>
+          <a:p>
+            <a:pPr algn="ctr">
+              <a:lnSpc>
+                <a:spcPct val="100000"/>
+              </a:lnSpc>
+            </a:pPr>
+            <a:r>
+              <a:rPr lang="it-IT" sz="4800" b="1" dirty="0" smtClean="0">
+                <a:solidFill>
+                  <a:srgbClr val="000000"/>
+                </a:solidFill>
+                <a:latin typeface="Calibri"/>
+              </a:rPr>
+              <a:t>PERCHE’ BRIDGE?</a:t>
+            </a:r>
+          </a:p>
+          <a:p>
+            <a:pPr algn="ctr">
+              <a:lnSpc>
+                <a:spcPct val="100000"/>
+              </a:lnSpc>
+            </a:pPr>
+            <a:r>
+              <a:rPr lang="it-IT" sz="3000" dirty="0" smtClean="0">
+                <a:solidFill>
+                  <a:srgbClr val="000000"/>
+                </a:solidFill>
+                <a:latin typeface="Calibri"/>
+              </a:rPr>
+              <a:t>(2)</a:t>
+            </a:r>
+            <a:endParaRPr sz="3000"/>
+          </a:p>
+        </p:txBody>
+      </p:sp>
+    </p:spTree>
+  </p:cSld>
+  <p:clrMapOvr>
+    <a:masterClrMapping/>
+  </p:clrMapOvr>
+  <p:timing>
+    <p:tnLst>
+      <p:par>
+        <p:cTn id="1" dur="indefinite" restart="never" nodeType="tmRoot">
+          <p:childTnLst>
+            <p:seq>
+              <p:cTn id="2" nodeType="mainSeq"/>
+              <p:prevCondLst>
+                <p:cond evt="onPrev" delay="0">
+                  <p:tgtEl>
+                    <p:sldTgt/>
+                  </p:tgtEl>
+                </p:cond>
+              </p:prevCondLst>
+              <p:nextCondLst>
+                <p:cond evt="onNext" delay="0">
+                  <p:tgtEl>
+                    <p:sldTgt/>
+                  </p:tgtEl>
+                </p:cond>
+              </p:nextCondLst>
+            </p:seq>
+          </p:childTnLst>
+        </p:cTn>
+      </p:par>
+    </p:tnLst>
+  </p:timing>
+</p:sld>
+</file>
+
+<file path=ppt/slides/slide94.xml><?xml version="1.0" encoding="utf-8"?>
+<p:sld xmlns:a="http://schemas.openxmlformats.org/drawingml/2006/main" xmlns:r="http://schemas.openxmlformats.org/officeDocument/2006/relationships" xmlns:p="http://schemas.openxmlformats.org/presentationml/2006/main">
+  <p:cSld>
+    <p:spTree>
+      <p:nvGrpSpPr>
+        <p:cNvPr id="1" name=""/>
+        <p:cNvGrpSpPr/>
+        <p:nvPr/>
+      </p:nvGrpSpPr>
+      <p:grpSpPr>
+        <a:xfrm>
+          <a:off x="0" y="0"/>
+          <a:ext cx="0" cy="0"/>
+          <a:chOff x="0" y="0"/>
+          <a:chExt cx="0" cy="0"/>
+        </a:xfrm>
+      </p:grpSpPr>
+      <p:sp>
+        <p:nvSpPr>
+          <p:cNvPr id="48" name="CustomShape 1"/>
+          <p:cNvSpPr/>
+          <p:nvPr/>
+        </p:nvSpPr>
+        <p:spPr>
+          <a:xfrm>
+            <a:off x="1671480" y="476640"/>
+            <a:ext cx="5540040" cy="1521720"/>
+          </a:xfrm>
+          <a:prstGeom prst="rect">
+            <a:avLst/>
+          </a:prstGeom>
+        </p:spPr>
+        <p:txBody>
+          <a:bodyPr wrap="none" lIns="90000" tIns="45000" rIns="90000" bIns="45000"/>
+          <a:lstStyle/>
+          <a:p>
+            <a:pPr algn="ctr">
+              <a:lnSpc>
+                <a:spcPct val="100000"/>
+              </a:lnSpc>
+            </a:pPr>
+            <a:endParaRPr/>
+          </a:p>
+          <a:p>
+            <a:pPr algn="ctr">
+              <a:lnSpc>
+                <a:spcPct val="100000"/>
+              </a:lnSpc>
+            </a:pPr>
+            <a:endParaRPr/>
+          </a:p>
+          <a:p>
+            <a:pPr algn="ctr">
+              <a:lnSpc>
+                <a:spcPct val="100000"/>
+              </a:lnSpc>
+            </a:pPr>
+            <a:endParaRPr/>
+          </a:p>
+        </p:txBody>
+      </p:sp>
+      <p:sp>
+        <p:nvSpPr>
+          <p:cNvPr id="49" name="CustomShape 2"/>
+          <p:cNvSpPr/>
+          <p:nvPr/>
+        </p:nvSpPr>
+        <p:spPr>
+          <a:xfrm>
+            <a:off x="357158" y="1795320"/>
+            <a:ext cx="8177040" cy="4633560"/>
+          </a:xfrm>
+          <a:prstGeom prst="rect">
+            <a:avLst/>
+          </a:prstGeom>
+        </p:spPr>
+        <p:txBody>
+          <a:bodyPr lIns="90000" tIns="0" rIns="90000" bIns="45000"/>
+          <a:lstStyle/>
+          <a:p>
+            <a:pPr>
+              <a:lnSpc>
+                <a:spcPct val="100000"/>
+              </a:lnSpc>
+              <a:buSzPct val="95000"/>
+              <a:buFont typeface="Wingdings" pitchFamily="2" charset="2"/>
+              <a:buChar char="v"/>
+            </a:pPr>
+            <a:endParaRPr lang="it-IT" sz="3200" b="1" dirty="0" smtClean="0"/>
+          </a:p>
+          <a:p>
+            <a:pPr>
+              <a:lnSpc>
+                <a:spcPct val="100000"/>
+              </a:lnSpc>
+              <a:buSzPct val="95000"/>
+              <a:buFont typeface="Wingdings" pitchFamily="2" charset="2"/>
+              <a:buChar char="v"/>
+            </a:pPr>
+            <a:r>
+              <a:rPr lang="it-IT" sz="3200" b="1" dirty="0" smtClean="0"/>
+              <a:t>Perché usarlo?</a:t>
+            </a:r>
+          </a:p>
+          <a:p>
+            <a:pPr>
+              <a:lnSpc>
+                <a:spcPct val="100000"/>
+              </a:lnSpc>
+              <a:buSzPct val="95000"/>
+              <a:buFont typeface="Wingdings" pitchFamily="2" charset="2"/>
+              <a:buChar char="v"/>
+            </a:pPr>
+            <a:endParaRPr lang="it-IT" sz="3200" b="1" dirty="0" smtClean="0"/>
+          </a:p>
+          <a:p>
+            <a:pPr>
+              <a:lnSpc>
+                <a:spcPct val="100000"/>
+              </a:lnSpc>
+              <a:buSzPct val="95000"/>
+            </a:pPr>
+            <a:endParaRPr lang="it-IT" sz="2800" dirty="0" smtClean="0"/>
+          </a:p>
+          <a:p>
+            <a:pPr lvl="1">
+              <a:buSzPct val="95000"/>
+              <a:buFont typeface="Arial" pitchFamily="34" charset="0"/>
+              <a:buChar char="•"/>
+            </a:pPr>
+            <a:r>
+              <a:rPr lang="it-IT" sz="2800" dirty="0" smtClean="0"/>
+              <a:t> Abbiamo usato </a:t>
+            </a:r>
+            <a:r>
+              <a:rPr lang="it-IT" sz="2800" dirty="0" err="1" smtClean="0"/>
+              <a:t>Junit</a:t>
+            </a:r>
+            <a:r>
+              <a:rPr lang="it-IT" sz="2800" dirty="0" smtClean="0"/>
+              <a:t> per fare i test di unità su ogni classe.</a:t>
+            </a:r>
+            <a:endParaRPr sz="2800" dirty="0"/>
+          </a:p>
+        </p:txBody>
+      </p:sp>
+      <p:sp>
+        <p:nvSpPr>
+          <p:cNvPr id="50" name="TextShape 3"/>
+          <p:cNvSpPr txBox="1"/>
+          <p:nvPr/>
+        </p:nvSpPr>
+        <p:spPr>
+          <a:xfrm>
+            <a:off x="1166040" y="864000"/>
+            <a:ext cx="6753960" cy="1368000"/>
+          </a:xfrm>
+          <a:prstGeom prst="rect">
+            <a:avLst/>
+          </a:prstGeom>
+        </p:spPr>
+        <p:txBody>
+          <a:bodyPr wrap="none" lIns="90000" tIns="45000" rIns="90000" bIns="45000"/>
+          <a:lstStyle/>
+          <a:p>
+            <a:pPr algn="ctr">
+              <a:lnSpc>
+                <a:spcPct val="100000"/>
+              </a:lnSpc>
+            </a:pPr>
+            <a:r>
+              <a:rPr lang="it-IT" sz="4800" b="1" dirty="0" smtClean="0">
+                <a:solidFill>
+                  <a:srgbClr val="000000"/>
+                </a:solidFill>
+              </a:rPr>
+              <a:t>JUNIT</a:t>
+            </a:r>
+          </a:p>
+          <a:p>
+            <a:pPr algn="ctr"/>
+            <a:r>
+              <a:rPr lang="it-IT" sz="2800" b="1" dirty="0" smtClean="0">
+                <a:solidFill>
+                  <a:srgbClr val="000000"/>
+                </a:solidFill>
+              </a:rPr>
+              <a:t>(TEST D’ UNITA’ E INTEGRAZIONE)</a:t>
+            </a:r>
+          </a:p>
+          <a:p>
+            <a:pPr algn="ctr">
+              <a:lnSpc>
+                <a:spcPct val="100000"/>
+              </a:lnSpc>
+            </a:pPr>
+            <a:endParaRPr lang="it-IT" sz="4800" b="1" dirty="0" smtClean="0">
+              <a:solidFill>
+                <a:srgbClr val="000000"/>
+              </a:solidFill>
+            </a:endParaRPr>
+          </a:p>
+          <a:p>
+            <a:pPr algn="ctr">
+              <a:lnSpc>
+                <a:spcPct val="100000"/>
+              </a:lnSpc>
+            </a:pPr>
+            <a:endParaRPr sz="3000"/>
+          </a:p>
+        </p:txBody>
+      </p:sp>
+    </p:spTree>
+  </p:cSld>
+  <p:clrMapOvr>
+    <a:masterClrMapping/>
+  </p:clrMapOvr>
+  <p:timing>
+    <p:tnLst>
+      <p:par>
+        <p:cTn id="1" dur="indefinite" restart="never" nodeType="tmRoot">
+          <p:childTnLst>
+            <p:seq>
+              <p:cTn id="2" nodeType="mainSeq"/>
+              <p:prevCondLst>
+                <p:cond evt="onPrev" delay="0">
+                  <p:tgtEl>
+                    <p:sldTgt/>
+                  </p:tgtEl>
+                </p:cond>
+              </p:prevCondLst>
+              <p:nextCondLst>
+                <p:cond evt="onNext" delay="0">
+                  <p:tgtEl>
+                    <p:sldTgt/>
+                  </p:tgtEl>
+                </p:cond>
+              </p:nextCondLst>
+            </p:seq>
+          </p:childTnLst>
+        </p:cTn>
+      </p:par>
+    </p:tnLst>
+  </p:timing>
+</p:sld>
+</file>
+
+<file path=ppt/slides/slide95.xml><?xml version="1.0" encoding="utf-8"?>
+<p:sld xmlns:a="http://schemas.openxmlformats.org/drawingml/2006/main" xmlns:r="http://schemas.openxmlformats.org/officeDocument/2006/relationships" xmlns:p="http://schemas.openxmlformats.org/presentationml/2006/main">
+  <p:cSld>
+    <p:spTree>
+      <p:nvGrpSpPr>
+        <p:cNvPr id="1" name=""/>
+        <p:cNvGrpSpPr/>
+        <p:nvPr/>
+      </p:nvGrpSpPr>
+      <p:grpSpPr>
+        <a:xfrm>
+          <a:off x="0" y="0"/>
+          <a:ext cx="0" cy="0"/>
+          <a:chOff x="0" y="0"/>
+          <a:chExt cx="0" cy="0"/>
+        </a:xfrm>
+      </p:grpSpPr>
+      <p:sp>
+        <p:nvSpPr>
+          <p:cNvPr id="48" name="CustomShape 1"/>
+          <p:cNvSpPr/>
+          <p:nvPr/>
+        </p:nvSpPr>
+        <p:spPr>
+          <a:xfrm>
+            <a:off x="1671480" y="476640"/>
+            <a:ext cx="5540040" cy="1521720"/>
+          </a:xfrm>
+          <a:prstGeom prst="rect">
+            <a:avLst/>
+          </a:prstGeom>
+        </p:spPr>
+        <p:txBody>
+          <a:bodyPr wrap="none" lIns="90000" tIns="45000" rIns="90000" bIns="45000"/>
+          <a:lstStyle/>
+          <a:p>
+            <a:pPr algn="ctr">
+              <a:lnSpc>
+                <a:spcPct val="100000"/>
+              </a:lnSpc>
+            </a:pPr>
+            <a:endParaRPr/>
+          </a:p>
+          <a:p>
+            <a:pPr algn="ctr">
+              <a:lnSpc>
+                <a:spcPct val="100000"/>
+              </a:lnSpc>
+            </a:pPr>
+            <a:endParaRPr/>
+          </a:p>
+          <a:p>
+            <a:pPr algn="ctr">
+              <a:lnSpc>
+                <a:spcPct val="100000"/>
+              </a:lnSpc>
+            </a:pPr>
+            <a:endParaRPr/>
+          </a:p>
+        </p:txBody>
+      </p:sp>
+      <p:sp>
+        <p:nvSpPr>
+          <p:cNvPr id="49" name="CustomShape 2"/>
+          <p:cNvSpPr/>
+          <p:nvPr/>
+        </p:nvSpPr>
+        <p:spPr>
+          <a:xfrm>
+            <a:off x="357158" y="1795320"/>
+            <a:ext cx="8177040" cy="4633560"/>
+          </a:xfrm>
+          <a:prstGeom prst="rect">
+            <a:avLst/>
+          </a:prstGeom>
+        </p:spPr>
+        <p:txBody>
+          <a:bodyPr lIns="90000" tIns="0" rIns="90000" bIns="45000"/>
+          <a:lstStyle/>
+          <a:p>
+            <a:pPr>
+              <a:lnSpc>
+                <a:spcPct val="100000"/>
+              </a:lnSpc>
+              <a:buSzPct val="95000"/>
+              <a:buFont typeface="Wingdings" pitchFamily="2" charset="2"/>
+              <a:buChar char="v"/>
+            </a:pPr>
+            <a:endParaRPr lang="it-IT" sz="3200" b="1" dirty="0" smtClean="0"/>
+          </a:p>
+          <a:p>
+            <a:pPr>
+              <a:lnSpc>
+                <a:spcPct val="100000"/>
+              </a:lnSpc>
+              <a:buSzPct val="95000"/>
+              <a:buFont typeface="Wingdings" pitchFamily="2" charset="2"/>
+              <a:buChar char="v"/>
+            </a:pPr>
+            <a:r>
+              <a:rPr lang="it-IT" sz="3200" b="1" dirty="0" smtClean="0"/>
+              <a:t>Cosa fa?</a:t>
+            </a:r>
+          </a:p>
+          <a:p>
+            <a:pPr lvl="1">
+              <a:buSzPct val="95000"/>
+              <a:buFont typeface="Arial" pitchFamily="34" charset="0"/>
+              <a:buChar char="•"/>
+            </a:pPr>
+            <a:endParaRPr lang="it-IT" sz="2800" dirty="0" smtClean="0"/>
+          </a:p>
+          <a:p>
+            <a:pPr lvl="1">
+              <a:buSzPct val="95000"/>
+            </a:pPr>
+            <a:endParaRPr lang="it-IT" sz="2800" dirty="0" smtClean="0"/>
+          </a:p>
+          <a:p>
+            <a:pPr lvl="1">
+              <a:buSzPct val="95000"/>
+              <a:buFont typeface="Arial" pitchFamily="34" charset="0"/>
+              <a:buChar char="•"/>
+            </a:pPr>
+            <a:r>
+              <a:rPr lang="it-IT" sz="2800" dirty="0" smtClean="0"/>
+              <a:t>Il </a:t>
+            </a:r>
+            <a:r>
+              <a:rPr lang="it-IT" sz="2800" dirty="0" err="1" smtClean="0"/>
+              <a:t>junit</a:t>
+            </a:r>
+            <a:r>
+              <a:rPr lang="it-IT" sz="2800" dirty="0" smtClean="0"/>
+              <a:t> test non è altro che un insieme di diversi metodi che vanno a verificare gli input della classe presa in esame.</a:t>
+            </a:r>
+          </a:p>
+        </p:txBody>
+      </p:sp>
+      <p:sp>
+        <p:nvSpPr>
+          <p:cNvPr id="50" name="TextShape 3"/>
+          <p:cNvSpPr txBox="1"/>
+          <p:nvPr/>
+        </p:nvSpPr>
+        <p:spPr>
+          <a:xfrm>
+            <a:off x="1166040" y="864000"/>
+            <a:ext cx="6753960" cy="1368000"/>
+          </a:xfrm>
+          <a:prstGeom prst="rect">
+            <a:avLst/>
+          </a:prstGeom>
+        </p:spPr>
+        <p:txBody>
+          <a:bodyPr wrap="none" lIns="90000" tIns="45000" rIns="90000" bIns="45000"/>
+          <a:lstStyle/>
+          <a:p>
+            <a:pPr algn="ctr">
+              <a:lnSpc>
+                <a:spcPct val="100000"/>
+              </a:lnSpc>
+            </a:pPr>
+            <a:r>
+              <a:rPr lang="it-IT" sz="4800" b="1" dirty="0" smtClean="0">
+                <a:solidFill>
+                  <a:srgbClr val="000000"/>
+                </a:solidFill>
+              </a:rPr>
+              <a:t>JUNIT</a:t>
+            </a:r>
+          </a:p>
+          <a:p>
+            <a:pPr algn="ctr"/>
+            <a:r>
+              <a:rPr lang="it-IT" sz="2800" b="1" dirty="0" smtClean="0">
+                <a:solidFill>
+                  <a:srgbClr val="000000"/>
+                </a:solidFill>
+              </a:rPr>
+              <a:t>(TEST D’ UNITA’ E INTEGRAZIONE)</a:t>
+            </a:r>
+          </a:p>
+          <a:p>
+            <a:pPr algn="ctr">
+              <a:lnSpc>
+                <a:spcPct val="100000"/>
+              </a:lnSpc>
+            </a:pPr>
+            <a:endParaRPr lang="it-IT" sz="4800" b="1" dirty="0" smtClean="0">
+              <a:solidFill>
+                <a:srgbClr val="000000"/>
+              </a:solidFill>
+            </a:endParaRPr>
+          </a:p>
+          <a:p>
+            <a:pPr algn="ctr">
+              <a:lnSpc>
+                <a:spcPct val="100000"/>
+              </a:lnSpc>
+            </a:pPr>
+            <a:endParaRPr sz="3000"/>
+          </a:p>
+        </p:txBody>
+      </p:sp>
+      <p:pic>
+        <p:nvPicPr>
+          <p:cNvPr id="8194" name="Picture 2" descr="C:\Documents and Settings\Frank\Desktop\omino_di_pongo.jpg"/>
+          <p:cNvPicPr>
+            <a:picLocks noChangeAspect="1" noChangeArrowheads="1"/>
+          </p:cNvPicPr>
+          <p:nvPr/>
+        </p:nvPicPr>
+        <p:blipFill>
+          <a:blip r:embed="rId2"/>
+          <a:srcRect/>
+          <a:stretch>
+            <a:fillRect/>
+          </a:stretch>
+        </p:blipFill>
+        <p:spPr bwMode="auto">
+          <a:xfrm>
+            <a:off x="6357950" y="4429132"/>
+            <a:ext cx="2143116" cy="2143116"/>
+          </a:xfrm>
+          <a:prstGeom prst="rect">
+            <a:avLst/>
+          </a:prstGeom>
+          <a:noFill/>
+        </p:spPr>
+      </p:pic>
+    </p:spTree>
+  </p:cSld>
+  <p:clrMapOvr>
+    <a:masterClrMapping/>
+  </p:clrMapOvr>
+  <p:timing>
+    <p:tnLst>
+      <p:par>
+        <p:cTn id="1" dur="indefinite" restart="never" nodeType="tmRoot">
+          <p:childTnLst>
+            <p:seq>
+              <p:cTn id="2" nodeType="mainSeq"/>
+              <p:prevCondLst>
+                <p:cond evt="onPrev" delay="0">
+                  <p:tgtEl>
+                    <p:sldTgt/>
+                  </p:tgtEl>
+                </p:cond>
+              </p:prevCondLst>
+              <p:nextCondLst>
+                <p:cond evt="onNext" delay="0">
+                  <p:tgtEl>
+                    <p:sldTgt/>
+                  </p:tgtEl>
+                </p:cond>
+              </p:nextCondLst>
+            </p:seq>
+          </p:childTnLst>
+        </p:cTn>
+      </p:par>
+    </p:tnLst>
+  </p:timing>
+</p:sld>
+</file>
+
+<file path=ppt/slides/slide96.xml><?xml version="1.0" encoding="utf-8"?>
+<p:sld xmlns:a="http://schemas.openxmlformats.org/drawingml/2006/main" xmlns:r="http://schemas.openxmlformats.org/officeDocument/2006/relationships" xmlns:p="http://schemas.openxmlformats.org/presentationml/2006/main">
+  <p:cSld>
+    <p:spTree>
+      <p:nvGrpSpPr>
+        <p:cNvPr id="1" name=""/>
+        <p:cNvGrpSpPr/>
+        <p:nvPr/>
+      </p:nvGrpSpPr>
+      <p:grpSpPr>
+        <a:xfrm>
+          <a:off x="0" y="0"/>
+          <a:ext cx="0" cy="0"/>
+          <a:chOff x="0" y="0"/>
+          <a:chExt cx="0" cy="0"/>
+        </a:xfrm>
+      </p:grpSpPr>
+      <p:sp>
+        <p:nvSpPr>
+          <p:cNvPr id="48" name="CustomShape 1"/>
+          <p:cNvSpPr/>
+          <p:nvPr/>
+        </p:nvSpPr>
+        <p:spPr>
+          <a:xfrm>
+            <a:off x="1671480" y="476640"/>
+            <a:ext cx="5540040" cy="1521720"/>
+          </a:xfrm>
+          <a:prstGeom prst="rect">
+            <a:avLst/>
+          </a:prstGeom>
+        </p:spPr>
+        <p:txBody>
+          <a:bodyPr wrap="none" lIns="90000" tIns="45000" rIns="90000" bIns="45000"/>
+          <a:lstStyle/>
+          <a:p>
+            <a:pPr algn="ctr">
+              <a:lnSpc>
+                <a:spcPct val="100000"/>
+              </a:lnSpc>
+            </a:pPr>
+            <a:endParaRPr/>
+          </a:p>
+          <a:p>
+            <a:pPr algn="ctr">
+              <a:lnSpc>
+                <a:spcPct val="100000"/>
+              </a:lnSpc>
+            </a:pPr>
+            <a:endParaRPr/>
+          </a:p>
+          <a:p>
+            <a:pPr algn="ctr">
+              <a:lnSpc>
+                <a:spcPct val="100000"/>
+              </a:lnSpc>
+            </a:pPr>
+            <a:endParaRPr/>
+          </a:p>
+        </p:txBody>
+      </p:sp>
+      <p:sp>
+        <p:nvSpPr>
+          <p:cNvPr id="49" name="CustomShape 2"/>
+          <p:cNvSpPr/>
+          <p:nvPr/>
+        </p:nvSpPr>
+        <p:spPr>
+          <a:xfrm>
+            <a:off x="357158" y="1795320"/>
+            <a:ext cx="8177040" cy="4633560"/>
+          </a:xfrm>
+          <a:prstGeom prst="rect">
+            <a:avLst/>
+          </a:prstGeom>
+        </p:spPr>
+        <p:txBody>
+          <a:bodyPr lIns="90000" tIns="0" rIns="90000" bIns="45000"/>
+          <a:lstStyle/>
+          <a:p>
+            <a:pPr>
+              <a:lnSpc>
+                <a:spcPct val="100000"/>
+              </a:lnSpc>
+              <a:buSzPct val="95000"/>
+              <a:buFont typeface="Wingdings" pitchFamily="2" charset="2"/>
+              <a:buChar char="v"/>
+            </a:pPr>
+            <a:endParaRPr lang="it-IT" sz="3200" b="1" dirty="0" smtClean="0"/>
+          </a:p>
+          <a:p>
+            <a:pPr>
+              <a:lnSpc>
+                <a:spcPct val="100000"/>
+              </a:lnSpc>
+              <a:buSzPct val="95000"/>
+              <a:buFont typeface="Wingdings" pitchFamily="2" charset="2"/>
+              <a:buChar char="v"/>
+            </a:pPr>
+            <a:r>
+              <a:rPr lang="it-IT" sz="3200" b="1" dirty="0" smtClean="0"/>
+              <a:t>Pro</a:t>
+            </a:r>
+          </a:p>
+          <a:p>
+            <a:pPr lvl="1">
+              <a:buSzPct val="95000"/>
+              <a:buFont typeface="Arial" pitchFamily="34" charset="0"/>
+              <a:buChar char="•"/>
+            </a:pPr>
+            <a:endParaRPr lang="it-IT" sz="2800" dirty="0" smtClean="0"/>
+          </a:p>
+          <a:p>
+            <a:pPr lvl="1">
+              <a:buSzPct val="95000"/>
+              <a:buFont typeface="Arial" pitchFamily="34" charset="0"/>
+              <a:buChar char="•"/>
+            </a:pPr>
+            <a:r>
+              <a:rPr lang="it-IT" sz="2800" dirty="0" smtClean="0"/>
+              <a:t>Facilità il </a:t>
+            </a:r>
+            <a:r>
+              <a:rPr lang="it-IT" sz="2800" dirty="0" err="1" smtClean="0"/>
+              <a:t>testing</a:t>
+            </a:r>
+            <a:r>
+              <a:rPr lang="it-IT" sz="2800" dirty="0" smtClean="0"/>
+              <a:t>, permette di capire subito, quali dei vari metodi riscontra problemi sia di tipo semantico che sintattico.</a:t>
+            </a:r>
+          </a:p>
+          <a:p>
+            <a:pPr lvl="1">
+              <a:buSzPct val="95000"/>
+              <a:buFont typeface="Arial" pitchFamily="34" charset="0"/>
+              <a:buChar char="•"/>
+            </a:pPr>
+            <a:r>
+              <a:rPr lang="it-IT" sz="2800" dirty="0" smtClean="0"/>
+              <a:t>Evita di scrivere test complicati, che a loro volta verrebbero modificati  più e più volte.</a:t>
+            </a:r>
+          </a:p>
+        </p:txBody>
+      </p:sp>
+      <p:sp>
+        <p:nvSpPr>
+          <p:cNvPr id="50" name="TextShape 3"/>
+          <p:cNvSpPr txBox="1"/>
+          <p:nvPr/>
+        </p:nvSpPr>
+        <p:spPr>
+          <a:xfrm>
+            <a:off x="1166040" y="864000"/>
+            <a:ext cx="6753960" cy="1368000"/>
+          </a:xfrm>
+          <a:prstGeom prst="rect">
+            <a:avLst/>
+          </a:prstGeom>
+        </p:spPr>
+        <p:txBody>
+          <a:bodyPr wrap="none" lIns="90000" tIns="45000" rIns="90000" bIns="45000"/>
+          <a:lstStyle/>
+          <a:p>
+            <a:pPr algn="ctr">
+              <a:lnSpc>
+                <a:spcPct val="100000"/>
+              </a:lnSpc>
+            </a:pPr>
+            <a:r>
+              <a:rPr lang="it-IT" sz="4800" b="1" dirty="0" smtClean="0">
+                <a:solidFill>
+                  <a:srgbClr val="000000"/>
+                </a:solidFill>
+              </a:rPr>
+              <a:t>JUNIT</a:t>
+            </a:r>
+          </a:p>
+          <a:p>
+            <a:pPr algn="ctr"/>
+            <a:r>
+              <a:rPr lang="it-IT" sz="2800" b="1" dirty="0" smtClean="0">
+                <a:solidFill>
+                  <a:srgbClr val="000000"/>
+                </a:solidFill>
+              </a:rPr>
+              <a:t>(TEST D’ UNITA’ E INTEGRAZIONE)</a:t>
+            </a:r>
+          </a:p>
+          <a:p>
+            <a:pPr algn="ctr">
+              <a:lnSpc>
+                <a:spcPct val="100000"/>
+              </a:lnSpc>
+            </a:pPr>
+            <a:endParaRPr lang="it-IT" sz="4800" b="1" dirty="0" smtClean="0">
+              <a:solidFill>
+                <a:srgbClr val="000000"/>
+              </a:solidFill>
+            </a:endParaRPr>
+          </a:p>
+          <a:p>
+            <a:pPr algn="ctr">
+              <a:lnSpc>
+                <a:spcPct val="100000"/>
+              </a:lnSpc>
+            </a:pPr>
+            <a:endParaRPr sz="3000"/>
+          </a:p>
+        </p:txBody>
+      </p:sp>
+      <p:pic>
+        <p:nvPicPr>
+          <p:cNvPr id="9218" name="Picture 2" descr="C:\Documents and Settings\Frank\Desktop\omino.jpg"/>
+          <p:cNvPicPr>
+            <a:picLocks noChangeAspect="1" noChangeArrowheads="1"/>
+          </p:cNvPicPr>
+          <p:nvPr/>
+        </p:nvPicPr>
+        <p:blipFill>
+          <a:blip r:embed="rId2"/>
+          <a:srcRect/>
+          <a:stretch>
+            <a:fillRect/>
+          </a:stretch>
+        </p:blipFill>
+        <p:spPr bwMode="auto">
+          <a:xfrm>
+            <a:off x="7190504" y="857232"/>
+            <a:ext cx="1953496" cy="2249480"/>
+          </a:xfrm>
+          <a:prstGeom prst="rect">
+            <a:avLst/>
+          </a:prstGeom>
+          <a:noFill/>
+        </p:spPr>
+      </p:pic>
+    </p:spTree>
+  </p:cSld>
+  <p:clrMapOvr>
+    <a:masterClrMapping/>
+  </p:clrMapOvr>
+  <p:timing>
+    <p:tnLst>
+      <p:par>
+        <p:cTn id="1" dur="indefinite" restart="never" nodeType="tmRoot">
+          <p:childTnLst>
+            <p:seq>
+              <p:cTn id="2" nodeType="mainSeq"/>
+              <p:prevCondLst>
+                <p:cond evt="onPrev" delay="0">
+                  <p:tgtEl>
+                    <p:sldTgt/>
+                  </p:tgtEl>
+                </p:cond>
+              </p:prevCondLst>
+              <p:nextCondLst>
+                <p:cond evt="onNext" delay="0">
+                  <p:tgtEl>
+                    <p:sldTgt/>
+                  </p:tgtEl>
+                </p:cond>
+              </p:nextCondLst>
+            </p:seq>
+          </p:childTnLst>
+        </p:cTn>
+      </p:par>
+    </p:tnLst>
+  </p:timing>
+</p:sld>
+</file>
+
+<file path=ppt/slides/slide97.xml><?xml version="1.0" encoding="utf-8"?>
+<p:sld xmlns:a="http://schemas.openxmlformats.org/drawingml/2006/main" xmlns:r="http://schemas.openxmlformats.org/officeDocument/2006/relationships" xmlns:p="http://schemas.openxmlformats.org/presentationml/2006/main">
+  <p:cSld>
+    <p:spTree>
+      <p:nvGrpSpPr>
+        <p:cNvPr id="1" name=""/>
+        <p:cNvGrpSpPr/>
+        <p:nvPr/>
+      </p:nvGrpSpPr>
+      <p:grpSpPr>
+        <a:xfrm>
+          <a:off x="0" y="0"/>
+          <a:ext cx="0" cy="0"/>
+          <a:chOff x="0" y="0"/>
+          <a:chExt cx="0" cy="0"/>
+        </a:xfrm>
+      </p:grpSpPr>
+      <p:sp>
+        <p:nvSpPr>
+          <p:cNvPr id="48" name="CustomShape 1"/>
+          <p:cNvSpPr/>
+          <p:nvPr/>
+        </p:nvSpPr>
+        <p:spPr>
+          <a:xfrm>
+            <a:off x="1671480" y="476640"/>
+            <a:ext cx="5540040" cy="1521720"/>
+          </a:xfrm>
+          <a:prstGeom prst="rect">
+            <a:avLst/>
+          </a:prstGeom>
+        </p:spPr>
+        <p:txBody>
+          <a:bodyPr wrap="none" lIns="90000" tIns="45000" rIns="90000" bIns="45000"/>
+          <a:lstStyle/>
+          <a:p>
+            <a:pPr algn="ctr">
+              <a:lnSpc>
+                <a:spcPct val="100000"/>
+              </a:lnSpc>
+            </a:pPr>
+            <a:endParaRPr/>
+          </a:p>
+          <a:p>
+            <a:pPr algn="ctr">
+              <a:lnSpc>
+                <a:spcPct val="100000"/>
+              </a:lnSpc>
+            </a:pPr>
+            <a:endParaRPr/>
+          </a:p>
+          <a:p>
+            <a:pPr algn="ctr">
+              <a:lnSpc>
+                <a:spcPct val="100000"/>
+              </a:lnSpc>
+            </a:pPr>
+            <a:endParaRPr/>
+          </a:p>
+        </p:txBody>
+      </p:sp>
+      <p:sp>
+        <p:nvSpPr>
+          <p:cNvPr id="49" name="CustomShape 2"/>
+          <p:cNvSpPr/>
+          <p:nvPr/>
+        </p:nvSpPr>
+        <p:spPr>
+          <a:xfrm>
+            <a:off x="357158" y="1795320"/>
+            <a:ext cx="8177040" cy="4633560"/>
+          </a:xfrm>
+          <a:prstGeom prst="rect">
+            <a:avLst/>
+          </a:prstGeom>
+        </p:spPr>
+        <p:txBody>
+          <a:bodyPr lIns="90000" tIns="0" rIns="90000" bIns="45000"/>
+          <a:lstStyle/>
+          <a:p>
+            <a:pPr>
+              <a:lnSpc>
+                <a:spcPct val="100000"/>
+              </a:lnSpc>
+              <a:buSzPct val="95000"/>
+              <a:buFont typeface="Wingdings" pitchFamily="2" charset="2"/>
+              <a:buChar char="v"/>
+            </a:pPr>
+            <a:endParaRPr lang="it-IT" sz="3200" b="1" dirty="0" smtClean="0"/>
+          </a:p>
+          <a:p>
+            <a:pPr>
+              <a:lnSpc>
+                <a:spcPct val="100000"/>
+              </a:lnSpc>
+              <a:buSzPct val="95000"/>
+              <a:buFont typeface="Wingdings" pitchFamily="2" charset="2"/>
+              <a:buChar char="v"/>
+            </a:pPr>
+            <a:r>
+              <a:rPr lang="it-IT" sz="3200" b="1" dirty="0" smtClean="0"/>
+              <a:t>Contro</a:t>
+            </a:r>
+          </a:p>
+          <a:p>
+            <a:pPr>
+              <a:lnSpc>
+                <a:spcPct val="100000"/>
+              </a:lnSpc>
+              <a:buSzPct val="95000"/>
+            </a:pPr>
+            <a:endParaRPr lang="it-IT" sz="3200" b="1" dirty="0" smtClean="0"/>
+          </a:p>
+          <a:p>
+            <a:pPr lvl="1">
+              <a:buSzPct val="95000"/>
+              <a:buFont typeface="Arial" pitchFamily="34" charset="0"/>
+              <a:buChar char="•"/>
+            </a:pPr>
+            <a:r>
+              <a:rPr lang="it-IT" sz="2800" dirty="0" smtClean="0"/>
+              <a:t>L’unico contro  che abbiamo riscontrato è un approccio un po’ ostile.</a:t>
+            </a:r>
+          </a:p>
+          <a:p>
+            <a:pPr lvl="1">
+              <a:buSzPct val="95000"/>
+            </a:pPr>
+            <a:endParaRPr lang="it-IT" sz="2800" smtClean="0"/>
+          </a:p>
+          <a:p>
+            <a:pPr lvl="1">
+              <a:buSzPct val="95000"/>
+            </a:pPr>
+            <a:r>
+              <a:rPr lang="it-IT" sz="2800" smtClean="0"/>
+              <a:t>Ma </a:t>
+            </a:r>
+            <a:r>
+              <a:rPr lang="it-IT" sz="2800" dirty="0" smtClean="0"/>
+              <a:t>grazie al supporto dei nostri PM, in fine è stato utile e piacevole utilizzare </a:t>
+            </a:r>
+            <a:r>
+              <a:rPr lang="it-IT" sz="2800" dirty="0" err="1" smtClean="0"/>
+              <a:t>Junit</a:t>
+            </a:r>
+            <a:r>
+              <a:rPr lang="it-IT" sz="2800" dirty="0" smtClean="0"/>
+              <a:t>.</a:t>
+            </a:r>
+          </a:p>
+        </p:txBody>
+      </p:sp>
+      <p:sp>
+        <p:nvSpPr>
+          <p:cNvPr id="50" name="TextShape 3"/>
+          <p:cNvSpPr txBox="1"/>
+          <p:nvPr/>
+        </p:nvSpPr>
+        <p:spPr>
+          <a:xfrm>
+            <a:off x="1166040" y="864000"/>
+            <a:ext cx="6753960" cy="1368000"/>
+          </a:xfrm>
+          <a:prstGeom prst="rect">
+            <a:avLst/>
+          </a:prstGeom>
+        </p:spPr>
+        <p:txBody>
+          <a:bodyPr wrap="none" lIns="90000" tIns="45000" rIns="90000" bIns="45000"/>
+          <a:lstStyle/>
+          <a:p>
+            <a:pPr algn="ctr">
+              <a:lnSpc>
+                <a:spcPct val="100000"/>
+              </a:lnSpc>
+            </a:pPr>
+            <a:r>
+              <a:rPr lang="it-IT" sz="4800" b="1" dirty="0" smtClean="0">
+                <a:solidFill>
+                  <a:srgbClr val="000000"/>
+                </a:solidFill>
+              </a:rPr>
+              <a:t>JUNIT</a:t>
+            </a:r>
+          </a:p>
+          <a:p>
+            <a:pPr algn="ctr"/>
+            <a:r>
+              <a:rPr lang="it-IT" sz="2800" b="1" dirty="0" smtClean="0">
+                <a:solidFill>
+                  <a:srgbClr val="000000"/>
+                </a:solidFill>
+              </a:rPr>
+              <a:t>(TEST D’ UNITA’ E INTEGRAZIONE)</a:t>
+            </a:r>
+          </a:p>
+          <a:p>
+            <a:pPr algn="ctr">
+              <a:lnSpc>
+                <a:spcPct val="100000"/>
+              </a:lnSpc>
+            </a:pPr>
+            <a:endParaRPr lang="it-IT" sz="4800" b="1" dirty="0" smtClean="0">
+              <a:solidFill>
+                <a:srgbClr val="000000"/>
+              </a:solidFill>
+            </a:endParaRPr>
+          </a:p>
+          <a:p>
+            <a:pPr algn="ctr">
+              <a:lnSpc>
+                <a:spcPct val="100000"/>
+              </a:lnSpc>
+            </a:pPr>
+            <a:endParaRPr sz="3000"/>
+          </a:p>
+        </p:txBody>
+      </p:sp>
+    </p:spTree>
+  </p:cSld>
+  <p:clrMapOvr>
+    <a:masterClrMapping/>
+  </p:clrMapOvr>
+  <p:timing>
+    <p:tnLst>
+      <p:par>
+        <p:cTn id="1" dur="indefinite" restart="never" nodeType="tmRoot">
+          <p:childTnLst>
+            <p:seq>
+              <p:cTn id="2" nodeType="mainSeq"/>
+              <p:prevCondLst>
+                <p:cond evt="onPrev" delay="0">
+                  <p:tgtEl>
+                    <p:sldTgt/>
+                  </p:tgtEl>
+                </p:cond>
+              </p:prevCondLst>
+              <p:nextCondLst>
+                <p:cond evt="onNext" delay="0">
+                  <p:tgtEl>
+                    <p:sldTgt/>
+                  </p:tgtEl>
+                </p:cond>
+              </p:nextCondLst>
+            </p:seq>
+          </p:childTnLst>
+        </p:cTn>
+      </p:par>
+    </p:tnLst>
+  </p:timing>
+</p:sld>
+</file>
+
+<file path=ppt/slides/slide98.xml><?xml version="1.0" encoding="utf-8"?>
+<p:sld xmlns:a="http://schemas.openxmlformats.org/drawingml/2006/main" xmlns:r="http://schemas.openxmlformats.org/officeDocument/2006/relationships" xmlns:p="http://schemas.openxmlformats.org/presentationml/2006/main">
+  <p:cSld>
+    <p:spTree>
+      <p:nvGrpSpPr>
+        <p:cNvPr id="1" name=""/>
+        <p:cNvGrpSpPr/>
+        <p:nvPr/>
+      </p:nvGrpSpPr>
+      <p:grpSpPr>
+        <a:xfrm>
+          <a:off x="0" y="0"/>
+          <a:ext cx="0" cy="0"/>
+          <a:chOff x="0" y="0"/>
+          <a:chExt cx="0" cy="0"/>
+        </a:xfrm>
+      </p:grpSpPr>
       <p:pic>
         <p:nvPicPr>
           <p:cNvPr id="3" name="Picture 3" descr="C:\linda\uni\esami_da_svolgere\gps\progetto_gps\Atsilo\documenti_comuni\loghi\logo.png"/>
@@ -35382,7 +37172,7 @@
 </p:sld>
 </file>
 
-<file path=ppt/slides/slide94.xml><?xml version="1.0" encoding="utf-8"?>
+<file path=ppt/slides/slide99.xml><?xml version="1.0" encoding="utf-8"?>
 <p:sld xmlns:a="http://schemas.openxmlformats.org/drawingml/2006/main" xmlns:r="http://schemas.openxmlformats.org/officeDocument/2006/relationships" xmlns:p="http://schemas.openxmlformats.org/presentationml/2006/main">
   <p:cSld>
     <p:spTree>
@@ -35733,382 +37523,6 @@
     <p:extLst>
       <p:ext uri="{BB962C8B-B14F-4D97-AF65-F5344CB8AC3E}">
         <p14:creationId xmlns:p14="http://schemas.microsoft.com/office/powerpoint/2010/main" xmlns="" val="3564990699"/>
-      </p:ext>
-    </p:extLst>
-  </p:cSld>
-  <p:clrMapOvr>
-    <a:masterClrMapping/>
-  </p:clrMapOvr>
-  <mc:AlternateContent xmlns:mc="http://schemas.openxmlformats.org/markup-compatibility/2006">
-    <mc:Choice xmlns:p14="http://schemas.microsoft.com/office/powerpoint/2010/main" xmlns="" Requires="p14">
-      <p:transition spd="slow" p14:dur="2000"/>
-    </mc:Choice>
-    <mc:Fallback>
-      <p:transition spd="slow"/>
-    </mc:Fallback>
-  </mc:AlternateContent>
-  <p:timing>
-    <p:tnLst>
-      <p:par>
-        <p:cTn id="1" dur="indefinite" restart="never" nodeType="tmRoot"/>
-      </p:par>
-    </p:tnLst>
-  </p:timing>
-</p:sld>
-</file>
-
-<file path=ppt/slides/slide95.xml><?xml version="1.0" encoding="utf-8"?>
-<p:sld xmlns:a="http://schemas.openxmlformats.org/drawingml/2006/main" xmlns:r="http://schemas.openxmlformats.org/officeDocument/2006/relationships" xmlns:p="http://schemas.openxmlformats.org/presentationml/2006/main">
-  <p:cSld>
-    <p:spTree>
-      <p:nvGrpSpPr>
-        <p:cNvPr id="1" name=""/>
-        <p:cNvGrpSpPr/>
-        <p:nvPr/>
-      </p:nvGrpSpPr>
-      <p:grpSpPr>
-        <a:xfrm>
-          <a:off x="0" y="0"/>
-          <a:ext cx="0" cy="0"/>
-          <a:chOff x="0" y="0"/>
-          <a:chExt cx="0" cy="0"/>
-        </a:xfrm>
-      </p:grpSpPr>
-      <p:sp>
-        <p:nvSpPr>
-          <p:cNvPr id="2" name="CasellaDiTesto 1"/>
-          <p:cNvSpPr txBox="1"/>
-          <p:nvPr/>
-        </p:nvSpPr>
-        <p:spPr>
-          <a:xfrm>
-            <a:off x="1835696" y="0"/>
-            <a:ext cx="5400600" cy="1538883"/>
-          </a:xfrm>
-          <a:prstGeom prst="rect">
-            <a:avLst/>
-          </a:prstGeom>
-          <a:noFill/>
-        </p:spPr>
-        <p:txBody>
-          <a:bodyPr wrap="square" rtlCol="0">
-            <a:spAutoFit/>
-          </a:bodyPr>
-          <a:lstStyle/>
-          <a:p>
-            <a:pPr algn="ctr"/>
-            <a:r>
-              <a:rPr lang="it-IT" sz="4800" b="1" dirty="0" smtClean="0">
-                <a:latin typeface="+mj-lt"/>
-              </a:rPr>
-              <a:t>Progetto </a:t>
-            </a:r>
-            <a:r>
-              <a:rPr lang="it-IT" sz="4800" b="1" dirty="0" err="1" smtClean="0">
-                <a:latin typeface="+mj-lt"/>
-              </a:rPr>
-              <a:t>@silo</a:t>
-            </a:r>
-            <a:r>
-              <a:rPr lang="it-IT" sz="4800" b="1" dirty="0" smtClean="0">
-                <a:latin typeface="+mj-lt"/>
-              </a:rPr>
-              <a:t> </a:t>
-            </a:r>
-          </a:p>
-          <a:p>
-            <a:pPr algn="ctr"/>
-            <a:r>
-              <a:rPr lang="it-IT" sz="2800" b="1" dirty="0" smtClean="0">
-                <a:latin typeface="+mj-lt"/>
-              </a:rPr>
-              <a:t>Obiettivo Raggiunto? Perché?</a:t>
-            </a:r>
-          </a:p>
-          <a:p>
-            <a:pPr algn="ctr"/>
-            <a:endParaRPr lang="it-IT" dirty="0">
-              <a:latin typeface="+mj-lt"/>
-            </a:endParaRPr>
-          </a:p>
-        </p:txBody>
-      </p:sp>
-      <p:sp>
-        <p:nvSpPr>
-          <p:cNvPr id="5" name="Content Placeholder 3"/>
-          <p:cNvSpPr txBox="1">
-            <a:spLocks/>
-          </p:cNvSpPr>
-          <p:nvPr/>
-        </p:nvSpPr>
-        <p:spPr>
-          <a:xfrm>
-            <a:off x="539552" y="1268760"/>
-            <a:ext cx="8280920" cy="5400600"/>
-          </a:xfrm>
-          <a:prstGeom prst="rect">
-            <a:avLst/>
-          </a:prstGeom>
-        </p:spPr>
-        <p:txBody>
-          <a:bodyPr tIns="0"/>
-          <a:lstStyle>
-            <a:lvl1pPr marL="274320" indent="-274320" algn="l" rtl="0" eaLnBrk="1" latinLnBrk="0" hangingPunct="1">
-              <a:spcBef>
-                <a:spcPct val="20000"/>
-              </a:spcBef>
-              <a:buClrTx/>
-              <a:buSzPct val="95000"/>
-              <a:buFont typeface="Wingdings" pitchFamily="2" charset="2"/>
-              <a:buChar char="v"/>
-              <a:defRPr kumimoji="0" sz="2800" kern="1200">
-                <a:solidFill>
-                  <a:schemeClr val="tx1"/>
-                </a:solidFill>
-                <a:latin typeface="+mn-lt"/>
-                <a:ea typeface="+mn-ea"/>
-                <a:cs typeface="+mn-cs"/>
-              </a:defRPr>
-            </a:lvl1pPr>
-            <a:lvl2pPr marL="640080" indent="-246888" algn="l" rtl="0" eaLnBrk="1" latinLnBrk="0" hangingPunct="1">
-              <a:spcBef>
-                <a:spcPct val="20000"/>
-              </a:spcBef>
-              <a:buClrTx/>
-              <a:buSzPct val="85000"/>
-              <a:buFont typeface="Courier New" pitchFamily="49" charset="0"/>
-              <a:buChar char="o"/>
-              <a:defRPr kumimoji="0" sz="2600" kern="1200">
-                <a:solidFill>
-                  <a:schemeClr val="tx1"/>
-                </a:solidFill>
-                <a:latin typeface="+mn-lt"/>
-                <a:ea typeface="+mn-ea"/>
-                <a:cs typeface="+mn-cs"/>
-              </a:defRPr>
-            </a:lvl2pPr>
-            <a:lvl3pPr marL="914400" indent="-246888" algn="l" rtl="0" eaLnBrk="1" latinLnBrk="0" hangingPunct="1">
-              <a:spcBef>
-                <a:spcPct val="20000"/>
-              </a:spcBef>
-              <a:buClrTx/>
-              <a:buSzPct val="70000"/>
-              <a:buFont typeface="Wingdings 2"/>
-              <a:buChar char=""/>
-              <a:defRPr kumimoji="0" sz="2400" kern="1200">
-                <a:solidFill>
-                  <a:schemeClr val="tx1"/>
-                </a:solidFill>
-                <a:latin typeface="+mn-lt"/>
-                <a:ea typeface="+mn-ea"/>
-                <a:cs typeface="+mn-cs"/>
-              </a:defRPr>
-            </a:lvl3pPr>
-            <a:lvl4pPr marL="1188720" indent="-210312" algn="l" rtl="0" eaLnBrk="1" latinLnBrk="0" hangingPunct="1">
-              <a:spcBef>
-                <a:spcPct val="20000"/>
-              </a:spcBef>
-              <a:buClrTx/>
-              <a:buSzPct val="65000"/>
-              <a:buFont typeface="Wingdings 2"/>
-              <a:buChar char=""/>
-              <a:defRPr kumimoji="0" sz="2000" kern="1200">
-                <a:solidFill>
-                  <a:schemeClr val="tx1"/>
-                </a:solidFill>
-                <a:latin typeface="+mn-lt"/>
-                <a:ea typeface="+mn-ea"/>
-                <a:cs typeface="+mn-cs"/>
-              </a:defRPr>
-            </a:lvl4pPr>
-            <a:lvl5pPr marL="1463040" indent="-210312" algn="l" rtl="0" eaLnBrk="1" latinLnBrk="0" hangingPunct="1">
-              <a:spcBef>
-                <a:spcPct val="20000"/>
-              </a:spcBef>
-              <a:buClrTx/>
-              <a:buSzPct val="65000"/>
-              <a:buFont typeface="Wingdings 2"/>
-              <a:buChar char=""/>
-              <a:defRPr kumimoji="0" sz="1800" kern="1200">
-                <a:solidFill>
-                  <a:schemeClr val="tx1"/>
-                </a:solidFill>
-                <a:latin typeface="+mn-lt"/>
-                <a:ea typeface="+mn-ea"/>
-                <a:cs typeface="+mn-cs"/>
-              </a:defRPr>
-            </a:lvl5pPr>
-            <a:lvl6pPr marL="1737360" indent="-210312" algn="l" rtl="0" eaLnBrk="1" latinLnBrk="0" hangingPunct="1">
-              <a:spcBef>
-                <a:spcPct val="20000"/>
-              </a:spcBef>
-              <a:buClr>
-                <a:schemeClr val="accent5"/>
-              </a:buClr>
-              <a:buSzPct val="80000"/>
-              <a:buFont typeface="Wingdings 2"/>
-              <a:buChar char=""/>
-              <a:defRPr kumimoji="0" sz="1800" kern="1200">
-                <a:solidFill>
-                  <a:schemeClr val="tx1"/>
-                </a:solidFill>
-                <a:latin typeface="+mn-lt"/>
-                <a:ea typeface="+mn-ea"/>
-                <a:cs typeface="+mn-cs"/>
-              </a:defRPr>
-            </a:lvl6pPr>
-            <a:lvl7pPr marL="1920240" indent="-182880" algn="l" rtl="0" eaLnBrk="1" latinLnBrk="0" hangingPunct="1">
-              <a:spcBef>
-                <a:spcPct val="20000"/>
-              </a:spcBef>
-              <a:buClr>
-                <a:schemeClr val="accent6"/>
-              </a:buClr>
-              <a:buSzPct val="80000"/>
-              <a:buFont typeface="Wingdings 2"/>
-              <a:buChar char=""/>
-              <a:defRPr kumimoji="0" sz="1600" kern="1200" baseline="0">
-                <a:solidFill>
-                  <a:schemeClr val="tx1"/>
-                </a:solidFill>
-                <a:latin typeface="+mn-lt"/>
-                <a:ea typeface="+mn-ea"/>
-                <a:cs typeface="+mn-cs"/>
-              </a:defRPr>
-            </a:lvl7pPr>
-            <a:lvl8pPr marL="2194560" indent="-182880" algn="l" rtl="0" eaLnBrk="1" latinLnBrk="0" hangingPunct="1">
-              <a:spcBef>
-                <a:spcPct val="20000"/>
-              </a:spcBef>
-              <a:buClr>
-                <a:schemeClr val="tx2"/>
-              </a:buClr>
-              <a:buChar char="•"/>
-              <a:defRPr kumimoji="0" sz="1600" kern="1200">
-                <a:solidFill>
-                  <a:schemeClr val="tx1"/>
-                </a:solidFill>
-                <a:latin typeface="+mn-lt"/>
-                <a:ea typeface="+mn-ea"/>
-                <a:cs typeface="+mn-cs"/>
-              </a:defRPr>
-            </a:lvl8pPr>
-            <a:lvl9pPr marL="2468880" indent="-182880" algn="l" rtl="0" eaLnBrk="1" latinLnBrk="0" hangingPunct="1">
-              <a:spcBef>
-                <a:spcPct val="20000"/>
-              </a:spcBef>
-              <a:buClr>
-                <a:schemeClr val="tx2"/>
-              </a:buClr>
-              <a:buFontTx/>
-              <a:buChar char="•"/>
-              <a:defRPr kumimoji="0" sz="1400" kern="1200" baseline="0">
-                <a:solidFill>
-                  <a:schemeClr val="tx1"/>
-                </a:solidFill>
-                <a:latin typeface="+mn-lt"/>
-                <a:ea typeface="+mn-ea"/>
-                <a:cs typeface="+mn-cs"/>
-              </a:defRPr>
-            </a:lvl9pPr>
-          </a:lstStyle>
-          <a:p>
-            <a:r>
-              <a:rPr lang="it-IT" dirty="0" smtClean="0"/>
-              <a:t>Aderente alle aspettative </a:t>
-            </a:r>
-          </a:p>
-          <a:p>
-            <a:pPr lvl="1"/>
-            <a:r>
-              <a:rPr lang="it-IT" dirty="0" smtClean="0"/>
-              <a:t>Familiarità</a:t>
-            </a:r>
-          </a:p>
-          <a:p>
-            <a:r>
-              <a:rPr lang="it-IT" dirty="0" smtClean="0"/>
-              <a:t>Struttura aziendale</a:t>
-            </a:r>
-          </a:p>
-          <a:p>
-            <a:pPr lvl="1"/>
-            <a:r>
-              <a:rPr lang="it-IT" dirty="0" smtClean="0"/>
-              <a:t>Nessuna Variazione</a:t>
-            </a:r>
-          </a:p>
-          <a:p>
-            <a:pPr lvl="1"/>
-            <a:r>
-              <a:rPr lang="it-IT" dirty="0" smtClean="0"/>
-              <a:t>Ingrato ai processi già noti</a:t>
-            </a:r>
-          </a:p>
-          <a:p>
-            <a:r>
-              <a:rPr lang="it-IT" dirty="0" smtClean="0"/>
-              <a:t>Documentazione Solida</a:t>
-            </a:r>
-          </a:p>
-          <a:p>
-            <a:pPr lvl="1"/>
-            <a:r>
-              <a:rPr lang="it-IT" dirty="0" smtClean="0"/>
-              <a:t>Raffinata (revisionata, incrocio)</a:t>
-            </a:r>
-          </a:p>
-          <a:p>
-            <a:pPr lvl="1"/>
-            <a:r>
-              <a:rPr lang="it-IT" dirty="0" smtClean="0"/>
-              <a:t>Crescita costante</a:t>
-            </a:r>
-          </a:p>
-          <a:p>
-            <a:pPr lvl="1"/>
-            <a:r>
-              <a:rPr lang="it-IT" dirty="0" smtClean="0"/>
-              <a:t>Ottima Tracciabilità</a:t>
-            </a:r>
-          </a:p>
-          <a:p>
-            <a:r>
-              <a:rPr lang="it-IT" dirty="0" smtClean="0"/>
-              <a:t>Usare </a:t>
-            </a:r>
-            <a:r>
-              <a:rPr lang="it-IT" dirty="0" err="1" smtClean="0"/>
-              <a:t>@silo</a:t>
-            </a:r>
-            <a:r>
-              <a:rPr lang="it-IT" dirty="0" smtClean="0"/>
-              <a:t> senza accorgersene</a:t>
-            </a:r>
-          </a:p>
-          <a:p>
-            <a:pPr lvl="1"/>
-            <a:r>
-              <a:rPr lang="it-IT" dirty="0" smtClean="0"/>
-              <a:t>Stessi processi, con maggiore velocità ed efficienza </a:t>
-            </a:r>
-          </a:p>
-          <a:p>
-            <a:pPr lvl="1"/>
-            <a:endParaRPr lang="it-IT" dirty="0" smtClean="0"/>
-          </a:p>
-          <a:p>
-            <a:pPr lvl="1">
-              <a:buNone/>
-            </a:pPr>
-            <a:endParaRPr lang="it-IT" dirty="0" smtClean="0"/>
-          </a:p>
-        </p:txBody>
-      </p:sp>
-    </p:spTree>
-    <p:extLst>
-      <p:ext uri="{BB962C8B-B14F-4D97-AF65-F5344CB8AC3E}">
-        <p14:creationId xmlns:p14="http://schemas.microsoft.com/office/powerpoint/2010/main" xmlns="" val="3748041918"/>
       </p:ext>
     </p:extLst>
   </p:cSld>

--- a/Presentazione/Atsilo1/[BOZZA] Atsilo_A_PresentazioneFinale copia.pptx
+++ b/Presentazione/Atsilo1/[BOZZA] Atsilo_A_PresentazioneFinale copia.pptx
@@ -298,7 +298,7 @@
             <a:fld id="{38D78F4D-402C-46E0-A4BB-DF91EA86B14C}" type="datetimeFigureOut">
               <a:rPr lang="it-IT" smtClean="0"/>
               <a:pPr/>
-              <a:t>03/01/2013</a:t>
+              <a:t>04/01/2013</a:t>
             </a:fld>
             <a:endParaRPr lang="it-IT"/>
           </a:p>
@@ -467,7 +467,7 @@
     </p:spTree>
     <p:extLst>
       <p:ext uri="{BB962C8B-B14F-4D97-AF65-F5344CB8AC3E}">
-        <p14:creationId xmlns:p14="http://schemas.microsoft.com/office/powerpoint/2010/main" xmlns="" val="2126419590"/>
+        <p14:creationId xmlns="" xmlns:p14="http://schemas.microsoft.com/office/powerpoint/2010/main" val="2126419590"/>
       </p:ext>
     </p:extLst>
   </p:cSld>
@@ -2568,7 +2568,7 @@
             <a:fld id="{63CABBC0-75E4-43BB-A6A6-84C2A96BDB82}" type="datetimeFigureOut">
               <a:rPr lang="it-IT" smtClean="0"/>
               <a:pPr/>
-              <a:t>03/01/2013</a:t>
+              <a:t>04/01/2013</a:t>
             </a:fld>
             <a:endParaRPr lang="it-IT"/>
           </a:p>
@@ -2750,7 +2750,7 @@
             <a:fld id="{63CABBC0-75E4-43BB-A6A6-84C2A96BDB82}" type="datetimeFigureOut">
               <a:rPr lang="it-IT" smtClean="0"/>
               <a:pPr/>
-              <a:t>03/01/2013</a:t>
+              <a:t>04/01/2013</a:t>
             </a:fld>
             <a:endParaRPr lang="it-IT"/>
           </a:p>
@@ -2942,7 +2942,7 @@
             <a:fld id="{63CABBC0-75E4-43BB-A6A6-84C2A96BDB82}" type="datetimeFigureOut">
               <a:rPr lang="it-IT" smtClean="0"/>
               <a:pPr/>
-              <a:t>03/01/2013</a:t>
+              <a:t>04/01/2013</a:t>
             </a:fld>
             <a:endParaRPr lang="it-IT"/>
           </a:p>
@@ -3124,7 +3124,7 @@
             <a:fld id="{63CABBC0-75E4-43BB-A6A6-84C2A96BDB82}" type="datetimeFigureOut">
               <a:rPr lang="it-IT" smtClean="0"/>
               <a:pPr/>
-              <a:t>03/01/2013</a:t>
+              <a:t>04/01/2013</a:t>
             </a:fld>
             <a:endParaRPr lang="it-IT"/>
           </a:p>
@@ -3367,7 +3367,7 @@
             <a:fld id="{63CABBC0-75E4-43BB-A6A6-84C2A96BDB82}" type="datetimeFigureOut">
               <a:rPr lang="it-IT" smtClean="0"/>
               <a:pPr/>
-              <a:t>03/01/2013</a:t>
+              <a:t>04/01/2013</a:t>
             </a:fld>
             <a:endParaRPr lang="it-IT"/>
           </a:p>
@@ -3648,7 +3648,7 @@
             <a:fld id="{63CABBC0-75E4-43BB-A6A6-84C2A96BDB82}" type="datetimeFigureOut">
               <a:rPr lang="it-IT" smtClean="0"/>
               <a:pPr/>
-              <a:t>03/01/2013</a:t>
+              <a:t>04/01/2013</a:t>
             </a:fld>
             <a:endParaRPr lang="it-IT"/>
           </a:p>
@@ -4039,7 +4039,7 @@
             <a:fld id="{63CABBC0-75E4-43BB-A6A6-84C2A96BDB82}" type="datetimeFigureOut">
               <a:rPr lang="it-IT" smtClean="0"/>
               <a:pPr/>
-              <a:t>03/01/2013</a:t>
+              <a:t>04/01/2013</a:t>
             </a:fld>
             <a:endParaRPr lang="it-IT"/>
           </a:p>
@@ -4198,7 +4198,7 @@
             <a:fld id="{63CABBC0-75E4-43BB-A6A6-84C2A96BDB82}" type="datetimeFigureOut">
               <a:rPr lang="it-IT" smtClean="0"/>
               <a:pPr/>
-              <a:t>03/01/2013</a:t>
+              <a:t>04/01/2013</a:t>
             </a:fld>
             <a:endParaRPr lang="it-IT"/>
           </a:p>
@@ -4297,7 +4297,7 @@
             <a:fld id="{63CABBC0-75E4-43BB-A6A6-84C2A96BDB82}" type="datetimeFigureOut">
               <a:rPr lang="it-IT" smtClean="0"/>
               <a:pPr/>
-              <a:t>03/01/2013</a:t>
+              <a:t>04/01/2013</a:t>
             </a:fld>
             <a:endParaRPr lang="it-IT"/>
           </a:p>
@@ -4567,7 +4567,7 @@
             <a:fld id="{63CABBC0-75E4-43BB-A6A6-84C2A96BDB82}" type="datetimeFigureOut">
               <a:rPr lang="it-IT" smtClean="0"/>
               <a:pPr/>
-              <a:t>03/01/2013</a:t>
+              <a:t>04/01/2013</a:t>
             </a:fld>
             <a:endParaRPr lang="it-IT"/>
           </a:p>
@@ -4864,7 +4864,7 @@
             <a:fld id="{63CABBC0-75E4-43BB-A6A6-84C2A96BDB82}" type="datetimeFigureOut">
               <a:rPr lang="it-IT" smtClean="0"/>
               <a:pPr/>
-              <a:t>03/01/2013</a:t>
+              <a:t>04/01/2013</a:t>
             </a:fld>
             <a:endParaRPr lang="it-IT"/>
           </a:p>
@@ -5644,7 +5644,7 @@
             <a:fld id="{63CABBC0-75E4-43BB-A6A6-84C2A96BDB82}" type="datetimeFigureOut">
               <a:rPr lang="it-IT" smtClean="0"/>
               <a:pPr/>
-              <a:t>03/01/2013</a:t>
+              <a:t>04/01/2013</a:t>
             </a:fld>
             <a:endParaRPr lang="it-IT"/>
           </a:p>
@@ -6327,7 +6327,7 @@
           <p:nvPr>
             <p:extLst>
               <p:ext uri="{D42A27DB-BD31-4B8C-83A1-F6EECF244321}">
-                <p14:modId xmlns:p14="http://schemas.microsoft.com/office/powerpoint/2010/main" xmlns="" val="1430840817"/>
+                <p14:modId xmlns="" xmlns:p14="http://schemas.microsoft.com/office/powerpoint/2010/main" val="1430840817"/>
               </p:ext>
             </p:extLst>
           </p:nvPr>
@@ -6575,7 +6575,7 @@
           <p:nvPr>
             <p:extLst>
               <p:ext uri="{D42A27DB-BD31-4B8C-83A1-F6EECF244321}">
-                <p14:modId xmlns:p14="http://schemas.microsoft.com/office/powerpoint/2010/main" xmlns="" val="956586736"/>
+                <p14:modId xmlns="" xmlns:p14="http://schemas.microsoft.com/office/powerpoint/2010/main" val="956586736"/>
               </p:ext>
             </p:extLst>
           </p:nvPr>
@@ -6665,7 +6665,7 @@
           <a:blip r:embed="rId2" cstate="print">
             <a:extLst>
               <a:ext uri="{28A0092B-C50C-407E-A947-70E740481C1C}">
-                <a14:useLocalDpi xmlns:a14="http://schemas.microsoft.com/office/drawing/2010/main" xmlns="" val="0"/>
+                <a14:useLocalDpi xmlns="" xmlns:a14="http://schemas.microsoft.com/office/drawing/2010/main" val="0"/>
               </a:ext>
             </a:extLst>
           </a:blip>
@@ -6685,7 +6685,7 @@
           <a:noFill/>
           <a:extLst>
             <a:ext uri="{909E8E84-426E-40dd-AFC4-6F175D3DCCD1}">
-              <a14:hiddenFill xmlns:a14="http://schemas.microsoft.com/office/drawing/2010/main" xmlns="">
+              <a14:hiddenFill xmlns="" xmlns:a14="http://schemas.microsoft.com/office/drawing/2010/main">
                 <a:solidFill>
                   <a:srgbClr val="FFFFFF"/>
                 </a:solidFill>
@@ -6697,7 +6697,7 @@
     </p:spTree>
     <p:extLst>
       <p:ext uri="{BB962C8B-B14F-4D97-AF65-F5344CB8AC3E}">
-        <p14:creationId xmlns:p14="http://schemas.microsoft.com/office/powerpoint/2010/main" xmlns="" val="4165334171"/>
+        <p14:creationId xmlns="" xmlns:p14="http://schemas.microsoft.com/office/powerpoint/2010/main" val="4165334171"/>
       </p:ext>
     </p:extLst>
   </p:cSld>
@@ -7003,7 +7003,7 @@
     </p:spTree>
     <p:extLst>
       <p:ext uri="{BB962C8B-B14F-4D97-AF65-F5344CB8AC3E}">
-        <p14:creationId xmlns:p14="http://schemas.microsoft.com/office/powerpoint/2010/main" xmlns="" val="4143007013"/>
+        <p14:creationId xmlns="" xmlns:p14="http://schemas.microsoft.com/office/powerpoint/2010/main" val="4143007013"/>
       </p:ext>
     </p:extLst>
   </p:cSld>
@@ -7011,7 +7011,7 @@
     <a:masterClrMapping/>
   </p:clrMapOvr>
   <mc:AlternateContent xmlns:mc="http://schemas.openxmlformats.org/markup-compatibility/2006">
-    <mc:Choice xmlns:p14="http://schemas.microsoft.com/office/powerpoint/2010/main" xmlns="" Requires="p14">
+    <mc:Choice xmlns="" xmlns:p14="http://schemas.microsoft.com/office/powerpoint/2010/main" Requires="p14">
       <p:transition spd="slow" p14:dur="2000"/>
     </mc:Choice>
     <mc:Fallback>
@@ -7379,7 +7379,7 @@
     </p:spTree>
     <p:extLst>
       <p:ext uri="{BB962C8B-B14F-4D97-AF65-F5344CB8AC3E}">
-        <p14:creationId xmlns:p14="http://schemas.microsoft.com/office/powerpoint/2010/main" xmlns="" val="3748041918"/>
+        <p14:creationId xmlns="" xmlns:p14="http://schemas.microsoft.com/office/powerpoint/2010/main" val="3748041918"/>
       </p:ext>
     </p:extLst>
   </p:cSld>
@@ -7387,7 +7387,7 @@
     <a:masterClrMapping/>
   </p:clrMapOvr>
   <mc:AlternateContent xmlns:mc="http://schemas.openxmlformats.org/markup-compatibility/2006">
-    <mc:Choice xmlns:p14="http://schemas.microsoft.com/office/powerpoint/2010/main" xmlns="" Requires="p14">
+    <mc:Choice xmlns="" xmlns:p14="http://schemas.microsoft.com/office/powerpoint/2010/main" Requires="p14">
       <p:transition spd="slow" p14:dur="2000"/>
     </mc:Choice>
     <mc:Fallback>
@@ -7488,7 +7488,7 @@
     </p:spTree>
     <p:extLst>
       <p:ext uri="{BB962C8B-B14F-4D97-AF65-F5344CB8AC3E}">
-        <p14:creationId xmlns:p14="http://schemas.microsoft.com/office/powerpoint/2010/main" xmlns="" val="3695870384"/>
+        <p14:creationId xmlns="" xmlns:p14="http://schemas.microsoft.com/office/powerpoint/2010/main" val="3695870384"/>
       </p:ext>
     </p:extLst>
   </p:cSld>
@@ -7589,7 +7589,7 @@
     </p:spTree>
     <p:extLst>
       <p:ext uri="{BB962C8B-B14F-4D97-AF65-F5344CB8AC3E}">
-        <p14:creationId xmlns:p14="http://schemas.microsoft.com/office/powerpoint/2010/main" xmlns="" val="3987928837"/>
+        <p14:creationId xmlns="" xmlns:p14="http://schemas.microsoft.com/office/powerpoint/2010/main" val="3987928837"/>
       </p:ext>
     </p:extLst>
   </p:cSld>
@@ -7914,7 +7914,7 @@
     </p:spTree>
     <p:extLst>
       <p:ext uri="{BB962C8B-B14F-4D97-AF65-F5344CB8AC3E}">
-        <p14:creationId xmlns:p14="http://schemas.microsoft.com/office/powerpoint/2010/main" xmlns="" val="1367578552"/>
+        <p14:creationId xmlns="" xmlns:p14="http://schemas.microsoft.com/office/powerpoint/2010/main" val="1367578552"/>
       </p:ext>
     </p:extLst>
   </p:cSld>
@@ -8042,7 +8042,7 @@
     </p:spTree>
     <p:extLst>
       <p:ext uri="{BB962C8B-B14F-4D97-AF65-F5344CB8AC3E}">
-        <p14:creationId xmlns:p14="http://schemas.microsoft.com/office/powerpoint/2010/main" xmlns="" val="1554749062"/>
+        <p14:creationId xmlns="" xmlns:p14="http://schemas.microsoft.com/office/powerpoint/2010/main" val="1554749062"/>
       </p:ext>
     </p:extLst>
   </p:cSld>
@@ -8170,7 +8170,7 @@
     </p:spTree>
     <p:extLst>
       <p:ext uri="{BB962C8B-B14F-4D97-AF65-F5344CB8AC3E}">
-        <p14:creationId xmlns:p14="http://schemas.microsoft.com/office/powerpoint/2010/main" xmlns="" val="1028530279"/>
+        <p14:creationId xmlns="" xmlns:p14="http://schemas.microsoft.com/office/powerpoint/2010/main" val="1028530279"/>
       </p:ext>
     </p:extLst>
   </p:cSld>
@@ -8298,7 +8298,7 @@
     </p:spTree>
     <p:extLst>
       <p:ext uri="{BB962C8B-B14F-4D97-AF65-F5344CB8AC3E}">
-        <p14:creationId xmlns:p14="http://schemas.microsoft.com/office/powerpoint/2010/main" xmlns="" val="2120081776"/>
+        <p14:creationId xmlns="" xmlns:p14="http://schemas.microsoft.com/office/powerpoint/2010/main" val="2120081776"/>
       </p:ext>
     </p:extLst>
   </p:cSld>
@@ -8438,7 +8438,7 @@
     </p:spTree>
     <p:extLst>
       <p:ext uri="{BB962C8B-B14F-4D97-AF65-F5344CB8AC3E}">
-        <p14:creationId xmlns:p14="http://schemas.microsoft.com/office/powerpoint/2010/main" xmlns="" val="3320352623"/>
+        <p14:creationId xmlns="" xmlns:p14="http://schemas.microsoft.com/office/powerpoint/2010/main" val="3320352623"/>
       </p:ext>
     </p:extLst>
   </p:cSld>
@@ -8578,7 +8578,7 @@
     </p:spTree>
     <p:extLst>
       <p:ext uri="{BB962C8B-B14F-4D97-AF65-F5344CB8AC3E}">
-        <p14:creationId xmlns:p14="http://schemas.microsoft.com/office/powerpoint/2010/main" xmlns="" val="4011022122"/>
+        <p14:creationId xmlns="" xmlns:p14="http://schemas.microsoft.com/office/powerpoint/2010/main" val="4011022122"/>
       </p:ext>
     </p:extLst>
   </p:cSld>
@@ -8883,7 +8883,7 @@
     </p:spTree>
     <p:extLst>
       <p:ext uri="{BB962C8B-B14F-4D97-AF65-F5344CB8AC3E}">
-        <p14:creationId xmlns:p14="http://schemas.microsoft.com/office/powerpoint/2010/main" xmlns="" val="2927506779"/>
+        <p14:creationId xmlns="" xmlns:p14="http://schemas.microsoft.com/office/powerpoint/2010/main" val="2927506779"/>
       </p:ext>
     </p:extLst>
   </p:cSld>
@@ -9550,7 +9550,7 @@
     </p:spTree>
     <p:extLst>
       <p:ext uri="{BB962C8B-B14F-4D97-AF65-F5344CB8AC3E}">
-        <p14:creationId xmlns:p14="http://schemas.microsoft.com/office/powerpoint/2010/main" xmlns="" val="1720938352"/>
+        <p14:creationId xmlns="" xmlns:p14="http://schemas.microsoft.com/office/powerpoint/2010/main" val="1720938352"/>
       </p:ext>
     </p:extLst>
   </p:cSld>
@@ -9558,7 +9558,7 @@
     <a:masterClrMapping/>
   </p:clrMapOvr>
   <mc:AlternateContent xmlns:mc="http://schemas.openxmlformats.org/markup-compatibility/2006">
-    <mc:Choice xmlns:p14="http://schemas.microsoft.com/office/powerpoint/2010/main" xmlns="" Requires="p14">
+    <mc:Choice xmlns="" xmlns:p14="http://schemas.microsoft.com/office/powerpoint/2010/main" Requires="p14">
       <p:transition spd="slow" p14:dur="2000"/>
     </mc:Choice>
     <mc:Fallback>
@@ -9852,7 +9852,7 @@
     </p:spTree>
     <p:extLst>
       <p:ext uri="{BB962C8B-B14F-4D97-AF65-F5344CB8AC3E}">
-        <p14:creationId xmlns:p14="http://schemas.microsoft.com/office/powerpoint/2010/main" xmlns="" val="3389076463"/>
+        <p14:creationId xmlns="" xmlns:p14="http://schemas.microsoft.com/office/powerpoint/2010/main" val="3389076463"/>
       </p:ext>
     </p:extLst>
   </p:cSld>
@@ -9975,7 +9975,7 @@
     </p:spTree>
     <p:extLst>
       <p:ext uri="{BB962C8B-B14F-4D97-AF65-F5344CB8AC3E}">
-        <p14:creationId xmlns:p14="http://schemas.microsoft.com/office/powerpoint/2010/main" xmlns="" val="3781125707"/>
+        <p14:creationId xmlns="" xmlns:p14="http://schemas.microsoft.com/office/powerpoint/2010/main" val="3781125707"/>
       </p:ext>
     </p:extLst>
   </p:cSld>
@@ -10099,7 +10099,7 @@
     </p:spTree>
     <p:extLst>
       <p:ext uri="{BB962C8B-B14F-4D97-AF65-F5344CB8AC3E}">
-        <p14:creationId xmlns:p14="http://schemas.microsoft.com/office/powerpoint/2010/main" xmlns="" val="3113757335"/>
+        <p14:creationId xmlns="" xmlns:p14="http://schemas.microsoft.com/office/powerpoint/2010/main" val="3113757335"/>
       </p:ext>
     </p:extLst>
   </p:cSld>
@@ -10183,7 +10183,7 @@
     </p:spTree>
     <p:extLst>
       <p:ext uri="{BB962C8B-B14F-4D97-AF65-F5344CB8AC3E}">
-        <p14:creationId xmlns:p14="http://schemas.microsoft.com/office/powerpoint/2010/main" xmlns="" val="3128220547"/>
+        <p14:creationId xmlns="" xmlns:p14="http://schemas.microsoft.com/office/powerpoint/2010/main" val="3128220547"/>
       </p:ext>
     </p:extLst>
   </p:cSld>
@@ -10309,7 +10309,7 @@
     </p:spTree>
     <p:extLst>
       <p:ext uri="{BB962C8B-B14F-4D97-AF65-F5344CB8AC3E}">
-        <p14:creationId xmlns:p14="http://schemas.microsoft.com/office/powerpoint/2010/main" xmlns="" val="3526463055"/>
+        <p14:creationId xmlns="" xmlns:p14="http://schemas.microsoft.com/office/powerpoint/2010/main" val="3526463055"/>
       </p:ext>
     </p:extLst>
   </p:cSld>
@@ -10432,7 +10432,7 @@
     </p:spTree>
     <p:extLst>
       <p:ext uri="{BB962C8B-B14F-4D97-AF65-F5344CB8AC3E}">
-        <p14:creationId xmlns:p14="http://schemas.microsoft.com/office/powerpoint/2010/main" xmlns="" val="4153735844"/>
+        <p14:creationId xmlns="" xmlns:p14="http://schemas.microsoft.com/office/powerpoint/2010/main" val="4153735844"/>
       </p:ext>
     </p:extLst>
   </p:cSld>
@@ -10525,7 +10525,7 @@
     </p:spTree>
     <p:extLst>
       <p:ext uri="{BB962C8B-B14F-4D97-AF65-F5344CB8AC3E}">
-        <p14:creationId xmlns:p14="http://schemas.microsoft.com/office/powerpoint/2010/main" xmlns="" val="3584613944"/>
+        <p14:creationId xmlns="" xmlns:p14="http://schemas.microsoft.com/office/powerpoint/2010/main" val="3584613944"/>
       </p:ext>
     </p:extLst>
   </p:cSld>
@@ -10714,7 +10714,7 @@
     </p:spTree>
     <p:extLst>
       <p:ext uri="{BB962C8B-B14F-4D97-AF65-F5344CB8AC3E}">
-        <p14:creationId xmlns:p14="http://schemas.microsoft.com/office/powerpoint/2010/main" xmlns="" val="1309712431"/>
+        <p14:creationId xmlns="" xmlns:p14="http://schemas.microsoft.com/office/powerpoint/2010/main" val="1309712431"/>
       </p:ext>
     </p:extLst>
   </p:cSld>
@@ -10931,7 +10931,7 @@
     </p:spTree>
     <p:extLst>
       <p:ext uri="{BB962C8B-B14F-4D97-AF65-F5344CB8AC3E}">
-        <p14:creationId xmlns:p14="http://schemas.microsoft.com/office/powerpoint/2010/main" xmlns="" val="3902446084"/>
+        <p14:creationId xmlns="" xmlns:p14="http://schemas.microsoft.com/office/powerpoint/2010/main" val="3902446084"/>
       </p:ext>
     </p:extLst>
   </p:cSld>
@@ -11123,7 +11123,7 @@
     </p:spTree>
     <p:extLst>
       <p:ext uri="{BB962C8B-B14F-4D97-AF65-F5344CB8AC3E}">
-        <p14:creationId xmlns:p14="http://schemas.microsoft.com/office/powerpoint/2010/main" xmlns="" val="3677979436"/>
+        <p14:creationId xmlns="" xmlns:p14="http://schemas.microsoft.com/office/powerpoint/2010/main" val="3677979436"/>
       </p:ext>
     </p:extLst>
   </p:cSld>
@@ -11640,7 +11640,7 @@
     </p:spTree>
     <p:extLst>
       <p:ext uri="{BB962C8B-B14F-4D97-AF65-F5344CB8AC3E}">
-        <p14:creationId xmlns:p14="http://schemas.microsoft.com/office/powerpoint/2010/main" xmlns="" val="3436514102"/>
+        <p14:creationId xmlns="" xmlns:p14="http://schemas.microsoft.com/office/powerpoint/2010/main" val="3436514102"/>
       </p:ext>
     </p:extLst>
   </p:cSld>
@@ -11648,7 +11648,7 @@
     <a:masterClrMapping/>
   </p:clrMapOvr>
   <mc:AlternateContent xmlns:mc="http://schemas.openxmlformats.org/markup-compatibility/2006">
-    <mc:Choice xmlns:p14="http://schemas.microsoft.com/office/powerpoint/2010/main" xmlns="" Requires="p14">
+    <mc:Choice xmlns="" xmlns:p14="http://schemas.microsoft.com/office/powerpoint/2010/main" Requires="p14">
       <p:transition spd="slow" p14:dur="2000"/>
     </mc:Choice>
     <mc:Fallback>
@@ -11741,7 +11741,7 @@
     </p:spTree>
     <p:extLst>
       <p:ext uri="{BB962C8B-B14F-4D97-AF65-F5344CB8AC3E}">
-        <p14:creationId xmlns:p14="http://schemas.microsoft.com/office/powerpoint/2010/main" xmlns="" val="2777952497"/>
+        <p14:creationId xmlns="" xmlns:p14="http://schemas.microsoft.com/office/powerpoint/2010/main" val="2777952497"/>
       </p:ext>
     </p:extLst>
   </p:cSld>
@@ -11929,7 +11929,7 @@
     </p:spTree>
     <p:extLst>
       <p:ext uri="{BB962C8B-B14F-4D97-AF65-F5344CB8AC3E}">
-        <p14:creationId xmlns:p14="http://schemas.microsoft.com/office/powerpoint/2010/main" xmlns="" val="2574674066"/>
+        <p14:creationId xmlns="" xmlns:p14="http://schemas.microsoft.com/office/powerpoint/2010/main" val="2574674066"/>
       </p:ext>
     </p:extLst>
   </p:cSld>
@@ -12022,7 +12022,7 @@
     </p:spTree>
     <p:extLst>
       <p:ext uri="{BB962C8B-B14F-4D97-AF65-F5344CB8AC3E}">
-        <p14:creationId xmlns:p14="http://schemas.microsoft.com/office/powerpoint/2010/main" xmlns="" val="763878143"/>
+        <p14:creationId xmlns="" xmlns:p14="http://schemas.microsoft.com/office/powerpoint/2010/main" val="763878143"/>
       </p:ext>
     </p:extLst>
   </p:cSld>
@@ -12643,7 +12643,7 @@
     </p:spTree>
     <p:extLst>
       <p:ext uri="{BB962C8B-B14F-4D97-AF65-F5344CB8AC3E}">
-        <p14:creationId xmlns:p14="http://schemas.microsoft.com/office/powerpoint/2010/main" xmlns="" val="42533803"/>
+        <p14:creationId xmlns="" xmlns:p14="http://schemas.microsoft.com/office/powerpoint/2010/main" val="42533803"/>
       </p:ext>
     </p:extLst>
   </p:cSld>
@@ -12651,7 +12651,7 @@
     <a:masterClrMapping/>
   </p:clrMapOvr>
   <mc:AlternateContent xmlns:mc="http://schemas.openxmlformats.org/markup-compatibility/2006">
-    <mc:Choice xmlns:p14="http://schemas.microsoft.com/office/powerpoint/2010/main" xmlns="" Requires="p14">
+    <mc:Choice xmlns="" xmlns:p14="http://schemas.microsoft.com/office/powerpoint/2010/main" Requires="p14">
       <p:transition spd="slow" p14:dur="2000"/>
     </mc:Choice>
     <mc:Fallback>
@@ -12955,7 +12955,7 @@
     </p:spTree>
     <p:extLst>
       <p:ext uri="{BB962C8B-B14F-4D97-AF65-F5344CB8AC3E}">
-        <p14:creationId xmlns:p14="http://schemas.microsoft.com/office/powerpoint/2010/main" xmlns="" val="719158636"/>
+        <p14:creationId xmlns="" xmlns:p14="http://schemas.microsoft.com/office/powerpoint/2010/main" val="719158636"/>
       </p:ext>
     </p:extLst>
   </p:cSld>
@@ -12963,7 +12963,7 @@
     <a:masterClrMapping/>
   </p:clrMapOvr>
   <mc:AlternateContent xmlns:mc="http://schemas.openxmlformats.org/markup-compatibility/2006">
-    <mc:Choice xmlns:p14="http://schemas.microsoft.com/office/powerpoint/2010/main" xmlns="" Requires="p14">
+    <mc:Choice xmlns="" xmlns:p14="http://schemas.microsoft.com/office/powerpoint/2010/main" Requires="p14">
       <p:transition spd="slow" p14:dur="2000"/>
     </mc:Choice>
     <mc:Fallback>
@@ -13264,7 +13264,7 @@
     </p:spTree>
     <p:extLst>
       <p:ext uri="{BB962C8B-B14F-4D97-AF65-F5344CB8AC3E}">
-        <p14:creationId xmlns:p14="http://schemas.microsoft.com/office/powerpoint/2010/main" xmlns="" val="3790159258"/>
+        <p14:creationId xmlns="" xmlns:p14="http://schemas.microsoft.com/office/powerpoint/2010/main" val="3790159258"/>
       </p:ext>
     </p:extLst>
   </p:cSld>
@@ -13272,7 +13272,7 @@
     <a:masterClrMapping/>
   </p:clrMapOvr>
   <mc:AlternateContent xmlns:mc="http://schemas.openxmlformats.org/markup-compatibility/2006">
-    <mc:Choice xmlns:p14="http://schemas.microsoft.com/office/powerpoint/2010/main" xmlns="" Requires="p14">
+    <mc:Choice xmlns="" xmlns:p14="http://schemas.microsoft.com/office/powerpoint/2010/main" Requires="p14">
       <p:transition spd="slow" p14:dur="2000"/>
     </mc:Choice>
     <mc:Fallback>
@@ -13580,7 +13580,7 @@
     </p:spTree>
     <p:extLst>
       <p:ext uri="{BB962C8B-B14F-4D97-AF65-F5344CB8AC3E}">
-        <p14:creationId xmlns:p14="http://schemas.microsoft.com/office/powerpoint/2010/main" xmlns="" val="560870364"/>
+        <p14:creationId xmlns="" xmlns:p14="http://schemas.microsoft.com/office/powerpoint/2010/main" val="560870364"/>
       </p:ext>
     </p:extLst>
   </p:cSld>
@@ -13588,7 +13588,7 @@
     <a:masterClrMapping/>
   </p:clrMapOvr>
   <mc:AlternateContent xmlns:mc="http://schemas.openxmlformats.org/markup-compatibility/2006">
-    <mc:Choice xmlns:p14="http://schemas.microsoft.com/office/powerpoint/2010/main" xmlns="" Requires="p14">
+    <mc:Choice xmlns="" xmlns:p14="http://schemas.microsoft.com/office/powerpoint/2010/main" Requires="p14">
       <p:transition spd="slow" p14:dur="2000"/>
     </mc:Choice>
     <mc:Fallback>
@@ -13889,7 +13889,7 @@
     </p:spTree>
     <p:extLst>
       <p:ext uri="{BB962C8B-B14F-4D97-AF65-F5344CB8AC3E}">
-        <p14:creationId xmlns:p14="http://schemas.microsoft.com/office/powerpoint/2010/main" xmlns="" val="518406238"/>
+        <p14:creationId xmlns="" xmlns:p14="http://schemas.microsoft.com/office/powerpoint/2010/main" val="518406238"/>
       </p:ext>
     </p:extLst>
   </p:cSld>
@@ -13897,7 +13897,7 @@
     <a:masterClrMapping/>
   </p:clrMapOvr>
   <mc:AlternateContent xmlns:mc="http://schemas.openxmlformats.org/markup-compatibility/2006">
-    <mc:Choice xmlns:p14="http://schemas.microsoft.com/office/powerpoint/2010/main" xmlns="" Requires="p14">
+    <mc:Choice xmlns="" xmlns:p14="http://schemas.microsoft.com/office/powerpoint/2010/main" Requires="p14">
       <p:transition spd="slow" p14:dur="2000"/>
     </mc:Choice>
     <mc:Fallback>
@@ -14198,7 +14198,7 @@
     </p:spTree>
     <p:extLst>
       <p:ext uri="{BB962C8B-B14F-4D97-AF65-F5344CB8AC3E}">
-        <p14:creationId xmlns:p14="http://schemas.microsoft.com/office/powerpoint/2010/main" xmlns="" val="3089945963"/>
+        <p14:creationId xmlns="" xmlns:p14="http://schemas.microsoft.com/office/powerpoint/2010/main" val="3089945963"/>
       </p:ext>
     </p:extLst>
   </p:cSld>
@@ -14206,7 +14206,7 @@
     <a:masterClrMapping/>
   </p:clrMapOvr>
   <mc:AlternateContent xmlns:mc="http://schemas.openxmlformats.org/markup-compatibility/2006">
-    <mc:Choice xmlns:p14="http://schemas.microsoft.com/office/powerpoint/2010/main" xmlns="" Requires="p14">
+    <mc:Choice xmlns="" xmlns:p14="http://schemas.microsoft.com/office/powerpoint/2010/main" Requires="p14">
       <p:transition spd="slow" p14:dur="2000"/>
     </mc:Choice>
     <mc:Fallback>
@@ -14553,7 +14553,7 @@
     </p:spTree>
     <p:extLst>
       <p:ext uri="{BB962C8B-B14F-4D97-AF65-F5344CB8AC3E}">
-        <p14:creationId xmlns:p14="http://schemas.microsoft.com/office/powerpoint/2010/main" xmlns="" val="3735783036"/>
+        <p14:creationId xmlns="" xmlns:p14="http://schemas.microsoft.com/office/powerpoint/2010/main" val="3735783036"/>
       </p:ext>
     </p:extLst>
   </p:cSld>
@@ -14561,7 +14561,7 @@
     <a:masterClrMapping/>
   </p:clrMapOvr>
   <mc:AlternateContent xmlns:mc="http://schemas.openxmlformats.org/markup-compatibility/2006">
-    <mc:Choice xmlns:p14="http://schemas.microsoft.com/office/powerpoint/2010/main" xmlns="" Requires="p14">
+    <mc:Choice xmlns="" xmlns:p14="http://schemas.microsoft.com/office/powerpoint/2010/main" Requires="p14">
       <p:transition spd="slow" p14:dur="2000"/>
     </mc:Choice>
     <mc:Fallback>
@@ -14874,7 +14874,7 @@
     </p:spTree>
     <p:extLst>
       <p:ext uri="{BB962C8B-B14F-4D97-AF65-F5344CB8AC3E}">
-        <p14:creationId xmlns:p14="http://schemas.microsoft.com/office/powerpoint/2010/main" xmlns="" val="820318166"/>
+        <p14:creationId xmlns="" xmlns:p14="http://schemas.microsoft.com/office/powerpoint/2010/main" val="820318166"/>
       </p:ext>
     </p:extLst>
   </p:cSld>
@@ -14882,7 +14882,7 @@
     <a:masterClrMapping/>
   </p:clrMapOvr>
   <mc:AlternateContent xmlns:mc="http://schemas.openxmlformats.org/markup-compatibility/2006">
-    <mc:Choice xmlns:p14="http://schemas.microsoft.com/office/powerpoint/2010/main" xmlns="" Requires="p14">
+    <mc:Choice xmlns="" xmlns:p14="http://schemas.microsoft.com/office/powerpoint/2010/main" Requires="p14">
       <p:transition spd="slow" p14:dur="2000"/>
     </mc:Choice>
     <mc:Fallback>
@@ -15202,7 +15202,7 @@
     </p:spTree>
     <p:extLst>
       <p:ext uri="{BB962C8B-B14F-4D97-AF65-F5344CB8AC3E}">
-        <p14:creationId xmlns:p14="http://schemas.microsoft.com/office/powerpoint/2010/main" xmlns="" val="2112585717"/>
+        <p14:creationId xmlns="" xmlns:p14="http://schemas.microsoft.com/office/powerpoint/2010/main" val="2112585717"/>
       </p:ext>
     </p:extLst>
   </p:cSld>
@@ -15210,7 +15210,7 @@
     <a:masterClrMapping/>
   </p:clrMapOvr>
   <mc:AlternateContent xmlns:mc="http://schemas.openxmlformats.org/markup-compatibility/2006">
-    <mc:Choice xmlns:p14="http://schemas.microsoft.com/office/powerpoint/2010/main" xmlns="" Requires="p14">
+    <mc:Choice xmlns="" xmlns:p14="http://schemas.microsoft.com/office/powerpoint/2010/main" Requires="p14">
       <p:transition spd="slow" p14:dur="2000"/>
     </mc:Choice>
     <mc:Fallback>
@@ -15495,7 +15495,7 @@
     </p:spTree>
     <p:extLst>
       <p:ext uri="{BB962C8B-B14F-4D97-AF65-F5344CB8AC3E}">
-        <p14:creationId xmlns:p14="http://schemas.microsoft.com/office/powerpoint/2010/main" xmlns="" val="2498309309"/>
+        <p14:creationId xmlns="" xmlns:p14="http://schemas.microsoft.com/office/powerpoint/2010/main" val="2498309309"/>
       </p:ext>
     </p:extLst>
   </p:cSld>
@@ -15503,7 +15503,7 @@
     <a:masterClrMapping/>
   </p:clrMapOvr>
   <mc:AlternateContent xmlns:mc="http://schemas.openxmlformats.org/markup-compatibility/2006">
-    <mc:Choice xmlns:p14="http://schemas.microsoft.com/office/powerpoint/2010/main" xmlns="" Requires="p14">
+    <mc:Choice xmlns="" xmlns:p14="http://schemas.microsoft.com/office/powerpoint/2010/main" Requires="p14">
       <p:transition spd="slow" p14:dur="2000"/>
     </mc:Choice>
     <mc:Fallback>
@@ -15800,7 +15800,7 @@
     </p:spTree>
     <p:extLst>
       <p:ext uri="{BB962C8B-B14F-4D97-AF65-F5344CB8AC3E}">
-        <p14:creationId xmlns:p14="http://schemas.microsoft.com/office/powerpoint/2010/main" xmlns="" val="490993421"/>
+        <p14:creationId xmlns="" xmlns:p14="http://schemas.microsoft.com/office/powerpoint/2010/main" val="490993421"/>
       </p:ext>
     </p:extLst>
   </p:cSld>
@@ -15808,7 +15808,7 @@
     <a:masterClrMapping/>
   </p:clrMapOvr>
   <mc:AlternateContent xmlns:mc="http://schemas.openxmlformats.org/markup-compatibility/2006">
-    <mc:Choice xmlns:p14="http://schemas.microsoft.com/office/powerpoint/2010/main" xmlns="" Requires="p14">
+    <mc:Choice xmlns="" xmlns:p14="http://schemas.microsoft.com/office/powerpoint/2010/main" Requires="p14">
       <p:transition spd="slow" p14:dur="2000"/>
     </mc:Choice>
     <mc:Fallback>
@@ -16077,7 +16077,7 @@
     </p:spTree>
     <p:extLst>
       <p:ext uri="{BB962C8B-B14F-4D97-AF65-F5344CB8AC3E}">
-        <p14:creationId xmlns:p14="http://schemas.microsoft.com/office/powerpoint/2010/main" xmlns="" val="1982603412"/>
+        <p14:creationId xmlns="" xmlns:p14="http://schemas.microsoft.com/office/powerpoint/2010/main" val="1982603412"/>
       </p:ext>
     </p:extLst>
   </p:cSld>
@@ -16085,7 +16085,7 @@
     <a:masterClrMapping/>
   </p:clrMapOvr>
   <mc:AlternateContent xmlns:mc="http://schemas.openxmlformats.org/markup-compatibility/2006">
-    <mc:Choice xmlns:p14="http://schemas.microsoft.com/office/powerpoint/2010/main" xmlns="" Requires="p14">
+    <mc:Choice xmlns="" xmlns:p14="http://schemas.microsoft.com/office/powerpoint/2010/main" Requires="p14">
       <p:transition spd="slow" p14:dur="2000"/>
     </mc:Choice>
     <mc:Fallback>
@@ -16178,7 +16178,7 @@
     </p:spTree>
     <p:extLst>
       <p:ext uri="{BB962C8B-B14F-4D97-AF65-F5344CB8AC3E}">
-        <p14:creationId xmlns:p14="http://schemas.microsoft.com/office/powerpoint/2010/main" xmlns="" val="3486681628"/>
+        <p14:creationId xmlns="" xmlns:p14="http://schemas.microsoft.com/office/powerpoint/2010/main" val="3486681628"/>
       </p:ext>
     </p:extLst>
   </p:cSld>
@@ -16186,7 +16186,7 @@
     <a:masterClrMapping/>
   </p:clrMapOvr>
   <mc:AlternateContent xmlns:mc="http://schemas.openxmlformats.org/markup-compatibility/2006">
-    <mc:Choice xmlns:p14="http://schemas.microsoft.com/office/powerpoint/2010/main" xmlns="" Requires="p14">
+    <mc:Choice xmlns="" xmlns:p14="http://schemas.microsoft.com/office/powerpoint/2010/main" Requires="p14">
       <p:transition spd="slow" p14:dur="2000"/>
     </mc:Choice>
     <mc:Fallback>
@@ -16496,7 +16496,7 @@
     </p:spTree>
     <p:extLst>
       <p:ext uri="{BB962C8B-B14F-4D97-AF65-F5344CB8AC3E}">
-        <p14:creationId xmlns:p14="http://schemas.microsoft.com/office/powerpoint/2010/main" xmlns="" val="2167458548"/>
+        <p14:creationId xmlns="" xmlns:p14="http://schemas.microsoft.com/office/powerpoint/2010/main" val="2167458548"/>
       </p:ext>
     </p:extLst>
   </p:cSld>
@@ -16504,7 +16504,7 @@
     <a:masterClrMapping/>
   </p:clrMapOvr>
   <mc:AlternateContent xmlns:mc="http://schemas.openxmlformats.org/markup-compatibility/2006">
-    <mc:Choice xmlns:p14="http://schemas.microsoft.com/office/powerpoint/2010/main" xmlns="" Requires="p14">
+    <mc:Choice xmlns="" xmlns:p14="http://schemas.microsoft.com/office/powerpoint/2010/main" Requires="p14">
       <p:transition spd="slow" p14:dur="2000"/>
     </mc:Choice>
     <mc:Fallback>
@@ -16603,7 +16603,7 @@
     </p:spTree>
     <p:extLst>
       <p:ext uri="{BB962C8B-B14F-4D97-AF65-F5344CB8AC3E}">
-        <p14:creationId xmlns:p14="http://schemas.microsoft.com/office/powerpoint/2010/main" xmlns="" val="77984983"/>
+        <p14:creationId xmlns="" xmlns:p14="http://schemas.microsoft.com/office/powerpoint/2010/main" val="77984983"/>
       </p:ext>
     </p:extLst>
   </p:cSld>
@@ -16611,7 +16611,7 @@
     <a:masterClrMapping/>
   </p:clrMapOvr>
   <mc:AlternateContent xmlns:mc="http://schemas.openxmlformats.org/markup-compatibility/2006">
-    <mc:Choice xmlns:p14="http://schemas.microsoft.com/office/powerpoint/2010/main" xmlns="" Requires="p14">
+    <mc:Choice xmlns="" xmlns:p14="http://schemas.microsoft.com/office/powerpoint/2010/main" Requires="p14">
       <p:transition spd="slow" p14:dur="2000"/>
     </mc:Choice>
     <mc:Fallback>
@@ -16710,7 +16710,7 @@
     </p:spTree>
     <p:extLst>
       <p:ext uri="{BB962C8B-B14F-4D97-AF65-F5344CB8AC3E}">
-        <p14:creationId xmlns:p14="http://schemas.microsoft.com/office/powerpoint/2010/main" xmlns="" val="3690446741"/>
+        <p14:creationId xmlns="" xmlns:p14="http://schemas.microsoft.com/office/powerpoint/2010/main" val="3690446741"/>
       </p:ext>
     </p:extLst>
   </p:cSld>
@@ -16718,7 +16718,7 @@
     <a:masterClrMapping/>
   </p:clrMapOvr>
   <mc:AlternateContent xmlns:mc="http://schemas.openxmlformats.org/markup-compatibility/2006">
-    <mc:Choice xmlns:p14="http://schemas.microsoft.com/office/powerpoint/2010/main" xmlns="" Requires="p14">
+    <mc:Choice xmlns="" xmlns:p14="http://schemas.microsoft.com/office/powerpoint/2010/main" Requires="p14">
       <p:transition spd="slow" p14:dur="2000"/>
     </mc:Choice>
     <mc:Fallback>
@@ -16949,7 +16949,7 @@
     </p:spTree>
     <p:extLst>
       <p:ext uri="{BB962C8B-B14F-4D97-AF65-F5344CB8AC3E}">
-        <p14:creationId xmlns:p14="http://schemas.microsoft.com/office/powerpoint/2010/main" xmlns="" val="1921668123"/>
+        <p14:creationId xmlns="" xmlns:p14="http://schemas.microsoft.com/office/powerpoint/2010/main" val="1921668123"/>
       </p:ext>
     </p:extLst>
   </p:cSld>
@@ -16957,7 +16957,7 @@
     <a:masterClrMapping/>
   </p:clrMapOvr>
   <mc:AlternateContent xmlns:mc="http://schemas.openxmlformats.org/markup-compatibility/2006">
-    <mc:Choice xmlns:p14="http://schemas.microsoft.com/office/powerpoint/2010/main" xmlns="" Requires="p14">
+    <mc:Choice xmlns="" xmlns:p14="http://schemas.microsoft.com/office/powerpoint/2010/main" Requires="p14">
       <p:transition spd="slow" p14:dur="2000"/>
     </mc:Choice>
     <mc:Fallback>
@@ -17308,7 +17308,7 @@
     </p:spTree>
     <p:extLst>
       <p:ext uri="{BB962C8B-B14F-4D97-AF65-F5344CB8AC3E}">
-        <p14:creationId xmlns:p14="http://schemas.microsoft.com/office/powerpoint/2010/main" xmlns="" val="1766382090"/>
+        <p14:creationId xmlns="" xmlns:p14="http://schemas.microsoft.com/office/powerpoint/2010/main" val="1766382090"/>
       </p:ext>
     </p:extLst>
   </p:cSld>
@@ -17316,7 +17316,7 @@
     <a:masterClrMapping/>
   </p:clrMapOvr>
   <mc:AlternateContent xmlns:mc="http://schemas.openxmlformats.org/markup-compatibility/2006">
-    <mc:Choice xmlns:p14="http://schemas.microsoft.com/office/powerpoint/2010/main" xmlns="" Requires="p14">
+    <mc:Choice xmlns="" xmlns:p14="http://schemas.microsoft.com/office/powerpoint/2010/main" Requires="p14">
       <p:transition spd="slow" p14:dur="2000"/>
     </mc:Choice>
     <mc:Fallback>
@@ -17608,7 +17608,7 @@
     </p:spTree>
     <p:extLst>
       <p:ext uri="{BB962C8B-B14F-4D97-AF65-F5344CB8AC3E}">
-        <p14:creationId xmlns:p14="http://schemas.microsoft.com/office/powerpoint/2010/main" xmlns="" val="2809531644"/>
+        <p14:creationId xmlns="" xmlns:p14="http://schemas.microsoft.com/office/powerpoint/2010/main" val="2809531644"/>
       </p:ext>
     </p:extLst>
   </p:cSld>
@@ -17616,7 +17616,7 @@
     <a:masterClrMapping/>
   </p:clrMapOvr>
   <mc:AlternateContent xmlns:mc="http://schemas.openxmlformats.org/markup-compatibility/2006">
-    <mc:Choice xmlns:p14="http://schemas.microsoft.com/office/powerpoint/2010/main" xmlns="" Requires="p14">
+    <mc:Choice xmlns="" xmlns:p14="http://schemas.microsoft.com/office/powerpoint/2010/main" Requires="p14">
       <p:transition spd="slow" p14:dur="2000"/>
     </mc:Choice>
     <mc:Fallback>
@@ -17770,7 +17770,7 @@
     </p:spTree>
     <p:extLst>
       <p:ext uri="{BB962C8B-B14F-4D97-AF65-F5344CB8AC3E}">
-        <p14:creationId xmlns:p14="http://schemas.microsoft.com/office/powerpoint/2010/main" xmlns="" val="2052235477"/>
+        <p14:creationId xmlns="" xmlns:p14="http://schemas.microsoft.com/office/powerpoint/2010/main" val="2052235477"/>
       </p:ext>
     </p:extLst>
   </p:cSld>
@@ -17778,7 +17778,7 @@
     <a:masterClrMapping/>
   </p:clrMapOvr>
   <mc:AlternateContent xmlns:mc="http://schemas.openxmlformats.org/markup-compatibility/2006">
-    <mc:Choice xmlns:p14="http://schemas.microsoft.com/office/powerpoint/2010/main" xmlns="" Requires="p14">
+    <mc:Choice xmlns="" xmlns:p14="http://schemas.microsoft.com/office/powerpoint/2010/main" Requires="p14">
       <p:transition spd="slow" p14:dur="2000"/>
     </mc:Choice>
     <mc:Fallback>
@@ -17844,7 +17844,7 @@
     </p:spTree>
     <p:extLst>
       <p:ext uri="{BB962C8B-B14F-4D97-AF65-F5344CB8AC3E}">
-        <p14:creationId xmlns:p14="http://schemas.microsoft.com/office/powerpoint/2010/main" xmlns="" val="1378357901"/>
+        <p14:creationId xmlns="" xmlns:p14="http://schemas.microsoft.com/office/powerpoint/2010/main" val="1378357901"/>
       </p:ext>
     </p:extLst>
   </p:cSld>
@@ -17934,7 +17934,7 @@
           <p:nvPr>
             <p:extLst>
               <p:ext uri="{D42A27DB-BD31-4B8C-83A1-F6EECF244321}">
-                <p14:modId xmlns:p14="http://schemas.microsoft.com/office/powerpoint/2010/main" xmlns="" val="2256308220"/>
+                <p14:modId xmlns="" xmlns:p14="http://schemas.microsoft.com/office/powerpoint/2010/main" val="2256308220"/>
               </p:ext>
             </p:extLst>
           </p:nvPr>
@@ -18519,7 +18519,7 @@
     </p:spTree>
     <p:extLst>
       <p:ext uri="{BB962C8B-B14F-4D97-AF65-F5344CB8AC3E}">
-        <p14:creationId xmlns:p14="http://schemas.microsoft.com/office/powerpoint/2010/main" xmlns="" val="1730443546"/>
+        <p14:creationId xmlns="" xmlns:p14="http://schemas.microsoft.com/office/powerpoint/2010/main" val="1730443546"/>
       </p:ext>
     </p:extLst>
   </p:cSld>
@@ -18527,7 +18527,7 @@
     <a:masterClrMapping/>
   </p:clrMapOvr>
   <mc:AlternateContent xmlns:mc="http://schemas.openxmlformats.org/markup-compatibility/2006">
-    <mc:Choice xmlns:p14="http://schemas.microsoft.com/office/powerpoint/2010/main" xmlns="" Requires="p14">
+    <mc:Choice xmlns="" xmlns:p14="http://schemas.microsoft.com/office/powerpoint/2010/main" Requires="p14">
       <p:transition spd="slow" p14:dur="2000"/>
     </mc:Choice>
     <mc:Fallback>
@@ -19007,7 +19007,7 @@
     </p:spTree>
     <p:extLst>
       <p:ext uri="{BB962C8B-B14F-4D97-AF65-F5344CB8AC3E}">
-        <p14:creationId xmlns:p14="http://schemas.microsoft.com/office/powerpoint/2010/main" xmlns="" val="1629831378"/>
+        <p14:creationId xmlns="" xmlns:p14="http://schemas.microsoft.com/office/powerpoint/2010/main" val="1629831378"/>
       </p:ext>
     </p:extLst>
   </p:cSld>
@@ -19015,7 +19015,7 @@
     <a:masterClrMapping/>
   </p:clrMapOvr>
   <mc:AlternateContent xmlns:mc="http://schemas.openxmlformats.org/markup-compatibility/2006">
-    <mc:Choice xmlns:p14="http://schemas.microsoft.com/office/powerpoint/2010/main" xmlns="" Requires="p14">
+    <mc:Choice xmlns="" xmlns:p14="http://schemas.microsoft.com/office/powerpoint/2010/main" Requires="p14">
       <p:transition spd="slow" p14:dur="2000"/>
     </mc:Choice>
     <mc:Fallback>
@@ -19061,7 +19061,7 @@
           <a:blip r:embed="rId2" cstate="print">
             <a:extLst>
               <a:ext uri="{28A0092B-C50C-407E-A947-70E740481C1C}">
-                <a14:useLocalDpi xmlns:a14="http://schemas.microsoft.com/office/drawing/2010/main" xmlns="" val="0"/>
+                <a14:useLocalDpi xmlns="" xmlns:a14="http://schemas.microsoft.com/office/drawing/2010/main" val="0"/>
               </a:ext>
             </a:extLst>
           </a:blip>
@@ -19081,7 +19081,7 @@
           <a:noFill/>
           <a:extLst>
             <a:ext uri="{909E8E84-426E-40dd-AFC4-6F175D3DCCD1}">
-              <a14:hiddenFill xmlns:a14="http://schemas.microsoft.com/office/drawing/2010/main" xmlns="">
+              <a14:hiddenFill xmlns="" xmlns:a14="http://schemas.microsoft.com/office/drawing/2010/main">
                 <a:solidFill>
                   <a:srgbClr val="FFFFFF"/>
                 </a:solidFill>
@@ -19164,7 +19164,7 @@
     </p:spTree>
     <p:extLst>
       <p:ext uri="{BB962C8B-B14F-4D97-AF65-F5344CB8AC3E}">
-        <p14:creationId xmlns:p14="http://schemas.microsoft.com/office/powerpoint/2010/main" xmlns="" val="2367797895"/>
+        <p14:creationId xmlns="" xmlns:p14="http://schemas.microsoft.com/office/powerpoint/2010/main" val="2367797895"/>
       </p:ext>
     </p:extLst>
   </p:cSld>
@@ -19172,7 +19172,7 @@
     <a:masterClrMapping/>
   </p:clrMapOvr>
   <mc:AlternateContent xmlns:mc="http://schemas.openxmlformats.org/markup-compatibility/2006">
-    <mc:Choice xmlns:p14="http://schemas.microsoft.com/office/powerpoint/2010/main" xmlns="" Requires="p14">
+    <mc:Choice xmlns="" xmlns:p14="http://schemas.microsoft.com/office/powerpoint/2010/main" Requires="p14">
       <p:transition spd="slow" p14:dur="2000"/>
     </mc:Choice>
     <mc:Fallback>
@@ -19552,7 +19552,7 @@
     </p:spTree>
     <p:extLst>
       <p:ext uri="{BB962C8B-B14F-4D97-AF65-F5344CB8AC3E}">
-        <p14:creationId xmlns:p14="http://schemas.microsoft.com/office/powerpoint/2010/main" xmlns="" val="2781102722"/>
+        <p14:creationId xmlns="" xmlns:p14="http://schemas.microsoft.com/office/powerpoint/2010/main" val="2781102722"/>
       </p:ext>
     </p:extLst>
   </p:cSld>
@@ -20165,7 +20165,7 @@
     </p:spTree>
     <p:extLst>
       <p:ext uri="{BB962C8B-B14F-4D97-AF65-F5344CB8AC3E}">
-        <p14:creationId xmlns:p14="http://schemas.microsoft.com/office/powerpoint/2010/main" xmlns="" val="3452883339"/>
+        <p14:creationId xmlns="" xmlns:p14="http://schemas.microsoft.com/office/powerpoint/2010/main" val="3452883339"/>
       </p:ext>
     </p:extLst>
   </p:cSld>
@@ -20173,7 +20173,7 @@
     <a:masterClrMapping/>
   </p:clrMapOvr>
   <mc:AlternateContent xmlns:mc="http://schemas.openxmlformats.org/markup-compatibility/2006">
-    <mc:Choice xmlns:p14="http://schemas.microsoft.com/office/powerpoint/2010/main" xmlns="" Requires="p14">
+    <mc:Choice xmlns="" xmlns:p14="http://schemas.microsoft.com/office/powerpoint/2010/main" Requires="p14">
       <p:transition spd="slow" p14:dur="2000"/>
     </mc:Choice>
     <mc:Fallback>
@@ -21085,7 +21085,7 @@
     </p:spTree>
     <p:extLst>
       <p:ext uri="{BB962C8B-B14F-4D97-AF65-F5344CB8AC3E}">
-        <p14:creationId xmlns:p14="http://schemas.microsoft.com/office/powerpoint/2010/main" xmlns="" val="1827848310"/>
+        <p14:creationId xmlns="" xmlns:p14="http://schemas.microsoft.com/office/powerpoint/2010/main" val="1827848310"/>
       </p:ext>
     </p:extLst>
   </p:cSld>
@@ -21093,7 +21093,7 @@
     <a:masterClrMapping/>
   </p:clrMapOvr>
   <mc:AlternateContent xmlns:mc="http://schemas.openxmlformats.org/markup-compatibility/2006">
-    <mc:Choice xmlns:p14="http://schemas.microsoft.com/office/powerpoint/2010/main" xmlns="" Requires="p14">
+    <mc:Choice xmlns="" xmlns:p14="http://schemas.microsoft.com/office/powerpoint/2010/main" Requires="p14">
       <p:transition spd="slow" p14:dur="2000"/>
     </mc:Choice>
     <mc:Fallback>
@@ -22054,7 +22054,7 @@
     </p:spTree>
     <p:extLst>
       <p:ext uri="{BB962C8B-B14F-4D97-AF65-F5344CB8AC3E}">
-        <p14:creationId xmlns:p14="http://schemas.microsoft.com/office/powerpoint/2010/main" xmlns="" val="2616731691"/>
+        <p14:creationId xmlns="" xmlns:p14="http://schemas.microsoft.com/office/powerpoint/2010/main" val="2616731691"/>
       </p:ext>
     </p:extLst>
   </p:cSld>
@@ -22062,7 +22062,7 @@
     <a:masterClrMapping/>
   </p:clrMapOvr>
   <mc:AlternateContent xmlns:mc="http://schemas.openxmlformats.org/markup-compatibility/2006">
-    <mc:Choice xmlns:p14="http://schemas.microsoft.com/office/powerpoint/2010/main" xmlns="" Requires="p14">
+    <mc:Choice xmlns="" xmlns:p14="http://schemas.microsoft.com/office/powerpoint/2010/main" Requires="p14">
       <p:transition spd="slow" p14:dur="2000"/>
     </mc:Choice>
     <mc:Fallback>
@@ -22531,7 +22531,7 @@
     </p:spTree>
     <p:extLst>
       <p:ext uri="{BB962C8B-B14F-4D97-AF65-F5344CB8AC3E}">
-        <p14:creationId xmlns:p14="http://schemas.microsoft.com/office/powerpoint/2010/main" xmlns="" val="1358147143"/>
+        <p14:creationId xmlns="" xmlns:p14="http://schemas.microsoft.com/office/powerpoint/2010/main" val="1358147143"/>
       </p:ext>
     </p:extLst>
   </p:cSld>
@@ -22539,7 +22539,7 @@
     <a:masterClrMapping/>
   </p:clrMapOvr>
   <mc:AlternateContent xmlns:mc="http://schemas.openxmlformats.org/markup-compatibility/2006">
-    <mc:Choice xmlns:p14="http://schemas.microsoft.com/office/powerpoint/2010/main" xmlns="" Requires="p14">
+    <mc:Choice xmlns="" xmlns:p14="http://schemas.microsoft.com/office/powerpoint/2010/main" Requires="p14">
       <p:transition spd="slow" p14:dur="2000"/>
     </mc:Choice>
     <mc:Fallback>
@@ -22749,7 +22749,7 @@
     </p:spTree>
     <p:extLst>
       <p:ext uri="{BB962C8B-B14F-4D97-AF65-F5344CB8AC3E}">
-        <p14:creationId xmlns:p14="http://schemas.microsoft.com/office/powerpoint/2010/main" xmlns="" val="2912892320"/>
+        <p14:creationId xmlns="" xmlns:p14="http://schemas.microsoft.com/office/powerpoint/2010/main" val="2912892320"/>
       </p:ext>
     </p:extLst>
   </p:cSld>
@@ -22757,7 +22757,7 @@
     <a:masterClrMapping/>
   </p:clrMapOvr>
   <mc:AlternateContent xmlns:mc="http://schemas.openxmlformats.org/markup-compatibility/2006">
-    <mc:Choice xmlns:p14="http://schemas.microsoft.com/office/powerpoint/2010/main" xmlns="" Requires="p14">
+    <mc:Choice xmlns="" xmlns:p14="http://schemas.microsoft.com/office/powerpoint/2010/main" Requires="p14">
       <p:transition spd="slow" p14:dur="2000"/>
     </mc:Choice>
     <mc:Fallback>
@@ -23228,7 +23228,7 @@
     </p:spTree>
     <p:extLst>
       <p:ext uri="{BB962C8B-B14F-4D97-AF65-F5344CB8AC3E}">
-        <p14:creationId xmlns:p14="http://schemas.microsoft.com/office/powerpoint/2010/main" xmlns="" val="462729233"/>
+        <p14:creationId xmlns="" xmlns:p14="http://schemas.microsoft.com/office/powerpoint/2010/main" val="462729233"/>
       </p:ext>
     </p:extLst>
   </p:cSld>
@@ -23236,7 +23236,7 @@
     <a:masterClrMapping/>
   </p:clrMapOvr>
   <mc:AlternateContent xmlns:mc="http://schemas.openxmlformats.org/markup-compatibility/2006">
-    <mc:Choice xmlns:p14="http://schemas.microsoft.com/office/powerpoint/2010/main" xmlns="" Requires="p14">
+    <mc:Choice xmlns="" xmlns:p14="http://schemas.microsoft.com/office/powerpoint/2010/main" Requires="p14">
       <p:transition spd="slow" p14:dur="2000"/>
     </mc:Choice>
     <mc:Fallback>
@@ -23893,7 +23893,7 @@
     </p:spTree>
     <p:extLst>
       <p:ext uri="{BB962C8B-B14F-4D97-AF65-F5344CB8AC3E}">
-        <p14:creationId xmlns:p14="http://schemas.microsoft.com/office/powerpoint/2010/main" xmlns="" val="1717101950"/>
+        <p14:creationId xmlns="" xmlns:p14="http://schemas.microsoft.com/office/powerpoint/2010/main" val="1717101950"/>
       </p:ext>
     </p:extLst>
   </p:cSld>
@@ -23901,7 +23901,7 @@
     <a:masterClrMapping/>
   </p:clrMapOvr>
   <mc:AlternateContent xmlns:mc="http://schemas.openxmlformats.org/markup-compatibility/2006">
-    <mc:Choice xmlns:p14="http://schemas.microsoft.com/office/powerpoint/2010/main" xmlns="" Requires="p14">
+    <mc:Choice xmlns="" xmlns:p14="http://schemas.microsoft.com/office/powerpoint/2010/main" Requires="p14">
       <p:transition spd="slow" p14:dur="2000"/>
     </mc:Choice>
     <mc:Fallback>
@@ -24322,7 +24322,7 @@
     </p:spTree>
     <p:extLst>
       <p:ext uri="{BB962C8B-B14F-4D97-AF65-F5344CB8AC3E}">
-        <p14:creationId xmlns:p14="http://schemas.microsoft.com/office/powerpoint/2010/main" xmlns="" val="309719199"/>
+        <p14:creationId xmlns="" xmlns:p14="http://schemas.microsoft.com/office/powerpoint/2010/main" val="309719199"/>
       </p:ext>
     </p:extLst>
   </p:cSld>
@@ -24330,7 +24330,7 @@
     <a:masterClrMapping/>
   </p:clrMapOvr>
   <mc:AlternateContent xmlns:mc="http://schemas.openxmlformats.org/markup-compatibility/2006">
-    <mc:Choice xmlns:p14="http://schemas.microsoft.com/office/powerpoint/2010/main" xmlns="" Requires="p14">
+    <mc:Choice xmlns="" xmlns:p14="http://schemas.microsoft.com/office/powerpoint/2010/main" Requires="p14">
       <p:transition spd="slow" p14:dur="2000"/>
     </mc:Choice>
     <mc:Fallback>
@@ -24864,7 +24864,7 @@
     </p:spTree>
     <p:extLst>
       <p:ext uri="{BB962C8B-B14F-4D97-AF65-F5344CB8AC3E}">
-        <p14:creationId xmlns:p14="http://schemas.microsoft.com/office/powerpoint/2010/main" xmlns="" val="955904447"/>
+        <p14:creationId xmlns="" xmlns:p14="http://schemas.microsoft.com/office/powerpoint/2010/main" val="955904447"/>
       </p:ext>
     </p:extLst>
   </p:cSld>
@@ -24872,7 +24872,7 @@
     <a:masterClrMapping/>
   </p:clrMapOvr>
   <mc:AlternateContent xmlns:mc="http://schemas.openxmlformats.org/markup-compatibility/2006">
-    <mc:Choice xmlns:p14="http://schemas.microsoft.com/office/powerpoint/2010/main" xmlns="" Requires="p14">
+    <mc:Choice xmlns="" xmlns:p14="http://schemas.microsoft.com/office/powerpoint/2010/main" Requires="p14">
       <p:transition spd="slow" p14:dur="2000"/>
     </mc:Choice>
     <mc:Fallback>
@@ -25386,7 +25386,7 @@
     </p:spTree>
     <p:extLst>
       <p:ext uri="{BB962C8B-B14F-4D97-AF65-F5344CB8AC3E}">
-        <p14:creationId xmlns:p14="http://schemas.microsoft.com/office/powerpoint/2010/main" xmlns="" val="1140837011"/>
+        <p14:creationId xmlns="" xmlns:p14="http://schemas.microsoft.com/office/powerpoint/2010/main" val="1140837011"/>
       </p:ext>
     </p:extLst>
   </p:cSld>
@@ -25394,7 +25394,7 @@
     <a:masterClrMapping/>
   </p:clrMapOvr>
   <mc:AlternateContent xmlns:mc="http://schemas.openxmlformats.org/markup-compatibility/2006">
-    <mc:Choice xmlns:p14="http://schemas.microsoft.com/office/powerpoint/2010/main" xmlns="" Requires="p14">
+    <mc:Choice xmlns="" xmlns:p14="http://schemas.microsoft.com/office/powerpoint/2010/main" Requires="p14">
       <p:transition spd="slow" p14:dur="2000"/>
     </mc:Choice>
     <mc:Fallback>
@@ -26013,7 +26013,7 @@
     </p:spTree>
     <p:extLst>
       <p:ext uri="{BB962C8B-B14F-4D97-AF65-F5344CB8AC3E}">
-        <p14:creationId xmlns:p14="http://schemas.microsoft.com/office/powerpoint/2010/main" xmlns="" val="247747513"/>
+        <p14:creationId xmlns="" xmlns:p14="http://schemas.microsoft.com/office/powerpoint/2010/main" val="247747513"/>
       </p:ext>
     </p:extLst>
   </p:cSld>
@@ -26021,7 +26021,7 @@
     <a:masterClrMapping/>
   </p:clrMapOvr>
   <mc:AlternateContent xmlns:mc="http://schemas.openxmlformats.org/markup-compatibility/2006">
-    <mc:Choice xmlns:p14="http://schemas.microsoft.com/office/powerpoint/2010/main" xmlns="" Requires="p14">
+    <mc:Choice xmlns="" xmlns:p14="http://schemas.microsoft.com/office/powerpoint/2010/main" Requires="p14">
       <p:transition spd="slow" p14:dur="2000"/>
     </mc:Choice>
     <mc:Fallback>
@@ -26711,7 +26711,7 @@
     </p:spTree>
     <p:extLst>
       <p:ext uri="{BB962C8B-B14F-4D97-AF65-F5344CB8AC3E}">
-        <p14:creationId xmlns:p14="http://schemas.microsoft.com/office/powerpoint/2010/main" xmlns="" val="1776831606"/>
+        <p14:creationId xmlns="" xmlns:p14="http://schemas.microsoft.com/office/powerpoint/2010/main" val="1776831606"/>
       </p:ext>
     </p:extLst>
   </p:cSld>
@@ -26719,7 +26719,7 @@
     <a:masterClrMapping/>
   </p:clrMapOvr>
   <mc:AlternateContent xmlns:mc="http://schemas.openxmlformats.org/markup-compatibility/2006">
-    <mc:Choice xmlns:p14="http://schemas.microsoft.com/office/powerpoint/2010/main" xmlns="" Requires="p14">
+    <mc:Choice xmlns="" xmlns:p14="http://schemas.microsoft.com/office/powerpoint/2010/main" Requires="p14">
       <p:transition spd="slow" p14:dur="2000"/>
     </mc:Choice>
     <mc:Fallback>
@@ -27069,7 +27069,7 @@
           <a:blip r:embed="rId2" cstate="print">
             <a:extLst>
               <a:ext uri="{28A0092B-C50C-407E-A947-70E740481C1C}">
-                <a14:useLocalDpi xmlns:a14="http://schemas.microsoft.com/office/drawing/2010/main" xmlns="" val="0"/>
+                <a14:useLocalDpi xmlns="" xmlns:a14="http://schemas.microsoft.com/office/drawing/2010/main" val="0"/>
               </a:ext>
             </a:extLst>
           </a:blip>
@@ -27089,7 +27089,7 @@
           <a:noFill/>
           <a:extLst>
             <a:ext uri="{909E8E84-426E-40dd-AFC4-6F175D3DCCD1}">
-              <a14:hiddenFill xmlns:a14="http://schemas.microsoft.com/office/drawing/2010/main" xmlns="">
+              <a14:hiddenFill xmlns="" xmlns:a14="http://schemas.microsoft.com/office/drawing/2010/main">
                 <a:solidFill>
                   <a:srgbClr val="FFFFFF"/>
                 </a:solidFill>
@@ -27172,7 +27172,7 @@
     </p:spTree>
     <p:extLst>
       <p:ext uri="{BB962C8B-B14F-4D97-AF65-F5344CB8AC3E}">
-        <p14:creationId xmlns:p14="http://schemas.microsoft.com/office/powerpoint/2010/main" xmlns="" val="2717568001"/>
+        <p14:creationId xmlns="" xmlns:p14="http://schemas.microsoft.com/office/powerpoint/2010/main" val="2717568001"/>
       </p:ext>
     </p:extLst>
   </p:cSld>
@@ -27180,7 +27180,7 @@
     <a:masterClrMapping/>
   </p:clrMapOvr>
   <mc:AlternateContent xmlns:mc="http://schemas.openxmlformats.org/markup-compatibility/2006">
-    <mc:Choice xmlns:p14="http://schemas.microsoft.com/office/powerpoint/2010/main" xmlns="" Requires="p14">
+    <mc:Choice xmlns="" xmlns:p14="http://schemas.microsoft.com/office/powerpoint/2010/main" Requires="p14">
       <p:transition spd="slow" p14:dur="2000"/>
     </mc:Choice>
     <mc:Fallback>
@@ -27475,7 +27475,7 @@
     </p:spTree>
     <p:extLst>
       <p:ext uri="{BB962C8B-B14F-4D97-AF65-F5344CB8AC3E}">
-        <p14:creationId xmlns:p14="http://schemas.microsoft.com/office/powerpoint/2010/main" xmlns="" val="3266999169"/>
+        <p14:creationId xmlns="" xmlns:p14="http://schemas.microsoft.com/office/powerpoint/2010/main" val="3266999169"/>
       </p:ext>
     </p:extLst>
   </p:cSld>
@@ -27483,7 +27483,7 @@
     <a:masterClrMapping/>
   </p:clrMapOvr>
   <mc:AlternateContent xmlns:mc="http://schemas.openxmlformats.org/markup-compatibility/2006">
-    <mc:Choice xmlns:p14="http://schemas.microsoft.com/office/powerpoint/2010/main" xmlns="" Requires="p14">
+    <mc:Choice xmlns="" xmlns:p14="http://schemas.microsoft.com/office/powerpoint/2010/main" Requires="p14">
       <p:transition spd="slow" p14:dur="2000"/>
     </mc:Choice>
     <mc:Fallback>
@@ -27834,7 +27834,7 @@
     </p:spTree>
     <p:extLst>
       <p:ext uri="{BB962C8B-B14F-4D97-AF65-F5344CB8AC3E}">
-        <p14:creationId xmlns:p14="http://schemas.microsoft.com/office/powerpoint/2010/main" xmlns="" val="396334508"/>
+        <p14:creationId xmlns="" xmlns:p14="http://schemas.microsoft.com/office/powerpoint/2010/main" val="396334508"/>
       </p:ext>
     </p:extLst>
   </p:cSld>
@@ -27842,7 +27842,7 @@
     <a:masterClrMapping/>
   </p:clrMapOvr>
   <mc:AlternateContent xmlns:mc="http://schemas.openxmlformats.org/markup-compatibility/2006">
-    <mc:Choice xmlns:p14="http://schemas.microsoft.com/office/powerpoint/2010/main" xmlns="" Requires="p14">
+    <mc:Choice xmlns="" xmlns:p14="http://schemas.microsoft.com/office/powerpoint/2010/main" Requires="p14">
       <p:transition spd="slow" p14:dur="2000"/>
     </mc:Choice>
     <mc:Fallback>
@@ -28187,7 +28187,7 @@
     </p:spTree>
     <p:extLst>
       <p:ext uri="{BB962C8B-B14F-4D97-AF65-F5344CB8AC3E}">
-        <p14:creationId xmlns:p14="http://schemas.microsoft.com/office/powerpoint/2010/main" xmlns="" val="1737882227"/>
+        <p14:creationId xmlns="" xmlns:p14="http://schemas.microsoft.com/office/powerpoint/2010/main" val="1737882227"/>
       </p:ext>
     </p:extLst>
   </p:cSld>
@@ -28195,7 +28195,7 @@
     <a:masterClrMapping/>
   </p:clrMapOvr>
   <mc:AlternateContent xmlns:mc="http://schemas.openxmlformats.org/markup-compatibility/2006">
-    <mc:Choice xmlns:p14="http://schemas.microsoft.com/office/powerpoint/2010/main" xmlns="" Requires="p14">
+    <mc:Choice xmlns="" xmlns:p14="http://schemas.microsoft.com/office/powerpoint/2010/main" Requires="p14">
       <p:transition spd="slow" p14:dur="2000"/>
     </mc:Choice>
     <mc:Fallback>
@@ -28553,7 +28553,7 @@
     </p:spTree>
     <p:extLst>
       <p:ext uri="{BB962C8B-B14F-4D97-AF65-F5344CB8AC3E}">
-        <p14:creationId xmlns:p14="http://schemas.microsoft.com/office/powerpoint/2010/main" xmlns="" val="3034068148"/>
+        <p14:creationId xmlns="" xmlns:p14="http://schemas.microsoft.com/office/powerpoint/2010/main" val="3034068148"/>
       </p:ext>
     </p:extLst>
   </p:cSld>
@@ -28561,7 +28561,7 @@
     <a:masterClrMapping/>
   </p:clrMapOvr>
   <mc:AlternateContent xmlns:mc="http://schemas.openxmlformats.org/markup-compatibility/2006">
-    <mc:Choice xmlns:p14="http://schemas.microsoft.com/office/powerpoint/2010/main" xmlns="" Requires="p14">
+    <mc:Choice xmlns="" xmlns:p14="http://schemas.microsoft.com/office/powerpoint/2010/main" Requires="p14">
       <p:transition spd="slow" p14:dur="2000"/>
     </mc:Choice>
     <mc:Fallback>
@@ -28891,7 +28891,7 @@
     </p:spTree>
     <p:extLst>
       <p:ext uri="{BB962C8B-B14F-4D97-AF65-F5344CB8AC3E}">
-        <p14:creationId xmlns:p14="http://schemas.microsoft.com/office/powerpoint/2010/main" xmlns="" val="3646886653"/>
+        <p14:creationId xmlns="" xmlns:p14="http://schemas.microsoft.com/office/powerpoint/2010/main" val="3646886653"/>
       </p:ext>
     </p:extLst>
   </p:cSld>
@@ -28899,7 +28899,7 @@
     <a:masterClrMapping/>
   </p:clrMapOvr>
   <mc:AlternateContent xmlns:mc="http://schemas.openxmlformats.org/markup-compatibility/2006">
-    <mc:Choice xmlns:p14="http://schemas.microsoft.com/office/powerpoint/2010/main" xmlns="" Requires="p14">
+    <mc:Choice xmlns="" xmlns:p14="http://schemas.microsoft.com/office/powerpoint/2010/main" Requires="p14">
       <p:transition spd="slow" p14:dur="2000"/>
     </mc:Choice>
     <mc:Fallback>
@@ -29274,7 +29274,7 @@
     </p:spTree>
     <p:extLst>
       <p:ext uri="{BB962C8B-B14F-4D97-AF65-F5344CB8AC3E}">
-        <p14:creationId xmlns:p14="http://schemas.microsoft.com/office/powerpoint/2010/main" xmlns="" val="520298717"/>
+        <p14:creationId xmlns="" xmlns:p14="http://schemas.microsoft.com/office/powerpoint/2010/main" val="520298717"/>
       </p:ext>
     </p:extLst>
   </p:cSld>
@@ -29282,7 +29282,7 @@
     <a:masterClrMapping/>
   </p:clrMapOvr>
   <mc:AlternateContent xmlns:mc="http://schemas.openxmlformats.org/markup-compatibility/2006">
-    <mc:Choice xmlns:p14="http://schemas.microsoft.com/office/powerpoint/2010/main" xmlns="" Requires="p14">
+    <mc:Choice xmlns="" xmlns:p14="http://schemas.microsoft.com/office/powerpoint/2010/main" Requires="p14">
       <p:transition spd="slow" p14:dur="2000"/>
     </mc:Choice>
     <mc:Fallback>
@@ -29584,7 +29584,7 @@
     </p:spTree>
     <p:extLst>
       <p:ext uri="{BB962C8B-B14F-4D97-AF65-F5344CB8AC3E}">
-        <p14:creationId xmlns:p14="http://schemas.microsoft.com/office/powerpoint/2010/main" xmlns="" val="2203748189"/>
+        <p14:creationId xmlns="" xmlns:p14="http://schemas.microsoft.com/office/powerpoint/2010/main" val="2203748189"/>
       </p:ext>
     </p:extLst>
   </p:cSld>
@@ -29592,7 +29592,7 @@
     <a:masterClrMapping/>
   </p:clrMapOvr>
   <mc:AlternateContent xmlns:mc="http://schemas.openxmlformats.org/markup-compatibility/2006">
-    <mc:Choice xmlns:p14="http://schemas.microsoft.com/office/powerpoint/2010/main" xmlns="" Requires="p14">
+    <mc:Choice xmlns="" xmlns:p14="http://schemas.microsoft.com/office/powerpoint/2010/main" Requires="p14">
       <p:transition spd="slow" p14:dur="2000"/>
     </mc:Choice>
     <mc:Fallback>
@@ -29915,7 +29915,7 @@
     </p:spTree>
     <p:extLst>
       <p:ext uri="{BB962C8B-B14F-4D97-AF65-F5344CB8AC3E}">
-        <p14:creationId xmlns:p14="http://schemas.microsoft.com/office/powerpoint/2010/main" xmlns="" val="1130254901"/>
+        <p14:creationId xmlns="" xmlns:p14="http://schemas.microsoft.com/office/powerpoint/2010/main" val="1130254901"/>
       </p:ext>
     </p:extLst>
   </p:cSld>
@@ -29923,7 +29923,7 @@
     <a:masterClrMapping/>
   </p:clrMapOvr>
   <mc:AlternateContent xmlns:mc="http://schemas.openxmlformats.org/markup-compatibility/2006">
-    <mc:Choice xmlns:p14="http://schemas.microsoft.com/office/powerpoint/2010/main" xmlns="" Requires="p14">
+    <mc:Choice xmlns="" xmlns:p14="http://schemas.microsoft.com/office/powerpoint/2010/main" Requires="p14">
       <p:transition spd="slow" p14:dur="2000"/>
     </mc:Choice>
     <mc:Fallback>
@@ -30261,7 +30261,7 @@
     </p:spTree>
     <p:extLst>
       <p:ext uri="{BB962C8B-B14F-4D97-AF65-F5344CB8AC3E}">
-        <p14:creationId xmlns:p14="http://schemas.microsoft.com/office/powerpoint/2010/main" xmlns="" val="3734576715"/>
+        <p14:creationId xmlns="" xmlns:p14="http://schemas.microsoft.com/office/powerpoint/2010/main" val="3734576715"/>
       </p:ext>
     </p:extLst>
   </p:cSld>
@@ -30269,7 +30269,7 @@
     <a:masterClrMapping/>
   </p:clrMapOvr>
   <mc:AlternateContent xmlns:mc="http://schemas.openxmlformats.org/markup-compatibility/2006">
-    <mc:Choice xmlns:p14="http://schemas.microsoft.com/office/powerpoint/2010/main" xmlns="" Requires="p14">
+    <mc:Choice xmlns="" xmlns:p14="http://schemas.microsoft.com/office/powerpoint/2010/main" Requires="p14">
       <p:transition spd="slow" p14:dur="2000"/>
     </mc:Choice>
     <mc:Fallback>
@@ -30574,7 +30574,7 @@
     </p:spTree>
     <p:extLst>
       <p:ext uri="{BB962C8B-B14F-4D97-AF65-F5344CB8AC3E}">
-        <p14:creationId xmlns:p14="http://schemas.microsoft.com/office/powerpoint/2010/main" xmlns="" val="2632131054"/>
+        <p14:creationId xmlns="" xmlns:p14="http://schemas.microsoft.com/office/powerpoint/2010/main" val="2632131054"/>
       </p:ext>
     </p:extLst>
   </p:cSld>
@@ -30582,7 +30582,7 @@
     <a:masterClrMapping/>
   </p:clrMapOvr>
   <mc:AlternateContent xmlns:mc="http://schemas.openxmlformats.org/markup-compatibility/2006">
-    <mc:Choice xmlns:p14="http://schemas.microsoft.com/office/powerpoint/2010/main" xmlns="" Requires="p14">
+    <mc:Choice xmlns="" xmlns:p14="http://schemas.microsoft.com/office/powerpoint/2010/main" Requires="p14">
       <p:transition spd="slow" p14:dur="2000"/>
     </mc:Choice>
     <mc:Fallback>
@@ -30903,7 +30903,7 @@
     </p:spTree>
     <p:extLst>
       <p:ext uri="{BB962C8B-B14F-4D97-AF65-F5344CB8AC3E}">
-        <p14:creationId xmlns:p14="http://schemas.microsoft.com/office/powerpoint/2010/main" xmlns="" val="2983282113"/>
+        <p14:creationId xmlns="" xmlns:p14="http://schemas.microsoft.com/office/powerpoint/2010/main" val="2983282113"/>
       </p:ext>
     </p:extLst>
   </p:cSld>
@@ -30911,7 +30911,7 @@
     <a:masterClrMapping/>
   </p:clrMapOvr>
   <mc:AlternateContent xmlns:mc="http://schemas.openxmlformats.org/markup-compatibility/2006">
-    <mc:Choice xmlns:p14="http://schemas.microsoft.com/office/powerpoint/2010/main" xmlns="" Requires="p14">
+    <mc:Choice xmlns="" xmlns:p14="http://schemas.microsoft.com/office/powerpoint/2010/main" Requires="p14">
       <p:transition spd="slow" p14:dur="2000"/>
     </mc:Choice>
     <mc:Fallback>
@@ -31278,7 +31278,7 @@
     </p:spTree>
     <p:extLst>
       <p:ext uri="{BB962C8B-B14F-4D97-AF65-F5344CB8AC3E}">
-        <p14:creationId xmlns:p14="http://schemas.microsoft.com/office/powerpoint/2010/main" xmlns="" val="4266361740"/>
+        <p14:creationId xmlns="" xmlns:p14="http://schemas.microsoft.com/office/powerpoint/2010/main" val="4266361740"/>
       </p:ext>
     </p:extLst>
   </p:cSld>
@@ -31286,7 +31286,7 @@
     <a:masterClrMapping/>
   </p:clrMapOvr>
   <mc:AlternateContent xmlns:mc="http://schemas.openxmlformats.org/markup-compatibility/2006">
-    <mc:Choice xmlns:p14="http://schemas.microsoft.com/office/powerpoint/2010/main" xmlns="" Requires="p14">
+    <mc:Choice xmlns="" xmlns:p14="http://schemas.microsoft.com/office/powerpoint/2010/main" Requires="p14">
       <p:transition spd="slow" p14:dur="2000"/>
     </mc:Choice>
     <mc:Fallback>
@@ -31636,7 +31636,7 @@
     </p:spTree>
     <p:extLst>
       <p:ext uri="{BB962C8B-B14F-4D97-AF65-F5344CB8AC3E}">
-        <p14:creationId xmlns:p14="http://schemas.microsoft.com/office/powerpoint/2010/main" xmlns="" val="3678400164"/>
+        <p14:creationId xmlns="" xmlns:p14="http://schemas.microsoft.com/office/powerpoint/2010/main" val="3678400164"/>
       </p:ext>
     </p:extLst>
   </p:cSld>
@@ -31644,7 +31644,7 @@
     <a:masterClrMapping/>
   </p:clrMapOvr>
   <mc:AlternateContent xmlns:mc="http://schemas.openxmlformats.org/markup-compatibility/2006">
-    <mc:Choice xmlns:p14="http://schemas.microsoft.com/office/powerpoint/2010/main" xmlns="" Requires="p14">
+    <mc:Choice xmlns="" xmlns:p14="http://schemas.microsoft.com/office/powerpoint/2010/main" Requires="p14">
       <p:transition spd="slow" p14:dur="2000"/>
     </mc:Choice>
     <mc:Fallback>
@@ -31974,7 +31974,7 @@
     </p:spTree>
     <p:extLst>
       <p:ext uri="{BB962C8B-B14F-4D97-AF65-F5344CB8AC3E}">
-        <p14:creationId xmlns:p14="http://schemas.microsoft.com/office/powerpoint/2010/main" xmlns="" val="3326293041"/>
+        <p14:creationId xmlns="" xmlns:p14="http://schemas.microsoft.com/office/powerpoint/2010/main" val="3326293041"/>
       </p:ext>
     </p:extLst>
   </p:cSld>
@@ -31982,7 +31982,7 @@
     <a:masterClrMapping/>
   </p:clrMapOvr>
   <mc:AlternateContent xmlns:mc="http://schemas.openxmlformats.org/markup-compatibility/2006">
-    <mc:Choice xmlns:p14="http://schemas.microsoft.com/office/powerpoint/2010/main" xmlns="" Requires="p14">
+    <mc:Choice xmlns="" xmlns:p14="http://schemas.microsoft.com/office/powerpoint/2010/main" Requires="p14">
       <p:transition spd="slow" p14:dur="2000"/>
     </mc:Choice>
     <mc:Fallback>
@@ -32320,7 +32320,7 @@
     </p:spTree>
     <p:extLst>
       <p:ext uri="{BB962C8B-B14F-4D97-AF65-F5344CB8AC3E}">
-        <p14:creationId xmlns:p14="http://schemas.microsoft.com/office/powerpoint/2010/main" xmlns="" val="3052723909"/>
+        <p14:creationId xmlns="" xmlns:p14="http://schemas.microsoft.com/office/powerpoint/2010/main" val="3052723909"/>
       </p:ext>
     </p:extLst>
   </p:cSld>
@@ -32328,7 +32328,7 @@
     <a:masterClrMapping/>
   </p:clrMapOvr>
   <mc:AlternateContent xmlns:mc="http://schemas.openxmlformats.org/markup-compatibility/2006">
-    <mc:Choice xmlns:p14="http://schemas.microsoft.com/office/powerpoint/2010/main" xmlns="" Requires="p14">
+    <mc:Choice xmlns="" xmlns:p14="http://schemas.microsoft.com/office/powerpoint/2010/main" Requires="p14">
       <p:transition spd="slow" p14:dur="2000"/>
     </mc:Choice>
     <mc:Fallback>
@@ -32456,7 +32456,7 @@
     </p:spTree>
     <p:extLst>
       <p:ext uri="{BB962C8B-B14F-4D97-AF65-F5344CB8AC3E}">
-        <p14:creationId xmlns:p14="http://schemas.microsoft.com/office/powerpoint/2010/main" xmlns="" val="1576574823"/>
+        <p14:creationId xmlns="" xmlns:p14="http://schemas.microsoft.com/office/powerpoint/2010/main" val="1576574823"/>
       </p:ext>
     </p:extLst>
   </p:cSld>
@@ -32464,7 +32464,7 @@
     <a:masterClrMapping/>
   </p:clrMapOvr>
   <mc:AlternateContent xmlns:mc="http://schemas.openxmlformats.org/markup-compatibility/2006">
-    <mc:Choice xmlns:p14="http://schemas.microsoft.com/office/powerpoint/2010/main" xmlns="" Requires="p14">
+    <mc:Choice xmlns="" xmlns:p14="http://schemas.microsoft.com/office/powerpoint/2010/main" Requires="p14">
       <p:transition spd="slow" p14:dur="2000"/>
     </mc:Choice>
     <mc:Fallback>
@@ -32754,7 +32754,7 @@
     </p:spTree>
     <p:extLst>
       <p:ext uri="{BB962C8B-B14F-4D97-AF65-F5344CB8AC3E}">
-        <p14:creationId xmlns:p14="http://schemas.microsoft.com/office/powerpoint/2010/main" xmlns="" val="3303920882"/>
+        <p14:creationId xmlns="" xmlns:p14="http://schemas.microsoft.com/office/powerpoint/2010/main" val="3303920882"/>
       </p:ext>
     </p:extLst>
   </p:cSld>
@@ -32762,7 +32762,7 @@
     <a:masterClrMapping/>
   </p:clrMapOvr>
   <mc:AlternateContent xmlns:mc="http://schemas.openxmlformats.org/markup-compatibility/2006">
-    <mc:Choice xmlns:p14="http://schemas.microsoft.com/office/powerpoint/2010/main" xmlns="" Requires="p14">
+    <mc:Choice xmlns="" xmlns:p14="http://schemas.microsoft.com/office/powerpoint/2010/main" Requires="p14">
       <p:transition spd="slow" p14:dur="2000"/>
     </mc:Choice>
     <mc:Fallback>
@@ -34925,7 +34925,7 @@
     </p:spTree>
     <p:extLst>
       <p:ext uri="{BB962C8B-B14F-4D97-AF65-F5344CB8AC3E}">
-        <p14:creationId xmlns:p14="http://schemas.microsoft.com/office/powerpoint/2010/main" xmlns="" val="2978215168"/>
+        <p14:creationId xmlns="" xmlns:p14="http://schemas.microsoft.com/office/powerpoint/2010/main" val="2978215168"/>
       </p:ext>
     </p:extLst>
   </p:cSld>
@@ -34933,7 +34933,7 @@
     <a:masterClrMapping/>
   </p:clrMapOvr>
   <mc:AlternateContent xmlns:mc="http://schemas.openxmlformats.org/markup-compatibility/2006">
-    <mc:Choice xmlns:p14="http://schemas.microsoft.com/office/powerpoint/2010/main" xmlns="" Requires="p14">
+    <mc:Choice xmlns="" xmlns:p14="http://schemas.microsoft.com/office/powerpoint/2010/main" Requires="p14">
       <p:transition spd="slow" p14:dur="2000"/>
     </mc:Choice>
     <mc:Fallback>
@@ -36087,17 +36087,6 @@
                 <a:spcPct val="100000"/>
               </a:lnSpc>
               <a:buSzPct val="95000"/>
-              <a:buFont typeface="Wingdings" pitchFamily="2" charset="2"/>
-              <a:buChar char="v"/>
-            </a:pPr>
-            <a:endParaRPr lang="it-IT" sz="3200" b="1" dirty="0" smtClean="0"/>
-          </a:p>
-          <a:p>
-            <a:pPr>
-              <a:lnSpc>
-                <a:spcPct val="100000"/>
-              </a:lnSpc>
-              <a:buSzPct val="95000"/>
             </a:pPr>
             <a:endParaRPr lang="it-IT" sz="2800" dirty="0" smtClean="0"/>
           </a:p>
@@ -36109,17 +36098,29 @@
             </a:pPr>
             <a:r>
               <a:rPr lang="it-IT" sz="2800" dirty="0" smtClean="0"/>
-              <a:t> Abbiamo usato </a:t>
+              <a:t> </a:t>
+            </a:r>
+            <a:r>
+              <a:rPr lang="it-IT" sz="2800" dirty="0" smtClean="0"/>
+              <a:t>Per  il </a:t>
+            </a:r>
+            <a:r>
+              <a:rPr lang="it-IT" sz="2800" b="1" dirty="0" smtClean="0"/>
+              <a:t>test di regressione</a:t>
+            </a:r>
+            <a:r>
+              <a:rPr lang="it-IT" sz="2800" dirty="0" smtClean="0"/>
+              <a:t>, infatti permette di scrivere classi apposite per consentire di rieseguire i test precedentemente scritti nella classe </a:t>
             </a:r>
             <a:r>
               <a:rPr lang="it-IT" sz="2800" dirty="0" err="1" smtClean="0"/>
-              <a:t>Junit</a:t>
+              <a:t>junit</a:t>
             </a:r>
             <a:r>
               <a:rPr lang="it-IT" sz="2800" dirty="0" smtClean="0"/>
-              <a:t> per fare i test di unità su ogni classe.</a:t>
-            </a:r>
-            <a:endParaRPr sz="2800" dirty="0"/>
+              <a:t> , e verificare che vadano a buon fine,anche dopo eventuali modifiche al codice.</a:t>
+            </a:r>
+            <a:endParaRPr lang="it-IT" sz="2800" dirty="0"/>
           </a:p>
         </p:txBody>
       </p:sp>
@@ -37044,7 +37045,7 @@
           <a:blip r:embed="rId2" cstate="print">
             <a:extLst>
               <a:ext uri="{28A0092B-C50C-407E-A947-70E740481C1C}">
-                <a14:useLocalDpi xmlns:a14="http://schemas.microsoft.com/office/drawing/2010/main" xmlns="" val="0"/>
+                <a14:useLocalDpi xmlns="" xmlns:a14="http://schemas.microsoft.com/office/drawing/2010/main" val="0"/>
               </a:ext>
             </a:extLst>
           </a:blip>
@@ -37064,7 +37065,7 @@
           <a:noFill/>
           <a:extLst>
             <a:ext uri="{909E8E84-426E-40dd-AFC4-6F175D3DCCD1}">
-              <a14:hiddenFill xmlns:a14="http://schemas.microsoft.com/office/drawing/2010/main" xmlns="">
+              <a14:hiddenFill xmlns="" xmlns:a14="http://schemas.microsoft.com/office/drawing/2010/main">
                 <a:solidFill>
                   <a:srgbClr val="FFFFFF"/>
                 </a:solidFill>
@@ -37147,7 +37148,7 @@
     </p:spTree>
     <p:extLst>
       <p:ext uri="{BB962C8B-B14F-4D97-AF65-F5344CB8AC3E}">
-        <p14:creationId xmlns:p14="http://schemas.microsoft.com/office/powerpoint/2010/main" xmlns="" val="2252746867"/>
+        <p14:creationId xmlns="" xmlns:p14="http://schemas.microsoft.com/office/powerpoint/2010/main" val="2252746867"/>
       </p:ext>
     </p:extLst>
   </p:cSld>
@@ -37155,7 +37156,7 @@
     <a:masterClrMapping/>
   </p:clrMapOvr>
   <mc:AlternateContent xmlns:mc="http://schemas.openxmlformats.org/markup-compatibility/2006">
-    <mc:Choice xmlns:p14="http://schemas.microsoft.com/office/powerpoint/2010/main" xmlns="" Requires="p14">
+    <mc:Choice xmlns="" xmlns:p14="http://schemas.microsoft.com/office/powerpoint/2010/main" Requires="p14">
       <p:transition spd="slow" p14:dur="2000"/>
     </mc:Choice>
     <mc:Fallback>
@@ -37522,7 +37523,7 @@
     </p:spTree>
     <p:extLst>
       <p:ext uri="{BB962C8B-B14F-4D97-AF65-F5344CB8AC3E}">
-        <p14:creationId xmlns:p14="http://schemas.microsoft.com/office/powerpoint/2010/main" xmlns="" val="3564990699"/>
+        <p14:creationId xmlns="" xmlns:p14="http://schemas.microsoft.com/office/powerpoint/2010/main" val="3564990699"/>
       </p:ext>
     </p:extLst>
   </p:cSld>
@@ -37530,7 +37531,7 @@
     <a:masterClrMapping/>
   </p:clrMapOvr>
   <mc:AlternateContent xmlns:mc="http://schemas.openxmlformats.org/markup-compatibility/2006">
-    <mc:Choice xmlns:p14="http://schemas.microsoft.com/office/powerpoint/2010/main" xmlns="" Requires="p14">
+    <mc:Choice xmlns="" xmlns:p14="http://schemas.microsoft.com/office/powerpoint/2010/main" Requires="p14">
       <p:transition spd="slow" p14:dur="2000"/>
     </mc:Choice>
     <mc:Fallback>

--- a/Presentazione/Atsilo1/[BOZZA] Atsilo_A_PresentazioneFinale copia.pptx
+++ b/Presentazione/Atsilo1/[BOZZA] Atsilo_A_PresentazioneFinale copia.pptx
@@ -467,7 +467,7 @@
     </p:spTree>
     <p:extLst>
       <p:ext uri="{BB962C8B-B14F-4D97-AF65-F5344CB8AC3E}">
-        <p14:creationId xmlns="" xmlns:p14="http://schemas.microsoft.com/office/powerpoint/2010/main" val="2126419590"/>
+        <p14:creationId xmlns:p14="http://schemas.microsoft.com/office/powerpoint/2010/main" xmlns="" val="2126419590"/>
       </p:ext>
     </p:extLst>
   </p:cSld>
@@ -6327,7 +6327,7 @@
           <p:nvPr>
             <p:extLst>
               <p:ext uri="{D42A27DB-BD31-4B8C-83A1-F6EECF244321}">
-                <p14:modId xmlns="" xmlns:p14="http://schemas.microsoft.com/office/powerpoint/2010/main" val="1430840817"/>
+                <p14:modId xmlns:p14="http://schemas.microsoft.com/office/powerpoint/2010/main" xmlns="" val="1430840817"/>
               </p:ext>
             </p:extLst>
           </p:nvPr>
@@ -6575,7 +6575,7 @@
           <p:nvPr>
             <p:extLst>
               <p:ext uri="{D42A27DB-BD31-4B8C-83A1-F6EECF244321}">
-                <p14:modId xmlns="" xmlns:p14="http://schemas.microsoft.com/office/powerpoint/2010/main" val="956586736"/>
+                <p14:modId xmlns:p14="http://schemas.microsoft.com/office/powerpoint/2010/main" xmlns="" val="956586736"/>
               </p:ext>
             </p:extLst>
           </p:nvPr>
@@ -6665,7 +6665,7 @@
           <a:blip r:embed="rId2" cstate="print">
             <a:extLst>
               <a:ext uri="{28A0092B-C50C-407E-A947-70E740481C1C}">
-                <a14:useLocalDpi xmlns="" xmlns:a14="http://schemas.microsoft.com/office/drawing/2010/main" val="0"/>
+                <a14:useLocalDpi xmlns:a14="http://schemas.microsoft.com/office/drawing/2010/main" xmlns="" val="0"/>
               </a:ext>
             </a:extLst>
           </a:blip>
@@ -6685,7 +6685,7 @@
           <a:noFill/>
           <a:extLst>
             <a:ext uri="{909E8E84-426E-40dd-AFC4-6F175D3DCCD1}">
-              <a14:hiddenFill xmlns="" xmlns:a14="http://schemas.microsoft.com/office/drawing/2010/main">
+              <a14:hiddenFill xmlns:a14="http://schemas.microsoft.com/office/drawing/2010/main" xmlns="">
                 <a:solidFill>
                   <a:srgbClr val="FFFFFF"/>
                 </a:solidFill>
@@ -6697,7 +6697,7 @@
     </p:spTree>
     <p:extLst>
       <p:ext uri="{BB962C8B-B14F-4D97-AF65-F5344CB8AC3E}">
-        <p14:creationId xmlns="" xmlns:p14="http://schemas.microsoft.com/office/powerpoint/2010/main" val="4165334171"/>
+        <p14:creationId xmlns:p14="http://schemas.microsoft.com/office/powerpoint/2010/main" xmlns="" val="4165334171"/>
       </p:ext>
     </p:extLst>
   </p:cSld>
@@ -7003,7 +7003,7 @@
     </p:spTree>
     <p:extLst>
       <p:ext uri="{BB962C8B-B14F-4D97-AF65-F5344CB8AC3E}">
-        <p14:creationId xmlns="" xmlns:p14="http://schemas.microsoft.com/office/powerpoint/2010/main" val="4143007013"/>
+        <p14:creationId xmlns:p14="http://schemas.microsoft.com/office/powerpoint/2010/main" xmlns="" val="4143007013"/>
       </p:ext>
     </p:extLst>
   </p:cSld>
@@ -7011,7 +7011,7 @@
     <a:masterClrMapping/>
   </p:clrMapOvr>
   <mc:AlternateContent xmlns:mc="http://schemas.openxmlformats.org/markup-compatibility/2006">
-    <mc:Choice xmlns="" xmlns:p14="http://schemas.microsoft.com/office/powerpoint/2010/main" Requires="p14">
+    <mc:Choice xmlns:p14="http://schemas.microsoft.com/office/powerpoint/2010/main" xmlns="" Requires="p14">
       <p:transition spd="slow" p14:dur="2000"/>
     </mc:Choice>
     <mc:Fallback>
@@ -7379,7 +7379,7 @@
     </p:spTree>
     <p:extLst>
       <p:ext uri="{BB962C8B-B14F-4D97-AF65-F5344CB8AC3E}">
-        <p14:creationId xmlns="" xmlns:p14="http://schemas.microsoft.com/office/powerpoint/2010/main" val="3748041918"/>
+        <p14:creationId xmlns:p14="http://schemas.microsoft.com/office/powerpoint/2010/main" xmlns="" val="3748041918"/>
       </p:ext>
     </p:extLst>
   </p:cSld>
@@ -7387,7 +7387,7 @@
     <a:masterClrMapping/>
   </p:clrMapOvr>
   <mc:AlternateContent xmlns:mc="http://schemas.openxmlformats.org/markup-compatibility/2006">
-    <mc:Choice xmlns="" xmlns:p14="http://schemas.microsoft.com/office/powerpoint/2010/main" Requires="p14">
+    <mc:Choice xmlns:p14="http://schemas.microsoft.com/office/powerpoint/2010/main" xmlns="" Requires="p14">
       <p:transition spd="slow" p14:dur="2000"/>
     </mc:Choice>
     <mc:Fallback>
@@ -7488,7 +7488,7 @@
     </p:spTree>
     <p:extLst>
       <p:ext uri="{BB962C8B-B14F-4D97-AF65-F5344CB8AC3E}">
-        <p14:creationId xmlns="" xmlns:p14="http://schemas.microsoft.com/office/powerpoint/2010/main" val="3695870384"/>
+        <p14:creationId xmlns:p14="http://schemas.microsoft.com/office/powerpoint/2010/main" xmlns="" val="3695870384"/>
       </p:ext>
     </p:extLst>
   </p:cSld>
@@ -7589,7 +7589,7 @@
     </p:spTree>
     <p:extLst>
       <p:ext uri="{BB962C8B-B14F-4D97-AF65-F5344CB8AC3E}">
-        <p14:creationId xmlns="" xmlns:p14="http://schemas.microsoft.com/office/powerpoint/2010/main" val="3987928837"/>
+        <p14:creationId xmlns:p14="http://schemas.microsoft.com/office/powerpoint/2010/main" xmlns="" val="3987928837"/>
       </p:ext>
     </p:extLst>
   </p:cSld>
@@ -7914,7 +7914,7 @@
     </p:spTree>
     <p:extLst>
       <p:ext uri="{BB962C8B-B14F-4D97-AF65-F5344CB8AC3E}">
-        <p14:creationId xmlns="" xmlns:p14="http://schemas.microsoft.com/office/powerpoint/2010/main" val="1367578552"/>
+        <p14:creationId xmlns:p14="http://schemas.microsoft.com/office/powerpoint/2010/main" xmlns="" val="1367578552"/>
       </p:ext>
     </p:extLst>
   </p:cSld>
@@ -8042,7 +8042,7 @@
     </p:spTree>
     <p:extLst>
       <p:ext uri="{BB962C8B-B14F-4D97-AF65-F5344CB8AC3E}">
-        <p14:creationId xmlns="" xmlns:p14="http://schemas.microsoft.com/office/powerpoint/2010/main" val="1554749062"/>
+        <p14:creationId xmlns:p14="http://schemas.microsoft.com/office/powerpoint/2010/main" xmlns="" val="1554749062"/>
       </p:ext>
     </p:extLst>
   </p:cSld>
@@ -8170,7 +8170,7 @@
     </p:spTree>
     <p:extLst>
       <p:ext uri="{BB962C8B-B14F-4D97-AF65-F5344CB8AC3E}">
-        <p14:creationId xmlns="" xmlns:p14="http://schemas.microsoft.com/office/powerpoint/2010/main" val="1028530279"/>
+        <p14:creationId xmlns:p14="http://schemas.microsoft.com/office/powerpoint/2010/main" xmlns="" val="1028530279"/>
       </p:ext>
     </p:extLst>
   </p:cSld>
@@ -8298,7 +8298,7 @@
     </p:spTree>
     <p:extLst>
       <p:ext uri="{BB962C8B-B14F-4D97-AF65-F5344CB8AC3E}">
-        <p14:creationId xmlns="" xmlns:p14="http://schemas.microsoft.com/office/powerpoint/2010/main" val="2120081776"/>
+        <p14:creationId xmlns:p14="http://schemas.microsoft.com/office/powerpoint/2010/main" xmlns="" val="2120081776"/>
       </p:ext>
     </p:extLst>
   </p:cSld>
@@ -8438,7 +8438,7 @@
     </p:spTree>
     <p:extLst>
       <p:ext uri="{BB962C8B-B14F-4D97-AF65-F5344CB8AC3E}">
-        <p14:creationId xmlns="" xmlns:p14="http://schemas.microsoft.com/office/powerpoint/2010/main" val="3320352623"/>
+        <p14:creationId xmlns:p14="http://schemas.microsoft.com/office/powerpoint/2010/main" xmlns="" val="3320352623"/>
       </p:ext>
     </p:extLst>
   </p:cSld>
@@ -8578,7 +8578,7 @@
     </p:spTree>
     <p:extLst>
       <p:ext uri="{BB962C8B-B14F-4D97-AF65-F5344CB8AC3E}">
-        <p14:creationId xmlns="" xmlns:p14="http://schemas.microsoft.com/office/powerpoint/2010/main" val="4011022122"/>
+        <p14:creationId xmlns:p14="http://schemas.microsoft.com/office/powerpoint/2010/main" xmlns="" val="4011022122"/>
       </p:ext>
     </p:extLst>
   </p:cSld>
@@ -8883,7 +8883,7 @@
     </p:spTree>
     <p:extLst>
       <p:ext uri="{BB962C8B-B14F-4D97-AF65-F5344CB8AC3E}">
-        <p14:creationId xmlns="" xmlns:p14="http://schemas.microsoft.com/office/powerpoint/2010/main" val="2927506779"/>
+        <p14:creationId xmlns:p14="http://schemas.microsoft.com/office/powerpoint/2010/main" xmlns="" val="2927506779"/>
       </p:ext>
     </p:extLst>
   </p:cSld>
@@ -9550,7 +9550,7 @@
     </p:spTree>
     <p:extLst>
       <p:ext uri="{BB962C8B-B14F-4D97-AF65-F5344CB8AC3E}">
-        <p14:creationId xmlns="" xmlns:p14="http://schemas.microsoft.com/office/powerpoint/2010/main" val="1720938352"/>
+        <p14:creationId xmlns:p14="http://schemas.microsoft.com/office/powerpoint/2010/main" xmlns="" val="1720938352"/>
       </p:ext>
     </p:extLst>
   </p:cSld>
@@ -9558,7 +9558,7 @@
     <a:masterClrMapping/>
   </p:clrMapOvr>
   <mc:AlternateContent xmlns:mc="http://schemas.openxmlformats.org/markup-compatibility/2006">
-    <mc:Choice xmlns="" xmlns:p14="http://schemas.microsoft.com/office/powerpoint/2010/main" Requires="p14">
+    <mc:Choice xmlns:p14="http://schemas.microsoft.com/office/powerpoint/2010/main" xmlns="" Requires="p14">
       <p:transition spd="slow" p14:dur="2000"/>
     </mc:Choice>
     <mc:Fallback>
@@ -9852,7 +9852,7 @@
     </p:spTree>
     <p:extLst>
       <p:ext uri="{BB962C8B-B14F-4D97-AF65-F5344CB8AC3E}">
-        <p14:creationId xmlns="" xmlns:p14="http://schemas.microsoft.com/office/powerpoint/2010/main" val="3389076463"/>
+        <p14:creationId xmlns:p14="http://schemas.microsoft.com/office/powerpoint/2010/main" xmlns="" val="3389076463"/>
       </p:ext>
     </p:extLst>
   </p:cSld>
@@ -9975,7 +9975,7 @@
     </p:spTree>
     <p:extLst>
       <p:ext uri="{BB962C8B-B14F-4D97-AF65-F5344CB8AC3E}">
-        <p14:creationId xmlns="" xmlns:p14="http://schemas.microsoft.com/office/powerpoint/2010/main" val="3781125707"/>
+        <p14:creationId xmlns:p14="http://schemas.microsoft.com/office/powerpoint/2010/main" xmlns="" val="3781125707"/>
       </p:ext>
     </p:extLst>
   </p:cSld>
@@ -10099,7 +10099,7 @@
     </p:spTree>
     <p:extLst>
       <p:ext uri="{BB962C8B-B14F-4D97-AF65-F5344CB8AC3E}">
-        <p14:creationId xmlns="" xmlns:p14="http://schemas.microsoft.com/office/powerpoint/2010/main" val="3113757335"/>
+        <p14:creationId xmlns:p14="http://schemas.microsoft.com/office/powerpoint/2010/main" xmlns="" val="3113757335"/>
       </p:ext>
     </p:extLst>
   </p:cSld>
@@ -10183,7 +10183,7 @@
     </p:spTree>
     <p:extLst>
       <p:ext uri="{BB962C8B-B14F-4D97-AF65-F5344CB8AC3E}">
-        <p14:creationId xmlns="" xmlns:p14="http://schemas.microsoft.com/office/powerpoint/2010/main" val="3128220547"/>
+        <p14:creationId xmlns:p14="http://schemas.microsoft.com/office/powerpoint/2010/main" xmlns="" val="3128220547"/>
       </p:ext>
     </p:extLst>
   </p:cSld>
@@ -10309,7 +10309,7 @@
     </p:spTree>
     <p:extLst>
       <p:ext uri="{BB962C8B-B14F-4D97-AF65-F5344CB8AC3E}">
-        <p14:creationId xmlns="" xmlns:p14="http://schemas.microsoft.com/office/powerpoint/2010/main" val="3526463055"/>
+        <p14:creationId xmlns:p14="http://schemas.microsoft.com/office/powerpoint/2010/main" xmlns="" val="3526463055"/>
       </p:ext>
     </p:extLst>
   </p:cSld>
@@ -10432,7 +10432,7 @@
     </p:spTree>
     <p:extLst>
       <p:ext uri="{BB962C8B-B14F-4D97-AF65-F5344CB8AC3E}">
-        <p14:creationId xmlns="" xmlns:p14="http://schemas.microsoft.com/office/powerpoint/2010/main" val="4153735844"/>
+        <p14:creationId xmlns:p14="http://schemas.microsoft.com/office/powerpoint/2010/main" xmlns="" val="4153735844"/>
       </p:ext>
     </p:extLst>
   </p:cSld>
@@ -10525,7 +10525,7 @@
     </p:spTree>
     <p:extLst>
       <p:ext uri="{BB962C8B-B14F-4D97-AF65-F5344CB8AC3E}">
-        <p14:creationId xmlns="" xmlns:p14="http://schemas.microsoft.com/office/powerpoint/2010/main" val="3584613944"/>
+        <p14:creationId xmlns:p14="http://schemas.microsoft.com/office/powerpoint/2010/main" xmlns="" val="3584613944"/>
       </p:ext>
     </p:extLst>
   </p:cSld>
@@ -10714,7 +10714,7 @@
     </p:spTree>
     <p:extLst>
       <p:ext uri="{BB962C8B-B14F-4D97-AF65-F5344CB8AC3E}">
-        <p14:creationId xmlns="" xmlns:p14="http://schemas.microsoft.com/office/powerpoint/2010/main" val="1309712431"/>
+        <p14:creationId xmlns:p14="http://schemas.microsoft.com/office/powerpoint/2010/main" xmlns="" val="1309712431"/>
       </p:ext>
     </p:extLst>
   </p:cSld>
@@ -10931,7 +10931,7 @@
     </p:spTree>
     <p:extLst>
       <p:ext uri="{BB962C8B-B14F-4D97-AF65-F5344CB8AC3E}">
-        <p14:creationId xmlns="" xmlns:p14="http://schemas.microsoft.com/office/powerpoint/2010/main" val="3902446084"/>
+        <p14:creationId xmlns:p14="http://schemas.microsoft.com/office/powerpoint/2010/main" xmlns="" val="3902446084"/>
       </p:ext>
     </p:extLst>
   </p:cSld>
@@ -11123,7 +11123,7 @@
     </p:spTree>
     <p:extLst>
       <p:ext uri="{BB962C8B-B14F-4D97-AF65-F5344CB8AC3E}">
-        <p14:creationId xmlns="" xmlns:p14="http://schemas.microsoft.com/office/powerpoint/2010/main" val="3677979436"/>
+        <p14:creationId xmlns:p14="http://schemas.microsoft.com/office/powerpoint/2010/main" xmlns="" val="3677979436"/>
       </p:ext>
     </p:extLst>
   </p:cSld>
@@ -11640,7 +11640,7 @@
     </p:spTree>
     <p:extLst>
       <p:ext uri="{BB962C8B-B14F-4D97-AF65-F5344CB8AC3E}">
-        <p14:creationId xmlns="" xmlns:p14="http://schemas.microsoft.com/office/powerpoint/2010/main" val="3436514102"/>
+        <p14:creationId xmlns:p14="http://schemas.microsoft.com/office/powerpoint/2010/main" xmlns="" val="3436514102"/>
       </p:ext>
     </p:extLst>
   </p:cSld>
@@ -11648,7 +11648,7 @@
     <a:masterClrMapping/>
   </p:clrMapOvr>
   <mc:AlternateContent xmlns:mc="http://schemas.openxmlformats.org/markup-compatibility/2006">
-    <mc:Choice xmlns="" xmlns:p14="http://schemas.microsoft.com/office/powerpoint/2010/main" Requires="p14">
+    <mc:Choice xmlns:p14="http://schemas.microsoft.com/office/powerpoint/2010/main" xmlns="" Requires="p14">
       <p:transition spd="slow" p14:dur="2000"/>
     </mc:Choice>
     <mc:Fallback>
@@ -11741,7 +11741,7 @@
     </p:spTree>
     <p:extLst>
       <p:ext uri="{BB962C8B-B14F-4D97-AF65-F5344CB8AC3E}">
-        <p14:creationId xmlns="" xmlns:p14="http://schemas.microsoft.com/office/powerpoint/2010/main" val="2777952497"/>
+        <p14:creationId xmlns:p14="http://schemas.microsoft.com/office/powerpoint/2010/main" xmlns="" val="2777952497"/>
       </p:ext>
     </p:extLst>
   </p:cSld>
@@ -11929,7 +11929,7 @@
     </p:spTree>
     <p:extLst>
       <p:ext uri="{BB962C8B-B14F-4D97-AF65-F5344CB8AC3E}">
-        <p14:creationId xmlns="" xmlns:p14="http://schemas.microsoft.com/office/powerpoint/2010/main" val="2574674066"/>
+        <p14:creationId xmlns:p14="http://schemas.microsoft.com/office/powerpoint/2010/main" xmlns="" val="2574674066"/>
       </p:ext>
     </p:extLst>
   </p:cSld>
@@ -12022,7 +12022,7 @@
     </p:spTree>
     <p:extLst>
       <p:ext uri="{BB962C8B-B14F-4D97-AF65-F5344CB8AC3E}">
-        <p14:creationId xmlns="" xmlns:p14="http://schemas.microsoft.com/office/powerpoint/2010/main" val="763878143"/>
+        <p14:creationId xmlns:p14="http://schemas.microsoft.com/office/powerpoint/2010/main" xmlns="" val="763878143"/>
       </p:ext>
     </p:extLst>
   </p:cSld>
@@ -12643,7 +12643,7 @@
     </p:spTree>
     <p:extLst>
       <p:ext uri="{BB962C8B-B14F-4D97-AF65-F5344CB8AC3E}">
-        <p14:creationId xmlns="" xmlns:p14="http://schemas.microsoft.com/office/powerpoint/2010/main" val="42533803"/>
+        <p14:creationId xmlns:p14="http://schemas.microsoft.com/office/powerpoint/2010/main" xmlns="" val="42533803"/>
       </p:ext>
     </p:extLst>
   </p:cSld>
@@ -12651,7 +12651,7 @@
     <a:masterClrMapping/>
   </p:clrMapOvr>
   <mc:AlternateContent xmlns:mc="http://schemas.openxmlformats.org/markup-compatibility/2006">
-    <mc:Choice xmlns="" xmlns:p14="http://schemas.microsoft.com/office/powerpoint/2010/main" Requires="p14">
+    <mc:Choice xmlns:p14="http://schemas.microsoft.com/office/powerpoint/2010/main" xmlns="" Requires="p14">
       <p:transition spd="slow" p14:dur="2000"/>
     </mc:Choice>
     <mc:Fallback>
@@ -12955,7 +12955,7 @@
     </p:spTree>
     <p:extLst>
       <p:ext uri="{BB962C8B-B14F-4D97-AF65-F5344CB8AC3E}">
-        <p14:creationId xmlns="" xmlns:p14="http://schemas.microsoft.com/office/powerpoint/2010/main" val="719158636"/>
+        <p14:creationId xmlns:p14="http://schemas.microsoft.com/office/powerpoint/2010/main" xmlns="" val="719158636"/>
       </p:ext>
     </p:extLst>
   </p:cSld>
@@ -12963,7 +12963,7 @@
     <a:masterClrMapping/>
   </p:clrMapOvr>
   <mc:AlternateContent xmlns:mc="http://schemas.openxmlformats.org/markup-compatibility/2006">
-    <mc:Choice xmlns="" xmlns:p14="http://schemas.microsoft.com/office/powerpoint/2010/main" Requires="p14">
+    <mc:Choice xmlns:p14="http://schemas.microsoft.com/office/powerpoint/2010/main" xmlns="" Requires="p14">
       <p:transition spd="slow" p14:dur="2000"/>
     </mc:Choice>
     <mc:Fallback>
@@ -13264,7 +13264,7 @@
     </p:spTree>
     <p:extLst>
       <p:ext uri="{BB962C8B-B14F-4D97-AF65-F5344CB8AC3E}">
-        <p14:creationId xmlns="" xmlns:p14="http://schemas.microsoft.com/office/powerpoint/2010/main" val="3790159258"/>
+        <p14:creationId xmlns:p14="http://schemas.microsoft.com/office/powerpoint/2010/main" xmlns="" val="3790159258"/>
       </p:ext>
     </p:extLst>
   </p:cSld>
@@ -13272,7 +13272,7 @@
     <a:masterClrMapping/>
   </p:clrMapOvr>
   <mc:AlternateContent xmlns:mc="http://schemas.openxmlformats.org/markup-compatibility/2006">
-    <mc:Choice xmlns="" xmlns:p14="http://schemas.microsoft.com/office/powerpoint/2010/main" Requires="p14">
+    <mc:Choice xmlns:p14="http://schemas.microsoft.com/office/powerpoint/2010/main" xmlns="" Requires="p14">
       <p:transition spd="slow" p14:dur="2000"/>
     </mc:Choice>
     <mc:Fallback>
@@ -13580,7 +13580,7 @@
     </p:spTree>
     <p:extLst>
       <p:ext uri="{BB962C8B-B14F-4D97-AF65-F5344CB8AC3E}">
-        <p14:creationId xmlns="" xmlns:p14="http://schemas.microsoft.com/office/powerpoint/2010/main" val="560870364"/>
+        <p14:creationId xmlns:p14="http://schemas.microsoft.com/office/powerpoint/2010/main" xmlns="" val="560870364"/>
       </p:ext>
     </p:extLst>
   </p:cSld>
@@ -13588,7 +13588,7 @@
     <a:masterClrMapping/>
   </p:clrMapOvr>
   <mc:AlternateContent xmlns:mc="http://schemas.openxmlformats.org/markup-compatibility/2006">
-    <mc:Choice xmlns="" xmlns:p14="http://schemas.microsoft.com/office/powerpoint/2010/main" Requires="p14">
+    <mc:Choice xmlns:p14="http://schemas.microsoft.com/office/powerpoint/2010/main" xmlns="" Requires="p14">
       <p:transition spd="slow" p14:dur="2000"/>
     </mc:Choice>
     <mc:Fallback>
@@ -13889,7 +13889,7 @@
     </p:spTree>
     <p:extLst>
       <p:ext uri="{BB962C8B-B14F-4D97-AF65-F5344CB8AC3E}">
-        <p14:creationId xmlns="" xmlns:p14="http://schemas.microsoft.com/office/powerpoint/2010/main" val="518406238"/>
+        <p14:creationId xmlns:p14="http://schemas.microsoft.com/office/powerpoint/2010/main" xmlns="" val="518406238"/>
       </p:ext>
     </p:extLst>
   </p:cSld>
@@ -13897,7 +13897,7 @@
     <a:masterClrMapping/>
   </p:clrMapOvr>
   <mc:AlternateContent xmlns:mc="http://schemas.openxmlformats.org/markup-compatibility/2006">
-    <mc:Choice xmlns="" xmlns:p14="http://schemas.microsoft.com/office/powerpoint/2010/main" Requires="p14">
+    <mc:Choice xmlns:p14="http://schemas.microsoft.com/office/powerpoint/2010/main" xmlns="" Requires="p14">
       <p:transition spd="slow" p14:dur="2000"/>
     </mc:Choice>
     <mc:Fallback>
@@ -14198,7 +14198,7 @@
     </p:spTree>
     <p:extLst>
       <p:ext uri="{BB962C8B-B14F-4D97-AF65-F5344CB8AC3E}">
-        <p14:creationId xmlns="" xmlns:p14="http://schemas.microsoft.com/office/powerpoint/2010/main" val="3089945963"/>
+        <p14:creationId xmlns:p14="http://schemas.microsoft.com/office/powerpoint/2010/main" xmlns="" val="3089945963"/>
       </p:ext>
     </p:extLst>
   </p:cSld>
@@ -14206,7 +14206,7 @@
     <a:masterClrMapping/>
   </p:clrMapOvr>
   <mc:AlternateContent xmlns:mc="http://schemas.openxmlformats.org/markup-compatibility/2006">
-    <mc:Choice xmlns="" xmlns:p14="http://schemas.microsoft.com/office/powerpoint/2010/main" Requires="p14">
+    <mc:Choice xmlns:p14="http://schemas.microsoft.com/office/powerpoint/2010/main" xmlns="" Requires="p14">
       <p:transition spd="slow" p14:dur="2000"/>
     </mc:Choice>
     <mc:Fallback>
@@ -14553,7 +14553,7 @@
     </p:spTree>
     <p:extLst>
       <p:ext uri="{BB962C8B-B14F-4D97-AF65-F5344CB8AC3E}">
-        <p14:creationId xmlns="" xmlns:p14="http://schemas.microsoft.com/office/powerpoint/2010/main" val="3735783036"/>
+        <p14:creationId xmlns:p14="http://schemas.microsoft.com/office/powerpoint/2010/main" xmlns="" val="3735783036"/>
       </p:ext>
     </p:extLst>
   </p:cSld>
@@ -14561,7 +14561,7 @@
     <a:masterClrMapping/>
   </p:clrMapOvr>
   <mc:AlternateContent xmlns:mc="http://schemas.openxmlformats.org/markup-compatibility/2006">
-    <mc:Choice xmlns="" xmlns:p14="http://schemas.microsoft.com/office/powerpoint/2010/main" Requires="p14">
+    <mc:Choice xmlns:p14="http://schemas.microsoft.com/office/powerpoint/2010/main" xmlns="" Requires="p14">
       <p:transition spd="slow" p14:dur="2000"/>
     </mc:Choice>
     <mc:Fallback>
@@ -14874,7 +14874,7 @@
     </p:spTree>
     <p:extLst>
       <p:ext uri="{BB962C8B-B14F-4D97-AF65-F5344CB8AC3E}">
-        <p14:creationId xmlns="" xmlns:p14="http://schemas.microsoft.com/office/powerpoint/2010/main" val="820318166"/>
+        <p14:creationId xmlns:p14="http://schemas.microsoft.com/office/powerpoint/2010/main" xmlns="" val="820318166"/>
       </p:ext>
     </p:extLst>
   </p:cSld>
@@ -14882,7 +14882,7 @@
     <a:masterClrMapping/>
   </p:clrMapOvr>
   <mc:AlternateContent xmlns:mc="http://schemas.openxmlformats.org/markup-compatibility/2006">
-    <mc:Choice xmlns="" xmlns:p14="http://schemas.microsoft.com/office/powerpoint/2010/main" Requires="p14">
+    <mc:Choice xmlns:p14="http://schemas.microsoft.com/office/powerpoint/2010/main" xmlns="" Requires="p14">
       <p:transition spd="slow" p14:dur="2000"/>
     </mc:Choice>
     <mc:Fallback>
@@ -15202,7 +15202,7 @@
     </p:spTree>
     <p:extLst>
       <p:ext uri="{BB962C8B-B14F-4D97-AF65-F5344CB8AC3E}">
-        <p14:creationId xmlns="" xmlns:p14="http://schemas.microsoft.com/office/powerpoint/2010/main" val="2112585717"/>
+        <p14:creationId xmlns:p14="http://schemas.microsoft.com/office/powerpoint/2010/main" xmlns="" val="2112585717"/>
       </p:ext>
     </p:extLst>
   </p:cSld>
@@ -15210,7 +15210,7 @@
     <a:masterClrMapping/>
   </p:clrMapOvr>
   <mc:AlternateContent xmlns:mc="http://schemas.openxmlformats.org/markup-compatibility/2006">
-    <mc:Choice xmlns="" xmlns:p14="http://schemas.microsoft.com/office/powerpoint/2010/main" Requires="p14">
+    <mc:Choice xmlns:p14="http://schemas.microsoft.com/office/powerpoint/2010/main" xmlns="" Requires="p14">
       <p:transition spd="slow" p14:dur="2000"/>
     </mc:Choice>
     <mc:Fallback>
@@ -15495,7 +15495,7 @@
     </p:spTree>
     <p:extLst>
       <p:ext uri="{BB962C8B-B14F-4D97-AF65-F5344CB8AC3E}">
-        <p14:creationId xmlns="" xmlns:p14="http://schemas.microsoft.com/office/powerpoint/2010/main" val="2498309309"/>
+        <p14:creationId xmlns:p14="http://schemas.microsoft.com/office/powerpoint/2010/main" xmlns="" val="2498309309"/>
       </p:ext>
     </p:extLst>
   </p:cSld>
@@ -15503,7 +15503,7 @@
     <a:masterClrMapping/>
   </p:clrMapOvr>
   <mc:AlternateContent xmlns:mc="http://schemas.openxmlformats.org/markup-compatibility/2006">
-    <mc:Choice xmlns="" xmlns:p14="http://schemas.microsoft.com/office/powerpoint/2010/main" Requires="p14">
+    <mc:Choice xmlns:p14="http://schemas.microsoft.com/office/powerpoint/2010/main" xmlns="" Requires="p14">
       <p:transition spd="slow" p14:dur="2000"/>
     </mc:Choice>
     <mc:Fallback>
@@ -15800,7 +15800,7 @@
     </p:spTree>
     <p:extLst>
       <p:ext uri="{BB962C8B-B14F-4D97-AF65-F5344CB8AC3E}">
-        <p14:creationId xmlns="" xmlns:p14="http://schemas.microsoft.com/office/powerpoint/2010/main" val="490993421"/>
+        <p14:creationId xmlns:p14="http://schemas.microsoft.com/office/powerpoint/2010/main" xmlns="" val="490993421"/>
       </p:ext>
     </p:extLst>
   </p:cSld>
@@ -15808,7 +15808,7 @@
     <a:masterClrMapping/>
   </p:clrMapOvr>
   <mc:AlternateContent xmlns:mc="http://schemas.openxmlformats.org/markup-compatibility/2006">
-    <mc:Choice xmlns="" xmlns:p14="http://schemas.microsoft.com/office/powerpoint/2010/main" Requires="p14">
+    <mc:Choice xmlns:p14="http://schemas.microsoft.com/office/powerpoint/2010/main" xmlns="" Requires="p14">
       <p:transition spd="slow" p14:dur="2000"/>
     </mc:Choice>
     <mc:Fallback>
@@ -16077,7 +16077,7 @@
     </p:spTree>
     <p:extLst>
       <p:ext uri="{BB962C8B-B14F-4D97-AF65-F5344CB8AC3E}">
-        <p14:creationId xmlns="" xmlns:p14="http://schemas.microsoft.com/office/powerpoint/2010/main" val="1982603412"/>
+        <p14:creationId xmlns:p14="http://schemas.microsoft.com/office/powerpoint/2010/main" xmlns="" val="1982603412"/>
       </p:ext>
     </p:extLst>
   </p:cSld>
@@ -16085,7 +16085,7 @@
     <a:masterClrMapping/>
   </p:clrMapOvr>
   <mc:AlternateContent xmlns:mc="http://schemas.openxmlformats.org/markup-compatibility/2006">
-    <mc:Choice xmlns="" xmlns:p14="http://schemas.microsoft.com/office/powerpoint/2010/main" Requires="p14">
+    <mc:Choice xmlns:p14="http://schemas.microsoft.com/office/powerpoint/2010/main" xmlns="" Requires="p14">
       <p:transition spd="slow" p14:dur="2000"/>
     </mc:Choice>
     <mc:Fallback>
@@ -16178,7 +16178,7 @@
     </p:spTree>
     <p:extLst>
       <p:ext uri="{BB962C8B-B14F-4D97-AF65-F5344CB8AC3E}">
-        <p14:creationId xmlns="" xmlns:p14="http://schemas.microsoft.com/office/powerpoint/2010/main" val="3486681628"/>
+        <p14:creationId xmlns:p14="http://schemas.microsoft.com/office/powerpoint/2010/main" xmlns="" val="3486681628"/>
       </p:ext>
     </p:extLst>
   </p:cSld>
@@ -16186,7 +16186,7 @@
     <a:masterClrMapping/>
   </p:clrMapOvr>
   <mc:AlternateContent xmlns:mc="http://schemas.openxmlformats.org/markup-compatibility/2006">
-    <mc:Choice xmlns="" xmlns:p14="http://schemas.microsoft.com/office/powerpoint/2010/main" Requires="p14">
+    <mc:Choice xmlns:p14="http://schemas.microsoft.com/office/powerpoint/2010/main" xmlns="" Requires="p14">
       <p:transition spd="slow" p14:dur="2000"/>
     </mc:Choice>
     <mc:Fallback>
@@ -16496,7 +16496,7 @@
     </p:spTree>
     <p:extLst>
       <p:ext uri="{BB962C8B-B14F-4D97-AF65-F5344CB8AC3E}">
-        <p14:creationId xmlns="" xmlns:p14="http://schemas.microsoft.com/office/powerpoint/2010/main" val="2167458548"/>
+        <p14:creationId xmlns:p14="http://schemas.microsoft.com/office/powerpoint/2010/main" xmlns="" val="2167458548"/>
       </p:ext>
     </p:extLst>
   </p:cSld>
@@ -16504,7 +16504,7 @@
     <a:masterClrMapping/>
   </p:clrMapOvr>
   <mc:AlternateContent xmlns:mc="http://schemas.openxmlformats.org/markup-compatibility/2006">
-    <mc:Choice xmlns="" xmlns:p14="http://schemas.microsoft.com/office/powerpoint/2010/main" Requires="p14">
+    <mc:Choice xmlns:p14="http://schemas.microsoft.com/office/powerpoint/2010/main" xmlns="" Requires="p14">
       <p:transition spd="slow" p14:dur="2000"/>
     </mc:Choice>
     <mc:Fallback>
@@ -16603,7 +16603,7 @@
     </p:spTree>
     <p:extLst>
       <p:ext uri="{BB962C8B-B14F-4D97-AF65-F5344CB8AC3E}">
-        <p14:creationId xmlns="" xmlns:p14="http://schemas.microsoft.com/office/powerpoint/2010/main" val="77984983"/>
+        <p14:creationId xmlns:p14="http://schemas.microsoft.com/office/powerpoint/2010/main" xmlns="" val="77984983"/>
       </p:ext>
     </p:extLst>
   </p:cSld>
@@ -16611,7 +16611,7 @@
     <a:masterClrMapping/>
   </p:clrMapOvr>
   <mc:AlternateContent xmlns:mc="http://schemas.openxmlformats.org/markup-compatibility/2006">
-    <mc:Choice xmlns="" xmlns:p14="http://schemas.microsoft.com/office/powerpoint/2010/main" Requires="p14">
+    <mc:Choice xmlns:p14="http://schemas.microsoft.com/office/powerpoint/2010/main" xmlns="" Requires="p14">
       <p:transition spd="slow" p14:dur="2000"/>
     </mc:Choice>
     <mc:Fallback>
@@ -16710,7 +16710,7 @@
     </p:spTree>
     <p:extLst>
       <p:ext uri="{BB962C8B-B14F-4D97-AF65-F5344CB8AC3E}">
-        <p14:creationId xmlns="" xmlns:p14="http://schemas.microsoft.com/office/powerpoint/2010/main" val="3690446741"/>
+        <p14:creationId xmlns:p14="http://schemas.microsoft.com/office/powerpoint/2010/main" xmlns="" val="3690446741"/>
       </p:ext>
     </p:extLst>
   </p:cSld>
@@ -16718,7 +16718,7 @@
     <a:masterClrMapping/>
   </p:clrMapOvr>
   <mc:AlternateContent xmlns:mc="http://schemas.openxmlformats.org/markup-compatibility/2006">
-    <mc:Choice xmlns="" xmlns:p14="http://schemas.microsoft.com/office/powerpoint/2010/main" Requires="p14">
+    <mc:Choice xmlns:p14="http://schemas.microsoft.com/office/powerpoint/2010/main" xmlns="" Requires="p14">
       <p:transition spd="slow" p14:dur="2000"/>
     </mc:Choice>
     <mc:Fallback>
@@ -16949,7 +16949,7 @@
     </p:spTree>
     <p:extLst>
       <p:ext uri="{BB962C8B-B14F-4D97-AF65-F5344CB8AC3E}">
-        <p14:creationId xmlns="" xmlns:p14="http://schemas.microsoft.com/office/powerpoint/2010/main" val="1921668123"/>
+        <p14:creationId xmlns:p14="http://schemas.microsoft.com/office/powerpoint/2010/main" xmlns="" val="1921668123"/>
       </p:ext>
     </p:extLst>
   </p:cSld>
@@ -16957,7 +16957,7 @@
     <a:masterClrMapping/>
   </p:clrMapOvr>
   <mc:AlternateContent xmlns:mc="http://schemas.openxmlformats.org/markup-compatibility/2006">
-    <mc:Choice xmlns="" xmlns:p14="http://schemas.microsoft.com/office/powerpoint/2010/main" Requires="p14">
+    <mc:Choice xmlns:p14="http://schemas.microsoft.com/office/powerpoint/2010/main" xmlns="" Requires="p14">
       <p:transition spd="slow" p14:dur="2000"/>
     </mc:Choice>
     <mc:Fallback>
@@ -17308,7 +17308,7 @@
     </p:spTree>
     <p:extLst>
       <p:ext uri="{BB962C8B-B14F-4D97-AF65-F5344CB8AC3E}">
-        <p14:creationId xmlns="" xmlns:p14="http://schemas.microsoft.com/office/powerpoint/2010/main" val="1766382090"/>
+        <p14:creationId xmlns:p14="http://schemas.microsoft.com/office/powerpoint/2010/main" xmlns="" val="1766382090"/>
       </p:ext>
     </p:extLst>
   </p:cSld>
@@ -17316,7 +17316,7 @@
     <a:masterClrMapping/>
   </p:clrMapOvr>
   <mc:AlternateContent xmlns:mc="http://schemas.openxmlformats.org/markup-compatibility/2006">
-    <mc:Choice xmlns="" xmlns:p14="http://schemas.microsoft.com/office/powerpoint/2010/main" Requires="p14">
+    <mc:Choice xmlns:p14="http://schemas.microsoft.com/office/powerpoint/2010/main" xmlns="" Requires="p14">
       <p:transition spd="slow" p14:dur="2000"/>
     </mc:Choice>
     <mc:Fallback>
@@ -17608,7 +17608,7 @@
     </p:spTree>
     <p:extLst>
       <p:ext uri="{BB962C8B-B14F-4D97-AF65-F5344CB8AC3E}">
-        <p14:creationId xmlns="" xmlns:p14="http://schemas.microsoft.com/office/powerpoint/2010/main" val="2809531644"/>
+        <p14:creationId xmlns:p14="http://schemas.microsoft.com/office/powerpoint/2010/main" xmlns="" val="2809531644"/>
       </p:ext>
     </p:extLst>
   </p:cSld>
@@ -17616,7 +17616,7 @@
     <a:masterClrMapping/>
   </p:clrMapOvr>
   <mc:AlternateContent xmlns:mc="http://schemas.openxmlformats.org/markup-compatibility/2006">
-    <mc:Choice xmlns="" xmlns:p14="http://schemas.microsoft.com/office/powerpoint/2010/main" Requires="p14">
+    <mc:Choice xmlns:p14="http://schemas.microsoft.com/office/powerpoint/2010/main" xmlns="" Requires="p14">
       <p:transition spd="slow" p14:dur="2000"/>
     </mc:Choice>
     <mc:Fallback>
@@ -17770,7 +17770,7 @@
     </p:spTree>
     <p:extLst>
       <p:ext uri="{BB962C8B-B14F-4D97-AF65-F5344CB8AC3E}">
-        <p14:creationId xmlns="" xmlns:p14="http://schemas.microsoft.com/office/powerpoint/2010/main" val="2052235477"/>
+        <p14:creationId xmlns:p14="http://schemas.microsoft.com/office/powerpoint/2010/main" xmlns="" val="2052235477"/>
       </p:ext>
     </p:extLst>
   </p:cSld>
@@ -17778,7 +17778,7 @@
     <a:masterClrMapping/>
   </p:clrMapOvr>
   <mc:AlternateContent xmlns:mc="http://schemas.openxmlformats.org/markup-compatibility/2006">
-    <mc:Choice xmlns="" xmlns:p14="http://schemas.microsoft.com/office/powerpoint/2010/main" Requires="p14">
+    <mc:Choice xmlns:p14="http://schemas.microsoft.com/office/powerpoint/2010/main" xmlns="" Requires="p14">
       <p:transition spd="slow" p14:dur="2000"/>
     </mc:Choice>
     <mc:Fallback>
@@ -17844,7 +17844,7 @@
     </p:spTree>
     <p:extLst>
       <p:ext uri="{BB962C8B-B14F-4D97-AF65-F5344CB8AC3E}">
-        <p14:creationId xmlns="" xmlns:p14="http://schemas.microsoft.com/office/powerpoint/2010/main" val="1378357901"/>
+        <p14:creationId xmlns:p14="http://schemas.microsoft.com/office/powerpoint/2010/main" xmlns="" val="1378357901"/>
       </p:ext>
     </p:extLst>
   </p:cSld>
@@ -17934,7 +17934,7 @@
           <p:nvPr>
             <p:extLst>
               <p:ext uri="{D42A27DB-BD31-4B8C-83A1-F6EECF244321}">
-                <p14:modId xmlns="" xmlns:p14="http://schemas.microsoft.com/office/powerpoint/2010/main" val="2256308220"/>
+                <p14:modId xmlns:p14="http://schemas.microsoft.com/office/powerpoint/2010/main" xmlns="" val="2256308220"/>
               </p:ext>
             </p:extLst>
           </p:nvPr>
@@ -18519,7 +18519,7 @@
     </p:spTree>
     <p:extLst>
       <p:ext uri="{BB962C8B-B14F-4D97-AF65-F5344CB8AC3E}">
-        <p14:creationId xmlns="" xmlns:p14="http://schemas.microsoft.com/office/powerpoint/2010/main" val="1730443546"/>
+        <p14:creationId xmlns:p14="http://schemas.microsoft.com/office/powerpoint/2010/main" xmlns="" val="1730443546"/>
       </p:ext>
     </p:extLst>
   </p:cSld>
@@ -18527,7 +18527,7 @@
     <a:masterClrMapping/>
   </p:clrMapOvr>
   <mc:AlternateContent xmlns:mc="http://schemas.openxmlformats.org/markup-compatibility/2006">
-    <mc:Choice xmlns="" xmlns:p14="http://schemas.microsoft.com/office/powerpoint/2010/main" Requires="p14">
+    <mc:Choice xmlns:p14="http://schemas.microsoft.com/office/powerpoint/2010/main" xmlns="" Requires="p14">
       <p:transition spd="slow" p14:dur="2000"/>
     </mc:Choice>
     <mc:Fallback>
@@ -19007,7 +19007,7 @@
     </p:spTree>
     <p:extLst>
       <p:ext uri="{BB962C8B-B14F-4D97-AF65-F5344CB8AC3E}">
-        <p14:creationId xmlns="" xmlns:p14="http://schemas.microsoft.com/office/powerpoint/2010/main" val="1629831378"/>
+        <p14:creationId xmlns:p14="http://schemas.microsoft.com/office/powerpoint/2010/main" xmlns="" val="1629831378"/>
       </p:ext>
     </p:extLst>
   </p:cSld>
@@ -19015,7 +19015,7 @@
     <a:masterClrMapping/>
   </p:clrMapOvr>
   <mc:AlternateContent xmlns:mc="http://schemas.openxmlformats.org/markup-compatibility/2006">
-    <mc:Choice xmlns="" xmlns:p14="http://schemas.microsoft.com/office/powerpoint/2010/main" Requires="p14">
+    <mc:Choice xmlns:p14="http://schemas.microsoft.com/office/powerpoint/2010/main" xmlns="" Requires="p14">
       <p:transition spd="slow" p14:dur="2000"/>
     </mc:Choice>
     <mc:Fallback>
@@ -19061,7 +19061,7 @@
           <a:blip r:embed="rId2" cstate="print">
             <a:extLst>
               <a:ext uri="{28A0092B-C50C-407E-A947-70E740481C1C}">
-                <a14:useLocalDpi xmlns="" xmlns:a14="http://schemas.microsoft.com/office/drawing/2010/main" val="0"/>
+                <a14:useLocalDpi xmlns:a14="http://schemas.microsoft.com/office/drawing/2010/main" xmlns="" val="0"/>
               </a:ext>
             </a:extLst>
           </a:blip>
@@ -19081,7 +19081,7 @@
           <a:noFill/>
           <a:extLst>
             <a:ext uri="{909E8E84-426E-40dd-AFC4-6F175D3DCCD1}">
-              <a14:hiddenFill xmlns="" xmlns:a14="http://schemas.microsoft.com/office/drawing/2010/main">
+              <a14:hiddenFill xmlns:a14="http://schemas.microsoft.com/office/drawing/2010/main" xmlns="">
                 <a:solidFill>
                   <a:srgbClr val="FFFFFF"/>
                 </a:solidFill>
@@ -19164,7 +19164,7 @@
     </p:spTree>
     <p:extLst>
       <p:ext uri="{BB962C8B-B14F-4D97-AF65-F5344CB8AC3E}">
-        <p14:creationId xmlns="" xmlns:p14="http://schemas.microsoft.com/office/powerpoint/2010/main" val="2367797895"/>
+        <p14:creationId xmlns:p14="http://schemas.microsoft.com/office/powerpoint/2010/main" xmlns="" val="2367797895"/>
       </p:ext>
     </p:extLst>
   </p:cSld>
@@ -19172,7 +19172,7 @@
     <a:masterClrMapping/>
   </p:clrMapOvr>
   <mc:AlternateContent xmlns:mc="http://schemas.openxmlformats.org/markup-compatibility/2006">
-    <mc:Choice xmlns="" xmlns:p14="http://schemas.microsoft.com/office/powerpoint/2010/main" Requires="p14">
+    <mc:Choice xmlns:p14="http://schemas.microsoft.com/office/powerpoint/2010/main" xmlns="" Requires="p14">
       <p:transition spd="slow" p14:dur="2000"/>
     </mc:Choice>
     <mc:Fallback>
@@ -19552,7 +19552,7 @@
     </p:spTree>
     <p:extLst>
       <p:ext uri="{BB962C8B-B14F-4D97-AF65-F5344CB8AC3E}">
-        <p14:creationId xmlns="" xmlns:p14="http://schemas.microsoft.com/office/powerpoint/2010/main" val="2781102722"/>
+        <p14:creationId xmlns:p14="http://schemas.microsoft.com/office/powerpoint/2010/main" xmlns="" val="2781102722"/>
       </p:ext>
     </p:extLst>
   </p:cSld>
@@ -20165,7 +20165,7 @@
     </p:spTree>
     <p:extLst>
       <p:ext uri="{BB962C8B-B14F-4D97-AF65-F5344CB8AC3E}">
-        <p14:creationId xmlns="" xmlns:p14="http://schemas.microsoft.com/office/powerpoint/2010/main" val="3452883339"/>
+        <p14:creationId xmlns:p14="http://schemas.microsoft.com/office/powerpoint/2010/main" xmlns="" val="3452883339"/>
       </p:ext>
     </p:extLst>
   </p:cSld>
@@ -20173,7 +20173,7 @@
     <a:masterClrMapping/>
   </p:clrMapOvr>
   <mc:AlternateContent xmlns:mc="http://schemas.openxmlformats.org/markup-compatibility/2006">
-    <mc:Choice xmlns="" xmlns:p14="http://schemas.microsoft.com/office/powerpoint/2010/main" Requires="p14">
+    <mc:Choice xmlns:p14="http://schemas.microsoft.com/office/powerpoint/2010/main" xmlns="" Requires="p14">
       <p:transition spd="slow" p14:dur="2000"/>
     </mc:Choice>
     <mc:Fallback>
@@ -21085,7 +21085,7 @@
     </p:spTree>
     <p:extLst>
       <p:ext uri="{BB962C8B-B14F-4D97-AF65-F5344CB8AC3E}">
-        <p14:creationId xmlns="" xmlns:p14="http://schemas.microsoft.com/office/powerpoint/2010/main" val="1827848310"/>
+        <p14:creationId xmlns:p14="http://schemas.microsoft.com/office/powerpoint/2010/main" xmlns="" val="1827848310"/>
       </p:ext>
     </p:extLst>
   </p:cSld>
@@ -21093,7 +21093,7 @@
     <a:masterClrMapping/>
   </p:clrMapOvr>
   <mc:AlternateContent xmlns:mc="http://schemas.openxmlformats.org/markup-compatibility/2006">
-    <mc:Choice xmlns="" xmlns:p14="http://schemas.microsoft.com/office/powerpoint/2010/main" Requires="p14">
+    <mc:Choice xmlns:p14="http://schemas.microsoft.com/office/powerpoint/2010/main" xmlns="" Requires="p14">
       <p:transition spd="slow" p14:dur="2000"/>
     </mc:Choice>
     <mc:Fallback>
@@ -22054,7 +22054,7 @@
     </p:spTree>
     <p:extLst>
       <p:ext uri="{BB962C8B-B14F-4D97-AF65-F5344CB8AC3E}">
-        <p14:creationId xmlns="" xmlns:p14="http://schemas.microsoft.com/office/powerpoint/2010/main" val="2616731691"/>
+        <p14:creationId xmlns:p14="http://schemas.microsoft.com/office/powerpoint/2010/main" xmlns="" val="2616731691"/>
       </p:ext>
     </p:extLst>
   </p:cSld>
@@ -22062,7 +22062,7 @@
     <a:masterClrMapping/>
   </p:clrMapOvr>
   <mc:AlternateContent xmlns:mc="http://schemas.openxmlformats.org/markup-compatibility/2006">
-    <mc:Choice xmlns="" xmlns:p14="http://schemas.microsoft.com/office/powerpoint/2010/main" Requires="p14">
+    <mc:Choice xmlns:p14="http://schemas.microsoft.com/office/powerpoint/2010/main" xmlns="" Requires="p14">
       <p:transition spd="slow" p14:dur="2000"/>
     </mc:Choice>
     <mc:Fallback>
@@ -22531,7 +22531,7 @@
     </p:spTree>
     <p:extLst>
       <p:ext uri="{BB962C8B-B14F-4D97-AF65-F5344CB8AC3E}">
-        <p14:creationId xmlns="" xmlns:p14="http://schemas.microsoft.com/office/powerpoint/2010/main" val="1358147143"/>
+        <p14:creationId xmlns:p14="http://schemas.microsoft.com/office/powerpoint/2010/main" xmlns="" val="1358147143"/>
       </p:ext>
     </p:extLst>
   </p:cSld>
@@ -22539,7 +22539,7 @@
     <a:masterClrMapping/>
   </p:clrMapOvr>
   <mc:AlternateContent xmlns:mc="http://schemas.openxmlformats.org/markup-compatibility/2006">
-    <mc:Choice xmlns="" xmlns:p14="http://schemas.microsoft.com/office/powerpoint/2010/main" Requires="p14">
+    <mc:Choice xmlns:p14="http://schemas.microsoft.com/office/powerpoint/2010/main" xmlns="" Requires="p14">
       <p:transition spd="slow" p14:dur="2000"/>
     </mc:Choice>
     <mc:Fallback>
@@ -22749,7 +22749,7 @@
     </p:spTree>
     <p:extLst>
       <p:ext uri="{BB962C8B-B14F-4D97-AF65-F5344CB8AC3E}">
-        <p14:creationId xmlns="" xmlns:p14="http://schemas.microsoft.com/office/powerpoint/2010/main" val="2912892320"/>
+        <p14:creationId xmlns:p14="http://schemas.microsoft.com/office/powerpoint/2010/main" xmlns="" val="2912892320"/>
       </p:ext>
     </p:extLst>
   </p:cSld>
@@ -22757,7 +22757,7 @@
     <a:masterClrMapping/>
   </p:clrMapOvr>
   <mc:AlternateContent xmlns:mc="http://schemas.openxmlformats.org/markup-compatibility/2006">
-    <mc:Choice xmlns="" xmlns:p14="http://schemas.microsoft.com/office/powerpoint/2010/main" Requires="p14">
+    <mc:Choice xmlns:p14="http://schemas.microsoft.com/office/powerpoint/2010/main" xmlns="" Requires="p14">
       <p:transition spd="slow" p14:dur="2000"/>
     </mc:Choice>
     <mc:Fallback>
@@ -23228,7 +23228,7 @@
     </p:spTree>
     <p:extLst>
       <p:ext uri="{BB962C8B-B14F-4D97-AF65-F5344CB8AC3E}">
-        <p14:creationId xmlns="" xmlns:p14="http://schemas.microsoft.com/office/powerpoint/2010/main" val="462729233"/>
+        <p14:creationId xmlns:p14="http://schemas.microsoft.com/office/powerpoint/2010/main" xmlns="" val="462729233"/>
       </p:ext>
     </p:extLst>
   </p:cSld>
@@ -23236,7 +23236,7 @@
     <a:masterClrMapping/>
   </p:clrMapOvr>
   <mc:AlternateContent xmlns:mc="http://schemas.openxmlformats.org/markup-compatibility/2006">
-    <mc:Choice xmlns="" xmlns:p14="http://schemas.microsoft.com/office/powerpoint/2010/main" Requires="p14">
+    <mc:Choice xmlns:p14="http://schemas.microsoft.com/office/powerpoint/2010/main" xmlns="" Requires="p14">
       <p:transition spd="slow" p14:dur="2000"/>
     </mc:Choice>
     <mc:Fallback>
@@ -23893,7 +23893,7 @@
     </p:spTree>
     <p:extLst>
       <p:ext uri="{BB962C8B-B14F-4D97-AF65-F5344CB8AC3E}">
-        <p14:creationId xmlns="" xmlns:p14="http://schemas.microsoft.com/office/powerpoint/2010/main" val="1717101950"/>
+        <p14:creationId xmlns:p14="http://schemas.microsoft.com/office/powerpoint/2010/main" xmlns="" val="1717101950"/>
       </p:ext>
     </p:extLst>
   </p:cSld>
@@ -23901,7 +23901,7 @@
     <a:masterClrMapping/>
   </p:clrMapOvr>
   <mc:AlternateContent xmlns:mc="http://schemas.openxmlformats.org/markup-compatibility/2006">
-    <mc:Choice xmlns="" xmlns:p14="http://schemas.microsoft.com/office/powerpoint/2010/main" Requires="p14">
+    <mc:Choice xmlns:p14="http://schemas.microsoft.com/office/powerpoint/2010/main" xmlns="" Requires="p14">
       <p:transition spd="slow" p14:dur="2000"/>
     </mc:Choice>
     <mc:Fallback>
@@ -24322,7 +24322,7 @@
     </p:spTree>
     <p:extLst>
       <p:ext uri="{BB962C8B-B14F-4D97-AF65-F5344CB8AC3E}">
-        <p14:creationId xmlns="" xmlns:p14="http://schemas.microsoft.com/office/powerpoint/2010/main" val="309719199"/>
+        <p14:creationId xmlns:p14="http://schemas.microsoft.com/office/powerpoint/2010/main" xmlns="" val="309719199"/>
       </p:ext>
     </p:extLst>
   </p:cSld>
@@ -24330,7 +24330,7 @@
     <a:masterClrMapping/>
   </p:clrMapOvr>
   <mc:AlternateContent xmlns:mc="http://schemas.openxmlformats.org/markup-compatibility/2006">
-    <mc:Choice xmlns="" xmlns:p14="http://schemas.microsoft.com/office/powerpoint/2010/main" Requires="p14">
+    <mc:Choice xmlns:p14="http://schemas.microsoft.com/office/powerpoint/2010/main" xmlns="" Requires="p14">
       <p:transition spd="slow" p14:dur="2000"/>
     </mc:Choice>
     <mc:Fallback>
@@ -24864,7 +24864,7 @@
     </p:spTree>
     <p:extLst>
       <p:ext uri="{BB962C8B-B14F-4D97-AF65-F5344CB8AC3E}">
-        <p14:creationId xmlns="" xmlns:p14="http://schemas.microsoft.com/office/powerpoint/2010/main" val="955904447"/>
+        <p14:creationId xmlns:p14="http://schemas.microsoft.com/office/powerpoint/2010/main" xmlns="" val="955904447"/>
       </p:ext>
     </p:extLst>
   </p:cSld>
@@ -24872,7 +24872,7 @@
     <a:masterClrMapping/>
   </p:clrMapOvr>
   <mc:AlternateContent xmlns:mc="http://schemas.openxmlformats.org/markup-compatibility/2006">
-    <mc:Choice xmlns="" xmlns:p14="http://schemas.microsoft.com/office/powerpoint/2010/main" Requires="p14">
+    <mc:Choice xmlns:p14="http://schemas.microsoft.com/office/powerpoint/2010/main" xmlns="" Requires="p14">
       <p:transition spd="slow" p14:dur="2000"/>
     </mc:Choice>
     <mc:Fallback>
@@ -25386,7 +25386,7 @@
     </p:spTree>
     <p:extLst>
       <p:ext uri="{BB962C8B-B14F-4D97-AF65-F5344CB8AC3E}">
-        <p14:creationId xmlns="" xmlns:p14="http://schemas.microsoft.com/office/powerpoint/2010/main" val="1140837011"/>
+        <p14:creationId xmlns:p14="http://schemas.microsoft.com/office/powerpoint/2010/main" xmlns="" val="1140837011"/>
       </p:ext>
     </p:extLst>
   </p:cSld>
@@ -25394,7 +25394,7 @@
     <a:masterClrMapping/>
   </p:clrMapOvr>
   <mc:AlternateContent xmlns:mc="http://schemas.openxmlformats.org/markup-compatibility/2006">
-    <mc:Choice xmlns="" xmlns:p14="http://schemas.microsoft.com/office/powerpoint/2010/main" Requires="p14">
+    <mc:Choice xmlns:p14="http://schemas.microsoft.com/office/powerpoint/2010/main" xmlns="" Requires="p14">
       <p:transition spd="slow" p14:dur="2000"/>
     </mc:Choice>
     <mc:Fallback>
@@ -26013,7 +26013,7 @@
     </p:spTree>
     <p:extLst>
       <p:ext uri="{BB962C8B-B14F-4D97-AF65-F5344CB8AC3E}">
-        <p14:creationId xmlns="" xmlns:p14="http://schemas.microsoft.com/office/powerpoint/2010/main" val="247747513"/>
+        <p14:creationId xmlns:p14="http://schemas.microsoft.com/office/powerpoint/2010/main" xmlns="" val="247747513"/>
       </p:ext>
     </p:extLst>
   </p:cSld>
@@ -26021,7 +26021,7 @@
     <a:masterClrMapping/>
   </p:clrMapOvr>
   <mc:AlternateContent xmlns:mc="http://schemas.openxmlformats.org/markup-compatibility/2006">
-    <mc:Choice xmlns="" xmlns:p14="http://schemas.microsoft.com/office/powerpoint/2010/main" Requires="p14">
+    <mc:Choice xmlns:p14="http://schemas.microsoft.com/office/powerpoint/2010/main" xmlns="" Requires="p14">
       <p:transition spd="slow" p14:dur="2000"/>
     </mc:Choice>
     <mc:Fallback>
@@ -26711,7 +26711,7 @@
     </p:spTree>
     <p:extLst>
       <p:ext uri="{BB962C8B-B14F-4D97-AF65-F5344CB8AC3E}">
-        <p14:creationId xmlns="" xmlns:p14="http://schemas.microsoft.com/office/powerpoint/2010/main" val="1776831606"/>
+        <p14:creationId xmlns:p14="http://schemas.microsoft.com/office/powerpoint/2010/main" xmlns="" val="1776831606"/>
       </p:ext>
     </p:extLst>
   </p:cSld>
@@ -26719,7 +26719,7 @@
     <a:masterClrMapping/>
   </p:clrMapOvr>
   <mc:AlternateContent xmlns:mc="http://schemas.openxmlformats.org/markup-compatibility/2006">
-    <mc:Choice xmlns="" xmlns:p14="http://schemas.microsoft.com/office/powerpoint/2010/main" Requires="p14">
+    <mc:Choice xmlns:p14="http://schemas.microsoft.com/office/powerpoint/2010/main" xmlns="" Requires="p14">
       <p:transition spd="slow" p14:dur="2000"/>
     </mc:Choice>
     <mc:Fallback>
@@ -27069,7 +27069,7 @@
           <a:blip r:embed="rId2" cstate="print">
             <a:extLst>
               <a:ext uri="{28A0092B-C50C-407E-A947-70E740481C1C}">
-                <a14:useLocalDpi xmlns="" xmlns:a14="http://schemas.microsoft.com/office/drawing/2010/main" val="0"/>
+                <a14:useLocalDpi xmlns:a14="http://schemas.microsoft.com/office/drawing/2010/main" xmlns="" val="0"/>
               </a:ext>
             </a:extLst>
           </a:blip>
@@ -27089,7 +27089,7 @@
           <a:noFill/>
           <a:extLst>
             <a:ext uri="{909E8E84-426E-40dd-AFC4-6F175D3DCCD1}">
-              <a14:hiddenFill xmlns="" xmlns:a14="http://schemas.microsoft.com/office/drawing/2010/main">
+              <a14:hiddenFill xmlns:a14="http://schemas.microsoft.com/office/drawing/2010/main" xmlns="">
                 <a:solidFill>
                   <a:srgbClr val="FFFFFF"/>
                 </a:solidFill>
@@ -27172,7 +27172,7 @@
     </p:spTree>
     <p:extLst>
       <p:ext uri="{BB962C8B-B14F-4D97-AF65-F5344CB8AC3E}">
-        <p14:creationId xmlns="" xmlns:p14="http://schemas.microsoft.com/office/powerpoint/2010/main" val="2717568001"/>
+        <p14:creationId xmlns:p14="http://schemas.microsoft.com/office/powerpoint/2010/main" xmlns="" val="2717568001"/>
       </p:ext>
     </p:extLst>
   </p:cSld>
@@ -27180,7 +27180,7 @@
     <a:masterClrMapping/>
   </p:clrMapOvr>
   <mc:AlternateContent xmlns:mc="http://schemas.openxmlformats.org/markup-compatibility/2006">
-    <mc:Choice xmlns="" xmlns:p14="http://schemas.microsoft.com/office/powerpoint/2010/main" Requires="p14">
+    <mc:Choice xmlns:p14="http://schemas.microsoft.com/office/powerpoint/2010/main" xmlns="" Requires="p14">
       <p:transition spd="slow" p14:dur="2000"/>
     </mc:Choice>
     <mc:Fallback>
@@ -27475,7 +27475,7 @@
     </p:spTree>
     <p:extLst>
       <p:ext uri="{BB962C8B-B14F-4D97-AF65-F5344CB8AC3E}">
-        <p14:creationId xmlns="" xmlns:p14="http://schemas.microsoft.com/office/powerpoint/2010/main" val="3266999169"/>
+        <p14:creationId xmlns:p14="http://schemas.microsoft.com/office/powerpoint/2010/main" xmlns="" val="3266999169"/>
       </p:ext>
     </p:extLst>
   </p:cSld>
@@ -27483,7 +27483,7 @@
     <a:masterClrMapping/>
   </p:clrMapOvr>
   <mc:AlternateContent xmlns:mc="http://schemas.openxmlformats.org/markup-compatibility/2006">
-    <mc:Choice xmlns="" xmlns:p14="http://schemas.microsoft.com/office/powerpoint/2010/main" Requires="p14">
+    <mc:Choice xmlns:p14="http://schemas.microsoft.com/office/powerpoint/2010/main" xmlns="" Requires="p14">
       <p:transition spd="slow" p14:dur="2000"/>
     </mc:Choice>
     <mc:Fallback>
@@ -27834,7 +27834,7 @@
     </p:spTree>
     <p:extLst>
       <p:ext uri="{BB962C8B-B14F-4D97-AF65-F5344CB8AC3E}">
-        <p14:creationId xmlns="" xmlns:p14="http://schemas.microsoft.com/office/powerpoint/2010/main" val="396334508"/>
+        <p14:creationId xmlns:p14="http://schemas.microsoft.com/office/powerpoint/2010/main" xmlns="" val="396334508"/>
       </p:ext>
     </p:extLst>
   </p:cSld>
@@ -27842,7 +27842,7 @@
     <a:masterClrMapping/>
   </p:clrMapOvr>
   <mc:AlternateContent xmlns:mc="http://schemas.openxmlformats.org/markup-compatibility/2006">
-    <mc:Choice xmlns="" xmlns:p14="http://schemas.microsoft.com/office/powerpoint/2010/main" Requires="p14">
+    <mc:Choice xmlns:p14="http://schemas.microsoft.com/office/powerpoint/2010/main" xmlns="" Requires="p14">
       <p:transition spd="slow" p14:dur="2000"/>
     </mc:Choice>
     <mc:Fallback>
@@ -28187,7 +28187,7 @@
     </p:spTree>
     <p:extLst>
       <p:ext uri="{BB962C8B-B14F-4D97-AF65-F5344CB8AC3E}">
-        <p14:creationId xmlns="" xmlns:p14="http://schemas.microsoft.com/office/powerpoint/2010/main" val="1737882227"/>
+        <p14:creationId xmlns:p14="http://schemas.microsoft.com/office/powerpoint/2010/main" xmlns="" val="1737882227"/>
       </p:ext>
     </p:extLst>
   </p:cSld>
@@ -28195,7 +28195,7 @@
     <a:masterClrMapping/>
   </p:clrMapOvr>
   <mc:AlternateContent xmlns:mc="http://schemas.openxmlformats.org/markup-compatibility/2006">
-    <mc:Choice xmlns="" xmlns:p14="http://schemas.microsoft.com/office/powerpoint/2010/main" Requires="p14">
+    <mc:Choice xmlns:p14="http://schemas.microsoft.com/office/powerpoint/2010/main" xmlns="" Requires="p14">
       <p:transition spd="slow" p14:dur="2000"/>
     </mc:Choice>
     <mc:Fallback>
@@ -28553,7 +28553,7 @@
     </p:spTree>
     <p:extLst>
       <p:ext uri="{BB962C8B-B14F-4D97-AF65-F5344CB8AC3E}">
-        <p14:creationId xmlns="" xmlns:p14="http://schemas.microsoft.com/office/powerpoint/2010/main" val="3034068148"/>
+        <p14:creationId xmlns:p14="http://schemas.microsoft.com/office/powerpoint/2010/main" xmlns="" val="3034068148"/>
       </p:ext>
     </p:extLst>
   </p:cSld>
@@ -28561,7 +28561,7 @@
     <a:masterClrMapping/>
   </p:clrMapOvr>
   <mc:AlternateContent xmlns:mc="http://schemas.openxmlformats.org/markup-compatibility/2006">
-    <mc:Choice xmlns="" xmlns:p14="http://schemas.microsoft.com/office/powerpoint/2010/main" Requires="p14">
+    <mc:Choice xmlns:p14="http://schemas.microsoft.com/office/powerpoint/2010/main" xmlns="" Requires="p14">
       <p:transition spd="slow" p14:dur="2000"/>
     </mc:Choice>
     <mc:Fallback>
@@ -28891,7 +28891,7 @@
     </p:spTree>
     <p:extLst>
       <p:ext uri="{BB962C8B-B14F-4D97-AF65-F5344CB8AC3E}">
-        <p14:creationId xmlns="" xmlns:p14="http://schemas.microsoft.com/office/powerpoint/2010/main" val="3646886653"/>
+        <p14:creationId xmlns:p14="http://schemas.microsoft.com/office/powerpoint/2010/main" xmlns="" val="3646886653"/>
       </p:ext>
     </p:extLst>
   </p:cSld>
@@ -28899,7 +28899,7 @@
     <a:masterClrMapping/>
   </p:clrMapOvr>
   <mc:AlternateContent xmlns:mc="http://schemas.openxmlformats.org/markup-compatibility/2006">
-    <mc:Choice xmlns="" xmlns:p14="http://schemas.microsoft.com/office/powerpoint/2010/main" Requires="p14">
+    <mc:Choice xmlns:p14="http://schemas.microsoft.com/office/powerpoint/2010/main" xmlns="" Requires="p14">
       <p:transition spd="slow" p14:dur="2000"/>
     </mc:Choice>
     <mc:Fallback>
@@ -29274,7 +29274,7 @@
     </p:spTree>
     <p:extLst>
       <p:ext uri="{BB962C8B-B14F-4D97-AF65-F5344CB8AC3E}">
-        <p14:creationId xmlns="" xmlns:p14="http://schemas.microsoft.com/office/powerpoint/2010/main" val="520298717"/>
+        <p14:creationId xmlns:p14="http://schemas.microsoft.com/office/powerpoint/2010/main" xmlns="" val="520298717"/>
       </p:ext>
     </p:extLst>
   </p:cSld>
@@ -29282,7 +29282,7 @@
     <a:masterClrMapping/>
   </p:clrMapOvr>
   <mc:AlternateContent xmlns:mc="http://schemas.openxmlformats.org/markup-compatibility/2006">
-    <mc:Choice xmlns="" xmlns:p14="http://schemas.microsoft.com/office/powerpoint/2010/main" Requires="p14">
+    <mc:Choice xmlns:p14="http://schemas.microsoft.com/office/powerpoint/2010/main" xmlns="" Requires="p14">
       <p:transition spd="slow" p14:dur="2000"/>
     </mc:Choice>
     <mc:Fallback>
@@ -29584,7 +29584,7 @@
     </p:spTree>
     <p:extLst>
       <p:ext uri="{BB962C8B-B14F-4D97-AF65-F5344CB8AC3E}">
-        <p14:creationId xmlns="" xmlns:p14="http://schemas.microsoft.com/office/powerpoint/2010/main" val="2203748189"/>
+        <p14:creationId xmlns:p14="http://schemas.microsoft.com/office/powerpoint/2010/main" xmlns="" val="2203748189"/>
       </p:ext>
     </p:extLst>
   </p:cSld>
@@ -29592,7 +29592,7 @@
     <a:masterClrMapping/>
   </p:clrMapOvr>
   <mc:AlternateContent xmlns:mc="http://schemas.openxmlformats.org/markup-compatibility/2006">
-    <mc:Choice xmlns="" xmlns:p14="http://schemas.microsoft.com/office/powerpoint/2010/main" Requires="p14">
+    <mc:Choice xmlns:p14="http://schemas.microsoft.com/office/powerpoint/2010/main" xmlns="" Requires="p14">
       <p:transition spd="slow" p14:dur="2000"/>
     </mc:Choice>
     <mc:Fallback>
@@ -29915,7 +29915,7 @@
     </p:spTree>
     <p:extLst>
       <p:ext uri="{BB962C8B-B14F-4D97-AF65-F5344CB8AC3E}">
-        <p14:creationId xmlns="" xmlns:p14="http://schemas.microsoft.com/office/powerpoint/2010/main" val="1130254901"/>
+        <p14:creationId xmlns:p14="http://schemas.microsoft.com/office/powerpoint/2010/main" xmlns="" val="1130254901"/>
       </p:ext>
     </p:extLst>
   </p:cSld>
@@ -29923,7 +29923,7 @@
     <a:masterClrMapping/>
   </p:clrMapOvr>
   <mc:AlternateContent xmlns:mc="http://schemas.openxmlformats.org/markup-compatibility/2006">
-    <mc:Choice xmlns="" xmlns:p14="http://schemas.microsoft.com/office/powerpoint/2010/main" Requires="p14">
+    <mc:Choice xmlns:p14="http://schemas.microsoft.com/office/powerpoint/2010/main" xmlns="" Requires="p14">
       <p:transition spd="slow" p14:dur="2000"/>
     </mc:Choice>
     <mc:Fallback>
@@ -30261,7 +30261,7 @@
     </p:spTree>
     <p:extLst>
       <p:ext uri="{BB962C8B-B14F-4D97-AF65-F5344CB8AC3E}">
-        <p14:creationId xmlns="" xmlns:p14="http://schemas.microsoft.com/office/powerpoint/2010/main" val="3734576715"/>
+        <p14:creationId xmlns:p14="http://schemas.microsoft.com/office/powerpoint/2010/main" xmlns="" val="3734576715"/>
       </p:ext>
     </p:extLst>
   </p:cSld>
@@ -30269,7 +30269,7 @@
     <a:masterClrMapping/>
   </p:clrMapOvr>
   <mc:AlternateContent xmlns:mc="http://schemas.openxmlformats.org/markup-compatibility/2006">
-    <mc:Choice xmlns="" xmlns:p14="http://schemas.microsoft.com/office/powerpoint/2010/main" Requires="p14">
+    <mc:Choice xmlns:p14="http://schemas.microsoft.com/office/powerpoint/2010/main" xmlns="" Requires="p14">
       <p:transition spd="slow" p14:dur="2000"/>
     </mc:Choice>
     <mc:Fallback>
@@ -30574,7 +30574,7 @@
     </p:spTree>
     <p:extLst>
       <p:ext uri="{BB962C8B-B14F-4D97-AF65-F5344CB8AC3E}">
-        <p14:creationId xmlns="" xmlns:p14="http://schemas.microsoft.com/office/powerpoint/2010/main" val="2632131054"/>
+        <p14:creationId xmlns:p14="http://schemas.microsoft.com/office/powerpoint/2010/main" xmlns="" val="2632131054"/>
       </p:ext>
     </p:extLst>
   </p:cSld>
@@ -30582,7 +30582,7 @@
     <a:masterClrMapping/>
   </p:clrMapOvr>
   <mc:AlternateContent xmlns:mc="http://schemas.openxmlformats.org/markup-compatibility/2006">
-    <mc:Choice xmlns="" xmlns:p14="http://schemas.microsoft.com/office/powerpoint/2010/main" Requires="p14">
+    <mc:Choice xmlns:p14="http://schemas.microsoft.com/office/powerpoint/2010/main" xmlns="" Requires="p14">
       <p:transition spd="slow" p14:dur="2000"/>
     </mc:Choice>
     <mc:Fallback>
@@ -30903,7 +30903,7 @@
     </p:spTree>
     <p:extLst>
       <p:ext uri="{BB962C8B-B14F-4D97-AF65-F5344CB8AC3E}">
-        <p14:creationId xmlns="" xmlns:p14="http://schemas.microsoft.com/office/powerpoint/2010/main" val="2983282113"/>
+        <p14:creationId xmlns:p14="http://schemas.microsoft.com/office/powerpoint/2010/main" xmlns="" val="2983282113"/>
       </p:ext>
     </p:extLst>
   </p:cSld>
@@ -30911,7 +30911,7 @@
     <a:masterClrMapping/>
   </p:clrMapOvr>
   <mc:AlternateContent xmlns:mc="http://schemas.openxmlformats.org/markup-compatibility/2006">
-    <mc:Choice xmlns="" xmlns:p14="http://schemas.microsoft.com/office/powerpoint/2010/main" Requires="p14">
+    <mc:Choice xmlns:p14="http://schemas.microsoft.com/office/powerpoint/2010/main" xmlns="" Requires="p14">
       <p:transition spd="slow" p14:dur="2000"/>
     </mc:Choice>
     <mc:Fallback>
@@ -31278,7 +31278,7 @@
     </p:spTree>
     <p:extLst>
       <p:ext uri="{BB962C8B-B14F-4D97-AF65-F5344CB8AC3E}">
-        <p14:creationId xmlns="" xmlns:p14="http://schemas.microsoft.com/office/powerpoint/2010/main" val="4266361740"/>
+        <p14:creationId xmlns:p14="http://schemas.microsoft.com/office/powerpoint/2010/main" xmlns="" val="4266361740"/>
       </p:ext>
     </p:extLst>
   </p:cSld>
@@ -31286,7 +31286,7 @@
     <a:masterClrMapping/>
   </p:clrMapOvr>
   <mc:AlternateContent xmlns:mc="http://schemas.openxmlformats.org/markup-compatibility/2006">
-    <mc:Choice xmlns="" xmlns:p14="http://schemas.microsoft.com/office/powerpoint/2010/main" Requires="p14">
+    <mc:Choice xmlns:p14="http://schemas.microsoft.com/office/powerpoint/2010/main" xmlns="" Requires="p14">
       <p:transition spd="slow" p14:dur="2000"/>
     </mc:Choice>
     <mc:Fallback>
@@ -31636,7 +31636,7 @@
     </p:spTree>
     <p:extLst>
       <p:ext uri="{BB962C8B-B14F-4D97-AF65-F5344CB8AC3E}">
-        <p14:creationId xmlns="" xmlns:p14="http://schemas.microsoft.com/office/powerpoint/2010/main" val="3678400164"/>
+        <p14:creationId xmlns:p14="http://schemas.microsoft.com/office/powerpoint/2010/main" xmlns="" val="3678400164"/>
       </p:ext>
     </p:extLst>
   </p:cSld>
@@ -31644,7 +31644,7 @@
     <a:masterClrMapping/>
   </p:clrMapOvr>
   <mc:AlternateContent xmlns:mc="http://schemas.openxmlformats.org/markup-compatibility/2006">
-    <mc:Choice xmlns="" xmlns:p14="http://schemas.microsoft.com/office/powerpoint/2010/main" Requires="p14">
+    <mc:Choice xmlns:p14="http://schemas.microsoft.com/office/powerpoint/2010/main" xmlns="" Requires="p14">
       <p:transition spd="slow" p14:dur="2000"/>
     </mc:Choice>
     <mc:Fallback>
@@ -31974,7 +31974,7 @@
     </p:spTree>
     <p:extLst>
       <p:ext uri="{BB962C8B-B14F-4D97-AF65-F5344CB8AC3E}">
-        <p14:creationId xmlns="" xmlns:p14="http://schemas.microsoft.com/office/powerpoint/2010/main" val="3326293041"/>
+        <p14:creationId xmlns:p14="http://schemas.microsoft.com/office/powerpoint/2010/main" xmlns="" val="3326293041"/>
       </p:ext>
     </p:extLst>
   </p:cSld>
@@ -31982,7 +31982,7 @@
     <a:masterClrMapping/>
   </p:clrMapOvr>
   <mc:AlternateContent xmlns:mc="http://schemas.openxmlformats.org/markup-compatibility/2006">
-    <mc:Choice xmlns="" xmlns:p14="http://schemas.microsoft.com/office/powerpoint/2010/main" Requires="p14">
+    <mc:Choice xmlns:p14="http://schemas.microsoft.com/office/powerpoint/2010/main" xmlns="" Requires="p14">
       <p:transition spd="slow" p14:dur="2000"/>
     </mc:Choice>
     <mc:Fallback>
@@ -32320,7 +32320,7 @@
     </p:spTree>
     <p:extLst>
       <p:ext uri="{BB962C8B-B14F-4D97-AF65-F5344CB8AC3E}">
-        <p14:creationId xmlns="" xmlns:p14="http://schemas.microsoft.com/office/powerpoint/2010/main" val="3052723909"/>
+        <p14:creationId xmlns:p14="http://schemas.microsoft.com/office/powerpoint/2010/main" xmlns="" val="3052723909"/>
       </p:ext>
     </p:extLst>
   </p:cSld>
@@ -32328,7 +32328,7 @@
     <a:masterClrMapping/>
   </p:clrMapOvr>
   <mc:AlternateContent xmlns:mc="http://schemas.openxmlformats.org/markup-compatibility/2006">
-    <mc:Choice xmlns="" xmlns:p14="http://schemas.microsoft.com/office/powerpoint/2010/main" Requires="p14">
+    <mc:Choice xmlns:p14="http://schemas.microsoft.com/office/powerpoint/2010/main" xmlns="" Requires="p14">
       <p:transition spd="slow" p14:dur="2000"/>
     </mc:Choice>
     <mc:Fallback>
@@ -32456,7 +32456,7 @@
     </p:spTree>
     <p:extLst>
       <p:ext uri="{BB962C8B-B14F-4D97-AF65-F5344CB8AC3E}">
-        <p14:creationId xmlns="" xmlns:p14="http://schemas.microsoft.com/office/powerpoint/2010/main" val="1576574823"/>
+        <p14:creationId xmlns:p14="http://schemas.microsoft.com/office/powerpoint/2010/main" xmlns="" val="1576574823"/>
       </p:ext>
     </p:extLst>
   </p:cSld>
@@ -32464,7 +32464,7 @@
     <a:masterClrMapping/>
   </p:clrMapOvr>
   <mc:AlternateContent xmlns:mc="http://schemas.openxmlformats.org/markup-compatibility/2006">
-    <mc:Choice xmlns="" xmlns:p14="http://schemas.microsoft.com/office/powerpoint/2010/main" Requires="p14">
+    <mc:Choice xmlns:p14="http://schemas.microsoft.com/office/powerpoint/2010/main" xmlns="" Requires="p14">
       <p:transition spd="slow" p14:dur="2000"/>
     </mc:Choice>
     <mc:Fallback>
@@ -32754,7 +32754,7 @@
     </p:spTree>
     <p:extLst>
       <p:ext uri="{BB962C8B-B14F-4D97-AF65-F5344CB8AC3E}">
-        <p14:creationId xmlns="" xmlns:p14="http://schemas.microsoft.com/office/powerpoint/2010/main" val="3303920882"/>
+        <p14:creationId xmlns:p14="http://schemas.microsoft.com/office/powerpoint/2010/main" xmlns="" val="3303920882"/>
       </p:ext>
     </p:extLst>
   </p:cSld>
@@ -32762,7 +32762,7 @@
     <a:masterClrMapping/>
   </p:clrMapOvr>
   <mc:AlternateContent xmlns:mc="http://schemas.openxmlformats.org/markup-compatibility/2006">
-    <mc:Choice xmlns="" xmlns:p14="http://schemas.microsoft.com/office/powerpoint/2010/main" Requires="p14">
+    <mc:Choice xmlns:p14="http://schemas.microsoft.com/office/powerpoint/2010/main" xmlns="" Requires="p14">
       <p:transition spd="slow" p14:dur="2000"/>
     </mc:Choice>
     <mc:Fallback>
@@ -32935,6 +32935,8 @@
           <a:p>
             <a:pPr lvl="1">
               <a:buSzPct val="95000"/>
+              <a:buFont typeface="Arial" pitchFamily="34" charset="0"/>
+              <a:buChar char="•"/>
             </a:pPr>
             <a:r>
               <a:rPr lang="it-IT" sz="2800" dirty="0" smtClean="0">
@@ -32988,7 +32990,7 @@
                 </a:solidFill>
                 <a:latin typeface="Calibri"/>
               </a:rPr>
-              <a:t>brevi messaggi di notifiche agli utenti che porto a termine iterazioni con il nostro </a:t>
+              <a:t>brevi messaggi di notifiche agli utenti che porto a termine </a:t>
             </a:r>
             <a:r>
               <a:rPr lang="it-IT" sz="2800" dirty="0" smtClean="0">
@@ -32997,7 +32999,34 @@
                 </a:solidFill>
                 <a:latin typeface="Calibri"/>
               </a:rPr>
-              <a:t>sistema</a:t>
+              <a:t>operazioni </a:t>
+            </a:r>
+            <a:r>
+              <a:rPr lang="it-IT" sz="2800" dirty="0" smtClean="0">
+                <a:solidFill>
+                  <a:srgbClr val="000000"/>
+                </a:solidFill>
+                <a:latin typeface="Calibri"/>
+              </a:rPr>
+              <a:t> </a:t>
+            </a:r>
+            <a:r>
+              <a:rPr lang="it-IT" sz="2800" dirty="0">
+                <a:solidFill>
+                  <a:srgbClr val="000000"/>
+                </a:solidFill>
+                <a:latin typeface="Calibri"/>
+              </a:rPr>
+              <a:t>con il nostro </a:t>
+            </a:r>
+            <a:r>
+              <a:rPr lang="it-IT" sz="2800" dirty="0" smtClean="0">
+                <a:solidFill>
+                  <a:srgbClr val="000000"/>
+                </a:solidFill>
+                <a:latin typeface="Calibri"/>
+              </a:rPr>
+              <a:t>sistema.</a:t>
             </a:r>
             <a:endParaRPr sz="2800" dirty="0"/>
           </a:p>
@@ -33192,7 +33221,7 @@
           </a:prstGeom>
         </p:spPr>
         <p:txBody>
-          <a:bodyPr lIns="90000" tIns="0" rIns="90000" bIns="45000"/>
+          <a:bodyPr vert="horz" lIns="90000" tIns="0" rIns="90000" bIns="45000" anchor="ctr"/>
           <a:lstStyle/>
           <a:p>
             <a:pPr>
@@ -33210,7 +33239,25 @@
                 </a:solidFill>
                 <a:latin typeface="Calibri"/>
               </a:rPr>
-              <a:t>Fra le varie notifiche che il sistema invia possiamo trovare notifiche di </a:t>
+              <a:t>Fra le varie notifiche che il sistema </a:t>
+            </a:r>
+            <a:r>
+              <a:rPr lang="it-IT" sz="3200" dirty="0" smtClean="0">
+                <a:solidFill>
+                  <a:srgbClr val="000000"/>
+                </a:solidFill>
+                <a:latin typeface="Calibri"/>
+              </a:rPr>
+              <a:t>invia, possiamo </a:t>
+            </a:r>
+            <a:r>
+              <a:rPr lang="it-IT" sz="3200" dirty="0">
+                <a:solidFill>
+                  <a:srgbClr val="000000"/>
+                </a:solidFill>
+                <a:latin typeface="Calibri"/>
+              </a:rPr>
+              <a:t>trovare notifiche di </a:t>
             </a:r>
             <a:r>
               <a:rPr lang="it-IT" sz="3200" dirty="0" smtClean="0">
@@ -33570,10 +33617,19 @@
                 </a:solidFill>
                 <a:latin typeface="Calibri"/>
               </a:rPr>
-              <a:t>con le credenziali appena inserite</a:t>
-            </a:r>
-            <a:r>
-              <a:rPr lang="it-IT" sz="3200" b="1" dirty="0">
+              <a:t>con le </a:t>
+            </a:r>
+            <a:r>
+              <a:rPr lang="it-IT" sz="3200" dirty="0" smtClean="0">
+                <a:solidFill>
+                  <a:srgbClr val="000000"/>
+                </a:solidFill>
+                <a:latin typeface="Calibri"/>
+              </a:rPr>
+              <a:t>credenziali</a:t>
+            </a:r>
+            <a:r>
+              <a:rPr lang="it-IT" sz="3200" b="1" dirty="0" smtClean="0">
                 <a:solidFill>
                   <a:srgbClr val="000000"/>
                 </a:solidFill>
@@ -33923,16 +33979,16 @@
               <a:t>JAVAMAIL  (API di </a:t>
             </a:r>
             <a:r>
-              <a:rPr lang="it-IT" sz="3200" b="1" dirty="0" err="1">
+              <a:rPr lang="it-IT" sz="3200" b="1" dirty="0" smtClean="0">
                 <a:solidFill>
                   <a:srgbClr val="000000"/>
                 </a:solidFill>
                 <a:latin typeface="Calibri"/>
               </a:rPr>
-              <a:t>Sun</a:t>
-            </a:r>
-            <a:r>
-              <a:rPr lang="it-IT" sz="3200" b="1" dirty="0">
+              <a:t>Oracle</a:t>
+            </a:r>
+            <a:r>
+              <a:rPr lang="it-IT" sz="3200" b="1" dirty="0" smtClean="0">
                 <a:solidFill>
                   <a:srgbClr val="000000"/>
                 </a:solidFill>
@@ -33983,7 +34039,25 @@
                 </a:solidFill>
                 <a:latin typeface="Calibri"/>
               </a:rPr>
-              <a:t>il design pattern BRIDGE.</a:t>
+              <a:t>il design pattern </a:t>
+            </a:r>
+            <a:r>
+              <a:rPr lang="it-IT" sz="3200" b="1" dirty="0">
+                <a:solidFill>
+                  <a:srgbClr val="000000"/>
+                </a:solidFill>
+                <a:latin typeface="Calibri"/>
+              </a:rPr>
+              <a:t>BRIDGE</a:t>
+            </a:r>
+            <a:r>
+              <a:rPr lang="it-IT" sz="3200" dirty="0">
+                <a:solidFill>
+                  <a:srgbClr val="000000"/>
+                </a:solidFill>
+                <a:latin typeface="Calibri"/>
+              </a:rPr>
+              <a:t>.</a:t>
             </a:r>
             <a:endParaRPr sz="2000" dirty="0"/>
           </a:p>
@@ -34925,7 +34999,7 @@
     </p:spTree>
     <p:extLst>
       <p:ext uri="{BB962C8B-B14F-4D97-AF65-F5344CB8AC3E}">
-        <p14:creationId xmlns="" xmlns:p14="http://schemas.microsoft.com/office/powerpoint/2010/main" val="2978215168"/>
+        <p14:creationId xmlns:p14="http://schemas.microsoft.com/office/powerpoint/2010/main" xmlns="" val="2978215168"/>
       </p:ext>
     </p:extLst>
   </p:cSld>
@@ -34933,7 +35007,7 @@
     <a:masterClrMapping/>
   </p:clrMapOvr>
   <mc:AlternateContent xmlns:mc="http://schemas.openxmlformats.org/markup-compatibility/2006">
-    <mc:Choice xmlns="" xmlns:p14="http://schemas.microsoft.com/office/powerpoint/2010/main" Requires="p14">
+    <mc:Choice xmlns:p14="http://schemas.microsoft.com/office/powerpoint/2010/main" xmlns="" Requires="p14">
       <p:transition spd="slow" p14:dur="2000"/>
     </mc:Choice>
     <mc:Fallback>
@@ -35450,8 +35524,8 @@
               <a:t>sistema </a:t>
             </a:r>
             <a:r>
-              <a:rPr lang="it-IT" dirty="0" err="1" smtClean="0"/>
-              <a:t>puòinviare</a:t>
+              <a:rPr lang="it-IT" dirty="0" smtClean="0"/>
+              <a:t>può inviare</a:t>
             </a:r>
             <a:endParaRPr lang="it-IT" dirty="0"/>
           </a:p>
@@ -36098,11 +36172,7 @@
             </a:pPr>
             <a:r>
               <a:rPr lang="it-IT" sz="2800" dirty="0" smtClean="0"/>
-              <a:t> </a:t>
-            </a:r>
-            <a:r>
-              <a:rPr lang="it-IT" sz="2800" dirty="0" smtClean="0"/>
-              <a:t>Per  il </a:t>
+              <a:t> Per  il </a:t>
             </a:r>
             <a:r>
               <a:rPr lang="it-IT" sz="2800" b="1" dirty="0" smtClean="0"/>
@@ -36359,7 +36429,15 @@
             </a:r>
             <a:r>
               <a:rPr lang="it-IT" sz="2800" dirty="0" smtClean="0"/>
-              <a:t> test non è altro che un insieme di diversi metodi che vanno a verificare gli input della classe presa in esame.</a:t>
+              <a:t> test non è altro che un insieme di diversi metodi che vanno a verificare gli </a:t>
+            </a:r>
+            <a:r>
+              <a:rPr lang="it-IT" sz="2800" dirty="0" smtClean="0"/>
+              <a:t>output </a:t>
+            </a:r>
+            <a:r>
+              <a:rPr lang="it-IT" sz="2800" dirty="0" smtClean="0"/>
+              <a:t>della classe presa in esame.</a:t>
             </a:r>
           </a:p>
         </p:txBody>
@@ -36890,19 +36968,23 @@
             <a:pPr lvl="1">
               <a:buSzPct val="95000"/>
             </a:pPr>
-            <a:endParaRPr lang="it-IT" sz="2800" smtClean="0"/>
+            <a:endParaRPr lang="it-IT" sz="2800" dirty="0" smtClean="0"/>
           </a:p>
           <a:p>
             <a:pPr lvl="1">
               <a:buSzPct val="95000"/>
             </a:pPr>
             <a:r>
-              <a:rPr lang="it-IT" sz="2800" smtClean="0"/>
-              <a:t>Ma </a:t>
-            </a:r>
-            <a:r>
               <a:rPr lang="it-IT" sz="2800" dirty="0" smtClean="0"/>
-              <a:t>grazie al supporto dei nostri PM, in fine è stato utile e piacevole utilizzare </a:t>
+              <a:t>Ma grazie al supporto dei nostri PM, in fine è stato </a:t>
+            </a:r>
+            <a:r>
+              <a:rPr lang="it-IT" sz="3200" b="1" dirty="0" smtClean="0"/>
+              <a:t>utile e piacevole </a:t>
+            </a:r>
+            <a:r>
+              <a:rPr lang="it-IT" sz="2800" dirty="0" smtClean="0"/>
+              <a:t>utilizzare </a:t>
             </a:r>
             <a:r>
               <a:rPr lang="it-IT" sz="2800" dirty="0" err="1" smtClean="0"/>
@@ -37045,7 +37127,7 @@
           <a:blip r:embed="rId2" cstate="print">
             <a:extLst>
               <a:ext uri="{28A0092B-C50C-407E-A947-70E740481C1C}">
-                <a14:useLocalDpi xmlns="" xmlns:a14="http://schemas.microsoft.com/office/drawing/2010/main" val="0"/>
+                <a14:useLocalDpi xmlns:a14="http://schemas.microsoft.com/office/drawing/2010/main" xmlns="" val="0"/>
               </a:ext>
             </a:extLst>
           </a:blip>
@@ -37065,7 +37147,7 @@
           <a:noFill/>
           <a:extLst>
             <a:ext uri="{909E8E84-426E-40dd-AFC4-6F175D3DCCD1}">
-              <a14:hiddenFill xmlns="" xmlns:a14="http://schemas.microsoft.com/office/drawing/2010/main">
+              <a14:hiddenFill xmlns:a14="http://schemas.microsoft.com/office/drawing/2010/main" xmlns="">
                 <a:solidFill>
                   <a:srgbClr val="FFFFFF"/>
                 </a:solidFill>
@@ -37148,7 +37230,7 @@
     </p:spTree>
     <p:extLst>
       <p:ext uri="{BB962C8B-B14F-4D97-AF65-F5344CB8AC3E}">
-        <p14:creationId xmlns="" xmlns:p14="http://schemas.microsoft.com/office/powerpoint/2010/main" val="2252746867"/>
+        <p14:creationId xmlns:p14="http://schemas.microsoft.com/office/powerpoint/2010/main" xmlns="" val="2252746867"/>
       </p:ext>
     </p:extLst>
   </p:cSld>
@@ -37156,7 +37238,7 @@
     <a:masterClrMapping/>
   </p:clrMapOvr>
   <mc:AlternateContent xmlns:mc="http://schemas.openxmlformats.org/markup-compatibility/2006">
-    <mc:Choice xmlns="" xmlns:p14="http://schemas.microsoft.com/office/powerpoint/2010/main" Requires="p14">
+    <mc:Choice xmlns:p14="http://schemas.microsoft.com/office/powerpoint/2010/main" xmlns="" Requires="p14">
       <p:transition spd="slow" p14:dur="2000"/>
     </mc:Choice>
     <mc:Fallback>
@@ -37523,7 +37605,7 @@
     </p:spTree>
     <p:extLst>
       <p:ext uri="{BB962C8B-B14F-4D97-AF65-F5344CB8AC3E}">
-        <p14:creationId xmlns="" xmlns:p14="http://schemas.microsoft.com/office/powerpoint/2010/main" val="3564990699"/>
+        <p14:creationId xmlns:p14="http://schemas.microsoft.com/office/powerpoint/2010/main" xmlns="" val="3564990699"/>
       </p:ext>
     </p:extLst>
   </p:cSld>
@@ -37531,7 +37613,7 @@
     <a:masterClrMapping/>
   </p:clrMapOvr>
   <mc:AlternateContent xmlns:mc="http://schemas.openxmlformats.org/markup-compatibility/2006">
-    <mc:Choice xmlns="" xmlns:p14="http://schemas.microsoft.com/office/powerpoint/2010/main" Requires="p14">
+    <mc:Choice xmlns:p14="http://schemas.microsoft.com/office/powerpoint/2010/main" xmlns="" Requires="p14">
       <p:transition spd="slow" p14:dur="2000"/>
     </mc:Choice>
     <mc:Fallback>

--- a/Presentazione/Atsilo1/[BOZZA] Atsilo_A_PresentazioneFinale copia.pptx
+++ b/Presentazione/Atsilo1/[BOZZA] Atsilo_A_PresentazioneFinale copia.pptx
@@ -467,7 +467,7 @@
     </p:spTree>
     <p:extLst>
       <p:ext uri="{BB962C8B-B14F-4D97-AF65-F5344CB8AC3E}">
-        <p14:creationId xmlns:p14="http://schemas.microsoft.com/office/powerpoint/2010/main" xmlns="" val="2126419590"/>
+        <p14:creationId xmlns="" xmlns:p14="http://schemas.microsoft.com/office/powerpoint/2010/main" val="2126419590"/>
       </p:ext>
     </p:extLst>
   </p:cSld>
@@ -6327,14 +6327,14 @@
           <p:nvPr>
             <p:extLst>
               <p:ext uri="{D42A27DB-BD31-4B8C-83A1-F6EECF244321}">
-                <p14:modId xmlns:p14="http://schemas.microsoft.com/office/powerpoint/2010/main" xmlns="" val="1430840817"/>
+                <p14:modId xmlns="" xmlns:p14="http://schemas.microsoft.com/office/powerpoint/2010/main" val="1430840817"/>
               </p:ext>
             </p:extLst>
           </p:nvPr>
         </p:nvGraphicFramePr>
         <p:xfrm>
           <a:off x="0" y="4077072"/>
-          <a:ext cx="2051720" cy="2773680"/>
+          <a:ext cx="2051720" cy="2575182"/>
         </p:xfrm>
         <a:graphic>
           <a:graphicData uri="http://schemas.openxmlformats.org/drawingml/2006/table">
@@ -6575,14 +6575,14 @@
           <p:nvPr>
             <p:extLst>
               <p:ext uri="{D42A27DB-BD31-4B8C-83A1-F6EECF244321}">
-                <p14:modId xmlns:p14="http://schemas.microsoft.com/office/powerpoint/2010/main" xmlns="" val="956586736"/>
+                <p14:modId xmlns="" xmlns:p14="http://schemas.microsoft.com/office/powerpoint/2010/main" val="956586736"/>
               </p:ext>
             </p:extLst>
           </p:nvPr>
         </p:nvGraphicFramePr>
         <p:xfrm>
           <a:off x="7092280" y="6060793"/>
-          <a:ext cx="2051720" cy="792480"/>
+          <a:ext cx="2051720" cy="726314"/>
         </p:xfrm>
         <a:graphic>
           <a:graphicData uri="http://schemas.openxmlformats.org/drawingml/2006/table">
@@ -6665,7 +6665,7 @@
           <a:blip r:embed="rId2" cstate="print">
             <a:extLst>
               <a:ext uri="{28A0092B-C50C-407E-A947-70E740481C1C}">
-                <a14:useLocalDpi xmlns:a14="http://schemas.microsoft.com/office/drawing/2010/main" xmlns="" val="0"/>
+                <a14:useLocalDpi xmlns="" xmlns:a14="http://schemas.microsoft.com/office/drawing/2010/main" val="0"/>
               </a:ext>
             </a:extLst>
           </a:blip>
@@ -6685,7 +6685,7 @@
           <a:noFill/>
           <a:extLst>
             <a:ext uri="{909E8E84-426E-40dd-AFC4-6F175D3DCCD1}">
-              <a14:hiddenFill xmlns:a14="http://schemas.microsoft.com/office/drawing/2010/main" xmlns="">
+              <a14:hiddenFill xmlns="" xmlns:a14="http://schemas.microsoft.com/office/drawing/2010/main">
                 <a:solidFill>
                   <a:srgbClr val="FFFFFF"/>
                 </a:solidFill>
@@ -6697,7 +6697,7 @@
     </p:spTree>
     <p:extLst>
       <p:ext uri="{BB962C8B-B14F-4D97-AF65-F5344CB8AC3E}">
-        <p14:creationId xmlns:p14="http://schemas.microsoft.com/office/powerpoint/2010/main" xmlns="" val="4165334171"/>
+        <p14:creationId xmlns="" xmlns:p14="http://schemas.microsoft.com/office/powerpoint/2010/main" val="4165334171"/>
       </p:ext>
     </p:extLst>
   </p:cSld>
@@ -7003,7 +7003,7 @@
     </p:spTree>
     <p:extLst>
       <p:ext uri="{BB962C8B-B14F-4D97-AF65-F5344CB8AC3E}">
-        <p14:creationId xmlns:p14="http://schemas.microsoft.com/office/powerpoint/2010/main" xmlns="" val="4143007013"/>
+        <p14:creationId xmlns="" xmlns:p14="http://schemas.microsoft.com/office/powerpoint/2010/main" val="4143007013"/>
       </p:ext>
     </p:extLst>
   </p:cSld>
@@ -7011,7 +7011,7 @@
     <a:masterClrMapping/>
   </p:clrMapOvr>
   <mc:AlternateContent xmlns:mc="http://schemas.openxmlformats.org/markup-compatibility/2006">
-    <mc:Choice xmlns:p14="http://schemas.microsoft.com/office/powerpoint/2010/main" xmlns="" Requires="p14">
+    <mc:Choice xmlns="" xmlns:p14="http://schemas.microsoft.com/office/powerpoint/2010/main" Requires="p14">
       <p:transition spd="slow" p14:dur="2000"/>
     </mc:Choice>
     <mc:Fallback>
@@ -7379,7 +7379,7 @@
     </p:spTree>
     <p:extLst>
       <p:ext uri="{BB962C8B-B14F-4D97-AF65-F5344CB8AC3E}">
-        <p14:creationId xmlns:p14="http://schemas.microsoft.com/office/powerpoint/2010/main" xmlns="" val="3748041918"/>
+        <p14:creationId xmlns="" xmlns:p14="http://schemas.microsoft.com/office/powerpoint/2010/main" val="3748041918"/>
       </p:ext>
     </p:extLst>
   </p:cSld>
@@ -7387,7 +7387,7 @@
     <a:masterClrMapping/>
   </p:clrMapOvr>
   <mc:AlternateContent xmlns:mc="http://schemas.openxmlformats.org/markup-compatibility/2006">
-    <mc:Choice xmlns:p14="http://schemas.microsoft.com/office/powerpoint/2010/main" xmlns="" Requires="p14">
+    <mc:Choice xmlns="" xmlns:p14="http://schemas.microsoft.com/office/powerpoint/2010/main" Requires="p14">
       <p:transition spd="slow" p14:dur="2000"/>
     </mc:Choice>
     <mc:Fallback>
@@ -7488,7 +7488,7 @@
     </p:spTree>
     <p:extLst>
       <p:ext uri="{BB962C8B-B14F-4D97-AF65-F5344CB8AC3E}">
-        <p14:creationId xmlns:p14="http://schemas.microsoft.com/office/powerpoint/2010/main" xmlns="" val="3695870384"/>
+        <p14:creationId xmlns="" xmlns:p14="http://schemas.microsoft.com/office/powerpoint/2010/main" val="3695870384"/>
       </p:ext>
     </p:extLst>
   </p:cSld>
@@ -7589,7 +7589,7 @@
     </p:spTree>
     <p:extLst>
       <p:ext uri="{BB962C8B-B14F-4D97-AF65-F5344CB8AC3E}">
-        <p14:creationId xmlns:p14="http://schemas.microsoft.com/office/powerpoint/2010/main" xmlns="" val="3987928837"/>
+        <p14:creationId xmlns="" xmlns:p14="http://schemas.microsoft.com/office/powerpoint/2010/main" val="3987928837"/>
       </p:ext>
     </p:extLst>
   </p:cSld>
@@ -7914,7 +7914,7 @@
     </p:spTree>
     <p:extLst>
       <p:ext uri="{BB962C8B-B14F-4D97-AF65-F5344CB8AC3E}">
-        <p14:creationId xmlns:p14="http://schemas.microsoft.com/office/powerpoint/2010/main" xmlns="" val="1367578552"/>
+        <p14:creationId xmlns="" xmlns:p14="http://schemas.microsoft.com/office/powerpoint/2010/main" val="1367578552"/>
       </p:ext>
     </p:extLst>
   </p:cSld>
@@ -8042,7 +8042,7 @@
     </p:spTree>
     <p:extLst>
       <p:ext uri="{BB962C8B-B14F-4D97-AF65-F5344CB8AC3E}">
-        <p14:creationId xmlns:p14="http://schemas.microsoft.com/office/powerpoint/2010/main" xmlns="" val="1554749062"/>
+        <p14:creationId xmlns="" xmlns:p14="http://schemas.microsoft.com/office/powerpoint/2010/main" val="1554749062"/>
       </p:ext>
     </p:extLst>
   </p:cSld>
@@ -8170,7 +8170,7 @@
     </p:spTree>
     <p:extLst>
       <p:ext uri="{BB962C8B-B14F-4D97-AF65-F5344CB8AC3E}">
-        <p14:creationId xmlns:p14="http://schemas.microsoft.com/office/powerpoint/2010/main" xmlns="" val="1028530279"/>
+        <p14:creationId xmlns="" xmlns:p14="http://schemas.microsoft.com/office/powerpoint/2010/main" val="1028530279"/>
       </p:ext>
     </p:extLst>
   </p:cSld>
@@ -8298,7 +8298,7 @@
     </p:spTree>
     <p:extLst>
       <p:ext uri="{BB962C8B-B14F-4D97-AF65-F5344CB8AC3E}">
-        <p14:creationId xmlns:p14="http://schemas.microsoft.com/office/powerpoint/2010/main" xmlns="" val="2120081776"/>
+        <p14:creationId xmlns="" xmlns:p14="http://schemas.microsoft.com/office/powerpoint/2010/main" val="2120081776"/>
       </p:ext>
     </p:extLst>
   </p:cSld>
@@ -8438,7 +8438,7 @@
     </p:spTree>
     <p:extLst>
       <p:ext uri="{BB962C8B-B14F-4D97-AF65-F5344CB8AC3E}">
-        <p14:creationId xmlns:p14="http://schemas.microsoft.com/office/powerpoint/2010/main" xmlns="" val="3320352623"/>
+        <p14:creationId xmlns="" xmlns:p14="http://schemas.microsoft.com/office/powerpoint/2010/main" val="3320352623"/>
       </p:ext>
     </p:extLst>
   </p:cSld>
@@ -8578,7 +8578,7 @@
     </p:spTree>
     <p:extLst>
       <p:ext uri="{BB962C8B-B14F-4D97-AF65-F5344CB8AC3E}">
-        <p14:creationId xmlns:p14="http://schemas.microsoft.com/office/powerpoint/2010/main" xmlns="" val="4011022122"/>
+        <p14:creationId xmlns="" xmlns:p14="http://schemas.microsoft.com/office/powerpoint/2010/main" val="4011022122"/>
       </p:ext>
     </p:extLst>
   </p:cSld>
@@ -8883,7 +8883,7 @@
     </p:spTree>
     <p:extLst>
       <p:ext uri="{BB962C8B-B14F-4D97-AF65-F5344CB8AC3E}">
-        <p14:creationId xmlns:p14="http://schemas.microsoft.com/office/powerpoint/2010/main" xmlns="" val="2927506779"/>
+        <p14:creationId xmlns="" xmlns:p14="http://schemas.microsoft.com/office/powerpoint/2010/main" val="2927506779"/>
       </p:ext>
     </p:extLst>
   </p:cSld>
@@ -9550,7 +9550,7 @@
     </p:spTree>
     <p:extLst>
       <p:ext uri="{BB962C8B-B14F-4D97-AF65-F5344CB8AC3E}">
-        <p14:creationId xmlns:p14="http://schemas.microsoft.com/office/powerpoint/2010/main" xmlns="" val="1720938352"/>
+        <p14:creationId xmlns="" xmlns:p14="http://schemas.microsoft.com/office/powerpoint/2010/main" val="1720938352"/>
       </p:ext>
     </p:extLst>
   </p:cSld>
@@ -9558,7 +9558,7 @@
     <a:masterClrMapping/>
   </p:clrMapOvr>
   <mc:AlternateContent xmlns:mc="http://schemas.openxmlformats.org/markup-compatibility/2006">
-    <mc:Choice xmlns:p14="http://schemas.microsoft.com/office/powerpoint/2010/main" xmlns="" Requires="p14">
+    <mc:Choice xmlns="" xmlns:p14="http://schemas.microsoft.com/office/powerpoint/2010/main" Requires="p14">
       <p:transition spd="slow" p14:dur="2000"/>
     </mc:Choice>
     <mc:Fallback>
@@ -9852,7 +9852,7 @@
     </p:spTree>
     <p:extLst>
       <p:ext uri="{BB962C8B-B14F-4D97-AF65-F5344CB8AC3E}">
-        <p14:creationId xmlns:p14="http://schemas.microsoft.com/office/powerpoint/2010/main" xmlns="" val="3389076463"/>
+        <p14:creationId xmlns="" xmlns:p14="http://schemas.microsoft.com/office/powerpoint/2010/main" val="3389076463"/>
       </p:ext>
     </p:extLst>
   </p:cSld>
@@ -9975,7 +9975,7 @@
     </p:spTree>
     <p:extLst>
       <p:ext uri="{BB962C8B-B14F-4D97-AF65-F5344CB8AC3E}">
-        <p14:creationId xmlns:p14="http://schemas.microsoft.com/office/powerpoint/2010/main" xmlns="" val="3781125707"/>
+        <p14:creationId xmlns="" xmlns:p14="http://schemas.microsoft.com/office/powerpoint/2010/main" val="3781125707"/>
       </p:ext>
     </p:extLst>
   </p:cSld>
@@ -10099,7 +10099,7 @@
     </p:spTree>
     <p:extLst>
       <p:ext uri="{BB962C8B-B14F-4D97-AF65-F5344CB8AC3E}">
-        <p14:creationId xmlns:p14="http://schemas.microsoft.com/office/powerpoint/2010/main" xmlns="" val="3113757335"/>
+        <p14:creationId xmlns="" xmlns:p14="http://schemas.microsoft.com/office/powerpoint/2010/main" val="3113757335"/>
       </p:ext>
     </p:extLst>
   </p:cSld>
@@ -10183,7 +10183,7 @@
     </p:spTree>
     <p:extLst>
       <p:ext uri="{BB962C8B-B14F-4D97-AF65-F5344CB8AC3E}">
-        <p14:creationId xmlns:p14="http://schemas.microsoft.com/office/powerpoint/2010/main" xmlns="" val="3128220547"/>
+        <p14:creationId xmlns="" xmlns:p14="http://schemas.microsoft.com/office/powerpoint/2010/main" val="3128220547"/>
       </p:ext>
     </p:extLst>
   </p:cSld>
@@ -10309,7 +10309,7 @@
     </p:spTree>
     <p:extLst>
       <p:ext uri="{BB962C8B-B14F-4D97-AF65-F5344CB8AC3E}">
-        <p14:creationId xmlns:p14="http://schemas.microsoft.com/office/powerpoint/2010/main" xmlns="" val="3526463055"/>
+        <p14:creationId xmlns="" xmlns:p14="http://schemas.microsoft.com/office/powerpoint/2010/main" val="3526463055"/>
       </p:ext>
     </p:extLst>
   </p:cSld>
@@ -10432,7 +10432,7 @@
     </p:spTree>
     <p:extLst>
       <p:ext uri="{BB962C8B-B14F-4D97-AF65-F5344CB8AC3E}">
-        <p14:creationId xmlns:p14="http://schemas.microsoft.com/office/powerpoint/2010/main" xmlns="" val="4153735844"/>
+        <p14:creationId xmlns="" xmlns:p14="http://schemas.microsoft.com/office/powerpoint/2010/main" val="4153735844"/>
       </p:ext>
     </p:extLst>
   </p:cSld>
@@ -10525,7 +10525,7 @@
     </p:spTree>
     <p:extLst>
       <p:ext uri="{BB962C8B-B14F-4D97-AF65-F5344CB8AC3E}">
-        <p14:creationId xmlns:p14="http://schemas.microsoft.com/office/powerpoint/2010/main" xmlns="" val="3584613944"/>
+        <p14:creationId xmlns="" xmlns:p14="http://schemas.microsoft.com/office/powerpoint/2010/main" val="3584613944"/>
       </p:ext>
     </p:extLst>
   </p:cSld>
@@ -10714,7 +10714,7 @@
     </p:spTree>
     <p:extLst>
       <p:ext uri="{BB962C8B-B14F-4D97-AF65-F5344CB8AC3E}">
-        <p14:creationId xmlns:p14="http://schemas.microsoft.com/office/powerpoint/2010/main" xmlns="" val="1309712431"/>
+        <p14:creationId xmlns="" xmlns:p14="http://schemas.microsoft.com/office/powerpoint/2010/main" val="1309712431"/>
       </p:ext>
     </p:extLst>
   </p:cSld>
@@ -10931,7 +10931,7 @@
     </p:spTree>
     <p:extLst>
       <p:ext uri="{BB962C8B-B14F-4D97-AF65-F5344CB8AC3E}">
-        <p14:creationId xmlns:p14="http://schemas.microsoft.com/office/powerpoint/2010/main" xmlns="" val="3902446084"/>
+        <p14:creationId xmlns="" xmlns:p14="http://schemas.microsoft.com/office/powerpoint/2010/main" val="3902446084"/>
       </p:ext>
     </p:extLst>
   </p:cSld>
@@ -11123,7 +11123,7 @@
     </p:spTree>
     <p:extLst>
       <p:ext uri="{BB962C8B-B14F-4D97-AF65-F5344CB8AC3E}">
-        <p14:creationId xmlns:p14="http://schemas.microsoft.com/office/powerpoint/2010/main" xmlns="" val="3677979436"/>
+        <p14:creationId xmlns="" xmlns:p14="http://schemas.microsoft.com/office/powerpoint/2010/main" val="3677979436"/>
       </p:ext>
     </p:extLst>
   </p:cSld>
@@ -11640,7 +11640,7 @@
     </p:spTree>
     <p:extLst>
       <p:ext uri="{BB962C8B-B14F-4D97-AF65-F5344CB8AC3E}">
-        <p14:creationId xmlns:p14="http://schemas.microsoft.com/office/powerpoint/2010/main" xmlns="" val="3436514102"/>
+        <p14:creationId xmlns="" xmlns:p14="http://schemas.microsoft.com/office/powerpoint/2010/main" val="3436514102"/>
       </p:ext>
     </p:extLst>
   </p:cSld>
@@ -11648,7 +11648,7 @@
     <a:masterClrMapping/>
   </p:clrMapOvr>
   <mc:AlternateContent xmlns:mc="http://schemas.openxmlformats.org/markup-compatibility/2006">
-    <mc:Choice xmlns:p14="http://schemas.microsoft.com/office/powerpoint/2010/main" xmlns="" Requires="p14">
+    <mc:Choice xmlns="" xmlns:p14="http://schemas.microsoft.com/office/powerpoint/2010/main" Requires="p14">
       <p:transition spd="slow" p14:dur="2000"/>
     </mc:Choice>
     <mc:Fallback>
@@ -11741,7 +11741,7 @@
     </p:spTree>
     <p:extLst>
       <p:ext uri="{BB962C8B-B14F-4D97-AF65-F5344CB8AC3E}">
-        <p14:creationId xmlns:p14="http://schemas.microsoft.com/office/powerpoint/2010/main" xmlns="" val="2777952497"/>
+        <p14:creationId xmlns="" xmlns:p14="http://schemas.microsoft.com/office/powerpoint/2010/main" val="2777952497"/>
       </p:ext>
     </p:extLst>
   </p:cSld>
@@ -11929,7 +11929,7 @@
     </p:spTree>
     <p:extLst>
       <p:ext uri="{BB962C8B-B14F-4D97-AF65-F5344CB8AC3E}">
-        <p14:creationId xmlns:p14="http://schemas.microsoft.com/office/powerpoint/2010/main" xmlns="" val="2574674066"/>
+        <p14:creationId xmlns="" xmlns:p14="http://schemas.microsoft.com/office/powerpoint/2010/main" val="2574674066"/>
       </p:ext>
     </p:extLst>
   </p:cSld>
@@ -12022,7 +12022,7 @@
     </p:spTree>
     <p:extLst>
       <p:ext uri="{BB962C8B-B14F-4D97-AF65-F5344CB8AC3E}">
-        <p14:creationId xmlns:p14="http://schemas.microsoft.com/office/powerpoint/2010/main" xmlns="" val="763878143"/>
+        <p14:creationId xmlns="" xmlns:p14="http://schemas.microsoft.com/office/powerpoint/2010/main" val="763878143"/>
       </p:ext>
     </p:extLst>
   </p:cSld>
@@ -12643,7 +12643,7 @@
     </p:spTree>
     <p:extLst>
       <p:ext uri="{BB962C8B-B14F-4D97-AF65-F5344CB8AC3E}">
-        <p14:creationId xmlns:p14="http://schemas.microsoft.com/office/powerpoint/2010/main" xmlns="" val="42533803"/>
+        <p14:creationId xmlns="" xmlns:p14="http://schemas.microsoft.com/office/powerpoint/2010/main" val="42533803"/>
       </p:ext>
     </p:extLst>
   </p:cSld>
@@ -12651,7 +12651,7 @@
     <a:masterClrMapping/>
   </p:clrMapOvr>
   <mc:AlternateContent xmlns:mc="http://schemas.openxmlformats.org/markup-compatibility/2006">
-    <mc:Choice xmlns:p14="http://schemas.microsoft.com/office/powerpoint/2010/main" xmlns="" Requires="p14">
+    <mc:Choice xmlns="" xmlns:p14="http://schemas.microsoft.com/office/powerpoint/2010/main" Requires="p14">
       <p:transition spd="slow" p14:dur="2000"/>
     </mc:Choice>
     <mc:Fallback>
@@ -12955,7 +12955,7 @@
     </p:spTree>
     <p:extLst>
       <p:ext uri="{BB962C8B-B14F-4D97-AF65-F5344CB8AC3E}">
-        <p14:creationId xmlns:p14="http://schemas.microsoft.com/office/powerpoint/2010/main" xmlns="" val="719158636"/>
+        <p14:creationId xmlns="" xmlns:p14="http://schemas.microsoft.com/office/powerpoint/2010/main" val="719158636"/>
       </p:ext>
     </p:extLst>
   </p:cSld>
@@ -12963,7 +12963,7 @@
     <a:masterClrMapping/>
   </p:clrMapOvr>
   <mc:AlternateContent xmlns:mc="http://schemas.openxmlformats.org/markup-compatibility/2006">
-    <mc:Choice xmlns:p14="http://schemas.microsoft.com/office/powerpoint/2010/main" xmlns="" Requires="p14">
+    <mc:Choice xmlns="" xmlns:p14="http://schemas.microsoft.com/office/powerpoint/2010/main" Requires="p14">
       <p:transition spd="slow" p14:dur="2000"/>
     </mc:Choice>
     <mc:Fallback>
@@ -13264,7 +13264,7 @@
     </p:spTree>
     <p:extLst>
       <p:ext uri="{BB962C8B-B14F-4D97-AF65-F5344CB8AC3E}">
-        <p14:creationId xmlns:p14="http://schemas.microsoft.com/office/powerpoint/2010/main" xmlns="" val="3790159258"/>
+        <p14:creationId xmlns="" xmlns:p14="http://schemas.microsoft.com/office/powerpoint/2010/main" val="3790159258"/>
       </p:ext>
     </p:extLst>
   </p:cSld>
@@ -13272,7 +13272,7 @@
     <a:masterClrMapping/>
   </p:clrMapOvr>
   <mc:AlternateContent xmlns:mc="http://schemas.openxmlformats.org/markup-compatibility/2006">
-    <mc:Choice xmlns:p14="http://schemas.microsoft.com/office/powerpoint/2010/main" xmlns="" Requires="p14">
+    <mc:Choice xmlns="" xmlns:p14="http://schemas.microsoft.com/office/powerpoint/2010/main" Requires="p14">
       <p:transition spd="slow" p14:dur="2000"/>
     </mc:Choice>
     <mc:Fallback>
@@ -13580,7 +13580,7 @@
     </p:spTree>
     <p:extLst>
       <p:ext uri="{BB962C8B-B14F-4D97-AF65-F5344CB8AC3E}">
-        <p14:creationId xmlns:p14="http://schemas.microsoft.com/office/powerpoint/2010/main" xmlns="" val="560870364"/>
+        <p14:creationId xmlns="" xmlns:p14="http://schemas.microsoft.com/office/powerpoint/2010/main" val="560870364"/>
       </p:ext>
     </p:extLst>
   </p:cSld>
@@ -13588,7 +13588,7 @@
     <a:masterClrMapping/>
   </p:clrMapOvr>
   <mc:AlternateContent xmlns:mc="http://schemas.openxmlformats.org/markup-compatibility/2006">
-    <mc:Choice xmlns:p14="http://schemas.microsoft.com/office/powerpoint/2010/main" xmlns="" Requires="p14">
+    <mc:Choice xmlns="" xmlns:p14="http://schemas.microsoft.com/office/powerpoint/2010/main" Requires="p14">
       <p:transition spd="slow" p14:dur="2000"/>
     </mc:Choice>
     <mc:Fallback>
@@ -13889,7 +13889,7 @@
     </p:spTree>
     <p:extLst>
       <p:ext uri="{BB962C8B-B14F-4D97-AF65-F5344CB8AC3E}">
-        <p14:creationId xmlns:p14="http://schemas.microsoft.com/office/powerpoint/2010/main" xmlns="" val="518406238"/>
+        <p14:creationId xmlns="" xmlns:p14="http://schemas.microsoft.com/office/powerpoint/2010/main" val="518406238"/>
       </p:ext>
     </p:extLst>
   </p:cSld>
@@ -13897,7 +13897,7 @@
     <a:masterClrMapping/>
   </p:clrMapOvr>
   <mc:AlternateContent xmlns:mc="http://schemas.openxmlformats.org/markup-compatibility/2006">
-    <mc:Choice xmlns:p14="http://schemas.microsoft.com/office/powerpoint/2010/main" xmlns="" Requires="p14">
+    <mc:Choice xmlns="" xmlns:p14="http://schemas.microsoft.com/office/powerpoint/2010/main" Requires="p14">
       <p:transition spd="slow" p14:dur="2000"/>
     </mc:Choice>
     <mc:Fallback>
@@ -14198,7 +14198,7 @@
     </p:spTree>
     <p:extLst>
       <p:ext uri="{BB962C8B-B14F-4D97-AF65-F5344CB8AC3E}">
-        <p14:creationId xmlns:p14="http://schemas.microsoft.com/office/powerpoint/2010/main" xmlns="" val="3089945963"/>
+        <p14:creationId xmlns="" xmlns:p14="http://schemas.microsoft.com/office/powerpoint/2010/main" val="3089945963"/>
       </p:ext>
     </p:extLst>
   </p:cSld>
@@ -14206,7 +14206,7 @@
     <a:masterClrMapping/>
   </p:clrMapOvr>
   <mc:AlternateContent xmlns:mc="http://schemas.openxmlformats.org/markup-compatibility/2006">
-    <mc:Choice xmlns:p14="http://schemas.microsoft.com/office/powerpoint/2010/main" xmlns="" Requires="p14">
+    <mc:Choice xmlns="" xmlns:p14="http://schemas.microsoft.com/office/powerpoint/2010/main" Requires="p14">
       <p:transition spd="slow" p14:dur="2000"/>
     </mc:Choice>
     <mc:Fallback>
@@ -14553,7 +14553,7 @@
     </p:spTree>
     <p:extLst>
       <p:ext uri="{BB962C8B-B14F-4D97-AF65-F5344CB8AC3E}">
-        <p14:creationId xmlns:p14="http://schemas.microsoft.com/office/powerpoint/2010/main" xmlns="" val="3735783036"/>
+        <p14:creationId xmlns="" xmlns:p14="http://schemas.microsoft.com/office/powerpoint/2010/main" val="3735783036"/>
       </p:ext>
     </p:extLst>
   </p:cSld>
@@ -14561,7 +14561,7 @@
     <a:masterClrMapping/>
   </p:clrMapOvr>
   <mc:AlternateContent xmlns:mc="http://schemas.openxmlformats.org/markup-compatibility/2006">
-    <mc:Choice xmlns:p14="http://schemas.microsoft.com/office/powerpoint/2010/main" xmlns="" Requires="p14">
+    <mc:Choice xmlns="" xmlns:p14="http://schemas.microsoft.com/office/powerpoint/2010/main" Requires="p14">
       <p:transition spd="slow" p14:dur="2000"/>
     </mc:Choice>
     <mc:Fallback>
@@ -14874,7 +14874,7 @@
     </p:spTree>
     <p:extLst>
       <p:ext uri="{BB962C8B-B14F-4D97-AF65-F5344CB8AC3E}">
-        <p14:creationId xmlns:p14="http://schemas.microsoft.com/office/powerpoint/2010/main" xmlns="" val="820318166"/>
+        <p14:creationId xmlns="" xmlns:p14="http://schemas.microsoft.com/office/powerpoint/2010/main" val="820318166"/>
       </p:ext>
     </p:extLst>
   </p:cSld>
@@ -14882,7 +14882,7 @@
     <a:masterClrMapping/>
   </p:clrMapOvr>
   <mc:AlternateContent xmlns:mc="http://schemas.openxmlformats.org/markup-compatibility/2006">
-    <mc:Choice xmlns:p14="http://schemas.microsoft.com/office/powerpoint/2010/main" xmlns="" Requires="p14">
+    <mc:Choice xmlns="" xmlns:p14="http://schemas.microsoft.com/office/powerpoint/2010/main" Requires="p14">
       <p:transition spd="slow" p14:dur="2000"/>
     </mc:Choice>
     <mc:Fallback>
@@ -15202,7 +15202,7 @@
     </p:spTree>
     <p:extLst>
       <p:ext uri="{BB962C8B-B14F-4D97-AF65-F5344CB8AC3E}">
-        <p14:creationId xmlns:p14="http://schemas.microsoft.com/office/powerpoint/2010/main" xmlns="" val="2112585717"/>
+        <p14:creationId xmlns="" xmlns:p14="http://schemas.microsoft.com/office/powerpoint/2010/main" val="2112585717"/>
       </p:ext>
     </p:extLst>
   </p:cSld>
@@ -15210,7 +15210,7 @@
     <a:masterClrMapping/>
   </p:clrMapOvr>
   <mc:AlternateContent xmlns:mc="http://schemas.openxmlformats.org/markup-compatibility/2006">
-    <mc:Choice xmlns:p14="http://schemas.microsoft.com/office/powerpoint/2010/main" xmlns="" Requires="p14">
+    <mc:Choice xmlns="" xmlns:p14="http://schemas.microsoft.com/office/powerpoint/2010/main" Requires="p14">
       <p:transition spd="slow" p14:dur="2000"/>
     </mc:Choice>
     <mc:Fallback>
@@ -15495,7 +15495,7 @@
     </p:spTree>
     <p:extLst>
       <p:ext uri="{BB962C8B-B14F-4D97-AF65-F5344CB8AC3E}">
-        <p14:creationId xmlns:p14="http://schemas.microsoft.com/office/powerpoint/2010/main" xmlns="" val="2498309309"/>
+        <p14:creationId xmlns="" xmlns:p14="http://schemas.microsoft.com/office/powerpoint/2010/main" val="2498309309"/>
       </p:ext>
     </p:extLst>
   </p:cSld>
@@ -15503,7 +15503,7 @@
     <a:masterClrMapping/>
   </p:clrMapOvr>
   <mc:AlternateContent xmlns:mc="http://schemas.openxmlformats.org/markup-compatibility/2006">
-    <mc:Choice xmlns:p14="http://schemas.microsoft.com/office/powerpoint/2010/main" xmlns="" Requires="p14">
+    <mc:Choice xmlns="" xmlns:p14="http://schemas.microsoft.com/office/powerpoint/2010/main" Requires="p14">
       <p:transition spd="slow" p14:dur="2000"/>
     </mc:Choice>
     <mc:Fallback>
@@ -15800,7 +15800,7 @@
     </p:spTree>
     <p:extLst>
       <p:ext uri="{BB962C8B-B14F-4D97-AF65-F5344CB8AC3E}">
-        <p14:creationId xmlns:p14="http://schemas.microsoft.com/office/powerpoint/2010/main" xmlns="" val="490993421"/>
+        <p14:creationId xmlns="" xmlns:p14="http://schemas.microsoft.com/office/powerpoint/2010/main" val="490993421"/>
       </p:ext>
     </p:extLst>
   </p:cSld>
@@ -15808,7 +15808,7 @@
     <a:masterClrMapping/>
   </p:clrMapOvr>
   <mc:AlternateContent xmlns:mc="http://schemas.openxmlformats.org/markup-compatibility/2006">
-    <mc:Choice xmlns:p14="http://schemas.microsoft.com/office/powerpoint/2010/main" xmlns="" Requires="p14">
+    <mc:Choice xmlns="" xmlns:p14="http://schemas.microsoft.com/office/powerpoint/2010/main" Requires="p14">
       <p:transition spd="slow" p14:dur="2000"/>
     </mc:Choice>
     <mc:Fallback>
@@ -16077,7 +16077,7 @@
     </p:spTree>
     <p:extLst>
       <p:ext uri="{BB962C8B-B14F-4D97-AF65-F5344CB8AC3E}">
-        <p14:creationId xmlns:p14="http://schemas.microsoft.com/office/powerpoint/2010/main" xmlns="" val="1982603412"/>
+        <p14:creationId xmlns="" xmlns:p14="http://schemas.microsoft.com/office/powerpoint/2010/main" val="1982603412"/>
       </p:ext>
     </p:extLst>
   </p:cSld>
@@ -16085,7 +16085,7 @@
     <a:masterClrMapping/>
   </p:clrMapOvr>
   <mc:AlternateContent xmlns:mc="http://schemas.openxmlformats.org/markup-compatibility/2006">
-    <mc:Choice xmlns:p14="http://schemas.microsoft.com/office/powerpoint/2010/main" xmlns="" Requires="p14">
+    <mc:Choice xmlns="" xmlns:p14="http://schemas.microsoft.com/office/powerpoint/2010/main" Requires="p14">
       <p:transition spd="slow" p14:dur="2000"/>
     </mc:Choice>
     <mc:Fallback>
@@ -16178,7 +16178,7 @@
     </p:spTree>
     <p:extLst>
       <p:ext uri="{BB962C8B-B14F-4D97-AF65-F5344CB8AC3E}">
-        <p14:creationId xmlns:p14="http://schemas.microsoft.com/office/powerpoint/2010/main" xmlns="" val="3486681628"/>
+        <p14:creationId xmlns="" xmlns:p14="http://schemas.microsoft.com/office/powerpoint/2010/main" val="3486681628"/>
       </p:ext>
     </p:extLst>
   </p:cSld>
@@ -16186,7 +16186,7 @@
     <a:masterClrMapping/>
   </p:clrMapOvr>
   <mc:AlternateContent xmlns:mc="http://schemas.openxmlformats.org/markup-compatibility/2006">
-    <mc:Choice xmlns:p14="http://schemas.microsoft.com/office/powerpoint/2010/main" xmlns="" Requires="p14">
+    <mc:Choice xmlns="" xmlns:p14="http://schemas.microsoft.com/office/powerpoint/2010/main" Requires="p14">
       <p:transition spd="slow" p14:dur="2000"/>
     </mc:Choice>
     <mc:Fallback>
@@ -16496,7 +16496,7 @@
     </p:spTree>
     <p:extLst>
       <p:ext uri="{BB962C8B-B14F-4D97-AF65-F5344CB8AC3E}">
-        <p14:creationId xmlns:p14="http://schemas.microsoft.com/office/powerpoint/2010/main" xmlns="" val="2167458548"/>
+        <p14:creationId xmlns="" xmlns:p14="http://schemas.microsoft.com/office/powerpoint/2010/main" val="2167458548"/>
       </p:ext>
     </p:extLst>
   </p:cSld>
@@ -16504,7 +16504,7 @@
     <a:masterClrMapping/>
   </p:clrMapOvr>
   <mc:AlternateContent xmlns:mc="http://schemas.openxmlformats.org/markup-compatibility/2006">
-    <mc:Choice xmlns:p14="http://schemas.microsoft.com/office/powerpoint/2010/main" xmlns="" Requires="p14">
+    <mc:Choice xmlns="" xmlns:p14="http://schemas.microsoft.com/office/powerpoint/2010/main" Requires="p14">
       <p:transition spd="slow" p14:dur="2000"/>
     </mc:Choice>
     <mc:Fallback>
@@ -16603,7 +16603,7 @@
     </p:spTree>
     <p:extLst>
       <p:ext uri="{BB962C8B-B14F-4D97-AF65-F5344CB8AC3E}">
-        <p14:creationId xmlns:p14="http://schemas.microsoft.com/office/powerpoint/2010/main" xmlns="" val="77984983"/>
+        <p14:creationId xmlns="" xmlns:p14="http://schemas.microsoft.com/office/powerpoint/2010/main" val="77984983"/>
       </p:ext>
     </p:extLst>
   </p:cSld>
@@ -16611,7 +16611,7 @@
     <a:masterClrMapping/>
   </p:clrMapOvr>
   <mc:AlternateContent xmlns:mc="http://schemas.openxmlformats.org/markup-compatibility/2006">
-    <mc:Choice xmlns:p14="http://schemas.microsoft.com/office/powerpoint/2010/main" xmlns="" Requires="p14">
+    <mc:Choice xmlns="" xmlns:p14="http://schemas.microsoft.com/office/powerpoint/2010/main" Requires="p14">
       <p:transition spd="slow" p14:dur="2000"/>
     </mc:Choice>
     <mc:Fallback>
@@ -16710,7 +16710,7 @@
     </p:spTree>
     <p:extLst>
       <p:ext uri="{BB962C8B-B14F-4D97-AF65-F5344CB8AC3E}">
-        <p14:creationId xmlns:p14="http://schemas.microsoft.com/office/powerpoint/2010/main" xmlns="" val="3690446741"/>
+        <p14:creationId xmlns="" xmlns:p14="http://schemas.microsoft.com/office/powerpoint/2010/main" val="3690446741"/>
       </p:ext>
     </p:extLst>
   </p:cSld>
@@ -16718,7 +16718,7 @@
     <a:masterClrMapping/>
   </p:clrMapOvr>
   <mc:AlternateContent xmlns:mc="http://schemas.openxmlformats.org/markup-compatibility/2006">
-    <mc:Choice xmlns:p14="http://schemas.microsoft.com/office/powerpoint/2010/main" xmlns="" Requires="p14">
+    <mc:Choice xmlns="" xmlns:p14="http://schemas.microsoft.com/office/powerpoint/2010/main" Requires="p14">
       <p:transition spd="slow" p14:dur="2000"/>
     </mc:Choice>
     <mc:Fallback>
@@ -16949,7 +16949,7 @@
     </p:spTree>
     <p:extLst>
       <p:ext uri="{BB962C8B-B14F-4D97-AF65-F5344CB8AC3E}">
-        <p14:creationId xmlns:p14="http://schemas.microsoft.com/office/powerpoint/2010/main" xmlns="" val="1921668123"/>
+        <p14:creationId xmlns="" xmlns:p14="http://schemas.microsoft.com/office/powerpoint/2010/main" val="1921668123"/>
       </p:ext>
     </p:extLst>
   </p:cSld>
@@ -16957,7 +16957,7 @@
     <a:masterClrMapping/>
   </p:clrMapOvr>
   <mc:AlternateContent xmlns:mc="http://schemas.openxmlformats.org/markup-compatibility/2006">
-    <mc:Choice xmlns:p14="http://schemas.microsoft.com/office/powerpoint/2010/main" xmlns="" Requires="p14">
+    <mc:Choice xmlns="" xmlns:p14="http://schemas.microsoft.com/office/powerpoint/2010/main" Requires="p14">
       <p:transition spd="slow" p14:dur="2000"/>
     </mc:Choice>
     <mc:Fallback>
@@ -17308,7 +17308,7 @@
     </p:spTree>
     <p:extLst>
       <p:ext uri="{BB962C8B-B14F-4D97-AF65-F5344CB8AC3E}">
-        <p14:creationId xmlns:p14="http://schemas.microsoft.com/office/powerpoint/2010/main" xmlns="" val="1766382090"/>
+        <p14:creationId xmlns="" xmlns:p14="http://schemas.microsoft.com/office/powerpoint/2010/main" val="1766382090"/>
       </p:ext>
     </p:extLst>
   </p:cSld>
@@ -17316,7 +17316,7 @@
     <a:masterClrMapping/>
   </p:clrMapOvr>
   <mc:AlternateContent xmlns:mc="http://schemas.openxmlformats.org/markup-compatibility/2006">
-    <mc:Choice xmlns:p14="http://schemas.microsoft.com/office/powerpoint/2010/main" xmlns="" Requires="p14">
+    <mc:Choice xmlns="" xmlns:p14="http://schemas.microsoft.com/office/powerpoint/2010/main" Requires="p14">
       <p:transition spd="slow" p14:dur="2000"/>
     </mc:Choice>
     <mc:Fallback>
@@ -17608,7 +17608,7 @@
     </p:spTree>
     <p:extLst>
       <p:ext uri="{BB962C8B-B14F-4D97-AF65-F5344CB8AC3E}">
-        <p14:creationId xmlns:p14="http://schemas.microsoft.com/office/powerpoint/2010/main" xmlns="" val="2809531644"/>
+        <p14:creationId xmlns="" xmlns:p14="http://schemas.microsoft.com/office/powerpoint/2010/main" val="2809531644"/>
       </p:ext>
     </p:extLst>
   </p:cSld>
@@ -17616,7 +17616,7 @@
     <a:masterClrMapping/>
   </p:clrMapOvr>
   <mc:AlternateContent xmlns:mc="http://schemas.openxmlformats.org/markup-compatibility/2006">
-    <mc:Choice xmlns:p14="http://schemas.microsoft.com/office/powerpoint/2010/main" xmlns="" Requires="p14">
+    <mc:Choice xmlns="" xmlns:p14="http://schemas.microsoft.com/office/powerpoint/2010/main" Requires="p14">
       <p:transition spd="slow" p14:dur="2000"/>
     </mc:Choice>
     <mc:Fallback>
@@ -17770,7 +17770,7 @@
     </p:spTree>
     <p:extLst>
       <p:ext uri="{BB962C8B-B14F-4D97-AF65-F5344CB8AC3E}">
-        <p14:creationId xmlns:p14="http://schemas.microsoft.com/office/powerpoint/2010/main" xmlns="" val="2052235477"/>
+        <p14:creationId xmlns="" xmlns:p14="http://schemas.microsoft.com/office/powerpoint/2010/main" val="2052235477"/>
       </p:ext>
     </p:extLst>
   </p:cSld>
@@ -17778,7 +17778,7 @@
     <a:masterClrMapping/>
   </p:clrMapOvr>
   <mc:AlternateContent xmlns:mc="http://schemas.openxmlformats.org/markup-compatibility/2006">
-    <mc:Choice xmlns:p14="http://schemas.microsoft.com/office/powerpoint/2010/main" xmlns="" Requires="p14">
+    <mc:Choice xmlns="" xmlns:p14="http://schemas.microsoft.com/office/powerpoint/2010/main" Requires="p14">
       <p:transition spd="slow" p14:dur="2000"/>
     </mc:Choice>
     <mc:Fallback>
@@ -17844,7 +17844,7 @@
     </p:spTree>
     <p:extLst>
       <p:ext uri="{BB962C8B-B14F-4D97-AF65-F5344CB8AC3E}">
-        <p14:creationId xmlns:p14="http://schemas.microsoft.com/office/powerpoint/2010/main" xmlns="" val="1378357901"/>
+        <p14:creationId xmlns="" xmlns:p14="http://schemas.microsoft.com/office/powerpoint/2010/main" val="1378357901"/>
       </p:ext>
     </p:extLst>
   </p:cSld>
@@ -17934,7 +17934,7 @@
           <p:nvPr>
             <p:extLst>
               <p:ext uri="{D42A27DB-BD31-4B8C-83A1-F6EECF244321}">
-                <p14:modId xmlns:p14="http://schemas.microsoft.com/office/powerpoint/2010/main" xmlns="" val="2256308220"/>
+                <p14:modId xmlns="" xmlns:p14="http://schemas.microsoft.com/office/powerpoint/2010/main" val="2256308220"/>
               </p:ext>
             </p:extLst>
           </p:nvPr>
@@ -18519,7 +18519,7 @@
     </p:spTree>
     <p:extLst>
       <p:ext uri="{BB962C8B-B14F-4D97-AF65-F5344CB8AC3E}">
-        <p14:creationId xmlns:p14="http://schemas.microsoft.com/office/powerpoint/2010/main" xmlns="" val="1730443546"/>
+        <p14:creationId xmlns="" xmlns:p14="http://schemas.microsoft.com/office/powerpoint/2010/main" val="1730443546"/>
       </p:ext>
     </p:extLst>
   </p:cSld>
@@ -18527,7 +18527,7 @@
     <a:masterClrMapping/>
   </p:clrMapOvr>
   <mc:AlternateContent xmlns:mc="http://schemas.openxmlformats.org/markup-compatibility/2006">
-    <mc:Choice xmlns:p14="http://schemas.microsoft.com/office/powerpoint/2010/main" xmlns="" Requires="p14">
+    <mc:Choice xmlns="" xmlns:p14="http://schemas.microsoft.com/office/powerpoint/2010/main" Requires="p14">
       <p:transition spd="slow" p14:dur="2000"/>
     </mc:Choice>
     <mc:Fallback>
@@ -19007,7 +19007,7 @@
     </p:spTree>
     <p:extLst>
       <p:ext uri="{BB962C8B-B14F-4D97-AF65-F5344CB8AC3E}">
-        <p14:creationId xmlns:p14="http://schemas.microsoft.com/office/powerpoint/2010/main" xmlns="" val="1629831378"/>
+        <p14:creationId xmlns="" xmlns:p14="http://schemas.microsoft.com/office/powerpoint/2010/main" val="1629831378"/>
       </p:ext>
     </p:extLst>
   </p:cSld>
@@ -19015,7 +19015,7 @@
     <a:masterClrMapping/>
   </p:clrMapOvr>
   <mc:AlternateContent xmlns:mc="http://schemas.openxmlformats.org/markup-compatibility/2006">
-    <mc:Choice xmlns:p14="http://schemas.microsoft.com/office/powerpoint/2010/main" xmlns="" Requires="p14">
+    <mc:Choice xmlns="" xmlns:p14="http://schemas.microsoft.com/office/powerpoint/2010/main" Requires="p14">
       <p:transition spd="slow" p14:dur="2000"/>
     </mc:Choice>
     <mc:Fallback>
@@ -19061,7 +19061,7 @@
           <a:blip r:embed="rId2" cstate="print">
             <a:extLst>
               <a:ext uri="{28A0092B-C50C-407E-A947-70E740481C1C}">
-                <a14:useLocalDpi xmlns:a14="http://schemas.microsoft.com/office/drawing/2010/main" xmlns="" val="0"/>
+                <a14:useLocalDpi xmlns="" xmlns:a14="http://schemas.microsoft.com/office/drawing/2010/main" val="0"/>
               </a:ext>
             </a:extLst>
           </a:blip>
@@ -19081,7 +19081,7 @@
           <a:noFill/>
           <a:extLst>
             <a:ext uri="{909E8E84-426E-40dd-AFC4-6F175D3DCCD1}">
-              <a14:hiddenFill xmlns:a14="http://schemas.microsoft.com/office/drawing/2010/main" xmlns="">
+              <a14:hiddenFill xmlns="" xmlns:a14="http://schemas.microsoft.com/office/drawing/2010/main">
                 <a:solidFill>
                   <a:srgbClr val="FFFFFF"/>
                 </a:solidFill>
@@ -19164,7 +19164,7 @@
     </p:spTree>
     <p:extLst>
       <p:ext uri="{BB962C8B-B14F-4D97-AF65-F5344CB8AC3E}">
-        <p14:creationId xmlns:p14="http://schemas.microsoft.com/office/powerpoint/2010/main" xmlns="" val="2367797895"/>
+        <p14:creationId xmlns="" xmlns:p14="http://schemas.microsoft.com/office/powerpoint/2010/main" val="2367797895"/>
       </p:ext>
     </p:extLst>
   </p:cSld>
@@ -19172,7 +19172,7 @@
     <a:masterClrMapping/>
   </p:clrMapOvr>
   <mc:AlternateContent xmlns:mc="http://schemas.openxmlformats.org/markup-compatibility/2006">
-    <mc:Choice xmlns:p14="http://schemas.microsoft.com/office/powerpoint/2010/main" xmlns="" Requires="p14">
+    <mc:Choice xmlns="" xmlns:p14="http://schemas.microsoft.com/office/powerpoint/2010/main" Requires="p14">
       <p:transition spd="slow" p14:dur="2000"/>
     </mc:Choice>
     <mc:Fallback>
@@ -19552,7 +19552,7 @@
     </p:spTree>
     <p:extLst>
       <p:ext uri="{BB962C8B-B14F-4D97-AF65-F5344CB8AC3E}">
-        <p14:creationId xmlns:p14="http://schemas.microsoft.com/office/powerpoint/2010/main" xmlns="" val="2781102722"/>
+        <p14:creationId xmlns="" xmlns:p14="http://schemas.microsoft.com/office/powerpoint/2010/main" val="2781102722"/>
       </p:ext>
     </p:extLst>
   </p:cSld>
@@ -20165,7 +20165,7 @@
     </p:spTree>
     <p:extLst>
       <p:ext uri="{BB962C8B-B14F-4D97-AF65-F5344CB8AC3E}">
-        <p14:creationId xmlns:p14="http://schemas.microsoft.com/office/powerpoint/2010/main" xmlns="" val="3452883339"/>
+        <p14:creationId xmlns="" xmlns:p14="http://schemas.microsoft.com/office/powerpoint/2010/main" val="3452883339"/>
       </p:ext>
     </p:extLst>
   </p:cSld>
@@ -20173,7 +20173,7 @@
     <a:masterClrMapping/>
   </p:clrMapOvr>
   <mc:AlternateContent xmlns:mc="http://schemas.openxmlformats.org/markup-compatibility/2006">
-    <mc:Choice xmlns:p14="http://schemas.microsoft.com/office/powerpoint/2010/main" xmlns="" Requires="p14">
+    <mc:Choice xmlns="" xmlns:p14="http://schemas.microsoft.com/office/powerpoint/2010/main" Requires="p14">
       <p:transition spd="slow" p14:dur="2000"/>
     </mc:Choice>
     <mc:Fallback>
@@ -21085,7 +21085,7 @@
     </p:spTree>
     <p:extLst>
       <p:ext uri="{BB962C8B-B14F-4D97-AF65-F5344CB8AC3E}">
-        <p14:creationId xmlns:p14="http://schemas.microsoft.com/office/powerpoint/2010/main" xmlns="" val="1827848310"/>
+        <p14:creationId xmlns="" xmlns:p14="http://schemas.microsoft.com/office/powerpoint/2010/main" val="1827848310"/>
       </p:ext>
     </p:extLst>
   </p:cSld>
@@ -21093,7 +21093,7 @@
     <a:masterClrMapping/>
   </p:clrMapOvr>
   <mc:AlternateContent xmlns:mc="http://schemas.openxmlformats.org/markup-compatibility/2006">
-    <mc:Choice xmlns:p14="http://schemas.microsoft.com/office/powerpoint/2010/main" xmlns="" Requires="p14">
+    <mc:Choice xmlns="" xmlns:p14="http://schemas.microsoft.com/office/powerpoint/2010/main" Requires="p14">
       <p:transition spd="slow" p14:dur="2000"/>
     </mc:Choice>
     <mc:Fallback>
@@ -22027,7 +22027,7 @@
       </p:sp>
       <p:pic>
         <p:nvPicPr>
-          <p:cNvPr id="3074" name="Picture 2" descr="C:\Users\Angelo\Downloads\Fotolia_13977964_XS.jpg"/>
+          <p:cNvPr id="1026" name="Picture 2" descr="C:\Users\Angelo\Desktop\Senza titolo-3.png"/>
           <p:cNvPicPr>
             <a:picLocks noChangeAspect="1" noChangeArrowheads="1"/>
           </p:cNvPicPr>
@@ -22042,8 +22042,8 @@
         </p:blipFill>
         <p:spPr bwMode="auto">
           <a:xfrm>
-            <a:off x="6230087" y="3959596"/>
-            <a:ext cx="2086329" cy="2781772"/>
+            <a:off x="5940152" y="3626370"/>
+            <a:ext cx="2341546" cy="3114998"/>
           </a:xfrm>
           <a:prstGeom prst="rect">
             <a:avLst/>
@@ -22054,7 +22054,7 @@
     </p:spTree>
     <p:extLst>
       <p:ext uri="{BB962C8B-B14F-4D97-AF65-F5344CB8AC3E}">
-        <p14:creationId xmlns:p14="http://schemas.microsoft.com/office/powerpoint/2010/main" xmlns="" val="2616731691"/>
+        <p14:creationId xmlns="" xmlns:p14="http://schemas.microsoft.com/office/powerpoint/2010/main" val="2616731691"/>
       </p:ext>
     </p:extLst>
   </p:cSld>
@@ -22062,7 +22062,7 @@
     <a:masterClrMapping/>
   </p:clrMapOvr>
   <mc:AlternateContent xmlns:mc="http://schemas.openxmlformats.org/markup-compatibility/2006">
-    <mc:Choice xmlns:p14="http://schemas.microsoft.com/office/powerpoint/2010/main" xmlns="" Requires="p14">
+    <mc:Choice xmlns="" xmlns:p14="http://schemas.microsoft.com/office/powerpoint/2010/main" Requires="p14">
       <p:transition spd="slow" p14:dur="2000"/>
     </mc:Choice>
     <mc:Fallback>
@@ -22121,41 +22121,6 @@
                                         <p:cTn id="7" dur="2000"/>
                                         <p:tgtEl>
                                           <p:spTgt spid="6"/>
-                                        </p:tgtEl>
-                                      </p:cBhvr>
-                                    </p:animEffect>
-                                  </p:childTnLst>
-                                </p:cTn>
-                              </p:par>
-                              <p:par>
-                                <p:cTn id="8" presetID="10" presetClass="entr" presetSubtype="0" fill="hold" nodeType="withEffect">
-                                  <p:stCondLst>
-                                    <p:cond delay="0"/>
-                                  </p:stCondLst>
-                                  <p:childTnLst>
-                                    <p:set>
-                                      <p:cBhvr>
-                                        <p:cTn id="9" dur="1" fill="hold">
-                                          <p:stCondLst>
-                                            <p:cond delay="0"/>
-                                          </p:stCondLst>
-                                        </p:cTn>
-                                        <p:tgtEl>
-                                          <p:spTgt spid="3074"/>
-                                        </p:tgtEl>
-                                        <p:attrNameLst>
-                                          <p:attrName>style.visibility</p:attrName>
-                                        </p:attrNameLst>
-                                      </p:cBhvr>
-                                      <p:to>
-                                        <p:strVal val="visible"/>
-                                      </p:to>
-                                    </p:set>
-                                    <p:animEffect transition="in" filter="fade">
-                                      <p:cBhvr>
-                                        <p:cTn id="10" dur="2000"/>
-                                        <p:tgtEl>
-                                          <p:spTgt spid="3074"/>
                                         </p:tgtEl>
                                       </p:cBhvr>
                                     </p:animEffect>
@@ -22531,7 +22496,7 @@
     </p:spTree>
     <p:extLst>
       <p:ext uri="{BB962C8B-B14F-4D97-AF65-F5344CB8AC3E}">
-        <p14:creationId xmlns:p14="http://schemas.microsoft.com/office/powerpoint/2010/main" xmlns="" val="1358147143"/>
+        <p14:creationId xmlns="" xmlns:p14="http://schemas.microsoft.com/office/powerpoint/2010/main" val="1358147143"/>
       </p:ext>
     </p:extLst>
   </p:cSld>
@@ -22539,7 +22504,7 @@
     <a:masterClrMapping/>
   </p:clrMapOvr>
   <mc:AlternateContent xmlns:mc="http://schemas.openxmlformats.org/markup-compatibility/2006">
-    <mc:Choice xmlns:p14="http://schemas.microsoft.com/office/powerpoint/2010/main" xmlns="" Requires="p14">
+    <mc:Choice xmlns="" xmlns:p14="http://schemas.microsoft.com/office/powerpoint/2010/main" Requires="p14">
       <p:transition spd="slow" p14:dur="2000"/>
     </mc:Choice>
     <mc:Fallback>
@@ -22749,7 +22714,7 @@
     </p:spTree>
     <p:extLst>
       <p:ext uri="{BB962C8B-B14F-4D97-AF65-F5344CB8AC3E}">
-        <p14:creationId xmlns:p14="http://schemas.microsoft.com/office/powerpoint/2010/main" xmlns="" val="2912892320"/>
+        <p14:creationId xmlns="" xmlns:p14="http://schemas.microsoft.com/office/powerpoint/2010/main" val="2912892320"/>
       </p:ext>
     </p:extLst>
   </p:cSld>
@@ -22757,7 +22722,7 @@
     <a:masterClrMapping/>
   </p:clrMapOvr>
   <mc:AlternateContent xmlns:mc="http://schemas.openxmlformats.org/markup-compatibility/2006">
-    <mc:Choice xmlns:p14="http://schemas.microsoft.com/office/powerpoint/2010/main" xmlns="" Requires="p14">
+    <mc:Choice xmlns="" xmlns:p14="http://schemas.microsoft.com/office/powerpoint/2010/main" Requires="p14">
       <p:transition spd="slow" p14:dur="2000"/>
     </mc:Choice>
     <mc:Fallback>
@@ -23228,7 +23193,7 @@
     </p:spTree>
     <p:extLst>
       <p:ext uri="{BB962C8B-B14F-4D97-AF65-F5344CB8AC3E}">
-        <p14:creationId xmlns:p14="http://schemas.microsoft.com/office/powerpoint/2010/main" xmlns="" val="462729233"/>
+        <p14:creationId xmlns="" xmlns:p14="http://schemas.microsoft.com/office/powerpoint/2010/main" val="462729233"/>
       </p:ext>
     </p:extLst>
   </p:cSld>
@@ -23236,7 +23201,7 @@
     <a:masterClrMapping/>
   </p:clrMapOvr>
   <mc:AlternateContent xmlns:mc="http://schemas.openxmlformats.org/markup-compatibility/2006">
-    <mc:Choice xmlns:p14="http://schemas.microsoft.com/office/powerpoint/2010/main" xmlns="" Requires="p14">
+    <mc:Choice xmlns="" xmlns:p14="http://schemas.microsoft.com/office/powerpoint/2010/main" Requires="p14">
       <p:transition spd="slow" p14:dur="2000"/>
     </mc:Choice>
     <mc:Fallback>
@@ -23893,7 +23858,7 @@
     </p:spTree>
     <p:extLst>
       <p:ext uri="{BB962C8B-B14F-4D97-AF65-F5344CB8AC3E}">
-        <p14:creationId xmlns:p14="http://schemas.microsoft.com/office/powerpoint/2010/main" xmlns="" val="1717101950"/>
+        <p14:creationId xmlns="" xmlns:p14="http://schemas.microsoft.com/office/powerpoint/2010/main" val="1717101950"/>
       </p:ext>
     </p:extLst>
   </p:cSld>
@@ -23901,7 +23866,7 @@
     <a:masterClrMapping/>
   </p:clrMapOvr>
   <mc:AlternateContent xmlns:mc="http://schemas.openxmlformats.org/markup-compatibility/2006">
-    <mc:Choice xmlns:p14="http://schemas.microsoft.com/office/powerpoint/2010/main" xmlns="" Requires="p14">
+    <mc:Choice xmlns="" xmlns:p14="http://schemas.microsoft.com/office/powerpoint/2010/main" Requires="p14">
       <p:transition spd="slow" p14:dur="2000"/>
     </mc:Choice>
     <mc:Fallback>
@@ -24322,7 +24287,7 @@
     </p:spTree>
     <p:extLst>
       <p:ext uri="{BB962C8B-B14F-4D97-AF65-F5344CB8AC3E}">
-        <p14:creationId xmlns:p14="http://schemas.microsoft.com/office/powerpoint/2010/main" xmlns="" val="309719199"/>
+        <p14:creationId xmlns="" xmlns:p14="http://schemas.microsoft.com/office/powerpoint/2010/main" val="309719199"/>
       </p:ext>
     </p:extLst>
   </p:cSld>
@@ -24330,7 +24295,7 @@
     <a:masterClrMapping/>
   </p:clrMapOvr>
   <mc:AlternateContent xmlns:mc="http://schemas.openxmlformats.org/markup-compatibility/2006">
-    <mc:Choice xmlns:p14="http://schemas.microsoft.com/office/powerpoint/2010/main" xmlns="" Requires="p14">
+    <mc:Choice xmlns="" xmlns:p14="http://schemas.microsoft.com/office/powerpoint/2010/main" Requires="p14">
       <p:transition spd="slow" p14:dur="2000"/>
     </mc:Choice>
     <mc:Fallback>
@@ -24864,7 +24829,7 @@
     </p:spTree>
     <p:extLst>
       <p:ext uri="{BB962C8B-B14F-4D97-AF65-F5344CB8AC3E}">
-        <p14:creationId xmlns:p14="http://schemas.microsoft.com/office/powerpoint/2010/main" xmlns="" val="955904447"/>
+        <p14:creationId xmlns="" xmlns:p14="http://schemas.microsoft.com/office/powerpoint/2010/main" val="955904447"/>
       </p:ext>
     </p:extLst>
   </p:cSld>
@@ -24872,7 +24837,7 @@
     <a:masterClrMapping/>
   </p:clrMapOvr>
   <mc:AlternateContent xmlns:mc="http://schemas.openxmlformats.org/markup-compatibility/2006">
-    <mc:Choice xmlns:p14="http://schemas.microsoft.com/office/powerpoint/2010/main" xmlns="" Requires="p14">
+    <mc:Choice xmlns="" xmlns:p14="http://schemas.microsoft.com/office/powerpoint/2010/main" Requires="p14">
       <p:transition spd="slow" p14:dur="2000"/>
     </mc:Choice>
     <mc:Fallback>
@@ -25366,7 +25331,7 @@
           <p:nvPr/>
         </p:nvPicPr>
         <p:blipFill>
-          <a:blip r:embed="rId3"/>
+          <a:blip r:embed="rId3" cstate="print"/>
           <a:srcRect/>
           <a:stretch>
             <a:fillRect/>
@@ -25386,7 +25351,7 @@
     </p:spTree>
     <p:extLst>
       <p:ext uri="{BB962C8B-B14F-4D97-AF65-F5344CB8AC3E}">
-        <p14:creationId xmlns:p14="http://schemas.microsoft.com/office/powerpoint/2010/main" xmlns="" val="1140837011"/>
+        <p14:creationId xmlns="" xmlns:p14="http://schemas.microsoft.com/office/powerpoint/2010/main" val="1140837011"/>
       </p:ext>
     </p:extLst>
   </p:cSld>
@@ -25394,7 +25359,7 @@
     <a:masterClrMapping/>
   </p:clrMapOvr>
   <mc:AlternateContent xmlns:mc="http://schemas.openxmlformats.org/markup-compatibility/2006">
-    <mc:Choice xmlns:p14="http://schemas.microsoft.com/office/powerpoint/2010/main" xmlns="" Requires="p14">
+    <mc:Choice xmlns="" xmlns:p14="http://schemas.microsoft.com/office/powerpoint/2010/main" Requires="p14">
       <p:transition spd="slow" p14:dur="2000"/>
     </mc:Choice>
     <mc:Fallback>
@@ -26013,7 +25978,7 @@
     </p:spTree>
     <p:extLst>
       <p:ext uri="{BB962C8B-B14F-4D97-AF65-F5344CB8AC3E}">
-        <p14:creationId xmlns:p14="http://schemas.microsoft.com/office/powerpoint/2010/main" xmlns="" val="247747513"/>
+        <p14:creationId xmlns="" xmlns:p14="http://schemas.microsoft.com/office/powerpoint/2010/main" val="247747513"/>
       </p:ext>
     </p:extLst>
   </p:cSld>
@@ -26021,7 +25986,7 @@
     <a:masterClrMapping/>
   </p:clrMapOvr>
   <mc:AlternateContent xmlns:mc="http://schemas.openxmlformats.org/markup-compatibility/2006">
-    <mc:Choice xmlns:p14="http://schemas.microsoft.com/office/powerpoint/2010/main" xmlns="" Requires="p14">
+    <mc:Choice xmlns="" xmlns:p14="http://schemas.microsoft.com/office/powerpoint/2010/main" Requires="p14">
       <p:transition spd="slow" p14:dur="2000"/>
     </mc:Choice>
     <mc:Fallback>
@@ -26711,7 +26676,7 @@
     </p:spTree>
     <p:extLst>
       <p:ext uri="{BB962C8B-B14F-4D97-AF65-F5344CB8AC3E}">
-        <p14:creationId xmlns:p14="http://schemas.microsoft.com/office/powerpoint/2010/main" xmlns="" val="1776831606"/>
+        <p14:creationId xmlns="" xmlns:p14="http://schemas.microsoft.com/office/powerpoint/2010/main" val="1776831606"/>
       </p:ext>
     </p:extLst>
   </p:cSld>
@@ -26719,7 +26684,7 @@
     <a:masterClrMapping/>
   </p:clrMapOvr>
   <mc:AlternateContent xmlns:mc="http://schemas.openxmlformats.org/markup-compatibility/2006">
-    <mc:Choice xmlns:p14="http://schemas.microsoft.com/office/powerpoint/2010/main" xmlns="" Requires="p14">
+    <mc:Choice xmlns="" xmlns:p14="http://schemas.microsoft.com/office/powerpoint/2010/main" Requires="p14">
       <p:transition spd="slow" p14:dur="2000"/>
     </mc:Choice>
     <mc:Fallback>
@@ -27069,7 +27034,7 @@
           <a:blip r:embed="rId2" cstate="print">
             <a:extLst>
               <a:ext uri="{28A0092B-C50C-407E-A947-70E740481C1C}">
-                <a14:useLocalDpi xmlns:a14="http://schemas.microsoft.com/office/drawing/2010/main" xmlns="" val="0"/>
+                <a14:useLocalDpi xmlns="" xmlns:a14="http://schemas.microsoft.com/office/drawing/2010/main" val="0"/>
               </a:ext>
             </a:extLst>
           </a:blip>
@@ -27089,7 +27054,7 @@
           <a:noFill/>
           <a:extLst>
             <a:ext uri="{909E8E84-426E-40dd-AFC4-6F175D3DCCD1}">
-              <a14:hiddenFill xmlns:a14="http://schemas.microsoft.com/office/drawing/2010/main" xmlns="">
+              <a14:hiddenFill xmlns="" xmlns:a14="http://schemas.microsoft.com/office/drawing/2010/main">
                 <a:solidFill>
                   <a:srgbClr val="FFFFFF"/>
                 </a:solidFill>
@@ -27172,7 +27137,7 @@
     </p:spTree>
     <p:extLst>
       <p:ext uri="{BB962C8B-B14F-4D97-AF65-F5344CB8AC3E}">
-        <p14:creationId xmlns:p14="http://schemas.microsoft.com/office/powerpoint/2010/main" xmlns="" val="2717568001"/>
+        <p14:creationId xmlns="" xmlns:p14="http://schemas.microsoft.com/office/powerpoint/2010/main" val="2717568001"/>
       </p:ext>
     </p:extLst>
   </p:cSld>
@@ -27180,7 +27145,7 @@
     <a:masterClrMapping/>
   </p:clrMapOvr>
   <mc:AlternateContent xmlns:mc="http://schemas.openxmlformats.org/markup-compatibility/2006">
-    <mc:Choice xmlns:p14="http://schemas.microsoft.com/office/powerpoint/2010/main" xmlns="" Requires="p14">
+    <mc:Choice xmlns="" xmlns:p14="http://schemas.microsoft.com/office/powerpoint/2010/main" Requires="p14">
       <p:transition spd="slow" p14:dur="2000"/>
     </mc:Choice>
     <mc:Fallback>
@@ -27475,7 +27440,7 @@
     </p:spTree>
     <p:extLst>
       <p:ext uri="{BB962C8B-B14F-4D97-AF65-F5344CB8AC3E}">
-        <p14:creationId xmlns:p14="http://schemas.microsoft.com/office/powerpoint/2010/main" xmlns="" val="3266999169"/>
+        <p14:creationId xmlns="" xmlns:p14="http://schemas.microsoft.com/office/powerpoint/2010/main" val="3266999169"/>
       </p:ext>
     </p:extLst>
   </p:cSld>
@@ -27483,7 +27448,7 @@
     <a:masterClrMapping/>
   </p:clrMapOvr>
   <mc:AlternateContent xmlns:mc="http://schemas.openxmlformats.org/markup-compatibility/2006">
-    <mc:Choice xmlns:p14="http://schemas.microsoft.com/office/powerpoint/2010/main" xmlns="" Requires="p14">
+    <mc:Choice xmlns="" xmlns:p14="http://schemas.microsoft.com/office/powerpoint/2010/main" Requires="p14">
       <p:transition spd="slow" p14:dur="2000"/>
     </mc:Choice>
     <mc:Fallback>
@@ -27834,7 +27799,7 @@
     </p:spTree>
     <p:extLst>
       <p:ext uri="{BB962C8B-B14F-4D97-AF65-F5344CB8AC3E}">
-        <p14:creationId xmlns:p14="http://schemas.microsoft.com/office/powerpoint/2010/main" xmlns="" val="396334508"/>
+        <p14:creationId xmlns="" xmlns:p14="http://schemas.microsoft.com/office/powerpoint/2010/main" val="396334508"/>
       </p:ext>
     </p:extLst>
   </p:cSld>
@@ -27842,7 +27807,7 @@
     <a:masterClrMapping/>
   </p:clrMapOvr>
   <mc:AlternateContent xmlns:mc="http://schemas.openxmlformats.org/markup-compatibility/2006">
-    <mc:Choice xmlns:p14="http://schemas.microsoft.com/office/powerpoint/2010/main" xmlns="" Requires="p14">
+    <mc:Choice xmlns="" xmlns:p14="http://schemas.microsoft.com/office/powerpoint/2010/main" Requires="p14">
       <p:transition spd="slow" p14:dur="2000"/>
     </mc:Choice>
     <mc:Fallback>
@@ -28187,7 +28152,7 @@
     </p:spTree>
     <p:extLst>
       <p:ext uri="{BB962C8B-B14F-4D97-AF65-F5344CB8AC3E}">
-        <p14:creationId xmlns:p14="http://schemas.microsoft.com/office/powerpoint/2010/main" xmlns="" val="1737882227"/>
+        <p14:creationId xmlns="" xmlns:p14="http://schemas.microsoft.com/office/powerpoint/2010/main" val="1737882227"/>
       </p:ext>
     </p:extLst>
   </p:cSld>
@@ -28195,7 +28160,7 @@
     <a:masterClrMapping/>
   </p:clrMapOvr>
   <mc:AlternateContent xmlns:mc="http://schemas.openxmlformats.org/markup-compatibility/2006">
-    <mc:Choice xmlns:p14="http://schemas.microsoft.com/office/powerpoint/2010/main" xmlns="" Requires="p14">
+    <mc:Choice xmlns="" xmlns:p14="http://schemas.microsoft.com/office/powerpoint/2010/main" Requires="p14">
       <p:transition spd="slow" p14:dur="2000"/>
     </mc:Choice>
     <mc:Fallback>
@@ -28553,7 +28518,7 @@
     </p:spTree>
     <p:extLst>
       <p:ext uri="{BB962C8B-B14F-4D97-AF65-F5344CB8AC3E}">
-        <p14:creationId xmlns:p14="http://schemas.microsoft.com/office/powerpoint/2010/main" xmlns="" val="3034068148"/>
+        <p14:creationId xmlns="" xmlns:p14="http://schemas.microsoft.com/office/powerpoint/2010/main" val="3034068148"/>
       </p:ext>
     </p:extLst>
   </p:cSld>
@@ -28561,7 +28526,7 @@
     <a:masterClrMapping/>
   </p:clrMapOvr>
   <mc:AlternateContent xmlns:mc="http://schemas.openxmlformats.org/markup-compatibility/2006">
-    <mc:Choice xmlns:p14="http://schemas.microsoft.com/office/powerpoint/2010/main" xmlns="" Requires="p14">
+    <mc:Choice xmlns="" xmlns:p14="http://schemas.microsoft.com/office/powerpoint/2010/main" Requires="p14">
       <p:transition spd="slow" p14:dur="2000"/>
     </mc:Choice>
     <mc:Fallback>
@@ -28891,7 +28856,7 @@
     </p:spTree>
     <p:extLst>
       <p:ext uri="{BB962C8B-B14F-4D97-AF65-F5344CB8AC3E}">
-        <p14:creationId xmlns:p14="http://schemas.microsoft.com/office/powerpoint/2010/main" xmlns="" val="3646886653"/>
+        <p14:creationId xmlns="" xmlns:p14="http://schemas.microsoft.com/office/powerpoint/2010/main" val="3646886653"/>
       </p:ext>
     </p:extLst>
   </p:cSld>
@@ -28899,7 +28864,7 @@
     <a:masterClrMapping/>
   </p:clrMapOvr>
   <mc:AlternateContent xmlns:mc="http://schemas.openxmlformats.org/markup-compatibility/2006">
-    <mc:Choice xmlns:p14="http://schemas.microsoft.com/office/powerpoint/2010/main" xmlns="" Requires="p14">
+    <mc:Choice xmlns="" xmlns:p14="http://schemas.microsoft.com/office/powerpoint/2010/main" Requires="p14">
       <p:transition spd="slow" p14:dur="2000"/>
     </mc:Choice>
     <mc:Fallback>
@@ -29274,7 +29239,7 @@
     </p:spTree>
     <p:extLst>
       <p:ext uri="{BB962C8B-B14F-4D97-AF65-F5344CB8AC3E}">
-        <p14:creationId xmlns:p14="http://schemas.microsoft.com/office/powerpoint/2010/main" xmlns="" val="520298717"/>
+        <p14:creationId xmlns="" xmlns:p14="http://schemas.microsoft.com/office/powerpoint/2010/main" val="520298717"/>
       </p:ext>
     </p:extLst>
   </p:cSld>
@@ -29282,7 +29247,7 @@
     <a:masterClrMapping/>
   </p:clrMapOvr>
   <mc:AlternateContent xmlns:mc="http://schemas.openxmlformats.org/markup-compatibility/2006">
-    <mc:Choice xmlns:p14="http://schemas.microsoft.com/office/powerpoint/2010/main" xmlns="" Requires="p14">
+    <mc:Choice xmlns="" xmlns:p14="http://schemas.microsoft.com/office/powerpoint/2010/main" Requires="p14">
       <p:transition spd="slow" p14:dur="2000"/>
     </mc:Choice>
     <mc:Fallback>
@@ -29584,7 +29549,7 @@
     </p:spTree>
     <p:extLst>
       <p:ext uri="{BB962C8B-B14F-4D97-AF65-F5344CB8AC3E}">
-        <p14:creationId xmlns:p14="http://schemas.microsoft.com/office/powerpoint/2010/main" xmlns="" val="2203748189"/>
+        <p14:creationId xmlns="" xmlns:p14="http://schemas.microsoft.com/office/powerpoint/2010/main" val="2203748189"/>
       </p:ext>
     </p:extLst>
   </p:cSld>
@@ -29592,7 +29557,7 @@
     <a:masterClrMapping/>
   </p:clrMapOvr>
   <mc:AlternateContent xmlns:mc="http://schemas.openxmlformats.org/markup-compatibility/2006">
-    <mc:Choice xmlns:p14="http://schemas.microsoft.com/office/powerpoint/2010/main" xmlns="" Requires="p14">
+    <mc:Choice xmlns="" xmlns:p14="http://schemas.microsoft.com/office/powerpoint/2010/main" Requires="p14">
       <p:transition spd="slow" p14:dur="2000"/>
     </mc:Choice>
     <mc:Fallback>
@@ -29915,7 +29880,7 @@
     </p:spTree>
     <p:extLst>
       <p:ext uri="{BB962C8B-B14F-4D97-AF65-F5344CB8AC3E}">
-        <p14:creationId xmlns:p14="http://schemas.microsoft.com/office/powerpoint/2010/main" xmlns="" val="1130254901"/>
+        <p14:creationId xmlns="" xmlns:p14="http://schemas.microsoft.com/office/powerpoint/2010/main" val="1130254901"/>
       </p:ext>
     </p:extLst>
   </p:cSld>
@@ -29923,7 +29888,7 @@
     <a:masterClrMapping/>
   </p:clrMapOvr>
   <mc:AlternateContent xmlns:mc="http://schemas.openxmlformats.org/markup-compatibility/2006">
-    <mc:Choice xmlns:p14="http://schemas.microsoft.com/office/powerpoint/2010/main" xmlns="" Requires="p14">
+    <mc:Choice xmlns="" xmlns:p14="http://schemas.microsoft.com/office/powerpoint/2010/main" Requires="p14">
       <p:transition spd="slow" p14:dur="2000"/>
     </mc:Choice>
     <mc:Fallback>
@@ -30261,7 +30226,7 @@
     </p:spTree>
     <p:extLst>
       <p:ext uri="{BB962C8B-B14F-4D97-AF65-F5344CB8AC3E}">
-        <p14:creationId xmlns:p14="http://schemas.microsoft.com/office/powerpoint/2010/main" xmlns="" val="3734576715"/>
+        <p14:creationId xmlns="" xmlns:p14="http://schemas.microsoft.com/office/powerpoint/2010/main" val="3734576715"/>
       </p:ext>
     </p:extLst>
   </p:cSld>
@@ -30269,7 +30234,7 @@
     <a:masterClrMapping/>
   </p:clrMapOvr>
   <mc:AlternateContent xmlns:mc="http://schemas.openxmlformats.org/markup-compatibility/2006">
-    <mc:Choice xmlns:p14="http://schemas.microsoft.com/office/powerpoint/2010/main" xmlns="" Requires="p14">
+    <mc:Choice xmlns="" xmlns:p14="http://schemas.microsoft.com/office/powerpoint/2010/main" Requires="p14">
       <p:transition spd="slow" p14:dur="2000"/>
     </mc:Choice>
     <mc:Fallback>
@@ -30574,7 +30539,7 @@
     </p:spTree>
     <p:extLst>
       <p:ext uri="{BB962C8B-B14F-4D97-AF65-F5344CB8AC3E}">
-        <p14:creationId xmlns:p14="http://schemas.microsoft.com/office/powerpoint/2010/main" xmlns="" val="2632131054"/>
+        <p14:creationId xmlns="" xmlns:p14="http://schemas.microsoft.com/office/powerpoint/2010/main" val="2632131054"/>
       </p:ext>
     </p:extLst>
   </p:cSld>
@@ -30582,7 +30547,7 @@
     <a:masterClrMapping/>
   </p:clrMapOvr>
   <mc:AlternateContent xmlns:mc="http://schemas.openxmlformats.org/markup-compatibility/2006">
-    <mc:Choice xmlns:p14="http://schemas.microsoft.com/office/powerpoint/2010/main" xmlns="" Requires="p14">
+    <mc:Choice xmlns="" xmlns:p14="http://schemas.microsoft.com/office/powerpoint/2010/main" Requires="p14">
       <p:transition spd="slow" p14:dur="2000"/>
     </mc:Choice>
     <mc:Fallback>
@@ -30903,7 +30868,7 @@
     </p:spTree>
     <p:extLst>
       <p:ext uri="{BB962C8B-B14F-4D97-AF65-F5344CB8AC3E}">
-        <p14:creationId xmlns:p14="http://schemas.microsoft.com/office/powerpoint/2010/main" xmlns="" val="2983282113"/>
+        <p14:creationId xmlns="" xmlns:p14="http://schemas.microsoft.com/office/powerpoint/2010/main" val="2983282113"/>
       </p:ext>
     </p:extLst>
   </p:cSld>
@@ -30911,7 +30876,7 @@
     <a:masterClrMapping/>
   </p:clrMapOvr>
   <mc:AlternateContent xmlns:mc="http://schemas.openxmlformats.org/markup-compatibility/2006">
-    <mc:Choice xmlns:p14="http://schemas.microsoft.com/office/powerpoint/2010/main" xmlns="" Requires="p14">
+    <mc:Choice xmlns="" xmlns:p14="http://schemas.microsoft.com/office/powerpoint/2010/main" Requires="p14">
       <p:transition spd="slow" p14:dur="2000"/>
     </mc:Choice>
     <mc:Fallback>
@@ -31278,7 +31243,7 @@
     </p:spTree>
     <p:extLst>
       <p:ext uri="{BB962C8B-B14F-4D97-AF65-F5344CB8AC3E}">
-        <p14:creationId xmlns:p14="http://schemas.microsoft.com/office/powerpoint/2010/main" xmlns="" val="4266361740"/>
+        <p14:creationId xmlns="" xmlns:p14="http://schemas.microsoft.com/office/powerpoint/2010/main" val="4266361740"/>
       </p:ext>
     </p:extLst>
   </p:cSld>
@@ -31286,7 +31251,7 @@
     <a:masterClrMapping/>
   </p:clrMapOvr>
   <mc:AlternateContent xmlns:mc="http://schemas.openxmlformats.org/markup-compatibility/2006">
-    <mc:Choice xmlns:p14="http://schemas.microsoft.com/office/powerpoint/2010/main" xmlns="" Requires="p14">
+    <mc:Choice xmlns="" xmlns:p14="http://schemas.microsoft.com/office/powerpoint/2010/main" Requires="p14">
       <p:transition spd="slow" p14:dur="2000"/>
     </mc:Choice>
     <mc:Fallback>
@@ -31636,7 +31601,7 @@
     </p:spTree>
     <p:extLst>
       <p:ext uri="{BB962C8B-B14F-4D97-AF65-F5344CB8AC3E}">
-        <p14:creationId xmlns:p14="http://schemas.microsoft.com/office/powerpoint/2010/main" xmlns="" val="3678400164"/>
+        <p14:creationId xmlns="" xmlns:p14="http://schemas.microsoft.com/office/powerpoint/2010/main" val="3678400164"/>
       </p:ext>
     </p:extLst>
   </p:cSld>
@@ -31644,7 +31609,7 @@
     <a:masterClrMapping/>
   </p:clrMapOvr>
   <mc:AlternateContent xmlns:mc="http://schemas.openxmlformats.org/markup-compatibility/2006">
-    <mc:Choice xmlns:p14="http://schemas.microsoft.com/office/powerpoint/2010/main" xmlns="" Requires="p14">
+    <mc:Choice xmlns="" xmlns:p14="http://schemas.microsoft.com/office/powerpoint/2010/main" Requires="p14">
       <p:transition spd="slow" p14:dur="2000"/>
     </mc:Choice>
     <mc:Fallback>
@@ -31974,7 +31939,7 @@
     </p:spTree>
     <p:extLst>
       <p:ext uri="{BB962C8B-B14F-4D97-AF65-F5344CB8AC3E}">
-        <p14:creationId xmlns:p14="http://schemas.microsoft.com/office/powerpoint/2010/main" xmlns="" val="3326293041"/>
+        <p14:creationId xmlns="" xmlns:p14="http://schemas.microsoft.com/office/powerpoint/2010/main" val="3326293041"/>
       </p:ext>
     </p:extLst>
   </p:cSld>
@@ -31982,7 +31947,7 @@
     <a:masterClrMapping/>
   </p:clrMapOvr>
   <mc:AlternateContent xmlns:mc="http://schemas.openxmlformats.org/markup-compatibility/2006">
-    <mc:Choice xmlns:p14="http://schemas.microsoft.com/office/powerpoint/2010/main" xmlns="" Requires="p14">
+    <mc:Choice xmlns="" xmlns:p14="http://schemas.microsoft.com/office/powerpoint/2010/main" Requires="p14">
       <p:transition spd="slow" p14:dur="2000"/>
     </mc:Choice>
     <mc:Fallback>
@@ -32320,7 +32285,7 @@
     </p:spTree>
     <p:extLst>
       <p:ext uri="{BB962C8B-B14F-4D97-AF65-F5344CB8AC3E}">
-        <p14:creationId xmlns:p14="http://schemas.microsoft.com/office/powerpoint/2010/main" xmlns="" val="3052723909"/>
+        <p14:creationId xmlns="" xmlns:p14="http://schemas.microsoft.com/office/powerpoint/2010/main" val="3052723909"/>
       </p:ext>
     </p:extLst>
   </p:cSld>
@@ -32328,7 +32293,7 @@
     <a:masterClrMapping/>
   </p:clrMapOvr>
   <mc:AlternateContent xmlns:mc="http://schemas.openxmlformats.org/markup-compatibility/2006">
-    <mc:Choice xmlns:p14="http://schemas.microsoft.com/office/powerpoint/2010/main" xmlns="" Requires="p14">
+    <mc:Choice xmlns="" xmlns:p14="http://schemas.microsoft.com/office/powerpoint/2010/main" Requires="p14">
       <p:transition spd="slow" p14:dur="2000"/>
     </mc:Choice>
     <mc:Fallback>
@@ -32456,7 +32421,7 @@
     </p:spTree>
     <p:extLst>
       <p:ext uri="{BB962C8B-B14F-4D97-AF65-F5344CB8AC3E}">
-        <p14:creationId xmlns:p14="http://schemas.microsoft.com/office/powerpoint/2010/main" xmlns="" val="1576574823"/>
+        <p14:creationId xmlns="" xmlns:p14="http://schemas.microsoft.com/office/powerpoint/2010/main" val="1576574823"/>
       </p:ext>
     </p:extLst>
   </p:cSld>
@@ -32464,7 +32429,7 @@
     <a:masterClrMapping/>
   </p:clrMapOvr>
   <mc:AlternateContent xmlns:mc="http://schemas.openxmlformats.org/markup-compatibility/2006">
-    <mc:Choice xmlns:p14="http://schemas.microsoft.com/office/powerpoint/2010/main" xmlns="" Requires="p14">
+    <mc:Choice xmlns="" xmlns:p14="http://schemas.microsoft.com/office/powerpoint/2010/main" Requires="p14">
       <p:transition spd="slow" p14:dur="2000"/>
     </mc:Choice>
     <mc:Fallback>
@@ -32754,7 +32719,7 @@
     </p:spTree>
     <p:extLst>
       <p:ext uri="{BB962C8B-B14F-4D97-AF65-F5344CB8AC3E}">
-        <p14:creationId xmlns:p14="http://schemas.microsoft.com/office/powerpoint/2010/main" xmlns="" val="3303920882"/>
+        <p14:creationId xmlns="" xmlns:p14="http://schemas.microsoft.com/office/powerpoint/2010/main" val="3303920882"/>
       </p:ext>
     </p:extLst>
   </p:cSld>
@@ -32762,7 +32727,7 @@
     <a:masterClrMapping/>
   </p:clrMapOvr>
   <mc:AlternateContent xmlns:mc="http://schemas.openxmlformats.org/markup-compatibility/2006">
-    <mc:Choice xmlns:p14="http://schemas.microsoft.com/office/powerpoint/2010/main" xmlns="" Requires="p14">
+    <mc:Choice xmlns="" xmlns:p14="http://schemas.microsoft.com/office/powerpoint/2010/main" Requires="p14">
       <p:transition spd="slow" p14:dur="2000"/>
     </mc:Choice>
     <mc:Fallback>
@@ -32999,16 +32964,7 @@
                 </a:solidFill>
                 <a:latin typeface="Calibri"/>
               </a:rPr>
-              <a:t>operazioni </a:t>
-            </a:r>
-            <a:r>
-              <a:rPr lang="it-IT" sz="2800" dirty="0" smtClean="0">
-                <a:solidFill>
-                  <a:srgbClr val="000000"/>
-                </a:solidFill>
-                <a:latin typeface="Calibri"/>
-              </a:rPr>
-              <a:t> </a:t>
+              <a:t>operazioni  </a:t>
             </a:r>
             <a:r>
               <a:rPr lang="it-IT" sz="2800" dirty="0">
@@ -33041,7 +32997,7 @@
           <p:nvPr/>
         </p:nvPicPr>
         <p:blipFill>
-          <a:blip r:embed="rId2"/>
+          <a:blip r:embed="rId2" cstate="print"/>
           <a:srcRect/>
           <a:stretch>
             <a:fillRect/>
@@ -33722,7 +33678,7 @@
           <p:nvPr/>
         </p:nvPicPr>
         <p:blipFill>
-          <a:blip r:embed="rId2"/>
+          <a:blip r:embed="rId2" cstate="print"/>
           <a:srcRect/>
           <a:stretch>
             <a:fillRect/>
@@ -33976,25 +33932,7 @@
                 </a:solidFill>
                 <a:latin typeface="Calibri"/>
               </a:rPr>
-              <a:t>JAVAMAIL  (API di </a:t>
-            </a:r>
-            <a:r>
-              <a:rPr lang="it-IT" sz="3200" b="1" dirty="0" smtClean="0">
-                <a:solidFill>
-                  <a:srgbClr val="000000"/>
-                </a:solidFill>
-                <a:latin typeface="Calibri"/>
-              </a:rPr>
-              <a:t>Oracle</a:t>
-            </a:r>
-            <a:r>
-              <a:rPr lang="it-IT" sz="3200" b="1" dirty="0" smtClean="0">
-                <a:solidFill>
-                  <a:srgbClr val="000000"/>
-                </a:solidFill>
-                <a:latin typeface="Calibri"/>
-              </a:rPr>
-              <a:t>) </a:t>
+              <a:t>JAVAMAIL  (API di Oracle) </a:t>
             </a:r>
             <a:r>
               <a:rPr lang="it-IT" sz="3200" dirty="0">
@@ -34109,7 +34047,7 @@
           <p:nvPr/>
         </p:nvPicPr>
         <p:blipFill>
-          <a:blip r:embed="rId2"/>
+          <a:blip r:embed="rId2" cstate="print"/>
           <a:srcRect/>
           <a:stretch>
             <a:fillRect/>
@@ -34284,7 +34222,7 @@
           <p:nvPr/>
         </p:nvPicPr>
         <p:blipFill>
-          <a:blip r:embed="rId2"/>
+          <a:blip r:embed="rId2" cstate="print"/>
           <a:srcRect/>
           <a:stretch>
             <a:fillRect/>
@@ -34538,7 +34476,7 @@
           <p:nvPr/>
         </p:nvPicPr>
         <p:blipFill>
-          <a:blip r:embed="rId2"/>
+          <a:blip r:embed="rId2" cstate="print"/>
           <a:srcRect/>
           <a:stretch>
             <a:fillRect/>
@@ -34999,7 +34937,7 @@
     </p:spTree>
     <p:extLst>
       <p:ext uri="{BB962C8B-B14F-4D97-AF65-F5344CB8AC3E}">
-        <p14:creationId xmlns:p14="http://schemas.microsoft.com/office/powerpoint/2010/main" xmlns="" val="2978215168"/>
+        <p14:creationId xmlns="" xmlns:p14="http://schemas.microsoft.com/office/powerpoint/2010/main" val="2978215168"/>
       </p:ext>
     </p:extLst>
   </p:cSld>
@@ -35007,7 +34945,7 @@
     <a:masterClrMapping/>
   </p:clrMapOvr>
   <mc:AlternateContent xmlns:mc="http://schemas.openxmlformats.org/markup-compatibility/2006">
-    <mc:Choice xmlns:p14="http://schemas.microsoft.com/office/powerpoint/2010/main" xmlns="" Requires="p14">
+    <mc:Choice xmlns="" xmlns:p14="http://schemas.microsoft.com/office/powerpoint/2010/main" Requires="p14">
       <p:transition spd="slow" p14:dur="2000"/>
     </mc:Choice>
     <mc:Fallback>
@@ -35147,7 +35085,7 @@
           <p:nvPr/>
         </p:nvPicPr>
         <p:blipFill>
-          <a:blip r:embed="rId2"/>
+          <a:blip r:embed="rId2" cstate="print"/>
           <a:srcRect/>
           <a:stretch>
             <a:fillRect/>
@@ -35393,7 +35331,7 @@
           <p:nvPr/>
         </p:nvPicPr>
         <p:blipFill>
-          <a:blip r:embed="rId2"/>
+          <a:blip r:embed="rId2" cstate="print"/>
           <a:srcRect/>
           <a:stretch>
             <a:fillRect/>
@@ -35521,11 +35459,7 @@
           <a:p>
             <a:r>
               <a:rPr lang="it-IT" dirty="0" smtClean="0"/>
-              <a:t>sistema </a:t>
-            </a:r>
-            <a:r>
-              <a:rPr lang="it-IT" dirty="0" smtClean="0"/>
-              <a:t>può inviare</a:t>
+              <a:t>sistema può inviare</a:t>
             </a:r>
             <a:endParaRPr lang="it-IT" dirty="0"/>
           </a:p>
@@ -35773,7 +35707,7 @@
           <p:nvPr/>
         </p:nvPicPr>
         <p:blipFill>
-          <a:blip r:embed="rId2"/>
+          <a:blip r:embed="rId2" cstate="print"/>
           <a:srcRect/>
           <a:stretch>
             <a:fillRect/>
@@ -36429,15 +36363,7 @@
             </a:r>
             <a:r>
               <a:rPr lang="it-IT" sz="2800" dirty="0" smtClean="0"/>
-              <a:t> test non è altro che un insieme di diversi metodi che vanno a verificare gli </a:t>
-            </a:r>
-            <a:r>
-              <a:rPr lang="it-IT" sz="2800" dirty="0" smtClean="0"/>
-              <a:t>output </a:t>
-            </a:r>
-            <a:r>
-              <a:rPr lang="it-IT" sz="2800" dirty="0" smtClean="0"/>
-              <a:t>della classe presa in esame.</a:t>
+              <a:t> test non è altro che un insieme di diversi metodi che vanno a verificare gli output della classe presa in esame.</a:t>
             </a:r>
           </a:p>
         </p:txBody>
@@ -36517,7 +36443,7 @@
           <p:nvPr/>
         </p:nvPicPr>
         <p:blipFill>
-          <a:blip r:embed="rId2"/>
+          <a:blip r:embed="rId2" cstate="print"/>
           <a:srcRect/>
           <a:stretch>
             <a:fillRect/>
@@ -36788,7 +36714,7 @@
           <p:nvPr/>
         </p:nvPicPr>
         <p:blipFill>
-          <a:blip r:embed="rId2"/>
+          <a:blip r:embed="rId2" cstate="print"/>
           <a:srcRect/>
           <a:stretch>
             <a:fillRect/>
@@ -37127,7 +37053,7 @@
           <a:blip r:embed="rId2" cstate="print">
             <a:extLst>
               <a:ext uri="{28A0092B-C50C-407E-A947-70E740481C1C}">
-                <a14:useLocalDpi xmlns:a14="http://schemas.microsoft.com/office/drawing/2010/main" xmlns="" val="0"/>
+                <a14:useLocalDpi xmlns="" xmlns:a14="http://schemas.microsoft.com/office/drawing/2010/main" val="0"/>
               </a:ext>
             </a:extLst>
           </a:blip>
@@ -37147,7 +37073,7 @@
           <a:noFill/>
           <a:extLst>
             <a:ext uri="{909E8E84-426E-40dd-AFC4-6F175D3DCCD1}">
-              <a14:hiddenFill xmlns:a14="http://schemas.microsoft.com/office/drawing/2010/main" xmlns="">
+              <a14:hiddenFill xmlns="" xmlns:a14="http://schemas.microsoft.com/office/drawing/2010/main">
                 <a:solidFill>
                   <a:srgbClr val="FFFFFF"/>
                 </a:solidFill>
@@ -37230,7 +37156,7 @@
     </p:spTree>
     <p:extLst>
       <p:ext uri="{BB962C8B-B14F-4D97-AF65-F5344CB8AC3E}">
-        <p14:creationId xmlns:p14="http://schemas.microsoft.com/office/powerpoint/2010/main" xmlns="" val="2252746867"/>
+        <p14:creationId xmlns="" xmlns:p14="http://schemas.microsoft.com/office/powerpoint/2010/main" val="2252746867"/>
       </p:ext>
     </p:extLst>
   </p:cSld>
@@ -37238,7 +37164,7 @@
     <a:masterClrMapping/>
   </p:clrMapOvr>
   <mc:AlternateContent xmlns:mc="http://schemas.openxmlformats.org/markup-compatibility/2006">
-    <mc:Choice xmlns:p14="http://schemas.microsoft.com/office/powerpoint/2010/main" xmlns="" Requires="p14">
+    <mc:Choice xmlns="" xmlns:p14="http://schemas.microsoft.com/office/powerpoint/2010/main" Requires="p14">
       <p:transition spd="slow" p14:dur="2000"/>
     </mc:Choice>
     <mc:Fallback>
@@ -37605,7 +37531,7 @@
     </p:spTree>
     <p:extLst>
       <p:ext uri="{BB962C8B-B14F-4D97-AF65-F5344CB8AC3E}">
-        <p14:creationId xmlns:p14="http://schemas.microsoft.com/office/powerpoint/2010/main" xmlns="" val="3564990699"/>
+        <p14:creationId xmlns="" xmlns:p14="http://schemas.microsoft.com/office/powerpoint/2010/main" val="3564990699"/>
       </p:ext>
     </p:extLst>
   </p:cSld>
@@ -37613,7 +37539,7 @@
     <a:masterClrMapping/>
   </p:clrMapOvr>
   <mc:AlternateContent xmlns:mc="http://schemas.openxmlformats.org/markup-compatibility/2006">
-    <mc:Choice xmlns:p14="http://schemas.microsoft.com/office/powerpoint/2010/main" xmlns="" Requires="p14">
+    <mc:Choice xmlns="" xmlns:p14="http://schemas.microsoft.com/office/powerpoint/2010/main" Requires="p14">
       <p:transition spd="slow" p14:dur="2000"/>
     </mc:Choice>
     <mc:Fallback>

--- a/Presentazione/Atsilo1/[BOZZA] Atsilo_A_PresentazioneFinale copia.pptx
+++ b/Presentazione/Atsilo1/[BOZZA] Atsilo_A_PresentazioneFinale copia.pptx
@@ -298,7 +298,7 @@
             <a:fld id="{38D78F4D-402C-46E0-A4BB-DF91EA86B14C}" type="datetimeFigureOut">
               <a:rPr lang="it-IT" smtClean="0"/>
               <a:pPr/>
-              <a:t>04/01/2013</a:t>
+              <a:t>06/01/2013</a:t>
             </a:fld>
             <a:endParaRPr lang="it-IT"/>
           </a:p>
@@ -467,7 +467,7 @@
     </p:spTree>
     <p:extLst>
       <p:ext uri="{BB962C8B-B14F-4D97-AF65-F5344CB8AC3E}">
-        <p14:creationId xmlns="" xmlns:p14="http://schemas.microsoft.com/office/powerpoint/2010/main" val="2126419590"/>
+        <p14:creationId xmlns:p14="http://schemas.microsoft.com/office/powerpoint/2010/main" xmlns="" val="2126419590"/>
       </p:ext>
     </p:extLst>
   </p:cSld>
@@ -2568,7 +2568,7 @@
             <a:fld id="{63CABBC0-75E4-43BB-A6A6-84C2A96BDB82}" type="datetimeFigureOut">
               <a:rPr lang="it-IT" smtClean="0"/>
               <a:pPr/>
-              <a:t>04/01/2013</a:t>
+              <a:t>06/01/2013</a:t>
             </a:fld>
             <a:endParaRPr lang="it-IT"/>
           </a:p>
@@ -2750,7 +2750,7 @@
             <a:fld id="{63CABBC0-75E4-43BB-A6A6-84C2A96BDB82}" type="datetimeFigureOut">
               <a:rPr lang="it-IT" smtClean="0"/>
               <a:pPr/>
-              <a:t>04/01/2013</a:t>
+              <a:t>06/01/2013</a:t>
             </a:fld>
             <a:endParaRPr lang="it-IT"/>
           </a:p>
@@ -2942,7 +2942,7 @@
             <a:fld id="{63CABBC0-75E4-43BB-A6A6-84C2A96BDB82}" type="datetimeFigureOut">
               <a:rPr lang="it-IT" smtClean="0"/>
               <a:pPr/>
-              <a:t>04/01/2013</a:t>
+              <a:t>06/01/2013</a:t>
             </a:fld>
             <a:endParaRPr lang="it-IT"/>
           </a:p>
@@ -3124,7 +3124,7 @@
             <a:fld id="{63CABBC0-75E4-43BB-A6A6-84C2A96BDB82}" type="datetimeFigureOut">
               <a:rPr lang="it-IT" smtClean="0"/>
               <a:pPr/>
-              <a:t>04/01/2013</a:t>
+              <a:t>06/01/2013</a:t>
             </a:fld>
             <a:endParaRPr lang="it-IT"/>
           </a:p>
@@ -3367,7 +3367,7 @@
             <a:fld id="{63CABBC0-75E4-43BB-A6A6-84C2A96BDB82}" type="datetimeFigureOut">
               <a:rPr lang="it-IT" smtClean="0"/>
               <a:pPr/>
-              <a:t>04/01/2013</a:t>
+              <a:t>06/01/2013</a:t>
             </a:fld>
             <a:endParaRPr lang="it-IT"/>
           </a:p>
@@ -3648,7 +3648,7 @@
             <a:fld id="{63CABBC0-75E4-43BB-A6A6-84C2A96BDB82}" type="datetimeFigureOut">
               <a:rPr lang="it-IT" smtClean="0"/>
               <a:pPr/>
-              <a:t>04/01/2013</a:t>
+              <a:t>06/01/2013</a:t>
             </a:fld>
             <a:endParaRPr lang="it-IT"/>
           </a:p>
@@ -4039,7 +4039,7 @@
             <a:fld id="{63CABBC0-75E4-43BB-A6A6-84C2A96BDB82}" type="datetimeFigureOut">
               <a:rPr lang="it-IT" smtClean="0"/>
               <a:pPr/>
-              <a:t>04/01/2013</a:t>
+              <a:t>06/01/2013</a:t>
             </a:fld>
             <a:endParaRPr lang="it-IT"/>
           </a:p>
@@ -4198,7 +4198,7 @@
             <a:fld id="{63CABBC0-75E4-43BB-A6A6-84C2A96BDB82}" type="datetimeFigureOut">
               <a:rPr lang="it-IT" smtClean="0"/>
               <a:pPr/>
-              <a:t>04/01/2013</a:t>
+              <a:t>06/01/2013</a:t>
             </a:fld>
             <a:endParaRPr lang="it-IT"/>
           </a:p>
@@ -4297,7 +4297,7 @@
             <a:fld id="{63CABBC0-75E4-43BB-A6A6-84C2A96BDB82}" type="datetimeFigureOut">
               <a:rPr lang="it-IT" smtClean="0"/>
               <a:pPr/>
-              <a:t>04/01/2013</a:t>
+              <a:t>06/01/2013</a:t>
             </a:fld>
             <a:endParaRPr lang="it-IT"/>
           </a:p>
@@ -4567,7 +4567,7 @@
             <a:fld id="{63CABBC0-75E4-43BB-A6A6-84C2A96BDB82}" type="datetimeFigureOut">
               <a:rPr lang="it-IT" smtClean="0"/>
               <a:pPr/>
-              <a:t>04/01/2013</a:t>
+              <a:t>06/01/2013</a:t>
             </a:fld>
             <a:endParaRPr lang="it-IT"/>
           </a:p>
@@ -4864,7 +4864,7 @@
             <a:fld id="{63CABBC0-75E4-43BB-A6A6-84C2A96BDB82}" type="datetimeFigureOut">
               <a:rPr lang="it-IT" smtClean="0"/>
               <a:pPr/>
-              <a:t>04/01/2013</a:t>
+              <a:t>06/01/2013</a:t>
             </a:fld>
             <a:endParaRPr lang="it-IT"/>
           </a:p>
@@ -5644,7 +5644,7 @@
             <a:fld id="{63CABBC0-75E4-43BB-A6A6-84C2A96BDB82}" type="datetimeFigureOut">
               <a:rPr lang="it-IT" smtClean="0"/>
               <a:pPr/>
-              <a:t>04/01/2013</a:t>
+              <a:t>06/01/2013</a:t>
             </a:fld>
             <a:endParaRPr lang="it-IT"/>
           </a:p>
@@ -6327,14 +6327,14 @@
           <p:nvPr>
             <p:extLst>
               <p:ext uri="{D42A27DB-BD31-4B8C-83A1-F6EECF244321}">
-                <p14:modId xmlns="" xmlns:p14="http://schemas.microsoft.com/office/powerpoint/2010/main" val="1430840817"/>
+                <p14:modId xmlns:p14="http://schemas.microsoft.com/office/powerpoint/2010/main" xmlns="" val="1430840817"/>
               </p:ext>
             </p:extLst>
           </p:nvPr>
         </p:nvGraphicFramePr>
         <p:xfrm>
           <a:off x="0" y="4077072"/>
-          <a:ext cx="2051720" cy="2575182"/>
+          <a:ext cx="2051720" cy="2773680"/>
         </p:xfrm>
         <a:graphic>
           <a:graphicData uri="http://schemas.openxmlformats.org/drawingml/2006/table">
@@ -6575,14 +6575,14 @@
           <p:nvPr>
             <p:extLst>
               <p:ext uri="{D42A27DB-BD31-4B8C-83A1-F6EECF244321}">
-                <p14:modId xmlns="" xmlns:p14="http://schemas.microsoft.com/office/powerpoint/2010/main" val="956586736"/>
+                <p14:modId xmlns:p14="http://schemas.microsoft.com/office/powerpoint/2010/main" xmlns="" val="956586736"/>
               </p:ext>
             </p:extLst>
           </p:nvPr>
         </p:nvGraphicFramePr>
         <p:xfrm>
           <a:off x="7092280" y="6060793"/>
-          <a:ext cx="2051720" cy="726314"/>
+          <a:ext cx="2051720" cy="792480"/>
         </p:xfrm>
         <a:graphic>
           <a:graphicData uri="http://schemas.openxmlformats.org/drawingml/2006/table">
@@ -6665,7 +6665,7 @@
           <a:blip r:embed="rId2" cstate="print">
             <a:extLst>
               <a:ext uri="{28A0092B-C50C-407E-A947-70E740481C1C}">
-                <a14:useLocalDpi xmlns="" xmlns:a14="http://schemas.microsoft.com/office/drawing/2010/main" val="0"/>
+                <a14:useLocalDpi xmlns:a14="http://schemas.microsoft.com/office/drawing/2010/main" xmlns="" val="0"/>
               </a:ext>
             </a:extLst>
           </a:blip>
@@ -6685,7 +6685,7 @@
           <a:noFill/>
           <a:extLst>
             <a:ext uri="{909E8E84-426E-40dd-AFC4-6F175D3DCCD1}">
-              <a14:hiddenFill xmlns="" xmlns:a14="http://schemas.microsoft.com/office/drawing/2010/main">
+              <a14:hiddenFill xmlns:a14="http://schemas.microsoft.com/office/drawing/2010/main" xmlns="">
                 <a:solidFill>
                   <a:srgbClr val="FFFFFF"/>
                 </a:solidFill>
@@ -6697,7 +6697,7 @@
     </p:spTree>
     <p:extLst>
       <p:ext uri="{BB962C8B-B14F-4D97-AF65-F5344CB8AC3E}">
-        <p14:creationId xmlns="" xmlns:p14="http://schemas.microsoft.com/office/powerpoint/2010/main" val="4165334171"/>
+        <p14:creationId xmlns:p14="http://schemas.microsoft.com/office/powerpoint/2010/main" xmlns="" val="4165334171"/>
       </p:ext>
     </p:extLst>
   </p:cSld>
@@ -7003,7 +7003,7 @@
     </p:spTree>
     <p:extLst>
       <p:ext uri="{BB962C8B-B14F-4D97-AF65-F5344CB8AC3E}">
-        <p14:creationId xmlns="" xmlns:p14="http://schemas.microsoft.com/office/powerpoint/2010/main" val="4143007013"/>
+        <p14:creationId xmlns:p14="http://schemas.microsoft.com/office/powerpoint/2010/main" xmlns="" val="4143007013"/>
       </p:ext>
     </p:extLst>
   </p:cSld>
@@ -7011,7 +7011,7 @@
     <a:masterClrMapping/>
   </p:clrMapOvr>
   <mc:AlternateContent xmlns:mc="http://schemas.openxmlformats.org/markup-compatibility/2006">
-    <mc:Choice xmlns="" xmlns:p14="http://schemas.microsoft.com/office/powerpoint/2010/main" Requires="p14">
+    <mc:Choice xmlns:p14="http://schemas.microsoft.com/office/powerpoint/2010/main" xmlns="" Requires="p14">
       <p:transition spd="slow" p14:dur="2000"/>
     </mc:Choice>
     <mc:Fallback>
@@ -7379,7 +7379,7 @@
     </p:spTree>
     <p:extLst>
       <p:ext uri="{BB962C8B-B14F-4D97-AF65-F5344CB8AC3E}">
-        <p14:creationId xmlns="" xmlns:p14="http://schemas.microsoft.com/office/powerpoint/2010/main" val="3748041918"/>
+        <p14:creationId xmlns:p14="http://schemas.microsoft.com/office/powerpoint/2010/main" xmlns="" val="3748041918"/>
       </p:ext>
     </p:extLst>
   </p:cSld>
@@ -7387,7 +7387,7 @@
     <a:masterClrMapping/>
   </p:clrMapOvr>
   <mc:AlternateContent xmlns:mc="http://schemas.openxmlformats.org/markup-compatibility/2006">
-    <mc:Choice xmlns="" xmlns:p14="http://schemas.microsoft.com/office/powerpoint/2010/main" Requires="p14">
+    <mc:Choice xmlns:p14="http://schemas.microsoft.com/office/powerpoint/2010/main" xmlns="" Requires="p14">
       <p:transition spd="slow" p14:dur="2000"/>
     </mc:Choice>
     <mc:Fallback>
@@ -7488,7 +7488,7 @@
     </p:spTree>
     <p:extLst>
       <p:ext uri="{BB962C8B-B14F-4D97-AF65-F5344CB8AC3E}">
-        <p14:creationId xmlns="" xmlns:p14="http://schemas.microsoft.com/office/powerpoint/2010/main" val="3695870384"/>
+        <p14:creationId xmlns:p14="http://schemas.microsoft.com/office/powerpoint/2010/main" xmlns="" val="3695870384"/>
       </p:ext>
     </p:extLst>
   </p:cSld>
@@ -7589,7 +7589,7 @@
     </p:spTree>
     <p:extLst>
       <p:ext uri="{BB962C8B-B14F-4D97-AF65-F5344CB8AC3E}">
-        <p14:creationId xmlns="" xmlns:p14="http://schemas.microsoft.com/office/powerpoint/2010/main" val="3987928837"/>
+        <p14:creationId xmlns:p14="http://schemas.microsoft.com/office/powerpoint/2010/main" xmlns="" val="3987928837"/>
       </p:ext>
     </p:extLst>
   </p:cSld>
@@ -7914,7 +7914,7 @@
     </p:spTree>
     <p:extLst>
       <p:ext uri="{BB962C8B-B14F-4D97-AF65-F5344CB8AC3E}">
-        <p14:creationId xmlns="" xmlns:p14="http://schemas.microsoft.com/office/powerpoint/2010/main" val="1367578552"/>
+        <p14:creationId xmlns:p14="http://schemas.microsoft.com/office/powerpoint/2010/main" xmlns="" val="1367578552"/>
       </p:ext>
     </p:extLst>
   </p:cSld>
@@ -8042,7 +8042,7 @@
     </p:spTree>
     <p:extLst>
       <p:ext uri="{BB962C8B-B14F-4D97-AF65-F5344CB8AC3E}">
-        <p14:creationId xmlns="" xmlns:p14="http://schemas.microsoft.com/office/powerpoint/2010/main" val="1554749062"/>
+        <p14:creationId xmlns:p14="http://schemas.microsoft.com/office/powerpoint/2010/main" xmlns="" val="1554749062"/>
       </p:ext>
     </p:extLst>
   </p:cSld>
@@ -8170,7 +8170,7 @@
     </p:spTree>
     <p:extLst>
       <p:ext uri="{BB962C8B-B14F-4D97-AF65-F5344CB8AC3E}">
-        <p14:creationId xmlns="" xmlns:p14="http://schemas.microsoft.com/office/powerpoint/2010/main" val="1028530279"/>
+        <p14:creationId xmlns:p14="http://schemas.microsoft.com/office/powerpoint/2010/main" xmlns="" val="1028530279"/>
       </p:ext>
     </p:extLst>
   </p:cSld>
@@ -8298,7 +8298,7 @@
     </p:spTree>
     <p:extLst>
       <p:ext uri="{BB962C8B-B14F-4D97-AF65-F5344CB8AC3E}">
-        <p14:creationId xmlns="" xmlns:p14="http://schemas.microsoft.com/office/powerpoint/2010/main" val="2120081776"/>
+        <p14:creationId xmlns:p14="http://schemas.microsoft.com/office/powerpoint/2010/main" xmlns="" val="2120081776"/>
       </p:ext>
     </p:extLst>
   </p:cSld>
@@ -8438,7 +8438,7 @@
     </p:spTree>
     <p:extLst>
       <p:ext uri="{BB962C8B-B14F-4D97-AF65-F5344CB8AC3E}">
-        <p14:creationId xmlns="" xmlns:p14="http://schemas.microsoft.com/office/powerpoint/2010/main" val="3320352623"/>
+        <p14:creationId xmlns:p14="http://schemas.microsoft.com/office/powerpoint/2010/main" xmlns="" val="3320352623"/>
       </p:ext>
     </p:extLst>
   </p:cSld>
@@ -8578,7 +8578,7 @@
     </p:spTree>
     <p:extLst>
       <p:ext uri="{BB962C8B-B14F-4D97-AF65-F5344CB8AC3E}">
-        <p14:creationId xmlns="" xmlns:p14="http://schemas.microsoft.com/office/powerpoint/2010/main" val="4011022122"/>
+        <p14:creationId xmlns:p14="http://schemas.microsoft.com/office/powerpoint/2010/main" xmlns="" val="4011022122"/>
       </p:ext>
     </p:extLst>
   </p:cSld>
@@ -8883,7 +8883,7 @@
     </p:spTree>
     <p:extLst>
       <p:ext uri="{BB962C8B-B14F-4D97-AF65-F5344CB8AC3E}">
-        <p14:creationId xmlns="" xmlns:p14="http://schemas.microsoft.com/office/powerpoint/2010/main" val="2927506779"/>
+        <p14:creationId xmlns:p14="http://schemas.microsoft.com/office/powerpoint/2010/main" xmlns="" val="2927506779"/>
       </p:ext>
     </p:extLst>
   </p:cSld>
@@ -9550,7 +9550,7 @@
     </p:spTree>
     <p:extLst>
       <p:ext uri="{BB962C8B-B14F-4D97-AF65-F5344CB8AC3E}">
-        <p14:creationId xmlns="" xmlns:p14="http://schemas.microsoft.com/office/powerpoint/2010/main" val="1720938352"/>
+        <p14:creationId xmlns:p14="http://schemas.microsoft.com/office/powerpoint/2010/main" xmlns="" val="1720938352"/>
       </p:ext>
     </p:extLst>
   </p:cSld>
@@ -9558,7 +9558,7 @@
     <a:masterClrMapping/>
   </p:clrMapOvr>
   <mc:AlternateContent xmlns:mc="http://schemas.openxmlformats.org/markup-compatibility/2006">
-    <mc:Choice xmlns="" xmlns:p14="http://schemas.microsoft.com/office/powerpoint/2010/main" Requires="p14">
+    <mc:Choice xmlns:p14="http://schemas.microsoft.com/office/powerpoint/2010/main" xmlns="" Requires="p14">
       <p:transition spd="slow" p14:dur="2000"/>
     </mc:Choice>
     <mc:Fallback>
@@ -9852,7 +9852,7 @@
     </p:spTree>
     <p:extLst>
       <p:ext uri="{BB962C8B-B14F-4D97-AF65-F5344CB8AC3E}">
-        <p14:creationId xmlns="" xmlns:p14="http://schemas.microsoft.com/office/powerpoint/2010/main" val="3389076463"/>
+        <p14:creationId xmlns:p14="http://schemas.microsoft.com/office/powerpoint/2010/main" xmlns="" val="3389076463"/>
       </p:ext>
     </p:extLst>
   </p:cSld>
@@ -9975,7 +9975,7 @@
     </p:spTree>
     <p:extLst>
       <p:ext uri="{BB962C8B-B14F-4D97-AF65-F5344CB8AC3E}">
-        <p14:creationId xmlns="" xmlns:p14="http://schemas.microsoft.com/office/powerpoint/2010/main" val="3781125707"/>
+        <p14:creationId xmlns:p14="http://schemas.microsoft.com/office/powerpoint/2010/main" xmlns="" val="3781125707"/>
       </p:ext>
     </p:extLst>
   </p:cSld>
@@ -10099,7 +10099,7 @@
     </p:spTree>
     <p:extLst>
       <p:ext uri="{BB962C8B-B14F-4D97-AF65-F5344CB8AC3E}">
-        <p14:creationId xmlns="" xmlns:p14="http://schemas.microsoft.com/office/powerpoint/2010/main" val="3113757335"/>
+        <p14:creationId xmlns:p14="http://schemas.microsoft.com/office/powerpoint/2010/main" xmlns="" val="3113757335"/>
       </p:ext>
     </p:extLst>
   </p:cSld>
@@ -10183,7 +10183,7 @@
     </p:spTree>
     <p:extLst>
       <p:ext uri="{BB962C8B-B14F-4D97-AF65-F5344CB8AC3E}">
-        <p14:creationId xmlns="" xmlns:p14="http://schemas.microsoft.com/office/powerpoint/2010/main" val="3128220547"/>
+        <p14:creationId xmlns:p14="http://schemas.microsoft.com/office/powerpoint/2010/main" xmlns="" val="3128220547"/>
       </p:ext>
     </p:extLst>
   </p:cSld>
@@ -10309,7 +10309,7 @@
     </p:spTree>
     <p:extLst>
       <p:ext uri="{BB962C8B-B14F-4D97-AF65-F5344CB8AC3E}">
-        <p14:creationId xmlns="" xmlns:p14="http://schemas.microsoft.com/office/powerpoint/2010/main" val="3526463055"/>
+        <p14:creationId xmlns:p14="http://schemas.microsoft.com/office/powerpoint/2010/main" xmlns="" val="3526463055"/>
       </p:ext>
     </p:extLst>
   </p:cSld>
@@ -10432,7 +10432,7 @@
     </p:spTree>
     <p:extLst>
       <p:ext uri="{BB962C8B-B14F-4D97-AF65-F5344CB8AC3E}">
-        <p14:creationId xmlns="" xmlns:p14="http://schemas.microsoft.com/office/powerpoint/2010/main" val="4153735844"/>
+        <p14:creationId xmlns:p14="http://schemas.microsoft.com/office/powerpoint/2010/main" xmlns="" val="4153735844"/>
       </p:ext>
     </p:extLst>
   </p:cSld>
@@ -10525,7 +10525,7 @@
     </p:spTree>
     <p:extLst>
       <p:ext uri="{BB962C8B-B14F-4D97-AF65-F5344CB8AC3E}">
-        <p14:creationId xmlns="" xmlns:p14="http://schemas.microsoft.com/office/powerpoint/2010/main" val="3584613944"/>
+        <p14:creationId xmlns:p14="http://schemas.microsoft.com/office/powerpoint/2010/main" xmlns="" val="3584613944"/>
       </p:ext>
     </p:extLst>
   </p:cSld>
@@ -10714,7 +10714,7 @@
     </p:spTree>
     <p:extLst>
       <p:ext uri="{BB962C8B-B14F-4D97-AF65-F5344CB8AC3E}">
-        <p14:creationId xmlns="" xmlns:p14="http://schemas.microsoft.com/office/powerpoint/2010/main" val="1309712431"/>
+        <p14:creationId xmlns:p14="http://schemas.microsoft.com/office/powerpoint/2010/main" xmlns="" val="1309712431"/>
       </p:ext>
     </p:extLst>
   </p:cSld>
@@ -10931,7 +10931,7 @@
     </p:spTree>
     <p:extLst>
       <p:ext uri="{BB962C8B-B14F-4D97-AF65-F5344CB8AC3E}">
-        <p14:creationId xmlns="" xmlns:p14="http://schemas.microsoft.com/office/powerpoint/2010/main" val="3902446084"/>
+        <p14:creationId xmlns:p14="http://schemas.microsoft.com/office/powerpoint/2010/main" xmlns="" val="3902446084"/>
       </p:ext>
     </p:extLst>
   </p:cSld>
@@ -11123,7 +11123,7 @@
     </p:spTree>
     <p:extLst>
       <p:ext uri="{BB962C8B-B14F-4D97-AF65-F5344CB8AC3E}">
-        <p14:creationId xmlns="" xmlns:p14="http://schemas.microsoft.com/office/powerpoint/2010/main" val="3677979436"/>
+        <p14:creationId xmlns:p14="http://schemas.microsoft.com/office/powerpoint/2010/main" xmlns="" val="3677979436"/>
       </p:ext>
     </p:extLst>
   </p:cSld>
@@ -11640,7 +11640,7 @@
     </p:spTree>
     <p:extLst>
       <p:ext uri="{BB962C8B-B14F-4D97-AF65-F5344CB8AC3E}">
-        <p14:creationId xmlns="" xmlns:p14="http://schemas.microsoft.com/office/powerpoint/2010/main" val="3436514102"/>
+        <p14:creationId xmlns:p14="http://schemas.microsoft.com/office/powerpoint/2010/main" xmlns="" val="3436514102"/>
       </p:ext>
     </p:extLst>
   </p:cSld>
@@ -11648,7 +11648,7 @@
     <a:masterClrMapping/>
   </p:clrMapOvr>
   <mc:AlternateContent xmlns:mc="http://schemas.openxmlformats.org/markup-compatibility/2006">
-    <mc:Choice xmlns="" xmlns:p14="http://schemas.microsoft.com/office/powerpoint/2010/main" Requires="p14">
+    <mc:Choice xmlns:p14="http://schemas.microsoft.com/office/powerpoint/2010/main" xmlns="" Requires="p14">
       <p:transition spd="slow" p14:dur="2000"/>
     </mc:Choice>
     <mc:Fallback>
@@ -11741,7 +11741,7 @@
     </p:spTree>
     <p:extLst>
       <p:ext uri="{BB962C8B-B14F-4D97-AF65-F5344CB8AC3E}">
-        <p14:creationId xmlns="" xmlns:p14="http://schemas.microsoft.com/office/powerpoint/2010/main" val="2777952497"/>
+        <p14:creationId xmlns:p14="http://schemas.microsoft.com/office/powerpoint/2010/main" xmlns="" val="2777952497"/>
       </p:ext>
     </p:extLst>
   </p:cSld>
@@ -11929,7 +11929,7 @@
     </p:spTree>
     <p:extLst>
       <p:ext uri="{BB962C8B-B14F-4D97-AF65-F5344CB8AC3E}">
-        <p14:creationId xmlns="" xmlns:p14="http://schemas.microsoft.com/office/powerpoint/2010/main" val="2574674066"/>
+        <p14:creationId xmlns:p14="http://schemas.microsoft.com/office/powerpoint/2010/main" xmlns="" val="2574674066"/>
       </p:ext>
     </p:extLst>
   </p:cSld>
@@ -12022,7 +12022,7 @@
     </p:spTree>
     <p:extLst>
       <p:ext uri="{BB962C8B-B14F-4D97-AF65-F5344CB8AC3E}">
-        <p14:creationId xmlns="" xmlns:p14="http://schemas.microsoft.com/office/powerpoint/2010/main" val="763878143"/>
+        <p14:creationId xmlns:p14="http://schemas.microsoft.com/office/powerpoint/2010/main" xmlns="" val="763878143"/>
       </p:ext>
     </p:extLst>
   </p:cSld>
@@ -12643,7 +12643,7 @@
     </p:spTree>
     <p:extLst>
       <p:ext uri="{BB962C8B-B14F-4D97-AF65-F5344CB8AC3E}">
-        <p14:creationId xmlns="" xmlns:p14="http://schemas.microsoft.com/office/powerpoint/2010/main" val="42533803"/>
+        <p14:creationId xmlns:p14="http://schemas.microsoft.com/office/powerpoint/2010/main" xmlns="" val="42533803"/>
       </p:ext>
     </p:extLst>
   </p:cSld>
@@ -12651,7 +12651,7 @@
     <a:masterClrMapping/>
   </p:clrMapOvr>
   <mc:AlternateContent xmlns:mc="http://schemas.openxmlformats.org/markup-compatibility/2006">
-    <mc:Choice xmlns="" xmlns:p14="http://schemas.microsoft.com/office/powerpoint/2010/main" Requires="p14">
+    <mc:Choice xmlns:p14="http://schemas.microsoft.com/office/powerpoint/2010/main" xmlns="" Requires="p14">
       <p:transition spd="slow" p14:dur="2000"/>
     </mc:Choice>
     <mc:Fallback>
@@ -12955,7 +12955,7 @@
     </p:spTree>
     <p:extLst>
       <p:ext uri="{BB962C8B-B14F-4D97-AF65-F5344CB8AC3E}">
-        <p14:creationId xmlns="" xmlns:p14="http://schemas.microsoft.com/office/powerpoint/2010/main" val="719158636"/>
+        <p14:creationId xmlns:p14="http://schemas.microsoft.com/office/powerpoint/2010/main" xmlns="" val="719158636"/>
       </p:ext>
     </p:extLst>
   </p:cSld>
@@ -12963,7 +12963,7 @@
     <a:masterClrMapping/>
   </p:clrMapOvr>
   <mc:AlternateContent xmlns:mc="http://schemas.openxmlformats.org/markup-compatibility/2006">
-    <mc:Choice xmlns="" xmlns:p14="http://schemas.microsoft.com/office/powerpoint/2010/main" Requires="p14">
+    <mc:Choice xmlns:p14="http://schemas.microsoft.com/office/powerpoint/2010/main" xmlns="" Requires="p14">
       <p:transition spd="slow" p14:dur="2000"/>
     </mc:Choice>
     <mc:Fallback>
@@ -13264,7 +13264,7 @@
     </p:spTree>
     <p:extLst>
       <p:ext uri="{BB962C8B-B14F-4D97-AF65-F5344CB8AC3E}">
-        <p14:creationId xmlns="" xmlns:p14="http://schemas.microsoft.com/office/powerpoint/2010/main" val="3790159258"/>
+        <p14:creationId xmlns:p14="http://schemas.microsoft.com/office/powerpoint/2010/main" xmlns="" val="3790159258"/>
       </p:ext>
     </p:extLst>
   </p:cSld>
@@ -13272,7 +13272,7 @@
     <a:masterClrMapping/>
   </p:clrMapOvr>
   <mc:AlternateContent xmlns:mc="http://schemas.openxmlformats.org/markup-compatibility/2006">
-    <mc:Choice xmlns="" xmlns:p14="http://schemas.microsoft.com/office/powerpoint/2010/main" Requires="p14">
+    <mc:Choice xmlns:p14="http://schemas.microsoft.com/office/powerpoint/2010/main" xmlns="" Requires="p14">
       <p:transition spd="slow" p14:dur="2000"/>
     </mc:Choice>
     <mc:Fallback>
@@ -13580,7 +13580,7 @@
     </p:spTree>
     <p:extLst>
       <p:ext uri="{BB962C8B-B14F-4D97-AF65-F5344CB8AC3E}">
-        <p14:creationId xmlns="" xmlns:p14="http://schemas.microsoft.com/office/powerpoint/2010/main" val="560870364"/>
+        <p14:creationId xmlns:p14="http://schemas.microsoft.com/office/powerpoint/2010/main" xmlns="" val="560870364"/>
       </p:ext>
     </p:extLst>
   </p:cSld>
@@ -13588,7 +13588,7 @@
     <a:masterClrMapping/>
   </p:clrMapOvr>
   <mc:AlternateContent xmlns:mc="http://schemas.openxmlformats.org/markup-compatibility/2006">
-    <mc:Choice xmlns="" xmlns:p14="http://schemas.microsoft.com/office/powerpoint/2010/main" Requires="p14">
+    <mc:Choice xmlns:p14="http://schemas.microsoft.com/office/powerpoint/2010/main" xmlns="" Requires="p14">
       <p:transition spd="slow" p14:dur="2000"/>
     </mc:Choice>
     <mc:Fallback>
@@ -13889,7 +13889,7 @@
     </p:spTree>
     <p:extLst>
       <p:ext uri="{BB962C8B-B14F-4D97-AF65-F5344CB8AC3E}">
-        <p14:creationId xmlns="" xmlns:p14="http://schemas.microsoft.com/office/powerpoint/2010/main" val="518406238"/>
+        <p14:creationId xmlns:p14="http://schemas.microsoft.com/office/powerpoint/2010/main" xmlns="" val="518406238"/>
       </p:ext>
     </p:extLst>
   </p:cSld>
@@ -13897,7 +13897,7 @@
     <a:masterClrMapping/>
   </p:clrMapOvr>
   <mc:AlternateContent xmlns:mc="http://schemas.openxmlformats.org/markup-compatibility/2006">
-    <mc:Choice xmlns="" xmlns:p14="http://schemas.microsoft.com/office/powerpoint/2010/main" Requires="p14">
+    <mc:Choice xmlns:p14="http://schemas.microsoft.com/office/powerpoint/2010/main" xmlns="" Requires="p14">
       <p:transition spd="slow" p14:dur="2000"/>
     </mc:Choice>
     <mc:Fallback>
@@ -14198,7 +14198,7 @@
     </p:spTree>
     <p:extLst>
       <p:ext uri="{BB962C8B-B14F-4D97-AF65-F5344CB8AC3E}">
-        <p14:creationId xmlns="" xmlns:p14="http://schemas.microsoft.com/office/powerpoint/2010/main" val="3089945963"/>
+        <p14:creationId xmlns:p14="http://schemas.microsoft.com/office/powerpoint/2010/main" xmlns="" val="3089945963"/>
       </p:ext>
     </p:extLst>
   </p:cSld>
@@ -14206,7 +14206,7 @@
     <a:masterClrMapping/>
   </p:clrMapOvr>
   <mc:AlternateContent xmlns:mc="http://schemas.openxmlformats.org/markup-compatibility/2006">
-    <mc:Choice xmlns="" xmlns:p14="http://schemas.microsoft.com/office/powerpoint/2010/main" Requires="p14">
+    <mc:Choice xmlns:p14="http://schemas.microsoft.com/office/powerpoint/2010/main" xmlns="" Requires="p14">
       <p:transition spd="slow" p14:dur="2000"/>
     </mc:Choice>
     <mc:Fallback>
@@ -14553,7 +14553,7 @@
     </p:spTree>
     <p:extLst>
       <p:ext uri="{BB962C8B-B14F-4D97-AF65-F5344CB8AC3E}">
-        <p14:creationId xmlns="" xmlns:p14="http://schemas.microsoft.com/office/powerpoint/2010/main" val="3735783036"/>
+        <p14:creationId xmlns:p14="http://schemas.microsoft.com/office/powerpoint/2010/main" xmlns="" val="3735783036"/>
       </p:ext>
     </p:extLst>
   </p:cSld>
@@ -14561,7 +14561,7 @@
     <a:masterClrMapping/>
   </p:clrMapOvr>
   <mc:AlternateContent xmlns:mc="http://schemas.openxmlformats.org/markup-compatibility/2006">
-    <mc:Choice xmlns="" xmlns:p14="http://schemas.microsoft.com/office/powerpoint/2010/main" Requires="p14">
+    <mc:Choice xmlns:p14="http://schemas.microsoft.com/office/powerpoint/2010/main" xmlns="" Requires="p14">
       <p:transition spd="slow" p14:dur="2000"/>
     </mc:Choice>
     <mc:Fallback>
@@ -14874,7 +14874,7 @@
     </p:spTree>
     <p:extLst>
       <p:ext uri="{BB962C8B-B14F-4D97-AF65-F5344CB8AC3E}">
-        <p14:creationId xmlns="" xmlns:p14="http://schemas.microsoft.com/office/powerpoint/2010/main" val="820318166"/>
+        <p14:creationId xmlns:p14="http://schemas.microsoft.com/office/powerpoint/2010/main" xmlns="" val="820318166"/>
       </p:ext>
     </p:extLst>
   </p:cSld>
@@ -14882,7 +14882,7 @@
     <a:masterClrMapping/>
   </p:clrMapOvr>
   <mc:AlternateContent xmlns:mc="http://schemas.openxmlformats.org/markup-compatibility/2006">
-    <mc:Choice xmlns="" xmlns:p14="http://schemas.microsoft.com/office/powerpoint/2010/main" Requires="p14">
+    <mc:Choice xmlns:p14="http://schemas.microsoft.com/office/powerpoint/2010/main" xmlns="" Requires="p14">
       <p:transition spd="slow" p14:dur="2000"/>
     </mc:Choice>
     <mc:Fallback>
@@ -15202,7 +15202,7 @@
     </p:spTree>
     <p:extLst>
       <p:ext uri="{BB962C8B-B14F-4D97-AF65-F5344CB8AC3E}">
-        <p14:creationId xmlns="" xmlns:p14="http://schemas.microsoft.com/office/powerpoint/2010/main" val="2112585717"/>
+        <p14:creationId xmlns:p14="http://schemas.microsoft.com/office/powerpoint/2010/main" xmlns="" val="2112585717"/>
       </p:ext>
     </p:extLst>
   </p:cSld>
@@ -15210,7 +15210,7 @@
     <a:masterClrMapping/>
   </p:clrMapOvr>
   <mc:AlternateContent xmlns:mc="http://schemas.openxmlformats.org/markup-compatibility/2006">
-    <mc:Choice xmlns="" xmlns:p14="http://schemas.microsoft.com/office/powerpoint/2010/main" Requires="p14">
+    <mc:Choice xmlns:p14="http://schemas.microsoft.com/office/powerpoint/2010/main" xmlns="" Requires="p14">
       <p:transition spd="slow" p14:dur="2000"/>
     </mc:Choice>
     <mc:Fallback>
@@ -15495,7 +15495,7 @@
     </p:spTree>
     <p:extLst>
       <p:ext uri="{BB962C8B-B14F-4D97-AF65-F5344CB8AC3E}">
-        <p14:creationId xmlns="" xmlns:p14="http://schemas.microsoft.com/office/powerpoint/2010/main" val="2498309309"/>
+        <p14:creationId xmlns:p14="http://schemas.microsoft.com/office/powerpoint/2010/main" xmlns="" val="2498309309"/>
       </p:ext>
     </p:extLst>
   </p:cSld>
@@ -15503,7 +15503,7 @@
     <a:masterClrMapping/>
   </p:clrMapOvr>
   <mc:AlternateContent xmlns:mc="http://schemas.openxmlformats.org/markup-compatibility/2006">
-    <mc:Choice xmlns="" xmlns:p14="http://schemas.microsoft.com/office/powerpoint/2010/main" Requires="p14">
+    <mc:Choice xmlns:p14="http://schemas.microsoft.com/office/powerpoint/2010/main" xmlns="" Requires="p14">
       <p:transition spd="slow" p14:dur="2000"/>
     </mc:Choice>
     <mc:Fallback>
@@ -15800,7 +15800,7 @@
     </p:spTree>
     <p:extLst>
       <p:ext uri="{BB962C8B-B14F-4D97-AF65-F5344CB8AC3E}">
-        <p14:creationId xmlns="" xmlns:p14="http://schemas.microsoft.com/office/powerpoint/2010/main" val="490993421"/>
+        <p14:creationId xmlns:p14="http://schemas.microsoft.com/office/powerpoint/2010/main" xmlns="" val="490993421"/>
       </p:ext>
     </p:extLst>
   </p:cSld>
@@ -15808,7 +15808,7 @@
     <a:masterClrMapping/>
   </p:clrMapOvr>
   <mc:AlternateContent xmlns:mc="http://schemas.openxmlformats.org/markup-compatibility/2006">
-    <mc:Choice xmlns="" xmlns:p14="http://schemas.microsoft.com/office/powerpoint/2010/main" Requires="p14">
+    <mc:Choice xmlns:p14="http://schemas.microsoft.com/office/powerpoint/2010/main" xmlns="" Requires="p14">
       <p:transition spd="slow" p14:dur="2000"/>
     </mc:Choice>
     <mc:Fallback>
@@ -16077,7 +16077,7 @@
     </p:spTree>
     <p:extLst>
       <p:ext uri="{BB962C8B-B14F-4D97-AF65-F5344CB8AC3E}">
-        <p14:creationId xmlns="" xmlns:p14="http://schemas.microsoft.com/office/powerpoint/2010/main" val="1982603412"/>
+        <p14:creationId xmlns:p14="http://schemas.microsoft.com/office/powerpoint/2010/main" xmlns="" val="1982603412"/>
       </p:ext>
     </p:extLst>
   </p:cSld>
@@ -16085,7 +16085,7 @@
     <a:masterClrMapping/>
   </p:clrMapOvr>
   <mc:AlternateContent xmlns:mc="http://schemas.openxmlformats.org/markup-compatibility/2006">
-    <mc:Choice xmlns="" xmlns:p14="http://schemas.microsoft.com/office/powerpoint/2010/main" Requires="p14">
+    <mc:Choice xmlns:p14="http://schemas.microsoft.com/office/powerpoint/2010/main" xmlns="" Requires="p14">
       <p:transition spd="slow" p14:dur="2000"/>
     </mc:Choice>
     <mc:Fallback>
@@ -16178,7 +16178,7 @@
     </p:spTree>
     <p:extLst>
       <p:ext uri="{BB962C8B-B14F-4D97-AF65-F5344CB8AC3E}">
-        <p14:creationId xmlns="" xmlns:p14="http://schemas.microsoft.com/office/powerpoint/2010/main" val="3486681628"/>
+        <p14:creationId xmlns:p14="http://schemas.microsoft.com/office/powerpoint/2010/main" xmlns="" val="3486681628"/>
       </p:ext>
     </p:extLst>
   </p:cSld>
@@ -16186,7 +16186,7 @@
     <a:masterClrMapping/>
   </p:clrMapOvr>
   <mc:AlternateContent xmlns:mc="http://schemas.openxmlformats.org/markup-compatibility/2006">
-    <mc:Choice xmlns="" xmlns:p14="http://schemas.microsoft.com/office/powerpoint/2010/main" Requires="p14">
+    <mc:Choice xmlns:p14="http://schemas.microsoft.com/office/powerpoint/2010/main" xmlns="" Requires="p14">
       <p:transition spd="slow" p14:dur="2000"/>
     </mc:Choice>
     <mc:Fallback>
@@ -16496,7 +16496,7 @@
     </p:spTree>
     <p:extLst>
       <p:ext uri="{BB962C8B-B14F-4D97-AF65-F5344CB8AC3E}">
-        <p14:creationId xmlns="" xmlns:p14="http://schemas.microsoft.com/office/powerpoint/2010/main" val="2167458548"/>
+        <p14:creationId xmlns:p14="http://schemas.microsoft.com/office/powerpoint/2010/main" xmlns="" val="2167458548"/>
       </p:ext>
     </p:extLst>
   </p:cSld>
@@ -16504,7 +16504,7 @@
     <a:masterClrMapping/>
   </p:clrMapOvr>
   <mc:AlternateContent xmlns:mc="http://schemas.openxmlformats.org/markup-compatibility/2006">
-    <mc:Choice xmlns="" xmlns:p14="http://schemas.microsoft.com/office/powerpoint/2010/main" Requires="p14">
+    <mc:Choice xmlns:p14="http://schemas.microsoft.com/office/powerpoint/2010/main" xmlns="" Requires="p14">
       <p:transition spd="slow" p14:dur="2000"/>
     </mc:Choice>
     <mc:Fallback>
@@ -16603,7 +16603,7 @@
     </p:spTree>
     <p:extLst>
       <p:ext uri="{BB962C8B-B14F-4D97-AF65-F5344CB8AC3E}">
-        <p14:creationId xmlns="" xmlns:p14="http://schemas.microsoft.com/office/powerpoint/2010/main" val="77984983"/>
+        <p14:creationId xmlns:p14="http://schemas.microsoft.com/office/powerpoint/2010/main" xmlns="" val="77984983"/>
       </p:ext>
     </p:extLst>
   </p:cSld>
@@ -16611,7 +16611,7 @@
     <a:masterClrMapping/>
   </p:clrMapOvr>
   <mc:AlternateContent xmlns:mc="http://schemas.openxmlformats.org/markup-compatibility/2006">
-    <mc:Choice xmlns="" xmlns:p14="http://schemas.microsoft.com/office/powerpoint/2010/main" Requires="p14">
+    <mc:Choice xmlns:p14="http://schemas.microsoft.com/office/powerpoint/2010/main" xmlns="" Requires="p14">
       <p:transition spd="slow" p14:dur="2000"/>
     </mc:Choice>
     <mc:Fallback>
@@ -16710,7 +16710,7 @@
     </p:spTree>
     <p:extLst>
       <p:ext uri="{BB962C8B-B14F-4D97-AF65-F5344CB8AC3E}">
-        <p14:creationId xmlns="" xmlns:p14="http://schemas.microsoft.com/office/powerpoint/2010/main" val="3690446741"/>
+        <p14:creationId xmlns:p14="http://schemas.microsoft.com/office/powerpoint/2010/main" xmlns="" val="3690446741"/>
       </p:ext>
     </p:extLst>
   </p:cSld>
@@ -16718,7 +16718,7 @@
     <a:masterClrMapping/>
   </p:clrMapOvr>
   <mc:AlternateContent xmlns:mc="http://schemas.openxmlformats.org/markup-compatibility/2006">
-    <mc:Choice xmlns="" xmlns:p14="http://schemas.microsoft.com/office/powerpoint/2010/main" Requires="p14">
+    <mc:Choice xmlns:p14="http://schemas.microsoft.com/office/powerpoint/2010/main" xmlns="" Requires="p14">
       <p:transition spd="slow" p14:dur="2000"/>
     </mc:Choice>
     <mc:Fallback>
@@ -16949,7 +16949,7 @@
     </p:spTree>
     <p:extLst>
       <p:ext uri="{BB962C8B-B14F-4D97-AF65-F5344CB8AC3E}">
-        <p14:creationId xmlns="" xmlns:p14="http://schemas.microsoft.com/office/powerpoint/2010/main" val="1921668123"/>
+        <p14:creationId xmlns:p14="http://schemas.microsoft.com/office/powerpoint/2010/main" xmlns="" val="1921668123"/>
       </p:ext>
     </p:extLst>
   </p:cSld>
@@ -16957,7 +16957,7 @@
     <a:masterClrMapping/>
   </p:clrMapOvr>
   <mc:AlternateContent xmlns:mc="http://schemas.openxmlformats.org/markup-compatibility/2006">
-    <mc:Choice xmlns="" xmlns:p14="http://schemas.microsoft.com/office/powerpoint/2010/main" Requires="p14">
+    <mc:Choice xmlns:p14="http://schemas.microsoft.com/office/powerpoint/2010/main" xmlns="" Requires="p14">
       <p:transition spd="slow" p14:dur="2000"/>
     </mc:Choice>
     <mc:Fallback>
@@ -17308,7 +17308,7 @@
     </p:spTree>
     <p:extLst>
       <p:ext uri="{BB962C8B-B14F-4D97-AF65-F5344CB8AC3E}">
-        <p14:creationId xmlns="" xmlns:p14="http://schemas.microsoft.com/office/powerpoint/2010/main" val="1766382090"/>
+        <p14:creationId xmlns:p14="http://schemas.microsoft.com/office/powerpoint/2010/main" xmlns="" val="1766382090"/>
       </p:ext>
     </p:extLst>
   </p:cSld>
@@ -17316,7 +17316,7 @@
     <a:masterClrMapping/>
   </p:clrMapOvr>
   <mc:AlternateContent xmlns:mc="http://schemas.openxmlformats.org/markup-compatibility/2006">
-    <mc:Choice xmlns="" xmlns:p14="http://schemas.microsoft.com/office/powerpoint/2010/main" Requires="p14">
+    <mc:Choice xmlns:p14="http://schemas.microsoft.com/office/powerpoint/2010/main" xmlns="" Requires="p14">
       <p:transition spd="slow" p14:dur="2000"/>
     </mc:Choice>
     <mc:Fallback>
@@ -17608,7 +17608,7 @@
     </p:spTree>
     <p:extLst>
       <p:ext uri="{BB962C8B-B14F-4D97-AF65-F5344CB8AC3E}">
-        <p14:creationId xmlns="" xmlns:p14="http://schemas.microsoft.com/office/powerpoint/2010/main" val="2809531644"/>
+        <p14:creationId xmlns:p14="http://schemas.microsoft.com/office/powerpoint/2010/main" xmlns="" val="2809531644"/>
       </p:ext>
     </p:extLst>
   </p:cSld>
@@ -17616,7 +17616,7 @@
     <a:masterClrMapping/>
   </p:clrMapOvr>
   <mc:AlternateContent xmlns:mc="http://schemas.openxmlformats.org/markup-compatibility/2006">
-    <mc:Choice xmlns="" xmlns:p14="http://schemas.microsoft.com/office/powerpoint/2010/main" Requires="p14">
+    <mc:Choice xmlns:p14="http://schemas.microsoft.com/office/powerpoint/2010/main" xmlns="" Requires="p14">
       <p:transition spd="slow" p14:dur="2000"/>
     </mc:Choice>
     <mc:Fallback>
@@ -17770,7 +17770,7 @@
     </p:spTree>
     <p:extLst>
       <p:ext uri="{BB962C8B-B14F-4D97-AF65-F5344CB8AC3E}">
-        <p14:creationId xmlns="" xmlns:p14="http://schemas.microsoft.com/office/powerpoint/2010/main" val="2052235477"/>
+        <p14:creationId xmlns:p14="http://schemas.microsoft.com/office/powerpoint/2010/main" xmlns="" val="2052235477"/>
       </p:ext>
     </p:extLst>
   </p:cSld>
@@ -17778,7 +17778,7 @@
     <a:masterClrMapping/>
   </p:clrMapOvr>
   <mc:AlternateContent xmlns:mc="http://schemas.openxmlformats.org/markup-compatibility/2006">
-    <mc:Choice xmlns="" xmlns:p14="http://schemas.microsoft.com/office/powerpoint/2010/main" Requires="p14">
+    <mc:Choice xmlns:p14="http://schemas.microsoft.com/office/powerpoint/2010/main" xmlns="" Requires="p14">
       <p:transition spd="slow" p14:dur="2000"/>
     </mc:Choice>
     <mc:Fallback>
@@ -17844,7 +17844,7 @@
     </p:spTree>
     <p:extLst>
       <p:ext uri="{BB962C8B-B14F-4D97-AF65-F5344CB8AC3E}">
-        <p14:creationId xmlns="" xmlns:p14="http://schemas.microsoft.com/office/powerpoint/2010/main" val="1378357901"/>
+        <p14:creationId xmlns:p14="http://schemas.microsoft.com/office/powerpoint/2010/main" xmlns="" val="1378357901"/>
       </p:ext>
     </p:extLst>
   </p:cSld>
@@ -17934,7 +17934,7 @@
           <p:nvPr>
             <p:extLst>
               <p:ext uri="{D42A27DB-BD31-4B8C-83A1-F6EECF244321}">
-                <p14:modId xmlns="" xmlns:p14="http://schemas.microsoft.com/office/powerpoint/2010/main" val="2256308220"/>
+                <p14:modId xmlns:p14="http://schemas.microsoft.com/office/powerpoint/2010/main" xmlns="" val="2256308220"/>
               </p:ext>
             </p:extLst>
           </p:nvPr>
@@ -18519,7 +18519,7 @@
     </p:spTree>
     <p:extLst>
       <p:ext uri="{BB962C8B-B14F-4D97-AF65-F5344CB8AC3E}">
-        <p14:creationId xmlns="" xmlns:p14="http://schemas.microsoft.com/office/powerpoint/2010/main" val="1730443546"/>
+        <p14:creationId xmlns:p14="http://schemas.microsoft.com/office/powerpoint/2010/main" xmlns="" val="1730443546"/>
       </p:ext>
     </p:extLst>
   </p:cSld>
@@ -18527,7 +18527,7 @@
     <a:masterClrMapping/>
   </p:clrMapOvr>
   <mc:AlternateContent xmlns:mc="http://schemas.openxmlformats.org/markup-compatibility/2006">
-    <mc:Choice xmlns="" xmlns:p14="http://schemas.microsoft.com/office/powerpoint/2010/main" Requires="p14">
+    <mc:Choice xmlns:p14="http://schemas.microsoft.com/office/powerpoint/2010/main" xmlns="" Requires="p14">
       <p:transition spd="slow" p14:dur="2000"/>
     </mc:Choice>
     <mc:Fallback>
@@ -19007,7 +19007,7 @@
     </p:spTree>
     <p:extLst>
       <p:ext uri="{BB962C8B-B14F-4D97-AF65-F5344CB8AC3E}">
-        <p14:creationId xmlns="" xmlns:p14="http://schemas.microsoft.com/office/powerpoint/2010/main" val="1629831378"/>
+        <p14:creationId xmlns:p14="http://schemas.microsoft.com/office/powerpoint/2010/main" xmlns="" val="1629831378"/>
       </p:ext>
     </p:extLst>
   </p:cSld>
@@ -19015,7 +19015,7 @@
     <a:masterClrMapping/>
   </p:clrMapOvr>
   <mc:AlternateContent xmlns:mc="http://schemas.openxmlformats.org/markup-compatibility/2006">
-    <mc:Choice xmlns="" xmlns:p14="http://schemas.microsoft.com/office/powerpoint/2010/main" Requires="p14">
+    <mc:Choice xmlns:p14="http://schemas.microsoft.com/office/powerpoint/2010/main" xmlns="" Requires="p14">
       <p:transition spd="slow" p14:dur="2000"/>
     </mc:Choice>
     <mc:Fallback>
@@ -19061,7 +19061,7 @@
           <a:blip r:embed="rId2" cstate="print">
             <a:extLst>
               <a:ext uri="{28A0092B-C50C-407E-A947-70E740481C1C}">
-                <a14:useLocalDpi xmlns="" xmlns:a14="http://schemas.microsoft.com/office/drawing/2010/main" val="0"/>
+                <a14:useLocalDpi xmlns:a14="http://schemas.microsoft.com/office/drawing/2010/main" xmlns="" val="0"/>
               </a:ext>
             </a:extLst>
           </a:blip>
@@ -19081,7 +19081,7 @@
           <a:noFill/>
           <a:extLst>
             <a:ext uri="{909E8E84-426E-40dd-AFC4-6F175D3DCCD1}">
-              <a14:hiddenFill xmlns="" xmlns:a14="http://schemas.microsoft.com/office/drawing/2010/main">
+              <a14:hiddenFill xmlns:a14="http://schemas.microsoft.com/office/drawing/2010/main" xmlns="">
                 <a:solidFill>
                   <a:srgbClr val="FFFFFF"/>
                 </a:solidFill>
@@ -19164,7 +19164,7 @@
     </p:spTree>
     <p:extLst>
       <p:ext uri="{BB962C8B-B14F-4D97-AF65-F5344CB8AC3E}">
-        <p14:creationId xmlns="" xmlns:p14="http://schemas.microsoft.com/office/powerpoint/2010/main" val="2367797895"/>
+        <p14:creationId xmlns:p14="http://schemas.microsoft.com/office/powerpoint/2010/main" xmlns="" val="2367797895"/>
       </p:ext>
     </p:extLst>
   </p:cSld>
@@ -19172,7 +19172,7 @@
     <a:masterClrMapping/>
   </p:clrMapOvr>
   <mc:AlternateContent xmlns:mc="http://schemas.openxmlformats.org/markup-compatibility/2006">
-    <mc:Choice xmlns="" xmlns:p14="http://schemas.microsoft.com/office/powerpoint/2010/main" Requires="p14">
+    <mc:Choice xmlns:p14="http://schemas.microsoft.com/office/powerpoint/2010/main" xmlns="" Requires="p14">
       <p:transition spd="slow" p14:dur="2000"/>
     </mc:Choice>
     <mc:Fallback>
@@ -19552,7 +19552,7 @@
     </p:spTree>
     <p:extLst>
       <p:ext uri="{BB962C8B-B14F-4D97-AF65-F5344CB8AC3E}">
-        <p14:creationId xmlns="" xmlns:p14="http://schemas.microsoft.com/office/powerpoint/2010/main" val="2781102722"/>
+        <p14:creationId xmlns:p14="http://schemas.microsoft.com/office/powerpoint/2010/main" xmlns="" val="2781102722"/>
       </p:ext>
     </p:extLst>
   </p:cSld>
@@ -20165,7 +20165,7 @@
     </p:spTree>
     <p:extLst>
       <p:ext uri="{BB962C8B-B14F-4D97-AF65-F5344CB8AC3E}">
-        <p14:creationId xmlns="" xmlns:p14="http://schemas.microsoft.com/office/powerpoint/2010/main" val="3452883339"/>
+        <p14:creationId xmlns:p14="http://schemas.microsoft.com/office/powerpoint/2010/main" xmlns="" val="3452883339"/>
       </p:ext>
     </p:extLst>
   </p:cSld>
@@ -20173,7 +20173,7 @@
     <a:masterClrMapping/>
   </p:clrMapOvr>
   <mc:AlternateContent xmlns:mc="http://schemas.openxmlformats.org/markup-compatibility/2006">
-    <mc:Choice xmlns="" xmlns:p14="http://schemas.microsoft.com/office/powerpoint/2010/main" Requires="p14">
+    <mc:Choice xmlns:p14="http://schemas.microsoft.com/office/powerpoint/2010/main" xmlns="" Requires="p14">
       <p:transition spd="slow" p14:dur="2000"/>
     </mc:Choice>
     <mc:Fallback>
@@ -21085,7 +21085,7 @@
     </p:spTree>
     <p:extLst>
       <p:ext uri="{BB962C8B-B14F-4D97-AF65-F5344CB8AC3E}">
-        <p14:creationId xmlns="" xmlns:p14="http://schemas.microsoft.com/office/powerpoint/2010/main" val="1827848310"/>
+        <p14:creationId xmlns:p14="http://schemas.microsoft.com/office/powerpoint/2010/main" xmlns="" val="1827848310"/>
       </p:ext>
     </p:extLst>
   </p:cSld>
@@ -21093,7 +21093,7 @@
     <a:masterClrMapping/>
   </p:clrMapOvr>
   <mc:AlternateContent xmlns:mc="http://schemas.openxmlformats.org/markup-compatibility/2006">
-    <mc:Choice xmlns="" xmlns:p14="http://schemas.microsoft.com/office/powerpoint/2010/main" Requires="p14">
+    <mc:Choice xmlns:p14="http://schemas.microsoft.com/office/powerpoint/2010/main" xmlns="" Requires="p14">
       <p:transition spd="slow" p14:dur="2000"/>
     </mc:Choice>
     <mc:Fallback>
@@ -22054,7 +22054,7 @@
     </p:spTree>
     <p:extLst>
       <p:ext uri="{BB962C8B-B14F-4D97-AF65-F5344CB8AC3E}">
-        <p14:creationId xmlns="" xmlns:p14="http://schemas.microsoft.com/office/powerpoint/2010/main" val="2616731691"/>
+        <p14:creationId xmlns:p14="http://schemas.microsoft.com/office/powerpoint/2010/main" xmlns="" val="2616731691"/>
       </p:ext>
     </p:extLst>
   </p:cSld>
@@ -22062,7 +22062,7 @@
     <a:masterClrMapping/>
   </p:clrMapOvr>
   <mc:AlternateContent xmlns:mc="http://schemas.openxmlformats.org/markup-compatibility/2006">
-    <mc:Choice xmlns="" xmlns:p14="http://schemas.microsoft.com/office/powerpoint/2010/main" Requires="p14">
+    <mc:Choice xmlns:p14="http://schemas.microsoft.com/office/powerpoint/2010/main" xmlns="" Requires="p14">
       <p:transition spd="slow" p14:dur="2000"/>
     </mc:Choice>
     <mc:Fallback>
@@ -22121,6 +22121,50 @@
                                         <p:cTn id="7" dur="2000"/>
                                         <p:tgtEl>
                                           <p:spTgt spid="6"/>
+                                        </p:tgtEl>
+                                      </p:cBhvr>
+                                    </p:animEffect>
+                                  </p:childTnLst>
+                                </p:cTn>
+                              </p:par>
+                            </p:childTnLst>
+                          </p:cTn>
+                        </p:par>
+                        <p:par>
+                          <p:cTn id="8" fill="hold">
+                            <p:stCondLst>
+                              <p:cond delay="2000"/>
+                            </p:stCondLst>
+                            <p:childTnLst>
+                              <p:par>
+                                <p:cTn id="9" presetID="10" presetClass="entr" presetSubtype="0" fill="hold" nodeType="afterEffect">
+                                  <p:stCondLst>
+                                    <p:cond delay="0"/>
+                                  </p:stCondLst>
+                                  <p:childTnLst>
+                                    <p:set>
+                                      <p:cBhvr>
+                                        <p:cTn id="10" dur="1" fill="hold">
+                                          <p:stCondLst>
+                                            <p:cond delay="0"/>
+                                          </p:stCondLst>
+                                        </p:cTn>
+                                        <p:tgtEl>
+                                          <p:spTgt spid="1026"/>
+                                        </p:tgtEl>
+                                        <p:attrNameLst>
+                                          <p:attrName>style.visibility</p:attrName>
+                                        </p:attrNameLst>
+                                      </p:cBhvr>
+                                      <p:to>
+                                        <p:strVal val="visible"/>
+                                      </p:to>
+                                    </p:set>
+                                    <p:animEffect transition="in" filter="fade">
+                                      <p:cBhvr>
+                                        <p:cTn id="11" dur="2000"/>
+                                        <p:tgtEl>
+                                          <p:spTgt spid="1026"/>
                                         </p:tgtEl>
                                       </p:cBhvr>
                                     </p:animEffect>
@@ -22496,7 +22540,7 @@
     </p:spTree>
     <p:extLst>
       <p:ext uri="{BB962C8B-B14F-4D97-AF65-F5344CB8AC3E}">
-        <p14:creationId xmlns="" xmlns:p14="http://schemas.microsoft.com/office/powerpoint/2010/main" val="1358147143"/>
+        <p14:creationId xmlns:p14="http://schemas.microsoft.com/office/powerpoint/2010/main" xmlns="" val="1358147143"/>
       </p:ext>
     </p:extLst>
   </p:cSld>
@@ -22504,7 +22548,7 @@
     <a:masterClrMapping/>
   </p:clrMapOvr>
   <mc:AlternateContent xmlns:mc="http://schemas.openxmlformats.org/markup-compatibility/2006">
-    <mc:Choice xmlns="" xmlns:p14="http://schemas.microsoft.com/office/powerpoint/2010/main" Requires="p14">
+    <mc:Choice xmlns:p14="http://schemas.microsoft.com/office/powerpoint/2010/main" xmlns="" Requires="p14">
       <p:transition spd="slow" p14:dur="2000"/>
     </mc:Choice>
     <mc:Fallback>
@@ -22687,14 +22731,14 @@
       </p:sp>
       <p:pic>
         <p:nvPicPr>
-          <p:cNvPr id="4098" name="Picture 2" descr="C:\Users\Angelo\Downloads\omino-auto.jpg"/>
+          <p:cNvPr id="44034" name="Picture 2" descr="http://www.html.ve.it/images/omino_relax.jpg"/>
           <p:cNvPicPr>
             <a:picLocks noChangeAspect="1" noChangeArrowheads="1"/>
           </p:cNvPicPr>
           <p:nvPr/>
         </p:nvPicPr>
         <p:blipFill>
-          <a:blip r:embed="rId2" cstate="print"/>
+          <a:blip r:embed="rId2"/>
           <a:srcRect/>
           <a:stretch>
             <a:fillRect/>
@@ -22702,8 +22746,8 @@
         </p:blipFill>
         <p:spPr bwMode="auto">
           <a:xfrm>
-            <a:off x="4500372" y="3148385"/>
-            <a:ext cx="4464116" cy="3592983"/>
+            <a:off x="5500694" y="3143246"/>
+            <a:ext cx="2786082" cy="2786084"/>
           </a:xfrm>
           <a:prstGeom prst="rect">
             <a:avLst/>
@@ -22714,7 +22758,7 @@
     </p:spTree>
     <p:extLst>
       <p:ext uri="{BB962C8B-B14F-4D97-AF65-F5344CB8AC3E}">
-        <p14:creationId xmlns="" xmlns:p14="http://schemas.microsoft.com/office/powerpoint/2010/main" val="2912892320"/>
+        <p14:creationId xmlns:p14="http://schemas.microsoft.com/office/powerpoint/2010/main" xmlns="" val="2912892320"/>
       </p:ext>
     </p:extLst>
   </p:cSld>
@@ -22722,7 +22766,7 @@
     <a:masterClrMapping/>
   </p:clrMapOvr>
   <mc:AlternateContent xmlns:mc="http://schemas.openxmlformats.org/markup-compatibility/2006">
-    <mc:Choice xmlns="" xmlns:p14="http://schemas.microsoft.com/office/powerpoint/2010/main" Requires="p14">
+    <mc:Choice xmlns:p14="http://schemas.microsoft.com/office/powerpoint/2010/main" xmlns="" Requires="p14">
       <p:transition spd="slow" p14:dur="2000"/>
     </mc:Choice>
     <mc:Fallback>
@@ -22787,21 +22831,30 @@
                                   </p:childTnLst>
                                 </p:cTn>
                               </p:par>
+                            </p:childTnLst>
+                          </p:cTn>
+                        </p:par>
+                        <p:par>
+                          <p:cTn id="8" fill="hold">
+                            <p:stCondLst>
+                              <p:cond delay="2000"/>
+                            </p:stCondLst>
+                            <p:childTnLst>
                               <p:par>
-                                <p:cTn id="8" presetID="10" presetClass="entr" presetSubtype="0" fill="hold" nodeType="withEffect">
+                                <p:cTn id="9" presetID="10" presetClass="entr" presetSubtype="0" fill="hold" nodeType="afterEffect">
                                   <p:stCondLst>
                                     <p:cond delay="0"/>
                                   </p:stCondLst>
                                   <p:childTnLst>
                                     <p:set>
                                       <p:cBhvr>
-                                        <p:cTn id="9" dur="1" fill="hold">
+                                        <p:cTn id="10" dur="1" fill="hold">
                                           <p:stCondLst>
                                             <p:cond delay="0"/>
                                           </p:stCondLst>
                                         </p:cTn>
                                         <p:tgtEl>
-                                          <p:spTgt spid="4098"/>
+                                          <p:spTgt spid="44034"/>
                                         </p:tgtEl>
                                         <p:attrNameLst>
                                           <p:attrName>style.visibility</p:attrName>
@@ -22813,9 +22866,9 @@
                                     </p:set>
                                     <p:animEffect transition="in" filter="fade">
                                       <p:cBhvr>
-                                        <p:cTn id="10" dur="2000"/>
+                                        <p:cTn id="11" dur="1000"/>
                                         <p:tgtEl>
-                                          <p:spTgt spid="4098"/>
+                                          <p:spTgt spid="44034"/>
                                         </p:tgtEl>
                                       </p:cBhvr>
                                     </p:animEffect>
@@ -23193,7 +23246,7 @@
     </p:spTree>
     <p:extLst>
       <p:ext uri="{BB962C8B-B14F-4D97-AF65-F5344CB8AC3E}">
-        <p14:creationId xmlns="" xmlns:p14="http://schemas.microsoft.com/office/powerpoint/2010/main" val="462729233"/>
+        <p14:creationId xmlns:p14="http://schemas.microsoft.com/office/powerpoint/2010/main" xmlns="" val="462729233"/>
       </p:ext>
     </p:extLst>
   </p:cSld>
@@ -23201,7 +23254,7 @@
     <a:masterClrMapping/>
   </p:clrMapOvr>
   <mc:AlternateContent xmlns:mc="http://schemas.openxmlformats.org/markup-compatibility/2006">
-    <mc:Choice xmlns="" xmlns:p14="http://schemas.microsoft.com/office/powerpoint/2010/main" Requires="p14">
+    <mc:Choice xmlns:p14="http://schemas.microsoft.com/office/powerpoint/2010/main" xmlns="" Requires="p14">
       <p:transition spd="slow" p14:dur="2000"/>
     </mc:Choice>
     <mc:Fallback>
@@ -23858,7 +23911,7 @@
     </p:spTree>
     <p:extLst>
       <p:ext uri="{BB962C8B-B14F-4D97-AF65-F5344CB8AC3E}">
-        <p14:creationId xmlns="" xmlns:p14="http://schemas.microsoft.com/office/powerpoint/2010/main" val="1717101950"/>
+        <p14:creationId xmlns:p14="http://schemas.microsoft.com/office/powerpoint/2010/main" xmlns="" val="1717101950"/>
       </p:ext>
     </p:extLst>
   </p:cSld>
@@ -23866,7 +23919,7 @@
     <a:masterClrMapping/>
   </p:clrMapOvr>
   <mc:AlternateContent xmlns:mc="http://schemas.openxmlformats.org/markup-compatibility/2006">
-    <mc:Choice xmlns="" xmlns:p14="http://schemas.microsoft.com/office/powerpoint/2010/main" Requires="p14">
+    <mc:Choice xmlns:p14="http://schemas.microsoft.com/office/powerpoint/2010/main" xmlns="" Requires="p14">
       <p:transition spd="slow" p14:dur="2000"/>
     </mc:Choice>
     <mc:Fallback>
@@ -24287,7 +24340,7 @@
     </p:spTree>
     <p:extLst>
       <p:ext uri="{BB962C8B-B14F-4D97-AF65-F5344CB8AC3E}">
-        <p14:creationId xmlns="" xmlns:p14="http://schemas.microsoft.com/office/powerpoint/2010/main" val="309719199"/>
+        <p14:creationId xmlns:p14="http://schemas.microsoft.com/office/powerpoint/2010/main" xmlns="" val="309719199"/>
       </p:ext>
     </p:extLst>
   </p:cSld>
@@ -24295,7 +24348,7 @@
     <a:masterClrMapping/>
   </p:clrMapOvr>
   <mc:AlternateContent xmlns:mc="http://schemas.openxmlformats.org/markup-compatibility/2006">
-    <mc:Choice xmlns="" xmlns:p14="http://schemas.microsoft.com/office/powerpoint/2010/main" Requires="p14">
+    <mc:Choice xmlns:p14="http://schemas.microsoft.com/office/powerpoint/2010/main" xmlns="" Requires="p14">
       <p:transition spd="slow" p14:dur="2000"/>
     </mc:Choice>
     <mc:Fallback>
@@ -24829,7 +24882,7 @@
     </p:spTree>
     <p:extLst>
       <p:ext uri="{BB962C8B-B14F-4D97-AF65-F5344CB8AC3E}">
-        <p14:creationId xmlns="" xmlns:p14="http://schemas.microsoft.com/office/powerpoint/2010/main" val="955904447"/>
+        <p14:creationId xmlns:p14="http://schemas.microsoft.com/office/powerpoint/2010/main" xmlns="" val="955904447"/>
       </p:ext>
     </p:extLst>
   </p:cSld>
@@ -24837,7 +24890,7 @@
     <a:masterClrMapping/>
   </p:clrMapOvr>
   <mc:AlternateContent xmlns:mc="http://schemas.openxmlformats.org/markup-compatibility/2006">
-    <mc:Choice xmlns="" xmlns:p14="http://schemas.microsoft.com/office/powerpoint/2010/main" Requires="p14">
+    <mc:Choice xmlns:p14="http://schemas.microsoft.com/office/powerpoint/2010/main" xmlns="" Requires="p14">
       <p:transition spd="slow" p14:dur="2000"/>
     </mc:Choice>
     <mc:Fallback>
@@ -25351,7 +25404,7 @@
     </p:spTree>
     <p:extLst>
       <p:ext uri="{BB962C8B-B14F-4D97-AF65-F5344CB8AC3E}">
-        <p14:creationId xmlns="" xmlns:p14="http://schemas.microsoft.com/office/powerpoint/2010/main" val="1140837011"/>
+        <p14:creationId xmlns:p14="http://schemas.microsoft.com/office/powerpoint/2010/main" xmlns="" val="1140837011"/>
       </p:ext>
     </p:extLst>
   </p:cSld>
@@ -25359,7 +25412,7 @@
     <a:masterClrMapping/>
   </p:clrMapOvr>
   <mc:AlternateContent xmlns:mc="http://schemas.openxmlformats.org/markup-compatibility/2006">
-    <mc:Choice xmlns="" xmlns:p14="http://schemas.microsoft.com/office/powerpoint/2010/main" Requires="p14">
+    <mc:Choice xmlns:p14="http://schemas.microsoft.com/office/powerpoint/2010/main" xmlns="" Requires="p14">
       <p:transition spd="slow" p14:dur="2000"/>
     </mc:Choice>
     <mc:Fallback>
@@ -25978,7 +26031,7 @@
     </p:spTree>
     <p:extLst>
       <p:ext uri="{BB962C8B-B14F-4D97-AF65-F5344CB8AC3E}">
-        <p14:creationId xmlns="" xmlns:p14="http://schemas.microsoft.com/office/powerpoint/2010/main" val="247747513"/>
+        <p14:creationId xmlns:p14="http://schemas.microsoft.com/office/powerpoint/2010/main" xmlns="" val="247747513"/>
       </p:ext>
     </p:extLst>
   </p:cSld>
@@ -25986,7 +26039,7 @@
     <a:masterClrMapping/>
   </p:clrMapOvr>
   <mc:AlternateContent xmlns:mc="http://schemas.openxmlformats.org/markup-compatibility/2006">
-    <mc:Choice xmlns="" xmlns:p14="http://schemas.microsoft.com/office/powerpoint/2010/main" Requires="p14">
+    <mc:Choice xmlns:p14="http://schemas.microsoft.com/office/powerpoint/2010/main" xmlns="" Requires="p14">
       <p:transition spd="slow" p14:dur="2000"/>
     </mc:Choice>
     <mc:Fallback>
@@ -26676,7 +26729,7 @@
     </p:spTree>
     <p:extLst>
       <p:ext uri="{BB962C8B-B14F-4D97-AF65-F5344CB8AC3E}">
-        <p14:creationId xmlns="" xmlns:p14="http://schemas.microsoft.com/office/powerpoint/2010/main" val="1776831606"/>
+        <p14:creationId xmlns:p14="http://schemas.microsoft.com/office/powerpoint/2010/main" xmlns="" val="1776831606"/>
       </p:ext>
     </p:extLst>
   </p:cSld>
@@ -26684,7 +26737,7 @@
     <a:masterClrMapping/>
   </p:clrMapOvr>
   <mc:AlternateContent xmlns:mc="http://schemas.openxmlformats.org/markup-compatibility/2006">
-    <mc:Choice xmlns="" xmlns:p14="http://schemas.microsoft.com/office/powerpoint/2010/main" Requires="p14">
+    <mc:Choice xmlns:p14="http://schemas.microsoft.com/office/powerpoint/2010/main" xmlns="" Requires="p14">
       <p:transition spd="slow" p14:dur="2000"/>
     </mc:Choice>
     <mc:Fallback>
@@ -27034,7 +27087,7 @@
           <a:blip r:embed="rId2" cstate="print">
             <a:extLst>
               <a:ext uri="{28A0092B-C50C-407E-A947-70E740481C1C}">
-                <a14:useLocalDpi xmlns="" xmlns:a14="http://schemas.microsoft.com/office/drawing/2010/main" val="0"/>
+                <a14:useLocalDpi xmlns:a14="http://schemas.microsoft.com/office/drawing/2010/main" xmlns="" val="0"/>
               </a:ext>
             </a:extLst>
           </a:blip>
@@ -27054,7 +27107,7 @@
           <a:noFill/>
           <a:extLst>
             <a:ext uri="{909E8E84-426E-40dd-AFC4-6F175D3DCCD1}">
-              <a14:hiddenFill xmlns="" xmlns:a14="http://schemas.microsoft.com/office/drawing/2010/main">
+              <a14:hiddenFill xmlns:a14="http://schemas.microsoft.com/office/drawing/2010/main" xmlns="">
                 <a:solidFill>
                   <a:srgbClr val="FFFFFF"/>
                 </a:solidFill>
@@ -27137,7 +27190,7 @@
     </p:spTree>
     <p:extLst>
       <p:ext uri="{BB962C8B-B14F-4D97-AF65-F5344CB8AC3E}">
-        <p14:creationId xmlns="" xmlns:p14="http://schemas.microsoft.com/office/powerpoint/2010/main" val="2717568001"/>
+        <p14:creationId xmlns:p14="http://schemas.microsoft.com/office/powerpoint/2010/main" xmlns="" val="2717568001"/>
       </p:ext>
     </p:extLst>
   </p:cSld>
@@ -27145,7 +27198,7 @@
     <a:masterClrMapping/>
   </p:clrMapOvr>
   <mc:AlternateContent xmlns:mc="http://schemas.openxmlformats.org/markup-compatibility/2006">
-    <mc:Choice xmlns="" xmlns:p14="http://schemas.microsoft.com/office/powerpoint/2010/main" Requires="p14">
+    <mc:Choice xmlns:p14="http://schemas.microsoft.com/office/powerpoint/2010/main" xmlns="" Requires="p14">
       <p:transition spd="slow" p14:dur="2000"/>
     </mc:Choice>
     <mc:Fallback>
@@ -27440,7 +27493,7 @@
     </p:spTree>
     <p:extLst>
       <p:ext uri="{BB962C8B-B14F-4D97-AF65-F5344CB8AC3E}">
-        <p14:creationId xmlns="" xmlns:p14="http://schemas.microsoft.com/office/powerpoint/2010/main" val="3266999169"/>
+        <p14:creationId xmlns:p14="http://schemas.microsoft.com/office/powerpoint/2010/main" xmlns="" val="3266999169"/>
       </p:ext>
     </p:extLst>
   </p:cSld>
@@ -27448,7 +27501,7 @@
     <a:masterClrMapping/>
   </p:clrMapOvr>
   <mc:AlternateContent xmlns:mc="http://schemas.openxmlformats.org/markup-compatibility/2006">
-    <mc:Choice xmlns="" xmlns:p14="http://schemas.microsoft.com/office/powerpoint/2010/main" Requires="p14">
+    <mc:Choice xmlns:p14="http://schemas.microsoft.com/office/powerpoint/2010/main" xmlns="" Requires="p14">
       <p:transition spd="slow" p14:dur="2000"/>
     </mc:Choice>
     <mc:Fallback>
@@ -27799,7 +27852,7 @@
     </p:spTree>
     <p:extLst>
       <p:ext uri="{BB962C8B-B14F-4D97-AF65-F5344CB8AC3E}">
-        <p14:creationId xmlns="" xmlns:p14="http://schemas.microsoft.com/office/powerpoint/2010/main" val="396334508"/>
+        <p14:creationId xmlns:p14="http://schemas.microsoft.com/office/powerpoint/2010/main" xmlns="" val="396334508"/>
       </p:ext>
     </p:extLst>
   </p:cSld>
@@ -27807,7 +27860,7 @@
     <a:masterClrMapping/>
   </p:clrMapOvr>
   <mc:AlternateContent xmlns:mc="http://schemas.openxmlformats.org/markup-compatibility/2006">
-    <mc:Choice xmlns="" xmlns:p14="http://schemas.microsoft.com/office/powerpoint/2010/main" Requires="p14">
+    <mc:Choice xmlns:p14="http://schemas.microsoft.com/office/powerpoint/2010/main" xmlns="" Requires="p14">
       <p:transition spd="slow" p14:dur="2000"/>
     </mc:Choice>
     <mc:Fallback>
@@ -28152,7 +28205,7 @@
     </p:spTree>
     <p:extLst>
       <p:ext uri="{BB962C8B-B14F-4D97-AF65-F5344CB8AC3E}">
-        <p14:creationId xmlns="" xmlns:p14="http://schemas.microsoft.com/office/powerpoint/2010/main" val="1737882227"/>
+        <p14:creationId xmlns:p14="http://schemas.microsoft.com/office/powerpoint/2010/main" xmlns="" val="1737882227"/>
       </p:ext>
     </p:extLst>
   </p:cSld>
@@ -28160,7 +28213,7 @@
     <a:masterClrMapping/>
   </p:clrMapOvr>
   <mc:AlternateContent xmlns:mc="http://schemas.openxmlformats.org/markup-compatibility/2006">
-    <mc:Choice xmlns="" xmlns:p14="http://schemas.microsoft.com/office/powerpoint/2010/main" Requires="p14">
+    <mc:Choice xmlns:p14="http://schemas.microsoft.com/office/powerpoint/2010/main" xmlns="" Requires="p14">
       <p:transition spd="slow" p14:dur="2000"/>
     </mc:Choice>
     <mc:Fallback>
@@ -28518,7 +28571,7 @@
     </p:spTree>
     <p:extLst>
       <p:ext uri="{BB962C8B-B14F-4D97-AF65-F5344CB8AC3E}">
-        <p14:creationId xmlns="" xmlns:p14="http://schemas.microsoft.com/office/powerpoint/2010/main" val="3034068148"/>
+        <p14:creationId xmlns:p14="http://schemas.microsoft.com/office/powerpoint/2010/main" xmlns="" val="3034068148"/>
       </p:ext>
     </p:extLst>
   </p:cSld>
@@ -28526,7 +28579,7 @@
     <a:masterClrMapping/>
   </p:clrMapOvr>
   <mc:AlternateContent xmlns:mc="http://schemas.openxmlformats.org/markup-compatibility/2006">
-    <mc:Choice xmlns="" xmlns:p14="http://schemas.microsoft.com/office/powerpoint/2010/main" Requires="p14">
+    <mc:Choice xmlns:p14="http://schemas.microsoft.com/office/powerpoint/2010/main" xmlns="" Requires="p14">
       <p:transition spd="slow" p14:dur="2000"/>
     </mc:Choice>
     <mc:Fallback>
@@ -28856,7 +28909,7 @@
     </p:spTree>
     <p:extLst>
       <p:ext uri="{BB962C8B-B14F-4D97-AF65-F5344CB8AC3E}">
-        <p14:creationId xmlns="" xmlns:p14="http://schemas.microsoft.com/office/powerpoint/2010/main" val="3646886653"/>
+        <p14:creationId xmlns:p14="http://schemas.microsoft.com/office/powerpoint/2010/main" xmlns="" val="3646886653"/>
       </p:ext>
     </p:extLst>
   </p:cSld>
@@ -28864,7 +28917,7 @@
     <a:masterClrMapping/>
   </p:clrMapOvr>
   <mc:AlternateContent xmlns:mc="http://schemas.openxmlformats.org/markup-compatibility/2006">
-    <mc:Choice xmlns="" xmlns:p14="http://schemas.microsoft.com/office/powerpoint/2010/main" Requires="p14">
+    <mc:Choice xmlns:p14="http://schemas.microsoft.com/office/powerpoint/2010/main" xmlns="" Requires="p14">
       <p:transition spd="slow" p14:dur="2000"/>
     </mc:Choice>
     <mc:Fallback>
@@ -29239,7 +29292,7 @@
     </p:spTree>
     <p:extLst>
       <p:ext uri="{BB962C8B-B14F-4D97-AF65-F5344CB8AC3E}">
-        <p14:creationId xmlns="" xmlns:p14="http://schemas.microsoft.com/office/powerpoint/2010/main" val="520298717"/>
+        <p14:creationId xmlns:p14="http://schemas.microsoft.com/office/powerpoint/2010/main" xmlns="" val="520298717"/>
       </p:ext>
     </p:extLst>
   </p:cSld>
@@ -29247,7 +29300,7 @@
     <a:masterClrMapping/>
   </p:clrMapOvr>
   <mc:AlternateContent xmlns:mc="http://schemas.openxmlformats.org/markup-compatibility/2006">
-    <mc:Choice xmlns="" xmlns:p14="http://schemas.microsoft.com/office/powerpoint/2010/main" Requires="p14">
+    <mc:Choice xmlns:p14="http://schemas.microsoft.com/office/powerpoint/2010/main" xmlns="" Requires="p14">
       <p:transition spd="slow" p14:dur="2000"/>
     </mc:Choice>
     <mc:Fallback>
@@ -29549,7 +29602,7 @@
     </p:spTree>
     <p:extLst>
       <p:ext uri="{BB962C8B-B14F-4D97-AF65-F5344CB8AC3E}">
-        <p14:creationId xmlns="" xmlns:p14="http://schemas.microsoft.com/office/powerpoint/2010/main" val="2203748189"/>
+        <p14:creationId xmlns:p14="http://schemas.microsoft.com/office/powerpoint/2010/main" xmlns="" val="2203748189"/>
       </p:ext>
     </p:extLst>
   </p:cSld>
@@ -29557,7 +29610,7 @@
     <a:masterClrMapping/>
   </p:clrMapOvr>
   <mc:AlternateContent xmlns:mc="http://schemas.openxmlformats.org/markup-compatibility/2006">
-    <mc:Choice xmlns="" xmlns:p14="http://schemas.microsoft.com/office/powerpoint/2010/main" Requires="p14">
+    <mc:Choice xmlns:p14="http://schemas.microsoft.com/office/powerpoint/2010/main" xmlns="" Requires="p14">
       <p:transition spd="slow" p14:dur="2000"/>
     </mc:Choice>
     <mc:Fallback>
@@ -29880,7 +29933,7 @@
     </p:spTree>
     <p:extLst>
       <p:ext uri="{BB962C8B-B14F-4D97-AF65-F5344CB8AC3E}">
-        <p14:creationId xmlns="" xmlns:p14="http://schemas.microsoft.com/office/powerpoint/2010/main" val="1130254901"/>
+        <p14:creationId xmlns:p14="http://schemas.microsoft.com/office/powerpoint/2010/main" xmlns="" val="1130254901"/>
       </p:ext>
     </p:extLst>
   </p:cSld>
@@ -29888,7 +29941,7 @@
     <a:masterClrMapping/>
   </p:clrMapOvr>
   <mc:AlternateContent xmlns:mc="http://schemas.openxmlformats.org/markup-compatibility/2006">
-    <mc:Choice xmlns="" xmlns:p14="http://schemas.microsoft.com/office/powerpoint/2010/main" Requires="p14">
+    <mc:Choice xmlns:p14="http://schemas.microsoft.com/office/powerpoint/2010/main" xmlns="" Requires="p14">
       <p:transition spd="slow" p14:dur="2000"/>
     </mc:Choice>
     <mc:Fallback>
@@ -30226,7 +30279,7 @@
     </p:spTree>
     <p:extLst>
       <p:ext uri="{BB962C8B-B14F-4D97-AF65-F5344CB8AC3E}">
-        <p14:creationId xmlns="" xmlns:p14="http://schemas.microsoft.com/office/powerpoint/2010/main" val="3734576715"/>
+        <p14:creationId xmlns:p14="http://schemas.microsoft.com/office/powerpoint/2010/main" xmlns="" val="3734576715"/>
       </p:ext>
     </p:extLst>
   </p:cSld>
@@ -30234,7 +30287,7 @@
     <a:masterClrMapping/>
   </p:clrMapOvr>
   <mc:AlternateContent xmlns:mc="http://schemas.openxmlformats.org/markup-compatibility/2006">
-    <mc:Choice xmlns="" xmlns:p14="http://schemas.microsoft.com/office/powerpoint/2010/main" Requires="p14">
+    <mc:Choice xmlns:p14="http://schemas.microsoft.com/office/powerpoint/2010/main" xmlns="" Requires="p14">
       <p:transition spd="slow" p14:dur="2000"/>
     </mc:Choice>
     <mc:Fallback>
@@ -30539,7 +30592,7 @@
     </p:spTree>
     <p:extLst>
       <p:ext uri="{BB962C8B-B14F-4D97-AF65-F5344CB8AC3E}">
-        <p14:creationId xmlns="" xmlns:p14="http://schemas.microsoft.com/office/powerpoint/2010/main" val="2632131054"/>
+        <p14:creationId xmlns:p14="http://schemas.microsoft.com/office/powerpoint/2010/main" xmlns="" val="2632131054"/>
       </p:ext>
     </p:extLst>
   </p:cSld>
@@ -30547,7 +30600,7 @@
     <a:masterClrMapping/>
   </p:clrMapOvr>
   <mc:AlternateContent xmlns:mc="http://schemas.openxmlformats.org/markup-compatibility/2006">
-    <mc:Choice xmlns="" xmlns:p14="http://schemas.microsoft.com/office/powerpoint/2010/main" Requires="p14">
+    <mc:Choice xmlns:p14="http://schemas.microsoft.com/office/powerpoint/2010/main" xmlns="" Requires="p14">
       <p:transition spd="slow" p14:dur="2000"/>
     </mc:Choice>
     <mc:Fallback>
@@ -30868,7 +30921,7 @@
     </p:spTree>
     <p:extLst>
       <p:ext uri="{BB962C8B-B14F-4D97-AF65-F5344CB8AC3E}">
-        <p14:creationId xmlns="" xmlns:p14="http://schemas.microsoft.com/office/powerpoint/2010/main" val="2983282113"/>
+        <p14:creationId xmlns:p14="http://schemas.microsoft.com/office/powerpoint/2010/main" xmlns="" val="2983282113"/>
       </p:ext>
     </p:extLst>
   </p:cSld>
@@ -30876,7 +30929,7 @@
     <a:masterClrMapping/>
   </p:clrMapOvr>
   <mc:AlternateContent xmlns:mc="http://schemas.openxmlformats.org/markup-compatibility/2006">
-    <mc:Choice xmlns="" xmlns:p14="http://schemas.microsoft.com/office/powerpoint/2010/main" Requires="p14">
+    <mc:Choice xmlns:p14="http://schemas.microsoft.com/office/powerpoint/2010/main" xmlns="" Requires="p14">
       <p:transition spd="slow" p14:dur="2000"/>
     </mc:Choice>
     <mc:Fallback>
@@ -31243,7 +31296,7 @@
     </p:spTree>
     <p:extLst>
       <p:ext uri="{BB962C8B-B14F-4D97-AF65-F5344CB8AC3E}">
-        <p14:creationId xmlns="" xmlns:p14="http://schemas.microsoft.com/office/powerpoint/2010/main" val="4266361740"/>
+        <p14:creationId xmlns:p14="http://schemas.microsoft.com/office/powerpoint/2010/main" xmlns="" val="4266361740"/>
       </p:ext>
     </p:extLst>
   </p:cSld>
@@ -31251,7 +31304,7 @@
     <a:masterClrMapping/>
   </p:clrMapOvr>
   <mc:AlternateContent xmlns:mc="http://schemas.openxmlformats.org/markup-compatibility/2006">
-    <mc:Choice xmlns="" xmlns:p14="http://schemas.microsoft.com/office/powerpoint/2010/main" Requires="p14">
+    <mc:Choice xmlns:p14="http://schemas.microsoft.com/office/powerpoint/2010/main" xmlns="" Requires="p14">
       <p:transition spd="slow" p14:dur="2000"/>
     </mc:Choice>
     <mc:Fallback>
@@ -31601,7 +31654,7 @@
     </p:spTree>
     <p:extLst>
       <p:ext uri="{BB962C8B-B14F-4D97-AF65-F5344CB8AC3E}">
-        <p14:creationId xmlns="" xmlns:p14="http://schemas.microsoft.com/office/powerpoint/2010/main" val="3678400164"/>
+        <p14:creationId xmlns:p14="http://schemas.microsoft.com/office/powerpoint/2010/main" xmlns="" val="3678400164"/>
       </p:ext>
     </p:extLst>
   </p:cSld>
@@ -31609,7 +31662,7 @@
     <a:masterClrMapping/>
   </p:clrMapOvr>
   <mc:AlternateContent xmlns:mc="http://schemas.openxmlformats.org/markup-compatibility/2006">
-    <mc:Choice xmlns="" xmlns:p14="http://schemas.microsoft.com/office/powerpoint/2010/main" Requires="p14">
+    <mc:Choice xmlns:p14="http://schemas.microsoft.com/office/powerpoint/2010/main" xmlns="" Requires="p14">
       <p:transition spd="slow" p14:dur="2000"/>
     </mc:Choice>
     <mc:Fallback>
@@ -31939,7 +31992,7 @@
     </p:spTree>
     <p:extLst>
       <p:ext uri="{BB962C8B-B14F-4D97-AF65-F5344CB8AC3E}">
-        <p14:creationId xmlns="" xmlns:p14="http://schemas.microsoft.com/office/powerpoint/2010/main" val="3326293041"/>
+        <p14:creationId xmlns:p14="http://schemas.microsoft.com/office/powerpoint/2010/main" xmlns="" val="3326293041"/>
       </p:ext>
     </p:extLst>
   </p:cSld>
@@ -31947,7 +32000,7 @@
     <a:masterClrMapping/>
   </p:clrMapOvr>
   <mc:AlternateContent xmlns:mc="http://schemas.openxmlformats.org/markup-compatibility/2006">
-    <mc:Choice xmlns="" xmlns:p14="http://schemas.microsoft.com/office/powerpoint/2010/main" Requires="p14">
+    <mc:Choice xmlns:p14="http://schemas.microsoft.com/office/powerpoint/2010/main" xmlns="" Requires="p14">
       <p:transition spd="slow" p14:dur="2000"/>
     </mc:Choice>
     <mc:Fallback>
@@ -32285,7 +32338,7 @@
     </p:spTree>
     <p:extLst>
       <p:ext uri="{BB962C8B-B14F-4D97-AF65-F5344CB8AC3E}">
-        <p14:creationId xmlns="" xmlns:p14="http://schemas.microsoft.com/office/powerpoint/2010/main" val="3052723909"/>
+        <p14:creationId xmlns:p14="http://schemas.microsoft.com/office/powerpoint/2010/main" xmlns="" val="3052723909"/>
       </p:ext>
     </p:extLst>
   </p:cSld>
@@ -32293,7 +32346,7 @@
     <a:masterClrMapping/>
   </p:clrMapOvr>
   <mc:AlternateContent xmlns:mc="http://schemas.openxmlformats.org/markup-compatibility/2006">
-    <mc:Choice xmlns="" xmlns:p14="http://schemas.microsoft.com/office/powerpoint/2010/main" Requires="p14">
+    <mc:Choice xmlns:p14="http://schemas.microsoft.com/office/powerpoint/2010/main" xmlns="" Requires="p14">
       <p:transition spd="slow" p14:dur="2000"/>
     </mc:Choice>
     <mc:Fallback>
@@ -32421,7 +32474,7 @@
     </p:spTree>
     <p:extLst>
       <p:ext uri="{BB962C8B-B14F-4D97-AF65-F5344CB8AC3E}">
-        <p14:creationId xmlns="" xmlns:p14="http://schemas.microsoft.com/office/powerpoint/2010/main" val="1576574823"/>
+        <p14:creationId xmlns:p14="http://schemas.microsoft.com/office/powerpoint/2010/main" xmlns="" val="1576574823"/>
       </p:ext>
     </p:extLst>
   </p:cSld>
@@ -32429,7 +32482,7 @@
     <a:masterClrMapping/>
   </p:clrMapOvr>
   <mc:AlternateContent xmlns:mc="http://schemas.openxmlformats.org/markup-compatibility/2006">
-    <mc:Choice xmlns="" xmlns:p14="http://schemas.microsoft.com/office/powerpoint/2010/main" Requires="p14">
+    <mc:Choice xmlns:p14="http://schemas.microsoft.com/office/powerpoint/2010/main" xmlns="" Requires="p14">
       <p:transition spd="slow" p14:dur="2000"/>
     </mc:Choice>
     <mc:Fallback>
@@ -32719,7 +32772,7 @@
     </p:spTree>
     <p:extLst>
       <p:ext uri="{BB962C8B-B14F-4D97-AF65-F5344CB8AC3E}">
-        <p14:creationId xmlns="" xmlns:p14="http://schemas.microsoft.com/office/powerpoint/2010/main" val="3303920882"/>
+        <p14:creationId xmlns:p14="http://schemas.microsoft.com/office/powerpoint/2010/main" xmlns="" val="3303920882"/>
       </p:ext>
     </p:extLst>
   </p:cSld>
@@ -32727,7 +32780,7 @@
     <a:masterClrMapping/>
   </p:clrMapOvr>
   <mc:AlternateContent xmlns:mc="http://schemas.openxmlformats.org/markup-compatibility/2006">
-    <mc:Choice xmlns="" xmlns:p14="http://schemas.microsoft.com/office/powerpoint/2010/main" Requires="p14">
+    <mc:Choice xmlns:p14="http://schemas.microsoft.com/office/powerpoint/2010/main" xmlns="" Requires="p14">
       <p:transition spd="slow" p14:dur="2000"/>
     </mc:Choice>
     <mc:Fallback>
@@ -34937,7 +34990,7 @@
     </p:spTree>
     <p:extLst>
       <p:ext uri="{BB962C8B-B14F-4D97-AF65-F5344CB8AC3E}">
-        <p14:creationId xmlns="" xmlns:p14="http://schemas.microsoft.com/office/powerpoint/2010/main" val="2978215168"/>
+        <p14:creationId xmlns:p14="http://schemas.microsoft.com/office/powerpoint/2010/main" xmlns="" val="2978215168"/>
       </p:ext>
     </p:extLst>
   </p:cSld>
@@ -34945,7 +34998,7 @@
     <a:masterClrMapping/>
   </p:clrMapOvr>
   <mc:AlternateContent xmlns:mc="http://schemas.openxmlformats.org/markup-compatibility/2006">
-    <mc:Choice xmlns="" xmlns:p14="http://schemas.microsoft.com/office/powerpoint/2010/main" Requires="p14">
+    <mc:Choice xmlns:p14="http://schemas.microsoft.com/office/powerpoint/2010/main" xmlns="" Requires="p14">
       <p:transition spd="slow" p14:dur="2000"/>
     </mc:Choice>
     <mc:Fallback>
@@ -37053,7 +37106,7 @@
           <a:blip r:embed="rId2" cstate="print">
             <a:extLst>
               <a:ext uri="{28A0092B-C50C-407E-A947-70E740481C1C}">
-                <a14:useLocalDpi xmlns="" xmlns:a14="http://schemas.microsoft.com/office/drawing/2010/main" val="0"/>
+                <a14:useLocalDpi xmlns:a14="http://schemas.microsoft.com/office/drawing/2010/main" xmlns="" val="0"/>
               </a:ext>
             </a:extLst>
           </a:blip>
@@ -37073,7 +37126,7 @@
           <a:noFill/>
           <a:extLst>
             <a:ext uri="{909E8E84-426E-40dd-AFC4-6F175D3DCCD1}">
-              <a14:hiddenFill xmlns="" xmlns:a14="http://schemas.microsoft.com/office/drawing/2010/main">
+              <a14:hiddenFill xmlns:a14="http://schemas.microsoft.com/office/drawing/2010/main" xmlns="">
                 <a:solidFill>
                   <a:srgbClr val="FFFFFF"/>
                 </a:solidFill>
@@ -37156,7 +37209,7 @@
     </p:spTree>
     <p:extLst>
       <p:ext uri="{BB962C8B-B14F-4D97-AF65-F5344CB8AC3E}">
-        <p14:creationId xmlns="" xmlns:p14="http://schemas.microsoft.com/office/powerpoint/2010/main" val="2252746867"/>
+        <p14:creationId xmlns:p14="http://schemas.microsoft.com/office/powerpoint/2010/main" xmlns="" val="2252746867"/>
       </p:ext>
     </p:extLst>
   </p:cSld>
@@ -37164,7 +37217,7 @@
     <a:masterClrMapping/>
   </p:clrMapOvr>
   <mc:AlternateContent xmlns:mc="http://schemas.openxmlformats.org/markup-compatibility/2006">
-    <mc:Choice xmlns="" xmlns:p14="http://schemas.microsoft.com/office/powerpoint/2010/main" Requires="p14">
+    <mc:Choice xmlns:p14="http://schemas.microsoft.com/office/powerpoint/2010/main" xmlns="" Requires="p14">
       <p:transition spd="slow" p14:dur="2000"/>
     </mc:Choice>
     <mc:Fallback>
@@ -37531,7 +37584,7 @@
     </p:spTree>
     <p:extLst>
       <p:ext uri="{BB962C8B-B14F-4D97-AF65-F5344CB8AC3E}">
-        <p14:creationId xmlns="" xmlns:p14="http://schemas.microsoft.com/office/powerpoint/2010/main" val="3564990699"/>
+        <p14:creationId xmlns:p14="http://schemas.microsoft.com/office/powerpoint/2010/main" xmlns="" val="3564990699"/>
       </p:ext>
     </p:extLst>
   </p:cSld>
@@ -37539,7 +37592,7 @@
     <a:masterClrMapping/>
   </p:clrMapOvr>
   <mc:AlternateContent xmlns:mc="http://schemas.openxmlformats.org/markup-compatibility/2006">
-    <mc:Choice xmlns="" xmlns:p14="http://schemas.microsoft.com/office/powerpoint/2010/main" Requires="p14">
+    <mc:Choice xmlns:p14="http://schemas.microsoft.com/office/powerpoint/2010/main" xmlns="" Requires="p14">
       <p:transition spd="slow" p14:dur="2000"/>
     </mc:Choice>
     <mc:Fallback>

--- a/Presentazione/Atsilo1/[BOZZA] Atsilo_A_PresentazioneFinale copia.pptx
+++ b/Presentazione/Atsilo1/[BOZZA] Atsilo_A_PresentazioneFinale copia.pptx
@@ -298,7 +298,7 @@
             <a:fld id="{38D78F4D-402C-46E0-A4BB-DF91EA86B14C}" type="datetimeFigureOut">
               <a:rPr lang="it-IT" smtClean="0"/>
               <a:pPr/>
-              <a:t>06/01/2013</a:t>
+              <a:t>06/01/13</a:t>
             </a:fld>
             <a:endParaRPr lang="it-IT"/>
           </a:p>
@@ -458,7 +458,7 @@
             <a:fld id="{D70604CA-7593-4640-8FA1-5523937B8510}" type="slidenum">
               <a:rPr lang="it-IT" smtClean="0"/>
               <a:pPr/>
-              <a:t>‹N›</a:t>
+              <a:t>‹n.›</a:t>
             </a:fld>
             <a:endParaRPr lang="it-IT"/>
           </a:p>
@@ -467,7 +467,7 @@
     </p:spTree>
     <p:extLst>
       <p:ext uri="{BB962C8B-B14F-4D97-AF65-F5344CB8AC3E}">
-        <p14:creationId xmlns:p14="http://schemas.microsoft.com/office/powerpoint/2010/main" xmlns="" val="2126419590"/>
+        <p14:creationId xmlns:p14="http://schemas.microsoft.com/office/powerpoint/2010/main" val="2126419590"/>
       </p:ext>
     </p:extLst>
   </p:cSld>
@@ -2568,7 +2568,7 @@
             <a:fld id="{63CABBC0-75E4-43BB-A6A6-84C2A96BDB82}" type="datetimeFigureOut">
               <a:rPr lang="it-IT" smtClean="0"/>
               <a:pPr/>
-              <a:t>06/01/2013</a:t>
+              <a:t>06/01/13</a:t>
             </a:fld>
             <a:endParaRPr lang="it-IT"/>
           </a:p>
@@ -2611,7 +2611,7 @@
             <a:fld id="{F89AEA99-3E91-4C58-9AD4-045DB5619AC3}" type="slidenum">
               <a:rPr lang="it-IT" smtClean="0"/>
               <a:pPr/>
-              <a:t>‹N›</a:t>
+              <a:t>‹n.›</a:t>
             </a:fld>
             <a:endParaRPr lang="it-IT"/>
           </a:p>
@@ -2625,7 +2625,7 @@
   <p:timing>
     <p:tnLst>
       <p:par>
-        <p:cTn id="1" dur="indefinite" restart="never" nodeType="tmRoot"/>
+        <p:cTn xmlns:p14="http://schemas.microsoft.com/office/powerpoint/2010/main" id="1" dur="indefinite" restart="never" nodeType="tmRoot"/>
       </p:par>
     </p:tnLst>
   </p:timing>
@@ -2750,7 +2750,7 @@
             <a:fld id="{63CABBC0-75E4-43BB-A6A6-84C2A96BDB82}" type="datetimeFigureOut">
               <a:rPr lang="it-IT" smtClean="0"/>
               <a:pPr/>
-              <a:t>06/01/2013</a:t>
+              <a:t>06/01/13</a:t>
             </a:fld>
             <a:endParaRPr lang="it-IT"/>
           </a:p>
@@ -2793,7 +2793,7 @@
             <a:fld id="{F89AEA99-3E91-4C58-9AD4-045DB5619AC3}" type="slidenum">
               <a:rPr lang="it-IT" smtClean="0"/>
               <a:pPr/>
-              <a:t>‹N›</a:t>
+              <a:t>‹n.›</a:t>
             </a:fld>
             <a:endParaRPr lang="it-IT"/>
           </a:p>
@@ -2807,7 +2807,7 @@
   <p:timing>
     <p:tnLst>
       <p:par>
-        <p:cTn id="1" dur="indefinite" restart="never" nodeType="tmRoot"/>
+        <p:cTn xmlns:p14="http://schemas.microsoft.com/office/powerpoint/2010/main" id="1" dur="indefinite" restart="never" nodeType="tmRoot"/>
       </p:par>
     </p:tnLst>
   </p:timing>
@@ -2942,7 +2942,7 @@
             <a:fld id="{63CABBC0-75E4-43BB-A6A6-84C2A96BDB82}" type="datetimeFigureOut">
               <a:rPr lang="it-IT" smtClean="0"/>
               <a:pPr/>
-              <a:t>06/01/2013</a:t>
+              <a:t>06/01/13</a:t>
             </a:fld>
             <a:endParaRPr lang="it-IT"/>
           </a:p>
@@ -2985,7 +2985,7 @@
             <a:fld id="{F89AEA99-3E91-4C58-9AD4-045DB5619AC3}" type="slidenum">
               <a:rPr lang="it-IT" smtClean="0"/>
               <a:pPr/>
-              <a:t>‹N›</a:t>
+              <a:t>‹n.›</a:t>
             </a:fld>
             <a:endParaRPr lang="it-IT"/>
           </a:p>
@@ -2999,7 +2999,7 @@
   <p:timing>
     <p:tnLst>
       <p:par>
-        <p:cTn id="1" dur="indefinite" restart="never" nodeType="tmRoot"/>
+        <p:cTn xmlns:p14="http://schemas.microsoft.com/office/powerpoint/2010/main" id="1" dur="indefinite" restart="never" nodeType="tmRoot"/>
       </p:par>
     </p:tnLst>
   </p:timing>
@@ -3124,7 +3124,7 @@
             <a:fld id="{63CABBC0-75E4-43BB-A6A6-84C2A96BDB82}" type="datetimeFigureOut">
               <a:rPr lang="it-IT" smtClean="0"/>
               <a:pPr/>
-              <a:t>06/01/2013</a:t>
+              <a:t>06/01/13</a:t>
             </a:fld>
             <a:endParaRPr lang="it-IT"/>
           </a:p>
@@ -3167,7 +3167,7 @@
             <a:fld id="{F89AEA99-3E91-4C58-9AD4-045DB5619AC3}" type="slidenum">
               <a:rPr lang="it-IT" smtClean="0"/>
               <a:pPr/>
-              <a:t>‹N›</a:t>
+              <a:t>‹n.›</a:t>
             </a:fld>
             <a:endParaRPr lang="it-IT"/>
           </a:p>
@@ -3181,7 +3181,7 @@
   <p:timing>
     <p:tnLst>
       <p:par>
-        <p:cTn id="1" dur="indefinite" restart="never" nodeType="tmRoot"/>
+        <p:cTn xmlns:p14="http://schemas.microsoft.com/office/powerpoint/2010/main" id="1" dur="indefinite" restart="never" nodeType="tmRoot"/>
       </p:par>
     </p:tnLst>
   </p:timing>
@@ -3367,7 +3367,7 @@
             <a:fld id="{63CABBC0-75E4-43BB-A6A6-84C2A96BDB82}" type="datetimeFigureOut">
               <a:rPr lang="it-IT" smtClean="0"/>
               <a:pPr/>
-              <a:t>06/01/2013</a:t>
+              <a:t>06/01/13</a:t>
             </a:fld>
             <a:endParaRPr lang="it-IT"/>
           </a:p>
@@ -3410,7 +3410,7 @@
             <a:fld id="{F89AEA99-3E91-4C58-9AD4-045DB5619AC3}" type="slidenum">
               <a:rPr lang="it-IT" smtClean="0"/>
               <a:pPr/>
-              <a:t>‹N›</a:t>
+              <a:t>‹n.›</a:t>
             </a:fld>
             <a:endParaRPr lang="it-IT"/>
           </a:p>
@@ -3424,7 +3424,7 @@
   <p:timing>
     <p:tnLst>
       <p:par>
-        <p:cTn id="1" dur="indefinite" restart="never" nodeType="tmRoot"/>
+        <p:cTn xmlns:p14="http://schemas.microsoft.com/office/powerpoint/2010/main" id="1" dur="indefinite" restart="never" nodeType="tmRoot"/>
       </p:par>
     </p:tnLst>
   </p:timing>
@@ -3648,7 +3648,7 @@
             <a:fld id="{63CABBC0-75E4-43BB-A6A6-84C2A96BDB82}" type="datetimeFigureOut">
               <a:rPr lang="it-IT" smtClean="0"/>
               <a:pPr/>
-              <a:t>06/01/2013</a:t>
+              <a:t>06/01/13</a:t>
             </a:fld>
             <a:endParaRPr lang="it-IT"/>
           </a:p>
@@ -3691,7 +3691,7 @@
             <a:fld id="{F89AEA99-3E91-4C58-9AD4-045DB5619AC3}" type="slidenum">
               <a:rPr lang="it-IT" smtClean="0"/>
               <a:pPr/>
-              <a:t>‹N›</a:t>
+              <a:t>‹n.›</a:t>
             </a:fld>
             <a:endParaRPr lang="it-IT"/>
           </a:p>
@@ -3705,7 +3705,7 @@
   <p:timing>
     <p:tnLst>
       <p:par>
-        <p:cTn id="1" dur="indefinite" restart="never" nodeType="tmRoot"/>
+        <p:cTn xmlns:p14="http://schemas.microsoft.com/office/powerpoint/2010/main" id="1" dur="indefinite" restart="never" nodeType="tmRoot"/>
       </p:par>
     </p:tnLst>
   </p:timing>
@@ -4039,7 +4039,7 @@
             <a:fld id="{63CABBC0-75E4-43BB-A6A6-84C2A96BDB82}" type="datetimeFigureOut">
               <a:rPr lang="it-IT" smtClean="0"/>
               <a:pPr/>
-              <a:t>06/01/2013</a:t>
+              <a:t>06/01/13</a:t>
             </a:fld>
             <a:endParaRPr lang="it-IT"/>
           </a:p>
@@ -4082,7 +4082,7 @@
             <a:fld id="{F89AEA99-3E91-4C58-9AD4-045DB5619AC3}" type="slidenum">
               <a:rPr lang="it-IT" smtClean="0"/>
               <a:pPr/>
-              <a:t>‹N›</a:t>
+              <a:t>‹n.›</a:t>
             </a:fld>
             <a:endParaRPr lang="it-IT"/>
           </a:p>
@@ -4096,7 +4096,7 @@
   <p:timing>
     <p:tnLst>
       <p:par>
-        <p:cTn id="1" dur="indefinite" restart="never" nodeType="tmRoot"/>
+        <p:cTn xmlns:p14="http://schemas.microsoft.com/office/powerpoint/2010/main" id="1" dur="indefinite" restart="never" nodeType="tmRoot"/>
       </p:par>
     </p:tnLst>
   </p:timing>
@@ -4198,7 +4198,7 @@
             <a:fld id="{63CABBC0-75E4-43BB-A6A6-84C2A96BDB82}" type="datetimeFigureOut">
               <a:rPr lang="it-IT" smtClean="0"/>
               <a:pPr/>
-              <a:t>06/01/2013</a:t>
+              <a:t>06/01/13</a:t>
             </a:fld>
             <a:endParaRPr lang="it-IT"/>
           </a:p>
@@ -4241,7 +4241,7 @@
             <a:fld id="{F89AEA99-3E91-4C58-9AD4-045DB5619AC3}" type="slidenum">
               <a:rPr lang="it-IT" smtClean="0"/>
               <a:pPr/>
-              <a:t>‹N›</a:t>
+              <a:t>‹n.›</a:t>
             </a:fld>
             <a:endParaRPr lang="it-IT"/>
           </a:p>
@@ -4255,7 +4255,7 @@
   <p:timing>
     <p:tnLst>
       <p:par>
-        <p:cTn id="1" dur="indefinite" restart="never" nodeType="tmRoot"/>
+        <p:cTn xmlns:p14="http://schemas.microsoft.com/office/powerpoint/2010/main" id="1" dur="indefinite" restart="never" nodeType="tmRoot"/>
       </p:par>
     </p:tnLst>
   </p:timing>
@@ -4297,7 +4297,7 @@
             <a:fld id="{63CABBC0-75E4-43BB-A6A6-84C2A96BDB82}" type="datetimeFigureOut">
               <a:rPr lang="it-IT" smtClean="0"/>
               <a:pPr/>
-              <a:t>06/01/2013</a:t>
+              <a:t>06/01/13</a:t>
             </a:fld>
             <a:endParaRPr lang="it-IT"/>
           </a:p>
@@ -4340,7 +4340,7 @@
             <a:fld id="{F89AEA99-3E91-4C58-9AD4-045DB5619AC3}" type="slidenum">
               <a:rPr lang="it-IT" smtClean="0"/>
               <a:pPr/>
-              <a:t>‹N›</a:t>
+              <a:t>‹n.›</a:t>
             </a:fld>
             <a:endParaRPr lang="it-IT"/>
           </a:p>
@@ -4354,7 +4354,7 @@
   <p:timing>
     <p:tnLst>
       <p:par>
-        <p:cTn id="1" dur="indefinite" restart="never" nodeType="tmRoot"/>
+        <p:cTn xmlns:p14="http://schemas.microsoft.com/office/powerpoint/2010/main" id="1" dur="indefinite" restart="never" nodeType="tmRoot"/>
       </p:par>
     </p:tnLst>
   </p:timing>
@@ -4567,7 +4567,7 @@
             <a:fld id="{63CABBC0-75E4-43BB-A6A6-84C2A96BDB82}" type="datetimeFigureOut">
               <a:rPr lang="it-IT" smtClean="0"/>
               <a:pPr/>
-              <a:t>06/01/2013</a:t>
+              <a:t>06/01/13</a:t>
             </a:fld>
             <a:endParaRPr lang="it-IT"/>
           </a:p>
@@ -4610,7 +4610,7 @@
             <a:fld id="{F89AEA99-3E91-4C58-9AD4-045DB5619AC3}" type="slidenum">
               <a:rPr lang="it-IT" smtClean="0"/>
               <a:pPr/>
-              <a:t>‹N›</a:t>
+              <a:t>‹n.›</a:t>
             </a:fld>
             <a:endParaRPr lang="it-IT"/>
           </a:p>
@@ -4624,7 +4624,7 @@
   <p:timing>
     <p:tnLst>
       <p:par>
-        <p:cTn id="1" dur="indefinite" restart="never" nodeType="tmRoot"/>
+        <p:cTn xmlns:p14="http://schemas.microsoft.com/office/powerpoint/2010/main" id="1" dur="indefinite" restart="never" nodeType="tmRoot"/>
       </p:par>
     </p:tnLst>
   </p:timing>
@@ -4864,7 +4864,7 @@
             <a:fld id="{63CABBC0-75E4-43BB-A6A6-84C2A96BDB82}" type="datetimeFigureOut">
               <a:rPr lang="it-IT" smtClean="0"/>
               <a:pPr/>
-              <a:t>06/01/2013</a:t>
+              <a:t>06/01/13</a:t>
             </a:fld>
             <a:endParaRPr lang="it-IT"/>
           </a:p>
@@ -4912,7 +4912,7 @@
             <a:fld id="{F89AEA99-3E91-4C58-9AD4-045DB5619AC3}" type="slidenum">
               <a:rPr lang="it-IT" smtClean="0"/>
               <a:pPr/>
-              <a:t>‹N›</a:t>
+              <a:t>‹n.›</a:t>
             </a:fld>
             <a:endParaRPr lang="it-IT"/>
           </a:p>
@@ -5228,7 +5228,7 @@
   <p:timing>
     <p:tnLst>
       <p:par>
-        <p:cTn id="1" dur="indefinite" restart="never" nodeType="tmRoot"/>
+        <p:cTn xmlns:p14="http://schemas.microsoft.com/office/powerpoint/2010/main" id="1" dur="indefinite" restart="never" nodeType="tmRoot"/>
       </p:par>
     </p:tnLst>
   </p:timing>
@@ -5644,7 +5644,7 @@
             <a:fld id="{63CABBC0-75E4-43BB-A6A6-84C2A96BDB82}" type="datetimeFigureOut">
               <a:rPr lang="it-IT" smtClean="0"/>
               <a:pPr/>
-              <a:t>06/01/2013</a:t>
+              <a:t>06/01/13</a:t>
             </a:fld>
             <a:endParaRPr lang="it-IT"/>
           </a:p>
@@ -5723,7 +5723,7 @@
             <a:fld id="{F89AEA99-3E91-4C58-9AD4-045DB5619AC3}" type="slidenum">
               <a:rPr lang="it-IT" smtClean="0"/>
               <a:pPr/>
-              <a:t>‹N›</a:t>
+              <a:t>‹n.›</a:t>
             </a:fld>
             <a:endParaRPr lang="it-IT"/>
           </a:p>
@@ -5962,7 +5962,7 @@
   <p:timing>
     <p:tnLst>
       <p:par>
-        <p:cTn id="1" dur="indefinite" restart="never" nodeType="tmRoot"/>
+        <p:cTn xmlns:p14="http://schemas.microsoft.com/office/powerpoint/2010/main" id="1" dur="indefinite" restart="never" nodeType="tmRoot"/>
       </p:par>
     </p:tnLst>
   </p:timing>
@@ -6327,7 +6327,7 @@
           <p:nvPr>
             <p:extLst>
               <p:ext uri="{D42A27DB-BD31-4B8C-83A1-F6EECF244321}">
-                <p14:modId xmlns:p14="http://schemas.microsoft.com/office/powerpoint/2010/main" xmlns="" val="1430840817"/>
+                <p14:modId xmlns:p14="http://schemas.microsoft.com/office/powerpoint/2010/main" val="1430840817"/>
               </p:ext>
             </p:extLst>
           </p:nvPr>
@@ -6575,7 +6575,7 @@
           <p:nvPr>
             <p:extLst>
               <p:ext uri="{D42A27DB-BD31-4B8C-83A1-F6EECF244321}">
-                <p14:modId xmlns:p14="http://schemas.microsoft.com/office/powerpoint/2010/main" xmlns="" val="956586736"/>
+                <p14:modId xmlns:p14="http://schemas.microsoft.com/office/powerpoint/2010/main" val="956586736"/>
               </p:ext>
             </p:extLst>
           </p:nvPr>
@@ -6665,7 +6665,7 @@
           <a:blip r:embed="rId2" cstate="print">
             <a:extLst>
               <a:ext uri="{28A0092B-C50C-407E-A947-70E740481C1C}">
-                <a14:useLocalDpi xmlns:a14="http://schemas.microsoft.com/office/drawing/2010/main" xmlns="" val="0"/>
+                <a14:useLocalDpi xmlns:a14="http://schemas.microsoft.com/office/drawing/2010/main" val="0"/>
               </a:ext>
             </a:extLst>
           </a:blip>
@@ -6685,7 +6685,7 @@
           <a:noFill/>
           <a:extLst>
             <a:ext uri="{909E8E84-426E-40dd-AFC4-6F175D3DCCD1}">
-              <a14:hiddenFill xmlns:a14="http://schemas.microsoft.com/office/drawing/2010/main" xmlns="">
+              <a14:hiddenFill xmlns:a14="http://schemas.microsoft.com/office/drawing/2010/main">
                 <a:solidFill>
                   <a:srgbClr val="FFFFFF"/>
                 </a:solidFill>
@@ -6697,7 +6697,7 @@
     </p:spTree>
     <p:extLst>
       <p:ext uri="{BB962C8B-B14F-4D97-AF65-F5344CB8AC3E}">
-        <p14:creationId xmlns:p14="http://schemas.microsoft.com/office/powerpoint/2010/main" xmlns="" val="4165334171"/>
+        <p14:creationId xmlns:p14="http://schemas.microsoft.com/office/powerpoint/2010/main" val="4165334171"/>
       </p:ext>
     </p:extLst>
   </p:cSld>
@@ -6707,7 +6707,7 @@
   <p:timing>
     <p:tnLst>
       <p:par>
-        <p:cTn id="1" dur="indefinite" restart="never" nodeType="tmRoot"/>
+        <p:cTn xmlns:p14="http://schemas.microsoft.com/office/powerpoint/2010/main" id="1" dur="indefinite" restart="never" nodeType="tmRoot"/>
       </p:par>
     </p:tnLst>
   </p:timing>
@@ -7003,25 +7003,25 @@
     </p:spTree>
     <p:extLst>
       <p:ext uri="{BB962C8B-B14F-4D97-AF65-F5344CB8AC3E}">
-        <p14:creationId xmlns:p14="http://schemas.microsoft.com/office/powerpoint/2010/main" xmlns="" val="4143007013"/>
+        <p14:creationId xmlns:p14="http://schemas.microsoft.com/office/powerpoint/2010/main" val="4143007013"/>
       </p:ext>
     </p:extLst>
   </p:cSld>
   <p:clrMapOvr>
     <a:masterClrMapping/>
   </p:clrMapOvr>
-  <mc:AlternateContent xmlns:mc="http://schemas.openxmlformats.org/markup-compatibility/2006">
-    <mc:Choice xmlns:p14="http://schemas.microsoft.com/office/powerpoint/2010/main" xmlns="" Requires="p14">
+  <mc:AlternateContent xmlns:mc="http://schemas.openxmlformats.org/markup-compatibility/2006" xmlns:p14="http://schemas.microsoft.com/office/powerpoint/2010/main">
+    <mc:Choice Requires="p14">
       <p:transition spd="slow" p14:dur="2000"/>
     </mc:Choice>
-    <mc:Fallback>
+    <mc:Fallback xmlns="">
       <p:transition spd="slow"/>
     </mc:Fallback>
   </mc:AlternateContent>
   <p:timing>
     <p:tnLst>
       <p:par>
-        <p:cTn id="1" dur="indefinite" restart="never" nodeType="tmRoot"/>
+        <p:cTn xmlns:p14="http://schemas.microsoft.com/office/powerpoint/2010/main" id="1" dur="indefinite" restart="never" nodeType="tmRoot"/>
       </p:par>
     </p:tnLst>
   </p:timing>
@@ -7379,25 +7379,25 @@
     </p:spTree>
     <p:extLst>
       <p:ext uri="{BB962C8B-B14F-4D97-AF65-F5344CB8AC3E}">
-        <p14:creationId xmlns:p14="http://schemas.microsoft.com/office/powerpoint/2010/main" xmlns="" val="3748041918"/>
+        <p14:creationId xmlns:p14="http://schemas.microsoft.com/office/powerpoint/2010/main" val="3748041918"/>
       </p:ext>
     </p:extLst>
   </p:cSld>
   <p:clrMapOvr>
     <a:masterClrMapping/>
   </p:clrMapOvr>
-  <mc:AlternateContent xmlns:mc="http://schemas.openxmlformats.org/markup-compatibility/2006">
-    <mc:Choice xmlns:p14="http://schemas.microsoft.com/office/powerpoint/2010/main" xmlns="" Requires="p14">
+  <mc:AlternateContent xmlns:mc="http://schemas.openxmlformats.org/markup-compatibility/2006" xmlns:p14="http://schemas.microsoft.com/office/powerpoint/2010/main">
+    <mc:Choice Requires="p14">
       <p:transition spd="slow" p14:dur="2000"/>
     </mc:Choice>
-    <mc:Fallback>
+    <mc:Fallback xmlns="">
       <p:transition spd="slow"/>
     </mc:Fallback>
   </mc:AlternateContent>
   <p:timing>
     <p:tnLst>
       <p:par>
-        <p:cTn id="1" dur="indefinite" restart="never" nodeType="tmRoot"/>
+        <p:cTn xmlns:p14="http://schemas.microsoft.com/office/powerpoint/2010/main" id="1" dur="indefinite" restart="never" nodeType="tmRoot"/>
       </p:par>
     </p:tnLst>
   </p:timing>
@@ -7488,7 +7488,7 @@
     </p:spTree>
     <p:extLst>
       <p:ext uri="{BB962C8B-B14F-4D97-AF65-F5344CB8AC3E}">
-        <p14:creationId xmlns:p14="http://schemas.microsoft.com/office/powerpoint/2010/main" xmlns="" val="3695870384"/>
+        <p14:creationId xmlns:p14="http://schemas.microsoft.com/office/powerpoint/2010/main" val="3695870384"/>
       </p:ext>
     </p:extLst>
   </p:cSld>
@@ -7498,7 +7498,7 @@
   <p:timing>
     <p:tnLst>
       <p:par>
-        <p:cTn id="1" dur="indefinite" restart="never" nodeType="tmRoot"/>
+        <p:cTn xmlns:p14="http://schemas.microsoft.com/office/powerpoint/2010/main" id="1" dur="indefinite" restart="never" nodeType="tmRoot"/>
       </p:par>
     </p:tnLst>
   </p:timing>
@@ -7589,7 +7589,7 @@
     </p:spTree>
     <p:extLst>
       <p:ext uri="{BB962C8B-B14F-4D97-AF65-F5344CB8AC3E}">
-        <p14:creationId xmlns:p14="http://schemas.microsoft.com/office/powerpoint/2010/main" xmlns="" val="3987928837"/>
+        <p14:creationId xmlns:p14="http://schemas.microsoft.com/office/powerpoint/2010/main" val="3987928837"/>
       </p:ext>
     </p:extLst>
   </p:cSld>
@@ -7599,7 +7599,7 @@
   <p:timing>
     <p:tnLst>
       <p:par>
-        <p:cTn id="1" dur="indefinite" restart="never" nodeType="tmRoot"/>
+        <p:cTn xmlns:p14="http://schemas.microsoft.com/office/powerpoint/2010/main" id="1" dur="indefinite" restart="never" nodeType="tmRoot"/>
       </p:par>
     </p:tnLst>
   </p:timing>
@@ -7914,7 +7914,7 @@
     </p:spTree>
     <p:extLst>
       <p:ext uri="{BB962C8B-B14F-4D97-AF65-F5344CB8AC3E}">
-        <p14:creationId xmlns:p14="http://schemas.microsoft.com/office/powerpoint/2010/main" xmlns="" val="1367578552"/>
+        <p14:creationId xmlns:p14="http://schemas.microsoft.com/office/powerpoint/2010/main" val="1367578552"/>
       </p:ext>
     </p:extLst>
   </p:cSld>
@@ -7924,7 +7924,7 @@
   <p:timing>
     <p:tnLst>
       <p:par>
-        <p:cTn id="1" dur="indefinite" restart="never" nodeType="tmRoot"/>
+        <p:cTn xmlns:p14="http://schemas.microsoft.com/office/powerpoint/2010/main" id="1" dur="indefinite" restart="never" nodeType="tmRoot"/>
       </p:par>
     </p:tnLst>
   </p:timing>
@@ -8042,7 +8042,7 @@
     </p:spTree>
     <p:extLst>
       <p:ext uri="{BB962C8B-B14F-4D97-AF65-F5344CB8AC3E}">
-        <p14:creationId xmlns:p14="http://schemas.microsoft.com/office/powerpoint/2010/main" xmlns="" val="1554749062"/>
+        <p14:creationId xmlns:p14="http://schemas.microsoft.com/office/powerpoint/2010/main" val="1554749062"/>
       </p:ext>
     </p:extLst>
   </p:cSld>
@@ -8052,7 +8052,7 @@
   <p:timing>
     <p:tnLst>
       <p:par>
-        <p:cTn id="1" dur="indefinite" restart="never" nodeType="tmRoot"/>
+        <p:cTn xmlns:p14="http://schemas.microsoft.com/office/powerpoint/2010/main" id="1" dur="indefinite" restart="never" nodeType="tmRoot"/>
       </p:par>
     </p:tnLst>
   </p:timing>
@@ -8170,7 +8170,7 @@
     </p:spTree>
     <p:extLst>
       <p:ext uri="{BB962C8B-B14F-4D97-AF65-F5344CB8AC3E}">
-        <p14:creationId xmlns:p14="http://schemas.microsoft.com/office/powerpoint/2010/main" xmlns="" val="1028530279"/>
+        <p14:creationId xmlns:p14="http://schemas.microsoft.com/office/powerpoint/2010/main" val="1028530279"/>
       </p:ext>
     </p:extLst>
   </p:cSld>
@@ -8180,7 +8180,7 @@
   <p:timing>
     <p:tnLst>
       <p:par>
-        <p:cTn id="1" dur="indefinite" restart="never" nodeType="tmRoot"/>
+        <p:cTn xmlns:p14="http://schemas.microsoft.com/office/powerpoint/2010/main" id="1" dur="indefinite" restart="never" nodeType="tmRoot"/>
       </p:par>
     </p:tnLst>
   </p:timing>
@@ -8298,7 +8298,7 @@
     </p:spTree>
     <p:extLst>
       <p:ext uri="{BB962C8B-B14F-4D97-AF65-F5344CB8AC3E}">
-        <p14:creationId xmlns:p14="http://schemas.microsoft.com/office/powerpoint/2010/main" xmlns="" val="2120081776"/>
+        <p14:creationId xmlns:p14="http://schemas.microsoft.com/office/powerpoint/2010/main" val="2120081776"/>
       </p:ext>
     </p:extLst>
   </p:cSld>
@@ -8308,7 +8308,7 @@
   <p:timing>
     <p:tnLst>
       <p:par>
-        <p:cTn id="1" dur="indefinite" restart="never" nodeType="tmRoot"/>
+        <p:cTn xmlns:p14="http://schemas.microsoft.com/office/powerpoint/2010/main" id="1" dur="indefinite" restart="never" nodeType="tmRoot"/>
       </p:par>
     </p:tnLst>
   </p:timing>
@@ -8438,7 +8438,7 @@
     </p:spTree>
     <p:extLst>
       <p:ext uri="{BB962C8B-B14F-4D97-AF65-F5344CB8AC3E}">
-        <p14:creationId xmlns:p14="http://schemas.microsoft.com/office/powerpoint/2010/main" xmlns="" val="3320352623"/>
+        <p14:creationId xmlns:p14="http://schemas.microsoft.com/office/powerpoint/2010/main" val="3320352623"/>
       </p:ext>
     </p:extLst>
   </p:cSld>
@@ -8448,7 +8448,7 @@
   <p:timing>
     <p:tnLst>
       <p:par>
-        <p:cTn id="1" dur="indefinite" restart="never" nodeType="tmRoot"/>
+        <p:cTn xmlns:p14="http://schemas.microsoft.com/office/powerpoint/2010/main" id="1" dur="indefinite" restart="never" nodeType="tmRoot"/>
       </p:par>
     </p:tnLst>
   </p:timing>
@@ -8578,7 +8578,7 @@
     </p:spTree>
     <p:extLst>
       <p:ext uri="{BB962C8B-B14F-4D97-AF65-F5344CB8AC3E}">
-        <p14:creationId xmlns:p14="http://schemas.microsoft.com/office/powerpoint/2010/main" xmlns="" val="4011022122"/>
+        <p14:creationId xmlns:p14="http://schemas.microsoft.com/office/powerpoint/2010/main" val="4011022122"/>
       </p:ext>
     </p:extLst>
   </p:cSld>
@@ -8588,7 +8588,7 @@
   <p:timing>
     <p:tnLst>
       <p:par>
-        <p:cTn id="1" dur="indefinite" restart="never" nodeType="tmRoot"/>
+        <p:cTn xmlns:p14="http://schemas.microsoft.com/office/powerpoint/2010/main" id="1" dur="indefinite" restart="never" nodeType="tmRoot"/>
       </p:par>
     </p:tnLst>
   </p:timing>
@@ -8883,18 +8883,18 @@
     </p:spTree>
     <p:extLst>
       <p:ext uri="{BB962C8B-B14F-4D97-AF65-F5344CB8AC3E}">
-        <p14:creationId xmlns:p14="http://schemas.microsoft.com/office/powerpoint/2010/main" xmlns="" val="2927506779"/>
+        <p14:creationId xmlns:p14="http://schemas.microsoft.com/office/powerpoint/2010/main" val="2927506779"/>
       </p:ext>
     </p:extLst>
   </p:cSld>
   <p:clrMapOvr>
     <a:masterClrMapping/>
   </p:clrMapOvr>
-  <p:transition spd="med"/>
+  <p:transition xmlns:p14="http://schemas.microsoft.com/office/powerpoint/2010/main" spd="med"/>
   <p:timing>
     <p:tnLst>
       <p:par>
-        <p:cTn id="1" dur="indefinite" restart="never" nodeType="tmRoot"/>
+        <p:cTn xmlns:p14="http://schemas.microsoft.com/office/powerpoint/2010/main" id="1" dur="indefinite" restart="never" nodeType="tmRoot"/>
       </p:par>
     </p:tnLst>
   </p:timing>
@@ -9550,25 +9550,25 @@
     </p:spTree>
     <p:extLst>
       <p:ext uri="{BB962C8B-B14F-4D97-AF65-F5344CB8AC3E}">
-        <p14:creationId xmlns:p14="http://schemas.microsoft.com/office/powerpoint/2010/main" xmlns="" val="1720938352"/>
+        <p14:creationId xmlns:p14="http://schemas.microsoft.com/office/powerpoint/2010/main" val="1720938352"/>
       </p:ext>
     </p:extLst>
   </p:cSld>
   <p:clrMapOvr>
     <a:masterClrMapping/>
   </p:clrMapOvr>
-  <mc:AlternateContent xmlns:mc="http://schemas.openxmlformats.org/markup-compatibility/2006">
-    <mc:Choice xmlns:p14="http://schemas.microsoft.com/office/powerpoint/2010/main" xmlns="" Requires="p14">
+  <mc:AlternateContent xmlns:mc="http://schemas.openxmlformats.org/markup-compatibility/2006" xmlns:p14="http://schemas.microsoft.com/office/powerpoint/2010/main">
+    <mc:Choice Requires="p14">
       <p:transition spd="slow" p14:dur="2000"/>
     </mc:Choice>
-    <mc:Fallback>
+    <mc:Fallback xmlns="">
       <p:transition spd="slow"/>
     </mc:Fallback>
   </mc:AlternateContent>
   <p:timing>
     <p:tnLst>
       <p:par>
-        <p:cTn id="1" dur="indefinite" restart="never" nodeType="tmRoot"/>
+        <p:cTn xmlns:p14="http://schemas.microsoft.com/office/powerpoint/2010/main" id="1" dur="indefinite" restart="never" nodeType="tmRoot"/>
       </p:par>
     </p:tnLst>
   </p:timing>
@@ -9852,7 +9852,7 @@
     </p:spTree>
     <p:extLst>
       <p:ext uri="{BB962C8B-B14F-4D97-AF65-F5344CB8AC3E}">
-        <p14:creationId xmlns:p14="http://schemas.microsoft.com/office/powerpoint/2010/main" xmlns="" val="3389076463"/>
+        <p14:creationId xmlns:p14="http://schemas.microsoft.com/office/powerpoint/2010/main" val="3389076463"/>
       </p:ext>
     </p:extLst>
   </p:cSld>
@@ -9862,7 +9862,7 @@
   <p:timing>
     <p:tnLst>
       <p:par>
-        <p:cTn id="1" dur="indefinite" restart="never" nodeType="tmRoot"/>
+        <p:cTn xmlns:p14="http://schemas.microsoft.com/office/powerpoint/2010/main" id="1" dur="indefinite" restart="never" nodeType="tmRoot"/>
       </p:par>
     </p:tnLst>
   </p:timing>
@@ -9975,7 +9975,7 @@
     </p:spTree>
     <p:extLst>
       <p:ext uri="{BB962C8B-B14F-4D97-AF65-F5344CB8AC3E}">
-        <p14:creationId xmlns:p14="http://schemas.microsoft.com/office/powerpoint/2010/main" xmlns="" val="3781125707"/>
+        <p14:creationId xmlns:p14="http://schemas.microsoft.com/office/powerpoint/2010/main" val="3781125707"/>
       </p:ext>
     </p:extLst>
   </p:cSld>
@@ -9985,7 +9985,7 @@
   <p:timing>
     <p:tnLst>
       <p:par>
-        <p:cTn id="1" dur="indefinite" restart="never" nodeType="tmRoot"/>
+        <p:cTn xmlns:p14="http://schemas.microsoft.com/office/powerpoint/2010/main" id="1" dur="indefinite" restart="never" nodeType="tmRoot"/>
       </p:par>
     </p:tnLst>
   </p:timing>
@@ -10099,7 +10099,7 @@
     </p:spTree>
     <p:extLst>
       <p:ext uri="{BB962C8B-B14F-4D97-AF65-F5344CB8AC3E}">
-        <p14:creationId xmlns:p14="http://schemas.microsoft.com/office/powerpoint/2010/main" xmlns="" val="3113757335"/>
+        <p14:creationId xmlns:p14="http://schemas.microsoft.com/office/powerpoint/2010/main" val="3113757335"/>
       </p:ext>
     </p:extLst>
   </p:cSld>
@@ -10109,7 +10109,7 @@
   <p:timing>
     <p:tnLst>
       <p:par>
-        <p:cTn id="1" dur="indefinite" restart="never" nodeType="tmRoot"/>
+        <p:cTn xmlns:p14="http://schemas.microsoft.com/office/powerpoint/2010/main" id="1" dur="indefinite" restart="never" nodeType="tmRoot"/>
       </p:par>
     </p:tnLst>
   </p:timing>
@@ -10183,7 +10183,7 @@
     </p:spTree>
     <p:extLst>
       <p:ext uri="{BB962C8B-B14F-4D97-AF65-F5344CB8AC3E}">
-        <p14:creationId xmlns:p14="http://schemas.microsoft.com/office/powerpoint/2010/main" xmlns="" val="3128220547"/>
+        <p14:creationId xmlns:p14="http://schemas.microsoft.com/office/powerpoint/2010/main" val="3128220547"/>
       </p:ext>
     </p:extLst>
   </p:cSld>
@@ -10193,7 +10193,7 @@
   <p:timing>
     <p:tnLst>
       <p:par>
-        <p:cTn id="1" dur="indefinite" restart="never" nodeType="tmRoot"/>
+        <p:cTn xmlns:p14="http://schemas.microsoft.com/office/powerpoint/2010/main" id="1" dur="indefinite" restart="never" nodeType="tmRoot"/>
       </p:par>
     </p:tnLst>
   </p:timing>
@@ -10309,7 +10309,7 @@
     </p:spTree>
     <p:extLst>
       <p:ext uri="{BB962C8B-B14F-4D97-AF65-F5344CB8AC3E}">
-        <p14:creationId xmlns:p14="http://schemas.microsoft.com/office/powerpoint/2010/main" xmlns="" val="3526463055"/>
+        <p14:creationId xmlns:p14="http://schemas.microsoft.com/office/powerpoint/2010/main" val="3526463055"/>
       </p:ext>
     </p:extLst>
   </p:cSld>
@@ -10319,7 +10319,7 @@
   <p:timing>
     <p:tnLst>
       <p:par>
-        <p:cTn id="1" dur="indefinite" restart="never" nodeType="tmRoot"/>
+        <p:cTn xmlns:p14="http://schemas.microsoft.com/office/powerpoint/2010/main" id="1" dur="indefinite" restart="never" nodeType="tmRoot"/>
       </p:par>
     </p:tnLst>
   </p:timing>
@@ -10432,7 +10432,7 @@
     </p:spTree>
     <p:extLst>
       <p:ext uri="{BB962C8B-B14F-4D97-AF65-F5344CB8AC3E}">
-        <p14:creationId xmlns:p14="http://schemas.microsoft.com/office/powerpoint/2010/main" xmlns="" val="4153735844"/>
+        <p14:creationId xmlns:p14="http://schemas.microsoft.com/office/powerpoint/2010/main" val="4153735844"/>
       </p:ext>
     </p:extLst>
   </p:cSld>
@@ -10442,7 +10442,7 @@
   <p:timing>
     <p:tnLst>
       <p:par>
-        <p:cTn id="1" dur="indefinite" restart="never" nodeType="tmRoot"/>
+        <p:cTn xmlns:p14="http://schemas.microsoft.com/office/powerpoint/2010/main" id="1" dur="indefinite" restart="never" nodeType="tmRoot"/>
       </p:par>
     </p:tnLst>
   </p:timing>
@@ -10525,7 +10525,7 @@
     </p:spTree>
     <p:extLst>
       <p:ext uri="{BB962C8B-B14F-4D97-AF65-F5344CB8AC3E}">
-        <p14:creationId xmlns:p14="http://schemas.microsoft.com/office/powerpoint/2010/main" xmlns="" val="3584613944"/>
+        <p14:creationId xmlns:p14="http://schemas.microsoft.com/office/powerpoint/2010/main" val="3584613944"/>
       </p:ext>
     </p:extLst>
   </p:cSld>
@@ -10535,7 +10535,7 @@
   <p:timing>
     <p:tnLst>
       <p:par>
-        <p:cTn id="1" dur="indefinite" restart="never" nodeType="tmRoot"/>
+        <p:cTn xmlns:p14="http://schemas.microsoft.com/office/powerpoint/2010/main" id="1" dur="indefinite" restart="never" nodeType="tmRoot"/>
       </p:par>
     </p:tnLst>
   </p:timing>
@@ -10714,18 +10714,18 @@
     </p:spTree>
     <p:extLst>
       <p:ext uri="{BB962C8B-B14F-4D97-AF65-F5344CB8AC3E}">
-        <p14:creationId xmlns:p14="http://schemas.microsoft.com/office/powerpoint/2010/main" xmlns="" val="1309712431"/>
+        <p14:creationId xmlns:p14="http://schemas.microsoft.com/office/powerpoint/2010/main" val="1309712431"/>
       </p:ext>
     </p:extLst>
   </p:cSld>
   <p:clrMapOvr>
     <a:masterClrMapping/>
   </p:clrMapOvr>
-  <p:transition/>
+  <p:transition xmlns:p14="http://schemas.microsoft.com/office/powerpoint/2010/main"/>
   <p:timing>
     <p:tnLst>
       <p:par>
-        <p:cTn id="1" dur="indefinite" restart="never" nodeType="tmRoot"/>
+        <p:cTn xmlns:p14="http://schemas.microsoft.com/office/powerpoint/2010/main" id="1" dur="indefinite" restart="never" nodeType="tmRoot"/>
       </p:par>
     </p:tnLst>
   </p:timing>
@@ -10931,18 +10931,18 @@
     </p:spTree>
     <p:extLst>
       <p:ext uri="{BB962C8B-B14F-4D97-AF65-F5344CB8AC3E}">
-        <p14:creationId xmlns:p14="http://schemas.microsoft.com/office/powerpoint/2010/main" xmlns="" val="3902446084"/>
+        <p14:creationId xmlns:p14="http://schemas.microsoft.com/office/powerpoint/2010/main" val="3902446084"/>
       </p:ext>
     </p:extLst>
   </p:cSld>
   <p:clrMapOvr>
     <a:masterClrMapping/>
   </p:clrMapOvr>
-  <p:transition/>
+  <p:transition xmlns:p14="http://schemas.microsoft.com/office/powerpoint/2010/main"/>
   <p:timing>
     <p:tnLst>
       <p:par>
-        <p:cTn id="1" dur="indefinite" restart="never" nodeType="tmRoot"/>
+        <p:cTn xmlns:p14="http://schemas.microsoft.com/office/powerpoint/2010/main" id="1" dur="indefinite" restart="never" nodeType="tmRoot"/>
       </p:par>
     </p:tnLst>
   </p:timing>
@@ -11123,7 +11123,7 @@
     </p:spTree>
     <p:extLst>
       <p:ext uri="{BB962C8B-B14F-4D97-AF65-F5344CB8AC3E}">
-        <p14:creationId xmlns:p14="http://schemas.microsoft.com/office/powerpoint/2010/main" xmlns="" val="3677979436"/>
+        <p14:creationId xmlns:p14="http://schemas.microsoft.com/office/powerpoint/2010/main" val="3677979436"/>
       </p:ext>
     </p:extLst>
   </p:cSld>
@@ -11133,7 +11133,7 @@
   <p:timing>
     <p:tnLst>
       <p:par>
-        <p:cTn id="1" dur="indefinite" restart="never" nodeType="tmRoot"/>
+        <p:cTn xmlns:p14="http://schemas.microsoft.com/office/powerpoint/2010/main" id="1" dur="indefinite" restart="never" nodeType="tmRoot"/>
       </p:par>
     </p:tnLst>
   </p:timing>
@@ -11640,25 +11640,25 @@
     </p:spTree>
     <p:extLst>
       <p:ext uri="{BB962C8B-B14F-4D97-AF65-F5344CB8AC3E}">
-        <p14:creationId xmlns:p14="http://schemas.microsoft.com/office/powerpoint/2010/main" xmlns="" val="3436514102"/>
+        <p14:creationId xmlns:p14="http://schemas.microsoft.com/office/powerpoint/2010/main" val="3436514102"/>
       </p:ext>
     </p:extLst>
   </p:cSld>
   <p:clrMapOvr>
     <a:masterClrMapping/>
   </p:clrMapOvr>
-  <mc:AlternateContent xmlns:mc="http://schemas.openxmlformats.org/markup-compatibility/2006">
-    <mc:Choice xmlns:p14="http://schemas.microsoft.com/office/powerpoint/2010/main" xmlns="" Requires="p14">
+  <mc:AlternateContent xmlns:mc="http://schemas.openxmlformats.org/markup-compatibility/2006" xmlns:p14="http://schemas.microsoft.com/office/powerpoint/2010/main">
+    <mc:Choice Requires="p14">
       <p:transition spd="slow" p14:dur="2000"/>
     </mc:Choice>
-    <mc:Fallback>
+    <mc:Fallback xmlns="">
       <p:transition spd="slow"/>
     </mc:Fallback>
   </mc:AlternateContent>
   <p:timing>
     <p:tnLst>
       <p:par>
-        <p:cTn id="1" dur="indefinite" restart="never" nodeType="tmRoot"/>
+        <p:cTn xmlns:p14="http://schemas.microsoft.com/office/powerpoint/2010/main" id="1" dur="indefinite" restart="never" nodeType="tmRoot"/>
       </p:par>
     </p:tnLst>
   </p:timing>
@@ -11741,7 +11741,7 @@
     </p:spTree>
     <p:extLst>
       <p:ext uri="{BB962C8B-B14F-4D97-AF65-F5344CB8AC3E}">
-        <p14:creationId xmlns:p14="http://schemas.microsoft.com/office/powerpoint/2010/main" xmlns="" val="2777952497"/>
+        <p14:creationId xmlns:p14="http://schemas.microsoft.com/office/powerpoint/2010/main" val="2777952497"/>
       </p:ext>
     </p:extLst>
   </p:cSld>
@@ -11751,7 +11751,7 @@
   <p:timing>
     <p:tnLst>
       <p:par>
-        <p:cTn id="1" dur="indefinite" restart="never" nodeType="tmRoot"/>
+        <p:cTn xmlns:p14="http://schemas.microsoft.com/office/powerpoint/2010/main" id="1" dur="indefinite" restart="never" nodeType="tmRoot"/>
       </p:par>
     </p:tnLst>
   </p:timing>
@@ -11929,7 +11929,7 @@
     </p:spTree>
     <p:extLst>
       <p:ext uri="{BB962C8B-B14F-4D97-AF65-F5344CB8AC3E}">
-        <p14:creationId xmlns:p14="http://schemas.microsoft.com/office/powerpoint/2010/main" xmlns="" val="2574674066"/>
+        <p14:creationId xmlns:p14="http://schemas.microsoft.com/office/powerpoint/2010/main" val="2574674066"/>
       </p:ext>
     </p:extLst>
   </p:cSld>
@@ -11939,7 +11939,7 @@
   <p:timing>
     <p:tnLst>
       <p:par>
-        <p:cTn id="1" dur="indefinite" restart="never" nodeType="tmRoot"/>
+        <p:cTn xmlns:p14="http://schemas.microsoft.com/office/powerpoint/2010/main" id="1" dur="indefinite" restart="never" nodeType="tmRoot"/>
       </p:par>
     </p:tnLst>
   </p:timing>
@@ -12022,7 +12022,7 @@
     </p:spTree>
     <p:extLst>
       <p:ext uri="{BB962C8B-B14F-4D97-AF65-F5344CB8AC3E}">
-        <p14:creationId xmlns:p14="http://schemas.microsoft.com/office/powerpoint/2010/main" xmlns="" val="763878143"/>
+        <p14:creationId xmlns:p14="http://schemas.microsoft.com/office/powerpoint/2010/main" val="763878143"/>
       </p:ext>
     </p:extLst>
   </p:cSld>
@@ -12032,7 +12032,7 @@
   <p:timing>
     <p:tnLst>
       <p:par>
-        <p:cTn id="1" dur="indefinite" restart="never" nodeType="tmRoot"/>
+        <p:cTn xmlns:p14="http://schemas.microsoft.com/office/powerpoint/2010/main" id="1" dur="indefinite" restart="never" nodeType="tmRoot"/>
       </p:par>
     </p:tnLst>
   </p:timing>
@@ -12643,25 +12643,25 @@
     </p:spTree>
     <p:extLst>
       <p:ext uri="{BB962C8B-B14F-4D97-AF65-F5344CB8AC3E}">
-        <p14:creationId xmlns:p14="http://schemas.microsoft.com/office/powerpoint/2010/main" xmlns="" val="42533803"/>
+        <p14:creationId xmlns:p14="http://schemas.microsoft.com/office/powerpoint/2010/main" val="42533803"/>
       </p:ext>
     </p:extLst>
   </p:cSld>
   <p:clrMapOvr>
     <a:masterClrMapping/>
   </p:clrMapOvr>
-  <mc:AlternateContent xmlns:mc="http://schemas.openxmlformats.org/markup-compatibility/2006">
-    <mc:Choice xmlns:p14="http://schemas.microsoft.com/office/powerpoint/2010/main" xmlns="" Requires="p14">
+  <mc:AlternateContent xmlns:mc="http://schemas.openxmlformats.org/markup-compatibility/2006" xmlns:p14="http://schemas.microsoft.com/office/powerpoint/2010/main">
+    <mc:Choice Requires="p14">
       <p:transition spd="slow" p14:dur="2000"/>
     </mc:Choice>
-    <mc:Fallback>
+    <mc:Fallback xmlns="">
       <p:transition spd="slow"/>
     </mc:Fallback>
   </mc:AlternateContent>
   <p:timing>
     <p:tnLst>
       <p:par>
-        <p:cTn id="1" dur="indefinite" restart="never" nodeType="tmRoot"/>
+        <p:cTn xmlns:p14="http://schemas.microsoft.com/office/powerpoint/2010/main" id="1" dur="indefinite" restart="never" nodeType="tmRoot"/>
       </p:par>
     </p:tnLst>
   </p:timing>
@@ -12955,25 +12955,25 @@
     </p:spTree>
     <p:extLst>
       <p:ext uri="{BB962C8B-B14F-4D97-AF65-F5344CB8AC3E}">
-        <p14:creationId xmlns:p14="http://schemas.microsoft.com/office/powerpoint/2010/main" xmlns="" val="719158636"/>
+        <p14:creationId xmlns:p14="http://schemas.microsoft.com/office/powerpoint/2010/main" val="719158636"/>
       </p:ext>
     </p:extLst>
   </p:cSld>
   <p:clrMapOvr>
     <a:masterClrMapping/>
   </p:clrMapOvr>
-  <mc:AlternateContent xmlns:mc="http://schemas.openxmlformats.org/markup-compatibility/2006">
-    <mc:Choice xmlns:p14="http://schemas.microsoft.com/office/powerpoint/2010/main" xmlns="" Requires="p14">
+  <mc:AlternateContent xmlns:mc="http://schemas.openxmlformats.org/markup-compatibility/2006" xmlns:p14="http://schemas.microsoft.com/office/powerpoint/2010/main">
+    <mc:Choice Requires="p14">
       <p:transition spd="slow" p14:dur="2000"/>
     </mc:Choice>
-    <mc:Fallback>
+    <mc:Fallback xmlns="">
       <p:transition spd="slow"/>
     </mc:Fallback>
   </mc:AlternateContent>
   <p:timing>
     <p:tnLst>
       <p:par>
-        <p:cTn id="1" dur="indefinite" restart="never" nodeType="tmRoot"/>
+        <p:cTn xmlns:p14="http://schemas.microsoft.com/office/powerpoint/2010/main" id="1" dur="indefinite" restart="never" nodeType="tmRoot"/>
       </p:par>
     </p:tnLst>
   </p:timing>
@@ -13264,25 +13264,25 @@
     </p:spTree>
     <p:extLst>
       <p:ext uri="{BB962C8B-B14F-4D97-AF65-F5344CB8AC3E}">
-        <p14:creationId xmlns:p14="http://schemas.microsoft.com/office/powerpoint/2010/main" xmlns="" val="3790159258"/>
+        <p14:creationId xmlns:p14="http://schemas.microsoft.com/office/powerpoint/2010/main" val="3790159258"/>
       </p:ext>
     </p:extLst>
   </p:cSld>
   <p:clrMapOvr>
     <a:masterClrMapping/>
   </p:clrMapOvr>
-  <mc:AlternateContent xmlns:mc="http://schemas.openxmlformats.org/markup-compatibility/2006">
-    <mc:Choice xmlns:p14="http://schemas.microsoft.com/office/powerpoint/2010/main" xmlns="" Requires="p14">
+  <mc:AlternateContent xmlns:mc="http://schemas.openxmlformats.org/markup-compatibility/2006" xmlns:p14="http://schemas.microsoft.com/office/powerpoint/2010/main">
+    <mc:Choice Requires="p14">
       <p:transition spd="slow" p14:dur="2000"/>
     </mc:Choice>
-    <mc:Fallback>
+    <mc:Fallback xmlns="">
       <p:transition spd="slow"/>
     </mc:Fallback>
   </mc:AlternateContent>
   <p:timing>
     <p:tnLst>
       <p:par>
-        <p:cTn id="1" dur="indefinite" restart="never" nodeType="tmRoot"/>
+        <p:cTn xmlns:p14="http://schemas.microsoft.com/office/powerpoint/2010/main" id="1" dur="indefinite" restart="never" nodeType="tmRoot"/>
       </p:par>
     </p:tnLst>
   </p:timing>
@@ -13580,25 +13580,25 @@
     </p:spTree>
     <p:extLst>
       <p:ext uri="{BB962C8B-B14F-4D97-AF65-F5344CB8AC3E}">
-        <p14:creationId xmlns:p14="http://schemas.microsoft.com/office/powerpoint/2010/main" xmlns="" val="560870364"/>
+        <p14:creationId xmlns:p14="http://schemas.microsoft.com/office/powerpoint/2010/main" val="560870364"/>
       </p:ext>
     </p:extLst>
   </p:cSld>
   <p:clrMapOvr>
     <a:masterClrMapping/>
   </p:clrMapOvr>
-  <mc:AlternateContent xmlns:mc="http://schemas.openxmlformats.org/markup-compatibility/2006">
-    <mc:Choice xmlns:p14="http://schemas.microsoft.com/office/powerpoint/2010/main" xmlns="" Requires="p14">
+  <mc:AlternateContent xmlns:mc="http://schemas.openxmlformats.org/markup-compatibility/2006" xmlns:p14="http://schemas.microsoft.com/office/powerpoint/2010/main">
+    <mc:Choice Requires="p14">
       <p:transition spd="slow" p14:dur="2000"/>
     </mc:Choice>
-    <mc:Fallback>
+    <mc:Fallback xmlns="">
       <p:transition spd="slow"/>
     </mc:Fallback>
   </mc:AlternateContent>
   <p:timing>
     <p:tnLst>
       <p:par>
-        <p:cTn id="1" dur="indefinite" restart="never" nodeType="tmRoot"/>
+        <p:cTn xmlns:p14="http://schemas.microsoft.com/office/powerpoint/2010/main" id="1" dur="indefinite" restart="never" nodeType="tmRoot"/>
       </p:par>
     </p:tnLst>
   </p:timing>
@@ -13889,25 +13889,25 @@
     </p:spTree>
     <p:extLst>
       <p:ext uri="{BB962C8B-B14F-4D97-AF65-F5344CB8AC3E}">
-        <p14:creationId xmlns:p14="http://schemas.microsoft.com/office/powerpoint/2010/main" xmlns="" val="518406238"/>
+        <p14:creationId xmlns:p14="http://schemas.microsoft.com/office/powerpoint/2010/main" val="518406238"/>
       </p:ext>
     </p:extLst>
   </p:cSld>
   <p:clrMapOvr>
     <a:masterClrMapping/>
   </p:clrMapOvr>
-  <mc:AlternateContent xmlns:mc="http://schemas.openxmlformats.org/markup-compatibility/2006">
-    <mc:Choice xmlns:p14="http://schemas.microsoft.com/office/powerpoint/2010/main" xmlns="" Requires="p14">
+  <mc:AlternateContent xmlns:mc="http://schemas.openxmlformats.org/markup-compatibility/2006" xmlns:p14="http://schemas.microsoft.com/office/powerpoint/2010/main">
+    <mc:Choice Requires="p14">
       <p:transition spd="slow" p14:dur="2000"/>
     </mc:Choice>
-    <mc:Fallback>
+    <mc:Fallback xmlns="">
       <p:transition spd="slow"/>
     </mc:Fallback>
   </mc:AlternateContent>
   <p:timing>
     <p:tnLst>
       <p:par>
-        <p:cTn id="1" dur="indefinite" restart="never" nodeType="tmRoot"/>
+        <p:cTn xmlns:p14="http://schemas.microsoft.com/office/powerpoint/2010/main" id="1" dur="indefinite" restart="never" nodeType="tmRoot"/>
       </p:par>
     </p:tnLst>
   </p:timing>
@@ -14198,25 +14198,25 @@
     </p:spTree>
     <p:extLst>
       <p:ext uri="{BB962C8B-B14F-4D97-AF65-F5344CB8AC3E}">
-        <p14:creationId xmlns:p14="http://schemas.microsoft.com/office/powerpoint/2010/main" xmlns="" val="3089945963"/>
+        <p14:creationId xmlns:p14="http://schemas.microsoft.com/office/powerpoint/2010/main" val="3089945963"/>
       </p:ext>
     </p:extLst>
   </p:cSld>
   <p:clrMapOvr>
     <a:masterClrMapping/>
   </p:clrMapOvr>
-  <mc:AlternateContent xmlns:mc="http://schemas.openxmlformats.org/markup-compatibility/2006">
-    <mc:Choice xmlns:p14="http://schemas.microsoft.com/office/powerpoint/2010/main" xmlns="" Requires="p14">
+  <mc:AlternateContent xmlns:mc="http://schemas.openxmlformats.org/markup-compatibility/2006" xmlns:p14="http://schemas.microsoft.com/office/powerpoint/2010/main">
+    <mc:Choice Requires="p14">
       <p:transition spd="slow" p14:dur="2000"/>
     </mc:Choice>
-    <mc:Fallback>
+    <mc:Fallback xmlns="">
       <p:transition spd="slow"/>
     </mc:Fallback>
   </mc:AlternateContent>
   <p:timing>
     <p:tnLst>
       <p:par>
-        <p:cTn id="1" dur="indefinite" restart="never" nodeType="tmRoot"/>
+        <p:cTn xmlns:p14="http://schemas.microsoft.com/office/powerpoint/2010/main" id="1" dur="indefinite" restart="never" nodeType="tmRoot"/>
       </p:par>
     </p:tnLst>
   </p:timing>
@@ -14553,25 +14553,25 @@
     </p:spTree>
     <p:extLst>
       <p:ext uri="{BB962C8B-B14F-4D97-AF65-F5344CB8AC3E}">
-        <p14:creationId xmlns:p14="http://schemas.microsoft.com/office/powerpoint/2010/main" xmlns="" val="3735783036"/>
+        <p14:creationId xmlns:p14="http://schemas.microsoft.com/office/powerpoint/2010/main" val="3735783036"/>
       </p:ext>
     </p:extLst>
   </p:cSld>
   <p:clrMapOvr>
     <a:masterClrMapping/>
   </p:clrMapOvr>
-  <mc:AlternateContent xmlns:mc="http://schemas.openxmlformats.org/markup-compatibility/2006">
-    <mc:Choice xmlns:p14="http://schemas.microsoft.com/office/powerpoint/2010/main" xmlns="" Requires="p14">
+  <mc:AlternateContent xmlns:mc="http://schemas.openxmlformats.org/markup-compatibility/2006" xmlns:p14="http://schemas.microsoft.com/office/powerpoint/2010/main">
+    <mc:Choice Requires="p14">
       <p:transition spd="slow" p14:dur="2000"/>
     </mc:Choice>
-    <mc:Fallback>
+    <mc:Fallback xmlns="">
       <p:transition spd="slow"/>
     </mc:Fallback>
   </mc:AlternateContent>
   <p:timing>
     <p:tnLst>
       <p:par>
-        <p:cTn id="1" dur="indefinite" restart="never" nodeType="tmRoot"/>
+        <p:cTn xmlns:p14="http://schemas.microsoft.com/office/powerpoint/2010/main" id="1" dur="indefinite" restart="never" nodeType="tmRoot"/>
       </p:par>
     </p:tnLst>
   </p:timing>
@@ -14874,25 +14874,25 @@
     </p:spTree>
     <p:extLst>
       <p:ext uri="{BB962C8B-B14F-4D97-AF65-F5344CB8AC3E}">
-        <p14:creationId xmlns:p14="http://schemas.microsoft.com/office/powerpoint/2010/main" xmlns="" val="820318166"/>
+        <p14:creationId xmlns:p14="http://schemas.microsoft.com/office/powerpoint/2010/main" val="820318166"/>
       </p:ext>
     </p:extLst>
   </p:cSld>
   <p:clrMapOvr>
     <a:masterClrMapping/>
   </p:clrMapOvr>
-  <mc:AlternateContent xmlns:mc="http://schemas.openxmlformats.org/markup-compatibility/2006">
-    <mc:Choice xmlns:p14="http://schemas.microsoft.com/office/powerpoint/2010/main" xmlns="" Requires="p14">
+  <mc:AlternateContent xmlns:mc="http://schemas.openxmlformats.org/markup-compatibility/2006" xmlns:p14="http://schemas.microsoft.com/office/powerpoint/2010/main">
+    <mc:Choice Requires="p14">
       <p:transition spd="slow" p14:dur="2000"/>
     </mc:Choice>
-    <mc:Fallback>
+    <mc:Fallback xmlns="">
       <p:transition spd="slow"/>
     </mc:Fallback>
   </mc:AlternateContent>
   <p:timing>
     <p:tnLst>
       <p:par>
-        <p:cTn id="1" dur="indefinite" restart="never" nodeType="tmRoot"/>
+        <p:cTn xmlns:p14="http://schemas.microsoft.com/office/powerpoint/2010/main" id="1" dur="indefinite" restart="never" nodeType="tmRoot"/>
       </p:par>
     </p:tnLst>
   </p:timing>
@@ -15153,74 +15153,28 @@
           </a:p>
         </p:txBody>
       </p:sp>
-      <p:sp>
-        <p:nvSpPr>
-          <p:cNvPr id="4" name="Ovale 3"/>
-          <p:cNvSpPr/>
-          <p:nvPr/>
-        </p:nvSpPr>
-        <p:spPr>
-          <a:xfrm>
-            <a:off x="2987824" y="2204864"/>
-            <a:ext cx="1656184" cy="720080"/>
-          </a:xfrm>
-          <a:prstGeom prst="ellipse">
-            <a:avLst/>
-          </a:prstGeom>
-          <a:noFill/>
-          <a:ln>
-            <a:solidFill>
-              <a:srgbClr val="FF0000"/>
-            </a:solidFill>
-          </a:ln>
-        </p:spPr>
-        <p:style>
-          <a:lnRef idx="2">
-            <a:schemeClr val="accent1">
-              <a:shade val="50000"/>
-            </a:schemeClr>
-          </a:lnRef>
-          <a:fillRef idx="1">
-            <a:schemeClr val="accent1"/>
-          </a:fillRef>
-          <a:effectRef idx="0">
-            <a:schemeClr val="accent1"/>
-          </a:effectRef>
-          <a:fontRef idx="minor">
-            <a:schemeClr val="lt1"/>
-          </a:fontRef>
-        </p:style>
-        <p:txBody>
-          <a:bodyPr rtlCol="0" anchor="ctr"/>
-          <a:lstStyle/>
-          <a:p>
-            <a:pPr algn="ctr"/>
-            <a:endParaRPr lang="it-IT"/>
-          </a:p>
-        </p:txBody>
-      </p:sp>
     </p:spTree>
     <p:extLst>
       <p:ext uri="{BB962C8B-B14F-4D97-AF65-F5344CB8AC3E}">
-        <p14:creationId xmlns:p14="http://schemas.microsoft.com/office/powerpoint/2010/main" xmlns="" val="2112585717"/>
+        <p14:creationId xmlns:p14="http://schemas.microsoft.com/office/powerpoint/2010/main" val="2112585717"/>
       </p:ext>
     </p:extLst>
   </p:cSld>
   <p:clrMapOvr>
     <a:masterClrMapping/>
   </p:clrMapOvr>
-  <mc:AlternateContent xmlns:mc="http://schemas.openxmlformats.org/markup-compatibility/2006">
-    <mc:Choice xmlns:p14="http://schemas.microsoft.com/office/powerpoint/2010/main" xmlns="" Requires="p14">
+  <mc:AlternateContent xmlns:mc="http://schemas.openxmlformats.org/markup-compatibility/2006" xmlns:p14="http://schemas.microsoft.com/office/powerpoint/2010/main">
+    <mc:Choice Requires="p14">
       <p:transition spd="slow" p14:dur="2000"/>
     </mc:Choice>
-    <mc:Fallback>
+    <mc:Fallback xmlns="">
       <p:transition spd="slow"/>
     </mc:Fallback>
   </mc:AlternateContent>
   <p:timing>
     <p:tnLst>
       <p:par>
-        <p:cTn id="1" dur="indefinite" restart="never" nodeType="tmRoot"/>
+        <p:cTn xmlns:p14="http://schemas.microsoft.com/office/powerpoint/2010/main" id="1" dur="indefinite" restart="never" nodeType="tmRoot"/>
       </p:par>
     </p:tnLst>
   </p:timing>
@@ -15495,25 +15449,25 @@
     </p:spTree>
     <p:extLst>
       <p:ext uri="{BB962C8B-B14F-4D97-AF65-F5344CB8AC3E}">
-        <p14:creationId xmlns:p14="http://schemas.microsoft.com/office/powerpoint/2010/main" xmlns="" val="2498309309"/>
+        <p14:creationId xmlns:p14="http://schemas.microsoft.com/office/powerpoint/2010/main" val="2498309309"/>
       </p:ext>
     </p:extLst>
   </p:cSld>
   <p:clrMapOvr>
     <a:masterClrMapping/>
   </p:clrMapOvr>
-  <mc:AlternateContent xmlns:mc="http://schemas.openxmlformats.org/markup-compatibility/2006">
-    <mc:Choice xmlns:p14="http://schemas.microsoft.com/office/powerpoint/2010/main" xmlns="" Requires="p14">
+  <mc:AlternateContent xmlns:mc="http://schemas.openxmlformats.org/markup-compatibility/2006" xmlns:p14="http://schemas.microsoft.com/office/powerpoint/2010/main">
+    <mc:Choice Requires="p14">
       <p:transition spd="slow" p14:dur="2000"/>
     </mc:Choice>
-    <mc:Fallback>
+    <mc:Fallback xmlns="">
       <p:transition spd="slow"/>
     </mc:Fallback>
   </mc:AlternateContent>
   <p:timing>
     <p:tnLst>
       <p:par>
-        <p:cTn id="1" dur="indefinite" restart="never" nodeType="tmRoot"/>
+        <p:cTn xmlns:p14="http://schemas.microsoft.com/office/powerpoint/2010/main" id="1" dur="indefinite" restart="never" nodeType="tmRoot"/>
       </p:par>
     </p:tnLst>
   </p:timing>
@@ -15800,25 +15754,25 @@
     </p:spTree>
     <p:extLst>
       <p:ext uri="{BB962C8B-B14F-4D97-AF65-F5344CB8AC3E}">
-        <p14:creationId xmlns:p14="http://schemas.microsoft.com/office/powerpoint/2010/main" xmlns="" val="490993421"/>
+        <p14:creationId xmlns:p14="http://schemas.microsoft.com/office/powerpoint/2010/main" val="490993421"/>
       </p:ext>
     </p:extLst>
   </p:cSld>
   <p:clrMapOvr>
     <a:masterClrMapping/>
   </p:clrMapOvr>
-  <mc:AlternateContent xmlns:mc="http://schemas.openxmlformats.org/markup-compatibility/2006">
-    <mc:Choice xmlns:p14="http://schemas.microsoft.com/office/powerpoint/2010/main" xmlns="" Requires="p14">
+  <mc:AlternateContent xmlns:mc="http://schemas.openxmlformats.org/markup-compatibility/2006" xmlns:p14="http://schemas.microsoft.com/office/powerpoint/2010/main">
+    <mc:Choice Requires="p14">
       <p:transition spd="slow" p14:dur="2000"/>
     </mc:Choice>
-    <mc:Fallback>
+    <mc:Fallback xmlns="">
       <p:transition spd="slow"/>
     </mc:Fallback>
   </mc:AlternateContent>
   <p:timing>
     <p:tnLst>
       <p:par>
-        <p:cTn id="1" dur="indefinite" restart="never" nodeType="tmRoot"/>
+        <p:cTn xmlns:p14="http://schemas.microsoft.com/office/powerpoint/2010/main" id="1" dur="indefinite" restart="never" nodeType="tmRoot"/>
       </p:par>
     </p:tnLst>
   </p:timing>
@@ -16077,25 +16031,25 @@
     </p:spTree>
     <p:extLst>
       <p:ext uri="{BB962C8B-B14F-4D97-AF65-F5344CB8AC3E}">
-        <p14:creationId xmlns:p14="http://schemas.microsoft.com/office/powerpoint/2010/main" xmlns="" val="1982603412"/>
+        <p14:creationId xmlns:p14="http://schemas.microsoft.com/office/powerpoint/2010/main" val="1982603412"/>
       </p:ext>
     </p:extLst>
   </p:cSld>
   <p:clrMapOvr>
     <a:masterClrMapping/>
   </p:clrMapOvr>
-  <mc:AlternateContent xmlns:mc="http://schemas.openxmlformats.org/markup-compatibility/2006">
-    <mc:Choice xmlns:p14="http://schemas.microsoft.com/office/powerpoint/2010/main" xmlns="" Requires="p14">
+  <mc:AlternateContent xmlns:mc="http://schemas.openxmlformats.org/markup-compatibility/2006" xmlns:p14="http://schemas.microsoft.com/office/powerpoint/2010/main">
+    <mc:Choice Requires="p14">
       <p:transition spd="slow" p14:dur="2000"/>
     </mc:Choice>
-    <mc:Fallback>
+    <mc:Fallback xmlns="">
       <p:transition spd="slow"/>
     </mc:Fallback>
   </mc:AlternateContent>
   <p:timing>
     <p:tnLst>
       <p:par>
-        <p:cTn id="1" dur="indefinite" restart="never" nodeType="tmRoot"/>
+        <p:cTn xmlns:p14="http://schemas.microsoft.com/office/powerpoint/2010/main" id="1" dur="indefinite" restart="never" nodeType="tmRoot"/>
       </p:par>
     </p:tnLst>
   </p:timing>
@@ -16178,25 +16132,25 @@
     </p:spTree>
     <p:extLst>
       <p:ext uri="{BB962C8B-B14F-4D97-AF65-F5344CB8AC3E}">
-        <p14:creationId xmlns:p14="http://schemas.microsoft.com/office/powerpoint/2010/main" xmlns="" val="3486681628"/>
+        <p14:creationId xmlns:p14="http://schemas.microsoft.com/office/powerpoint/2010/main" val="3486681628"/>
       </p:ext>
     </p:extLst>
   </p:cSld>
   <p:clrMapOvr>
     <a:masterClrMapping/>
   </p:clrMapOvr>
-  <mc:AlternateContent xmlns:mc="http://schemas.openxmlformats.org/markup-compatibility/2006">
-    <mc:Choice xmlns:p14="http://schemas.microsoft.com/office/powerpoint/2010/main" xmlns="" Requires="p14">
+  <mc:AlternateContent xmlns:mc="http://schemas.openxmlformats.org/markup-compatibility/2006" xmlns:p14="http://schemas.microsoft.com/office/powerpoint/2010/main">
+    <mc:Choice Requires="p14">
       <p:transition spd="slow" p14:dur="2000"/>
     </mc:Choice>
-    <mc:Fallback>
+    <mc:Fallback xmlns="">
       <p:transition spd="slow"/>
     </mc:Fallback>
   </mc:AlternateContent>
   <p:timing>
     <p:tnLst>
       <p:par>
-        <p:cTn id="1" dur="indefinite" restart="never" nodeType="tmRoot"/>
+        <p:cTn xmlns:p14="http://schemas.microsoft.com/office/powerpoint/2010/main" id="1" dur="indefinite" restart="never" nodeType="tmRoot"/>
       </p:par>
     </p:tnLst>
   </p:timing>
@@ -16489,6 +16443,10 @@
           </a:p>
           <a:p>
             <a:pPr lvl="2"/>
+            <a:r>
+              <a:rPr lang="it-IT" dirty="0" smtClean="0"/>
+              <a:t>Manutenibilità</a:t>
+            </a:r>
             <a:endParaRPr lang="it-IT" dirty="0"/>
           </a:p>
         </p:txBody>
@@ -16496,25 +16454,25 @@
     </p:spTree>
     <p:extLst>
       <p:ext uri="{BB962C8B-B14F-4D97-AF65-F5344CB8AC3E}">
-        <p14:creationId xmlns:p14="http://schemas.microsoft.com/office/powerpoint/2010/main" xmlns="" val="2167458548"/>
+        <p14:creationId xmlns:p14="http://schemas.microsoft.com/office/powerpoint/2010/main" val="2167458548"/>
       </p:ext>
     </p:extLst>
   </p:cSld>
   <p:clrMapOvr>
     <a:masterClrMapping/>
   </p:clrMapOvr>
-  <mc:AlternateContent xmlns:mc="http://schemas.openxmlformats.org/markup-compatibility/2006">
-    <mc:Choice xmlns:p14="http://schemas.microsoft.com/office/powerpoint/2010/main" xmlns="" Requires="p14">
+  <mc:AlternateContent xmlns:mc="http://schemas.openxmlformats.org/markup-compatibility/2006" xmlns:p14="http://schemas.microsoft.com/office/powerpoint/2010/main">
+    <mc:Choice Requires="p14">
       <p:transition spd="slow" p14:dur="2000"/>
     </mc:Choice>
-    <mc:Fallback>
+    <mc:Fallback xmlns="">
       <p:transition spd="slow"/>
     </mc:Fallback>
   </mc:AlternateContent>
   <p:timing>
     <p:tnLst>
       <p:par>
-        <p:cTn id="1" dur="indefinite" restart="never" nodeType="tmRoot"/>
+        <p:cTn xmlns:p14="http://schemas.microsoft.com/office/powerpoint/2010/main" id="1" dur="indefinite" restart="never" nodeType="tmRoot"/>
       </p:par>
     </p:tnLst>
   </p:timing>
@@ -16603,25 +16561,25 @@
     </p:spTree>
     <p:extLst>
       <p:ext uri="{BB962C8B-B14F-4D97-AF65-F5344CB8AC3E}">
-        <p14:creationId xmlns:p14="http://schemas.microsoft.com/office/powerpoint/2010/main" xmlns="" val="77984983"/>
+        <p14:creationId xmlns:p14="http://schemas.microsoft.com/office/powerpoint/2010/main" val="77984983"/>
       </p:ext>
     </p:extLst>
   </p:cSld>
   <p:clrMapOvr>
     <a:masterClrMapping/>
   </p:clrMapOvr>
-  <mc:AlternateContent xmlns:mc="http://schemas.openxmlformats.org/markup-compatibility/2006">
-    <mc:Choice xmlns:p14="http://schemas.microsoft.com/office/powerpoint/2010/main" xmlns="" Requires="p14">
+  <mc:AlternateContent xmlns:mc="http://schemas.openxmlformats.org/markup-compatibility/2006" xmlns:p14="http://schemas.microsoft.com/office/powerpoint/2010/main">
+    <mc:Choice Requires="p14">
       <p:transition spd="slow" p14:dur="2000"/>
     </mc:Choice>
-    <mc:Fallback>
+    <mc:Fallback xmlns="">
       <p:transition spd="slow"/>
     </mc:Fallback>
   </mc:AlternateContent>
   <p:timing>
     <p:tnLst>
       <p:par>
-        <p:cTn id="1" dur="indefinite" restart="never" nodeType="tmRoot"/>
+        <p:cTn xmlns:p14="http://schemas.microsoft.com/office/powerpoint/2010/main" id="1" dur="indefinite" restart="never" nodeType="tmRoot"/>
       </p:par>
     </p:tnLst>
   </p:timing>
@@ -16710,25 +16668,25 @@
     </p:spTree>
     <p:extLst>
       <p:ext uri="{BB962C8B-B14F-4D97-AF65-F5344CB8AC3E}">
-        <p14:creationId xmlns:p14="http://schemas.microsoft.com/office/powerpoint/2010/main" xmlns="" val="3690446741"/>
+        <p14:creationId xmlns:p14="http://schemas.microsoft.com/office/powerpoint/2010/main" val="3690446741"/>
       </p:ext>
     </p:extLst>
   </p:cSld>
   <p:clrMapOvr>
     <a:masterClrMapping/>
   </p:clrMapOvr>
-  <mc:AlternateContent xmlns:mc="http://schemas.openxmlformats.org/markup-compatibility/2006">
-    <mc:Choice xmlns:p14="http://schemas.microsoft.com/office/powerpoint/2010/main" xmlns="" Requires="p14">
+  <mc:AlternateContent xmlns:mc="http://schemas.openxmlformats.org/markup-compatibility/2006" xmlns:p14="http://schemas.microsoft.com/office/powerpoint/2010/main">
+    <mc:Choice Requires="p14">
       <p:transition spd="slow" p14:dur="2000"/>
     </mc:Choice>
-    <mc:Fallback>
+    <mc:Fallback xmlns="">
       <p:transition spd="slow"/>
     </mc:Fallback>
   </mc:AlternateContent>
   <p:timing>
     <p:tnLst>
       <p:par>
-        <p:cTn id="1" dur="indefinite" restart="never" nodeType="tmRoot"/>
+        <p:cTn xmlns:p14="http://schemas.microsoft.com/office/powerpoint/2010/main" id="1" dur="indefinite" restart="never" nodeType="tmRoot"/>
       </p:par>
     </p:tnLst>
   </p:timing>
@@ -16949,25 +16907,25 @@
     </p:spTree>
     <p:extLst>
       <p:ext uri="{BB962C8B-B14F-4D97-AF65-F5344CB8AC3E}">
-        <p14:creationId xmlns:p14="http://schemas.microsoft.com/office/powerpoint/2010/main" xmlns="" val="1921668123"/>
+        <p14:creationId xmlns:p14="http://schemas.microsoft.com/office/powerpoint/2010/main" val="1921668123"/>
       </p:ext>
     </p:extLst>
   </p:cSld>
   <p:clrMapOvr>
     <a:masterClrMapping/>
   </p:clrMapOvr>
-  <mc:AlternateContent xmlns:mc="http://schemas.openxmlformats.org/markup-compatibility/2006">
-    <mc:Choice xmlns:p14="http://schemas.microsoft.com/office/powerpoint/2010/main" xmlns="" Requires="p14">
+  <mc:AlternateContent xmlns:mc="http://schemas.openxmlformats.org/markup-compatibility/2006" xmlns:p14="http://schemas.microsoft.com/office/powerpoint/2010/main">
+    <mc:Choice Requires="p14">
       <p:transition spd="slow" p14:dur="2000"/>
     </mc:Choice>
-    <mc:Fallback>
+    <mc:Fallback xmlns="">
       <p:transition spd="slow"/>
     </mc:Fallback>
   </mc:AlternateContent>
   <p:timing>
     <p:tnLst>
       <p:par>
-        <p:cTn id="1" dur="indefinite" restart="never" nodeType="tmRoot"/>
+        <p:cTn xmlns:p14="http://schemas.microsoft.com/office/powerpoint/2010/main" id="1" dur="indefinite" restart="never" nodeType="tmRoot"/>
       </p:par>
     </p:tnLst>
   </p:timing>
@@ -17308,25 +17266,25 @@
     </p:spTree>
     <p:extLst>
       <p:ext uri="{BB962C8B-B14F-4D97-AF65-F5344CB8AC3E}">
-        <p14:creationId xmlns:p14="http://schemas.microsoft.com/office/powerpoint/2010/main" xmlns="" val="1766382090"/>
+        <p14:creationId xmlns:p14="http://schemas.microsoft.com/office/powerpoint/2010/main" val="1766382090"/>
       </p:ext>
     </p:extLst>
   </p:cSld>
   <p:clrMapOvr>
     <a:masterClrMapping/>
   </p:clrMapOvr>
-  <mc:AlternateContent xmlns:mc="http://schemas.openxmlformats.org/markup-compatibility/2006">
-    <mc:Choice xmlns:p14="http://schemas.microsoft.com/office/powerpoint/2010/main" xmlns="" Requires="p14">
+  <mc:AlternateContent xmlns:mc="http://schemas.openxmlformats.org/markup-compatibility/2006" xmlns:p14="http://schemas.microsoft.com/office/powerpoint/2010/main">
+    <mc:Choice Requires="p14">
       <p:transition spd="slow" p14:dur="2000"/>
     </mc:Choice>
-    <mc:Fallback>
+    <mc:Fallback xmlns="">
       <p:transition spd="slow"/>
     </mc:Fallback>
   </mc:AlternateContent>
   <p:timing>
     <p:tnLst>
       <p:par>
-        <p:cTn id="1" dur="indefinite" restart="never" nodeType="tmRoot"/>
+        <p:cTn xmlns:p14="http://schemas.microsoft.com/office/powerpoint/2010/main" id="1" dur="indefinite" restart="never" nodeType="tmRoot"/>
       </p:par>
     </p:tnLst>
   </p:timing>
@@ -17608,25 +17566,25 @@
     </p:spTree>
     <p:extLst>
       <p:ext uri="{BB962C8B-B14F-4D97-AF65-F5344CB8AC3E}">
-        <p14:creationId xmlns:p14="http://schemas.microsoft.com/office/powerpoint/2010/main" xmlns="" val="2809531644"/>
+        <p14:creationId xmlns:p14="http://schemas.microsoft.com/office/powerpoint/2010/main" val="2809531644"/>
       </p:ext>
     </p:extLst>
   </p:cSld>
   <p:clrMapOvr>
     <a:masterClrMapping/>
   </p:clrMapOvr>
-  <mc:AlternateContent xmlns:mc="http://schemas.openxmlformats.org/markup-compatibility/2006">
-    <mc:Choice xmlns:p14="http://schemas.microsoft.com/office/powerpoint/2010/main" xmlns="" Requires="p14">
+  <mc:AlternateContent xmlns:mc="http://schemas.openxmlformats.org/markup-compatibility/2006" xmlns:p14="http://schemas.microsoft.com/office/powerpoint/2010/main">
+    <mc:Choice Requires="p14">
       <p:transition spd="slow" p14:dur="2000"/>
     </mc:Choice>
-    <mc:Fallback>
+    <mc:Fallback xmlns="">
       <p:transition spd="slow"/>
     </mc:Fallback>
   </mc:AlternateContent>
   <p:timing>
     <p:tnLst>
       <p:par>
-        <p:cTn id="1" dur="indefinite" restart="never" nodeType="tmRoot"/>
+        <p:cTn xmlns:p14="http://schemas.microsoft.com/office/powerpoint/2010/main" id="1" dur="indefinite" restart="never" nodeType="tmRoot"/>
       </p:par>
     </p:tnLst>
   </p:timing>
@@ -17770,25 +17728,25 @@
     </p:spTree>
     <p:extLst>
       <p:ext uri="{BB962C8B-B14F-4D97-AF65-F5344CB8AC3E}">
-        <p14:creationId xmlns:p14="http://schemas.microsoft.com/office/powerpoint/2010/main" xmlns="" val="2052235477"/>
+        <p14:creationId xmlns:p14="http://schemas.microsoft.com/office/powerpoint/2010/main" val="2052235477"/>
       </p:ext>
     </p:extLst>
   </p:cSld>
   <p:clrMapOvr>
     <a:masterClrMapping/>
   </p:clrMapOvr>
-  <mc:AlternateContent xmlns:mc="http://schemas.openxmlformats.org/markup-compatibility/2006">
-    <mc:Choice xmlns:p14="http://schemas.microsoft.com/office/powerpoint/2010/main" xmlns="" Requires="p14">
+  <mc:AlternateContent xmlns:mc="http://schemas.openxmlformats.org/markup-compatibility/2006" xmlns:p14="http://schemas.microsoft.com/office/powerpoint/2010/main">
+    <mc:Choice Requires="p14">
       <p:transition spd="slow" p14:dur="2000"/>
     </mc:Choice>
-    <mc:Fallback>
+    <mc:Fallback xmlns="">
       <p:transition spd="slow"/>
     </mc:Fallback>
   </mc:AlternateContent>
   <p:timing>
     <p:tnLst>
       <p:par>
-        <p:cTn id="1" dur="indefinite" restart="never" nodeType="tmRoot"/>
+        <p:cTn xmlns:p14="http://schemas.microsoft.com/office/powerpoint/2010/main" id="1" dur="indefinite" restart="never" nodeType="tmRoot"/>
       </p:par>
     </p:tnLst>
   </p:timing>
@@ -17844,7 +17802,7 @@
     </p:spTree>
     <p:extLst>
       <p:ext uri="{BB962C8B-B14F-4D97-AF65-F5344CB8AC3E}">
-        <p14:creationId xmlns:p14="http://schemas.microsoft.com/office/powerpoint/2010/main" xmlns="" val="1378357901"/>
+        <p14:creationId xmlns:p14="http://schemas.microsoft.com/office/powerpoint/2010/main" val="1378357901"/>
       </p:ext>
     </p:extLst>
   </p:cSld>
@@ -17854,7 +17812,7 @@
   <p:timing>
     <p:tnLst>
       <p:par>
-        <p:cTn id="1" dur="indefinite" restart="never" nodeType="tmRoot"/>
+        <p:cTn xmlns:p14="http://schemas.microsoft.com/office/powerpoint/2010/main" id="1" dur="indefinite" restart="never" nodeType="tmRoot"/>
       </p:par>
     </p:tnLst>
   </p:timing>
@@ -17934,7 +17892,7 @@
           <p:nvPr>
             <p:extLst>
               <p:ext uri="{D42A27DB-BD31-4B8C-83A1-F6EECF244321}">
-                <p14:modId xmlns:p14="http://schemas.microsoft.com/office/powerpoint/2010/main" xmlns="" val="2256308220"/>
+                <p14:modId xmlns:p14="http://schemas.microsoft.com/office/powerpoint/2010/main" val="2256308220"/>
               </p:ext>
             </p:extLst>
           </p:nvPr>
@@ -18519,25 +18477,25 @@
     </p:spTree>
     <p:extLst>
       <p:ext uri="{BB962C8B-B14F-4D97-AF65-F5344CB8AC3E}">
-        <p14:creationId xmlns:p14="http://schemas.microsoft.com/office/powerpoint/2010/main" xmlns="" val="1730443546"/>
+        <p14:creationId xmlns:p14="http://schemas.microsoft.com/office/powerpoint/2010/main" val="1730443546"/>
       </p:ext>
     </p:extLst>
   </p:cSld>
   <p:clrMapOvr>
     <a:masterClrMapping/>
   </p:clrMapOvr>
-  <mc:AlternateContent xmlns:mc="http://schemas.openxmlformats.org/markup-compatibility/2006">
-    <mc:Choice xmlns:p14="http://schemas.microsoft.com/office/powerpoint/2010/main" xmlns="" Requires="p14">
+  <mc:AlternateContent xmlns:mc="http://schemas.openxmlformats.org/markup-compatibility/2006" xmlns:p14="http://schemas.microsoft.com/office/powerpoint/2010/main">
+    <mc:Choice Requires="p14">
       <p:transition spd="slow" p14:dur="2000"/>
     </mc:Choice>
-    <mc:Fallback>
+    <mc:Fallback xmlns="">
       <p:transition spd="slow"/>
     </mc:Fallback>
   </mc:AlternateContent>
   <p:timing>
     <p:tnLst>
       <p:par>
-        <p:cTn id="1" dur="indefinite" restart="never" nodeType="tmRoot"/>
+        <p:cTn xmlns:p14="http://schemas.microsoft.com/office/powerpoint/2010/main" id="1" dur="indefinite" restart="never" nodeType="tmRoot"/>
       </p:par>
     </p:tnLst>
   </p:timing>
@@ -19007,25 +18965,25 @@
     </p:spTree>
     <p:extLst>
       <p:ext uri="{BB962C8B-B14F-4D97-AF65-F5344CB8AC3E}">
-        <p14:creationId xmlns:p14="http://schemas.microsoft.com/office/powerpoint/2010/main" xmlns="" val="1629831378"/>
+        <p14:creationId xmlns:p14="http://schemas.microsoft.com/office/powerpoint/2010/main" val="1629831378"/>
       </p:ext>
     </p:extLst>
   </p:cSld>
   <p:clrMapOvr>
     <a:masterClrMapping/>
   </p:clrMapOvr>
-  <mc:AlternateContent xmlns:mc="http://schemas.openxmlformats.org/markup-compatibility/2006">
-    <mc:Choice xmlns:p14="http://schemas.microsoft.com/office/powerpoint/2010/main" xmlns="" Requires="p14">
+  <mc:AlternateContent xmlns:mc="http://schemas.openxmlformats.org/markup-compatibility/2006" xmlns:p14="http://schemas.microsoft.com/office/powerpoint/2010/main">
+    <mc:Choice Requires="p14">
       <p:transition spd="slow" p14:dur="2000"/>
     </mc:Choice>
-    <mc:Fallback>
+    <mc:Fallback xmlns="">
       <p:transition spd="slow"/>
     </mc:Fallback>
   </mc:AlternateContent>
   <p:timing>
     <p:tnLst>
       <p:par>
-        <p:cTn id="1" dur="indefinite" restart="never" nodeType="tmRoot"/>
+        <p:cTn xmlns:p14="http://schemas.microsoft.com/office/powerpoint/2010/main" id="1" dur="indefinite" restart="never" nodeType="tmRoot"/>
       </p:par>
     </p:tnLst>
   </p:timing>
@@ -19061,7 +19019,7 @@
           <a:blip r:embed="rId2" cstate="print">
             <a:extLst>
               <a:ext uri="{28A0092B-C50C-407E-A947-70E740481C1C}">
-                <a14:useLocalDpi xmlns:a14="http://schemas.microsoft.com/office/drawing/2010/main" xmlns="" val="0"/>
+                <a14:useLocalDpi xmlns:a14="http://schemas.microsoft.com/office/drawing/2010/main" val="0"/>
               </a:ext>
             </a:extLst>
           </a:blip>
@@ -19081,7 +19039,7 @@
           <a:noFill/>
           <a:extLst>
             <a:ext uri="{909E8E84-426E-40dd-AFC4-6F175D3DCCD1}">
-              <a14:hiddenFill xmlns:a14="http://schemas.microsoft.com/office/drawing/2010/main" xmlns="">
+              <a14:hiddenFill xmlns:a14="http://schemas.microsoft.com/office/drawing/2010/main">
                 <a:solidFill>
                   <a:srgbClr val="FFFFFF"/>
                 </a:solidFill>
@@ -19164,25 +19122,25 @@
     </p:spTree>
     <p:extLst>
       <p:ext uri="{BB962C8B-B14F-4D97-AF65-F5344CB8AC3E}">
-        <p14:creationId xmlns:p14="http://schemas.microsoft.com/office/powerpoint/2010/main" xmlns="" val="2367797895"/>
+        <p14:creationId xmlns:p14="http://schemas.microsoft.com/office/powerpoint/2010/main" val="2367797895"/>
       </p:ext>
     </p:extLst>
   </p:cSld>
   <p:clrMapOvr>
     <a:masterClrMapping/>
   </p:clrMapOvr>
-  <mc:AlternateContent xmlns:mc="http://schemas.openxmlformats.org/markup-compatibility/2006">
-    <mc:Choice xmlns:p14="http://schemas.microsoft.com/office/powerpoint/2010/main" xmlns="" Requires="p14">
+  <mc:AlternateContent xmlns:mc="http://schemas.openxmlformats.org/markup-compatibility/2006" xmlns:p14="http://schemas.microsoft.com/office/powerpoint/2010/main">
+    <mc:Choice Requires="p14">
       <p:transition spd="slow" p14:dur="2000"/>
     </mc:Choice>
-    <mc:Fallback>
+    <mc:Fallback xmlns="">
       <p:transition spd="slow"/>
     </mc:Fallback>
   </mc:AlternateContent>
   <p:timing>
     <p:tnLst>
       <p:par>
-        <p:cTn id="1" dur="indefinite" restart="never" nodeType="tmRoot"/>
+        <p:cTn xmlns:p14="http://schemas.microsoft.com/office/powerpoint/2010/main" id="1" dur="indefinite" restart="never" nodeType="tmRoot"/>
       </p:par>
     </p:tnLst>
   </p:timing>
@@ -19552,18 +19510,18 @@
     </p:spTree>
     <p:extLst>
       <p:ext uri="{BB962C8B-B14F-4D97-AF65-F5344CB8AC3E}">
-        <p14:creationId xmlns:p14="http://schemas.microsoft.com/office/powerpoint/2010/main" xmlns="" val="2781102722"/>
+        <p14:creationId xmlns:p14="http://schemas.microsoft.com/office/powerpoint/2010/main" val="2781102722"/>
       </p:ext>
     </p:extLst>
   </p:cSld>
   <p:clrMapOvr>
     <a:masterClrMapping/>
   </p:clrMapOvr>
-  <p:transition spd="slow"/>
+  <p:transition xmlns:p14="http://schemas.microsoft.com/office/powerpoint/2010/main" spd="slow"/>
   <p:timing>
     <p:tnLst>
       <p:par>
-        <p:cTn id="1" dur="indefinite" restart="never" nodeType="tmRoot">
+        <p:cTn xmlns:p14="http://schemas.microsoft.com/office/powerpoint/2010/main" id="1" dur="indefinite" restart="never" nodeType="tmRoot">
           <p:childTnLst>
             <p:seq concurrent="1" nextAc="seek">
               <p:cTn id="2" dur="indefinite" nodeType="mainSeq">
@@ -20165,25 +20123,25 @@
     </p:spTree>
     <p:extLst>
       <p:ext uri="{BB962C8B-B14F-4D97-AF65-F5344CB8AC3E}">
-        <p14:creationId xmlns:p14="http://schemas.microsoft.com/office/powerpoint/2010/main" xmlns="" val="3452883339"/>
+        <p14:creationId xmlns:p14="http://schemas.microsoft.com/office/powerpoint/2010/main" val="3452883339"/>
       </p:ext>
     </p:extLst>
   </p:cSld>
   <p:clrMapOvr>
     <a:masterClrMapping/>
   </p:clrMapOvr>
-  <mc:AlternateContent xmlns:mc="http://schemas.openxmlformats.org/markup-compatibility/2006">
-    <mc:Choice xmlns:p14="http://schemas.microsoft.com/office/powerpoint/2010/main" xmlns="" Requires="p14">
+  <mc:AlternateContent xmlns:mc="http://schemas.openxmlformats.org/markup-compatibility/2006" xmlns:p14="http://schemas.microsoft.com/office/powerpoint/2010/main">
+    <mc:Choice Requires="p14">
       <p:transition spd="slow" p14:dur="2000"/>
     </mc:Choice>
-    <mc:Fallback>
+    <mc:Fallback xmlns="">
       <p:transition spd="slow"/>
     </mc:Fallback>
   </mc:AlternateContent>
   <p:timing>
     <p:tnLst>
       <p:par>
-        <p:cTn id="1" dur="indefinite" restart="never" nodeType="tmRoot">
+        <p:cTn xmlns:p14="http://schemas.microsoft.com/office/powerpoint/2010/main" id="1" dur="indefinite" restart="never" nodeType="tmRoot">
           <p:childTnLst>
             <p:seq concurrent="1" nextAc="seek">
               <p:cTn id="2" dur="indefinite" nodeType="mainSeq">
@@ -21085,25 +21043,25 @@
     </p:spTree>
     <p:extLst>
       <p:ext uri="{BB962C8B-B14F-4D97-AF65-F5344CB8AC3E}">
-        <p14:creationId xmlns:p14="http://schemas.microsoft.com/office/powerpoint/2010/main" xmlns="" val="1827848310"/>
+        <p14:creationId xmlns:p14="http://schemas.microsoft.com/office/powerpoint/2010/main" val="1827848310"/>
       </p:ext>
     </p:extLst>
   </p:cSld>
   <p:clrMapOvr>
     <a:masterClrMapping/>
   </p:clrMapOvr>
-  <mc:AlternateContent xmlns:mc="http://schemas.openxmlformats.org/markup-compatibility/2006">
-    <mc:Choice xmlns:p14="http://schemas.microsoft.com/office/powerpoint/2010/main" xmlns="" Requires="p14">
+  <mc:AlternateContent xmlns:mc="http://schemas.openxmlformats.org/markup-compatibility/2006" xmlns:p14="http://schemas.microsoft.com/office/powerpoint/2010/main">
+    <mc:Choice Requires="p14">
       <p:transition spd="slow" p14:dur="2000"/>
     </mc:Choice>
-    <mc:Fallback>
+    <mc:Fallback xmlns="">
       <p:transition spd="slow"/>
     </mc:Fallback>
   </mc:AlternateContent>
   <p:timing>
     <p:tnLst>
       <p:par>
-        <p:cTn id="1" dur="indefinite" restart="never" nodeType="tmRoot">
+        <p:cTn xmlns:p14="http://schemas.microsoft.com/office/powerpoint/2010/main" id="1" dur="indefinite" restart="never" nodeType="tmRoot">
           <p:childTnLst>
             <p:seq concurrent="1" nextAc="seek">
               <p:cTn id="2" dur="indefinite" nodeType="mainSeq">
@@ -22054,25 +22012,25 @@
     </p:spTree>
     <p:extLst>
       <p:ext uri="{BB962C8B-B14F-4D97-AF65-F5344CB8AC3E}">
-        <p14:creationId xmlns:p14="http://schemas.microsoft.com/office/powerpoint/2010/main" xmlns="" val="2616731691"/>
+        <p14:creationId xmlns:p14="http://schemas.microsoft.com/office/powerpoint/2010/main" val="2616731691"/>
       </p:ext>
     </p:extLst>
   </p:cSld>
   <p:clrMapOvr>
     <a:masterClrMapping/>
   </p:clrMapOvr>
-  <mc:AlternateContent xmlns:mc="http://schemas.openxmlformats.org/markup-compatibility/2006">
-    <mc:Choice xmlns:p14="http://schemas.microsoft.com/office/powerpoint/2010/main" xmlns="" Requires="p14">
+  <mc:AlternateContent xmlns:mc="http://schemas.openxmlformats.org/markup-compatibility/2006" xmlns:p14="http://schemas.microsoft.com/office/powerpoint/2010/main">
+    <mc:Choice Requires="p14">
       <p:transition spd="slow" p14:dur="2000"/>
     </mc:Choice>
-    <mc:Fallback>
+    <mc:Fallback xmlns="">
       <p:transition spd="slow"/>
     </mc:Fallback>
   </mc:AlternateContent>
   <p:timing>
     <p:tnLst>
       <p:par>
-        <p:cTn id="1" dur="indefinite" restart="never" nodeType="tmRoot">
+        <p:cTn xmlns:p14="http://schemas.microsoft.com/office/powerpoint/2010/main" id="1" dur="indefinite" restart="never" nodeType="tmRoot">
           <p:childTnLst>
             <p:seq concurrent="1" nextAc="seek">
               <p:cTn id="2" dur="indefinite" nodeType="mainSeq">
@@ -22121,50 +22079,6 @@
                                         <p:cTn id="7" dur="2000"/>
                                         <p:tgtEl>
                                           <p:spTgt spid="6"/>
-                                        </p:tgtEl>
-                                      </p:cBhvr>
-                                    </p:animEffect>
-                                  </p:childTnLst>
-                                </p:cTn>
-                              </p:par>
-                            </p:childTnLst>
-                          </p:cTn>
-                        </p:par>
-                        <p:par>
-                          <p:cTn id="8" fill="hold">
-                            <p:stCondLst>
-                              <p:cond delay="2000"/>
-                            </p:stCondLst>
-                            <p:childTnLst>
-                              <p:par>
-                                <p:cTn id="9" presetID="10" presetClass="entr" presetSubtype="0" fill="hold" nodeType="afterEffect">
-                                  <p:stCondLst>
-                                    <p:cond delay="0"/>
-                                  </p:stCondLst>
-                                  <p:childTnLst>
-                                    <p:set>
-                                      <p:cBhvr>
-                                        <p:cTn id="10" dur="1" fill="hold">
-                                          <p:stCondLst>
-                                            <p:cond delay="0"/>
-                                          </p:stCondLst>
-                                        </p:cTn>
-                                        <p:tgtEl>
-                                          <p:spTgt spid="1026"/>
-                                        </p:tgtEl>
-                                        <p:attrNameLst>
-                                          <p:attrName>style.visibility</p:attrName>
-                                        </p:attrNameLst>
-                                      </p:cBhvr>
-                                      <p:to>
-                                        <p:strVal val="visible"/>
-                                      </p:to>
-                                    </p:set>
-                                    <p:animEffect transition="in" filter="fade">
-                                      <p:cBhvr>
-                                        <p:cTn id="11" dur="2000"/>
-                                        <p:tgtEl>
-                                          <p:spTgt spid="1026"/>
                                         </p:tgtEl>
                                       </p:cBhvr>
                                     </p:animEffect>
@@ -22540,25 +22454,25 @@
     </p:spTree>
     <p:extLst>
       <p:ext uri="{BB962C8B-B14F-4D97-AF65-F5344CB8AC3E}">
-        <p14:creationId xmlns:p14="http://schemas.microsoft.com/office/powerpoint/2010/main" xmlns="" val="1358147143"/>
+        <p14:creationId xmlns:p14="http://schemas.microsoft.com/office/powerpoint/2010/main" val="1358147143"/>
       </p:ext>
     </p:extLst>
   </p:cSld>
   <p:clrMapOvr>
     <a:masterClrMapping/>
   </p:clrMapOvr>
-  <mc:AlternateContent xmlns:mc="http://schemas.openxmlformats.org/markup-compatibility/2006">
-    <mc:Choice xmlns:p14="http://schemas.microsoft.com/office/powerpoint/2010/main" xmlns="" Requires="p14">
+  <mc:AlternateContent xmlns:mc="http://schemas.openxmlformats.org/markup-compatibility/2006" xmlns:p14="http://schemas.microsoft.com/office/powerpoint/2010/main">
+    <mc:Choice Requires="p14">
       <p:transition spd="slow" p14:dur="2000"/>
     </mc:Choice>
-    <mc:Fallback>
+    <mc:Fallback xmlns="">
       <p:transition spd="slow"/>
     </mc:Fallback>
   </mc:AlternateContent>
   <p:timing>
     <p:tnLst>
       <p:par>
-        <p:cTn id="1" dur="indefinite" restart="never" nodeType="tmRoot"/>
+        <p:cTn xmlns:p14="http://schemas.microsoft.com/office/powerpoint/2010/main" id="1" dur="indefinite" restart="never" nodeType="tmRoot"/>
       </p:par>
     </p:tnLst>
   </p:timing>
@@ -22731,14 +22645,14 @@
       </p:sp>
       <p:pic>
         <p:nvPicPr>
-          <p:cNvPr id="44034" name="Picture 2" descr="http://www.html.ve.it/images/omino_relax.jpg"/>
+          <p:cNvPr id="4098" name="Picture 2" descr="C:\Users\Angelo\Downloads\omino-auto.jpg"/>
           <p:cNvPicPr>
             <a:picLocks noChangeAspect="1" noChangeArrowheads="1"/>
           </p:cNvPicPr>
           <p:nvPr/>
         </p:nvPicPr>
         <p:blipFill>
-          <a:blip r:embed="rId2"/>
+          <a:blip r:embed="rId2" cstate="print"/>
           <a:srcRect/>
           <a:stretch>
             <a:fillRect/>
@@ -22746,8 +22660,8 @@
         </p:blipFill>
         <p:spPr bwMode="auto">
           <a:xfrm>
-            <a:off x="5500694" y="3143246"/>
-            <a:ext cx="2786082" cy="2786084"/>
+            <a:off x="4500372" y="3148385"/>
+            <a:ext cx="4464116" cy="3592983"/>
           </a:xfrm>
           <a:prstGeom prst="rect">
             <a:avLst/>
@@ -22758,25 +22672,25 @@
     </p:spTree>
     <p:extLst>
       <p:ext uri="{BB962C8B-B14F-4D97-AF65-F5344CB8AC3E}">
-        <p14:creationId xmlns:p14="http://schemas.microsoft.com/office/powerpoint/2010/main" xmlns="" val="2912892320"/>
+        <p14:creationId xmlns:p14="http://schemas.microsoft.com/office/powerpoint/2010/main" val="2912892320"/>
       </p:ext>
     </p:extLst>
   </p:cSld>
   <p:clrMapOvr>
     <a:masterClrMapping/>
   </p:clrMapOvr>
-  <mc:AlternateContent xmlns:mc="http://schemas.openxmlformats.org/markup-compatibility/2006">
-    <mc:Choice xmlns:p14="http://schemas.microsoft.com/office/powerpoint/2010/main" xmlns="" Requires="p14">
+  <mc:AlternateContent xmlns:mc="http://schemas.openxmlformats.org/markup-compatibility/2006" xmlns:p14="http://schemas.microsoft.com/office/powerpoint/2010/main">
+    <mc:Choice Requires="p14">
       <p:transition spd="slow" p14:dur="2000"/>
     </mc:Choice>
-    <mc:Fallback>
+    <mc:Fallback xmlns="">
       <p:transition spd="slow"/>
     </mc:Fallback>
   </mc:AlternateContent>
   <p:timing>
     <p:tnLst>
       <p:par>
-        <p:cTn id="1" dur="indefinite" restart="never" nodeType="tmRoot">
+        <p:cTn xmlns:p14="http://schemas.microsoft.com/office/powerpoint/2010/main" id="1" dur="indefinite" restart="never" nodeType="tmRoot">
           <p:childTnLst>
             <p:seq concurrent="1" nextAc="seek">
               <p:cTn id="2" dur="indefinite" nodeType="mainSeq">
@@ -22831,30 +22745,21 @@
                                   </p:childTnLst>
                                 </p:cTn>
                               </p:par>
-                            </p:childTnLst>
-                          </p:cTn>
-                        </p:par>
-                        <p:par>
-                          <p:cTn id="8" fill="hold">
-                            <p:stCondLst>
-                              <p:cond delay="2000"/>
-                            </p:stCondLst>
-                            <p:childTnLst>
                               <p:par>
-                                <p:cTn id="9" presetID="10" presetClass="entr" presetSubtype="0" fill="hold" nodeType="afterEffect">
+                                <p:cTn id="8" presetID="10" presetClass="entr" presetSubtype="0" fill="hold" nodeType="withEffect">
                                   <p:stCondLst>
                                     <p:cond delay="0"/>
                                   </p:stCondLst>
                                   <p:childTnLst>
                                     <p:set>
                                       <p:cBhvr>
-                                        <p:cTn id="10" dur="1" fill="hold">
+                                        <p:cTn id="9" dur="1" fill="hold">
                                           <p:stCondLst>
                                             <p:cond delay="0"/>
                                           </p:stCondLst>
                                         </p:cTn>
                                         <p:tgtEl>
-                                          <p:spTgt spid="44034"/>
+                                          <p:spTgt spid="4098"/>
                                         </p:tgtEl>
                                         <p:attrNameLst>
                                           <p:attrName>style.visibility</p:attrName>
@@ -22866,9 +22771,9 @@
                                     </p:set>
                                     <p:animEffect transition="in" filter="fade">
                                       <p:cBhvr>
-                                        <p:cTn id="11" dur="1000"/>
+                                        <p:cTn id="10" dur="2000"/>
                                         <p:tgtEl>
-                                          <p:spTgt spid="44034"/>
+                                          <p:spTgt spid="4098"/>
                                         </p:tgtEl>
                                       </p:cBhvr>
                                     </p:animEffect>
@@ -23246,25 +23151,25 @@
     </p:spTree>
     <p:extLst>
       <p:ext uri="{BB962C8B-B14F-4D97-AF65-F5344CB8AC3E}">
-        <p14:creationId xmlns:p14="http://schemas.microsoft.com/office/powerpoint/2010/main" xmlns="" val="462729233"/>
+        <p14:creationId xmlns:p14="http://schemas.microsoft.com/office/powerpoint/2010/main" val="462729233"/>
       </p:ext>
     </p:extLst>
   </p:cSld>
   <p:clrMapOvr>
     <a:masterClrMapping/>
   </p:clrMapOvr>
-  <mc:AlternateContent xmlns:mc="http://schemas.openxmlformats.org/markup-compatibility/2006">
-    <mc:Choice xmlns:p14="http://schemas.microsoft.com/office/powerpoint/2010/main" xmlns="" Requires="p14">
+  <mc:AlternateContent xmlns:mc="http://schemas.openxmlformats.org/markup-compatibility/2006" xmlns:p14="http://schemas.microsoft.com/office/powerpoint/2010/main">
+    <mc:Choice Requires="p14">
       <p:transition spd="slow" p14:dur="2000"/>
     </mc:Choice>
-    <mc:Fallback>
+    <mc:Fallback xmlns="">
       <p:transition spd="slow"/>
     </mc:Fallback>
   </mc:AlternateContent>
   <p:timing>
     <p:tnLst>
       <p:par>
-        <p:cTn id="1" dur="indefinite" restart="never" nodeType="tmRoot">
+        <p:cTn xmlns:p14="http://schemas.microsoft.com/office/powerpoint/2010/main" id="1" dur="indefinite" restart="never" nodeType="tmRoot">
           <p:childTnLst>
             <p:seq concurrent="1" nextAc="seek">
               <p:cTn id="2" dur="indefinite" nodeType="mainSeq">
@@ -23911,25 +23816,25 @@
     </p:spTree>
     <p:extLst>
       <p:ext uri="{BB962C8B-B14F-4D97-AF65-F5344CB8AC3E}">
-        <p14:creationId xmlns:p14="http://schemas.microsoft.com/office/powerpoint/2010/main" xmlns="" val="1717101950"/>
+        <p14:creationId xmlns:p14="http://schemas.microsoft.com/office/powerpoint/2010/main" val="1717101950"/>
       </p:ext>
     </p:extLst>
   </p:cSld>
   <p:clrMapOvr>
     <a:masterClrMapping/>
   </p:clrMapOvr>
-  <mc:AlternateContent xmlns:mc="http://schemas.openxmlformats.org/markup-compatibility/2006">
-    <mc:Choice xmlns:p14="http://schemas.microsoft.com/office/powerpoint/2010/main" xmlns="" Requires="p14">
+  <mc:AlternateContent xmlns:mc="http://schemas.openxmlformats.org/markup-compatibility/2006" xmlns:p14="http://schemas.microsoft.com/office/powerpoint/2010/main">
+    <mc:Choice Requires="p14">
       <p:transition spd="slow" p14:dur="2000"/>
     </mc:Choice>
-    <mc:Fallback>
+    <mc:Fallback xmlns="">
       <p:transition spd="slow"/>
     </mc:Fallback>
   </mc:AlternateContent>
   <p:timing>
     <p:tnLst>
       <p:par>
-        <p:cTn id="1" dur="indefinite" restart="never" nodeType="tmRoot">
+        <p:cTn xmlns:p14="http://schemas.microsoft.com/office/powerpoint/2010/main" id="1" dur="indefinite" restart="never" nodeType="tmRoot">
           <p:childTnLst>
             <p:seq concurrent="1" nextAc="seek">
               <p:cTn id="2" dur="indefinite" nodeType="mainSeq">
@@ -24340,25 +24245,25 @@
     </p:spTree>
     <p:extLst>
       <p:ext uri="{BB962C8B-B14F-4D97-AF65-F5344CB8AC3E}">
-        <p14:creationId xmlns:p14="http://schemas.microsoft.com/office/powerpoint/2010/main" xmlns="" val="309719199"/>
+        <p14:creationId xmlns:p14="http://schemas.microsoft.com/office/powerpoint/2010/main" val="309719199"/>
       </p:ext>
     </p:extLst>
   </p:cSld>
   <p:clrMapOvr>
     <a:masterClrMapping/>
   </p:clrMapOvr>
-  <mc:AlternateContent xmlns:mc="http://schemas.openxmlformats.org/markup-compatibility/2006">
-    <mc:Choice xmlns:p14="http://schemas.microsoft.com/office/powerpoint/2010/main" xmlns="" Requires="p14">
+  <mc:AlternateContent xmlns:mc="http://schemas.openxmlformats.org/markup-compatibility/2006" xmlns:p14="http://schemas.microsoft.com/office/powerpoint/2010/main">
+    <mc:Choice Requires="p14">
       <p:transition spd="slow" p14:dur="2000"/>
     </mc:Choice>
-    <mc:Fallback>
+    <mc:Fallback xmlns="">
       <p:transition spd="slow"/>
     </mc:Fallback>
   </mc:AlternateContent>
   <p:timing>
     <p:tnLst>
       <p:par>
-        <p:cTn id="1" dur="indefinite" restart="never" nodeType="tmRoot">
+        <p:cTn xmlns:p14="http://schemas.microsoft.com/office/powerpoint/2010/main" id="1" dur="indefinite" restart="never" nodeType="tmRoot">
           <p:childTnLst>
             <p:seq concurrent="1" nextAc="seek">
               <p:cTn id="2" dur="indefinite" nodeType="mainSeq">
@@ -24882,25 +24787,25 @@
     </p:spTree>
     <p:extLst>
       <p:ext uri="{BB962C8B-B14F-4D97-AF65-F5344CB8AC3E}">
-        <p14:creationId xmlns:p14="http://schemas.microsoft.com/office/powerpoint/2010/main" xmlns="" val="955904447"/>
+        <p14:creationId xmlns:p14="http://schemas.microsoft.com/office/powerpoint/2010/main" val="955904447"/>
       </p:ext>
     </p:extLst>
   </p:cSld>
   <p:clrMapOvr>
     <a:masterClrMapping/>
   </p:clrMapOvr>
-  <mc:AlternateContent xmlns:mc="http://schemas.openxmlformats.org/markup-compatibility/2006">
-    <mc:Choice xmlns:p14="http://schemas.microsoft.com/office/powerpoint/2010/main" xmlns="" Requires="p14">
+  <mc:AlternateContent xmlns:mc="http://schemas.openxmlformats.org/markup-compatibility/2006" xmlns:p14="http://schemas.microsoft.com/office/powerpoint/2010/main">
+    <mc:Choice Requires="p14">
       <p:transition spd="slow" p14:dur="2000"/>
     </mc:Choice>
-    <mc:Fallback>
+    <mc:Fallback xmlns="">
       <p:transition spd="slow"/>
     </mc:Fallback>
   </mc:AlternateContent>
   <p:timing>
     <p:tnLst>
       <p:par>
-        <p:cTn id="1" dur="indefinite" restart="never" nodeType="tmRoot">
+        <p:cTn xmlns:p14="http://schemas.microsoft.com/office/powerpoint/2010/main" id="1" dur="indefinite" restart="never" nodeType="tmRoot">
           <p:childTnLst>
             <p:seq concurrent="1" nextAc="seek">
               <p:cTn id="2" dur="indefinite" nodeType="mainSeq">
@@ -25404,25 +25309,25 @@
     </p:spTree>
     <p:extLst>
       <p:ext uri="{BB962C8B-B14F-4D97-AF65-F5344CB8AC3E}">
-        <p14:creationId xmlns:p14="http://schemas.microsoft.com/office/powerpoint/2010/main" xmlns="" val="1140837011"/>
+        <p14:creationId xmlns:p14="http://schemas.microsoft.com/office/powerpoint/2010/main" val="1140837011"/>
       </p:ext>
     </p:extLst>
   </p:cSld>
   <p:clrMapOvr>
     <a:masterClrMapping/>
   </p:clrMapOvr>
-  <mc:AlternateContent xmlns:mc="http://schemas.openxmlformats.org/markup-compatibility/2006">
-    <mc:Choice xmlns:p14="http://schemas.microsoft.com/office/powerpoint/2010/main" xmlns="" Requires="p14">
+  <mc:AlternateContent xmlns:mc="http://schemas.openxmlformats.org/markup-compatibility/2006" xmlns:p14="http://schemas.microsoft.com/office/powerpoint/2010/main">
+    <mc:Choice Requires="p14">
       <p:transition spd="slow" p14:dur="2000"/>
     </mc:Choice>
-    <mc:Fallback>
+    <mc:Fallback xmlns="">
       <p:transition spd="slow"/>
     </mc:Fallback>
   </mc:AlternateContent>
   <p:timing>
     <p:tnLst>
       <p:par>
-        <p:cTn id="1" dur="indefinite" restart="never" nodeType="tmRoot">
+        <p:cTn xmlns:p14="http://schemas.microsoft.com/office/powerpoint/2010/main" id="1" dur="indefinite" restart="never" nodeType="tmRoot">
           <p:childTnLst>
             <p:seq concurrent="1" nextAc="seek">
               <p:cTn id="2" dur="indefinite" nodeType="mainSeq">
@@ -26031,25 +25936,25 @@
     </p:spTree>
     <p:extLst>
       <p:ext uri="{BB962C8B-B14F-4D97-AF65-F5344CB8AC3E}">
-        <p14:creationId xmlns:p14="http://schemas.microsoft.com/office/powerpoint/2010/main" xmlns="" val="247747513"/>
+        <p14:creationId xmlns:p14="http://schemas.microsoft.com/office/powerpoint/2010/main" val="247747513"/>
       </p:ext>
     </p:extLst>
   </p:cSld>
   <p:clrMapOvr>
     <a:masterClrMapping/>
   </p:clrMapOvr>
-  <mc:AlternateContent xmlns:mc="http://schemas.openxmlformats.org/markup-compatibility/2006">
-    <mc:Choice xmlns:p14="http://schemas.microsoft.com/office/powerpoint/2010/main" xmlns="" Requires="p14">
+  <mc:AlternateContent xmlns:mc="http://schemas.openxmlformats.org/markup-compatibility/2006" xmlns:p14="http://schemas.microsoft.com/office/powerpoint/2010/main">
+    <mc:Choice Requires="p14">
       <p:transition spd="slow" p14:dur="2000"/>
     </mc:Choice>
-    <mc:Fallback>
+    <mc:Fallback xmlns="">
       <p:transition spd="slow"/>
     </mc:Fallback>
   </mc:AlternateContent>
   <p:timing>
     <p:tnLst>
       <p:par>
-        <p:cTn id="1" dur="indefinite" restart="never" nodeType="tmRoot">
+        <p:cTn xmlns:p14="http://schemas.microsoft.com/office/powerpoint/2010/main" id="1" dur="indefinite" restart="never" nodeType="tmRoot">
           <p:childTnLst>
             <p:seq concurrent="1" nextAc="seek">
               <p:cTn id="2" dur="indefinite" nodeType="mainSeq">
@@ -26729,25 +26634,25 @@
     </p:spTree>
     <p:extLst>
       <p:ext uri="{BB962C8B-B14F-4D97-AF65-F5344CB8AC3E}">
-        <p14:creationId xmlns:p14="http://schemas.microsoft.com/office/powerpoint/2010/main" xmlns="" val="1776831606"/>
+        <p14:creationId xmlns:p14="http://schemas.microsoft.com/office/powerpoint/2010/main" val="1776831606"/>
       </p:ext>
     </p:extLst>
   </p:cSld>
   <p:clrMapOvr>
     <a:masterClrMapping/>
   </p:clrMapOvr>
-  <mc:AlternateContent xmlns:mc="http://schemas.openxmlformats.org/markup-compatibility/2006">
-    <mc:Choice xmlns:p14="http://schemas.microsoft.com/office/powerpoint/2010/main" xmlns="" Requires="p14">
+  <mc:AlternateContent xmlns:mc="http://schemas.openxmlformats.org/markup-compatibility/2006" xmlns:p14="http://schemas.microsoft.com/office/powerpoint/2010/main">
+    <mc:Choice Requires="p14">
       <p:transition spd="slow" p14:dur="2000"/>
     </mc:Choice>
-    <mc:Fallback>
+    <mc:Fallback xmlns="">
       <p:transition spd="slow"/>
     </mc:Fallback>
   </mc:AlternateContent>
   <p:timing>
     <p:tnLst>
       <p:par>
-        <p:cTn id="1" dur="indefinite" restart="never" nodeType="tmRoot">
+        <p:cTn xmlns:p14="http://schemas.microsoft.com/office/powerpoint/2010/main" id="1" dur="indefinite" restart="never" nodeType="tmRoot">
           <p:childTnLst>
             <p:seq concurrent="1" nextAc="seek">
               <p:cTn id="2" dur="indefinite" nodeType="mainSeq">
@@ -27087,7 +26992,7 @@
           <a:blip r:embed="rId2" cstate="print">
             <a:extLst>
               <a:ext uri="{28A0092B-C50C-407E-A947-70E740481C1C}">
-                <a14:useLocalDpi xmlns:a14="http://schemas.microsoft.com/office/drawing/2010/main" xmlns="" val="0"/>
+                <a14:useLocalDpi xmlns:a14="http://schemas.microsoft.com/office/drawing/2010/main" val="0"/>
               </a:ext>
             </a:extLst>
           </a:blip>
@@ -27107,7 +27012,7 @@
           <a:noFill/>
           <a:extLst>
             <a:ext uri="{909E8E84-426E-40dd-AFC4-6F175D3DCCD1}">
-              <a14:hiddenFill xmlns:a14="http://schemas.microsoft.com/office/drawing/2010/main" xmlns="">
+              <a14:hiddenFill xmlns:a14="http://schemas.microsoft.com/office/drawing/2010/main">
                 <a:solidFill>
                   <a:srgbClr val="FFFFFF"/>
                 </a:solidFill>
@@ -27190,25 +27095,25 @@
     </p:spTree>
     <p:extLst>
       <p:ext uri="{BB962C8B-B14F-4D97-AF65-F5344CB8AC3E}">
-        <p14:creationId xmlns:p14="http://schemas.microsoft.com/office/powerpoint/2010/main" xmlns="" val="2717568001"/>
+        <p14:creationId xmlns:p14="http://schemas.microsoft.com/office/powerpoint/2010/main" val="2717568001"/>
       </p:ext>
     </p:extLst>
   </p:cSld>
   <p:clrMapOvr>
     <a:masterClrMapping/>
   </p:clrMapOvr>
-  <mc:AlternateContent xmlns:mc="http://schemas.openxmlformats.org/markup-compatibility/2006">
-    <mc:Choice xmlns:p14="http://schemas.microsoft.com/office/powerpoint/2010/main" xmlns="" Requires="p14">
+  <mc:AlternateContent xmlns:mc="http://schemas.openxmlformats.org/markup-compatibility/2006" xmlns:p14="http://schemas.microsoft.com/office/powerpoint/2010/main">
+    <mc:Choice Requires="p14">
       <p:transition spd="slow" p14:dur="2000"/>
     </mc:Choice>
-    <mc:Fallback>
+    <mc:Fallback xmlns="">
       <p:transition spd="slow"/>
     </mc:Fallback>
   </mc:AlternateContent>
   <p:timing>
     <p:tnLst>
       <p:par>
-        <p:cTn id="1" dur="indefinite" restart="never" nodeType="tmRoot"/>
+        <p:cTn xmlns:p14="http://schemas.microsoft.com/office/powerpoint/2010/main" id="1" dur="indefinite" restart="never" nodeType="tmRoot"/>
       </p:par>
     </p:tnLst>
   </p:timing>
@@ -27493,25 +27398,25 @@
     </p:spTree>
     <p:extLst>
       <p:ext uri="{BB962C8B-B14F-4D97-AF65-F5344CB8AC3E}">
-        <p14:creationId xmlns:p14="http://schemas.microsoft.com/office/powerpoint/2010/main" xmlns="" val="3266999169"/>
+        <p14:creationId xmlns:p14="http://schemas.microsoft.com/office/powerpoint/2010/main" val="3266999169"/>
       </p:ext>
     </p:extLst>
   </p:cSld>
   <p:clrMapOvr>
     <a:masterClrMapping/>
   </p:clrMapOvr>
-  <mc:AlternateContent xmlns:mc="http://schemas.openxmlformats.org/markup-compatibility/2006">
-    <mc:Choice xmlns:p14="http://schemas.microsoft.com/office/powerpoint/2010/main" xmlns="" Requires="p14">
+  <mc:AlternateContent xmlns:mc="http://schemas.openxmlformats.org/markup-compatibility/2006" xmlns:p14="http://schemas.microsoft.com/office/powerpoint/2010/main">
+    <mc:Choice Requires="p14">
       <p:transition spd="slow" p14:dur="2000"/>
     </mc:Choice>
-    <mc:Fallback>
+    <mc:Fallback xmlns="">
       <p:transition spd="slow"/>
     </mc:Fallback>
   </mc:AlternateContent>
   <p:timing>
     <p:tnLst>
       <p:par>
-        <p:cTn id="1" dur="indefinite" restart="never" nodeType="tmRoot"/>
+        <p:cTn xmlns:p14="http://schemas.microsoft.com/office/powerpoint/2010/main" id="1" dur="indefinite" restart="never" nodeType="tmRoot"/>
       </p:par>
     </p:tnLst>
   </p:timing>
@@ -27852,25 +27757,25 @@
     </p:spTree>
     <p:extLst>
       <p:ext uri="{BB962C8B-B14F-4D97-AF65-F5344CB8AC3E}">
-        <p14:creationId xmlns:p14="http://schemas.microsoft.com/office/powerpoint/2010/main" xmlns="" val="396334508"/>
+        <p14:creationId xmlns:p14="http://schemas.microsoft.com/office/powerpoint/2010/main" val="396334508"/>
       </p:ext>
     </p:extLst>
   </p:cSld>
   <p:clrMapOvr>
     <a:masterClrMapping/>
   </p:clrMapOvr>
-  <mc:AlternateContent xmlns:mc="http://schemas.openxmlformats.org/markup-compatibility/2006">
-    <mc:Choice xmlns:p14="http://schemas.microsoft.com/office/powerpoint/2010/main" xmlns="" Requires="p14">
+  <mc:AlternateContent xmlns:mc="http://schemas.openxmlformats.org/markup-compatibility/2006" xmlns:p14="http://schemas.microsoft.com/office/powerpoint/2010/main">
+    <mc:Choice Requires="p14">
       <p:transition spd="slow" p14:dur="2000"/>
     </mc:Choice>
-    <mc:Fallback>
+    <mc:Fallback xmlns="">
       <p:transition spd="slow"/>
     </mc:Fallback>
   </mc:AlternateContent>
   <p:timing>
     <p:tnLst>
       <p:par>
-        <p:cTn id="1" dur="indefinite" restart="never" nodeType="tmRoot"/>
+        <p:cTn xmlns:p14="http://schemas.microsoft.com/office/powerpoint/2010/main" id="1" dur="indefinite" restart="never" nodeType="tmRoot"/>
       </p:par>
     </p:tnLst>
   </p:timing>
@@ -28205,25 +28110,25 @@
     </p:spTree>
     <p:extLst>
       <p:ext uri="{BB962C8B-B14F-4D97-AF65-F5344CB8AC3E}">
-        <p14:creationId xmlns:p14="http://schemas.microsoft.com/office/powerpoint/2010/main" xmlns="" val="1737882227"/>
+        <p14:creationId xmlns:p14="http://schemas.microsoft.com/office/powerpoint/2010/main" val="1737882227"/>
       </p:ext>
     </p:extLst>
   </p:cSld>
   <p:clrMapOvr>
     <a:masterClrMapping/>
   </p:clrMapOvr>
-  <mc:AlternateContent xmlns:mc="http://schemas.openxmlformats.org/markup-compatibility/2006">
-    <mc:Choice xmlns:p14="http://schemas.microsoft.com/office/powerpoint/2010/main" xmlns="" Requires="p14">
+  <mc:AlternateContent xmlns:mc="http://schemas.openxmlformats.org/markup-compatibility/2006" xmlns:p14="http://schemas.microsoft.com/office/powerpoint/2010/main">
+    <mc:Choice Requires="p14">
       <p:transition spd="slow" p14:dur="2000"/>
     </mc:Choice>
-    <mc:Fallback>
+    <mc:Fallback xmlns="">
       <p:transition spd="slow"/>
     </mc:Fallback>
   </mc:AlternateContent>
   <p:timing>
     <p:tnLst>
       <p:par>
-        <p:cTn id="1" dur="indefinite" restart="never" nodeType="tmRoot"/>
+        <p:cTn xmlns:p14="http://schemas.microsoft.com/office/powerpoint/2010/main" id="1" dur="indefinite" restart="never" nodeType="tmRoot"/>
       </p:par>
     </p:tnLst>
   </p:timing>
@@ -28571,25 +28476,25 @@
     </p:spTree>
     <p:extLst>
       <p:ext uri="{BB962C8B-B14F-4D97-AF65-F5344CB8AC3E}">
-        <p14:creationId xmlns:p14="http://schemas.microsoft.com/office/powerpoint/2010/main" xmlns="" val="3034068148"/>
+        <p14:creationId xmlns:p14="http://schemas.microsoft.com/office/powerpoint/2010/main" val="3034068148"/>
       </p:ext>
     </p:extLst>
   </p:cSld>
   <p:clrMapOvr>
     <a:masterClrMapping/>
   </p:clrMapOvr>
-  <mc:AlternateContent xmlns:mc="http://schemas.openxmlformats.org/markup-compatibility/2006">
-    <mc:Choice xmlns:p14="http://schemas.microsoft.com/office/powerpoint/2010/main" xmlns="" Requires="p14">
+  <mc:AlternateContent xmlns:mc="http://schemas.openxmlformats.org/markup-compatibility/2006" xmlns:p14="http://schemas.microsoft.com/office/powerpoint/2010/main">
+    <mc:Choice Requires="p14">
       <p:transition spd="slow" p14:dur="2000"/>
     </mc:Choice>
-    <mc:Fallback>
+    <mc:Fallback xmlns="">
       <p:transition spd="slow"/>
     </mc:Fallback>
   </mc:AlternateContent>
   <p:timing>
     <p:tnLst>
       <p:par>
-        <p:cTn id="1" dur="indefinite" restart="never" nodeType="tmRoot"/>
+        <p:cTn xmlns:p14="http://schemas.microsoft.com/office/powerpoint/2010/main" id="1" dur="indefinite" restart="never" nodeType="tmRoot"/>
       </p:par>
     </p:tnLst>
   </p:timing>
@@ -28909,25 +28814,25 @@
     </p:spTree>
     <p:extLst>
       <p:ext uri="{BB962C8B-B14F-4D97-AF65-F5344CB8AC3E}">
-        <p14:creationId xmlns:p14="http://schemas.microsoft.com/office/powerpoint/2010/main" xmlns="" val="3646886653"/>
+        <p14:creationId xmlns:p14="http://schemas.microsoft.com/office/powerpoint/2010/main" val="3646886653"/>
       </p:ext>
     </p:extLst>
   </p:cSld>
   <p:clrMapOvr>
     <a:masterClrMapping/>
   </p:clrMapOvr>
-  <mc:AlternateContent xmlns:mc="http://schemas.openxmlformats.org/markup-compatibility/2006">
-    <mc:Choice xmlns:p14="http://schemas.microsoft.com/office/powerpoint/2010/main" xmlns="" Requires="p14">
+  <mc:AlternateContent xmlns:mc="http://schemas.openxmlformats.org/markup-compatibility/2006" xmlns:p14="http://schemas.microsoft.com/office/powerpoint/2010/main">
+    <mc:Choice Requires="p14">
       <p:transition spd="slow" p14:dur="2000"/>
     </mc:Choice>
-    <mc:Fallback>
+    <mc:Fallback xmlns="">
       <p:transition spd="slow"/>
     </mc:Fallback>
   </mc:AlternateContent>
   <p:timing>
     <p:tnLst>
       <p:par>
-        <p:cTn id="1" dur="indefinite" restart="never" nodeType="tmRoot"/>
+        <p:cTn xmlns:p14="http://schemas.microsoft.com/office/powerpoint/2010/main" id="1" dur="indefinite" restart="never" nodeType="tmRoot"/>
       </p:par>
     </p:tnLst>
   </p:timing>
@@ -29292,25 +29197,25 @@
     </p:spTree>
     <p:extLst>
       <p:ext uri="{BB962C8B-B14F-4D97-AF65-F5344CB8AC3E}">
-        <p14:creationId xmlns:p14="http://schemas.microsoft.com/office/powerpoint/2010/main" xmlns="" val="520298717"/>
+        <p14:creationId xmlns:p14="http://schemas.microsoft.com/office/powerpoint/2010/main" val="520298717"/>
       </p:ext>
     </p:extLst>
   </p:cSld>
   <p:clrMapOvr>
     <a:masterClrMapping/>
   </p:clrMapOvr>
-  <mc:AlternateContent xmlns:mc="http://schemas.openxmlformats.org/markup-compatibility/2006">
-    <mc:Choice xmlns:p14="http://schemas.microsoft.com/office/powerpoint/2010/main" xmlns="" Requires="p14">
+  <mc:AlternateContent xmlns:mc="http://schemas.openxmlformats.org/markup-compatibility/2006" xmlns:p14="http://schemas.microsoft.com/office/powerpoint/2010/main">
+    <mc:Choice Requires="p14">
       <p:transition spd="slow" p14:dur="2000"/>
     </mc:Choice>
-    <mc:Fallback>
+    <mc:Fallback xmlns="">
       <p:transition spd="slow"/>
     </mc:Fallback>
   </mc:AlternateContent>
   <p:timing>
     <p:tnLst>
       <p:par>
-        <p:cTn id="1" dur="indefinite" restart="never" nodeType="tmRoot"/>
+        <p:cTn xmlns:p14="http://schemas.microsoft.com/office/powerpoint/2010/main" id="1" dur="indefinite" restart="never" nodeType="tmRoot"/>
       </p:par>
     </p:tnLst>
   </p:timing>
@@ -29602,25 +29507,25 @@
     </p:spTree>
     <p:extLst>
       <p:ext uri="{BB962C8B-B14F-4D97-AF65-F5344CB8AC3E}">
-        <p14:creationId xmlns:p14="http://schemas.microsoft.com/office/powerpoint/2010/main" xmlns="" val="2203748189"/>
+        <p14:creationId xmlns:p14="http://schemas.microsoft.com/office/powerpoint/2010/main" val="2203748189"/>
       </p:ext>
     </p:extLst>
   </p:cSld>
   <p:clrMapOvr>
     <a:masterClrMapping/>
   </p:clrMapOvr>
-  <mc:AlternateContent xmlns:mc="http://schemas.openxmlformats.org/markup-compatibility/2006">
-    <mc:Choice xmlns:p14="http://schemas.microsoft.com/office/powerpoint/2010/main" xmlns="" Requires="p14">
+  <mc:AlternateContent xmlns:mc="http://schemas.openxmlformats.org/markup-compatibility/2006" xmlns:p14="http://schemas.microsoft.com/office/powerpoint/2010/main">
+    <mc:Choice Requires="p14">
       <p:transition spd="slow" p14:dur="2000"/>
     </mc:Choice>
-    <mc:Fallback>
+    <mc:Fallback xmlns="">
       <p:transition spd="slow"/>
     </mc:Fallback>
   </mc:AlternateContent>
   <p:timing>
     <p:tnLst>
       <p:par>
-        <p:cTn id="1" dur="indefinite" restart="never" nodeType="tmRoot"/>
+        <p:cTn xmlns:p14="http://schemas.microsoft.com/office/powerpoint/2010/main" id="1" dur="indefinite" restart="never" nodeType="tmRoot"/>
       </p:par>
     </p:tnLst>
   </p:timing>
@@ -29933,25 +29838,25 @@
     </p:spTree>
     <p:extLst>
       <p:ext uri="{BB962C8B-B14F-4D97-AF65-F5344CB8AC3E}">
-        <p14:creationId xmlns:p14="http://schemas.microsoft.com/office/powerpoint/2010/main" xmlns="" val="1130254901"/>
+        <p14:creationId xmlns:p14="http://schemas.microsoft.com/office/powerpoint/2010/main" val="1130254901"/>
       </p:ext>
     </p:extLst>
   </p:cSld>
   <p:clrMapOvr>
     <a:masterClrMapping/>
   </p:clrMapOvr>
-  <mc:AlternateContent xmlns:mc="http://schemas.openxmlformats.org/markup-compatibility/2006">
-    <mc:Choice xmlns:p14="http://schemas.microsoft.com/office/powerpoint/2010/main" xmlns="" Requires="p14">
+  <mc:AlternateContent xmlns:mc="http://schemas.openxmlformats.org/markup-compatibility/2006" xmlns:p14="http://schemas.microsoft.com/office/powerpoint/2010/main">
+    <mc:Choice Requires="p14">
       <p:transition spd="slow" p14:dur="2000"/>
     </mc:Choice>
-    <mc:Fallback>
+    <mc:Fallback xmlns="">
       <p:transition spd="slow"/>
     </mc:Fallback>
   </mc:AlternateContent>
   <p:timing>
     <p:tnLst>
       <p:par>
-        <p:cTn id="1" dur="indefinite" restart="never" nodeType="tmRoot"/>
+        <p:cTn xmlns:p14="http://schemas.microsoft.com/office/powerpoint/2010/main" id="1" dur="indefinite" restart="never" nodeType="tmRoot"/>
       </p:par>
     </p:tnLst>
   </p:timing>
@@ -30279,25 +30184,25 @@
     </p:spTree>
     <p:extLst>
       <p:ext uri="{BB962C8B-B14F-4D97-AF65-F5344CB8AC3E}">
-        <p14:creationId xmlns:p14="http://schemas.microsoft.com/office/powerpoint/2010/main" xmlns="" val="3734576715"/>
+        <p14:creationId xmlns:p14="http://schemas.microsoft.com/office/powerpoint/2010/main" val="3734576715"/>
       </p:ext>
     </p:extLst>
   </p:cSld>
   <p:clrMapOvr>
     <a:masterClrMapping/>
   </p:clrMapOvr>
-  <mc:AlternateContent xmlns:mc="http://schemas.openxmlformats.org/markup-compatibility/2006">
-    <mc:Choice xmlns:p14="http://schemas.microsoft.com/office/powerpoint/2010/main" xmlns="" Requires="p14">
+  <mc:AlternateContent xmlns:mc="http://schemas.openxmlformats.org/markup-compatibility/2006" xmlns:p14="http://schemas.microsoft.com/office/powerpoint/2010/main">
+    <mc:Choice Requires="p14">
       <p:transition spd="slow" p14:dur="2000"/>
     </mc:Choice>
-    <mc:Fallback>
+    <mc:Fallback xmlns="">
       <p:transition spd="slow"/>
     </mc:Fallback>
   </mc:AlternateContent>
   <p:timing>
     <p:tnLst>
       <p:par>
-        <p:cTn id="1" dur="indefinite" restart="never" nodeType="tmRoot"/>
+        <p:cTn xmlns:p14="http://schemas.microsoft.com/office/powerpoint/2010/main" id="1" dur="indefinite" restart="never" nodeType="tmRoot"/>
       </p:par>
     </p:tnLst>
   </p:timing>
@@ -30592,25 +30497,25 @@
     </p:spTree>
     <p:extLst>
       <p:ext uri="{BB962C8B-B14F-4D97-AF65-F5344CB8AC3E}">
-        <p14:creationId xmlns:p14="http://schemas.microsoft.com/office/powerpoint/2010/main" xmlns="" val="2632131054"/>
+        <p14:creationId xmlns:p14="http://schemas.microsoft.com/office/powerpoint/2010/main" val="2632131054"/>
       </p:ext>
     </p:extLst>
   </p:cSld>
   <p:clrMapOvr>
     <a:masterClrMapping/>
   </p:clrMapOvr>
-  <mc:AlternateContent xmlns:mc="http://schemas.openxmlformats.org/markup-compatibility/2006">
-    <mc:Choice xmlns:p14="http://schemas.microsoft.com/office/powerpoint/2010/main" xmlns="" Requires="p14">
+  <mc:AlternateContent xmlns:mc="http://schemas.openxmlformats.org/markup-compatibility/2006" xmlns:p14="http://schemas.microsoft.com/office/powerpoint/2010/main">
+    <mc:Choice Requires="p14">
       <p:transition spd="slow" p14:dur="2000"/>
     </mc:Choice>
-    <mc:Fallback>
+    <mc:Fallback xmlns="">
       <p:transition spd="slow"/>
     </mc:Fallback>
   </mc:AlternateContent>
   <p:timing>
     <p:tnLst>
       <p:par>
-        <p:cTn id="1" dur="indefinite" restart="never" nodeType="tmRoot"/>
+        <p:cTn xmlns:p14="http://schemas.microsoft.com/office/powerpoint/2010/main" id="1" dur="indefinite" restart="never" nodeType="tmRoot"/>
       </p:par>
     </p:tnLst>
   </p:timing>
@@ -30921,25 +30826,25 @@
     </p:spTree>
     <p:extLst>
       <p:ext uri="{BB962C8B-B14F-4D97-AF65-F5344CB8AC3E}">
-        <p14:creationId xmlns:p14="http://schemas.microsoft.com/office/powerpoint/2010/main" xmlns="" val="2983282113"/>
+        <p14:creationId xmlns:p14="http://schemas.microsoft.com/office/powerpoint/2010/main" val="2983282113"/>
       </p:ext>
     </p:extLst>
   </p:cSld>
   <p:clrMapOvr>
     <a:masterClrMapping/>
   </p:clrMapOvr>
-  <mc:AlternateContent xmlns:mc="http://schemas.openxmlformats.org/markup-compatibility/2006">
-    <mc:Choice xmlns:p14="http://schemas.microsoft.com/office/powerpoint/2010/main" xmlns="" Requires="p14">
+  <mc:AlternateContent xmlns:mc="http://schemas.openxmlformats.org/markup-compatibility/2006" xmlns:p14="http://schemas.microsoft.com/office/powerpoint/2010/main">
+    <mc:Choice Requires="p14">
       <p:transition spd="slow" p14:dur="2000"/>
     </mc:Choice>
-    <mc:Fallback>
+    <mc:Fallback xmlns="">
       <p:transition spd="slow"/>
     </mc:Fallback>
   </mc:AlternateContent>
   <p:timing>
     <p:tnLst>
       <p:par>
-        <p:cTn id="1" dur="indefinite" restart="never" nodeType="tmRoot"/>
+        <p:cTn xmlns:p14="http://schemas.microsoft.com/office/powerpoint/2010/main" id="1" dur="indefinite" restart="never" nodeType="tmRoot"/>
       </p:par>
     </p:tnLst>
   </p:timing>
@@ -31296,25 +31201,25 @@
     </p:spTree>
     <p:extLst>
       <p:ext uri="{BB962C8B-B14F-4D97-AF65-F5344CB8AC3E}">
-        <p14:creationId xmlns:p14="http://schemas.microsoft.com/office/powerpoint/2010/main" xmlns="" val="4266361740"/>
+        <p14:creationId xmlns:p14="http://schemas.microsoft.com/office/powerpoint/2010/main" val="4266361740"/>
       </p:ext>
     </p:extLst>
   </p:cSld>
   <p:clrMapOvr>
     <a:masterClrMapping/>
   </p:clrMapOvr>
-  <mc:AlternateContent xmlns:mc="http://schemas.openxmlformats.org/markup-compatibility/2006">
-    <mc:Choice xmlns:p14="http://schemas.microsoft.com/office/powerpoint/2010/main" xmlns="" Requires="p14">
+  <mc:AlternateContent xmlns:mc="http://schemas.openxmlformats.org/markup-compatibility/2006" xmlns:p14="http://schemas.microsoft.com/office/powerpoint/2010/main">
+    <mc:Choice Requires="p14">
       <p:transition spd="slow" p14:dur="2000"/>
     </mc:Choice>
-    <mc:Fallback>
+    <mc:Fallback xmlns="">
       <p:transition spd="slow"/>
     </mc:Fallback>
   </mc:AlternateContent>
   <p:timing>
     <p:tnLst>
       <p:par>
-        <p:cTn id="1" dur="indefinite" restart="never" nodeType="tmRoot"/>
+        <p:cTn xmlns:p14="http://schemas.microsoft.com/office/powerpoint/2010/main" id="1" dur="indefinite" restart="never" nodeType="tmRoot"/>
       </p:par>
     </p:tnLst>
   </p:timing>
@@ -31654,25 +31559,25 @@
     </p:spTree>
     <p:extLst>
       <p:ext uri="{BB962C8B-B14F-4D97-AF65-F5344CB8AC3E}">
-        <p14:creationId xmlns:p14="http://schemas.microsoft.com/office/powerpoint/2010/main" xmlns="" val="3678400164"/>
+        <p14:creationId xmlns:p14="http://schemas.microsoft.com/office/powerpoint/2010/main" val="3678400164"/>
       </p:ext>
     </p:extLst>
   </p:cSld>
   <p:clrMapOvr>
     <a:masterClrMapping/>
   </p:clrMapOvr>
-  <mc:AlternateContent xmlns:mc="http://schemas.openxmlformats.org/markup-compatibility/2006">
-    <mc:Choice xmlns:p14="http://schemas.microsoft.com/office/powerpoint/2010/main" xmlns="" Requires="p14">
+  <mc:AlternateContent xmlns:mc="http://schemas.openxmlformats.org/markup-compatibility/2006" xmlns:p14="http://schemas.microsoft.com/office/powerpoint/2010/main">
+    <mc:Choice Requires="p14">
       <p:transition spd="slow" p14:dur="2000"/>
     </mc:Choice>
-    <mc:Fallback>
+    <mc:Fallback xmlns="">
       <p:transition spd="slow"/>
     </mc:Fallback>
   </mc:AlternateContent>
   <p:timing>
     <p:tnLst>
       <p:par>
-        <p:cTn id="1" dur="indefinite" restart="never" nodeType="tmRoot"/>
+        <p:cTn xmlns:p14="http://schemas.microsoft.com/office/powerpoint/2010/main" id="1" dur="indefinite" restart="never" nodeType="tmRoot"/>
       </p:par>
     </p:tnLst>
   </p:timing>
@@ -31992,25 +31897,25 @@
     </p:spTree>
     <p:extLst>
       <p:ext uri="{BB962C8B-B14F-4D97-AF65-F5344CB8AC3E}">
-        <p14:creationId xmlns:p14="http://schemas.microsoft.com/office/powerpoint/2010/main" xmlns="" val="3326293041"/>
+        <p14:creationId xmlns:p14="http://schemas.microsoft.com/office/powerpoint/2010/main" val="3326293041"/>
       </p:ext>
     </p:extLst>
   </p:cSld>
   <p:clrMapOvr>
     <a:masterClrMapping/>
   </p:clrMapOvr>
-  <mc:AlternateContent xmlns:mc="http://schemas.openxmlformats.org/markup-compatibility/2006">
-    <mc:Choice xmlns:p14="http://schemas.microsoft.com/office/powerpoint/2010/main" xmlns="" Requires="p14">
+  <mc:AlternateContent xmlns:mc="http://schemas.openxmlformats.org/markup-compatibility/2006" xmlns:p14="http://schemas.microsoft.com/office/powerpoint/2010/main">
+    <mc:Choice Requires="p14">
       <p:transition spd="slow" p14:dur="2000"/>
     </mc:Choice>
-    <mc:Fallback>
+    <mc:Fallback xmlns="">
       <p:transition spd="slow"/>
     </mc:Fallback>
   </mc:AlternateContent>
   <p:timing>
     <p:tnLst>
       <p:par>
-        <p:cTn id="1" dur="indefinite" restart="never" nodeType="tmRoot"/>
+        <p:cTn xmlns:p14="http://schemas.microsoft.com/office/powerpoint/2010/main" id="1" dur="indefinite" restart="never" nodeType="tmRoot"/>
       </p:par>
     </p:tnLst>
   </p:timing>
@@ -32338,25 +32243,25 @@
     </p:spTree>
     <p:extLst>
       <p:ext uri="{BB962C8B-B14F-4D97-AF65-F5344CB8AC3E}">
-        <p14:creationId xmlns:p14="http://schemas.microsoft.com/office/powerpoint/2010/main" xmlns="" val="3052723909"/>
+        <p14:creationId xmlns:p14="http://schemas.microsoft.com/office/powerpoint/2010/main" val="3052723909"/>
       </p:ext>
     </p:extLst>
   </p:cSld>
   <p:clrMapOvr>
     <a:masterClrMapping/>
   </p:clrMapOvr>
-  <mc:AlternateContent xmlns:mc="http://schemas.openxmlformats.org/markup-compatibility/2006">
-    <mc:Choice xmlns:p14="http://schemas.microsoft.com/office/powerpoint/2010/main" xmlns="" Requires="p14">
+  <mc:AlternateContent xmlns:mc="http://schemas.openxmlformats.org/markup-compatibility/2006" xmlns:p14="http://schemas.microsoft.com/office/powerpoint/2010/main">
+    <mc:Choice Requires="p14">
       <p:transition spd="slow" p14:dur="2000"/>
     </mc:Choice>
-    <mc:Fallback>
+    <mc:Fallback xmlns="">
       <p:transition spd="slow"/>
     </mc:Fallback>
   </mc:AlternateContent>
   <p:timing>
     <p:tnLst>
       <p:par>
-        <p:cTn id="1" dur="indefinite" restart="never" nodeType="tmRoot"/>
+        <p:cTn xmlns:p14="http://schemas.microsoft.com/office/powerpoint/2010/main" id="1" dur="indefinite" restart="never" nodeType="tmRoot"/>
       </p:par>
     </p:tnLst>
   </p:timing>
@@ -32474,25 +32379,25 @@
     </p:spTree>
     <p:extLst>
       <p:ext uri="{BB962C8B-B14F-4D97-AF65-F5344CB8AC3E}">
-        <p14:creationId xmlns:p14="http://schemas.microsoft.com/office/powerpoint/2010/main" xmlns="" val="1576574823"/>
+        <p14:creationId xmlns:p14="http://schemas.microsoft.com/office/powerpoint/2010/main" val="1576574823"/>
       </p:ext>
     </p:extLst>
   </p:cSld>
   <p:clrMapOvr>
     <a:masterClrMapping/>
   </p:clrMapOvr>
-  <mc:AlternateContent xmlns:mc="http://schemas.openxmlformats.org/markup-compatibility/2006">
-    <mc:Choice xmlns:p14="http://schemas.microsoft.com/office/powerpoint/2010/main" xmlns="" Requires="p14">
+  <mc:AlternateContent xmlns:mc="http://schemas.openxmlformats.org/markup-compatibility/2006" xmlns:p14="http://schemas.microsoft.com/office/powerpoint/2010/main">
+    <mc:Choice Requires="p14">
       <p:transition spd="slow" p14:dur="2000"/>
     </mc:Choice>
-    <mc:Fallback>
+    <mc:Fallback xmlns="">
       <p:transition spd="slow"/>
     </mc:Fallback>
   </mc:AlternateContent>
   <p:timing>
     <p:tnLst>
       <p:par>
-        <p:cTn id="1" dur="indefinite" restart="never" nodeType="tmRoot"/>
+        <p:cTn xmlns:p14="http://schemas.microsoft.com/office/powerpoint/2010/main" id="1" dur="indefinite" restart="never" nodeType="tmRoot"/>
       </p:par>
     </p:tnLst>
   </p:timing>
@@ -32772,25 +32677,25 @@
     </p:spTree>
     <p:extLst>
       <p:ext uri="{BB962C8B-B14F-4D97-AF65-F5344CB8AC3E}">
-        <p14:creationId xmlns:p14="http://schemas.microsoft.com/office/powerpoint/2010/main" xmlns="" val="3303920882"/>
+        <p14:creationId xmlns:p14="http://schemas.microsoft.com/office/powerpoint/2010/main" val="3303920882"/>
       </p:ext>
     </p:extLst>
   </p:cSld>
   <p:clrMapOvr>
     <a:masterClrMapping/>
   </p:clrMapOvr>
-  <mc:AlternateContent xmlns:mc="http://schemas.openxmlformats.org/markup-compatibility/2006">
-    <mc:Choice xmlns:p14="http://schemas.microsoft.com/office/powerpoint/2010/main" xmlns="" Requires="p14">
+  <mc:AlternateContent xmlns:mc="http://schemas.openxmlformats.org/markup-compatibility/2006" xmlns:p14="http://schemas.microsoft.com/office/powerpoint/2010/main">
+    <mc:Choice Requires="p14">
       <p:transition spd="slow" p14:dur="2000"/>
     </mc:Choice>
-    <mc:Fallback>
+    <mc:Fallback xmlns="">
       <p:transition spd="slow"/>
     </mc:Fallback>
   </mc:AlternateContent>
   <p:timing>
     <p:tnLst>
       <p:par>
-        <p:cTn id="1" dur="indefinite" restart="never" nodeType="tmRoot"/>
+        <p:cTn xmlns:p14="http://schemas.microsoft.com/office/powerpoint/2010/main" id="1" dur="indefinite" restart="never" nodeType="tmRoot"/>
       </p:par>
     </p:tnLst>
   </p:timing>
@@ -33075,7 +32980,7 @@
   <p:timing>
     <p:tnLst>
       <p:par>
-        <p:cTn id="1" dur="indefinite" restart="never" nodeType="tmRoot">
+        <p:cTn xmlns:p14="http://schemas.microsoft.com/office/powerpoint/2010/main" id="1" dur="indefinite" restart="never" nodeType="tmRoot">
           <p:childTnLst>
             <p:seq>
               <p:cTn id="2" nodeType="mainSeq"/>
@@ -33412,7 +33317,7 @@
   <p:timing>
     <p:tnLst>
       <p:par>
-        <p:cTn id="1" dur="indefinite" restart="never" nodeType="tmRoot">
+        <p:cTn xmlns:p14="http://schemas.microsoft.com/office/powerpoint/2010/main" id="1" dur="indefinite" restart="never" nodeType="tmRoot">
           <p:childTnLst>
             <p:seq>
               <p:cTn id="2" nodeType="mainSeq"/>
@@ -33756,7 +33661,7 @@
   <p:timing>
     <p:tnLst>
       <p:par>
-        <p:cTn id="1" dur="indefinite" restart="never" nodeType="tmRoot">
+        <p:cTn xmlns:p14="http://schemas.microsoft.com/office/powerpoint/2010/main" id="1" dur="indefinite" restart="never" nodeType="tmRoot">
           <p:childTnLst>
             <p:seq>
               <p:cTn id="2" nodeType="mainSeq"/>
@@ -34125,7 +34030,7 @@
   <p:timing>
     <p:tnLst>
       <p:par>
-        <p:cTn id="1" dur="indefinite" restart="never" nodeType="tmRoot">
+        <p:cTn xmlns:p14="http://schemas.microsoft.com/office/powerpoint/2010/main" id="1" dur="indefinite" restart="never" nodeType="tmRoot">
           <p:childTnLst>
             <p:seq>
               <p:cTn id="2" nodeType="mainSeq"/>
@@ -34379,7 +34284,7 @@
   <p:timing>
     <p:tnLst>
       <p:par>
-        <p:cTn id="1" dur="indefinite" restart="never" nodeType="tmRoot">
+        <p:cTn xmlns:p14="http://schemas.microsoft.com/office/powerpoint/2010/main" id="1" dur="indefinite" restart="never" nodeType="tmRoot">
           <p:childTnLst>
             <p:seq>
               <p:cTn id="2" nodeType="mainSeq"/>
@@ -34625,7 +34530,7 @@
   <p:timing>
     <p:tnLst>
       <p:par>
-        <p:cTn id="1" dur="indefinite" restart="never" nodeType="tmRoot">
+        <p:cTn xmlns:p14="http://schemas.microsoft.com/office/powerpoint/2010/main" id="1" dur="indefinite" restart="never" nodeType="tmRoot">
           <p:childTnLst>
             <p:seq>
               <p:cTn id="2" nodeType="mainSeq"/>
@@ -34990,25 +34895,25 @@
     </p:spTree>
     <p:extLst>
       <p:ext uri="{BB962C8B-B14F-4D97-AF65-F5344CB8AC3E}">
-        <p14:creationId xmlns:p14="http://schemas.microsoft.com/office/powerpoint/2010/main" xmlns="" val="2978215168"/>
+        <p14:creationId xmlns:p14="http://schemas.microsoft.com/office/powerpoint/2010/main" val="2978215168"/>
       </p:ext>
     </p:extLst>
   </p:cSld>
   <p:clrMapOvr>
     <a:masterClrMapping/>
   </p:clrMapOvr>
-  <mc:AlternateContent xmlns:mc="http://schemas.openxmlformats.org/markup-compatibility/2006">
-    <mc:Choice xmlns:p14="http://schemas.microsoft.com/office/powerpoint/2010/main" xmlns="" Requires="p14">
+  <mc:AlternateContent xmlns:mc="http://schemas.openxmlformats.org/markup-compatibility/2006" xmlns:p14="http://schemas.microsoft.com/office/powerpoint/2010/main">
+    <mc:Choice Requires="p14">
       <p:transition spd="slow" p14:dur="2000"/>
     </mc:Choice>
-    <mc:Fallback>
+    <mc:Fallback xmlns="">
       <p:transition spd="slow"/>
     </mc:Fallback>
   </mc:AlternateContent>
   <p:timing>
     <p:tnLst>
       <p:par>
-        <p:cTn id="1" dur="indefinite" restart="never" nodeType="tmRoot"/>
+        <p:cTn xmlns:p14="http://schemas.microsoft.com/office/powerpoint/2010/main" id="1" dur="indefinite" restart="never" nodeType="tmRoot"/>
       </p:par>
     </p:tnLst>
   </p:timing>
@@ -35234,7 +35139,7 @@
   <p:timing>
     <p:tnLst>
       <p:par>
-        <p:cTn id="1" dur="indefinite" restart="never" nodeType="tmRoot">
+        <p:cTn xmlns:p14="http://schemas.microsoft.com/office/powerpoint/2010/main" id="1" dur="indefinite" restart="never" nodeType="tmRoot">
           <p:childTnLst>
             <p:seq>
               <p:cTn id="2" nodeType="mainSeq"/>
@@ -35526,7 +35431,7 @@
   <p:timing>
     <p:tnLst>
       <p:par>
-        <p:cTn id="1" dur="indefinite" restart="never" nodeType="tmRoot">
+        <p:cTn xmlns:p14="http://schemas.microsoft.com/office/powerpoint/2010/main" id="1" dur="indefinite" restart="never" nodeType="tmRoot">
           <p:childTnLst>
             <p:seq>
               <p:cTn id="2" nodeType="mainSeq"/>
@@ -35785,7 +35690,7 @@
   <p:timing>
     <p:tnLst>
       <p:par>
-        <p:cTn id="1" dur="indefinite" restart="never" nodeType="tmRoot">
+        <p:cTn xmlns:p14="http://schemas.microsoft.com/office/powerpoint/2010/main" id="1" dur="indefinite" restart="never" nodeType="tmRoot">
           <p:childTnLst>
             <p:seq>
               <p:cTn id="2" nodeType="mainSeq"/>
@@ -36011,7 +35916,7 @@
   <p:timing>
     <p:tnLst>
       <p:par>
-        <p:cTn id="1" dur="indefinite" restart="never" nodeType="tmRoot">
+        <p:cTn xmlns:p14="http://schemas.microsoft.com/office/powerpoint/2010/main" id="1" dur="indefinite" restart="never" nodeType="tmRoot">
           <p:childTnLst>
             <p:seq>
               <p:cTn id="2" nodeType="mainSeq"/>
@@ -36255,7 +36160,7 @@
   <p:timing>
     <p:tnLst>
       <p:par>
-        <p:cTn id="1" dur="indefinite" restart="never" nodeType="tmRoot">
+        <p:cTn xmlns:p14="http://schemas.microsoft.com/office/powerpoint/2010/main" id="1" dur="indefinite" restart="never" nodeType="tmRoot">
           <p:childTnLst>
             <p:seq>
               <p:cTn id="2" nodeType="mainSeq"/>
@@ -36521,7 +36426,7 @@
   <p:timing>
     <p:tnLst>
       <p:par>
-        <p:cTn id="1" dur="indefinite" restart="never" nodeType="tmRoot">
+        <p:cTn xmlns:p14="http://schemas.microsoft.com/office/powerpoint/2010/main" id="1" dur="indefinite" restart="never" nodeType="tmRoot">
           <p:childTnLst>
             <p:seq>
               <p:cTn id="2" nodeType="mainSeq"/>
@@ -36792,7 +36697,7 @@
   <p:timing>
     <p:tnLst>
       <p:par>
-        <p:cTn id="1" dur="indefinite" restart="never" nodeType="tmRoot">
+        <p:cTn xmlns:p14="http://schemas.microsoft.com/office/powerpoint/2010/main" id="1" dur="indefinite" restart="never" nodeType="tmRoot">
           <p:childTnLst>
             <p:seq>
               <p:cTn id="2" nodeType="mainSeq"/>
@@ -37050,7 +36955,7 @@
   <p:timing>
     <p:tnLst>
       <p:par>
-        <p:cTn id="1" dur="indefinite" restart="never" nodeType="tmRoot">
+        <p:cTn xmlns:p14="http://schemas.microsoft.com/office/powerpoint/2010/main" id="1" dur="indefinite" restart="never" nodeType="tmRoot">
           <p:childTnLst>
             <p:seq>
               <p:cTn id="2" nodeType="mainSeq"/>
@@ -37106,7 +37011,7 @@
           <a:blip r:embed="rId2" cstate="print">
             <a:extLst>
               <a:ext uri="{28A0092B-C50C-407E-A947-70E740481C1C}">
-                <a14:useLocalDpi xmlns:a14="http://schemas.microsoft.com/office/drawing/2010/main" xmlns="" val="0"/>
+                <a14:useLocalDpi xmlns:a14="http://schemas.microsoft.com/office/drawing/2010/main" val="0"/>
               </a:ext>
             </a:extLst>
           </a:blip>
@@ -37126,7 +37031,7 @@
           <a:noFill/>
           <a:extLst>
             <a:ext uri="{909E8E84-426E-40dd-AFC4-6F175D3DCCD1}">
-              <a14:hiddenFill xmlns:a14="http://schemas.microsoft.com/office/drawing/2010/main" xmlns="">
+              <a14:hiddenFill xmlns:a14="http://schemas.microsoft.com/office/drawing/2010/main">
                 <a:solidFill>
                   <a:srgbClr val="FFFFFF"/>
                 </a:solidFill>
@@ -37209,25 +37114,25 @@
     </p:spTree>
     <p:extLst>
       <p:ext uri="{BB962C8B-B14F-4D97-AF65-F5344CB8AC3E}">
-        <p14:creationId xmlns:p14="http://schemas.microsoft.com/office/powerpoint/2010/main" xmlns="" val="2252746867"/>
+        <p14:creationId xmlns:p14="http://schemas.microsoft.com/office/powerpoint/2010/main" val="2252746867"/>
       </p:ext>
     </p:extLst>
   </p:cSld>
   <p:clrMapOvr>
     <a:masterClrMapping/>
   </p:clrMapOvr>
-  <mc:AlternateContent xmlns:mc="http://schemas.openxmlformats.org/markup-compatibility/2006">
-    <mc:Choice xmlns:p14="http://schemas.microsoft.com/office/powerpoint/2010/main" xmlns="" Requires="p14">
+  <mc:AlternateContent xmlns:mc="http://schemas.openxmlformats.org/markup-compatibility/2006" xmlns:p14="http://schemas.microsoft.com/office/powerpoint/2010/main">
+    <mc:Choice Requires="p14">
       <p:transition spd="slow" p14:dur="2000"/>
     </mc:Choice>
-    <mc:Fallback>
+    <mc:Fallback xmlns="">
       <p:transition spd="slow"/>
     </mc:Fallback>
   </mc:AlternateContent>
   <p:timing>
     <p:tnLst>
       <p:par>
-        <p:cTn id="1" dur="indefinite" restart="never" nodeType="tmRoot"/>
+        <p:cTn xmlns:p14="http://schemas.microsoft.com/office/powerpoint/2010/main" id="1" dur="indefinite" restart="never" nodeType="tmRoot"/>
       </p:par>
     </p:tnLst>
   </p:timing>
@@ -37584,25 +37489,25 @@
     </p:spTree>
     <p:extLst>
       <p:ext uri="{BB962C8B-B14F-4D97-AF65-F5344CB8AC3E}">
-        <p14:creationId xmlns:p14="http://schemas.microsoft.com/office/powerpoint/2010/main" xmlns="" val="3564990699"/>
+        <p14:creationId xmlns:p14="http://schemas.microsoft.com/office/powerpoint/2010/main" val="3564990699"/>
       </p:ext>
     </p:extLst>
   </p:cSld>
   <p:clrMapOvr>
     <a:masterClrMapping/>
   </p:clrMapOvr>
-  <mc:AlternateContent xmlns:mc="http://schemas.openxmlformats.org/markup-compatibility/2006">
-    <mc:Choice xmlns:p14="http://schemas.microsoft.com/office/powerpoint/2010/main" xmlns="" Requires="p14">
+  <mc:AlternateContent xmlns:mc="http://schemas.openxmlformats.org/markup-compatibility/2006" xmlns:p14="http://schemas.microsoft.com/office/powerpoint/2010/main">
+    <mc:Choice Requires="p14">
       <p:transition spd="slow" p14:dur="2000"/>
     </mc:Choice>
-    <mc:Fallback>
+    <mc:Fallback xmlns="">
       <p:transition spd="slow"/>
     </mc:Fallback>
   </mc:AlternateContent>
   <p:timing>
     <p:tnLst>
       <p:par>
-        <p:cTn id="1" dur="indefinite" restart="never" nodeType="tmRoot"/>
+        <p:cTn xmlns:p14="http://schemas.microsoft.com/office/powerpoint/2010/main" id="1" dur="indefinite" restart="never" nodeType="tmRoot"/>
       </p:par>
     </p:tnLst>
   </p:timing>
